--- a/docs/images/common/zowe-architecture.pptx
+++ b/docs/images/common/zowe-architecture.pptx
@@ -259,7 +259,7 @@
           <a:p>
             <a:fld id="{B1DB1BE8-3F77-D044-8747-9903AC5CD864}" type="datetimeFigureOut">
               <a:rPr lang="en-US" smtClean="0"/>
-              <a:t>2/8/2019</a:t>
+              <a:t>2/12/2019</a:t>
             </a:fld>
             <a:endParaRPr lang="en-US"/>
           </a:p>
@@ -457,7 +457,7 @@
           <a:p>
             <a:fld id="{B1DB1BE8-3F77-D044-8747-9903AC5CD864}" type="datetimeFigureOut">
               <a:rPr lang="en-US" smtClean="0"/>
-              <a:t>2/8/2019</a:t>
+              <a:t>2/12/2019</a:t>
             </a:fld>
             <a:endParaRPr lang="en-US"/>
           </a:p>
@@ -665,7 +665,7 @@
           <a:p>
             <a:fld id="{B1DB1BE8-3F77-D044-8747-9903AC5CD864}" type="datetimeFigureOut">
               <a:rPr lang="en-US" smtClean="0"/>
-              <a:t>2/8/2019</a:t>
+              <a:t>2/12/2019</a:t>
             </a:fld>
             <a:endParaRPr lang="en-US"/>
           </a:p>
@@ -863,7 +863,7 @@
           <a:p>
             <a:fld id="{B1DB1BE8-3F77-D044-8747-9903AC5CD864}" type="datetimeFigureOut">
               <a:rPr lang="en-US" smtClean="0"/>
-              <a:t>2/8/2019</a:t>
+              <a:t>2/12/2019</a:t>
             </a:fld>
             <a:endParaRPr lang="en-US"/>
           </a:p>
@@ -1138,7 +1138,7 @@
           <a:p>
             <a:fld id="{B1DB1BE8-3F77-D044-8747-9903AC5CD864}" type="datetimeFigureOut">
               <a:rPr lang="en-US" smtClean="0"/>
-              <a:t>2/8/2019</a:t>
+              <a:t>2/12/2019</a:t>
             </a:fld>
             <a:endParaRPr lang="en-US"/>
           </a:p>
@@ -1403,7 +1403,7 @@
           <a:p>
             <a:fld id="{B1DB1BE8-3F77-D044-8747-9903AC5CD864}" type="datetimeFigureOut">
               <a:rPr lang="en-US" smtClean="0"/>
-              <a:t>2/8/2019</a:t>
+              <a:t>2/12/2019</a:t>
             </a:fld>
             <a:endParaRPr lang="en-US"/>
           </a:p>
@@ -1815,7 +1815,7 @@
           <a:p>
             <a:fld id="{B1DB1BE8-3F77-D044-8747-9903AC5CD864}" type="datetimeFigureOut">
               <a:rPr lang="en-US" smtClean="0"/>
-              <a:t>2/8/2019</a:t>
+              <a:t>2/12/2019</a:t>
             </a:fld>
             <a:endParaRPr lang="en-US"/>
           </a:p>
@@ -1956,7 +1956,7 @@
           <a:p>
             <a:fld id="{B1DB1BE8-3F77-D044-8747-9903AC5CD864}" type="datetimeFigureOut">
               <a:rPr lang="en-US" smtClean="0"/>
-              <a:t>2/8/2019</a:t>
+              <a:t>2/12/2019</a:t>
             </a:fld>
             <a:endParaRPr lang="en-US"/>
           </a:p>
@@ -2069,7 +2069,7 @@
           <a:p>
             <a:fld id="{B1DB1BE8-3F77-D044-8747-9903AC5CD864}" type="datetimeFigureOut">
               <a:rPr lang="en-US" smtClean="0"/>
-              <a:t>2/8/2019</a:t>
+              <a:t>2/12/2019</a:t>
             </a:fld>
             <a:endParaRPr lang="en-US"/>
           </a:p>
@@ -2380,7 +2380,7 @@
           <a:p>
             <a:fld id="{B1DB1BE8-3F77-D044-8747-9903AC5CD864}" type="datetimeFigureOut">
               <a:rPr lang="en-US" smtClean="0"/>
-              <a:t>2/8/2019</a:t>
+              <a:t>2/12/2019</a:t>
             </a:fld>
             <a:endParaRPr lang="en-US"/>
           </a:p>
@@ -2668,7 +2668,7 @@
           <a:p>
             <a:fld id="{B1DB1BE8-3F77-D044-8747-9903AC5CD864}" type="datetimeFigureOut">
               <a:rPr lang="en-US" smtClean="0"/>
-              <a:t>2/8/2019</a:t>
+              <a:t>2/12/2019</a:t>
             </a:fld>
             <a:endParaRPr lang="en-US"/>
           </a:p>
@@ -2909,7 +2909,7 @@
           <a:p>
             <a:fld id="{B1DB1BE8-3F77-D044-8747-9903AC5CD864}" type="datetimeFigureOut">
               <a:rPr lang="en-US" smtClean="0"/>
-              <a:t>2/8/2019</a:t>
+              <a:t>2/12/2019</a:t>
             </a:fld>
             <a:endParaRPr lang="en-US"/>
           </a:p>
@@ -5232,50 +5232,6 @@
       </p:sp>
       <p:cxnSp>
         <p:nvCxnSpPr>
-          <p:cNvPr id="63" name="Elbow Connector 62">
-            <a:extLst>
-              <a:ext uri="{FF2B5EF4-FFF2-40B4-BE49-F238E27FC236}">
-                <a16:creationId xmlns:a16="http://schemas.microsoft.com/office/drawing/2014/main" id="{7D8D3EAB-DFC7-9B42-BA25-E16D4D26B53E}"/>
-              </a:ext>
-            </a:extLst>
-          </p:cNvPr>
-          <p:cNvCxnSpPr>
-            <a:cxnSpLocks/>
-          </p:cNvCxnSpPr>
-          <p:nvPr/>
-        </p:nvCxnSpPr>
-        <p:spPr>
-          <a:xfrm flipV="1">
-            <a:off x="5988816" y="3873644"/>
-            <a:ext cx="1003655" cy="285881"/>
-          </a:xfrm>
-          <a:prstGeom prst="bentConnector3">
-            <a:avLst>
-              <a:gd name="adj1" fmla="val 50000"/>
-            </a:avLst>
-          </a:prstGeom>
-          <a:ln>
-            <a:headEnd type="triangle"/>
-            <a:tailEnd type="triangle"/>
-          </a:ln>
-        </p:spPr>
-        <p:style>
-          <a:lnRef idx="1">
-            <a:schemeClr val="accent1"/>
-          </a:lnRef>
-          <a:fillRef idx="0">
-            <a:schemeClr val="accent1"/>
-          </a:fillRef>
-          <a:effectRef idx="0">
-            <a:schemeClr val="accent1"/>
-          </a:effectRef>
-          <a:fontRef idx="minor">
-            <a:schemeClr val="tx1"/>
-          </a:fontRef>
-        </p:style>
-      </p:cxnSp>
-      <p:cxnSp>
-        <p:nvCxnSpPr>
           <p:cNvPr id="65" name="Elbow Connector 64">
             <a:extLst>
               <a:ext uri="{FF2B5EF4-FFF2-40B4-BE49-F238E27FC236}">
@@ -6372,68 +6328,6 @@
               <a:t>Zowe-install.apf-server.yaml</a:t>
             </a:r>
             <a:endParaRPr lang="en-US" sz="1200" b="1" dirty="0"/>
-          </a:p>
-        </p:txBody>
-      </p:sp>
-      <p:sp>
-        <p:nvSpPr>
-          <p:cNvPr id="66" name="Rectangle 65">
-            <a:extLst>
-              <a:ext uri="{FF2B5EF4-FFF2-40B4-BE49-F238E27FC236}">
-                <a16:creationId xmlns:a16="http://schemas.microsoft.com/office/drawing/2014/main" id="{2F710D5B-4AB8-124B-8753-D88640B44EDE}"/>
-              </a:ext>
-            </a:extLst>
-          </p:cNvPr>
-          <p:cNvSpPr/>
-          <p:nvPr/>
-        </p:nvSpPr>
-        <p:spPr>
-          <a:xfrm>
-            <a:off x="7013928" y="3752431"/>
-            <a:ext cx="634760" cy="296879"/>
-          </a:xfrm>
-          <a:prstGeom prst="rect">
-            <a:avLst/>
-          </a:prstGeom>
-          <a:solidFill>
-            <a:schemeClr val="accent4">
-              <a:lumMod val="20000"/>
-              <a:lumOff val="80000"/>
-            </a:schemeClr>
-          </a:solidFill>
-        </p:spPr>
-        <p:style>
-          <a:lnRef idx="2">
-            <a:schemeClr val="accent1">
-              <a:shade val="50000"/>
-            </a:schemeClr>
-          </a:lnRef>
-          <a:fillRef idx="1">
-            <a:schemeClr val="accent1"/>
-          </a:fillRef>
-          <a:effectRef idx="0">
-            <a:schemeClr val="accent1"/>
-          </a:effectRef>
-          <a:fontRef idx="minor">
-            <a:schemeClr val="lt1"/>
-          </a:fontRef>
-        </p:style>
-        <p:txBody>
-          <a:bodyPr rtlCol="0" anchor="ctr"/>
-          <a:lstStyle/>
-          <a:p>
-            <a:pPr algn="ctr"/>
-            <a:r>
-              <a:rPr lang="en-US" sz="1000" dirty="0">
-                <a:solidFill>
-                  <a:schemeClr val="tx1"/>
-                </a:solidFill>
-                <a:latin typeface="Menlo" panose="020B0609030804020204" pitchFamily="49" charset="0"/>
-                <a:ea typeface="Menlo" panose="020B0609030804020204" pitchFamily="49" charset="0"/>
-                <a:cs typeface="Menlo" panose="020B0609030804020204" pitchFamily="49" charset="0"/>
-              </a:rPr>
-              <a:t>JMON</a:t>
-            </a:r>
           </a:p>
         </p:txBody>
       </p:sp>

--- a/docs/images/common/zowe-architecture.pptx
+++ b/docs/images/common/zowe-architecture.pptx
@@ -259,7 +259,7 @@
           <a:p>
             <a:fld id="{B1DB1BE8-3F77-D044-8747-9903AC5CD864}" type="datetimeFigureOut">
               <a:rPr lang="en-US" smtClean="0"/>
-              <a:t>2/12/2019</a:t>
+              <a:t>2/22/2019</a:t>
             </a:fld>
             <a:endParaRPr lang="en-US"/>
           </a:p>
@@ -457,7 +457,7 @@
           <a:p>
             <a:fld id="{B1DB1BE8-3F77-D044-8747-9903AC5CD864}" type="datetimeFigureOut">
               <a:rPr lang="en-US" smtClean="0"/>
-              <a:t>2/12/2019</a:t>
+              <a:t>2/22/2019</a:t>
             </a:fld>
             <a:endParaRPr lang="en-US"/>
           </a:p>
@@ -665,7 +665,7 @@
           <a:p>
             <a:fld id="{B1DB1BE8-3F77-D044-8747-9903AC5CD864}" type="datetimeFigureOut">
               <a:rPr lang="en-US" smtClean="0"/>
-              <a:t>2/12/2019</a:t>
+              <a:t>2/22/2019</a:t>
             </a:fld>
             <a:endParaRPr lang="en-US"/>
           </a:p>
@@ -863,7 +863,7 @@
           <a:p>
             <a:fld id="{B1DB1BE8-3F77-D044-8747-9903AC5CD864}" type="datetimeFigureOut">
               <a:rPr lang="en-US" smtClean="0"/>
-              <a:t>2/12/2019</a:t>
+              <a:t>2/22/2019</a:t>
             </a:fld>
             <a:endParaRPr lang="en-US"/>
           </a:p>
@@ -1138,7 +1138,7 @@
           <a:p>
             <a:fld id="{B1DB1BE8-3F77-D044-8747-9903AC5CD864}" type="datetimeFigureOut">
               <a:rPr lang="en-US" smtClean="0"/>
-              <a:t>2/12/2019</a:t>
+              <a:t>2/22/2019</a:t>
             </a:fld>
             <a:endParaRPr lang="en-US"/>
           </a:p>
@@ -1403,7 +1403,7 @@
           <a:p>
             <a:fld id="{B1DB1BE8-3F77-D044-8747-9903AC5CD864}" type="datetimeFigureOut">
               <a:rPr lang="en-US" smtClean="0"/>
-              <a:t>2/12/2019</a:t>
+              <a:t>2/22/2019</a:t>
             </a:fld>
             <a:endParaRPr lang="en-US"/>
           </a:p>
@@ -1815,7 +1815,7 @@
           <a:p>
             <a:fld id="{B1DB1BE8-3F77-D044-8747-9903AC5CD864}" type="datetimeFigureOut">
               <a:rPr lang="en-US" smtClean="0"/>
-              <a:t>2/12/2019</a:t>
+              <a:t>2/22/2019</a:t>
             </a:fld>
             <a:endParaRPr lang="en-US"/>
           </a:p>
@@ -1956,7 +1956,7 @@
           <a:p>
             <a:fld id="{B1DB1BE8-3F77-D044-8747-9903AC5CD864}" type="datetimeFigureOut">
               <a:rPr lang="en-US" smtClean="0"/>
-              <a:t>2/12/2019</a:t>
+              <a:t>2/22/2019</a:t>
             </a:fld>
             <a:endParaRPr lang="en-US"/>
           </a:p>
@@ -2069,7 +2069,7 @@
           <a:p>
             <a:fld id="{B1DB1BE8-3F77-D044-8747-9903AC5CD864}" type="datetimeFigureOut">
               <a:rPr lang="en-US" smtClean="0"/>
-              <a:t>2/12/2019</a:t>
+              <a:t>2/22/2019</a:t>
             </a:fld>
             <a:endParaRPr lang="en-US"/>
           </a:p>
@@ -2380,7 +2380,7 @@
           <a:p>
             <a:fld id="{B1DB1BE8-3F77-D044-8747-9903AC5CD864}" type="datetimeFigureOut">
               <a:rPr lang="en-US" smtClean="0"/>
-              <a:t>2/12/2019</a:t>
+              <a:t>2/22/2019</a:t>
             </a:fld>
             <a:endParaRPr lang="en-US"/>
           </a:p>
@@ -2668,7 +2668,7 @@
           <a:p>
             <a:fld id="{B1DB1BE8-3F77-D044-8747-9903AC5CD864}" type="datetimeFigureOut">
               <a:rPr lang="en-US" smtClean="0"/>
-              <a:t>2/12/2019</a:t>
+              <a:t>2/22/2019</a:t>
             </a:fld>
             <a:endParaRPr lang="en-US"/>
           </a:p>
@@ -2909,7 +2909,7 @@
           <a:p>
             <a:fld id="{B1DB1BE8-3F77-D044-8747-9903AC5CD864}" type="datetimeFigureOut">
               <a:rPr lang="en-US" smtClean="0"/>
-              <a:t>2/12/2019</a:t>
+              <a:t>2/22/2019</a:t>
             </a:fld>
             <a:endParaRPr lang="en-US"/>
           </a:p>
@@ -4500,7 +4500,7 @@
                 <a:ea typeface="Menlo" panose="020B0609030804020204" pitchFamily="49" charset="0"/>
                 <a:cs typeface="Menlo" panose="020B0609030804020204" pitchFamily="49" charset="0"/>
               </a:rPr>
-              <a:t>ZISSRV01</a:t>
+              <a:t>ZWESIS01</a:t>
             </a:r>
           </a:p>
           <a:p>
@@ -4514,29 +4514,7 @@
                 <a:ea typeface="Menlo" panose="020B0609030804020204" pitchFamily="49" charset="0"/>
                 <a:cs typeface="Menlo" panose="020B0609030804020204" pitchFamily="49" charset="0"/>
               </a:rPr>
-              <a:t>APF </a:t>
-            </a:r>
-            <a:r>
-              <a:rPr lang="en-US" sz="1000" dirty="0" err="1">
-                <a:solidFill>
-                  <a:schemeClr val="tx1"/>
-                </a:solidFill>
-                <a:latin typeface="Menlo" panose="020B0609030804020204" pitchFamily="49" charset="0"/>
-                <a:ea typeface="Menlo" panose="020B0609030804020204" pitchFamily="49" charset="0"/>
-                <a:cs typeface="Menlo" panose="020B0609030804020204" pitchFamily="49" charset="0"/>
-              </a:rPr>
-              <a:t>Auth</a:t>
-            </a:r>
-            <a:r>
-              <a:rPr lang="en-US" sz="1000" dirty="0">
-                <a:solidFill>
-                  <a:schemeClr val="tx1"/>
-                </a:solidFill>
-                <a:latin typeface="Menlo" panose="020B0609030804020204" pitchFamily="49" charset="0"/>
-                <a:ea typeface="Menlo" panose="020B0609030804020204" pitchFamily="49" charset="0"/>
-                <a:cs typeface="Menlo" panose="020B0609030804020204" pitchFamily="49" charset="0"/>
-              </a:rPr>
-              <a:t> load Lib</a:t>
+              <a:t>APF Auth load Lib</a:t>
             </a:r>
           </a:p>
         </p:txBody>

--- a/docs/images/common/zowe-architecture.pptx
+++ b/docs/images/common/zowe-architecture.pptx
@@ -5,7 +5,7 @@
     <p:sldMasterId id="2147483648" r:id="rId1"/>
   </p:sldMasterIdLst>
   <p:sldIdLst>
-    <p:sldId id="266" r:id="rId2"/>
+    <p:sldId id="267" r:id="rId2"/>
   </p:sldIdLst>
   <p:sldSz cx="12192000" cy="6858000"/>
   <p:notesSz cx="6858000" cy="9144000"/>
@@ -259,7 +259,7 @@
           <a:p>
             <a:fld id="{B1DB1BE8-3F77-D044-8747-9903AC5CD864}" type="datetimeFigureOut">
               <a:rPr lang="en-US" smtClean="0"/>
-              <a:t>2/22/2019</a:t>
+              <a:t>6/21/19</a:t>
             </a:fld>
             <a:endParaRPr lang="en-US"/>
           </a:p>
@@ -457,7 +457,7 @@
           <a:p>
             <a:fld id="{B1DB1BE8-3F77-D044-8747-9903AC5CD864}" type="datetimeFigureOut">
               <a:rPr lang="en-US" smtClean="0"/>
-              <a:t>2/22/2019</a:t>
+              <a:t>6/21/19</a:t>
             </a:fld>
             <a:endParaRPr lang="en-US"/>
           </a:p>
@@ -665,7 +665,7 @@
           <a:p>
             <a:fld id="{B1DB1BE8-3F77-D044-8747-9903AC5CD864}" type="datetimeFigureOut">
               <a:rPr lang="en-US" smtClean="0"/>
-              <a:t>2/22/2019</a:t>
+              <a:t>6/21/19</a:t>
             </a:fld>
             <a:endParaRPr lang="en-US"/>
           </a:p>
@@ -863,7 +863,7 @@
           <a:p>
             <a:fld id="{B1DB1BE8-3F77-D044-8747-9903AC5CD864}" type="datetimeFigureOut">
               <a:rPr lang="en-US" smtClean="0"/>
-              <a:t>2/22/2019</a:t>
+              <a:t>6/21/19</a:t>
             </a:fld>
             <a:endParaRPr lang="en-US"/>
           </a:p>
@@ -1138,7 +1138,7 @@
           <a:p>
             <a:fld id="{B1DB1BE8-3F77-D044-8747-9903AC5CD864}" type="datetimeFigureOut">
               <a:rPr lang="en-US" smtClean="0"/>
-              <a:t>2/22/2019</a:t>
+              <a:t>6/21/19</a:t>
             </a:fld>
             <a:endParaRPr lang="en-US"/>
           </a:p>
@@ -1403,7 +1403,7 @@
           <a:p>
             <a:fld id="{B1DB1BE8-3F77-D044-8747-9903AC5CD864}" type="datetimeFigureOut">
               <a:rPr lang="en-US" smtClean="0"/>
-              <a:t>2/22/2019</a:t>
+              <a:t>6/21/19</a:t>
             </a:fld>
             <a:endParaRPr lang="en-US"/>
           </a:p>
@@ -1815,7 +1815,7 @@
           <a:p>
             <a:fld id="{B1DB1BE8-3F77-D044-8747-9903AC5CD864}" type="datetimeFigureOut">
               <a:rPr lang="en-US" smtClean="0"/>
-              <a:t>2/22/2019</a:t>
+              <a:t>6/21/19</a:t>
             </a:fld>
             <a:endParaRPr lang="en-US"/>
           </a:p>
@@ -1956,7 +1956,7 @@
           <a:p>
             <a:fld id="{B1DB1BE8-3F77-D044-8747-9903AC5CD864}" type="datetimeFigureOut">
               <a:rPr lang="en-US" smtClean="0"/>
-              <a:t>2/22/2019</a:t>
+              <a:t>6/21/19</a:t>
             </a:fld>
             <a:endParaRPr lang="en-US"/>
           </a:p>
@@ -2069,7 +2069,7 @@
           <a:p>
             <a:fld id="{B1DB1BE8-3F77-D044-8747-9903AC5CD864}" type="datetimeFigureOut">
               <a:rPr lang="en-US" smtClean="0"/>
-              <a:t>2/22/2019</a:t>
+              <a:t>6/21/19</a:t>
             </a:fld>
             <a:endParaRPr lang="en-US"/>
           </a:p>
@@ -2380,7 +2380,7 @@
           <a:p>
             <a:fld id="{B1DB1BE8-3F77-D044-8747-9903AC5CD864}" type="datetimeFigureOut">
               <a:rPr lang="en-US" smtClean="0"/>
-              <a:t>2/22/2019</a:t>
+              <a:t>6/21/19</a:t>
             </a:fld>
             <a:endParaRPr lang="en-US"/>
           </a:p>
@@ -2668,7 +2668,7 @@
           <a:p>
             <a:fld id="{B1DB1BE8-3F77-D044-8747-9903AC5CD864}" type="datetimeFigureOut">
               <a:rPr lang="en-US" smtClean="0"/>
-              <a:t>2/22/2019</a:t>
+              <a:t>6/21/19</a:t>
             </a:fld>
             <a:endParaRPr lang="en-US"/>
           </a:p>
@@ -2909,7 +2909,7 @@
           <a:p>
             <a:fld id="{B1DB1BE8-3F77-D044-8747-9903AC5CD864}" type="datetimeFigureOut">
               <a:rPr lang="en-US" smtClean="0"/>
-              <a:t>2/22/2019</a:t>
+              <a:t>6/21/19</a:t>
             </a:fld>
             <a:endParaRPr lang="en-US"/>
           </a:p>
@@ -3328,10 +3328,10 @@
       </p:grpSpPr>
       <p:sp>
         <p:nvSpPr>
-          <p:cNvPr id="15" name="Rectangle 14">
-            <a:extLst>
-              <a:ext uri="{FF2B5EF4-FFF2-40B4-BE49-F238E27FC236}">
-                <a16:creationId xmlns:a16="http://schemas.microsoft.com/office/drawing/2014/main" id="{7D15F96E-A557-DF44-846E-CF9DB40F860F}"/>
+          <p:cNvPr id="115" name="Rectangle 114">
+            <a:extLst>
+              <a:ext uri="{FF2B5EF4-FFF2-40B4-BE49-F238E27FC236}">
+                <a16:creationId xmlns:a16="http://schemas.microsoft.com/office/drawing/2014/main" id="{68CAA2EB-FC5B-054F-B79C-91E24AB11FA1}"/>
               </a:ext>
             </a:extLst>
           </p:cNvPr>
@@ -3340,14 +3340,365 @@
         </p:nvSpPr>
         <p:spPr>
           <a:xfrm>
-            <a:off x="268287" y="1726622"/>
-            <a:ext cx="1853106" cy="4682530"/>
+            <a:off x="6846137" y="0"/>
+            <a:ext cx="1397988" cy="474353"/>
           </a:xfrm>
           <a:prstGeom prst="rect">
             <a:avLst/>
           </a:prstGeom>
+          <a:pattFill prst="pct20">
+            <a:fgClr>
+              <a:schemeClr val="accent1">
+                <a:lumMod val="20000"/>
+                <a:lumOff val="80000"/>
+              </a:schemeClr>
+            </a:fgClr>
+            <a:bgClr>
+              <a:schemeClr val="bg1"/>
+            </a:bgClr>
+          </a:pattFill>
+          <a:ln>
+            <a:prstDash val="solid"/>
+          </a:ln>
+        </p:spPr>
+        <p:style>
+          <a:lnRef idx="1">
+            <a:schemeClr val="accent1"/>
+          </a:lnRef>
+          <a:fillRef idx="3">
+            <a:schemeClr val="accent1"/>
+          </a:fillRef>
+          <a:effectRef idx="2">
+            <a:schemeClr val="accent1"/>
+          </a:effectRef>
+          <a:fontRef idx="minor">
+            <a:schemeClr val="lt1"/>
+          </a:fontRef>
+        </p:style>
+        <p:txBody>
+          <a:bodyPr rtlCol="0" anchor="ctr"/>
+          <a:lstStyle/>
+          <a:p>
+            <a:pPr algn="ctr"/>
+            <a:r>
+              <a:rPr lang="en-US" sz="1467" dirty="0">
+                <a:solidFill>
+                  <a:schemeClr val="tx1"/>
+                </a:solidFill>
+                <a:latin typeface="Menlo" charset="0"/>
+                <a:ea typeface="Menlo" charset="0"/>
+                <a:cs typeface="Menlo" charset="0"/>
+              </a:rPr>
+              <a:t>                 </a:t>
+            </a:r>
+          </a:p>
+          <a:p>
+            <a:pPr algn="ctr"/>
+            <a:endParaRPr lang="en-US" sz="1467" dirty="0">
+              <a:solidFill>
+                <a:schemeClr val="tx1"/>
+              </a:solidFill>
+              <a:latin typeface="Menlo" charset="0"/>
+              <a:ea typeface="Menlo" charset="0"/>
+              <a:cs typeface="Menlo" charset="0"/>
+            </a:endParaRPr>
+          </a:p>
+          <a:p>
+            <a:pPr algn="ctr"/>
+            <a:endParaRPr lang="en-US" sz="1467" dirty="0">
+              <a:solidFill>
+                <a:schemeClr val="tx1"/>
+              </a:solidFill>
+              <a:latin typeface="Menlo" charset="0"/>
+              <a:ea typeface="Menlo" charset="0"/>
+              <a:cs typeface="Menlo" charset="0"/>
+            </a:endParaRPr>
+          </a:p>
+        </p:txBody>
+      </p:sp>
+      <p:cxnSp>
+        <p:nvCxnSpPr>
+          <p:cNvPr id="20" name="Elbow Connector 19">
+            <a:extLst>
+              <a:ext uri="{FF2B5EF4-FFF2-40B4-BE49-F238E27FC236}">
+                <a16:creationId xmlns:a16="http://schemas.microsoft.com/office/drawing/2014/main" id="{463C5E49-921E-6E43-B468-6069E10CA099}"/>
+              </a:ext>
+            </a:extLst>
+          </p:cNvPr>
+          <p:cNvCxnSpPr>
+            <a:cxnSpLocks/>
+            <a:stCxn id="107" idx="2"/>
+          </p:cNvCxnSpPr>
+          <p:nvPr/>
+        </p:nvCxnSpPr>
+        <p:spPr>
+          <a:xfrm rot="16200000" flipH="1">
+            <a:off x="5430072" y="1416257"/>
+            <a:ext cx="1141031" cy="924724"/>
+          </a:xfrm>
+          <a:prstGeom prst="bentConnector3">
+            <a:avLst/>
+          </a:prstGeom>
+          <a:ln>
+            <a:headEnd type="triangle"/>
+            <a:tailEnd type="triangle"/>
+          </a:ln>
+        </p:spPr>
+        <p:style>
+          <a:lnRef idx="1">
+            <a:schemeClr val="accent1"/>
+          </a:lnRef>
+          <a:fillRef idx="0">
+            <a:schemeClr val="accent1"/>
+          </a:fillRef>
+          <a:effectRef idx="0">
+            <a:schemeClr val="accent1"/>
+          </a:effectRef>
+          <a:fontRef idx="minor">
+            <a:schemeClr val="tx1"/>
+          </a:fontRef>
+        </p:style>
+      </p:cxnSp>
+      <p:sp>
+        <p:nvSpPr>
+          <p:cNvPr id="107" name="Rectangle 106">
+            <a:extLst>
+              <a:ext uri="{FF2B5EF4-FFF2-40B4-BE49-F238E27FC236}">
+                <a16:creationId xmlns:a16="http://schemas.microsoft.com/office/drawing/2014/main" id="{47D63396-AC4D-5249-8BCF-E9058FDBA721}"/>
+              </a:ext>
+            </a:extLst>
+          </p:cNvPr>
+          <p:cNvSpPr/>
+          <p:nvPr/>
+        </p:nvSpPr>
+        <p:spPr>
+          <a:xfrm>
+            <a:off x="5122787" y="723469"/>
+            <a:ext cx="830876" cy="584635"/>
+          </a:xfrm>
+          <a:prstGeom prst="rect">
+            <a:avLst/>
+          </a:prstGeom>
           <a:solidFill>
-            <a:schemeClr val="accent1">
+            <a:schemeClr val="tx2">
+              <a:lumMod val="20000"/>
+              <a:lumOff val="80000"/>
+            </a:schemeClr>
+          </a:solidFill>
+          <a:ln>
+            <a:solidFill>
+              <a:schemeClr val="tx1"/>
+            </a:solidFill>
+          </a:ln>
+        </p:spPr>
+        <p:style>
+          <a:lnRef idx="1">
+            <a:schemeClr val="accent1"/>
+          </a:lnRef>
+          <a:fillRef idx="3">
+            <a:schemeClr val="accent1"/>
+          </a:fillRef>
+          <a:effectRef idx="2">
+            <a:schemeClr val="accent1"/>
+          </a:effectRef>
+          <a:fontRef idx="minor">
+            <a:schemeClr val="lt1"/>
+          </a:fontRef>
+        </p:style>
+        <p:txBody>
+          <a:bodyPr rtlCol="0" anchor="ctr"/>
+          <a:lstStyle/>
+          <a:p>
+            <a:pPr algn="ctr"/>
+            <a:endParaRPr lang="en-US" sz="533" dirty="0">
+              <a:solidFill>
+                <a:schemeClr val="tx1"/>
+              </a:solidFill>
+              <a:latin typeface="Menlo" panose="020B0609030804020204" pitchFamily="49" charset="0"/>
+              <a:ea typeface="Menlo" panose="020B0609030804020204" pitchFamily="49" charset="0"/>
+              <a:cs typeface="Menlo" panose="020B0609030804020204" pitchFamily="49" charset="0"/>
+            </a:endParaRPr>
+          </a:p>
+          <a:p>
+            <a:pPr algn="ctr"/>
+            <a:endParaRPr lang="en-US" sz="533" dirty="0">
+              <a:solidFill>
+                <a:schemeClr val="tx1"/>
+              </a:solidFill>
+              <a:latin typeface="Menlo" panose="020B0609030804020204" pitchFamily="49" charset="0"/>
+              <a:ea typeface="Menlo" panose="020B0609030804020204" pitchFamily="49" charset="0"/>
+              <a:cs typeface="Menlo" panose="020B0609030804020204" pitchFamily="49" charset="0"/>
+            </a:endParaRPr>
+          </a:p>
+          <a:p>
+            <a:pPr algn="ctr"/>
+            <a:endParaRPr lang="en-US" sz="533" dirty="0">
+              <a:solidFill>
+                <a:schemeClr val="tx1"/>
+              </a:solidFill>
+              <a:latin typeface="Menlo" panose="020B0609030804020204" pitchFamily="49" charset="0"/>
+              <a:ea typeface="Menlo" panose="020B0609030804020204" pitchFamily="49" charset="0"/>
+              <a:cs typeface="Menlo" panose="020B0609030804020204" pitchFamily="49" charset="0"/>
+            </a:endParaRPr>
+          </a:p>
+          <a:p>
+            <a:pPr algn="ctr"/>
+            <a:endParaRPr lang="en-US" sz="533" dirty="0">
+              <a:solidFill>
+                <a:schemeClr val="tx1"/>
+              </a:solidFill>
+              <a:latin typeface="Menlo" panose="020B0609030804020204" pitchFamily="49" charset="0"/>
+              <a:ea typeface="Menlo" panose="020B0609030804020204" pitchFamily="49" charset="0"/>
+              <a:cs typeface="Menlo" panose="020B0609030804020204" pitchFamily="49" charset="0"/>
+            </a:endParaRPr>
+          </a:p>
+          <a:p>
+            <a:pPr algn="ctr"/>
+            <a:endParaRPr lang="en-US" sz="533" dirty="0">
+              <a:solidFill>
+                <a:schemeClr val="tx1"/>
+              </a:solidFill>
+              <a:latin typeface="Menlo" panose="020B0609030804020204" pitchFamily="49" charset="0"/>
+              <a:ea typeface="Menlo" panose="020B0609030804020204" pitchFamily="49" charset="0"/>
+              <a:cs typeface="Menlo" panose="020B0609030804020204" pitchFamily="49" charset="0"/>
+            </a:endParaRPr>
+          </a:p>
+          <a:p>
+            <a:pPr algn="ctr"/>
+            <a:r>
+              <a:rPr lang="en-US" sz="533" dirty="0" err="1">
+                <a:solidFill>
+                  <a:schemeClr val="tx1"/>
+                </a:solidFill>
+                <a:latin typeface="Menlo" panose="020B0609030804020204" pitchFamily="49" charset="0"/>
+                <a:ea typeface="Menlo" panose="020B0609030804020204" pitchFamily="49" charset="0"/>
+                <a:cs typeface="Menlo" panose="020B0609030804020204" pitchFamily="49" charset="0"/>
+              </a:rPr>
+              <a:t>iFrame</a:t>
+            </a:r>
+            <a:endParaRPr lang="en-US" sz="533" dirty="0">
+              <a:solidFill>
+                <a:schemeClr val="tx1"/>
+              </a:solidFill>
+              <a:latin typeface="Menlo" panose="020B0609030804020204" pitchFamily="49" charset="0"/>
+              <a:ea typeface="Menlo" panose="020B0609030804020204" pitchFamily="49" charset="0"/>
+              <a:cs typeface="Menlo" panose="020B0609030804020204" pitchFamily="49" charset="0"/>
+            </a:endParaRPr>
+          </a:p>
+        </p:txBody>
+      </p:sp>
+      <p:sp>
+        <p:nvSpPr>
+          <p:cNvPr id="84" name="Rectangle 83">
+            <a:extLst>
+              <a:ext uri="{FF2B5EF4-FFF2-40B4-BE49-F238E27FC236}">
+                <a16:creationId xmlns:a16="http://schemas.microsoft.com/office/drawing/2014/main" id="{54414DDB-8967-8D45-908D-A9FDFFB61FF7}"/>
+              </a:ext>
+            </a:extLst>
+          </p:cNvPr>
+          <p:cNvSpPr/>
+          <p:nvPr/>
+        </p:nvSpPr>
+        <p:spPr>
+          <a:xfrm>
+            <a:off x="6878388" y="690378"/>
+            <a:ext cx="5097850" cy="653826"/>
+          </a:xfrm>
+          <a:prstGeom prst="rect">
+            <a:avLst/>
+          </a:prstGeom>
+          <a:pattFill prst="dkVert">
+            <a:fgClr>
+              <a:schemeClr val="accent1">
+                <a:lumMod val="20000"/>
+                <a:lumOff val="80000"/>
+              </a:schemeClr>
+            </a:fgClr>
+            <a:bgClr>
+              <a:schemeClr val="bg1"/>
+            </a:bgClr>
+          </a:pattFill>
+          <a:ln>
+            <a:prstDash val="solid"/>
+          </a:ln>
+        </p:spPr>
+        <p:style>
+          <a:lnRef idx="1">
+            <a:schemeClr val="accent1"/>
+          </a:lnRef>
+          <a:fillRef idx="3">
+            <a:schemeClr val="accent1"/>
+          </a:fillRef>
+          <a:effectRef idx="2">
+            <a:schemeClr val="accent1"/>
+          </a:effectRef>
+          <a:fontRef idx="minor">
+            <a:schemeClr val="lt1"/>
+          </a:fontRef>
+        </p:style>
+        <p:txBody>
+          <a:bodyPr rtlCol="0" anchor="ctr"/>
+          <a:lstStyle/>
+          <a:p>
+            <a:pPr algn="ctr"/>
+            <a:r>
+              <a:rPr lang="en-US" sz="1467" dirty="0">
+                <a:solidFill>
+                  <a:schemeClr val="tx1"/>
+                </a:solidFill>
+                <a:latin typeface="Menlo" charset="0"/>
+                <a:ea typeface="Menlo" charset="0"/>
+                <a:cs typeface="Menlo" charset="0"/>
+              </a:rPr>
+              <a:t>                 </a:t>
+            </a:r>
+          </a:p>
+          <a:p>
+            <a:pPr algn="ctr"/>
+            <a:endParaRPr lang="en-US" sz="1467" dirty="0">
+              <a:solidFill>
+                <a:schemeClr val="tx1"/>
+              </a:solidFill>
+              <a:latin typeface="Menlo" charset="0"/>
+              <a:ea typeface="Menlo" charset="0"/>
+              <a:cs typeface="Menlo" charset="0"/>
+            </a:endParaRPr>
+          </a:p>
+          <a:p>
+            <a:pPr algn="ctr"/>
+            <a:endParaRPr lang="en-US" sz="1467" dirty="0">
+              <a:solidFill>
+                <a:schemeClr val="tx1"/>
+              </a:solidFill>
+              <a:latin typeface="Menlo" charset="0"/>
+              <a:ea typeface="Menlo" charset="0"/>
+              <a:cs typeface="Menlo" charset="0"/>
+            </a:endParaRPr>
+          </a:p>
+        </p:txBody>
+      </p:sp>
+      <p:sp>
+        <p:nvSpPr>
+          <p:cNvPr id="27" name="Rectangle 26">
+            <a:extLst>
+              <a:ext uri="{FF2B5EF4-FFF2-40B4-BE49-F238E27FC236}">
+                <a16:creationId xmlns:a16="http://schemas.microsoft.com/office/drawing/2014/main" id="{B8BD38E5-B719-A040-961F-CB1DDA431BCD}"/>
+              </a:ext>
+            </a:extLst>
+          </p:cNvPr>
+          <p:cNvSpPr/>
+          <p:nvPr/>
+        </p:nvSpPr>
+        <p:spPr>
+          <a:xfrm rot="5400000">
+            <a:off x="5035711" y="-532099"/>
+            <a:ext cx="818941" cy="6801289"/>
+          </a:xfrm>
+          <a:prstGeom prst="rect">
+            <a:avLst/>
+          </a:prstGeom>
+          <a:solidFill>
+            <a:schemeClr val="accent4">
               <a:lumMod val="20000"/>
               <a:lumOff val="80000"/>
             </a:schemeClr>
@@ -3374,16 +3725,16 @@
           <a:lstStyle/>
           <a:p>
             <a:pPr algn="ctr"/>
-            <a:endParaRPr lang="en-US" dirty="0"/>
-          </a:p>
-        </p:txBody>
-      </p:sp>
-      <p:sp>
-        <p:nvSpPr>
-          <p:cNvPr id="4" name="Rectangle 3">
-            <a:extLst>
-              <a:ext uri="{FF2B5EF4-FFF2-40B4-BE49-F238E27FC236}">
-                <a16:creationId xmlns:a16="http://schemas.microsoft.com/office/drawing/2014/main" id="{B72706A7-6900-E64C-BE96-7182DCECA85C}"/>
+            <a:endParaRPr lang="en-US"/>
+          </a:p>
+        </p:txBody>
+      </p:sp>
+      <p:sp>
+        <p:nvSpPr>
+          <p:cNvPr id="28" name="Rectangle 27">
+            <a:extLst>
+              <a:ext uri="{FF2B5EF4-FFF2-40B4-BE49-F238E27FC236}">
+                <a16:creationId xmlns:a16="http://schemas.microsoft.com/office/drawing/2014/main" id="{F5196AA6-3EF6-D842-A7AC-4C65195FFE4F}"/>
               </a:ext>
             </a:extLst>
           </p:cNvPr>
@@ -3392,60 +3743,8 @@
         </p:nvSpPr>
         <p:spPr>
           <a:xfrm>
-            <a:off x="3220496" y="1198288"/>
-            <a:ext cx="818941" cy="3912977"/>
-          </a:xfrm>
-          <a:prstGeom prst="rect">
-            <a:avLst/>
-          </a:prstGeom>
-          <a:solidFill>
-            <a:schemeClr val="accent4">
-              <a:lumMod val="20000"/>
-              <a:lumOff val="80000"/>
-            </a:schemeClr>
-          </a:solidFill>
-        </p:spPr>
-        <p:style>
-          <a:lnRef idx="2">
-            <a:schemeClr val="accent1">
-              <a:shade val="50000"/>
-            </a:schemeClr>
-          </a:lnRef>
-          <a:fillRef idx="1">
-            <a:schemeClr val="accent1"/>
-          </a:fillRef>
-          <a:effectRef idx="0">
-            <a:schemeClr val="accent1"/>
-          </a:effectRef>
-          <a:fontRef idx="minor">
-            <a:schemeClr val="lt1"/>
-          </a:fontRef>
-        </p:style>
-        <p:txBody>
-          <a:bodyPr rtlCol="0" anchor="ctr"/>
-          <a:lstStyle/>
-          <a:p>
-            <a:pPr algn="ctr"/>
-            <a:endParaRPr lang="en-US"/>
-          </a:p>
-        </p:txBody>
-      </p:sp>
-      <p:sp>
-        <p:nvSpPr>
-          <p:cNvPr id="5" name="Rectangle 4">
-            <a:extLst>
-              <a:ext uri="{FF2B5EF4-FFF2-40B4-BE49-F238E27FC236}">
-                <a16:creationId xmlns:a16="http://schemas.microsoft.com/office/drawing/2014/main" id="{27CB7BAC-0ADB-5648-BB1D-0A53C9E60EB4}"/>
-              </a:ext>
-            </a:extLst>
-          </p:cNvPr>
-          <p:cNvSpPr/>
-          <p:nvPr/>
-        </p:nvSpPr>
-        <p:spPr>
-          <a:xfrm>
-            <a:off x="3220495" y="1198289"/>
-            <a:ext cx="818941" cy="492369"/>
+            <a:off x="2056185" y="2459074"/>
+            <a:ext cx="6789640" cy="281271"/>
           </a:xfrm>
           <a:prstGeom prst="rect">
             <a:avLst/>
@@ -3489,10 +3788,10 @@
       </p:sp>
       <p:sp>
         <p:nvSpPr>
-          <p:cNvPr id="6" name="Rectangle 5">
-            <a:extLst>
-              <a:ext uri="{FF2B5EF4-FFF2-40B4-BE49-F238E27FC236}">
-                <a16:creationId xmlns:a16="http://schemas.microsoft.com/office/drawing/2014/main" id="{734A9C38-1845-AE40-8ADA-802B8827ECDD}"/>
+          <p:cNvPr id="29" name="Rectangle 28">
+            <a:extLst>
+              <a:ext uri="{FF2B5EF4-FFF2-40B4-BE49-F238E27FC236}">
+                <a16:creationId xmlns:a16="http://schemas.microsoft.com/office/drawing/2014/main" id="{8AF582D8-88EE-2542-99A4-79D337267C65}"/>
               </a:ext>
             </a:extLst>
           </p:cNvPr>
@@ -3501,8 +3800,8 @@
         </p:nvSpPr>
         <p:spPr>
           <a:xfrm>
-            <a:off x="4865075" y="1198290"/>
-            <a:ext cx="1128765" cy="492369"/>
+            <a:off x="2044538" y="3740833"/>
+            <a:ext cx="768237" cy="492369"/>
           </a:xfrm>
           <a:prstGeom prst="rect">
             <a:avLst/>
@@ -3536,7 +3835,69 @@
           <a:p>
             <a:pPr algn="ctr"/>
             <a:r>
-              <a:rPr lang="en-US" sz="1000" dirty="0">
+              <a:rPr lang="en-US" sz="933" dirty="0">
+                <a:solidFill>
+                  <a:schemeClr val="tx1"/>
+                </a:solidFill>
+                <a:latin typeface="Menlo" panose="020B0609030804020204" pitchFamily="49" charset="0"/>
+                <a:ea typeface="Menlo" panose="020B0609030804020204" pitchFamily="49" charset="0"/>
+                <a:cs typeface="Menlo" panose="020B0609030804020204" pitchFamily="49" charset="0"/>
+              </a:rPr>
+              <a:t>API Catalog</a:t>
+            </a:r>
+          </a:p>
+        </p:txBody>
+      </p:sp>
+      <p:sp>
+        <p:nvSpPr>
+          <p:cNvPr id="30" name="Rectangle 29">
+            <a:extLst>
+              <a:ext uri="{FF2B5EF4-FFF2-40B4-BE49-F238E27FC236}">
+                <a16:creationId xmlns:a16="http://schemas.microsoft.com/office/drawing/2014/main" id="{613B60D4-E0F5-8544-BEFF-75487F8C5CB8}"/>
+              </a:ext>
+            </a:extLst>
+          </p:cNvPr>
+          <p:cNvSpPr/>
+          <p:nvPr/>
+        </p:nvSpPr>
+        <p:spPr>
+          <a:xfrm>
+            <a:off x="2878262" y="3744798"/>
+            <a:ext cx="918487" cy="492369"/>
+          </a:xfrm>
+          <a:prstGeom prst="rect">
+            <a:avLst/>
+          </a:prstGeom>
+          <a:solidFill>
+            <a:schemeClr val="accent4">
+              <a:lumMod val="20000"/>
+              <a:lumOff val="80000"/>
+            </a:schemeClr>
+          </a:solidFill>
+        </p:spPr>
+        <p:style>
+          <a:lnRef idx="2">
+            <a:schemeClr val="accent1">
+              <a:shade val="50000"/>
+            </a:schemeClr>
+          </a:lnRef>
+          <a:fillRef idx="1">
+            <a:schemeClr val="accent1"/>
+          </a:fillRef>
+          <a:effectRef idx="0">
+            <a:schemeClr val="accent1"/>
+          </a:effectRef>
+          <a:fontRef idx="minor">
+            <a:schemeClr val="lt1"/>
+          </a:fontRef>
+        </p:style>
+        <p:txBody>
+          <a:bodyPr rtlCol="0" anchor="ctr"/>
+          <a:lstStyle/>
+          <a:p>
+            <a:pPr algn="ctr"/>
+            <a:r>
+              <a:rPr lang="en-US" sz="933" dirty="0">
                 <a:solidFill>
                   <a:schemeClr val="tx1"/>
                 </a:solidFill>
@@ -3549,12 +3910,97 @@
           </a:p>
         </p:txBody>
       </p:sp>
-      <p:sp>
-        <p:nvSpPr>
-          <p:cNvPr id="7" name="Rectangle 6">
-            <a:extLst>
-              <a:ext uri="{FF2B5EF4-FFF2-40B4-BE49-F238E27FC236}">
-                <a16:creationId xmlns:a16="http://schemas.microsoft.com/office/drawing/2014/main" id="{0F694565-CBC3-E041-A669-363E3EA2D2C2}"/>
+      <p:cxnSp>
+        <p:nvCxnSpPr>
+          <p:cNvPr id="32" name="Straight Arrow Connector 31">
+            <a:extLst>
+              <a:ext uri="{FF2B5EF4-FFF2-40B4-BE49-F238E27FC236}">
+                <a16:creationId xmlns:a16="http://schemas.microsoft.com/office/drawing/2014/main" id="{BD316678-45F2-FC41-929D-9AFEFDB6D35C}"/>
+              </a:ext>
+            </a:extLst>
+          </p:cNvPr>
+          <p:cNvCxnSpPr>
+            <a:cxnSpLocks/>
+            <a:endCxn id="29" idx="0"/>
+          </p:cNvCxnSpPr>
+          <p:nvPr/>
+        </p:nvCxnSpPr>
+        <p:spPr>
+          <a:xfrm>
+            <a:off x="2428656" y="3278017"/>
+            <a:ext cx="0" cy="462817"/>
+          </a:xfrm>
+          <a:prstGeom prst="straightConnector1">
+            <a:avLst/>
+          </a:prstGeom>
+          <a:ln>
+            <a:headEnd type="triangle"/>
+            <a:tailEnd type="triangle"/>
+          </a:ln>
+        </p:spPr>
+        <p:style>
+          <a:lnRef idx="1">
+            <a:schemeClr val="accent1"/>
+          </a:lnRef>
+          <a:fillRef idx="0">
+            <a:schemeClr val="accent1"/>
+          </a:fillRef>
+          <a:effectRef idx="0">
+            <a:schemeClr val="accent1"/>
+          </a:effectRef>
+          <a:fontRef idx="minor">
+            <a:schemeClr val="tx1"/>
+          </a:fontRef>
+        </p:style>
+      </p:cxnSp>
+      <p:cxnSp>
+        <p:nvCxnSpPr>
+          <p:cNvPr id="38" name="Straight Arrow Connector 37">
+            <a:extLst>
+              <a:ext uri="{FF2B5EF4-FFF2-40B4-BE49-F238E27FC236}">
+                <a16:creationId xmlns:a16="http://schemas.microsoft.com/office/drawing/2014/main" id="{2B8525D1-5DD2-9144-B286-EB52E77203BE}"/>
+              </a:ext>
+            </a:extLst>
+          </p:cNvPr>
+          <p:cNvCxnSpPr>
+            <a:cxnSpLocks/>
+          </p:cNvCxnSpPr>
+          <p:nvPr/>
+        </p:nvCxnSpPr>
+        <p:spPr>
+          <a:xfrm>
+            <a:off x="3296675" y="3278017"/>
+            <a:ext cx="0" cy="462817"/>
+          </a:xfrm>
+          <a:prstGeom prst="straightConnector1">
+            <a:avLst/>
+          </a:prstGeom>
+          <a:ln>
+            <a:headEnd type="triangle"/>
+            <a:tailEnd type="triangle"/>
+          </a:ln>
+        </p:spPr>
+        <p:style>
+          <a:lnRef idx="1">
+            <a:schemeClr val="accent1"/>
+          </a:lnRef>
+          <a:fillRef idx="0">
+            <a:schemeClr val="accent1"/>
+          </a:fillRef>
+          <a:effectRef idx="0">
+            <a:schemeClr val="accent1"/>
+          </a:effectRef>
+          <a:fontRef idx="minor">
+            <a:schemeClr val="tx1"/>
+          </a:fontRef>
+        </p:style>
+      </p:cxnSp>
+      <p:sp>
+        <p:nvSpPr>
+          <p:cNvPr id="39" name="Rectangle 38">
+            <a:extLst>
+              <a:ext uri="{FF2B5EF4-FFF2-40B4-BE49-F238E27FC236}">
+                <a16:creationId xmlns:a16="http://schemas.microsoft.com/office/drawing/2014/main" id="{82FFFBCF-6F96-BA4C-A2A8-04C04381BB79}"/>
               </a:ext>
             </a:extLst>
           </p:cNvPr>
@@ -3563,14 +4009,14 @@
         </p:nvSpPr>
         <p:spPr>
           <a:xfrm>
-            <a:off x="4865075" y="1833011"/>
-            <a:ext cx="1128765" cy="492369"/>
+            <a:off x="3864323" y="3751646"/>
+            <a:ext cx="434690" cy="476272"/>
           </a:xfrm>
           <a:prstGeom prst="rect">
             <a:avLst/>
           </a:prstGeom>
           <a:solidFill>
-            <a:schemeClr val="accent4">
+            <a:schemeClr val="accent6">
               <a:lumMod val="20000"/>
               <a:lumOff val="80000"/>
             </a:schemeClr>
@@ -3598,69 +4044,7 @@
           <a:p>
             <a:pPr algn="ctr"/>
             <a:r>
-              <a:rPr lang="en-US" sz="1000" dirty="0">
-                <a:solidFill>
-                  <a:schemeClr val="tx1"/>
-                </a:solidFill>
-                <a:latin typeface="Menlo" panose="020B0609030804020204" pitchFamily="49" charset="0"/>
-                <a:ea typeface="Menlo" panose="020B0609030804020204" pitchFamily="49" charset="0"/>
-                <a:cs typeface="Menlo" panose="020B0609030804020204" pitchFamily="49" charset="0"/>
-              </a:rPr>
-              <a:t>API Catalog</a:t>
-            </a:r>
-          </a:p>
-        </p:txBody>
-      </p:sp>
-      <p:sp>
-        <p:nvSpPr>
-          <p:cNvPr id="8" name="Rectangle 7">
-            <a:extLst>
-              <a:ext uri="{FF2B5EF4-FFF2-40B4-BE49-F238E27FC236}">
-                <a16:creationId xmlns:a16="http://schemas.microsoft.com/office/drawing/2014/main" id="{0ABB72C0-F13C-674F-BA76-78B2067DC8C6}"/>
-              </a:ext>
-            </a:extLst>
-          </p:cNvPr>
-          <p:cNvSpPr/>
-          <p:nvPr/>
-        </p:nvSpPr>
-        <p:spPr>
-          <a:xfrm>
-            <a:off x="4860051" y="2581604"/>
-            <a:ext cx="1128765" cy="296879"/>
-          </a:xfrm>
-          <a:prstGeom prst="rect">
-            <a:avLst/>
-          </a:prstGeom>
-          <a:solidFill>
-            <a:schemeClr val="accent6">
-              <a:lumMod val="20000"/>
-              <a:lumOff val="80000"/>
-            </a:schemeClr>
-          </a:solidFill>
-        </p:spPr>
-        <p:style>
-          <a:lnRef idx="2">
-            <a:schemeClr val="accent1">
-              <a:shade val="50000"/>
-            </a:schemeClr>
-          </a:lnRef>
-          <a:fillRef idx="1">
-            <a:schemeClr val="accent1"/>
-          </a:fillRef>
-          <a:effectRef idx="0">
-            <a:schemeClr val="accent1"/>
-          </a:effectRef>
-          <a:fontRef idx="minor">
-            <a:schemeClr val="lt1"/>
-          </a:fontRef>
-        </p:style>
-        <p:txBody>
-          <a:bodyPr rtlCol="0" anchor="ctr"/>
-          <a:lstStyle/>
-          <a:p>
-            <a:pPr algn="ctr"/>
-            <a:r>
-              <a:rPr lang="en-US" sz="1000" dirty="0">
+              <a:rPr lang="en-US" sz="933" dirty="0">
                 <a:solidFill>
                   <a:schemeClr val="tx1"/>
                 </a:solidFill>
@@ -3675,10 +4059,10 @@
       </p:sp>
       <p:sp>
         <p:nvSpPr>
-          <p:cNvPr id="9" name="Rectangle 8">
-            <a:extLst>
-              <a:ext uri="{FF2B5EF4-FFF2-40B4-BE49-F238E27FC236}">
-                <a16:creationId xmlns:a16="http://schemas.microsoft.com/office/drawing/2014/main" id="{F02CD440-5527-A04E-8836-40344C303D8A}"/>
+          <p:cNvPr id="40" name="Rectangle 39">
+            <a:extLst>
+              <a:ext uri="{FF2B5EF4-FFF2-40B4-BE49-F238E27FC236}">
+                <a16:creationId xmlns:a16="http://schemas.microsoft.com/office/drawing/2014/main" id="{EE3A7E9E-4BFA-7048-A93A-B226BC2CCB8D}"/>
               </a:ext>
             </a:extLst>
           </p:cNvPr>
@@ -3687,14 +4071,14 @@
         </p:nvSpPr>
         <p:spPr>
           <a:xfrm>
-            <a:off x="4860051" y="3006595"/>
-            <a:ext cx="1128765" cy="296879"/>
+            <a:off x="4461540" y="3753969"/>
+            <a:ext cx="564732" cy="471956"/>
           </a:xfrm>
           <a:prstGeom prst="rect">
             <a:avLst/>
           </a:prstGeom>
           <a:solidFill>
-            <a:schemeClr val="accent4">
+            <a:schemeClr val="accent6">
               <a:lumMod val="20000"/>
               <a:lumOff val="80000"/>
             </a:schemeClr>
@@ -3722,69 +4106,7 @@
           <a:p>
             <a:pPr algn="ctr"/>
             <a:r>
-              <a:rPr lang="en-US" sz="1000" dirty="0">
-                <a:solidFill>
-                  <a:schemeClr val="tx1"/>
-                </a:solidFill>
-                <a:latin typeface="Menlo" panose="020B0609030804020204" pitchFamily="49" charset="0"/>
-                <a:ea typeface="Menlo" panose="020B0609030804020204" pitchFamily="49" charset="0"/>
-                <a:cs typeface="Menlo" panose="020B0609030804020204" pitchFamily="49" charset="0"/>
-              </a:rPr>
-              <a:t>MVS API</a:t>
-            </a:r>
-          </a:p>
-        </p:txBody>
-      </p:sp>
-      <p:sp>
-        <p:nvSpPr>
-          <p:cNvPr id="10" name="Rectangle 9">
-            <a:extLst>
-              <a:ext uri="{FF2B5EF4-FFF2-40B4-BE49-F238E27FC236}">
-                <a16:creationId xmlns:a16="http://schemas.microsoft.com/office/drawing/2014/main" id="{E9225D3F-7A82-364D-A634-C3318F5EFD6C}"/>
-              </a:ext>
-            </a:extLst>
-          </p:cNvPr>
-          <p:cNvSpPr/>
-          <p:nvPr/>
-        </p:nvSpPr>
-        <p:spPr>
-          <a:xfrm>
-            <a:off x="4860051" y="3624116"/>
-            <a:ext cx="1128765" cy="296879"/>
-          </a:xfrm>
-          <a:prstGeom prst="rect">
-            <a:avLst/>
-          </a:prstGeom>
-          <a:solidFill>
-            <a:schemeClr val="accent6">
-              <a:lumMod val="20000"/>
-              <a:lumOff val="80000"/>
-            </a:schemeClr>
-          </a:solidFill>
-        </p:spPr>
-        <p:style>
-          <a:lnRef idx="2">
-            <a:schemeClr val="accent1">
-              <a:shade val="50000"/>
-            </a:schemeClr>
-          </a:lnRef>
-          <a:fillRef idx="1">
-            <a:schemeClr val="accent1"/>
-          </a:fillRef>
-          <a:effectRef idx="0">
-            <a:schemeClr val="accent1"/>
-          </a:effectRef>
-          <a:fontRef idx="minor">
-            <a:schemeClr val="lt1"/>
-          </a:fontRef>
-        </p:style>
-        <p:txBody>
-          <a:bodyPr rtlCol="0" anchor="ctr"/>
-          <a:lstStyle/>
-          <a:p>
-            <a:pPr algn="ctr"/>
-            <a:r>
-              <a:rPr lang="en-US" sz="1000" dirty="0">
+              <a:rPr lang="en-US" sz="933" dirty="0">
                 <a:solidFill>
                   <a:schemeClr val="tx1"/>
                 </a:solidFill>
@@ -3799,10 +4121,10 @@
       </p:sp>
       <p:sp>
         <p:nvSpPr>
-          <p:cNvPr id="11" name="Rectangle 10">
-            <a:extLst>
-              <a:ext uri="{FF2B5EF4-FFF2-40B4-BE49-F238E27FC236}">
-                <a16:creationId xmlns:a16="http://schemas.microsoft.com/office/drawing/2014/main" id="{EECE3848-E8F1-8A4D-A221-8C70EF90EC1B}"/>
+          <p:cNvPr id="41" name="Rectangle 40">
+            <a:extLst>
+              <a:ext uri="{FF2B5EF4-FFF2-40B4-BE49-F238E27FC236}">
+                <a16:creationId xmlns:a16="http://schemas.microsoft.com/office/drawing/2014/main" id="{38830FD5-B0E7-304D-A162-42509A56C2A0}"/>
               </a:ext>
             </a:extLst>
           </p:cNvPr>
@@ -3811,14 +4133,14 @@
         </p:nvSpPr>
         <p:spPr>
           <a:xfrm>
-            <a:off x="4860053" y="4000921"/>
-            <a:ext cx="1128765" cy="296879"/>
+            <a:off x="5139454" y="3751543"/>
+            <a:ext cx="647781" cy="476273"/>
           </a:xfrm>
           <a:prstGeom prst="rect">
             <a:avLst/>
           </a:prstGeom>
           <a:solidFill>
-            <a:schemeClr val="accent4">
+            <a:schemeClr val="accent6">
               <a:lumMod val="20000"/>
               <a:lumOff val="80000"/>
             </a:schemeClr>
@@ -3846,7 +4168,145 @@
           <a:p>
             <a:pPr algn="ctr"/>
             <a:r>
-              <a:rPr lang="en-US" sz="1000" dirty="0">
+              <a:rPr lang="en-US" sz="933" dirty="0">
+                <a:solidFill>
+                  <a:schemeClr val="tx1"/>
+                </a:solidFill>
+                <a:latin typeface="Menlo" panose="020B0609030804020204" pitchFamily="49" charset="0"/>
+                <a:ea typeface="Menlo" panose="020B0609030804020204" pitchFamily="49" charset="0"/>
+                <a:cs typeface="Menlo" panose="020B0609030804020204" pitchFamily="49" charset="0"/>
+              </a:rPr>
+              <a:t>USS</a:t>
+            </a:r>
+          </a:p>
+          <a:p>
+            <a:pPr algn="ctr"/>
+            <a:r>
+              <a:rPr lang="en-US" sz="933" dirty="0">
+                <a:solidFill>
+                  <a:schemeClr val="tx1"/>
+                </a:solidFill>
+                <a:latin typeface="Menlo" panose="020B0609030804020204" pitchFamily="49" charset="0"/>
+                <a:ea typeface="Menlo" panose="020B0609030804020204" pitchFamily="49" charset="0"/>
+                <a:cs typeface="Menlo" panose="020B0609030804020204" pitchFamily="49" charset="0"/>
+              </a:rPr>
+              <a:t>UI</a:t>
+            </a:r>
+          </a:p>
+        </p:txBody>
+      </p:sp>
+      <p:sp>
+        <p:nvSpPr>
+          <p:cNvPr id="42" name="Rectangle 41">
+            <a:extLst>
+              <a:ext uri="{FF2B5EF4-FFF2-40B4-BE49-F238E27FC236}">
+                <a16:creationId xmlns:a16="http://schemas.microsoft.com/office/drawing/2014/main" id="{7A2C7D56-E8C6-1042-9DF3-33D6754C7710}"/>
+              </a:ext>
+            </a:extLst>
+          </p:cNvPr>
+          <p:cNvSpPr/>
+          <p:nvPr/>
+        </p:nvSpPr>
+        <p:spPr>
+          <a:xfrm>
+            <a:off x="3860713" y="4528999"/>
+            <a:ext cx="537932" cy="476275"/>
+          </a:xfrm>
+          <a:prstGeom prst="rect">
+            <a:avLst/>
+          </a:prstGeom>
+          <a:solidFill>
+            <a:schemeClr val="accent4">
+              <a:lumMod val="20000"/>
+              <a:lumOff val="80000"/>
+            </a:schemeClr>
+          </a:solidFill>
+        </p:spPr>
+        <p:style>
+          <a:lnRef idx="2">
+            <a:schemeClr val="accent1">
+              <a:shade val="50000"/>
+            </a:schemeClr>
+          </a:lnRef>
+          <a:fillRef idx="1">
+            <a:schemeClr val="accent1"/>
+          </a:fillRef>
+          <a:effectRef idx="0">
+            <a:schemeClr val="accent1"/>
+          </a:effectRef>
+          <a:fontRef idx="minor">
+            <a:schemeClr val="lt1"/>
+          </a:fontRef>
+        </p:style>
+        <p:txBody>
+          <a:bodyPr rtlCol="0" anchor="ctr"/>
+          <a:lstStyle/>
+          <a:p>
+            <a:pPr algn="ctr"/>
+            <a:r>
+              <a:rPr lang="en-US" sz="933" dirty="0">
+                <a:solidFill>
+                  <a:schemeClr val="tx1"/>
+                </a:solidFill>
+                <a:latin typeface="Menlo" panose="020B0609030804020204" pitchFamily="49" charset="0"/>
+                <a:ea typeface="Menlo" panose="020B0609030804020204" pitchFamily="49" charset="0"/>
+                <a:cs typeface="Menlo" panose="020B0609030804020204" pitchFamily="49" charset="0"/>
+              </a:rPr>
+              <a:t>File API</a:t>
+            </a:r>
+          </a:p>
+        </p:txBody>
+      </p:sp>
+      <p:sp>
+        <p:nvSpPr>
+          <p:cNvPr id="43" name="Rectangle 42">
+            <a:extLst>
+              <a:ext uri="{FF2B5EF4-FFF2-40B4-BE49-F238E27FC236}">
+                <a16:creationId xmlns:a16="http://schemas.microsoft.com/office/drawing/2014/main" id="{9CF8B830-DC0B-A740-A36B-B958C1A572E0}"/>
+              </a:ext>
+            </a:extLst>
+          </p:cNvPr>
+          <p:cNvSpPr/>
+          <p:nvPr/>
+        </p:nvSpPr>
+        <p:spPr>
+          <a:xfrm>
+            <a:off x="4548201" y="4527453"/>
+            <a:ext cx="566396" cy="476275"/>
+          </a:xfrm>
+          <a:prstGeom prst="rect">
+            <a:avLst/>
+          </a:prstGeom>
+          <a:solidFill>
+            <a:schemeClr val="accent4">
+              <a:lumMod val="20000"/>
+              <a:lumOff val="80000"/>
+            </a:schemeClr>
+          </a:solidFill>
+        </p:spPr>
+        <p:style>
+          <a:lnRef idx="2">
+            <a:schemeClr val="accent1">
+              <a:shade val="50000"/>
+            </a:schemeClr>
+          </a:lnRef>
+          <a:fillRef idx="1">
+            <a:schemeClr val="accent1"/>
+          </a:fillRef>
+          <a:effectRef idx="0">
+            <a:schemeClr val="accent1"/>
+          </a:effectRef>
+          <a:fontRef idx="minor">
+            <a:schemeClr val="lt1"/>
+          </a:fontRef>
+        </p:style>
+        <p:txBody>
+          <a:bodyPr rtlCol="0" anchor="ctr"/>
+          <a:lstStyle/>
+          <a:p>
+            <a:pPr algn="ctr"/>
+            <a:r>
+              <a:rPr lang="en-US" sz="933" dirty="0">
                 <a:solidFill>
                   <a:schemeClr val="tx1"/>
                 </a:solidFill>
@@ -3859,12 +4319,583 @@
           </a:p>
         </p:txBody>
       </p:sp>
-      <p:sp>
-        <p:nvSpPr>
-          <p:cNvPr id="12" name="Rectangle 11">
-            <a:extLst>
-              <a:ext uri="{FF2B5EF4-FFF2-40B4-BE49-F238E27FC236}">
-                <a16:creationId xmlns:a16="http://schemas.microsoft.com/office/drawing/2014/main" id="{899AF9D4-A439-E447-9655-54D0C5959D84}"/>
+      <p:cxnSp>
+        <p:nvCxnSpPr>
+          <p:cNvPr id="45" name="Straight Arrow Connector 44">
+            <a:extLst>
+              <a:ext uri="{FF2B5EF4-FFF2-40B4-BE49-F238E27FC236}">
+                <a16:creationId xmlns:a16="http://schemas.microsoft.com/office/drawing/2014/main" id="{3892E7B8-0947-C447-9E5E-CE36A08691A2}"/>
+              </a:ext>
+            </a:extLst>
+          </p:cNvPr>
+          <p:cNvCxnSpPr>
+            <a:cxnSpLocks/>
+          </p:cNvCxnSpPr>
+          <p:nvPr/>
+        </p:nvCxnSpPr>
+        <p:spPr>
+          <a:xfrm flipH="1">
+            <a:off x="4398645" y="3294198"/>
+            <a:ext cx="14526" cy="1233255"/>
+          </a:xfrm>
+          <a:prstGeom prst="straightConnector1">
+            <a:avLst/>
+          </a:prstGeom>
+          <a:ln>
+            <a:headEnd type="triangle"/>
+            <a:tailEnd type="triangle"/>
+          </a:ln>
+        </p:spPr>
+        <p:style>
+          <a:lnRef idx="1">
+            <a:schemeClr val="accent1"/>
+          </a:lnRef>
+          <a:fillRef idx="0">
+            <a:schemeClr val="accent1"/>
+          </a:fillRef>
+          <a:effectRef idx="0">
+            <a:schemeClr val="accent1"/>
+          </a:effectRef>
+          <a:fontRef idx="minor">
+            <a:schemeClr val="tx1"/>
+          </a:fontRef>
+        </p:style>
+      </p:cxnSp>
+      <p:cxnSp>
+        <p:nvCxnSpPr>
+          <p:cNvPr id="46" name="Straight Arrow Connector 45">
+            <a:extLst>
+              <a:ext uri="{FF2B5EF4-FFF2-40B4-BE49-F238E27FC236}">
+                <a16:creationId xmlns:a16="http://schemas.microsoft.com/office/drawing/2014/main" id="{021AF651-50B6-6746-B692-A167727F149A}"/>
+              </a:ext>
+            </a:extLst>
+          </p:cNvPr>
+          <p:cNvCxnSpPr>
+            <a:cxnSpLocks/>
+          </p:cNvCxnSpPr>
+          <p:nvPr/>
+        </p:nvCxnSpPr>
+        <p:spPr>
+          <a:xfrm>
+            <a:off x="4556191" y="1699591"/>
+            <a:ext cx="0" cy="759483"/>
+          </a:xfrm>
+          <a:prstGeom prst="straightConnector1">
+            <a:avLst/>
+          </a:prstGeom>
+          <a:ln>
+            <a:headEnd type="triangle"/>
+            <a:tailEnd type="triangle"/>
+          </a:ln>
+        </p:spPr>
+        <p:style>
+          <a:lnRef idx="1">
+            <a:schemeClr val="accent1"/>
+          </a:lnRef>
+          <a:fillRef idx="0">
+            <a:schemeClr val="accent1"/>
+          </a:fillRef>
+          <a:effectRef idx="0">
+            <a:schemeClr val="accent1"/>
+          </a:effectRef>
+          <a:fontRef idx="minor">
+            <a:schemeClr val="tx1"/>
+          </a:fontRef>
+        </p:style>
+      </p:cxnSp>
+      <p:sp>
+        <p:nvSpPr>
+          <p:cNvPr id="48" name="TextBox 47">
+            <a:extLst>
+              <a:ext uri="{FF2B5EF4-FFF2-40B4-BE49-F238E27FC236}">
+                <a16:creationId xmlns:a16="http://schemas.microsoft.com/office/drawing/2014/main" id="{41691BFB-2D24-0547-A69D-0918666B0AB3}"/>
+              </a:ext>
+            </a:extLst>
+          </p:cNvPr>
+          <p:cNvSpPr txBox="1"/>
+          <p:nvPr/>
+        </p:nvSpPr>
+        <p:spPr>
+          <a:xfrm>
+            <a:off x="4514973" y="2112860"/>
+            <a:ext cx="524503" cy="261610"/>
+          </a:xfrm>
+          <a:prstGeom prst="rect">
+            <a:avLst/>
+          </a:prstGeom>
+          <a:noFill/>
+        </p:spPr>
+        <p:txBody>
+          <a:bodyPr wrap="none" rtlCol="0">
+            <a:spAutoFit/>
+          </a:bodyPr>
+          <a:lstStyle/>
+          <a:p>
+            <a:r>
+              <a:rPr lang="en-US" sz="1100" dirty="0">
+                <a:latin typeface="Menlo" panose="020B0609030804020204" pitchFamily="49" charset="0"/>
+                <a:ea typeface="Menlo" panose="020B0609030804020204" pitchFamily="49" charset="0"/>
+                <a:cs typeface="Menlo" panose="020B0609030804020204" pitchFamily="49" charset="0"/>
+              </a:rPr>
+              <a:t>7554</a:t>
+            </a:r>
+          </a:p>
+        </p:txBody>
+      </p:sp>
+      <p:sp>
+        <p:nvSpPr>
+          <p:cNvPr id="49" name="TextBox 48">
+            <a:extLst>
+              <a:ext uri="{FF2B5EF4-FFF2-40B4-BE49-F238E27FC236}">
+                <a16:creationId xmlns:a16="http://schemas.microsoft.com/office/drawing/2014/main" id="{7352B5E6-D9E3-3B44-986D-749969DFF4EB}"/>
+              </a:ext>
+            </a:extLst>
+          </p:cNvPr>
+          <p:cNvSpPr txBox="1"/>
+          <p:nvPr/>
+        </p:nvSpPr>
+        <p:spPr>
+          <a:xfrm>
+            <a:off x="1933902" y="3478300"/>
+            <a:ext cx="524503" cy="261610"/>
+          </a:xfrm>
+          <a:prstGeom prst="rect">
+            <a:avLst/>
+          </a:prstGeom>
+          <a:noFill/>
+        </p:spPr>
+        <p:txBody>
+          <a:bodyPr wrap="none" rtlCol="0">
+            <a:spAutoFit/>
+          </a:bodyPr>
+          <a:lstStyle/>
+          <a:p>
+            <a:r>
+              <a:rPr lang="en-US" sz="1100" dirty="0">
+                <a:latin typeface="Menlo" panose="020B0609030804020204" pitchFamily="49" charset="0"/>
+                <a:ea typeface="Menlo" panose="020B0609030804020204" pitchFamily="49" charset="0"/>
+                <a:cs typeface="Menlo" panose="020B0609030804020204" pitchFamily="49" charset="0"/>
+              </a:rPr>
+              <a:t>7552</a:t>
+            </a:r>
+          </a:p>
+        </p:txBody>
+      </p:sp>
+      <p:sp>
+        <p:nvSpPr>
+          <p:cNvPr id="50" name="TextBox 49">
+            <a:extLst>
+              <a:ext uri="{FF2B5EF4-FFF2-40B4-BE49-F238E27FC236}">
+                <a16:creationId xmlns:a16="http://schemas.microsoft.com/office/drawing/2014/main" id="{DCFE695A-EC51-3E41-9C73-F580614481B1}"/>
+              </a:ext>
+            </a:extLst>
+          </p:cNvPr>
+          <p:cNvSpPr txBox="1"/>
+          <p:nvPr/>
+        </p:nvSpPr>
+        <p:spPr>
+          <a:xfrm>
+            <a:off x="2842525" y="3478300"/>
+            <a:ext cx="524503" cy="261610"/>
+          </a:xfrm>
+          <a:prstGeom prst="rect">
+            <a:avLst/>
+          </a:prstGeom>
+          <a:noFill/>
+        </p:spPr>
+        <p:txBody>
+          <a:bodyPr wrap="none" rtlCol="0">
+            <a:spAutoFit/>
+          </a:bodyPr>
+          <a:lstStyle/>
+          <a:p>
+            <a:r>
+              <a:rPr lang="en-US" sz="1100" dirty="0">
+                <a:latin typeface="Menlo" panose="020B0609030804020204" pitchFamily="49" charset="0"/>
+                <a:ea typeface="Menlo" panose="020B0609030804020204" pitchFamily="49" charset="0"/>
+                <a:cs typeface="Menlo" panose="020B0609030804020204" pitchFamily="49" charset="0"/>
+              </a:rPr>
+              <a:t>7553</a:t>
+            </a:r>
+          </a:p>
+        </p:txBody>
+      </p:sp>
+      <p:sp>
+        <p:nvSpPr>
+          <p:cNvPr id="51" name="TextBox 50">
+            <a:extLst>
+              <a:ext uri="{FF2B5EF4-FFF2-40B4-BE49-F238E27FC236}">
+                <a16:creationId xmlns:a16="http://schemas.microsoft.com/office/drawing/2014/main" id="{C24C4305-5BA2-1B43-A80B-DF777ED8E227}"/>
+              </a:ext>
+            </a:extLst>
+          </p:cNvPr>
+          <p:cNvSpPr txBox="1"/>
+          <p:nvPr/>
+        </p:nvSpPr>
+        <p:spPr>
+          <a:xfrm>
+            <a:off x="3826461" y="4287090"/>
+            <a:ext cx="511679" cy="256545"/>
+          </a:xfrm>
+          <a:prstGeom prst="rect">
+            <a:avLst/>
+          </a:prstGeom>
+          <a:noFill/>
+        </p:spPr>
+        <p:txBody>
+          <a:bodyPr wrap="none" rtlCol="0">
+            <a:spAutoFit/>
+          </a:bodyPr>
+          <a:lstStyle/>
+          <a:p>
+            <a:r>
+              <a:rPr lang="en-US" sz="1067" dirty="0">
+                <a:latin typeface="Menlo" panose="020B0609030804020204" pitchFamily="49" charset="0"/>
+                <a:ea typeface="Menlo" panose="020B0609030804020204" pitchFamily="49" charset="0"/>
+                <a:cs typeface="Menlo" panose="020B0609030804020204" pitchFamily="49" charset="0"/>
+              </a:rPr>
+              <a:t>8547</a:t>
+            </a:r>
+          </a:p>
+        </p:txBody>
+      </p:sp>
+      <p:cxnSp>
+        <p:nvCxnSpPr>
+          <p:cNvPr id="52" name="Straight Arrow Connector 51">
+            <a:extLst>
+              <a:ext uri="{FF2B5EF4-FFF2-40B4-BE49-F238E27FC236}">
+                <a16:creationId xmlns:a16="http://schemas.microsoft.com/office/drawing/2014/main" id="{1A8D5EA7-D754-BD43-8ADC-13C0B2EE28C5}"/>
+              </a:ext>
+            </a:extLst>
+          </p:cNvPr>
+          <p:cNvCxnSpPr>
+            <a:cxnSpLocks/>
+          </p:cNvCxnSpPr>
+          <p:nvPr/>
+        </p:nvCxnSpPr>
+        <p:spPr>
+          <a:xfrm>
+            <a:off x="5059795" y="3286064"/>
+            <a:ext cx="0" cy="1241389"/>
+          </a:xfrm>
+          <a:prstGeom prst="straightConnector1">
+            <a:avLst/>
+          </a:prstGeom>
+          <a:ln>
+            <a:headEnd type="triangle"/>
+            <a:tailEnd type="triangle"/>
+          </a:ln>
+        </p:spPr>
+        <p:style>
+          <a:lnRef idx="1">
+            <a:schemeClr val="accent1"/>
+          </a:lnRef>
+          <a:fillRef idx="0">
+            <a:schemeClr val="accent1"/>
+          </a:fillRef>
+          <a:effectRef idx="0">
+            <a:schemeClr val="accent1"/>
+          </a:effectRef>
+          <a:fontRef idx="minor">
+            <a:schemeClr val="tx1"/>
+          </a:fontRef>
+        </p:style>
+      </p:cxnSp>
+      <p:sp>
+        <p:nvSpPr>
+          <p:cNvPr id="54" name="TextBox 53">
+            <a:extLst>
+              <a:ext uri="{FF2B5EF4-FFF2-40B4-BE49-F238E27FC236}">
+                <a16:creationId xmlns:a16="http://schemas.microsoft.com/office/drawing/2014/main" id="{522E71EC-E73F-8045-92CA-2E9B816D4A91}"/>
+              </a:ext>
+            </a:extLst>
+          </p:cNvPr>
+          <p:cNvSpPr txBox="1"/>
+          <p:nvPr/>
+        </p:nvSpPr>
+        <p:spPr>
+          <a:xfrm>
+            <a:off x="4438383" y="4278953"/>
+            <a:ext cx="524503" cy="261610"/>
+          </a:xfrm>
+          <a:prstGeom prst="rect">
+            <a:avLst/>
+          </a:prstGeom>
+          <a:noFill/>
+        </p:spPr>
+        <p:txBody>
+          <a:bodyPr wrap="none" rtlCol="0">
+            <a:spAutoFit/>
+          </a:bodyPr>
+          <a:lstStyle/>
+          <a:p>
+            <a:r>
+              <a:rPr lang="en-US" sz="1100" dirty="0">
+                <a:latin typeface="Menlo" panose="020B0609030804020204" pitchFamily="49" charset="0"/>
+                <a:ea typeface="Menlo" panose="020B0609030804020204" pitchFamily="49" charset="0"/>
+                <a:cs typeface="Menlo" panose="020B0609030804020204" pitchFamily="49" charset="0"/>
+              </a:rPr>
+              <a:t>8545</a:t>
+            </a:r>
+          </a:p>
+        </p:txBody>
+      </p:sp>
+      <p:cxnSp>
+        <p:nvCxnSpPr>
+          <p:cNvPr id="55" name="Straight Arrow Connector 54">
+            <a:extLst>
+              <a:ext uri="{FF2B5EF4-FFF2-40B4-BE49-F238E27FC236}">
+                <a16:creationId xmlns:a16="http://schemas.microsoft.com/office/drawing/2014/main" id="{3DA6970D-339E-0D4A-9DB9-7098BFD59F0F}"/>
+              </a:ext>
+            </a:extLst>
+          </p:cNvPr>
+          <p:cNvCxnSpPr>
+            <a:cxnSpLocks/>
+          </p:cNvCxnSpPr>
+          <p:nvPr/>
+        </p:nvCxnSpPr>
+        <p:spPr>
+          <a:xfrm>
+            <a:off x="4189184" y="3270740"/>
+            <a:ext cx="0" cy="462817"/>
+          </a:xfrm>
+          <a:prstGeom prst="straightConnector1">
+            <a:avLst/>
+          </a:prstGeom>
+          <a:ln>
+            <a:headEnd type="triangle"/>
+            <a:tailEnd type="triangle"/>
+          </a:ln>
+        </p:spPr>
+        <p:style>
+          <a:lnRef idx="1">
+            <a:schemeClr val="accent1"/>
+          </a:lnRef>
+          <a:fillRef idx="0">
+            <a:schemeClr val="accent1"/>
+          </a:fillRef>
+          <a:effectRef idx="0">
+            <a:schemeClr val="accent1"/>
+          </a:effectRef>
+          <a:fontRef idx="minor">
+            <a:schemeClr val="tx1"/>
+          </a:fontRef>
+        </p:style>
+      </p:cxnSp>
+      <p:cxnSp>
+        <p:nvCxnSpPr>
+          <p:cNvPr id="56" name="Straight Arrow Connector 55">
+            <a:extLst>
+              <a:ext uri="{FF2B5EF4-FFF2-40B4-BE49-F238E27FC236}">
+                <a16:creationId xmlns:a16="http://schemas.microsoft.com/office/drawing/2014/main" id="{57AFBBAF-5B9E-4043-B919-74BEA94D894E}"/>
+              </a:ext>
+            </a:extLst>
+          </p:cNvPr>
+          <p:cNvCxnSpPr>
+            <a:cxnSpLocks/>
+          </p:cNvCxnSpPr>
+          <p:nvPr/>
+        </p:nvCxnSpPr>
+        <p:spPr>
+          <a:xfrm>
+            <a:off x="4918346" y="3278787"/>
+            <a:ext cx="0" cy="462817"/>
+          </a:xfrm>
+          <a:prstGeom prst="straightConnector1">
+            <a:avLst/>
+          </a:prstGeom>
+          <a:ln>
+            <a:headEnd type="triangle"/>
+            <a:tailEnd type="triangle"/>
+          </a:ln>
+        </p:spPr>
+        <p:style>
+          <a:lnRef idx="1">
+            <a:schemeClr val="accent1"/>
+          </a:lnRef>
+          <a:fillRef idx="0">
+            <a:schemeClr val="accent1"/>
+          </a:fillRef>
+          <a:effectRef idx="0">
+            <a:schemeClr val="accent1"/>
+          </a:effectRef>
+          <a:fontRef idx="minor">
+            <a:schemeClr val="tx1"/>
+          </a:fontRef>
+        </p:style>
+      </p:cxnSp>
+      <p:cxnSp>
+        <p:nvCxnSpPr>
+          <p:cNvPr id="57" name="Straight Arrow Connector 56">
+            <a:extLst>
+              <a:ext uri="{FF2B5EF4-FFF2-40B4-BE49-F238E27FC236}">
+                <a16:creationId xmlns:a16="http://schemas.microsoft.com/office/drawing/2014/main" id="{79D4C01E-B964-F74B-9D68-801D8A100C91}"/>
+              </a:ext>
+            </a:extLst>
+          </p:cNvPr>
+          <p:cNvCxnSpPr>
+            <a:cxnSpLocks/>
+          </p:cNvCxnSpPr>
+          <p:nvPr/>
+        </p:nvCxnSpPr>
+        <p:spPr>
+          <a:xfrm>
+            <a:off x="5575140" y="3278787"/>
+            <a:ext cx="0" cy="462817"/>
+          </a:xfrm>
+          <a:prstGeom prst="straightConnector1">
+            <a:avLst/>
+          </a:prstGeom>
+          <a:ln>
+            <a:headEnd type="triangle"/>
+            <a:tailEnd type="triangle"/>
+          </a:ln>
+        </p:spPr>
+        <p:style>
+          <a:lnRef idx="1">
+            <a:schemeClr val="accent1"/>
+          </a:lnRef>
+          <a:fillRef idx="0">
+            <a:schemeClr val="accent1"/>
+          </a:fillRef>
+          <a:effectRef idx="0">
+            <a:schemeClr val="accent1"/>
+          </a:effectRef>
+          <a:fontRef idx="minor">
+            <a:schemeClr val="tx1"/>
+          </a:fontRef>
+        </p:style>
+      </p:cxnSp>
+      <p:sp>
+        <p:nvSpPr>
+          <p:cNvPr id="58" name="TextBox 57">
+            <a:extLst>
+              <a:ext uri="{FF2B5EF4-FFF2-40B4-BE49-F238E27FC236}">
+                <a16:creationId xmlns:a16="http://schemas.microsoft.com/office/drawing/2014/main" id="{D9B2E554-4717-514F-83E2-19343201CDAF}"/>
+              </a:ext>
+            </a:extLst>
+          </p:cNvPr>
+          <p:cNvSpPr txBox="1"/>
+          <p:nvPr/>
+        </p:nvSpPr>
+        <p:spPr>
+          <a:xfrm>
+            <a:off x="3725697" y="3502147"/>
+            <a:ext cx="524503" cy="261610"/>
+          </a:xfrm>
+          <a:prstGeom prst="rect">
+            <a:avLst/>
+          </a:prstGeom>
+          <a:noFill/>
+        </p:spPr>
+        <p:txBody>
+          <a:bodyPr wrap="none" rtlCol="0">
+            <a:spAutoFit/>
+          </a:bodyPr>
+          <a:lstStyle/>
+          <a:p>
+            <a:r>
+              <a:rPr lang="en-US" sz="1100" dirty="0">
+                <a:latin typeface="Menlo" panose="020B0609030804020204" pitchFamily="49" charset="0"/>
+                <a:ea typeface="Menlo" panose="020B0609030804020204" pitchFamily="49" charset="0"/>
+                <a:cs typeface="Menlo" panose="020B0609030804020204" pitchFamily="49" charset="0"/>
+              </a:rPr>
+              <a:t>8548</a:t>
+            </a:r>
+          </a:p>
+        </p:txBody>
+      </p:sp>
+      <p:sp>
+        <p:nvSpPr>
+          <p:cNvPr id="59" name="TextBox 58">
+            <a:extLst>
+              <a:ext uri="{FF2B5EF4-FFF2-40B4-BE49-F238E27FC236}">
+                <a16:creationId xmlns:a16="http://schemas.microsoft.com/office/drawing/2014/main" id="{895230D4-C8AB-5346-8A04-2DC5533FDD62}"/>
+              </a:ext>
+            </a:extLst>
+          </p:cNvPr>
+          <p:cNvSpPr txBox="1"/>
+          <p:nvPr/>
+        </p:nvSpPr>
+        <p:spPr>
+          <a:xfrm>
+            <a:off x="4428477" y="3514445"/>
+            <a:ext cx="524503" cy="261610"/>
+          </a:xfrm>
+          <a:prstGeom prst="rect">
+            <a:avLst/>
+          </a:prstGeom>
+          <a:noFill/>
+        </p:spPr>
+        <p:txBody>
+          <a:bodyPr wrap="none" rtlCol="0">
+            <a:spAutoFit/>
+          </a:bodyPr>
+          <a:lstStyle/>
+          <a:p>
+            <a:r>
+              <a:rPr lang="en-US" sz="1100" dirty="0">
+                <a:latin typeface="Menlo" panose="020B0609030804020204" pitchFamily="49" charset="0"/>
+                <a:ea typeface="Menlo" panose="020B0609030804020204" pitchFamily="49" charset="0"/>
+                <a:cs typeface="Menlo" panose="020B0609030804020204" pitchFamily="49" charset="0"/>
+              </a:rPr>
+              <a:t>8546</a:t>
+            </a:r>
+          </a:p>
+        </p:txBody>
+      </p:sp>
+      <p:sp>
+        <p:nvSpPr>
+          <p:cNvPr id="60" name="TextBox 59">
+            <a:extLst>
+              <a:ext uri="{FF2B5EF4-FFF2-40B4-BE49-F238E27FC236}">
+                <a16:creationId xmlns:a16="http://schemas.microsoft.com/office/drawing/2014/main" id="{6D51231D-A1BD-4944-AC97-EB35344659BC}"/>
+              </a:ext>
+            </a:extLst>
+          </p:cNvPr>
+          <p:cNvSpPr txBox="1"/>
+          <p:nvPr/>
+        </p:nvSpPr>
+        <p:spPr>
+          <a:xfrm>
+            <a:off x="5100333" y="3510194"/>
+            <a:ext cx="524503" cy="430887"/>
+          </a:xfrm>
+          <a:prstGeom prst="rect">
+            <a:avLst/>
+          </a:prstGeom>
+          <a:noFill/>
+        </p:spPr>
+        <p:txBody>
+          <a:bodyPr wrap="none" rtlCol="0">
+            <a:spAutoFit/>
+          </a:bodyPr>
+          <a:lstStyle/>
+          <a:p>
+            <a:r>
+              <a:rPr lang="en-US" sz="1100" dirty="0">
+                <a:latin typeface="Menlo" panose="020B0609030804020204" pitchFamily="49" charset="0"/>
+                <a:ea typeface="Menlo" panose="020B0609030804020204" pitchFamily="49" charset="0"/>
+                <a:cs typeface="Menlo" panose="020B0609030804020204" pitchFamily="49" charset="0"/>
+              </a:rPr>
+              <a:t>8550</a:t>
+            </a:r>
+          </a:p>
+          <a:p>
+            <a:endParaRPr lang="en-US" sz="1100" dirty="0">
+              <a:latin typeface="Menlo" panose="020B0609030804020204" pitchFamily="49" charset="0"/>
+              <a:ea typeface="Menlo" panose="020B0609030804020204" pitchFamily="49" charset="0"/>
+              <a:cs typeface="Menlo" panose="020B0609030804020204" pitchFamily="49" charset="0"/>
+            </a:endParaRPr>
+          </a:p>
+        </p:txBody>
+      </p:sp>
+      <p:sp>
+        <p:nvSpPr>
+          <p:cNvPr id="61" name="Rectangle 60">
+            <a:extLst>
+              <a:ext uri="{FF2B5EF4-FFF2-40B4-BE49-F238E27FC236}">
+                <a16:creationId xmlns:a16="http://schemas.microsoft.com/office/drawing/2014/main" id="{E9DE1BCE-1CFC-1441-96B8-215353ACF262}"/>
               </a:ext>
             </a:extLst>
           </p:cNvPr>
@@ -3873,8 +4904,8 @@
         </p:nvSpPr>
         <p:spPr>
           <a:xfrm>
-            <a:off x="4860053" y="4618896"/>
-            <a:ext cx="1128765" cy="296879"/>
+            <a:off x="376506" y="3771032"/>
+            <a:ext cx="1128765" cy="1435235"/>
           </a:xfrm>
           <a:prstGeom prst="rect">
             <a:avLst/>
@@ -3885,68 +4916,14 @@
               <a:lumOff val="80000"/>
             </a:schemeClr>
           </a:solidFill>
-        </p:spPr>
-        <p:style>
-          <a:lnRef idx="2">
-            <a:schemeClr val="accent1">
-              <a:shade val="50000"/>
-            </a:schemeClr>
-          </a:lnRef>
-          <a:fillRef idx="1">
-            <a:schemeClr val="accent1"/>
-          </a:fillRef>
-          <a:effectRef idx="0">
-            <a:schemeClr val="accent1"/>
-          </a:effectRef>
-          <a:fontRef idx="minor">
-            <a:schemeClr val="lt1"/>
-          </a:fontRef>
-        </p:style>
-        <p:txBody>
-          <a:bodyPr rtlCol="0" anchor="ctr"/>
-          <a:lstStyle/>
-          <a:p>
-            <a:pPr algn="ctr"/>
-            <a:r>
-              <a:rPr lang="en-US" sz="1000" dirty="0">
-                <a:solidFill>
-                  <a:schemeClr val="tx1"/>
-                </a:solidFill>
-                <a:latin typeface="Menlo" panose="020B0609030804020204" pitchFamily="49" charset="0"/>
-                <a:ea typeface="Menlo" panose="020B0609030804020204" pitchFamily="49" charset="0"/>
-                <a:cs typeface="Menlo" panose="020B0609030804020204" pitchFamily="49" charset="0"/>
-              </a:rPr>
-              <a:t>USS UI</a:t>
-            </a:r>
-          </a:p>
-        </p:txBody>
-      </p:sp>
-      <p:sp>
-        <p:nvSpPr>
-          <p:cNvPr id="14" name="Rectangle 13">
-            <a:extLst>
-              <a:ext uri="{FF2B5EF4-FFF2-40B4-BE49-F238E27FC236}">
-                <a16:creationId xmlns:a16="http://schemas.microsoft.com/office/drawing/2014/main" id="{2764B663-728E-984E-B3ED-CEFDE68E4955}"/>
-              </a:ext>
-            </a:extLst>
-          </p:cNvPr>
-          <p:cNvSpPr/>
-          <p:nvPr/>
-        </p:nvSpPr>
-        <p:spPr>
-          <a:xfrm>
-            <a:off x="4860052" y="5236870"/>
-            <a:ext cx="1128765" cy="1435234"/>
-          </a:xfrm>
-          <a:prstGeom prst="rect">
-            <a:avLst/>
-          </a:prstGeom>
-          <a:solidFill>
-            <a:schemeClr val="accent6">
-              <a:lumMod val="20000"/>
-              <a:lumOff val="80000"/>
-            </a:schemeClr>
-          </a:solidFill>
+          <a:ln>
+            <a:solidFill>
+              <a:schemeClr val="accent6">
+                <a:lumMod val="60000"/>
+                <a:lumOff val="40000"/>
+              </a:schemeClr>
+            </a:solidFill>
+          </a:ln>
         </p:spPr>
         <p:style>
           <a:lnRef idx="2">
@@ -3982,10 +4959,10 @@
       </p:sp>
       <p:sp>
         <p:nvSpPr>
-          <p:cNvPr id="16" name="Rectangle 15">
-            <a:extLst>
-              <a:ext uri="{FF2B5EF4-FFF2-40B4-BE49-F238E27FC236}">
-                <a16:creationId xmlns:a16="http://schemas.microsoft.com/office/drawing/2014/main" id="{8B5C5E09-D865-F64F-BD53-2026CC8FDD88}"/>
+          <p:cNvPr id="62" name="Rectangle 61">
+            <a:extLst>
+              <a:ext uri="{FF2B5EF4-FFF2-40B4-BE49-F238E27FC236}">
+                <a16:creationId xmlns:a16="http://schemas.microsoft.com/office/drawing/2014/main" id="{6B2BC080-CDFD-1C40-9018-2717D47E1571}"/>
               </a:ext>
             </a:extLst>
           </p:cNvPr>
@@ -3994,179 +4971,8 @@
         </p:nvSpPr>
         <p:spPr>
           <a:xfrm>
-            <a:off x="1137975" y="3133412"/>
-            <a:ext cx="818941" cy="492369"/>
-          </a:xfrm>
-          <a:prstGeom prst="rect">
-            <a:avLst/>
-          </a:prstGeom>
-          <a:noFill/>
-        </p:spPr>
-        <p:style>
-          <a:lnRef idx="2">
-            <a:schemeClr val="accent1">
-              <a:shade val="50000"/>
-            </a:schemeClr>
-          </a:lnRef>
-          <a:fillRef idx="1">
-            <a:schemeClr val="accent1"/>
-          </a:fillRef>
-          <a:effectRef idx="0">
-            <a:schemeClr val="accent1"/>
-          </a:effectRef>
-          <a:fontRef idx="minor">
-            <a:schemeClr val="lt1"/>
-          </a:fontRef>
-        </p:style>
-        <p:txBody>
-          <a:bodyPr rtlCol="0" anchor="ctr"/>
-          <a:lstStyle/>
-          <a:p>
-            <a:pPr algn="ctr"/>
-            <a:r>
-              <a:rPr lang="en-US" sz="1000" dirty="0">
-                <a:solidFill>
-                  <a:schemeClr val="tx1"/>
-                </a:solidFill>
-                <a:latin typeface="Menlo" panose="020B0609030804020204" pitchFamily="49" charset="0"/>
-                <a:ea typeface="Menlo" panose="020B0609030804020204" pitchFamily="49" charset="0"/>
-                <a:cs typeface="Menlo" panose="020B0609030804020204" pitchFamily="49" charset="0"/>
-              </a:rPr>
-              <a:t>MVS Explorer</a:t>
-            </a:r>
-          </a:p>
-        </p:txBody>
-      </p:sp>
-      <p:sp>
-        <p:nvSpPr>
-          <p:cNvPr id="17" name="Rectangle 16">
-            <a:extLst>
-              <a:ext uri="{FF2B5EF4-FFF2-40B4-BE49-F238E27FC236}">
-                <a16:creationId xmlns:a16="http://schemas.microsoft.com/office/drawing/2014/main" id="{01E78782-BDE8-4246-B833-2A630E577674}"/>
-              </a:ext>
-            </a:extLst>
-          </p:cNvPr>
-          <p:cNvSpPr/>
-          <p:nvPr/>
-        </p:nvSpPr>
-        <p:spPr>
-          <a:xfrm>
-            <a:off x="1137974" y="3731292"/>
-            <a:ext cx="818941" cy="492369"/>
-          </a:xfrm>
-          <a:prstGeom prst="rect">
-            <a:avLst/>
-          </a:prstGeom>
-          <a:noFill/>
-        </p:spPr>
-        <p:style>
-          <a:lnRef idx="2">
-            <a:schemeClr val="accent1">
-              <a:shade val="50000"/>
-            </a:schemeClr>
-          </a:lnRef>
-          <a:fillRef idx="1">
-            <a:schemeClr val="accent1"/>
-          </a:fillRef>
-          <a:effectRef idx="0">
-            <a:schemeClr val="accent1"/>
-          </a:effectRef>
-          <a:fontRef idx="minor">
-            <a:schemeClr val="lt1"/>
-          </a:fontRef>
-        </p:style>
-        <p:txBody>
-          <a:bodyPr rtlCol="0" anchor="ctr"/>
-          <a:lstStyle/>
-          <a:p>
-            <a:pPr algn="ctr"/>
-            <a:r>
-              <a:rPr lang="en-US" sz="1000" dirty="0">
-                <a:solidFill>
-                  <a:schemeClr val="tx1"/>
-                </a:solidFill>
-                <a:latin typeface="Menlo" panose="020B0609030804020204" pitchFamily="49" charset="0"/>
-                <a:ea typeface="Menlo" panose="020B0609030804020204" pitchFamily="49" charset="0"/>
-                <a:cs typeface="Menlo" panose="020B0609030804020204" pitchFamily="49" charset="0"/>
-              </a:rPr>
-              <a:t>JES Explorer</a:t>
-            </a:r>
-          </a:p>
-        </p:txBody>
-      </p:sp>
-      <p:sp>
-        <p:nvSpPr>
-          <p:cNvPr id="18" name="Rectangle 17">
-            <a:extLst>
-              <a:ext uri="{FF2B5EF4-FFF2-40B4-BE49-F238E27FC236}">
-                <a16:creationId xmlns:a16="http://schemas.microsoft.com/office/drawing/2014/main" id="{9CF7DECA-EF9C-594E-B4AE-69F349DA7588}"/>
-              </a:ext>
-            </a:extLst>
-          </p:cNvPr>
-          <p:cNvSpPr/>
-          <p:nvPr/>
-        </p:nvSpPr>
-        <p:spPr>
-          <a:xfrm>
-            <a:off x="1137974" y="4305728"/>
-            <a:ext cx="818941" cy="492369"/>
-          </a:xfrm>
-          <a:prstGeom prst="rect">
-            <a:avLst/>
-          </a:prstGeom>
-          <a:noFill/>
-        </p:spPr>
-        <p:style>
-          <a:lnRef idx="2">
-            <a:schemeClr val="accent1">
-              <a:shade val="50000"/>
-            </a:schemeClr>
-          </a:lnRef>
-          <a:fillRef idx="1">
-            <a:schemeClr val="accent1"/>
-          </a:fillRef>
-          <a:effectRef idx="0">
-            <a:schemeClr val="accent1"/>
-          </a:effectRef>
-          <a:fontRef idx="minor">
-            <a:schemeClr val="lt1"/>
-          </a:fontRef>
-        </p:style>
-        <p:txBody>
-          <a:bodyPr rtlCol="0" anchor="ctr"/>
-          <a:lstStyle/>
-          <a:p>
-            <a:pPr algn="ctr"/>
-            <a:r>
-              <a:rPr lang="en-US" sz="1000" dirty="0">
-                <a:solidFill>
-                  <a:schemeClr val="tx1"/>
-                </a:solidFill>
-                <a:latin typeface="Menlo" panose="020B0609030804020204" pitchFamily="49" charset="0"/>
-                <a:ea typeface="Menlo" panose="020B0609030804020204" pitchFamily="49" charset="0"/>
-                <a:cs typeface="Menlo" panose="020B0609030804020204" pitchFamily="49" charset="0"/>
-              </a:rPr>
-              <a:t>USS Explorer</a:t>
-            </a:r>
-          </a:p>
-        </p:txBody>
-      </p:sp>
-      <p:sp>
-        <p:nvSpPr>
-          <p:cNvPr id="21" name="Rectangle 20">
-            <a:extLst>
-              <a:ext uri="{FF2B5EF4-FFF2-40B4-BE49-F238E27FC236}">
-                <a16:creationId xmlns:a16="http://schemas.microsoft.com/office/drawing/2014/main" id="{577FD882-E9A5-CF45-B31B-1A2B9B9F78F7}"/>
-              </a:ext>
-            </a:extLst>
-          </p:cNvPr>
-          <p:cNvSpPr/>
-          <p:nvPr/>
-        </p:nvSpPr>
-        <p:spPr>
-          <a:xfrm>
-            <a:off x="1137974" y="5176603"/>
-            <a:ext cx="818941" cy="492369"/>
+            <a:off x="832031" y="4519628"/>
+            <a:ext cx="673240" cy="329105"/>
           </a:xfrm>
           <a:prstGeom prst="rect">
             <a:avLst/>
@@ -4210,10 +5016,10 @@
       </p:sp>
       <p:sp>
         <p:nvSpPr>
-          <p:cNvPr id="22" name="Rectangle 21">
-            <a:extLst>
-              <a:ext uri="{FF2B5EF4-FFF2-40B4-BE49-F238E27FC236}">
-                <a16:creationId xmlns:a16="http://schemas.microsoft.com/office/drawing/2014/main" id="{A85D1C91-D07C-6A4F-AE8D-4667E7F189A9}"/>
+          <p:cNvPr id="63" name="Rectangle 62">
+            <a:extLst>
+              <a:ext uri="{FF2B5EF4-FFF2-40B4-BE49-F238E27FC236}">
+                <a16:creationId xmlns:a16="http://schemas.microsoft.com/office/drawing/2014/main" id="{656EF613-5B84-354E-925D-A378D66F1CF1}"/>
               </a:ext>
             </a:extLst>
           </p:cNvPr>
@@ -4222,8 +5028,8 @@
         </p:nvSpPr>
         <p:spPr>
           <a:xfrm>
-            <a:off x="1137973" y="5822200"/>
-            <a:ext cx="818941" cy="492369"/>
+            <a:off x="832031" y="4840722"/>
+            <a:ext cx="673240" cy="329105"/>
           </a:xfrm>
           <a:prstGeom prst="rect">
             <a:avLst/>
@@ -4267,10 +5073,10 @@
       </p:sp>
       <p:sp>
         <p:nvSpPr>
-          <p:cNvPr id="23" name="Rectangle 22">
-            <a:extLst>
-              <a:ext uri="{FF2B5EF4-FFF2-40B4-BE49-F238E27FC236}">
-                <a16:creationId xmlns:a16="http://schemas.microsoft.com/office/drawing/2014/main" id="{D2036137-5B9D-9346-8427-CFC5E80F2266}"/>
+          <p:cNvPr id="64" name="Rectangle 63">
+            <a:extLst>
+              <a:ext uri="{FF2B5EF4-FFF2-40B4-BE49-F238E27FC236}">
+                <a16:creationId xmlns:a16="http://schemas.microsoft.com/office/drawing/2014/main" id="{B7ADD677-D2DA-7F4A-AC17-74AA3E9225A1}"/>
               </a:ext>
             </a:extLst>
           </p:cNvPr>
@@ -4279,8 +5085,8 @@
         </p:nvSpPr>
         <p:spPr>
           <a:xfrm>
-            <a:off x="5315578" y="5985464"/>
-            <a:ext cx="673240" cy="329105"/>
+            <a:off x="376507" y="3771034"/>
+            <a:ext cx="1128765" cy="492369"/>
           </a:xfrm>
           <a:prstGeom prst="rect">
             <a:avLst/>
@@ -4317,74 +5123,56 @@
                 <a:ea typeface="Menlo" panose="020B0609030804020204" pitchFamily="49" charset="0"/>
                 <a:cs typeface="Menlo" panose="020B0609030804020204" pitchFamily="49" charset="0"/>
               </a:rPr>
-              <a:t>TN3270</a:t>
-            </a:r>
-          </a:p>
-        </p:txBody>
-      </p:sp>
-      <p:sp>
-        <p:nvSpPr>
-          <p:cNvPr id="24" name="Rectangle 23">
-            <a:extLst>
-              <a:ext uri="{FF2B5EF4-FFF2-40B4-BE49-F238E27FC236}">
-                <a16:creationId xmlns:a16="http://schemas.microsoft.com/office/drawing/2014/main" id="{679DCE57-15E8-C846-81F6-93F4875866C0}"/>
-              </a:ext>
-            </a:extLst>
-          </p:cNvPr>
-          <p:cNvSpPr/>
-          <p:nvPr/>
-        </p:nvSpPr>
-        <p:spPr>
-          <a:xfrm>
-            <a:off x="5315578" y="6306559"/>
-            <a:ext cx="673240" cy="329105"/>
+              <a:t>ZLUX</a:t>
+            </a:r>
+          </a:p>
+        </p:txBody>
+      </p:sp>
+      <p:sp>
+        <p:nvSpPr>
+          <p:cNvPr id="65" name="TextBox 64">
+            <a:extLst>
+              <a:ext uri="{FF2B5EF4-FFF2-40B4-BE49-F238E27FC236}">
+                <a16:creationId xmlns:a16="http://schemas.microsoft.com/office/drawing/2014/main" id="{5812FD3A-B0DF-7746-BD53-0047BF61959E}"/>
+              </a:ext>
+            </a:extLst>
+          </p:cNvPr>
+          <p:cNvSpPr txBox="1"/>
+          <p:nvPr/>
+        </p:nvSpPr>
+        <p:spPr>
+          <a:xfrm>
+            <a:off x="454836" y="3509422"/>
+            <a:ext cx="524503" cy="261610"/>
           </a:xfrm>
           <a:prstGeom prst="rect">
             <a:avLst/>
           </a:prstGeom>
           <a:noFill/>
         </p:spPr>
-        <p:style>
-          <a:lnRef idx="2">
-            <a:schemeClr val="accent1">
-              <a:shade val="50000"/>
-            </a:schemeClr>
-          </a:lnRef>
-          <a:fillRef idx="1">
-            <a:schemeClr val="accent1"/>
-          </a:fillRef>
-          <a:effectRef idx="0">
-            <a:schemeClr val="accent1"/>
-          </a:effectRef>
-          <a:fontRef idx="minor">
-            <a:schemeClr val="lt1"/>
-          </a:fontRef>
-        </p:style>
-        <p:txBody>
-          <a:bodyPr rtlCol="0" anchor="ctr"/>
-          <a:lstStyle/>
-          <a:p>
-            <a:pPr algn="ctr"/>
-            <a:r>
-              <a:rPr lang="en-US" sz="1000" dirty="0">
-                <a:solidFill>
-                  <a:schemeClr val="tx1"/>
-                </a:solidFill>
+        <p:txBody>
+          <a:bodyPr wrap="none" rtlCol="0">
+            <a:spAutoFit/>
+          </a:bodyPr>
+          <a:lstStyle/>
+          <a:p>
+            <a:r>
+              <a:rPr lang="en-US" sz="1100" dirty="0">
                 <a:latin typeface="Menlo" panose="020B0609030804020204" pitchFamily="49" charset="0"/>
                 <a:ea typeface="Menlo" panose="020B0609030804020204" pitchFamily="49" charset="0"/>
                 <a:cs typeface="Menlo" panose="020B0609030804020204" pitchFamily="49" charset="0"/>
               </a:rPr>
-              <a:t>VT</a:t>
-            </a:r>
-          </a:p>
-        </p:txBody>
-      </p:sp>
-      <p:sp>
-        <p:nvSpPr>
-          <p:cNvPr id="26" name="Rectangle 25">
-            <a:extLst>
-              <a:ext uri="{FF2B5EF4-FFF2-40B4-BE49-F238E27FC236}">
-                <a16:creationId xmlns:a16="http://schemas.microsoft.com/office/drawing/2014/main" id="{9C104D71-4326-7D43-BD33-3DB0D282570A}"/>
+              <a:t>8544</a:t>
+            </a:r>
+          </a:p>
+        </p:txBody>
+      </p:sp>
+      <p:sp>
+        <p:nvSpPr>
+          <p:cNvPr id="66" name="Rectangle 65">
+            <a:extLst>
+              <a:ext uri="{FF2B5EF4-FFF2-40B4-BE49-F238E27FC236}">
+                <a16:creationId xmlns:a16="http://schemas.microsoft.com/office/drawing/2014/main" id="{E70C2438-F7B1-AA4F-85F2-E8948FBA6F32}"/>
               </a:ext>
             </a:extLst>
           </p:cNvPr>
@@ -4393,8 +5181,8 @@
         </p:nvSpPr>
         <p:spPr>
           <a:xfrm>
-            <a:off x="7303476" y="5248599"/>
-            <a:ext cx="1128765" cy="492369"/>
+            <a:off x="376504" y="5715002"/>
+            <a:ext cx="1128765" cy="276391"/>
           </a:xfrm>
           <a:prstGeom prst="rect">
             <a:avLst/>
@@ -4446,12 +5234,93 @@
           </a:p>
         </p:txBody>
       </p:sp>
-      <p:sp>
-        <p:nvSpPr>
-          <p:cNvPr id="27" name="Rectangle 26">
-            <a:extLst>
-              <a:ext uri="{FF2B5EF4-FFF2-40B4-BE49-F238E27FC236}">
-                <a16:creationId xmlns:a16="http://schemas.microsoft.com/office/drawing/2014/main" id="{70628FF6-AD87-3044-B75F-615570D21502}"/>
+      <p:cxnSp>
+        <p:nvCxnSpPr>
+          <p:cNvPr id="67" name="Straight Arrow Connector 66">
+            <a:extLst>
+              <a:ext uri="{FF2B5EF4-FFF2-40B4-BE49-F238E27FC236}">
+                <a16:creationId xmlns:a16="http://schemas.microsoft.com/office/drawing/2014/main" id="{14C9C9C0-A1B2-754A-8AC7-11549460EE6B}"/>
+              </a:ext>
+            </a:extLst>
+          </p:cNvPr>
+          <p:cNvCxnSpPr>
+            <a:cxnSpLocks/>
+          </p:cNvCxnSpPr>
+          <p:nvPr/>
+        </p:nvCxnSpPr>
+        <p:spPr>
+          <a:xfrm>
+            <a:off x="915053" y="5216206"/>
+            <a:ext cx="0" cy="462817"/>
+          </a:xfrm>
+          <a:prstGeom prst="straightConnector1">
+            <a:avLst/>
+          </a:prstGeom>
+          <a:ln>
+            <a:headEnd type="triangle"/>
+            <a:tailEnd type="triangle"/>
+          </a:ln>
+        </p:spPr>
+        <p:style>
+          <a:lnRef idx="1">
+            <a:schemeClr val="accent1"/>
+          </a:lnRef>
+          <a:fillRef idx="0">
+            <a:schemeClr val="accent1"/>
+          </a:fillRef>
+          <a:effectRef idx="0">
+            <a:schemeClr val="accent1"/>
+          </a:effectRef>
+          <a:fontRef idx="minor">
+            <a:schemeClr val="tx1"/>
+          </a:fontRef>
+        </p:style>
+      </p:cxnSp>
+      <p:sp>
+        <p:nvSpPr>
+          <p:cNvPr id="68" name="TextBox 67">
+            <a:extLst>
+              <a:ext uri="{FF2B5EF4-FFF2-40B4-BE49-F238E27FC236}">
+                <a16:creationId xmlns:a16="http://schemas.microsoft.com/office/drawing/2014/main" id="{AB4D9C28-D784-F04E-A506-95C735B37F48}"/>
+              </a:ext>
+            </a:extLst>
+          </p:cNvPr>
+          <p:cNvSpPr txBox="1"/>
+          <p:nvPr/>
+        </p:nvSpPr>
+        <p:spPr>
+          <a:xfrm>
+            <a:off x="420382" y="5416951"/>
+            <a:ext cx="524503" cy="261610"/>
+          </a:xfrm>
+          <a:prstGeom prst="rect">
+            <a:avLst/>
+          </a:prstGeom>
+          <a:noFill/>
+        </p:spPr>
+        <p:txBody>
+          <a:bodyPr wrap="none" rtlCol="0">
+            <a:spAutoFit/>
+          </a:bodyPr>
+          <a:lstStyle/>
+          <a:p>
+            <a:r>
+              <a:rPr lang="en-US" sz="1100" dirty="0">
+                <a:latin typeface="Menlo" panose="020B0609030804020204" pitchFamily="49" charset="0"/>
+                <a:ea typeface="Menlo" panose="020B0609030804020204" pitchFamily="49" charset="0"/>
+                <a:cs typeface="Menlo" panose="020B0609030804020204" pitchFamily="49" charset="0"/>
+              </a:rPr>
+              <a:t>8542</a:t>
+            </a:r>
+          </a:p>
+        </p:txBody>
+      </p:sp>
+      <p:sp>
+        <p:nvSpPr>
+          <p:cNvPr id="69" name="Rectangle 68">
+            <a:extLst>
+              <a:ext uri="{FF2B5EF4-FFF2-40B4-BE49-F238E27FC236}">
+                <a16:creationId xmlns:a16="http://schemas.microsoft.com/office/drawing/2014/main" id="{F31D35DC-3E8F-BA43-878A-435AAA2C67B2}"/>
               </a:ext>
             </a:extLst>
           </p:cNvPr>
@@ -4460,8 +5329,8 @@
         </p:nvSpPr>
         <p:spPr>
           <a:xfrm>
-            <a:off x="10349801" y="5236870"/>
-            <a:ext cx="1128765" cy="913147"/>
+            <a:off x="376504" y="6483230"/>
+            <a:ext cx="1128765" cy="276391"/>
           </a:xfrm>
           <a:prstGeom prst="rect">
             <a:avLst/>
@@ -4503,28 +5372,14 @@
               <a:t>ZWESIS01</a:t>
             </a:r>
           </a:p>
-          <a:p>
-            <a:pPr algn="ctr"/>
-            <a:r>
-              <a:rPr lang="en-US" sz="1000" dirty="0">
-                <a:solidFill>
-                  <a:schemeClr val="tx1"/>
-                </a:solidFill>
-                <a:latin typeface="Menlo" panose="020B0609030804020204" pitchFamily="49" charset="0"/>
-                <a:ea typeface="Menlo" panose="020B0609030804020204" pitchFamily="49" charset="0"/>
-                <a:cs typeface="Menlo" panose="020B0609030804020204" pitchFamily="49" charset="0"/>
-              </a:rPr>
-              <a:t>APF Auth load Lib</a:t>
-            </a:r>
-          </a:p>
         </p:txBody>
       </p:sp>
       <p:cxnSp>
         <p:nvCxnSpPr>
-          <p:cNvPr id="29" name="Straight Arrow Connector 28">
-            <a:extLst>
-              <a:ext uri="{FF2B5EF4-FFF2-40B4-BE49-F238E27FC236}">
-                <a16:creationId xmlns:a16="http://schemas.microsoft.com/office/drawing/2014/main" id="{26891715-8DB8-4846-87AE-2CAA54F2E9C4}"/>
+          <p:cNvPr id="71" name="Straight Arrow Connector 70">
+            <a:extLst>
+              <a:ext uri="{FF2B5EF4-FFF2-40B4-BE49-F238E27FC236}">
+                <a16:creationId xmlns:a16="http://schemas.microsoft.com/office/drawing/2014/main" id="{A620CABF-D612-FA4C-92C8-04171C514818}"/>
               </a:ext>
             </a:extLst>
           </p:cNvPr>
@@ -4535,13 +5390,15 @@
         </p:nvCxnSpPr>
         <p:spPr>
           <a:xfrm>
-            <a:off x="1956914" y="3406391"/>
-            <a:ext cx="1680589" cy="0"/>
+            <a:off x="940887" y="5991392"/>
+            <a:ext cx="0" cy="491837"/>
           </a:xfrm>
           <a:prstGeom prst="straightConnector1">
             <a:avLst/>
           </a:prstGeom>
           <a:ln>
+            <a:prstDash val="dash"/>
+            <a:headEnd type="triangle"/>
             <a:tailEnd type="triangle"/>
           </a:ln>
         </p:spPr>
@@ -4560,309 +5417,51 @@
           </a:fontRef>
         </p:style>
       </p:cxnSp>
-      <p:cxnSp>
-        <p:nvCxnSpPr>
-          <p:cNvPr id="34" name="Elbow Connector 33">
-            <a:extLst>
-              <a:ext uri="{FF2B5EF4-FFF2-40B4-BE49-F238E27FC236}">
-                <a16:creationId xmlns:a16="http://schemas.microsoft.com/office/drawing/2014/main" id="{36AE9E49-38BC-674A-B54A-24A93E4727C5}"/>
-              </a:ext>
-            </a:extLst>
-          </p:cNvPr>
-          <p:cNvCxnSpPr>
-            <a:cxnSpLocks/>
-          </p:cNvCxnSpPr>
-          <p:nvPr/>
-        </p:nvCxnSpPr>
-        <p:spPr>
-          <a:xfrm flipV="1">
-            <a:off x="3758084" y="2750283"/>
-            <a:ext cx="1101967" cy="654176"/>
-          </a:xfrm>
-          <a:prstGeom prst="bentConnector3">
-            <a:avLst/>
-          </a:prstGeom>
-          <a:ln>
-            <a:headEnd type="triangle"/>
-            <a:tailEnd type="triangle"/>
-          </a:ln>
-        </p:spPr>
-        <p:style>
-          <a:lnRef idx="1">
-            <a:schemeClr val="accent1"/>
-          </a:lnRef>
-          <a:fillRef idx="0">
-            <a:schemeClr val="accent1"/>
-          </a:fillRef>
-          <a:effectRef idx="0">
-            <a:schemeClr val="accent1"/>
-          </a:effectRef>
-          <a:fontRef idx="minor">
-            <a:schemeClr val="tx1"/>
-          </a:fontRef>
-        </p:style>
-      </p:cxnSp>
-      <p:cxnSp>
-        <p:nvCxnSpPr>
-          <p:cNvPr id="36" name="Straight Arrow Connector 35">
-            <a:extLst>
-              <a:ext uri="{FF2B5EF4-FFF2-40B4-BE49-F238E27FC236}">
-                <a16:creationId xmlns:a16="http://schemas.microsoft.com/office/drawing/2014/main" id="{2E3E736C-0428-544C-AF42-CED2CB1ACC5A}"/>
-              </a:ext>
-            </a:extLst>
-          </p:cNvPr>
-          <p:cNvCxnSpPr>
-            <a:cxnSpLocks/>
-          </p:cNvCxnSpPr>
-          <p:nvPr/>
-        </p:nvCxnSpPr>
-        <p:spPr>
-          <a:xfrm>
-            <a:off x="1949376" y="3528646"/>
-            <a:ext cx="1680589" cy="0"/>
-          </a:xfrm>
-          <a:prstGeom prst="straightConnector1">
-            <a:avLst/>
-          </a:prstGeom>
-          <a:ln>
-            <a:tailEnd type="triangle"/>
-          </a:ln>
-        </p:spPr>
-        <p:style>
-          <a:lnRef idx="1">
-            <a:schemeClr val="accent1"/>
-          </a:lnRef>
-          <a:fillRef idx="0">
-            <a:schemeClr val="accent1"/>
-          </a:fillRef>
-          <a:effectRef idx="0">
-            <a:schemeClr val="accent1"/>
-          </a:effectRef>
-          <a:fontRef idx="minor">
-            <a:schemeClr val="tx1"/>
-          </a:fontRef>
-        </p:style>
-      </p:cxnSp>
-      <p:cxnSp>
-        <p:nvCxnSpPr>
-          <p:cNvPr id="37" name="Elbow Connector 36">
-            <a:extLst>
-              <a:ext uri="{FF2B5EF4-FFF2-40B4-BE49-F238E27FC236}">
-                <a16:creationId xmlns:a16="http://schemas.microsoft.com/office/drawing/2014/main" id="{5FC20179-9397-004F-96C9-64C5A5AA5F67}"/>
-              </a:ext>
-            </a:extLst>
-          </p:cNvPr>
-          <p:cNvCxnSpPr>
-            <a:cxnSpLocks/>
-            <a:endCxn id="9" idx="1"/>
-          </p:cNvCxnSpPr>
-          <p:nvPr/>
-        </p:nvCxnSpPr>
-        <p:spPr>
-          <a:xfrm flipV="1">
-            <a:off x="3771483" y="3155035"/>
-            <a:ext cx="1088568" cy="377624"/>
-          </a:xfrm>
-          <a:prstGeom prst="bentConnector3">
-            <a:avLst>
-              <a:gd name="adj1" fmla="val 68462"/>
-            </a:avLst>
-          </a:prstGeom>
-          <a:ln>
-            <a:headEnd type="triangle"/>
-            <a:tailEnd type="triangle"/>
-          </a:ln>
-        </p:spPr>
-        <p:style>
-          <a:lnRef idx="1">
-            <a:schemeClr val="accent1"/>
-          </a:lnRef>
-          <a:fillRef idx="0">
-            <a:schemeClr val="accent1"/>
-          </a:fillRef>
-          <a:effectRef idx="0">
-            <a:schemeClr val="accent1"/>
-          </a:effectRef>
-          <a:fontRef idx="minor">
-            <a:schemeClr val="tx1"/>
-          </a:fontRef>
-        </p:style>
-      </p:cxnSp>
-      <p:cxnSp>
-        <p:nvCxnSpPr>
-          <p:cNvPr id="40" name="Straight Arrow Connector 39">
-            <a:extLst>
-              <a:ext uri="{FF2B5EF4-FFF2-40B4-BE49-F238E27FC236}">
-                <a16:creationId xmlns:a16="http://schemas.microsoft.com/office/drawing/2014/main" id="{EAEEA887-86E7-6544-BDC0-D16FDDC15CFA}"/>
-              </a:ext>
-            </a:extLst>
-          </p:cNvPr>
-          <p:cNvCxnSpPr>
-            <a:cxnSpLocks/>
-          </p:cNvCxnSpPr>
-          <p:nvPr/>
-        </p:nvCxnSpPr>
-        <p:spPr>
-          <a:xfrm>
-            <a:off x="1949375" y="4149360"/>
-            <a:ext cx="1680589" cy="0"/>
-          </a:xfrm>
-          <a:prstGeom prst="straightConnector1">
-            <a:avLst/>
-          </a:prstGeom>
-          <a:ln>
-            <a:tailEnd type="triangle"/>
-          </a:ln>
-        </p:spPr>
-        <p:style>
-          <a:lnRef idx="1">
-            <a:schemeClr val="accent1"/>
-          </a:lnRef>
-          <a:fillRef idx="0">
-            <a:schemeClr val="accent1"/>
-          </a:fillRef>
-          <a:effectRef idx="0">
-            <a:schemeClr val="accent1"/>
-          </a:effectRef>
-          <a:fontRef idx="minor">
-            <a:schemeClr val="tx1"/>
-          </a:fontRef>
-        </p:style>
-      </p:cxnSp>
-      <p:cxnSp>
-        <p:nvCxnSpPr>
-          <p:cNvPr id="41" name="Straight Arrow Connector 40">
-            <a:extLst>
-              <a:ext uri="{FF2B5EF4-FFF2-40B4-BE49-F238E27FC236}">
-                <a16:creationId xmlns:a16="http://schemas.microsoft.com/office/drawing/2014/main" id="{C6B2671E-62D7-D742-BF96-3C5F92A5DDA0}"/>
-              </a:ext>
-            </a:extLst>
-          </p:cNvPr>
-          <p:cNvCxnSpPr>
-            <a:cxnSpLocks/>
-          </p:cNvCxnSpPr>
-          <p:nvPr/>
-        </p:nvCxnSpPr>
-        <p:spPr>
-          <a:xfrm>
-            <a:off x="1956914" y="4022695"/>
-            <a:ext cx="1680589" cy="0"/>
-          </a:xfrm>
-          <a:prstGeom prst="straightConnector1">
-            <a:avLst/>
-          </a:prstGeom>
-          <a:ln>
-            <a:tailEnd type="triangle"/>
-          </a:ln>
-        </p:spPr>
-        <p:style>
-          <a:lnRef idx="1">
-            <a:schemeClr val="accent1"/>
-          </a:lnRef>
-          <a:fillRef idx="0">
-            <a:schemeClr val="accent1"/>
-          </a:fillRef>
-          <a:effectRef idx="0">
-            <a:schemeClr val="accent1"/>
-          </a:effectRef>
-          <a:fontRef idx="minor">
-            <a:schemeClr val="tx1"/>
-          </a:fontRef>
-        </p:style>
-      </p:cxnSp>
-      <p:cxnSp>
-        <p:nvCxnSpPr>
-          <p:cNvPr id="42" name="Elbow Connector 41">
-            <a:extLst>
-              <a:ext uri="{FF2B5EF4-FFF2-40B4-BE49-F238E27FC236}">
-                <a16:creationId xmlns:a16="http://schemas.microsoft.com/office/drawing/2014/main" id="{942E02E1-224F-E440-9AF9-AF87EC04B9A5}"/>
-              </a:ext>
-            </a:extLst>
-          </p:cNvPr>
-          <p:cNvCxnSpPr>
-            <a:cxnSpLocks/>
-            <a:endCxn id="10" idx="1"/>
-          </p:cNvCxnSpPr>
-          <p:nvPr/>
-        </p:nvCxnSpPr>
-        <p:spPr>
-          <a:xfrm flipV="1">
-            <a:off x="3890385" y="3772556"/>
-            <a:ext cx="969666" cy="256630"/>
-          </a:xfrm>
-          <a:prstGeom prst="bentConnector3">
-            <a:avLst>
-              <a:gd name="adj1" fmla="val 50000"/>
-            </a:avLst>
-          </a:prstGeom>
-          <a:ln>
-            <a:headEnd type="triangle"/>
-            <a:tailEnd type="triangle"/>
-          </a:ln>
-        </p:spPr>
-        <p:style>
-          <a:lnRef idx="1">
-            <a:schemeClr val="accent1"/>
-          </a:lnRef>
-          <a:fillRef idx="0">
-            <a:schemeClr val="accent1"/>
-          </a:fillRef>
-          <a:effectRef idx="0">
-            <a:schemeClr val="accent1"/>
-          </a:effectRef>
-          <a:fontRef idx="minor">
-            <a:schemeClr val="tx1"/>
-          </a:fontRef>
-        </p:style>
-      </p:cxnSp>
-      <p:cxnSp>
-        <p:nvCxnSpPr>
-          <p:cNvPr id="45" name="Straight Arrow Connector 44">
-            <a:extLst>
-              <a:ext uri="{FF2B5EF4-FFF2-40B4-BE49-F238E27FC236}">
-                <a16:creationId xmlns:a16="http://schemas.microsoft.com/office/drawing/2014/main" id="{7215791C-6429-2E4F-B390-5EEF4003BAFC}"/>
-              </a:ext>
-            </a:extLst>
-          </p:cNvPr>
-          <p:cNvCxnSpPr>
-            <a:cxnSpLocks/>
-            <a:endCxn id="11" idx="1"/>
-          </p:cNvCxnSpPr>
-          <p:nvPr/>
-        </p:nvCxnSpPr>
-        <p:spPr>
-          <a:xfrm flipV="1">
-            <a:off x="3964910" y="4149361"/>
-            <a:ext cx="895143" cy="10164"/>
-          </a:xfrm>
-          <a:prstGeom prst="straightConnector1">
-            <a:avLst/>
-          </a:prstGeom>
-          <a:ln>
-            <a:tailEnd type="triangle"/>
-          </a:ln>
-        </p:spPr>
-        <p:style>
-          <a:lnRef idx="1">
-            <a:schemeClr val="accent1"/>
-          </a:lnRef>
-          <a:fillRef idx="0">
-            <a:schemeClr val="accent1"/>
-          </a:fillRef>
-          <a:effectRef idx="0">
-            <a:schemeClr val="accent1"/>
-          </a:effectRef>
-          <a:fontRef idx="minor">
-            <a:schemeClr val="tx1"/>
-          </a:fontRef>
-        </p:style>
-      </p:cxnSp>
-      <p:sp>
-        <p:nvSpPr>
-          <p:cNvPr id="49" name="Rectangle 48">
-            <a:extLst>
-              <a:ext uri="{FF2B5EF4-FFF2-40B4-BE49-F238E27FC236}">
-                <a16:creationId xmlns:a16="http://schemas.microsoft.com/office/drawing/2014/main" id="{55F16A1F-43FE-1B45-A470-3B36911710B7}"/>
+      <p:sp>
+        <p:nvSpPr>
+          <p:cNvPr id="73" name="TextBox 72">
+            <a:extLst>
+              <a:ext uri="{FF2B5EF4-FFF2-40B4-BE49-F238E27FC236}">
+                <a16:creationId xmlns:a16="http://schemas.microsoft.com/office/drawing/2014/main" id="{30F200DC-F6DD-1040-B383-4FD5972148F5}"/>
+              </a:ext>
+            </a:extLst>
+          </p:cNvPr>
+          <p:cNvSpPr txBox="1"/>
+          <p:nvPr/>
+        </p:nvSpPr>
+        <p:spPr>
+          <a:xfrm>
+            <a:off x="369877" y="6181234"/>
+            <a:ext cx="609462" cy="261610"/>
+          </a:xfrm>
+          <a:prstGeom prst="rect">
+            <a:avLst/>
+          </a:prstGeom>
+          <a:noFill/>
+        </p:spPr>
+        <p:txBody>
+          <a:bodyPr wrap="none" rtlCol="0">
+            <a:spAutoFit/>
+          </a:bodyPr>
+          <a:lstStyle/>
+          <a:p>
+            <a:r>
+              <a:rPr lang="en-US" sz="1100" dirty="0">
+                <a:latin typeface="Menlo" panose="020B0609030804020204" pitchFamily="49" charset="0"/>
+                <a:ea typeface="Menlo" panose="020B0609030804020204" pitchFamily="49" charset="0"/>
+                <a:cs typeface="Menlo" panose="020B0609030804020204" pitchFamily="49" charset="0"/>
+              </a:rPr>
+              <a:t>X-MEM</a:t>
+            </a:r>
+          </a:p>
+        </p:txBody>
+      </p:sp>
+      <p:sp>
+        <p:nvSpPr>
+          <p:cNvPr id="74" name="Rectangle 73">
+            <a:extLst>
+              <a:ext uri="{FF2B5EF4-FFF2-40B4-BE49-F238E27FC236}">
+                <a16:creationId xmlns:a16="http://schemas.microsoft.com/office/drawing/2014/main" id="{E407C455-D8CE-5944-91A4-CE85F241ACE2}"/>
               </a:ext>
             </a:extLst>
           </p:cNvPr>
@@ -4871,8 +5470,8 @@
         </p:nvSpPr>
         <p:spPr>
           <a:xfrm>
-            <a:off x="10349801" y="1198288"/>
-            <a:ext cx="1128765" cy="2533004"/>
+            <a:off x="7035557" y="5292294"/>
+            <a:ext cx="1586963" cy="484323"/>
           </a:xfrm>
           <a:prstGeom prst="rect">
             <a:avLst/>
@@ -4912,6 +5511,114 @@
               <a:t>z/OSMF</a:t>
             </a:r>
           </a:p>
+        </p:txBody>
+      </p:sp>
+      <p:cxnSp>
+        <p:nvCxnSpPr>
+          <p:cNvPr id="47" name="Straight Arrow Connector 46">
+            <a:extLst>
+              <a:ext uri="{FF2B5EF4-FFF2-40B4-BE49-F238E27FC236}">
+                <a16:creationId xmlns:a16="http://schemas.microsoft.com/office/drawing/2014/main" id="{C21C7C1C-2A6C-8E40-8948-599036CFC2D3}"/>
+              </a:ext>
+            </a:extLst>
+          </p:cNvPr>
+          <p:cNvCxnSpPr>
+            <a:cxnSpLocks/>
+          </p:cNvCxnSpPr>
+          <p:nvPr/>
+        </p:nvCxnSpPr>
+        <p:spPr>
+          <a:xfrm>
+            <a:off x="6510049" y="3270740"/>
+            <a:ext cx="0" cy="1994120"/>
+          </a:xfrm>
+          <a:prstGeom prst="straightConnector1">
+            <a:avLst/>
+          </a:prstGeom>
+          <a:ln>
+            <a:headEnd type="triangle"/>
+            <a:tailEnd type="triangle"/>
+          </a:ln>
+        </p:spPr>
+        <p:style>
+          <a:lnRef idx="1">
+            <a:schemeClr val="accent1"/>
+          </a:lnRef>
+          <a:fillRef idx="0">
+            <a:schemeClr val="accent1"/>
+          </a:fillRef>
+          <a:effectRef idx="0">
+            <a:schemeClr val="accent1"/>
+          </a:effectRef>
+          <a:fontRef idx="minor">
+            <a:schemeClr val="tx1"/>
+          </a:fontRef>
+        </p:style>
+      </p:cxnSp>
+      <p:sp>
+        <p:nvSpPr>
+          <p:cNvPr id="53" name="Rectangle 52">
+            <a:extLst>
+              <a:ext uri="{FF2B5EF4-FFF2-40B4-BE49-F238E27FC236}">
+                <a16:creationId xmlns:a16="http://schemas.microsoft.com/office/drawing/2014/main" id="{3F06A9EE-10D3-3A4C-A679-0EA5B22E7C64}"/>
+              </a:ext>
+            </a:extLst>
+          </p:cNvPr>
+          <p:cNvSpPr/>
+          <p:nvPr/>
+        </p:nvSpPr>
+        <p:spPr>
+          <a:xfrm>
+            <a:off x="801245" y="2459075"/>
+            <a:ext cx="1220029" cy="818942"/>
+          </a:xfrm>
+          <a:prstGeom prst="rect">
+            <a:avLst/>
+          </a:prstGeom>
+          <a:solidFill>
+            <a:schemeClr val="accent4">
+              <a:lumMod val="20000"/>
+              <a:lumOff val="80000"/>
+              <a:alpha val="25000"/>
+            </a:schemeClr>
+          </a:solidFill>
+          <a:ln>
+            <a:prstDash val="dash"/>
+          </a:ln>
+        </p:spPr>
+        <p:style>
+          <a:lnRef idx="2">
+            <a:schemeClr val="accent1">
+              <a:shade val="50000"/>
+            </a:schemeClr>
+          </a:lnRef>
+          <a:fillRef idx="1">
+            <a:schemeClr val="accent1"/>
+          </a:fillRef>
+          <a:effectRef idx="0">
+            <a:schemeClr val="accent1"/>
+          </a:effectRef>
+          <a:fontRef idx="minor">
+            <a:schemeClr val="lt1"/>
+          </a:fontRef>
+        </p:style>
+        <p:txBody>
+          <a:bodyPr rtlCol="0" anchor="ctr"/>
+          <a:lstStyle/>
+          <a:p>
+            <a:pPr algn="ctr"/>
+            <a:r>
+              <a:rPr lang="en-US" sz="1000" dirty="0">
+                <a:solidFill>
+                  <a:schemeClr val="tx1"/>
+                </a:solidFill>
+                <a:latin typeface="Menlo" panose="020B0609030804020204" pitchFamily="49" charset="0"/>
+                <a:ea typeface="Menlo" panose="020B0609030804020204" pitchFamily="49" charset="0"/>
+                <a:cs typeface="Menlo" panose="020B0609030804020204" pitchFamily="49" charset="0"/>
+              </a:rPr>
+              <a:t>In progress</a:t>
+            </a:r>
+          </a:p>
           <a:p>
             <a:pPr algn="ctr"/>
             <a:endParaRPr lang="en-US" sz="1000" dirty="0">
@@ -4925,998 +5632,15 @@
           </a:p>
           <a:p>
             <a:pPr algn="ctr"/>
-            <a:r>
-              <a:rPr lang="en-US" sz="1000" dirty="0">
-                <a:solidFill>
-                  <a:schemeClr val="tx1"/>
-                </a:solidFill>
-                <a:latin typeface="Menlo" panose="020B0609030804020204" pitchFamily="49" charset="0"/>
-                <a:ea typeface="Menlo" panose="020B0609030804020204" pitchFamily="49" charset="0"/>
-                <a:cs typeface="Menlo" panose="020B0609030804020204" pitchFamily="49" charset="0"/>
-              </a:rPr>
-              <a:t>REST API</a:t>
-            </a:r>
-          </a:p>
-        </p:txBody>
-      </p:sp>
-      <p:cxnSp>
-        <p:nvCxnSpPr>
-          <p:cNvPr id="51" name="Elbow Connector 50">
-            <a:extLst>
-              <a:ext uri="{FF2B5EF4-FFF2-40B4-BE49-F238E27FC236}">
-                <a16:creationId xmlns:a16="http://schemas.microsoft.com/office/drawing/2014/main" id="{CB79452C-4099-A640-8BBA-BA67C7D9251C}"/>
-              </a:ext>
-            </a:extLst>
-          </p:cNvPr>
-          <p:cNvCxnSpPr>
-            <a:cxnSpLocks/>
-            <a:endCxn id="23" idx="1"/>
-          </p:cNvCxnSpPr>
-          <p:nvPr/>
-        </p:nvCxnSpPr>
-        <p:spPr>
-          <a:xfrm>
-            <a:off x="1948537" y="5500552"/>
-            <a:ext cx="3367041" cy="649465"/>
-          </a:xfrm>
-          <a:prstGeom prst="bentConnector3">
-            <a:avLst/>
-          </a:prstGeom>
-          <a:ln>
-            <a:headEnd type="triangle"/>
-            <a:tailEnd type="triangle"/>
-          </a:ln>
-        </p:spPr>
-        <p:style>
-          <a:lnRef idx="1">
-            <a:schemeClr val="accent1"/>
-          </a:lnRef>
-          <a:fillRef idx="0">
-            <a:schemeClr val="accent1"/>
-          </a:fillRef>
-          <a:effectRef idx="0">
-            <a:schemeClr val="accent1"/>
-          </a:effectRef>
-          <a:fontRef idx="minor">
-            <a:schemeClr val="tx1"/>
-          </a:fontRef>
-        </p:style>
-      </p:cxnSp>
-      <p:cxnSp>
-        <p:nvCxnSpPr>
-          <p:cNvPr id="53" name="Elbow Connector 52">
-            <a:extLst>
-              <a:ext uri="{FF2B5EF4-FFF2-40B4-BE49-F238E27FC236}">
-                <a16:creationId xmlns:a16="http://schemas.microsoft.com/office/drawing/2014/main" id="{A970A43F-C6C1-624E-A88E-4B65FC4DF9B3}"/>
-              </a:ext>
-            </a:extLst>
-          </p:cNvPr>
-          <p:cNvCxnSpPr>
-            <a:cxnSpLocks/>
-            <a:endCxn id="24" idx="1"/>
-          </p:cNvCxnSpPr>
-          <p:nvPr/>
-        </p:nvCxnSpPr>
-        <p:spPr>
-          <a:xfrm>
-            <a:off x="1956914" y="6055073"/>
-            <a:ext cx="3358664" cy="416039"/>
-          </a:xfrm>
-          <a:prstGeom prst="bentConnector3">
-            <a:avLst>
-              <a:gd name="adj1" fmla="val 50000"/>
-            </a:avLst>
-          </a:prstGeom>
-          <a:ln>
-            <a:headEnd type="triangle"/>
-            <a:tailEnd type="triangle"/>
-          </a:ln>
-        </p:spPr>
-        <p:style>
-          <a:lnRef idx="1">
-            <a:schemeClr val="accent1"/>
-          </a:lnRef>
-          <a:fillRef idx="0">
-            <a:schemeClr val="accent1"/>
-          </a:fillRef>
-          <a:effectRef idx="0">
-            <a:schemeClr val="accent1"/>
-          </a:effectRef>
-          <a:fontRef idx="minor">
-            <a:schemeClr val="tx1"/>
-          </a:fontRef>
-        </p:style>
-      </p:cxnSp>
-      <p:cxnSp>
-        <p:nvCxnSpPr>
-          <p:cNvPr id="56" name="Straight Arrow Connector 55">
-            <a:extLst>
-              <a:ext uri="{FF2B5EF4-FFF2-40B4-BE49-F238E27FC236}">
-                <a16:creationId xmlns:a16="http://schemas.microsoft.com/office/drawing/2014/main" id="{1AC796FA-5AFA-C846-B091-9CE7E8FE0611}"/>
-              </a:ext>
-            </a:extLst>
-          </p:cNvPr>
-          <p:cNvCxnSpPr>
-            <a:cxnSpLocks/>
-            <a:endCxn id="26" idx="1"/>
-          </p:cNvCxnSpPr>
-          <p:nvPr/>
-        </p:nvCxnSpPr>
-        <p:spPr>
-          <a:xfrm flipV="1">
-            <a:off x="5988816" y="5494784"/>
-            <a:ext cx="1314660" cy="14410"/>
-          </a:xfrm>
-          <a:prstGeom prst="straightConnector1">
-            <a:avLst/>
-          </a:prstGeom>
-          <a:ln>
-            <a:tailEnd type="triangle"/>
-          </a:ln>
-        </p:spPr>
-        <p:style>
-          <a:lnRef idx="1">
-            <a:schemeClr val="accent1"/>
-          </a:lnRef>
-          <a:fillRef idx="0">
-            <a:schemeClr val="accent1"/>
-          </a:fillRef>
-          <a:effectRef idx="0">
-            <a:schemeClr val="accent1"/>
-          </a:effectRef>
-          <a:fontRef idx="minor">
-            <a:schemeClr val="tx1"/>
-          </a:fontRef>
-        </p:style>
-      </p:cxnSp>
-      <p:cxnSp>
-        <p:nvCxnSpPr>
-          <p:cNvPr id="58" name="Straight Arrow Connector 57">
-            <a:extLst>
-              <a:ext uri="{FF2B5EF4-FFF2-40B4-BE49-F238E27FC236}">
-                <a16:creationId xmlns:a16="http://schemas.microsoft.com/office/drawing/2014/main" id="{F8C01909-0974-2B46-AEA1-A685CCDE503C}"/>
-              </a:ext>
-            </a:extLst>
-          </p:cNvPr>
-          <p:cNvCxnSpPr>
-            <a:cxnSpLocks/>
-          </p:cNvCxnSpPr>
-          <p:nvPr/>
-        </p:nvCxnSpPr>
-        <p:spPr>
-          <a:xfrm>
-            <a:off x="8432241" y="5490799"/>
-            <a:ext cx="1912536" cy="0"/>
-          </a:xfrm>
-          <a:prstGeom prst="straightConnector1">
-            <a:avLst/>
-          </a:prstGeom>
-          <a:ln>
-            <a:tailEnd type="triangle"/>
-          </a:ln>
-        </p:spPr>
-        <p:style>
-          <a:lnRef idx="1">
-            <a:schemeClr val="accent1"/>
-          </a:lnRef>
-          <a:fillRef idx="0">
-            <a:schemeClr val="accent1"/>
-          </a:fillRef>
-          <a:effectRef idx="0">
-            <a:schemeClr val="accent1"/>
-          </a:effectRef>
-          <a:fontRef idx="minor">
-            <a:schemeClr val="tx1"/>
-          </a:fontRef>
-        </p:style>
-      </p:cxnSp>
-      <p:cxnSp>
-        <p:nvCxnSpPr>
-          <p:cNvPr id="60" name="Straight Arrow Connector 59">
-            <a:extLst>
-              <a:ext uri="{FF2B5EF4-FFF2-40B4-BE49-F238E27FC236}">
-                <a16:creationId xmlns:a16="http://schemas.microsoft.com/office/drawing/2014/main" id="{19275367-E870-2E4F-AF18-C263F1841901}"/>
-              </a:ext>
-            </a:extLst>
-          </p:cNvPr>
-          <p:cNvCxnSpPr>
-            <a:cxnSpLocks/>
-          </p:cNvCxnSpPr>
-          <p:nvPr/>
-        </p:nvCxnSpPr>
-        <p:spPr>
-          <a:xfrm>
-            <a:off x="5988816" y="3202997"/>
-            <a:ext cx="4355961" cy="0"/>
-          </a:xfrm>
-          <a:prstGeom prst="straightConnector1">
-            <a:avLst/>
-          </a:prstGeom>
-          <a:ln>
-            <a:tailEnd type="triangle"/>
-          </a:ln>
-        </p:spPr>
-        <p:style>
-          <a:lnRef idx="1">
-            <a:schemeClr val="accent1"/>
-          </a:lnRef>
-          <a:fillRef idx="0">
-            <a:schemeClr val="accent1"/>
-          </a:fillRef>
-          <a:effectRef idx="0">
-            <a:schemeClr val="accent1"/>
-          </a:effectRef>
-          <a:fontRef idx="minor">
-            <a:schemeClr val="tx1"/>
-          </a:fontRef>
-        </p:style>
-      </p:cxnSp>
-      <p:sp>
-        <p:nvSpPr>
-          <p:cNvPr id="61" name="Rectangle 60">
-            <a:extLst>
-              <a:ext uri="{FF2B5EF4-FFF2-40B4-BE49-F238E27FC236}">
-                <a16:creationId xmlns:a16="http://schemas.microsoft.com/office/drawing/2014/main" id="{A6F7068B-6C79-C042-85E7-02B356BADDF1}"/>
-              </a:ext>
-            </a:extLst>
-          </p:cNvPr>
-          <p:cNvSpPr/>
-          <p:nvPr/>
-        </p:nvSpPr>
-        <p:spPr>
-          <a:xfrm>
-            <a:off x="10349800" y="1198288"/>
-            <a:ext cx="1128765" cy="492369"/>
-          </a:xfrm>
-          <a:prstGeom prst="rect">
-            <a:avLst/>
-          </a:prstGeom>
-          <a:noFill/>
-        </p:spPr>
-        <p:style>
-          <a:lnRef idx="2">
-            <a:schemeClr val="accent1">
-              <a:shade val="50000"/>
-            </a:schemeClr>
-          </a:lnRef>
-          <a:fillRef idx="1">
-            <a:schemeClr val="accent1"/>
-          </a:fillRef>
-          <a:effectRef idx="0">
-            <a:schemeClr val="accent1"/>
-          </a:effectRef>
-          <a:fontRef idx="minor">
-            <a:schemeClr val="lt1"/>
-          </a:fontRef>
-        </p:style>
-        <p:txBody>
-          <a:bodyPr rtlCol="0" anchor="ctr"/>
-          <a:lstStyle/>
-          <a:p>
-            <a:pPr algn="ctr"/>
-            <a:r>
-              <a:rPr lang="en-US" sz="1000" dirty="0">
-                <a:solidFill>
-                  <a:schemeClr val="tx1"/>
-                </a:solidFill>
-                <a:latin typeface="Menlo" panose="020B0609030804020204" pitchFamily="49" charset="0"/>
-                <a:ea typeface="Menlo" panose="020B0609030804020204" pitchFamily="49" charset="0"/>
-                <a:cs typeface="Menlo" panose="020B0609030804020204" pitchFamily="49" charset="0"/>
-              </a:rPr>
-              <a:t>z/OSMF</a:t>
-            </a:r>
-          </a:p>
-        </p:txBody>
-      </p:sp>
-      <p:cxnSp>
-        <p:nvCxnSpPr>
-          <p:cNvPr id="65" name="Elbow Connector 64">
-            <a:extLst>
-              <a:ext uri="{FF2B5EF4-FFF2-40B4-BE49-F238E27FC236}">
-                <a16:creationId xmlns:a16="http://schemas.microsoft.com/office/drawing/2014/main" id="{C05BD4C2-2236-1142-B249-45F685B38049}"/>
-              </a:ext>
-            </a:extLst>
-          </p:cNvPr>
-          <p:cNvCxnSpPr>
-            <a:cxnSpLocks/>
-          </p:cNvCxnSpPr>
-          <p:nvPr/>
-        </p:nvCxnSpPr>
-        <p:spPr>
-          <a:xfrm flipV="1">
-            <a:off x="6005562" y="3624116"/>
-            <a:ext cx="4339215" cy="1179277"/>
-          </a:xfrm>
-          <a:prstGeom prst="bentConnector3">
-            <a:avLst>
-              <a:gd name="adj1" fmla="val 59031"/>
-            </a:avLst>
-          </a:prstGeom>
-          <a:ln>
-            <a:headEnd type="triangle"/>
-            <a:tailEnd type="triangle"/>
-          </a:ln>
-        </p:spPr>
-        <p:style>
-          <a:lnRef idx="1">
-            <a:schemeClr val="accent1"/>
-          </a:lnRef>
-          <a:fillRef idx="0">
-            <a:schemeClr val="accent1"/>
-          </a:fillRef>
-          <a:effectRef idx="0">
-            <a:schemeClr val="accent1"/>
-          </a:effectRef>
-          <a:fontRef idx="minor">
-            <a:schemeClr val="tx1"/>
-          </a:fontRef>
-        </p:style>
-      </p:cxnSp>
-      <p:cxnSp>
-        <p:nvCxnSpPr>
-          <p:cNvPr id="68" name="Straight Arrow Connector 67">
-            <a:extLst>
-              <a:ext uri="{FF2B5EF4-FFF2-40B4-BE49-F238E27FC236}">
-                <a16:creationId xmlns:a16="http://schemas.microsoft.com/office/drawing/2014/main" id="{07EB1B2E-629D-5D4C-9B49-14C14AD6F0E7}"/>
-              </a:ext>
-            </a:extLst>
-          </p:cNvPr>
-          <p:cNvCxnSpPr>
-            <a:cxnSpLocks/>
-          </p:cNvCxnSpPr>
-          <p:nvPr/>
-        </p:nvCxnSpPr>
-        <p:spPr>
-          <a:xfrm>
-            <a:off x="1956914" y="4718159"/>
-            <a:ext cx="1680589" cy="0"/>
-          </a:xfrm>
-          <a:prstGeom prst="straightConnector1">
-            <a:avLst/>
-          </a:prstGeom>
-          <a:ln>
-            <a:tailEnd type="triangle"/>
-          </a:ln>
-        </p:spPr>
-        <p:style>
-          <a:lnRef idx="1">
-            <a:schemeClr val="accent1"/>
-          </a:lnRef>
-          <a:fillRef idx="0">
-            <a:schemeClr val="accent1"/>
-          </a:fillRef>
-          <a:effectRef idx="0">
-            <a:schemeClr val="accent1"/>
-          </a:effectRef>
-          <a:fontRef idx="minor">
-            <a:schemeClr val="tx1"/>
-          </a:fontRef>
-        </p:style>
-      </p:cxnSp>
-      <p:cxnSp>
-        <p:nvCxnSpPr>
-          <p:cNvPr id="69" name="Straight Arrow Connector 68">
-            <a:extLst>
-              <a:ext uri="{FF2B5EF4-FFF2-40B4-BE49-F238E27FC236}">
-                <a16:creationId xmlns:a16="http://schemas.microsoft.com/office/drawing/2014/main" id="{80699966-4B4C-D747-B4C6-031F62BA5E5F}"/>
-              </a:ext>
-            </a:extLst>
-          </p:cNvPr>
-          <p:cNvCxnSpPr>
-            <a:cxnSpLocks/>
-          </p:cNvCxnSpPr>
-          <p:nvPr/>
-        </p:nvCxnSpPr>
-        <p:spPr>
-          <a:xfrm>
-            <a:off x="3890385" y="4723641"/>
-            <a:ext cx="969666" cy="0"/>
-          </a:xfrm>
-          <a:prstGeom prst="straightConnector1">
-            <a:avLst/>
-          </a:prstGeom>
-          <a:ln>
-            <a:tailEnd type="triangle"/>
-          </a:ln>
-        </p:spPr>
-        <p:style>
-          <a:lnRef idx="1">
-            <a:schemeClr val="accent1"/>
-          </a:lnRef>
-          <a:fillRef idx="0">
-            <a:schemeClr val="accent1"/>
-          </a:fillRef>
-          <a:effectRef idx="0">
-            <a:schemeClr val="accent1"/>
-          </a:effectRef>
-          <a:fontRef idx="minor">
-            <a:schemeClr val="tx1"/>
-          </a:fontRef>
-        </p:style>
-      </p:cxnSp>
-      <p:sp>
-        <p:nvSpPr>
-          <p:cNvPr id="75" name="Rectangle 74">
-            <a:extLst>
-              <a:ext uri="{FF2B5EF4-FFF2-40B4-BE49-F238E27FC236}">
-                <a16:creationId xmlns:a16="http://schemas.microsoft.com/office/drawing/2014/main" id="{E2B05BA1-04D8-6E41-BF1B-1E2BD38887DB}"/>
-              </a:ext>
-            </a:extLst>
-          </p:cNvPr>
-          <p:cNvSpPr/>
-          <p:nvPr/>
-        </p:nvSpPr>
-        <p:spPr>
-          <a:xfrm>
-            <a:off x="1137973" y="2150846"/>
-            <a:ext cx="818941" cy="492369"/>
-          </a:xfrm>
-          <a:prstGeom prst="rect">
-            <a:avLst/>
-          </a:prstGeom>
-          <a:noFill/>
-        </p:spPr>
-        <p:style>
-          <a:lnRef idx="2">
-            <a:schemeClr val="accent1">
-              <a:shade val="50000"/>
-            </a:schemeClr>
-          </a:lnRef>
-          <a:fillRef idx="1">
-            <a:schemeClr val="accent1"/>
-          </a:fillRef>
-          <a:effectRef idx="0">
-            <a:schemeClr val="accent1"/>
-          </a:effectRef>
-          <a:fontRef idx="minor">
-            <a:schemeClr val="lt1"/>
-          </a:fontRef>
-        </p:style>
-        <p:txBody>
-          <a:bodyPr rtlCol="0" anchor="ctr"/>
-          <a:lstStyle/>
-          <a:p>
-            <a:pPr algn="ctr"/>
-            <a:r>
-              <a:rPr lang="en-US" sz="1000" dirty="0">
-                <a:solidFill>
-                  <a:schemeClr val="tx1"/>
-                </a:solidFill>
-                <a:latin typeface="Menlo" panose="020B0609030804020204" pitchFamily="49" charset="0"/>
-                <a:ea typeface="Menlo" panose="020B0609030804020204" pitchFamily="49" charset="0"/>
-                <a:cs typeface="Menlo" panose="020B0609030804020204" pitchFamily="49" charset="0"/>
-              </a:rPr>
-              <a:t>API Catalog</a:t>
-            </a:r>
-          </a:p>
-        </p:txBody>
-      </p:sp>
-      <p:cxnSp>
-        <p:nvCxnSpPr>
-          <p:cNvPr id="76" name="Straight Arrow Connector 75">
-            <a:extLst>
-              <a:ext uri="{FF2B5EF4-FFF2-40B4-BE49-F238E27FC236}">
-                <a16:creationId xmlns:a16="http://schemas.microsoft.com/office/drawing/2014/main" id="{E0F2EA68-BB27-4E41-8A1A-74EAA3914153}"/>
-              </a:ext>
-            </a:extLst>
-          </p:cNvPr>
-          <p:cNvCxnSpPr>
-            <a:cxnSpLocks/>
-          </p:cNvCxnSpPr>
-          <p:nvPr/>
-        </p:nvCxnSpPr>
-        <p:spPr>
-          <a:xfrm>
-            <a:off x="1956914" y="2357200"/>
-            <a:ext cx="1680589" cy="0"/>
-          </a:xfrm>
-          <a:prstGeom prst="straightConnector1">
-            <a:avLst/>
-          </a:prstGeom>
-          <a:ln>
-            <a:tailEnd type="triangle"/>
-          </a:ln>
-        </p:spPr>
-        <p:style>
-          <a:lnRef idx="1">
-            <a:schemeClr val="accent1"/>
-          </a:lnRef>
-          <a:fillRef idx="0">
-            <a:schemeClr val="accent1"/>
-          </a:fillRef>
-          <a:effectRef idx="0">
-            <a:schemeClr val="accent1"/>
-          </a:effectRef>
-          <a:fontRef idx="minor">
-            <a:schemeClr val="tx1"/>
-          </a:fontRef>
-        </p:style>
-      </p:cxnSp>
-      <p:cxnSp>
-        <p:nvCxnSpPr>
-          <p:cNvPr id="77" name="Elbow Connector 76">
-            <a:extLst>
-              <a:ext uri="{FF2B5EF4-FFF2-40B4-BE49-F238E27FC236}">
-                <a16:creationId xmlns:a16="http://schemas.microsoft.com/office/drawing/2014/main" id="{221A1BCE-8712-7C40-98BA-B11D6BF80BE2}"/>
-              </a:ext>
-            </a:extLst>
-          </p:cNvPr>
-          <p:cNvCxnSpPr>
-            <a:cxnSpLocks/>
-            <a:endCxn id="7" idx="1"/>
-          </p:cNvCxnSpPr>
-          <p:nvPr/>
-        </p:nvCxnSpPr>
-        <p:spPr>
-          <a:xfrm flipV="1">
-            <a:off x="3771483" y="2079196"/>
-            <a:ext cx="1093592" cy="281348"/>
-          </a:xfrm>
-          <a:prstGeom prst="bentConnector3">
-            <a:avLst/>
-          </a:prstGeom>
-          <a:ln>
-            <a:headEnd type="triangle"/>
-            <a:tailEnd type="triangle"/>
-          </a:ln>
-        </p:spPr>
-        <p:style>
-          <a:lnRef idx="1">
-            <a:schemeClr val="accent1"/>
-          </a:lnRef>
-          <a:fillRef idx="0">
-            <a:schemeClr val="accent1"/>
-          </a:fillRef>
-          <a:effectRef idx="0">
-            <a:schemeClr val="accent1"/>
-          </a:effectRef>
-          <a:fontRef idx="minor">
-            <a:schemeClr val="tx1"/>
-          </a:fontRef>
-        </p:style>
-      </p:cxnSp>
-      <p:cxnSp>
-        <p:nvCxnSpPr>
-          <p:cNvPr id="80" name="Straight Arrow Connector 79">
-            <a:extLst>
-              <a:ext uri="{FF2B5EF4-FFF2-40B4-BE49-F238E27FC236}">
-                <a16:creationId xmlns:a16="http://schemas.microsoft.com/office/drawing/2014/main" id="{D360F690-8E65-454C-B55F-E96FD6B2D168}"/>
-              </a:ext>
-            </a:extLst>
-          </p:cNvPr>
-          <p:cNvCxnSpPr>
-            <a:stCxn id="7" idx="3"/>
-          </p:cNvCxnSpPr>
-          <p:nvPr/>
-        </p:nvCxnSpPr>
-        <p:spPr>
-          <a:xfrm flipV="1">
-            <a:off x="5993840" y="2079195"/>
-            <a:ext cx="4350937" cy="1"/>
-          </a:xfrm>
-          <a:prstGeom prst="straightConnector1">
-            <a:avLst/>
-          </a:prstGeom>
-          <a:ln>
-            <a:tailEnd type="triangle"/>
-          </a:ln>
-        </p:spPr>
-        <p:style>
-          <a:lnRef idx="1">
-            <a:schemeClr val="accent1"/>
-          </a:lnRef>
-          <a:fillRef idx="0">
-            <a:schemeClr val="accent1"/>
-          </a:fillRef>
-          <a:effectRef idx="0">
-            <a:schemeClr val="accent1"/>
-          </a:effectRef>
-          <a:fontRef idx="minor">
-            <a:schemeClr val="tx1"/>
-          </a:fontRef>
-        </p:style>
-      </p:cxnSp>
-      <p:sp>
-        <p:nvSpPr>
-          <p:cNvPr id="81" name="TextBox 80">
-            <a:extLst>
-              <a:ext uri="{FF2B5EF4-FFF2-40B4-BE49-F238E27FC236}">
-                <a16:creationId xmlns:a16="http://schemas.microsoft.com/office/drawing/2014/main" id="{0D55D158-47CA-854B-92F0-2F64730327A2}"/>
-              </a:ext>
-            </a:extLst>
-          </p:cNvPr>
-          <p:cNvSpPr txBox="1"/>
-          <p:nvPr/>
-        </p:nvSpPr>
-        <p:spPr>
-          <a:xfrm>
-            <a:off x="7154906" y="1823462"/>
-            <a:ext cx="1425903" cy="276999"/>
-          </a:xfrm>
-          <a:prstGeom prst="rect">
-            <a:avLst/>
-          </a:prstGeom>
-          <a:noFill/>
-        </p:spPr>
-        <p:txBody>
-          <a:bodyPr wrap="none" rtlCol="0">
-            <a:spAutoFit/>
-          </a:bodyPr>
-          <a:lstStyle/>
-          <a:p>
-            <a:r>
-              <a:rPr lang="en-US" sz="1200" dirty="0"/>
-              <a:t>SSO – generate JWT</a:t>
-            </a:r>
-          </a:p>
-        </p:txBody>
-      </p:sp>
-      <p:sp>
-        <p:nvSpPr>
-          <p:cNvPr id="83" name="Rectangle 82">
-            <a:extLst>
-              <a:ext uri="{FF2B5EF4-FFF2-40B4-BE49-F238E27FC236}">
-                <a16:creationId xmlns:a16="http://schemas.microsoft.com/office/drawing/2014/main" id="{2E2512BD-677A-8744-BE43-6A5EE4F0FDD0}"/>
-              </a:ext>
-            </a:extLst>
-          </p:cNvPr>
-          <p:cNvSpPr/>
-          <p:nvPr/>
-        </p:nvSpPr>
-        <p:spPr>
-          <a:xfrm>
-            <a:off x="300611" y="130629"/>
-            <a:ext cx="1808704" cy="743578"/>
-          </a:xfrm>
-          <a:prstGeom prst="rect">
-            <a:avLst/>
-          </a:prstGeom>
-          <a:solidFill>
-            <a:schemeClr val="accent1">
-              <a:lumMod val="20000"/>
-              <a:lumOff val="80000"/>
-            </a:schemeClr>
-          </a:solidFill>
-        </p:spPr>
-        <p:style>
-          <a:lnRef idx="2">
-            <a:schemeClr val="accent1">
-              <a:shade val="50000"/>
-            </a:schemeClr>
-          </a:lnRef>
-          <a:fillRef idx="1">
-            <a:schemeClr val="accent1"/>
-          </a:fillRef>
-          <a:effectRef idx="0">
-            <a:schemeClr val="accent1"/>
-          </a:effectRef>
-          <a:fontRef idx="minor">
-            <a:schemeClr val="lt1"/>
-          </a:fontRef>
-        </p:style>
-        <p:txBody>
-          <a:bodyPr rtlCol="0" anchor="ctr"/>
-          <a:lstStyle/>
-          <a:p>
-            <a:pPr algn="ctr"/>
-            <a:r>
-              <a:rPr lang="en-US" dirty="0" err="1">
-                <a:solidFill>
-                  <a:schemeClr val="tx1"/>
-                </a:solidFill>
-              </a:rPr>
-              <a:t>Zowe</a:t>
-            </a:r>
-            <a:r>
-              <a:rPr lang="en-US" dirty="0">
-                <a:solidFill>
-                  <a:schemeClr val="tx1"/>
-                </a:solidFill>
-              </a:rPr>
-              <a:t> CLI</a:t>
-            </a:r>
-          </a:p>
-        </p:txBody>
-      </p:sp>
-      <p:cxnSp>
-        <p:nvCxnSpPr>
-          <p:cNvPr id="85" name="Elbow Connector 84">
-            <a:extLst>
-              <a:ext uri="{FF2B5EF4-FFF2-40B4-BE49-F238E27FC236}">
-                <a16:creationId xmlns:a16="http://schemas.microsoft.com/office/drawing/2014/main" id="{16DE48DC-FA0A-9043-9527-9DFBB6D3156D}"/>
-              </a:ext>
-            </a:extLst>
-          </p:cNvPr>
-          <p:cNvCxnSpPr>
-            <a:cxnSpLocks/>
-            <a:endCxn id="61" idx="0"/>
-          </p:cNvCxnSpPr>
-          <p:nvPr/>
-        </p:nvCxnSpPr>
-        <p:spPr>
-          <a:xfrm>
-            <a:off x="2109315" y="367326"/>
-            <a:ext cx="8804868" cy="830962"/>
-          </a:xfrm>
-          <a:prstGeom prst="bentConnector2">
-            <a:avLst/>
-          </a:prstGeom>
-          <a:ln>
-            <a:tailEnd type="triangle"/>
-          </a:ln>
-        </p:spPr>
-        <p:style>
-          <a:lnRef idx="1">
-            <a:schemeClr val="accent1"/>
-          </a:lnRef>
-          <a:fillRef idx="0">
-            <a:schemeClr val="accent1"/>
-          </a:fillRef>
-          <a:effectRef idx="0">
-            <a:schemeClr val="accent1"/>
-          </a:effectRef>
-          <a:fontRef idx="minor">
-            <a:schemeClr val="tx1"/>
-          </a:fontRef>
-        </p:style>
-      </p:cxnSp>
-      <p:cxnSp>
-        <p:nvCxnSpPr>
-          <p:cNvPr id="91" name="Elbow Connector 90">
-            <a:extLst>
-              <a:ext uri="{FF2B5EF4-FFF2-40B4-BE49-F238E27FC236}">
-                <a16:creationId xmlns:a16="http://schemas.microsoft.com/office/drawing/2014/main" id="{3552528B-EB56-C14A-84DF-71D4F3A4D5DF}"/>
-              </a:ext>
-            </a:extLst>
-          </p:cNvPr>
-          <p:cNvCxnSpPr>
-            <a:cxnSpLocks/>
-            <a:endCxn id="6" idx="1"/>
-          </p:cNvCxnSpPr>
-          <p:nvPr/>
-        </p:nvCxnSpPr>
-        <p:spPr>
-          <a:xfrm flipV="1">
-            <a:off x="3827828" y="1444475"/>
-            <a:ext cx="1037247" cy="434782"/>
-          </a:xfrm>
-          <a:prstGeom prst="bentConnector3">
-            <a:avLst/>
-          </a:prstGeom>
-          <a:ln>
-            <a:headEnd type="triangle"/>
-            <a:tailEnd type="triangle"/>
-          </a:ln>
-        </p:spPr>
-        <p:style>
-          <a:lnRef idx="1">
-            <a:schemeClr val="accent1"/>
-          </a:lnRef>
-          <a:fillRef idx="0">
-            <a:schemeClr val="accent1"/>
-          </a:fillRef>
-          <a:effectRef idx="0">
-            <a:schemeClr val="accent1"/>
-          </a:effectRef>
-          <a:fontRef idx="minor">
-            <a:schemeClr val="tx1"/>
-          </a:fontRef>
-        </p:style>
-      </p:cxnSp>
-      <p:sp>
-        <p:nvSpPr>
-          <p:cNvPr id="98" name="Left Brace 97">
-            <a:extLst>
-              <a:ext uri="{FF2B5EF4-FFF2-40B4-BE49-F238E27FC236}">
-                <a16:creationId xmlns:a16="http://schemas.microsoft.com/office/drawing/2014/main" id="{E9A6B2FC-5545-C94A-94FC-8879BF8AA844}"/>
-              </a:ext>
-            </a:extLst>
-          </p:cNvPr>
-          <p:cNvSpPr/>
-          <p:nvPr/>
-        </p:nvSpPr>
-        <p:spPr>
-          <a:xfrm rot="5400000">
-            <a:off x="5669104" y="-1787161"/>
-            <a:ext cx="382058" cy="5583000"/>
-          </a:xfrm>
-          <a:prstGeom prst="leftBrace">
-            <a:avLst/>
-          </a:prstGeom>
-          <a:ln>
-            <a:solidFill>
-              <a:schemeClr val="tx1"/>
-            </a:solidFill>
-          </a:ln>
-        </p:spPr>
-        <p:style>
-          <a:lnRef idx="1">
-            <a:schemeClr val="accent1"/>
-          </a:lnRef>
-          <a:fillRef idx="0">
-            <a:schemeClr val="accent1"/>
-          </a:fillRef>
-          <a:effectRef idx="0">
-            <a:schemeClr val="accent1"/>
-          </a:effectRef>
-          <a:fontRef idx="minor">
-            <a:schemeClr val="tx1"/>
-          </a:fontRef>
-        </p:style>
-        <p:txBody>
-          <a:bodyPr rtlCol="0" anchor="ctr"/>
-          <a:lstStyle/>
-          <a:p>
-            <a:pPr algn="ctr"/>
-            <a:endParaRPr lang="en-US"/>
-          </a:p>
-        </p:txBody>
-      </p:sp>
-      <p:sp>
-        <p:nvSpPr>
-          <p:cNvPr id="100" name="TextBox 99">
-            <a:extLst>
-              <a:ext uri="{FF2B5EF4-FFF2-40B4-BE49-F238E27FC236}">
-                <a16:creationId xmlns:a16="http://schemas.microsoft.com/office/drawing/2014/main" id="{9E3D0E5E-B6F5-B545-BEDA-A913DE31E6A7}"/>
-              </a:ext>
-            </a:extLst>
-          </p:cNvPr>
-          <p:cNvSpPr txBox="1"/>
-          <p:nvPr/>
-        </p:nvSpPr>
-        <p:spPr>
-          <a:xfrm>
-            <a:off x="4375218" y="431793"/>
-            <a:ext cx="3640612" cy="461665"/>
-          </a:xfrm>
-          <a:prstGeom prst="rect">
-            <a:avLst/>
-          </a:prstGeom>
-          <a:noFill/>
-        </p:spPr>
-        <p:txBody>
-          <a:bodyPr wrap="none" rtlCol="0">
-            <a:spAutoFit/>
-          </a:bodyPr>
-          <a:lstStyle/>
-          <a:p>
-            <a:r>
-              <a:rPr lang="en-US" sz="1200" dirty="0"/>
-              <a:t>/S ZOWESVR runs under IZUUSR:IZUADMIN</a:t>
-            </a:r>
-          </a:p>
-          <a:p>
-            <a:r>
-              <a:rPr lang="en-US" sz="1200" dirty="0"/>
-              <a:t>Installed by </a:t>
-            </a:r>
-            <a:r>
-              <a:rPr lang="en-US" sz="1200" b="1" dirty="0" err="1"/>
-              <a:t>zowe-install.s</a:t>
-            </a:r>
-            <a:r>
-              <a:rPr lang="en-US" sz="1200" dirty="0" err="1"/>
-              <a:t>h</a:t>
-            </a:r>
-            <a:r>
-              <a:rPr lang="en-US" sz="1200" dirty="0"/>
-              <a:t> driven </a:t>
-            </a:r>
-            <a:r>
-              <a:rPr lang="en-US" sz="1200" b="1" dirty="0"/>
-              <a:t>by </a:t>
-            </a:r>
-            <a:r>
-              <a:rPr lang="en-US" sz="1200" b="1" dirty="0" err="1"/>
-              <a:t>zowe-install.yaml</a:t>
-            </a:r>
-            <a:endParaRPr lang="en-US" sz="1200" b="1" dirty="0"/>
-          </a:p>
-        </p:txBody>
-      </p:sp>
-      <p:sp>
-        <p:nvSpPr>
-          <p:cNvPr id="13" name="Rectangle 12">
-            <a:extLst>
-              <a:ext uri="{FF2B5EF4-FFF2-40B4-BE49-F238E27FC236}">
-                <a16:creationId xmlns:a16="http://schemas.microsoft.com/office/drawing/2014/main" id="{598C13A1-6889-404A-945D-A3B6D581F28B}"/>
-              </a:ext>
-            </a:extLst>
-          </p:cNvPr>
-          <p:cNvSpPr/>
-          <p:nvPr/>
-        </p:nvSpPr>
-        <p:spPr>
-          <a:xfrm>
-            <a:off x="4860053" y="5236871"/>
-            <a:ext cx="1128765" cy="492369"/>
-          </a:xfrm>
-          <a:prstGeom prst="rect">
-            <a:avLst/>
-          </a:prstGeom>
-          <a:noFill/>
-        </p:spPr>
-        <p:style>
-          <a:lnRef idx="2">
-            <a:schemeClr val="accent1">
-              <a:shade val="50000"/>
-            </a:schemeClr>
-          </a:lnRef>
-          <a:fillRef idx="1">
-            <a:schemeClr val="accent1"/>
-          </a:fillRef>
-          <a:effectRef idx="0">
-            <a:schemeClr val="accent1"/>
-          </a:effectRef>
-          <a:fontRef idx="minor">
-            <a:schemeClr val="lt1"/>
-          </a:fontRef>
-        </p:style>
-        <p:txBody>
-          <a:bodyPr rtlCol="0" anchor="ctr"/>
-          <a:lstStyle/>
-          <a:p>
-            <a:pPr algn="ctr"/>
-            <a:r>
-              <a:rPr lang="en-US" sz="1000" dirty="0">
-                <a:solidFill>
-                  <a:schemeClr val="tx1"/>
-                </a:solidFill>
-                <a:latin typeface="Menlo" panose="020B0609030804020204" pitchFamily="49" charset="0"/>
-                <a:ea typeface="Menlo" panose="020B0609030804020204" pitchFamily="49" charset="0"/>
-                <a:cs typeface="Menlo" panose="020B0609030804020204" pitchFamily="49" charset="0"/>
-              </a:rPr>
-              <a:t>ZLUX</a:t>
-            </a:r>
-          </a:p>
-        </p:txBody>
-      </p:sp>
-      <p:sp>
-        <p:nvSpPr>
-          <p:cNvPr id="102" name="Rectangle 101">
-            <a:extLst>
-              <a:ext uri="{FF2B5EF4-FFF2-40B4-BE49-F238E27FC236}">
-                <a16:creationId xmlns:a16="http://schemas.microsoft.com/office/drawing/2014/main" id="{218217B6-1B06-B54E-91B9-B3D25266E3B5}"/>
-              </a:ext>
-            </a:extLst>
-          </p:cNvPr>
-          <p:cNvSpPr/>
-          <p:nvPr/>
-        </p:nvSpPr>
-        <p:spPr>
-          <a:xfrm>
-            <a:off x="7303477" y="6426627"/>
-            <a:ext cx="168742" cy="164553"/>
-          </a:xfrm>
-          <a:prstGeom prst="rect">
-            <a:avLst/>
-          </a:prstGeom>
-          <a:solidFill>
-            <a:schemeClr val="accent4">
-              <a:lumMod val="20000"/>
-              <a:lumOff val="80000"/>
-            </a:schemeClr>
-          </a:solidFill>
-        </p:spPr>
-        <p:style>
-          <a:lnRef idx="2">
-            <a:schemeClr val="accent1">
-              <a:shade val="50000"/>
-            </a:schemeClr>
-          </a:lnRef>
-          <a:fillRef idx="1">
-            <a:schemeClr val="accent1"/>
-          </a:fillRef>
-          <a:effectRef idx="0">
-            <a:schemeClr val="accent1"/>
-          </a:effectRef>
-          <a:fontRef idx="minor">
-            <a:schemeClr val="lt1"/>
-          </a:fontRef>
-        </p:style>
-        <p:txBody>
-          <a:bodyPr rtlCol="0" anchor="ctr"/>
-          <a:lstStyle/>
+            <a:endParaRPr lang="en-US" sz="1000" dirty="0">
+              <a:solidFill>
+                <a:schemeClr val="tx1"/>
+              </a:solidFill>
+              <a:latin typeface="Menlo" panose="020B0609030804020204" pitchFamily="49" charset="0"/>
+              <a:ea typeface="Menlo" panose="020B0609030804020204" pitchFamily="49" charset="0"/>
+              <a:cs typeface="Menlo" panose="020B0609030804020204" pitchFamily="49" charset="0"/>
+            </a:endParaRPr>
+          </a:p>
           <a:p>
             <a:pPr algn="ctr"/>
             <a:endParaRPr lang="en-US" sz="1000" dirty="0">
@@ -5932,10 +5656,10 @@
       </p:sp>
       <p:sp>
         <p:nvSpPr>
-          <p:cNvPr id="103" name="Rectangle 102">
-            <a:extLst>
-              <a:ext uri="{FF2B5EF4-FFF2-40B4-BE49-F238E27FC236}">
-                <a16:creationId xmlns:a16="http://schemas.microsoft.com/office/drawing/2014/main" id="{DA5C7C71-E63B-E748-89AD-3554F94D1C41}"/>
+          <p:cNvPr id="75" name="Rectangle 74">
+            <a:extLst>
+              <a:ext uri="{FF2B5EF4-FFF2-40B4-BE49-F238E27FC236}">
+                <a16:creationId xmlns:a16="http://schemas.microsoft.com/office/drawing/2014/main" id="{0888EDE4-E73F-5C40-9A6E-643A985DA5FA}"/>
               </a:ext>
             </a:extLst>
           </p:cNvPr>
@@ -5944,18 +5668,13 @@
         </p:nvSpPr>
         <p:spPr>
           <a:xfrm>
-            <a:off x="7303474" y="6645263"/>
-            <a:ext cx="168745" cy="146909"/>
+            <a:off x="7035095" y="5776616"/>
+            <a:ext cx="1587425" cy="983005"/>
           </a:xfrm>
           <a:prstGeom prst="rect">
             <a:avLst/>
           </a:prstGeom>
-          <a:solidFill>
-            <a:schemeClr val="accent6">
-              <a:lumMod val="20000"/>
-              <a:lumOff val="80000"/>
-            </a:schemeClr>
-          </a:solidFill>
+          <a:noFill/>
         </p:spPr>
         <p:style>
           <a:lnRef idx="2">
@@ -5978,7 +5697,234 @@
           <a:lstStyle/>
           <a:p>
             <a:pPr algn="ctr"/>
-            <a:endParaRPr lang="en-US" sz="1000" dirty="0">
+            <a:r>
+              <a:rPr lang="en-US" sz="1000" b="1" dirty="0">
+                <a:solidFill>
+                  <a:schemeClr val="tx1"/>
+                </a:solidFill>
+                <a:latin typeface="Menlo" panose="020B0609030804020204" pitchFamily="49" charset="0"/>
+                <a:ea typeface="Menlo" panose="020B0609030804020204" pitchFamily="49" charset="0"/>
+                <a:cs typeface="Menlo" panose="020B0609030804020204" pitchFamily="49" charset="0"/>
+              </a:rPr>
+              <a:t>REST APIs</a:t>
+            </a:r>
+          </a:p>
+          <a:p>
+            <a:r>
+              <a:rPr lang="en-US" sz="1067" dirty="0">
+                <a:solidFill>
+                  <a:schemeClr val="tx1"/>
+                </a:solidFill>
+                <a:latin typeface="Menlo" panose="020B0609030804020204" pitchFamily="49" charset="0"/>
+                <a:ea typeface="Menlo" panose="020B0609030804020204" pitchFamily="49" charset="0"/>
+                <a:cs typeface="Menlo" panose="020B0609030804020204" pitchFamily="49" charset="0"/>
+              </a:rPr>
+              <a:t>Workflows</a:t>
+            </a:r>
+          </a:p>
+          <a:p>
+            <a:r>
+              <a:rPr lang="en-US" sz="1067" dirty="0">
+                <a:solidFill>
+                  <a:schemeClr val="tx1"/>
+                </a:solidFill>
+                <a:latin typeface="Menlo" panose="020B0609030804020204" pitchFamily="49" charset="0"/>
+                <a:ea typeface="Menlo" panose="020B0609030804020204" pitchFamily="49" charset="0"/>
+                <a:cs typeface="Menlo" panose="020B0609030804020204" pitchFamily="49" charset="0"/>
+              </a:rPr>
+              <a:t>TSO Commands</a:t>
+            </a:r>
+          </a:p>
+          <a:p>
+            <a:r>
+              <a:rPr lang="en-US" sz="1067" dirty="0">
+                <a:solidFill>
+                  <a:schemeClr val="tx1"/>
+                </a:solidFill>
+                <a:latin typeface="Menlo" panose="020B0609030804020204" pitchFamily="49" charset="0"/>
+                <a:ea typeface="Menlo" panose="020B0609030804020204" pitchFamily="49" charset="0"/>
+                <a:cs typeface="Menlo" panose="020B0609030804020204" pitchFamily="49" charset="0"/>
+              </a:rPr>
+              <a:t>MVS Commands</a:t>
+            </a:r>
+          </a:p>
+          <a:p>
+            <a:r>
+              <a:rPr lang="en-US" sz="1067" dirty="0">
+                <a:solidFill>
+                  <a:schemeClr val="tx1"/>
+                </a:solidFill>
+                <a:latin typeface="Menlo" panose="020B0609030804020204" pitchFamily="49" charset="0"/>
+                <a:ea typeface="Menlo" panose="020B0609030804020204" pitchFamily="49" charset="0"/>
+                <a:cs typeface="Menlo" panose="020B0609030804020204" pitchFamily="49" charset="0"/>
+              </a:rPr>
+              <a:t>Files, USS, JES</a:t>
+            </a:r>
+          </a:p>
+        </p:txBody>
+      </p:sp>
+      <p:sp>
+        <p:nvSpPr>
+          <p:cNvPr id="76" name="TextBox 75">
+            <a:extLst>
+              <a:ext uri="{FF2B5EF4-FFF2-40B4-BE49-F238E27FC236}">
+                <a16:creationId xmlns:a16="http://schemas.microsoft.com/office/drawing/2014/main" id="{9AFB5CBE-D9AB-1D46-89B6-FD697A720E44}"/>
+              </a:ext>
+            </a:extLst>
+          </p:cNvPr>
+          <p:cNvSpPr txBox="1"/>
+          <p:nvPr/>
+        </p:nvSpPr>
+        <p:spPr>
+          <a:xfrm>
+            <a:off x="7270907" y="5023913"/>
+            <a:ext cx="524503" cy="261610"/>
+          </a:xfrm>
+          <a:prstGeom prst="rect">
+            <a:avLst/>
+          </a:prstGeom>
+          <a:noFill/>
+        </p:spPr>
+        <p:txBody>
+          <a:bodyPr wrap="none" rtlCol="0">
+            <a:spAutoFit/>
+          </a:bodyPr>
+          <a:lstStyle/>
+          <a:p>
+            <a:r>
+              <a:rPr lang="en-US" sz="1100" dirty="0">
+                <a:latin typeface="Menlo" panose="020B0609030804020204" pitchFamily="49" charset="0"/>
+                <a:ea typeface="Menlo" panose="020B0609030804020204" pitchFamily="49" charset="0"/>
+                <a:cs typeface="Menlo" panose="020B0609030804020204" pitchFamily="49" charset="0"/>
+              </a:rPr>
+              <a:t>7443</a:t>
+            </a:r>
+          </a:p>
+        </p:txBody>
+      </p:sp>
+      <p:sp>
+        <p:nvSpPr>
+          <p:cNvPr id="77" name="Rectangle 76">
+            <a:extLst>
+              <a:ext uri="{FF2B5EF4-FFF2-40B4-BE49-F238E27FC236}">
+                <a16:creationId xmlns:a16="http://schemas.microsoft.com/office/drawing/2014/main" id="{FA73CD6B-CAA9-1349-802C-B5EC05495080}"/>
+              </a:ext>
+            </a:extLst>
+          </p:cNvPr>
+          <p:cNvSpPr/>
+          <p:nvPr/>
+        </p:nvSpPr>
+        <p:spPr>
+          <a:xfrm>
+            <a:off x="263534" y="1443112"/>
+            <a:ext cx="5797065" cy="235298"/>
+          </a:xfrm>
+          <a:prstGeom prst="rect">
+            <a:avLst/>
+          </a:prstGeom>
+          <a:solidFill>
+            <a:schemeClr val="accent1">
+              <a:lumMod val="20000"/>
+              <a:lumOff val="80000"/>
+            </a:schemeClr>
+          </a:solidFill>
+        </p:spPr>
+        <p:style>
+          <a:lnRef idx="1">
+            <a:schemeClr val="accent1"/>
+          </a:lnRef>
+          <a:fillRef idx="3">
+            <a:schemeClr val="accent1"/>
+          </a:fillRef>
+          <a:effectRef idx="2">
+            <a:schemeClr val="accent1"/>
+          </a:effectRef>
+          <a:fontRef idx="minor">
+            <a:schemeClr val="lt1"/>
+          </a:fontRef>
+        </p:style>
+        <p:txBody>
+          <a:bodyPr rtlCol="0" anchor="ctr"/>
+          <a:lstStyle/>
+          <a:p>
+            <a:pPr algn="ctr"/>
+            <a:r>
+              <a:rPr lang="en-US" sz="800" dirty="0" err="1">
+                <a:solidFill>
+                  <a:schemeClr val="tx1"/>
+                </a:solidFill>
+                <a:latin typeface="Menlo" charset="0"/>
+                <a:ea typeface="Menlo" charset="0"/>
+                <a:cs typeface="Menlo" charset="0"/>
+              </a:rPr>
+              <a:t>Zowe</a:t>
+            </a:r>
+            <a:r>
+              <a:rPr lang="en-US" sz="800" dirty="0">
+                <a:solidFill>
+                  <a:schemeClr val="tx1"/>
+                </a:solidFill>
+                <a:latin typeface="Menlo" charset="0"/>
+                <a:ea typeface="Menlo" charset="0"/>
+                <a:cs typeface="Menlo" charset="0"/>
+              </a:rPr>
+              <a:t> Desktop running in web browser</a:t>
+            </a:r>
+          </a:p>
+        </p:txBody>
+      </p:sp>
+      <p:sp>
+        <p:nvSpPr>
+          <p:cNvPr id="9" name="Rectangle 8">
+            <a:extLst>
+              <a:ext uri="{FF2B5EF4-FFF2-40B4-BE49-F238E27FC236}">
+                <a16:creationId xmlns:a16="http://schemas.microsoft.com/office/drawing/2014/main" id="{2220A9C8-5545-034F-9052-581D243973EB}"/>
+              </a:ext>
+            </a:extLst>
+          </p:cNvPr>
+          <p:cNvSpPr/>
+          <p:nvPr/>
+        </p:nvSpPr>
+        <p:spPr>
+          <a:xfrm>
+            <a:off x="2269173" y="715501"/>
+            <a:ext cx="830876" cy="584635"/>
+          </a:xfrm>
+          <a:prstGeom prst="rect">
+            <a:avLst/>
+          </a:prstGeom>
+          <a:solidFill>
+            <a:schemeClr val="tx2">
+              <a:lumMod val="20000"/>
+              <a:lumOff val="80000"/>
+            </a:schemeClr>
+          </a:solidFill>
+          <a:ln>
+            <a:solidFill>
+              <a:schemeClr val="tx1"/>
+            </a:solidFill>
+          </a:ln>
+        </p:spPr>
+        <p:style>
+          <a:lnRef idx="1">
+            <a:schemeClr val="accent1"/>
+          </a:lnRef>
+          <a:fillRef idx="3">
+            <a:schemeClr val="accent1"/>
+          </a:fillRef>
+          <a:effectRef idx="2">
+            <a:schemeClr val="accent1"/>
+          </a:effectRef>
+          <a:fontRef idx="minor">
+            <a:schemeClr val="lt1"/>
+          </a:fontRef>
+        </p:style>
+        <p:txBody>
+          <a:bodyPr rtlCol="0" anchor="ctr"/>
+          <a:lstStyle/>
+          <a:p>
+            <a:pPr algn="ctr"/>
+            <a:endParaRPr lang="en-US" sz="533" dirty="0">
               <a:solidFill>
                 <a:schemeClr val="tx1"/>
               </a:solidFill>
@@ -5987,14 +5933,102 @@
               <a:cs typeface="Menlo" panose="020B0609030804020204" pitchFamily="49" charset="0"/>
             </a:endParaRPr>
           </a:p>
-        </p:txBody>
-      </p:sp>
-      <p:sp>
-        <p:nvSpPr>
-          <p:cNvPr id="104" name="Rectangle 103">
-            <a:extLst>
-              <a:ext uri="{FF2B5EF4-FFF2-40B4-BE49-F238E27FC236}">
-                <a16:creationId xmlns:a16="http://schemas.microsoft.com/office/drawing/2014/main" id="{C4453020-E49E-8343-9E4E-B5E24383F73A}"/>
+          <a:p>
+            <a:pPr algn="ctr"/>
+            <a:endParaRPr lang="en-US" sz="533" dirty="0">
+              <a:solidFill>
+                <a:schemeClr val="tx1"/>
+              </a:solidFill>
+              <a:latin typeface="Menlo" panose="020B0609030804020204" pitchFamily="49" charset="0"/>
+              <a:ea typeface="Menlo" panose="020B0609030804020204" pitchFamily="49" charset="0"/>
+              <a:cs typeface="Menlo" panose="020B0609030804020204" pitchFamily="49" charset="0"/>
+            </a:endParaRPr>
+          </a:p>
+          <a:p>
+            <a:pPr algn="ctr"/>
+            <a:endParaRPr lang="en-US" sz="533" dirty="0">
+              <a:solidFill>
+                <a:schemeClr val="tx1"/>
+              </a:solidFill>
+              <a:latin typeface="Menlo" panose="020B0609030804020204" pitchFamily="49" charset="0"/>
+              <a:ea typeface="Menlo" panose="020B0609030804020204" pitchFamily="49" charset="0"/>
+              <a:cs typeface="Menlo" panose="020B0609030804020204" pitchFamily="49" charset="0"/>
+            </a:endParaRPr>
+          </a:p>
+          <a:p>
+            <a:pPr algn="ctr"/>
+            <a:endParaRPr lang="en-US" sz="533" dirty="0">
+              <a:solidFill>
+                <a:schemeClr val="tx1"/>
+              </a:solidFill>
+              <a:latin typeface="Menlo" panose="020B0609030804020204" pitchFamily="49" charset="0"/>
+              <a:ea typeface="Menlo" panose="020B0609030804020204" pitchFamily="49" charset="0"/>
+              <a:cs typeface="Menlo" panose="020B0609030804020204" pitchFamily="49" charset="0"/>
+            </a:endParaRPr>
+          </a:p>
+          <a:p>
+            <a:pPr algn="ctr"/>
+            <a:endParaRPr lang="en-US" sz="533" dirty="0">
+              <a:solidFill>
+                <a:schemeClr val="tx1"/>
+              </a:solidFill>
+              <a:latin typeface="Menlo" panose="020B0609030804020204" pitchFamily="49" charset="0"/>
+              <a:ea typeface="Menlo" panose="020B0609030804020204" pitchFamily="49" charset="0"/>
+              <a:cs typeface="Menlo" panose="020B0609030804020204" pitchFamily="49" charset="0"/>
+            </a:endParaRPr>
+          </a:p>
+          <a:p>
+            <a:pPr algn="ctr"/>
+            <a:r>
+              <a:rPr lang="en-US" sz="533" dirty="0">
+                <a:solidFill>
+                  <a:schemeClr val="tx1"/>
+                </a:solidFill>
+                <a:latin typeface="Menlo" panose="020B0609030804020204" pitchFamily="49" charset="0"/>
+                <a:ea typeface="Menlo" panose="020B0609030804020204" pitchFamily="49" charset="0"/>
+                <a:cs typeface="Menlo" panose="020B0609030804020204" pitchFamily="49" charset="0"/>
+              </a:rPr>
+              <a:t>MVS Explorer</a:t>
+            </a:r>
+          </a:p>
+        </p:txBody>
+      </p:sp>
+      <p:pic>
+        <p:nvPicPr>
+          <p:cNvPr id="7" name="Picture 6">
+            <a:extLst>
+              <a:ext uri="{FF2B5EF4-FFF2-40B4-BE49-F238E27FC236}">
+                <a16:creationId xmlns:a16="http://schemas.microsoft.com/office/drawing/2014/main" id="{ECDB2FB1-7D11-D242-8A90-3D7D5F81098F}"/>
+              </a:ext>
+            </a:extLst>
+          </p:cNvPr>
+          <p:cNvPicPr>
+            <a:picLocks noChangeAspect="1"/>
+          </p:cNvPicPr>
+          <p:nvPr/>
+        </p:nvPicPr>
+        <p:blipFill>
+          <a:blip r:embed="rId2"/>
+          <a:stretch>
+            <a:fillRect/>
+          </a:stretch>
+        </p:blipFill>
+        <p:spPr>
+          <a:xfrm>
+            <a:off x="2369494" y="751616"/>
+            <a:ext cx="594960" cy="335992"/>
+          </a:xfrm>
+          <a:prstGeom prst="rect">
+            <a:avLst/>
+          </a:prstGeom>
+        </p:spPr>
+      </p:pic>
+      <p:sp>
+        <p:nvSpPr>
+          <p:cNvPr id="79" name="Rectangle 78">
+            <a:extLst>
+              <a:ext uri="{FF2B5EF4-FFF2-40B4-BE49-F238E27FC236}">
+                <a16:creationId xmlns:a16="http://schemas.microsoft.com/office/drawing/2014/main" id="{FDCFCB80-CB2D-354F-9948-646AA711CD40}"/>
               </a:ext>
             </a:extLst>
           </p:cNvPr>
@@ -6003,14 +6037,731 @@
         </p:nvSpPr>
         <p:spPr>
           <a:xfrm>
-            <a:off x="7303474" y="6194853"/>
-            <a:ext cx="168745" cy="188883"/>
+            <a:off x="3191853" y="723469"/>
+            <a:ext cx="830876" cy="584635"/>
           </a:xfrm>
           <a:prstGeom prst="rect">
             <a:avLst/>
           </a:prstGeom>
           <a:solidFill>
-            <a:srgbClr val="F3A4FF"/>
+            <a:schemeClr val="tx2">
+              <a:lumMod val="20000"/>
+              <a:lumOff val="80000"/>
+            </a:schemeClr>
+          </a:solidFill>
+          <a:ln>
+            <a:solidFill>
+              <a:schemeClr val="tx1"/>
+            </a:solidFill>
+          </a:ln>
+        </p:spPr>
+        <p:style>
+          <a:lnRef idx="1">
+            <a:schemeClr val="accent1"/>
+          </a:lnRef>
+          <a:fillRef idx="3">
+            <a:schemeClr val="accent1"/>
+          </a:fillRef>
+          <a:effectRef idx="2">
+            <a:schemeClr val="accent1"/>
+          </a:effectRef>
+          <a:fontRef idx="minor">
+            <a:schemeClr val="lt1"/>
+          </a:fontRef>
+        </p:style>
+        <p:txBody>
+          <a:bodyPr rtlCol="0" anchor="ctr"/>
+          <a:lstStyle/>
+          <a:p>
+            <a:pPr algn="ctr"/>
+            <a:endParaRPr lang="en-US" sz="533" dirty="0">
+              <a:solidFill>
+                <a:schemeClr val="tx1"/>
+              </a:solidFill>
+              <a:latin typeface="Menlo" panose="020B0609030804020204" pitchFamily="49" charset="0"/>
+              <a:ea typeface="Menlo" panose="020B0609030804020204" pitchFamily="49" charset="0"/>
+              <a:cs typeface="Menlo" panose="020B0609030804020204" pitchFamily="49" charset="0"/>
+            </a:endParaRPr>
+          </a:p>
+          <a:p>
+            <a:pPr algn="ctr"/>
+            <a:endParaRPr lang="en-US" sz="533" dirty="0">
+              <a:solidFill>
+                <a:schemeClr val="tx1"/>
+              </a:solidFill>
+              <a:latin typeface="Menlo" panose="020B0609030804020204" pitchFamily="49" charset="0"/>
+              <a:ea typeface="Menlo" panose="020B0609030804020204" pitchFamily="49" charset="0"/>
+              <a:cs typeface="Menlo" panose="020B0609030804020204" pitchFamily="49" charset="0"/>
+            </a:endParaRPr>
+          </a:p>
+          <a:p>
+            <a:pPr algn="ctr"/>
+            <a:endParaRPr lang="en-US" sz="533" dirty="0">
+              <a:solidFill>
+                <a:schemeClr val="tx1"/>
+              </a:solidFill>
+              <a:latin typeface="Menlo" panose="020B0609030804020204" pitchFamily="49" charset="0"/>
+              <a:ea typeface="Menlo" panose="020B0609030804020204" pitchFamily="49" charset="0"/>
+              <a:cs typeface="Menlo" panose="020B0609030804020204" pitchFamily="49" charset="0"/>
+            </a:endParaRPr>
+          </a:p>
+          <a:p>
+            <a:pPr algn="ctr"/>
+            <a:endParaRPr lang="en-US" sz="533" dirty="0">
+              <a:solidFill>
+                <a:schemeClr val="tx1"/>
+              </a:solidFill>
+              <a:latin typeface="Menlo" panose="020B0609030804020204" pitchFamily="49" charset="0"/>
+              <a:ea typeface="Menlo" panose="020B0609030804020204" pitchFamily="49" charset="0"/>
+              <a:cs typeface="Menlo" panose="020B0609030804020204" pitchFamily="49" charset="0"/>
+            </a:endParaRPr>
+          </a:p>
+          <a:p>
+            <a:pPr algn="ctr"/>
+            <a:endParaRPr lang="en-US" sz="533" dirty="0">
+              <a:solidFill>
+                <a:schemeClr val="tx1"/>
+              </a:solidFill>
+              <a:latin typeface="Menlo" panose="020B0609030804020204" pitchFamily="49" charset="0"/>
+              <a:ea typeface="Menlo" panose="020B0609030804020204" pitchFamily="49" charset="0"/>
+              <a:cs typeface="Menlo" panose="020B0609030804020204" pitchFamily="49" charset="0"/>
+            </a:endParaRPr>
+          </a:p>
+          <a:p>
+            <a:pPr algn="ctr"/>
+            <a:r>
+              <a:rPr lang="en-US" sz="533" dirty="0">
+                <a:solidFill>
+                  <a:schemeClr val="tx1"/>
+                </a:solidFill>
+                <a:latin typeface="Menlo" panose="020B0609030804020204" pitchFamily="49" charset="0"/>
+                <a:ea typeface="Menlo" panose="020B0609030804020204" pitchFamily="49" charset="0"/>
+                <a:cs typeface="Menlo" panose="020B0609030804020204" pitchFamily="49" charset="0"/>
+              </a:rPr>
+              <a:t>JES Explorer</a:t>
+            </a:r>
+          </a:p>
+        </p:txBody>
+      </p:sp>
+      <p:pic>
+        <p:nvPicPr>
+          <p:cNvPr id="8" name="Picture 7">
+            <a:extLst>
+              <a:ext uri="{FF2B5EF4-FFF2-40B4-BE49-F238E27FC236}">
+                <a16:creationId xmlns:a16="http://schemas.microsoft.com/office/drawing/2014/main" id="{5E182968-48C7-A04A-B576-7DE13E28DF18}"/>
+              </a:ext>
+            </a:extLst>
+          </p:cNvPr>
+          <p:cNvPicPr>
+            <a:picLocks noChangeAspect="1"/>
+          </p:cNvPicPr>
+          <p:nvPr/>
+        </p:nvPicPr>
+        <p:blipFill>
+          <a:blip r:embed="rId3"/>
+          <a:stretch>
+            <a:fillRect/>
+          </a:stretch>
+        </p:blipFill>
+        <p:spPr>
+          <a:xfrm>
+            <a:off x="3318394" y="772119"/>
+            <a:ext cx="542319" cy="336716"/>
+          </a:xfrm>
+          <a:prstGeom prst="rect">
+            <a:avLst/>
+          </a:prstGeom>
+        </p:spPr>
+      </p:pic>
+      <p:sp>
+        <p:nvSpPr>
+          <p:cNvPr id="80" name="Rectangle 79">
+            <a:extLst>
+              <a:ext uri="{FF2B5EF4-FFF2-40B4-BE49-F238E27FC236}">
+                <a16:creationId xmlns:a16="http://schemas.microsoft.com/office/drawing/2014/main" id="{91600B3F-5883-A745-B9E9-287709B4FA06}"/>
+              </a:ext>
+            </a:extLst>
+          </p:cNvPr>
+          <p:cNvSpPr/>
+          <p:nvPr/>
+        </p:nvSpPr>
+        <p:spPr>
+          <a:xfrm>
+            <a:off x="4140753" y="726804"/>
+            <a:ext cx="830876" cy="584635"/>
+          </a:xfrm>
+          <a:prstGeom prst="rect">
+            <a:avLst/>
+          </a:prstGeom>
+          <a:solidFill>
+            <a:schemeClr val="tx2">
+              <a:lumMod val="20000"/>
+              <a:lumOff val="80000"/>
+            </a:schemeClr>
+          </a:solidFill>
+          <a:ln>
+            <a:solidFill>
+              <a:schemeClr val="tx1"/>
+            </a:solidFill>
+          </a:ln>
+        </p:spPr>
+        <p:style>
+          <a:lnRef idx="1">
+            <a:schemeClr val="accent1"/>
+          </a:lnRef>
+          <a:fillRef idx="3">
+            <a:schemeClr val="accent1"/>
+          </a:fillRef>
+          <a:effectRef idx="2">
+            <a:schemeClr val="accent1"/>
+          </a:effectRef>
+          <a:fontRef idx="minor">
+            <a:schemeClr val="lt1"/>
+          </a:fontRef>
+        </p:style>
+        <p:txBody>
+          <a:bodyPr rtlCol="0" anchor="ctr"/>
+          <a:lstStyle/>
+          <a:p>
+            <a:pPr algn="ctr"/>
+            <a:endParaRPr lang="en-US" sz="533" dirty="0">
+              <a:solidFill>
+                <a:schemeClr val="tx1"/>
+              </a:solidFill>
+              <a:latin typeface="Menlo" panose="020B0609030804020204" pitchFamily="49" charset="0"/>
+              <a:ea typeface="Menlo" panose="020B0609030804020204" pitchFamily="49" charset="0"/>
+              <a:cs typeface="Menlo" panose="020B0609030804020204" pitchFamily="49" charset="0"/>
+            </a:endParaRPr>
+          </a:p>
+          <a:p>
+            <a:pPr algn="ctr"/>
+            <a:endParaRPr lang="en-US" sz="533" dirty="0">
+              <a:solidFill>
+                <a:schemeClr val="tx1"/>
+              </a:solidFill>
+              <a:latin typeface="Menlo" panose="020B0609030804020204" pitchFamily="49" charset="0"/>
+              <a:ea typeface="Menlo" panose="020B0609030804020204" pitchFamily="49" charset="0"/>
+              <a:cs typeface="Menlo" panose="020B0609030804020204" pitchFamily="49" charset="0"/>
+            </a:endParaRPr>
+          </a:p>
+          <a:p>
+            <a:pPr algn="ctr"/>
+            <a:endParaRPr lang="en-US" sz="533" dirty="0">
+              <a:solidFill>
+                <a:schemeClr val="tx1"/>
+              </a:solidFill>
+              <a:latin typeface="Menlo" panose="020B0609030804020204" pitchFamily="49" charset="0"/>
+              <a:ea typeface="Menlo" panose="020B0609030804020204" pitchFamily="49" charset="0"/>
+              <a:cs typeface="Menlo" panose="020B0609030804020204" pitchFamily="49" charset="0"/>
+            </a:endParaRPr>
+          </a:p>
+          <a:p>
+            <a:pPr algn="ctr"/>
+            <a:endParaRPr lang="en-US" sz="533" dirty="0">
+              <a:solidFill>
+                <a:schemeClr val="tx1"/>
+              </a:solidFill>
+              <a:latin typeface="Menlo" panose="020B0609030804020204" pitchFamily="49" charset="0"/>
+              <a:ea typeface="Menlo" panose="020B0609030804020204" pitchFamily="49" charset="0"/>
+              <a:cs typeface="Menlo" panose="020B0609030804020204" pitchFamily="49" charset="0"/>
+            </a:endParaRPr>
+          </a:p>
+          <a:p>
+            <a:pPr algn="ctr"/>
+            <a:endParaRPr lang="en-US" sz="533" dirty="0">
+              <a:solidFill>
+                <a:schemeClr val="tx1"/>
+              </a:solidFill>
+              <a:latin typeface="Menlo" panose="020B0609030804020204" pitchFamily="49" charset="0"/>
+              <a:ea typeface="Menlo" panose="020B0609030804020204" pitchFamily="49" charset="0"/>
+              <a:cs typeface="Menlo" panose="020B0609030804020204" pitchFamily="49" charset="0"/>
+            </a:endParaRPr>
+          </a:p>
+          <a:p>
+            <a:pPr algn="ctr"/>
+            <a:r>
+              <a:rPr lang="en-US" sz="533" dirty="0">
+                <a:solidFill>
+                  <a:schemeClr val="tx1"/>
+                </a:solidFill>
+                <a:latin typeface="Menlo" panose="020B0609030804020204" pitchFamily="49" charset="0"/>
+                <a:ea typeface="Menlo" panose="020B0609030804020204" pitchFamily="49" charset="0"/>
+                <a:cs typeface="Menlo" panose="020B0609030804020204" pitchFamily="49" charset="0"/>
+              </a:rPr>
+              <a:t>USS Explorer</a:t>
+            </a:r>
+          </a:p>
+        </p:txBody>
+      </p:sp>
+      <p:pic>
+        <p:nvPicPr>
+          <p:cNvPr id="10" name="Picture 9">
+            <a:extLst>
+              <a:ext uri="{FF2B5EF4-FFF2-40B4-BE49-F238E27FC236}">
+                <a16:creationId xmlns:a16="http://schemas.microsoft.com/office/drawing/2014/main" id="{69422BFB-BF0E-E84E-AF4C-A30A2439E5F0}"/>
+              </a:ext>
+            </a:extLst>
+          </p:cNvPr>
+          <p:cNvPicPr>
+            <a:picLocks noChangeAspect="1"/>
+          </p:cNvPicPr>
+          <p:nvPr/>
+        </p:nvPicPr>
+        <p:blipFill>
+          <a:blip r:embed="rId4"/>
+          <a:stretch>
+            <a:fillRect/>
+          </a:stretch>
+        </p:blipFill>
+        <p:spPr>
+          <a:xfrm>
+            <a:off x="4287632" y="797612"/>
+            <a:ext cx="492671" cy="325693"/>
+          </a:xfrm>
+          <a:prstGeom prst="rect">
+            <a:avLst/>
+          </a:prstGeom>
+        </p:spPr>
+      </p:pic>
+      <p:sp>
+        <p:nvSpPr>
+          <p:cNvPr id="82" name="Rectangle 81">
+            <a:extLst>
+              <a:ext uri="{FF2B5EF4-FFF2-40B4-BE49-F238E27FC236}">
+                <a16:creationId xmlns:a16="http://schemas.microsoft.com/office/drawing/2014/main" id="{F8E8A60B-1AFE-9A49-AE07-175E906C67AA}"/>
+              </a:ext>
+            </a:extLst>
+          </p:cNvPr>
+          <p:cNvSpPr/>
+          <p:nvPr/>
+        </p:nvSpPr>
+        <p:spPr>
+          <a:xfrm>
+            <a:off x="1315277" y="723469"/>
+            <a:ext cx="830876" cy="584635"/>
+          </a:xfrm>
+          <a:prstGeom prst="rect">
+            <a:avLst/>
+          </a:prstGeom>
+          <a:solidFill>
+            <a:schemeClr val="tx2">
+              <a:lumMod val="20000"/>
+              <a:lumOff val="80000"/>
+            </a:schemeClr>
+          </a:solidFill>
+          <a:ln>
+            <a:solidFill>
+              <a:schemeClr val="tx1"/>
+            </a:solidFill>
+          </a:ln>
+        </p:spPr>
+        <p:style>
+          <a:lnRef idx="1">
+            <a:schemeClr val="accent1"/>
+          </a:lnRef>
+          <a:fillRef idx="3">
+            <a:schemeClr val="accent1"/>
+          </a:fillRef>
+          <a:effectRef idx="2">
+            <a:schemeClr val="accent1"/>
+          </a:effectRef>
+          <a:fontRef idx="minor">
+            <a:schemeClr val="lt1"/>
+          </a:fontRef>
+        </p:style>
+        <p:txBody>
+          <a:bodyPr rtlCol="0" anchor="ctr"/>
+          <a:lstStyle/>
+          <a:p>
+            <a:pPr algn="ctr"/>
+            <a:endParaRPr lang="en-US" sz="533" dirty="0">
+              <a:solidFill>
+                <a:schemeClr val="tx1"/>
+              </a:solidFill>
+              <a:latin typeface="Menlo" panose="020B0609030804020204" pitchFamily="49" charset="0"/>
+              <a:ea typeface="Menlo" panose="020B0609030804020204" pitchFamily="49" charset="0"/>
+              <a:cs typeface="Menlo" panose="020B0609030804020204" pitchFamily="49" charset="0"/>
+            </a:endParaRPr>
+          </a:p>
+          <a:p>
+            <a:pPr algn="ctr"/>
+            <a:endParaRPr lang="en-US" sz="533" dirty="0">
+              <a:solidFill>
+                <a:schemeClr val="tx1"/>
+              </a:solidFill>
+              <a:latin typeface="Menlo" panose="020B0609030804020204" pitchFamily="49" charset="0"/>
+              <a:ea typeface="Menlo" panose="020B0609030804020204" pitchFamily="49" charset="0"/>
+              <a:cs typeface="Menlo" panose="020B0609030804020204" pitchFamily="49" charset="0"/>
+            </a:endParaRPr>
+          </a:p>
+          <a:p>
+            <a:pPr algn="ctr"/>
+            <a:endParaRPr lang="en-US" sz="533" dirty="0">
+              <a:solidFill>
+                <a:schemeClr val="tx1"/>
+              </a:solidFill>
+              <a:latin typeface="Menlo" panose="020B0609030804020204" pitchFamily="49" charset="0"/>
+              <a:ea typeface="Menlo" panose="020B0609030804020204" pitchFamily="49" charset="0"/>
+              <a:cs typeface="Menlo" panose="020B0609030804020204" pitchFamily="49" charset="0"/>
+            </a:endParaRPr>
+          </a:p>
+          <a:p>
+            <a:pPr algn="ctr"/>
+            <a:endParaRPr lang="en-US" sz="533" dirty="0">
+              <a:solidFill>
+                <a:schemeClr val="tx1"/>
+              </a:solidFill>
+              <a:latin typeface="Menlo" panose="020B0609030804020204" pitchFamily="49" charset="0"/>
+              <a:ea typeface="Menlo" panose="020B0609030804020204" pitchFamily="49" charset="0"/>
+              <a:cs typeface="Menlo" panose="020B0609030804020204" pitchFamily="49" charset="0"/>
+            </a:endParaRPr>
+          </a:p>
+          <a:p>
+            <a:pPr algn="ctr"/>
+            <a:endParaRPr lang="en-US" sz="533" dirty="0">
+              <a:solidFill>
+                <a:schemeClr val="tx1"/>
+              </a:solidFill>
+              <a:latin typeface="Menlo" panose="020B0609030804020204" pitchFamily="49" charset="0"/>
+              <a:ea typeface="Menlo" panose="020B0609030804020204" pitchFamily="49" charset="0"/>
+              <a:cs typeface="Menlo" panose="020B0609030804020204" pitchFamily="49" charset="0"/>
+            </a:endParaRPr>
+          </a:p>
+          <a:p>
+            <a:pPr algn="ctr"/>
+            <a:r>
+              <a:rPr lang="en-US" sz="533" dirty="0">
+                <a:solidFill>
+                  <a:schemeClr val="tx1"/>
+                </a:solidFill>
+                <a:latin typeface="Menlo" panose="020B0609030804020204" pitchFamily="49" charset="0"/>
+                <a:ea typeface="Menlo" panose="020B0609030804020204" pitchFamily="49" charset="0"/>
+                <a:cs typeface="Menlo" panose="020B0609030804020204" pitchFamily="49" charset="0"/>
+              </a:rPr>
+              <a:t>TN 2170</a:t>
+            </a:r>
+          </a:p>
+        </p:txBody>
+      </p:sp>
+      <p:pic>
+        <p:nvPicPr>
+          <p:cNvPr id="11" name="Picture 10">
+            <a:extLst>
+              <a:ext uri="{FF2B5EF4-FFF2-40B4-BE49-F238E27FC236}">
+                <a16:creationId xmlns:a16="http://schemas.microsoft.com/office/drawing/2014/main" id="{B465B054-0C62-9E41-B891-1D24A71FAFFE}"/>
+              </a:ext>
+            </a:extLst>
+          </p:cNvPr>
+          <p:cNvPicPr>
+            <a:picLocks noChangeAspect="1"/>
+          </p:cNvPicPr>
+          <p:nvPr/>
+        </p:nvPicPr>
+        <p:blipFill>
+          <a:blip r:embed="rId5"/>
+          <a:stretch>
+            <a:fillRect/>
+          </a:stretch>
+        </p:blipFill>
+        <p:spPr>
+          <a:xfrm>
+            <a:off x="1503238" y="768907"/>
+            <a:ext cx="439324" cy="354399"/>
+          </a:xfrm>
+          <a:prstGeom prst="rect">
+            <a:avLst/>
+          </a:prstGeom>
+        </p:spPr>
+      </p:pic>
+      <p:sp>
+        <p:nvSpPr>
+          <p:cNvPr id="83" name="Rectangle 82">
+            <a:extLst>
+              <a:ext uri="{FF2B5EF4-FFF2-40B4-BE49-F238E27FC236}">
+                <a16:creationId xmlns:a16="http://schemas.microsoft.com/office/drawing/2014/main" id="{3F6404EA-A5F6-5344-9F02-1F63A7ED71F5}"/>
+              </a:ext>
+            </a:extLst>
+          </p:cNvPr>
+          <p:cNvSpPr/>
+          <p:nvPr/>
+        </p:nvSpPr>
+        <p:spPr>
+          <a:xfrm>
+            <a:off x="280810" y="736832"/>
+            <a:ext cx="830876" cy="584635"/>
+          </a:xfrm>
+          <a:prstGeom prst="rect">
+            <a:avLst/>
+          </a:prstGeom>
+          <a:solidFill>
+            <a:schemeClr val="tx2">
+              <a:lumMod val="20000"/>
+              <a:lumOff val="80000"/>
+            </a:schemeClr>
+          </a:solidFill>
+          <a:ln>
+            <a:solidFill>
+              <a:schemeClr val="tx1"/>
+            </a:solidFill>
+          </a:ln>
+        </p:spPr>
+        <p:style>
+          <a:lnRef idx="1">
+            <a:schemeClr val="accent1"/>
+          </a:lnRef>
+          <a:fillRef idx="3">
+            <a:schemeClr val="accent1"/>
+          </a:fillRef>
+          <a:effectRef idx="2">
+            <a:schemeClr val="accent1"/>
+          </a:effectRef>
+          <a:fontRef idx="minor">
+            <a:schemeClr val="lt1"/>
+          </a:fontRef>
+        </p:style>
+        <p:txBody>
+          <a:bodyPr rtlCol="0" anchor="ctr"/>
+          <a:lstStyle/>
+          <a:p>
+            <a:pPr algn="ctr"/>
+            <a:endParaRPr lang="en-US" sz="533" dirty="0">
+              <a:solidFill>
+                <a:schemeClr val="tx1"/>
+              </a:solidFill>
+              <a:latin typeface="Menlo" panose="020B0609030804020204" pitchFamily="49" charset="0"/>
+              <a:ea typeface="Menlo" panose="020B0609030804020204" pitchFamily="49" charset="0"/>
+              <a:cs typeface="Menlo" panose="020B0609030804020204" pitchFamily="49" charset="0"/>
+            </a:endParaRPr>
+          </a:p>
+          <a:p>
+            <a:pPr algn="ctr"/>
+            <a:endParaRPr lang="en-US" sz="533" dirty="0">
+              <a:solidFill>
+                <a:schemeClr val="tx1"/>
+              </a:solidFill>
+              <a:latin typeface="Menlo" panose="020B0609030804020204" pitchFamily="49" charset="0"/>
+              <a:ea typeface="Menlo" panose="020B0609030804020204" pitchFamily="49" charset="0"/>
+              <a:cs typeface="Menlo" panose="020B0609030804020204" pitchFamily="49" charset="0"/>
+            </a:endParaRPr>
+          </a:p>
+          <a:p>
+            <a:pPr algn="ctr"/>
+            <a:endParaRPr lang="en-US" sz="533" dirty="0">
+              <a:solidFill>
+                <a:schemeClr val="tx1"/>
+              </a:solidFill>
+              <a:latin typeface="Menlo" panose="020B0609030804020204" pitchFamily="49" charset="0"/>
+              <a:ea typeface="Menlo" panose="020B0609030804020204" pitchFamily="49" charset="0"/>
+              <a:cs typeface="Menlo" panose="020B0609030804020204" pitchFamily="49" charset="0"/>
+            </a:endParaRPr>
+          </a:p>
+          <a:p>
+            <a:pPr algn="ctr"/>
+            <a:endParaRPr lang="en-US" sz="533" dirty="0">
+              <a:solidFill>
+                <a:schemeClr val="tx1"/>
+              </a:solidFill>
+              <a:latin typeface="Menlo" panose="020B0609030804020204" pitchFamily="49" charset="0"/>
+              <a:ea typeface="Menlo" panose="020B0609030804020204" pitchFamily="49" charset="0"/>
+              <a:cs typeface="Menlo" panose="020B0609030804020204" pitchFamily="49" charset="0"/>
+            </a:endParaRPr>
+          </a:p>
+          <a:p>
+            <a:pPr algn="ctr"/>
+            <a:endParaRPr lang="en-US" sz="533" dirty="0">
+              <a:solidFill>
+                <a:schemeClr val="tx1"/>
+              </a:solidFill>
+              <a:latin typeface="Menlo" panose="020B0609030804020204" pitchFamily="49" charset="0"/>
+              <a:ea typeface="Menlo" panose="020B0609030804020204" pitchFamily="49" charset="0"/>
+              <a:cs typeface="Menlo" panose="020B0609030804020204" pitchFamily="49" charset="0"/>
+            </a:endParaRPr>
+          </a:p>
+          <a:p>
+            <a:pPr algn="ctr"/>
+            <a:r>
+              <a:rPr lang="en-US" sz="533" dirty="0">
+                <a:solidFill>
+                  <a:schemeClr val="tx1"/>
+                </a:solidFill>
+                <a:latin typeface="Menlo" panose="020B0609030804020204" pitchFamily="49" charset="0"/>
+                <a:ea typeface="Menlo" panose="020B0609030804020204" pitchFamily="49" charset="0"/>
+                <a:cs typeface="Menlo" panose="020B0609030804020204" pitchFamily="49" charset="0"/>
+              </a:rPr>
+              <a:t>VT </a:t>
+            </a:r>
+            <a:r>
+              <a:rPr lang="en-US" sz="533" dirty="0" err="1">
+                <a:solidFill>
+                  <a:schemeClr val="tx1"/>
+                </a:solidFill>
+                <a:latin typeface="Menlo" panose="020B0609030804020204" pitchFamily="49" charset="0"/>
+                <a:ea typeface="Menlo" panose="020B0609030804020204" pitchFamily="49" charset="0"/>
+                <a:cs typeface="Menlo" panose="020B0609030804020204" pitchFamily="49" charset="0"/>
+              </a:rPr>
+              <a:t>Terminak</a:t>
+            </a:r>
+            <a:endParaRPr lang="en-US" sz="533" dirty="0">
+              <a:solidFill>
+                <a:schemeClr val="tx1"/>
+              </a:solidFill>
+              <a:latin typeface="Menlo" panose="020B0609030804020204" pitchFamily="49" charset="0"/>
+              <a:ea typeface="Menlo" panose="020B0609030804020204" pitchFamily="49" charset="0"/>
+              <a:cs typeface="Menlo" panose="020B0609030804020204" pitchFamily="49" charset="0"/>
+            </a:endParaRPr>
+          </a:p>
+        </p:txBody>
+      </p:sp>
+      <p:pic>
+        <p:nvPicPr>
+          <p:cNvPr id="12" name="Picture 11">
+            <a:extLst>
+              <a:ext uri="{FF2B5EF4-FFF2-40B4-BE49-F238E27FC236}">
+                <a16:creationId xmlns:a16="http://schemas.microsoft.com/office/drawing/2014/main" id="{D9DCBCAF-0F18-DC4C-86C9-099E8FCF6A0B}"/>
+              </a:ext>
+            </a:extLst>
+          </p:cNvPr>
+          <p:cNvPicPr>
+            <a:picLocks noChangeAspect="1"/>
+          </p:cNvPicPr>
+          <p:nvPr/>
+        </p:nvPicPr>
+        <p:blipFill>
+          <a:blip r:embed="rId6"/>
+          <a:stretch>
+            <a:fillRect/>
+          </a:stretch>
+        </p:blipFill>
+        <p:spPr>
+          <a:xfrm>
+            <a:off x="493907" y="794112"/>
+            <a:ext cx="462960" cy="370597"/>
+          </a:xfrm>
+          <a:prstGeom prst="rect">
+            <a:avLst/>
+          </a:prstGeom>
+        </p:spPr>
+      </p:pic>
+      <p:sp>
+        <p:nvSpPr>
+          <p:cNvPr id="85" name="Rectangle 84">
+            <a:extLst>
+              <a:ext uri="{FF2B5EF4-FFF2-40B4-BE49-F238E27FC236}">
+                <a16:creationId xmlns:a16="http://schemas.microsoft.com/office/drawing/2014/main" id="{BCCCA178-3BD1-974E-A649-9F0821B4E8DB}"/>
+              </a:ext>
+            </a:extLst>
+          </p:cNvPr>
+          <p:cNvSpPr/>
+          <p:nvPr/>
+        </p:nvSpPr>
+        <p:spPr>
+          <a:xfrm>
+            <a:off x="7682822" y="747474"/>
+            <a:ext cx="1425257" cy="534825"/>
+          </a:xfrm>
+          <a:prstGeom prst="rect">
+            <a:avLst/>
+          </a:prstGeom>
+          <a:solidFill>
+            <a:schemeClr val="accent1">
+              <a:lumMod val="20000"/>
+              <a:lumOff val="80000"/>
+            </a:schemeClr>
+          </a:solidFill>
+        </p:spPr>
+        <p:style>
+          <a:lnRef idx="1">
+            <a:schemeClr val="accent1"/>
+          </a:lnRef>
+          <a:fillRef idx="3">
+            <a:schemeClr val="accent1"/>
+          </a:fillRef>
+          <a:effectRef idx="2">
+            <a:schemeClr val="accent1"/>
+          </a:effectRef>
+          <a:fontRef idx="minor">
+            <a:schemeClr val="lt1"/>
+          </a:fontRef>
+        </p:style>
+        <p:txBody>
+          <a:bodyPr rtlCol="0" anchor="ctr"/>
+          <a:lstStyle/>
+          <a:p>
+            <a:pPr algn="ctr"/>
+            <a:endParaRPr lang="en-US" sz="1467" dirty="0">
+              <a:solidFill>
+                <a:schemeClr val="tx1"/>
+              </a:solidFill>
+              <a:latin typeface="Menlo" charset="0"/>
+              <a:ea typeface="Menlo" charset="0"/>
+              <a:cs typeface="Menlo" charset="0"/>
+            </a:endParaRPr>
+          </a:p>
+          <a:p>
+            <a:pPr algn="ctr"/>
+            <a:endParaRPr lang="en-US" sz="1467" dirty="0">
+              <a:solidFill>
+                <a:schemeClr val="tx1"/>
+              </a:solidFill>
+              <a:latin typeface="Menlo" charset="0"/>
+              <a:ea typeface="Menlo" charset="0"/>
+              <a:cs typeface="Menlo" charset="0"/>
+            </a:endParaRPr>
+          </a:p>
+        </p:txBody>
+      </p:sp>
+      <p:pic>
+        <p:nvPicPr>
+          <p:cNvPr id="13" name="Picture 12">
+            <a:extLst>
+              <a:ext uri="{FF2B5EF4-FFF2-40B4-BE49-F238E27FC236}">
+                <a16:creationId xmlns:a16="http://schemas.microsoft.com/office/drawing/2014/main" id="{221400D2-57A7-A749-B8F9-C023A7CEA2BA}"/>
+              </a:ext>
+            </a:extLst>
+          </p:cNvPr>
+          <p:cNvPicPr>
+            <a:picLocks noChangeAspect="1"/>
+          </p:cNvPicPr>
+          <p:nvPr/>
+        </p:nvPicPr>
+        <p:blipFill>
+          <a:blip r:embed="rId7"/>
+          <a:stretch>
+            <a:fillRect/>
+          </a:stretch>
+        </p:blipFill>
+        <p:spPr>
+          <a:xfrm>
+            <a:off x="7769728" y="786855"/>
+            <a:ext cx="936483" cy="495444"/>
+          </a:xfrm>
+          <a:prstGeom prst="rect">
+            <a:avLst/>
+          </a:prstGeom>
+        </p:spPr>
+      </p:pic>
+      <p:sp>
+        <p:nvSpPr>
+          <p:cNvPr id="72" name="Rectangle 71">
+            <a:extLst>
+              <a:ext uri="{FF2B5EF4-FFF2-40B4-BE49-F238E27FC236}">
+                <a16:creationId xmlns:a16="http://schemas.microsoft.com/office/drawing/2014/main" id="{58691199-F13A-3A40-B3F3-882DAA99E199}"/>
+              </a:ext>
+            </a:extLst>
+          </p:cNvPr>
+          <p:cNvSpPr/>
+          <p:nvPr/>
+        </p:nvSpPr>
+        <p:spPr>
+          <a:xfrm>
+            <a:off x="8966912" y="5228347"/>
+            <a:ext cx="647781" cy="476273"/>
+          </a:xfrm>
+          <a:prstGeom prst="rect">
+            <a:avLst/>
+          </a:prstGeom>
+          <a:solidFill>
+            <a:schemeClr val="bg1"/>
           </a:solidFill>
         </p:spPr>
         <p:style>
@@ -6034,7 +6785,681 @@
           <a:lstStyle/>
           <a:p>
             <a:pPr algn="ctr"/>
-            <a:endParaRPr lang="en-US" sz="1000" dirty="0">
+            <a:r>
+              <a:rPr lang="en-US" sz="933" dirty="0">
+                <a:solidFill>
+                  <a:schemeClr val="tx1"/>
+                </a:solidFill>
+                <a:latin typeface="Menlo" panose="020B0609030804020204" pitchFamily="49" charset="0"/>
+                <a:ea typeface="Menlo" panose="020B0609030804020204" pitchFamily="49" charset="0"/>
+                <a:cs typeface="Menlo" panose="020B0609030804020204" pitchFamily="49" charset="0"/>
+              </a:rPr>
+              <a:t>CICS</a:t>
+            </a:r>
+          </a:p>
+          <a:p>
+            <a:pPr algn="ctr"/>
+            <a:r>
+              <a:rPr lang="en-US" sz="933" dirty="0">
+                <a:solidFill>
+                  <a:schemeClr val="tx1"/>
+                </a:solidFill>
+                <a:latin typeface="Menlo" panose="020B0609030804020204" pitchFamily="49" charset="0"/>
+                <a:ea typeface="Menlo" panose="020B0609030804020204" pitchFamily="49" charset="0"/>
+                <a:cs typeface="Menlo" panose="020B0609030804020204" pitchFamily="49" charset="0"/>
+              </a:rPr>
+              <a:t>CMCI </a:t>
+            </a:r>
+          </a:p>
+        </p:txBody>
+      </p:sp>
+      <p:sp>
+        <p:nvSpPr>
+          <p:cNvPr id="87" name="Rectangle 86">
+            <a:extLst>
+              <a:ext uri="{FF2B5EF4-FFF2-40B4-BE49-F238E27FC236}">
+                <a16:creationId xmlns:a16="http://schemas.microsoft.com/office/drawing/2014/main" id="{03EF157D-A459-3D4C-9BA7-D66E89FE7C8E}"/>
+              </a:ext>
+            </a:extLst>
+          </p:cNvPr>
+          <p:cNvSpPr/>
+          <p:nvPr/>
+        </p:nvSpPr>
+        <p:spPr>
+          <a:xfrm>
+            <a:off x="9282551" y="963366"/>
+            <a:ext cx="538511" cy="270387"/>
+          </a:xfrm>
+          <a:prstGeom prst="rect">
+            <a:avLst/>
+          </a:prstGeom>
+          <a:solidFill>
+            <a:schemeClr val="accent1">
+              <a:lumMod val="20000"/>
+              <a:lumOff val="80000"/>
+            </a:schemeClr>
+          </a:solidFill>
+        </p:spPr>
+        <p:style>
+          <a:lnRef idx="1">
+            <a:schemeClr val="accent1"/>
+          </a:lnRef>
+          <a:fillRef idx="3">
+            <a:schemeClr val="accent1"/>
+          </a:fillRef>
+          <a:effectRef idx="2">
+            <a:schemeClr val="accent1"/>
+          </a:effectRef>
+          <a:fontRef idx="minor">
+            <a:schemeClr val="lt1"/>
+          </a:fontRef>
+        </p:style>
+        <p:txBody>
+          <a:bodyPr rtlCol="0" anchor="ctr"/>
+          <a:lstStyle/>
+          <a:p>
+            <a:pPr algn="ctr"/>
+            <a:r>
+              <a:rPr lang="en-US" sz="1000" dirty="0">
+                <a:solidFill>
+                  <a:schemeClr val="tx1"/>
+                </a:solidFill>
+                <a:latin typeface="Menlo" charset="0"/>
+                <a:ea typeface="Menlo" charset="0"/>
+                <a:cs typeface="Menlo" charset="0"/>
+              </a:rPr>
+              <a:t>CICS</a:t>
+            </a:r>
+          </a:p>
+        </p:txBody>
+      </p:sp>
+      <p:cxnSp>
+        <p:nvCxnSpPr>
+          <p:cNvPr id="88" name="Straight Arrow Connector 87">
+            <a:extLst>
+              <a:ext uri="{FF2B5EF4-FFF2-40B4-BE49-F238E27FC236}">
+                <a16:creationId xmlns:a16="http://schemas.microsoft.com/office/drawing/2014/main" id="{5ABE9537-3590-D944-A6EF-674D2E7A9B42}"/>
+              </a:ext>
+            </a:extLst>
+          </p:cNvPr>
+          <p:cNvCxnSpPr>
+            <a:cxnSpLocks/>
+          </p:cNvCxnSpPr>
+          <p:nvPr/>
+        </p:nvCxnSpPr>
+        <p:spPr>
+          <a:xfrm>
+            <a:off x="7746055" y="1673444"/>
+            <a:ext cx="0" cy="759483"/>
+          </a:xfrm>
+          <a:prstGeom prst="straightConnector1">
+            <a:avLst/>
+          </a:prstGeom>
+          <a:ln>
+            <a:headEnd type="triangle"/>
+            <a:tailEnd type="triangle"/>
+          </a:ln>
+        </p:spPr>
+        <p:style>
+          <a:lnRef idx="1">
+            <a:schemeClr val="accent1"/>
+          </a:lnRef>
+          <a:fillRef idx="0">
+            <a:schemeClr val="accent1"/>
+          </a:fillRef>
+          <a:effectRef idx="0">
+            <a:schemeClr val="accent1"/>
+          </a:effectRef>
+          <a:fontRef idx="minor">
+            <a:schemeClr val="tx1"/>
+          </a:fontRef>
+        </p:style>
+      </p:cxnSp>
+      <p:cxnSp>
+        <p:nvCxnSpPr>
+          <p:cNvPr id="89" name="Straight Arrow Connector 88">
+            <a:extLst>
+              <a:ext uri="{FF2B5EF4-FFF2-40B4-BE49-F238E27FC236}">
+                <a16:creationId xmlns:a16="http://schemas.microsoft.com/office/drawing/2014/main" id="{3C6B5AD8-4D55-CC45-B07C-E9F3CF05C3FF}"/>
+              </a:ext>
+            </a:extLst>
+          </p:cNvPr>
+          <p:cNvCxnSpPr>
+            <a:cxnSpLocks/>
+          </p:cNvCxnSpPr>
+          <p:nvPr/>
+        </p:nvCxnSpPr>
+        <p:spPr>
+          <a:xfrm>
+            <a:off x="9480808" y="1335871"/>
+            <a:ext cx="0" cy="3869737"/>
+          </a:xfrm>
+          <a:prstGeom prst="straightConnector1">
+            <a:avLst/>
+          </a:prstGeom>
+          <a:ln>
+            <a:headEnd type="triangle"/>
+            <a:tailEnd type="triangle"/>
+          </a:ln>
+        </p:spPr>
+        <p:style>
+          <a:lnRef idx="1">
+            <a:schemeClr val="accent1"/>
+          </a:lnRef>
+          <a:fillRef idx="0">
+            <a:schemeClr val="accent1"/>
+          </a:fillRef>
+          <a:effectRef idx="0">
+            <a:schemeClr val="accent1"/>
+          </a:effectRef>
+          <a:fontRef idx="minor">
+            <a:schemeClr val="tx1"/>
+          </a:fontRef>
+        </p:style>
+      </p:cxnSp>
+      <p:sp>
+        <p:nvSpPr>
+          <p:cNvPr id="90" name="Rectangle 89">
+            <a:extLst>
+              <a:ext uri="{FF2B5EF4-FFF2-40B4-BE49-F238E27FC236}">
+                <a16:creationId xmlns:a16="http://schemas.microsoft.com/office/drawing/2014/main" id="{327195F8-48D4-7441-94C7-DB920529BA39}"/>
+              </a:ext>
+            </a:extLst>
+          </p:cNvPr>
+          <p:cNvSpPr/>
+          <p:nvPr/>
+        </p:nvSpPr>
+        <p:spPr>
+          <a:xfrm>
+            <a:off x="10056162" y="968380"/>
+            <a:ext cx="538511" cy="270387"/>
+          </a:xfrm>
+          <a:prstGeom prst="rect">
+            <a:avLst/>
+          </a:prstGeom>
+          <a:solidFill>
+            <a:schemeClr val="accent1">
+              <a:lumMod val="20000"/>
+              <a:lumOff val="80000"/>
+            </a:schemeClr>
+          </a:solidFill>
+        </p:spPr>
+        <p:style>
+          <a:lnRef idx="1">
+            <a:schemeClr val="accent1"/>
+          </a:lnRef>
+          <a:fillRef idx="3">
+            <a:schemeClr val="accent1"/>
+          </a:fillRef>
+          <a:effectRef idx="2">
+            <a:schemeClr val="accent1"/>
+          </a:effectRef>
+          <a:fontRef idx="minor">
+            <a:schemeClr val="lt1"/>
+          </a:fontRef>
+        </p:style>
+        <p:txBody>
+          <a:bodyPr rtlCol="0" anchor="ctr"/>
+          <a:lstStyle/>
+          <a:p>
+            <a:pPr algn="ctr"/>
+            <a:r>
+              <a:rPr lang="en-US" sz="1000" dirty="0">
+                <a:solidFill>
+                  <a:schemeClr val="tx1"/>
+                </a:solidFill>
+                <a:latin typeface="Menlo" charset="0"/>
+                <a:ea typeface="Menlo" charset="0"/>
+                <a:cs typeface="Menlo" charset="0"/>
+              </a:rPr>
+              <a:t>IMS</a:t>
+            </a:r>
+          </a:p>
+        </p:txBody>
+      </p:sp>
+      <p:cxnSp>
+        <p:nvCxnSpPr>
+          <p:cNvPr id="91" name="Straight Arrow Connector 90">
+            <a:extLst>
+              <a:ext uri="{FF2B5EF4-FFF2-40B4-BE49-F238E27FC236}">
+                <a16:creationId xmlns:a16="http://schemas.microsoft.com/office/drawing/2014/main" id="{A402D5FD-2326-384E-AC6C-9A6F2F0C7F10}"/>
+              </a:ext>
+            </a:extLst>
+          </p:cNvPr>
+          <p:cNvCxnSpPr>
+            <a:cxnSpLocks/>
+          </p:cNvCxnSpPr>
+          <p:nvPr/>
+        </p:nvCxnSpPr>
+        <p:spPr>
+          <a:xfrm>
+            <a:off x="7746055" y="2459074"/>
+            <a:ext cx="0" cy="759483"/>
+          </a:xfrm>
+          <a:prstGeom prst="straightConnector1">
+            <a:avLst/>
+          </a:prstGeom>
+          <a:ln>
+            <a:prstDash val="dash"/>
+            <a:headEnd type="triangle"/>
+            <a:tailEnd type="triangle"/>
+          </a:ln>
+        </p:spPr>
+        <p:style>
+          <a:lnRef idx="1">
+            <a:schemeClr val="accent1"/>
+          </a:lnRef>
+          <a:fillRef idx="0">
+            <a:schemeClr val="accent1"/>
+          </a:fillRef>
+          <a:effectRef idx="0">
+            <a:schemeClr val="accent1"/>
+          </a:effectRef>
+          <a:fontRef idx="minor">
+            <a:schemeClr val="tx1"/>
+          </a:fontRef>
+        </p:style>
+      </p:cxnSp>
+      <p:sp>
+        <p:nvSpPr>
+          <p:cNvPr id="92" name="Rectangle 91">
+            <a:extLst>
+              <a:ext uri="{FF2B5EF4-FFF2-40B4-BE49-F238E27FC236}">
+                <a16:creationId xmlns:a16="http://schemas.microsoft.com/office/drawing/2014/main" id="{AD5478C9-5E56-9D46-8329-02F52C3385CD}"/>
+              </a:ext>
+            </a:extLst>
+          </p:cNvPr>
+          <p:cNvSpPr/>
+          <p:nvPr/>
+        </p:nvSpPr>
+        <p:spPr>
+          <a:xfrm>
+            <a:off x="10839497" y="969789"/>
+            <a:ext cx="538511" cy="270387"/>
+          </a:xfrm>
+          <a:prstGeom prst="rect">
+            <a:avLst/>
+          </a:prstGeom>
+          <a:solidFill>
+            <a:schemeClr val="accent1">
+              <a:lumMod val="20000"/>
+              <a:lumOff val="80000"/>
+            </a:schemeClr>
+          </a:solidFill>
+        </p:spPr>
+        <p:style>
+          <a:lnRef idx="1">
+            <a:schemeClr val="accent1"/>
+          </a:lnRef>
+          <a:fillRef idx="3">
+            <a:schemeClr val="accent1"/>
+          </a:fillRef>
+          <a:effectRef idx="2">
+            <a:schemeClr val="accent1"/>
+          </a:effectRef>
+          <a:fontRef idx="minor">
+            <a:schemeClr val="lt1"/>
+          </a:fontRef>
+        </p:style>
+        <p:txBody>
+          <a:bodyPr rtlCol="0" anchor="ctr"/>
+          <a:lstStyle/>
+          <a:p>
+            <a:pPr algn="ctr"/>
+            <a:r>
+              <a:rPr lang="en-US" sz="1000" dirty="0">
+                <a:solidFill>
+                  <a:schemeClr val="tx1"/>
+                </a:solidFill>
+                <a:latin typeface="Menlo" charset="0"/>
+                <a:ea typeface="Menlo" charset="0"/>
+                <a:cs typeface="Menlo" charset="0"/>
+              </a:rPr>
+              <a:t>DB2</a:t>
+            </a:r>
+          </a:p>
+        </p:txBody>
+      </p:sp>
+      <p:sp>
+        <p:nvSpPr>
+          <p:cNvPr id="5" name="TextBox 4">
+            <a:extLst>
+              <a:ext uri="{FF2B5EF4-FFF2-40B4-BE49-F238E27FC236}">
+                <a16:creationId xmlns:a16="http://schemas.microsoft.com/office/drawing/2014/main" id="{7D76B6E5-7A89-444B-8AAE-D0C92E19304B}"/>
+              </a:ext>
+            </a:extLst>
+          </p:cNvPr>
+          <p:cNvSpPr txBox="1"/>
+          <p:nvPr/>
+        </p:nvSpPr>
+        <p:spPr>
+          <a:xfrm>
+            <a:off x="9156956" y="722026"/>
+            <a:ext cx="628698" cy="276999"/>
+          </a:xfrm>
+          <a:prstGeom prst="rect">
+            <a:avLst/>
+          </a:prstGeom>
+          <a:noFill/>
+        </p:spPr>
+        <p:txBody>
+          <a:bodyPr wrap="none" rtlCol="0">
+            <a:spAutoFit/>
+          </a:bodyPr>
+          <a:lstStyle/>
+          <a:p>
+            <a:r>
+              <a:rPr lang="en-US" sz="1200" dirty="0"/>
+              <a:t>Plugins</a:t>
+            </a:r>
+          </a:p>
+        </p:txBody>
+      </p:sp>
+      <p:sp>
+        <p:nvSpPr>
+          <p:cNvPr id="93" name="TextBox 92">
+            <a:extLst>
+              <a:ext uri="{FF2B5EF4-FFF2-40B4-BE49-F238E27FC236}">
+                <a16:creationId xmlns:a16="http://schemas.microsoft.com/office/drawing/2014/main" id="{A4518C1A-EF77-C445-B1C8-850895EB5A43}"/>
+              </a:ext>
+            </a:extLst>
+          </p:cNvPr>
+          <p:cNvSpPr txBox="1"/>
+          <p:nvPr/>
+        </p:nvSpPr>
+        <p:spPr>
+          <a:xfrm>
+            <a:off x="8727626" y="727173"/>
+            <a:ext cx="369012" cy="276999"/>
+          </a:xfrm>
+          <a:prstGeom prst="rect">
+            <a:avLst/>
+          </a:prstGeom>
+          <a:noFill/>
+        </p:spPr>
+        <p:txBody>
+          <a:bodyPr wrap="none" rtlCol="0">
+            <a:spAutoFit/>
+          </a:bodyPr>
+          <a:lstStyle/>
+          <a:p>
+            <a:r>
+              <a:rPr lang="en-US" sz="1200" dirty="0"/>
+              <a:t>CLI</a:t>
+            </a:r>
+          </a:p>
+        </p:txBody>
+      </p:sp>
+      <p:sp>
+        <p:nvSpPr>
+          <p:cNvPr id="95" name="Rectangle 94">
+            <a:extLst>
+              <a:ext uri="{FF2B5EF4-FFF2-40B4-BE49-F238E27FC236}">
+                <a16:creationId xmlns:a16="http://schemas.microsoft.com/office/drawing/2014/main" id="{9D2244BC-A2A4-D74E-BBE8-EB631F506976}"/>
+              </a:ext>
+            </a:extLst>
+          </p:cNvPr>
+          <p:cNvSpPr/>
+          <p:nvPr/>
+        </p:nvSpPr>
+        <p:spPr>
+          <a:xfrm>
+            <a:off x="9789594" y="5238729"/>
+            <a:ext cx="729047" cy="476273"/>
+          </a:xfrm>
+          <a:prstGeom prst="rect">
+            <a:avLst/>
+          </a:prstGeom>
+          <a:solidFill>
+            <a:schemeClr val="bg1"/>
+          </a:solidFill>
+        </p:spPr>
+        <p:style>
+          <a:lnRef idx="2">
+            <a:schemeClr val="accent1">
+              <a:shade val="50000"/>
+            </a:schemeClr>
+          </a:lnRef>
+          <a:fillRef idx="1">
+            <a:schemeClr val="accent1"/>
+          </a:fillRef>
+          <a:effectRef idx="0">
+            <a:schemeClr val="accent1"/>
+          </a:effectRef>
+          <a:fontRef idx="minor">
+            <a:schemeClr val="lt1"/>
+          </a:fontRef>
+        </p:style>
+        <p:txBody>
+          <a:bodyPr rtlCol="0" anchor="ctr"/>
+          <a:lstStyle/>
+          <a:p>
+            <a:pPr algn="ctr"/>
+            <a:r>
+              <a:rPr lang="en-US" sz="933" dirty="0">
+                <a:solidFill>
+                  <a:schemeClr val="tx1"/>
+                </a:solidFill>
+                <a:latin typeface="Menlo" panose="020B0609030804020204" pitchFamily="49" charset="0"/>
+                <a:ea typeface="Menlo" panose="020B0609030804020204" pitchFamily="49" charset="0"/>
+                <a:cs typeface="Menlo" panose="020B0609030804020204" pitchFamily="49" charset="0"/>
+              </a:rPr>
+              <a:t>IMS Connect</a:t>
+            </a:r>
+          </a:p>
+        </p:txBody>
+      </p:sp>
+      <p:cxnSp>
+        <p:nvCxnSpPr>
+          <p:cNvPr id="96" name="Straight Arrow Connector 95">
+            <a:extLst>
+              <a:ext uri="{FF2B5EF4-FFF2-40B4-BE49-F238E27FC236}">
+                <a16:creationId xmlns:a16="http://schemas.microsoft.com/office/drawing/2014/main" id="{8461BFE1-0158-274C-AE10-9E9FC9AC283F}"/>
+              </a:ext>
+            </a:extLst>
+          </p:cNvPr>
+          <p:cNvCxnSpPr>
+            <a:cxnSpLocks/>
+          </p:cNvCxnSpPr>
+          <p:nvPr/>
+        </p:nvCxnSpPr>
+        <p:spPr>
+          <a:xfrm>
+            <a:off x="10254608" y="1346469"/>
+            <a:ext cx="0" cy="3869737"/>
+          </a:xfrm>
+          <a:prstGeom prst="straightConnector1">
+            <a:avLst/>
+          </a:prstGeom>
+          <a:ln>
+            <a:headEnd type="triangle"/>
+            <a:tailEnd type="triangle"/>
+          </a:ln>
+        </p:spPr>
+        <p:style>
+          <a:lnRef idx="1">
+            <a:schemeClr val="accent1"/>
+          </a:lnRef>
+          <a:fillRef idx="0">
+            <a:schemeClr val="accent1"/>
+          </a:fillRef>
+          <a:effectRef idx="0">
+            <a:schemeClr val="accent1"/>
+          </a:effectRef>
+          <a:fontRef idx="minor">
+            <a:schemeClr val="tx1"/>
+          </a:fontRef>
+        </p:style>
+      </p:cxnSp>
+      <p:sp>
+        <p:nvSpPr>
+          <p:cNvPr id="98" name="Rectangle 97">
+            <a:extLst>
+              <a:ext uri="{FF2B5EF4-FFF2-40B4-BE49-F238E27FC236}">
+                <a16:creationId xmlns:a16="http://schemas.microsoft.com/office/drawing/2014/main" id="{86332291-5142-D54E-A76D-38429542624A}"/>
+              </a:ext>
+            </a:extLst>
+          </p:cNvPr>
+          <p:cNvSpPr/>
+          <p:nvPr/>
+        </p:nvSpPr>
+        <p:spPr>
+          <a:xfrm>
+            <a:off x="5600905" y="5296318"/>
+            <a:ext cx="1196983" cy="476273"/>
+          </a:xfrm>
+          <a:prstGeom prst="rect">
+            <a:avLst/>
+          </a:prstGeom>
+          <a:solidFill>
+            <a:srgbClr val="00B0F0"/>
+          </a:solidFill>
+        </p:spPr>
+        <p:style>
+          <a:lnRef idx="2">
+            <a:schemeClr val="accent1">
+              <a:shade val="50000"/>
+            </a:schemeClr>
+          </a:lnRef>
+          <a:fillRef idx="1">
+            <a:schemeClr val="accent1"/>
+          </a:fillRef>
+          <a:effectRef idx="0">
+            <a:schemeClr val="accent1"/>
+          </a:effectRef>
+          <a:fontRef idx="minor">
+            <a:schemeClr val="lt1"/>
+          </a:fontRef>
+        </p:style>
+        <p:txBody>
+          <a:bodyPr rtlCol="0" anchor="ctr"/>
+          <a:lstStyle/>
+          <a:p>
+            <a:pPr algn="ctr"/>
+            <a:r>
+              <a:rPr lang="en-US" sz="933" dirty="0">
+                <a:solidFill>
+                  <a:schemeClr val="tx1"/>
+                </a:solidFill>
+                <a:latin typeface="Menlo" panose="020B0609030804020204" pitchFamily="49" charset="0"/>
+                <a:ea typeface="Menlo" panose="020B0609030804020204" pitchFamily="49" charset="0"/>
+                <a:cs typeface="Menlo" panose="020B0609030804020204" pitchFamily="49" charset="0"/>
+              </a:rPr>
+              <a:t>Existing REST API Server</a:t>
+            </a:r>
+          </a:p>
+        </p:txBody>
+      </p:sp>
+      <p:cxnSp>
+        <p:nvCxnSpPr>
+          <p:cNvPr id="99" name="Straight Arrow Connector 98">
+            <a:extLst>
+              <a:ext uri="{FF2B5EF4-FFF2-40B4-BE49-F238E27FC236}">
+                <a16:creationId xmlns:a16="http://schemas.microsoft.com/office/drawing/2014/main" id="{4B42528F-1505-AD4C-9BDE-78737EA3D84D}"/>
+              </a:ext>
+            </a:extLst>
+          </p:cNvPr>
+          <p:cNvCxnSpPr>
+            <a:cxnSpLocks/>
+          </p:cNvCxnSpPr>
+          <p:nvPr/>
+        </p:nvCxnSpPr>
+        <p:spPr>
+          <a:xfrm>
+            <a:off x="7746244" y="3291402"/>
+            <a:ext cx="0" cy="1994120"/>
+          </a:xfrm>
+          <a:prstGeom prst="straightConnector1">
+            <a:avLst/>
+          </a:prstGeom>
+          <a:ln>
+            <a:headEnd type="triangle"/>
+            <a:tailEnd type="triangle"/>
+          </a:ln>
+        </p:spPr>
+        <p:style>
+          <a:lnRef idx="1">
+            <a:schemeClr val="accent1"/>
+          </a:lnRef>
+          <a:fillRef idx="0">
+            <a:schemeClr val="accent1"/>
+          </a:fillRef>
+          <a:effectRef idx="0">
+            <a:schemeClr val="accent1"/>
+          </a:effectRef>
+          <a:fontRef idx="minor">
+            <a:schemeClr val="tx1"/>
+          </a:fontRef>
+        </p:style>
+      </p:cxnSp>
+      <p:sp>
+        <p:nvSpPr>
+          <p:cNvPr id="100" name="Rectangle 99">
+            <a:extLst>
+              <a:ext uri="{FF2B5EF4-FFF2-40B4-BE49-F238E27FC236}">
+                <a16:creationId xmlns:a16="http://schemas.microsoft.com/office/drawing/2014/main" id="{BE2E16C4-C228-214F-A8D2-AB42DA5A7F50}"/>
+              </a:ext>
+            </a:extLst>
+          </p:cNvPr>
+          <p:cNvSpPr/>
+          <p:nvPr/>
+        </p:nvSpPr>
+        <p:spPr>
+          <a:xfrm>
+            <a:off x="9788056" y="6006956"/>
+            <a:ext cx="729047" cy="476273"/>
+          </a:xfrm>
+          <a:prstGeom prst="rect">
+            <a:avLst/>
+          </a:prstGeom>
+          <a:solidFill>
+            <a:schemeClr val="bg1"/>
+          </a:solidFill>
+        </p:spPr>
+        <p:style>
+          <a:lnRef idx="2">
+            <a:schemeClr val="accent1">
+              <a:shade val="50000"/>
+            </a:schemeClr>
+          </a:lnRef>
+          <a:fillRef idx="1">
+            <a:schemeClr val="accent1"/>
+          </a:fillRef>
+          <a:effectRef idx="0">
+            <a:schemeClr val="accent1"/>
+          </a:effectRef>
+          <a:fontRef idx="minor">
+            <a:schemeClr val="lt1"/>
+          </a:fontRef>
+        </p:style>
+        <p:txBody>
+          <a:bodyPr rtlCol="0" anchor="ctr"/>
+          <a:lstStyle/>
+          <a:p>
+            <a:pPr algn="ctr"/>
+            <a:r>
+              <a:rPr lang="en-US" sz="933" dirty="0">
+                <a:solidFill>
+                  <a:schemeClr val="tx1"/>
+                </a:solidFill>
+                <a:latin typeface="Menlo" panose="020B0609030804020204" pitchFamily="49" charset="0"/>
+                <a:ea typeface="Menlo" panose="020B0609030804020204" pitchFamily="49" charset="0"/>
+                <a:cs typeface="Menlo" panose="020B0609030804020204" pitchFamily="49" charset="0"/>
+              </a:rPr>
+              <a:t>IMS </a:t>
+            </a:r>
+            <a:r>
+              <a:rPr lang="en-US" sz="933" dirty="0" err="1">
+                <a:solidFill>
+                  <a:schemeClr val="tx1"/>
+                </a:solidFill>
+                <a:latin typeface="Menlo" panose="020B0609030804020204" pitchFamily="49" charset="0"/>
+                <a:ea typeface="Menlo" panose="020B0609030804020204" pitchFamily="49" charset="0"/>
+                <a:cs typeface="Menlo" panose="020B0609030804020204" pitchFamily="49" charset="0"/>
+              </a:rPr>
+              <a:t>Plex</a:t>
+            </a:r>
+            <a:endParaRPr lang="en-US" sz="933" dirty="0">
               <a:solidFill>
                 <a:schemeClr val="tx1"/>
               </a:solidFill>
@@ -6045,429 +7470,12 @@
           </a:p>
         </p:txBody>
       </p:sp>
-      <p:sp>
-        <p:nvSpPr>
-          <p:cNvPr id="105" name="TextBox 104">
-            <a:extLst>
-              <a:ext uri="{FF2B5EF4-FFF2-40B4-BE49-F238E27FC236}">
-                <a16:creationId xmlns:a16="http://schemas.microsoft.com/office/drawing/2014/main" id="{96C0EC33-59BA-8241-BFB6-0518F35EEDB7}"/>
-              </a:ext>
-            </a:extLst>
-          </p:cNvPr>
-          <p:cNvSpPr txBox="1"/>
-          <p:nvPr/>
-        </p:nvSpPr>
-        <p:spPr>
-          <a:xfrm>
-            <a:off x="7462217" y="6169372"/>
-            <a:ext cx="667683" cy="276999"/>
-          </a:xfrm>
-          <a:prstGeom prst="rect">
-            <a:avLst/>
-          </a:prstGeom>
-          <a:noFill/>
-        </p:spPr>
-        <p:txBody>
-          <a:bodyPr wrap="none" rtlCol="0">
-            <a:spAutoFit/>
-          </a:bodyPr>
-          <a:lstStyle/>
-          <a:p>
-            <a:r>
-              <a:rPr lang="en-US" sz="1200" dirty="0"/>
-              <a:t>Metal C</a:t>
-            </a:r>
-          </a:p>
-        </p:txBody>
-      </p:sp>
-      <p:sp>
-        <p:nvSpPr>
-          <p:cNvPr id="106" name="TextBox 105">
-            <a:extLst>
-              <a:ext uri="{FF2B5EF4-FFF2-40B4-BE49-F238E27FC236}">
-                <a16:creationId xmlns:a16="http://schemas.microsoft.com/office/drawing/2014/main" id="{4E73A774-4518-B449-935D-8B00B4C29E36}"/>
-              </a:ext>
-            </a:extLst>
-          </p:cNvPr>
-          <p:cNvSpPr txBox="1"/>
-          <p:nvPr/>
-        </p:nvSpPr>
-        <p:spPr>
-          <a:xfrm>
-            <a:off x="7462217" y="6395105"/>
-            <a:ext cx="1360950" cy="276999"/>
-          </a:xfrm>
-          <a:prstGeom prst="rect">
-            <a:avLst/>
-          </a:prstGeom>
-          <a:noFill/>
-        </p:spPr>
-        <p:txBody>
-          <a:bodyPr wrap="none" rtlCol="0">
-            <a:spAutoFit/>
-          </a:bodyPr>
-          <a:lstStyle/>
-          <a:p>
-            <a:r>
-              <a:rPr lang="en-US" sz="1200" dirty="0" err="1"/>
-              <a:t>Springboot</a:t>
-            </a:r>
-            <a:r>
-              <a:rPr lang="en-US" sz="1200" dirty="0"/>
-              <a:t> Tomcat</a:t>
-            </a:r>
-          </a:p>
-        </p:txBody>
-      </p:sp>
-      <p:sp>
-        <p:nvSpPr>
-          <p:cNvPr id="107" name="TextBox 106">
-            <a:extLst>
-              <a:ext uri="{FF2B5EF4-FFF2-40B4-BE49-F238E27FC236}">
-                <a16:creationId xmlns:a16="http://schemas.microsoft.com/office/drawing/2014/main" id="{1339FAE8-75E3-A74A-957E-B819174DC5AF}"/>
-              </a:ext>
-            </a:extLst>
-          </p:cNvPr>
-          <p:cNvSpPr txBox="1"/>
-          <p:nvPr/>
-        </p:nvSpPr>
-        <p:spPr>
-          <a:xfrm>
-            <a:off x="7462217" y="6587581"/>
-            <a:ext cx="522900" cy="276999"/>
-          </a:xfrm>
-          <a:prstGeom prst="rect">
-            <a:avLst/>
-          </a:prstGeom>
-          <a:noFill/>
-        </p:spPr>
-        <p:txBody>
-          <a:bodyPr wrap="none" rtlCol="0">
-            <a:spAutoFit/>
-          </a:bodyPr>
-          <a:lstStyle/>
-          <a:p>
-            <a:r>
-              <a:rPr lang="en-US" sz="1200" dirty="0"/>
-              <a:t>Node</a:t>
-            </a:r>
-          </a:p>
-        </p:txBody>
-      </p:sp>
-      <p:sp>
-        <p:nvSpPr>
-          <p:cNvPr id="59" name="Left Brace 58">
-            <a:extLst>
-              <a:ext uri="{FF2B5EF4-FFF2-40B4-BE49-F238E27FC236}">
-                <a16:creationId xmlns:a16="http://schemas.microsoft.com/office/drawing/2014/main" id="{DE7AC161-4EA5-1049-A499-37BAABFA93C8}"/>
-              </a:ext>
-            </a:extLst>
-          </p:cNvPr>
-          <p:cNvSpPr/>
-          <p:nvPr/>
-        </p:nvSpPr>
-        <p:spPr>
-          <a:xfrm rot="5400000">
-            <a:off x="10692139" y="4014730"/>
-            <a:ext cx="382058" cy="2115026"/>
-          </a:xfrm>
-          <a:prstGeom prst="leftBrace">
-            <a:avLst/>
-          </a:prstGeom>
-          <a:ln>
-            <a:solidFill>
-              <a:schemeClr val="tx1"/>
-            </a:solidFill>
-          </a:ln>
-        </p:spPr>
-        <p:style>
-          <a:lnRef idx="1">
-            <a:schemeClr val="accent1"/>
-          </a:lnRef>
-          <a:fillRef idx="0">
-            <a:schemeClr val="accent1"/>
-          </a:fillRef>
-          <a:effectRef idx="0">
-            <a:schemeClr val="accent1"/>
-          </a:effectRef>
-          <a:fontRef idx="minor">
-            <a:schemeClr val="tx1"/>
-          </a:fontRef>
-        </p:style>
-        <p:txBody>
-          <a:bodyPr rtlCol="0" anchor="ctr"/>
-          <a:lstStyle/>
-          <a:p>
-            <a:pPr algn="ctr"/>
-            <a:endParaRPr lang="en-US"/>
-          </a:p>
-        </p:txBody>
-      </p:sp>
-      <p:sp>
-        <p:nvSpPr>
-          <p:cNvPr id="62" name="TextBox 61">
-            <a:extLst>
-              <a:ext uri="{FF2B5EF4-FFF2-40B4-BE49-F238E27FC236}">
-                <a16:creationId xmlns:a16="http://schemas.microsoft.com/office/drawing/2014/main" id="{C1D69BE0-45AF-BC49-A2EF-FA24DF0D3B6A}"/>
-              </a:ext>
-            </a:extLst>
-          </p:cNvPr>
-          <p:cNvSpPr txBox="1"/>
-          <p:nvPr/>
-        </p:nvSpPr>
-        <p:spPr>
-          <a:xfrm>
-            <a:off x="8696888" y="4529282"/>
-            <a:ext cx="1812113" cy="461665"/>
-          </a:xfrm>
-          <a:prstGeom prst="rect">
-            <a:avLst/>
-          </a:prstGeom>
-          <a:noFill/>
-        </p:spPr>
-        <p:txBody>
-          <a:bodyPr wrap="square" rtlCol="0">
-            <a:spAutoFit/>
-          </a:bodyPr>
-          <a:lstStyle/>
-          <a:p>
-            <a:r>
-              <a:rPr lang="en-US" sz="1200" dirty="0"/>
-              <a:t>/S ZWESIS01 runs   IZUUSR:IZUADMIN</a:t>
-            </a:r>
-          </a:p>
-        </p:txBody>
-      </p:sp>
-      <p:sp>
-        <p:nvSpPr>
-          <p:cNvPr id="64" name="TextBox 63">
-            <a:extLst>
-              <a:ext uri="{FF2B5EF4-FFF2-40B4-BE49-F238E27FC236}">
-                <a16:creationId xmlns:a16="http://schemas.microsoft.com/office/drawing/2014/main" id="{8975FFE4-60E8-4045-AA1D-5E055A129BCE}"/>
-              </a:ext>
-            </a:extLst>
-          </p:cNvPr>
-          <p:cNvSpPr txBox="1"/>
-          <p:nvPr/>
-        </p:nvSpPr>
-        <p:spPr>
-          <a:xfrm>
-            <a:off x="10079916" y="4183998"/>
-            <a:ext cx="2148708" cy="830997"/>
-          </a:xfrm>
-          <a:prstGeom prst="rect">
-            <a:avLst/>
-          </a:prstGeom>
-          <a:noFill/>
-        </p:spPr>
-        <p:txBody>
-          <a:bodyPr wrap="square" rtlCol="0">
-            <a:spAutoFit/>
-          </a:bodyPr>
-          <a:lstStyle/>
-          <a:p>
-            <a:r>
-              <a:rPr lang="en-US" sz="1200" dirty="0"/>
-              <a:t>Installed by</a:t>
-            </a:r>
-          </a:p>
-          <a:p>
-            <a:r>
-              <a:rPr lang="en-US" sz="1200" b="1" dirty="0" err="1"/>
-              <a:t>zowe</a:t>
-            </a:r>
-            <a:r>
-              <a:rPr lang="en-US" sz="1200" b="1" dirty="0"/>
-              <a:t>-install-</a:t>
-            </a:r>
-            <a:r>
-              <a:rPr lang="en-US" sz="1200" b="1" dirty="0" err="1"/>
-              <a:t>apf</a:t>
-            </a:r>
-            <a:r>
-              <a:rPr lang="en-US" sz="1200" b="1" dirty="0"/>
-              <a:t>-</a:t>
-            </a:r>
-            <a:r>
-              <a:rPr lang="en-US" sz="1200" b="1" dirty="0" err="1"/>
-              <a:t>server.sh</a:t>
-            </a:r>
-            <a:endParaRPr lang="en-US" sz="1200" b="1" dirty="0"/>
-          </a:p>
-          <a:p>
-            <a:r>
-              <a:rPr lang="en-US" sz="1200" dirty="0"/>
-              <a:t>driven by </a:t>
-            </a:r>
-          </a:p>
-          <a:p>
-            <a:r>
-              <a:rPr lang="en-US" sz="1200" b="1" dirty="0" err="1"/>
-              <a:t>Zowe-install.apf-server.yaml</a:t>
-            </a:r>
-            <a:endParaRPr lang="en-US" sz="1200" b="1" dirty="0"/>
-          </a:p>
-        </p:txBody>
-      </p:sp>
-      <p:sp>
-        <p:nvSpPr>
-          <p:cNvPr id="20" name="TextBox 19">
-            <a:extLst>
-              <a:ext uri="{FF2B5EF4-FFF2-40B4-BE49-F238E27FC236}">
-                <a16:creationId xmlns:a16="http://schemas.microsoft.com/office/drawing/2014/main" id="{36433162-BC30-CF40-865B-5E4E7B1C2E1D}"/>
-              </a:ext>
-            </a:extLst>
-          </p:cNvPr>
-          <p:cNvSpPr txBox="1"/>
-          <p:nvPr/>
-        </p:nvSpPr>
-        <p:spPr>
-          <a:xfrm>
-            <a:off x="312332" y="1749709"/>
-            <a:ext cx="1746504" cy="307777"/>
-          </a:xfrm>
-          <a:prstGeom prst="rect">
-            <a:avLst/>
-          </a:prstGeom>
-          <a:noFill/>
-        </p:spPr>
-        <p:txBody>
-          <a:bodyPr wrap="none" rtlCol="0">
-            <a:spAutoFit/>
-          </a:bodyPr>
-          <a:lstStyle/>
-          <a:p>
-            <a:r>
-              <a:rPr lang="en-US" sz="1400" dirty="0" err="1"/>
-              <a:t>Zowe</a:t>
-            </a:r>
-            <a:r>
-              <a:rPr lang="en-US" sz="1400" dirty="0"/>
-              <a:t> Virtual Desktop</a:t>
-            </a:r>
-          </a:p>
-        </p:txBody>
-      </p:sp>
-      <p:sp>
-        <p:nvSpPr>
-          <p:cNvPr id="25" name="Right Brace 24">
-            <a:extLst>
-              <a:ext uri="{FF2B5EF4-FFF2-40B4-BE49-F238E27FC236}">
-                <a16:creationId xmlns:a16="http://schemas.microsoft.com/office/drawing/2014/main" id="{EBA3BF85-7455-0E4C-86EC-C93BA54A1B81}"/>
-              </a:ext>
-            </a:extLst>
-          </p:cNvPr>
-          <p:cNvSpPr/>
-          <p:nvPr/>
-        </p:nvSpPr>
-        <p:spPr>
-          <a:xfrm rot="5400000">
-            <a:off x="1047797" y="5447045"/>
-            <a:ext cx="365760" cy="2138625"/>
-          </a:xfrm>
-          <a:prstGeom prst="rightBrace">
-            <a:avLst/>
-          </a:prstGeom>
-        </p:spPr>
-        <p:style>
-          <a:lnRef idx="1">
-            <a:schemeClr val="accent1"/>
-          </a:lnRef>
-          <a:fillRef idx="0">
-            <a:schemeClr val="accent1"/>
-          </a:fillRef>
-          <a:effectRef idx="0">
-            <a:schemeClr val="accent1"/>
-          </a:effectRef>
-          <a:fontRef idx="minor">
-            <a:schemeClr val="tx1"/>
-          </a:fontRef>
-        </p:style>
-        <p:txBody>
-          <a:bodyPr rtlCol="0" anchor="ctr"/>
-          <a:lstStyle/>
-          <a:p>
-            <a:pPr algn="ctr"/>
-            <a:endParaRPr lang="en-US"/>
-          </a:p>
-        </p:txBody>
-      </p:sp>
-      <p:sp>
-        <p:nvSpPr>
-          <p:cNvPr id="28" name="TextBox 27">
-            <a:extLst>
-              <a:ext uri="{FF2B5EF4-FFF2-40B4-BE49-F238E27FC236}">
-                <a16:creationId xmlns:a16="http://schemas.microsoft.com/office/drawing/2014/main" id="{89BEA606-0698-1E43-8D2C-D9920BFAE901}"/>
-              </a:ext>
-            </a:extLst>
-          </p:cNvPr>
-          <p:cNvSpPr txBox="1"/>
-          <p:nvPr/>
-        </p:nvSpPr>
-        <p:spPr>
-          <a:xfrm>
-            <a:off x="609976" y="6581001"/>
-            <a:ext cx="1421928" cy="276999"/>
-          </a:xfrm>
-          <a:prstGeom prst="rect">
-            <a:avLst/>
-          </a:prstGeom>
-          <a:noFill/>
-        </p:spPr>
-        <p:txBody>
-          <a:bodyPr wrap="none" rtlCol="0">
-            <a:spAutoFit/>
-          </a:bodyPr>
-          <a:lstStyle/>
-          <a:p>
-            <a:r>
-              <a:rPr lang="en-US" sz="1200" dirty="0"/>
-              <a:t>Desktop Browser UI</a:t>
-            </a:r>
-          </a:p>
-        </p:txBody>
-      </p:sp>
-      <p:sp>
-        <p:nvSpPr>
-          <p:cNvPr id="71" name="TextBox 70">
-            <a:extLst>
-              <a:ext uri="{FF2B5EF4-FFF2-40B4-BE49-F238E27FC236}">
-                <a16:creationId xmlns:a16="http://schemas.microsoft.com/office/drawing/2014/main" id="{A5261DF4-BCA6-564A-AD30-88AD86D6DD9A}"/>
-              </a:ext>
-            </a:extLst>
-          </p:cNvPr>
-          <p:cNvSpPr txBox="1"/>
-          <p:nvPr/>
-        </p:nvSpPr>
-        <p:spPr>
-          <a:xfrm>
-            <a:off x="609976" y="893115"/>
-            <a:ext cx="1322157" cy="276999"/>
-          </a:xfrm>
-          <a:prstGeom prst="rect">
-            <a:avLst/>
-          </a:prstGeom>
-          <a:noFill/>
-        </p:spPr>
-        <p:txBody>
-          <a:bodyPr wrap="none" rtlCol="0">
-            <a:spAutoFit/>
-          </a:bodyPr>
-          <a:lstStyle/>
-          <a:p>
-            <a:r>
-              <a:rPr lang="en-US" sz="1200" dirty="0"/>
-              <a:t>Desktop node app</a:t>
-            </a:r>
-          </a:p>
-        </p:txBody>
-      </p:sp>
       <p:cxnSp>
         <p:nvCxnSpPr>
-          <p:cNvPr id="31" name="Straight Connector 30">
-            <a:extLst>
-              <a:ext uri="{FF2B5EF4-FFF2-40B4-BE49-F238E27FC236}">
-                <a16:creationId xmlns:a16="http://schemas.microsoft.com/office/drawing/2014/main" id="{68EE24CE-CC15-464B-83C0-B0B56FF7E231}"/>
+          <p:cNvPr id="101" name="Straight Arrow Connector 100">
+            <a:extLst>
+              <a:ext uri="{FF2B5EF4-FFF2-40B4-BE49-F238E27FC236}">
+                <a16:creationId xmlns:a16="http://schemas.microsoft.com/office/drawing/2014/main" id="{30262FA7-8966-D140-9D5F-195D7E4B7DC0}"/>
               </a:ext>
             </a:extLst>
           </p:cNvPr>
@@ -6478,14 +7486,15 @@
         </p:nvCxnSpPr>
         <p:spPr>
           <a:xfrm>
-            <a:off x="2646381" y="0"/>
-            <a:ext cx="0" cy="6792172"/>
-          </a:xfrm>
-          <a:prstGeom prst="line">
+            <a:off x="10254608" y="5715002"/>
+            <a:ext cx="0" cy="291954"/>
+          </a:xfrm>
+          <a:prstGeom prst="straightConnector1">
             <a:avLst/>
           </a:prstGeom>
           <a:ln>
-            <a:prstDash val="lgDash"/>
+            <a:headEnd type="triangle"/>
+            <a:tailEnd type="triangle"/>
           </a:ln>
         </p:spPr>
         <p:style>
@@ -6505,10 +7514,182 @@
       </p:cxnSp>
       <p:sp>
         <p:nvSpPr>
-          <p:cNvPr id="74" name="TextBox 73">
-            <a:extLst>
-              <a:ext uri="{FF2B5EF4-FFF2-40B4-BE49-F238E27FC236}">
-                <a16:creationId xmlns:a16="http://schemas.microsoft.com/office/drawing/2014/main" id="{57CC2A6F-CC02-5348-BDB9-03EA08850EA5}"/>
+          <p:cNvPr id="102" name="Rectangle 101">
+            <a:extLst>
+              <a:ext uri="{FF2B5EF4-FFF2-40B4-BE49-F238E27FC236}">
+                <a16:creationId xmlns:a16="http://schemas.microsoft.com/office/drawing/2014/main" id="{69C93468-CA2A-FA45-8519-4E7D1360318E}"/>
+              </a:ext>
+            </a:extLst>
+          </p:cNvPr>
+          <p:cNvSpPr/>
+          <p:nvPr/>
+        </p:nvSpPr>
+        <p:spPr>
+          <a:xfrm>
+            <a:off x="10693542" y="5238729"/>
+            <a:ext cx="729047" cy="476273"/>
+          </a:xfrm>
+          <a:prstGeom prst="rect">
+            <a:avLst/>
+          </a:prstGeom>
+          <a:solidFill>
+            <a:schemeClr val="bg1"/>
+          </a:solidFill>
+        </p:spPr>
+        <p:style>
+          <a:lnRef idx="2">
+            <a:schemeClr val="accent1">
+              <a:shade val="50000"/>
+            </a:schemeClr>
+          </a:lnRef>
+          <a:fillRef idx="1">
+            <a:schemeClr val="accent1"/>
+          </a:fillRef>
+          <a:effectRef idx="0">
+            <a:schemeClr val="accent1"/>
+          </a:effectRef>
+          <a:fontRef idx="minor">
+            <a:schemeClr val="lt1"/>
+          </a:fontRef>
+        </p:style>
+        <p:txBody>
+          <a:bodyPr rtlCol="0" anchor="ctr"/>
+          <a:lstStyle/>
+          <a:p>
+            <a:pPr algn="ctr"/>
+            <a:r>
+              <a:rPr lang="en-US" sz="933" dirty="0">
+                <a:solidFill>
+                  <a:schemeClr val="tx1"/>
+                </a:solidFill>
+                <a:latin typeface="Menlo" panose="020B0609030804020204" pitchFamily="49" charset="0"/>
+                <a:ea typeface="Menlo" panose="020B0609030804020204" pitchFamily="49" charset="0"/>
+                <a:cs typeface="Menlo" panose="020B0609030804020204" pitchFamily="49" charset="0"/>
+              </a:rPr>
+              <a:t>DB2</a:t>
+            </a:r>
+          </a:p>
+        </p:txBody>
+      </p:sp>
+      <p:cxnSp>
+        <p:nvCxnSpPr>
+          <p:cNvPr id="104" name="Straight Arrow Connector 103">
+            <a:extLst>
+              <a:ext uri="{FF2B5EF4-FFF2-40B4-BE49-F238E27FC236}">
+                <a16:creationId xmlns:a16="http://schemas.microsoft.com/office/drawing/2014/main" id="{5F31D4A2-309D-7C47-97CD-5E6DBB56D7EA}"/>
+              </a:ext>
+            </a:extLst>
+          </p:cNvPr>
+          <p:cNvCxnSpPr>
+            <a:cxnSpLocks/>
+          </p:cNvCxnSpPr>
+          <p:nvPr/>
+        </p:nvCxnSpPr>
+        <p:spPr>
+          <a:xfrm>
+            <a:off x="11071262" y="1358610"/>
+            <a:ext cx="0" cy="3869737"/>
+          </a:xfrm>
+          <a:prstGeom prst="straightConnector1">
+            <a:avLst/>
+          </a:prstGeom>
+          <a:ln>
+            <a:headEnd type="triangle"/>
+            <a:tailEnd type="triangle"/>
+          </a:ln>
+        </p:spPr>
+        <p:style>
+          <a:lnRef idx="1">
+            <a:schemeClr val="accent1"/>
+          </a:lnRef>
+          <a:fillRef idx="0">
+            <a:schemeClr val="accent1"/>
+          </a:fillRef>
+          <a:effectRef idx="0">
+            <a:schemeClr val="accent1"/>
+          </a:effectRef>
+          <a:fontRef idx="minor">
+            <a:schemeClr val="tx1"/>
+          </a:fontRef>
+        </p:style>
+      </p:cxnSp>
+      <p:sp>
+        <p:nvSpPr>
+          <p:cNvPr id="94" name="Rectangle 93">
+            <a:extLst>
+              <a:ext uri="{FF2B5EF4-FFF2-40B4-BE49-F238E27FC236}">
+                <a16:creationId xmlns:a16="http://schemas.microsoft.com/office/drawing/2014/main" id="{2E6E6968-C58B-AC42-AC3C-471BE14361C4}"/>
+              </a:ext>
+            </a:extLst>
+          </p:cNvPr>
+          <p:cNvSpPr/>
+          <p:nvPr/>
+        </p:nvSpPr>
+        <p:spPr>
+          <a:xfrm>
+            <a:off x="6878388" y="1463160"/>
+            <a:ext cx="5097850" cy="184138"/>
+          </a:xfrm>
+          <a:prstGeom prst="rect">
+            <a:avLst/>
+          </a:prstGeom>
+          <a:solidFill>
+            <a:schemeClr val="accent1">
+              <a:lumMod val="20000"/>
+              <a:lumOff val="80000"/>
+            </a:schemeClr>
+          </a:solidFill>
+        </p:spPr>
+        <p:style>
+          <a:lnRef idx="1">
+            <a:schemeClr val="accent1"/>
+          </a:lnRef>
+          <a:fillRef idx="3">
+            <a:schemeClr val="accent1"/>
+          </a:fillRef>
+          <a:effectRef idx="2">
+            <a:schemeClr val="accent1"/>
+          </a:effectRef>
+          <a:fontRef idx="minor">
+            <a:schemeClr val="lt1"/>
+          </a:fontRef>
+        </p:style>
+        <p:txBody>
+          <a:bodyPr rtlCol="0" anchor="ctr"/>
+          <a:lstStyle/>
+          <a:p>
+            <a:pPr algn="ctr"/>
+            <a:r>
+              <a:rPr lang="en-US" sz="800" dirty="0" err="1">
+                <a:solidFill>
+                  <a:schemeClr val="tx1"/>
+                </a:solidFill>
+                <a:latin typeface="Menlo" charset="0"/>
+                <a:ea typeface="Menlo" charset="0"/>
+                <a:cs typeface="Menlo" charset="0"/>
+              </a:rPr>
+              <a:t>Zowe</a:t>
+            </a:r>
+            <a:r>
+              <a:rPr lang="en-US" sz="800" dirty="0">
+                <a:solidFill>
+                  <a:schemeClr val="tx1"/>
+                </a:solidFill>
+                <a:latin typeface="Menlo" charset="0"/>
+                <a:ea typeface="Menlo" charset="0"/>
+                <a:cs typeface="Menlo" charset="0"/>
+              </a:rPr>
+              <a:t> CLI running in desktop shell</a:t>
+            </a:r>
+          </a:p>
+        </p:txBody>
+      </p:sp>
+      <p:sp>
+        <p:nvSpPr>
+          <p:cNvPr id="105" name="TextBox 104">
+            <a:extLst>
+              <a:ext uri="{FF2B5EF4-FFF2-40B4-BE49-F238E27FC236}">
+                <a16:creationId xmlns:a16="http://schemas.microsoft.com/office/drawing/2014/main" id="{29D05D16-D827-4848-9292-C9EE09EA7BBB}"/>
               </a:ext>
             </a:extLst>
           </p:cNvPr>
@@ -6517,8 +7698,8 @@
         </p:nvSpPr>
         <p:spPr>
           <a:xfrm>
-            <a:off x="2646381" y="19793"/>
-            <a:ext cx="478016" cy="276999"/>
+            <a:off x="5985546" y="5005531"/>
+            <a:ext cx="524503" cy="261610"/>
           </a:xfrm>
           <a:prstGeom prst="rect">
             <a:avLst/>
@@ -6532,22 +7713,577 @@
           <a:lstStyle/>
           <a:p>
             <a:r>
+              <a:rPr lang="en-US" sz="1100" dirty="0" err="1">
+                <a:latin typeface="Menlo" panose="020B0609030804020204" pitchFamily="49" charset="0"/>
+                <a:ea typeface="Menlo" panose="020B0609030804020204" pitchFamily="49" charset="0"/>
+                <a:cs typeface="Menlo" panose="020B0609030804020204" pitchFamily="49" charset="0"/>
+              </a:rPr>
+              <a:t>nnnn</a:t>
+            </a:r>
+            <a:endParaRPr lang="en-US" sz="1100" dirty="0">
+              <a:latin typeface="Menlo" panose="020B0609030804020204" pitchFamily="49" charset="0"/>
+              <a:ea typeface="Menlo" panose="020B0609030804020204" pitchFamily="49" charset="0"/>
+              <a:cs typeface="Menlo" panose="020B0609030804020204" pitchFamily="49" charset="0"/>
+            </a:endParaRPr>
+          </a:p>
+        </p:txBody>
+      </p:sp>
+      <p:sp>
+        <p:nvSpPr>
+          <p:cNvPr id="108" name="Rectangle 107">
+            <a:extLst>
+              <a:ext uri="{FF2B5EF4-FFF2-40B4-BE49-F238E27FC236}">
+                <a16:creationId xmlns:a16="http://schemas.microsoft.com/office/drawing/2014/main" id="{AC9A0780-B31F-684B-97D2-6B4D144E4464}"/>
+              </a:ext>
+            </a:extLst>
+          </p:cNvPr>
+          <p:cNvSpPr/>
+          <p:nvPr/>
+        </p:nvSpPr>
+        <p:spPr>
+          <a:xfrm>
+            <a:off x="5216453" y="799191"/>
+            <a:ext cx="576791" cy="292847"/>
+          </a:xfrm>
+          <a:prstGeom prst="rect">
+            <a:avLst/>
+          </a:prstGeom>
+          <a:solidFill>
+            <a:srgbClr val="00B0F0"/>
+          </a:solidFill>
+        </p:spPr>
+        <p:style>
+          <a:lnRef idx="2">
+            <a:schemeClr val="accent1">
+              <a:shade val="50000"/>
+            </a:schemeClr>
+          </a:lnRef>
+          <a:fillRef idx="1">
+            <a:schemeClr val="accent1"/>
+          </a:fillRef>
+          <a:effectRef idx="0">
+            <a:schemeClr val="accent1"/>
+          </a:effectRef>
+          <a:fontRef idx="minor">
+            <a:schemeClr val="lt1"/>
+          </a:fontRef>
+        </p:style>
+        <p:txBody>
+          <a:bodyPr rtlCol="0" anchor="ctr"/>
+          <a:lstStyle/>
+          <a:p>
+            <a:pPr algn="ctr"/>
+            <a:r>
+              <a:rPr lang="en-US" sz="600" dirty="0">
+                <a:solidFill>
+                  <a:schemeClr val="tx1"/>
+                </a:solidFill>
+                <a:latin typeface="Menlo" panose="020B0609030804020204" pitchFamily="49" charset="0"/>
+                <a:ea typeface="Menlo" panose="020B0609030804020204" pitchFamily="49" charset="0"/>
+                <a:cs typeface="Menlo" panose="020B0609030804020204" pitchFamily="49" charset="0"/>
+              </a:rPr>
+              <a:t>Existing</a:t>
+            </a:r>
+            <a:r>
+              <a:rPr lang="en-US" sz="933" dirty="0">
+                <a:solidFill>
+                  <a:schemeClr val="tx1"/>
+                </a:solidFill>
+                <a:latin typeface="Menlo" panose="020B0609030804020204" pitchFamily="49" charset="0"/>
+                <a:ea typeface="Menlo" panose="020B0609030804020204" pitchFamily="49" charset="0"/>
+                <a:cs typeface="Menlo" panose="020B0609030804020204" pitchFamily="49" charset="0"/>
+              </a:rPr>
+              <a:t> HTML</a:t>
+            </a:r>
+          </a:p>
+        </p:txBody>
+      </p:sp>
+      <p:cxnSp>
+        <p:nvCxnSpPr>
+          <p:cNvPr id="110" name="Elbow Connector 109">
+            <a:extLst>
+              <a:ext uri="{FF2B5EF4-FFF2-40B4-BE49-F238E27FC236}">
+                <a16:creationId xmlns:a16="http://schemas.microsoft.com/office/drawing/2014/main" id="{5435654E-4C18-3B44-9A64-D86783FFA281}"/>
+              </a:ext>
+            </a:extLst>
+          </p:cNvPr>
+          <p:cNvCxnSpPr>
+            <a:cxnSpLocks/>
+          </p:cNvCxnSpPr>
+          <p:nvPr/>
+        </p:nvCxnSpPr>
+        <p:spPr>
+          <a:xfrm rot="5400000">
+            <a:off x="6307929" y="1546896"/>
+            <a:ext cx="1138349" cy="684468"/>
+          </a:xfrm>
+          <a:prstGeom prst="bentConnector3">
+            <a:avLst/>
+          </a:prstGeom>
+          <a:ln>
+            <a:headEnd type="triangle"/>
+            <a:tailEnd type="triangle"/>
+          </a:ln>
+        </p:spPr>
+        <p:style>
+          <a:lnRef idx="1">
+            <a:schemeClr val="accent1"/>
+          </a:lnRef>
+          <a:fillRef idx="0">
+            <a:schemeClr val="accent1"/>
+          </a:fillRef>
+          <a:effectRef idx="0">
+            <a:schemeClr val="accent1"/>
+          </a:effectRef>
+          <a:fontRef idx="minor">
+            <a:schemeClr val="tx1"/>
+          </a:fontRef>
+        </p:style>
+      </p:cxnSp>
+      <p:cxnSp>
+        <p:nvCxnSpPr>
+          <p:cNvPr id="111" name="Straight Arrow Connector 110">
+            <a:extLst>
+              <a:ext uri="{FF2B5EF4-FFF2-40B4-BE49-F238E27FC236}">
+                <a16:creationId xmlns:a16="http://schemas.microsoft.com/office/drawing/2014/main" id="{67ED0D4F-0B60-C343-B92A-8ECC69D70C39}"/>
+              </a:ext>
+            </a:extLst>
+          </p:cNvPr>
+          <p:cNvCxnSpPr>
+            <a:cxnSpLocks/>
+          </p:cNvCxnSpPr>
+          <p:nvPr/>
+        </p:nvCxnSpPr>
+        <p:spPr>
+          <a:xfrm>
+            <a:off x="6510049" y="2459074"/>
+            <a:ext cx="0" cy="759483"/>
+          </a:xfrm>
+          <a:prstGeom prst="straightConnector1">
+            <a:avLst/>
+          </a:prstGeom>
+          <a:ln>
+            <a:prstDash val="dash"/>
+            <a:headEnd type="triangle"/>
+            <a:tailEnd type="triangle"/>
+          </a:ln>
+        </p:spPr>
+        <p:style>
+          <a:lnRef idx="1">
+            <a:schemeClr val="accent1"/>
+          </a:lnRef>
+          <a:fillRef idx="0">
+            <a:schemeClr val="accent1"/>
+          </a:fillRef>
+          <a:effectRef idx="0">
+            <a:schemeClr val="accent1"/>
+          </a:effectRef>
+          <a:fontRef idx="minor">
+            <a:schemeClr val="tx1"/>
+          </a:fontRef>
+        </p:style>
+      </p:cxnSp>
+      <p:sp>
+        <p:nvSpPr>
+          <p:cNvPr id="112" name="Rectangle 111">
+            <a:extLst>
+              <a:ext uri="{FF2B5EF4-FFF2-40B4-BE49-F238E27FC236}">
+                <a16:creationId xmlns:a16="http://schemas.microsoft.com/office/drawing/2014/main" id="{6F8067E1-A1AE-AA4E-914F-1E7325E2DDF4}"/>
+              </a:ext>
+            </a:extLst>
+          </p:cNvPr>
+          <p:cNvSpPr/>
+          <p:nvPr/>
+        </p:nvSpPr>
+        <p:spPr>
+          <a:xfrm>
+            <a:off x="7004330" y="963367"/>
+            <a:ext cx="618174" cy="271954"/>
+          </a:xfrm>
+          <a:prstGeom prst="rect">
+            <a:avLst/>
+          </a:prstGeom>
+          <a:solidFill>
+            <a:srgbClr val="00B0F0"/>
+          </a:solidFill>
+        </p:spPr>
+        <p:style>
+          <a:lnRef idx="1">
+            <a:schemeClr val="accent1"/>
+          </a:lnRef>
+          <a:fillRef idx="3">
+            <a:schemeClr val="accent1"/>
+          </a:fillRef>
+          <a:effectRef idx="2">
+            <a:schemeClr val="accent1"/>
+          </a:effectRef>
+          <a:fontRef idx="minor">
+            <a:schemeClr val="lt1"/>
+          </a:fontRef>
+        </p:style>
+        <p:txBody>
+          <a:bodyPr rtlCol="0" anchor="ctr"/>
+          <a:lstStyle/>
+          <a:p>
+            <a:pPr algn="ctr"/>
+            <a:r>
+              <a:rPr lang="en-US" sz="1000" dirty="0">
+                <a:solidFill>
+                  <a:schemeClr val="tx1"/>
+                </a:solidFill>
+                <a:latin typeface="Menlo" charset="0"/>
+                <a:ea typeface="Menlo" charset="0"/>
+                <a:cs typeface="Menlo" charset="0"/>
+              </a:rPr>
+              <a:t>CLI</a:t>
+            </a:r>
+          </a:p>
+          <a:p>
+            <a:pPr algn="ctr"/>
+            <a:r>
+              <a:rPr lang="en-US" sz="600" dirty="0">
+                <a:solidFill>
+                  <a:schemeClr val="tx1"/>
+                </a:solidFill>
+                <a:latin typeface="Menlo" charset="0"/>
+                <a:ea typeface="Menlo" charset="0"/>
+                <a:cs typeface="Menlo" charset="0"/>
+              </a:rPr>
+              <a:t>extension</a:t>
+            </a:r>
+          </a:p>
+        </p:txBody>
+      </p:sp>
+      <p:pic>
+        <p:nvPicPr>
+          <p:cNvPr id="34" name="Picture 33">
+            <a:extLst>
+              <a:ext uri="{FF2B5EF4-FFF2-40B4-BE49-F238E27FC236}">
+                <a16:creationId xmlns:a16="http://schemas.microsoft.com/office/drawing/2014/main" id="{CB2E0DA4-07B3-1A49-9A81-79381B0EFD47}"/>
+              </a:ext>
+            </a:extLst>
+          </p:cNvPr>
+          <p:cNvPicPr>
+            <a:picLocks noChangeAspect="1"/>
+          </p:cNvPicPr>
+          <p:nvPr/>
+        </p:nvPicPr>
+        <p:blipFill>
+          <a:blip r:embed="rId8"/>
+          <a:stretch>
+            <a:fillRect/>
+          </a:stretch>
+        </p:blipFill>
+        <p:spPr>
+          <a:xfrm>
+            <a:off x="7674425" y="92098"/>
+            <a:ext cx="471120" cy="307657"/>
+          </a:xfrm>
+          <a:prstGeom prst="rect">
+            <a:avLst/>
+          </a:prstGeom>
+        </p:spPr>
+      </p:pic>
+      <p:pic>
+        <p:nvPicPr>
+          <p:cNvPr id="35" name="Picture 34">
+            <a:extLst>
+              <a:ext uri="{FF2B5EF4-FFF2-40B4-BE49-F238E27FC236}">
+                <a16:creationId xmlns:a16="http://schemas.microsoft.com/office/drawing/2014/main" id="{E228FC63-B493-6942-A20B-7B8E61DE4EB9}"/>
+              </a:ext>
+            </a:extLst>
+          </p:cNvPr>
+          <p:cNvPicPr>
+            <a:picLocks noChangeAspect="1"/>
+          </p:cNvPicPr>
+          <p:nvPr/>
+        </p:nvPicPr>
+        <p:blipFill>
+          <a:blip r:embed="rId9"/>
+          <a:stretch>
+            <a:fillRect/>
+          </a:stretch>
+        </p:blipFill>
+        <p:spPr>
+          <a:xfrm>
+            <a:off x="7408059" y="83998"/>
+            <a:ext cx="184243" cy="184243"/>
+          </a:xfrm>
+          <a:prstGeom prst="rect">
+            <a:avLst/>
+          </a:prstGeom>
+        </p:spPr>
+      </p:pic>
+      <p:sp>
+        <p:nvSpPr>
+          <p:cNvPr id="114" name="TextBox 113">
+            <a:extLst>
+              <a:ext uri="{FF2B5EF4-FFF2-40B4-BE49-F238E27FC236}">
+                <a16:creationId xmlns:a16="http://schemas.microsoft.com/office/drawing/2014/main" id="{F3496A4C-19A3-9F45-A7F0-2B0C01CE0170}"/>
+              </a:ext>
+            </a:extLst>
+          </p:cNvPr>
+          <p:cNvSpPr txBox="1"/>
+          <p:nvPr/>
+        </p:nvSpPr>
+        <p:spPr>
+          <a:xfrm>
+            <a:off x="6844126" y="12688"/>
+            <a:ext cx="591829" cy="461665"/>
+          </a:xfrm>
+          <a:prstGeom prst="rect">
+            <a:avLst/>
+          </a:prstGeom>
+          <a:noFill/>
+        </p:spPr>
+        <p:txBody>
+          <a:bodyPr wrap="none" rtlCol="0">
+            <a:spAutoFit/>
+          </a:bodyPr>
+          <a:lstStyle/>
+          <a:p>
+            <a:r>
               <a:rPr lang="en-US" sz="1200" dirty="0"/>
-              <a:t>z/OS</a:t>
-            </a:r>
-          </a:p>
-        </p:txBody>
-      </p:sp>
+              <a:t>Visual </a:t>
+            </a:r>
+          </a:p>
+          <a:p>
+            <a:r>
+              <a:rPr lang="en-US" sz="1200" dirty="0"/>
+              <a:t>Studio</a:t>
+            </a:r>
+          </a:p>
+        </p:txBody>
+      </p:sp>
+      <p:cxnSp>
+        <p:nvCxnSpPr>
+          <p:cNvPr id="116" name="Straight Arrow Connector 115">
+            <a:extLst>
+              <a:ext uri="{FF2B5EF4-FFF2-40B4-BE49-F238E27FC236}">
+                <a16:creationId xmlns:a16="http://schemas.microsoft.com/office/drawing/2014/main" id="{6D4217B5-9051-B747-9EB1-3A0C82F62759}"/>
+              </a:ext>
+            </a:extLst>
+          </p:cNvPr>
+          <p:cNvCxnSpPr>
+            <a:cxnSpLocks/>
+          </p:cNvCxnSpPr>
+          <p:nvPr/>
+        </p:nvCxnSpPr>
+        <p:spPr>
+          <a:xfrm>
+            <a:off x="8076585" y="474353"/>
+            <a:ext cx="0" cy="241148"/>
+          </a:xfrm>
+          <a:prstGeom prst="straightConnector1">
+            <a:avLst/>
+          </a:prstGeom>
+          <a:ln>
+            <a:headEnd type="triangle"/>
+            <a:tailEnd type="triangle"/>
+          </a:ln>
+        </p:spPr>
+        <p:style>
+          <a:lnRef idx="1">
+            <a:schemeClr val="accent1"/>
+          </a:lnRef>
+          <a:fillRef idx="0">
+            <a:schemeClr val="accent1"/>
+          </a:fillRef>
+          <a:effectRef idx="0">
+            <a:schemeClr val="accent1"/>
+          </a:effectRef>
+          <a:fontRef idx="minor">
+            <a:schemeClr val="tx1"/>
+          </a:fontRef>
+        </p:style>
+      </p:cxnSp>
+      <p:sp>
+        <p:nvSpPr>
+          <p:cNvPr id="44" name="TextBox 43">
+            <a:extLst>
+              <a:ext uri="{FF2B5EF4-FFF2-40B4-BE49-F238E27FC236}">
+                <a16:creationId xmlns:a16="http://schemas.microsoft.com/office/drawing/2014/main" id="{5AD30A28-F630-9E41-98B0-135638908344}"/>
+              </a:ext>
+            </a:extLst>
+          </p:cNvPr>
+          <p:cNvSpPr txBox="1"/>
+          <p:nvPr/>
+        </p:nvSpPr>
+        <p:spPr>
+          <a:xfrm>
+            <a:off x="1521836" y="4894331"/>
+            <a:ext cx="665567" cy="369332"/>
+          </a:xfrm>
+          <a:prstGeom prst="rect">
+            <a:avLst/>
+          </a:prstGeom>
+          <a:noFill/>
+        </p:spPr>
+        <p:txBody>
+          <a:bodyPr wrap="none" rtlCol="0">
+            <a:spAutoFit/>
+          </a:bodyPr>
+          <a:lstStyle/>
+          <a:p>
+            <a:r>
+              <a:rPr lang="en-US" dirty="0">
+                <a:solidFill>
+                  <a:schemeClr val="accent6">
+                    <a:lumMod val="60000"/>
+                    <a:lumOff val="40000"/>
+                  </a:schemeClr>
+                </a:solidFill>
+              </a:rPr>
+              <a:t>node</a:t>
+            </a:r>
+          </a:p>
+        </p:txBody>
+      </p:sp>
+      <p:sp>
+        <p:nvSpPr>
+          <p:cNvPr id="117" name="TextBox 116">
+            <a:extLst>
+              <a:ext uri="{FF2B5EF4-FFF2-40B4-BE49-F238E27FC236}">
+                <a16:creationId xmlns:a16="http://schemas.microsoft.com/office/drawing/2014/main" id="{50850BE5-F13B-E94A-9661-ACFDE147256B}"/>
+              </a:ext>
+            </a:extLst>
+          </p:cNvPr>
+          <p:cNvSpPr txBox="1"/>
+          <p:nvPr/>
+        </p:nvSpPr>
+        <p:spPr>
+          <a:xfrm>
+            <a:off x="8221200" y="3294047"/>
+            <a:ext cx="576568" cy="369332"/>
+          </a:xfrm>
+          <a:prstGeom prst="rect">
+            <a:avLst/>
+          </a:prstGeom>
+          <a:noFill/>
+        </p:spPr>
+        <p:txBody>
+          <a:bodyPr wrap="none" rtlCol="0">
+            <a:spAutoFit/>
+          </a:bodyPr>
+          <a:lstStyle/>
+          <a:p>
+            <a:r>
+              <a:rPr lang="en-US" dirty="0">
+                <a:solidFill>
+                  <a:schemeClr val="accent4">
+                    <a:lumMod val="40000"/>
+                    <a:lumOff val="60000"/>
+                  </a:schemeClr>
+                </a:solidFill>
+              </a:rPr>
+              <a:t>Java</a:t>
+            </a:r>
+          </a:p>
+        </p:txBody>
+      </p:sp>
+      <p:sp>
+        <p:nvSpPr>
+          <p:cNvPr id="118" name="TextBox 117">
+            <a:extLst>
+              <a:ext uri="{FF2B5EF4-FFF2-40B4-BE49-F238E27FC236}">
+                <a16:creationId xmlns:a16="http://schemas.microsoft.com/office/drawing/2014/main" id="{441AA412-E83B-4342-90AD-5803F84BB144}"/>
+              </a:ext>
+            </a:extLst>
+          </p:cNvPr>
+          <p:cNvSpPr txBox="1"/>
+          <p:nvPr/>
+        </p:nvSpPr>
+        <p:spPr>
+          <a:xfrm>
+            <a:off x="1542303" y="5676313"/>
+            <a:ext cx="1216167" cy="369332"/>
+          </a:xfrm>
+          <a:prstGeom prst="rect">
+            <a:avLst/>
+          </a:prstGeom>
+          <a:noFill/>
+        </p:spPr>
+        <p:txBody>
+          <a:bodyPr wrap="none" rtlCol="0">
+            <a:spAutoFit/>
+          </a:bodyPr>
+          <a:lstStyle/>
+          <a:p>
+            <a:r>
+              <a:rPr lang="en-US" dirty="0">
+                <a:solidFill>
+                  <a:srgbClr val="7030A0"/>
+                </a:solidFill>
+              </a:rPr>
+              <a:t>C / metal C</a:t>
+            </a:r>
+          </a:p>
+        </p:txBody>
+      </p:sp>
+      <p:cxnSp>
+        <p:nvCxnSpPr>
+          <p:cNvPr id="119" name="Straight Arrow Connector 118">
+            <a:extLst>
+              <a:ext uri="{FF2B5EF4-FFF2-40B4-BE49-F238E27FC236}">
+                <a16:creationId xmlns:a16="http://schemas.microsoft.com/office/drawing/2014/main" id="{1F8E9A04-A8E5-9C44-8C46-7640590D4782}"/>
+              </a:ext>
+            </a:extLst>
+          </p:cNvPr>
+          <p:cNvCxnSpPr>
+            <a:cxnSpLocks/>
+          </p:cNvCxnSpPr>
+          <p:nvPr/>
+        </p:nvCxnSpPr>
+        <p:spPr>
+          <a:xfrm>
+            <a:off x="476119" y="1704240"/>
+            <a:ext cx="0" cy="2072210"/>
+          </a:xfrm>
+          <a:prstGeom prst="straightConnector1">
+            <a:avLst/>
+          </a:prstGeom>
+          <a:ln>
+            <a:headEnd type="triangle"/>
+            <a:tailEnd type="triangle"/>
+          </a:ln>
+        </p:spPr>
+        <p:style>
+          <a:lnRef idx="1">
+            <a:schemeClr val="accent1"/>
+          </a:lnRef>
+          <a:fillRef idx="0">
+            <a:schemeClr val="accent1"/>
+          </a:fillRef>
+          <a:effectRef idx="0">
+            <a:schemeClr val="accent1"/>
+          </a:effectRef>
+          <a:fontRef idx="minor">
+            <a:schemeClr val="tx1"/>
+          </a:fontRef>
+        </p:style>
+      </p:cxnSp>
     </p:spTree>
     <p:extLst>
       <p:ext uri="{BB962C8B-B14F-4D97-AF65-F5344CB8AC3E}">
-        <p14:creationId xmlns:p14="http://schemas.microsoft.com/office/powerpoint/2010/main" val="545093975"/>
+        <p14:creationId xmlns:p14="http://schemas.microsoft.com/office/powerpoint/2010/main" val="416861545"/>
       </p:ext>
     </p:extLst>
   </p:cSld>
   <p:clrMapOvr>
     <a:masterClrMapping/>
   </p:clrMapOvr>
+  <mc:AlternateContent xmlns:mc="http://schemas.openxmlformats.org/markup-compatibility/2006" xmlns:p14="http://schemas.microsoft.com/office/powerpoint/2010/main">
+    <mc:Choice Requires="p14">
+      <p:transition spd="med" p14:dur="700">
+        <p:fade/>
+      </p:transition>
+    </mc:Choice>
+    <mc:Fallback xmlns="">
+      <p:transition spd="med">
+        <p:fade/>
+      </p:transition>
+    </mc:Fallback>
+  </mc:AlternateContent>
 </p:sld>
 </file>
 

--- a/docs/images/common/zowe-architecture.pptx
+++ b/docs/images/common/zowe-architecture.pptx
@@ -259,7 +259,7 @@
           <a:p>
             <a:fld id="{B1DB1BE8-3F77-D044-8747-9903AC5CD864}" type="datetimeFigureOut">
               <a:rPr lang="en-US" smtClean="0"/>
-              <a:t>6/21/19</a:t>
+              <a:t>7/25/19</a:t>
             </a:fld>
             <a:endParaRPr lang="en-US"/>
           </a:p>
@@ -457,7 +457,7 @@
           <a:p>
             <a:fld id="{B1DB1BE8-3F77-D044-8747-9903AC5CD864}" type="datetimeFigureOut">
               <a:rPr lang="en-US" smtClean="0"/>
-              <a:t>6/21/19</a:t>
+              <a:t>7/25/19</a:t>
             </a:fld>
             <a:endParaRPr lang="en-US"/>
           </a:p>
@@ -665,7 +665,7 @@
           <a:p>
             <a:fld id="{B1DB1BE8-3F77-D044-8747-9903AC5CD864}" type="datetimeFigureOut">
               <a:rPr lang="en-US" smtClean="0"/>
-              <a:t>6/21/19</a:t>
+              <a:t>7/25/19</a:t>
             </a:fld>
             <a:endParaRPr lang="en-US"/>
           </a:p>
@@ -863,7 +863,7 @@
           <a:p>
             <a:fld id="{B1DB1BE8-3F77-D044-8747-9903AC5CD864}" type="datetimeFigureOut">
               <a:rPr lang="en-US" smtClean="0"/>
-              <a:t>6/21/19</a:t>
+              <a:t>7/25/19</a:t>
             </a:fld>
             <a:endParaRPr lang="en-US"/>
           </a:p>
@@ -1138,7 +1138,7 @@
           <a:p>
             <a:fld id="{B1DB1BE8-3F77-D044-8747-9903AC5CD864}" type="datetimeFigureOut">
               <a:rPr lang="en-US" smtClean="0"/>
-              <a:t>6/21/19</a:t>
+              <a:t>7/25/19</a:t>
             </a:fld>
             <a:endParaRPr lang="en-US"/>
           </a:p>
@@ -1403,7 +1403,7 @@
           <a:p>
             <a:fld id="{B1DB1BE8-3F77-D044-8747-9903AC5CD864}" type="datetimeFigureOut">
               <a:rPr lang="en-US" smtClean="0"/>
-              <a:t>6/21/19</a:t>
+              <a:t>7/25/19</a:t>
             </a:fld>
             <a:endParaRPr lang="en-US"/>
           </a:p>
@@ -1815,7 +1815,7 @@
           <a:p>
             <a:fld id="{B1DB1BE8-3F77-D044-8747-9903AC5CD864}" type="datetimeFigureOut">
               <a:rPr lang="en-US" smtClean="0"/>
-              <a:t>6/21/19</a:t>
+              <a:t>7/25/19</a:t>
             </a:fld>
             <a:endParaRPr lang="en-US"/>
           </a:p>
@@ -1956,7 +1956,7 @@
           <a:p>
             <a:fld id="{B1DB1BE8-3F77-D044-8747-9903AC5CD864}" type="datetimeFigureOut">
               <a:rPr lang="en-US" smtClean="0"/>
-              <a:t>6/21/19</a:t>
+              <a:t>7/25/19</a:t>
             </a:fld>
             <a:endParaRPr lang="en-US"/>
           </a:p>
@@ -2069,7 +2069,7 @@
           <a:p>
             <a:fld id="{B1DB1BE8-3F77-D044-8747-9903AC5CD864}" type="datetimeFigureOut">
               <a:rPr lang="en-US" smtClean="0"/>
-              <a:t>6/21/19</a:t>
+              <a:t>7/25/19</a:t>
             </a:fld>
             <a:endParaRPr lang="en-US"/>
           </a:p>
@@ -2380,7 +2380,7 @@
           <a:p>
             <a:fld id="{B1DB1BE8-3F77-D044-8747-9903AC5CD864}" type="datetimeFigureOut">
               <a:rPr lang="en-US" smtClean="0"/>
-              <a:t>6/21/19</a:t>
+              <a:t>7/25/19</a:t>
             </a:fld>
             <a:endParaRPr lang="en-US"/>
           </a:p>
@@ -2668,7 +2668,7 @@
           <a:p>
             <a:fld id="{B1DB1BE8-3F77-D044-8747-9903AC5CD864}" type="datetimeFigureOut">
               <a:rPr lang="en-US" smtClean="0"/>
-              <a:t>6/21/19</a:t>
+              <a:t>7/25/19</a:t>
             </a:fld>
             <a:endParaRPr lang="en-US"/>
           </a:p>
@@ -2909,7 +2909,7 @@
           <a:p>
             <a:fld id="{B1DB1BE8-3F77-D044-8747-9903AC5CD864}" type="datetimeFigureOut">
               <a:rPr lang="en-US" smtClean="0"/>
-              <a:t>6/21/19</a:t>
+              <a:t>7/25/19</a:t>
             </a:fld>
             <a:endParaRPr lang="en-US"/>
           </a:p>
@@ -3340,7 +3340,7 @@
         </p:nvSpPr>
         <p:spPr>
           <a:xfrm>
-            <a:off x="6846137" y="0"/>
+            <a:off x="6846137" y="29817"/>
             <a:ext cx="1397988" cy="474353"/>
           </a:xfrm>
           <a:prstGeom prst="rect">
@@ -3566,7 +3566,7 @@
           <a:p>
             <a:pPr algn="ctr"/>
             <a:r>
-              <a:rPr lang="en-US" sz="533" dirty="0" err="1">
+              <a:rPr lang="en-US" sz="533" dirty="0">
                 <a:solidFill>
                   <a:schemeClr val="tx1"/>
                 </a:solidFill>
@@ -3576,14 +3576,6 @@
               </a:rPr>
               <a:t>iFrame</a:t>
             </a:r>
-            <a:endParaRPr lang="en-US" sz="533" dirty="0">
-              <a:solidFill>
-                <a:schemeClr val="tx1"/>
-              </a:solidFill>
-              <a:latin typeface="Menlo" panose="020B0609030804020204" pitchFamily="49" charset="0"/>
-              <a:ea typeface="Menlo" panose="020B0609030804020204" pitchFamily="49" charset="0"/>
-              <a:cs typeface="Menlo" panose="020B0609030804020204" pitchFamily="49" charset="0"/>
-            </a:endParaRPr>
           </a:p>
         </p:txBody>
       </p:sp>
@@ -3607,17 +3599,12 @@
           <a:prstGeom prst="rect">
             <a:avLst/>
           </a:prstGeom>
-          <a:pattFill prst="dkVert">
-            <a:fgClr>
-              <a:schemeClr val="accent1">
-                <a:lumMod val="20000"/>
-                <a:lumOff val="80000"/>
-              </a:schemeClr>
-            </a:fgClr>
-            <a:bgClr>
-              <a:schemeClr val="bg1"/>
-            </a:bgClr>
-          </a:pattFill>
+          <a:solidFill>
+            <a:schemeClr val="accent1">
+              <a:lumMod val="20000"/>
+              <a:lumOff val="80000"/>
+            </a:schemeClr>
+          </a:solidFill>
           <a:ln>
             <a:prstDash val="solid"/>
           </a:ln>
@@ -3642,7 +3629,7 @@
           <a:p>
             <a:pPr algn="ctr"/>
             <a:r>
-              <a:rPr lang="en-US" sz="1467" dirty="0">
+              <a:rPr lang="en-US" sz="1467">
                 <a:solidFill>
                   <a:schemeClr val="tx1"/>
                 </a:solidFill>
@@ -3655,7 +3642,7 @@
           </a:p>
           <a:p>
             <a:pPr algn="ctr"/>
-            <a:endParaRPr lang="en-US" sz="1467" dirty="0">
+            <a:endParaRPr lang="en-US" sz="1467">
               <a:solidFill>
                 <a:schemeClr val="tx1"/>
               </a:solidFill>
@@ -3666,7 +3653,7 @@
           </a:p>
           <a:p>
             <a:pPr algn="ctr"/>
-            <a:endParaRPr lang="en-US" sz="1467" dirty="0">
+            <a:endParaRPr lang="en-US" sz="1467">
               <a:solidFill>
                 <a:schemeClr val="tx1"/>
               </a:solidFill>
@@ -3773,7 +3760,7 @@
           <a:p>
             <a:pPr algn="ctr"/>
             <a:r>
-              <a:rPr lang="en-US" sz="1000" dirty="0">
+              <a:rPr lang="en-US" sz="1000">
                 <a:solidFill>
                   <a:schemeClr val="tx1"/>
                 </a:solidFill>
@@ -3835,7 +3822,7 @@
           <a:p>
             <a:pPr algn="ctr"/>
             <a:r>
-              <a:rPr lang="en-US" sz="933" dirty="0">
+              <a:rPr lang="en-US" sz="933">
                 <a:solidFill>
                   <a:schemeClr val="tx1"/>
                 </a:solidFill>
@@ -3897,7 +3884,7 @@
           <a:p>
             <a:pPr algn="ctr"/>
             <a:r>
-              <a:rPr lang="en-US" sz="933" dirty="0">
+              <a:rPr lang="en-US" sz="933">
                 <a:solidFill>
                   <a:schemeClr val="tx1"/>
                 </a:solidFill>
@@ -4044,7 +4031,7 @@
           <a:p>
             <a:pPr algn="ctr"/>
             <a:r>
-              <a:rPr lang="en-US" sz="933" dirty="0">
+              <a:rPr lang="en-US" sz="933">
                 <a:solidFill>
                   <a:schemeClr val="tx1"/>
                 </a:solidFill>
@@ -4106,7 +4093,7 @@
           <a:p>
             <a:pPr algn="ctr"/>
             <a:r>
-              <a:rPr lang="en-US" sz="933" dirty="0">
+              <a:rPr lang="en-US" sz="933">
                 <a:solidFill>
                   <a:schemeClr val="tx1"/>
                 </a:solidFill>
@@ -4168,7 +4155,7 @@
           <a:p>
             <a:pPr algn="ctr"/>
             <a:r>
-              <a:rPr lang="en-US" sz="933" dirty="0">
+              <a:rPr lang="en-US" sz="933">
                 <a:solidFill>
                   <a:schemeClr val="tx1"/>
                 </a:solidFill>
@@ -4182,7 +4169,7 @@
           <a:p>
             <a:pPr algn="ctr"/>
             <a:r>
-              <a:rPr lang="en-US" sz="933" dirty="0">
+              <a:rPr lang="en-US" sz="933">
                 <a:solidFill>
                   <a:schemeClr val="tx1"/>
                 </a:solidFill>
@@ -4244,7 +4231,7 @@
           <a:p>
             <a:pPr algn="ctr"/>
             <a:r>
-              <a:rPr lang="en-US" sz="933" dirty="0">
+              <a:rPr lang="en-US" sz="933">
                 <a:solidFill>
                   <a:schemeClr val="tx1"/>
                 </a:solidFill>
@@ -4306,7 +4293,7 @@
           <a:p>
             <a:pPr algn="ctr"/>
             <a:r>
-              <a:rPr lang="en-US" sz="933" dirty="0">
+              <a:rPr lang="en-US" sz="933">
                 <a:solidFill>
                   <a:schemeClr val="tx1"/>
                 </a:solidFill>
@@ -4432,7 +4419,7 @@
           <a:lstStyle/>
           <a:p>
             <a:r>
-              <a:rPr lang="en-US" sz="1100" dirty="0">
+              <a:rPr lang="en-US" sz="1100">
                 <a:latin typeface="Menlo" panose="020B0609030804020204" pitchFamily="49" charset="0"/>
                 <a:ea typeface="Menlo" panose="020B0609030804020204" pitchFamily="49" charset="0"/>
                 <a:cs typeface="Menlo" panose="020B0609030804020204" pitchFamily="49" charset="0"/>
@@ -4471,7 +4458,7 @@
           <a:lstStyle/>
           <a:p>
             <a:r>
-              <a:rPr lang="en-US" sz="1100" dirty="0">
+              <a:rPr lang="en-US" sz="1100">
                 <a:latin typeface="Menlo" panose="020B0609030804020204" pitchFamily="49" charset="0"/>
                 <a:ea typeface="Menlo" panose="020B0609030804020204" pitchFamily="49" charset="0"/>
                 <a:cs typeface="Menlo" panose="020B0609030804020204" pitchFamily="49" charset="0"/>
@@ -4510,7 +4497,7 @@
           <a:lstStyle/>
           <a:p>
             <a:r>
-              <a:rPr lang="en-US" sz="1100" dirty="0">
+              <a:rPr lang="en-US" sz="1100">
                 <a:latin typeface="Menlo" panose="020B0609030804020204" pitchFamily="49" charset="0"/>
                 <a:ea typeface="Menlo" panose="020B0609030804020204" pitchFamily="49" charset="0"/>
                 <a:cs typeface="Menlo" panose="020B0609030804020204" pitchFamily="49" charset="0"/>
@@ -4549,7 +4536,7 @@
           <a:lstStyle/>
           <a:p>
             <a:r>
-              <a:rPr lang="en-US" sz="1067" dirty="0">
+              <a:rPr lang="en-US" sz="1067">
                 <a:latin typeface="Menlo" panose="020B0609030804020204" pitchFamily="49" charset="0"/>
                 <a:ea typeface="Menlo" panose="020B0609030804020204" pitchFamily="49" charset="0"/>
                 <a:cs typeface="Menlo" panose="020B0609030804020204" pitchFamily="49" charset="0"/>
@@ -4630,7 +4617,7 @@
           <a:lstStyle/>
           <a:p>
             <a:r>
-              <a:rPr lang="en-US" sz="1100" dirty="0">
+              <a:rPr lang="en-US" sz="1100">
                 <a:latin typeface="Menlo" panose="020B0609030804020204" pitchFamily="49" charset="0"/>
                 <a:ea typeface="Menlo" panose="020B0609030804020204" pitchFamily="49" charset="0"/>
                 <a:cs typeface="Menlo" panose="020B0609030804020204" pitchFamily="49" charset="0"/>
@@ -4795,7 +4782,7 @@
           <a:lstStyle/>
           <a:p>
             <a:r>
-              <a:rPr lang="en-US" sz="1100" dirty="0">
+              <a:rPr lang="en-US" sz="1100">
                 <a:latin typeface="Menlo" panose="020B0609030804020204" pitchFamily="49" charset="0"/>
                 <a:ea typeface="Menlo" panose="020B0609030804020204" pitchFamily="49" charset="0"/>
                 <a:cs typeface="Menlo" panose="020B0609030804020204" pitchFamily="49" charset="0"/>
@@ -4834,7 +4821,7 @@
           <a:lstStyle/>
           <a:p>
             <a:r>
-              <a:rPr lang="en-US" sz="1100" dirty="0">
+              <a:rPr lang="en-US" sz="1100">
                 <a:latin typeface="Menlo" panose="020B0609030804020204" pitchFamily="49" charset="0"/>
                 <a:ea typeface="Menlo" panose="020B0609030804020204" pitchFamily="49" charset="0"/>
                 <a:cs typeface="Menlo" panose="020B0609030804020204" pitchFamily="49" charset="0"/>
@@ -4873,7 +4860,7 @@
           <a:lstStyle/>
           <a:p>
             <a:r>
-              <a:rPr lang="en-US" sz="1100" dirty="0">
+              <a:rPr lang="en-US" sz="1100">
                 <a:latin typeface="Menlo" panose="020B0609030804020204" pitchFamily="49" charset="0"/>
                 <a:ea typeface="Menlo" panose="020B0609030804020204" pitchFamily="49" charset="0"/>
                 <a:cs typeface="Menlo" panose="020B0609030804020204" pitchFamily="49" charset="0"/>
@@ -4882,7 +4869,7 @@
             </a:r>
           </a:p>
           <a:p>
-            <a:endParaRPr lang="en-US" sz="1100" dirty="0">
+            <a:endParaRPr lang="en-US" sz="1100">
               <a:latin typeface="Menlo" panose="020B0609030804020204" pitchFamily="49" charset="0"/>
               <a:ea typeface="Menlo" panose="020B0609030804020204" pitchFamily="49" charset="0"/>
               <a:cs typeface="Menlo" panose="020B0609030804020204" pitchFamily="49" charset="0"/>
@@ -4946,7 +4933,7 @@
           <a:lstStyle/>
           <a:p>
             <a:pPr algn="ctr"/>
-            <a:endParaRPr lang="en-US" sz="1000" dirty="0">
+            <a:endParaRPr lang="en-US" sz="1000">
               <a:solidFill>
                 <a:schemeClr val="tx1"/>
               </a:solidFill>
@@ -4978,6 +4965,218 @@
             <a:avLst/>
           </a:prstGeom>
           <a:noFill/>
+        </p:spPr>
+        <p:style>
+          <a:lnRef idx="2">
+            <a:schemeClr val="accent1">
+              <a:shade val="50000"/>
+            </a:schemeClr>
+          </a:lnRef>
+          <a:fillRef idx="1">
+            <a:schemeClr val="accent1"/>
+          </a:fillRef>
+          <a:effectRef idx="0">
+            <a:schemeClr val="accent1"/>
+          </a:effectRef>
+          <a:fontRef idx="minor">
+            <a:schemeClr val="lt1"/>
+          </a:fontRef>
+        </p:style>
+        <p:txBody>
+          <a:bodyPr rtlCol="0" anchor="ctr"/>
+          <a:lstStyle/>
+          <a:p>
+            <a:pPr algn="ctr"/>
+            <a:r>
+              <a:rPr lang="en-US" sz="1000">
+                <a:solidFill>
+                  <a:schemeClr val="tx1"/>
+                </a:solidFill>
+                <a:latin typeface="Menlo" panose="020B0609030804020204" pitchFamily="49" charset="0"/>
+                <a:ea typeface="Menlo" panose="020B0609030804020204" pitchFamily="49" charset="0"/>
+                <a:cs typeface="Menlo" panose="020B0609030804020204" pitchFamily="49" charset="0"/>
+              </a:rPr>
+              <a:t>TN3270</a:t>
+            </a:r>
+          </a:p>
+        </p:txBody>
+      </p:sp>
+      <p:sp>
+        <p:nvSpPr>
+          <p:cNvPr id="63" name="Rectangle 62">
+            <a:extLst>
+              <a:ext uri="{FF2B5EF4-FFF2-40B4-BE49-F238E27FC236}">
+                <a16:creationId xmlns:a16="http://schemas.microsoft.com/office/drawing/2014/main" id="{656EF613-5B84-354E-925D-A378D66F1CF1}"/>
+              </a:ext>
+            </a:extLst>
+          </p:cNvPr>
+          <p:cNvSpPr/>
+          <p:nvPr/>
+        </p:nvSpPr>
+        <p:spPr>
+          <a:xfrm>
+            <a:off x="832031" y="4840722"/>
+            <a:ext cx="673240" cy="329105"/>
+          </a:xfrm>
+          <a:prstGeom prst="rect">
+            <a:avLst/>
+          </a:prstGeom>
+          <a:noFill/>
+        </p:spPr>
+        <p:style>
+          <a:lnRef idx="2">
+            <a:schemeClr val="accent1">
+              <a:shade val="50000"/>
+            </a:schemeClr>
+          </a:lnRef>
+          <a:fillRef idx="1">
+            <a:schemeClr val="accent1"/>
+          </a:fillRef>
+          <a:effectRef idx="0">
+            <a:schemeClr val="accent1"/>
+          </a:effectRef>
+          <a:fontRef idx="minor">
+            <a:schemeClr val="lt1"/>
+          </a:fontRef>
+        </p:style>
+        <p:txBody>
+          <a:bodyPr rtlCol="0" anchor="ctr"/>
+          <a:lstStyle/>
+          <a:p>
+            <a:pPr algn="ctr"/>
+            <a:r>
+              <a:rPr lang="en-US" sz="1000">
+                <a:solidFill>
+                  <a:schemeClr val="tx1"/>
+                </a:solidFill>
+                <a:latin typeface="Menlo" panose="020B0609030804020204" pitchFamily="49" charset="0"/>
+                <a:ea typeface="Menlo" panose="020B0609030804020204" pitchFamily="49" charset="0"/>
+                <a:cs typeface="Menlo" panose="020B0609030804020204" pitchFamily="49" charset="0"/>
+              </a:rPr>
+              <a:t>VT</a:t>
+            </a:r>
+          </a:p>
+        </p:txBody>
+      </p:sp>
+      <p:sp>
+        <p:nvSpPr>
+          <p:cNvPr id="64" name="Rectangle 63">
+            <a:extLst>
+              <a:ext uri="{FF2B5EF4-FFF2-40B4-BE49-F238E27FC236}">
+                <a16:creationId xmlns:a16="http://schemas.microsoft.com/office/drawing/2014/main" id="{B7ADD677-D2DA-7F4A-AC17-74AA3E9225A1}"/>
+              </a:ext>
+            </a:extLst>
+          </p:cNvPr>
+          <p:cNvSpPr/>
+          <p:nvPr/>
+        </p:nvSpPr>
+        <p:spPr>
+          <a:xfrm>
+            <a:off x="376507" y="3771034"/>
+            <a:ext cx="1128765" cy="492369"/>
+          </a:xfrm>
+          <a:prstGeom prst="rect">
+            <a:avLst/>
+          </a:prstGeom>
+          <a:noFill/>
+        </p:spPr>
+        <p:style>
+          <a:lnRef idx="2">
+            <a:schemeClr val="accent1">
+              <a:shade val="50000"/>
+            </a:schemeClr>
+          </a:lnRef>
+          <a:fillRef idx="1">
+            <a:schemeClr val="accent1"/>
+          </a:fillRef>
+          <a:effectRef idx="0">
+            <a:schemeClr val="accent1"/>
+          </a:effectRef>
+          <a:fontRef idx="minor">
+            <a:schemeClr val="lt1"/>
+          </a:fontRef>
+        </p:style>
+        <p:txBody>
+          <a:bodyPr rtlCol="0" anchor="ctr"/>
+          <a:lstStyle/>
+          <a:p>
+            <a:pPr algn="ctr"/>
+            <a:r>
+              <a:rPr lang="en-US" sz="1000">
+                <a:solidFill>
+                  <a:schemeClr val="tx1"/>
+                </a:solidFill>
+                <a:latin typeface="Menlo" panose="020B0609030804020204" pitchFamily="49" charset="0"/>
+                <a:ea typeface="Menlo" panose="020B0609030804020204" pitchFamily="49" charset="0"/>
+                <a:cs typeface="Menlo" panose="020B0609030804020204" pitchFamily="49" charset="0"/>
+              </a:rPr>
+              <a:t>ZLUX</a:t>
+            </a:r>
+          </a:p>
+        </p:txBody>
+      </p:sp>
+      <p:sp>
+        <p:nvSpPr>
+          <p:cNvPr id="65" name="TextBox 64">
+            <a:extLst>
+              <a:ext uri="{FF2B5EF4-FFF2-40B4-BE49-F238E27FC236}">
+                <a16:creationId xmlns:a16="http://schemas.microsoft.com/office/drawing/2014/main" id="{5812FD3A-B0DF-7746-BD53-0047BF61959E}"/>
+              </a:ext>
+            </a:extLst>
+          </p:cNvPr>
+          <p:cNvSpPr txBox="1"/>
+          <p:nvPr/>
+        </p:nvSpPr>
+        <p:spPr>
+          <a:xfrm>
+            <a:off x="454836" y="3509422"/>
+            <a:ext cx="524503" cy="261610"/>
+          </a:xfrm>
+          <a:prstGeom prst="rect">
+            <a:avLst/>
+          </a:prstGeom>
+          <a:noFill/>
+        </p:spPr>
+        <p:txBody>
+          <a:bodyPr wrap="none" rtlCol="0">
+            <a:spAutoFit/>
+          </a:bodyPr>
+          <a:lstStyle/>
+          <a:p>
+            <a:r>
+              <a:rPr lang="en-US" sz="1100">
+                <a:latin typeface="Menlo" panose="020B0609030804020204" pitchFamily="49" charset="0"/>
+                <a:ea typeface="Menlo" panose="020B0609030804020204" pitchFamily="49" charset="0"/>
+                <a:cs typeface="Menlo" panose="020B0609030804020204" pitchFamily="49" charset="0"/>
+              </a:rPr>
+              <a:t>8544</a:t>
+            </a:r>
+          </a:p>
+        </p:txBody>
+      </p:sp>
+      <p:sp>
+        <p:nvSpPr>
+          <p:cNvPr id="66" name="Rectangle 65">
+            <a:extLst>
+              <a:ext uri="{FF2B5EF4-FFF2-40B4-BE49-F238E27FC236}">
+                <a16:creationId xmlns:a16="http://schemas.microsoft.com/office/drawing/2014/main" id="{E70C2438-F7B1-AA4F-85F2-E8948FBA6F32}"/>
+              </a:ext>
+            </a:extLst>
+          </p:cNvPr>
+          <p:cNvSpPr/>
+          <p:nvPr/>
+        </p:nvSpPr>
+        <p:spPr>
+          <a:xfrm>
+            <a:off x="376504" y="5715002"/>
+            <a:ext cx="1128765" cy="276391"/>
+          </a:xfrm>
+          <a:prstGeom prst="rect">
+            <a:avLst/>
+          </a:prstGeom>
+          <a:solidFill>
+            <a:srgbClr val="F3A4FF"/>
+          </a:solidFill>
         </p:spPr>
         <p:style>
           <a:lnRef idx="2">
@@ -5009,17 +5208,98 @@
                 <a:ea typeface="Menlo" panose="020B0609030804020204" pitchFamily="49" charset="0"/>
                 <a:cs typeface="Menlo" panose="020B0609030804020204" pitchFamily="49" charset="0"/>
               </a:rPr>
-              <a:t>TN3270</a:t>
-            </a:r>
-          </a:p>
-        </p:txBody>
-      </p:sp>
-      <p:sp>
-        <p:nvSpPr>
-          <p:cNvPr id="63" name="Rectangle 62">
-            <a:extLst>
-              <a:ext uri="{FF2B5EF4-FFF2-40B4-BE49-F238E27FC236}">
-                <a16:creationId xmlns:a16="http://schemas.microsoft.com/office/drawing/2014/main" id="{656EF613-5B84-354E-925D-A378D66F1CF1}"/>
+              <a:t>zssServer</a:t>
+            </a:r>
+          </a:p>
+        </p:txBody>
+      </p:sp>
+      <p:cxnSp>
+        <p:nvCxnSpPr>
+          <p:cNvPr id="67" name="Straight Arrow Connector 66">
+            <a:extLst>
+              <a:ext uri="{FF2B5EF4-FFF2-40B4-BE49-F238E27FC236}">
+                <a16:creationId xmlns:a16="http://schemas.microsoft.com/office/drawing/2014/main" id="{14C9C9C0-A1B2-754A-8AC7-11549460EE6B}"/>
+              </a:ext>
+            </a:extLst>
+          </p:cNvPr>
+          <p:cNvCxnSpPr>
+            <a:cxnSpLocks/>
+          </p:cNvCxnSpPr>
+          <p:nvPr/>
+        </p:nvCxnSpPr>
+        <p:spPr>
+          <a:xfrm>
+            <a:off x="915053" y="5216206"/>
+            <a:ext cx="0" cy="462817"/>
+          </a:xfrm>
+          <a:prstGeom prst="straightConnector1">
+            <a:avLst/>
+          </a:prstGeom>
+          <a:ln>
+            <a:headEnd type="triangle"/>
+            <a:tailEnd type="triangle"/>
+          </a:ln>
+        </p:spPr>
+        <p:style>
+          <a:lnRef idx="1">
+            <a:schemeClr val="accent1"/>
+          </a:lnRef>
+          <a:fillRef idx="0">
+            <a:schemeClr val="accent1"/>
+          </a:fillRef>
+          <a:effectRef idx="0">
+            <a:schemeClr val="accent1"/>
+          </a:effectRef>
+          <a:fontRef idx="minor">
+            <a:schemeClr val="tx1"/>
+          </a:fontRef>
+        </p:style>
+      </p:cxnSp>
+      <p:sp>
+        <p:nvSpPr>
+          <p:cNvPr id="68" name="TextBox 67">
+            <a:extLst>
+              <a:ext uri="{FF2B5EF4-FFF2-40B4-BE49-F238E27FC236}">
+                <a16:creationId xmlns:a16="http://schemas.microsoft.com/office/drawing/2014/main" id="{AB4D9C28-D784-F04E-A506-95C735B37F48}"/>
+              </a:ext>
+            </a:extLst>
+          </p:cNvPr>
+          <p:cNvSpPr txBox="1"/>
+          <p:nvPr/>
+        </p:nvSpPr>
+        <p:spPr>
+          <a:xfrm>
+            <a:off x="420382" y="5416951"/>
+            <a:ext cx="524503" cy="261610"/>
+          </a:xfrm>
+          <a:prstGeom prst="rect">
+            <a:avLst/>
+          </a:prstGeom>
+          <a:noFill/>
+        </p:spPr>
+        <p:txBody>
+          <a:bodyPr wrap="none" rtlCol="0">
+            <a:spAutoFit/>
+          </a:bodyPr>
+          <a:lstStyle/>
+          <a:p>
+            <a:r>
+              <a:rPr lang="en-US" sz="1100">
+                <a:latin typeface="Menlo" panose="020B0609030804020204" pitchFamily="49" charset="0"/>
+                <a:ea typeface="Menlo" panose="020B0609030804020204" pitchFamily="49" charset="0"/>
+                <a:cs typeface="Menlo" panose="020B0609030804020204" pitchFamily="49" charset="0"/>
+              </a:rPr>
+              <a:t>8542</a:t>
+            </a:r>
+          </a:p>
+        </p:txBody>
+      </p:sp>
+      <p:sp>
+        <p:nvSpPr>
+          <p:cNvPr id="69" name="Rectangle 68">
+            <a:extLst>
+              <a:ext uri="{FF2B5EF4-FFF2-40B4-BE49-F238E27FC236}">
+                <a16:creationId xmlns:a16="http://schemas.microsoft.com/office/drawing/2014/main" id="{F31D35DC-3E8F-BA43-878A-435AAA2C67B2}"/>
               </a:ext>
             </a:extLst>
           </p:cNvPr>
@@ -5028,13 +5308,15 @@
         </p:nvSpPr>
         <p:spPr>
           <a:xfrm>
-            <a:off x="832031" y="4840722"/>
-            <a:ext cx="673240" cy="329105"/>
+            <a:off x="376504" y="6483230"/>
+            <a:ext cx="1128765" cy="276391"/>
           </a:xfrm>
           <a:prstGeom prst="rect">
             <a:avLst/>
           </a:prstGeom>
-          <a:noFill/>
+          <a:solidFill>
+            <a:srgbClr val="F3A4FF"/>
+          </a:solidFill>
         </p:spPr>
         <p:style>
           <a:lnRef idx="2">
@@ -5058,310 +5340,7 @@
           <a:p>
             <a:pPr algn="ctr"/>
             <a:r>
-              <a:rPr lang="en-US" sz="1000" dirty="0">
-                <a:solidFill>
-                  <a:schemeClr val="tx1"/>
-                </a:solidFill>
-                <a:latin typeface="Menlo" panose="020B0609030804020204" pitchFamily="49" charset="0"/>
-                <a:ea typeface="Menlo" panose="020B0609030804020204" pitchFamily="49" charset="0"/>
-                <a:cs typeface="Menlo" panose="020B0609030804020204" pitchFamily="49" charset="0"/>
-              </a:rPr>
-              <a:t>VT</a:t>
-            </a:r>
-          </a:p>
-        </p:txBody>
-      </p:sp>
-      <p:sp>
-        <p:nvSpPr>
-          <p:cNvPr id="64" name="Rectangle 63">
-            <a:extLst>
-              <a:ext uri="{FF2B5EF4-FFF2-40B4-BE49-F238E27FC236}">
-                <a16:creationId xmlns:a16="http://schemas.microsoft.com/office/drawing/2014/main" id="{B7ADD677-D2DA-7F4A-AC17-74AA3E9225A1}"/>
-              </a:ext>
-            </a:extLst>
-          </p:cNvPr>
-          <p:cNvSpPr/>
-          <p:nvPr/>
-        </p:nvSpPr>
-        <p:spPr>
-          <a:xfrm>
-            <a:off x="376507" y="3771034"/>
-            <a:ext cx="1128765" cy="492369"/>
-          </a:xfrm>
-          <a:prstGeom prst="rect">
-            <a:avLst/>
-          </a:prstGeom>
-          <a:noFill/>
-        </p:spPr>
-        <p:style>
-          <a:lnRef idx="2">
-            <a:schemeClr val="accent1">
-              <a:shade val="50000"/>
-            </a:schemeClr>
-          </a:lnRef>
-          <a:fillRef idx="1">
-            <a:schemeClr val="accent1"/>
-          </a:fillRef>
-          <a:effectRef idx="0">
-            <a:schemeClr val="accent1"/>
-          </a:effectRef>
-          <a:fontRef idx="minor">
-            <a:schemeClr val="lt1"/>
-          </a:fontRef>
-        </p:style>
-        <p:txBody>
-          <a:bodyPr rtlCol="0" anchor="ctr"/>
-          <a:lstStyle/>
-          <a:p>
-            <a:pPr algn="ctr"/>
-            <a:r>
-              <a:rPr lang="en-US" sz="1000" dirty="0">
-                <a:solidFill>
-                  <a:schemeClr val="tx1"/>
-                </a:solidFill>
-                <a:latin typeface="Menlo" panose="020B0609030804020204" pitchFamily="49" charset="0"/>
-                <a:ea typeface="Menlo" panose="020B0609030804020204" pitchFamily="49" charset="0"/>
-                <a:cs typeface="Menlo" panose="020B0609030804020204" pitchFamily="49" charset="0"/>
-              </a:rPr>
-              <a:t>ZLUX</a:t>
-            </a:r>
-          </a:p>
-        </p:txBody>
-      </p:sp>
-      <p:sp>
-        <p:nvSpPr>
-          <p:cNvPr id="65" name="TextBox 64">
-            <a:extLst>
-              <a:ext uri="{FF2B5EF4-FFF2-40B4-BE49-F238E27FC236}">
-                <a16:creationId xmlns:a16="http://schemas.microsoft.com/office/drawing/2014/main" id="{5812FD3A-B0DF-7746-BD53-0047BF61959E}"/>
-              </a:ext>
-            </a:extLst>
-          </p:cNvPr>
-          <p:cNvSpPr txBox="1"/>
-          <p:nvPr/>
-        </p:nvSpPr>
-        <p:spPr>
-          <a:xfrm>
-            <a:off x="454836" y="3509422"/>
-            <a:ext cx="524503" cy="261610"/>
-          </a:xfrm>
-          <a:prstGeom prst="rect">
-            <a:avLst/>
-          </a:prstGeom>
-          <a:noFill/>
-        </p:spPr>
-        <p:txBody>
-          <a:bodyPr wrap="none" rtlCol="0">
-            <a:spAutoFit/>
-          </a:bodyPr>
-          <a:lstStyle/>
-          <a:p>
-            <a:r>
-              <a:rPr lang="en-US" sz="1100" dirty="0">
-                <a:latin typeface="Menlo" panose="020B0609030804020204" pitchFamily="49" charset="0"/>
-                <a:ea typeface="Menlo" panose="020B0609030804020204" pitchFamily="49" charset="0"/>
-                <a:cs typeface="Menlo" panose="020B0609030804020204" pitchFamily="49" charset="0"/>
-              </a:rPr>
-              <a:t>8544</a:t>
-            </a:r>
-          </a:p>
-        </p:txBody>
-      </p:sp>
-      <p:sp>
-        <p:nvSpPr>
-          <p:cNvPr id="66" name="Rectangle 65">
-            <a:extLst>
-              <a:ext uri="{FF2B5EF4-FFF2-40B4-BE49-F238E27FC236}">
-                <a16:creationId xmlns:a16="http://schemas.microsoft.com/office/drawing/2014/main" id="{E70C2438-F7B1-AA4F-85F2-E8948FBA6F32}"/>
-              </a:ext>
-            </a:extLst>
-          </p:cNvPr>
-          <p:cNvSpPr/>
-          <p:nvPr/>
-        </p:nvSpPr>
-        <p:spPr>
-          <a:xfrm>
-            <a:off x="376504" y="5715002"/>
-            <a:ext cx="1128765" cy="276391"/>
-          </a:xfrm>
-          <a:prstGeom prst="rect">
-            <a:avLst/>
-          </a:prstGeom>
-          <a:solidFill>
-            <a:srgbClr val="F3A4FF"/>
-          </a:solidFill>
-        </p:spPr>
-        <p:style>
-          <a:lnRef idx="2">
-            <a:schemeClr val="accent1">
-              <a:shade val="50000"/>
-            </a:schemeClr>
-          </a:lnRef>
-          <a:fillRef idx="1">
-            <a:schemeClr val="accent1"/>
-          </a:fillRef>
-          <a:effectRef idx="0">
-            <a:schemeClr val="accent1"/>
-          </a:effectRef>
-          <a:fontRef idx="minor">
-            <a:schemeClr val="lt1"/>
-          </a:fontRef>
-        </p:style>
-        <p:txBody>
-          <a:bodyPr rtlCol="0" anchor="ctr"/>
-          <a:lstStyle/>
-          <a:p>
-            <a:pPr algn="ctr"/>
-            <a:r>
-              <a:rPr lang="en-US" sz="1000" dirty="0" err="1">
-                <a:solidFill>
-                  <a:schemeClr val="tx1"/>
-                </a:solidFill>
-                <a:latin typeface="Menlo" panose="020B0609030804020204" pitchFamily="49" charset="0"/>
-                <a:ea typeface="Menlo" panose="020B0609030804020204" pitchFamily="49" charset="0"/>
-                <a:cs typeface="Menlo" panose="020B0609030804020204" pitchFamily="49" charset="0"/>
-              </a:rPr>
-              <a:t>zssServer</a:t>
-            </a:r>
-            <a:endParaRPr lang="en-US" sz="1000" dirty="0">
-              <a:solidFill>
-                <a:schemeClr val="tx1"/>
-              </a:solidFill>
-              <a:latin typeface="Menlo" panose="020B0609030804020204" pitchFamily="49" charset="0"/>
-              <a:ea typeface="Menlo" panose="020B0609030804020204" pitchFamily="49" charset="0"/>
-              <a:cs typeface="Menlo" panose="020B0609030804020204" pitchFamily="49" charset="0"/>
-            </a:endParaRPr>
-          </a:p>
-        </p:txBody>
-      </p:sp>
-      <p:cxnSp>
-        <p:nvCxnSpPr>
-          <p:cNvPr id="67" name="Straight Arrow Connector 66">
-            <a:extLst>
-              <a:ext uri="{FF2B5EF4-FFF2-40B4-BE49-F238E27FC236}">
-                <a16:creationId xmlns:a16="http://schemas.microsoft.com/office/drawing/2014/main" id="{14C9C9C0-A1B2-754A-8AC7-11549460EE6B}"/>
-              </a:ext>
-            </a:extLst>
-          </p:cNvPr>
-          <p:cNvCxnSpPr>
-            <a:cxnSpLocks/>
-          </p:cNvCxnSpPr>
-          <p:nvPr/>
-        </p:nvCxnSpPr>
-        <p:spPr>
-          <a:xfrm>
-            <a:off x="915053" y="5216206"/>
-            <a:ext cx="0" cy="462817"/>
-          </a:xfrm>
-          <a:prstGeom prst="straightConnector1">
-            <a:avLst/>
-          </a:prstGeom>
-          <a:ln>
-            <a:headEnd type="triangle"/>
-            <a:tailEnd type="triangle"/>
-          </a:ln>
-        </p:spPr>
-        <p:style>
-          <a:lnRef idx="1">
-            <a:schemeClr val="accent1"/>
-          </a:lnRef>
-          <a:fillRef idx="0">
-            <a:schemeClr val="accent1"/>
-          </a:fillRef>
-          <a:effectRef idx="0">
-            <a:schemeClr val="accent1"/>
-          </a:effectRef>
-          <a:fontRef idx="minor">
-            <a:schemeClr val="tx1"/>
-          </a:fontRef>
-        </p:style>
-      </p:cxnSp>
-      <p:sp>
-        <p:nvSpPr>
-          <p:cNvPr id="68" name="TextBox 67">
-            <a:extLst>
-              <a:ext uri="{FF2B5EF4-FFF2-40B4-BE49-F238E27FC236}">
-                <a16:creationId xmlns:a16="http://schemas.microsoft.com/office/drawing/2014/main" id="{AB4D9C28-D784-F04E-A506-95C735B37F48}"/>
-              </a:ext>
-            </a:extLst>
-          </p:cNvPr>
-          <p:cNvSpPr txBox="1"/>
-          <p:nvPr/>
-        </p:nvSpPr>
-        <p:spPr>
-          <a:xfrm>
-            <a:off x="420382" y="5416951"/>
-            <a:ext cx="524503" cy="261610"/>
-          </a:xfrm>
-          <a:prstGeom prst="rect">
-            <a:avLst/>
-          </a:prstGeom>
-          <a:noFill/>
-        </p:spPr>
-        <p:txBody>
-          <a:bodyPr wrap="none" rtlCol="0">
-            <a:spAutoFit/>
-          </a:bodyPr>
-          <a:lstStyle/>
-          <a:p>
-            <a:r>
-              <a:rPr lang="en-US" sz="1100" dirty="0">
-                <a:latin typeface="Menlo" panose="020B0609030804020204" pitchFamily="49" charset="0"/>
-                <a:ea typeface="Menlo" panose="020B0609030804020204" pitchFamily="49" charset="0"/>
-                <a:cs typeface="Menlo" panose="020B0609030804020204" pitchFamily="49" charset="0"/>
-              </a:rPr>
-              <a:t>8542</a:t>
-            </a:r>
-          </a:p>
-        </p:txBody>
-      </p:sp>
-      <p:sp>
-        <p:nvSpPr>
-          <p:cNvPr id="69" name="Rectangle 68">
-            <a:extLst>
-              <a:ext uri="{FF2B5EF4-FFF2-40B4-BE49-F238E27FC236}">
-                <a16:creationId xmlns:a16="http://schemas.microsoft.com/office/drawing/2014/main" id="{F31D35DC-3E8F-BA43-878A-435AAA2C67B2}"/>
-              </a:ext>
-            </a:extLst>
-          </p:cNvPr>
-          <p:cNvSpPr/>
-          <p:nvPr/>
-        </p:nvSpPr>
-        <p:spPr>
-          <a:xfrm>
-            <a:off x="376504" y="6483230"/>
-            <a:ext cx="1128765" cy="276391"/>
-          </a:xfrm>
-          <a:prstGeom prst="rect">
-            <a:avLst/>
-          </a:prstGeom>
-          <a:solidFill>
-            <a:srgbClr val="F3A4FF"/>
-          </a:solidFill>
-        </p:spPr>
-        <p:style>
-          <a:lnRef idx="2">
-            <a:schemeClr val="accent1">
-              <a:shade val="50000"/>
-            </a:schemeClr>
-          </a:lnRef>
-          <a:fillRef idx="1">
-            <a:schemeClr val="accent1"/>
-          </a:fillRef>
-          <a:effectRef idx="0">
-            <a:schemeClr val="accent1"/>
-          </a:effectRef>
-          <a:fontRef idx="minor">
-            <a:schemeClr val="lt1"/>
-          </a:fontRef>
-        </p:style>
-        <p:txBody>
-          <a:bodyPr rtlCol="0" anchor="ctr"/>
-          <a:lstStyle/>
-          <a:p>
-            <a:pPr algn="ctr"/>
-            <a:r>
-              <a:rPr lang="en-US" sz="1000" dirty="0">
+              <a:rPr lang="en-US" sz="1000">
                 <a:solidFill>
                   <a:schemeClr val="tx1"/>
                 </a:solidFill>
@@ -5446,7 +5425,7 @@
           <a:lstStyle/>
           <a:p>
             <a:r>
-              <a:rPr lang="en-US" sz="1100" dirty="0">
+              <a:rPr lang="en-US" sz="1100">
                 <a:latin typeface="Menlo" panose="020B0609030804020204" pitchFamily="49" charset="0"/>
                 <a:ea typeface="Menlo" panose="020B0609030804020204" pitchFamily="49" charset="0"/>
                 <a:cs typeface="Menlo" panose="020B0609030804020204" pitchFamily="49" charset="0"/>
@@ -5500,7 +5479,7 @@
           <a:p>
             <a:pPr algn="ctr"/>
             <a:r>
-              <a:rPr lang="en-US" sz="1000" dirty="0">
+              <a:rPr lang="en-US" sz="1000">
                 <a:solidFill>
                   <a:schemeClr val="tx1"/>
                 </a:solidFill>
@@ -5608,7 +5587,7 @@
           <a:p>
             <a:pPr algn="ctr"/>
             <a:r>
-              <a:rPr lang="en-US" sz="1000" dirty="0">
+              <a:rPr lang="en-US" sz="1000">
                 <a:solidFill>
                   <a:schemeClr val="tx1"/>
                 </a:solidFill>
@@ -5621,7 +5600,7 @@
           </a:p>
           <a:p>
             <a:pPr algn="ctr"/>
-            <a:endParaRPr lang="en-US" sz="1000" dirty="0">
+            <a:endParaRPr lang="en-US" sz="1000">
               <a:solidFill>
                 <a:schemeClr val="tx1"/>
               </a:solidFill>
@@ -5632,7 +5611,7 @@
           </a:p>
           <a:p>
             <a:pPr algn="ctr"/>
-            <a:endParaRPr lang="en-US" sz="1000" dirty="0">
+            <a:endParaRPr lang="en-US" sz="1000">
               <a:solidFill>
                 <a:schemeClr val="tx1"/>
               </a:solidFill>
@@ -5643,7 +5622,7 @@
           </a:p>
           <a:p>
             <a:pPr algn="ctr"/>
-            <a:endParaRPr lang="en-US" sz="1000" dirty="0">
+            <a:endParaRPr lang="en-US" sz="1000">
               <a:solidFill>
                 <a:schemeClr val="tx1"/>
               </a:solidFill>
@@ -5698,7 +5677,7 @@
           <a:p>
             <a:pPr algn="ctr"/>
             <a:r>
-              <a:rPr lang="en-US" sz="1000" b="1" dirty="0">
+              <a:rPr lang="en-US" sz="1000" b="1">
                 <a:solidFill>
                   <a:schemeClr val="tx1"/>
                 </a:solidFill>
@@ -5711,7 +5690,7 @@
           </a:p>
           <a:p>
             <a:r>
-              <a:rPr lang="en-US" sz="1067" dirty="0">
+              <a:rPr lang="en-US" sz="1067">
                 <a:solidFill>
                   <a:schemeClr val="tx1"/>
                 </a:solidFill>
@@ -5724,7 +5703,7 @@
           </a:p>
           <a:p>
             <a:r>
-              <a:rPr lang="en-US" sz="1067" dirty="0">
+              <a:rPr lang="en-US" sz="1067">
                 <a:solidFill>
                   <a:schemeClr val="tx1"/>
                 </a:solidFill>
@@ -5737,7 +5716,7 @@
           </a:p>
           <a:p>
             <a:r>
-              <a:rPr lang="en-US" sz="1067" dirty="0">
+              <a:rPr lang="en-US" sz="1067">
                 <a:solidFill>
                   <a:schemeClr val="tx1"/>
                 </a:solidFill>
@@ -5750,7 +5729,7 @@
           </a:p>
           <a:p>
             <a:r>
-              <a:rPr lang="en-US" sz="1067" dirty="0">
+              <a:rPr lang="en-US" sz="1067">
                 <a:solidFill>
                   <a:schemeClr val="tx1"/>
                 </a:solidFill>
@@ -5792,7 +5771,7 @@
           <a:lstStyle/>
           <a:p>
             <a:r>
-              <a:rPr lang="en-US" sz="1100" dirty="0">
+              <a:rPr lang="en-US" sz="1100">
                 <a:latin typeface="Menlo" panose="020B0609030804020204" pitchFamily="49" charset="0"/>
                 <a:ea typeface="Menlo" panose="020B0609030804020204" pitchFamily="49" charset="0"/>
                 <a:cs typeface="Menlo" panose="020B0609030804020204" pitchFamily="49" charset="0"/>
@@ -5848,17 +5827,6 @@
           <a:lstStyle/>
           <a:p>
             <a:pPr algn="ctr"/>
-            <a:r>
-              <a:rPr lang="en-US" sz="800" dirty="0" err="1">
-                <a:solidFill>
-                  <a:schemeClr val="tx1"/>
-                </a:solidFill>
-                <a:latin typeface="Menlo" charset="0"/>
-                <a:ea typeface="Menlo" charset="0"/>
-                <a:cs typeface="Menlo" charset="0"/>
-              </a:rPr>
-              <a:t>Zowe</a:t>
-            </a:r>
             <a:r>
               <a:rPr lang="en-US" sz="800" dirty="0">
                 <a:solidFill>
@@ -5868,7 +5836,7 @@
                 <a:ea typeface="Menlo" charset="0"/>
                 <a:cs typeface="Menlo" charset="0"/>
               </a:rPr>
-              <a:t> Desktop running in web browser</a:t>
+              <a:t>Zowe Desktop running in web browser</a:t>
             </a:r>
           </a:p>
         </p:txBody>
@@ -5924,7 +5892,7 @@
           <a:lstStyle/>
           <a:p>
             <a:pPr algn="ctr"/>
-            <a:endParaRPr lang="en-US" sz="533" dirty="0">
+            <a:endParaRPr lang="en-US" sz="533">
               <a:solidFill>
                 <a:schemeClr val="tx1"/>
               </a:solidFill>
@@ -5935,7 +5903,7 @@
           </a:p>
           <a:p>
             <a:pPr algn="ctr"/>
-            <a:endParaRPr lang="en-US" sz="533" dirty="0">
+            <a:endParaRPr lang="en-US" sz="533">
               <a:solidFill>
                 <a:schemeClr val="tx1"/>
               </a:solidFill>
@@ -5946,7 +5914,7 @@
           </a:p>
           <a:p>
             <a:pPr algn="ctr"/>
-            <a:endParaRPr lang="en-US" sz="533" dirty="0">
+            <a:endParaRPr lang="en-US" sz="533">
               <a:solidFill>
                 <a:schemeClr val="tx1"/>
               </a:solidFill>
@@ -5957,7 +5925,7 @@
           </a:p>
           <a:p>
             <a:pPr algn="ctr"/>
-            <a:endParaRPr lang="en-US" sz="533" dirty="0">
+            <a:endParaRPr lang="en-US" sz="533">
               <a:solidFill>
                 <a:schemeClr val="tx1"/>
               </a:solidFill>
@@ -5968,7 +5936,7 @@
           </a:p>
           <a:p>
             <a:pPr algn="ctr"/>
-            <a:endParaRPr lang="en-US" sz="533" dirty="0">
+            <a:endParaRPr lang="en-US" sz="533">
               <a:solidFill>
                 <a:schemeClr val="tx1"/>
               </a:solidFill>
@@ -5980,7 +5948,7 @@
           <a:p>
             <a:pPr algn="ctr"/>
             <a:r>
-              <a:rPr lang="en-US" sz="533" dirty="0">
+              <a:rPr lang="en-US" sz="533">
                 <a:solidFill>
                   <a:schemeClr val="tx1"/>
                 </a:solidFill>
@@ -6074,7 +6042,7 @@
           <a:lstStyle/>
           <a:p>
             <a:pPr algn="ctr"/>
-            <a:endParaRPr lang="en-US" sz="533" dirty="0">
+            <a:endParaRPr lang="en-US" sz="533">
               <a:solidFill>
                 <a:schemeClr val="tx1"/>
               </a:solidFill>
@@ -6085,7 +6053,7 @@
           </a:p>
           <a:p>
             <a:pPr algn="ctr"/>
-            <a:endParaRPr lang="en-US" sz="533" dirty="0">
+            <a:endParaRPr lang="en-US" sz="533">
               <a:solidFill>
                 <a:schemeClr val="tx1"/>
               </a:solidFill>
@@ -6096,7 +6064,7 @@
           </a:p>
           <a:p>
             <a:pPr algn="ctr"/>
-            <a:endParaRPr lang="en-US" sz="533" dirty="0">
+            <a:endParaRPr lang="en-US" sz="533">
               <a:solidFill>
                 <a:schemeClr val="tx1"/>
               </a:solidFill>
@@ -6107,7 +6075,7 @@
           </a:p>
           <a:p>
             <a:pPr algn="ctr"/>
-            <a:endParaRPr lang="en-US" sz="533" dirty="0">
+            <a:endParaRPr lang="en-US" sz="533">
               <a:solidFill>
                 <a:schemeClr val="tx1"/>
               </a:solidFill>
@@ -6118,7 +6086,7 @@
           </a:p>
           <a:p>
             <a:pPr algn="ctr"/>
-            <a:endParaRPr lang="en-US" sz="533" dirty="0">
+            <a:endParaRPr lang="en-US" sz="533">
               <a:solidFill>
                 <a:schemeClr val="tx1"/>
               </a:solidFill>
@@ -6130,7 +6098,7 @@
           <a:p>
             <a:pPr algn="ctr"/>
             <a:r>
-              <a:rPr lang="en-US" sz="533" dirty="0">
+              <a:rPr lang="en-US" sz="533">
                 <a:solidFill>
                   <a:schemeClr val="tx1"/>
                 </a:solidFill>
@@ -6224,7 +6192,7 @@
           <a:lstStyle/>
           <a:p>
             <a:pPr algn="ctr"/>
-            <a:endParaRPr lang="en-US" sz="533" dirty="0">
+            <a:endParaRPr lang="en-US" sz="533">
               <a:solidFill>
                 <a:schemeClr val="tx1"/>
               </a:solidFill>
@@ -6235,7 +6203,7 @@
           </a:p>
           <a:p>
             <a:pPr algn="ctr"/>
-            <a:endParaRPr lang="en-US" sz="533" dirty="0">
+            <a:endParaRPr lang="en-US" sz="533">
               <a:solidFill>
                 <a:schemeClr val="tx1"/>
               </a:solidFill>
@@ -6246,7 +6214,7 @@
           </a:p>
           <a:p>
             <a:pPr algn="ctr"/>
-            <a:endParaRPr lang="en-US" sz="533" dirty="0">
+            <a:endParaRPr lang="en-US" sz="533">
               <a:solidFill>
                 <a:schemeClr val="tx1"/>
               </a:solidFill>
@@ -6257,7 +6225,7 @@
           </a:p>
           <a:p>
             <a:pPr algn="ctr"/>
-            <a:endParaRPr lang="en-US" sz="533" dirty="0">
+            <a:endParaRPr lang="en-US" sz="533">
               <a:solidFill>
                 <a:schemeClr val="tx1"/>
               </a:solidFill>
@@ -6268,7 +6236,7 @@
           </a:p>
           <a:p>
             <a:pPr algn="ctr"/>
-            <a:endParaRPr lang="en-US" sz="533" dirty="0">
+            <a:endParaRPr lang="en-US" sz="533">
               <a:solidFill>
                 <a:schemeClr val="tx1"/>
               </a:solidFill>
@@ -6280,7 +6248,7 @@
           <a:p>
             <a:pPr algn="ctr"/>
             <a:r>
-              <a:rPr lang="en-US" sz="533" dirty="0">
+              <a:rPr lang="en-US" sz="533">
                 <a:solidFill>
                   <a:schemeClr val="tx1"/>
                 </a:solidFill>
@@ -6374,7 +6342,7 @@
           <a:lstStyle/>
           <a:p>
             <a:pPr algn="ctr"/>
-            <a:endParaRPr lang="en-US" sz="533" dirty="0">
+            <a:endParaRPr lang="en-US" sz="533">
               <a:solidFill>
                 <a:schemeClr val="tx1"/>
               </a:solidFill>
@@ -6385,7 +6353,7 @@
           </a:p>
           <a:p>
             <a:pPr algn="ctr"/>
-            <a:endParaRPr lang="en-US" sz="533" dirty="0">
+            <a:endParaRPr lang="en-US" sz="533">
               <a:solidFill>
                 <a:schemeClr val="tx1"/>
               </a:solidFill>
@@ -6396,7 +6364,7 @@
           </a:p>
           <a:p>
             <a:pPr algn="ctr"/>
-            <a:endParaRPr lang="en-US" sz="533" dirty="0">
+            <a:endParaRPr lang="en-US" sz="533">
               <a:solidFill>
                 <a:schemeClr val="tx1"/>
               </a:solidFill>
@@ -6407,7 +6375,7 @@
           </a:p>
           <a:p>
             <a:pPr algn="ctr"/>
-            <a:endParaRPr lang="en-US" sz="533" dirty="0">
+            <a:endParaRPr lang="en-US" sz="533">
               <a:solidFill>
                 <a:schemeClr val="tx1"/>
               </a:solidFill>
@@ -6418,7 +6386,7 @@
           </a:p>
           <a:p>
             <a:pPr algn="ctr"/>
-            <a:endParaRPr lang="en-US" sz="533" dirty="0">
+            <a:endParaRPr lang="en-US" sz="533">
               <a:solidFill>
                 <a:schemeClr val="tx1"/>
               </a:solidFill>
@@ -6430,7 +6398,7 @@
           <a:p>
             <a:pPr algn="ctr"/>
             <a:r>
-              <a:rPr lang="en-US" sz="533" dirty="0">
+              <a:rPr lang="en-US" sz="533">
                 <a:solidFill>
                   <a:schemeClr val="tx1"/>
                 </a:solidFill>
@@ -6524,7 +6492,7 @@
           <a:lstStyle/>
           <a:p>
             <a:pPr algn="ctr"/>
-            <a:endParaRPr lang="en-US" sz="533" dirty="0">
+            <a:endParaRPr lang="en-US" sz="533">
               <a:solidFill>
                 <a:schemeClr val="tx1"/>
               </a:solidFill>
@@ -6535,7 +6503,7 @@
           </a:p>
           <a:p>
             <a:pPr algn="ctr"/>
-            <a:endParaRPr lang="en-US" sz="533" dirty="0">
+            <a:endParaRPr lang="en-US" sz="533">
               <a:solidFill>
                 <a:schemeClr val="tx1"/>
               </a:solidFill>
@@ -6546,7 +6514,7 @@
           </a:p>
           <a:p>
             <a:pPr algn="ctr"/>
-            <a:endParaRPr lang="en-US" sz="533" dirty="0">
+            <a:endParaRPr lang="en-US" sz="533">
               <a:solidFill>
                 <a:schemeClr val="tx1"/>
               </a:solidFill>
@@ -6557,7 +6525,7 @@
           </a:p>
           <a:p>
             <a:pPr algn="ctr"/>
-            <a:endParaRPr lang="en-US" sz="533" dirty="0">
+            <a:endParaRPr lang="en-US" sz="533">
               <a:solidFill>
                 <a:schemeClr val="tx1"/>
               </a:solidFill>
@@ -6568,7 +6536,7 @@
           </a:p>
           <a:p>
             <a:pPr algn="ctr"/>
-            <a:endParaRPr lang="en-US" sz="533" dirty="0">
+            <a:endParaRPr lang="en-US" sz="533">
               <a:solidFill>
                 <a:schemeClr val="tx1"/>
               </a:solidFill>
@@ -6580,7 +6548,7 @@
           <a:p>
             <a:pPr algn="ctr"/>
             <a:r>
-              <a:rPr lang="en-US" sz="533" dirty="0">
+              <a:rPr lang="en-US" sz="533">
                 <a:solidFill>
                   <a:schemeClr val="tx1"/>
                 </a:solidFill>
@@ -6588,27 +6556,8 @@
                 <a:ea typeface="Menlo" panose="020B0609030804020204" pitchFamily="49" charset="0"/>
                 <a:cs typeface="Menlo" panose="020B0609030804020204" pitchFamily="49" charset="0"/>
               </a:rPr>
-              <a:t>VT </a:t>
-            </a:r>
-            <a:r>
-              <a:rPr lang="en-US" sz="533" dirty="0" err="1">
-                <a:solidFill>
-                  <a:schemeClr val="tx1"/>
-                </a:solidFill>
-                <a:latin typeface="Menlo" panose="020B0609030804020204" pitchFamily="49" charset="0"/>
-                <a:ea typeface="Menlo" panose="020B0609030804020204" pitchFamily="49" charset="0"/>
-                <a:cs typeface="Menlo" panose="020B0609030804020204" pitchFamily="49" charset="0"/>
-              </a:rPr>
-              <a:t>Terminak</a:t>
-            </a:r>
-            <a:endParaRPr lang="en-US" sz="533" dirty="0">
-              <a:solidFill>
-                <a:schemeClr val="tx1"/>
-              </a:solidFill>
-              <a:latin typeface="Menlo" panose="020B0609030804020204" pitchFamily="49" charset="0"/>
-              <a:ea typeface="Menlo" panose="020B0609030804020204" pitchFamily="49" charset="0"/>
-              <a:cs typeface="Menlo" panose="020B0609030804020204" pitchFamily="49" charset="0"/>
-            </a:endParaRPr>
+              <a:t>VT Terminal</a:t>
+            </a:r>
           </a:p>
         </p:txBody>
       </p:sp>
@@ -6688,7 +6637,7 @@
           <a:lstStyle/>
           <a:p>
             <a:pPr algn="ctr"/>
-            <a:endParaRPr lang="en-US" sz="1467" dirty="0">
+            <a:endParaRPr lang="en-US" sz="1467">
               <a:solidFill>
                 <a:schemeClr val="tx1"/>
               </a:solidFill>
@@ -6699,7 +6648,7 @@
           </a:p>
           <a:p>
             <a:pPr algn="ctr"/>
-            <a:endParaRPr lang="en-US" sz="1467" dirty="0">
+            <a:endParaRPr lang="en-US" sz="1467">
               <a:solidFill>
                 <a:schemeClr val="tx1"/>
               </a:solidFill>
@@ -6786,7 +6735,7 @@
           <a:p>
             <a:pPr algn="ctr"/>
             <a:r>
-              <a:rPr lang="en-US" sz="933" dirty="0">
+              <a:rPr lang="en-US" sz="933">
                 <a:solidFill>
                   <a:schemeClr val="tx1"/>
                 </a:solidFill>
@@ -6800,7 +6749,7 @@
           <a:p>
             <a:pPr algn="ctr"/>
             <a:r>
-              <a:rPr lang="en-US" sz="933" dirty="0">
+              <a:rPr lang="en-US" sz="933">
                 <a:solidFill>
                   <a:schemeClr val="tx1"/>
                 </a:solidFill>
@@ -6860,7 +6809,7 @@
           <a:p>
             <a:pPr algn="ctr"/>
             <a:r>
-              <a:rPr lang="en-US" sz="1000" dirty="0">
+              <a:rPr lang="en-US" sz="1000">
                 <a:solidFill>
                   <a:schemeClr val="tx1"/>
                 </a:solidFill>
@@ -7004,7 +6953,7 @@
           <a:p>
             <a:pPr algn="ctr"/>
             <a:r>
-              <a:rPr lang="en-US" sz="1000" dirty="0">
+              <a:rPr lang="en-US" sz="1000">
                 <a:solidFill>
                   <a:schemeClr val="tx1"/>
                 </a:solidFill>
@@ -7107,7 +7056,7 @@
           <a:p>
             <a:pPr algn="ctr"/>
             <a:r>
-              <a:rPr lang="en-US" sz="1000" dirty="0">
+              <a:rPr lang="en-US" sz="1000">
                 <a:solidFill>
                   <a:schemeClr val="tx1"/>
                 </a:solidFill>
@@ -7149,7 +7098,7 @@
           <a:lstStyle/>
           <a:p>
             <a:r>
-              <a:rPr lang="en-US" sz="1200" dirty="0"/>
+              <a:rPr lang="en-US" sz="1200"/>
               <a:t>Plugins</a:t>
             </a:r>
           </a:p>
@@ -7184,7 +7133,7 @@
           <a:lstStyle/>
           <a:p>
             <a:r>
-              <a:rPr lang="en-US" sz="1200" dirty="0"/>
+              <a:rPr lang="en-US" sz="1200"/>
               <a:t>CLI</a:t>
             </a:r>
           </a:p>
@@ -7205,6 +7154,208 @@
         <p:spPr>
           <a:xfrm>
             <a:off x="9789594" y="5238729"/>
+            <a:ext cx="729047" cy="476273"/>
+          </a:xfrm>
+          <a:prstGeom prst="rect">
+            <a:avLst/>
+          </a:prstGeom>
+          <a:solidFill>
+            <a:schemeClr val="bg1"/>
+          </a:solidFill>
+        </p:spPr>
+        <p:style>
+          <a:lnRef idx="2">
+            <a:schemeClr val="accent1">
+              <a:shade val="50000"/>
+            </a:schemeClr>
+          </a:lnRef>
+          <a:fillRef idx="1">
+            <a:schemeClr val="accent1"/>
+          </a:fillRef>
+          <a:effectRef idx="0">
+            <a:schemeClr val="accent1"/>
+          </a:effectRef>
+          <a:fontRef idx="minor">
+            <a:schemeClr val="lt1"/>
+          </a:fontRef>
+        </p:style>
+        <p:txBody>
+          <a:bodyPr rtlCol="0" anchor="ctr"/>
+          <a:lstStyle/>
+          <a:p>
+            <a:pPr algn="ctr"/>
+            <a:r>
+              <a:rPr lang="en-US" sz="933">
+                <a:solidFill>
+                  <a:schemeClr val="tx1"/>
+                </a:solidFill>
+                <a:latin typeface="Menlo" panose="020B0609030804020204" pitchFamily="49" charset="0"/>
+                <a:ea typeface="Menlo" panose="020B0609030804020204" pitchFamily="49" charset="0"/>
+                <a:cs typeface="Menlo" panose="020B0609030804020204" pitchFamily="49" charset="0"/>
+              </a:rPr>
+              <a:t>IMS Connect</a:t>
+            </a:r>
+          </a:p>
+        </p:txBody>
+      </p:sp>
+      <p:cxnSp>
+        <p:nvCxnSpPr>
+          <p:cNvPr id="96" name="Straight Arrow Connector 95">
+            <a:extLst>
+              <a:ext uri="{FF2B5EF4-FFF2-40B4-BE49-F238E27FC236}">
+                <a16:creationId xmlns:a16="http://schemas.microsoft.com/office/drawing/2014/main" id="{8461BFE1-0158-274C-AE10-9E9FC9AC283F}"/>
+              </a:ext>
+            </a:extLst>
+          </p:cNvPr>
+          <p:cNvCxnSpPr>
+            <a:cxnSpLocks/>
+          </p:cNvCxnSpPr>
+          <p:nvPr/>
+        </p:nvCxnSpPr>
+        <p:spPr>
+          <a:xfrm>
+            <a:off x="10254608" y="1346469"/>
+            <a:ext cx="0" cy="3869737"/>
+          </a:xfrm>
+          <a:prstGeom prst="straightConnector1">
+            <a:avLst/>
+          </a:prstGeom>
+          <a:ln>
+            <a:headEnd type="triangle"/>
+            <a:tailEnd type="triangle"/>
+          </a:ln>
+        </p:spPr>
+        <p:style>
+          <a:lnRef idx="1">
+            <a:schemeClr val="accent1"/>
+          </a:lnRef>
+          <a:fillRef idx="0">
+            <a:schemeClr val="accent1"/>
+          </a:fillRef>
+          <a:effectRef idx="0">
+            <a:schemeClr val="accent1"/>
+          </a:effectRef>
+          <a:fontRef idx="minor">
+            <a:schemeClr val="tx1"/>
+          </a:fontRef>
+        </p:style>
+      </p:cxnSp>
+      <p:sp>
+        <p:nvSpPr>
+          <p:cNvPr id="98" name="Rectangle 97">
+            <a:extLst>
+              <a:ext uri="{FF2B5EF4-FFF2-40B4-BE49-F238E27FC236}">
+                <a16:creationId xmlns:a16="http://schemas.microsoft.com/office/drawing/2014/main" id="{86332291-5142-D54E-A76D-38429542624A}"/>
+              </a:ext>
+            </a:extLst>
+          </p:cNvPr>
+          <p:cNvSpPr/>
+          <p:nvPr/>
+        </p:nvSpPr>
+        <p:spPr>
+          <a:xfrm>
+            <a:off x="5600905" y="5296318"/>
+            <a:ext cx="1196983" cy="476273"/>
+          </a:xfrm>
+          <a:prstGeom prst="rect">
+            <a:avLst/>
+          </a:prstGeom>
+          <a:solidFill>
+            <a:srgbClr val="00B0F0"/>
+          </a:solidFill>
+        </p:spPr>
+        <p:style>
+          <a:lnRef idx="2">
+            <a:schemeClr val="accent1">
+              <a:shade val="50000"/>
+            </a:schemeClr>
+          </a:lnRef>
+          <a:fillRef idx="1">
+            <a:schemeClr val="accent1"/>
+          </a:fillRef>
+          <a:effectRef idx="0">
+            <a:schemeClr val="accent1"/>
+          </a:effectRef>
+          <a:fontRef idx="minor">
+            <a:schemeClr val="lt1"/>
+          </a:fontRef>
+        </p:style>
+        <p:txBody>
+          <a:bodyPr rtlCol="0" anchor="ctr"/>
+          <a:lstStyle/>
+          <a:p>
+            <a:pPr algn="ctr"/>
+            <a:r>
+              <a:rPr lang="en-US" sz="933">
+                <a:solidFill>
+                  <a:schemeClr val="tx1"/>
+                </a:solidFill>
+                <a:latin typeface="Menlo" panose="020B0609030804020204" pitchFamily="49" charset="0"/>
+                <a:ea typeface="Menlo" panose="020B0609030804020204" pitchFamily="49" charset="0"/>
+                <a:cs typeface="Menlo" panose="020B0609030804020204" pitchFamily="49" charset="0"/>
+              </a:rPr>
+              <a:t>Existing REST API Server</a:t>
+            </a:r>
+          </a:p>
+        </p:txBody>
+      </p:sp>
+      <p:cxnSp>
+        <p:nvCxnSpPr>
+          <p:cNvPr id="99" name="Straight Arrow Connector 98">
+            <a:extLst>
+              <a:ext uri="{FF2B5EF4-FFF2-40B4-BE49-F238E27FC236}">
+                <a16:creationId xmlns:a16="http://schemas.microsoft.com/office/drawing/2014/main" id="{4B42528F-1505-AD4C-9BDE-78737EA3D84D}"/>
+              </a:ext>
+            </a:extLst>
+          </p:cNvPr>
+          <p:cNvCxnSpPr>
+            <a:cxnSpLocks/>
+          </p:cNvCxnSpPr>
+          <p:nvPr/>
+        </p:nvCxnSpPr>
+        <p:spPr>
+          <a:xfrm>
+            <a:off x="7746244" y="3291402"/>
+            <a:ext cx="0" cy="1994120"/>
+          </a:xfrm>
+          <a:prstGeom prst="straightConnector1">
+            <a:avLst/>
+          </a:prstGeom>
+          <a:ln>
+            <a:headEnd type="triangle"/>
+            <a:tailEnd type="triangle"/>
+          </a:ln>
+        </p:spPr>
+        <p:style>
+          <a:lnRef idx="1">
+            <a:schemeClr val="accent1"/>
+          </a:lnRef>
+          <a:fillRef idx="0">
+            <a:schemeClr val="accent1"/>
+          </a:fillRef>
+          <a:effectRef idx="0">
+            <a:schemeClr val="accent1"/>
+          </a:effectRef>
+          <a:fontRef idx="minor">
+            <a:schemeClr val="tx1"/>
+          </a:fontRef>
+        </p:style>
+      </p:cxnSp>
+      <p:sp>
+        <p:nvSpPr>
+          <p:cNvPr id="100" name="Rectangle 99">
+            <a:extLst>
+              <a:ext uri="{FF2B5EF4-FFF2-40B4-BE49-F238E27FC236}">
+                <a16:creationId xmlns:a16="http://schemas.microsoft.com/office/drawing/2014/main" id="{BE2E16C4-C228-214F-A8D2-AB42DA5A7F50}"/>
+              </a:ext>
+            </a:extLst>
+          </p:cNvPr>
+          <p:cNvSpPr/>
+          <p:nvPr/>
+        </p:nvSpPr>
+        <p:spPr>
+          <a:xfrm>
+            <a:off x="9788056" y="6006956"/>
             <a:ext cx="729047" cy="476273"/>
           </a:xfrm>
           <a:prstGeom prst="rect">
@@ -7244,17 +7395,17 @@
                 <a:ea typeface="Menlo" panose="020B0609030804020204" pitchFamily="49" charset="0"/>
                 <a:cs typeface="Menlo" panose="020B0609030804020204" pitchFamily="49" charset="0"/>
               </a:rPr>
-              <a:t>IMS Connect</a:t>
+              <a:t>IMS Plex</a:t>
             </a:r>
           </a:p>
         </p:txBody>
       </p:sp>
       <p:cxnSp>
         <p:nvCxnSpPr>
-          <p:cNvPr id="96" name="Straight Arrow Connector 95">
-            <a:extLst>
-              <a:ext uri="{FF2B5EF4-FFF2-40B4-BE49-F238E27FC236}">
-                <a16:creationId xmlns:a16="http://schemas.microsoft.com/office/drawing/2014/main" id="{8461BFE1-0158-274C-AE10-9E9FC9AC283F}"/>
+          <p:cNvPr id="101" name="Straight Arrow Connector 100">
+            <a:extLst>
+              <a:ext uri="{FF2B5EF4-FFF2-40B4-BE49-F238E27FC236}">
+                <a16:creationId xmlns:a16="http://schemas.microsoft.com/office/drawing/2014/main" id="{30262FA7-8966-D140-9D5F-195D7E4B7DC0}"/>
               </a:ext>
             </a:extLst>
           </p:cNvPr>
@@ -7265,8 +7416,8 @@
         </p:nvCxnSpPr>
         <p:spPr>
           <a:xfrm>
-            <a:off x="10254608" y="1346469"/>
-            <a:ext cx="0" cy="3869737"/>
+            <a:off x="10254608" y="5715002"/>
+            <a:ext cx="0" cy="291954"/>
           </a:xfrm>
           <a:prstGeom prst="straightConnector1">
             <a:avLst/>
@@ -7293,10 +7444,10 @@
       </p:cxnSp>
       <p:sp>
         <p:nvSpPr>
-          <p:cNvPr id="98" name="Rectangle 97">
-            <a:extLst>
-              <a:ext uri="{FF2B5EF4-FFF2-40B4-BE49-F238E27FC236}">
-                <a16:creationId xmlns:a16="http://schemas.microsoft.com/office/drawing/2014/main" id="{86332291-5142-D54E-A76D-38429542624A}"/>
+          <p:cNvPr id="102" name="Rectangle 101">
+            <a:extLst>
+              <a:ext uri="{FF2B5EF4-FFF2-40B4-BE49-F238E27FC236}">
+                <a16:creationId xmlns:a16="http://schemas.microsoft.com/office/drawing/2014/main" id="{69C93468-CA2A-FA45-8519-4E7D1360318E}"/>
               </a:ext>
             </a:extLst>
           </p:cNvPr>
@@ -7305,14 +7456,14 @@
         </p:nvSpPr>
         <p:spPr>
           <a:xfrm>
-            <a:off x="5600905" y="5296318"/>
-            <a:ext cx="1196983" cy="476273"/>
+            <a:off x="10693542" y="5238729"/>
+            <a:ext cx="729047" cy="476273"/>
           </a:xfrm>
           <a:prstGeom prst="rect">
             <a:avLst/>
           </a:prstGeom>
           <a:solidFill>
-            <a:srgbClr val="00B0F0"/>
+            <a:schemeClr val="bg1"/>
           </a:solidFill>
         </p:spPr>
         <p:style>
@@ -7337,228 +7488,7 @@
           <a:p>
             <a:pPr algn="ctr"/>
             <a:r>
-              <a:rPr lang="en-US" sz="933" dirty="0">
-                <a:solidFill>
-                  <a:schemeClr val="tx1"/>
-                </a:solidFill>
-                <a:latin typeface="Menlo" panose="020B0609030804020204" pitchFamily="49" charset="0"/>
-                <a:ea typeface="Menlo" panose="020B0609030804020204" pitchFamily="49" charset="0"/>
-                <a:cs typeface="Menlo" panose="020B0609030804020204" pitchFamily="49" charset="0"/>
-              </a:rPr>
-              <a:t>Existing REST API Server</a:t>
-            </a:r>
-          </a:p>
-        </p:txBody>
-      </p:sp>
-      <p:cxnSp>
-        <p:nvCxnSpPr>
-          <p:cNvPr id="99" name="Straight Arrow Connector 98">
-            <a:extLst>
-              <a:ext uri="{FF2B5EF4-FFF2-40B4-BE49-F238E27FC236}">
-                <a16:creationId xmlns:a16="http://schemas.microsoft.com/office/drawing/2014/main" id="{4B42528F-1505-AD4C-9BDE-78737EA3D84D}"/>
-              </a:ext>
-            </a:extLst>
-          </p:cNvPr>
-          <p:cNvCxnSpPr>
-            <a:cxnSpLocks/>
-          </p:cNvCxnSpPr>
-          <p:nvPr/>
-        </p:nvCxnSpPr>
-        <p:spPr>
-          <a:xfrm>
-            <a:off x="7746244" y="3291402"/>
-            <a:ext cx="0" cy="1994120"/>
-          </a:xfrm>
-          <a:prstGeom prst="straightConnector1">
-            <a:avLst/>
-          </a:prstGeom>
-          <a:ln>
-            <a:headEnd type="triangle"/>
-            <a:tailEnd type="triangle"/>
-          </a:ln>
-        </p:spPr>
-        <p:style>
-          <a:lnRef idx="1">
-            <a:schemeClr val="accent1"/>
-          </a:lnRef>
-          <a:fillRef idx="0">
-            <a:schemeClr val="accent1"/>
-          </a:fillRef>
-          <a:effectRef idx="0">
-            <a:schemeClr val="accent1"/>
-          </a:effectRef>
-          <a:fontRef idx="minor">
-            <a:schemeClr val="tx1"/>
-          </a:fontRef>
-        </p:style>
-      </p:cxnSp>
-      <p:sp>
-        <p:nvSpPr>
-          <p:cNvPr id="100" name="Rectangle 99">
-            <a:extLst>
-              <a:ext uri="{FF2B5EF4-FFF2-40B4-BE49-F238E27FC236}">
-                <a16:creationId xmlns:a16="http://schemas.microsoft.com/office/drawing/2014/main" id="{BE2E16C4-C228-214F-A8D2-AB42DA5A7F50}"/>
-              </a:ext>
-            </a:extLst>
-          </p:cNvPr>
-          <p:cNvSpPr/>
-          <p:nvPr/>
-        </p:nvSpPr>
-        <p:spPr>
-          <a:xfrm>
-            <a:off x="9788056" y="6006956"/>
-            <a:ext cx="729047" cy="476273"/>
-          </a:xfrm>
-          <a:prstGeom prst="rect">
-            <a:avLst/>
-          </a:prstGeom>
-          <a:solidFill>
-            <a:schemeClr val="bg1"/>
-          </a:solidFill>
-        </p:spPr>
-        <p:style>
-          <a:lnRef idx="2">
-            <a:schemeClr val="accent1">
-              <a:shade val="50000"/>
-            </a:schemeClr>
-          </a:lnRef>
-          <a:fillRef idx="1">
-            <a:schemeClr val="accent1"/>
-          </a:fillRef>
-          <a:effectRef idx="0">
-            <a:schemeClr val="accent1"/>
-          </a:effectRef>
-          <a:fontRef idx="minor">
-            <a:schemeClr val="lt1"/>
-          </a:fontRef>
-        </p:style>
-        <p:txBody>
-          <a:bodyPr rtlCol="0" anchor="ctr"/>
-          <a:lstStyle/>
-          <a:p>
-            <a:pPr algn="ctr"/>
-            <a:r>
-              <a:rPr lang="en-US" sz="933" dirty="0">
-                <a:solidFill>
-                  <a:schemeClr val="tx1"/>
-                </a:solidFill>
-                <a:latin typeface="Menlo" panose="020B0609030804020204" pitchFamily="49" charset="0"/>
-                <a:ea typeface="Menlo" panose="020B0609030804020204" pitchFamily="49" charset="0"/>
-                <a:cs typeface="Menlo" panose="020B0609030804020204" pitchFamily="49" charset="0"/>
-              </a:rPr>
-              <a:t>IMS </a:t>
-            </a:r>
-            <a:r>
-              <a:rPr lang="en-US" sz="933" dirty="0" err="1">
-                <a:solidFill>
-                  <a:schemeClr val="tx1"/>
-                </a:solidFill>
-                <a:latin typeface="Menlo" panose="020B0609030804020204" pitchFamily="49" charset="0"/>
-                <a:ea typeface="Menlo" panose="020B0609030804020204" pitchFamily="49" charset="0"/>
-                <a:cs typeface="Menlo" panose="020B0609030804020204" pitchFamily="49" charset="0"/>
-              </a:rPr>
-              <a:t>Plex</a:t>
-            </a:r>
-            <a:endParaRPr lang="en-US" sz="933" dirty="0">
-              <a:solidFill>
-                <a:schemeClr val="tx1"/>
-              </a:solidFill>
-              <a:latin typeface="Menlo" panose="020B0609030804020204" pitchFamily="49" charset="0"/>
-              <a:ea typeface="Menlo" panose="020B0609030804020204" pitchFamily="49" charset="0"/>
-              <a:cs typeface="Menlo" panose="020B0609030804020204" pitchFamily="49" charset="0"/>
-            </a:endParaRPr>
-          </a:p>
-        </p:txBody>
-      </p:sp>
-      <p:cxnSp>
-        <p:nvCxnSpPr>
-          <p:cNvPr id="101" name="Straight Arrow Connector 100">
-            <a:extLst>
-              <a:ext uri="{FF2B5EF4-FFF2-40B4-BE49-F238E27FC236}">
-                <a16:creationId xmlns:a16="http://schemas.microsoft.com/office/drawing/2014/main" id="{30262FA7-8966-D140-9D5F-195D7E4B7DC0}"/>
-              </a:ext>
-            </a:extLst>
-          </p:cNvPr>
-          <p:cNvCxnSpPr>
-            <a:cxnSpLocks/>
-          </p:cNvCxnSpPr>
-          <p:nvPr/>
-        </p:nvCxnSpPr>
-        <p:spPr>
-          <a:xfrm>
-            <a:off x="10254608" y="5715002"/>
-            <a:ext cx="0" cy="291954"/>
-          </a:xfrm>
-          <a:prstGeom prst="straightConnector1">
-            <a:avLst/>
-          </a:prstGeom>
-          <a:ln>
-            <a:headEnd type="triangle"/>
-            <a:tailEnd type="triangle"/>
-          </a:ln>
-        </p:spPr>
-        <p:style>
-          <a:lnRef idx="1">
-            <a:schemeClr val="accent1"/>
-          </a:lnRef>
-          <a:fillRef idx="0">
-            <a:schemeClr val="accent1"/>
-          </a:fillRef>
-          <a:effectRef idx="0">
-            <a:schemeClr val="accent1"/>
-          </a:effectRef>
-          <a:fontRef idx="minor">
-            <a:schemeClr val="tx1"/>
-          </a:fontRef>
-        </p:style>
-      </p:cxnSp>
-      <p:sp>
-        <p:nvSpPr>
-          <p:cNvPr id="102" name="Rectangle 101">
-            <a:extLst>
-              <a:ext uri="{FF2B5EF4-FFF2-40B4-BE49-F238E27FC236}">
-                <a16:creationId xmlns:a16="http://schemas.microsoft.com/office/drawing/2014/main" id="{69C93468-CA2A-FA45-8519-4E7D1360318E}"/>
-              </a:ext>
-            </a:extLst>
-          </p:cNvPr>
-          <p:cNvSpPr/>
-          <p:nvPr/>
-        </p:nvSpPr>
-        <p:spPr>
-          <a:xfrm>
-            <a:off x="10693542" y="5238729"/>
-            <a:ext cx="729047" cy="476273"/>
-          </a:xfrm>
-          <a:prstGeom prst="rect">
-            <a:avLst/>
-          </a:prstGeom>
-          <a:solidFill>
-            <a:schemeClr val="bg1"/>
-          </a:solidFill>
-        </p:spPr>
-        <p:style>
-          <a:lnRef idx="2">
-            <a:schemeClr val="accent1">
-              <a:shade val="50000"/>
-            </a:schemeClr>
-          </a:lnRef>
-          <a:fillRef idx="1">
-            <a:schemeClr val="accent1"/>
-          </a:fillRef>
-          <a:effectRef idx="0">
-            <a:schemeClr val="accent1"/>
-          </a:effectRef>
-          <a:fontRef idx="minor">
-            <a:schemeClr val="lt1"/>
-          </a:fontRef>
-        </p:style>
-        <p:txBody>
-          <a:bodyPr rtlCol="0" anchor="ctr"/>
-          <a:lstStyle/>
-          <a:p>
-            <a:pPr algn="ctr"/>
-            <a:r>
-              <a:rPr lang="en-US" sz="933" dirty="0">
+              <a:rPr lang="en-US" sz="933">
                 <a:solidFill>
                   <a:schemeClr val="tx1"/>
                 </a:solidFill>
@@ -7615,77 +7545,6 @@
       </p:cxnSp>
       <p:sp>
         <p:nvSpPr>
-          <p:cNvPr id="94" name="Rectangle 93">
-            <a:extLst>
-              <a:ext uri="{FF2B5EF4-FFF2-40B4-BE49-F238E27FC236}">
-                <a16:creationId xmlns:a16="http://schemas.microsoft.com/office/drawing/2014/main" id="{2E6E6968-C58B-AC42-AC3C-471BE14361C4}"/>
-              </a:ext>
-            </a:extLst>
-          </p:cNvPr>
-          <p:cNvSpPr/>
-          <p:nvPr/>
-        </p:nvSpPr>
-        <p:spPr>
-          <a:xfrm>
-            <a:off x="6878388" y="1463160"/>
-            <a:ext cx="5097850" cy="184138"/>
-          </a:xfrm>
-          <a:prstGeom prst="rect">
-            <a:avLst/>
-          </a:prstGeom>
-          <a:solidFill>
-            <a:schemeClr val="accent1">
-              <a:lumMod val="20000"/>
-              <a:lumOff val="80000"/>
-            </a:schemeClr>
-          </a:solidFill>
-        </p:spPr>
-        <p:style>
-          <a:lnRef idx="1">
-            <a:schemeClr val="accent1"/>
-          </a:lnRef>
-          <a:fillRef idx="3">
-            <a:schemeClr val="accent1"/>
-          </a:fillRef>
-          <a:effectRef idx="2">
-            <a:schemeClr val="accent1"/>
-          </a:effectRef>
-          <a:fontRef idx="minor">
-            <a:schemeClr val="lt1"/>
-          </a:fontRef>
-        </p:style>
-        <p:txBody>
-          <a:bodyPr rtlCol="0" anchor="ctr"/>
-          <a:lstStyle/>
-          <a:p>
-            <a:pPr algn="ctr"/>
-            <a:r>
-              <a:rPr lang="en-US" sz="800" dirty="0" err="1">
-                <a:solidFill>
-                  <a:schemeClr val="tx1"/>
-                </a:solidFill>
-                <a:latin typeface="Menlo" charset="0"/>
-                <a:ea typeface="Menlo" charset="0"/>
-                <a:cs typeface="Menlo" charset="0"/>
-              </a:rPr>
-              <a:t>Zowe</a:t>
-            </a:r>
-            <a:r>
-              <a:rPr lang="en-US" sz="800" dirty="0">
-                <a:solidFill>
-                  <a:schemeClr val="tx1"/>
-                </a:solidFill>
-                <a:latin typeface="Menlo" charset="0"/>
-                <a:ea typeface="Menlo" charset="0"/>
-                <a:cs typeface="Menlo" charset="0"/>
-              </a:rPr>
-              <a:t> CLI running in desktop shell</a:t>
-            </a:r>
-          </a:p>
-        </p:txBody>
-      </p:sp>
-      <p:sp>
-        <p:nvSpPr>
           <p:cNvPr id="105" name="TextBox 104">
             <a:extLst>
               <a:ext uri="{FF2B5EF4-FFF2-40B4-BE49-F238E27FC236}">
@@ -7713,18 +7572,13 @@
           <a:lstStyle/>
           <a:p>
             <a:r>
-              <a:rPr lang="en-US" sz="1100" dirty="0" err="1">
+              <a:rPr lang="en-US" sz="1100" dirty="0">
                 <a:latin typeface="Menlo" panose="020B0609030804020204" pitchFamily="49" charset="0"/>
                 <a:ea typeface="Menlo" panose="020B0609030804020204" pitchFamily="49" charset="0"/>
                 <a:cs typeface="Menlo" panose="020B0609030804020204" pitchFamily="49" charset="0"/>
               </a:rPr>
               <a:t>nnnn</a:t>
             </a:r>
-            <a:endParaRPr lang="en-US" sz="1100" dirty="0">
-              <a:latin typeface="Menlo" panose="020B0609030804020204" pitchFamily="49" charset="0"/>
-              <a:ea typeface="Menlo" panose="020B0609030804020204" pitchFamily="49" charset="0"/>
-              <a:cs typeface="Menlo" panose="020B0609030804020204" pitchFamily="49" charset="0"/>
-            </a:endParaRPr>
           </a:p>
         </p:txBody>
       </p:sp>
@@ -7774,7 +7628,7 @@
           <a:p>
             <a:pPr algn="ctr"/>
             <a:r>
-              <a:rPr lang="en-US" sz="600" dirty="0">
+              <a:rPr lang="en-US" sz="600">
                 <a:solidFill>
                   <a:schemeClr val="tx1"/>
                 </a:solidFill>
@@ -7785,7 +7639,7 @@
               <a:t>Existing</a:t>
             </a:r>
             <a:r>
-              <a:rPr lang="en-US" sz="933" dirty="0">
+              <a:rPr lang="en-US" sz="933">
                 <a:solidFill>
                   <a:schemeClr val="tx1"/>
                 </a:solidFill>
@@ -7927,7 +7781,7 @@
           <a:p>
             <a:pPr algn="ctr"/>
             <a:r>
-              <a:rPr lang="en-US" sz="1000" dirty="0">
+              <a:rPr lang="en-US" sz="1000">
                 <a:solidFill>
                   <a:schemeClr val="tx1"/>
                 </a:solidFill>
@@ -7941,7 +7795,7 @@
           <a:p>
             <a:pPr algn="ctr"/>
             <a:r>
-              <a:rPr lang="en-US" sz="600" dirty="0">
+              <a:rPr lang="en-US" sz="600">
                 <a:solidFill>
                   <a:schemeClr val="tx1"/>
                 </a:solidFill>
@@ -8043,13 +7897,13 @@
           <a:lstStyle/>
           <a:p>
             <a:r>
-              <a:rPr lang="en-US" sz="1200" dirty="0"/>
+              <a:rPr lang="en-US" sz="1200"/>
               <a:t>Visual </a:t>
             </a:r>
           </a:p>
           <a:p>
             <a:r>
-              <a:rPr lang="en-US" sz="1200" dirty="0"/>
+              <a:rPr lang="en-US" sz="1200"/>
               <a:t>Studio</a:t>
             </a:r>
           </a:p>
@@ -8126,7 +7980,7 @@
           <a:lstStyle/>
           <a:p>
             <a:r>
-              <a:rPr lang="en-US" dirty="0">
+              <a:rPr lang="en-US">
                 <a:solidFill>
                   <a:schemeClr val="accent6">
                     <a:lumMod val="60000"/>
@@ -8168,11 +8022,11 @@
           <a:lstStyle/>
           <a:p>
             <a:r>
-              <a:rPr lang="en-US" dirty="0">
+              <a:rPr lang="en-US">
                 <a:solidFill>
                   <a:schemeClr val="accent4">
-                    <a:lumMod val="40000"/>
-                    <a:lumOff val="60000"/>
+                    <a:lumMod val="60000"/>
+                    <a:lumOff val="40000"/>
                   </a:schemeClr>
                 </a:solidFill>
               </a:rPr>
@@ -8210,7 +8064,7 @@
           <a:lstStyle/>
           <a:p>
             <a:r>
-              <a:rPr lang="en-US" dirty="0">
+              <a:rPr lang="en-US">
                 <a:solidFill>
                   <a:srgbClr val="7030A0"/>
                 </a:solidFill>
@@ -8262,6 +8116,66 @@
           </a:fontRef>
         </p:style>
       </p:cxnSp>
+      <p:sp>
+        <p:nvSpPr>
+          <p:cNvPr id="94" name="Rectangle 93">
+            <a:extLst>
+              <a:ext uri="{FF2B5EF4-FFF2-40B4-BE49-F238E27FC236}">
+                <a16:creationId xmlns:a16="http://schemas.microsoft.com/office/drawing/2014/main" id="{2E6E6968-C58B-AC42-AC3C-471BE14361C4}"/>
+              </a:ext>
+            </a:extLst>
+          </p:cNvPr>
+          <p:cNvSpPr/>
+          <p:nvPr/>
+        </p:nvSpPr>
+        <p:spPr>
+          <a:xfrm>
+            <a:off x="6878388" y="1463160"/>
+            <a:ext cx="5097850" cy="184138"/>
+          </a:xfrm>
+          <a:prstGeom prst="rect">
+            <a:avLst/>
+          </a:prstGeom>
+          <a:solidFill>
+            <a:schemeClr val="accent1">
+              <a:lumMod val="20000"/>
+              <a:lumOff val="80000"/>
+            </a:schemeClr>
+          </a:solidFill>
+        </p:spPr>
+        <p:style>
+          <a:lnRef idx="1">
+            <a:schemeClr val="accent1"/>
+          </a:lnRef>
+          <a:fillRef idx="3">
+            <a:schemeClr val="accent1"/>
+          </a:fillRef>
+          <a:effectRef idx="2">
+            <a:schemeClr val="accent1"/>
+          </a:effectRef>
+          <a:fontRef idx="minor">
+            <a:schemeClr val="lt1"/>
+          </a:fontRef>
+        </p:style>
+        <p:txBody>
+          <a:bodyPr rtlCol="0" anchor="ctr"/>
+          <a:lstStyle/>
+          <a:p>
+            <a:pPr algn="ctr"/>
+            <a:r>
+              <a:rPr lang="en-US" sz="800" dirty="0">
+                <a:solidFill>
+                  <a:schemeClr val="tx1"/>
+                </a:solidFill>
+                <a:latin typeface="Menlo" charset="0"/>
+                <a:ea typeface="Menlo" charset="0"/>
+                <a:cs typeface="Menlo" charset="0"/>
+              </a:rPr>
+              <a:t>Zowe CLI running in desktop shell</a:t>
+            </a:r>
+          </a:p>
+        </p:txBody>
+      </p:sp>
     </p:spTree>
     <p:extLst>
       <p:ext uri="{BB962C8B-B14F-4D97-AF65-F5344CB8AC3E}">

--- a/docs/images/common/zowe-architecture.pptx
+++ b/docs/images/common/zowe-architecture.pptx
@@ -6,6 +6,8 @@
   </p:sldMasterIdLst>
   <p:sldIdLst>
     <p:sldId id="267" r:id="rId2"/>
+    <p:sldId id="258" r:id="rId3"/>
+    <p:sldId id="268" r:id="rId4"/>
   </p:sldIdLst>
   <p:sldSz cx="12192000" cy="6858000"/>
   <p:notesSz cx="6858000" cy="9144000"/>
@@ -259,7 +261,7 @@
           <a:p>
             <a:fld id="{B1DB1BE8-3F77-D044-8747-9903AC5CD864}" type="datetimeFigureOut">
               <a:rPr lang="en-US" smtClean="0"/>
-              <a:t>7/25/19</a:t>
+              <a:t>1/23/20</a:t>
             </a:fld>
             <a:endParaRPr lang="en-US"/>
           </a:p>
@@ -457,7 +459,7 @@
           <a:p>
             <a:fld id="{B1DB1BE8-3F77-D044-8747-9903AC5CD864}" type="datetimeFigureOut">
               <a:rPr lang="en-US" smtClean="0"/>
-              <a:t>7/25/19</a:t>
+              <a:t>1/23/20</a:t>
             </a:fld>
             <a:endParaRPr lang="en-US"/>
           </a:p>
@@ -665,7 +667,7 @@
           <a:p>
             <a:fld id="{B1DB1BE8-3F77-D044-8747-9903AC5CD864}" type="datetimeFigureOut">
               <a:rPr lang="en-US" smtClean="0"/>
-              <a:t>7/25/19</a:t>
+              <a:t>1/23/20</a:t>
             </a:fld>
             <a:endParaRPr lang="en-US"/>
           </a:p>
@@ -863,7 +865,7 @@
           <a:p>
             <a:fld id="{B1DB1BE8-3F77-D044-8747-9903AC5CD864}" type="datetimeFigureOut">
               <a:rPr lang="en-US" smtClean="0"/>
-              <a:t>7/25/19</a:t>
+              <a:t>1/23/20</a:t>
             </a:fld>
             <a:endParaRPr lang="en-US"/>
           </a:p>
@@ -1138,7 +1140,7 @@
           <a:p>
             <a:fld id="{B1DB1BE8-3F77-D044-8747-9903AC5CD864}" type="datetimeFigureOut">
               <a:rPr lang="en-US" smtClean="0"/>
-              <a:t>7/25/19</a:t>
+              <a:t>1/23/20</a:t>
             </a:fld>
             <a:endParaRPr lang="en-US"/>
           </a:p>
@@ -1403,7 +1405,7 @@
           <a:p>
             <a:fld id="{B1DB1BE8-3F77-D044-8747-9903AC5CD864}" type="datetimeFigureOut">
               <a:rPr lang="en-US" smtClean="0"/>
-              <a:t>7/25/19</a:t>
+              <a:t>1/23/20</a:t>
             </a:fld>
             <a:endParaRPr lang="en-US"/>
           </a:p>
@@ -1815,7 +1817,7 @@
           <a:p>
             <a:fld id="{B1DB1BE8-3F77-D044-8747-9903AC5CD864}" type="datetimeFigureOut">
               <a:rPr lang="en-US" smtClean="0"/>
-              <a:t>7/25/19</a:t>
+              <a:t>1/23/20</a:t>
             </a:fld>
             <a:endParaRPr lang="en-US"/>
           </a:p>
@@ -1956,7 +1958,7 @@
           <a:p>
             <a:fld id="{B1DB1BE8-3F77-D044-8747-9903AC5CD864}" type="datetimeFigureOut">
               <a:rPr lang="en-US" smtClean="0"/>
-              <a:t>7/25/19</a:t>
+              <a:t>1/23/20</a:t>
             </a:fld>
             <a:endParaRPr lang="en-US"/>
           </a:p>
@@ -2069,7 +2071,7 @@
           <a:p>
             <a:fld id="{B1DB1BE8-3F77-D044-8747-9903AC5CD864}" type="datetimeFigureOut">
               <a:rPr lang="en-US" smtClean="0"/>
-              <a:t>7/25/19</a:t>
+              <a:t>1/23/20</a:t>
             </a:fld>
             <a:endParaRPr lang="en-US"/>
           </a:p>
@@ -2380,7 +2382,7 @@
           <a:p>
             <a:fld id="{B1DB1BE8-3F77-D044-8747-9903AC5CD864}" type="datetimeFigureOut">
               <a:rPr lang="en-US" smtClean="0"/>
-              <a:t>7/25/19</a:t>
+              <a:t>1/23/20</a:t>
             </a:fld>
             <a:endParaRPr lang="en-US"/>
           </a:p>
@@ -2668,7 +2670,7 @@
           <a:p>
             <a:fld id="{B1DB1BE8-3F77-D044-8747-9903AC5CD864}" type="datetimeFigureOut">
               <a:rPr lang="en-US" smtClean="0"/>
-              <a:t>7/25/19</a:t>
+              <a:t>1/23/20</a:t>
             </a:fld>
             <a:endParaRPr lang="en-US"/>
           </a:p>
@@ -2909,7 +2911,7 @@
           <a:p>
             <a:fld id="{B1DB1BE8-3F77-D044-8747-9903AC5CD864}" type="datetimeFigureOut">
               <a:rPr lang="en-US" smtClean="0"/>
-              <a:t>7/25/19</a:t>
+              <a:t>1/23/20</a:t>
             </a:fld>
             <a:endParaRPr lang="en-US"/>
           </a:p>
@@ -8201,6 +8203,1013 @@
 </p:sld>
 </file>
 
+<file path=ppt/slides/slide2.xml><?xml version="1.0" encoding="utf-8"?>
+<p:sld xmlns:a="http://schemas.openxmlformats.org/drawingml/2006/main" xmlns:r="http://schemas.openxmlformats.org/officeDocument/2006/relationships" xmlns:p="http://schemas.openxmlformats.org/presentationml/2006/main">
+  <p:cSld>
+    <p:spTree>
+      <p:nvGrpSpPr>
+        <p:cNvPr id="1" name=""/>
+        <p:cNvGrpSpPr/>
+        <p:nvPr/>
+      </p:nvGrpSpPr>
+      <p:grpSpPr>
+        <a:xfrm>
+          <a:off x="0" y="0"/>
+          <a:ext cx="0" cy="0"/>
+          <a:chOff x="0" y="0"/>
+          <a:chExt cx="0" cy="0"/>
+        </a:xfrm>
+      </p:grpSpPr>
+      <p:sp>
+        <p:nvSpPr>
+          <p:cNvPr id="5" name="TextBox 4">
+            <a:extLst>
+              <a:ext uri="{FF2B5EF4-FFF2-40B4-BE49-F238E27FC236}">
+                <a16:creationId xmlns:a16="http://schemas.microsoft.com/office/drawing/2014/main" id="{45E9CBEE-ECFC-F441-9318-EB6A967679E3}"/>
+              </a:ext>
+            </a:extLst>
+          </p:cNvPr>
+          <p:cNvSpPr txBox="1"/>
+          <p:nvPr/>
+        </p:nvSpPr>
+        <p:spPr>
+          <a:xfrm>
+            <a:off x="1526961" y="1077945"/>
+            <a:ext cx="2495042" cy="1815882"/>
+          </a:xfrm>
+          <a:prstGeom prst="rect">
+            <a:avLst/>
+          </a:prstGeom>
+          <a:solidFill>
+            <a:schemeClr val="accent6">
+              <a:lumMod val="20000"/>
+              <a:lumOff val="80000"/>
+            </a:schemeClr>
+          </a:solidFill>
+        </p:spPr>
+        <p:txBody>
+          <a:bodyPr wrap="none" rtlCol="0">
+            <a:spAutoFit/>
+          </a:bodyPr>
+          <a:lstStyle/>
+          <a:p>
+            <a:r>
+              <a:rPr lang="en-US" sz="1400" dirty="0"/>
+              <a:t>&lt;ROOT_DIR&gt;</a:t>
+            </a:r>
+          </a:p>
+          <a:p>
+            <a:r>
+              <a:rPr lang="en-US" sz="1400" dirty="0"/>
+              <a:t>   /bin</a:t>
+            </a:r>
+          </a:p>
+          <a:p>
+            <a:r>
+              <a:rPr lang="en-US" sz="1400" b="1" dirty="0"/>
+              <a:t>     /</a:t>
+            </a:r>
+            <a:r>
+              <a:rPr lang="en-US" sz="1400" b="1" dirty="0" err="1"/>
+              <a:t>zowe</a:t>
+            </a:r>
+            <a:r>
+              <a:rPr lang="en-US" sz="1400" b="1" dirty="0"/>
+              <a:t>-configure-</a:t>
+            </a:r>
+            <a:r>
+              <a:rPr lang="en-US" sz="1400" b="1" dirty="0" err="1"/>
+              <a:t>instance.sh</a:t>
+            </a:r>
+            <a:endParaRPr lang="en-US" sz="1400" b="1" dirty="0"/>
+          </a:p>
+          <a:p>
+            <a:r>
+              <a:rPr lang="en-US" sz="1400" b="1" dirty="0"/>
+              <a:t>     /</a:t>
+            </a:r>
+            <a:r>
+              <a:rPr lang="en-US" sz="1400" b="1" dirty="0" err="1"/>
+              <a:t>zowe</a:t>
+            </a:r>
+            <a:r>
+              <a:rPr lang="en-US" sz="1400" b="1" dirty="0"/>
+              <a:t>-setup-</a:t>
+            </a:r>
+            <a:r>
+              <a:rPr lang="en-US" sz="1400" b="1" dirty="0" err="1"/>
+              <a:t>certificate.sh</a:t>
+            </a:r>
+            <a:endParaRPr lang="en-US" sz="1400" b="1" dirty="0"/>
+          </a:p>
+          <a:p>
+            <a:r>
+              <a:rPr lang="en-US" sz="1400" b="1" dirty="0"/>
+              <a:t>     /</a:t>
+            </a:r>
+            <a:r>
+              <a:rPr lang="en-US" sz="1400" b="1" dirty="0" err="1"/>
+              <a:t>zowe</a:t>
+            </a:r>
+            <a:r>
+              <a:rPr lang="en-US" sz="1400" b="1" dirty="0"/>
+              <a:t>-setup-</a:t>
+            </a:r>
+            <a:r>
+              <a:rPr lang="en-US" sz="1400" b="1" dirty="0" err="1"/>
+              <a:t>certificate.env</a:t>
+            </a:r>
+            <a:endParaRPr lang="en-US" sz="1400" b="1" dirty="0"/>
+          </a:p>
+          <a:p>
+            <a:r>
+              <a:rPr lang="en-US" sz="1400" dirty="0"/>
+              <a:t>   /components</a:t>
+            </a:r>
+          </a:p>
+          <a:p>
+            <a:r>
+              <a:rPr lang="en-US" sz="1400" dirty="0"/>
+              <a:t>   /scripts</a:t>
+            </a:r>
+          </a:p>
+          <a:p>
+            <a:r>
+              <a:rPr lang="en-US" sz="1400" dirty="0"/>
+              <a:t>   … </a:t>
+            </a:r>
+          </a:p>
+        </p:txBody>
+      </p:sp>
+      <p:sp>
+        <p:nvSpPr>
+          <p:cNvPr id="6" name="TextBox 5">
+            <a:extLst>
+              <a:ext uri="{FF2B5EF4-FFF2-40B4-BE49-F238E27FC236}">
+                <a16:creationId xmlns:a16="http://schemas.microsoft.com/office/drawing/2014/main" id="{3F80104B-67D1-4A4A-83D4-36D55E0FEFC8}"/>
+              </a:ext>
+            </a:extLst>
+          </p:cNvPr>
+          <p:cNvSpPr txBox="1"/>
+          <p:nvPr/>
+        </p:nvSpPr>
+        <p:spPr>
+          <a:xfrm>
+            <a:off x="5638804" y="1152441"/>
+            <a:ext cx="1565878" cy="1754326"/>
+          </a:xfrm>
+          <a:prstGeom prst="rect">
+            <a:avLst/>
+          </a:prstGeom>
+          <a:solidFill>
+            <a:schemeClr val="accent6">
+              <a:lumMod val="20000"/>
+              <a:lumOff val="80000"/>
+            </a:schemeClr>
+          </a:solidFill>
+        </p:spPr>
+        <p:txBody>
+          <a:bodyPr wrap="none" rtlCol="0">
+            <a:spAutoFit/>
+          </a:bodyPr>
+          <a:lstStyle/>
+          <a:p>
+            <a:r>
+              <a:rPr lang="en-US" sz="1200" dirty="0"/>
+              <a:t>&lt;zowe-instance-dir-1&gt;</a:t>
+            </a:r>
+          </a:p>
+          <a:p>
+            <a:r>
+              <a:rPr lang="en-US" sz="1200" dirty="0"/>
+              <a:t>   /bin</a:t>
+            </a:r>
+          </a:p>
+          <a:p>
+            <a:r>
+              <a:rPr lang="en-US" sz="1200" dirty="0"/>
+              <a:t>      </a:t>
+            </a:r>
+            <a:r>
+              <a:rPr lang="en-US" sz="1200" b="1" dirty="0" err="1"/>
+              <a:t>zowe-start.sh</a:t>
+            </a:r>
+            <a:endParaRPr lang="en-US" sz="1200" b="1" dirty="0"/>
+          </a:p>
+          <a:p>
+            <a:r>
+              <a:rPr lang="en-US" sz="1200" dirty="0"/>
+              <a:t>      </a:t>
+            </a:r>
+            <a:r>
+              <a:rPr lang="en-US" sz="1200" dirty="0" err="1"/>
+              <a:t>zowe-stop.sh</a:t>
+            </a:r>
+            <a:endParaRPr lang="en-US" sz="1200" dirty="0"/>
+          </a:p>
+          <a:p>
+            <a:r>
+              <a:rPr lang="en-US" sz="1200" dirty="0"/>
+              <a:t>   </a:t>
+            </a:r>
+            <a:r>
+              <a:rPr lang="en-US" sz="1200" b="1" dirty="0" err="1"/>
+              <a:t>instance.env</a:t>
+            </a:r>
+            <a:endParaRPr lang="en-US" sz="1200" b="1" dirty="0"/>
+          </a:p>
+          <a:p>
+            <a:r>
+              <a:rPr lang="en-US" sz="1200" dirty="0"/>
+              <a:t>  /logs</a:t>
+            </a:r>
+          </a:p>
+          <a:p>
+            <a:r>
+              <a:rPr lang="en-US" sz="1200" dirty="0"/>
+              <a:t>  /workspace</a:t>
+            </a:r>
+          </a:p>
+          <a:p>
+            <a:r>
+              <a:rPr lang="en-US" sz="1200" dirty="0"/>
+              <a:t>     /app-server</a:t>
+            </a:r>
+          </a:p>
+          <a:p>
+            <a:r>
+              <a:rPr lang="en-US" sz="1200" dirty="0"/>
+              <a:t>        /plugins</a:t>
+            </a:r>
+          </a:p>
+        </p:txBody>
+      </p:sp>
+      <p:sp>
+        <p:nvSpPr>
+          <p:cNvPr id="7" name="TextBox 6">
+            <a:extLst>
+              <a:ext uri="{FF2B5EF4-FFF2-40B4-BE49-F238E27FC236}">
+                <a16:creationId xmlns:a16="http://schemas.microsoft.com/office/drawing/2014/main" id="{1954A4D7-5554-EA41-A1B9-776DE3020AE6}"/>
+              </a:ext>
+            </a:extLst>
+          </p:cNvPr>
+          <p:cNvSpPr txBox="1"/>
+          <p:nvPr/>
+        </p:nvSpPr>
+        <p:spPr>
+          <a:xfrm>
+            <a:off x="6438791" y="3663122"/>
+            <a:ext cx="1565878" cy="1200329"/>
+          </a:xfrm>
+          <a:prstGeom prst="rect">
+            <a:avLst/>
+          </a:prstGeom>
+          <a:solidFill>
+            <a:schemeClr val="accent6">
+              <a:lumMod val="20000"/>
+              <a:lumOff val="80000"/>
+            </a:schemeClr>
+          </a:solidFill>
+        </p:spPr>
+        <p:txBody>
+          <a:bodyPr wrap="none" rtlCol="0">
+            <a:spAutoFit/>
+          </a:bodyPr>
+          <a:lstStyle/>
+          <a:p>
+            <a:r>
+              <a:rPr lang="en-US" sz="1200" dirty="0"/>
+              <a:t>&lt;zowe-instance-dir-2&gt;</a:t>
+            </a:r>
+          </a:p>
+          <a:p>
+            <a:r>
+              <a:rPr lang="en-US" sz="1200" dirty="0"/>
+              <a:t>   /bin</a:t>
+            </a:r>
+          </a:p>
+          <a:p>
+            <a:r>
+              <a:rPr lang="en-US" sz="1200" dirty="0"/>
+              <a:t>      </a:t>
+            </a:r>
+            <a:r>
+              <a:rPr lang="en-US" sz="1200" b="1" dirty="0" err="1"/>
+              <a:t>zowe-start.sh</a:t>
+            </a:r>
+            <a:endParaRPr lang="en-US" sz="1200" b="1" dirty="0"/>
+          </a:p>
+          <a:p>
+            <a:r>
+              <a:rPr lang="en-US" sz="1200" dirty="0"/>
+              <a:t>      </a:t>
+            </a:r>
+            <a:r>
+              <a:rPr lang="en-US" sz="1200" dirty="0" err="1"/>
+              <a:t>zowe-stop.sh</a:t>
+            </a:r>
+            <a:endParaRPr lang="en-US" sz="1200" dirty="0"/>
+          </a:p>
+          <a:p>
+            <a:r>
+              <a:rPr lang="en-US" sz="1200" dirty="0"/>
+              <a:t>   </a:t>
+            </a:r>
+            <a:r>
+              <a:rPr lang="en-US" sz="1200" b="1" dirty="0" err="1"/>
+              <a:t>instance.env</a:t>
+            </a:r>
+            <a:endParaRPr lang="en-US" sz="1200" b="1" dirty="0"/>
+          </a:p>
+          <a:p>
+            <a:r>
+              <a:rPr lang="en-US" sz="1200" dirty="0"/>
+              <a:t>   …</a:t>
+            </a:r>
+          </a:p>
+        </p:txBody>
+      </p:sp>
+      <p:sp>
+        <p:nvSpPr>
+          <p:cNvPr id="8" name="TextBox 7">
+            <a:extLst>
+              <a:ext uri="{FF2B5EF4-FFF2-40B4-BE49-F238E27FC236}">
+                <a16:creationId xmlns:a16="http://schemas.microsoft.com/office/drawing/2014/main" id="{251231C7-2D30-2A40-91E4-B0188B9BA133}"/>
+              </a:ext>
+            </a:extLst>
+          </p:cNvPr>
+          <p:cNvSpPr txBox="1"/>
+          <p:nvPr/>
+        </p:nvSpPr>
+        <p:spPr>
+          <a:xfrm>
+            <a:off x="1498011" y="352582"/>
+            <a:ext cx="2552943" cy="646331"/>
+          </a:xfrm>
+          <a:prstGeom prst="rect">
+            <a:avLst/>
+          </a:prstGeom>
+          <a:noFill/>
+        </p:spPr>
+        <p:txBody>
+          <a:bodyPr wrap="none" rtlCol="0">
+            <a:spAutoFit/>
+          </a:bodyPr>
+          <a:lstStyle/>
+          <a:p>
+            <a:r>
+              <a:rPr lang="en-US" dirty="0" err="1"/>
+              <a:t>Zowe</a:t>
+            </a:r>
+            <a:r>
+              <a:rPr lang="en-US" dirty="0"/>
+              <a:t> runtime USS folder,</a:t>
+            </a:r>
+          </a:p>
+          <a:p>
+            <a:r>
+              <a:rPr lang="en-US" dirty="0"/>
+              <a:t>/</a:t>
+            </a:r>
+            <a:r>
+              <a:rPr lang="en-US" dirty="0" err="1"/>
+              <a:t>usr</a:t>
+            </a:r>
+            <a:r>
+              <a:rPr lang="en-US" dirty="0"/>
+              <a:t>/</a:t>
+            </a:r>
+            <a:r>
+              <a:rPr lang="en-US" dirty="0" err="1"/>
+              <a:t>lpp</a:t>
+            </a:r>
+            <a:r>
+              <a:rPr lang="en-US" dirty="0"/>
+              <a:t>/</a:t>
+            </a:r>
+            <a:r>
+              <a:rPr lang="en-US" dirty="0" err="1"/>
+              <a:t>zowe</a:t>
+            </a:r>
+            <a:r>
+              <a:rPr lang="en-US" dirty="0"/>
+              <a:t>/v1</a:t>
+            </a:r>
+          </a:p>
+        </p:txBody>
+      </p:sp>
+      <p:sp>
+        <p:nvSpPr>
+          <p:cNvPr id="9" name="TextBox 8">
+            <a:extLst>
+              <a:ext uri="{FF2B5EF4-FFF2-40B4-BE49-F238E27FC236}">
+                <a16:creationId xmlns:a16="http://schemas.microsoft.com/office/drawing/2014/main" id="{D9EB0348-D75D-7942-9092-B76A9EE85137}"/>
+              </a:ext>
+            </a:extLst>
+          </p:cNvPr>
+          <p:cNvSpPr txBox="1"/>
+          <p:nvPr/>
+        </p:nvSpPr>
+        <p:spPr>
+          <a:xfrm>
+            <a:off x="5338718" y="168418"/>
+            <a:ext cx="1575688" cy="646331"/>
+          </a:xfrm>
+          <a:prstGeom prst="rect">
+            <a:avLst/>
+          </a:prstGeom>
+          <a:noFill/>
+        </p:spPr>
+        <p:txBody>
+          <a:bodyPr wrap="none" rtlCol="0">
+            <a:spAutoFit/>
+          </a:bodyPr>
+          <a:lstStyle/>
+          <a:p>
+            <a:r>
+              <a:rPr lang="en-US" dirty="0" err="1"/>
+              <a:t>Zowe</a:t>
+            </a:r>
+            <a:r>
+              <a:rPr lang="en-US" dirty="0"/>
+              <a:t> instance </a:t>
+            </a:r>
+          </a:p>
+          <a:p>
+            <a:r>
+              <a:rPr lang="en-US" dirty="0"/>
+              <a:t>USS folder(s)</a:t>
+            </a:r>
+          </a:p>
+        </p:txBody>
+      </p:sp>
+      <p:sp>
+        <p:nvSpPr>
+          <p:cNvPr id="10" name="TextBox 9">
+            <a:extLst>
+              <a:ext uri="{FF2B5EF4-FFF2-40B4-BE49-F238E27FC236}">
+                <a16:creationId xmlns:a16="http://schemas.microsoft.com/office/drawing/2014/main" id="{29717D3A-CB3D-AE44-85CC-406C547D6332}"/>
+              </a:ext>
+            </a:extLst>
+          </p:cNvPr>
+          <p:cNvSpPr txBox="1"/>
+          <p:nvPr/>
+        </p:nvSpPr>
+        <p:spPr>
+          <a:xfrm>
+            <a:off x="223113" y="5164030"/>
+            <a:ext cx="2658485" cy="1569660"/>
+          </a:xfrm>
+          <a:prstGeom prst="rect">
+            <a:avLst/>
+          </a:prstGeom>
+          <a:solidFill>
+            <a:schemeClr val="accent6">
+              <a:lumMod val="20000"/>
+              <a:lumOff val="80000"/>
+            </a:schemeClr>
+          </a:solidFill>
+        </p:spPr>
+        <p:txBody>
+          <a:bodyPr wrap="none" rtlCol="0">
+            <a:spAutoFit/>
+          </a:bodyPr>
+          <a:lstStyle/>
+          <a:p>
+            <a:r>
+              <a:rPr lang="en-US" sz="1200" dirty="0"/>
+              <a:t>&lt;KEYSTORE_DIRECTORY&gt;</a:t>
+            </a:r>
+          </a:p>
+          <a:p>
+            <a:r>
+              <a:rPr lang="en-US" sz="1200" b="1" dirty="0"/>
+              <a:t>   Northbound certificate</a:t>
+            </a:r>
+          </a:p>
+          <a:p>
+            <a:r>
+              <a:rPr lang="en-US" sz="1200" dirty="0"/>
+              <a:t>      (generated and self signed)</a:t>
+            </a:r>
+          </a:p>
+          <a:p>
+            <a:r>
+              <a:rPr lang="en-US" sz="1200" dirty="0"/>
+              <a:t>      (generated and existing CA signed)</a:t>
+            </a:r>
+          </a:p>
+          <a:p>
+            <a:r>
+              <a:rPr lang="en-US" sz="1200" dirty="0"/>
+              <a:t>      (imported)</a:t>
+            </a:r>
+          </a:p>
+          <a:p>
+            <a:r>
+              <a:rPr lang="en-US" sz="1200" dirty="0"/>
+              <a:t>      (imported from existing SAF) – to do</a:t>
+            </a:r>
+          </a:p>
+          <a:p>
+            <a:r>
+              <a:rPr lang="en-US" sz="1200" b="1" dirty="0"/>
+              <a:t>   Southbound trust store</a:t>
+            </a:r>
+          </a:p>
+          <a:p>
+            <a:r>
+              <a:rPr lang="en-US" sz="1200" b="1" dirty="0"/>
+              <a:t>      VERIFY_SSL</a:t>
+            </a:r>
+            <a:r>
+              <a:rPr lang="en-US" sz="1200" dirty="0"/>
+              <a:t>=true/false </a:t>
+            </a:r>
+          </a:p>
+        </p:txBody>
+      </p:sp>
+      <p:sp>
+        <p:nvSpPr>
+          <p:cNvPr id="12" name="TextBox 11">
+            <a:extLst>
+              <a:ext uri="{FF2B5EF4-FFF2-40B4-BE49-F238E27FC236}">
+                <a16:creationId xmlns:a16="http://schemas.microsoft.com/office/drawing/2014/main" id="{16CB6F60-5C63-9648-95C3-32B910EEA01D}"/>
+              </a:ext>
+            </a:extLst>
+          </p:cNvPr>
+          <p:cNvSpPr txBox="1"/>
+          <p:nvPr/>
+        </p:nvSpPr>
+        <p:spPr>
+          <a:xfrm>
+            <a:off x="8027864" y="491583"/>
+            <a:ext cx="3556358" cy="2308324"/>
+          </a:xfrm>
+          <a:prstGeom prst="rect">
+            <a:avLst/>
+          </a:prstGeom>
+          <a:noFill/>
+          <a:ln>
+            <a:solidFill>
+              <a:schemeClr val="tx1"/>
+            </a:solidFill>
+          </a:ln>
+        </p:spPr>
+        <p:txBody>
+          <a:bodyPr wrap="none" rtlCol="0">
+            <a:spAutoFit/>
+          </a:bodyPr>
+          <a:lstStyle/>
+          <a:p>
+            <a:r>
+              <a:rPr lang="en-US" sz="1200" b="1" dirty="0"/>
+              <a:t>ROOT_DIR=</a:t>
+            </a:r>
+          </a:p>
+          <a:p>
+            <a:r>
+              <a:rPr lang="en-US" sz="1200" dirty="0"/>
+              <a:t>ZOWE_JAVA_HOME=</a:t>
+            </a:r>
+          </a:p>
+          <a:p>
+            <a:r>
+              <a:rPr lang="en-US" sz="1200" dirty="0"/>
+              <a:t>ZOWE_NODE_HOME=</a:t>
+            </a:r>
+          </a:p>
+          <a:p>
+            <a:r>
+              <a:rPr lang="en-US" sz="1200" dirty="0"/>
+              <a:t>ZOSMF_PORT=</a:t>
+            </a:r>
+          </a:p>
+          <a:p>
+            <a:r>
+              <a:rPr lang="en-US" sz="1200" dirty="0"/>
+              <a:t>ZOSMF_HOST=</a:t>
+            </a:r>
+          </a:p>
+          <a:p>
+            <a:r>
+              <a:rPr lang="en-US" sz="1200" dirty="0"/>
+              <a:t>ZOWE_IP_ADDRESS=</a:t>
+            </a:r>
+          </a:p>
+          <a:p>
+            <a:r>
+              <a:rPr lang="en-US" sz="1200" dirty="0"/>
+              <a:t>ZOWE_EXPLORER_HOST=</a:t>
+            </a:r>
+          </a:p>
+          <a:p>
+            <a:r>
+              <a:rPr lang="en-US" sz="1200" b="1" dirty="0"/>
+              <a:t>KEYSTORE_DIRECTORY=</a:t>
+            </a:r>
+          </a:p>
+          <a:p>
+            <a:r>
+              <a:rPr lang="en-US" sz="1200" dirty="0"/>
+              <a:t>ZOWE_ZLUX+SERVER_PORT=</a:t>
+            </a:r>
+          </a:p>
+          <a:p>
+            <a:r>
+              <a:rPr lang="en-US" sz="1200" dirty="0"/>
+              <a:t>…&lt;PORT&gt;</a:t>
+            </a:r>
+          </a:p>
+          <a:p>
+            <a:r>
+              <a:rPr lang="en-US" sz="1200" b="1" dirty="0"/>
+              <a:t>LAUNCH_COMPONENT_GROUPS</a:t>
+            </a:r>
+            <a:r>
+              <a:rPr lang="en-US" sz="1200" dirty="0"/>
+              <a:t>=</a:t>
+            </a:r>
+            <a:r>
+              <a:rPr lang="en-US" sz="1200" dirty="0">
+                <a:solidFill>
+                  <a:schemeClr val="accent1">
+                    <a:lumMod val="75000"/>
+                  </a:schemeClr>
+                </a:solidFill>
+              </a:rPr>
+              <a:t>GATEWAY,DESKTOP</a:t>
+            </a:r>
+          </a:p>
+          <a:p>
+            <a:r>
+              <a:rPr lang="en-US" sz="1200" b="1" dirty="0"/>
+              <a:t>ZWEAD_EXTERNAL_STATIC_DEF_DIRECTORIES=</a:t>
+            </a:r>
+          </a:p>
+        </p:txBody>
+      </p:sp>
+      <p:cxnSp>
+        <p:nvCxnSpPr>
+          <p:cNvPr id="14" name="Straight Arrow Connector 13">
+            <a:extLst>
+              <a:ext uri="{FF2B5EF4-FFF2-40B4-BE49-F238E27FC236}">
+                <a16:creationId xmlns:a16="http://schemas.microsoft.com/office/drawing/2014/main" id="{B6821393-73DA-FB4A-91D5-B1AFA371D06D}"/>
+              </a:ext>
+            </a:extLst>
+          </p:cNvPr>
+          <p:cNvCxnSpPr/>
+          <p:nvPr/>
+        </p:nvCxnSpPr>
+        <p:spPr>
+          <a:xfrm>
+            <a:off x="6806583" y="2043289"/>
+            <a:ext cx="1140795" cy="0"/>
+          </a:xfrm>
+          <a:prstGeom prst="straightConnector1">
+            <a:avLst/>
+          </a:prstGeom>
+          <a:ln>
+            <a:tailEnd type="triangle"/>
+          </a:ln>
+        </p:spPr>
+        <p:style>
+          <a:lnRef idx="1">
+            <a:schemeClr val="accent1"/>
+          </a:lnRef>
+          <a:fillRef idx="0">
+            <a:schemeClr val="accent1"/>
+          </a:fillRef>
+          <a:effectRef idx="0">
+            <a:schemeClr val="accent1"/>
+          </a:effectRef>
+          <a:fontRef idx="minor">
+            <a:schemeClr val="tx1"/>
+          </a:fontRef>
+        </p:style>
+      </p:cxnSp>
+      <p:cxnSp>
+        <p:nvCxnSpPr>
+          <p:cNvPr id="17" name="Elbow Connector 16">
+            <a:extLst>
+              <a:ext uri="{FF2B5EF4-FFF2-40B4-BE49-F238E27FC236}">
+                <a16:creationId xmlns:a16="http://schemas.microsoft.com/office/drawing/2014/main" id="{1400D2BD-BA67-364F-B023-81891EF2154C}"/>
+              </a:ext>
+            </a:extLst>
+          </p:cNvPr>
+          <p:cNvCxnSpPr>
+            <a:cxnSpLocks/>
+          </p:cNvCxnSpPr>
+          <p:nvPr/>
+        </p:nvCxnSpPr>
+        <p:spPr>
+          <a:xfrm rot="5400000">
+            <a:off x="-535754" y="3308150"/>
+            <a:ext cx="3045208" cy="566141"/>
+          </a:xfrm>
+          <a:prstGeom prst="bentConnector3">
+            <a:avLst>
+              <a:gd name="adj1" fmla="val 50000"/>
+            </a:avLst>
+          </a:prstGeom>
+          <a:ln>
+            <a:tailEnd type="triangle"/>
+          </a:ln>
+        </p:spPr>
+        <p:style>
+          <a:lnRef idx="1">
+            <a:schemeClr val="accent1"/>
+          </a:lnRef>
+          <a:fillRef idx="0">
+            <a:schemeClr val="accent1"/>
+          </a:fillRef>
+          <a:effectRef idx="0">
+            <a:schemeClr val="accent1"/>
+          </a:effectRef>
+          <a:fontRef idx="minor">
+            <a:schemeClr val="tx1"/>
+          </a:fontRef>
+        </p:style>
+      </p:cxnSp>
+      <p:cxnSp>
+        <p:nvCxnSpPr>
+          <p:cNvPr id="19" name="Elbow Connector 18">
+            <a:extLst>
+              <a:ext uri="{FF2B5EF4-FFF2-40B4-BE49-F238E27FC236}">
+                <a16:creationId xmlns:a16="http://schemas.microsoft.com/office/drawing/2014/main" id="{CA48E45F-E67C-3B43-BE65-029B10292319}"/>
+              </a:ext>
+            </a:extLst>
+          </p:cNvPr>
+          <p:cNvCxnSpPr>
+            <a:cxnSpLocks/>
+          </p:cNvCxnSpPr>
+          <p:nvPr/>
+        </p:nvCxnSpPr>
+        <p:spPr>
+          <a:xfrm>
+            <a:off x="4137426" y="1666031"/>
+            <a:ext cx="1593263" cy="2"/>
+          </a:xfrm>
+          <a:prstGeom prst="bentConnector3">
+            <a:avLst>
+              <a:gd name="adj1" fmla="val 50000"/>
+            </a:avLst>
+          </a:prstGeom>
+          <a:ln>
+            <a:tailEnd type="triangle"/>
+          </a:ln>
+        </p:spPr>
+        <p:style>
+          <a:lnRef idx="1">
+            <a:schemeClr val="accent1"/>
+          </a:lnRef>
+          <a:fillRef idx="0">
+            <a:schemeClr val="accent1"/>
+          </a:fillRef>
+          <a:effectRef idx="0">
+            <a:schemeClr val="accent1"/>
+          </a:effectRef>
+          <a:fontRef idx="minor">
+            <a:schemeClr val="tx1"/>
+          </a:fontRef>
+        </p:style>
+      </p:cxnSp>
+      <p:cxnSp>
+        <p:nvCxnSpPr>
+          <p:cNvPr id="21" name="Elbow Connector 20">
+            <a:extLst>
+              <a:ext uri="{FF2B5EF4-FFF2-40B4-BE49-F238E27FC236}">
+                <a16:creationId xmlns:a16="http://schemas.microsoft.com/office/drawing/2014/main" id="{39047A58-6564-7B4E-8629-6A14B382DDCE}"/>
+              </a:ext>
+            </a:extLst>
+          </p:cNvPr>
+          <p:cNvCxnSpPr>
+            <a:cxnSpLocks/>
+          </p:cNvCxnSpPr>
+          <p:nvPr/>
+        </p:nvCxnSpPr>
+        <p:spPr>
+          <a:xfrm>
+            <a:off x="4121802" y="1826331"/>
+            <a:ext cx="2299941" cy="2124903"/>
+          </a:xfrm>
+          <a:prstGeom prst="bentConnector3">
+            <a:avLst>
+              <a:gd name="adj1" fmla="val 50000"/>
+            </a:avLst>
+          </a:prstGeom>
+          <a:ln>
+            <a:tailEnd type="triangle"/>
+          </a:ln>
+        </p:spPr>
+        <p:style>
+          <a:lnRef idx="1">
+            <a:schemeClr val="accent1"/>
+          </a:lnRef>
+          <a:fillRef idx="0">
+            <a:schemeClr val="accent1"/>
+          </a:fillRef>
+          <a:effectRef idx="0">
+            <a:schemeClr val="accent1"/>
+          </a:effectRef>
+          <a:fontRef idx="minor">
+            <a:schemeClr val="tx1"/>
+          </a:fontRef>
+        </p:style>
+      </p:cxnSp>
+      <p:sp>
+        <p:nvSpPr>
+          <p:cNvPr id="16" name="TextBox 15">
+            <a:extLst>
+              <a:ext uri="{FF2B5EF4-FFF2-40B4-BE49-F238E27FC236}">
+                <a16:creationId xmlns:a16="http://schemas.microsoft.com/office/drawing/2014/main" id="{A62284FF-EFB3-A54D-9B7D-2B45965807CA}"/>
+              </a:ext>
+            </a:extLst>
+          </p:cNvPr>
+          <p:cNvSpPr txBox="1"/>
+          <p:nvPr/>
+        </p:nvSpPr>
+        <p:spPr>
+          <a:xfrm>
+            <a:off x="223113" y="4217595"/>
+            <a:ext cx="5662127" cy="307777"/>
+          </a:xfrm>
+          <a:prstGeom prst="rect">
+            <a:avLst/>
+          </a:prstGeom>
+          <a:solidFill>
+            <a:schemeClr val="bg2"/>
+          </a:solidFill>
+        </p:spPr>
+        <p:txBody>
+          <a:bodyPr wrap="none" rtlCol="0">
+            <a:spAutoFit/>
+          </a:bodyPr>
+          <a:lstStyle/>
+          <a:p>
+            <a:r>
+              <a:rPr lang="en-US" sz="1400" dirty="0">
+                <a:latin typeface="Courier New" panose="02070309020205020404" pitchFamily="49" charset="0"/>
+                <a:cs typeface="Courier New" panose="02070309020205020404" pitchFamily="49" charset="0"/>
+              </a:rPr>
+              <a:t>&gt;</a:t>
+            </a:r>
+            <a:r>
+              <a:rPr lang="en-US" sz="1400" dirty="0" err="1">
+                <a:latin typeface="Courier New" panose="02070309020205020404" pitchFamily="49" charset="0"/>
+                <a:cs typeface="Courier New" panose="02070309020205020404" pitchFamily="49" charset="0"/>
+              </a:rPr>
+              <a:t>zowe</a:t>
+            </a:r>
+            <a:r>
+              <a:rPr lang="en-US" sz="1400" dirty="0">
+                <a:latin typeface="Courier New" panose="02070309020205020404" pitchFamily="49" charset="0"/>
+                <a:cs typeface="Courier New" panose="02070309020205020404" pitchFamily="49" charset="0"/>
+              </a:rPr>
+              <a:t>-setup-</a:t>
+            </a:r>
+            <a:r>
+              <a:rPr lang="en-US" sz="1400" dirty="0" err="1">
+                <a:latin typeface="Courier New" panose="02070309020205020404" pitchFamily="49" charset="0"/>
+                <a:cs typeface="Courier New" panose="02070309020205020404" pitchFamily="49" charset="0"/>
+              </a:rPr>
+              <a:t>certificates.sh</a:t>
+            </a:r>
+            <a:r>
+              <a:rPr lang="en-US" sz="1400" dirty="0">
+                <a:latin typeface="Courier New" panose="02070309020205020404" pitchFamily="49" charset="0"/>
+                <a:cs typeface="Courier New" panose="02070309020205020404" pitchFamily="49" charset="0"/>
+              </a:rPr>
+              <a:t> –p &lt;</a:t>
+            </a:r>
+            <a:r>
+              <a:rPr lang="en-US" sz="1400" dirty="0" err="1">
+                <a:latin typeface="Courier New" panose="02070309020205020404" pitchFamily="49" charset="0"/>
+                <a:cs typeface="Courier New" panose="02070309020205020404" pitchFamily="49" charset="0"/>
+              </a:rPr>
+              <a:t>certificate_config</a:t>
+            </a:r>
+            <a:r>
+              <a:rPr lang="en-US" sz="1400" dirty="0">
+                <a:latin typeface="Courier New" panose="02070309020205020404" pitchFamily="49" charset="0"/>
+                <a:cs typeface="Courier New" panose="02070309020205020404" pitchFamily="49" charset="0"/>
+              </a:rPr>
+              <a:t>&gt;</a:t>
+            </a:r>
+          </a:p>
+        </p:txBody>
+      </p:sp>
+      <p:sp>
+        <p:nvSpPr>
+          <p:cNvPr id="15" name="TextBox 14">
+            <a:extLst>
+              <a:ext uri="{FF2B5EF4-FFF2-40B4-BE49-F238E27FC236}">
+                <a16:creationId xmlns:a16="http://schemas.microsoft.com/office/drawing/2014/main" id="{CCA3E734-2220-D34A-B6C4-FE44E5A465A4}"/>
+              </a:ext>
+            </a:extLst>
+          </p:cNvPr>
+          <p:cNvSpPr txBox="1"/>
+          <p:nvPr/>
+        </p:nvSpPr>
+        <p:spPr>
+          <a:xfrm>
+            <a:off x="1552355" y="3034746"/>
+            <a:ext cx="5017720" cy="307777"/>
+          </a:xfrm>
+          <a:prstGeom prst="rect">
+            <a:avLst/>
+          </a:prstGeom>
+          <a:solidFill>
+            <a:schemeClr val="bg2"/>
+          </a:solidFill>
+        </p:spPr>
+        <p:txBody>
+          <a:bodyPr wrap="none" rtlCol="0">
+            <a:spAutoFit/>
+          </a:bodyPr>
+          <a:lstStyle/>
+          <a:p>
+            <a:r>
+              <a:rPr lang="en-US" sz="1400" dirty="0">
+                <a:latin typeface="Courier New" panose="02070309020205020404" pitchFamily="49" charset="0"/>
+                <a:cs typeface="Courier New" panose="02070309020205020404" pitchFamily="49" charset="0"/>
+              </a:rPr>
+              <a:t>&gt;</a:t>
+            </a:r>
+            <a:r>
+              <a:rPr lang="en-US" sz="1400" dirty="0" err="1">
+                <a:latin typeface="Courier New" panose="02070309020205020404" pitchFamily="49" charset="0"/>
+                <a:cs typeface="Courier New" panose="02070309020205020404" pitchFamily="49" charset="0"/>
+              </a:rPr>
+              <a:t>zowe</a:t>
+            </a:r>
+            <a:r>
+              <a:rPr lang="en-US" sz="1400" dirty="0">
+                <a:latin typeface="Courier New" panose="02070309020205020404" pitchFamily="49" charset="0"/>
+                <a:cs typeface="Courier New" panose="02070309020205020404" pitchFamily="49" charset="0"/>
+              </a:rPr>
+              <a:t>-configure-</a:t>
+            </a:r>
+            <a:r>
+              <a:rPr lang="en-US" sz="1400" dirty="0" err="1">
+                <a:latin typeface="Courier New" panose="02070309020205020404" pitchFamily="49" charset="0"/>
+                <a:cs typeface="Courier New" panose="02070309020205020404" pitchFamily="49" charset="0"/>
+              </a:rPr>
+              <a:t>instance.sh</a:t>
+            </a:r>
+            <a:r>
+              <a:rPr lang="en-US" sz="1400" dirty="0">
+                <a:latin typeface="Courier New" panose="02070309020205020404" pitchFamily="49" charset="0"/>
+                <a:cs typeface="Courier New" panose="02070309020205020404" pitchFamily="49" charset="0"/>
+              </a:rPr>
+              <a:t> –c &lt;INSTANCE_DIR&gt;</a:t>
+            </a:r>
+          </a:p>
+        </p:txBody>
+      </p:sp>
+    </p:spTree>
+    <p:extLst>
+      <p:ext uri="{BB962C8B-B14F-4D97-AF65-F5344CB8AC3E}">
+        <p14:creationId xmlns:p14="http://schemas.microsoft.com/office/powerpoint/2010/main" val="3643328796"/>
+      </p:ext>
+    </p:extLst>
+  </p:cSld>
+  <p:clrMapOvr>
+    <a:masterClrMapping/>
+  </p:clrMapOvr>
+</p:sld>
+</file>
+
+<file path=ppt/slides/slide3.xml><?xml version="1.0" encoding="utf-8"?>
+<p:sld xmlns:a="http://schemas.openxmlformats.org/drawingml/2006/main" xmlns:r="http://schemas.openxmlformats.org/officeDocument/2006/relationships" xmlns:p="http://schemas.openxmlformats.org/presentationml/2006/main">
+  <p:cSld>
+    <p:spTree>
+      <p:nvGrpSpPr>
+        <p:cNvPr id="1" name=""/>
+        <p:cNvGrpSpPr/>
+        <p:nvPr/>
+      </p:nvGrpSpPr>
+      <p:grpSpPr>
+        <a:xfrm>
+          <a:off x="0" y="0"/>
+          <a:ext cx="0" cy="0"/>
+          <a:chOff x="0" y="0"/>
+          <a:chExt cx="0" cy="0"/>
+        </a:xfrm>
+      </p:grpSpPr>
+    </p:spTree>
+    <p:extLst>
+      <p:ext uri="{BB962C8B-B14F-4D97-AF65-F5344CB8AC3E}">
+        <p14:creationId xmlns:p14="http://schemas.microsoft.com/office/powerpoint/2010/main" val="222586355"/>
+      </p:ext>
+    </p:extLst>
+  </p:cSld>
+  <p:clrMapOvr>
+    <a:masterClrMapping/>
+  </p:clrMapOvr>
+</p:sld>
+</file>
+
 <file path=ppt/theme/theme1.xml><?xml version="1.0" encoding="utf-8"?>
 <a:theme xmlns:a="http://schemas.openxmlformats.org/drawingml/2006/main" name="Office Theme">
   <a:themeElements>

--- a/docs/images/common/zowe-architecture.pptx
+++ b/docs/images/common/zowe-architecture.pptx
@@ -6,8 +6,8 @@
   </p:sldMasterIdLst>
   <p:sldIdLst>
     <p:sldId id="267" r:id="rId2"/>
-    <p:sldId id="258" r:id="rId3"/>
-    <p:sldId id="268" r:id="rId4"/>
+    <p:sldId id="268" r:id="rId3"/>
+    <p:sldId id="269" r:id="rId4"/>
   </p:sldIdLst>
   <p:sldSz cx="12192000" cy="6858000"/>
   <p:notesSz cx="6858000" cy="9144000"/>
@@ -261,7 +261,7 @@
           <a:p>
             <a:fld id="{B1DB1BE8-3F77-D044-8747-9903AC5CD864}" type="datetimeFigureOut">
               <a:rPr lang="en-US" smtClean="0"/>
-              <a:t>1/23/20</a:t>
+              <a:t>4/21/20</a:t>
             </a:fld>
             <a:endParaRPr lang="en-US"/>
           </a:p>
@@ -459,7 +459,7 @@
           <a:p>
             <a:fld id="{B1DB1BE8-3F77-D044-8747-9903AC5CD864}" type="datetimeFigureOut">
               <a:rPr lang="en-US" smtClean="0"/>
-              <a:t>1/23/20</a:t>
+              <a:t>4/21/20</a:t>
             </a:fld>
             <a:endParaRPr lang="en-US"/>
           </a:p>
@@ -667,7 +667,7 @@
           <a:p>
             <a:fld id="{B1DB1BE8-3F77-D044-8747-9903AC5CD864}" type="datetimeFigureOut">
               <a:rPr lang="en-US" smtClean="0"/>
-              <a:t>1/23/20</a:t>
+              <a:t>4/21/20</a:t>
             </a:fld>
             <a:endParaRPr lang="en-US"/>
           </a:p>
@@ -865,7 +865,7 @@
           <a:p>
             <a:fld id="{B1DB1BE8-3F77-D044-8747-9903AC5CD864}" type="datetimeFigureOut">
               <a:rPr lang="en-US" smtClean="0"/>
-              <a:t>1/23/20</a:t>
+              <a:t>4/21/20</a:t>
             </a:fld>
             <a:endParaRPr lang="en-US"/>
           </a:p>
@@ -1140,7 +1140,7 @@
           <a:p>
             <a:fld id="{B1DB1BE8-3F77-D044-8747-9903AC5CD864}" type="datetimeFigureOut">
               <a:rPr lang="en-US" smtClean="0"/>
-              <a:t>1/23/20</a:t>
+              <a:t>4/21/20</a:t>
             </a:fld>
             <a:endParaRPr lang="en-US"/>
           </a:p>
@@ -1405,7 +1405,7 @@
           <a:p>
             <a:fld id="{B1DB1BE8-3F77-D044-8747-9903AC5CD864}" type="datetimeFigureOut">
               <a:rPr lang="en-US" smtClean="0"/>
-              <a:t>1/23/20</a:t>
+              <a:t>4/21/20</a:t>
             </a:fld>
             <a:endParaRPr lang="en-US"/>
           </a:p>
@@ -1817,7 +1817,7 @@
           <a:p>
             <a:fld id="{B1DB1BE8-3F77-D044-8747-9903AC5CD864}" type="datetimeFigureOut">
               <a:rPr lang="en-US" smtClean="0"/>
-              <a:t>1/23/20</a:t>
+              <a:t>4/21/20</a:t>
             </a:fld>
             <a:endParaRPr lang="en-US"/>
           </a:p>
@@ -1958,7 +1958,7 @@
           <a:p>
             <a:fld id="{B1DB1BE8-3F77-D044-8747-9903AC5CD864}" type="datetimeFigureOut">
               <a:rPr lang="en-US" smtClean="0"/>
-              <a:t>1/23/20</a:t>
+              <a:t>4/21/20</a:t>
             </a:fld>
             <a:endParaRPr lang="en-US"/>
           </a:p>
@@ -2071,7 +2071,7 @@
           <a:p>
             <a:fld id="{B1DB1BE8-3F77-D044-8747-9903AC5CD864}" type="datetimeFigureOut">
               <a:rPr lang="en-US" smtClean="0"/>
-              <a:t>1/23/20</a:t>
+              <a:t>4/21/20</a:t>
             </a:fld>
             <a:endParaRPr lang="en-US"/>
           </a:p>
@@ -2382,7 +2382,7 @@
           <a:p>
             <a:fld id="{B1DB1BE8-3F77-D044-8747-9903AC5CD864}" type="datetimeFigureOut">
               <a:rPr lang="en-US" smtClean="0"/>
-              <a:t>1/23/20</a:t>
+              <a:t>4/21/20</a:t>
             </a:fld>
             <a:endParaRPr lang="en-US"/>
           </a:p>
@@ -2670,7 +2670,7 @@
           <a:p>
             <a:fld id="{B1DB1BE8-3F77-D044-8747-9903AC5CD864}" type="datetimeFigureOut">
               <a:rPr lang="en-US" smtClean="0"/>
-              <a:t>1/23/20</a:t>
+              <a:t>4/21/20</a:t>
             </a:fld>
             <a:endParaRPr lang="en-US"/>
           </a:p>
@@ -2911,7 +2911,7 @@
           <a:p>
             <a:fld id="{B1DB1BE8-3F77-D044-8747-9903AC5CD864}" type="datetimeFigureOut">
               <a:rPr lang="en-US" smtClean="0"/>
-              <a:t>1/23/20</a:t>
+              <a:t>4/21/20</a:t>
             </a:fld>
             <a:endParaRPr lang="en-US"/>
           </a:p>
@@ -8222,654 +8222,600 @@
       </p:grpSpPr>
       <p:sp>
         <p:nvSpPr>
-          <p:cNvPr id="5" name="TextBox 4">
-            <a:extLst>
-              <a:ext uri="{FF2B5EF4-FFF2-40B4-BE49-F238E27FC236}">
-                <a16:creationId xmlns:a16="http://schemas.microsoft.com/office/drawing/2014/main" id="{45E9CBEE-ECFC-F441-9318-EB6A967679E3}"/>
-              </a:ext>
-            </a:extLst>
-          </p:cNvPr>
-          <p:cNvSpPr txBox="1"/>
-          <p:nvPr/>
-        </p:nvSpPr>
-        <p:spPr>
-          <a:xfrm>
-            <a:off x="1526961" y="1077945"/>
-            <a:ext cx="2495042" cy="1815882"/>
+          <p:cNvPr id="115" name="Rectangle 114">
+            <a:extLst>
+              <a:ext uri="{FF2B5EF4-FFF2-40B4-BE49-F238E27FC236}">
+                <a16:creationId xmlns:a16="http://schemas.microsoft.com/office/drawing/2014/main" id="{68CAA2EB-FC5B-054F-B79C-91E24AB11FA1}"/>
+              </a:ext>
+            </a:extLst>
+          </p:cNvPr>
+          <p:cNvSpPr/>
+          <p:nvPr/>
+        </p:nvSpPr>
+        <p:spPr>
+          <a:xfrm>
+            <a:off x="6846137" y="29817"/>
+            <a:ext cx="1397988" cy="474353"/>
+          </a:xfrm>
+          <a:prstGeom prst="rect">
+            <a:avLst/>
+          </a:prstGeom>
+          <a:pattFill prst="pct20">
+            <a:fgClr>
+              <a:schemeClr val="accent1">
+                <a:lumMod val="20000"/>
+                <a:lumOff val="80000"/>
+              </a:schemeClr>
+            </a:fgClr>
+            <a:bgClr>
+              <a:schemeClr val="bg1"/>
+            </a:bgClr>
+          </a:pattFill>
+          <a:ln>
+            <a:prstDash val="solid"/>
+          </a:ln>
+        </p:spPr>
+        <p:style>
+          <a:lnRef idx="1">
+            <a:schemeClr val="accent1"/>
+          </a:lnRef>
+          <a:fillRef idx="3">
+            <a:schemeClr val="accent1"/>
+          </a:fillRef>
+          <a:effectRef idx="2">
+            <a:schemeClr val="accent1"/>
+          </a:effectRef>
+          <a:fontRef idx="minor">
+            <a:schemeClr val="lt1"/>
+          </a:fontRef>
+        </p:style>
+        <p:txBody>
+          <a:bodyPr rtlCol="0" anchor="ctr"/>
+          <a:lstStyle/>
+          <a:p>
+            <a:pPr algn="ctr"/>
+            <a:r>
+              <a:rPr lang="en-US" sz="1467" dirty="0">
+                <a:solidFill>
+                  <a:schemeClr val="tx1"/>
+                </a:solidFill>
+                <a:latin typeface="Menlo" charset="0"/>
+                <a:ea typeface="Menlo" charset="0"/>
+                <a:cs typeface="Menlo" charset="0"/>
+              </a:rPr>
+              <a:t>                 </a:t>
+            </a:r>
+          </a:p>
+          <a:p>
+            <a:pPr algn="ctr"/>
+            <a:endParaRPr lang="en-US" sz="1467" dirty="0">
+              <a:solidFill>
+                <a:schemeClr val="tx1"/>
+              </a:solidFill>
+              <a:latin typeface="Menlo" charset="0"/>
+              <a:ea typeface="Menlo" charset="0"/>
+              <a:cs typeface="Menlo" charset="0"/>
+            </a:endParaRPr>
+          </a:p>
+          <a:p>
+            <a:pPr algn="ctr"/>
+            <a:endParaRPr lang="en-US" sz="1467" dirty="0">
+              <a:solidFill>
+                <a:schemeClr val="tx1"/>
+              </a:solidFill>
+              <a:latin typeface="Menlo" charset="0"/>
+              <a:ea typeface="Menlo" charset="0"/>
+              <a:cs typeface="Menlo" charset="0"/>
+            </a:endParaRPr>
+          </a:p>
+        </p:txBody>
+      </p:sp>
+      <p:cxnSp>
+        <p:nvCxnSpPr>
+          <p:cNvPr id="20" name="Elbow Connector 19">
+            <a:extLst>
+              <a:ext uri="{FF2B5EF4-FFF2-40B4-BE49-F238E27FC236}">
+                <a16:creationId xmlns:a16="http://schemas.microsoft.com/office/drawing/2014/main" id="{463C5E49-921E-6E43-B468-6069E10CA099}"/>
+              </a:ext>
+            </a:extLst>
+          </p:cNvPr>
+          <p:cNvCxnSpPr>
+            <a:cxnSpLocks/>
+            <a:stCxn id="107" idx="2"/>
+          </p:cNvCxnSpPr>
+          <p:nvPr/>
+        </p:nvCxnSpPr>
+        <p:spPr>
+          <a:xfrm rot="16200000" flipH="1">
+            <a:off x="5430072" y="1416257"/>
+            <a:ext cx="1141031" cy="924724"/>
+          </a:xfrm>
+          <a:prstGeom prst="bentConnector3">
+            <a:avLst/>
+          </a:prstGeom>
+          <a:ln>
+            <a:headEnd type="triangle"/>
+            <a:tailEnd type="triangle"/>
+          </a:ln>
+        </p:spPr>
+        <p:style>
+          <a:lnRef idx="1">
+            <a:schemeClr val="accent1"/>
+          </a:lnRef>
+          <a:fillRef idx="0">
+            <a:schemeClr val="accent1"/>
+          </a:fillRef>
+          <a:effectRef idx="0">
+            <a:schemeClr val="accent1"/>
+          </a:effectRef>
+          <a:fontRef idx="minor">
+            <a:schemeClr val="tx1"/>
+          </a:fontRef>
+        </p:style>
+      </p:cxnSp>
+      <p:sp>
+        <p:nvSpPr>
+          <p:cNvPr id="107" name="Rectangle 106">
+            <a:extLst>
+              <a:ext uri="{FF2B5EF4-FFF2-40B4-BE49-F238E27FC236}">
+                <a16:creationId xmlns:a16="http://schemas.microsoft.com/office/drawing/2014/main" id="{47D63396-AC4D-5249-8BCF-E9058FDBA721}"/>
+              </a:ext>
+            </a:extLst>
+          </p:cNvPr>
+          <p:cNvSpPr/>
+          <p:nvPr/>
+        </p:nvSpPr>
+        <p:spPr>
+          <a:xfrm>
+            <a:off x="5122787" y="723469"/>
+            <a:ext cx="830876" cy="584635"/>
           </a:xfrm>
           <a:prstGeom prst="rect">
             <a:avLst/>
           </a:prstGeom>
           <a:solidFill>
-            <a:schemeClr val="accent6">
+            <a:schemeClr val="tx2">
               <a:lumMod val="20000"/>
               <a:lumOff val="80000"/>
             </a:schemeClr>
           </a:solidFill>
-        </p:spPr>
-        <p:txBody>
-          <a:bodyPr wrap="none" rtlCol="0">
-            <a:spAutoFit/>
-          </a:bodyPr>
-          <a:lstStyle/>
-          <a:p>
-            <a:r>
-              <a:rPr lang="en-US" sz="1400" dirty="0"/>
-              <a:t>&lt;ROOT_DIR&gt;</a:t>
-            </a:r>
-          </a:p>
-          <a:p>
-            <a:r>
-              <a:rPr lang="en-US" sz="1400" dirty="0"/>
-              <a:t>   /bin</a:t>
-            </a:r>
-          </a:p>
-          <a:p>
-            <a:r>
-              <a:rPr lang="en-US" sz="1400" b="1" dirty="0"/>
-              <a:t>     /</a:t>
-            </a:r>
-            <a:r>
-              <a:rPr lang="en-US" sz="1400" b="1" dirty="0" err="1"/>
-              <a:t>zowe</a:t>
-            </a:r>
-            <a:r>
-              <a:rPr lang="en-US" sz="1400" b="1" dirty="0"/>
-              <a:t>-configure-</a:t>
-            </a:r>
-            <a:r>
-              <a:rPr lang="en-US" sz="1400" b="1" dirty="0" err="1"/>
-              <a:t>instance.sh</a:t>
-            </a:r>
-            <a:endParaRPr lang="en-US" sz="1400" b="1" dirty="0"/>
-          </a:p>
-          <a:p>
-            <a:r>
-              <a:rPr lang="en-US" sz="1400" b="1" dirty="0"/>
-              <a:t>     /</a:t>
-            </a:r>
-            <a:r>
-              <a:rPr lang="en-US" sz="1400" b="1" dirty="0" err="1"/>
-              <a:t>zowe</a:t>
-            </a:r>
-            <a:r>
-              <a:rPr lang="en-US" sz="1400" b="1" dirty="0"/>
-              <a:t>-setup-</a:t>
-            </a:r>
-            <a:r>
-              <a:rPr lang="en-US" sz="1400" b="1" dirty="0" err="1"/>
-              <a:t>certificate.sh</a:t>
-            </a:r>
-            <a:endParaRPr lang="en-US" sz="1400" b="1" dirty="0"/>
-          </a:p>
-          <a:p>
-            <a:r>
-              <a:rPr lang="en-US" sz="1400" b="1" dirty="0"/>
-              <a:t>     /</a:t>
-            </a:r>
-            <a:r>
-              <a:rPr lang="en-US" sz="1400" b="1" dirty="0" err="1"/>
-              <a:t>zowe</a:t>
-            </a:r>
-            <a:r>
-              <a:rPr lang="en-US" sz="1400" b="1" dirty="0"/>
-              <a:t>-setup-</a:t>
-            </a:r>
-            <a:r>
-              <a:rPr lang="en-US" sz="1400" b="1" dirty="0" err="1"/>
-              <a:t>certificate.env</a:t>
-            </a:r>
-            <a:endParaRPr lang="en-US" sz="1400" b="1" dirty="0"/>
-          </a:p>
-          <a:p>
-            <a:r>
-              <a:rPr lang="en-US" sz="1400" dirty="0"/>
-              <a:t>   /components</a:t>
-            </a:r>
-          </a:p>
-          <a:p>
-            <a:r>
-              <a:rPr lang="en-US" sz="1400" dirty="0"/>
-              <a:t>   /scripts</a:t>
-            </a:r>
-          </a:p>
-          <a:p>
-            <a:r>
-              <a:rPr lang="en-US" sz="1400" dirty="0"/>
-              <a:t>   … </a:t>
-            </a:r>
-          </a:p>
-        </p:txBody>
-      </p:sp>
-      <p:sp>
-        <p:nvSpPr>
-          <p:cNvPr id="6" name="TextBox 5">
-            <a:extLst>
-              <a:ext uri="{FF2B5EF4-FFF2-40B4-BE49-F238E27FC236}">
-                <a16:creationId xmlns:a16="http://schemas.microsoft.com/office/drawing/2014/main" id="{3F80104B-67D1-4A4A-83D4-36D55E0FEFC8}"/>
-              </a:ext>
-            </a:extLst>
-          </p:cNvPr>
-          <p:cNvSpPr txBox="1"/>
-          <p:nvPr/>
-        </p:nvSpPr>
-        <p:spPr>
-          <a:xfrm>
-            <a:off x="5638804" y="1152441"/>
-            <a:ext cx="1565878" cy="1754326"/>
-          </a:xfrm>
-          <a:prstGeom prst="rect">
-            <a:avLst/>
-          </a:prstGeom>
-          <a:solidFill>
-            <a:schemeClr val="accent6">
-              <a:lumMod val="20000"/>
-              <a:lumOff val="80000"/>
-            </a:schemeClr>
-          </a:solidFill>
-        </p:spPr>
-        <p:txBody>
-          <a:bodyPr wrap="none" rtlCol="0">
-            <a:spAutoFit/>
-          </a:bodyPr>
-          <a:lstStyle/>
-          <a:p>
-            <a:r>
-              <a:rPr lang="en-US" sz="1200" dirty="0"/>
-              <a:t>&lt;zowe-instance-dir-1&gt;</a:t>
-            </a:r>
-          </a:p>
-          <a:p>
-            <a:r>
-              <a:rPr lang="en-US" sz="1200" dirty="0"/>
-              <a:t>   /bin</a:t>
-            </a:r>
-          </a:p>
-          <a:p>
-            <a:r>
-              <a:rPr lang="en-US" sz="1200" dirty="0"/>
-              <a:t>      </a:t>
-            </a:r>
-            <a:r>
-              <a:rPr lang="en-US" sz="1200" b="1" dirty="0" err="1"/>
-              <a:t>zowe-start.sh</a:t>
-            </a:r>
-            <a:endParaRPr lang="en-US" sz="1200" b="1" dirty="0"/>
-          </a:p>
-          <a:p>
-            <a:r>
-              <a:rPr lang="en-US" sz="1200" dirty="0"/>
-              <a:t>      </a:t>
-            </a:r>
-            <a:r>
-              <a:rPr lang="en-US" sz="1200" dirty="0" err="1"/>
-              <a:t>zowe-stop.sh</a:t>
-            </a:r>
-            <a:endParaRPr lang="en-US" sz="1200" dirty="0"/>
-          </a:p>
-          <a:p>
-            <a:r>
-              <a:rPr lang="en-US" sz="1200" dirty="0"/>
-              <a:t>   </a:t>
-            </a:r>
-            <a:r>
-              <a:rPr lang="en-US" sz="1200" b="1" dirty="0" err="1"/>
-              <a:t>instance.env</a:t>
-            </a:r>
-            <a:endParaRPr lang="en-US" sz="1200" b="1" dirty="0"/>
-          </a:p>
-          <a:p>
-            <a:r>
-              <a:rPr lang="en-US" sz="1200" dirty="0"/>
-              <a:t>  /logs</a:t>
-            </a:r>
-          </a:p>
-          <a:p>
-            <a:r>
-              <a:rPr lang="en-US" sz="1200" dirty="0"/>
-              <a:t>  /workspace</a:t>
-            </a:r>
-          </a:p>
-          <a:p>
-            <a:r>
-              <a:rPr lang="en-US" sz="1200" dirty="0"/>
-              <a:t>     /app-server</a:t>
-            </a:r>
-          </a:p>
-          <a:p>
-            <a:r>
-              <a:rPr lang="en-US" sz="1200" dirty="0"/>
-              <a:t>        /plugins</a:t>
-            </a:r>
-          </a:p>
-        </p:txBody>
-      </p:sp>
-      <p:sp>
-        <p:nvSpPr>
-          <p:cNvPr id="7" name="TextBox 6">
-            <a:extLst>
-              <a:ext uri="{FF2B5EF4-FFF2-40B4-BE49-F238E27FC236}">
-                <a16:creationId xmlns:a16="http://schemas.microsoft.com/office/drawing/2014/main" id="{1954A4D7-5554-EA41-A1B9-776DE3020AE6}"/>
-              </a:ext>
-            </a:extLst>
-          </p:cNvPr>
-          <p:cNvSpPr txBox="1"/>
-          <p:nvPr/>
-        </p:nvSpPr>
-        <p:spPr>
-          <a:xfrm>
-            <a:off x="6438791" y="3663122"/>
-            <a:ext cx="1565878" cy="1200329"/>
-          </a:xfrm>
-          <a:prstGeom prst="rect">
-            <a:avLst/>
-          </a:prstGeom>
-          <a:solidFill>
-            <a:schemeClr val="accent6">
-              <a:lumMod val="20000"/>
-              <a:lumOff val="80000"/>
-            </a:schemeClr>
-          </a:solidFill>
-        </p:spPr>
-        <p:txBody>
-          <a:bodyPr wrap="none" rtlCol="0">
-            <a:spAutoFit/>
-          </a:bodyPr>
-          <a:lstStyle/>
-          <a:p>
-            <a:r>
-              <a:rPr lang="en-US" sz="1200" dirty="0"/>
-              <a:t>&lt;zowe-instance-dir-2&gt;</a:t>
-            </a:r>
-          </a:p>
-          <a:p>
-            <a:r>
-              <a:rPr lang="en-US" sz="1200" dirty="0"/>
-              <a:t>   /bin</a:t>
-            </a:r>
-          </a:p>
-          <a:p>
-            <a:r>
-              <a:rPr lang="en-US" sz="1200" dirty="0"/>
-              <a:t>      </a:t>
-            </a:r>
-            <a:r>
-              <a:rPr lang="en-US" sz="1200" b="1" dirty="0" err="1"/>
-              <a:t>zowe-start.sh</a:t>
-            </a:r>
-            <a:endParaRPr lang="en-US" sz="1200" b="1" dirty="0"/>
-          </a:p>
-          <a:p>
-            <a:r>
-              <a:rPr lang="en-US" sz="1200" dirty="0"/>
-              <a:t>      </a:t>
-            </a:r>
-            <a:r>
-              <a:rPr lang="en-US" sz="1200" dirty="0" err="1"/>
-              <a:t>zowe-stop.sh</a:t>
-            </a:r>
-            <a:endParaRPr lang="en-US" sz="1200" dirty="0"/>
-          </a:p>
-          <a:p>
-            <a:r>
-              <a:rPr lang="en-US" sz="1200" dirty="0"/>
-              <a:t>   </a:t>
-            </a:r>
-            <a:r>
-              <a:rPr lang="en-US" sz="1200" b="1" dirty="0" err="1"/>
-              <a:t>instance.env</a:t>
-            </a:r>
-            <a:endParaRPr lang="en-US" sz="1200" b="1" dirty="0"/>
-          </a:p>
-          <a:p>
-            <a:r>
-              <a:rPr lang="en-US" sz="1200" dirty="0"/>
-              <a:t>   …</a:t>
-            </a:r>
-          </a:p>
-        </p:txBody>
-      </p:sp>
-      <p:sp>
-        <p:nvSpPr>
-          <p:cNvPr id="8" name="TextBox 7">
-            <a:extLst>
-              <a:ext uri="{FF2B5EF4-FFF2-40B4-BE49-F238E27FC236}">
-                <a16:creationId xmlns:a16="http://schemas.microsoft.com/office/drawing/2014/main" id="{251231C7-2D30-2A40-91E4-B0188B9BA133}"/>
-              </a:ext>
-            </a:extLst>
-          </p:cNvPr>
-          <p:cNvSpPr txBox="1"/>
-          <p:nvPr/>
-        </p:nvSpPr>
-        <p:spPr>
-          <a:xfrm>
-            <a:off x="1498011" y="352582"/>
-            <a:ext cx="2552943" cy="646331"/>
-          </a:xfrm>
-          <a:prstGeom prst="rect">
-            <a:avLst/>
-          </a:prstGeom>
-          <a:noFill/>
-        </p:spPr>
-        <p:txBody>
-          <a:bodyPr wrap="none" rtlCol="0">
-            <a:spAutoFit/>
-          </a:bodyPr>
-          <a:lstStyle/>
-          <a:p>
-            <a:r>
-              <a:rPr lang="en-US" dirty="0" err="1"/>
-              <a:t>Zowe</a:t>
-            </a:r>
-            <a:r>
-              <a:rPr lang="en-US" dirty="0"/>
-              <a:t> runtime USS folder,</a:t>
-            </a:r>
-          </a:p>
-          <a:p>
-            <a:r>
-              <a:rPr lang="en-US" dirty="0"/>
-              <a:t>/</a:t>
-            </a:r>
-            <a:r>
-              <a:rPr lang="en-US" dirty="0" err="1"/>
-              <a:t>usr</a:t>
-            </a:r>
-            <a:r>
-              <a:rPr lang="en-US" dirty="0"/>
-              <a:t>/</a:t>
-            </a:r>
-            <a:r>
-              <a:rPr lang="en-US" dirty="0" err="1"/>
-              <a:t>lpp</a:t>
-            </a:r>
-            <a:r>
-              <a:rPr lang="en-US" dirty="0"/>
-              <a:t>/</a:t>
-            </a:r>
-            <a:r>
-              <a:rPr lang="en-US" dirty="0" err="1"/>
-              <a:t>zowe</a:t>
-            </a:r>
-            <a:r>
-              <a:rPr lang="en-US" dirty="0"/>
-              <a:t>/v1</a:t>
-            </a:r>
-          </a:p>
-        </p:txBody>
-      </p:sp>
-      <p:sp>
-        <p:nvSpPr>
-          <p:cNvPr id="9" name="TextBox 8">
-            <a:extLst>
-              <a:ext uri="{FF2B5EF4-FFF2-40B4-BE49-F238E27FC236}">
-                <a16:creationId xmlns:a16="http://schemas.microsoft.com/office/drawing/2014/main" id="{D9EB0348-D75D-7942-9092-B76A9EE85137}"/>
-              </a:ext>
-            </a:extLst>
-          </p:cNvPr>
-          <p:cNvSpPr txBox="1"/>
-          <p:nvPr/>
-        </p:nvSpPr>
-        <p:spPr>
-          <a:xfrm>
-            <a:off x="5338718" y="168418"/>
-            <a:ext cx="1575688" cy="646331"/>
-          </a:xfrm>
-          <a:prstGeom prst="rect">
-            <a:avLst/>
-          </a:prstGeom>
-          <a:noFill/>
-        </p:spPr>
-        <p:txBody>
-          <a:bodyPr wrap="none" rtlCol="0">
-            <a:spAutoFit/>
-          </a:bodyPr>
-          <a:lstStyle/>
-          <a:p>
-            <a:r>
-              <a:rPr lang="en-US" dirty="0" err="1"/>
-              <a:t>Zowe</a:t>
-            </a:r>
-            <a:r>
-              <a:rPr lang="en-US" dirty="0"/>
-              <a:t> instance </a:t>
-            </a:r>
-          </a:p>
-          <a:p>
-            <a:r>
-              <a:rPr lang="en-US" dirty="0"/>
-              <a:t>USS folder(s)</a:t>
-            </a:r>
-          </a:p>
-        </p:txBody>
-      </p:sp>
-      <p:sp>
-        <p:nvSpPr>
-          <p:cNvPr id="10" name="TextBox 9">
-            <a:extLst>
-              <a:ext uri="{FF2B5EF4-FFF2-40B4-BE49-F238E27FC236}">
-                <a16:creationId xmlns:a16="http://schemas.microsoft.com/office/drawing/2014/main" id="{29717D3A-CB3D-AE44-85CC-406C547D6332}"/>
-              </a:ext>
-            </a:extLst>
-          </p:cNvPr>
-          <p:cNvSpPr txBox="1"/>
-          <p:nvPr/>
-        </p:nvSpPr>
-        <p:spPr>
-          <a:xfrm>
-            <a:off x="223113" y="5164030"/>
-            <a:ext cx="2658485" cy="1569660"/>
-          </a:xfrm>
-          <a:prstGeom prst="rect">
-            <a:avLst/>
-          </a:prstGeom>
-          <a:solidFill>
-            <a:schemeClr val="accent6">
-              <a:lumMod val="20000"/>
-              <a:lumOff val="80000"/>
-            </a:schemeClr>
-          </a:solidFill>
-        </p:spPr>
-        <p:txBody>
-          <a:bodyPr wrap="none" rtlCol="0">
-            <a:spAutoFit/>
-          </a:bodyPr>
-          <a:lstStyle/>
-          <a:p>
-            <a:r>
-              <a:rPr lang="en-US" sz="1200" dirty="0"/>
-              <a:t>&lt;KEYSTORE_DIRECTORY&gt;</a:t>
-            </a:r>
-          </a:p>
-          <a:p>
-            <a:r>
-              <a:rPr lang="en-US" sz="1200" b="1" dirty="0"/>
-              <a:t>   Northbound certificate</a:t>
-            </a:r>
-          </a:p>
-          <a:p>
-            <a:r>
-              <a:rPr lang="en-US" sz="1200" dirty="0"/>
-              <a:t>      (generated and self signed)</a:t>
-            </a:r>
-          </a:p>
-          <a:p>
-            <a:r>
-              <a:rPr lang="en-US" sz="1200" dirty="0"/>
-              <a:t>      (generated and existing CA signed)</a:t>
-            </a:r>
-          </a:p>
-          <a:p>
-            <a:r>
-              <a:rPr lang="en-US" sz="1200" dirty="0"/>
-              <a:t>      (imported)</a:t>
-            </a:r>
-          </a:p>
-          <a:p>
-            <a:r>
-              <a:rPr lang="en-US" sz="1200" dirty="0"/>
-              <a:t>      (imported from existing SAF) – to do</a:t>
-            </a:r>
-          </a:p>
-          <a:p>
-            <a:r>
-              <a:rPr lang="en-US" sz="1200" b="1" dirty="0"/>
-              <a:t>   Southbound trust store</a:t>
-            </a:r>
-          </a:p>
-          <a:p>
-            <a:r>
-              <a:rPr lang="en-US" sz="1200" b="1" dirty="0"/>
-              <a:t>      VERIFY_SSL</a:t>
-            </a:r>
-            <a:r>
-              <a:rPr lang="en-US" sz="1200" dirty="0"/>
-              <a:t>=true/false </a:t>
-            </a:r>
-          </a:p>
-        </p:txBody>
-      </p:sp>
-      <p:sp>
-        <p:nvSpPr>
-          <p:cNvPr id="12" name="TextBox 11">
-            <a:extLst>
-              <a:ext uri="{FF2B5EF4-FFF2-40B4-BE49-F238E27FC236}">
-                <a16:creationId xmlns:a16="http://schemas.microsoft.com/office/drawing/2014/main" id="{16CB6F60-5C63-9648-95C3-32B910EEA01D}"/>
-              </a:ext>
-            </a:extLst>
-          </p:cNvPr>
-          <p:cNvSpPr txBox="1"/>
-          <p:nvPr/>
-        </p:nvSpPr>
-        <p:spPr>
-          <a:xfrm>
-            <a:off x="8027864" y="491583"/>
-            <a:ext cx="3556358" cy="2308324"/>
-          </a:xfrm>
-          <a:prstGeom prst="rect">
-            <a:avLst/>
-          </a:prstGeom>
-          <a:noFill/>
           <a:ln>
             <a:solidFill>
               <a:schemeClr val="tx1"/>
             </a:solidFill>
           </a:ln>
         </p:spPr>
-        <p:txBody>
-          <a:bodyPr wrap="none" rtlCol="0">
-            <a:spAutoFit/>
-          </a:bodyPr>
-          <a:lstStyle/>
-          <a:p>
-            <a:r>
-              <a:rPr lang="en-US" sz="1200" b="1" dirty="0"/>
-              <a:t>ROOT_DIR=</a:t>
-            </a:r>
-          </a:p>
-          <a:p>
-            <a:r>
-              <a:rPr lang="en-US" sz="1200" dirty="0"/>
-              <a:t>ZOWE_JAVA_HOME=</a:t>
-            </a:r>
-          </a:p>
-          <a:p>
-            <a:r>
-              <a:rPr lang="en-US" sz="1200" dirty="0"/>
-              <a:t>ZOWE_NODE_HOME=</a:t>
-            </a:r>
-          </a:p>
-          <a:p>
-            <a:r>
-              <a:rPr lang="en-US" sz="1200" dirty="0"/>
-              <a:t>ZOSMF_PORT=</a:t>
-            </a:r>
-          </a:p>
-          <a:p>
-            <a:r>
-              <a:rPr lang="en-US" sz="1200" dirty="0"/>
-              <a:t>ZOSMF_HOST=</a:t>
-            </a:r>
-          </a:p>
-          <a:p>
-            <a:r>
-              <a:rPr lang="en-US" sz="1200" dirty="0"/>
-              <a:t>ZOWE_IP_ADDRESS=</a:t>
-            </a:r>
-          </a:p>
-          <a:p>
-            <a:r>
-              <a:rPr lang="en-US" sz="1200" dirty="0"/>
-              <a:t>ZOWE_EXPLORER_HOST=</a:t>
-            </a:r>
-          </a:p>
-          <a:p>
-            <a:r>
-              <a:rPr lang="en-US" sz="1200" b="1" dirty="0"/>
-              <a:t>KEYSTORE_DIRECTORY=</a:t>
-            </a:r>
-          </a:p>
-          <a:p>
-            <a:r>
-              <a:rPr lang="en-US" sz="1200" dirty="0"/>
-              <a:t>ZOWE_ZLUX+SERVER_PORT=</a:t>
-            </a:r>
-          </a:p>
-          <a:p>
-            <a:r>
-              <a:rPr lang="en-US" sz="1200" dirty="0"/>
-              <a:t>…&lt;PORT&gt;</a:t>
-            </a:r>
-          </a:p>
-          <a:p>
-            <a:r>
-              <a:rPr lang="en-US" sz="1200" b="1" dirty="0"/>
-              <a:t>LAUNCH_COMPONENT_GROUPS</a:t>
-            </a:r>
-            <a:r>
-              <a:rPr lang="en-US" sz="1200" dirty="0"/>
-              <a:t>=</a:t>
-            </a:r>
-            <a:r>
-              <a:rPr lang="en-US" sz="1200" dirty="0">
+        <p:style>
+          <a:lnRef idx="1">
+            <a:schemeClr val="accent1"/>
+          </a:lnRef>
+          <a:fillRef idx="3">
+            <a:schemeClr val="accent1"/>
+          </a:fillRef>
+          <a:effectRef idx="2">
+            <a:schemeClr val="accent1"/>
+          </a:effectRef>
+          <a:fontRef idx="minor">
+            <a:schemeClr val="lt1"/>
+          </a:fontRef>
+        </p:style>
+        <p:txBody>
+          <a:bodyPr rtlCol="0" anchor="ctr"/>
+          <a:lstStyle/>
+          <a:p>
+            <a:pPr algn="ctr"/>
+            <a:endParaRPr lang="en-US" sz="533" dirty="0">
+              <a:solidFill>
+                <a:schemeClr val="tx1"/>
+              </a:solidFill>
+              <a:latin typeface="Menlo" panose="020B0609030804020204" pitchFamily="49" charset="0"/>
+              <a:ea typeface="Menlo" panose="020B0609030804020204" pitchFamily="49" charset="0"/>
+              <a:cs typeface="Menlo" panose="020B0609030804020204" pitchFamily="49" charset="0"/>
+            </a:endParaRPr>
+          </a:p>
+          <a:p>
+            <a:pPr algn="ctr"/>
+            <a:endParaRPr lang="en-US" sz="533" dirty="0">
+              <a:solidFill>
+                <a:schemeClr val="tx1"/>
+              </a:solidFill>
+              <a:latin typeface="Menlo" panose="020B0609030804020204" pitchFamily="49" charset="0"/>
+              <a:ea typeface="Menlo" panose="020B0609030804020204" pitchFamily="49" charset="0"/>
+              <a:cs typeface="Menlo" panose="020B0609030804020204" pitchFamily="49" charset="0"/>
+            </a:endParaRPr>
+          </a:p>
+          <a:p>
+            <a:pPr algn="ctr"/>
+            <a:endParaRPr lang="en-US" sz="533" dirty="0">
+              <a:solidFill>
+                <a:schemeClr val="tx1"/>
+              </a:solidFill>
+              <a:latin typeface="Menlo" panose="020B0609030804020204" pitchFamily="49" charset="0"/>
+              <a:ea typeface="Menlo" panose="020B0609030804020204" pitchFamily="49" charset="0"/>
+              <a:cs typeface="Menlo" panose="020B0609030804020204" pitchFamily="49" charset="0"/>
+            </a:endParaRPr>
+          </a:p>
+          <a:p>
+            <a:pPr algn="ctr"/>
+            <a:endParaRPr lang="en-US" sz="533" dirty="0">
+              <a:solidFill>
+                <a:schemeClr val="tx1"/>
+              </a:solidFill>
+              <a:latin typeface="Menlo" panose="020B0609030804020204" pitchFamily="49" charset="0"/>
+              <a:ea typeface="Menlo" panose="020B0609030804020204" pitchFamily="49" charset="0"/>
+              <a:cs typeface="Menlo" panose="020B0609030804020204" pitchFamily="49" charset="0"/>
+            </a:endParaRPr>
+          </a:p>
+          <a:p>
+            <a:pPr algn="ctr"/>
+            <a:endParaRPr lang="en-US" sz="533" dirty="0">
+              <a:solidFill>
+                <a:schemeClr val="tx1"/>
+              </a:solidFill>
+              <a:latin typeface="Menlo" panose="020B0609030804020204" pitchFamily="49" charset="0"/>
+              <a:ea typeface="Menlo" panose="020B0609030804020204" pitchFamily="49" charset="0"/>
+              <a:cs typeface="Menlo" panose="020B0609030804020204" pitchFamily="49" charset="0"/>
+            </a:endParaRPr>
+          </a:p>
+          <a:p>
+            <a:pPr algn="ctr"/>
+            <a:r>
+              <a:rPr lang="en-US" sz="533" dirty="0">
                 <a:solidFill>
-                  <a:schemeClr val="accent1">
-                    <a:lumMod val="75000"/>
-                  </a:schemeClr>
+                  <a:schemeClr val="tx1"/>
                 </a:solidFill>
+                <a:latin typeface="Menlo" panose="020B0609030804020204" pitchFamily="49" charset="0"/>
+                <a:ea typeface="Menlo" panose="020B0609030804020204" pitchFamily="49" charset="0"/>
+                <a:cs typeface="Menlo" panose="020B0609030804020204" pitchFamily="49" charset="0"/>
               </a:rPr>
-              <a:t>GATEWAY,DESKTOP</a:t>
-            </a:r>
-          </a:p>
-          <a:p>
-            <a:r>
-              <a:rPr lang="en-US" sz="1200" b="1" dirty="0"/>
-              <a:t>ZWEAD_EXTERNAL_STATIC_DEF_DIRECTORIES=</a:t>
+              <a:t>iFrame</a:t>
+            </a:r>
+          </a:p>
+        </p:txBody>
+      </p:sp>
+      <p:sp>
+        <p:nvSpPr>
+          <p:cNvPr id="84" name="Rectangle 83">
+            <a:extLst>
+              <a:ext uri="{FF2B5EF4-FFF2-40B4-BE49-F238E27FC236}">
+                <a16:creationId xmlns:a16="http://schemas.microsoft.com/office/drawing/2014/main" id="{54414DDB-8967-8D45-908D-A9FDFFB61FF7}"/>
+              </a:ext>
+            </a:extLst>
+          </p:cNvPr>
+          <p:cNvSpPr/>
+          <p:nvPr/>
+        </p:nvSpPr>
+        <p:spPr>
+          <a:xfrm>
+            <a:off x="6878388" y="690378"/>
+            <a:ext cx="5097850" cy="653826"/>
+          </a:xfrm>
+          <a:prstGeom prst="rect">
+            <a:avLst/>
+          </a:prstGeom>
+          <a:solidFill>
+            <a:schemeClr val="accent1">
+              <a:lumMod val="20000"/>
+              <a:lumOff val="80000"/>
+            </a:schemeClr>
+          </a:solidFill>
+          <a:ln>
+            <a:prstDash val="solid"/>
+          </a:ln>
+        </p:spPr>
+        <p:style>
+          <a:lnRef idx="1">
+            <a:schemeClr val="accent1"/>
+          </a:lnRef>
+          <a:fillRef idx="3">
+            <a:schemeClr val="accent1"/>
+          </a:fillRef>
+          <a:effectRef idx="2">
+            <a:schemeClr val="accent1"/>
+          </a:effectRef>
+          <a:fontRef idx="minor">
+            <a:schemeClr val="lt1"/>
+          </a:fontRef>
+        </p:style>
+        <p:txBody>
+          <a:bodyPr rtlCol="0" anchor="ctr"/>
+          <a:lstStyle/>
+          <a:p>
+            <a:pPr algn="ctr"/>
+            <a:r>
+              <a:rPr lang="en-US" sz="1467">
+                <a:solidFill>
+                  <a:schemeClr val="tx1"/>
+                </a:solidFill>
+                <a:latin typeface="Menlo" charset="0"/>
+                <a:ea typeface="Menlo" charset="0"/>
+                <a:cs typeface="Menlo" charset="0"/>
+              </a:rPr>
+              <a:t>                 </a:t>
+            </a:r>
+          </a:p>
+          <a:p>
+            <a:pPr algn="ctr"/>
+            <a:endParaRPr lang="en-US" sz="1467">
+              <a:solidFill>
+                <a:schemeClr val="tx1"/>
+              </a:solidFill>
+              <a:latin typeface="Menlo" charset="0"/>
+              <a:ea typeface="Menlo" charset="0"/>
+              <a:cs typeface="Menlo" charset="0"/>
+            </a:endParaRPr>
+          </a:p>
+          <a:p>
+            <a:pPr algn="ctr"/>
+            <a:endParaRPr lang="en-US" sz="1467">
+              <a:solidFill>
+                <a:schemeClr val="tx1"/>
+              </a:solidFill>
+              <a:latin typeface="Menlo" charset="0"/>
+              <a:ea typeface="Menlo" charset="0"/>
+              <a:cs typeface="Menlo" charset="0"/>
+            </a:endParaRPr>
+          </a:p>
+        </p:txBody>
+      </p:sp>
+      <p:sp>
+        <p:nvSpPr>
+          <p:cNvPr id="27" name="Rectangle 26">
+            <a:extLst>
+              <a:ext uri="{FF2B5EF4-FFF2-40B4-BE49-F238E27FC236}">
+                <a16:creationId xmlns:a16="http://schemas.microsoft.com/office/drawing/2014/main" id="{B8BD38E5-B719-A040-961F-CB1DDA431BCD}"/>
+              </a:ext>
+            </a:extLst>
+          </p:cNvPr>
+          <p:cNvSpPr/>
+          <p:nvPr/>
+        </p:nvSpPr>
+        <p:spPr>
+          <a:xfrm rot="5400000">
+            <a:off x="5035711" y="-532099"/>
+            <a:ext cx="818941" cy="6801289"/>
+          </a:xfrm>
+          <a:prstGeom prst="rect">
+            <a:avLst/>
+          </a:prstGeom>
+          <a:solidFill>
+            <a:schemeClr val="accent4">
+              <a:lumMod val="20000"/>
+              <a:lumOff val="80000"/>
+            </a:schemeClr>
+          </a:solidFill>
+        </p:spPr>
+        <p:style>
+          <a:lnRef idx="2">
+            <a:schemeClr val="accent1">
+              <a:shade val="50000"/>
+            </a:schemeClr>
+          </a:lnRef>
+          <a:fillRef idx="1">
+            <a:schemeClr val="accent1"/>
+          </a:fillRef>
+          <a:effectRef idx="0">
+            <a:schemeClr val="accent1"/>
+          </a:effectRef>
+          <a:fontRef idx="minor">
+            <a:schemeClr val="lt1"/>
+          </a:fontRef>
+        </p:style>
+        <p:txBody>
+          <a:bodyPr rtlCol="0" anchor="ctr"/>
+          <a:lstStyle/>
+          <a:p>
+            <a:pPr algn="ctr"/>
+            <a:endParaRPr lang="en-US"/>
+          </a:p>
+        </p:txBody>
+      </p:sp>
+      <p:sp>
+        <p:nvSpPr>
+          <p:cNvPr id="28" name="Rectangle 27">
+            <a:extLst>
+              <a:ext uri="{FF2B5EF4-FFF2-40B4-BE49-F238E27FC236}">
+                <a16:creationId xmlns:a16="http://schemas.microsoft.com/office/drawing/2014/main" id="{F5196AA6-3EF6-D842-A7AC-4C65195FFE4F}"/>
+              </a:ext>
+            </a:extLst>
+          </p:cNvPr>
+          <p:cNvSpPr/>
+          <p:nvPr/>
+        </p:nvSpPr>
+        <p:spPr>
+          <a:xfrm>
+            <a:off x="2056185" y="2459074"/>
+            <a:ext cx="6789640" cy="281271"/>
+          </a:xfrm>
+          <a:prstGeom prst="rect">
+            <a:avLst/>
+          </a:prstGeom>
+          <a:noFill/>
+        </p:spPr>
+        <p:style>
+          <a:lnRef idx="2">
+            <a:schemeClr val="accent1">
+              <a:shade val="50000"/>
+            </a:schemeClr>
+          </a:lnRef>
+          <a:fillRef idx="1">
+            <a:schemeClr val="accent1"/>
+          </a:fillRef>
+          <a:effectRef idx="0">
+            <a:schemeClr val="accent1"/>
+          </a:effectRef>
+          <a:fontRef idx="minor">
+            <a:schemeClr val="lt1"/>
+          </a:fontRef>
+        </p:style>
+        <p:txBody>
+          <a:bodyPr rtlCol="0" anchor="ctr"/>
+          <a:lstStyle/>
+          <a:p>
+            <a:pPr algn="ctr"/>
+            <a:r>
+              <a:rPr lang="en-US" sz="1000">
+                <a:solidFill>
+                  <a:schemeClr val="tx1"/>
+                </a:solidFill>
+                <a:latin typeface="Menlo" panose="020B0609030804020204" pitchFamily="49" charset="0"/>
+                <a:ea typeface="Menlo" panose="020B0609030804020204" pitchFamily="49" charset="0"/>
+                <a:cs typeface="Menlo" panose="020B0609030804020204" pitchFamily="49" charset="0"/>
+              </a:rPr>
+              <a:t>API Gateway</a:t>
+            </a:r>
+          </a:p>
+        </p:txBody>
+      </p:sp>
+      <p:sp>
+        <p:nvSpPr>
+          <p:cNvPr id="29" name="Rectangle 28">
+            <a:extLst>
+              <a:ext uri="{FF2B5EF4-FFF2-40B4-BE49-F238E27FC236}">
+                <a16:creationId xmlns:a16="http://schemas.microsoft.com/office/drawing/2014/main" id="{8AF582D8-88EE-2542-99A4-79D337267C65}"/>
+              </a:ext>
+            </a:extLst>
+          </p:cNvPr>
+          <p:cNvSpPr/>
+          <p:nvPr/>
+        </p:nvSpPr>
+        <p:spPr>
+          <a:xfrm>
+            <a:off x="2044538" y="3740833"/>
+            <a:ext cx="768237" cy="492369"/>
+          </a:xfrm>
+          <a:prstGeom prst="rect">
+            <a:avLst/>
+          </a:prstGeom>
+          <a:solidFill>
+            <a:schemeClr val="accent4">
+              <a:lumMod val="20000"/>
+              <a:lumOff val="80000"/>
+            </a:schemeClr>
+          </a:solidFill>
+        </p:spPr>
+        <p:style>
+          <a:lnRef idx="2">
+            <a:schemeClr val="accent1">
+              <a:shade val="50000"/>
+            </a:schemeClr>
+          </a:lnRef>
+          <a:fillRef idx="1">
+            <a:schemeClr val="accent1"/>
+          </a:fillRef>
+          <a:effectRef idx="0">
+            <a:schemeClr val="accent1"/>
+          </a:effectRef>
+          <a:fontRef idx="minor">
+            <a:schemeClr val="lt1"/>
+          </a:fontRef>
+        </p:style>
+        <p:txBody>
+          <a:bodyPr rtlCol="0" anchor="ctr"/>
+          <a:lstStyle/>
+          <a:p>
+            <a:pPr algn="ctr"/>
+            <a:r>
+              <a:rPr lang="en-US" sz="933">
+                <a:solidFill>
+                  <a:schemeClr val="tx1"/>
+                </a:solidFill>
+                <a:latin typeface="Menlo" panose="020B0609030804020204" pitchFamily="49" charset="0"/>
+                <a:ea typeface="Menlo" panose="020B0609030804020204" pitchFamily="49" charset="0"/>
+                <a:cs typeface="Menlo" panose="020B0609030804020204" pitchFamily="49" charset="0"/>
+              </a:rPr>
+              <a:t>API Catalog</a:t>
+            </a:r>
+          </a:p>
+        </p:txBody>
+      </p:sp>
+      <p:sp>
+        <p:nvSpPr>
+          <p:cNvPr id="30" name="Rectangle 29">
+            <a:extLst>
+              <a:ext uri="{FF2B5EF4-FFF2-40B4-BE49-F238E27FC236}">
+                <a16:creationId xmlns:a16="http://schemas.microsoft.com/office/drawing/2014/main" id="{613B60D4-E0F5-8544-BEFF-75487F8C5CB8}"/>
+              </a:ext>
+            </a:extLst>
+          </p:cNvPr>
+          <p:cNvSpPr/>
+          <p:nvPr/>
+        </p:nvSpPr>
+        <p:spPr>
+          <a:xfrm>
+            <a:off x="2878262" y="3744798"/>
+            <a:ext cx="918487" cy="492369"/>
+          </a:xfrm>
+          <a:prstGeom prst="rect">
+            <a:avLst/>
+          </a:prstGeom>
+          <a:solidFill>
+            <a:schemeClr val="accent4">
+              <a:lumMod val="20000"/>
+              <a:lumOff val="80000"/>
+            </a:schemeClr>
+          </a:solidFill>
+        </p:spPr>
+        <p:style>
+          <a:lnRef idx="2">
+            <a:schemeClr val="accent1">
+              <a:shade val="50000"/>
+            </a:schemeClr>
+          </a:lnRef>
+          <a:fillRef idx="1">
+            <a:schemeClr val="accent1"/>
+          </a:fillRef>
+          <a:effectRef idx="0">
+            <a:schemeClr val="accent1"/>
+          </a:effectRef>
+          <a:fontRef idx="minor">
+            <a:schemeClr val="lt1"/>
+          </a:fontRef>
+        </p:style>
+        <p:txBody>
+          <a:bodyPr rtlCol="0" anchor="ctr"/>
+          <a:lstStyle/>
+          <a:p>
+            <a:pPr algn="ctr"/>
+            <a:r>
+              <a:rPr lang="en-US" sz="933">
+                <a:solidFill>
+                  <a:schemeClr val="tx1"/>
+                </a:solidFill>
+                <a:latin typeface="Menlo" panose="020B0609030804020204" pitchFamily="49" charset="0"/>
+                <a:ea typeface="Menlo" panose="020B0609030804020204" pitchFamily="49" charset="0"/>
+                <a:cs typeface="Menlo" panose="020B0609030804020204" pitchFamily="49" charset="0"/>
+              </a:rPr>
+              <a:t>API Discovery</a:t>
             </a:r>
           </a:p>
         </p:txBody>
       </p:sp>
       <p:cxnSp>
         <p:nvCxnSpPr>
-          <p:cNvPr id="14" name="Straight Arrow Connector 13">
-            <a:extLst>
-              <a:ext uri="{FF2B5EF4-FFF2-40B4-BE49-F238E27FC236}">
-                <a16:creationId xmlns:a16="http://schemas.microsoft.com/office/drawing/2014/main" id="{B6821393-73DA-FB4A-91D5-B1AFA371D06D}"/>
-              </a:ext>
-            </a:extLst>
-          </p:cNvPr>
-          <p:cNvCxnSpPr/>
+          <p:cNvPr id="32" name="Straight Arrow Connector 31">
+            <a:extLst>
+              <a:ext uri="{FF2B5EF4-FFF2-40B4-BE49-F238E27FC236}">
+                <a16:creationId xmlns:a16="http://schemas.microsoft.com/office/drawing/2014/main" id="{BD316678-45F2-FC41-929D-9AFEFDB6D35C}"/>
+              </a:ext>
+            </a:extLst>
+          </p:cNvPr>
+          <p:cNvCxnSpPr>
+            <a:cxnSpLocks/>
+            <a:endCxn id="29" idx="0"/>
+          </p:cNvCxnSpPr>
           <p:nvPr/>
         </p:nvCxnSpPr>
         <p:spPr>
           <a:xfrm>
-            <a:off x="6806583" y="2043289"/>
-            <a:ext cx="1140795" cy="0"/>
+            <a:off x="2428656" y="3278017"/>
+            <a:ext cx="0" cy="462817"/>
           </a:xfrm>
           <a:prstGeom prst="straightConnector1">
             <a:avLst/>
           </a:prstGeom>
           <a:ln>
+            <a:headEnd type="triangle"/>
             <a:tailEnd type="triangle"/>
           </a:ln>
         </p:spPr>
@@ -8890,10 +8836,10 @@
       </p:cxnSp>
       <p:cxnSp>
         <p:nvCxnSpPr>
-          <p:cNvPr id="17" name="Elbow Connector 16">
-            <a:extLst>
-              <a:ext uri="{FF2B5EF4-FFF2-40B4-BE49-F238E27FC236}">
-                <a16:creationId xmlns:a16="http://schemas.microsoft.com/office/drawing/2014/main" id="{1400D2BD-BA67-364F-B023-81891EF2154C}"/>
+          <p:cNvPr id="38" name="Straight Arrow Connector 37">
+            <a:extLst>
+              <a:ext uri="{FF2B5EF4-FFF2-40B4-BE49-F238E27FC236}">
+                <a16:creationId xmlns:a16="http://schemas.microsoft.com/office/drawing/2014/main" id="{2B8525D1-5DD2-9144-B286-EB52E77203BE}"/>
               </a:ext>
             </a:extLst>
           </p:cNvPr>
@@ -8903,16 +8849,381 @@
           <p:nvPr/>
         </p:nvCxnSpPr>
         <p:spPr>
-          <a:xfrm rot="5400000">
-            <a:off x="-535754" y="3308150"/>
-            <a:ext cx="3045208" cy="566141"/>
-          </a:xfrm>
-          <a:prstGeom prst="bentConnector3">
-            <a:avLst>
-              <a:gd name="adj1" fmla="val 50000"/>
-            </a:avLst>
+          <a:xfrm>
+            <a:off x="3296675" y="3278017"/>
+            <a:ext cx="0" cy="462817"/>
+          </a:xfrm>
+          <a:prstGeom prst="straightConnector1">
+            <a:avLst/>
           </a:prstGeom>
           <a:ln>
+            <a:headEnd type="triangle"/>
+            <a:tailEnd type="triangle"/>
+          </a:ln>
+        </p:spPr>
+        <p:style>
+          <a:lnRef idx="1">
+            <a:schemeClr val="accent1"/>
+          </a:lnRef>
+          <a:fillRef idx="0">
+            <a:schemeClr val="accent1"/>
+          </a:fillRef>
+          <a:effectRef idx="0">
+            <a:schemeClr val="accent1"/>
+          </a:effectRef>
+          <a:fontRef idx="minor">
+            <a:schemeClr val="tx1"/>
+          </a:fontRef>
+        </p:style>
+      </p:cxnSp>
+      <p:sp>
+        <p:nvSpPr>
+          <p:cNvPr id="39" name="Rectangle 38">
+            <a:extLst>
+              <a:ext uri="{FF2B5EF4-FFF2-40B4-BE49-F238E27FC236}">
+                <a16:creationId xmlns:a16="http://schemas.microsoft.com/office/drawing/2014/main" id="{82FFFBCF-6F96-BA4C-A2A8-04C04381BB79}"/>
+              </a:ext>
+            </a:extLst>
+          </p:cNvPr>
+          <p:cNvSpPr/>
+          <p:nvPr/>
+        </p:nvSpPr>
+        <p:spPr>
+          <a:xfrm>
+            <a:off x="3864323" y="3751646"/>
+            <a:ext cx="434690" cy="476272"/>
+          </a:xfrm>
+          <a:prstGeom prst="rect">
+            <a:avLst/>
+          </a:prstGeom>
+          <a:solidFill>
+            <a:schemeClr val="accent6">
+              <a:lumMod val="20000"/>
+              <a:lumOff val="80000"/>
+            </a:schemeClr>
+          </a:solidFill>
+        </p:spPr>
+        <p:style>
+          <a:lnRef idx="2">
+            <a:schemeClr val="accent1">
+              <a:shade val="50000"/>
+            </a:schemeClr>
+          </a:lnRef>
+          <a:fillRef idx="1">
+            <a:schemeClr val="accent1"/>
+          </a:fillRef>
+          <a:effectRef idx="0">
+            <a:schemeClr val="accent1"/>
+          </a:effectRef>
+          <a:fontRef idx="minor">
+            <a:schemeClr val="lt1"/>
+          </a:fontRef>
+        </p:style>
+        <p:txBody>
+          <a:bodyPr rtlCol="0" anchor="ctr"/>
+          <a:lstStyle/>
+          <a:p>
+            <a:pPr algn="ctr"/>
+            <a:r>
+              <a:rPr lang="en-US" sz="933">
+                <a:solidFill>
+                  <a:schemeClr val="tx1"/>
+                </a:solidFill>
+                <a:latin typeface="Menlo" panose="020B0609030804020204" pitchFamily="49" charset="0"/>
+                <a:ea typeface="Menlo" panose="020B0609030804020204" pitchFamily="49" charset="0"/>
+                <a:cs typeface="Menlo" panose="020B0609030804020204" pitchFamily="49" charset="0"/>
+              </a:rPr>
+              <a:t>MVS UI</a:t>
+            </a:r>
+          </a:p>
+        </p:txBody>
+      </p:sp>
+      <p:sp>
+        <p:nvSpPr>
+          <p:cNvPr id="40" name="Rectangle 39">
+            <a:extLst>
+              <a:ext uri="{FF2B5EF4-FFF2-40B4-BE49-F238E27FC236}">
+                <a16:creationId xmlns:a16="http://schemas.microsoft.com/office/drawing/2014/main" id="{EE3A7E9E-4BFA-7048-A93A-B226BC2CCB8D}"/>
+              </a:ext>
+            </a:extLst>
+          </p:cNvPr>
+          <p:cNvSpPr/>
+          <p:nvPr/>
+        </p:nvSpPr>
+        <p:spPr>
+          <a:xfrm>
+            <a:off x="4461540" y="3753969"/>
+            <a:ext cx="564732" cy="471956"/>
+          </a:xfrm>
+          <a:prstGeom prst="rect">
+            <a:avLst/>
+          </a:prstGeom>
+          <a:solidFill>
+            <a:schemeClr val="accent6">
+              <a:lumMod val="20000"/>
+              <a:lumOff val="80000"/>
+            </a:schemeClr>
+          </a:solidFill>
+        </p:spPr>
+        <p:style>
+          <a:lnRef idx="2">
+            <a:schemeClr val="accent1">
+              <a:shade val="50000"/>
+            </a:schemeClr>
+          </a:lnRef>
+          <a:fillRef idx="1">
+            <a:schemeClr val="accent1"/>
+          </a:fillRef>
+          <a:effectRef idx="0">
+            <a:schemeClr val="accent1"/>
+          </a:effectRef>
+          <a:fontRef idx="minor">
+            <a:schemeClr val="lt1"/>
+          </a:fontRef>
+        </p:style>
+        <p:txBody>
+          <a:bodyPr rtlCol="0" anchor="ctr"/>
+          <a:lstStyle/>
+          <a:p>
+            <a:pPr algn="ctr"/>
+            <a:r>
+              <a:rPr lang="en-US" sz="933">
+                <a:solidFill>
+                  <a:schemeClr val="tx1"/>
+                </a:solidFill>
+                <a:latin typeface="Menlo" panose="020B0609030804020204" pitchFamily="49" charset="0"/>
+                <a:ea typeface="Menlo" panose="020B0609030804020204" pitchFamily="49" charset="0"/>
+                <a:cs typeface="Menlo" panose="020B0609030804020204" pitchFamily="49" charset="0"/>
+              </a:rPr>
+              <a:t>JES UI</a:t>
+            </a:r>
+          </a:p>
+        </p:txBody>
+      </p:sp>
+      <p:sp>
+        <p:nvSpPr>
+          <p:cNvPr id="41" name="Rectangle 40">
+            <a:extLst>
+              <a:ext uri="{FF2B5EF4-FFF2-40B4-BE49-F238E27FC236}">
+                <a16:creationId xmlns:a16="http://schemas.microsoft.com/office/drawing/2014/main" id="{38830FD5-B0E7-304D-A162-42509A56C2A0}"/>
+              </a:ext>
+            </a:extLst>
+          </p:cNvPr>
+          <p:cNvSpPr/>
+          <p:nvPr/>
+        </p:nvSpPr>
+        <p:spPr>
+          <a:xfrm>
+            <a:off x="5139454" y="3751543"/>
+            <a:ext cx="647781" cy="476273"/>
+          </a:xfrm>
+          <a:prstGeom prst="rect">
+            <a:avLst/>
+          </a:prstGeom>
+          <a:solidFill>
+            <a:schemeClr val="accent6">
+              <a:lumMod val="20000"/>
+              <a:lumOff val="80000"/>
+            </a:schemeClr>
+          </a:solidFill>
+        </p:spPr>
+        <p:style>
+          <a:lnRef idx="2">
+            <a:schemeClr val="accent1">
+              <a:shade val="50000"/>
+            </a:schemeClr>
+          </a:lnRef>
+          <a:fillRef idx="1">
+            <a:schemeClr val="accent1"/>
+          </a:fillRef>
+          <a:effectRef idx="0">
+            <a:schemeClr val="accent1"/>
+          </a:effectRef>
+          <a:fontRef idx="minor">
+            <a:schemeClr val="lt1"/>
+          </a:fontRef>
+        </p:style>
+        <p:txBody>
+          <a:bodyPr rtlCol="0" anchor="ctr"/>
+          <a:lstStyle/>
+          <a:p>
+            <a:pPr algn="ctr"/>
+            <a:r>
+              <a:rPr lang="en-US" sz="933">
+                <a:solidFill>
+                  <a:schemeClr val="tx1"/>
+                </a:solidFill>
+                <a:latin typeface="Menlo" panose="020B0609030804020204" pitchFamily="49" charset="0"/>
+                <a:ea typeface="Menlo" panose="020B0609030804020204" pitchFamily="49" charset="0"/>
+                <a:cs typeface="Menlo" panose="020B0609030804020204" pitchFamily="49" charset="0"/>
+              </a:rPr>
+              <a:t>USS</a:t>
+            </a:r>
+          </a:p>
+          <a:p>
+            <a:pPr algn="ctr"/>
+            <a:r>
+              <a:rPr lang="en-US" sz="933">
+                <a:solidFill>
+                  <a:schemeClr val="tx1"/>
+                </a:solidFill>
+                <a:latin typeface="Menlo" panose="020B0609030804020204" pitchFamily="49" charset="0"/>
+                <a:ea typeface="Menlo" panose="020B0609030804020204" pitchFamily="49" charset="0"/>
+                <a:cs typeface="Menlo" panose="020B0609030804020204" pitchFamily="49" charset="0"/>
+              </a:rPr>
+              <a:t>UI</a:t>
+            </a:r>
+          </a:p>
+        </p:txBody>
+      </p:sp>
+      <p:sp>
+        <p:nvSpPr>
+          <p:cNvPr id="42" name="Rectangle 41">
+            <a:extLst>
+              <a:ext uri="{FF2B5EF4-FFF2-40B4-BE49-F238E27FC236}">
+                <a16:creationId xmlns:a16="http://schemas.microsoft.com/office/drawing/2014/main" id="{7A2C7D56-E8C6-1042-9DF3-33D6754C7710}"/>
+              </a:ext>
+            </a:extLst>
+          </p:cNvPr>
+          <p:cNvSpPr/>
+          <p:nvPr/>
+        </p:nvSpPr>
+        <p:spPr>
+          <a:xfrm>
+            <a:off x="3860713" y="4528999"/>
+            <a:ext cx="537932" cy="476275"/>
+          </a:xfrm>
+          <a:prstGeom prst="rect">
+            <a:avLst/>
+          </a:prstGeom>
+          <a:solidFill>
+            <a:schemeClr val="accent4">
+              <a:lumMod val="20000"/>
+              <a:lumOff val="80000"/>
+            </a:schemeClr>
+          </a:solidFill>
+        </p:spPr>
+        <p:style>
+          <a:lnRef idx="2">
+            <a:schemeClr val="accent1">
+              <a:shade val="50000"/>
+            </a:schemeClr>
+          </a:lnRef>
+          <a:fillRef idx="1">
+            <a:schemeClr val="accent1"/>
+          </a:fillRef>
+          <a:effectRef idx="0">
+            <a:schemeClr val="accent1"/>
+          </a:effectRef>
+          <a:fontRef idx="minor">
+            <a:schemeClr val="lt1"/>
+          </a:fontRef>
+        </p:style>
+        <p:txBody>
+          <a:bodyPr rtlCol="0" anchor="ctr"/>
+          <a:lstStyle/>
+          <a:p>
+            <a:pPr algn="ctr"/>
+            <a:r>
+              <a:rPr lang="en-US" sz="933">
+                <a:solidFill>
+                  <a:schemeClr val="tx1"/>
+                </a:solidFill>
+                <a:latin typeface="Menlo" panose="020B0609030804020204" pitchFamily="49" charset="0"/>
+                <a:ea typeface="Menlo" panose="020B0609030804020204" pitchFamily="49" charset="0"/>
+                <a:cs typeface="Menlo" panose="020B0609030804020204" pitchFamily="49" charset="0"/>
+              </a:rPr>
+              <a:t>File API</a:t>
+            </a:r>
+          </a:p>
+        </p:txBody>
+      </p:sp>
+      <p:sp>
+        <p:nvSpPr>
+          <p:cNvPr id="43" name="Rectangle 42">
+            <a:extLst>
+              <a:ext uri="{FF2B5EF4-FFF2-40B4-BE49-F238E27FC236}">
+                <a16:creationId xmlns:a16="http://schemas.microsoft.com/office/drawing/2014/main" id="{9CF8B830-DC0B-A740-A36B-B958C1A572E0}"/>
+              </a:ext>
+            </a:extLst>
+          </p:cNvPr>
+          <p:cNvSpPr/>
+          <p:nvPr/>
+        </p:nvSpPr>
+        <p:spPr>
+          <a:xfrm>
+            <a:off x="4548201" y="4527453"/>
+            <a:ext cx="566396" cy="476275"/>
+          </a:xfrm>
+          <a:prstGeom prst="rect">
+            <a:avLst/>
+          </a:prstGeom>
+          <a:solidFill>
+            <a:schemeClr val="accent4">
+              <a:lumMod val="20000"/>
+              <a:lumOff val="80000"/>
+            </a:schemeClr>
+          </a:solidFill>
+        </p:spPr>
+        <p:style>
+          <a:lnRef idx="2">
+            <a:schemeClr val="accent1">
+              <a:shade val="50000"/>
+            </a:schemeClr>
+          </a:lnRef>
+          <a:fillRef idx="1">
+            <a:schemeClr val="accent1"/>
+          </a:fillRef>
+          <a:effectRef idx="0">
+            <a:schemeClr val="accent1"/>
+          </a:effectRef>
+          <a:fontRef idx="minor">
+            <a:schemeClr val="lt1"/>
+          </a:fontRef>
+        </p:style>
+        <p:txBody>
+          <a:bodyPr rtlCol="0" anchor="ctr"/>
+          <a:lstStyle/>
+          <a:p>
+            <a:pPr algn="ctr"/>
+            <a:r>
+              <a:rPr lang="en-US" sz="933">
+                <a:solidFill>
+                  <a:schemeClr val="tx1"/>
+                </a:solidFill>
+                <a:latin typeface="Menlo" panose="020B0609030804020204" pitchFamily="49" charset="0"/>
+                <a:ea typeface="Menlo" panose="020B0609030804020204" pitchFamily="49" charset="0"/>
+                <a:cs typeface="Menlo" panose="020B0609030804020204" pitchFamily="49" charset="0"/>
+              </a:rPr>
+              <a:t>JES API</a:t>
+            </a:r>
+          </a:p>
+        </p:txBody>
+      </p:sp>
+      <p:cxnSp>
+        <p:nvCxnSpPr>
+          <p:cNvPr id="45" name="Straight Arrow Connector 44">
+            <a:extLst>
+              <a:ext uri="{FF2B5EF4-FFF2-40B4-BE49-F238E27FC236}">
+                <a16:creationId xmlns:a16="http://schemas.microsoft.com/office/drawing/2014/main" id="{3892E7B8-0947-C447-9E5E-CE36A08691A2}"/>
+              </a:ext>
+            </a:extLst>
+          </p:cNvPr>
+          <p:cNvCxnSpPr>
+            <a:cxnSpLocks/>
+          </p:cNvCxnSpPr>
+          <p:nvPr/>
+        </p:nvCxnSpPr>
+        <p:spPr>
+          <a:xfrm flipH="1">
+            <a:off x="4398645" y="3294198"/>
+            <a:ext cx="14526" cy="1233255"/>
+          </a:xfrm>
+          <a:prstGeom prst="straightConnector1">
+            <a:avLst/>
+          </a:prstGeom>
+          <a:ln>
+            <a:headEnd type="triangle"/>
             <a:tailEnd type="triangle"/>
           </a:ln>
         </p:spPr>
@@ -8933,10 +9244,10 @@
       </p:cxnSp>
       <p:cxnSp>
         <p:nvCxnSpPr>
-          <p:cNvPr id="19" name="Elbow Connector 18">
-            <a:extLst>
-              <a:ext uri="{FF2B5EF4-FFF2-40B4-BE49-F238E27FC236}">
-                <a16:creationId xmlns:a16="http://schemas.microsoft.com/office/drawing/2014/main" id="{CA48E45F-E67C-3B43-BE65-029B10292319}"/>
+          <p:cNvPr id="46" name="Straight Arrow Connector 45">
+            <a:extLst>
+              <a:ext uri="{FF2B5EF4-FFF2-40B4-BE49-F238E27FC236}">
+                <a16:creationId xmlns:a16="http://schemas.microsoft.com/office/drawing/2014/main" id="{021AF651-50B6-6746-B692-A167727F149A}"/>
               </a:ext>
             </a:extLst>
           </p:cNvPr>
@@ -8947,15 +9258,293 @@
         </p:nvCxnSpPr>
         <p:spPr>
           <a:xfrm>
-            <a:off x="4137426" y="1666031"/>
-            <a:ext cx="1593263" cy="2"/>
-          </a:xfrm>
-          <a:prstGeom prst="bentConnector3">
-            <a:avLst>
-              <a:gd name="adj1" fmla="val 50000"/>
-            </a:avLst>
+            <a:off x="4556191" y="1699591"/>
+            <a:ext cx="0" cy="759483"/>
+          </a:xfrm>
+          <a:prstGeom prst="straightConnector1">
+            <a:avLst/>
           </a:prstGeom>
           <a:ln>
+            <a:headEnd type="triangle"/>
+            <a:tailEnd type="triangle"/>
+          </a:ln>
+        </p:spPr>
+        <p:style>
+          <a:lnRef idx="1">
+            <a:schemeClr val="accent1"/>
+          </a:lnRef>
+          <a:fillRef idx="0">
+            <a:schemeClr val="accent1"/>
+          </a:fillRef>
+          <a:effectRef idx="0">
+            <a:schemeClr val="accent1"/>
+          </a:effectRef>
+          <a:fontRef idx="minor">
+            <a:schemeClr val="tx1"/>
+          </a:fontRef>
+        </p:style>
+      </p:cxnSp>
+      <p:sp>
+        <p:nvSpPr>
+          <p:cNvPr id="48" name="TextBox 47">
+            <a:extLst>
+              <a:ext uri="{FF2B5EF4-FFF2-40B4-BE49-F238E27FC236}">
+                <a16:creationId xmlns:a16="http://schemas.microsoft.com/office/drawing/2014/main" id="{41691BFB-2D24-0547-A69D-0918666B0AB3}"/>
+              </a:ext>
+            </a:extLst>
+          </p:cNvPr>
+          <p:cNvSpPr txBox="1"/>
+          <p:nvPr/>
+        </p:nvSpPr>
+        <p:spPr>
+          <a:xfrm>
+            <a:off x="4514973" y="2112860"/>
+            <a:ext cx="524503" cy="261610"/>
+          </a:xfrm>
+          <a:prstGeom prst="rect">
+            <a:avLst/>
+          </a:prstGeom>
+          <a:noFill/>
+        </p:spPr>
+        <p:txBody>
+          <a:bodyPr wrap="none" rtlCol="0">
+            <a:spAutoFit/>
+          </a:bodyPr>
+          <a:lstStyle/>
+          <a:p>
+            <a:r>
+              <a:rPr lang="en-US" sz="1100">
+                <a:latin typeface="Menlo" panose="020B0609030804020204" pitchFamily="49" charset="0"/>
+                <a:ea typeface="Menlo" panose="020B0609030804020204" pitchFamily="49" charset="0"/>
+                <a:cs typeface="Menlo" panose="020B0609030804020204" pitchFamily="49" charset="0"/>
+              </a:rPr>
+              <a:t>7554</a:t>
+            </a:r>
+          </a:p>
+        </p:txBody>
+      </p:sp>
+      <p:sp>
+        <p:nvSpPr>
+          <p:cNvPr id="49" name="TextBox 48">
+            <a:extLst>
+              <a:ext uri="{FF2B5EF4-FFF2-40B4-BE49-F238E27FC236}">
+                <a16:creationId xmlns:a16="http://schemas.microsoft.com/office/drawing/2014/main" id="{7352B5E6-D9E3-3B44-986D-749969DFF4EB}"/>
+              </a:ext>
+            </a:extLst>
+          </p:cNvPr>
+          <p:cNvSpPr txBox="1"/>
+          <p:nvPr/>
+        </p:nvSpPr>
+        <p:spPr>
+          <a:xfrm>
+            <a:off x="1933902" y="3478300"/>
+            <a:ext cx="524503" cy="261610"/>
+          </a:xfrm>
+          <a:prstGeom prst="rect">
+            <a:avLst/>
+          </a:prstGeom>
+          <a:noFill/>
+        </p:spPr>
+        <p:txBody>
+          <a:bodyPr wrap="none" rtlCol="0">
+            <a:spAutoFit/>
+          </a:bodyPr>
+          <a:lstStyle/>
+          <a:p>
+            <a:r>
+              <a:rPr lang="en-US" sz="1100">
+                <a:latin typeface="Menlo" panose="020B0609030804020204" pitchFamily="49" charset="0"/>
+                <a:ea typeface="Menlo" panose="020B0609030804020204" pitchFamily="49" charset="0"/>
+                <a:cs typeface="Menlo" panose="020B0609030804020204" pitchFamily="49" charset="0"/>
+              </a:rPr>
+              <a:t>7552</a:t>
+            </a:r>
+          </a:p>
+        </p:txBody>
+      </p:sp>
+      <p:sp>
+        <p:nvSpPr>
+          <p:cNvPr id="50" name="TextBox 49">
+            <a:extLst>
+              <a:ext uri="{FF2B5EF4-FFF2-40B4-BE49-F238E27FC236}">
+                <a16:creationId xmlns:a16="http://schemas.microsoft.com/office/drawing/2014/main" id="{DCFE695A-EC51-3E41-9C73-F580614481B1}"/>
+              </a:ext>
+            </a:extLst>
+          </p:cNvPr>
+          <p:cNvSpPr txBox="1"/>
+          <p:nvPr/>
+        </p:nvSpPr>
+        <p:spPr>
+          <a:xfrm>
+            <a:off x="2842525" y="3478300"/>
+            <a:ext cx="524503" cy="261610"/>
+          </a:xfrm>
+          <a:prstGeom prst="rect">
+            <a:avLst/>
+          </a:prstGeom>
+          <a:noFill/>
+        </p:spPr>
+        <p:txBody>
+          <a:bodyPr wrap="none" rtlCol="0">
+            <a:spAutoFit/>
+          </a:bodyPr>
+          <a:lstStyle/>
+          <a:p>
+            <a:r>
+              <a:rPr lang="en-US" sz="1100">
+                <a:latin typeface="Menlo" panose="020B0609030804020204" pitchFamily="49" charset="0"/>
+                <a:ea typeface="Menlo" panose="020B0609030804020204" pitchFamily="49" charset="0"/>
+                <a:cs typeface="Menlo" panose="020B0609030804020204" pitchFamily="49" charset="0"/>
+              </a:rPr>
+              <a:t>7553</a:t>
+            </a:r>
+          </a:p>
+        </p:txBody>
+      </p:sp>
+      <p:sp>
+        <p:nvSpPr>
+          <p:cNvPr id="51" name="TextBox 50">
+            <a:extLst>
+              <a:ext uri="{FF2B5EF4-FFF2-40B4-BE49-F238E27FC236}">
+                <a16:creationId xmlns:a16="http://schemas.microsoft.com/office/drawing/2014/main" id="{C24C4305-5BA2-1B43-A80B-DF777ED8E227}"/>
+              </a:ext>
+            </a:extLst>
+          </p:cNvPr>
+          <p:cNvSpPr txBox="1"/>
+          <p:nvPr/>
+        </p:nvSpPr>
+        <p:spPr>
+          <a:xfrm>
+            <a:off x="3826461" y="4287090"/>
+            <a:ext cx="511679" cy="256545"/>
+          </a:xfrm>
+          <a:prstGeom prst="rect">
+            <a:avLst/>
+          </a:prstGeom>
+          <a:noFill/>
+        </p:spPr>
+        <p:txBody>
+          <a:bodyPr wrap="none" rtlCol="0">
+            <a:spAutoFit/>
+          </a:bodyPr>
+          <a:lstStyle/>
+          <a:p>
+            <a:r>
+              <a:rPr lang="en-US" sz="1067">
+                <a:latin typeface="Menlo" panose="020B0609030804020204" pitchFamily="49" charset="0"/>
+                <a:ea typeface="Menlo" panose="020B0609030804020204" pitchFamily="49" charset="0"/>
+                <a:cs typeface="Menlo" panose="020B0609030804020204" pitchFamily="49" charset="0"/>
+              </a:rPr>
+              <a:t>8547</a:t>
+            </a:r>
+          </a:p>
+        </p:txBody>
+      </p:sp>
+      <p:cxnSp>
+        <p:nvCxnSpPr>
+          <p:cNvPr id="52" name="Straight Arrow Connector 51">
+            <a:extLst>
+              <a:ext uri="{FF2B5EF4-FFF2-40B4-BE49-F238E27FC236}">
+                <a16:creationId xmlns:a16="http://schemas.microsoft.com/office/drawing/2014/main" id="{1A8D5EA7-D754-BD43-8ADC-13C0B2EE28C5}"/>
+              </a:ext>
+            </a:extLst>
+          </p:cNvPr>
+          <p:cNvCxnSpPr>
+            <a:cxnSpLocks/>
+          </p:cNvCxnSpPr>
+          <p:nvPr/>
+        </p:nvCxnSpPr>
+        <p:spPr>
+          <a:xfrm>
+            <a:off x="5059795" y="3286064"/>
+            <a:ext cx="0" cy="1241389"/>
+          </a:xfrm>
+          <a:prstGeom prst="straightConnector1">
+            <a:avLst/>
+          </a:prstGeom>
+          <a:ln>
+            <a:headEnd type="triangle"/>
+            <a:tailEnd type="triangle"/>
+          </a:ln>
+        </p:spPr>
+        <p:style>
+          <a:lnRef idx="1">
+            <a:schemeClr val="accent1"/>
+          </a:lnRef>
+          <a:fillRef idx="0">
+            <a:schemeClr val="accent1"/>
+          </a:fillRef>
+          <a:effectRef idx="0">
+            <a:schemeClr val="accent1"/>
+          </a:effectRef>
+          <a:fontRef idx="minor">
+            <a:schemeClr val="tx1"/>
+          </a:fontRef>
+        </p:style>
+      </p:cxnSp>
+      <p:sp>
+        <p:nvSpPr>
+          <p:cNvPr id="54" name="TextBox 53">
+            <a:extLst>
+              <a:ext uri="{FF2B5EF4-FFF2-40B4-BE49-F238E27FC236}">
+                <a16:creationId xmlns:a16="http://schemas.microsoft.com/office/drawing/2014/main" id="{522E71EC-E73F-8045-92CA-2E9B816D4A91}"/>
+              </a:ext>
+            </a:extLst>
+          </p:cNvPr>
+          <p:cNvSpPr txBox="1"/>
+          <p:nvPr/>
+        </p:nvSpPr>
+        <p:spPr>
+          <a:xfrm>
+            <a:off x="4438383" y="4278953"/>
+            <a:ext cx="524503" cy="261610"/>
+          </a:xfrm>
+          <a:prstGeom prst="rect">
+            <a:avLst/>
+          </a:prstGeom>
+          <a:noFill/>
+        </p:spPr>
+        <p:txBody>
+          <a:bodyPr wrap="none" rtlCol="0">
+            <a:spAutoFit/>
+          </a:bodyPr>
+          <a:lstStyle/>
+          <a:p>
+            <a:r>
+              <a:rPr lang="en-US" sz="1100">
+                <a:latin typeface="Menlo" panose="020B0609030804020204" pitchFamily="49" charset="0"/>
+                <a:ea typeface="Menlo" panose="020B0609030804020204" pitchFamily="49" charset="0"/>
+                <a:cs typeface="Menlo" panose="020B0609030804020204" pitchFamily="49" charset="0"/>
+              </a:rPr>
+              <a:t>8545</a:t>
+            </a:r>
+          </a:p>
+        </p:txBody>
+      </p:sp>
+      <p:cxnSp>
+        <p:nvCxnSpPr>
+          <p:cNvPr id="55" name="Straight Arrow Connector 54">
+            <a:extLst>
+              <a:ext uri="{FF2B5EF4-FFF2-40B4-BE49-F238E27FC236}">
+                <a16:creationId xmlns:a16="http://schemas.microsoft.com/office/drawing/2014/main" id="{3DA6970D-339E-0D4A-9DB9-7098BFD59F0F}"/>
+              </a:ext>
+            </a:extLst>
+          </p:cNvPr>
+          <p:cNvCxnSpPr>
+            <a:cxnSpLocks/>
+          </p:cNvCxnSpPr>
+          <p:nvPr/>
+        </p:nvCxnSpPr>
+        <p:spPr>
+          <a:xfrm>
+            <a:off x="4189184" y="3270740"/>
+            <a:ext cx="0" cy="462817"/>
+          </a:xfrm>
+          <a:prstGeom prst="straightConnector1">
+            <a:avLst/>
+          </a:prstGeom>
+          <a:ln>
+            <a:headEnd type="triangle"/>
             <a:tailEnd type="triangle"/>
           </a:ln>
         </p:spPr>
@@ -8976,10 +9565,10 @@
       </p:cxnSp>
       <p:cxnSp>
         <p:nvCxnSpPr>
-          <p:cNvPr id="21" name="Elbow Connector 20">
-            <a:extLst>
-              <a:ext uri="{FF2B5EF4-FFF2-40B4-BE49-F238E27FC236}">
-                <a16:creationId xmlns:a16="http://schemas.microsoft.com/office/drawing/2014/main" id="{39047A58-6564-7B4E-8629-6A14B382DDCE}"/>
+          <p:cNvPr id="56" name="Straight Arrow Connector 55">
+            <a:extLst>
+              <a:ext uri="{FF2B5EF4-FFF2-40B4-BE49-F238E27FC236}">
+                <a16:creationId xmlns:a16="http://schemas.microsoft.com/office/drawing/2014/main" id="{57AFBBAF-5B9E-4043-B919-74BEA94D894E}"/>
               </a:ext>
             </a:extLst>
           </p:cNvPr>
@@ -8990,15 +9579,14 @@
         </p:nvCxnSpPr>
         <p:spPr>
           <a:xfrm>
-            <a:off x="4121802" y="1826331"/>
-            <a:ext cx="2299941" cy="2124903"/>
-          </a:xfrm>
-          <a:prstGeom prst="bentConnector3">
-            <a:avLst>
-              <a:gd name="adj1" fmla="val 50000"/>
-            </a:avLst>
+            <a:off x="4918346" y="3278787"/>
+            <a:ext cx="0" cy="462817"/>
+          </a:xfrm>
+          <a:prstGeom prst="straightConnector1">
+            <a:avLst/>
           </a:prstGeom>
           <a:ln>
+            <a:headEnd type="triangle"/>
             <a:tailEnd type="triangle"/>
           </a:ln>
         </p:spPr>
@@ -9017,12 +9605,54 @@
           </a:fontRef>
         </p:style>
       </p:cxnSp>
-      <p:sp>
-        <p:nvSpPr>
-          <p:cNvPr id="16" name="TextBox 15">
-            <a:extLst>
-              <a:ext uri="{FF2B5EF4-FFF2-40B4-BE49-F238E27FC236}">
-                <a16:creationId xmlns:a16="http://schemas.microsoft.com/office/drawing/2014/main" id="{A62284FF-EFB3-A54D-9B7D-2B45965807CA}"/>
+      <p:cxnSp>
+        <p:nvCxnSpPr>
+          <p:cNvPr id="57" name="Straight Arrow Connector 56">
+            <a:extLst>
+              <a:ext uri="{FF2B5EF4-FFF2-40B4-BE49-F238E27FC236}">
+                <a16:creationId xmlns:a16="http://schemas.microsoft.com/office/drawing/2014/main" id="{79D4C01E-B964-F74B-9D68-801D8A100C91}"/>
+              </a:ext>
+            </a:extLst>
+          </p:cNvPr>
+          <p:cNvCxnSpPr>
+            <a:cxnSpLocks/>
+          </p:cNvCxnSpPr>
+          <p:nvPr/>
+        </p:nvCxnSpPr>
+        <p:spPr>
+          <a:xfrm>
+            <a:off x="5575140" y="3278787"/>
+            <a:ext cx="0" cy="462817"/>
+          </a:xfrm>
+          <a:prstGeom prst="straightConnector1">
+            <a:avLst/>
+          </a:prstGeom>
+          <a:ln>
+            <a:headEnd type="triangle"/>
+            <a:tailEnd type="triangle"/>
+          </a:ln>
+        </p:spPr>
+        <p:style>
+          <a:lnRef idx="1">
+            <a:schemeClr val="accent1"/>
+          </a:lnRef>
+          <a:fillRef idx="0">
+            <a:schemeClr val="accent1"/>
+          </a:fillRef>
+          <a:effectRef idx="0">
+            <a:schemeClr val="accent1"/>
+          </a:effectRef>
+          <a:fontRef idx="minor">
+            <a:schemeClr val="tx1"/>
+          </a:fontRef>
+        </p:style>
+      </p:cxnSp>
+      <p:sp>
+        <p:nvSpPr>
+          <p:cNvPr id="58" name="TextBox 57">
+            <a:extLst>
+              <a:ext uri="{FF2B5EF4-FFF2-40B4-BE49-F238E27FC236}">
+                <a16:creationId xmlns:a16="http://schemas.microsoft.com/office/drawing/2014/main" id="{D9B2E554-4717-514F-83E2-19343201CDAF}"/>
               </a:ext>
             </a:extLst>
           </p:cNvPr>
@@ -9031,15 +9661,13 @@
         </p:nvSpPr>
         <p:spPr>
           <a:xfrm>
-            <a:off x="223113" y="4217595"/>
-            <a:ext cx="5662127" cy="307777"/>
-          </a:xfrm>
-          <a:prstGeom prst="rect">
-            <a:avLst/>
-          </a:prstGeom>
-          <a:solidFill>
-            <a:schemeClr val="bg2"/>
-          </a:solidFill>
+            <a:off x="3725697" y="3502147"/>
+            <a:ext cx="524503" cy="261610"/>
+          </a:xfrm>
+          <a:prstGeom prst="rect">
+            <a:avLst/>
+          </a:prstGeom>
+          <a:noFill/>
         </p:spPr>
         <p:txBody>
           <a:bodyPr wrap="none" rtlCol="0">
@@ -9048,63 +9676,22 @@
           <a:lstStyle/>
           <a:p>
             <a:r>
-              <a:rPr lang="en-US" sz="1400" dirty="0">
-                <a:latin typeface="Courier New" panose="02070309020205020404" pitchFamily="49" charset="0"/>
-                <a:cs typeface="Courier New" panose="02070309020205020404" pitchFamily="49" charset="0"/>
+              <a:rPr lang="en-US" sz="1100">
+                <a:latin typeface="Menlo" panose="020B0609030804020204" pitchFamily="49" charset="0"/>
+                <a:ea typeface="Menlo" panose="020B0609030804020204" pitchFamily="49" charset="0"/>
+                <a:cs typeface="Menlo" panose="020B0609030804020204" pitchFamily="49" charset="0"/>
               </a:rPr>
-              <a:t>&gt;</a:t>
-            </a:r>
-            <a:r>
-              <a:rPr lang="en-US" sz="1400" dirty="0" err="1">
-                <a:latin typeface="Courier New" panose="02070309020205020404" pitchFamily="49" charset="0"/>
-                <a:cs typeface="Courier New" panose="02070309020205020404" pitchFamily="49" charset="0"/>
-              </a:rPr>
-              <a:t>zowe</a:t>
-            </a:r>
-            <a:r>
-              <a:rPr lang="en-US" sz="1400" dirty="0">
-                <a:latin typeface="Courier New" panose="02070309020205020404" pitchFamily="49" charset="0"/>
-                <a:cs typeface="Courier New" panose="02070309020205020404" pitchFamily="49" charset="0"/>
-              </a:rPr>
-              <a:t>-setup-</a:t>
-            </a:r>
-            <a:r>
-              <a:rPr lang="en-US" sz="1400" dirty="0" err="1">
-                <a:latin typeface="Courier New" panose="02070309020205020404" pitchFamily="49" charset="0"/>
-                <a:cs typeface="Courier New" panose="02070309020205020404" pitchFamily="49" charset="0"/>
-              </a:rPr>
-              <a:t>certificates.sh</a:t>
-            </a:r>
-            <a:r>
-              <a:rPr lang="en-US" sz="1400" dirty="0">
-                <a:latin typeface="Courier New" panose="02070309020205020404" pitchFamily="49" charset="0"/>
-                <a:cs typeface="Courier New" panose="02070309020205020404" pitchFamily="49" charset="0"/>
-              </a:rPr>
-              <a:t> –p &lt;</a:t>
-            </a:r>
-            <a:r>
-              <a:rPr lang="en-US" sz="1400" dirty="0" err="1">
-                <a:latin typeface="Courier New" panose="02070309020205020404" pitchFamily="49" charset="0"/>
-                <a:cs typeface="Courier New" panose="02070309020205020404" pitchFamily="49" charset="0"/>
-              </a:rPr>
-              <a:t>certificate_config</a:t>
-            </a:r>
-            <a:r>
-              <a:rPr lang="en-US" sz="1400" dirty="0">
-                <a:latin typeface="Courier New" panose="02070309020205020404" pitchFamily="49" charset="0"/>
-                <a:cs typeface="Courier New" panose="02070309020205020404" pitchFamily="49" charset="0"/>
-              </a:rPr>
-              <a:t>&gt;</a:t>
-            </a:r>
-          </a:p>
-        </p:txBody>
-      </p:sp>
-      <p:sp>
-        <p:nvSpPr>
-          <p:cNvPr id="15" name="TextBox 14">
-            <a:extLst>
-              <a:ext uri="{FF2B5EF4-FFF2-40B4-BE49-F238E27FC236}">
-                <a16:creationId xmlns:a16="http://schemas.microsoft.com/office/drawing/2014/main" id="{CCA3E734-2220-D34A-B6C4-FE44E5A465A4}"/>
+              <a:t>8548</a:t>
+            </a:r>
+          </a:p>
+        </p:txBody>
+      </p:sp>
+      <p:sp>
+        <p:nvSpPr>
+          <p:cNvPr id="59" name="TextBox 58">
+            <a:extLst>
+              <a:ext uri="{FF2B5EF4-FFF2-40B4-BE49-F238E27FC236}">
+                <a16:creationId xmlns:a16="http://schemas.microsoft.com/office/drawing/2014/main" id="{895230D4-C8AB-5346-8A04-2DC5533FDD62}"/>
               </a:ext>
             </a:extLst>
           </p:cNvPr>
@@ -9113,15 +9700,13 @@
         </p:nvSpPr>
         <p:spPr>
           <a:xfrm>
-            <a:off x="1552355" y="3034746"/>
-            <a:ext cx="5017720" cy="307777"/>
-          </a:xfrm>
-          <a:prstGeom prst="rect">
-            <a:avLst/>
-          </a:prstGeom>
-          <a:solidFill>
-            <a:schemeClr val="bg2"/>
-          </a:solidFill>
+            <a:off x="4428477" y="3514445"/>
+            <a:ext cx="524503" cy="261610"/>
+          </a:xfrm>
+          <a:prstGeom prst="rect">
+            <a:avLst/>
+          </a:prstGeom>
+          <a:noFill/>
         </p:spPr>
         <p:txBody>
           <a:bodyPr wrap="none" rtlCol="0">
@@ -9130,39 +9715,3357 @@
           <a:lstStyle/>
           <a:p>
             <a:r>
-              <a:rPr lang="en-US" sz="1400" dirty="0">
-                <a:latin typeface="Courier New" panose="02070309020205020404" pitchFamily="49" charset="0"/>
-                <a:cs typeface="Courier New" panose="02070309020205020404" pitchFamily="49" charset="0"/>
+              <a:rPr lang="en-US" sz="1100">
+                <a:latin typeface="Menlo" panose="020B0609030804020204" pitchFamily="49" charset="0"/>
+                <a:ea typeface="Menlo" panose="020B0609030804020204" pitchFamily="49" charset="0"/>
+                <a:cs typeface="Menlo" panose="020B0609030804020204" pitchFamily="49" charset="0"/>
               </a:rPr>
-              <a:t>&gt;</a:t>
-            </a:r>
-            <a:r>
-              <a:rPr lang="en-US" sz="1400" dirty="0" err="1">
-                <a:latin typeface="Courier New" panose="02070309020205020404" pitchFamily="49" charset="0"/>
-                <a:cs typeface="Courier New" panose="02070309020205020404" pitchFamily="49" charset="0"/>
+              <a:t>8546</a:t>
+            </a:r>
+          </a:p>
+        </p:txBody>
+      </p:sp>
+      <p:sp>
+        <p:nvSpPr>
+          <p:cNvPr id="60" name="TextBox 59">
+            <a:extLst>
+              <a:ext uri="{FF2B5EF4-FFF2-40B4-BE49-F238E27FC236}">
+                <a16:creationId xmlns:a16="http://schemas.microsoft.com/office/drawing/2014/main" id="{6D51231D-A1BD-4944-AC97-EB35344659BC}"/>
+              </a:ext>
+            </a:extLst>
+          </p:cNvPr>
+          <p:cNvSpPr txBox="1"/>
+          <p:nvPr/>
+        </p:nvSpPr>
+        <p:spPr>
+          <a:xfrm>
+            <a:off x="5100333" y="3510194"/>
+            <a:ext cx="524503" cy="430887"/>
+          </a:xfrm>
+          <a:prstGeom prst="rect">
+            <a:avLst/>
+          </a:prstGeom>
+          <a:noFill/>
+        </p:spPr>
+        <p:txBody>
+          <a:bodyPr wrap="none" rtlCol="0">
+            <a:spAutoFit/>
+          </a:bodyPr>
+          <a:lstStyle/>
+          <a:p>
+            <a:r>
+              <a:rPr lang="en-US" sz="1100">
+                <a:latin typeface="Menlo" panose="020B0609030804020204" pitchFamily="49" charset="0"/>
+                <a:ea typeface="Menlo" panose="020B0609030804020204" pitchFamily="49" charset="0"/>
+                <a:cs typeface="Menlo" panose="020B0609030804020204" pitchFamily="49" charset="0"/>
               </a:rPr>
-              <a:t>zowe</a:t>
-            </a:r>
-            <a:r>
-              <a:rPr lang="en-US" sz="1400" dirty="0">
-                <a:latin typeface="Courier New" panose="02070309020205020404" pitchFamily="49" charset="0"/>
-                <a:cs typeface="Courier New" panose="02070309020205020404" pitchFamily="49" charset="0"/>
+              <a:t>8550</a:t>
+            </a:r>
+          </a:p>
+          <a:p>
+            <a:endParaRPr lang="en-US" sz="1100">
+              <a:latin typeface="Menlo" panose="020B0609030804020204" pitchFamily="49" charset="0"/>
+              <a:ea typeface="Menlo" panose="020B0609030804020204" pitchFamily="49" charset="0"/>
+              <a:cs typeface="Menlo" panose="020B0609030804020204" pitchFamily="49" charset="0"/>
+            </a:endParaRPr>
+          </a:p>
+        </p:txBody>
+      </p:sp>
+      <p:sp>
+        <p:nvSpPr>
+          <p:cNvPr id="61" name="Rectangle 60">
+            <a:extLst>
+              <a:ext uri="{FF2B5EF4-FFF2-40B4-BE49-F238E27FC236}">
+                <a16:creationId xmlns:a16="http://schemas.microsoft.com/office/drawing/2014/main" id="{E9DE1BCE-1CFC-1441-96B8-215353ACF262}"/>
+              </a:ext>
+            </a:extLst>
+          </p:cNvPr>
+          <p:cNvSpPr/>
+          <p:nvPr/>
+        </p:nvSpPr>
+        <p:spPr>
+          <a:xfrm>
+            <a:off x="376506" y="3771032"/>
+            <a:ext cx="1128765" cy="1435235"/>
+          </a:xfrm>
+          <a:prstGeom prst="rect">
+            <a:avLst/>
+          </a:prstGeom>
+          <a:solidFill>
+            <a:schemeClr val="accent6">
+              <a:lumMod val="20000"/>
+              <a:lumOff val="80000"/>
+            </a:schemeClr>
+          </a:solidFill>
+          <a:ln>
+            <a:solidFill>
+              <a:schemeClr val="accent6">
+                <a:lumMod val="60000"/>
+                <a:lumOff val="40000"/>
+              </a:schemeClr>
+            </a:solidFill>
+          </a:ln>
+        </p:spPr>
+        <p:style>
+          <a:lnRef idx="2">
+            <a:schemeClr val="accent1">
+              <a:shade val="50000"/>
+            </a:schemeClr>
+          </a:lnRef>
+          <a:fillRef idx="1">
+            <a:schemeClr val="accent1"/>
+          </a:fillRef>
+          <a:effectRef idx="0">
+            <a:schemeClr val="accent1"/>
+          </a:effectRef>
+          <a:fontRef idx="minor">
+            <a:schemeClr val="lt1"/>
+          </a:fontRef>
+        </p:style>
+        <p:txBody>
+          <a:bodyPr rtlCol="0" anchor="ctr"/>
+          <a:lstStyle/>
+          <a:p>
+            <a:pPr algn="ctr"/>
+            <a:endParaRPr lang="en-US" sz="1000">
+              <a:solidFill>
+                <a:schemeClr val="tx1"/>
+              </a:solidFill>
+              <a:latin typeface="Menlo" panose="020B0609030804020204" pitchFamily="49" charset="0"/>
+              <a:ea typeface="Menlo" panose="020B0609030804020204" pitchFamily="49" charset="0"/>
+              <a:cs typeface="Menlo" panose="020B0609030804020204" pitchFamily="49" charset="0"/>
+            </a:endParaRPr>
+          </a:p>
+        </p:txBody>
+      </p:sp>
+      <p:sp>
+        <p:nvSpPr>
+          <p:cNvPr id="62" name="Rectangle 61">
+            <a:extLst>
+              <a:ext uri="{FF2B5EF4-FFF2-40B4-BE49-F238E27FC236}">
+                <a16:creationId xmlns:a16="http://schemas.microsoft.com/office/drawing/2014/main" id="{6B2BC080-CDFD-1C40-9018-2717D47E1571}"/>
+              </a:ext>
+            </a:extLst>
+          </p:cNvPr>
+          <p:cNvSpPr/>
+          <p:nvPr/>
+        </p:nvSpPr>
+        <p:spPr>
+          <a:xfrm>
+            <a:off x="832031" y="4519628"/>
+            <a:ext cx="673240" cy="329105"/>
+          </a:xfrm>
+          <a:prstGeom prst="rect">
+            <a:avLst/>
+          </a:prstGeom>
+          <a:noFill/>
+        </p:spPr>
+        <p:style>
+          <a:lnRef idx="2">
+            <a:schemeClr val="accent1">
+              <a:shade val="50000"/>
+            </a:schemeClr>
+          </a:lnRef>
+          <a:fillRef idx="1">
+            <a:schemeClr val="accent1"/>
+          </a:fillRef>
+          <a:effectRef idx="0">
+            <a:schemeClr val="accent1"/>
+          </a:effectRef>
+          <a:fontRef idx="minor">
+            <a:schemeClr val="lt1"/>
+          </a:fontRef>
+        </p:style>
+        <p:txBody>
+          <a:bodyPr rtlCol="0" anchor="ctr"/>
+          <a:lstStyle/>
+          <a:p>
+            <a:pPr algn="ctr"/>
+            <a:r>
+              <a:rPr lang="en-US" sz="1000">
+                <a:solidFill>
+                  <a:schemeClr val="tx1"/>
+                </a:solidFill>
+                <a:latin typeface="Menlo" panose="020B0609030804020204" pitchFamily="49" charset="0"/>
+                <a:ea typeface="Menlo" panose="020B0609030804020204" pitchFamily="49" charset="0"/>
+                <a:cs typeface="Menlo" panose="020B0609030804020204" pitchFamily="49" charset="0"/>
               </a:rPr>
-              <a:t>-configure-</a:t>
-            </a:r>
-            <a:r>
-              <a:rPr lang="en-US" sz="1400" dirty="0" err="1">
-                <a:latin typeface="Courier New" panose="02070309020205020404" pitchFamily="49" charset="0"/>
-                <a:cs typeface="Courier New" panose="02070309020205020404" pitchFamily="49" charset="0"/>
+              <a:t>TN3270</a:t>
+            </a:r>
+          </a:p>
+        </p:txBody>
+      </p:sp>
+      <p:sp>
+        <p:nvSpPr>
+          <p:cNvPr id="63" name="Rectangle 62">
+            <a:extLst>
+              <a:ext uri="{FF2B5EF4-FFF2-40B4-BE49-F238E27FC236}">
+                <a16:creationId xmlns:a16="http://schemas.microsoft.com/office/drawing/2014/main" id="{656EF613-5B84-354E-925D-A378D66F1CF1}"/>
+              </a:ext>
+            </a:extLst>
+          </p:cNvPr>
+          <p:cNvSpPr/>
+          <p:nvPr/>
+        </p:nvSpPr>
+        <p:spPr>
+          <a:xfrm>
+            <a:off x="832031" y="4840722"/>
+            <a:ext cx="673240" cy="329105"/>
+          </a:xfrm>
+          <a:prstGeom prst="rect">
+            <a:avLst/>
+          </a:prstGeom>
+          <a:noFill/>
+        </p:spPr>
+        <p:style>
+          <a:lnRef idx="2">
+            <a:schemeClr val="accent1">
+              <a:shade val="50000"/>
+            </a:schemeClr>
+          </a:lnRef>
+          <a:fillRef idx="1">
+            <a:schemeClr val="accent1"/>
+          </a:fillRef>
+          <a:effectRef idx="0">
+            <a:schemeClr val="accent1"/>
+          </a:effectRef>
+          <a:fontRef idx="minor">
+            <a:schemeClr val="lt1"/>
+          </a:fontRef>
+        </p:style>
+        <p:txBody>
+          <a:bodyPr rtlCol="0" anchor="ctr"/>
+          <a:lstStyle/>
+          <a:p>
+            <a:pPr algn="ctr"/>
+            <a:r>
+              <a:rPr lang="en-US" sz="1000">
+                <a:solidFill>
+                  <a:schemeClr val="tx1"/>
+                </a:solidFill>
+                <a:latin typeface="Menlo" panose="020B0609030804020204" pitchFamily="49" charset="0"/>
+                <a:ea typeface="Menlo" panose="020B0609030804020204" pitchFamily="49" charset="0"/>
+                <a:cs typeface="Menlo" panose="020B0609030804020204" pitchFamily="49" charset="0"/>
               </a:rPr>
-              <a:t>instance.sh</a:t>
-            </a:r>
-            <a:r>
-              <a:rPr lang="en-US" sz="1400" dirty="0">
-                <a:latin typeface="Courier New" panose="02070309020205020404" pitchFamily="49" charset="0"/>
-                <a:cs typeface="Courier New" panose="02070309020205020404" pitchFamily="49" charset="0"/>
+              <a:t>VT</a:t>
+            </a:r>
+          </a:p>
+        </p:txBody>
+      </p:sp>
+      <p:sp>
+        <p:nvSpPr>
+          <p:cNvPr id="64" name="Rectangle 63">
+            <a:extLst>
+              <a:ext uri="{FF2B5EF4-FFF2-40B4-BE49-F238E27FC236}">
+                <a16:creationId xmlns:a16="http://schemas.microsoft.com/office/drawing/2014/main" id="{B7ADD677-D2DA-7F4A-AC17-74AA3E9225A1}"/>
+              </a:ext>
+            </a:extLst>
+          </p:cNvPr>
+          <p:cNvSpPr/>
+          <p:nvPr/>
+        </p:nvSpPr>
+        <p:spPr>
+          <a:xfrm>
+            <a:off x="376507" y="3771034"/>
+            <a:ext cx="1128765" cy="492369"/>
+          </a:xfrm>
+          <a:prstGeom prst="rect">
+            <a:avLst/>
+          </a:prstGeom>
+          <a:noFill/>
+        </p:spPr>
+        <p:style>
+          <a:lnRef idx="2">
+            <a:schemeClr val="accent1">
+              <a:shade val="50000"/>
+            </a:schemeClr>
+          </a:lnRef>
+          <a:fillRef idx="1">
+            <a:schemeClr val="accent1"/>
+          </a:fillRef>
+          <a:effectRef idx="0">
+            <a:schemeClr val="accent1"/>
+          </a:effectRef>
+          <a:fontRef idx="minor">
+            <a:schemeClr val="lt1"/>
+          </a:fontRef>
+        </p:style>
+        <p:txBody>
+          <a:bodyPr rtlCol="0" anchor="ctr"/>
+          <a:lstStyle/>
+          <a:p>
+            <a:pPr algn="ctr"/>
+            <a:r>
+              <a:rPr lang="en-US" sz="1000">
+                <a:solidFill>
+                  <a:schemeClr val="tx1"/>
+                </a:solidFill>
+                <a:latin typeface="Menlo" panose="020B0609030804020204" pitchFamily="49" charset="0"/>
+                <a:ea typeface="Menlo" panose="020B0609030804020204" pitchFamily="49" charset="0"/>
+                <a:cs typeface="Menlo" panose="020B0609030804020204" pitchFamily="49" charset="0"/>
               </a:rPr>
-              <a:t> –c &lt;INSTANCE_DIR&gt;</a:t>
+              <a:t>ZLUX</a:t>
+            </a:r>
+          </a:p>
+        </p:txBody>
+      </p:sp>
+      <p:sp>
+        <p:nvSpPr>
+          <p:cNvPr id="65" name="TextBox 64">
+            <a:extLst>
+              <a:ext uri="{FF2B5EF4-FFF2-40B4-BE49-F238E27FC236}">
+                <a16:creationId xmlns:a16="http://schemas.microsoft.com/office/drawing/2014/main" id="{5812FD3A-B0DF-7746-BD53-0047BF61959E}"/>
+              </a:ext>
+            </a:extLst>
+          </p:cNvPr>
+          <p:cNvSpPr txBox="1"/>
+          <p:nvPr/>
+        </p:nvSpPr>
+        <p:spPr>
+          <a:xfrm>
+            <a:off x="454836" y="3509422"/>
+            <a:ext cx="524503" cy="261610"/>
+          </a:xfrm>
+          <a:prstGeom prst="rect">
+            <a:avLst/>
+          </a:prstGeom>
+          <a:noFill/>
+        </p:spPr>
+        <p:txBody>
+          <a:bodyPr wrap="none" rtlCol="0">
+            <a:spAutoFit/>
+          </a:bodyPr>
+          <a:lstStyle/>
+          <a:p>
+            <a:r>
+              <a:rPr lang="en-US" sz="1100">
+                <a:latin typeface="Menlo" panose="020B0609030804020204" pitchFamily="49" charset="0"/>
+                <a:ea typeface="Menlo" panose="020B0609030804020204" pitchFamily="49" charset="0"/>
+                <a:cs typeface="Menlo" panose="020B0609030804020204" pitchFamily="49" charset="0"/>
+              </a:rPr>
+              <a:t>8544</a:t>
+            </a:r>
+          </a:p>
+        </p:txBody>
+      </p:sp>
+      <p:sp>
+        <p:nvSpPr>
+          <p:cNvPr id="66" name="Rectangle 65">
+            <a:extLst>
+              <a:ext uri="{FF2B5EF4-FFF2-40B4-BE49-F238E27FC236}">
+                <a16:creationId xmlns:a16="http://schemas.microsoft.com/office/drawing/2014/main" id="{E70C2438-F7B1-AA4F-85F2-E8948FBA6F32}"/>
+              </a:ext>
+            </a:extLst>
+          </p:cNvPr>
+          <p:cNvSpPr/>
+          <p:nvPr/>
+        </p:nvSpPr>
+        <p:spPr>
+          <a:xfrm>
+            <a:off x="376504" y="5715002"/>
+            <a:ext cx="1128765" cy="276391"/>
+          </a:xfrm>
+          <a:prstGeom prst="rect">
+            <a:avLst/>
+          </a:prstGeom>
+          <a:solidFill>
+            <a:srgbClr val="F3A4FF"/>
+          </a:solidFill>
+        </p:spPr>
+        <p:style>
+          <a:lnRef idx="2">
+            <a:schemeClr val="accent1">
+              <a:shade val="50000"/>
+            </a:schemeClr>
+          </a:lnRef>
+          <a:fillRef idx="1">
+            <a:schemeClr val="accent1"/>
+          </a:fillRef>
+          <a:effectRef idx="0">
+            <a:schemeClr val="accent1"/>
+          </a:effectRef>
+          <a:fontRef idx="minor">
+            <a:schemeClr val="lt1"/>
+          </a:fontRef>
+        </p:style>
+        <p:txBody>
+          <a:bodyPr rtlCol="0" anchor="ctr"/>
+          <a:lstStyle/>
+          <a:p>
+            <a:pPr algn="ctr"/>
+            <a:r>
+              <a:rPr lang="en-US" sz="1000" dirty="0">
+                <a:solidFill>
+                  <a:schemeClr val="tx1"/>
+                </a:solidFill>
+                <a:latin typeface="Menlo" panose="020B0609030804020204" pitchFamily="49" charset="0"/>
+                <a:ea typeface="Menlo" panose="020B0609030804020204" pitchFamily="49" charset="0"/>
+                <a:cs typeface="Menlo" panose="020B0609030804020204" pitchFamily="49" charset="0"/>
+              </a:rPr>
+              <a:t>zssServer</a:t>
+            </a:r>
+          </a:p>
+        </p:txBody>
+      </p:sp>
+      <p:cxnSp>
+        <p:nvCxnSpPr>
+          <p:cNvPr id="67" name="Straight Arrow Connector 66">
+            <a:extLst>
+              <a:ext uri="{FF2B5EF4-FFF2-40B4-BE49-F238E27FC236}">
+                <a16:creationId xmlns:a16="http://schemas.microsoft.com/office/drawing/2014/main" id="{14C9C9C0-A1B2-754A-8AC7-11549460EE6B}"/>
+              </a:ext>
+            </a:extLst>
+          </p:cNvPr>
+          <p:cNvCxnSpPr>
+            <a:cxnSpLocks/>
+          </p:cNvCxnSpPr>
+          <p:nvPr/>
+        </p:nvCxnSpPr>
+        <p:spPr>
+          <a:xfrm>
+            <a:off x="915053" y="5216206"/>
+            <a:ext cx="0" cy="462817"/>
+          </a:xfrm>
+          <a:prstGeom prst="straightConnector1">
+            <a:avLst/>
+          </a:prstGeom>
+          <a:ln>
+            <a:headEnd type="triangle"/>
+            <a:tailEnd type="triangle"/>
+          </a:ln>
+        </p:spPr>
+        <p:style>
+          <a:lnRef idx="1">
+            <a:schemeClr val="accent1"/>
+          </a:lnRef>
+          <a:fillRef idx="0">
+            <a:schemeClr val="accent1"/>
+          </a:fillRef>
+          <a:effectRef idx="0">
+            <a:schemeClr val="accent1"/>
+          </a:effectRef>
+          <a:fontRef idx="minor">
+            <a:schemeClr val="tx1"/>
+          </a:fontRef>
+        </p:style>
+      </p:cxnSp>
+      <p:sp>
+        <p:nvSpPr>
+          <p:cNvPr id="68" name="TextBox 67">
+            <a:extLst>
+              <a:ext uri="{FF2B5EF4-FFF2-40B4-BE49-F238E27FC236}">
+                <a16:creationId xmlns:a16="http://schemas.microsoft.com/office/drawing/2014/main" id="{AB4D9C28-D784-F04E-A506-95C735B37F48}"/>
+              </a:ext>
+            </a:extLst>
+          </p:cNvPr>
+          <p:cNvSpPr txBox="1"/>
+          <p:nvPr/>
+        </p:nvSpPr>
+        <p:spPr>
+          <a:xfrm>
+            <a:off x="420382" y="5416951"/>
+            <a:ext cx="524503" cy="261610"/>
+          </a:xfrm>
+          <a:prstGeom prst="rect">
+            <a:avLst/>
+          </a:prstGeom>
+          <a:noFill/>
+        </p:spPr>
+        <p:txBody>
+          <a:bodyPr wrap="none" rtlCol="0">
+            <a:spAutoFit/>
+          </a:bodyPr>
+          <a:lstStyle/>
+          <a:p>
+            <a:r>
+              <a:rPr lang="en-US" sz="1100">
+                <a:latin typeface="Menlo" panose="020B0609030804020204" pitchFamily="49" charset="0"/>
+                <a:ea typeface="Menlo" panose="020B0609030804020204" pitchFamily="49" charset="0"/>
+                <a:cs typeface="Menlo" panose="020B0609030804020204" pitchFamily="49" charset="0"/>
+              </a:rPr>
+              <a:t>8542</a:t>
+            </a:r>
+          </a:p>
+        </p:txBody>
+      </p:sp>
+      <p:sp>
+        <p:nvSpPr>
+          <p:cNvPr id="69" name="Rectangle 68">
+            <a:extLst>
+              <a:ext uri="{FF2B5EF4-FFF2-40B4-BE49-F238E27FC236}">
+                <a16:creationId xmlns:a16="http://schemas.microsoft.com/office/drawing/2014/main" id="{F31D35DC-3E8F-BA43-878A-435AAA2C67B2}"/>
+              </a:ext>
+            </a:extLst>
+          </p:cNvPr>
+          <p:cNvSpPr/>
+          <p:nvPr/>
+        </p:nvSpPr>
+        <p:spPr>
+          <a:xfrm>
+            <a:off x="376504" y="6483230"/>
+            <a:ext cx="1128765" cy="276391"/>
+          </a:xfrm>
+          <a:prstGeom prst="rect">
+            <a:avLst/>
+          </a:prstGeom>
+          <a:solidFill>
+            <a:srgbClr val="F3A4FF"/>
+          </a:solidFill>
+        </p:spPr>
+        <p:style>
+          <a:lnRef idx="2">
+            <a:schemeClr val="accent1">
+              <a:shade val="50000"/>
+            </a:schemeClr>
+          </a:lnRef>
+          <a:fillRef idx="1">
+            <a:schemeClr val="accent1"/>
+          </a:fillRef>
+          <a:effectRef idx="0">
+            <a:schemeClr val="accent1"/>
+          </a:effectRef>
+          <a:fontRef idx="minor">
+            <a:schemeClr val="lt1"/>
+          </a:fontRef>
+        </p:style>
+        <p:txBody>
+          <a:bodyPr rtlCol="0" anchor="ctr"/>
+          <a:lstStyle/>
+          <a:p>
+            <a:pPr algn="ctr"/>
+            <a:r>
+              <a:rPr lang="en-US" sz="1000">
+                <a:solidFill>
+                  <a:schemeClr val="tx1"/>
+                </a:solidFill>
+                <a:latin typeface="Menlo" panose="020B0609030804020204" pitchFamily="49" charset="0"/>
+                <a:ea typeface="Menlo" panose="020B0609030804020204" pitchFamily="49" charset="0"/>
+                <a:cs typeface="Menlo" panose="020B0609030804020204" pitchFamily="49" charset="0"/>
+              </a:rPr>
+              <a:t>ZWESIS01</a:t>
+            </a:r>
+          </a:p>
+        </p:txBody>
+      </p:sp>
+      <p:cxnSp>
+        <p:nvCxnSpPr>
+          <p:cNvPr id="71" name="Straight Arrow Connector 70">
+            <a:extLst>
+              <a:ext uri="{FF2B5EF4-FFF2-40B4-BE49-F238E27FC236}">
+                <a16:creationId xmlns:a16="http://schemas.microsoft.com/office/drawing/2014/main" id="{A620CABF-D612-FA4C-92C8-04171C514818}"/>
+              </a:ext>
+            </a:extLst>
+          </p:cNvPr>
+          <p:cNvCxnSpPr>
+            <a:cxnSpLocks/>
+          </p:cNvCxnSpPr>
+          <p:nvPr/>
+        </p:nvCxnSpPr>
+        <p:spPr>
+          <a:xfrm>
+            <a:off x="940887" y="5991392"/>
+            <a:ext cx="0" cy="491837"/>
+          </a:xfrm>
+          <a:prstGeom prst="straightConnector1">
+            <a:avLst/>
+          </a:prstGeom>
+          <a:ln>
+            <a:prstDash val="dash"/>
+            <a:headEnd type="triangle"/>
+            <a:tailEnd type="triangle"/>
+          </a:ln>
+        </p:spPr>
+        <p:style>
+          <a:lnRef idx="1">
+            <a:schemeClr val="accent1"/>
+          </a:lnRef>
+          <a:fillRef idx="0">
+            <a:schemeClr val="accent1"/>
+          </a:fillRef>
+          <a:effectRef idx="0">
+            <a:schemeClr val="accent1"/>
+          </a:effectRef>
+          <a:fontRef idx="minor">
+            <a:schemeClr val="tx1"/>
+          </a:fontRef>
+        </p:style>
+      </p:cxnSp>
+      <p:sp>
+        <p:nvSpPr>
+          <p:cNvPr id="73" name="TextBox 72">
+            <a:extLst>
+              <a:ext uri="{FF2B5EF4-FFF2-40B4-BE49-F238E27FC236}">
+                <a16:creationId xmlns:a16="http://schemas.microsoft.com/office/drawing/2014/main" id="{30F200DC-F6DD-1040-B383-4FD5972148F5}"/>
+              </a:ext>
+            </a:extLst>
+          </p:cNvPr>
+          <p:cNvSpPr txBox="1"/>
+          <p:nvPr/>
+        </p:nvSpPr>
+        <p:spPr>
+          <a:xfrm>
+            <a:off x="369877" y="6181234"/>
+            <a:ext cx="609462" cy="261610"/>
+          </a:xfrm>
+          <a:prstGeom prst="rect">
+            <a:avLst/>
+          </a:prstGeom>
+          <a:noFill/>
+        </p:spPr>
+        <p:txBody>
+          <a:bodyPr wrap="none" rtlCol="0">
+            <a:spAutoFit/>
+          </a:bodyPr>
+          <a:lstStyle/>
+          <a:p>
+            <a:r>
+              <a:rPr lang="en-US" sz="1100">
+                <a:latin typeface="Menlo" panose="020B0609030804020204" pitchFamily="49" charset="0"/>
+                <a:ea typeface="Menlo" panose="020B0609030804020204" pitchFamily="49" charset="0"/>
+                <a:cs typeface="Menlo" panose="020B0609030804020204" pitchFamily="49" charset="0"/>
+              </a:rPr>
+              <a:t>X-MEM</a:t>
+            </a:r>
+          </a:p>
+        </p:txBody>
+      </p:sp>
+      <p:sp>
+        <p:nvSpPr>
+          <p:cNvPr id="74" name="Rectangle 73">
+            <a:extLst>
+              <a:ext uri="{FF2B5EF4-FFF2-40B4-BE49-F238E27FC236}">
+                <a16:creationId xmlns:a16="http://schemas.microsoft.com/office/drawing/2014/main" id="{E407C455-D8CE-5944-91A4-CE85F241ACE2}"/>
+              </a:ext>
+            </a:extLst>
+          </p:cNvPr>
+          <p:cNvSpPr/>
+          <p:nvPr/>
+        </p:nvSpPr>
+        <p:spPr>
+          <a:xfrm>
+            <a:off x="7035557" y="5292294"/>
+            <a:ext cx="1586963" cy="484323"/>
+          </a:xfrm>
+          <a:prstGeom prst="rect">
+            <a:avLst/>
+          </a:prstGeom>
+          <a:noFill/>
+        </p:spPr>
+        <p:style>
+          <a:lnRef idx="2">
+            <a:schemeClr val="accent1">
+              <a:shade val="50000"/>
+            </a:schemeClr>
+          </a:lnRef>
+          <a:fillRef idx="1">
+            <a:schemeClr val="accent1"/>
+          </a:fillRef>
+          <a:effectRef idx="0">
+            <a:schemeClr val="accent1"/>
+          </a:effectRef>
+          <a:fontRef idx="minor">
+            <a:schemeClr val="lt1"/>
+          </a:fontRef>
+        </p:style>
+        <p:txBody>
+          <a:bodyPr rtlCol="0" anchor="ctr"/>
+          <a:lstStyle/>
+          <a:p>
+            <a:pPr algn="ctr"/>
+            <a:r>
+              <a:rPr lang="en-US" sz="1000">
+                <a:solidFill>
+                  <a:schemeClr val="tx1"/>
+                </a:solidFill>
+                <a:latin typeface="Menlo" panose="020B0609030804020204" pitchFamily="49" charset="0"/>
+                <a:ea typeface="Menlo" panose="020B0609030804020204" pitchFamily="49" charset="0"/>
+                <a:cs typeface="Menlo" panose="020B0609030804020204" pitchFamily="49" charset="0"/>
+              </a:rPr>
+              <a:t>z/OSMF</a:t>
+            </a:r>
+          </a:p>
+        </p:txBody>
+      </p:sp>
+      <p:cxnSp>
+        <p:nvCxnSpPr>
+          <p:cNvPr id="47" name="Straight Arrow Connector 46">
+            <a:extLst>
+              <a:ext uri="{FF2B5EF4-FFF2-40B4-BE49-F238E27FC236}">
+                <a16:creationId xmlns:a16="http://schemas.microsoft.com/office/drawing/2014/main" id="{C21C7C1C-2A6C-8E40-8948-599036CFC2D3}"/>
+              </a:ext>
+            </a:extLst>
+          </p:cNvPr>
+          <p:cNvCxnSpPr>
+            <a:cxnSpLocks/>
+          </p:cNvCxnSpPr>
+          <p:nvPr/>
+        </p:nvCxnSpPr>
+        <p:spPr>
+          <a:xfrm>
+            <a:off x="6510049" y="3270740"/>
+            <a:ext cx="0" cy="1994120"/>
+          </a:xfrm>
+          <a:prstGeom prst="straightConnector1">
+            <a:avLst/>
+          </a:prstGeom>
+          <a:ln>
+            <a:headEnd type="triangle"/>
+            <a:tailEnd type="triangle"/>
+          </a:ln>
+        </p:spPr>
+        <p:style>
+          <a:lnRef idx="1">
+            <a:schemeClr val="accent1"/>
+          </a:lnRef>
+          <a:fillRef idx="0">
+            <a:schemeClr val="accent1"/>
+          </a:fillRef>
+          <a:effectRef idx="0">
+            <a:schemeClr val="accent1"/>
+          </a:effectRef>
+          <a:fontRef idx="minor">
+            <a:schemeClr val="tx1"/>
+          </a:fontRef>
+        </p:style>
+      </p:cxnSp>
+      <p:sp>
+        <p:nvSpPr>
+          <p:cNvPr id="53" name="Rectangle 52">
+            <a:extLst>
+              <a:ext uri="{FF2B5EF4-FFF2-40B4-BE49-F238E27FC236}">
+                <a16:creationId xmlns:a16="http://schemas.microsoft.com/office/drawing/2014/main" id="{3F06A9EE-10D3-3A4C-A679-0EA5B22E7C64}"/>
+              </a:ext>
+            </a:extLst>
+          </p:cNvPr>
+          <p:cNvSpPr/>
+          <p:nvPr/>
+        </p:nvSpPr>
+        <p:spPr>
+          <a:xfrm>
+            <a:off x="801245" y="2459075"/>
+            <a:ext cx="1220029" cy="818942"/>
+          </a:xfrm>
+          <a:prstGeom prst="rect">
+            <a:avLst/>
+          </a:prstGeom>
+          <a:solidFill>
+            <a:schemeClr val="accent4">
+              <a:lumMod val="20000"/>
+              <a:lumOff val="80000"/>
+              <a:alpha val="25000"/>
+            </a:schemeClr>
+          </a:solidFill>
+          <a:ln>
+            <a:prstDash val="dash"/>
+          </a:ln>
+        </p:spPr>
+        <p:style>
+          <a:lnRef idx="2">
+            <a:schemeClr val="accent1">
+              <a:shade val="50000"/>
+            </a:schemeClr>
+          </a:lnRef>
+          <a:fillRef idx="1">
+            <a:schemeClr val="accent1"/>
+          </a:fillRef>
+          <a:effectRef idx="0">
+            <a:schemeClr val="accent1"/>
+          </a:effectRef>
+          <a:fontRef idx="minor">
+            <a:schemeClr val="lt1"/>
+          </a:fontRef>
+        </p:style>
+        <p:txBody>
+          <a:bodyPr rtlCol="0" anchor="ctr"/>
+          <a:lstStyle/>
+          <a:p>
+            <a:pPr algn="ctr"/>
+            <a:r>
+              <a:rPr lang="en-US" sz="1000">
+                <a:solidFill>
+                  <a:schemeClr val="tx1"/>
+                </a:solidFill>
+                <a:latin typeface="Menlo" panose="020B0609030804020204" pitchFamily="49" charset="0"/>
+                <a:ea typeface="Menlo" panose="020B0609030804020204" pitchFamily="49" charset="0"/>
+                <a:cs typeface="Menlo" panose="020B0609030804020204" pitchFamily="49" charset="0"/>
+              </a:rPr>
+              <a:t>In progress</a:t>
+            </a:r>
+          </a:p>
+          <a:p>
+            <a:pPr algn="ctr"/>
+            <a:endParaRPr lang="en-US" sz="1000">
+              <a:solidFill>
+                <a:schemeClr val="tx1"/>
+              </a:solidFill>
+              <a:latin typeface="Menlo" panose="020B0609030804020204" pitchFamily="49" charset="0"/>
+              <a:ea typeface="Menlo" panose="020B0609030804020204" pitchFamily="49" charset="0"/>
+              <a:cs typeface="Menlo" panose="020B0609030804020204" pitchFamily="49" charset="0"/>
+            </a:endParaRPr>
+          </a:p>
+          <a:p>
+            <a:pPr algn="ctr"/>
+            <a:endParaRPr lang="en-US" sz="1000">
+              <a:solidFill>
+                <a:schemeClr val="tx1"/>
+              </a:solidFill>
+              <a:latin typeface="Menlo" panose="020B0609030804020204" pitchFamily="49" charset="0"/>
+              <a:ea typeface="Menlo" panose="020B0609030804020204" pitchFamily="49" charset="0"/>
+              <a:cs typeface="Menlo" panose="020B0609030804020204" pitchFamily="49" charset="0"/>
+            </a:endParaRPr>
+          </a:p>
+          <a:p>
+            <a:pPr algn="ctr"/>
+            <a:endParaRPr lang="en-US" sz="1000">
+              <a:solidFill>
+                <a:schemeClr val="tx1"/>
+              </a:solidFill>
+              <a:latin typeface="Menlo" panose="020B0609030804020204" pitchFamily="49" charset="0"/>
+              <a:ea typeface="Menlo" panose="020B0609030804020204" pitchFamily="49" charset="0"/>
+              <a:cs typeface="Menlo" panose="020B0609030804020204" pitchFamily="49" charset="0"/>
+            </a:endParaRPr>
+          </a:p>
+        </p:txBody>
+      </p:sp>
+      <p:sp>
+        <p:nvSpPr>
+          <p:cNvPr id="75" name="Rectangle 74">
+            <a:extLst>
+              <a:ext uri="{FF2B5EF4-FFF2-40B4-BE49-F238E27FC236}">
+                <a16:creationId xmlns:a16="http://schemas.microsoft.com/office/drawing/2014/main" id="{0888EDE4-E73F-5C40-9A6E-643A985DA5FA}"/>
+              </a:ext>
+            </a:extLst>
+          </p:cNvPr>
+          <p:cNvSpPr/>
+          <p:nvPr/>
+        </p:nvSpPr>
+        <p:spPr>
+          <a:xfrm>
+            <a:off x="7035095" y="5776616"/>
+            <a:ext cx="1587425" cy="983005"/>
+          </a:xfrm>
+          <a:prstGeom prst="rect">
+            <a:avLst/>
+          </a:prstGeom>
+          <a:noFill/>
+        </p:spPr>
+        <p:style>
+          <a:lnRef idx="2">
+            <a:schemeClr val="accent1">
+              <a:shade val="50000"/>
+            </a:schemeClr>
+          </a:lnRef>
+          <a:fillRef idx="1">
+            <a:schemeClr val="accent1"/>
+          </a:fillRef>
+          <a:effectRef idx="0">
+            <a:schemeClr val="accent1"/>
+          </a:effectRef>
+          <a:fontRef idx="minor">
+            <a:schemeClr val="lt1"/>
+          </a:fontRef>
+        </p:style>
+        <p:txBody>
+          <a:bodyPr rtlCol="0" anchor="ctr"/>
+          <a:lstStyle/>
+          <a:p>
+            <a:pPr algn="ctr"/>
+            <a:r>
+              <a:rPr lang="en-US" sz="1000" b="1">
+                <a:solidFill>
+                  <a:schemeClr val="tx1"/>
+                </a:solidFill>
+                <a:latin typeface="Menlo" panose="020B0609030804020204" pitchFamily="49" charset="0"/>
+                <a:ea typeface="Menlo" panose="020B0609030804020204" pitchFamily="49" charset="0"/>
+                <a:cs typeface="Menlo" panose="020B0609030804020204" pitchFamily="49" charset="0"/>
+              </a:rPr>
+              <a:t>REST APIs</a:t>
+            </a:r>
+          </a:p>
+          <a:p>
+            <a:r>
+              <a:rPr lang="en-US" sz="1067">
+                <a:solidFill>
+                  <a:schemeClr val="tx1"/>
+                </a:solidFill>
+                <a:latin typeface="Menlo" panose="020B0609030804020204" pitchFamily="49" charset="0"/>
+                <a:ea typeface="Menlo" panose="020B0609030804020204" pitchFamily="49" charset="0"/>
+                <a:cs typeface="Menlo" panose="020B0609030804020204" pitchFamily="49" charset="0"/>
+              </a:rPr>
+              <a:t>Workflows</a:t>
+            </a:r>
+          </a:p>
+          <a:p>
+            <a:r>
+              <a:rPr lang="en-US" sz="1067">
+                <a:solidFill>
+                  <a:schemeClr val="tx1"/>
+                </a:solidFill>
+                <a:latin typeface="Menlo" panose="020B0609030804020204" pitchFamily="49" charset="0"/>
+                <a:ea typeface="Menlo" panose="020B0609030804020204" pitchFamily="49" charset="0"/>
+                <a:cs typeface="Menlo" panose="020B0609030804020204" pitchFamily="49" charset="0"/>
+              </a:rPr>
+              <a:t>TSO Commands</a:t>
+            </a:r>
+          </a:p>
+          <a:p>
+            <a:r>
+              <a:rPr lang="en-US" sz="1067">
+                <a:solidFill>
+                  <a:schemeClr val="tx1"/>
+                </a:solidFill>
+                <a:latin typeface="Menlo" panose="020B0609030804020204" pitchFamily="49" charset="0"/>
+                <a:ea typeface="Menlo" panose="020B0609030804020204" pitchFamily="49" charset="0"/>
+                <a:cs typeface="Menlo" panose="020B0609030804020204" pitchFamily="49" charset="0"/>
+              </a:rPr>
+              <a:t>MVS Commands</a:t>
+            </a:r>
+          </a:p>
+          <a:p>
+            <a:r>
+              <a:rPr lang="en-US" sz="1067">
+                <a:solidFill>
+                  <a:schemeClr val="tx1"/>
+                </a:solidFill>
+                <a:latin typeface="Menlo" panose="020B0609030804020204" pitchFamily="49" charset="0"/>
+                <a:ea typeface="Menlo" panose="020B0609030804020204" pitchFamily="49" charset="0"/>
+                <a:cs typeface="Menlo" panose="020B0609030804020204" pitchFamily="49" charset="0"/>
+              </a:rPr>
+              <a:t>Files, USS, JES</a:t>
+            </a:r>
+          </a:p>
+        </p:txBody>
+      </p:sp>
+      <p:sp>
+        <p:nvSpPr>
+          <p:cNvPr id="76" name="TextBox 75">
+            <a:extLst>
+              <a:ext uri="{FF2B5EF4-FFF2-40B4-BE49-F238E27FC236}">
+                <a16:creationId xmlns:a16="http://schemas.microsoft.com/office/drawing/2014/main" id="{9AFB5CBE-D9AB-1D46-89B6-FD697A720E44}"/>
+              </a:ext>
+            </a:extLst>
+          </p:cNvPr>
+          <p:cNvSpPr txBox="1"/>
+          <p:nvPr/>
+        </p:nvSpPr>
+        <p:spPr>
+          <a:xfrm>
+            <a:off x="7270907" y="5023913"/>
+            <a:ext cx="524503" cy="261610"/>
+          </a:xfrm>
+          <a:prstGeom prst="rect">
+            <a:avLst/>
+          </a:prstGeom>
+          <a:noFill/>
+        </p:spPr>
+        <p:txBody>
+          <a:bodyPr wrap="none" rtlCol="0">
+            <a:spAutoFit/>
+          </a:bodyPr>
+          <a:lstStyle/>
+          <a:p>
+            <a:r>
+              <a:rPr lang="en-US" sz="1100">
+                <a:latin typeface="Menlo" panose="020B0609030804020204" pitchFamily="49" charset="0"/>
+                <a:ea typeface="Menlo" panose="020B0609030804020204" pitchFamily="49" charset="0"/>
+                <a:cs typeface="Menlo" panose="020B0609030804020204" pitchFamily="49" charset="0"/>
+              </a:rPr>
+              <a:t>7443</a:t>
+            </a:r>
+          </a:p>
+        </p:txBody>
+      </p:sp>
+      <p:sp>
+        <p:nvSpPr>
+          <p:cNvPr id="77" name="Rectangle 76">
+            <a:extLst>
+              <a:ext uri="{FF2B5EF4-FFF2-40B4-BE49-F238E27FC236}">
+                <a16:creationId xmlns:a16="http://schemas.microsoft.com/office/drawing/2014/main" id="{FA73CD6B-CAA9-1349-802C-B5EC05495080}"/>
+              </a:ext>
+            </a:extLst>
+          </p:cNvPr>
+          <p:cNvSpPr/>
+          <p:nvPr/>
+        </p:nvSpPr>
+        <p:spPr>
+          <a:xfrm>
+            <a:off x="263534" y="1443112"/>
+            <a:ext cx="5797065" cy="235298"/>
+          </a:xfrm>
+          <a:prstGeom prst="rect">
+            <a:avLst/>
+          </a:prstGeom>
+          <a:solidFill>
+            <a:schemeClr val="accent1">
+              <a:lumMod val="20000"/>
+              <a:lumOff val="80000"/>
+            </a:schemeClr>
+          </a:solidFill>
+        </p:spPr>
+        <p:style>
+          <a:lnRef idx="1">
+            <a:schemeClr val="accent1"/>
+          </a:lnRef>
+          <a:fillRef idx="3">
+            <a:schemeClr val="accent1"/>
+          </a:fillRef>
+          <a:effectRef idx="2">
+            <a:schemeClr val="accent1"/>
+          </a:effectRef>
+          <a:fontRef idx="minor">
+            <a:schemeClr val="lt1"/>
+          </a:fontRef>
+        </p:style>
+        <p:txBody>
+          <a:bodyPr rtlCol="0" anchor="ctr"/>
+          <a:lstStyle/>
+          <a:p>
+            <a:pPr algn="ctr"/>
+            <a:r>
+              <a:rPr lang="en-US" sz="800" dirty="0">
+                <a:solidFill>
+                  <a:schemeClr val="tx1"/>
+                </a:solidFill>
+                <a:latin typeface="Menlo" charset="0"/>
+                <a:ea typeface="Menlo" charset="0"/>
+                <a:cs typeface="Menlo" charset="0"/>
+              </a:rPr>
+              <a:t>Zowe Desktop running in web browser</a:t>
+            </a:r>
+          </a:p>
+        </p:txBody>
+      </p:sp>
+      <p:sp>
+        <p:nvSpPr>
+          <p:cNvPr id="9" name="Rectangle 8">
+            <a:extLst>
+              <a:ext uri="{FF2B5EF4-FFF2-40B4-BE49-F238E27FC236}">
+                <a16:creationId xmlns:a16="http://schemas.microsoft.com/office/drawing/2014/main" id="{2220A9C8-5545-034F-9052-581D243973EB}"/>
+              </a:ext>
+            </a:extLst>
+          </p:cNvPr>
+          <p:cNvSpPr/>
+          <p:nvPr/>
+        </p:nvSpPr>
+        <p:spPr>
+          <a:xfrm>
+            <a:off x="2269173" y="715501"/>
+            <a:ext cx="830876" cy="584635"/>
+          </a:xfrm>
+          <a:prstGeom prst="rect">
+            <a:avLst/>
+          </a:prstGeom>
+          <a:solidFill>
+            <a:schemeClr val="tx2">
+              <a:lumMod val="20000"/>
+              <a:lumOff val="80000"/>
+            </a:schemeClr>
+          </a:solidFill>
+          <a:ln>
+            <a:solidFill>
+              <a:schemeClr val="tx1"/>
+            </a:solidFill>
+          </a:ln>
+        </p:spPr>
+        <p:style>
+          <a:lnRef idx="1">
+            <a:schemeClr val="accent1"/>
+          </a:lnRef>
+          <a:fillRef idx="3">
+            <a:schemeClr val="accent1"/>
+          </a:fillRef>
+          <a:effectRef idx="2">
+            <a:schemeClr val="accent1"/>
+          </a:effectRef>
+          <a:fontRef idx="minor">
+            <a:schemeClr val="lt1"/>
+          </a:fontRef>
+        </p:style>
+        <p:txBody>
+          <a:bodyPr rtlCol="0" anchor="ctr"/>
+          <a:lstStyle/>
+          <a:p>
+            <a:pPr algn="ctr"/>
+            <a:endParaRPr lang="en-US" sz="533">
+              <a:solidFill>
+                <a:schemeClr val="tx1"/>
+              </a:solidFill>
+              <a:latin typeface="Menlo" panose="020B0609030804020204" pitchFamily="49" charset="0"/>
+              <a:ea typeface="Menlo" panose="020B0609030804020204" pitchFamily="49" charset="0"/>
+              <a:cs typeface="Menlo" panose="020B0609030804020204" pitchFamily="49" charset="0"/>
+            </a:endParaRPr>
+          </a:p>
+          <a:p>
+            <a:pPr algn="ctr"/>
+            <a:endParaRPr lang="en-US" sz="533">
+              <a:solidFill>
+                <a:schemeClr val="tx1"/>
+              </a:solidFill>
+              <a:latin typeface="Menlo" panose="020B0609030804020204" pitchFamily="49" charset="0"/>
+              <a:ea typeface="Menlo" panose="020B0609030804020204" pitchFamily="49" charset="0"/>
+              <a:cs typeface="Menlo" panose="020B0609030804020204" pitchFamily="49" charset="0"/>
+            </a:endParaRPr>
+          </a:p>
+          <a:p>
+            <a:pPr algn="ctr"/>
+            <a:endParaRPr lang="en-US" sz="533">
+              <a:solidFill>
+                <a:schemeClr val="tx1"/>
+              </a:solidFill>
+              <a:latin typeface="Menlo" panose="020B0609030804020204" pitchFamily="49" charset="0"/>
+              <a:ea typeface="Menlo" panose="020B0609030804020204" pitchFamily="49" charset="0"/>
+              <a:cs typeface="Menlo" panose="020B0609030804020204" pitchFamily="49" charset="0"/>
+            </a:endParaRPr>
+          </a:p>
+          <a:p>
+            <a:pPr algn="ctr"/>
+            <a:endParaRPr lang="en-US" sz="533">
+              <a:solidFill>
+                <a:schemeClr val="tx1"/>
+              </a:solidFill>
+              <a:latin typeface="Menlo" panose="020B0609030804020204" pitchFamily="49" charset="0"/>
+              <a:ea typeface="Menlo" panose="020B0609030804020204" pitchFamily="49" charset="0"/>
+              <a:cs typeface="Menlo" panose="020B0609030804020204" pitchFamily="49" charset="0"/>
+            </a:endParaRPr>
+          </a:p>
+          <a:p>
+            <a:pPr algn="ctr"/>
+            <a:endParaRPr lang="en-US" sz="533">
+              <a:solidFill>
+                <a:schemeClr val="tx1"/>
+              </a:solidFill>
+              <a:latin typeface="Menlo" panose="020B0609030804020204" pitchFamily="49" charset="0"/>
+              <a:ea typeface="Menlo" panose="020B0609030804020204" pitchFamily="49" charset="0"/>
+              <a:cs typeface="Menlo" panose="020B0609030804020204" pitchFamily="49" charset="0"/>
+            </a:endParaRPr>
+          </a:p>
+          <a:p>
+            <a:pPr algn="ctr"/>
+            <a:r>
+              <a:rPr lang="en-US" sz="533">
+                <a:solidFill>
+                  <a:schemeClr val="tx1"/>
+                </a:solidFill>
+                <a:latin typeface="Menlo" panose="020B0609030804020204" pitchFamily="49" charset="0"/>
+                <a:ea typeface="Menlo" panose="020B0609030804020204" pitchFamily="49" charset="0"/>
+                <a:cs typeface="Menlo" panose="020B0609030804020204" pitchFamily="49" charset="0"/>
+              </a:rPr>
+              <a:t>MVS Explorer</a:t>
+            </a:r>
+          </a:p>
+        </p:txBody>
+      </p:sp>
+      <p:pic>
+        <p:nvPicPr>
+          <p:cNvPr id="7" name="Picture 6">
+            <a:extLst>
+              <a:ext uri="{FF2B5EF4-FFF2-40B4-BE49-F238E27FC236}">
+                <a16:creationId xmlns:a16="http://schemas.microsoft.com/office/drawing/2014/main" id="{ECDB2FB1-7D11-D242-8A90-3D7D5F81098F}"/>
+              </a:ext>
+            </a:extLst>
+          </p:cNvPr>
+          <p:cNvPicPr>
+            <a:picLocks noChangeAspect="1"/>
+          </p:cNvPicPr>
+          <p:nvPr/>
+        </p:nvPicPr>
+        <p:blipFill>
+          <a:blip r:embed="rId2"/>
+          <a:stretch>
+            <a:fillRect/>
+          </a:stretch>
+        </p:blipFill>
+        <p:spPr>
+          <a:xfrm>
+            <a:off x="2369494" y="751616"/>
+            <a:ext cx="594960" cy="335992"/>
+          </a:xfrm>
+          <a:prstGeom prst="rect">
+            <a:avLst/>
+          </a:prstGeom>
+        </p:spPr>
+      </p:pic>
+      <p:sp>
+        <p:nvSpPr>
+          <p:cNvPr id="79" name="Rectangle 78">
+            <a:extLst>
+              <a:ext uri="{FF2B5EF4-FFF2-40B4-BE49-F238E27FC236}">
+                <a16:creationId xmlns:a16="http://schemas.microsoft.com/office/drawing/2014/main" id="{FDCFCB80-CB2D-354F-9948-646AA711CD40}"/>
+              </a:ext>
+            </a:extLst>
+          </p:cNvPr>
+          <p:cNvSpPr/>
+          <p:nvPr/>
+        </p:nvSpPr>
+        <p:spPr>
+          <a:xfrm>
+            <a:off x="3191853" y="723469"/>
+            <a:ext cx="830876" cy="584635"/>
+          </a:xfrm>
+          <a:prstGeom prst="rect">
+            <a:avLst/>
+          </a:prstGeom>
+          <a:solidFill>
+            <a:schemeClr val="tx2">
+              <a:lumMod val="20000"/>
+              <a:lumOff val="80000"/>
+            </a:schemeClr>
+          </a:solidFill>
+          <a:ln>
+            <a:solidFill>
+              <a:schemeClr val="tx1"/>
+            </a:solidFill>
+          </a:ln>
+        </p:spPr>
+        <p:style>
+          <a:lnRef idx="1">
+            <a:schemeClr val="accent1"/>
+          </a:lnRef>
+          <a:fillRef idx="3">
+            <a:schemeClr val="accent1"/>
+          </a:fillRef>
+          <a:effectRef idx="2">
+            <a:schemeClr val="accent1"/>
+          </a:effectRef>
+          <a:fontRef idx="minor">
+            <a:schemeClr val="lt1"/>
+          </a:fontRef>
+        </p:style>
+        <p:txBody>
+          <a:bodyPr rtlCol="0" anchor="ctr"/>
+          <a:lstStyle/>
+          <a:p>
+            <a:pPr algn="ctr"/>
+            <a:endParaRPr lang="en-US" sz="533">
+              <a:solidFill>
+                <a:schemeClr val="tx1"/>
+              </a:solidFill>
+              <a:latin typeface="Menlo" panose="020B0609030804020204" pitchFamily="49" charset="0"/>
+              <a:ea typeface="Menlo" panose="020B0609030804020204" pitchFamily="49" charset="0"/>
+              <a:cs typeface="Menlo" panose="020B0609030804020204" pitchFamily="49" charset="0"/>
+            </a:endParaRPr>
+          </a:p>
+          <a:p>
+            <a:pPr algn="ctr"/>
+            <a:endParaRPr lang="en-US" sz="533">
+              <a:solidFill>
+                <a:schemeClr val="tx1"/>
+              </a:solidFill>
+              <a:latin typeface="Menlo" panose="020B0609030804020204" pitchFamily="49" charset="0"/>
+              <a:ea typeface="Menlo" panose="020B0609030804020204" pitchFamily="49" charset="0"/>
+              <a:cs typeface="Menlo" panose="020B0609030804020204" pitchFamily="49" charset="0"/>
+            </a:endParaRPr>
+          </a:p>
+          <a:p>
+            <a:pPr algn="ctr"/>
+            <a:endParaRPr lang="en-US" sz="533">
+              <a:solidFill>
+                <a:schemeClr val="tx1"/>
+              </a:solidFill>
+              <a:latin typeface="Menlo" panose="020B0609030804020204" pitchFamily="49" charset="0"/>
+              <a:ea typeface="Menlo" panose="020B0609030804020204" pitchFamily="49" charset="0"/>
+              <a:cs typeface="Menlo" panose="020B0609030804020204" pitchFamily="49" charset="0"/>
+            </a:endParaRPr>
+          </a:p>
+          <a:p>
+            <a:pPr algn="ctr"/>
+            <a:endParaRPr lang="en-US" sz="533">
+              <a:solidFill>
+                <a:schemeClr val="tx1"/>
+              </a:solidFill>
+              <a:latin typeface="Menlo" panose="020B0609030804020204" pitchFamily="49" charset="0"/>
+              <a:ea typeface="Menlo" panose="020B0609030804020204" pitchFamily="49" charset="0"/>
+              <a:cs typeface="Menlo" panose="020B0609030804020204" pitchFamily="49" charset="0"/>
+            </a:endParaRPr>
+          </a:p>
+          <a:p>
+            <a:pPr algn="ctr"/>
+            <a:endParaRPr lang="en-US" sz="533">
+              <a:solidFill>
+                <a:schemeClr val="tx1"/>
+              </a:solidFill>
+              <a:latin typeface="Menlo" panose="020B0609030804020204" pitchFamily="49" charset="0"/>
+              <a:ea typeface="Menlo" panose="020B0609030804020204" pitchFamily="49" charset="0"/>
+              <a:cs typeface="Menlo" panose="020B0609030804020204" pitchFamily="49" charset="0"/>
+            </a:endParaRPr>
+          </a:p>
+          <a:p>
+            <a:pPr algn="ctr"/>
+            <a:r>
+              <a:rPr lang="en-US" sz="533">
+                <a:solidFill>
+                  <a:schemeClr val="tx1"/>
+                </a:solidFill>
+                <a:latin typeface="Menlo" panose="020B0609030804020204" pitchFamily="49" charset="0"/>
+                <a:ea typeface="Menlo" panose="020B0609030804020204" pitchFamily="49" charset="0"/>
+                <a:cs typeface="Menlo" panose="020B0609030804020204" pitchFamily="49" charset="0"/>
+              </a:rPr>
+              <a:t>JES Explorer</a:t>
+            </a:r>
+          </a:p>
+        </p:txBody>
+      </p:sp>
+      <p:pic>
+        <p:nvPicPr>
+          <p:cNvPr id="8" name="Picture 7">
+            <a:extLst>
+              <a:ext uri="{FF2B5EF4-FFF2-40B4-BE49-F238E27FC236}">
+                <a16:creationId xmlns:a16="http://schemas.microsoft.com/office/drawing/2014/main" id="{5E182968-48C7-A04A-B576-7DE13E28DF18}"/>
+              </a:ext>
+            </a:extLst>
+          </p:cNvPr>
+          <p:cNvPicPr>
+            <a:picLocks noChangeAspect="1"/>
+          </p:cNvPicPr>
+          <p:nvPr/>
+        </p:nvPicPr>
+        <p:blipFill>
+          <a:blip r:embed="rId3"/>
+          <a:stretch>
+            <a:fillRect/>
+          </a:stretch>
+        </p:blipFill>
+        <p:spPr>
+          <a:xfrm>
+            <a:off x="3318394" y="772119"/>
+            <a:ext cx="542319" cy="336716"/>
+          </a:xfrm>
+          <a:prstGeom prst="rect">
+            <a:avLst/>
+          </a:prstGeom>
+        </p:spPr>
+      </p:pic>
+      <p:sp>
+        <p:nvSpPr>
+          <p:cNvPr id="80" name="Rectangle 79">
+            <a:extLst>
+              <a:ext uri="{FF2B5EF4-FFF2-40B4-BE49-F238E27FC236}">
+                <a16:creationId xmlns:a16="http://schemas.microsoft.com/office/drawing/2014/main" id="{91600B3F-5883-A745-B9E9-287709B4FA06}"/>
+              </a:ext>
+            </a:extLst>
+          </p:cNvPr>
+          <p:cNvSpPr/>
+          <p:nvPr/>
+        </p:nvSpPr>
+        <p:spPr>
+          <a:xfrm>
+            <a:off x="4140753" y="726804"/>
+            <a:ext cx="830876" cy="584635"/>
+          </a:xfrm>
+          <a:prstGeom prst="rect">
+            <a:avLst/>
+          </a:prstGeom>
+          <a:solidFill>
+            <a:schemeClr val="tx2">
+              <a:lumMod val="20000"/>
+              <a:lumOff val="80000"/>
+            </a:schemeClr>
+          </a:solidFill>
+          <a:ln>
+            <a:solidFill>
+              <a:schemeClr val="tx1"/>
+            </a:solidFill>
+          </a:ln>
+        </p:spPr>
+        <p:style>
+          <a:lnRef idx="1">
+            <a:schemeClr val="accent1"/>
+          </a:lnRef>
+          <a:fillRef idx="3">
+            <a:schemeClr val="accent1"/>
+          </a:fillRef>
+          <a:effectRef idx="2">
+            <a:schemeClr val="accent1"/>
+          </a:effectRef>
+          <a:fontRef idx="minor">
+            <a:schemeClr val="lt1"/>
+          </a:fontRef>
+        </p:style>
+        <p:txBody>
+          <a:bodyPr rtlCol="0" anchor="ctr"/>
+          <a:lstStyle/>
+          <a:p>
+            <a:pPr algn="ctr"/>
+            <a:endParaRPr lang="en-US" sz="533">
+              <a:solidFill>
+                <a:schemeClr val="tx1"/>
+              </a:solidFill>
+              <a:latin typeface="Menlo" panose="020B0609030804020204" pitchFamily="49" charset="0"/>
+              <a:ea typeface="Menlo" panose="020B0609030804020204" pitchFamily="49" charset="0"/>
+              <a:cs typeface="Menlo" panose="020B0609030804020204" pitchFamily="49" charset="0"/>
+            </a:endParaRPr>
+          </a:p>
+          <a:p>
+            <a:pPr algn="ctr"/>
+            <a:endParaRPr lang="en-US" sz="533">
+              <a:solidFill>
+                <a:schemeClr val="tx1"/>
+              </a:solidFill>
+              <a:latin typeface="Menlo" panose="020B0609030804020204" pitchFamily="49" charset="0"/>
+              <a:ea typeface="Menlo" panose="020B0609030804020204" pitchFamily="49" charset="0"/>
+              <a:cs typeface="Menlo" panose="020B0609030804020204" pitchFamily="49" charset="0"/>
+            </a:endParaRPr>
+          </a:p>
+          <a:p>
+            <a:pPr algn="ctr"/>
+            <a:endParaRPr lang="en-US" sz="533">
+              <a:solidFill>
+                <a:schemeClr val="tx1"/>
+              </a:solidFill>
+              <a:latin typeface="Menlo" panose="020B0609030804020204" pitchFamily="49" charset="0"/>
+              <a:ea typeface="Menlo" panose="020B0609030804020204" pitchFamily="49" charset="0"/>
+              <a:cs typeface="Menlo" panose="020B0609030804020204" pitchFamily="49" charset="0"/>
+            </a:endParaRPr>
+          </a:p>
+          <a:p>
+            <a:pPr algn="ctr"/>
+            <a:endParaRPr lang="en-US" sz="533">
+              <a:solidFill>
+                <a:schemeClr val="tx1"/>
+              </a:solidFill>
+              <a:latin typeface="Menlo" panose="020B0609030804020204" pitchFamily="49" charset="0"/>
+              <a:ea typeface="Menlo" panose="020B0609030804020204" pitchFamily="49" charset="0"/>
+              <a:cs typeface="Menlo" panose="020B0609030804020204" pitchFamily="49" charset="0"/>
+            </a:endParaRPr>
+          </a:p>
+          <a:p>
+            <a:pPr algn="ctr"/>
+            <a:endParaRPr lang="en-US" sz="533">
+              <a:solidFill>
+                <a:schemeClr val="tx1"/>
+              </a:solidFill>
+              <a:latin typeface="Menlo" panose="020B0609030804020204" pitchFamily="49" charset="0"/>
+              <a:ea typeface="Menlo" panose="020B0609030804020204" pitchFamily="49" charset="0"/>
+              <a:cs typeface="Menlo" panose="020B0609030804020204" pitchFamily="49" charset="0"/>
+            </a:endParaRPr>
+          </a:p>
+          <a:p>
+            <a:pPr algn="ctr"/>
+            <a:r>
+              <a:rPr lang="en-US" sz="533">
+                <a:solidFill>
+                  <a:schemeClr val="tx1"/>
+                </a:solidFill>
+                <a:latin typeface="Menlo" panose="020B0609030804020204" pitchFamily="49" charset="0"/>
+                <a:ea typeface="Menlo" panose="020B0609030804020204" pitchFamily="49" charset="0"/>
+                <a:cs typeface="Menlo" panose="020B0609030804020204" pitchFamily="49" charset="0"/>
+              </a:rPr>
+              <a:t>USS Explorer</a:t>
+            </a:r>
+          </a:p>
+        </p:txBody>
+      </p:sp>
+      <p:pic>
+        <p:nvPicPr>
+          <p:cNvPr id="10" name="Picture 9">
+            <a:extLst>
+              <a:ext uri="{FF2B5EF4-FFF2-40B4-BE49-F238E27FC236}">
+                <a16:creationId xmlns:a16="http://schemas.microsoft.com/office/drawing/2014/main" id="{69422BFB-BF0E-E84E-AF4C-A30A2439E5F0}"/>
+              </a:ext>
+            </a:extLst>
+          </p:cNvPr>
+          <p:cNvPicPr>
+            <a:picLocks noChangeAspect="1"/>
+          </p:cNvPicPr>
+          <p:nvPr/>
+        </p:nvPicPr>
+        <p:blipFill>
+          <a:blip r:embed="rId4"/>
+          <a:stretch>
+            <a:fillRect/>
+          </a:stretch>
+        </p:blipFill>
+        <p:spPr>
+          <a:xfrm>
+            <a:off x="4287632" y="797612"/>
+            <a:ext cx="492671" cy="325693"/>
+          </a:xfrm>
+          <a:prstGeom prst="rect">
+            <a:avLst/>
+          </a:prstGeom>
+        </p:spPr>
+      </p:pic>
+      <p:sp>
+        <p:nvSpPr>
+          <p:cNvPr id="82" name="Rectangle 81">
+            <a:extLst>
+              <a:ext uri="{FF2B5EF4-FFF2-40B4-BE49-F238E27FC236}">
+                <a16:creationId xmlns:a16="http://schemas.microsoft.com/office/drawing/2014/main" id="{F8E8A60B-1AFE-9A49-AE07-175E906C67AA}"/>
+              </a:ext>
+            </a:extLst>
+          </p:cNvPr>
+          <p:cNvSpPr/>
+          <p:nvPr/>
+        </p:nvSpPr>
+        <p:spPr>
+          <a:xfrm>
+            <a:off x="1315277" y="723469"/>
+            <a:ext cx="830876" cy="584635"/>
+          </a:xfrm>
+          <a:prstGeom prst="rect">
+            <a:avLst/>
+          </a:prstGeom>
+          <a:solidFill>
+            <a:schemeClr val="tx2">
+              <a:lumMod val="20000"/>
+              <a:lumOff val="80000"/>
+            </a:schemeClr>
+          </a:solidFill>
+          <a:ln>
+            <a:solidFill>
+              <a:schemeClr val="tx1"/>
+            </a:solidFill>
+          </a:ln>
+        </p:spPr>
+        <p:style>
+          <a:lnRef idx="1">
+            <a:schemeClr val="accent1"/>
+          </a:lnRef>
+          <a:fillRef idx="3">
+            <a:schemeClr val="accent1"/>
+          </a:fillRef>
+          <a:effectRef idx="2">
+            <a:schemeClr val="accent1"/>
+          </a:effectRef>
+          <a:fontRef idx="minor">
+            <a:schemeClr val="lt1"/>
+          </a:fontRef>
+        </p:style>
+        <p:txBody>
+          <a:bodyPr rtlCol="0" anchor="ctr"/>
+          <a:lstStyle/>
+          <a:p>
+            <a:pPr algn="ctr"/>
+            <a:endParaRPr lang="en-US" sz="533">
+              <a:solidFill>
+                <a:schemeClr val="tx1"/>
+              </a:solidFill>
+              <a:latin typeface="Menlo" panose="020B0609030804020204" pitchFamily="49" charset="0"/>
+              <a:ea typeface="Menlo" panose="020B0609030804020204" pitchFamily="49" charset="0"/>
+              <a:cs typeface="Menlo" panose="020B0609030804020204" pitchFamily="49" charset="0"/>
+            </a:endParaRPr>
+          </a:p>
+          <a:p>
+            <a:pPr algn="ctr"/>
+            <a:endParaRPr lang="en-US" sz="533">
+              <a:solidFill>
+                <a:schemeClr val="tx1"/>
+              </a:solidFill>
+              <a:latin typeface="Menlo" panose="020B0609030804020204" pitchFamily="49" charset="0"/>
+              <a:ea typeface="Menlo" panose="020B0609030804020204" pitchFamily="49" charset="0"/>
+              <a:cs typeface="Menlo" panose="020B0609030804020204" pitchFamily="49" charset="0"/>
+            </a:endParaRPr>
+          </a:p>
+          <a:p>
+            <a:pPr algn="ctr"/>
+            <a:endParaRPr lang="en-US" sz="533">
+              <a:solidFill>
+                <a:schemeClr val="tx1"/>
+              </a:solidFill>
+              <a:latin typeface="Menlo" panose="020B0609030804020204" pitchFamily="49" charset="0"/>
+              <a:ea typeface="Menlo" panose="020B0609030804020204" pitchFamily="49" charset="0"/>
+              <a:cs typeface="Menlo" panose="020B0609030804020204" pitchFamily="49" charset="0"/>
+            </a:endParaRPr>
+          </a:p>
+          <a:p>
+            <a:pPr algn="ctr"/>
+            <a:endParaRPr lang="en-US" sz="533">
+              <a:solidFill>
+                <a:schemeClr val="tx1"/>
+              </a:solidFill>
+              <a:latin typeface="Menlo" panose="020B0609030804020204" pitchFamily="49" charset="0"/>
+              <a:ea typeface="Menlo" panose="020B0609030804020204" pitchFamily="49" charset="0"/>
+              <a:cs typeface="Menlo" panose="020B0609030804020204" pitchFamily="49" charset="0"/>
+            </a:endParaRPr>
+          </a:p>
+          <a:p>
+            <a:pPr algn="ctr"/>
+            <a:endParaRPr lang="en-US" sz="533">
+              <a:solidFill>
+                <a:schemeClr val="tx1"/>
+              </a:solidFill>
+              <a:latin typeface="Menlo" panose="020B0609030804020204" pitchFamily="49" charset="0"/>
+              <a:ea typeface="Menlo" panose="020B0609030804020204" pitchFamily="49" charset="0"/>
+              <a:cs typeface="Menlo" panose="020B0609030804020204" pitchFamily="49" charset="0"/>
+            </a:endParaRPr>
+          </a:p>
+          <a:p>
+            <a:pPr algn="ctr"/>
+            <a:r>
+              <a:rPr lang="en-US" sz="533">
+                <a:solidFill>
+                  <a:schemeClr val="tx1"/>
+                </a:solidFill>
+                <a:latin typeface="Menlo" panose="020B0609030804020204" pitchFamily="49" charset="0"/>
+                <a:ea typeface="Menlo" panose="020B0609030804020204" pitchFamily="49" charset="0"/>
+                <a:cs typeface="Menlo" panose="020B0609030804020204" pitchFamily="49" charset="0"/>
+              </a:rPr>
+              <a:t>TN 2170</a:t>
+            </a:r>
+          </a:p>
+        </p:txBody>
+      </p:sp>
+      <p:pic>
+        <p:nvPicPr>
+          <p:cNvPr id="11" name="Picture 10">
+            <a:extLst>
+              <a:ext uri="{FF2B5EF4-FFF2-40B4-BE49-F238E27FC236}">
+                <a16:creationId xmlns:a16="http://schemas.microsoft.com/office/drawing/2014/main" id="{B465B054-0C62-9E41-B891-1D24A71FAFFE}"/>
+              </a:ext>
+            </a:extLst>
+          </p:cNvPr>
+          <p:cNvPicPr>
+            <a:picLocks noChangeAspect="1"/>
+          </p:cNvPicPr>
+          <p:nvPr/>
+        </p:nvPicPr>
+        <p:blipFill>
+          <a:blip r:embed="rId5"/>
+          <a:stretch>
+            <a:fillRect/>
+          </a:stretch>
+        </p:blipFill>
+        <p:spPr>
+          <a:xfrm>
+            <a:off x="1503238" y="768907"/>
+            <a:ext cx="439324" cy="354399"/>
+          </a:xfrm>
+          <a:prstGeom prst="rect">
+            <a:avLst/>
+          </a:prstGeom>
+        </p:spPr>
+      </p:pic>
+      <p:sp>
+        <p:nvSpPr>
+          <p:cNvPr id="83" name="Rectangle 82">
+            <a:extLst>
+              <a:ext uri="{FF2B5EF4-FFF2-40B4-BE49-F238E27FC236}">
+                <a16:creationId xmlns:a16="http://schemas.microsoft.com/office/drawing/2014/main" id="{3F6404EA-A5F6-5344-9F02-1F63A7ED71F5}"/>
+              </a:ext>
+            </a:extLst>
+          </p:cNvPr>
+          <p:cNvSpPr/>
+          <p:nvPr/>
+        </p:nvSpPr>
+        <p:spPr>
+          <a:xfrm>
+            <a:off x="280810" y="736832"/>
+            <a:ext cx="830876" cy="584635"/>
+          </a:xfrm>
+          <a:prstGeom prst="rect">
+            <a:avLst/>
+          </a:prstGeom>
+          <a:solidFill>
+            <a:schemeClr val="tx2">
+              <a:lumMod val="20000"/>
+              <a:lumOff val="80000"/>
+            </a:schemeClr>
+          </a:solidFill>
+          <a:ln>
+            <a:solidFill>
+              <a:schemeClr val="tx1"/>
+            </a:solidFill>
+          </a:ln>
+        </p:spPr>
+        <p:style>
+          <a:lnRef idx="1">
+            <a:schemeClr val="accent1"/>
+          </a:lnRef>
+          <a:fillRef idx="3">
+            <a:schemeClr val="accent1"/>
+          </a:fillRef>
+          <a:effectRef idx="2">
+            <a:schemeClr val="accent1"/>
+          </a:effectRef>
+          <a:fontRef idx="minor">
+            <a:schemeClr val="lt1"/>
+          </a:fontRef>
+        </p:style>
+        <p:txBody>
+          <a:bodyPr rtlCol="0" anchor="ctr"/>
+          <a:lstStyle/>
+          <a:p>
+            <a:pPr algn="ctr"/>
+            <a:endParaRPr lang="en-US" sz="533">
+              <a:solidFill>
+                <a:schemeClr val="tx1"/>
+              </a:solidFill>
+              <a:latin typeface="Menlo" panose="020B0609030804020204" pitchFamily="49" charset="0"/>
+              <a:ea typeface="Menlo" panose="020B0609030804020204" pitchFamily="49" charset="0"/>
+              <a:cs typeface="Menlo" panose="020B0609030804020204" pitchFamily="49" charset="0"/>
+            </a:endParaRPr>
+          </a:p>
+          <a:p>
+            <a:pPr algn="ctr"/>
+            <a:endParaRPr lang="en-US" sz="533">
+              <a:solidFill>
+                <a:schemeClr val="tx1"/>
+              </a:solidFill>
+              <a:latin typeface="Menlo" panose="020B0609030804020204" pitchFamily="49" charset="0"/>
+              <a:ea typeface="Menlo" panose="020B0609030804020204" pitchFamily="49" charset="0"/>
+              <a:cs typeface="Menlo" panose="020B0609030804020204" pitchFamily="49" charset="0"/>
+            </a:endParaRPr>
+          </a:p>
+          <a:p>
+            <a:pPr algn="ctr"/>
+            <a:endParaRPr lang="en-US" sz="533">
+              <a:solidFill>
+                <a:schemeClr val="tx1"/>
+              </a:solidFill>
+              <a:latin typeface="Menlo" panose="020B0609030804020204" pitchFamily="49" charset="0"/>
+              <a:ea typeface="Menlo" panose="020B0609030804020204" pitchFamily="49" charset="0"/>
+              <a:cs typeface="Menlo" panose="020B0609030804020204" pitchFamily="49" charset="0"/>
+            </a:endParaRPr>
+          </a:p>
+          <a:p>
+            <a:pPr algn="ctr"/>
+            <a:endParaRPr lang="en-US" sz="533">
+              <a:solidFill>
+                <a:schemeClr val="tx1"/>
+              </a:solidFill>
+              <a:latin typeface="Menlo" panose="020B0609030804020204" pitchFamily="49" charset="0"/>
+              <a:ea typeface="Menlo" panose="020B0609030804020204" pitchFamily="49" charset="0"/>
+              <a:cs typeface="Menlo" panose="020B0609030804020204" pitchFamily="49" charset="0"/>
+            </a:endParaRPr>
+          </a:p>
+          <a:p>
+            <a:pPr algn="ctr"/>
+            <a:endParaRPr lang="en-US" sz="533">
+              <a:solidFill>
+                <a:schemeClr val="tx1"/>
+              </a:solidFill>
+              <a:latin typeface="Menlo" panose="020B0609030804020204" pitchFamily="49" charset="0"/>
+              <a:ea typeface="Menlo" panose="020B0609030804020204" pitchFamily="49" charset="0"/>
+              <a:cs typeface="Menlo" panose="020B0609030804020204" pitchFamily="49" charset="0"/>
+            </a:endParaRPr>
+          </a:p>
+          <a:p>
+            <a:pPr algn="ctr"/>
+            <a:r>
+              <a:rPr lang="en-US" sz="533">
+                <a:solidFill>
+                  <a:schemeClr val="tx1"/>
+                </a:solidFill>
+                <a:latin typeface="Menlo" panose="020B0609030804020204" pitchFamily="49" charset="0"/>
+                <a:ea typeface="Menlo" panose="020B0609030804020204" pitchFamily="49" charset="0"/>
+                <a:cs typeface="Menlo" panose="020B0609030804020204" pitchFamily="49" charset="0"/>
+              </a:rPr>
+              <a:t>VT Terminal</a:t>
+            </a:r>
+          </a:p>
+        </p:txBody>
+      </p:sp>
+      <p:pic>
+        <p:nvPicPr>
+          <p:cNvPr id="12" name="Picture 11">
+            <a:extLst>
+              <a:ext uri="{FF2B5EF4-FFF2-40B4-BE49-F238E27FC236}">
+                <a16:creationId xmlns:a16="http://schemas.microsoft.com/office/drawing/2014/main" id="{D9DCBCAF-0F18-DC4C-86C9-099E8FCF6A0B}"/>
+              </a:ext>
+            </a:extLst>
+          </p:cNvPr>
+          <p:cNvPicPr>
+            <a:picLocks noChangeAspect="1"/>
+          </p:cNvPicPr>
+          <p:nvPr/>
+        </p:nvPicPr>
+        <p:blipFill>
+          <a:blip r:embed="rId6"/>
+          <a:stretch>
+            <a:fillRect/>
+          </a:stretch>
+        </p:blipFill>
+        <p:spPr>
+          <a:xfrm>
+            <a:off x="493907" y="794112"/>
+            <a:ext cx="462960" cy="370597"/>
+          </a:xfrm>
+          <a:prstGeom prst="rect">
+            <a:avLst/>
+          </a:prstGeom>
+        </p:spPr>
+      </p:pic>
+      <p:sp>
+        <p:nvSpPr>
+          <p:cNvPr id="85" name="Rectangle 84">
+            <a:extLst>
+              <a:ext uri="{FF2B5EF4-FFF2-40B4-BE49-F238E27FC236}">
+                <a16:creationId xmlns:a16="http://schemas.microsoft.com/office/drawing/2014/main" id="{BCCCA178-3BD1-974E-A649-9F0821B4E8DB}"/>
+              </a:ext>
+            </a:extLst>
+          </p:cNvPr>
+          <p:cNvSpPr/>
+          <p:nvPr/>
+        </p:nvSpPr>
+        <p:spPr>
+          <a:xfrm>
+            <a:off x="7682822" y="747474"/>
+            <a:ext cx="1425257" cy="534825"/>
+          </a:xfrm>
+          <a:prstGeom prst="rect">
+            <a:avLst/>
+          </a:prstGeom>
+          <a:solidFill>
+            <a:schemeClr val="accent1">
+              <a:lumMod val="20000"/>
+              <a:lumOff val="80000"/>
+            </a:schemeClr>
+          </a:solidFill>
+        </p:spPr>
+        <p:style>
+          <a:lnRef idx="1">
+            <a:schemeClr val="accent1"/>
+          </a:lnRef>
+          <a:fillRef idx="3">
+            <a:schemeClr val="accent1"/>
+          </a:fillRef>
+          <a:effectRef idx="2">
+            <a:schemeClr val="accent1"/>
+          </a:effectRef>
+          <a:fontRef idx="minor">
+            <a:schemeClr val="lt1"/>
+          </a:fontRef>
+        </p:style>
+        <p:txBody>
+          <a:bodyPr rtlCol="0" anchor="ctr"/>
+          <a:lstStyle/>
+          <a:p>
+            <a:pPr algn="ctr"/>
+            <a:endParaRPr lang="en-US" sz="1467">
+              <a:solidFill>
+                <a:schemeClr val="tx1"/>
+              </a:solidFill>
+              <a:latin typeface="Menlo" charset="0"/>
+              <a:ea typeface="Menlo" charset="0"/>
+              <a:cs typeface="Menlo" charset="0"/>
+            </a:endParaRPr>
+          </a:p>
+          <a:p>
+            <a:pPr algn="ctr"/>
+            <a:endParaRPr lang="en-US" sz="1467">
+              <a:solidFill>
+                <a:schemeClr val="tx1"/>
+              </a:solidFill>
+              <a:latin typeface="Menlo" charset="0"/>
+              <a:ea typeface="Menlo" charset="0"/>
+              <a:cs typeface="Menlo" charset="0"/>
+            </a:endParaRPr>
+          </a:p>
+        </p:txBody>
+      </p:sp>
+      <p:pic>
+        <p:nvPicPr>
+          <p:cNvPr id="13" name="Picture 12">
+            <a:extLst>
+              <a:ext uri="{FF2B5EF4-FFF2-40B4-BE49-F238E27FC236}">
+                <a16:creationId xmlns:a16="http://schemas.microsoft.com/office/drawing/2014/main" id="{221400D2-57A7-A749-B8F9-C023A7CEA2BA}"/>
+              </a:ext>
+            </a:extLst>
+          </p:cNvPr>
+          <p:cNvPicPr>
+            <a:picLocks noChangeAspect="1"/>
+          </p:cNvPicPr>
+          <p:nvPr/>
+        </p:nvPicPr>
+        <p:blipFill>
+          <a:blip r:embed="rId7"/>
+          <a:stretch>
+            <a:fillRect/>
+          </a:stretch>
+        </p:blipFill>
+        <p:spPr>
+          <a:xfrm>
+            <a:off x="7769728" y="786855"/>
+            <a:ext cx="936483" cy="495444"/>
+          </a:xfrm>
+          <a:prstGeom prst="rect">
+            <a:avLst/>
+          </a:prstGeom>
+        </p:spPr>
+      </p:pic>
+      <p:sp>
+        <p:nvSpPr>
+          <p:cNvPr id="72" name="Rectangle 71">
+            <a:extLst>
+              <a:ext uri="{FF2B5EF4-FFF2-40B4-BE49-F238E27FC236}">
+                <a16:creationId xmlns:a16="http://schemas.microsoft.com/office/drawing/2014/main" id="{58691199-F13A-3A40-B3F3-882DAA99E199}"/>
+              </a:ext>
+            </a:extLst>
+          </p:cNvPr>
+          <p:cNvSpPr/>
+          <p:nvPr/>
+        </p:nvSpPr>
+        <p:spPr>
+          <a:xfrm>
+            <a:off x="8966912" y="5228347"/>
+            <a:ext cx="647781" cy="476273"/>
+          </a:xfrm>
+          <a:prstGeom prst="rect">
+            <a:avLst/>
+          </a:prstGeom>
+          <a:solidFill>
+            <a:schemeClr val="bg1"/>
+          </a:solidFill>
+        </p:spPr>
+        <p:style>
+          <a:lnRef idx="2">
+            <a:schemeClr val="accent1">
+              <a:shade val="50000"/>
+            </a:schemeClr>
+          </a:lnRef>
+          <a:fillRef idx="1">
+            <a:schemeClr val="accent1"/>
+          </a:fillRef>
+          <a:effectRef idx="0">
+            <a:schemeClr val="accent1"/>
+          </a:effectRef>
+          <a:fontRef idx="minor">
+            <a:schemeClr val="lt1"/>
+          </a:fontRef>
+        </p:style>
+        <p:txBody>
+          <a:bodyPr rtlCol="0" anchor="ctr"/>
+          <a:lstStyle/>
+          <a:p>
+            <a:pPr algn="ctr"/>
+            <a:r>
+              <a:rPr lang="en-US" sz="933">
+                <a:solidFill>
+                  <a:schemeClr val="tx1"/>
+                </a:solidFill>
+                <a:latin typeface="Menlo" panose="020B0609030804020204" pitchFamily="49" charset="0"/>
+                <a:ea typeface="Menlo" panose="020B0609030804020204" pitchFamily="49" charset="0"/>
+                <a:cs typeface="Menlo" panose="020B0609030804020204" pitchFamily="49" charset="0"/>
+              </a:rPr>
+              <a:t>CICS</a:t>
+            </a:r>
+          </a:p>
+          <a:p>
+            <a:pPr algn="ctr"/>
+            <a:r>
+              <a:rPr lang="en-US" sz="933">
+                <a:solidFill>
+                  <a:schemeClr val="tx1"/>
+                </a:solidFill>
+                <a:latin typeface="Menlo" panose="020B0609030804020204" pitchFamily="49" charset="0"/>
+                <a:ea typeface="Menlo" panose="020B0609030804020204" pitchFamily="49" charset="0"/>
+                <a:cs typeface="Menlo" panose="020B0609030804020204" pitchFamily="49" charset="0"/>
+              </a:rPr>
+              <a:t>CMCI </a:t>
+            </a:r>
+          </a:p>
+        </p:txBody>
+      </p:sp>
+      <p:sp>
+        <p:nvSpPr>
+          <p:cNvPr id="87" name="Rectangle 86">
+            <a:extLst>
+              <a:ext uri="{FF2B5EF4-FFF2-40B4-BE49-F238E27FC236}">
+                <a16:creationId xmlns:a16="http://schemas.microsoft.com/office/drawing/2014/main" id="{03EF157D-A459-3D4C-9BA7-D66E89FE7C8E}"/>
+              </a:ext>
+            </a:extLst>
+          </p:cNvPr>
+          <p:cNvSpPr/>
+          <p:nvPr/>
+        </p:nvSpPr>
+        <p:spPr>
+          <a:xfrm>
+            <a:off x="9282551" y="963366"/>
+            <a:ext cx="538511" cy="270387"/>
+          </a:xfrm>
+          <a:prstGeom prst="rect">
+            <a:avLst/>
+          </a:prstGeom>
+          <a:solidFill>
+            <a:schemeClr val="accent1">
+              <a:lumMod val="20000"/>
+              <a:lumOff val="80000"/>
+            </a:schemeClr>
+          </a:solidFill>
+        </p:spPr>
+        <p:style>
+          <a:lnRef idx="1">
+            <a:schemeClr val="accent1"/>
+          </a:lnRef>
+          <a:fillRef idx="3">
+            <a:schemeClr val="accent1"/>
+          </a:fillRef>
+          <a:effectRef idx="2">
+            <a:schemeClr val="accent1"/>
+          </a:effectRef>
+          <a:fontRef idx="minor">
+            <a:schemeClr val="lt1"/>
+          </a:fontRef>
+        </p:style>
+        <p:txBody>
+          <a:bodyPr rtlCol="0" anchor="ctr"/>
+          <a:lstStyle/>
+          <a:p>
+            <a:pPr algn="ctr"/>
+            <a:r>
+              <a:rPr lang="en-US" sz="1000">
+                <a:solidFill>
+                  <a:schemeClr val="tx1"/>
+                </a:solidFill>
+                <a:latin typeface="Menlo" charset="0"/>
+                <a:ea typeface="Menlo" charset="0"/>
+                <a:cs typeface="Menlo" charset="0"/>
+              </a:rPr>
+              <a:t>CICS</a:t>
+            </a:r>
+          </a:p>
+        </p:txBody>
+      </p:sp>
+      <p:cxnSp>
+        <p:nvCxnSpPr>
+          <p:cNvPr id="88" name="Straight Arrow Connector 87">
+            <a:extLst>
+              <a:ext uri="{FF2B5EF4-FFF2-40B4-BE49-F238E27FC236}">
+                <a16:creationId xmlns:a16="http://schemas.microsoft.com/office/drawing/2014/main" id="{5ABE9537-3590-D944-A6EF-674D2E7A9B42}"/>
+              </a:ext>
+            </a:extLst>
+          </p:cNvPr>
+          <p:cNvCxnSpPr>
+            <a:cxnSpLocks/>
+          </p:cNvCxnSpPr>
+          <p:nvPr/>
+        </p:nvCxnSpPr>
+        <p:spPr>
+          <a:xfrm>
+            <a:off x="7746055" y="1673444"/>
+            <a:ext cx="0" cy="759483"/>
+          </a:xfrm>
+          <a:prstGeom prst="straightConnector1">
+            <a:avLst/>
+          </a:prstGeom>
+          <a:ln>
+            <a:headEnd type="triangle"/>
+            <a:tailEnd type="triangle"/>
+          </a:ln>
+        </p:spPr>
+        <p:style>
+          <a:lnRef idx="1">
+            <a:schemeClr val="accent1"/>
+          </a:lnRef>
+          <a:fillRef idx="0">
+            <a:schemeClr val="accent1"/>
+          </a:fillRef>
+          <a:effectRef idx="0">
+            <a:schemeClr val="accent1"/>
+          </a:effectRef>
+          <a:fontRef idx="minor">
+            <a:schemeClr val="tx1"/>
+          </a:fontRef>
+        </p:style>
+      </p:cxnSp>
+      <p:cxnSp>
+        <p:nvCxnSpPr>
+          <p:cNvPr id="89" name="Straight Arrow Connector 88">
+            <a:extLst>
+              <a:ext uri="{FF2B5EF4-FFF2-40B4-BE49-F238E27FC236}">
+                <a16:creationId xmlns:a16="http://schemas.microsoft.com/office/drawing/2014/main" id="{3C6B5AD8-4D55-CC45-B07C-E9F3CF05C3FF}"/>
+              </a:ext>
+            </a:extLst>
+          </p:cNvPr>
+          <p:cNvCxnSpPr>
+            <a:cxnSpLocks/>
+          </p:cNvCxnSpPr>
+          <p:nvPr/>
+        </p:nvCxnSpPr>
+        <p:spPr>
+          <a:xfrm>
+            <a:off x="9480808" y="1335871"/>
+            <a:ext cx="0" cy="3869737"/>
+          </a:xfrm>
+          <a:prstGeom prst="straightConnector1">
+            <a:avLst/>
+          </a:prstGeom>
+          <a:ln>
+            <a:headEnd type="triangle"/>
+            <a:tailEnd type="triangle"/>
+          </a:ln>
+        </p:spPr>
+        <p:style>
+          <a:lnRef idx="1">
+            <a:schemeClr val="accent1"/>
+          </a:lnRef>
+          <a:fillRef idx="0">
+            <a:schemeClr val="accent1"/>
+          </a:fillRef>
+          <a:effectRef idx="0">
+            <a:schemeClr val="accent1"/>
+          </a:effectRef>
+          <a:fontRef idx="minor">
+            <a:schemeClr val="tx1"/>
+          </a:fontRef>
+        </p:style>
+      </p:cxnSp>
+      <p:sp>
+        <p:nvSpPr>
+          <p:cNvPr id="90" name="Rectangle 89">
+            <a:extLst>
+              <a:ext uri="{FF2B5EF4-FFF2-40B4-BE49-F238E27FC236}">
+                <a16:creationId xmlns:a16="http://schemas.microsoft.com/office/drawing/2014/main" id="{327195F8-48D4-7441-94C7-DB920529BA39}"/>
+              </a:ext>
+            </a:extLst>
+          </p:cNvPr>
+          <p:cNvSpPr/>
+          <p:nvPr/>
+        </p:nvSpPr>
+        <p:spPr>
+          <a:xfrm>
+            <a:off x="10056162" y="968380"/>
+            <a:ext cx="538511" cy="270387"/>
+          </a:xfrm>
+          <a:prstGeom prst="rect">
+            <a:avLst/>
+          </a:prstGeom>
+          <a:solidFill>
+            <a:schemeClr val="accent1">
+              <a:lumMod val="20000"/>
+              <a:lumOff val="80000"/>
+            </a:schemeClr>
+          </a:solidFill>
+        </p:spPr>
+        <p:style>
+          <a:lnRef idx="1">
+            <a:schemeClr val="accent1"/>
+          </a:lnRef>
+          <a:fillRef idx="3">
+            <a:schemeClr val="accent1"/>
+          </a:fillRef>
+          <a:effectRef idx="2">
+            <a:schemeClr val="accent1"/>
+          </a:effectRef>
+          <a:fontRef idx="minor">
+            <a:schemeClr val="lt1"/>
+          </a:fontRef>
+        </p:style>
+        <p:txBody>
+          <a:bodyPr rtlCol="0" anchor="ctr"/>
+          <a:lstStyle/>
+          <a:p>
+            <a:pPr algn="ctr"/>
+            <a:r>
+              <a:rPr lang="en-US" sz="1000">
+                <a:solidFill>
+                  <a:schemeClr val="tx1"/>
+                </a:solidFill>
+                <a:latin typeface="Menlo" charset="0"/>
+                <a:ea typeface="Menlo" charset="0"/>
+                <a:cs typeface="Menlo" charset="0"/>
+              </a:rPr>
+              <a:t>IMS</a:t>
+            </a:r>
+          </a:p>
+        </p:txBody>
+      </p:sp>
+      <p:cxnSp>
+        <p:nvCxnSpPr>
+          <p:cNvPr id="91" name="Straight Arrow Connector 90">
+            <a:extLst>
+              <a:ext uri="{FF2B5EF4-FFF2-40B4-BE49-F238E27FC236}">
+                <a16:creationId xmlns:a16="http://schemas.microsoft.com/office/drawing/2014/main" id="{A402D5FD-2326-384E-AC6C-9A6F2F0C7F10}"/>
+              </a:ext>
+            </a:extLst>
+          </p:cNvPr>
+          <p:cNvCxnSpPr>
+            <a:cxnSpLocks/>
+          </p:cNvCxnSpPr>
+          <p:nvPr/>
+        </p:nvCxnSpPr>
+        <p:spPr>
+          <a:xfrm>
+            <a:off x="7746055" y="2459074"/>
+            <a:ext cx="0" cy="759483"/>
+          </a:xfrm>
+          <a:prstGeom prst="straightConnector1">
+            <a:avLst/>
+          </a:prstGeom>
+          <a:ln>
+            <a:prstDash val="dash"/>
+            <a:headEnd type="triangle"/>
+            <a:tailEnd type="triangle"/>
+          </a:ln>
+        </p:spPr>
+        <p:style>
+          <a:lnRef idx="1">
+            <a:schemeClr val="accent1"/>
+          </a:lnRef>
+          <a:fillRef idx="0">
+            <a:schemeClr val="accent1"/>
+          </a:fillRef>
+          <a:effectRef idx="0">
+            <a:schemeClr val="accent1"/>
+          </a:effectRef>
+          <a:fontRef idx="minor">
+            <a:schemeClr val="tx1"/>
+          </a:fontRef>
+        </p:style>
+      </p:cxnSp>
+      <p:sp>
+        <p:nvSpPr>
+          <p:cNvPr id="92" name="Rectangle 91">
+            <a:extLst>
+              <a:ext uri="{FF2B5EF4-FFF2-40B4-BE49-F238E27FC236}">
+                <a16:creationId xmlns:a16="http://schemas.microsoft.com/office/drawing/2014/main" id="{AD5478C9-5E56-9D46-8329-02F52C3385CD}"/>
+              </a:ext>
+            </a:extLst>
+          </p:cNvPr>
+          <p:cNvSpPr/>
+          <p:nvPr/>
+        </p:nvSpPr>
+        <p:spPr>
+          <a:xfrm>
+            <a:off x="10839497" y="969789"/>
+            <a:ext cx="538511" cy="270387"/>
+          </a:xfrm>
+          <a:prstGeom prst="rect">
+            <a:avLst/>
+          </a:prstGeom>
+          <a:solidFill>
+            <a:schemeClr val="accent1">
+              <a:lumMod val="20000"/>
+              <a:lumOff val="80000"/>
+            </a:schemeClr>
+          </a:solidFill>
+        </p:spPr>
+        <p:style>
+          <a:lnRef idx="1">
+            <a:schemeClr val="accent1"/>
+          </a:lnRef>
+          <a:fillRef idx="3">
+            <a:schemeClr val="accent1"/>
+          </a:fillRef>
+          <a:effectRef idx="2">
+            <a:schemeClr val="accent1"/>
+          </a:effectRef>
+          <a:fontRef idx="minor">
+            <a:schemeClr val="lt1"/>
+          </a:fontRef>
+        </p:style>
+        <p:txBody>
+          <a:bodyPr rtlCol="0" anchor="ctr"/>
+          <a:lstStyle/>
+          <a:p>
+            <a:pPr algn="ctr"/>
+            <a:r>
+              <a:rPr lang="en-US" sz="1000">
+                <a:solidFill>
+                  <a:schemeClr val="tx1"/>
+                </a:solidFill>
+                <a:latin typeface="Menlo" charset="0"/>
+                <a:ea typeface="Menlo" charset="0"/>
+                <a:cs typeface="Menlo" charset="0"/>
+              </a:rPr>
+              <a:t>DB2</a:t>
+            </a:r>
+          </a:p>
+        </p:txBody>
+      </p:sp>
+      <p:sp>
+        <p:nvSpPr>
+          <p:cNvPr id="5" name="TextBox 4">
+            <a:extLst>
+              <a:ext uri="{FF2B5EF4-FFF2-40B4-BE49-F238E27FC236}">
+                <a16:creationId xmlns:a16="http://schemas.microsoft.com/office/drawing/2014/main" id="{7D76B6E5-7A89-444B-8AAE-D0C92E19304B}"/>
+              </a:ext>
+            </a:extLst>
+          </p:cNvPr>
+          <p:cNvSpPr txBox="1"/>
+          <p:nvPr/>
+        </p:nvSpPr>
+        <p:spPr>
+          <a:xfrm>
+            <a:off x="9156956" y="722026"/>
+            <a:ext cx="628698" cy="276999"/>
+          </a:xfrm>
+          <a:prstGeom prst="rect">
+            <a:avLst/>
+          </a:prstGeom>
+          <a:noFill/>
+        </p:spPr>
+        <p:txBody>
+          <a:bodyPr wrap="none" rtlCol="0">
+            <a:spAutoFit/>
+          </a:bodyPr>
+          <a:lstStyle/>
+          <a:p>
+            <a:r>
+              <a:rPr lang="en-US" sz="1200"/>
+              <a:t>Plugins</a:t>
+            </a:r>
+          </a:p>
+        </p:txBody>
+      </p:sp>
+      <p:sp>
+        <p:nvSpPr>
+          <p:cNvPr id="93" name="TextBox 92">
+            <a:extLst>
+              <a:ext uri="{FF2B5EF4-FFF2-40B4-BE49-F238E27FC236}">
+                <a16:creationId xmlns:a16="http://schemas.microsoft.com/office/drawing/2014/main" id="{A4518C1A-EF77-C445-B1C8-850895EB5A43}"/>
+              </a:ext>
+            </a:extLst>
+          </p:cNvPr>
+          <p:cNvSpPr txBox="1"/>
+          <p:nvPr/>
+        </p:nvSpPr>
+        <p:spPr>
+          <a:xfrm>
+            <a:off x="8727626" y="727173"/>
+            <a:ext cx="369012" cy="276999"/>
+          </a:xfrm>
+          <a:prstGeom prst="rect">
+            <a:avLst/>
+          </a:prstGeom>
+          <a:noFill/>
+        </p:spPr>
+        <p:txBody>
+          <a:bodyPr wrap="none" rtlCol="0">
+            <a:spAutoFit/>
+          </a:bodyPr>
+          <a:lstStyle/>
+          <a:p>
+            <a:r>
+              <a:rPr lang="en-US" sz="1200"/>
+              <a:t>CLI</a:t>
+            </a:r>
+          </a:p>
+        </p:txBody>
+      </p:sp>
+      <p:sp>
+        <p:nvSpPr>
+          <p:cNvPr id="95" name="Rectangle 94">
+            <a:extLst>
+              <a:ext uri="{FF2B5EF4-FFF2-40B4-BE49-F238E27FC236}">
+                <a16:creationId xmlns:a16="http://schemas.microsoft.com/office/drawing/2014/main" id="{9D2244BC-A2A4-D74E-BBE8-EB631F506976}"/>
+              </a:ext>
+            </a:extLst>
+          </p:cNvPr>
+          <p:cNvSpPr/>
+          <p:nvPr/>
+        </p:nvSpPr>
+        <p:spPr>
+          <a:xfrm>
+            <a:off x="9789594" y="5238729"/>
+            <a:ext cx="729047" cy="476273"/>
+          </a:xfrm>
+          <a:prstGeom prst="rect">
+            <a:avLst/>
+          </a:prstGeom>
+          <a:solidFill>
+            <a:schemeClr val="bg1"/>
+          </a:solidFill>
+        </p:spPr>
+        <p:style>
+          <a:lnRef idx="2">
+            <a:schemeClr val="accent1">
+              <a:shade val="50000"/>
+            </a:schemeClr>
+          </a:lnRef>
+          <a:fillRef idx="1">
+            <a:schemeClr val="accent1"/>
+          </a:fillRef>
+          <a:effectRef idx="0">
+            <a:schemeClr val="accent1"/>
+          </a:effectRef>
+          <a:fontRef idx="minor">
+            <a:schemeClr val="lt1"/>
+          </a:fontRef>
+        </p:style>
+        <p:txBody>
+          <a:bodyPr rtlCol="0" anchor="ctr"/>
+          <a:lstStyle/>
+          <a:p>
+            <a:pPr algn="ctr"/>
+            <a:r>
+              <a:rPr lang="en-US" sz="933">
+                <a:solidFill>
+                  <a:schemeClr val="tx1"/>
+                </a:solidFill>
+                <a:latin typeface="Menlo" panose="020B0609030804020204" pitchFamily="49" charset="0"/>
+                <a:ea typeface="Menlo" panose="020B0609030804020204" pitchFamily="49" charset="0"/>
+                <a:cs typeface="Menlo" panose="020B0609030804020204" pitchFamily="49" charset="0"/>
+              </a:rPr>
+              <a:t>IMS Connect</a:t>
+            </a:r>
+          </a:p>
+        </p:txBody>
+      </p:sp>
+      <p:cxnSp>
+        <p:nvCxnSpPr>
+          <p:cNvPr id="96" name="Straight Arrow Connector 95">
+            <a:extLst>
+              <a:ext uri="{FF2B5EF4-FFF2-40B4-BE49-F238E27FC236}">
+                <a16:creationId xmlns:a16="http://schemas.microsoft.com/office/drawing/2014/main" id="{8461BFE1-0158-274C-AE10-9E9FC9AC283F}"/>
+              </a:ext>
+            </a:extLst>
+          </p:cNvPr>
+          <p:cNvCxnSpPr>
+            <a:cxnSpLocks/>
+          </p:cNvCxnSpPr>
+          <p:nvPr/>
+        </p:nvCxnSpPr>
+        <p:spPr>
+          <a:xfrm>
+            <a:off x="10254608" y="1346469"/>
+            <a:ext cx="0" cy="3869737"/>
+          </a:xfrm>
+          <a:prstGeom prst="straightConnector1">
+            <a:avLst/>
+          </a:prstGeom>
+          <a:ln>
+            <a:headEnd type="triangle"/>
+            <a:tailEnd type="triangle"/>
+          </a:ln>
+        </p:spPr>
+        <p:style>
+          <a:lnRef idx="1">
+            <a:schemeClr val="accent1"/>
+          </a:lnRef>
+          <a:fillRef idx="0">
+            <a:schemeClr val="accent1"/>
+          </a:fillRef>
+          <a:effectRef idx="0">
+            <a:schemeClr val="accent1"/>
+          </a:effectRef>
+          <a:fontRef idx="minor">
+            <a:schemeClr val="tx1"/>
+          </a:fontRef>
+        </p:style>
+      </p:cxnSp>
+      <p:sp>
+        <p:nvSpPr>
+          <p:cNvPr id="98" name="Rectangle 97">
+            <a:extLst>
+              <a:ext uri="{FF2B5EF4-FFF2-40B4-BE49-F238E27FC236}">
+                <a16:creationId xmlns:a16="http://schemas.microsoft.com/office/drawing/2014/main" id="{86332291-5142-D54E-A76D-38429542624A}"/>
+              </a:ext>
+            </a:extLst>
+          </p:cNvPr>
+          <p:cNvSpPr/>
+          <p:nvPr/>
+        </p:nvSpPr>
+        <p:spPr>
+          <a:xfrm>
+            <a:off x="5600905" y="5296318"/>
+            <a:ext cx="1196983" cy="476273"/>
+          </a:xfrm>
+          <a:prstGeom prst="rect">
+            <a:avLst/>
+          </a:prstGeom>
+          <a:solidFill>
+            <a:srgbClr val="00B0F0"/>
+          </a:solidFill>
+        </p:spPr>
+        <p:style>
+          <a:lnRef idx="2">
+            <a:schemeClr val="accent1">
+              <a:shade val="50000"/>
+            </a:schemeClr>
+          </a:lnRef>
+          <a:fillRef idx="1">
+            <a:schemeClr val="accent1"/>
+          </a:fillRef>
+          <a:effectRef idx="0">
+            <a:schemeClr val="accent1"/>
+          </a:effectRef>
+          <a:fontRef idx="minor">
+            <a:schemeClr val="lt1"/>
+          </a:fontRef>
+        </p:style>
+        <p:txBody>
+          <a:bodyPr rtlCol="0" anchor="ctr"/>
+          <a:lstStyle/>
+          <a:p>
+            <a:pPr algn="ctr"/>
+            <a:r>
+              <a:rPr lang="en-US" sz="933">
+                <a:solidFill>
+                  <a:schemeClr val="tx1"/>
+                </a:solidFill>
+                <a:latin typeface="Menlo" panose="020B0609030804020204" pitchFamily="49" charset="0"/>
+                <a:ea typeface="Menlo" panose="020B0609030804020204" pitchFamily="49" charset="0"/>
+                <a:cs typeface="Menlo" panose="020B0609030804020204" pitchFamily="49" charset="0"/>
+              </a:rPr>
+              <a:t>Existing REST API Server</a:t>
+            </a:r>
+          </a:p>
+        </p:txBody>
+      </p:sp>
+      <p:cxnSp>
+        <p:nvCxnSpPr>
+          <p:cNvPr id="99" name="Straight Arrow Connector 98">
+            <a:extLst>
+              <a:ext uri="{FF2B5EF4-FFF2-40B4-BE49-F238E27FC236}">
+                <a16:creationId xmlns:a16="http://schemas.microsoft.com/office/drawing/2014/main" id="{4B42528F-1505-AD4C-9BDE-78737EA3D84D}"/>
+              </a:ext>
+            </a:extLst>
+          </p:cNvPr>
+          <p:cNvCxnSpPr>
+            <a:cxnSpLocks/>
+          </p:cNvCxnSpPr>
+          <p:nvPr/>
+        </p:nvCxnSpPr>
+        <p:spPr>
+          <a:xfrm>
+            <a:off x="7746244" y="3291402"/>
+            <a:ext cx="0" cy="1994120"/>
+          </a:xfrm>
+          <a:prstGeom prst="straightConnector1">
+            <a:avLst/>
+          </a:prstGeom>
+          <a:ln>
+            <a:headEnd type="triangle"/>
+            <a:tailEnd type="triangle"/>
+          </a:ln>
+        </p:spPr>
+        <p:style>
+          <a:lnRef idx="1">
+            <a:schemeClr val="accent1"/>
+          </a:lnRef>
+          <a:fillRef idx="0">
+            <a:schemeClr val="accent1"/>
+          </a:fillRef>
+          <a:effectRef idx="0">
+            <a:schemeClr val="accent1"/>
+          </a:effectRef>
+          <a:fontRef idx="minor">
+            <a:schemeClr val="tx1"/>
+          </a:fontRef>
+        </p:style>
+      </p:cxnSp>
+      <p:sp>
+        <p:nvSpPr>
+          <p:cNvPr id="100" name="Rectangle 99">
+            <a:extLst>
+              <a:ext uri="{FF2B5EF4-FFF2-40B4-BE49-F238E27FC236}">
+                <a16:creationId xmlns:a16="http://schemas.microsoft.com/office/drawing/2014/main" id="{BE2E16C4-C228-214F-A8D2-AB42DA5A7F50}"/>
+              </a:ext>
+            </a:extLst>
+          </p:cNvPr>
+          <p:cNvSpPr/>
+          <p:nvPr/>
+        </p:nvSpPr>
+        <p:spPr>
+          <a:xfrm>
+            <a:off x="9788056" y="6006956"/>
+            <a:ext cx="729047" cy="476273"/>
+          </a:xfrm>
+          <a:prstGeom prst="rect">
+            <a:avLst/>
+          </a:prstGeom>
+          <a:solidFill>
+            <a:schemeClr val="bg1"/>
+          </a:solidFill>
+        </p:spPr>
+        <p:style>
+          <a:lnRef idx="2">
+            <a:schemeClr val="accent1">
+              <a:shade val="50000"/>
+            </a:schemeClr>
+          </a:lnRef>
+          <a:fillRef idx="1">
+            <a:schemeClr val="accent1"/>
+          </a:fillRef>
+          <a:effectRef idx="0">
+            <a:schemeClr val="accent1"/>
+          </a:effectRef>
+          <a:fontRef idx="minor">
+            <a:schemeClr val="lt1"/>
+          </a:fontRef>
+        </p:style>
+        <p:txBody>
+          <a:bodyPr rtlCol="0" anchor="ctr"/>
+          <a:lstStyle/>
+          <a:p>
+            <a:pPr algn="ctr"/>
+            <a:r>
+              <a:rPr lang="en-US" sz="933" dirty="0">
+                <a:solidFill>
+                  <a:schemeClr val="tx1"/>
+                </a:solidFill>
+                <a:latin typeface="Menlo" panose="020B0609030804020204" pitchFamily="49" charset="0"/>
+                <a:ea typeface="Menlo" panose="020B0609030804020204" pitchFamily="49" charset="0"/>
+                <a:cs typeface="Menlo" panose="020B0609030804020204" pitchFamily="49" charset="0"/>
+              </a:rPr>
+              <a:t>IMS Plex</a:t>
+            </a:r>
+          </a:p>
+        </p:txBody>
+      </p:sp>
+      <p:cxnSp>
+        <p:nvCxnSpPr>
+          <p:cNvPr id="101" name="Straight Arrow Connector 100">
+            <a:extLst>
+              <a:ext uri="{FF2B5EF4-FFF2-40B4-BE49-F238E27FC236}">
+                <a16:creationId xmlns:a16="http://schemas.microsoft.com/office/drawing/2014/main" id="{30262FA7-8966-D140-9D5F-195D7E4B7DC0}"/>
+              </a:ext>
+            </a:extLst>
+          </p:cNvPr>
+          <p:cNvCxnSpPr>
+            <a:cxnSpLocks/>
+          </p:cNvCxnSpPr>
+          <p:nvPr/>
+        </p:nvCxnSpPr>
+        <p:spPr>
+          <a:xfrm>
+            <a:off x="10254608" y="5715002"/>
+            <a:ext cx="0" cy="291954"/>
+          </a:xfrm>
+          <a:prstGeom prst="straightConnector1">
+            <a:avLst/>
+          </a:prstGeom>
+          <a:ln>
+            <a:headEnd type="triangle"/>
+            <a:tailEnd type="triangle"/>
+          </a:ln>
+        </p:spPr>
+        <p:style>
+          <a:lnRef idx="1">
+            <a:schemeClr val="accent1"/>
+          </a:lnRef>
+          <a:fillRef idx="0">
+            <a:schemeClr val="accent1"/>
+          </a:fillRef>
+          <a:effectRef idx="0">
+            <a:schemeClr val="accent1"/>
+          </a:effectRef>
+          <a:fontRef idx="minor">
+            <a:schemeClr val="tx1"/>
+          </a:fontRef>
+        </p:style>
+      </p:cxnSp>
+      <p:sp>
+        <p:nvSpPr>
+          <p:cNvPr id="102" name="Rectangle 101">
+            <a:extLst>
+              <a:ext uri="{FF2B5EF4-FFF2-40B4-BE49-F238E27FC236}">
+                <a16:creationId xmlns:a16="http://schemas.microsoft.com/office/drawing/2014/main" id="{69C93468-CA2A-FA45-8519-4E7D1360318E}"/>
+              </a:ext>
+            </a:extLst>
+          </p:cNvPr>
+          <p:cNvSpPr/>
+          <p:nvPr/>
+        </p:nvSpPr>
+        <p:spPr>
+          <a:xfrm>
+            <a:off x="10693542" y="5238729"/>
+            <a:ext cx="729047" cy="476273"/>
+          </a:xfrm>
+          <a:prstGeom prst="rect">
+            <a:avLst/>
+          </a:prstGeom>
+          <a:solidFill>
+            <a:schemeClr val="bg1"/>
+          </a:solidFill>
+        </p:spPr>
+        <p:style>
+          <a:lnRef idx="2">
+            <a:schemeClr val="accent1">
+              <a:shade val="50000"/>
+            </a:schemeClr>
+          </a:lnRef>
+          <a:fillRef idx="1">
+            <a:schemeClr val="accent1"/>
+          </a:fillRef>
+          <a:effectRef idx="0">
+            <a:schemeClr val="accent1"/>
+          </a:effectRef>
+          <a:fontRef idx="minor">
+            <a:schemeClr val="lt1"/>
+          </a:fontRef>
+        </p:style>
+        <p:txBody>
+          <a:bodyPr rtlCol="0" anchor="ctr"/>
+          <a:lstStyle/>
+          <a:p>
+            <a:pPr algn="ctr"/>
+            <a:r>
+              <a:rPr lang="en-US" sz="933">
+                <a:solidFill>
+                  <a:schemeClr val="tx1"/>
+                </a:solidFill>
+                <a:latin typeface="Menlo" panose="020B0609030804020204" pitchFamily="49" charset="0"/>
+                <a:ea typeface="Menlo" panose="020B0609030804020204" pitchFamily="49" charset="0"/>
+                <a:cs typeface="Menlo" panose="020B0609030804020204" pitchFamily="49" charset="0"/>
+              </a:rPr>
+              <a:t>DB2</a:t>
+            </a:r>
+          </a:p>
+        </p:txBody>
+      </p:sp>
+      <p:cxnSp>
+        <p:nvCxnSpPr>
+          <p:cNvPr id="104" name="Straight Arrow Connector 103">
+            <a:extLst>
+              <a:ext uri="{FF2B5EF4-FFF2-40B4-BE49-F238E27FC236}">
+                <a16:creationId xmlns:a16="http://schemas.microsoft.com/office/drawing/2014/main" id="{5F31D4A2-309D-7C47-97CD-5E6DBB56D7EA}"/>
+              </a:ext>
+            </a:extLst>
+          </p:cNvPr>
+          <p:cNvCxnSpPr>
+            <a:cxnSpLocks/>
+          </p:cNvCxnSpPr>
+          <p:nvPr/>
+        </p:nvCxnSpPr>
+        <p:spPr>
+          <a:xfrm>
+            <a:off x="11071262" y="1358610"/>
+            <a:ext cx="0" cy="3869737"/>
+          </a:xfrm>
+          <a:prstGeom prst="straightConnector1">
+            <a:avLst/>
+          </a:prstGeom>
+          <a:ln>
+            <a:headEnd type="triangle"/>
+            <a:tailEnd type="triangle"/>
+          </a:ln>
+        </p:spPr>
+        <p:style>
+          <a:lnRef idx="1">
+            <a:schemeClr val="accent1"/>
+          </a:lnRef>
+          <a:fillRef idx="0">
+            <a:schemeClr val="accent1"/>
+          </a:fillRef>
+          <a:effectRef idx="0">
+            <a:schemeClr val="accent1"/>
+          </a:effectRef>
+          <a:fontRef idx="minor">
+            <a:schemeClr val="tx1"/>
+          </a:fontRef>
+        </p:style>
+      </p:cxnSp>
+      <p:sp>
+        <p:nvSpPr>
+          <p:cNvPr id="105" name="TextBox 104">
+            <a:extLst>
+              <a:ext uri="{FF2B5EF4-FFF2-40B4-BE49-F238E27FC236}">
+                <a16:creationId xmlns:a16="http://schemas.microsoft.com/office/drawing/2014/main" id="{29D05D16-D827-4848-9292-C9EE09EA7BBB}"/>
+              </a:ext>
+            </a:extLst>
+          </p:cNvPr>
+          <p:cNvSpPr txBox="1"/>
+          <p:nvPr/>
+        </p:nvSpPr>
+        <p:spPr>
+          <a:xfrm>
+            <a:off x="5985546" y="5005531"/>
+            <a:ext cx="524503" cy="261610"/>
+          </a:xfrm>
+          <a:prstGeom prst="rect">
+            <a:avLst/>
+          </a:prstGeom>
+          <a:noFill/>
+        </p:spPr>
+        <p:txBody>
+          <a:bodyPr wrap="none" rtlCol="0">
+            <a:spAutoFit/>
+          </a:bodyPr>
+          <a:lstStyle/>
+          <a:p>
+            <a:r>
+              <a:rPr lang="en-US" sz="1100" dirty="0">
+                <a:latin typeface="Menlo" panose="020B0609030804020204" pitchFamily="49" charset="0"/>
+                <a:ea typeface="Menlo" panose="020B0609030804020204" pitchFamily="49" charset="0"/>
+                <a:cs typeface="Menlo" panose="020B0609030804020204" pitchFamily="49" charset="0"/>
+              </a:rPr>
+              <a:t>nnnn</a:t>
+            </a:r>
+          </a:p>
+        </p:txBody>
+      </p:sp>
+      <p:sp>
+        <p:nvSpPr>
+          <p:cNvPr id="108" name="Rectangle 107">
+            <a:extLst>
+              <a:ext uri="{FF2B5EF4-FFF2-40B4-BE49-F238E27FC236}">
+                <a16:creationId xmlns:a16="http://schemas.microsoft.com/office/drawing/2014/main" id="{AC9A0780-B31F-684B-97D2-6B4D144E4464}"/>
+              </a:ext>
+            </a:extLst>
+          </p:cNvPr>
+          <p:cNvSpPr/>
+          <p:nvPr/>
+        </p:nvSpPr>
+        <p:spPr>
+          <a:xfrm>
+            <a:off x="5216453" y="799191"/>
+            <a:ext cx="576791" cy="292847"/>
+          </a:xfrm>
+          <a:prstGeom prst="rect">
+            <a:avLst/>
+          </a:prstGeom>
+          <a:solidFill>
+            <a:srgbClr val="00B0F0"/>
+          </a:solidFill>
+        </p:spPr>
+        <p:style>
+          <a:lnRef idx="2">
+            <a:schemeClr val="accent1">
+              <a:shade val="50000"/>
+            </a:schemeClr>
+          </a:lnRef>
+          <a:fillRef idx="1">
+            <a:schemeClr val="accent1"/>
+          </a:fillRef>
+          <a:effectRef idx="0">
+            <a:schemeClr val="accent1"/>
+          </a:effectRef>
+          <a:fontRef idx="minor">
+            <a:schemeClr val="lt1"/>
+          </a:fontRef>
+        </p:style>
+        <p:txBody>
+          <a:bodyPr rtlCol="0" anchor="ctr"/>
+          <a:lstStyle/>
+          <a:p>
+            <a:pPr algn="ctr"/>
+            <a:r>
+              <a:rPr lang="en-US" sz="600">
+                <a:solidFill>
+                  <a:schemeClr val="tx1"/>
+                </a:solidFill>
+                <a:latin typeface="Menlo" panose="020B0609030804020204" pitchFamily="49" charset="0"/>
+                <a:ea typeface="Menlo" panose="020B0609030804020204" pitchFamily="49" charset="0"/>
+                <a:cs typeface="Menlo" panose="020B0609030804020204" pitchFamily="49" charset="0"/>
+              </a:rPr>
+              <a:t>Existing</a:t>
+            </a:r>
+            <a:r>
+              <a:rPr lang="en-US" sz="933">
+                <a:solidFill>
+                  <a:schemeClr val="tx1"/>
+                </a:solidFill>
+                <a:latin typeface="Menlo" panose="020B0609030804020204" pitchFamily="49" charset="0"/>
+                <a:ea typeface="Menlo" panose="020B0609030804020204" pitchFamily="49" charset="0"/>
+                <a:cs typeface="Menlo" panose="020B0609030804020204" pitchFamily="49" charset="0"/>
+              </a:rPr>
+              <a:t> HTML</a:t>
+            </a:r>
+          </a:p>
+        </p:txBody>
+      </p:sp>
+      <p:cxnSp>
+        <p:nvCxnSpPr>
+          <p:cNvPr id="110" name="Elbow Connector 109">
+            <a:extLst>
+              <a:ext uri="{FF2B5EF4-FFF2-40B4-BE49-F238E27FC236}">
+                <a16:creationId xmlns:a16="http://schemas.microsoft.com/office/drawing/2014/main" id="{5435654E-4C18-3B44-9A64-D86783FFA281}"/>
+              </a:ext>
+            </a:extLst>
+          </p:cNvPr>
+          <p:cNvCxnSpPr>
+            <a:cxnSpLocks/>
+          </p:cNvCxnSpPr>
+          <p:nvPr/>
+        </p:nvCxnSpPr>
+        <p:spPr>
+          <a:xfrm rot="5400000">
+            <a:off x="6307929" y="1546896"/>
+            <a:ext cx="1138349" cy="684468"/>
+          </a:xfrm>
+          <a:prstGeom prst="bentConnector3">
+            <a:avLst/>
+          </a:prstGeom>
+          <a:ln>
+            <a:headEnd type="triangle"/>
+            <a:tailEnd type="triangle"/>
+          </a:ln>
+        </p:spPr>
+        <p:style>
+          <a:lnRef idx="1">
+            <a:schemeClr val="accent1"/>
+          </a:lnRef>
+          <a:fillRef idx="0">
+            <a:schemeClr val="accent1"/>
+          </a:fillRef>
+          <a:effectRef idx="0">
+            <a:schemeClr val="accent1"/>
+          </a:effectRef>
+          <a:fontRef idx="minor">
+            <a:schemeClr val="tx1"/>
+          </a:fontRef>
+        </p:style>
+      </p:cxnSp>
+      <p:cxnSp>
+        <p:nvCxnSpPr>
+          <p:cNvPr id="111" name="Straight Arrow Connector 110">
+            <a:extLst>
+              <a:ext uri="{FF2B5EF4-FFF2-40B4-BE49-F238E27FC236}">
+                <a16:creationId xmlns:a16="http://schemas.microsoft.com/office/drawing/2014/main" id="{67ED0D4F-0B60-C343-B92A-8ECC69D70C39}"/>
+              </a:ext>
+            </a:extLst>
+          </p:cNvPr>
+          <p:cNvCxnSpPr>
+            <a:cxnSpLocks/>
+          </p:cNvCxnSpPr>
+          <p:nvPr/>
+        </p:nvCxnSpPr>
+        <p:spPr>
+          <a:xfrm>
+            <a:off x="6510049" y="2459074"/>
+            <a:ext cx="0" cy="759483"/>
+          </a:xfrm>
+          <a:prstGeom prst="straightConnector1">
+            <a:avLst/>
+          </a:prstGeom>
+          <a:ln>
+            <a:prstDash val="dash"/>
+            <a:headEnd type="triangle"/>
+            <a:tailEnd type="triangle"/>
+          </a:ln>
+        </p:spPr>
+        <p:style>
+          <a:lnRef idx="1">
+            <a:schemeClr val="accent1"/>
+          </a:lnRef>
+          <a:fillRef idx="0">
+            <a:schemeClr val="accent1"/>
+          </a:fillRef>
+          <a:effectRef idx="0">
+            <a:schemeClr val="accent1"/>
+          </a:effectRef>
+          <a:fontRef idx="minor">
+            <a:schemeClr val="tx1"/>
+          </a:fontRef>
+        </p:style>
+      </p:cxnSp>
+      <p:sp>
+        <p:nvSpPr>
+          <p:cNvPr id="112" name="Rectangle 111">
+            <a:extLst>
+              <a:ext uri="{FF2B5EF4-FFF2-40B4-BE49-F238E27FC236}">
+                <a16:creationId xmlns:a16="http://schemas.microsoft.com/office/drawing/2014/main" id="{6F8067E1-A1AE-AA4E-914F-1E7325E2DDF4}"/>
+              </a:ext>
+            </a:extLst>
+          </p:cNvPr>
+          <p:cNvSpPr/>
+          <p:nvPr/>
+        </p:nvSpPr>
+        <p:spPr>
+          <a:xfrm>
+            <a:off x="7004330" y="963367"/>
+            <a:ext cx="618174" cy="271954"/>
+          </a:xfrm>
+          <a:prstGeom prst="rect">
+            <a:avLst/>
+          </a:prstGeom>
+          <a:solidFill>
+            <a:srgbClr val="00B0F0"/>
+          </a:solidFill>
+        </p:spPr>
+        <p:style>
+          <a:lnRef idx="1">
+            <a:schemeClr val="accent1"/>
+          </a:lnRef>
+          <a:fillRef idx="3">
+            <a:schemeClr val="accent1"/>
+          </a:fillRef>
+          <a:effectRef idx="2">
+            <a:schemeClr val="accent1"/>
+          </a:effectRef>
+          <a:fontRef idx="minor">
+            <a:schemeClr val="lt1"/>
+          </a:fontRef>
+        </p:style>
+        <p:txBody>
+          <a:bodyPr rtlCol="0" anchor="ctr"/>
+          <a:lstStyle/>
+          <a:p>
+            <a:pPr algn="ctr"/>
+            <a:r>
+              <a:rPr lang="en-US" sz="1000">
+                <a:solidFill>
+                  <a:schemeClr val="tx1"/>
+                </a:solidFill>
+                <a:latin typeface="Menlo" charset="0"/>
+                <a:ea typeface="Menlo" charset="0"/>
+                <a:cs typeface="Menlo" charset="0"/>
+              </a:rPr>
+              <a:t>CLI</a:t>
+            </a:r>
+          </a:p>
+          <a:p>
+            <a:pPr algn="ctr"/>
+            <a:r>
+              <a:rPr lang="en-US" sz="600">
+                <a:solidFill>
+                  <a:schemeClr val="tx1"/>
+                </a:solidFill>
+                <a:latin typeface="Menlo" charset="0"/>
+                <a:ea typeface="Menlo" charset="0"/>
+                <a:cs typeface="Menlo" charset="0"/>
+              </a:rPr>
+              <a:t>extension</a:t>
+            </a:r>
+          </a:p>
+        </p:txBody>
+      </p:sp>
+      <p:pic>
+        <p:nvPicPr>
+          <p:cNvPr id="34" name="Picture 33">
+            <a:extLst>
+              <a:ext uri="{FF2B5EF4-FFF2-40B4-BE49-F238E27FC236}">
+                <a16:creationId xmlns:a16="http://schemas.microsoft.com/office/drawing/2014/main" id="{CB2E0DA4-07B3-1A49-9A81-79381B0EFD47}"/>
+              </a:ext>
+            </a:extLst>
+          </p:cNvPr>
+          <p:cNvPicPr>
+            <a:picLocks noChangeAspect="1"/>
+          </p:cNvPicPr>
+          <p:nvPr/>
+        </p:nvPicPr>
+        <p:blipFill>
+          <a:blip r:embed="rId8"/>
+          <a:stretch>
+            <a:fillRect/>
+          </a:stretch>
+        </p:blipFill>
+        <p:spPr>
+          <a:xfrm>
+            <a:off x="7674425" y="92098"/>
+            <a:ext cx="471120" cy="307657"/>
+          </a:xfrm>
+          <a:prstGeom prst="rect">
+            <a:avLst/>
+          </a:prstGeom>
+        </p:spPr>
+      </p:pic>
+      <p:pic>
+        <p:nvPicPr>
+          <p:cNvPr id="35" name="Picture 34">
+            <a:extLst>
+              <a:ext uri="{FF2B5EF4-FFF2-40B4-BE49-F238E27FC236}">
+                <a16:creationId xmlns:a16="http://schemas.microsoft.com/office/drawing/2014/main" id="{E228FC63-B493-6942-A20B-7B8E61DE4EB9}"/>
+              </a:ext>
+            </a:extLst>
+          </p:cNvPr>
+          <p:cNvPicPr>
+            <a:picLocks noChangeAspect="1"/>
+          </p:cNvPicPr>
+          <p:nvPr/>
+        </p:nvPicPr>
+        <p:blipFill>
+          <a:blip r:embed="rId9"/>
+          <a:stretch>
+            <a:fillRect/>
+          </a:stretch>
+        </p:blipFill>
+        <p:spPr>
+          <a:xfrm>
+            <a:off x="7408059" y="83998"/>
+            <a:ext cx="184243" cy="184243"/>
+          </a:xfrm>
+          <a:prstGeom prst="rect">
+            <a:avLst/>
+          </a:prstGeom>
+        </p:spPr>
+      </p:pic>
+      <p:sp>
+        <p:nvSpPr>
+          <p:cNvPr id="114" name="TextBox 113">
+            <a:extLst>
+              <a:ext uri="{FF2B5EF4-FFF2-40B4-BE49-F238E27FC236}">
+                <a16:creationId xmlns:a16="http://schemas.microsoft.com/office/drawing/2014/main" id="{F3496A4C-19A3-9F45-A7F0-2B0C01CE0170}"/>
+              </a:ext>
+            </a:extLst>
+          </p:cNvPr>
+          <p:cNvSpPr txBox="1"/>
+          <p:nvPr/>
+        </p:nvSpPr>
+        <p:spPr>
+          <a:xfrm>
+            <a:off x="6844126" y="12688"/>
+            <a:ext cx="591829" cy="461665"/>
+          </a:xfrm>
+          <a:prstGeom prst="rect">
+            <a:avLst/>
+          </a:prstGeom>
+          <a:noFill/>
+        </p:spPr>
+        <p:txBody>
+          <a:bodyPr wrap="none" rtlCol="0">
+            <a:spAutoFit/>
+          </a:bodyPr>
+          <a:lstStyle/>
+          <a:p>
+            <a:r>
+              <a:rPr lang="en-US" sz="1200"/>
+              <a:t>Visual </a:t>
+            </a:r>
+          </a:p>
+          <a:p>
+            <a:r>
+              <a:rPr lang="en-US" sz="1200"/>
+              <a:t>Studio</a:t>
+            </a:r>
+          </a:p>
+        </p:txBody>
+      </p:sp>
+      <p:cxnSp>
+        <p:nvCxnSpPr>
+          <p:cNvPr id="116" name="Straight Arrow Connector 115">
+            <a:extLst>
+              <a:ext uri="{FF2B5EF4-FFF2-40B4-BE49-F238E27FC236}">
+                <a16:creationId xmlns:a16="http://schemas.microsoft.com/office/drawing/2014/main" id="{6D4217B5-9051-B747-9EB1-3A0C82F62759}"/>
+              </a:ext>
+            </a:extLst>
+          </p:cNvPr>
+          <p:cNvCxnSpPr>
+            <a:cxnSpLocks/>
+          </p:cNvCxnSpPr>
+          <p:nvPr/>
+        </p:nvCxnSpPr>
+        <p:spPr>
+          <a:xfrm>
+            <a:off x="8076585" y="474353"/>
+            <a:ext cx="0" cy="241148"/>
+          </a:xfrm>
+          <a:prstGeom prst="straightConnector1">
+            <a:avLst/>
+          </a:prstGeom>
+          <a:ln>
+            <a:headEnd type="triangle"/>
+            <a:tailEnd type="triangle"/>
+          </a:ln>
+        </p:spPr>
+        <p:style>
+          <a:lnRef idx="1">
+            <a:schemeClr val="accent1"/>
+          </a:lnRef>
+          <a:fillRef idx="0">
+            <a:schemeClr val="accent1"/>
+          </a:fillRef>
+          <a:effectRef idx="0">
+            <a:schemeClr val="accent1"/>
+          </a:effectRef>
+          <a:fontRef idx="minor">
+            <a:schemeClr val="tx1"/>
+          </a:fontRef>
+        </p:style>
+      </p:cxnSp>
+      <p:sp>
+        <p:nvSpPr>
+          <p:cNvPr id="44" name="TextBox 43">
+            <a:extLst>
+              <a:ext uri="{FF2B5EF4-FFF2-40B4-BE49-F238E27FC236}">
+                <a16:creationId xmlns:a16="http://schemas.microsoft.com/office/drawing/2014/main" id="{5AD30A28-F630-9E41-98B0-135638908344}"/>
+              </a:ext>
+            </a:extLst>
+          </p:cNvPr>
+          <p:cNvSpPr txBox="1"/>
+          <p:nvPr/>
+        </p:nvSpPr>
+        <p:spPr>
+          <a:xfrm>
+            <a:off x="1521836" y="4894331"/>
+            <a:ext cx="665567" cy="369332"/>
+          </a:xfrm>
+          <a:prstGeom prst="rect">
+            <a:avLst/>
+          </a:prstGeom>
+          <a:noFill/>
+        </p:spPr>
+        <p:txBody>
+          <a:bodyPr wrap="none" rtlCol="0">
+            <a:spAutoFit/>
+          </a:bodyPr>
+          <a:lstStyle/>
+          <a:p>
+            <a:r>
+              <a:rPr lang="en-US">
+                <a:solidFill>
+                  <a:schemeClr val="accent6">
+                    <a:lumMod val="60000"/>
+                    <a:lumOff val="40000"/>
+                  </a:schemeClr>
+                </a:solidFill>
+              </a:rPr>
+              <a:t>node</a:t>
+            </a:r>
+          </a:p>
+        </p:txBody>
+      </p:sp>
+      <p:sp>
+        <p:nvSpPr>
+          <p:cNvPr id="117" name="TextBox 116">
+            <a:extLst>
+              <a:ext uri="{FF2B5EF4-FFF2-40B4-BE49-F238E27FC236}">
+                <a16:creationId xmlns:a16="http://schemas.microsoft.com/office/drawing/2014/main" id="{50850BE5-F13B-E94A-9661-ACFDE147256B}"/>
+              </a:ext>
+            </a:extLst>
+          </p:cNvPr>
+          <p:cNvSpPr txBox="1"/>
+          <p:nvPr/>
+        </p:nvSpPr>
+        <p:spPr>
+          <a:xfrm>
+            <a:off x="8221200" y="3294047"/>
+            <a:ext cx="576568" cy="369332"/>
+          </a:xfrm>
+          <a:prstGeom prst="rect">
+            <a:avLst/>
+          </a:prstGeom>
+          <a:noFill/>
+        </p:spPr>
+        <p:txBody>
+          <a:bodyPr wrap="none" rtlCol="0">
+            <a:spAutoFit/>
+          </a:bodyPr>
+          <a:lstStyle/>
+          <a:p>
+            <a:r>
+              <a:rPr lang="en-US">
+                <a:solidFill>
+                  <a:schemeClr val="accent4">
+                    <a:lumMod val="60000"/>
+                    <a:lumOff val="40000"/>
+                  </a:schemeClr>
+                </a:solidFill>
+              </a:rPr>
+              <a:t>Java</a:t>
+            </a:r>
+          </a:p>
+        </p:txBody>
+      </p:sp>
+      <p:sp>
+        <p:nvSpPr>
+          <p:cNvPr id="118" name="TextBox 117">
+            <a:extLst>
+              <a:ext uri="{FF2B5EF4-FFF2-40B4-BE49-F238E27FC236}">
+                <a16:creationId xmlns:a16="http://schemas.microsoft.com/office/drawing/2014/main" id="{441AA412-E83B-4342-90AD-5803F84BB144}"/>
+              </a:ext>
+            </a:extLst>
+          </p:cNvPr>
+          <p:cNvSpPr txBox="1"/>
+          <p:nvPr/>
+        </p:nvSpPr>
+        <p:spPr>
+          <a:xfrm>
+            <a:off x="1542303" y="5676313"/>
+            <a:ext cx="1216167" cy="369332"/>
+          </a:xfrm>
+          <a:prstGeom prst="rect">
+            <a:avLst/>
+          </a:prstGeom>
+          <a:noFill/>
+        </p:spPr>
+        <p:txBody>
+          <a:bodyPr wrap="none" rtlCol="0">
+            <a:spAutoFit/>
+          </a:bodyPr>
+          <a:lstStyle/>
+          <a:p>
+            <a:r>
+              <a:rPr lang="en-US">
+                <a:solidFill>
+                  <a:srgbClr val="7030A0"/>
+                </a:solidFill>
+              </a:rPr>
+              <a:t>C / metal C</a:t>
+            </a:r>
+          </a:p>
+        </p:txBody>
+      </p:sp>
+      <p:cxnSp>
+        <p:nvCxnSpPr>
+          <p:cNvPr id="119" name="Straight Arrow Connector 118">
+            <a:extLst>
+              <a:ext uri="{FF2B5EF4-FFF2-40B4-BE49-F238E27FC236}">
+                <a16:creationId xmlns:a16="http://schemas.microsoft.com/office/drawing/2014/main" id="{1F8E9A04-A8E5-9C44-8C46-7640590D4782}"/>
+              </a:ext>
+            </a:extLst>
+          </p:cNvPr>
+          <p:cNvCxnSpPr>
+            <a:cxnSpLocks/>
+          </p:cNvCxnSpPr>
+          <p:nvPr/>
+        </p:nvCxnSpPr>
+        <p:spPr>
+          <a:xfrm>
+            <a:off x="476119" y="1704240"/>
+            <a:ext cx="0" cy="2072210"/>
+          </a:xfrm>
+          <a:prstGeom prst="straightConnector1">
+            <a:avLst/>
+          </a:prstGeom>
+          <a:ln>
+            <a:headEnd type="triangle"/>
+            <a:tailEnd type="triangle"/>
+          </a:ln>
+        </p:spPr>
+        <p:style>
+          <a:lnRef idx="1">
+            <a:schemeClr val="accent1"/>
+          </a:lnRef>
+          <a:fillRef idx="0">
+            <a:schemeClr val="accent1"/>
+          </a:fillRef>
+          <a:effectRef idx="0">
+            <a:schemeClr val="accent1"/>
+          </a:effectRef>
+          <a:fontRef idx="minor">
+            <a:schemeClr val="tx1"/>
+          </a:fontRef>
+        </p:style>
+      </p:cxnSp>
+      <p:sp>
+        <p:nvSpPr>
+          <p:cNvPr id="94" name="Rectangle 93">
+            <a:extLst>
+              <a:ext uri="{FF2B5EF4-FFF2-40B4-BE49-F238E27FC236}">
+                <a16:creationId xmlns:a16="http://schemas.microsoft.com/office/drawing/2014/main" id="{2E6E6968-C58B-AC42-AC3C-471BE14361C4}"/>
+              </a:ext>
+            </a:extLst>
+          </p:cNvPr>
+          <p:cNvSpPr/>
+          <p:nvPr/>
+        </p:nvSpPr>
+        <p:spPr>
+          <a:xfrm>
+            <a:off x="6878388" y="1463160"/>
+            <a:ext cx="5097850" cy="184138"/>
+          </a:xfrm>
+          <a:prstGeom prst="rect">
+            <a:avLst/>
+          </a:prstGeom>
+          <a:solidFill>
+            <a:schemeClr val="accent1">
+              <a:lumMod val="20000"/>
+              <a:lumOff val="80000"/>
+            </a:schemeClr>
+          </a:solidFill>
+        </p:spPr>
+        <p:style>
+          <a:lnRef idx="1">
+            <a:schemeClr val="accent1"/>
+          </a:lnRef>
+          <a:fillRef idx="3">
+            <a:schemeClr val="accent1"/>
+          </a:fillRef>
+          <a:effectRef idx="2">
+            <a:schemeClr val="accent1"/>
+          </a:effectRef>
+          <a:fontRef idx="minor">
+            <a:schemeClr val="lt1"/>
+          </a:fontRef>
+        </p:style>
+        <p:txBody>
+          <a:bodyPr rtlCol="0" anchor="ctr"/>
+          <a:lstStyle/>
+          <a:p>
+            <a:pPr algn="ctr"/>
+            <a:r>
+              <a:rPr lang="en-US" sz="800" dirty="0">
+                <a:solidFill>
+                  <a:schemeClr val="tx1"/>
+                </a:solidFill>
+                <a:latin typeface="Menlo" charset="0"/>
+                <a:ea typeface="Menlo" charset="0"/>
+                <a:cs typeface="Menlo" charset="0"/>
+              </a:rPr>
+              <a:t>Zowe CLI running in desktop shell</a:t>
             </a:r>
           </a:p>
         </p:txBody>
@@ -9170,13 +13073,25 @@
     </p:spTree>
     <p:extLst>
       <p:ext uri="{BB962C8B-B14F-4D97-AF65-F5344CB8AC3E}">
-        <p14:creationId xmlns:p14="http://schemas.microsoft.com/office/powerpoint/2010/main" val="3643328796"/>
+        <p14:creationId xmlns:p14="http://schemas.microsoft.com/office/powerpoint/2010/main" val="667538634"/>
       </p:ext>
     </p:extLst>
   </p:cSld>
   <p:clrMapOvr>
     <a:masterClrMapping/>
   </p:clrMapOvr>
+  <mc:AlternateContent xmlns:mc="http://schemas.openxmlformats.org/markup-compatibility/2006" xmlns:p14="http://schemas.microsoft.com/office/powerpoint/2010/main">
+    <mc:Choice Requires="p14">
+      <p:transition spd="med" p14:dur="700">
+        <p:fade/>
+      </p:transition>
+    </mc:Choice>
+    <mc:Fallback xmlns="">
+      <p:transition spd="med">
+        <p:fade/>
+      </p:transition>
+    </mc:Fallback>
+  </mc:AlternateContent>
 </p:sld>
 </file>
 
@@ -9197,10 +13112,1706 @@
           <a:chExt cx="0" cy="0"/>
         </a:xfrm>
       </p:grpSpPr>
+      <p:sp>
+        <p:nvSpPr>
+          <p:cNvPr id="4" name="Rectangle 3">
+            <a:extLst>
+              <a:ext uri="{FF2B5EF4-FFF2-40B4-BE49-F238E27FC236}">
+                <a16:creationId xmlns:a16="http://schemas.microsoft.com/office/drawing/2014/main" id="{36E709CA-1F3C-3C4C-9C21-97DA0D54E7B6}"/>
+              </a:ext>
+            </a:extLst>
+          </p:cNvPr>
+          <p:cNvSpPr/>
+          <p:nvPr/>
+        </p:nvSpPr>
+        <p:spPr>
+          <a:xfrm rot="5400000">
+            <a:off x="4470968" y="-1096841"/>
+            <a:ext cx="818941" cy="7930773"/>
+          </a:xfrm>
+          <a:prstGeom prst="rect">
+            <a:avLst/>
+          </a:prstGeom>
+          <a:solidFill>
+            <a:schemeClr val="accent4">
+              <a:lumMod val="20000"/>
+              <a:lumOff val="80000"/>
+            </a:schemeClr>
+          </a:solidFill>
+        </p:spPr>
+        <p:style>
+          <a:lnRef idx="2">
+            <a:schemeClr val="accent1">
+              <a:shade val="50000"/>
+            </a:schemeClr>
+          </a:lnRef>
+          <a:fillRef idx="1">
+            <a:schemeClr val="accent1"/>
+          </a:fillRef>
+          <a:effectRef idx="0">
+            <a:schemeClr val="accent1"/>
+          </a:effectRef>
+          <a:fontRef idx="minor">
+            <a:schemeClr val="lt1"/>
+          </a:fontRef>
+        </p:style>
+        <p:txBody>
+          <a:bodyPr rtlCol="0" anchor="ctr"/>
+          <a:lstStyle/>
+          <a:p>
+            <a:pPr algn="ctr"/>
+            <a:endParaRPr lang="en-US"/>
+          </a:p>
+        </p:txBody>
+      </p:sp>
+      <p:sp>
+        <p:nvSpPr>
+          <p:cNvPr id="5" name="Rectangle 4">
+            <a:extLst>
+              <a:ext uri="{FF2B5EF4-FFF2-40B4-BE49-F238E27FC236}">
+                <a16:creationId xmlns:a16="http://schemas.microsoft.com/office/drawing/2014/main" id="{CD956B13-044D-9243-9A12-FAB29C07CECD}"/>
+              </a:ext>
+            </a:extLst>
+          </p:cNvPr>
+          <p:cNvSpPr/>
+          <p:nvPr/>
+        </p:nvSpPr>
+        <p:spPr>
+          <a:xfrm>
+            <a:off x="915052" y="2459074"/>
+            <a:ext cx="7930773" cy="281271"/>
+          </a:xfrm>
+          <a:prstGeom prst="rect">
+            <a:avLst/>
+          </a:prstGeom>
+          <a:noFill/>
+        </p:spPr>
+        <p:style>
+          <a:lnRef idx="2">
+            <a:schemeClr val="accent1">
+              <a:shade val="50000"/>
+            </a:schemeClr>
+          </a:lnRef>
+          <a:fillRef idx="1">
+            <a:schemeClr val="accent1"/>
+          </a:fillRef>
+          <a:effectRef idx="0">
+            <a:schemeClr val="accent1"/>
+          </a:effectRef>
+          <a:fontRef idx="minor">
+            <a:schemeClr val="lt1"/>
+          </a:fontRef>
+        </p:style>
+        <p:txBody>
+          <a:bodyPr rtlCol="0" anchor="ctr"/>
+          <a:lstStyle/>
+          <a:p>
+            <a:pPr algn="ctr"/>
+            <a:r>
+              <a:rPr lang="en-US" sz="1000">
+                <a:solidFill>
+                  <a:schemeClr val="tx1"/>
+                </a:solidFill>
+                <a:latin typeface="Menlo" panose="020B0609030804020204" pitchFamily="49" charset="0"/>
+                <a:ea typeface="Menlo" panose="020B0609030804020204" pitchFamily="49" charset="0"/>
+                <a:cs typeface="Menlo" panose="020B0609030804020204" pitchFamily="49" charset="0"/>
+              </a:rPr>
+              <a:t>API Gateway</a:t>
+            </a:r>
+          </a:p>
+        </p:txBody>
+      </p:sp>
+      <p:sp>
+        <p:nvSpPr>
+          <p:cNvPr id="6" name="TextBox 5">
+            <a:extLst>
+              <a:ext uri="{FF2B5EF4-FFF2-40B4-BE49-F238E27FC236}">
+                <a16:creationId xmlns:a16="http://schemas.microsoft.com/office/drawing/2014/main" id="{F959A5E3-08BE-A54A-B8BE-FD114BCE1D52}"/>
+              </a:ext>
+            </a:extLst>
+          </p:cNvPr>
+          <p:cNvSpPr txBox="1"/>
+          <p:nvPr/>
+        </p:nvSpPr>
+        <p:spPr>
+          <a:xfrm>
+            <a:off x="4514973" y="2112860"/>
+            <a:ext cx="524503" cy="261610"/>
+          </a:xfrm>
+          <a:prstGeom prst="rect">
+            <a:avLst/>
+          </a:prstGeom>
+          <a:noFill/>
+        </p:spPr>
+        <p:txBody>
+          <a:bodyPr wrap="none" rtlCol="0">
+            <a:spAutoFit/>
+          </a:bodyPr>
+          <a:lstStyle/>
+          <a:p>
+            <a:r>
+              <a:rPr lang="en-US" sz="1100">
+                <a:latin typeface="Menlo" panose="020B0609030804020204" pitchFamily="49" charset="0"/>
+                <a:ea typeface="Menlo" panose="020B0609030804020204" pitchFamily="49" charset="0"/>
+                <a:cs typeface="Menlo" panose="020B0609030804020204" pitchFamily="49" charset="0"/>
+              </a:rPr>
+              <a:t>7554</a:t>
+            </a:r>
+          </a:p>
+        </p:txBody>
+      </p:sp>
+      <p:cxnSp>
+        <p:nvCxnSpPr>
+          <p:cNvPr id="7" name="Straight Arrow Connector 6">
+            <a:extLst>
+              <a:ext uri="{FF2B5EF4-FFF2-40B4-BE49-F238E27FC236}">
+                <a16:creationId xmlns:a16="http://schemas.microsoft.com/office/drawing/2014/main" id="{27AED114-6365-BB4C-A2F4-98DDBDA34FAA}"/>
+              </a:ext>
+            </a:extLst>
+          </p:cNvPr>
+          <p:cNvCxnSpPr>
+            <a:cxnSpLocks/>
+          </p:cNvCxnSpPr>
+          <p:nvPr/>
+        </p:nvCxnSpPr>
+        <p:spPr>
+          <a:xfrm>
+            <a:off x="7746055" y="2459074"/>
+            <a:ext cx="0" cy="759483"/>
+          </a:xfrm>
+          <a:prstGeom prst="straightConnector1">
+            <a:avLst/>
+          </a:prstGeom>
+          <a:ln>
+            <a:prstDash val="dash"/>
+            <a:headEnd type="triangle"/>
+            <a:tailEnd type="triangle"/>
+          </a:ln>
+        </p:spPr>
+        <p:style>
+          <a:lnRef idx="1">
+            <a:schemeClr val="accent1"/>
+          </a:lnRef>
+          <a:fillRef idx="0">
+            <a:schemeClr val="accent1"/>
+          </a:fillRef>
+          <a:effectRef idx="0">
+            <a:schemeClr val="accent1"/>
+          </a:effectRef>
+          <a:fontRef idx="minor">
+            <a:schemeClr val="tx1"/>
+          </a:fontRef>
+        </p:style>
+      </p:cxnSp>
+      <p:cxnSp>
+        <p:nvCxnSpPr>
+          <p:cNvPr id="8" name="Straight Arrow Connector 7">
+            <a:extLst>
+              <a:ext uri="{FF2B5EF4-FFF2-40B4-BE49-F238E27FC236}">
+                <a16:creationId xmlns:a16="http://schemas.microsoft.com/office/drawing/2014/main" id="{1B3EF946-F909-7E46-9B4B-CA015451E9DF}"/>
+              </a:ext>
+            </a:extLst>
+          </p:cNvPr>
+          <p:cNvCxnSpPr>
+            <a:cxnSpLocks/>
+          </p:cNvCxnSpPr>
+          <p:nvPr/>
+        </p:nvCxnSpPr>
+        <p:spPr>
+          <a:xfrm>
+            <a:off x="6510049" y="2459074"/>
+            <a:ext cx="0" cy="759483"/>
+          </a:xfrm>
+          <a:prstGeom prst="straightConnector1">
+            <a:avLst/>
+          </a:prstGeom>
+          <a:ln>
+            <a:prstDash val="dash"/>
+            <a:headEnd type="triangle"/>
+            <a:tailEnd type="triangle"/>
+          </a:ln>
+        </p:spPr>
+        <p:style>
+          <a:lnRef idx="1">
+            <a:schemeClr val="accent1"/>
+          </a:lnRef>
+          <a:fillRef idx="0">
+            <a:schemeClr val="accent1"/>
+          </a:fillRef>
+          <a:effectRef idx="0">
+            <a:schemeClr val="accent1"/>
+          </a:effectRef>
+          <a:fontRef idx="minor">
+            <a:schemeClr val="tx1"/>
+          </a:fontRef>
+        </p:style>
+      </p:cxnSp>
+      <p:sp>
+        <p:nvSpPr>
+          <p:cNvPr id="9" name="TextBox 8">
+            <a:extLst>
+              <a:ext uri="{FF2B5EF4-FFF2-40B4-BE49-F238E27FC236}">
+                <a16:creationId xmlns:a16="http://schemas.microsoft.com/office/drawing/2014/main" id="{58784E12-5DAA-DB45-A680-A63FC8916D68}"/>
+              </a:ext>
+            </a:extLst>
+          </p:cNvPr>
+          <p:cNvSpPr txBox="1"/>
+          <p:nvPr/>
+        </p:nvSpPr>
+        <p:spPr>
+          <a:xfrm>
+            <a:off x="2494057" y="3484376"/>
+            <a:ext cx="524503" cy="261610"/>
+          </a:xfrm>
+          <a:prstGeom prst="rect">
+            <a:avLst/>
+          </a:prstGeom>
+          <a:noFill/>
+        </p:spPr>
+        <p:txBody>
+          <a:bodyPr wrap="none" rtlCol="0">
+            <a:spAutoFit/>
+          </a:bodyPr>
+          <a:lstStyle/>
+          <a:p>
+            <a:r>
+              <a:rPr lang="en-US" sz="1100">
+                <a:latin typeface="Menlo" panose="020B0609030804020204" pitchFamily="49" charset="0"/>
+                <a:ea typeface="Menlo" panose="020B0609030804020204" pitchFamily="49" charset="0"/>
+                <a:cs typeface="Menlo" panose="020B0609030804020204" pitchFamily="49" charset="0"/>
+              </a:rPr>
+              <a:t>7552</a:t>
+            </a:r>
+          </a:p>
+        </p:txBody>
+      </p:sp>
+      <p:sp>
+        <p:nvSpPr>
+          <p:cNvPr id="10" name="Rectangle 9">
+            <a:extLst>
+              <a:ext uri="{FF2B5EF4-FFF2-40B4-BE49-F238E27FC236}">
+                <a16:creationId xmlns:a16="http://schemas.microsoft.com/office/drawing/2014/main" id="{FB60D1FD-52D6-C344-AE1A-110A1B22897F}"/>
+              </a:ext>
+            </a:extLst>
+          </p:cNvPr>
+          <p:cNvSpPr/>
+          <p:nvPr/>
+        </p:nvSpPr>
+        <p:spPr>
+          <a:xfrm>
+            <a:off x="376506" y="3771032"/>
+            <a:ext cx="1128765" cy="1435235"/>
+          </a:xfrm>
+          <a:prstGeom prst="rect">
+            <a:avLst/>
+          </a:prstGeom>
+          <a:solidFill>
+            <a:schemeClr val="accent6">
+              <a:lumMod val="20000"/>
+              <a:lumOff val="80000"/>
+            </a:schemeClr>
+          </a:solidFill>
+          <a:ln>
+            <a:solidFill>
+              <a:schemeClr val="accent6">
+                <a:lumMod val="60000"/>
+                <a:lumOff val="40000"/>
+              </a:schemeClr>
+            </a:solidFill>
+          </a:ln>
+        </p:spPr>
+        <p:style>
+          <a:lnRef idx="2">
+            <a:schemeClr val="accent1">
+              <a:shade val="50000"/>
+            </a:schemeClr>
+          </a:lnRef>
+          <a:fillRef idx="1">
+            <a:schemeClr val="accent1"/>
+          </a:fillRef>
+          <a:effectRef idx="0">
+            <a:schemeClr val="accent1"/>
+          </a:effectRef>
+          <a:fontRef idx="minor">
+            <a:schemeClr val="lt1"/>
+          </a:fontRef>
+        </p:style>
+        <p:txBody>
+          <a:bodyPr rtlCol="0" anchor="ctr"/>
+          <a:lstStyle/>
+          <a:p>
+            <a:pPr algn="ctr"/>
+            <a:endParaRPr lang="en-US" sz="1000">
+              <a:solidFill>
+                <a:schemeClr val="tx1"/>
+              </a:solidFill>
+              <a:latin typeface="Menlo" panose="020B0609030804020204" pitchFamily="49" charset="0"/>
+              <a:ea typeface="Menlo" panose="020B0609030804020204" pitchFamily="49" charset="0"/>
+              <a:cs typeface="Menlo" panose="020B0609030804020204" pitchFamily="49" charset="0"/>
+            </a:endParaRPr>
+          </a:p>
+        </p:txBody>
+      </p:sp>
+      <p:sp>
+        <p:nvSpPr>
+          <p:cNvPr id="11" name="Rectangle 10">
+            <a:extLst>
+              <a:ext uri="{FF2B5EF4-FFF2-40B4-BE49-F238E27FC236}">
+                <a16:creationId xmlns:a16="http://schemas.microsoft.com/office/drawing/2014/main" id="{72B8C5FD-1A9C-764C-9EBF-06BB3BD3940D}"/>
+              </a:ext>
+            </a:extLst>
+          </p:cNvPr>
+          <p:cNvSpPr/>
+          <p:nvPr/>
+        </p:nvSpPr>
+        <p:spPr>
+          <a:xfrm>
+            <a:off x="832031" y="4519628"/>
+            <a:ext cx="673240" cy="329105"/>
+          </a:xfrm>
+          <a:prstGeom prst="rect">
+            <a:avLst/>
+          </a:prstGeom>
+          <a:noFill/>
+        </p:spPr>
+        <p:style>
+          <a:lnRef idx="2">
+            <a:schemeClr val="accent1">
+              <a:shade val="50000"/>
+            </a:schemeClr>
+          </a:lnRef>
+          <a:fillRef idx="1">
+            <a:schemeClr val="accent1"/>
+          </a:fillRef>
+          <a:effectRef idx="0">
+            <a:schemeClr val="accent1"/>
+          </a:effectRef>
+          <a:fontRef idx="minor">
+            <a:schemeClr val="lt1"/>
+          </a:fontRef>
+        </p:style>
+        <p:txBody>
+          <a:bodyPr rtlCol="0" anchor="ctr"/>
+          <a:lstStyle/>
+          <a:p>
+            <a:pPr algn="ctr"/>
+            <a:r>
+              <a:rPr lang="en-US" sz="1000">
+                <a:solidFill>
+                  <a:schemeClr val="tx1"/>
+                </a:solidFill>
+                <a:latin typeface="Menlo" panose="020B0609030804020204" pitchFamily="49" charset="0"/>
+                <a:ea typeface="Menlo" panose="020B0609030804020204" pitchFamily="49" charset="0"/>
+                <a:cs typeface="Menlo" panose="020B0609030804020204" pitchFamily="49" charset="0"/>
+              </a:rPr>
+              <a:t>TN3270</a:t>
+            </a:r>
+          </a:p>
+        </p:txBody>
+      </p:sp>
+      <p:sp>
+        <p:nvSpPr>
+          <p:cNvPr id="12" name="Rectangle 11">
+            <a:extLst>
+              <a:ext uri="{FF2B5EF4-FFF2-40B4-BE49-F238E27FC236}">
+                <a16:creationId xmlns:a16="http://schemas.microsoft.com/office/drawing/2014/main" id="{08682C8B-AA86-F24C-825C-7101E86A70F7}"/>
+              </a:ext>
+            </a:extLst>
+          </p:cNvPr>
+          <p:cNvSpPr/>
+          <p:nvPr/>
+        </p:nvSpPr>
+        <p:spPr>
+          <a:xfrm>
+            <a:off x="832031" y="4840722"/>
+            <a:ext cx="673240" cy="329105"/>
+          </a:xfrm>
+          <a:prstGeom prst="rect">
+            <a:avLst/>
+          </a:prstGeom>
+          <a:noFill/>
+        </p:spPr>
+        <p:style>
+          <a:lnRef idx="2">
+            <a:schemeClr val="accent1">
+              <a:shade val="50000"/>
+            </a:schemeClr>
+          </a:lnRef>
+          <a:fillRef idx="1">
+            <a:schemeClr val="accent1"/>
+          </a:fillRef>
+          <a:effectRef idx="0">
+            <a:schemeClr val="accent1"/>
+          </a:effectRef>
+          <a:fontRef idx="minor">
+            <a:schemeClr val="lt1"/>
+          </a:fontRef>
+        </p:style>
+        <p:txBody>
+          <a:bodyPr rtlCol="0" anchor="ctr"/>
+          <a:lstStyle/>
+          <a:p>
+            <a:pPr algn="ctr"/>
+            <a:r>
+              <a:rPr lang="en-US" sz="1000">
+                <a:solidFill>
+                  <a:schemeClr val="tx1"/>
+                </a:solidFill>
+                <a:latin typeface="Menlo" panose="020B0609030804020204" pitchFamily="49" charset="0"/>
+                <a:ea typeface="Menlo" panose="020B0609030804020204" pitchFamily="49" charset="0"/>
+                <a:cs typeface="Menlo" panose="020B0609030804020204" pitchFamily="49" charset="0"/>
+              </a:rPr>
+              <a:t>VT</a:t>
+            </a:r>
+          </a:p>
+        </p:txBody>
+      </p:sp>
+      <p:sp>
+        <p:nvSpPr>
+          <p:cNvPr id="13" name="Rectangle 12">
+            <a:extLst>
+              <a:ext uri="{FF2B5EF4-FFF2-40B4-BE49-F238E27FC236}">
+                <a16:creationId xmlns:a16="http://schemas.microsoft.com/office/drawing/2014/main" id="{07487A5E-9895-1744-8AC0-3DA60A620352}"/>
+              </a:ext>
+            </a:extLst>
+          </p:cNvPr>
+          <p:cNvSpPr/>
+          <p:nvPr/>
+        </p:nvSpPr>
+        <p:spPr>
+          <a:xfrm>
+            <a:off x="376507" y="3771034"/>
+            <a:ext cx="1128765" cy="492369"/>
+          </a:xfrm>
+          <a:prstGeom prst="rect">
+            <a:avLst/>
+          </a:prstGeom>
+          <a:noFill/>
+        </p:spPr>
+        <p:style>
+          <a:lnRef idx="2">
+            <a:schemeClr val="accent1">
+              <a:shade val="50000"/>
+            </a:schemeClr>
+          </a:lnRef>
+          <a:fillRef idx="1">
+            <a:schemeClr val="accent1"/>
+          </a:fillRef>
+          <a:effectRef idx="0">
+            <a:schemeClr val="accent1"/>
+          </a:effectRef>
+          <a:fontRef idx="minor">
+            <a:schemeClr val="lt1"/>
+          </a:fontRef>
+        </p:style>
+        <p:txBody>
+          <a:bodyPr rtlCol="0" anchor="ctr"/>
+          <a:lstStyle/>
+          <a:p>
+            <a:pPr algn="ctr"/>
+            <a:r>
+              <a:rPr lang="en-US" sz="1000">
+                <a:solidFill>
+                  <a:schemeClr val="tx1"/>
+                </a:solidFill>
+                <a:latin typeface="Menlo" panose="020B0609030804020204" pitchFamily="49" charset="0"/>
+                <a:ea typeface="Menlo" panose="020B0609030804020204" pitchFamily="49" charset="0"/>
+                <a:cs typeface="Menlo" panose="020B0609030804020204" pitchFamily="49" charset="0"/>
+              </a:rPr>
+              <a:t>ZLUX</a:t>
+            </a:r>
+          </a:p>
+        </p:txBody>
+      </p:sp>
+      <p:sp>
+        <p:nvSpPr>
+          <p:cNvPr id="14" name="TextBox 13">
+            <a:extLst>
+              <a:ext uri="{FF2B5EF4-FFF2-40B4-BE49-F238E27FC236}">
+                <a16:creationId xmlns:a16="http://schemas.microsoft.com/office/drawing/2014/main" id="{33254BD2-EAD4-D64A-BB16-82483678D8DC}"/>
+              </a:ext>
+            </a:extLst>
+          </p:cNvPr>
+          <p:cNvSpPr txBox="1"/>
+          <p:nvPr/>
+        </p:nvSpPr>
+        <p:spPr>
+          <a:xfrm>
+            <a:off x="454836" y="3509422"/>
+            <a:ext cx="524503" cy="261610"/>
+          </a:xfrm>
+          <a:prstGeom prst="rect">
+            <a:avLst/>
+          </a:prstGeom>
+          <a:noFill/>
+        </p:spPr>
+        <p:txBody>
+          <a:bodyPr wrap="none" rtlCol="0">
+            <a:spAutoFit/>
+          </a:bodyPr>
+          <a:lstStyle/>
+          <a:p>
+            <a:r>
+              <a:rPr lang="en-US" sz="1100">
+                <a:latin typeface="Menlo" panose="020B0609030804020204" pitchFamily="49" charset="0"/>
+                <a:ea typeface="Menlo" panose="020B0609030804020204" pitchFamily="49" charset="0"/>
+                <a:cs typeface="Menlo" panose="020B0609030804020204" pitchFamily="49" charset="0"/>
+              </a:rPr>
+              <a:t>8544</a:t>
+            </a:r>
+          </a:p>
+        </p:txBody>
+      </p:sp>
+      <p:sp>
+        <p:nvSpPr>
+          <p:cNvPr id="15" name="Rectangle 14">
+            <a:extLst>
+              <a:ext uri="{FF2B5EF4-FFF2-40B4-BE49-F238E27FC236}">
+                <a16:creationId xmlns:a16="http://schemas.microsoft.com/office/drawing/2014/main" id="{FF1BA4FC-F089-F843-9176-8D8FD72C6E58}"/>
+              </a:ext>
+            </a:extLst>
+          </p:cNvPr>
+          <p:cNvSpPr/>
+          <p:nvPr/>
+        </p:nvSpPr>
+        <p:spPr>
+          <a:xfrm>
+            <a:off x="376504" y="5715002"/>
+            <a:ext cx="1128765" cy="276391"/>
+          </a:xfrm>
+          <a:prstGeom prst="rect">
+            <a:avLst/>
+          </a:prstGeom>
+          <a:solidFill>
+            <a:srgbClr val="F3A4FF"/>
+          </a:solidFill>
+        </p:spPr>
+        <p:style>
+          <a:lnRef idx="2">
+            <a:schemeClr val="accent1">
+              <a:shade val="50000"/>
+            </a:schemeClr>
+          </a:lnRef>
+          <a:fillRef idx="1">
+            <a:schemeClr val="accent1"/>
+          </a:fillRef>
+          <a:effectRef idx="0">
+            <a:schemeClr val="accent1"/>
+          </a:effectRef>
+          <a:fontRef idx="minor">
+            <a:schemeClr val="lt1"/>
+          </a:fontRef>
+        </p:style>
+        <p:txBody>
+          <a:bodyPr rtlCol="0" anchor="ctr"/>
+          <a:lstStyle/>
+          <a:p>
+            <a:pPr algn="ctr"/>
+            <a:r>
+              <a:rPr lang="en-US" sz="1000" dirty="0">
+                <a:solidFill>
+                  <a:schemeClr val="tx1"/>
+                </a:solidFill>
+                <a:latin typeface="Menlo" panose="020B0609030804020204" pitchFamily="49" charset="0"/>
+                <a:ea typeface="Menlo" panose="020B0609030804020204" pitchFamily="49" charset="0"/>
+                <a:cs typeface="Menlo" panose="020B0609030804020204" pitchFamily="49" charset="0"/>
+              </a:rPr>
+              <a:t>zssServer</a:t>
+            </a:r>
+          </a:p>
+        </p:txBody>
+      </p:sp>
+      <p:cxnSp>
+        <p:nvCxnSpPr>
+          <p:cNvPr id="16" name="Straight Arrow Connector 15">
+            <a:extLst>
+              <a:ext uri="{FF2B5EF4-FFF2-40B4-BE49-F238E27FC236}">
+                <a16:creationId xmlns:a16="http://schemas.microsoft.com/office/drawing/2014/main" id="{54592F1C-4F93-484E-BE31-FD8065B471FC}"/>
+              </a:ext>
+            </a:extLst>
+          </p:cNvPr>
+          <p:cNvCxnSpPr>
+            <a:cxnSpLocks/>
+          </p:cNvCxnSpPr>
+          <p:nvPr/>
+        </p:nvCxnSpPr>
+        <p:spPr>
+          <a:xfrm>
+            <a:off x="915053" y="5216206"/>
+            <a:ext cx="0" cy="462817"/>
+          </a:xfrm>
+          <a:prstGeom prst="straightConnector1">
+            <a:avLst/>
+          </a:prstGeom>
+          <a:ln>
+            <a:headEnd type="triangle"/>
+            <a:tailEnd type="triangle"/>
+          </a:ln>
+        </p:spPr>
+        <p:style>
+          <a:lnRef idx="1">
+            <a:schemeClr val="accent1"/>
+          </a:lnRef>
+          <a:fillRef idx="0">
+            <a:schemeClr val="accent1"/>
+          </a:fillRef>
+          <a:effectRef idx="0">
+            <a:schemeClr val="accent1"/>
+          </a:effectRef>
+          <a:fontRef idx="minor">
+            <a:schemeClr val="tx1"/>
+          </a:fontRef>
+        </p:style>
+      </p:cxnSp>
+      <p:sp>
+        <p:nvSpPr>
+          <p:cNvPr id="17" name="TextBox 16">
+            <a:extLst>
+              <a:ext uri="{FF2B5EF4-FFF2-40B4-BE49-F238E27FC236}">
+                <a16:creationId xmlns:a16="http://schemas.microsoft.com/office/drawing/2014/main" id="{911C826E-3F42-FB4C-8AAD-17E524CEA6C7}"/>
+              </a:ext>
+            </a:extLst>
+          </p:cNvPr>
+          <p:cNvSpPr txBox="1"/>
+          <p:nvPr/>
+        </p:nvSpPr>
+        <p:spPr>
+          <a:xfrm>
+            <a:off x="420382" y="5416951"/>
+            <a:ext cx="524503" cy="261610"/>
+          </a:xfrm>
+          <a:prstGeom prst="rect">
+            <a:avLst/>
+          </a:prstGeom>
+          <a:noFill/>
+        </p:spPr>
+        <p:txBody>
+          <a:bodyPr wrap="none" rtlCol="0">
+            <a:spAutoFit/>
+          </a:bodyPr>
+          <a:lstStyle/>
+          <a:p>
+            <a:r>
+              <a:rPr lang="en-US" sz="1100">
+                <a:latin typeface="Menlo" panose="020B0609030804020204" pitchFamily="49" charset="0"/>
+                <a:ea typeface="Menlo" panose="020B0609030804020204" pitchFamily="49" charset="0"/>
+                <a:cs typeface="Menlo" panose="020B0609030804020204" pitchFamily="49" charset="0"/>
+              </a:rPr>
+              <a:t>8542</a:t>
+            </a:r>
+          </a:p>
+        </p:txBody>
+      </p:sp>
+      <p:sp>
+        <p:nvSpPr>
+          <p:cNvPr id="18" name="Rectangle 17">
+            <a:extLst>
+              <a:ext uri="{FF2B5EF4-FFF2-40B4-BE49-F238E27FC236}">
+                <a16:creationId xmlns:a16="http://schemas.microsoft.com/office/drawing/2014/main" id="{74ECDBA7-F732-2646-8BDF-074DDFAA0B40}"/>
+              </a:ext>
+            </a:extLst>
+          </p:cNvPr>
+          <p:cNvSpPr/>
+          <p:nvPr/>
+        </p:nvSpPr>
+        <p:spPr>
+          <a:xfrm>
+            <a:off x="376504" y="6483230"/>
+            <a:ext cx="1128765" cy="276391"/>
+          </a:xfrm>
+          <a:prstGeom prst="rect">
+            <a:avLst/>
+          </a:prstGeom>
+          <a:solidFill>
+            <a:srgbClr val="F3A4FF"/>
+          </a:solidFill>
+        </p:spPr>
+        <p:style>
+          <a:lnRef idx="2">
+            <a:schemeClr val="accent1">
+              <a:shade val="50000"/>
+            </a:schemeClr>
+          </a:lnRef>
+          <a:fillRef idx="1">
+            <a:schemeClr val="accent1"/>
+          </a:fillRef>
+          <a:effectRef idx="0">
+            <a:schemeClr val="accent1"/>
+          </a:effectRef>
+          <a:fontRef idx="minor">
+            <a:schemeClr val="lt1"/>
+          </a:fontRef>
+        </p:style>
+        <p:txBody>
+          <a:bodyPr rtlCol="0" anchor="ctr"/>
+          <a:lstStyle/>
+          <a:p>
+            <a:pPr algn="ctr"/>
+            <a:r>
+              <a:rPr lang="en-US" sz="1000">
+                <a:solidFill>
+                  <a:schemeClr val="tx1"/>
+                </a:solidFill>
+                <a:latin typeface="Menlo" panose="020B0609030804020204" pitchFamily="49" charset="0"/>
+                <a:ea typeface="Menlo" panose="020B0609030804020204" pitchFamily="49" charset="0"/>
+                <a:cs typeface="Menlo" panose="020B0609030804020204" pitchFamily="49" charset="0"/>
+              </a:rPr>
+              <a:t>ZWESIS01</a:t>
+            </a:r>
+          </a:p>
+        </p:txBody>
+      </p:sp>
+      <p:cxnSp>
+        <p:nvCxnSpPr>
+          <p:cNvPr id="19" name="Straight Arrow Connector 18">
+            <a:extLst>
+              <a:ext uri="{FF2B5EF4-FFF2-40B4-BE49-F238E27FC236}">
+                <a16:creationId xmlns:a16="http://schemas.microsoft.com/office/drawing/2014/main" id="{CAD314C9-98DD-FF42-9498-D0DE4251CD23}"/>
+              </a:ext>
+            </a:extLst>
+          </p:cNvPr>
+          <p:cNvCxnSpPr>
+            <a:cxnSpLocks/>
+          </p:cNvCxnSpPr>
+          <p:nvPr/>
+        </p:nvCxnSpPr>
+        <p:spPr>
+          <a:xfrm>
+            <a:off x="940887" y="5991392"/>
+            <a:ext cx="0" cy="491837"/>
+          </a:xfrm>
+          <a:prstGeom prst="straightConnector1">
+            <a:avLst/>
+          </a:prstGeom>
+          <a:ln>
+            <a:prstDash val="dash"/>
+            <a:headEnd type="triangle"/>
+            <a:tailEnd type="triangle"/>
+          </a:ln>
+        </p:spPr>
+        <p:style>
+          <a:lnRef idx="1">
+            <a:schemeClr val="accent1"/>
+          </a:lnRef>
+          <a:fillRef idx="0">
+            <a:schemeClr val="accent1"/>
+          </a:fillRef>
+          <a:effectRef idx="0">
+            <a:schemeClr val="accent1"/>
+          </a:effectRef>
+          <a:fontRef idx="minor">
+            <a:schemeClr val="tx1"/>
+          </a:fontRef>
+        </p:style>
+      </p:cxnSp>
+      <p:sp>
+        <p:nvSpPr>
+          <p:cNvPr id="20" name="TextBox 19">
+            <a:extLst>
+              <a:ext uri="{FF2B5EF4-FFF2-40B4-BE49-F238E27FC236}">
+                <a16:creationId xmlns:a16="http://schemas.microsoft.com/office/drawing/2014/main" id="{62F567AF-22C6-6A45-8AEB-4F90DB9DB391}"/>
+              </a:ext>
+            </a:extLst>
+          </p:cNvPr>
+          <p:cNvSpPr txBox="1"/>
+          <p:nvPr/>
+        </p:nvSpPr>
+        <p:spPr>
+          <a:xfrm>
+            <a:off x="369877" y="6181234"/>
+            <a:ext cx="609462" cy="261610"/>
+          </a:xfrm>
+          <a:prstGeom prst="rect">
+            <a:avLst/>
+          </a:prstGeom>
+          <a:noFill/>
+        </p:spPr>
+        <p:txBody>
+          <a:bodyPr wrap="none" rtlCol="0">
+            <a:spAutoFit/>
+          </a:bodyPr>
+          <a:lstStyle/>
+          <a:p>
+            <a:r>
+              <a:rPr lang="en-US" sz="1100">
+                <a:latin typeface="Menlo" panose="020B0609030804020204" pitchFamily="49" charset="0"/>
+                <a:ea typeface="Menlo" panose="020B0609030804020204" pitchFamily="49" charset="0"/>
+                <a:cs typeface="Menlo" panose="020B0609030804020204" pitchFamily="49" charset="0"/>
+              </a:rPr>
+              <a:t>X-MEM</a:t>
+            </a:r>
+          </a:p>
+        </p:txBody>
+      </p:sp>
+      <p:sp>
+        <p:nvSpPr>
+          <p:cNvPr id="21" name="TextBox 20">
+            <a:extLst>
+              <a:ext uri="{FF2B5EF4-FFF2-40B4-BE49-F238E27FC236}">
+                <a16:creationId xmlns:a16="http://schemas.microsoft.com/office/drawing/2014/main" id="{D998E585-E174-1646-AD94-CB58F1F13B58}"/>
+              </a:ext>
+            </a:extLst>
+          </p:cNvPr>
+          <p:cNvSpPr txBox="1"/>
+          <p:nvPr/>
+        </p:nvSpPr>
+        <p:spPr>
+          <a:xfrm>
+            <a:off x="1625166" y="4866680"/>
+            <a:ext cx="665567" cy="369332"/>
+          </a:xfrm>
+          <a:prstGeom prst="rect">
+            <a:avLst/>
+          </a:prstGeom>
+          <a:solidFill>
+            <a:schemeClr val="bg1">
+              <a:lumMod val="50000"/>
+            </a:schemeClr>
+          </a:solidFill>
+        </p:spPr>
+        <p:txBody>
+          <a:bodyPr wrap="none" rtlCol="0">
+            <a:spAutoFit/>
+          </a:bodyPr>
+          <a:lstStyle/>
+          <a:p>
+            <a:r>
+              <a:rPr lang="en-US" dirty="0">
+                <a:solidFill>
+                  <a:schemeClr val="accent6">
+                    <a:lumMod val="60000"/>
+                    <a:lumOff val="40000"/>
+                  </a:schemeClr>
+                </a:solidFill>
+              </a:rPr>
+              <a:t>node</a:t>
+            </a:r>
+          </a:p>
+        </p:txBody>
+      </p:sp>
+      <p:sp>
+        <p:nvSpPr>
+          <p:cNvPr id="22" name="TextBox 21">
+            <a:extLst>
+              <a:ext uri="{FF2B5EF4-FFF2-40B4-BE49-F238E27FC236}">
+                <a16:creationId xmlns:a16="http://schemas.microsoft.com/office/drawing/2014/main" id="{05FB23FA-3F13-964A-94A5-101AF51A25C3}"/>
+              </a:ext>
+            </a:extLst>
+          </p:cNvPr>
+          <p:cNvSpPr txBox="1"/>
+          <p:nvPr/>
+        </p:nvSpPr>
+        <p:spPr>
+          <a:xfrm>
+            <a:off x="1542303" y="5676313"/>
+            <a:ext cx="897169" cy="369332"/>
+          </a:xfrm>
+          <a:prstGeom prst="rect">
+            <a:avLst/>
+          </a:prstGeom>
+          <a:solidFill>
+            <a:schemeClr val="bg1">
+              <a:lumMod val="50000"/>
+            </a:schemeClr>
+          </a:solidFill>
+        </p:spPr>
+        <p:txBody>
+          <a:bodyPr wrap="none" rtlCol="0">
+            <a:spAutoFit/>
+          </a:bodyPr>
+          <a:lstStyle/>
+          <a:p>
+            <a:r>
+              <a:rPr lang="en-US" dirty="0">
+                <a:solidFill>
+                  <a:srgbClr val="7030A0"/>
+                </a:solidFill>
+              </a:rPr>
+              <a:t>metal C</a:t>
+            </a:r>
+          </a:p>
+        </p:txBody>
+      </p:sp>
+      <p:sp>
+        <p:nvSpPr>
+          <p:cNvPr id="23" name="TextBox 22">
+            <a:extLst>
+              <a:ext uri="{FF2B5EF4-FFF2-40B4-BE49-F238E27FC236}">
+                <a16:creationId xmlns:a16="http://schemas.microsoft.com/office/drawing/2014/main" id="{7C1C4D56-0C68-0F4A-B764-A45931436435}"/>
+              </a:ext>
+            </a:extLst>
+          </p:cNvPr>
+          <p:cNvSpPr txBox="1"/>
+          <p:nvPr/>
+        </p:nvSpPr>
+        <p:spPr>
+          <a:xfrm>
+            <a:off x="1561236" y="6418084"/>
+            <a:ext cx="570990" cy="369332"/>
+          </a:xfrm>
+          <a:prstGeom prst="rect">
+            <a:avLst/>
+          </a:prstGeom>
+          <a:solidFill>
+            <a:schemeClr val="bg1">
+              <a:lumMod val="50000"/>
+            </a:schemeClr>
+          </a:solidFill>
+        </p:spPr>
+        <p:txBody>
+          <a:bodyPr wrap="none" rtlCol="0">
+            <a:spAutoFit/>
+          </a:bodyPr>
+          <a:lstStyle/>
+          <a:p>
+            <a:r>
+              <a:rPr lang="en-US" dirty="0">
+                <a:solidFill>
+                  <a:srgbClr val="7030A0"/>
+                </a:solidFill>
+              </a:rPr>
+              <a:t>LE C</a:t>
+            </a:r>
+          </a:p>
+        </p:txBody>
+      </p:sp>
+      <p:sp>
+        <p:nvSpPr>
+          <p:cNvPr id="24" name="Rectangle 23">
+            <a:extLst>
+              <a:ext uri="{FF2B5EF4-FFF2-40B4-BE49-F238E27FC236}">
+                <a16:creationId xmlns:a16="http://schemas.microsoft.com/office/drawing/2014/main" id="{4D0D304D-A972-574A-B4ED-98309EF88115}"/>
+              </a:ext>
+            </a:extLst>
+          </p:cNvPr>
+          <p:cNvSpPr/>
+          <p:nvPr/>
+        </p:nvSpPr>
+        <p:spPr>
+          <a:xfrm>
+            <a:off x="2604694" y="3746909"/>
+            <a:ext cx="740214" cy="492369"/>
+          </a:xfrm>
+          <a:prstGeom prst="rect">
+            <a:avLst/>
+          </a:prstGeom>
+          <a:solidFill>
+            <a:schemeClr val="accent4">
+              <a:lumMod val="20000"/>
+              <a:lumOff val="80000"/>
+            </a:schemeClr>
+          </a:solidFill>
+        </p:spPr>
+        <p:style>
+          <a:lnRef idx="2">
+            <a:schemeClr val="accent1">
+              <a:shade val="50000"/>
+            </a:schemeClr>
+          </a:lnRef>
+          <a:fillRef idx="1">
+            <a:schemeClr val="accent1"/>
+          </a:fillRef>
+          <a:effectRef idx="0">
+            <a:schemeClr val="accent1"/>
+          </a:effectRef>
+          <a:fontRef idx="minor">
+            <a:schemeClr val="lt1"/>
+          </a:fontRef>
+        </p:style>
+        <p:txBody>
+          <a:bodyPr rtlCol="0" anchor="ctr"/>
+          <a:lstStyle/>
+          <a:p>
+            <a:pPr algn="ctr"/>
+            <a:r>
+              <a:rPr lang="en-US" sz="1000" dirty="0">
+                <a:solidFill>
+                  <a:schemeClr val="tx1"/>
+                </a:solidFill>
+                <a:latin typeface="Menlo" panose="020B0609030804020204" pitchFamily="49" charset="0"/>
+                <a:ea typeface="Menlo" panose="020B0609030804020204" pitchFamily="49" charset="0"/>
+                <a:cs typeface="Menlo" panose="020B0609030804020204" pitchFamily="49" charset="0"/>
+              </a:rPr>
+              <a:t>API Catalog</a:t>
+            </a:r>
+          </a:p>
+        </p:txBody>
+      </p:sp>
+      <p:sp>
+        <p:nvSpPr>
+          <p:cNvPr id="25" name="Rectangle 24">
+            <a:extLst>
+              <a:ext uri="{FF2B5EF4-FFF2-40B4-BE49-F238E27FC236}">
+                <a16:creationId xmlns:a16="http://schemas.microsoft.com/office/drawing/2014/main" id="{D7F38BB9-7809-9247-A3AC-4022381FCCAC}"/>
+              </a:ext>
+            </a:extLst>
+          </p:cNvPr>
+          <p:cNvSpPr/>
+          <p:nvPr/>
+        </p:nvSpPr>
+        <p:spPr>
+          <a:xfrm>
+            <a:off x="5393085" y="3743719"/>
+            <a:ext cx="902599" cy="488404"/>
+          </a:xfrm>
+          <a:prstGeom prst="rect">
+            <a:avLst/>
+          </a:prstGeom>
+          <a:solidFill>
+            <a:schemeClr val="accent4">
+              <a:lumMod val="20000"/>
+              <a:lumOff val="80000"/>
+            </a:schemeClr>
+          </a:solidFill>
+        </p:spPr>
+        <p:style>
+          <a:lnRef idx="2">
+            <a:schemeClr val="accent1">
+              <a:shade val="50000"/>
+            </a:schemeClr>
+          </a:lnRef>
+          <a:fillRef idx="1">
+            <a:schemeClr val="accent1"/>
+          </a:fillRef>
+          <a:effectRef idx="0">
+            <a:schemeClr val="accent1"/>
+          </a:effectRef>
+          <a:fontRef idx="minor">
+            <a:schemeClr val="lt1"/>
+          </a:fontRef>
+        </p:style>
+        <p:txBody>
+          <a:bodyPr rtlCol="0" anchor="ctr"/>
+          <a:lstStyle/>
+          <a:p>
+            <a:pPr algn="ctr"/>
+            <a:r>
+              <a:rPr lang="en-US" sz="1000" dirty="0">
+                <a:solidFill>
+                  <a:schemeClr val="tx1"/>
+                </a:solidFill>
+                <a:latin typeface="Menlo" panose="020B0609030804020204" pitchFamily="49" charset="0"/>
+                <a:ea typeface="Menlo" panose="020B0609030804020204" pitchFamily="49" charset="0"/>
+                <a:cs typeface="Menlo" panose="020B0609030804020204" pitchFamily="49" charset="0"/>
+              </a:rPr>
+              <a:t>API Discovery</a:t>
+            </a:r>
+          </a:p>
+        </p:txBody>
+      </p:sp>
+      <p:sp>
+        <p:nvSpPr>
+          <p:cNvPr id="26" name="Rectangle 25">
+            <a:extLst>
+              <a:ext uri="{FF2B5EF4-FFF2-40B4-BE49-F238E27FC236}">
+                <a16:creationId xmlns:a16="http://schemas.microsoft.com/office/drawing/2014/main" id="{7B1901AB-8DD5-9D47-9B5F-0B822EB1CD69}"/>
+              </a:ext>
+            </a:extLst>
+          </p:cNvPr>
+          <p:cNvSpPr/>
+          <p:nvPr/>
+        </p:nvSpPr>
+        <p:spPr>
+          <a:xfrm>
+            <a:off x="3588017" y="3732086"/>
+            <a:ext cx="474996" cy="493292"/>
+          </a:xfrm>
+          <a:prstGeom prst="rect">
+            <a:avLst/>
+          </a:prstGeom>
+          <a:solidFill>
+            <a:schemeClr val="accent6">
+              <a:lumMod val="20000"/>
+              <a:lumOff val="80000"/>
+            </a:schemeClr>
+          </a:solidFill>
+        </p:spPr>
+        <p:style>
+          <a:lnRef idx="2">
+            <a:schemeClr val="accent1">
+              <a:shade val="50000"/>
+            </a:schemeClr>
+          </a:lnRef>
+          <a:fillRef idx="1">
+            <a:schemeClr val="accent1"/>
+          </a:fillRef>
+          <a:effectRef idx="0">
+            <a:schemeClr val="accent1"/>
+          </a:effectRef>
+          <a:fontRef idx="minor">
+            <a:schemeClr val="lt1"/>
+          </a:fontRef>
+        </p:style>
+        <p:txBody>
+          <a:bodyPr rtlCol="0" anchor="ctr"/>
+          <a:lstStyle/>
+          <a:p>
+            <a:pPr algn="ctr"/>
+            <a:r>
+              <a:rPr lang="en-US" sz="933" dirty="0">
+                <a:solidFill>
+                  <a:schemeClr val="tx1"/>
+                </a:solidFill>
+                <a:latin typeface="Menlo" panose="020B0609030804020204" pitchFamily="49" charset="0"/>
+                <a:ea typeface="Menlo" panose="020B0609030804020204" pitchFamily="49" charset="0"/>
+                <a:cs typeface="Menlo" panose="020B0609030804020204" pitchFamily="49" charset="0"/>
+              </a:rPr>
+              <a:t>MVS </a:t>
+            </a:r>
+            <a:r>
+              <a:rPr lang="en-US" sz="933" b="1" dirty="0">
+                <a:solidFill>
+                  <a:schemeClr val="tx1"/>
+                </a:solidFill>
+                <a:latin typeface="Menlo" panose="020B0609030804020204" pitchFamily="49" charset="0"/>
+                <a:ea typeface="Menlo" panose="020B0609030804020204" pitchFamily="49" charset="0"/>
+                <a:cs typeface="Menlo" panose="020B0609030804020204" pitchFamily="49" charset="0"/>
+              </a:rPr>
+              <a:t>UI</a:t>
+            </a:r>
+          </a:p>
+        </p:txBody>
+      </p:sp>
+      <p:sp>
+        <p:nvSpPr>
+          <p:cNvPr id="27" name="Rectangle 26">
+            <a:extLst>
+              <a:ext uri="{FF2B5EF4-FFF2-40B4-BE49-F238E27FC236}">
+                <a16:creationId xmlns:a16="http://schemas.microsoft.com/office/drawing/2014/main" id="{CD5A52F3-6FE0-2C46-A895-CC9B4F029790}"/>
+              </a:ext>
+            </a:extLst>
+          </p:cNvPr>
+          <p:cNvSpPr/>
+          <p:nvPr/>
+        </p:nvSpPr>
+        <p:spPr>
+          <a:xfrm>
+            <a:off x="4200498" y="3733774"/>
+            <a:ext cx="485383" cy="488404"/>
+          </a:xfrm>
+          <a:prstGeom prst="rect">
+            <a:avLst/>
+          </a:prstGeom>
+          <a:solidFill>
+            <a:schemeClr val="accent6">
+              <a:lumMod val="20000"/>
+              <a:lumOff val="80000"/>
+            </a:schemeClr>
+          </a:solidFill>
+        </p:spPr>
+        <p:style>
+          <a:lnRef idx="2">
+            <a:schemeClr val="accent1">
+              <a:shade val="50000"/>
+            </a:schemeClr>
+          </a:lnRef>
+          <a:fillRef idx="1">
+            <a:schemeClr val="accent1"/>
+          </a:fillRef>
+          <a:effectRef idx="0">
+            <a:schemeClr val="accent1"/>
+          </a:effectRef>
+          <a:fontRef idx="minor">
+            <a:schemeClr val="lt1"/>
+          </a:fontRef>
+        </p:style>
+        <p:txBody>
+          <a:bodyPr rtlCol="0" anchor="ctr"/>
+          <a:lstStyle/>
+          <a:p>
+            <a:pPr algn="ctr"/>
+            <a:r>
+              <a:rPr lang="en-US" sz="933" dirty="0">
+                <a:solidFill>
+                  <a:schemeClr val="tx1"/>
+                </a:solidFill>
+                <a:latin typeface="Menlo" panose="020B0609030804020204" pitchFamily="49" charset="0"/>
+                <a:ea typeface="Menlo" panose="020B0609030804020204" pitchFamily="49" charset="0"/>
+                <a:cs typeface="Menlo" panose="020B0609030804020204" pitchFamily="49" charset="0"/>
+              </a:rPr>
+              <a:t>JES </a:t>
+            </a:r>
+            <a:r>
+              <a:rPr lang="en-US" sz="933" b="1" dirty="0">
+                <a:solidFill>
+                  <a:schemeClr val="tx1"/>
+                </a:solidFill>
+                <a:latin typeface="Menlo" panose="020B0609030804020204" pitchFamily="49" charset="0"/>
+                <a:ea typeface="Menlo" panose="020B0609030804020204" pitchFamily="49" charset="0"/>
+                <a:cs typeface="Menlo" panose="020B0609030804020204" pitchFamily="49" charset="0"/>
+              </a:rPr>
+              <a:t>UI</a:t>
+            </a:r>
+          </a:p>
+        </p:txBody>
+      </p:sp>
+      <p:sp>
+        <p:nvSpPr>
+          <p:cNvPr id="28" name="Rectangle 27">
+            <a:extLst>
+              <a:ext uri="{FF2B5EF4-FFF2-40B4-BE49-F238E27FC236}">
+                <a16:creationId xmlns:a16="http://schemas.microsoft.com/office/drawing/2014/main" id="{E3F310E6-28AA-2541-850A-CE082DC2BD05}"/>
+              </a:ext>
+            </a:extLst>
+          </p:cNvPr>
+          <p:cNvSpPr/>
+          <p:nvPr/>
+        </p:nvSpPr>
+        <p:spPr>
+          <a:xfrm>
+            <a:off x="4773991" y="3743719"/>
+            <a:ext cx="485382" cy="488404"/>
+          </a:xfrm>
+          <a:prstGeom prst="rect">
+            <a:avLst/>
+          </a:prstGeom>
+          <a:solidFill>
+            <a:schemeClr val="accent6">
+              <a:lumMod val="20000"/>
+              <a:lumOff val="80000"/>
+            </a:schemeClr>
+          </a:solidFill>
+        </p:spPr>
+        <p:style>
+          <a:lnRef idx="2">
+            <a:schemeClr val="accent1">
+              <a:shade val="50000"/>
+            </a:schemeClr>
+          </a:lnRef>
+          <a:fillRef idx="1">
+            <a:schemeClr val="accent1"/>
+          </a:fillRef>
+          <a:effectRef idx="0">
+            <a:schemeClr val="accent1"/>
+          </a:effectRef>
+          <a:fontRef idx="minor">
+            <a:schemeClr val="lt1"/>
+          </a:fontRef>
+        </p:style>
+        <p:txBody>
+          <a:bodyPr rtlCol="0" anchor="ctr"/>
+          <a:lstStyle/>
+          <a:p>
+            <a:pPr algn="ctr"/>
+            <a:r>
+              <a:rPr lang="en-US" sz="933" dirty="0">
+                <a:solidFill>
+                  <a:schemeClr val="tx1"/>
+                </a:solidFill>
+                <a:latin typeface="Menlo" panose="020B0609030804020204" pitchFamily="49" charset="0"/>
+                <a:ea typeface="Menlo" panose="020B0609030804020204" pitchFamily="49" charset="0"/>
+                <a:cs typeface="Menlo" panose="020B0609030804020204" pitchFamily="49" charset="0"/>
+              </a:rPr>
+              <a:t>USS</a:t>
+            </a:r>
+          </a:p>
+          <a:p>
+            <a:pPr algn="ctr"/>
+            <a:r>
+              <a:rPr lang="en-US" sz="933" b="1" dirty="0">
+                <a:solidFill>
+                  <a:schemeClr val="tx1"/>
+                </a:solidFill>
+                <a:latin typeface="Menlo" panose="020B0609030804020204" pitchFamily="49" charset="0"/>
+                <a:ea typeface="Menlo" panose="020B0609030804020204" pitchFamily="49" charset="0"/>
+                <a:cs typeface="Menlo" panose="020B0609030804020204" pitchFamily="49" charset="0"/>
+              </a:rPr>
+              <a:t>UI</a:t>
+            </a:r>
+          </a:p>
+        </p:txBody>
+      </p:sp>
+      <p:sp>
+        <p:nvSpPr>
+          <p:cNvPr id="29" name="Rectangle 28">
+            <a:extLst>
+              <a:ext uri="{FF2B5EF4-FFF2-40B4-BE49-F238E27FC236}">
+                <a16:creationId xmlns:a16="http://schemas.microsoft.com/office/drawing/2014/main" id="{2564BC0C-4076-CB4F-B31A-57C59BF0ABB4}"/>
+              </a:ext>
+            </a:extLst>
+          </p:cNvPr>
+          <p:cNvSpPr/>
+          <p:nvPr/>
+        </p:nvSpPr>
+        <p:spPr>
+          <a:xfrm>
+            <a:off x="3495249" y="4521174"/>
+            <a:ext cx="899829" cy="596803"/>
+          </a:xfrm>
+          <a:prstGeom prst="rect">
+            <a:avLst/>
+          </a:prstGeom>
+          <a:solidFill>
+            <a:schemeClr val="accent4">
+              <a:lumMod val="20000"/>
+              <a:lumOff val="80000"/>
+            </a:schemeClr>
+          </a:solidFill>
+        </p:spPr>
+        <p:style>
+          <a:lnRef idx="2">
+            <a:schemeClr val="accent1">
+              <a:shade val="50000"/>
+            </a:schemeClr>
+          </a:lnRef>
+          <a:fillRef idx="1">
+            <a:schemeClr val="accent1"/>
+          </a:fillRef>
+          <a:effectRef idx="0">
+            <a:schemeClr val="accent1"/>
+          </a:effectRef>
+          <a:fontRef idx="minor">
+            <a:schemeClr val="lt1"/>
+          </a:fontRef>
+        </p:style>
+        <p:txBody>
+          <a:bodyPr rtlCol="0" anchor="ctr"/>
+          <a:lstStyle/>
+          <a:p>
+            <a:pPr algn="ctr"/>
+            <a:r>
+              <a:rPr lang="en-US" sz="933" dirty="0">
+                <a:solidFill>
+                  <a:schemeClr val="tx1"/>
+                </a:solidFill>
+                <a:latin typeface="Menlo" panose="020B0609030804020204" pitchFamily="49" charset="0"/>
+                <a:ea typeface="Menlo" panose="020B0609030804020204" pitchFamily="49" charset="0"/>
+                <a:cs typeface="Menlo" panose="020B0609030804020204" pitchFamily="49" charset="0"/>
+              </a:rPr>
+              <a:t>File </a:t>
+            </a:r>
+            <a:r>
+              <a:rPr lang="en-US" sz="933" b="1" dirty="0">
+                <a:solidFill>
+                  <a:schemeClr val="tx1"/>
+                </a:solidFill>
+                <a:latin typeface="Menlo" panose="020B0609030804020204" pitchFamily="49" charset="0"/>
+                <a:ea typeface="Menlo" panose="020B0609030804020204" pitchFamily="49" charset="0"/>
+                <a:cs typeface="Menlo" panose="020B0609030804020204" pitchFamily="49" charset="0"/>
+              </a:rPr>
+              <a:t>API</a:t>
+            </a:r>
+          </a:p>
+        </p:txBody>
+      </p:sp>
+      <p:sp>
+        <p:nvSpPr>
+          <p:cNvPr id="30" name="Rectangle 29">
+            <a:extLst>
+              <a:ext uri="{FF2B5EF4-FFF2-40B4-BE49-F238E27FC236}">
+                <a16:creationId xmlns:a16="http://schemas.microsoft.com/office/drawing/2014/main" id="{31FA0DC1-123A-6546-A97A-535D8721061E}"/>
+              </a:ext>
+            </a:extLst>
+          </p:cNvPr>
+          <p:cNvSpPr/>
+          <p:nvPr/>
+        </p:nvSpPr>
+        <p:spPr>
+          <a:xfrm>
+            <a:off x="4514973" y="4519628"/>
+            <a:ext cx="744399" cy="596803"/>
+          </a:xfrm>
+          <a:prstGeom prst="rect">
+            <a:avLst/>
+          </a:prstGeom>
+          <a:solidFill>
+            <a:schemeClr val="accent4">
+              <a:lumMod val="20000"/>
+              <a:lumOff val="80000"/>
+            </a:schemeClr>
+          </a:solidFill>
+        </p:spPr>
+        <p:style>
+          <a:lnRef idx="2">
+            <a:schemeClr val="accent1">
+              <a:shade val="50000"/>
+            </a:schemeClr>
+          </a:lnRef>
+          <a:fillRef idx="1">
+            <a:schemeClr val="accent1"/>
+          </a:fillRef>
+          <a:effectRef idx="0">
+            <a:schemeClr val="accent1"/>
+          </a:effectRef>
+          <a:fontRef idx="minor">
+            <a:schemeClr val="lt1"/>
+          </a:fontRef>
+        </p:style>
+        <p:txBody>
+          <a:bodyPr rtlCol="0" anchor="ctr"/>
+          <a:lstStyle/>
+          <a:p>
+            <a:pPr algn="ctr"/>
+            <a:r>
+              <a:rPr lang="en-US" sz="933" dirty="0">
+                <a:solidFill>
+                  <a:schemeClr val="tx1"/>
+                </a:solidFill>
+                <a:latin typeface="Menlo" panose="020B0609030804020204" pitchFamily="49" charset="0"/>
+                <a:ea typeface="Menlo" panose="020B0609030804020204" pitchFamily="49" charset="0"/>
+                <a:cs typeface="Menlo" panose="020B0609030804020204" pitchFamily="49" charset="0"/>
+              </a:rPr>
+              <a:t>JES </a:t>
+            </a:r>
+            <a:r>
+              <a:rPr lang="en-US" sz="933" b="1" dirty="0">
+                <a:solidFill>
+                  <a:schemeClr val="tx1"/>
+                </a:solidFill>
+                <a:latin typeface="Menlo" panose="020B0609030804020204" pitchFamily="49" charset="0"/>
+                <a:ea typeface="Menlo" panose="020B0609030804020204" pitchFamily="49" charset="0"/>
+                <a:cs typeface="Menlo" panose="020B0609030804020204" pitchFamily="49" charset="0"/>
+              </a:rPr>
+              <a:t>API</a:t>
+            </a:r>
+          </a:p>
+        </p:txBody>
+      </p:sp>
+      <p:sp>
+        <p:nvSpPr>
+          <p:cNvPr id="32" name="TextBox 31">
+            <a:extLst>
+              <a:ext uri="{FF2B5EF4-FFF2-40B4-BE49-F238E27FC236}">
+                <a16:creationId xmlns:a16="http://schemas.microsoft.com/office/drawing/2014/main" id="{0F733627-76F6-3C48-868B-8D49FC927CDC}"/>
+              </a:ext>
+            </a:extLst>
+          </p:cNvPr>
+          <p:cNvSpPr txBox="1"/>
+          <p:nvPr/>
+        </p:nvSpPr>
+        <p:spPr>
+          <a:xfrm>
+            <a:off x="5357348" y="3477221"/>
+            <a:ext cx="724638" cy="261610"/>
+          </a:xfrm>
+          <a:prstGeom prst="rect">
+            <a:avLst/>
+          </a:prstGeom>
+          <a:noFill/>
+        </p:spPr>
+        <p:txBody>
+          <a:bodyPr wrap="square" rtlCol="0">
+            <a:spAutoFit/>
+          </a:bodyPr>
+          <a:lstStyle/>
+          <a:p>
+            <a:r>
+              <a:rPr lang="en-US" sz="1100">
+                <a:latin typeface="Menlo" panose="020B0609030804020204" pitchFamily="49" charset="0"/>
+                <a:ea typeface="Menlo" panose="020B0609030804020204" pitchFamily="49" charset="0"/>
+                <a:cs typeface="Menlo" panose="020B0609030804020204" pitchFamily="49" charset="0"/>
+              </a:rPr>
+              <a:t>7553</a:t>
+            </a:r>
+          </a:p>
+        </p:txBody>
+      </p:sp>
+      <p:sp>
+        <p:nvSpPr>
+          <p:cNvPr id="33" name="TextBox 32">
+            <a:extLst>
+              <a:ext uri="{FF2B5EF4-FFF2-40B4-BE49-F238E27FC236}">
+                <a16:creationId xmlns:a16="http://schemas.microsoft.com/office/drawing/2014/main" id="{93AB5D4D-0496-6F48-89B8-6E9D84D69594}"/>
+              </a:ext>
+            </a:extLst>
+          </p:cNvPr>
+          <p:cNvSpPr txBox="1"/>
+          <p:nvPr/>
+        </p:nvSpPr>
+        <p:spPr>
+          <a:xfrm>
+            <a:off x="3460998" y="4279266"/>
+            <a:ext cx="899828" cy="256545"/>
+          </a:xfrm>
+          <a:prstGeom prst="rect">
+            <a:avLst/>
+          </a:prstGeom>
+          <a:noFill/>
+        </p:spPr>
+        <p:txBody>
+          <a:bodyPr wrap="square" rtlCol="0">
+            <a:spAutoFit/>
+          </a:bodyPr>
+          <a:lstStyle/>
+          <a:p>
+            <a:r>
+              <a:rPr lang="en-US" sz="1067">
+                <a:latin typeface="Menlo" panose="020B0609030804020204" pitchFamily="49" charset="0"/>
+                <a:ea typeface="Menlo" panose="020B0609030804020204" pitchFamily="49" charset="0"/>
+                <a:cs typeface="Menlo" panose="020B0609030804020204" pitchFamily="49" charset="0"/>
+              </a:rPr>
+              <a:t>8547</a:t>
+            </a:r>
+          </a:p>
+        </p:txBody>
+      </p:sp>
+      <p:sp>
+        <p:nvSpPr>
+          <p:cNvPr id="34" name="TextBox 33">
+            <a:extLst>
+              <a:ext uri="{FF2B5EF4-FFF2-40B4-BE49-F238E27FC236}">
+                <a16:creationId xmlns:a16="http://schemas.microsoft.com/office/drawing/2014/main" id="{0F841002-6F6A-8F43-9D0E-ED93089D103D}"/>
+              </a:ext>
+            </a:extLst>
+          </p:cNvPr>
+          <p:cNvSpPr txBox="1"/>
+          <p:nvPr/>
+        </p:nvSpPr>
+        <p:spPr>
+          <a:xfrm>
+            <a:off x="4434990" y="4274201"/>
+            <a:ext cx="1128765" cy="261610"/>
+          </a:xfrm>
+          <a:prstGeom prst="rect">
+            <a:avLst/>
+          </a:prstGeom>
+          <a:noFill/>
+        </p:spPr>
+        <p:txBody>
+          <a:bodyPr wrap="square" rtlCol="0">
+            <a:spAutoFit/>
+          </a:bodyPr>
+          <a:lstStyle/>
+          <a:p>
+            <a:r>
+              <a:rPr lang="en-US" sz="1100">
+                <a:latin typeface="Menlo" panose="020B0609030804020204" pitchFamily="49" charset="0"/>
+                <a:ea typeface="Menlo" panose="020B0609030804020204" pitchFamily="49" charset="0"/>
+                <a:cs typeface="Menlo" panose="020B0609030804020204" pitchFamily="49" charset="0"/>
+              </a:rPr>
+              <a:t>8545</a:t>
+            </a:r>
+          </a:p>
+        </p:txBody>
+      </p:sp>
+      <p:sp>
+        <p:nvSpPr>
+          <p:cNvPr id="35" name="TextBox 34">
+            <a:extLst>
+              <a:ext uri="{FF2B5EF4-FFF2-40B4-BE49-F238E27FC236}">
+                <a16:creationId xmlns:a16="http://schemas.microsoft.com/office/drawing/2014/main" id="{49136BFE-57B3-7A47-B50A-2A096C4A2A21}"/>
+              </a:ext>
+            </a:extLst>
+          </p:cNvPr>
+          <p:cNvSpPr txBox="1"/>
+          <p:nvPr/>
+        </p:nvSpPr>
+        <p:spPr>
+          <a:xfrm>
+            <a:off x="3542853" y="3482015"/>
+            <a:ext cx="789276" cy="261610"/>
+          </a:xfrm>
+          <a:prstGeom prst="rect">
+            <a:avLst/>
+          </a:prstGeom>
+          <a:noFill/>
+        </p:spPr>
+        <p:txBody>
+          <a:bodyPr wrap="square" rtlCol="0">
+            <a:spAutoFit/>
+          </a:bodyPr>
+          <a:lstStyle/>
+          <a:p>
+            <a:r>
+              <a:rPr lang="en-US" sz="1100" dirty="0">
+                <a:latin typeface="Menlo" panose="020B0609030804020204" pitchFamily="49" charset="0"/>
+                <a:ea typeface="Menlo" panose="020B0609030804020204" pitchFamily="49" charset="0"/>
+                <a:cs typeface="Menlo" panose="020B0609030804020204" pitchFamily="49" charset="0"/>
+              </a:rPr>
+              <a:t>8548</a:t>
+            </a:r>
+          </a:p>
+        </p:txBody>
+      </p:sp>
+      <p:sp>
+        <p:nvSpPr>
+          <p:cNvPr id="36" name="TextBox 35">
+            <a:extLst>
+              <a:ext uri="{FF2B5EF4-FFF2-40B4-BE49-F238E27FC236}">
+                <a16:creationId xmlns:a16="http://schemas.microsoft.com/office/drawing/2014/main" id="{58F2DD1D-7A39-BA45-B0EC-1DA91AC659DB}"/>
+              </a:ext>
+            </a:extLst>
+          </p:cNvPr>
+          <p:cNvSpPr txBox="1"/>
+          <p:nvPr/>
+        </p:nvSpPr>
+        <p:spPr>
+          <a:xfrm>
+            <a:off x="4126824" y="3478744"/>
+            <a:ext cx="671855" cy="261610"/>
+          </a:xfrm>
+          <a:prstGeom prst="rect">
+            <a:avLst/>
+          </a:prstGeom>
+          <a:noFill/>
+        </p:spPr>
+        <p:txBody>
+          <a:bodyPr wrap="square" rtlCol="0">
+            <a:spAutoFit/>
+          </a:bodyPr>
+          <a:lstStyle/>
+          <a:p>
+            <a:r>
+              <a:rPr lang="en-US" sz="1100">
+                <a:latin typeface="Menlo" panose="020B0609030804020204" pitchFamily="49" charset="0"/>
+                <a:ea typeface="Menlo" panose="020B0609030804020204" pitchFamily="49" charset="0"/>
+                <a:cs typeface="Menlo" panose="020B0609030804020204" pitchFamily="49" charset="0"/>
+              </a:rPr>
+              <a:t>8546</a:t>
+            </a:r>
+          </a:p>
+        </p:txBody>
+      </p:sp>
+      <p:sp>
+        <p:nvSpPr>
+          <p:cNvPr id="37" name="TextBox 36">
+            <a:extLst>
+              <a:ext uri="{FF2B5EF4-FFF2-40B4-BE49-F238E27FC236}">
+                <a16:creationId xmlns:a16="http://schemas.microsoft.com/office/drawing/2014/main" id="{A3694818-02A6-3847-9DE0-8FC664B63835}"/>
+              </a:ext>
+            </a:extLst>
+          </p:cNvPr>
+          <p:cNvSpPr txBox="1"/>
+          <p:nvPr/>
+        </p:nvSpPr>
+        <p:spPr>
+          <a:xfrm>
+            <a:off x="4721618" y="3476357"/>
+            <a:ext cx="902599" cy="430887"/>
+          </a:xfrm>
+          <a:prstGeom prst="rect">
+            <a:avLst/>
+          </a:prstGeom>
+          <a:noFill/>
+        </p:spPr>
+        <p:txBody>
+          <a:bodyPr wrap="square" rtlCol="0">
+            <a:spAutoFit/>
+          </a:bodyPr>
+          <a:lstStyle/>
+          <a:p>
+            <a:r>
+              <a:rPr lang="en-US" sz="1100" dirty="0">
+                <a:latin typeface="Menlo" panose="020B0609030804020204" pitchFamily="49" charset="0"/>
+                <a:ea typeface="Menlo" panose="020B0609030804020204" pitchFamily="49" charset="0"/>
+                <a:cs typeface="Menlo" panose="020B0609030804020204" pitchFamily="49" charset="0"/>
+              </a:rPr>
+              <a:t>8550</a:t>
+            </a:r>
+          </a:p>
+          <a:p>
+            <a:endParaRPr lang="en-US" sz="1100" dirty="0">
+              <a:latin typeface="Menlo" panose="020B0609030804020204" pitchFamily="49" charset="0"/>
+              <a:ea typeface="Menlo" panose="020B0609030804020204" pitchFamily="49" charset="0"/>
+              <a:cs typeface="Menlo" panose="020B0609030804020204" pitchFamily="49" charset="0"/>
+            </a:endParaRPr>
+          </a:p>
+        </p:txBody>
+      </p:sp>
     </p:spTree>
     <p:extLst>
       <p:ext uri="{BB962C8B-B14F-4D97-AF65-F5344CB8AC3E}">
-        <p14:creationId xmlns:p14="http://schemas.microsoft.com/office/powerpoint/2010/main" val="222586355"/>
+        <p14:creationId xmlns:p14="http://schemas.microsoft.com/office/powerpoint/2010/main" val="3959171996"/>
       </p:ext>
     </p:extLst>
   </p:cSld>

--- a/docs/images/common/zowe-architecture.pptx
+++ b/docs/images/common/zowe-architecture.pptx
@@ -6,8 +6,6 @@
   </p:sldMasterIdLst>
   <p:sldIdLst>
     <p:sldId id="267" r:id="rId2"/>
-    <p:sldId id="268" r:id="rId3"/>
-    <p:sldId id="269" r:id="rId4"/>
   </p:sldIdLst>
   <p:sldSz cx="12192000" cy="6858000"/>
   <p:notesSz cx="6858000" cy="9144000"/>
@@ -3330,6 +3328,172 @@
       </p:grpSpPr>
       <p:sp>
         <p:nvSpPr>
+          <p:cNvPr id="149" name="Rectangle 148">
+            <a:extLst>
+              <a:ext uri="{FF2B5EF4-FFF2-40B4-BE49-F238E27FC236}">
+                <a16:creationId xmlns:a16="http://schemas.microsoft.com/office/drawing/2014/main" id="{1DBBA3A0-742C-F942-9627-246163F02A4E}"/>
+              </a:ext>
+            </a:extLst>
+          </p:cNvPr>
+          <p:cNvSpPr/>
+          <p:nvPr/>
+        </p:nvSpPr>
+        <p:spPr>
+          <a:xfrm>
+            <a:off x="-11659" y="6215203"/>
+            <a:ext cx="3971654" cy="631886"/>
+          </a:xfrm>
+          <a:prstGeom prst="rect">
+            <a:avLst/>
+          </a:prstGeom>
+          <a:solidFill>
+            <a:schemeClr val="accent4">
+              <a:alpha val="50000"/>
+            </a:schemeClr>
+          </a:solidFill>
+        </p:spPr>
+        <p:style>
+          <a:lnRef idx="2">
+            <a:schemeClr val="accent1">
+              <a:shade val="50000"/>
+            </a:schemeClr>
+          </a:lnRef>
+          <a:fillRef idx="1">
+            <a:schemeClr val="accent1"/>
+          </a:fillRef>
+          <a:effectRef idx="0">
+            <a:schemeClr val="accent1"/>
+          </a:effectRef>
+          <a:fontRef idx="minor">
+            <a:schemeClr val="lt1"/>
+          </a:fontRef>
+        </p:style>
+        <p:txBody>
+          <a:bodyPr rtlCol="0" anchor="ctr"/>
+          <a:lstStyle/>
+          <a:p>
+            <a:pPr algn="ctr"/>
+            <a:endParaRPr lang="en-US"/>
+          </a:p>
+        </p:txBody>
+      </p:sp>
+      <p:sp>
+        <p:nvSpPr>
+          <p:cNvPr id="129" name="Rectangle 128">
+            <a:extLst>
+              <a:ext uri="{FF2B5EF4-FFF2-40B4-BE49-F238E27FC236}">
+                <a16:creationId xmlns:a16="http://schemas.microsoft.com/office/drawing/2014/main" id="{49F71ED4-CF4E-2C48-9F80-56B75BBD3C68}"/>
+              </a:ext>
+            </a:extLst>
+          </p:cNvPr>
+          <p:cNvSpPr/>
+          <p:nvPr/>
+        </p:nvSpPr>
+        <p:spPr>
+          <a:xfrm>
+            <a:off x="138225" y="363279"/>
+            <a:ext cx="5925886" cy="1061498"/>
+          </a:xfrm>
+          <a:prstGeom prst="rect">
+            <a:avLst/>
+          </a:prstGeom>
+          <a:solidFill>
+            <a:schemeClr val="accent1">
+              <a:lumMod val="20000"/>
+              <a:lumOff val="80000"/>
+            </a:schemeClr>
+          </a:solidFill>
+        </p:spPr>
+        <p:style>
+          <a:lnRef idx="1">
+            <a:schemeClr val="accent1"/>
+          </a:lnRef>
+          <a:fillRef idx="3">
+            <a:schemeClr val="accent1"/>
+          </a:fillRef>
+          <a:effectRef idx="2">
+            <a:schemeClr val="accent1"/>
+          </a:effectRef>
+          <a:fontRef idx="minor">
+            <a:schemeClr val="lt1"/>
+          </a:fontRef>
+        </p:style>
+        <p:txBody>
+          <a:bodyPr rtlCol="0" anchor="ctr"/>
+          <a:lstStyle/>
+          <a:p>
+            <a:pPr algn="ctr"/>
+            <a:endParaRPr lang="en-US" sz="800" dirty="0">
+              <a:solidFill>
+                <a:schemeClr val="tx1"/>
+              </a:solidFill>
+              <a:latin typeface="Menlo" charset="0"/>
+              <a:ea typeface="Menlo" charset="0"/>
+              <a:cs typeface="Menlo" charset="0"/>
+            </a:endParaRPr>
+          </a:p>
+        </p:txBody>
+      </p:sp>
+      <p:sp>
+        <p:nvSpPr>
+          <p:cNvPr id="3" name="Rectangle 2">
+            <a:extLst>
+              <a:ext uri="{FF2B5EF4-FFF2-40B4-BE49-F238E27FC236}">
+                <a16:creationId xmlns:a16="http://schemas.microsoft.com/office/drawing/2014/main" id="{881A021B-B006-334C-B3F1-F642594C592B}"/>
+              </a:ext>
+            </a:extLst>
+          </p:cNvPr>
+          <p:cNvSpPr/>
+          <p:nvPr/>
+        </p:nvSpPr>
+        <p:spPr>
+          <a:xfrm>
+            <a:off x="0" y="2079332"/>
+            <a:ext cx="12110484" cy="3075386"/>
+          </a:xfrm>
+          <a:prstGeom prst="rect">
+            <a:avLst/>
+          </a:prstGeom>
+          <a:solidFill>
+            <a:schemeClr val="accent1">
+              <a:alpha val="50000"/>
+            </a:schemeClr>
+          </a:solidFill>
+        </p:spPr>
+        <p:style>
+          <a:lnRef idx="2">
+            <a:schemeClr val="accent1">
+              <a:shade val="50000"/>
+            </a:schemeClr>
+          </a:lnRef>
+          <a:fillRef idx="1">
+            <a:schemeClr val="accent1"/>
+          </a:fillRef>
+          <a:effectRef idx="0">
+            <a:schemeClr val="accent1"/>
+          </a:effectRef>
+          <a:fontRef idx="minor">
+            <a:schemeClr val="lt1"/>
+          </a:fontRef>
+        </p:style>
+        <p:txBody>
+          <a:bodyPr rtlCol="0" anchor="ctr"/>
+          <a:lstStyle/>
+          <a:p>
+            <a:pPr algn="ctr"/>
+            <a:endParaRPr lang="en-US">
+              <a:solidFill>
+                <a:schemeClr val="accent6">
+                  <a:lumMod val="60000"/>
+                  <a:lumOff val="40000"/>
+                </a:schemeClr>
+              </a:solidFill>
+            </a:endParaRPr>
+          </a:p>
+        </p:txBody>
+      </p:sp>
+      <p:sp>
+        <p:nvSpPr>
           <p:cNvPr id="115" name="Rectangle 114">
             <a:extLst>
               <a:ext uri="{FF2B5EF4-FFF2-40B4-BE49-F238E27FC236}">
@@ -3568,7 +3732,7 @@
           <a:p>
             <a:pPr algn="ctr"/>
             <a:r>
-              <a:rPr lang="en-US" sz="533" dirty="0">
+              <a:rPr lang="en-US" sz="533" b="1" dirty="0">
                 <a:solidFill>
                   <a:schemeClr val="tx1"/>
                 </a:solidFill>
@@ -3595,8 +3759,8 @@
         </p:nvSpPr>
         <p:spPr>
           <a:xfrm>
-            <a:off x="6878388" y="690378"/>
-            <a:ext cx="5097850" cy="653826"/>
+            <a:off x="6878388" y="542960"/>
+            <a:ext cx="5097850" cy="801244"/>
           </a:xfrm>
           <a:prstGeom prst="rect">
             <a:avLst/>
@@ -3680,8 +3844,8 @@
         </p:nvSpPr>
         <p:spPr>
           <a:xfrm rot="5400000">
-            <a:off x="5035711" y="-532099"/>
-            <a:ext cx="818941" cy="6801289"/>
+            <a:off x="4513562" y="-1273341"/>
+            <a:ext cx="599846" cy="8064682"/>
           </a:xfrm>
           <a:prstGeom prst="rect">
             <a:avLst/>
@@ -3732,8 +3896,8 @@
         </p:nvSpPr>
         <p:spPr>
           <a:xfrm>
-            <a:off x="2056185" y="2459074"/>
-            <a:ext cx="6789640" cy="281271"/>
+            <a:off x="781142" y="2459074"/>
+            <a:ext cx="8064683" cy="281271"/>
           </a:xfrm>
           <a:prstGeom prst="rect">
             <a:avLst/>
@@ -3789,8 +3953,8 @@
         </p:nvSpPr>
         <p:spPr>
           <a:xfrm>
-            <a:off x="2044538" y="3740833"/>
-            <a:ext cx="768237" cy="492369"/>
+            <a:off x="1784417" y="3376763"/>
+            <a:ext cx="768237" cy="369333"/>
           </a:xfrm>
           <a:prstGeom prst="rect">
             <a:avLst/>
@@ -3851,8 +4015,8 @@
         </p:nvSpPr>
         <p:spPr>
           <a:xfrm>
-            <a:off x="2878262" y="3744798"/>
-            <a:ext cx="918487" cy="492369"/>
+            <a:off x="2618141" y="3380729"/>
+            <a:ext cx="918487" cy="365368"/>
           </a:xfrm>
           <a:prstGeom prst="rect">
             <a:avLst/>
@@ -3916,8 +4080,8 @@
         </p:nvCxnSpPr>
         <p:spPr>
           <a:xfrm>
-            <a:off x="2428656" y="3278017"/>
-            <a:ext cx="0" cy="462817"/>
+            <a:off x="2168535" y="3087941"/>
+            <a:ext cx="1" cy="288822"/>
           </a:xfrm>
           <a:prstGeom prst="straightConnector1">
             <a:avLst/>
@@ -3958,8 +4122,8 @@
         </p:nvCxnSpPr>
         <p:spPr>
           <a:xfrm>
-            <a:off x="3296675" y="3278017"/>
-            <a:ext cx="0" cy="462817"/>
+            <a:off x="3036554" y="3072617"/>
+            <a:ext cx="0" cy="304147"/>
           </a:xfrm>
           <a:prstGeom prst="straightConnector1">
             <a:avLst/>
@@ -3998,16 +4162,16 @@
         </p:nvSpPr>
         <p:spPr>
           <a:xfrm>
-            <a:off x="3864323" y="3751646"/>
-            <a:ext cx="434690" cy="476272"/>
+            <a:off x="3775858" y="3890475"/>
+            <a:ext cx="434690" cy="382833"/>
           </a:xfrm>
           <a:prstGeom prst="rect">
             <a:avLst/>
           </a:prstGeom>
           <a:solidFill>
             <a:schemeClr val="accent6">
-              <a:lumMod val="20000"/>
-              <a:lumOff val="80000"/>
+              <a:lumMod val="60000"/>
+              <a:lumOff val="40000"/>
             </a:schemeClr>
           </a:solidFill>
         </p:spPr>
@@ -4060,16 +4224,16 @@
         </p:nvSpPr>
         <p:spPr>
           <a:xfrm>
-            <a:off x="4461540" y="3753969"/>
-            <a:ext cx="564732" cy="471956"/>
+            <a:off x="4268680" y="3892798"/>
+            <a:ext cx="454307" cy="380510"/>
           </a:xfrm>
           <a:prstGeom prst="rect">
             <a:avLst/>
           </a:prstGeom>
           <a:solidFill>
             <a:schemeClr val="accent6">
-              <a:lumMod val="20000"/>
-              <a:lumOff val="80000"/>
+              <a:lumMod val="60000"/>
+              <a:lumOff val="40000"/>
             </a:schemeClr>
           </a:solidFill>
         </p:spPr>
@@ -4095,7 +4259,7 @@
           <a:p>
             <a:pPr algn="ctr"/>
             <a:r>
-              <a:rPr lang="en-US" sz="933">
+              <a:rPr lang="en-US" sz="933" dirty="0">
                 <a:solidFill>
                   <a:schemeClr val="tx1"/>
                 </a:solidFill>
@@ -4122,16 +4286,16 @@
         </p:nvSpPr>
         <p:spPr>
           <a:xfrm>
-            <a:off x="5139454" y="3751543"/>
-            <a:ext cx="647781" cy="476273"/>
+            <a:off x="4787113" y="3879233"/>
+            <a:ext cx="470080" cy="394075"/>
           </a:xfrm>
           <a:prstGeom prst="rect">
             <a:avLst/>
           </a:prstGeom>
           <a:solidFill>
             <a:schemeClr val="accent6">
-              <a:lumMod val="20000"/>
-              <a:lumOff val="80000"/>
+              <a:lumMod val="60000"/>
+              <a:lumOff val="40000"/>
             </a:schemeClr>
           </a:solidFill>
         </p:spPr>
@@ -4157,7 +4321,7 @@
           <a:p>
             <a:pPr algn="ctr"/>
             <a:r>
-              <a:rPr lang="en-US" sz="933">
+              <a:rPr lang="en-US" sz="933" dirty="0">
                 <a:solidFill>
                   <a:schemeClr val="tx1"/>
                 </a:solidFill>
@@ -4171,7 +4335,7 @@
           <a:p>
             <a:pPr algn="ctr"/>
             <a:r>
-              <a:rPr lang="en-US" sz="933">
+              <a:rPr lang="en-US" sz="933" dirty="0">
                 <a:solidFill>
                   <a:schemeClr val="tx1"/>
                 </a:solidFill>
@@ -4198,8 +4362,8 @@
         </p:nvSpPr>
         <p:spPr>
           <a:xfrm>
-            <a:off x="3860713" y="4528999"/>
-            <a:ext cx="537932" cy="476275"/>
+            <a:off x="5130526" y="4608070"/>
+            <a:ext cx="517682" cy="476275"/>
           </a:xfrm>
           <a:prstGeom prst="rect">
             <a:avLst/>
@@ -4260,7 +4424,7 @@
         </p:nvSpPr>
         <p:spPr>
           <a:xfrm>
-            <a:off x="4548201" y="4527453"/>
+            <a:off x="5732214" y="4618664"/>
             <a:ext cx="566396" cy="476275"/>
           </a:xfrm>
           <a:prstGeom prst="rect">
@@ -4324,8 +4488,8 @@
         </p:nvCxnSpPr>
         <p:spPr>
           <a:xfrm flipH="1">
-            <a:off x="4398645" y="3294198"/>
-            <a:ext cx="14526" cy="1233255"/>
+            <a:off x="5648208" y="3073681"/>
+            <a:ext cx="7263" cy="1569740"/>
           </a:xfrm>
           <a:prstGeom prst="straightConnector1">
             <a:avLst/>
@@ -4445,7 +4609,7 @@
         </p:nvSpPr>
         <p:spPr>
           <a:xfrm>
-            <a:off x="1933902" y="3478300"/>
+            <a:off x="1673781" y="3114230"/>
             <a:ext cx="524503" cy="261610"/>
           </a:xfrm>
           <a:prstGeom prst="rect">
@@ -4484,7 +4648,7 @@
         </p:nvSpPr>
         <p:spPr>
           <a:xfrm>
-            <a:off x="2842525" y="3478300"/>
+            <a:off x="2582404" y="3114230"/>
             <a:ext cx="524503" cy="261610"/>
           </a:xfrm>
           <a:prstGeom prst="rect">
@@ -4523,7 +4687,7 @@
         </p:nvSpPr>
         <p:spPr>
           <a:xfrm>
-            <a:off x="3826461" y="4287090"/>
+            <a:off x="5171623" y="4386876"/>
             <a:ext cx="511679" cy="256545"/>
           </a:xfrm>
           <a:prstGeom prst="rect">
@@ -4538,7 +4702,7 @@
           <a:lstStyle/>
           <a:p>
             <a:r>
-              <a:rPr lang="en-US" sz="1067">
+              <a:rPr lang="en-US" sz="1067" dirty="0">
                 <a:latin typeface="Menlo" panose="020B0609030804020204" pitchFamily="49" charset="0"/>
                 <a:ea typeface="Menlo" panose="020B0609030804020204" pitchFamily="49" charset="0"/>
                 <a:cs typeface="Menlo" panose="020B0609030804020204" pitchFamily="49" charset="0"/>
@@ -4564,8 +4728,8 @@
         </p:nvCxnSpPr>
         <p:spPr>
           <a:xfrm>
-            <a:off x="5059795" y="3286064"/>
-            <a:ext cx="0" cy="1241389"/>
+            <a:off x="6203883" y="3058920"/>
+            <a:ext cx="0" cy="1549150"/>
           </a:xfrm>
           <a:prstGeom prst="straightConnector1">
             <a:avLst/>
@@ -4604,7 +4768,7 @@
         </p:nvSpPr>
         <p:spPr>
           <a:xfrm>
-            <a:off x="4438383" y="4278953"/>
+            <a:off x="5721085" y="4356431"/>
             <a:ext cx="524503" cy="261610"/>
           </a:xfrm>
           <a:prstGeom prst="rect">
@@ -4619,7 +4783,7 @@
           <a:lstStyle/>
           <a:p>
             <a:r>
-              <a:rPr lang="en-US" sz="1100">
+              <a:rPr lang="en-US" sz="1100" dirty="0">
                 <a:latin typeface="Menlo" panose="020B0609030804020204" pitchFamily="49" charset="0"/>
                 <a:ea typeface="Menlo" panose="020B0609030804020204" pitchFamily="49" charset="0"/>
                 <a:cs typeface="Menlo" panose="020B0609030804020204" pitchFamily="49" charset="0"/>
@@ -4645,8 +4809,8 @@
         </p:nvCxnSpPr>
         <p:spPr>
           <a:xfrm>
-            <a:off x="4189184" y="3270740"/>
-            <a:ext cx="0" cy="462817"/>
+            <a:off x="4118699" y="3069852"/>
+            <a:ext cx="0" cy="808611"/>
           </a:xfrm>
           <a:prstGeom prst="straightConnector1">
             <a:avLst/>
@@ -4686,9 +4850,9 @@
           <p:nvPr/>
         </p:nvCxnSpPr>
         <p:spPr>
-          <a:xfrm>
-            <a:off x="4918346" y="3278787"/>
-            <a:ext cx="0" cy="462817"/>
+          <a:xfrm flipH="1">
+            <a:off x="4612170" y="3061750"/>
+            <a:ext cx="1075" cy="808009"/>
           </a:xfrm>
           <a:prstGeom prst="straightConnector1">
             <a:avLst/>
@@ -4729,8 +4893,8 @@
         </p:nvCxnSpPr>
         <p:spPr>
           <a:xfrm>
-            <a:off x="5575140" y="3278787"/>
-            <a:ext cx="0" cy="462817"/>
+            <a:off x="5171623" y="3084221"/>
+            <a:ext cx="16212" cy="794242"/>
           </a:xfrm>
           <a:prstGeom prst="straightConnector1">
             <a:avLst/>
@@ -4769,7 +4933,7 @@
         </p:nvSpPr>
         <p:spPr>
           <a:xfrm>
-            <a:off x="3725697" y="3502147"/>
+            <a:off x="3637232" y="3640976"/>
             <a:ext cx="524503" cy="261610"/>
           </a:xfrm>
           <a:prstGeom prst="rect">
@@ -4808,7 +4972,7 @@
         </p:nvSpPr>
         <p:spPr>
           <a:xfrm>
-            <a:off x="4428477" y="3514445"/>
+            <a:off x="4159885" y="3666500"/>
             <a:ext cx="524503" cy="261610"/>
           </a:xfrm>
           <a:prstGeom prst="rect">
@@ -4823,7 +4987,7 @@
           <a:lstStyle/>
           <a:p>
             <a:r>
-              <a:rPr lang="en-US" sz="1100">
+              <a:rPr lang="en-US" sz="1100" dirty="0">
                 <a:latin typeface="Menlo" panose="020B0609030804020204" pitchFamily="49" charset="0"/>
                 <a:ea typeface="Menlo" panose="020B0609030804020204" pitchFamily="49" charset="0"/>
                 <a:cs typeface="Menlo" panose="020B0609030804020204" pitchFamily="49" charset="0"/>
@@ -4847,7 +5011,7 @@
         </p:nvSpPr>
         <p:spPr>
           <a:xfrm>
-            <a:off x="5100333" y="3510194"/>
+            <a:off x="4724165" y="3659390"/>
             <a:ext cx="524503" cy="430887"/>
           </a:xfrm>
           <a:prstGeom prst="rect">
@@ -4862,7 +5026,7 @@
           <a:lstStyle/>
           <a:p>
             <a:r>
-              <a:rPr lang="en-US" sz="1100">
+              <a:rPr lang="en-US" sz="1100" dirty="0">
                 <a:latin typeface="Menlo" panose="020B0609030804020204" pitchFamily="49" charset="0"/>
                 <a:ea typeface="Menlo" panose="020B0609030804020204" pitchFamily="49" charset="0"/>
                 <a:cs typeface="Menlo" panose="020B0609030804020204" pitchFamily="49" charset="0"/>
@@ -4871,7 +5035,7 @@
             </a:r>
           </a:p>
           <a:p>
-            <a:endParaRPr lang="en-US" sz="1100">
+            <a:endParaRPr lang="en-US" sz="1100" dirty="0">
               <a:latin typeface="Menlo" panose="020B0609030804020204" pitchFamily="49" charset="0"/>
               <a:ea typeface="Menlo" panose="020B0609030804020204" pitchFamily="49" charset="0"/>
               <a:cs typeface="Menlo" panose="020B0609030804020204" pitchFamily="49" charset="0"/>
@@ -4893,23 +5057,22 @@
         </p:nvSpPr>
         <p:spPr>
           <a:xfrm>
-            <a:off x="376506" y="3771032"/>
-            <a:ext cx="1128765" cy="1435235"/>
+            <a:off x="372364" y="3559213"/>
+            <a:ext cx="1128765" cy="701020"/>
           </a:xfrm>
           <a:prstGeom prst="rect">
             <a:avLst/>
           </a:prstGeom>
           <a:solidFill>
             <a:schemeClr val="accent6">
-              <a:lumMod val="20000"/>
-              <a:lumOff val="80000"/>
+              <a:lumMod val="60000"/>
+              <a:lumOff val="40000"/>
             </a:schemeClr>
           </a:solidFill>
           <a:ln>
             <a:solidFill>
               <a:schemeClr val="accent6">
-                <a:lumMod val="60000"/>
-                <a:lumOff val="40000"/>
+                <a:lumMod val="75000"/>
               </a:schemeClr>
             </a:solidFill>
           </a:ln>
@@ -4960,8 +5123,8 @@
         </p:nvSpPr>
         <p:spPr>
           <a:xfrm>
-            <a:off x="832031" y="4519628"/>
-            <a:ext cx="673240" cy="329105"/>
+            <a:off x="1039394" y="3910468"/>
+            <a:ext cx="465770" cy="329105"/>
           </a:xfrm>
           <a:prstGeom prst="rect">
             <a:avLst/>
@@ -4990,7 +5153,7 @@
           <a:p>
             <a:pPr algn="ctr"/>
             <a:r>
-              <a:rPr lang="en-US" sz="1000">
+              <a:rPr lang="en-US" sz="900" dirty="0">
                 <a:solidFill>
                   <a:schemeClr val="tx1"/>
                 </a:solidFill>
@@ -4998,7 +5161,7 @@
                 <a:ea typeface="Menlo" panose="020B0609030804020204" pitchFamily="49" charset="0"/>
                 <a:cs typeface="Menlo" panose="020B0609030804020204" pitchFamily="49" charset="0"/>
               </a:rPr>
-              <a:t>TN3270</a:t>
+              <a:t>3270</a:t>
             </a:r>
           </a:p>
         </p:txBody>
@@ -5017,8 +5180,8 @@
         </p:nvSpPr>
         <p:spPr>
           <a:xfrm>
-            <a:off x="832031" y="4840722"/>
-            <a:ext cx="673240" cy="329105"/>
+            <a:off x="365160" y="3917098"/>
+            <a:ext cx="675894" cy="329105"/>
           </a:xfrm>
           <a:prstGeom prst="rect">
             <a:avLst/>
@@ -5047,7 +5210,7 @@
           <a:p>
             <a:pPr algn="ctr"/>
             <a:r>
-              <a:rPr lang="en-US" sz="1000">
+              <a:rPr lang="en-US" sz="1000" dirty="0">
                 <a:solidFill>
                   <a:schemeClr val="tx1"/>
                 </a:solidFill>
@@ -5055,7 +5218,7 @@
                 <a:ea typeface="Menlo" panose="020B0609030804020204" pitchFamily="49" charset="0"/>
                 <a:cs typeface="Menlo" panose="020B0609030804020204" pitchFamily="49" charset="0"/>
               </a:rPr>
-              <a:t>VT</a:t>
+              <a:t>File Editor</a:t>
             </a:r>
           </a:p>
         </p:txBody>
@@ -5074,8 +5237,8 @@
         </p:nvSpPr>
         <p:spPr>
           <a:xfrm>
-            <a:off x="376507" y="3771034"/>
-            <a:ext cx="1128765" cy="492369"/>
+            <a:off x="372365" y="3559214"/>
+            <a:ext cx="1128765" cy="350531"/>
           </a:xfrm>
           <a:prstGeom prst="rect">
             <a:avLst/>
@@ -5131,7 +5294,7 @@
         </p:nvSpPr>
         <p:spPr>
           <a:xfrm>
-            <a:off x="454836" y="3509422"/>
+            <a:off x="450694" y="3297602"/>
             <a:ext cx="524503" cy="261610"/>
           </a:xfrm>
           <a:prstGeom prst="rect">
@@ -5170,7 +5333,7 @@
         </p:nvSpPr>
         <p:spPr>
           <a:xfrm>
-            <a:off x="376504" y="5715002"/>
+            <a:off x="340538" y="4625944"/>
             <a:ext cx="1128765" cy="276391"/>
           </a:xfrm>
           <a:prstGeom prst="rect">
@@ -5215,48 +5378,6 @@
           </a:p>
         </p:txBody>
       </p:sp>
-      <p:cxnSp>
-        <p:nvCxnSpPr>
-          <p:cNvPr id="67" name="Straight Arrow Connector 66">
-            <a:extLst>
-              <a:ext uri="{FF2B5EF4-FFF2-40B4-BE49-F238E27FC236}">
-                <a16:creationId xmlns:a16="http://schemas.microsoft.com/office/drawing/2014/main" id="{14C9C9C0-A1B2-754A-8AC7-11549460EE6B}"/>
-              </a:ext>
-            </a:extLst>
-          </p:cNvPr>
-          <p:cNvCxnSpPr>
-            <a:cxnSpLocks/>
-          </p:cNvCxnSpPr>
-          <p:nvPr/>
-        </p:nvCxnSpPr>
-        <p:spPr>
-          <a:xfrm>
-            <a:off x="915053" y="5216206"/>
-            <a:ext cx="0" cy="462817"/>
-          </a:xfrm>
-          <a:prstGeom prst="straightConnector1">
-            <a:avLst/>
-          </a:prstGeom>
-          <a:ln>
-            <a:headEnd type="triangle"/>
-            <a:tailEnd type="triangle"/>
-          </a:ln>
-        </p:spPr>
-        <p:style>
-          <a:lnRef idx="1">
-            <a:schemeClr val="accent1"/>
-          </a:lnRef>
-          <a:fillRef idx="0">
-            <a:schemeClr val="accent1"/>
-          </a:fillRef>
-          <a:effectRef idx="0">
-            <a:schemeClr val="accent1"/>
-          </a:effectRef>
-          <a:fontRef idx="minor">
-            <a:schemeClr val="tx1"/>
-          </a:fontRef>
-        </p:style>
-      </p:cxnSp>
       <p:sp>
         <p:nvSpPr>
           <p:cNvPr id="68" name="TextBox 67">
@@ -5271,7 +5392,7 @@
         </p:nvSpPr>
         <p:spPr>
           <a:xfrm>
-            <a:off x="420382" y="5416951"/>
+            <a:off x="386025" y="4386285"/>
             <a:ext cx="524503" cy="261610"/>
           </a:xfrm>
           <a:prstGeom prst="rect">
@@ -5286,7 +5407,7 @@
           <a:lstStyle/>
           <a:p>
             <a:r>
-              <a:rPr lang="en-US" sz="1100">
+              <a:rPr lang="en-US" sz="1100" dirty="0">
                 <a:latin typeface="Menlo" panose="020B0609030804020204" pitchFamily="49" charset="0"/>
                 <a:ea typeface="Menlo" panose="020B0609030804020204" pitchFamily="49" charset="0"/>
                 <a:cs typeface="Menlo" panose="020B0609030804020204" pitchFamily="49" charset="0"/>
@@ -5371,14 +5492,14 @@
         </p:nvCxnSpPr>
         <p:spPr>
           <a:xfrm>
-            <a:off x="940887" y="5991392"/>
-            <a:ext cx="0" cy="491837"/>
+            <a:off x="940887" y="4902335"/>
+            <a:ext cx="0" cy="1580894"/>
           </a:xfrm>
           <a:prstGeom prst="straightConnector1">
             <a:avLst/>
           </a:prstGeom>
           <a:ln>
-            <a:prstDash val="dash"/>
+            <a:prstDash val="solid"/>
             <a:headEnd type="triangle"/>
             <a:tailEnd type="triangle"/>
           </a:ln>
@@ -5451,8 +5572,8 @@
         </p:nvSpPr>
         <p:spPr>
           <a:xfrm>
-            <a:off x="7035557" y="5292294"/>
-            <a:ext cx="1586963" cy="484323"/>
+            <a:off x="7040043" y="5432992"/>
+            <a:ext cx="1852506" cy="261610"/>
           </a:xfrm>
           <a:prstGeom prst="rect">
             <a:avLst/>
@@ -5510,8 +5631,8 @@
         </p:nvCxnSpPr>
         <p:spPr>
           <a:xfrm>
-            <a:off x="6510049" y="3270740"/>
-            <a:ext cx="0" cy="1994120"/>
+            <a:off x="6505907" y="3058920"/>
+            <a:ext cx="24820" cy="2162251"/>
           </a:xfrm>
           <a:prstGeom prst="straightConnector1">
             <a:avLst/>
@@ -5538,10 +5659,10 @@
       </p:cxnSp>
       <p:sp>
         <p:nvSpPr>
-          <p:cNvPr id="53" name="Rectangle 52">
-            <a:extLst>
-              <a:ext uri="{FF2B5EF4-FFF2-40B4-BE49-F238E27FC236}">
-                <a16:creationId xmlns:a16="http://schemas.microsoft.com/office/drawing/2014/main" id="{3F06A9EE-10D3-3A4C-A679-0EA5B22E7C64}"/>
+          <p:cNvPr id="75" name="Rectangle 74">
+            <a:extLst>
+              <a:ext uri="{FF2B5EF4-FFF2-40B4-BE49-F238E27FC236}">
+                <a16:creationId xmlns:a16="http://schemas.microsoft.com/office/drawing/2014/main" id="{0888EDE4-E73F-5C40-9A6E-643A985DA5FA}"/>
               </a:ext>
             </a:extLst>
           </p:cNvPr>
@@ -5550,22 +5671,13 @@
         </p:nvSpPr>
         <p:spPr>
           <a:xfrm>
-            <a:off x="801245" y="2459075"/>
-            <a:ext cx="1220029" cy="818942"/>
+            <a:off x="7039981" y="5694602"/>
+            <a:ext cx="1851190" cy="983005"/>
           </a:xfrm>
           <a:prstGeom prst="rect">
             <a:avLst/>
           </a:prstGeom>
-          <a:solidFill>
-            <a:schemeClr val="accent4">
-              <a:lumMod val="20000"/>
-              <a:lumOff val="80000"/>
-              <a:alpha val="25000"/>
-            </a:schemeClr>
-          </a:solidFill>
-          <a:ln>
-            <a:prstDash val="dash"/>
-          </a:ln>
+          <a:noFill/>
         </p:spPr>
         <p:style>
           <a:lnRef idx="2">
@@ -5589,97 +5701,7 @@
           <a:p>
             <a:pPr algn="ctr"/>
             <a:r>
-              <a:rPr lang="en-US" sz="1000">
-                <a:solidFill>
-                  <a:schemeClr val="tx1"/>
-                </a:solidFill>
-                <a:latin typeface="Menlo" panose="020B0609030804020204" pitchFamily="49" charset="0"/>
-                <a:ea typeface="Menlo" panose="020B0609030804020204" pitchFamily="49" charset="0"/>
-                <a:cs typeface="Menlo" panose="020B0609030804020204" pitchFamily="49" charset="0"/>
-              </a:rPr>
-              <a:t>In progress</a:t>
-            </a:r>
-          </a:p>
-          <a:p>
-            <a:pPr algn="ctr"/>
-            <a:endParaRPr lang="en-US" sz="1000">
-              <a:solidFill>
-                <a:schemeClr val="tx1"/>
-              </a:solidFill>
-              <a:latin typeface="Menlo" panose="020B0609030804020204" pitchFamily="49" charset="0"/>
-              <a:ea typeface="Menlo" panose="020B0609030804020204" pitchFamily="49" charset="0"/>
-              <a:cs typeface="Menlo" panose="020B0609030804020204" pitchFamily="49" charset="0"/>
-            </a:endParaRPr>
-          </a:p>
-          <a:p>
-            <a:pPr algn="ctr"/>
-            <a:endParaRPr lang="en-US" sz="1000">
-              <a:solidFill>
-                <a:schemeClr val="tx1"/>
-              </a:solidFill>
-              <a:latin typeface="Menlo" panose="020B0609030804020204" pitchFamily="49" charset="0"/>
-              <a:ea typeface="Menlo" panose="020B0609030804020204" pitchFamily="49" charset="0"/>
-              <a:cs typeface="Menlo" panose="020B0609030804020204" pitchFamily="49" charset="0"/>
-            </a:endParaRPr>
-          </a:p>
-          <a:p>
-            <a:pPr algn="ctr"/>
-            <a:endParaRPr lang="en-US" sz="1000">
-              <a:solidFill>
-                <a:schemeClr val="tx1"/>
-              </a:solidFill>
-              <a:latin typeface="Menlo" panose="020B0609030804020204" pitchFamily="49" charset="0"/>
-              <a:ea typeface="Menlo" panose="020B0609030804020204" pitchFamily="49" charset="0"/>
-              <a:cs typeface="Menlo" panose="020B0609030804020204" pitchFamily="49" charset="0"/>
-            </a:endParaRPr>
-          </a:p>
-        </p:txBody>
-      </p:sp>
-      <p:sp>
-        <p:nvSpPr>
-          <p:cNvPr id="75" name="Rectangle 74">
-            <a:extLst>
-              <a:ext uri="{FF2B5EF4-FFF2-40B4-BE49-F238E27FC236}">
-                <a16:creationId xmlns:a16="http://schemas.microsoft.com/office/drawing/2014/main" id="{0888EDE4-E73F-5C40-9A6E-643A985DA5FA}"/>
-              </a:ext>
-            </a:extLst>
-          </p:cNvPr>
-          <p:cNvSpPr/>
-          <p:nvPr/>
-        </p:nvSpPr>
-        <p:spPr>
-          <a:xfrm>
-            <a:off x="7035095" y="5776616"/>
-            <a:ext cx="1587425" cy="983005"/>
-          </a:xfrm>
-          <a:prstGeom prst="rect">
-            <a:avLst/>
-          </a:prstGeom>
-          <a:noFill/>
-        </p:spPr>
-        <p:style>
-          <a:lnRef idx="2">
-            <a:schemeClr val="accent1">
-              <a:shade val="50000"/>
-            </a:schemeClr>
-          </a:lnRef>
-          <a:fillRef idx="1">
-            <a:schemeClr val="accent1"/>
-          </a:fillRef>
-          <a:effectRef idx="0">
-            <a:schemeClr val="accent1"/>
-          </a:effectRef>
-          <a:fontRef idx="minor">
-            <a:schemeClr val="lt1"/>
-          </a:fontRef>
-        </p:style>
-        <p:txBody>
-          <a:bodyPr rtlCol="0" anchor="ctr"/>
-          <a:lstStyle/>
-          <a:p>
-            <a:pPr algn="ctr"/>
-            <a:r>
-              <a:rPr lang="en-US" sz="1000" b="1">
+              <a:rPr lang="en-US" sz="1000" b="1" dirty="0">
                 <a:solidFill>
                   <a:schemeClr val="tx1"/>
                 </a:solidFill>
@@ -5692,7 +5714,7 @@
           </a:p>
           <a:p>
             <a:r>
-              <a:rPr lang="en-US" sz="1067">
+              <a:rPr lang="en-US" sz="1067" dirty="0">
                 <a:solidFill>
                   <a:schemeClr val="tx1"/>
                 </a:solidFill>
@@ -5705,7 +5727,7 @@
           </a:p>
           <a:p>
             <a:r>
-              <a:rPr lang="en-US" sz="1067">
+              <a:rPr lang="en-US" sz="1067" dirty="0">
                 <a:solidFill>
                   <a:schemeClr val="tx1"/>
                 </a:solidFill>
@@ -5713,25 +5735,12 @@
                 <a:ea typeface="Menlo" panose="020B0609030804020204" pitchFamily="49" charset="0"/>
                 <a:cs typeface="Menlo" panose="020B0609030804020204" pitchFamily="49" charset="0"/>
               </a:rPr>
-              <a:t>TSO Commands</a:t>
-            </a:r>
-          </a:p>
-          <a:p>
-            <a:r>
-              <a:rPr lang="en-US" sz="1067">
-                <a:solidFill>
-                  <a:schemeClr val="tx1"/>
-                </a:solidFill>
-                <a:latin typeface="Menlo" panose="020B0609030804020204" pitchFamily="49" charset="0"/>
-                <a:ea typeface="Menlo" panose="020B0609030804020204" pitchFamily="49" charset="0"/>
-                <a:cs typeface="Menlo" panose="020B0609030804020204" pitchFamily="49" charset="0"/>
-              </a:rPr>
-              <a:t>MVS Commands</a:t>
-            </a:r>
-          </a:p>
-          <a:p>
-            <a:r>
-              <a:rPr lang="en-US" sz="1067">
+              <a:t>TSO + MVS Commands</a:t>
+            </a:r>
+          </a:p>
+          <a:p>
+            <a:r>
+              <a:rPr lang="en-US" sz="1067" dirty="0">
                 <a:solidFill>
                   <a:schemeClr val="tx1"/>
                 </a:solidFill>
@@ -5742,6 +5751,19 @@
               <a:t>Files, USS, JES</a:t>
             </a:r>
           </a:p>
+          <a:p>
+            <a:r>
+              <a:rPr lang="en-US" sz="1067" b="1" dirty="0">
+                <a:solidFill>
+                  <a:schemeClr val="tx1"/>
+                </a:solidFill>
+                <a:latin typeface="Menlo" panose="020B0609030804020204" pitchFamily="49" charset="0"/>
+                <a:ea typeface="Menlo" panose="020B0609030804020204" pitchFamily="49" charset="0"/>
+                <a:cs typeface="Menlo" panose="020B0609030804020204" pitchFamily="49" charset="0"/>
+              </a:rPr>
+              <a:t>SSO token generation</a:t>
+            </a:r>
+          </a:p>
         </p:txBody>
       </p:sp>
       <p:sp>
@@ -5758,7 +5780,7 @@
         </p:nvSpPr>
         <p:spPr>
           <a:xfrm>
-            <a:off x="7270907" y="5023913"/>
+            <a:off x="7238489" y="5161944"/>
             <a:ext cx="524503" cy="261610"/>
           </a:xfrm>
           <a:prstGeom prst="rect">
@@ -5797,8 +5819,8 @@
         </p:nvSpPr>
         <p:spPr>
           <a:xfrm>
-            <a:off x="263534" y="1443112"/>
-            <a:ext cx="5797065" cy="235298"/>
+            <a:off x="134714" y="1443112"/>
+            <a:ext cx="5925885" cy="215620"/>
           </a:xfrm>
           <a:prstGeom prst="rect">
             <a:avLst/>
@@ -5857,7 +5879,7 @@
         </p:nvSpPr>
         <p:spPr>
           <a:xfrm>
-            <a:off x="2269173" y="715501"/>
+            <a:off x="2130947" y="715501"/>
             <a:ext cx="830876" cy="584635"/>
           </a:xfrm>
           <a:prstGeom prst="rect">
@@ -5894,7 +5916,7 @@
           <a:lstStyle/>
           <a:p>
             <a:pPr algn="ctr"/>
-            <a:endParaRPr lang="en-US" sz="533">
+            <a:endParaRPr lang="en-US" sz="533" b="1" dirty="0">
               <a:solidFill>
                 <a:schemeClr val="tx1"/>
               </a:solidFill>
@@ -5905,7 +5927,7 @@
           </a:p>
           <a:p>
             <a:pPr algn="ctr"/>
-            <a:endParaRPr lang="en-US" sz="533">
+            <a:endParaRPr lang="en-US" sz="533" b="1" dirty="0">
               <a:solidFill>
                 <a:schemeClr val="tx1"/>
               </a:solidFill>
@@ -5916,7 +5938,7 @@
           </a:p>
           <a:p>
             <a:pPr algn="ctr"/>
-            <a:endParaRPr lang="en-US" sz="533">
+            <a:endParaRPr lang="en-US" sz="533" b="1" dirty="0">
               <a:solidFill>
                 <a:schemeClr val="tx1"/>
               </a:solidFill>
@@ -5927,7 +5949,7 @@
           </a:p>
           <a:p>
             <a:pPr algn="ctr"/>
-            <a:endParaRPr lang="en-US" sz="533">
+            <a:endParaRPr lang="en-US" sz="533" b="1" dirty="0">
               <a:solidFill>
                 <a:schemeClr val="tx1"/>
               </a:solidFill>
@@ -5938,7 +5960,7 @@
           </a:p>
           <a:p>
             <a:pPr algn="ctr"/>
-            <a:endParaRPr lang="en-US" sz="533">
+            <a:endParaRPr lang="en-US" sz="533" b="1" dirty="0">
               <a:solidFill>
                 <a:schemeClr val="tx1"/>
               </a:solidFill>
@@ -5950,7 +5972,7 @@
           <a:p>
             <a:pPr algn="ctr"/>
             <a:r>
-              <a:rPr lang="en-US" sz="533">
+              <a:rPr lang="en-US" sz="533" b="1" dirty="0">
                 <a:solidFill>
                   <a:schemeClr val="tx1"/>
                 </a:solidFill>
@@ -5985,7 +6007,7 @@
         </p:blipFill>
         <p:spPr>
           <a:xfrm>
-            <a:off x="2369494" y="751616"/>
+            <a:off x="2231268" y="751616"/>
             <a:ext cx="594960" cy="335992"/>
           </a:xfrm>
           <a:prstGeom prst="rect">
@@ -6007,7 +6029,7 @@
         </p:nvSpPr>
         <p:spPr>
           <a:xfrm>
-            <a:off x="3191853" y="723469"/>
+            <a:off x="3042994" y="712836"/>
             <a:ext cx="830876" cy="584635"/>
           </a:xfrm>
           <a:prstGeom prst="rect">
@@ -6044,7 +6066,7 @@
           <a:lstStyle/>
           <a:p>
             <a:pPr algn="ctr"/>
-            <a:endParaRPr lang="en-US" sz="533">
+            <a:endParaRPr lang="en-US" sz="533" b="1" dirty="0">
               <a:solidFill>
                 <a:schemeClr val="tx1"/>
               </a:solidFill>
@@ -6055,7 +6077,7 @@
           </a:p>
           <a:p>
             <a:pPr algn="ctr"/>
-            <a:endParaRPr lang="en-US" sz="533">
+            <a:endParaRPr lang="en-US" sz="533" b="1" dirty="0">
               <a:solidFill>
                 <a:schemeClr val="tx1"/>
               </a:solidFill>
@@ -6066,7 +6088,7 @@
           </a:p>
           <a:p>
             <a:pPr algn="ctr"/>
-            <a:endParaRPr lang="en-US" sz="533">
+            <a:endParaRPr lang="en-US" sz="533" b="1" dirty="0">
               <a:solidFill>
                 <a:schemeClr val="tx1"/>
               </a:solidFill>
@@ -6077,7 +6099,7 @@
           </a:p>
           <a:p>
             <a:pPr algn="ctr"/>
-            <a:endParaRPr lang="en-US" sz="533">
+            <a:endParaRPr lang="en-US" sz="533" b="1" dirty="0">
               <a:solidFill>
                 <a:schemeClr val="tx1"/>
               </a:solidFill>
@@ -6088,7 +6110,7 @@
           </a:p>
           <a:p>
             <a:pPr algn="ctr"/>
-            <a:endParaRPr lang="en-US" sz="533">
+            <a:endParaRPr lang="en-US" sz="533" b="1" dirty="0">
               <a:solidFill>
                 <a:schemeClr val="tx1"/>
               </a:solidFill>
@@ -6100,7 +6122,7 @@
           <a:p>
             <a:pPr algn="ctr"/>
             <a:r>
-              <a:rPr lang="en-US" sz="533">
+              <a:rPr lang="en-US" sz="533" b="1" dirty="0">
                 <a:solidFill>
                   <a:schemeClr val="tx1"/>
                 </a:solidFill>
@@ -6135,7 +6157,7 @@
         </p:blipFill>
         <p:spPr>
           <a:xfrm>
-            <a:off x="3318394" y="772119"/>
+            <a:off x="3180168" y="772119"/>
             <a:ext cx="542319" cy="336716"/>
           </a:xfrm>
           <a:prstGeom prst="rect">
@@ -6157,7 +6179,7 @@
         </p:nvSpPr>
         <p:spPr>
           <a:xfrm>
-            <a:off x="4140753" y="726804"/>
+            <a:off x="3959995" y="705538"/>
             <a:ext cx="830876" cy="584635"/>
           </a:xfrm>
           <a:prstGeom prst="rect">
@@ -6194,7 +6216,7 @@
           <a:lstStyle/>
           <a:p>
             <a:pPr algn="ctr"/>
-            <a:endParaRPr lang="en-US" sz="533">
+            <a:endParaRPr lang="en-US" sz="533" b="1" dirty="0">
               <a:solidFill>
                 <a:schemeClr val="tx1"/>
               </a:solidFill>
@@ -6205,7 +6227,7 @@
           </a:p>
           <a:p>
             <a:pPr algn="ctr"/>
-            <a:endParaRPr lang="en-US" sz="533">
+            <a:endParaRPr lang="en-US" sz="533" b="1" dirty="0">
               <a:solidFill>
                 <a:schemeClr val="tx1"/>
               </a:solidFill>
@@ -6216,7 +6238,7 @@
           </a:p>
           <a:p>
             <a:pPr algn="ctr"/>
-            <a:endParaRPr lang="en-US" sz="533">
+            <a:endParaRPr lang="en-US" sz="533" b="1" dirty="0">
               <a:solidFill>
                 <a:schemeClr val="tx1"/>
               </a:solidFill>
@@ -6227,7 +6249,7 @@
           </a:p>
           <a:p>
             <a:pPr algn="ctr"/>
-            <a:endParaRPr lang="en-US" sz="533">
+            <a:endParaRPr lang="en-US" sz="533" b="1" dirty="0">
               <a:solidFill>
                 <a:schemeClr val="tx1"/>
               </a:solidFill>
@@ -6238,7 +6260,7 @@
           </a:p>
           <a:p>
             <a:pPr algn="ctr"/>
-            <a:endParaRPr lang="en-US" sz="533">
+            <a:endParaRPr lang="en-US" sz="533" b="1" dirty="0">
               <a:solidFill>
                 <a:schemeClr val="tx1"/>
               </a:solidFill>
@@ -6250,7 +6272,7 @@
           <a:p>
             <a:pPr algn="ctr"/>
             <a:r>
-              <a:rPr lang="en-US" sz="533">
+              <a:rPr lang="en-US" sz="533" b="1" dirty="0">
                 <a:solidFill>
                   <a:schemeClr val="tx1"/>
                 </a:solidFill>
@@ -6285,7 +6307,7 @@
         </p:blipFill>
         <p:spPr>
           <a:xfrm>
-            <a:off x="4287632" y="797612"/>
+            <a:off x="4138773" y="765713"/>
             <a:ext cx="492671" cy="325693"/>
           </a:xfrm>
           <a:prstGeom prst="rect">
@@ -6307,7 +6329,7 @@
         </p:nvSpPr>
         <p:spPr>
           <a:xfrm>
-            <a:off x="1315277" y="723469"/>
+            <a:off x="1198317" y="723469"/>
             <a:ext cx="830876" cy="584635"/>
           </a:xfrm>
           <a:prstGeom prst="rect">
@@ -6344,7 +6366,7 @@
           <a:lstStyle/>
           <a:p>
             <a:pPr algn="ctr"/>
-            <a:endParaRPr lang="en-US" sz="533">
+            <a:endParaRPr lang="en-US" sz="533" b="1" dirty="0">
               <a:solidFill>
                 <a:schemeClr val="tx1"/>
               </a:solidFill>
@@ -6355,7 +6377,7 @@
           </a:p>
           <a:p>
             <a:pPr algn="ctr"/>
-            <a:endParaRPr lang="en-US" sz="533">
+            <a:endParaRPr lang="en-US" sz="533" b="1" dirty="0">
               <a:solidFill>
                 <a:schemeClr val="tx1"/>
               </a:solidFill>
@@ -6366,7 +6388,7 @@
           </a:p>
           <a:p>
             <a:pPr algn="ctr"/>
-            <a:endParaRPr lang="en-US" sz="533">
+            <a:endParaRPr lang="en-US" sz="533" b="1" dirty="0">
               <a:solidFill>
                 <a:schemeClr val="tx1"/>
               </a:solidFill>
@@ -6377,7 +6399,7 @@
           </a:p>
           <a:p>
             <a:pPr algn="ctr"/>
-            <a:endParaRPr lang="en-US" sz="533">
+            <a:endParaRPr lang="en-US" sz="533" b="1" dirty="0">
               <a:solidFill>
                 <a:schemeClr val="tx1"/>
               </a:solidFill>
@@ -6388,7 +6410,7 @@
           </a:p>
           <a:p>
             <a:pPr algn="ctr"/>
-            <a:endParaRPr lang="en-US" sz="533">
+            <a:endParaRPr lang="en-US" sz="533" b="1" dirty="0">
               <a:solidFill>
                 <a:schemeClr val="tx1"/>
               </a:solidFill>
@@ -6400,7 +6422,7 @@
           <a:p>
             <a:pPr algn="ctr"/>
             <a:r>
-              <a:rPr lang="en-US" sz="533">
+              <a:rPr lang="en-US" sz="533" b="1" dirty="0">
                 <a:solidFill>
                   <a:schemeClr val="tx1"/>
                 </a:solidFill>
@@ -6435,7 +6457,7 @@
         </p:blipFill>
         <p:spPr>
           <a:xfrm>
-            <a:off x="1503238" y="768907"/>
+            <a:off x="1407541" y="768907"/>
             <a:ext cx="439324" cy="354399"/>
           </a:xfrm>
           <a:prstGeom prst="rect">
@@ -6494,7 +6516,7 @@
           <a:lstStyle/>
           <a:p>
             <a:pPr algn="ctr"/>
-            <a:endParaRPr lang="en-US" sz="533">
+            <a:endParaRPr lang="en-US" sz="533" b="1" dirty="0">
               <a:solidFill>
                 <a:schemeClr val="tx1"/>
               </a:solidFill>
@@ -6505,7 +6527,7 @@
           </a:p>
           <a:p>
             <a:pPr algn="ctr"/>
-            <a:endParaRPr lang="en-US" sz="533">
+            <a:endParaRPr lang="en-US" sz="533" b="1" dirty="0">
               <a:solidFill>
                 <a:schemeClr val="tx1"/>
               </a:solidFill>
@@ -6516,7 +6538,7 @@
           </a:p>
           <a:p>
             <a:pPr algn="ctr"/>
-            <a:endParaRPr lang="en-US" sz="533">
+            <a:endParaRPr lang="en-US" sz="533" b="1" dirty="0">
               <a:solidFill>
                 <a:schemeClr val="tx1"/>
               </a:solidFill>
@@ -6527,7 +6549,7 @@
           </a:p>
           <a:p>
             <a:pPr algn="ctr"/>
-            <a:endParaRPr lang="en-US" sz="533">
+            <a:endParaRPr lang="en-US" sz="533" b="1" dirty="0">
               <a:solidFill>
                 <a:schemeClr val="tx1"/>
               </a:solidFill>
@@ -6538,7 +6560,7 @@
           </a:p>
           <a:p>
             <a:pPr algn="ctr"/>
-            <a:endParaRPr lang="en-US" sz="533">
+            <a:endParaRPr lang="en-US" sz="533" b="1" dirty="0">
               <a:solidFill>
                 <a:schemeClr val="tx1"/>
               </a:solidFill>
@@ -6550,7 +6572,7 @@
           <a:p>
             <a:pPr algn="ctr"/>
             <a:r>
-              <a:rPr lang="en-US" sz="533">
+              <a:rPr lang="en-US" sz="533" b="1" dirty="0">
                 <a:solidFill>
                   <a:schemeClr val="tx1"/>
                 </a:solidFill>
@@ -6558,41 +6580,11 @@
                 <a:ea typeface="Menlo" panose="020B0609030804020204" pitchFamily="49" charset="0"/>
                 <a:cs typeface="Menlo" panose="020B0609030804020204" pitchFamily="49" charset="0"/>
               </a:rPr>
-              <a:t>VT Terminal</a:t>
-            </a:r>
-          </a:p>
-        </p:txBody>
-      </p:sp>
-      <p:pic>
-        <p:nvPicPr>
-          <p:cNvPr id="12" name="Picture 11">
-            <a:extLst>
-              <a:ext uri="{FF2B5EF4-FFF2-40B4-BE49-F238E27FC236}">
-                <a16:creationId xmlns:a16="http://schemas.microsoft.com/office/drawing/2014/main" id="{D9DCBCAF-0F18-DC4C-86C9-099E8FCF6A0B}"/>
-              </a:ext>
-            </a:extLst>
-          </p:cNvPr>
-          <p:cNvPicPr>
-            <a:picLocks noChangeAspect="1"/>
-          </p:cNvPicPr>
-          <p:nvPr/>
-        </p:nvPicPr>
-        <p:blipFill>
-          <a:blip r:embed="rId6"/>
-          <a:stretch>
-            <a:fillRect/>
-          </a:stretch>
-        </p:blipFill>
-        <p:spPr>
-          <a:xfrm>
-            <a:off x="493907" y="794112"/>
-            <a:ext cx="462960" cy="370597"/>
-          </a:xfrm>
-          <a:prstGeom prst="rect">
-            <a:avLst/>
-          </a:prstGeom>
-        </p:spPr>
-      </p:pic>
+              <a:t>File Editor</a:t>
+            </a:r>
+          </a:p>
+        </p:txBody>
+      </p:sp>
       <p:sp>
         <p:nvSpPr>
           <p:cNvPr id="85" name="Rectangle 84">
@@ -6607,8 +6599,8 @@
         </p:nvSpPr>
         <p:spPr>
           <a:xfrm>
-            <a:off x="7682822" y="747474"/>
-            <a:ext cx="1425257" cy="534825"/>
+            <a:off x="7682823" y="788346"/>
+            <a:ext cx="1162998" cy="493953"/>
           </a:xfrm>
           <a:prstGeom prst="rect">
             <a:avLst/>
@@ -6676,15 +6668,15 @@
           <p:nvPr/>
         </p:nvPicPr>
         <p:blipFill>
-          <a:blip r:embed="rId7"/>
+          <a:blip r:embed="rId6"/>
           <a:stretch>
             <a:fillRect/>
           </a:stretch>
         </p:blipFill>
         <p:spPr>
           <a:xfrm>
-            <a:off x="7769728" y="786855"/>
-            <a:ext cx="936483" cy="495444"/>
+            <a:off x="7767451" y="824501"/>
+            <a:ext cx="785704" cy="415675"/>
           </a:xfrm>
           <a:prstGeom prst="rect">
             <a:avLst/>
@@ -6705,7 +6697,7 @@
         </p:nvSpPr>
         <p:spPr>
           <a:xfrm>
-            <a:off x="8966912" y="5228347"/>
+            <a:off x="8998896" y="5438176"/>
             <a:ext cx="647781" cy="476273"/>
           </a:xfrm>
           <a:prstGeom prst="rect">
@@ -6883,7 +6875,7 @@
         <p:spPr>
           <a:xfrm>
             <a:off x="9480808" y="1335871"/>
-            <a:ext cx="0" cy="3869737"/>
+            <a:ext cx="0" cy="4111743"/>
           </a:xfrm>
           <a:prstGeom prst="straightConnector1">
             <a:avLst/>
@@ -7073,76 +7065,6 @@
       </p:sp>
       <p:sp>
         <p:nvSpPr>
-          <p:cNvPr id="5" name="TextBox 4">
-            <a:extLst>
-              <a:ext uri="{FF2B5EF4-FFF2-40B4-BE49-F238E27FC236}">
-                <a16:creationId xmlns:a16="http://schemas.microsoft.com/office/drawing/2014/main" id="{7D76B6E5-7A89-444B-8AAE-D0C92E19304B}"/>
-              </a:ext>
-            </a:extLst>
-          </p:cNvPr>
-          <p:cNvSpPr txBox="1"/>
-          <p:nvPr/>
-        </p:nvSpPr>
-        <p:spPr>
-          <a:xfrm>
-            <a:off x="9156956" y="722026"/>
-            <a:ext cx="628698" cy="276999"/>
-          </a:xfrm>
-          <a:prstGeom prst="rect">
-            <a:avLst/>
-          </a:prstGeom>
-          <a:noFill/>
-        </p:spPr>
-        <p:txBody>
-          <a:bodyPr wrap="none" rtlCol="0">
-            <a:spAutoFit/>
-          </a:bodyPr>
-          <a:lstStyle/>
-          <a:p>
-            <a:r>
-              <a:rPr lang="en-US" sz="1200"/>
-              <a:t>Plugins</a:t>
-            </a:r>
-          </a:p>
-        </p:txBody>
-      </p:sp>
-      <p:sp>
-        <p:nvSpPr>
-          <p:cNvPr id="93" name="TextBox 92">
-            <a:extLst>
-              <a:ext uri="{FF2B5EF4-FFF2-40B4-BE49-F238E27FC236}">
-                <a16:creationId xmlns:a16="http://schemas.microsoft.com/office/drawing/2014/main" id="{A4518C1A-EF77-C445-B1C8-850895EB5A43}"/>
-              </a:ext>
-            </a:extLst>
-          </p:cNvPr>
-          <p:cNvSpPr txBox="1"/>
-          <p:nvPr/>
-        </p:nvSpPr>
-        <p:spPr>
-          <a:xfrm>
-            <a:off x="8727626" y="727173"/>
-            <a:ext cx="369012" cy="276999"/>
-          </a:xfrm>
-          <a:prstGeom prst="rect">
-            <a:avLst/>
-          </a:prstGeom>
-          <a:noFill/>
-        </p:spPr>
-        <p:txBody>
-          <a:bodyPr wrap="none" rtlCol="0">
-            <a:spAutoFit/>
-          </a:bodyPr>
-          <a:lstStyle/>
-          <a:p>
-            <a:r>
-              <a:rPr lang="en-US" sz="1200"/>
-              <a:t>CLI</a:t>
-            </a:r>
-          </a:p>
-        </p:txBody>
-      </p:sp>
-      <p:sp>
-        <p:nvSpPr>
           <p:cNvPr id="95" name="Rectangle 94">
             <a:extLst>
               <a:ext uri="{FF2B5EF4-FFF2-40B4-BE49-F238E27FC236}">
@@ -7155,7 +7077,7 @@
         </p:nvSpPr>
         <p:spPr>
           <a:xfrm>
-            <a:off x="9789594" y="5238729"/>
+            <a:off x="9821578" y="5448558"/>
             <a:ext cx="729047" cy="476273"/>
           </a:xfrm>
           <a:prstGeom prst="rect">
@@ -7217,7 +7139,7 @@
         <p:spPr>
           <a:xfrm>
             <a:off x="10254608" y="1346469"/>
-            <a:ext cx="0" cy="3869737"/>
+            <a:ext cx="36471" cy="4069859"/>
           </a:xfrm>
           <a:prstGeom prst="straightConnector1">
             <a:avLst/>
@@ -7256,7 +7178,7 @@
         </p:nvSpPr>
         <p:spPr>
           <a:xfrm>
-            <a:off x="5600905" y="5296318"/>
+            <a:off x="5605392" y="5437015"/>
             <a:ext cx="1196983" cy="476273"/>
           </a:xfrm>
           <a:prstGeom prst="rect">
@@ -7316,9 +7238,9 @@
           <p:nvPr/>
         </p:nvCxnSpPr>
         <p:spPr>
-          <a:xfrm>
-            <a:off x="7746244" y="3291402"/>
-            <a:ext cx="0" cy="1994120"/>
+          <a:xfrm flipH="1">
+            <a:off x="7746055" y="3291402"/>
+            <a:ext cx="189" cy="2156212"/>
           </a:xfrm>
           <a:prstGeom prst="straightConnector1">
             <a:avLst/>
@@ -7357,7 +7279,7 @@
         </p:nvSpPr>
         <p:spPr>
           <a:xfrm>
-            <a:off x="9788056" y="6006956"/>
+            <a:off x="9821578" y="6229601"/>
             <a:ext cx="729047" cy="476273"/>
           </a:xfrm>
           <a:prstGeom prst="rect">
@@ -7418,7 +7340,7 @@
         </p:nvCxnSpPr>
         <p:spPr>
           <a:xfrm>
-            <a:off x="10254608" y="5715002"/>
+            <a:off x="10288130" y="5937647"/>
             <a:ext cx="0" cy="291954"/>
           </a:xfrm>
           <a:prstGeom prst="straightConnector1">
@@ -7458,7 +7380,7 @@
         </p:nvSpPr>
         <p:spPr>
           <a:xfrm>
-            <a:off x="10693542" y="5238729"/>
+            <a:off x="10725526" y="5448558"/>
             <a:ext cx="729047" cy="476273"/>
           </a:xfrm>
           <a:prstGeom prst="rect">
@@ -7514,13 +7436,14 @@
           </p:cNvPr>
           <p:cNvCxnSpPr>
             <a:cxnSpLocks/>
+            <a:endCxn id="102" idx="0"/>
           </p:cNvCxnSpPr>
           <p:nvPr/>
         </p:nvCxnSpPr>
         <p:spPr>
           <a:xfrm>
             <a:off x="11071262" y="1358610"/>
-            <a:ext cx="0" cy="3869737"/>
+            <a:ext cx="18788" cy="4089948"/>
           </a:xfrm>
           <a:prstGeom prst="straightConnector1">
             <a:avLst/>
@@ -7559,7 +7482,7 @@
         </p:nvSpPr>
         <p:spPr>
           <a:xfrm>
-            <a:off x="5985546" y="5005531"/>
+            <a:off x="6139963" y="5177898"/>
             <a:ext cx="524503" cy="261610"/>
           </a:xfrm>
           <a:prstGeom prst="rect">
@@ -7630,7 +7553,7 @@
           <a:p>
             <a:pPr algn="ctr"/>
             <a:r>
-              <a:rPr lang="en-US" sz="600">
+              <a:rPr lang="en-US" sz="933" dirty="0">
                 <a:solidFill>
                   <a:schemeClr val="tx1"/>
                 </a:solidFill>
@@ -7638,18 +7561,7 @@
                 <a:ea typeface="Menlo" panose="020B0609030804020204" pitchFamily="49" charset="0"/>
                 <a:cs typeface="Menlo" panose="020B0609030804020204" pitchFamily="49" charset="0"/>
               </a:rPr>
-              <a:t>Existing</a:t>
-            </a:r>
-            <a:r>
-              <a:rPr lang="en-US" sz="933">
-                <a:solidFill>
-                  <a:schemeClr val="tx1"/>
-                </a:solidFill>
-                <a:latin typeface="Menlo" panose="020B0609030804020204" pitchFamily="49" charset="0"/>
-                <a:ea typeface="Menlo" panose="020B0609030804020204" pitchFamily="49" charset="0"/>
-                <a:cs typeface="Menlo" panose="020B0609030804020204" pitchFamily="49" charset="0"/>
-              </a:rPr>
-              <a:t> HTML</a:t>
+              <a:t>HTML</a:t>
             </a:r>
           </a:p>
         </p:txBody>
@@ -7753,7 +7665,7 @@
         </p:nvSpPr>
         <p:spPr>
           <a:xfrm>
-            <a:off x="7004330" y="963367"/>
+            <a:off x="6938701" y="973628"/>
             <a:ext cx="618174" cy="271954"/>
           </a:xfrm>
           <a:prstGeom prst="rect">
@@ -7783,7 +7695,7 @@
           <a:p>
             <a:pPr algn="ctr"/>
             <a:r>
-              <a:rPr lang="en-US" sz="1000">
+              <a:rPr lang="en-US" sz="1000" dirty="0">
                 <a:solidFill>
                   <a:schemeClr val="tx1"/>
                 </a:solidFill>
@@ -7797,7 +7709,7 @@
           <a:p>
             <a:pPr algn="ctr"/>
             <a:r>
-              <a:rPr lang="en-US" sz="600">
+              <a:rPr lang="en-US" sz="600" dirty="0">
                 <a:solidFill>
                   <a:schemeClr val="tx1"/>
                 </a:solidFill>
@@ -7825,7 +7737,7 @@
           <p:nvPr/>
         </p:nvPicPr>
         <p:blipFill>
-          <a:blip r:embed="rId8"/>
+          <a:blip r:embed="rId7"/>
           <a:stretch>
             <a:fillRect/>
           </a:stretch>
@@ -7855,7 +7767,7 @@
           <p:nvPr/>
         </p:nvPicPr>
         <p:blipFill>
-          <a:blip r:embed="rId9"/>
+          <a:blip r:embed="rId8"/>
           <a:stretch>
             <a:fillRect/>
           </a:stretch>
@@ -7967,7 +7879,7 @@
         </p:nvSpPr>
         <p:spPr>
           <a:xfrm>
-            <a:off x="1521836" y="4894331"/>
+            <a:off x="2917249" y="4165134"/>
             <a:ext cx="665567" cy="369332"/>
           </a:xfrm>
           <a:prstGeom prst="rect">
@@ -7982,11 +7894,10 @@
           <a:lstStyle/>
           <a:p>
             <a:r>
-              <a:rPr lang="en-US">
+              <a:rPr lang="en-US" dirty="0">
                 <a:solidFill>
                   <a:schemeClr val="accent6">
-                    <a:lumMod val="60000"/>
-                    <a:lumOff val="40000"/>
+                    <a:lumMod val="75000"/>
                   </a:schemeClr>
                 </a:solidFill>
               </a:rPr>
@@ -8009,7 +7920,7 @@
         </p:nvSpPr>
         <p:spPr>
           <a:xfrm>
-            <a:off x="8221200" y="3294047"/>
+            <a:off x="8220614" y="3049207"/>
             <a:ext cx="576568" cy="369332"/>
           </a:xfrm>
           <a:prstGeom prst="rect">
@@ -8024,7 +7935,7 @@
           <a:lstStyle/>
           <a:p>
             <a:r>
-              <a:rPr lang="en-US">
+              <a:rPr lang="en-US" dirty="0">
                 <a:solidFill>
                   <a:schemeClr val="accent4">
                     <a:lumMod val="60000"/>
@@ -8051,8 +7962,8 @@
         </p:nvSpPr>
         <p:spPr>
           <a:xfrm>
-            <a:off x="1542303" y="5676313"/>
-            <a:ext cx="1216167" cy="369332"/>
+            <a:off x="1426091" y="4565189"/>
+            <a:ext cx="897169" cy="369332"/>
           </a:xfrm>
           <a:prstGeom prst="rect">
             <a:avLst/>
@@ -8066,12 +7977,12 @@
           <a:lstStyle/>
           <a:p>
             <a:r>
-              <a:rPr lang="en-US">
+              <a:rPr lang="en-US" dirty="0">
                 <a:solidFill>
                   <a:srgbClr val="7030A0"/>
                 </a:solidFill>
               </a:rPr>
-              <a:t>C / metal C</a:t>
+              <a:t>metal C</a:t>
             </a:r>
           </a:p>
         </p:txBody>
@@ -8174,6 +8085,691 @@
                 <a:cs typeface="Menlo" charset="0"/>
               </a:rPr>
               <a:t>Zowe CLI running in desktop shell</a:t>
+            </a:r>
+          </a:p>
+        </p:txBody>
+      </p:sp>
+      <p:cxnSp>
+        <p:nvCxnSpPr>
+          <p:cNvPr id="97" name="Straight Arrow Connector 96">
+            <a:extLst>
+              <a:ext uri="{FF2B5EF4-FFF2-40B4-BE49-F238E27FC236}">
+                <a16:creationId xmlns:a16="http://schemas.microsoft.com/office/drawing/2014/main" id="{16CA2BC6-62A0-3E40-821F-2F729CBEEE6D}"/>
+              </a:ext>
+            </a:extLst>
+          </p:cNvPr>
+          <p:cNvCxnSpPr>
+            <a:cxnSpLocks/>
+          </p:cNvCxnSpPr>
+          <p:nvPr/>
+        </p:nvCxnSpPr>
+        <p:spPr>
+          <a:xfrm flipH="1">
+            <a:off x="904921" y="3070466"/>
+            <a:ext cx="3160" cy="469710"/>
+          </a:xfrm>
+          <a:prstGeom prst="straightConnector1">
+            <a:avLst/>
+          </a:prstGeom>
+          <a:ln>
+            <a:headEnd type="triangle"/>
+            <a:tailEnd type="triangle"/>
+          </a:ln>
+        </p:spPr>
+        <p:style>
+          <a:lnRef idx="1">
+            <a:schemeClr val="accent1"/>
+          </a:lnRef>
+          <a:fillRef idx="0">
+            <a:schemeClr val="accent1"/>
+          </a:fillRef>
+          <a:effectRef idx="0">
+            <a:schemeClr val="accent1"/>
+          </a:effectRef>
+          <a:fontRef idx="minor">
+            <a:schemeClr val="tx1"/>
+          </a:fontRef>
+        </p:style>
+      </p:cxnSp>
+      <p:sp>
+        <p:nvSpPr>
+          <p:cNvPr id="36" name="TextBox 35">
+            <a:extLst>
+              <a:ext uri="{FF2B5EF4-FFF2-40B4-BE49-F238E27FC236}">
+                <a16:creationId xmlns:a16="http://schemas.microsoft.com/office/drawing/2014/main" id="{1C3EC10F-89E4-5D41-91AE-7069C2A0F22F}"/>
+              </a:ext>
+            </a:extLst>
+          </p:cNvPr>
+          <p:cNvSpPr txBox="1"/>
+          <p:nvPr/>
+        </p:nvSpPr>
+        <p:spPr>
+          <a:xfrm>
+            <a:off x="3508744" y="5677786"/>
+            <a:ext cx="184731" cy="369332"/>
+          </a:xfrm>
+          <a:prstGeom prst="rect">
+            <a:avLst/>
+          </a:prstGeom>
+          <a:noFill/>
+        </p:spPr>
+        <p:txBody>
+          <a:bodyPr wrap="none" rtlCol="0">
+            <a:spAutoFit/>
+          </a:bodyPr>
+          <a:lstStyle/>
+          <a:p>
+            <a:endParaRPr lang="en-US" dirty="0"/>
+          </a:p>
+        </p:txBody>
+      </p:sp>
+      <p:sp>
+        <p:nvSpPr>
+          <p:cNvPr id="125" name="Left Arrow 124">
+            <a:extLst>
+              <a:ext uri="{FF2B5EF4-FFF2-40B4-BE49-F238E27FC236}">
+                <a16:creationId xmlns:a16="http://schemas.microsoft.com/office/drawing/2014/main" id="{FFF300D1-389A-D94E-9006-ADA64C22144A}"/>
+              </a:ext>
+            </a:extLst>
+          </p:cNvPr>
+          <p:cNvSpPr/>
+          <p:nvPr/>
+        </p:nvSpPr>
+        <p:spPr>
+          <a:xfrm>
+            <a:off x="1515424" y="3842852"/>
+            <a:ext cx="2176363" cy="484632"/>
+          </a:xfrm>
+          <a:prstGeom prst="leftArrow">
+            <a:avLst/>
+          </a:prstGeom>
+          <a:solidFill>
+            <a:schemeClr val="bg1">
+              <a:lumMod val="65000"/>
+            </a:schemeClr>
+          </a:solidFill>
+        </p:spPr>
+        <p:style>
+          <a:lnRef idx="2">
+            <a:schemeClr val="accent1">
+              <a:shade val="50000"/>
+            </a:schemeClr>
+          </a:lnRef>
+          <a:fillRef idx="1">
+            <a:schemeClr val="accent1"/>
+          </a:fillRef>
+          <a:effectRef idx="0">
+            <a:schemeClr val="accent1"/>
+          </a:effectRef>
+          <a:fontRef idx="minor">
+            <a:schemeClr val="lt1"/>
+          </a:fontRef>
+        </p:style>
+        <p:txBody>
+          <a:bodyPr rtlCol="0" anchor="ctr"/>
+          <a:lstStyle/>
+          <a:p>
+            <a:pPr algn="ctr"/>
+            <a:r>
+              <a:rPr lang="en-US" sz="1200" dirty="0"/>
+              <a:t>Included as apps</a:t>
+            </a:r>
+          </a:p>
+        </p:txBody>
+      </p:sp>
+      <p:sp>
+        <p:nvSpPr>
+          <p:cNvPr id="126" name="Rectangle 125">
+            <a:extLst>
+              <a:ext uri="{FF2B5EF4-FFF2-40B4-BE49-F238E27FC236}">
+                <a16:creationId xmlns:a16="http://schemas.microsoft.com/office/drawing/2014/main" id="{6499A0B0-043E-6F4F-B3CD-A7E0448871C6}"/>
+              </a:ext>
+            </a:extLst>
+          </p:cNvPr>
+          <p:cNvSpPr/>
+          <p:nvPr/>
+        </p:nvSpPr>
+        <p:spPr>
+          <a:xfrm>
+            <a:off x="3676489" y="3689844"/>
+            <a:ext cx="1661617" cy="669918"/>
+          </a:xfrm>
+          <a:prstGeom prst="rect">
+            <a:avLst/>
+          </a:prstGeom>
+          <a:noFill/>
+          <a:ln w="25400">
+            <a:solidFill>
+              <a:schemeClr val="accent6">
+                <a:lumMod val="75000"/>
+              </a:schemeClr>
+            </a:solidFill>
+            <a:prstDash val="dash"/>
+          </a:ln>
+        </p:spPr>
+        <p:style>
+          <a:lnRef idx="2">
+            <a:schemeClr val="accent1">
+              <a:shade val="50000"/>
+            </a:schemeClr>
+          </a:lnRef>
+          <a:fillRef idx="1">
+            <a:schemeClr val="accent1"/>
+          </a:fillRef>
+          <a:effectRef idx="0">
+            <a:schemeClr val="accent1"/>
+          </a:effectRef>
+          <a:fontRef idx="minor">
+            <a:schemeClr val="lt1"/>
+          </a:fontRef>
+        </p:style>
+        <p:txBody>
+          <a:bodyPr rtlCol="0" anchor="ctr"/>
+          <a:lstStyle/>
+          <a:p>
+            <a:pPr algn="ctr"/>
+            <a:endParaRPr lang="en-US" sz="1000">
+              <a:solidFill>
+                <a:schemeClr val="tx1"/>
+              </a:solidFill>
+              <a:latin typeface="Menlo" panose="020B0609030804020204" pitchFamily="49" charset="0"/>
+              <a:ea typeface="Menlo" panose="020B0609030804020204" pitchFamily="49" charset="0"/>
+              <a:cs typeface="Menlo" panose="020B0609030804020204" pitchFamily="49" charset="0"/>
+            </a:endParaRPr>
+          </a:p>
+        </p:txBody>
+      </p:sp>
+      <p:pic>
+        <p:nvPicPr>
+          <p:cNvPr id="130" name="Picture 129">
+            <a:extLst>
+              <a:ext uri="{FF2B5EF4-FFF2-40B4-BE49-F238E27FC236}">
+                <a16:creationId xmlns:a16="http://schemas.microsoft.com/office/drawing/2014/main" id="{CD22F1B5-8409-E949-9F0E-40313427A5FC}"/>
+              </a:ext>
+            </a:extLst>
+          </p:cNvPr>
+          <p:cNvPicPr>
+            <a:picLocks noChangeAspect="1"/>
+          </p:cNvPicPr>
+          <p:nvPr/>
+        </p:nvPicPr>
+        <p:blipFill>
+          <a:blip r:embed="rId9"/>
+          <a:stretch>
+            <a:fillRect/>
+          </a:stretch>
+        </p:blipFill>
+        <p:spPr>
+          <a:xfrm>
+            <a:off x="384040" y="796657"/>
+            <a:ext cx="693698" cy="324649"/>
+          </a:xfrm>
+          <a:prstGeom prst="rect">
+            <a:avLst/>
+          </a:prstGeom>
+        </p:spPr>
+      </p:pic>
+      <p:cxnSp>
+        <p:nvCxnSpPr>
+          <p:cNvPr id="132" name="Straight Connector 131">
+            <a:extLst>
+              <a:ext uri="{FF2B5EF4-FFF2-40B4-BE49-F238E27FC236}">
+                <a16:creationId xmlns:a16="http://schemas.microsoft.com/office/drawing/2014/main" id="{810C9CD3-9C88-9544-A3D7-8123C2A2A7B1}"/>
+              </a:ext>
+            </a:extLst>
+          </p:cNvPr>
+          <p:cNvCxnSpPr>
+            <a:cxnSpLocks/>
+          </p:cNvCxnSpPr>
+          <p:nvPr/>
+        </p:nvCxnSpPr>
+        <p:spPr>
+          <a:xfrm>
+            <a:off x="4913978" y="363279"/>
+            <a:ext cx="0" cy="1065069"/>
+          </a:xfrm>
+          <a:prstGeom prst="line">
+            <a:avLst/>
+          </a:prstGeom>
+        </p:spPr>
+        <p:style>
+          <a:lnRef idx="1">
+            <a:schemeClr val="accent1"/>
+          </a:lnRef>
+          <a:fillRef idx="0">
+            <a:schemeClr val="accent1"/>
+          </a:fillRef>
+          <a:effectRef idx="0">
+            <a:schemeClr val="accent1"/>
+          </a:effectRef>
+          <a:fontRef idx="minor">
+            <a:schemeClr val="tx1"/>
+          </a:fontRef>
+        </p:style>
+      </p:cxnSp>
+      <p:sp>
+        <p:nvSpPr>
+          <p:cNvPr id="134" name="TextBox 133">
+            <a:extLst>
+              <a:ext uri="{FF2B5EF4-FFF2-40B4-BE49-F238E27FC236}">
+                <a16:creationId xmlns:a16="http://schemas.microsoft.com/office/drawing/2014/main" id="{5835E822-9EAF-EC46-A869-517F247DD985}"/>
+              </a:ext>
+            </a:extLst>
+          </p:cNvPr>
+          <p:cNvSpPr txBox="1"/>
+          <p:nvPr/>
+        </p:nvSpPr>
+        <p:spPr>
+          <a:xfrm>
+            <a:off x="241501" y="412652"/>
+            <a:ext cx="1244251" cy="261610"/>
+          </a:xfrm>
+          <a:prstGeom prst="rect">
+            <a:avLst/>
+          </a:prstGeom>
+          <a:noFill/>
+        </p:spPr>
+        <p:txBody>
+          <a:bodyPr wrap="none" rtlCol="0">
+            <a:spAutoFit/>
+          </a:bodyPr>
+          <a:lstStyle/>
+          <a:p>
+            <a:r>
+              <a:rPr lang="en-US" sz="1100" dirty="0"/>
+              <a:t>Core desktop apps</a:t>
+            </a:r>
+          </a:p>
+        </p:txBody>
+      </p:sp>
+      <p:sp>
+        <p:nvSpPr>
+          <p:cNvPr id="135" name="TextBox 134">
+            <a:extLst>
+              <a:ext uri="{FF2B5EF4-FFF2-40B4-BE49-F238E27FC236}">
+                <a16:creationId xmlns:a16="http://schemas.microsoft.com/office/drawing/2014/main" id="{97532F09-0E15-5147-92C7-F00D56198F3B}"/>
+              </a:ext>
+            </a:extLst>
+          </p:cNvPr>
+          <p:cNvSpPr txBox="1"/>
+          <p:nvPr/>
+        </p:nvSpPr>
+        <p:spPr>
+          <a:xfrm>
+            <a:off x="4956122" y="426984"/>
+            <a:ext cx="1175322" cy="261610"/>
+          </a:xfrm>
+          <a:prstGeom prst="rect">
+            <a:avLst/>
+          </a:prstGeom>
+          <a:noFill/>
+        </p:spPr>
+        <p:txBody>
+          <a:bodyPr wrap="none" rtlCol="0">
+            <a:spAutoFit/>
+          </a:bodyPr>
+          <a:lstStyle/>
+          <a:p>
+            <a:r>
+              <a:rPr lang="en-US" sz="1100" dirty="0"/>
+              <a:t>Extension Plugins</a:t>
+            </a:r>
+          </a:p>
+        </p:txBody>
+      </p:sp>
+      <p:sp>
+        <p:nvSpPr>
+          <p:cNvPr id="136" name="TextBox 135">
+            <a:extLst>
+              <a:ext uri="{FF2B5EF4-FFF2-40B4-BE49-F238E27FC236}">
+                <a16:creationId xmlns:a16="http://schemas.microsoft.com/office/drawing/2014/main" id="{8BA091DE-6769-C747-892C-2F59F0C931EA}"/>
+              </a:ext>
+            </a:extLst>
+          </p:cNvPr>
+          <p:cNvSpPr txBox="1"/>
+          <p:nvPr/>
+        </p:nvSpPr>
+        <p:spPr>
+          <a:xfrm>
+            <a:off x="6893577" y="542793"/>
+            <a:ext cx="739305" cy="430887"/>
+          </a:xfrm>
+          <a:prstGeom prst="rect">
+            <a:avLst/>
+          </a:prstGeom>
+          <a:noFill/>
+        </p:spPr>
+        <p:txBody>
+          <a:bodyPr wrap="none" rtlCol="0">
+            <a:spAutoFit/>
+          </a:bodyPr>
+          <a:lstStyle/>
+          <a:p>
+            <a:r>
+              <a:rPr lang="en-US" sz="1100" dirty="0"/>
+              <a:t>Extension</a:t>
+            </a:r>
+          </a:p>
+          <a:p>
+            <a:r>
+              <a:rPr lang="en-US" sz="1100" dirty="0"/>
+              <a:t>Plugins</a:t>
+            </a:r>
+          </a:p>
+        </p:txBody>
+      </p:sp>
+      <p:cxnSp>
+        <p:nvCxnSpPr>
+          <p:cNvPr id="137" name="Straight Connector 136">
+            <a:extLst>
+              <a:ext uri="{FF2B5EF4-FFF2-40B4-BE49-F238E27FC236}">
+                <a16:creationId xmlns:a16="http://schemas.microsoft.com/office/drawing/2014/main" id="{A935370D-A05A-5146-AB02-EE6BFB7FE18C}"/>
+              </a:ext>
+            </a:extLst>
+          </p:cNvPr>
+          <p:cNvCxnSpPr>
+            <a:cxnSpLocks/>
+          </p:cNvCxnSpPr>
+          <p:nvPr/>
+        </p:nvCxnSpPr>
+        <p:spPr>
+          <a:xfrm>
+            <a:off x="7629611" y="504170"/>
+            <a:ext cx="0" cy="849911"/>
+          </a:xfrm>
+          <a:prstGeom prst="line">
+            <a:avLst/>
+          </a:prstGeom>
+        </p:spPr>
+        <p:style>
+          <a:lnRef idx="1">
+            <a:schemeClr val="accent1"/>
+          </a:lnRef>
+          <a:fillRef idx="0">
+            <a:schemeClr val="accent1"/>
+          </a:fillRef>
+          <a:effectRef idx="0">
+            <a:schemeClr val="accent1"/>
+          </a:effectRef>
+          <a:fontRef idx="minor">
+            <a:schemeClr val="tx1"/>
+          </a:fontRef>
+        </p:style>
+      </p:cxnSp>
+      <p:sp>
+        <p:nvSpPr>
+          <p:cNvPr id="140" name="TextBox 139">
+            <a:extLst>
+              <a:ext uri="{FF2B5EF4-FFF2-40B4-BE49-F238E27FC236}">
+                <a16:creationId xmlns:a16="http://schemas.microsoft.com/office/drawing/2014/main" id="{54680ECA-31F3-314A-8732-C39143295BC2}"/>
+              </a:ext>
+            </a:extLst>
+          </p:cNvPr>
+          <p:cNvSpPr txBox="1"/>
+          <p:nvPr/>
+        </p:nvSpPr>
+        <p:spPr>
+          <a:xfrm>
+            <a:off x="8105761" y="541905"/>
+            <a:ext cx="655949" cy="261610"/>
+          </a:xfrm>
+          <a:prstGeom prst="rect">
+            <a:avLst/>
+          </a:prstGeom>
+          <a:noFill/>
+        </p:spPr>
+        <p:txBody>
+          <a:bodyPr wrap="none" rtlCol="0">
+            <a:spAutoFit/>
+          </a:bodyPr>
+          <a:lstStyle/>
+          <a:p>
+            <a:r>
+              <a:rPr lang="en-US" sz="1100" dirty="0"/>
+              <a:t>Core CLI</a:t>
+            </a:r>
+          </a:p>
+        </p:txBody>
+      </p:sp>
+      <p:cxnSp>
+        <p:nvCxnSpPr>
+          <p:cNvPr id="141" name="Straight Connector 140">
+            <a:extLst>
+              <a:ext uri="{FF2B5EF4-FFF2-40B4-BE49-F238E27FC236}">
+                <a16:creationId xmlns:a16="http://schemas.microsoft.com/office/drawing/2014/main" id="{C835EE13-36AC-B643-AB6E-5BA554335981}"/>
+              </a:ext>
+            </a:extLst>
+          </p:cNvPr>
+          <p:cNvCxnSpPr>
+            <a:cxnSpLocks/>
+          </p:cNvCxnSpPr>
+          <p:nvPr/>
+        </p:nvCxnSpPr>
+        <p:spPr>
+          <a:xfrm>
+            <a:off x="9153611" y="541905"/>
+            <a:ext cx="0" cy="793966"/>
+          </a:xfrm>
+          <a:prstGeom prst="line">
+            <a:avLst/>
+          </a:prstGeom>
+          <a:ln>
+            <a:prstDash val="dash"/>
+          </a:ln>
+        </p:spPr>
+        <p:style>
+          <a:lnRef idx="1">
+            <a:schemeClr val="accent1"/>
+          </a:lnRef>
+          <a:fillRef idx="0">
+            <a:schemeClr val="accent1"/>
+          </a:fillRef>
+          <a:effectRef idx="0">
+            <a:schemeClr val="accent1"/>
+          </a:effectRef>
+          <a:fontRef idx="minor">
+            <a:schemeClr val="tx1"/>
+          </a:fontRef>
+        </p:style>
+      </p:cxnSp>
+      <p:sp>
+        <p:nvSpPr>
+          <p:cNvPr id="143" name="TextBox 142">
+            <a:extLst>
+              <a:ext uri="{FF2B5EF4-FFF2-40B4-BE49-F238E27FC236}">
+                <a16:creationId xmlns:a16="http://schemas.microsoft.com/office/drawing/2014/main" id="{3948393E-6738-C84D-8AB0-02473AEA0976}"/>
+              </a:ext>
+            </a:extLst>
+          </p:cNvPr>
+          <p:cNvSpPr txBox="1"/>
+          <p:nvPr/>
+        </p:nvSpPr>
+        <p:spPr>
+          <a:xfrm>
+            <a:off x="9208213" y="544971"/>
+            <a:ext cx="1095172" cy="261610"/>
+          </a:xfrm>
+          <a:prstGeom prst="rect">
+            <a:avLst/>
+          </a:prstGeom>
+          <a:noFill/>
+        </p:spPr>
+        <p:txBody>
+          <a:bodyPr wrap="none" rtlCol="0">
+            <a:spAutoFit/>
+          </a:bodyPr>
+          <a:lstStyle/>
+          <a:p>
+            <a:r>
+              <a:rPr lang="en-US" sz="1100" dirty="0"/>
+              <a:t>Core Extensions</a:t>
+            </a:r>
+          </a:p>
+        </p:txBody>
+      </p:sp>
+      <p:sp>
+        <p:nvSpPr>
+          <p:cNvPr id="144" name="TextBox 143">
+            <a:extLst>
+              <a:ext uri="{FF2B5EF4-FFF2-40B4-BE49-F238E27FC236}">
+                <a16:creationId xmlns:a16="http://schemas.microsoft.com/office/drawing/2014/main" id="{7C63BE34-CBB7-A843-8086-348B4DEBE3C4}"/>
+              </a:ext>
+            </a:extLst>
+          </p:cNvPr>
+          <p:cNvSpPr txBox="1"/>
+          <p:nvPr/>
+        </p:nvSpPr>
+        <p:spPr>
+          <a:xfrm>
+            <a:off x="1550349" y="6399843"/>
+            <a:ext cx="308098" cy="369332"/>
+          </a:xfrm>
+          <a:prstGeom prst="rect">
+            <a:avLst/>
+          </a:prstGeom>
+          <a:noFill/>
+        </p:spPr>
+        <p:txBody>
+          <a:bodyPr wrap="none" rtlCol="0">
+            <a:spAutoFit/>
+          </a:bodyPr>
+          <a:lstStyle/>
+          <a:p>
+            <a:r>
+              <a:rPr lang="en-US" dirty="0">
+                <a:solidFill>
+                  <a:srgbClr val="7030A0"/>
+                </a:solidFill>
+              </a:rPr>
+              <a:t>C</a:t>
+            </a:r>
+          </a:p>
+        </p:txBody>
+      </p:sp>
+      <p:cxnSp>
+        <p:nvCxnSpPr>
+          <p:cNvPr id="67" name="Straight Arrow Connector 66">
+            <a:extLst>
+              <a:ext uri="{FF2B5EF4-FFF2-40B4-BE49-F238E27FC236}">
+                <a16:creationId xmlns:a16="http://schemas.microsoft.com/office/drawing/2014/main" id="{14C9C9C0-A1B2-754A-8AC7-11549460EE6B}"/>
+              </a:ext>
+            </a:extLst>
+          </p:cNvPr>
+          <p:cNvCxnSpPr>
+            <a:cxnSpLocks/>
+          </p:cNvCxnSpPr>
+          <p:nvPr/>
+        </p:nvCxnSpPr>
+        <p:spPr>
+          <a:xfrm>
+            <a:off x="929444" y="4286589"/>
+            <a:ext cx="7303" cy="354941"/>
+          </a:xfrm>
+          <a:prstGeom prst="straightConnector1">
+            <a:avLst/>
+          </a:prstGeom>
+          <a:ln>
+            <a:headEnd type="triangle"/>
+            <a:tailEnd type="triangle"/>
+          </a:ln>
+        </p:spPr>
+        <p:style>
+          <a:lnRef idx="1">
+            <a:schemeClr val="accent1"/>
+          </a:lnRef>
+          <a:fillRef idx="0">
+            <a:schemeClr val="accent1"/>
+          </a:fillRef>
+          <a:effectRef idx="0">
+            <a:schemeClr val="accent1"/>
+          </a:effectRef>
+          <a:fontRef idx="minor">
+            <a:schemeClr val="tx1"/>
+          </a:fontRef>
+        </p:style>
+      </p:cxnSp>
+      <p:sp>
+        <p:nvSpPr>
+          <p:cNvPr id="150" name="TextBox 149">
+            <a:extLst>
+              <a:ext uri="{FF2B5EF4-FFF2-40B4-BE49-F238E27FC236}">
+                <a16:creationId xmlns:a16="http://schemas.microsoft.com/office/drawing/2014/main" id="{EA7A4A73-0660-F348-A403-92BF9AF64AE2}"/>
+              </a:ext>
+            </a:extLst>
+          </p:cNvPr>
+          <p:cNvSpPr txBox="1"/>
+          <p:nvPr/>
+        </p:nvSpPr>
+        <p:spPr>
+          <a:xfrm>
+            <a:off x="2438935" y="6320989"/>
+            <a:ext cx="1448579" cy="369332"/>
+          </a:xfrm>
+          <a:prstGeom prst="rect">
+            <a:avLst/>
+          </a:prstGeom>
+          <a:solidFill>
+            <a:schemeClr val="tx1"/>
+          </a:solidFill>
+        </p:spPr>
+        <p:txBody>
+          <a:bodyPr wrap="square" rtlCol="0">
+            <a:spAutoFit/>
+          </a:bodyPr>
+          <a:lstStyle/>
+          <a:p>
+            <a:r>
+              <a:rPr lang="en-US" dirty="0">
+                <a:solidFill>
+                  <a:schemeClr val="accent6">
+                    <a:lumMod val="75000"/>
+                  </a:schemeClr>
+                </a:solidFill>
+              </a:rPr>
+              <a:t>/S ZWESISTC</a:t>
+            </a:r>
+          </a:p>
+        </p:txBody>
+      </p:sp>
+      <p:sp>
+        <p:nvSpPr>
+          <p:cNvPr id="151" name="TextBox 150">
+            <a:extLst>
+              <a:ext uri="{FF2B5EF4-FFF2-40B4-BE49-F238E27FC236}">
+                <a16:creationId xmlns:a16="http://schemas.microsoft.com/office/drawing/2014/main" id="{9EBFC8B3-1FFB-6249-8C02-67166F302C23}"/>
+              </a:ext>
+            </a:extLst>
+          </p:cNvPr>
+          <p:cNvSpPr txBox="1"/>
+          <p:nvPr/>
+        </p:nvSpPr>
+        <p:spPr>
+          <a:xfrm>
+            <a:off x="2407266" y="4686784"/>
+            <a:ext cx="1424301" cy="369332"/>
+          </a:xfrm>
+          <a:prstGeom prst="rect">
+            <a:avLst/>
+          </a:prstGeom>
+          <a:solidFill>
+            <a:schemeClr val="tx1"/>
+          </a:solidFill>
+        </p:spPr>
+        <p:txBody>
+          <a:bodyPr wrap="none" rtlCol="0">
+            <a:spAutoFit/>
+          </a:bodyPr>
+          <a:lstStyle/>
+          <a:p>
+            <a:r>
+              <a:rPr lang="en-US" dirty="0">
+                <a:solidFill>
+                  <a:schemeClr val="accent6">
+                    <a:lumMod val="75000"/>
+                  </a:schemeClr>
+                </a:solidFill>
+              </a:rPr>
+              <a:t>/S ZWESVSTC</a:t>
             </a:r>
           </a:p>
         </p:txBody>
@@ -8200,6624 +8796,6 @@
       </p:transition>
     </mc:Fallback>
   </mc:AlternateContent>
-</p:sld>
-</file>
-
-<file path=ppt/slides/slide2.xml><?xml version="1.0" encoding="utf-8"?>
-<p:sld xmlns:a="http://schemas.openxmlformats.org/drawingml/2006/main" xmlns:r="http://schemas.openxmlformats.org/officeDocument/2006/relationships" xmlns:p="http://schemas.openxmlformats.org/presentationml/2006/main">
-  <p:cSld>
-    <p:spTree>
-      <p:nvGrpSpPr>
-        <p:cNvPr id="1" name=""/>
-        <p:cNvGrpSpPr/>
-        <p:nvPr/>
-      </p:nvGrpSpPr>
-      <p:grpSpPr>
-        <a:xfrm>
-          <a:off x="0" y="0"/>
-          <a:ext cx="0" cy="0"/>
-          <a:chOff x="0" y="0"/>
-          <a:chExt cx="0" cy="0"/>
-        </a:xfrm>
-      </p:grpSpPr>
-      <p:sp>
-        <p:nvSpPr>
-          <p:cNvPr id="115" name="Rectangle 114">
-            <a:extLst>
-              <a:ext uri="{FF2B5EF4-FFF2-40B4-BE49-F238E27FC236}">
-                <a16:creationId xmlns:a16="http://schemas.microsoft.com/office/drawing/2014/main" id="{68CAA2EB-FC5B-054F-B79C-91E24AB11FA1}"/>
-              </a:ext>
-            </a:extLst>
-          </p:cNvPr>
-          <p:cNvSpPr/>
-          <p:nvPr/>
-        </p:nvSpPr>
-        <p:spPr>
-          <a:xfrm>
-            <a:off x="6846137" y="29817"/>
-            <a:ext cx="1397988" cy="474353"/>
-          </a:xfrm>
-          <a:prstGeom prst="rect">
-            <a:avLst/>
-          </a:prstGeom>
-          <a:pattFill prst="pct20">
-            <a:fgClr>
-              <a:schemeClr val="accent1">
-                <a:lumMod val="20000"/>
-                <a:lumOff val="80000"/>
-              </a:schemeClr>
-            </a:fgClr>
-            <a:bgClr>
-              <a:schemeClr val="bg1"/>
-            </a:bgClr>
-          </a:pattFill>
-          <a:ln>
-            <a:prstDash val="solid"/>
-          </a:ln>
-        </p:spPr>
-        <p:style>
-          <a:lnRef idx="1">
-            <a:schemeClr val="accent1"/>
-          </a:lnRef>
-          <a:fillRef idx="3">
-            <a:schemeClr val="accent1"/>
-          </a:fillRef>
-          <a:effectRef idx="2">
-            <a:schemeClr val="accent1"/>
-          </a:effectRef>
-          <a:fontRef idx="minor">
-            <a:schemeClr val="lt1"/>
-          </a:fontRef>
-        </p:style>
-        <p:txBody>
-          <a:bodyPr rtlCol="0" anchor="ctr"/>
-          <a:lstStyle/>
-          <a:p>
-            <a:pPr algn="ctr"/>
-            <a:r>
-              <a:rPr lang="en-US" sz="1467" dirty="0">
-                <a:solidFill>
-                  <a:schemeClr val="tx1"/>
-                </a:solidFill>
-                <a:latin typeface="Menlo" charset="0"/>
-                <a:ea typeface="Menlo" charset="0"/>
-                <a:cs typeface="Menlo" charset="0"/>
-              </a:rPr>
-              <a:t>                 </a:t>
-            </a:r>
-          </a:p>
-          <a:p>
-            <a:pPr algn="ctr"/>
-            <a:endParaRPr lang="en-US" sz="1467" dirty="0">
-              <a:solidFill>
-                <a:schemeClr val="tx1"/>
-              </a:solidFill>
-              <a:latin typeface="Menlo" charset="0"/>
-              <a:ea typeface="Menlo" charset="0"/>
-              <a:cs typeface="Menlo" charset="0"/>
-            </a:endParaRPr>
-          </a:p>
-          <a:p>
-            <a:pPr algn="ctr"/>
-            <a:endParaRPr lang="en-US" sz="1467" dirty="0">
-              <a:solidFill>
-                <a:schemeClr val="tx1"/>
-              </a:solidFill>
-              <a:latin typeface="Menlo" charset="0"/>
-              <a:ea typeface="Menlo" charset="0"/>
-              <a:cs typeface="Menlo" charset="0"/>
-            </a:endParaRPr>
-          </a:p>
-        </p:txBody>
-      </p:sp>
-      <p:cxnSp>
-        <p:nvCxnSpPr>
-          <p:cNvPr id="20" name="Elbow Connector 19">
-            <a:extLst>
-              <a:ext uri="{FF2B5EF4-FFF2-40B4-BE49-F238E27FC236}">
-                <a16:creationId xmlns:a16="http://schemas.microsoft.com/office/drawing/2014/main" id="{463C5E49-921E-6E43-B468-6069E10CA099}"/>
-              </a:ext>
-            </a:extLst>
-          </p:cNvPr>
-          <p:cNvCxnSpPr>
-            <a:cxnSpLocks/>
-            <a:stCxn id="107" idx="2"/>
-          </p:cNvCxnSpPr>
-          <p:nvPr/>
-        </p:nvCxnSpPr>
-        <p:spPr>
-          <a:xfrm rot="16200000" flipH="1">
-            <a:off x="5430072" y="1416257"/>
-            <a:ext cx="1141031" cy="924724"/>
-          </a:xfrm>
-          <a:prstGeom prst="bentConnector3">
-            <a:avLst/>
-          </a:prstGeom>
-          <a:ln>
-            <a:headEnd type="triangle"/>
-            <a:tailEnd type="triangle"/>
-          </a:ln>
-        </p:spPr>
-        <p:style>
-          <a:lnRef idx="1">
-            <a:schemeClr val="accent1"/>
-          </a:lnRef>
-          <a:fillRef idx="0">
-            <a:schemeClr val="accent1"/>
-          </a:fillRef>
-          <a:effectRef idx="0">
-            <a:schemeClr val="accent1"/>
-          </a:effectRef>
-          <a:fontRef idx="minor">
-            <a:schemeClr val="tx1"/>
-          </a:fontRef>
-        </p:style>
-      </p:cxnSp>
-      <p:sp>
-        <p:nvSpPr>
-          <p:cNvPr id="107" name="Rectangle 106">
-            <a:extLst>
-              <a:ext uri="{FF2B5EF4-FFF2-40B4-BE49-F238E27FC236}">
-                <a16:creationId xmlns:a16="http://schemas.microsoft.com/office/drawing/2014/main" id="{47D63396-AC4D-5249-8BCF-E9058FDBA721}"/>
-              </a:ext>
-            </a:extLst>
-          </p:cNvPr>
-          <p:cNvSpPr/>
-          <p:nvPr/>
-        </p:nvSpPr>
-        <p:spPr>
-          <a:xfrm>
-            <a:off x="5122787" y="723469"/>
-            <a:ext cx="830876" cy="584635"/>
-          </a:xfrm>
-          <a:prstGeom prst="rect">
-            <a:avLst/>
-          </a:prstGeom>
-          <a:solidFill>
-            <a:schemeClr val="tx2">
-              <a:lumMod val="20000"/>
-              <a:lumOff val="80000"/>
-            </a:schemeClr>
-          </a:solidFill>
-          <a:ln>
-            <a:solidFill>
-              <a:schemeClr val="tx1"/>
-            </a:solidFill>
-          </a:ln>
-        </p:spPr>
-        <p:style>
-          <a:lnRef idx="1">
-            <a:schemeClr val="accent1"/>
-          </a:lnRef>
-          <a:fillRef idx="3">
-            <a:schemeClr val="accent1"/>
-          </a:fillRef>
-          <a:effectRef idx="2">
-            <a:schemeClr val="accent1"/>
-          </a:effectRef>
-          <a:fontRef idx="minor">
-            <a:schemeClr val="lt1"/>
-          </a:fontRef>
-        </p:style>
-        <p:txBody>
-          <a:bodyPr rtlCol="0" anchor="ctr"/>
-          <a:lstStyle/>
-          <a:p>
-            <a:pPr algn="ctr"/>
-            <a:endParaRPr lang="en-US" sz="533" dirty="0">
-              <a:solidFill>
-                <a:schemeClr val="tx1"/>
-              </a:solidFill>
-              <a:latin typeface="Menlo" panose="020B0609030804020204" pitchFamily="49" charset="0"/>
-              <a:ea typeface="Menlo" panose="020B0609030804020204" pitchFamily="49" charset="0"/>
-              <a:cs typeface="Menlo" panose="020B0609030804020204" pitchFamily="49" charset="0"/>
-            </a:endParaRPr>
-          </a:p>
-          <a:p>
-            <a:pPr algn="ctr"/>
-            <a:endParaRPr lang="en-US" sz="533" dirty="0">
-              <a:solidFill>
-                <a:schemeClr val="tx1"/>
-              </a:solidFill>
-              <a:latin typeface="Menlo" panose="020B0609030804020204" pitchFamily="49" charset="0"/>
-              <a:ea typeface="Menlo" panose="020B0609030804020204" pitchFamily="49" charset="0"/>
-              <a:cs typeface="Menlo" panose="020B0609030804020204" pitchFamily="49" charset="0"/>
-            </a:endParaRPr>
-          </a:p>
-          <a:p>
-            <a:pPr algn="ctr"/>
-            <a:endParaRPr lang="en-US" sz="533" dirty="0">
-              <a:solidFill>
-                <a:schemeClr val="tx1"/>
-              </a:solidFill>
-              <a:latin typeface="Menlo" panose="020B0609030804020204" pitchFamily="49" charset="0"/>
-              <a:ea typeface="Menlo" panose="020B0609030804020204" pitchFamily="49" charset="0"/>
-              <a:cs typeface="Menlo" panose="020B0609030804020204" pitchFamily="49" charset="0"/>
-            </a:endParaRPr>
-          </a:p>
-          <a:p>
-            <a:pPr algn="ctr"/>
-            <a:endParaRPr lang="en-US" sz="533" dirty="0">
-              <a:solidFill>
-                <a:schemeClr val="tx1"/>
-              </a:solidFill>
-              <a:latin typeface="Menlo" panose="020B0609030804020204" pitchFamily="49" charset="0"/>
-              <a:ea typeface="Menlo" panose="020B0609030804020204" pitchFamily="49" charset="0"/>
-              <a:cs typeface="Menlo" panose="020B0609030804020204" pitchFamily="49" charset="0"/>
-            </a:endParaRPr>
-          </a:p>
-          <a:p>
-            <a:pPr algn="ctr"/>
-            <a:endParaRPr lang="en-US" sz="533" dirty="0">
-              <a:solidFill>
-                <a:schemeClr val="tx1"/>
-              </a:solidFill>
-              <a:latin typeface="Menlo" panose="020B0609030804020204" pitchFamily="49" charset="0"/>
-              <a:ea typeface="Menlo" panose="020B0609030804020204" pitchFamily="49" charset="0"/>
-              <a:cs typeface="Menlo" panose="020B0609030804020204" pitchFamily="49" charset="0"/>
-            </a:endParaRPr>
-          </a:p>
-          <a:p>
-            <a:pPr algn="ctr"/>
-            <a:r>
-              <a:rPr lang="en-US" sz="533" dirty="0">
-                <a:solidFill>
-                  <a:schemeClr val="tx1"/>
-                </a:solidFill>
-                <a:latin typeface="Menlo" panose="020B0609030804020204" pitchFamily="49" charset="0"/>
-                <a:ea typeface="Menlo" panose="020B0609030804020204" pitchFamily="49" charset="0"/>
-                <a:cs typeface="Menlo" panose="020B0609030804020204" pitchFamily="49" charset="0"/>
-              </a:rPr>
-              <a:t>iFrame</a:t>
-            </a:r>
-          </a:p>
-        </p:txBody>
-      </p:sp>
-      <p:sp>
-        <p:nvSpPr>
-          <p:cNvPr id="84" name="Rectangle 83">
-            <a:extLst>
-              <a:ext uri="{FF2B5EF4-FFF2-40B4-BE49-F238E27FC236}">
-                <a16:creationId xmlns:a16="http://schemas.microsoft.com/office/drawing/2014/main" id="{54414DDB-8967-8D45-908D-A9FDFFB61FF7}"/>
-              </a:ext>
-            </a:extLst>
-          </p:cNvPr>
-          <p:cNvSpPr/>
-          <p:nvPr/>
-        </p:nvSpPr>
-        <p:spPr>
-          <a:xfrm>
-            <a:off x="6878388" y="690378"/>
-            <a:ext cx="5097850" cy="653826"/>
-          </a:xfrm>
-          <a:prstGeom prst="rect">
-            <a:avLst/>
-          </a:prstGeom>
-          <a:solidFill>
-            <a:schemeClr val="accent1">
-              <a:lumMod val="20000"/>
-              <a:lumOff val="80000"/>
-            </a:schemeClr>
-          </a:solidFill>
-          <a:ln>
-            <a:prstDash val="solid"/>
-          </a:ln>
-        </p:spPr>
-        <p:style>
-          <a:lnRef idx="1">
-            <a:schemeClr val="accent1"/>
-          </a:lnRef>
-          <a:fillRef idx="3">
-            <a:schemeClr val="accent1"/>
-          </a:fillRef>
-          <a:effectRef idx="2">
-            <a:schemeClr val="accent1"/>
-          </a:effectRef>
-          <a:fontRef idx="minor">
-            <a:schemeClr val="lt1"/>
-          </a:fontRef>
-        </p:style>
-        <p:txBody>
-          <a:bodyPr rtlCol="0" anchor="ctr"/>
-          <a:lstStyle/>
-          <a:p>
-            <a:pPr algn="ctr"/>
-            <a:r>
-              <a:rPr lang="en-US" sz="1467">
-                <a:solidFill>
-                  <a:schemeClr val="tx1"/>
-                </a:solidFill>
-                <a:latin typeface="Menlo" charset="0"/>
-                <a:ea typeface="Menlo" charset="0"/>
-                <a:cs typeface="Menlo" charset="0"/>
-              </a:rPr>
-              <a:t>                 </a:t>
-            </a:r>
-          </a:p>
-          <a:p>
-            <a:pPr algn="ctr"/>
-            <a:endParaRPr lang="en-US" sz="1467">
-              <a:solidFill>
-                <a:schemeClr val="tx1"/>
-              </a:solidFill>
-              <a:latin typeface="Menlo" charset="0"/>
-              <a:ea typeface="Menlo" charset="0"/>
-              <a:cs typeface="Menlo" charset="0"/>
-            </a:endParaRPr>
-          </a:p>
-          <a:p>
-            <a:pPr algn="ctr"/>
-            <a:endParaRPr lang="en-US" sz="1467">
-              <a:solidFill>
-                <a:schemeClr val="tx1"/>
-              </a:solidFill>
-              <a:latin typeface="Menlo" charset="0"/>
-              <a:ea typeface="Menlo" charset="0"/>
-              <a:cs typeface="Menlo" charset="0"/>
-            </a:endParaRPr>
-          </a:p>
-        </p:txBody>
-      </p:sp>
-      <p:sp>
-        <p:nvSpPr>
-          <p:cNvPr id="27" name="Rectangle 26">
-            <a:extLst>
-              <a:ext uri="{FF2B5EF4-FFF2-40B4-BE49-F238E27FC236}">
-                <a16:creationId xmlns:a16="http://schemas.microsoft.com/office/drawing/2014/main" id="{B8BD38E5-B719-A040-961F-CB1DDA431BCD}"/>
-              </a:ext>
-            </a:extLst>
-          </p:cNvPr>
-          <p:cNvSpPr/>
-          <p:nvPr/>
-        </p:nvSpPr>
-        <p:spPr>
-          <a:xfrm rot="5400000">
-            <a:off x="5035711" y="-532099"/>
-            <a:ext cx="818941" cy="6801289"/>
-          </a:xfrm>
-          <a:prstGeom prst="rect">
-            <a:avLst/>
-          </a:prstGeom>
-          <a:solidFill>
-            <a:schemeClr val="accent4">
-              <a:lumMod val="20000"/>
-              <a:lumOff val="80000"/>
-            </a:schemeClr>
-          </a:solidFill>
-        </p:spPr>
-        <p:style>
-          <a:lnRef idx="2">
-            <a:schemeClr val="accent1">
-              <a:shade val="50000"/>
-            </a:schemeClr>
-          </a:lnRef>
-          <a:fillRef idx="1">
-            <a:schemeClr val="accent1"/>
-          </a:fillRef>
-          <a:effectRef idx="0">
-            <a:schemeClr val="accent1"/>
-          </a:effectRef>
-          <a:fontRef idx="minor">
-            <a:schemeClr val="lt1"/>
-          </a:fontRef>
-        </p:style>
-        <p:txBody>
-          <a:bodyPr rtlCol="0" anchor="ctr"/>
-          <a:lstStyle/>
-          <a:p>
-            <a:pPr algn="ctr"/>
-            <a:endParaRPr lang="en-US"/>
-          </a:p>
-        </p:txBody>
-      </p:sp>
-      <p:sp>
-        <p:nvSpPr>
-          <p:cNvPr id="28" name="Rectangle 27">
-            <a:extLst>
-              <a:ext uri="{FF2B5EF4-FFF2-40B4-BE49-F238E27FC236}">
-                <a16:creationId xmlns:a16="http://schemas.microsoft.com/office/drawing/2014/main" id="{F5196AA6-3EF6-D842-A7AC-4C65195FFE4F}"/>
-              </a:ext>
-            </a:extLst>
-          </p:cNvPr>
-          <p:cNvSpPr/>
-          <p:nvPr/>
-        </p:nvSpPr>
-        <p:spPr>
-          <a:xfrm>
-            <a:off x="2056185" y="2459074"/>
-            <a:ext cx="6789640" cy="281271"/>
-          </a:xfrm>
-          <a:prstGeom prst="rect">
-            <a:avLst/>
-          </a:prstGeom>
-          <a:noFill/>
-        </p:spPr>
-        <p:style>
-          <a:lnRef idx="2">
-            <a:schemeClr val="accent1">
-              <a:shade val="50000"/>
-            </a:schemeClr>
-          </a:lnRef>
-          <a:fillRef idx="1">
-            <a:schemeClr val="accent1"/>
-          </a:fillRef>
-          <a:effectRef idx="0">
-            <a:schemeClr val="accent1"/>
-          </a:effectRef>
-          <a:fontRef idx="minor">
-            <a:schemeClr val="lt1"/>
-          </a:fontRef>
-        </p:style>
-        <p:txBody>
-          <a:bodyPr rtlCol="0" anchor="ctr"/>
-          <a:lstStyle/>
-          <a:p>
-            <a:pPr algn="ctr"/>
-            <a:r>
-              <a:rPr lang="en-US" sz="1000">
-                <a:solidFill>
-                  <a:schemeClr val="tx1"/>
-                </a:solidFill>
-                <a:latin typeface="Menlo" panose="020B0609030804020204" pitchFamily="49" charset="0"/>
-                <a:ea typeface="Menlo" panose="020B0609030804020204" pitchFamily="49" charset="0"/>
-                <a:cs typeface="Menlo" panose="020B0609030804020204" pitchFamily="49" charset="0"/>
-              </a:rPr>
-              <a:t>API Gateway</a:t>
-            </a:r>
-          </a:p>
-        </p:txBody>
-      </p:sp>
-      <p:sp>
-        <p:nvSpPr>
-          <p:cNvPr id="29" name="Rectangle 28">
-            <a:extLst>
-              <a:ext uri="{FF2B5EF4-FFF2-40B4-BE49-F238E27FC236}">
-                <a16:creationId xmlns:a16="http://schemas.microsoft.com/office/drawing/2014/main" id="{8AF582D8-88EE-2542-99A4-79D337267C65}"/>
-              </a:ext>
-            </a:extLst>
-          </p:cNvPr>
-          <p:cNvSpPr/>
-          <p:nvPr/>
-        </p:nvSpPr>
-        <p:spPr>
-          <a:xfrm>
-            <a:off x="2044538" y="3740833"/>
-            <a:ext cx="768237" cy="492369"/>
-          </a:xfrm>
-          <a:prstGeom prst="rect">
-            <a:avLst/>
-          </a:prstGeom>
-          <a:solidFill>
-            <a:schemeClr val="accent4">
-              <a:lumMod val="20000"/>
-              <a:lumOff val="80000"/>
-            </a:schemeClr>
-          </a:solidFill>
-        </p:spPr>
-        <p:style>
-          <a:lnRef idx="2">
-            <a:schemeClr val="accent1">
-              <a:shade val="50000"/>
-            </a:schemeClr>
-          </a:lnRef>
-          <a:fillRef idx="1">
-            <a:schemeClr val="accent1"/>
-          </a:fillRef>
-          <a:effectRef idx="0">
-            <a:schemeClr val="accent1"/>
-          </a:effectRef>
-          <a:fontRef idx="minor">
-            <a:schemeClr val="lt1"/>
-          </a:fontRef>
-        </p:style>
-        <p:txBody>
-          <a:bodyPr rtlCol="0" anchor="ctr"/>
-          <a:lstStyle/>
-          <a:p>
-            <a:pPr algn="ctr"/>
-            <a:r>
-              <a:rPr lang="en-US" sz="933">
-                <a:solidFill>
-                  <a:schemeClr val="tx1"/>
-                </a:solidFill>
-                <a:latin typeface="Menlo" panose="020B0609030804020204" pitchFamily="49" charset="0"/>
-                <a:ea typeface="Menlo" panose="020B0609030804020204" pitchFamily="49" charset="0"/>
-                <a:cs typeface="Menlo" panose="020B0609030804020204" pitchFamily="49" charset="0"/>
-              </a:rPr>
-              <a:t>API Catalog</a:t>
-            </a:r>
-          </a:p>
-        </p:txBody>
-      </p:sp>
-      <p:sp>
-        <p:nvSpPr>
-          <p:cNvPr id="30" name="Rectangle 29">
-            <a:extLst>
-              <a:ext uri="{FF2B5EF4-FFF2-40B4-BE49-F238E27FC236}">
-                <a16:creationId xmlns:a16="http://schemas.microsoft.com/office/drawing/2014/main" id="{613B60D4-E0F5-8544-BEFF-75487F8C5CB8}"/>
-              </a:ext>
-            </a:extLst>
-          </p:cNvPr>
-          <p:cNvSpPr/>
-          <p:nvPr/>
-        </p:nvSpPr>
-        <p:spPr>
-          <a:xfrm>
-            <a:off x="2878262" y="3744798"/>
-            <a:ext cx="918487" cy="492369"/>
-          </a:xfrm>
-          <a:prstGeom prst="rect">
-            <a:avLst/>
-          </a:prstGeom>
-          <a:solidFill>
-            <a:schemeClr val="accent4">
-              <a:lumMod val="20000"/>
-              <a:lumOff val="80000"/>
-            </a:schemeClr>
-          </a:solidFill>
-        </p:spPr>
-        <p:style>
-          <a:lnRef idx="2">
-            <a:schemeClr val="accent1">
-              <a:shade val="50000"/>
-            </a:schemeClr>
-          </a:lnRef>
-          <a:fillRef idx="1">
-            <a:schemeClr val="accent1"/>
-          </a:fillRef>
-          <a:effectRef idx="0">
-            <a:schemeClr val="accent1"/>
-          </a:effectRef>
-          <a:fontRef idx="minor">
-            <a:schemeClr val="lt1"/>
-          </a:fontRef>
-        </p:style>
-        <p:txBody>
-          <a:bodyPr rtlCol="0" anchor="ctr"/>
-          <a:lstStyle/>
-          <a:p>
-            <a:pPr algn="ctr"/>
-            <a:r>
-              <a:rPr lang="en-US" sz="933">
-                <a:solidFill>
-                  <a:schemeClr val="tx1"/>
-                </a:solidFill>
-                <a:latin typeface="Menlo" panose="020B0609030804020204" pitchFamily="49" charset="0"/>
-                <a:ea typeface="Menlo" panose="020B0609030804020204" pitchFamily="49" charset="0"/>
-                <a:cs typeface="Menlo" panose="020B0609030804020204" pitchFamily="49" charset="0"/>
-              </a:rPr>
-              <a:t>API Discovery</a:t>
-            </a:r>
-          </a:p>
-        </p:txBody>
-      </p:sp>
-      <p:cxnSp>
-        <p:nvCxnSpPr>
-          <p:cNvPr id="32" name="Straight Arrow Connector 31">
-            <a:extLst>
-              <a:ext uri="{FF2B5EF4-FFF2-40B4-BE49-F238E27FC236}">
-                <a16:creationId xmlns:a16="http://schemas.microsoft.com/office/drawing/2014/main" id="{BD316678-45F2-FC41-929D-9AFEFDB6D35C}"/>
-              </a:ext>
-            </a:extLst>
-          </p:cNvPr>
-          <p:cNvCxnSpPr>
-            <a:cxnSpLocks/>
-            <a:endCxn id="29" idx="0"/>
-          </p:cNvCxnSpPr>
-          <p:nvPr/>
-        </p:nvCxnSpPr>
-        <p:spPr>
-          <a:xfrm>
-            <a:off x="2428656" y="3278017"/>
-            <a:ext cx="0" cy="462817"/>
-          </a:xfrm>
-          <a:prstGeom prst="straightConnector1">
-            <a:avLst/>
-          </a:prstGeom>
-          <a:ln>
-            <a:headEnd type="triangle"/>
-            <a:tailEnd type="triangle"/>
-          </a:ln>
-        </p:spPr>
-        <p:style>
-          <a:lnRef idx="1">
-            <a:schemeClr val="accent1"/>
-          </a:lnRef>
-          <a:fillRef idx="0">
-            <a:schemeClr val="accent1"/>
-          </a:fillRef>
-          <a:effectRef idx="0">
-            <a:schemeClr val="accent1"/>
-          </a:effectRef>
-          <a:fontRef idx="minor">
-            <a:schemeClr val="tx1"/>
-          </a:fontRef>
-        </p:style>
-      </p:cxnSp>
-      <p:cxnSp>
-        <p:nvCxnSpPr>
-          <p:cNvPr id="38" name="Straight Arrow Connector 37">
-            <a:extLst>
-              <a:ext uri="{FF2B5EF4-FFF2-40B4-BE49-F238E27FC236}">
-                <a16:creationId xmlns:a16="http://schemas.microsoft.com/office/drawing/2014/main" id="{2B8525D1-5DD2-9144-B286-EB52E77203BE}"/>
-              </a:ext>
-            </a:extLst>
-          </p:cNvPr>
-          <p:cNvCxnSpPr>
-            <a:cxnSpLocks/>
-          </p:cNvCxnSpPr>
-          <p:nvPr/>
-        </p:nvCxnSpPr>
-        <p:spPr>
-          <a:xfrm>
-            <a:off x="3296675" y="3278017"/>
-            <a:ext cx="0" cy="462817"/>
-          </a:xfrm>
-          <a:prstGeom prst="straightConnector1">
-            <a:avLst/>
-          </a:prstGeom>
-          <a:ln>
-            <a:headEnd type="triangle"/>
-            <a:tailEnd type="triangle"/>
-          </a:ln>
-        </p:spPr>
-        <p:style>
-          <a:lnRef idx="1">
-            <a:schemeClr val="accent1"/>
-          </a:lnRef>
-          <a:fillRef idx="0">
-            <a:schemeClr val="accent1"/>
-          </a:fillRef>
-          <a:effectRef idx="0">
-            <a:schemeClr val="accent1"/>
-          </a:effectRef>
-          <a:fontRef idx="minor">
-            <a:schemeClr val="tx1"/>
-          </a:fontRef>
-        </p:style>
-      </p:cxnSp>
-      <p:sp>
-        <p:nvSpPr>
-          <p:cNvPr id="39" name="Rectangle 38">
-            <a:extLst>
-              <a:ext uri="{FF2B5EF4-FFF2-40B4-BE49-F238E27FC236}">
-                <a16:creationId xmlns:a16="http://schemas.microsoft.com/office/drawing/2014/main" id="{82FFFBCF-6F96-BA4C-A2A8-04C04381BB79}"/>
-              </a:ext>
-            </a:extLst>
-          </p:cNvPr>
-          <p:cNvSpPr/>
-          <p:nvPr/>
-        </p:nvSpPr>
-        <p:spPr>
-          <a:xfrm>
-            <a:off x="3864323" y="3751646"/>
-            <a:ext cx="434690" cy="476272"/>
-          </a:xfrm>
-          <a:prstGeom prst="rect">
-            <a:avLst/>
-          </a:prstGeom>
-          <a:solidFill>
-            <a:schemeClr val="accent6">
-              <a:lumMod val="20000"/>
-              <a:lumOff val="80000"/>
-            </a:schemeClr>
-          </a:solidFill>
-        </p:spPr>
-        <p:style>
-          <a:lnRef idx="2">
-            <a:schemeClr val="accent1">
-              <a:shade val="50000"/>
-            </a:schemeClr>
-          </a:lnRef>
-          <a:fillRef idx="1">
-            <a:schemeClr val="accent1"/>
-          </a:fillRef>
-          <a:effectRef idx="0">
-            <a:schemeClr val="accent1"/>
-          </a:effectRef>
-          <a:fontRef idx="minor">
-            <a:schemeClr val="lt1"/>
-          </a:fontRef>
-        </p:style>
-        <p:txBody>
-          <a:bodyPr rtlCol="0" anchor="ctr"/>
-          <a:lstStyle/>
-          <a:p>
-            <a:pPr algn="ctr"/>
-            <a:r>
-              <a:rPr lang="en-US" sz="933">
-                <a:solidFill>
-                  <a:schemeClr val="tx1"/>
-                </a:solidFill>
-                <a:latin typeface="Menlo" panose="020B0609030804020204" pitchFamily="49" charset="0"/>
-                <a:ea typeface="Menlo" panose="020B0609030804020204" pitchFamily="49" charset="0"/>
-                <a:cs typeface="Menlo" panose="020B0609030804020204" pitchFamily="49" charset="0"/>
-              </a:rPr>
-              <a:t>MVS UI</a:t>
-            </a:r>
-          </a:p>
-        </p:txBody>
-      </p:sp>
-      <p:sp>
-        <p:nvSpPr>
-          <p:cNvPr id="40" name="Rectangle 39">
-            <a:extLst>
-              <a:ext uri="{FF2B5EF4-FFF2-40B4-BE49-F238E27FC236}">
-                <a16:creationId xmlns:a16="http://schemas.microsoft.com/office/drawing/2014/main" id="{EE3A7E9E-4BFA-7048-A93A-B226BC2CCB8D}"/>
-              </a:ext>
-            </a:extLst>
-          </p:cNvPr>
-          <p:cNvSpPr/>
-          <p:nvPr/>
-        </p:nvSpPr>
-        <p:spPr>
-          <a:xfrm>
-            <a:off x="4461540" y="3753969"/>
-            <a:ext cx="564732" cy="471956"/>
-          </a:xfrm>
-          <a:prstGeom prst="rect">
-            <a:avLst/>
-          </a:prstGeom>
-          <a:solidFill>
-            <a:schemeClr val="accent6">
-              <a:lumMod val="20000"/>
-              <a:lumOff val="80000"/>
-            </a:schemeClr>
-          </a:solidFill>
-        </p:spPr>
-        <p:style>
-          <a:lnRef idx="2">
-            <a:schemeClr val="accent1">
-              <a:shade val="50000"/>
-            </a:schemeClr>
-          </a:lnRef>
-          <a:fillRef idx="1">
-            <a:schemeClr val="accent1"/>
-          </a:fillRef>
-          <a:effectRef idx="0">
-            <a:schemeClr val="accent1"/>
-          </a:effectRef>
-          <a:fontRef idx="minor">
-            <a:schemeClr val="lt1"/>
-          </a:fontRef>
-        </p:style>
-        <p:txBody>
-          <a:bodyPr rtlCol="0" anchor="ctr"/>
-          <a:lstStyle/>
-          <a:p>
-            <a:pPr algn="ctr"/>
-            <a:r>
-              <a:rPr lang="en-US" sz="933">
-                <a:solidFill>
-                  <a:schemeClr val="tx1"/>
-                </a:solidFill>
-                <a:latin typeface="Menlo" panose="020B0609030804020204" pitchFamily="49" charset="0"/>
-                <a:ea typeface="Menlo" panose="020B0609030804020204" pitchFamily="49" charset="0"/>
-                <a:cs typeface="Menlo" panose="020B0609030804020204" pitchFamily="49" charset="0"/>
-              </a:rPr>
-              <a:t>JES UI</a:t>
-            </a:r>
-          </a:p>
-        </p:txBody>
-      </p:sp>
-      <p:sp>
-        <p:nvSpPr>
-          <p:cNvPr id="41" name="Rectangle 40">
-            <a:extLst>
-              <a:ext uri="{FF2B5EF4-FFF2-40B4-BE49-F238E27FC236}">
-                <a16:creationId xmlns:a16="http://schemas.microsoft.com/office/drawing/2014/main" id="{38830FD5-B0E7-304D-A162-42509A56C2A0}"/>
-              </a:ext>
-            </a:extLst>
-          </p:cNvPr>
-          <p:cNvSpPr/>
-          <p:nvPr/>
-        </p:nvSpPr>
-        <p:spPr>
-          <a:xfrm>
-            <a:off x="5139454" y="3751543"/>
-            <a:ext cx="647781" cy="476273"/>
-          </a:xfrm>
-          <a:prstGeom prst="rect">
-            <a:avLst/>
-          </a:prstGeom>
-          <a:solidFill>
-            <a:schemeClr val="accent6">
-              <a:lumMod val="20000"/>
-              <a:lumOff val="80000"/>
-            </a:schemeClr>
-          </a:solidFill>
-        </p:spPr>
-        <p:style>
-          <a:lnRef idx="2">
-            <a:schemeClr val="accent1">
-              <a:shade val="50000"/>
-            </a:schemeClr>
-          </a:lnRef>
-          <a:fillRef idx="1">
-            <a:schemeClr val="accent1"/>
-          </a:fillRef>
-          <a:effectRef idx="0">
-            <a:schemeClr val="accent1"/>
-          </a:effectRef>
-          <a:fontRef idx="minor">
-            <a:schemeClr val="lt1"/>
-          </a:fontRef>
-        </p:style>
-        <p:txBody>
-          <a:bodyPr rtlCol="0" anchor="ctr"/>
-          <a:lstStyle/>
-          <a:p>
-            <a:pPr algn="ctr"/>
-            <a:r>
-              <a:rPr lang="en-US" sz="933">
-                <a:solidFill>
-                  <a:schemeClr val="tx1"/>
-                </a:solidFill>
-                <a:latin typeface="Menlo" panose="020B0609030804020204" pitchFamily="49" charset="0"/>
-                <a:ea typeface="Menlo" panose="020B0609030804020204" pitchFamily="49" charset="0"/>
-                <a:cs typeface="Menlo" panose="020B0609030804020204" pitchFamily="49" charset="0"/>
-              </a:rPr>
-              <a:t>USS</a:t>
-            </a:r>
-          </a:p>
-          <a:p>
-            <a:pPr algn="ctr"/>
-            <a:r>
-              <a:rPr lang="en-US" sz="933">
-                <a:solidFill>
-                  <a:schemeClr val="tx1"/>
-                </a:solidFill>
-                <a:latin typeface="Menlo" panose="020B0609030804020204" pitchFamily="49" charset="0"/>
-                <a:ea typeface="Menlo" panose="020B0609030804020204" pitchFamily="49" charset="0"/>
-                <a:cs typeface="Menlo" panose="020B0609030804020204" pitchFamily="49" charset="0"/>
-              </a:rPr>
-              <a:t>UI</a:t>
-            </a:r>
-          </a:p>
-        </p:txBody>
-      </p:sp>
-      <p:sp>
-        <p:nvSpPr>
-          <p:cNvPr id="42" name="Rectangle 41">
-            <a:extLst>
-              <a:ext uri="{FF2B5EF4-FFF2-40B4-BE49-F238E27FC236}">
-                <a16:creationId xmlns:a16="http://schemas.microsoft.com/office/drawing/2014/main" id="{7A2C7D56-E8C6-1042-9DF3-33D6754C7710}"/>
-              </a:ext>
-            </a:extLst>
-          </p:cNvPr>
-          <p:cNvSpPr/>
-          <p:nvPr/>
-        </p:nvSpPr>
-        <p:spPr>
-          <a:xfrm>
-            <a:off x="3860713" y="4528999"/>
-            <a:ext cx="537932" cy="476275"/>
-          </a:xfrm>
-          <a:prstGeom prst="rect">
-            <a:avLst/>
-          </a:prstGeom>
-          <a:solidFill>
-            <a:schemeClr val="accent4">
-              <a:lumMod val="20000"/>
-              <a:lumOff val="80000"/>
-            </a:schemeClr>
-          </a:solidFill>
-        </p:spPr>
-        <p:style>
-          <a:lnRef idx="2">
-            <a:schemeClr val="accent1">
-              <a:shade val="50000"/>
-            </a:schemeClr>
-          </a:lnRef>
-          <a:fillRef idx="1">
-            <a:schemeClr val="accent1"/>
-          </a:fillRef>
-          <a:effectRef idx="0">
-            <a:schemeClr val="accent1"/>
-          </a:effectRef>
-          <a:fontRef idx="minor">
-            <a:schemeClr val="lt1"/>
-          </a:fontRef>
-        </p:style>
-        <p:txBody>
-          <a:bodyPr rtlCol="0" anchor="ctr"/>
-          <a:lstStyle/>
-          <a:p>
-            <a:pPr algn="ctr"/>
-            <a:r>
-              <a:rPr lang="en-US" sz="933">
-                <a:solidFill>
-                  <a:schemeClr val="tx1"/>
-                </a:solidFill>
-                <a:latin typeface="Menlo" panose="020B0609030804020204" pitchFamily="49" charset="0"/>
-                <a:ea typeface="Menlo" panose="020B0609030804020204" pitchFamily="49" charset="0"/>
-                <a:cs typeface="Menlo" panose="020B0609030804020204" pitchFamily="49" charset="0"/>
-              </a:rPr>
-              <a:t>File API</a:t>
-            </a:r>
-          </a:p>
-        </p:txBody>
-      </p:sp>
-      <p:sp>
-        <p:nvSpPr>
-          <p:cNvPr id="43" name="Rectangle 42">
-            <a:extLst>
-              <a:ext uri="{FF2B5EF4-FFF2-40B4-BE49-F238E27FC236}">
-                <a16:creationId xmlns:a16="http://schemas.microsoft.com/office/drawing/2014/main" id="{9CF8B830-DC0B-A740-A36B-B958C1A572E0}"/>
-              </a:ext>
-            </a:extLst>
-          </p:cNvPr>
-          <p:cNvSpPr/>
-          <p:nvPr/>
-        </p:nvSpPr>
-        <p:spPr>
-          <a:xfrm>
-            <a:off x="4548201" y="4527453"/>
-            <a:ext cx="566396" cy="476275"/>
-          </a:xfrm>
-          <a:prstGeom prst="rect">
-            <a:avLst/>
-          </a:prstGeom>
-          <a:solidFill>
-            <a:schemeClr val="accent4">
-              <a:lumMod val="20000"/>
-              <a:lumOff val="80000"/>
-            </a:schemeClr>
-          </a:solidFill>
-        </p:spPr>
-        <p:style>
-          <a:lnRef idx="2">
-            <a:schemeClr val="accent1">
-              <a:shade val="50000"/>
-            </a:schemeClr>
-          </a:lnRef>
-          <a:fillRef idx="1">
-            <a:schemeClr val="accent1"/>
-          </a:fillRef>
-          <a:effectRef idx="0">
-            <a:schemeClr val="accent1"/>
-          </a:effectRef>
-          <a:fontRef idx="minor">
-            <a:schemeClr val="lt1"/>
-          </a:fontRef>
-        </p:style>
-        <p:txBody>
-          <a:bodyPr rtlCol="0" anchor="ctr"/>
-          <a:lstStyle/>
-          <a:p>
-            <a:pPr algn="ctr"/>
-            <a:r>
-              <a:rPr lang="en-US" sz="933">
-                <a:solidFill>
-                  <a:schemeClr val="tx1"/>
-                </a:solidFill>
-                <a:latin typeface="Menlo" panose="020B0609030804020204" pitchFamily="49" charset="0"/>
-                <a:ea typeface="Menlo" panose="020B0609030804020204" pitchFamily="49" charset="0"/>
-                <a:cs typeface="Menlo" panose="020B0609030804020204" pitchFamily="49" charset="0"/>
-              </a:rPr>
-              <a:t>JES API</a:t>
-            </a:r>
-          </a:p>
-        </p:txBody>
-      </p:sp>
-      <p:cxnSp>
-        <p:nvCxnSpPr>
-          <p:cNvPr id="45" name="Straight Arrow Connector 44">
-            <a:extLst>
-              <a:ext uri="{FF2B5EF4-FFF2-40B4-BE49-F238E27FC236}">
-                <a16:creationId xmlns:a16="http://schemas.microsoft.com/office/drawing/2014/main" id="{3892E7B8-0947-C447-9E5E-CE36A08691A2}"/>
-              </a:ext>
-            </a:extLst>
-          </p:cNvPr>
-          <p:cNvCxnSpPr>
-            <a:cxnSpLocks/>
-          </p:cNvCxnSpPr>
-          <p:nvPr/>
-        </p:nvCxnSpPr>
-        <p:spPr>
-          <a:xfrm flipH="1">
-            <a:off x="4398645" y="3294198"/>
-            <a:ext cx="14526" cy="1233255"/>
-          </a:xfrm>
-          <a:prstGeom prst="straightConnector1">
-            <a:avLst/>
-          </a:prstGeom>
-          <a:ln>
-            <a:headEnd type="triangle"/>
-            <a:tailEnd type="triangle"/>
-          </a:ln>
-        </p:spPr>
-        <p:style>
-          <a:lnRef idx="1">
-            <a:schemeClr val="accent1"/>
-          </a:lnRef>
-          <a:fillRef idx="0">
-            <a:schemeClr val="accent1"/>
-          </a:fillRef>
-          <a:effectRef idx="0">
-            <a:schemeClr val="accent1"/>
-          </a:effectRef>
-          <a:fontRef idx="minor">
-            <a:schemeClr val="tx1"/>
-          </a:fontRef>
-        </p:style>
-      </p:cxnSp>
-      <p:cxnSp>
-        <p:nvCxnSpPr>
-          <p:cNvPr id="46" name="Straight Arrow Connector 45">
-            <a:extLst>
-              <a:ext uri="{FF2B5EF4-FFF2-40B4-BE49-F238E27FC236}">
-                <a16:creationId xmlns:a16="http://schemas.microsoft.com/office/drawing/2014/main" id="{021AF651-50B6-6746-B692-A167727F149A}"/>
-              </a:ext>
-            </a:extLst>
-          </p:cNvPr>
-          <p:cNvCxnSpPr>
-            <a:cxnSpLocks/>
-          </p:cNvCxnSpPr>
-          <p:nvPr/>
-        </p:nvCxnSpPr>
-        <p:spPr>
-          <a:xfrm>
-            <a:off x="4556191" y="1699591"/>
-            <a:ext cx="0" cy="759483"/>
-          </a:xfrm>
-          <a:prstGeom prst="straightConnector1">
-            <a:avLst/>
-          </a:prstGeom>
-          <a:ln>
-            <a:headEnd type="triangle"/>
-            <a:tailEnd type="triangle"/>
-          </a:ln>
-        </p:spPr>
-        <p:style>
-          <a:lnRef idx="1">
-            <a:schemeClr val="accent1"/>
-          </a:lnRef>
-          <a:fillRef idx="0">
-            <a:schemeClr val="accent1"/>
-          </a:fillRef>
-          <a:effectRef idx="0">
-            <a:schemeClr val="accent1"/>
-          </a:effectRef>
-          <a:fontRef idx="minor">
-            <a:schemeClr val="tx1"/>
-          </a:fontRef>
-        </p:style>
-      </p:cxnSp>
-      <p:sp>
-        <p:nvSpPr>
-          <p:cNvPr id="48" name="TextBox 47">
-            <a:extLst>
-              <a:ext uri="{FF2B5EF4-FFF2-40B4-BE49-F238E27FC236}">
-                <a16:creationId xmlns:a16="http://schemas.microsoft.com/office/drawing/2014/main" id="{41691BFB-2D24-0547-A69D-0918666B0AB3}"/>
-              </a:ext>
-            </a:extLst>
-          </p:cNvPr>
-          <p:cNvSpPr txBox="1"/>
-          <p:nvPr/>
-        </p:nvSpPr>
-        <p:spPr>
-          <a:xfrm>
-            <a:off x="4514973" y="2112860"/>
-            <a:ext cx="524503" cy="261610"/>
-          </a:xfrm>
-          <a:prstGeom prst="rect">
-            <a:avLst/>
-          </a:prstGeom>
-          <a:noFill/>
-        </p:spPr>
-        <p:txBody>
-          <a:bodyPr wrap="none" rtlCol="0">
-            <a:spAutoFit/>
-          </a:bodyPr>
-          <a:lstStyle/>
-          <a:p>
-            <a:r>
-              <a:rPr lang="en-US" sz="1100">
-                <a:latin typeface="Menlo" panose="020B0609030804020204" pitchFamily="49" charset="0"/>
-                <a:ea typeface="Menlo" panose="020B0609030804020204" pitchFamily="49" charset="0"/>
-                <a:cs typeface="Menlo" panose="020B0609030804020204" pitchFamily="49" charset="0"/>
-              </a:rPr>
-              <a:t>7554</a:t>
-            </a:r>
-          </a:p>
-        </p:txBody>
-      </p:sp>
-      <p:sp>
-        <p:nvSpPr>
-          <p:cNvPr id="49" name="TextBox 48">
-            <a:extLst>
-              <a:ext uri="{FF2B5EF4-FFF2-40B4-BE49-F238E27FC236}">
-                <a16:creationId xmlns:a16="http://schemas.microsoft.com/office/drawing/2014/main" id="{7352B5E6-D9E3-3B44-986D-749969DFF4EB}"/>
-              </a:ext>
-            </a:extLst>
-          </p:cNvPr>
-          <p:cNvSpPr txBox="1"/>
-          <p:nvPr/>
-        </p:nvSpPr>
-        <p:spPr>
-          <a:xfrm>
-            <a:off x="1933902" y="3478300"/>
-            <a:ext cx="524503" cy="261610"/>
-          </a:xfrm>
-          <a:prstGeom prst="rect">
-            <a:avLst/>
-          </a:prstGeom>
-          <a:noFill/>
-        </p:spPr>
-        <p:txBody>
-          <a:bodyPr wrap="none" rtlCol="0">
-            <a:spAutoFit/>
-          </a:bodyPr>
-          <a:lstStyle/>
-          <a:p>
-            <a:r>
-              <a:rPr lang="en-US" sz="1100">
-                <a:latin typeface="Menlo" panose="020B0609030804020204" pitchFamily="49" charset="0"/>
-                <a:ea typeface="Menlo" panose="020B0609030804020204" pitchFamily="49" charset="0"/>
-                <a:cs typeface="Menlo" panose="020B0609030804020204" pitchFamily="49" charset="0"/>
-              </a:rPr>
-              <a:t>7552</a:t>
-            </a:r>
-          </a:p>
-        </p:txBody>
-      </p:sp>
-      <p:sp>
-        <p:nvSpPr>
-          <p:cNvPr id="50" name="TextBox 49">
-            <a:extLst>
-              <a:ext uri="{FF2B5EF4-FFF2-40B4-BE49-F238E27FC236}">
-                <a16:creationId xmlns:a16="http://schemas.microsoft.com/office/drawing/2014/main" id="{DCFE695A-EC51-3E41-9C73-F580614481B1}"/>
-              </a:ext>
-            </a:extLst>
-          </p:cNvPr>
-          <p:cNvSpPr txBox="1"/>
-          <p:nvPr/>
-        </p:nvSpPr>
-        <p:spPr>
-          <a:xfrm>
-            <a:off x="2842525" y="3478300"/>
-            <a:ext cx="524503" cy="261610"/>
-          </a:xfrm>
-          <a:prstGeom prst="rect">
-            <a:avLst/>
-          </a:prstGeom>
-          <a:noFill/>
-        </p:spPr>
-        <p:txBody>
-          <a:bodyPr wrap="none" rtlCol="0">
-            <a:spAutoFit/>
-          </a:bodyPr>
-          <a:lstStyle/>
-          <a:p>
-            <a:r>
-              <a:rPr lang="en-US" sz="1100">
-                <a:latin typeface="Menlo" panose="020B0609030804020204" pitchFamily="49" charset="0"/>
-                <a:ea typeface="Menlo" panose="020B0609030804020204" pitchFamily="49" charset="0"/>
-                <a:cs typeface="Menlo" panose="020B0609030804020204" pitchFamily="49" charset="0"/>
-              </a:rPr>
-              <a:t>7553</a:t>
-            </a:r>
-          </a:p>
-        </p:txBody>
-      </p:sp>
-      <p:sp>
-        <p:nvSpPr>
-          <p:cNvPr id="51" name="TextBox 50">
-            <a:extLst>
-              <a:ext uri="{FF2B5EF4-FFF2-40B4-BE49-F238E27FC236}">
-                <a16:creationId xmlns:a16="http://schemas.microsoft.com/office/drawing/2014/main" id="{C24C4305-5BA2-1B43-A80B-DF777ED8E227}"/>
-              </a:ext>
-            </a:extLst>
-          </p:cNvPr>
-          <p:cNvSpPr txBox="1"/>
-          <p:nvPr/>
-        </p:nvSpPr>
-        <p:spPr>
-          <a:xfrm>
-            <a:off x="3826461" y="4287090"/>
-            <a:ext cx="511679" cy="256545"/>
-          </a:xfrm>
-          <a:prstGeom prst="rect">
-            <a:avLst/>
-          </a:prstGeom>
-          <a:noFill/>
-        </p:spPr>
-        <p:txBody>
-          <a:bodyPr wrap="none" rtlCol="0">
-            <a:spAutoFit/>
-          </a:bodyPr>
-          <a:lstStyle/>
-          <a:p>
-            <a:r>
-              <a:rPr lang="en-US" sz="1067">
-                <a:latin typeface="Menlo" panose="020B0609030804020204" pitchFamily="49" charset="0"/>
-                <a:ea typeface="Menlo" panose="020B0609030804020204" pitchFamily="49" charset="0"/>
-                <a:cs typeface="Menlo" panose="020B0609030804020204" pitchFamily="49" charset="0"/>
-              </a:rPr>
-              <a:t>8547</a:t>
-            </a:r>
-          </a:p>
-        </p:txBody>
-      </p:sp>
-      <p:cxnSp>
-        <p:nvCxnSpPr>
-          <p:cNvPr id="52" name="Straight Arrow Connector 51">
-            <a:extLst>
-              <a:ext uri="{FF2B5EF4-FFF2-40B4-BE49-F238E27FC236}">
-                <a16:creationId xmlns:a16="http://schemas.microsoft.com/office/drawing/2014/main" id="{1A8D5EA7-D754-BD43-8ADC-13C0B2EE28C5}"/>
-              </a:ext>
-            </a:extLst>
-          </p:cNvPr>
-          <p:cNvCxnSpPr>
-            <a:cxnSpLocks/>
-          </p:cNvCxnSpPr>
-          <p:nvPr/>
-        </p:nvCxnSpPr>
-        <p:spPr>
-          <a:xfrm>
-            <a:off x="5059795" y="3286064"/>
-            <a:ext cx="0" cy="1241389"/>
-          </a:xfrm>
-          <a:prstGeom prst="straightConnector1">
-            <a:avLst/>
-          </a:prstGeom>
-          <a:ln>
-            <a:headEnd type="triangle"/>
-            <a:tailEnd type="triangle"/>
-          </a:ln>
-        </p:spPr>
-        <p:style>
-          <a:lnRef idx="1">
-            <a:schemeClr val="accent1"/>
-          </a:lnRef>
-          <a:fillRef idx="0">
-            <a:schemeClr val="accent1"/>
-          </a:fillRef>
-          <a:effectRef idx="0">
-            <a:schemeClr val="accent1"/>
-          </a:effectRef>
-          <a:fontRef idx="minor">
-            <a:schemeClr val="tx1"/>
-          </a:fontRef>
-        </p:style>
-      </p:cxnSp>
-      <p:sp>
-        <p:nvSpPr>
-          <p:cNvPr id="54" name="TextBox 53">
-            <a:extLst>
-              <a:ext uri="{FF2B5EF4-FFF2-40B4-BE49-F238E27FC236}">
-                <a16:creationId xmlns:a16="http://schemas.microsoft.com/office/drawing/2014/main" id="{522E71EC-E73F-8045-92CA-2E9B816D4A91}"/>
-              </a:ext>
-            </a:extLst>
-          </p:cNvPr>
-          <p:cNvSpPr txBox="1"/>
-          <p:nvPr/>
-        </p:nvSpPr>
-        <p:spPr>
-          <a:xfrm>
-            <a:off x="4438383" y="4278953"/>
-            <a:ext cx="524503" cy="261610"/>
-          </a:xfrm>
-          <a:prstGeom prst="rect">
-            <a:avLst/>
-          </a:prstGeom>
-          <a:noFill/>
-        </p:spPr>
-        <p:txBody>
-          <a:bodyPr wrap="none" rtlCol="0">
-            <a:spAutoFit/>
-          </a:bodyPr>
-          <a:lstStyle/>
-          <a:p>
-            <a:r>
-              <a:rPr lang="en-US" sz="1100">
-                <a:latin typeface="Menlo" panose="020B0609030804020204" pitchFamily="49" charset="0"/>
-                <a:ea typeface="Menlo" panose="020B0609030804020204" pitchFamily="49" charset="0"/>
-                <a:cs typeface="Menlo" panose="020B0609030804020204" pitchFamily="49" charset="0"/>
-              </a:rPr>
-              <a:t>8545</a:t>
-            </a:r>
-          </a:p>
-        </p:txBody>
-      </p:sp>
-      <p:cxnSp>
-        <p:nvCxnSpPr>
-          <p:cNvPr id="55" name="Straight Arrow Connector 54">
-            <a:extLst>
-              <a:ext uri="{FF2B5EF4-FFF2-40B4-BE49-F238E27FC236}">
-                <a16:creationId xmlns:a16="http://schemas.microsoft.com/office/drawing/2014/main" id="{3DA6970D-339E-0D4A-9DB9-7098BFD59F0F}"/>
-              </a:ext>
-            </a:extLst>
-          </p:cNvPr>
-          <p:cNvCxnSpPr>
-            <a:cxnSpLocks/>
-          </p:cNvCxnSpPr>
-          <p:nvPr/>
-        </p:nvCxnSpPr>
-        <p:spPr>
-          <a:xfrm>
-            <a:off x="4189184" y="3270740"/>
-            <a:ext cx="0" cy="462817"/>
-          </a:xfrm>
-          <a:prstGeom prst="straightConnector1">
-            <a:avLst/>
-          </a:prstGeom>
-          <a:ln>
-            <a:headEnd type="triangle"/>
-            <a:tailEnd type="triangle"/>
-          </a:ln>
-        </p:spPr>
-        <p:style>
-          <a:lnRef idx="1">
-            <a:schemeClr val="accent1"/>
-          </a:lnRef>
-          <a:fillRef idx="0">
-            <a:schemeClr val="accent1"/>
-          </a:fillRef>
-          <a:effectRef idx="0">
-            <a:schemeClr val="accent1"/>
-          </a:effectRef>
-          <a:fontRef idx="minor">
-            <a:schemeClr val="tx1"/>
-          </a:fontRef>
-        </p:style>
-      </p:cxnSp>
-      <p:cxnSp>
-        <p:nvCxnSpPr>
-          <p:cNvPr id="56" name="Straight Arrow Connector 55">
-            <a:extLst>
-              <a:ext uri="{FF2B5EF4-FFF2-40B4-BE49-F238E27FC236}">
-                <a16:creationId xmlns:a16="http://schemas.microsoft.com/office/drawing/2014/main" id="{57AFBBAF-5B9E-4043-B919-74BEA94D894E}"/>
-              </a:ext>
-            </a:extLst>
-          </p:cNvPr>
-          <p:cNvCxnSpPr>
-            <a:cxnSpLocks/>
-          </p:cNvCxnSpPr>
-          <p:nvPr/>
-        </p:nvCxnSpPr>
-        <p:spPr>
-          <a:xfrm>
-            <a:off x="4918346" y="3278787"/>
-            <a:ext cx="0" cy="462817"/>
-          </a:xfrm>
-          <a:prstGeom prst="straightConnector1">
-            <a:avLst/>
-          </a:prstGeom>
-          <a:ln>
-            <a:headEnd type="triangle"/>
-            <a:tailEnd type="triangle"/>
-          </a:ln>
-        </p:spPr>
-        <p:style>
-          <a:lnRef idx="1">
-            <a:schemeClr val="accent1"/>
-          </a:lnRef>
-          <a:fillRef idx="0">
-            <a:schemeClr val="accent1"/>
-          </a:fillRef>
-          <a:effectRef idx="0">
-            <a:schemeClr val="accent1"/>
-          </a:effectRef>
-          <a:fontRef idx="minor">
-            <a:schemeClr val="tx1"/>
-          </a:fontRef>
-        </p:style>
-      </p:cxnSp>
-      <p:cxnSp>
-        <p:nvCxnSpPr>
-          <p:cNvPr id="57" name="Straight Arrow Connector 56">
-            <a:extLst>
-              <a:ext uri="{FF2B5EF4-FFF2-40B4-BE49-F238E27FC236}">
-                <a16:creationId xmlns:a16="http://schemas.microsoft.com/office/drawing/2014/main" id="{79D4C01E-B964-F74B-9D68-801D8A100C91}"/>
-              </a:ext>
-            </a:extLst>
-          </p:cNvPr>
-          <p:cNvCxnSpPr>
-            <a:cxnSpLocks/>
-          </p:cNvCxnSpPr>
-          <p:nvPr/>
-        </p:nvCxnSpPr>
-        <p:spPr>
-          <a:xfrm>
-            <a:off x="5575140" y="3278787"/>
-            <a:ext cx="0" cy="462817"/>
-          </a:xfrm>
-          <a:prstGeom prst="straightConnector1">
-            <a:avLst/>
-          </a:prstGeom>
-          <a:ln>
-            <a:headEnd type="triangle"/>
-            <a:tailEnd type="triangle"/>
-          </a:ln>
-        </p:spPr>
-        <p:style>
-          <a:lnRef idx="1">
-            <a:schemeClr val="accent1"/>
-          </a:lnRef>
-          <a:fillRef idx="0">
-            <a:schemeClr val="accent1"/>
-          </a:fillRef>
-          <a:effectRef idx="0">
-            <a:schemeClr val="accent1"/>
-          </a:effectRef>
-          <a:fontRef idx="minor">
-            <a:schemeClr val="tx1"/>
-          </a:fontRef>
-        </p:style>
-      </p:cxnSp>
-      <p:sp>
-        <p:nvSpPr>
-          <p:cNvPr id="58" name="TextBox 57">
-            <a:extLst>
-              <a:ext uri="{FF2B5EF4-FFF2-40B4-BE49-F238E27FC236}">
-                <a16:creationId xmlns:a16="http://schemas.microsoft.com/office/drawing/2014/main" id="{D9B2E554-4717-514F-83E2-19343201CDAF}"/>
-              </a:ext>
-            </a:extLst>
-          </p:cNvPr>
-          <p:cNvSpPr txBox="1"/>
-          <p:nvPr/>
-        </p:nvSpPr>
-        <p:spPr>
-          <a:xfrm>
-            <a:off x="3725697" y="3502147"/>
-            <a:ext cx="524503" cy="261610"/>
-          </a:xfrm>
-          <a:prstGeom prst="rect">
-            <a:avLst/>
-          </a:prstGeom>
-          <a:noFill/>
-        </p:spPr>
-        <p:txBody>
-          <a:bodyPr wrap="none" rtlCol="0">
-            <a:spAutoFit/>
-          </a:bodyPr>
-          <a:lstStyle/>
-          <a:p>
-            <a:r>
-              <a:rPr lang="en-US" sz="1100">
-                <a:latin typeface="Menlo" panose="020B0609030804020204" pitchFamily="49" charset="0"/>
-                <a:ea typeface="Menlo" panose="020B0609030804020204" pitchFamily="49" charset="0"/>
-                <a:cs typeface="Menlo" panose="020B0609030804020204" pitchFamily="49" charset="0"/>
-              </a:rPr>
-              <a:t>8548</a:t>
-            </a:r>
-          </a:p>
-        </p:txBody>
-      </p:sp>
-      <p:sp>
-        <p:nvSpPr>
-          <p:cNvPr id="59" name="TextBox 58">
-            <a:extLst>
-              <a:ext uri="{FF2B5EF4-FFF2-40B4-BE49-F238E27FC236}">
-                <a16:creationId xmlns:a16="http://schemas.microsoft.com/office/drawing/2014/main" id="{895230D4-C8AB-5346-8A04-2DC5533FDD62}"/>
-              </a:ext>
-            </a:extLst>
-          </p:cNvPr>
-          <p:cNvSpPr txBox="1"/>
-          <p:nvPr/>
-        </p:nvSpPr>
-        <p:spPr>
-          <a:xfrm>
-            <a:off x="4428477" y="3514445"/>
-            <a:ext cx="524503" cy="261610"/>
-          </a:xfrm>
-          <a:prstGeom prst="rect">
-            <a:avLst/>
-          </a:prstGeom>
-          <a:noFill/>
-        </p:spPr>
-        <p:txBody>
-          <a:bodyPr wrap="none" rtlCol="0">
-            <a:spAutoFit/>
-          </a:bodyPr>
-          <a:lstStyle/>
-          <a:p>
-            <a:r>
-              <a:rPr lang="en-US" sz="1100">
-                <a:latin typeface="Menlo" panose="020B0609030804020204" pitchFamily="49" charset="0"/>
-                <a:ea typeface="Menlo" panose="020B0609030804020204" pitchFamily="49" charset="0"/>
-                <a:cs typeface="Menlo" panose="020B0609030804020204" pitchFamily="49" charset="0"/>
-              </a:rPr>
-              <a:t>8546</a:t>
-            </a:r>
-          </a:p>
-        </p:txBody>
-      </p:sp>
-      <p:sp>
-        <p:nvSpPr>
-          <p:cNvPr id="60" name="TextBox 59">
-            <a:extLst>
-              <a:ext uri="{FF2B5EF4-FFF2-40B4-BE49-F238E27FC236}">
-                <a16:creationId xmlns:a16="http://schemas.microsoft.com/office/drawing/2014/main" id="{6D51231D-A1BD-4944-AC97-EB35344659BC}"/>
-              </a:ext>
-            </a:extLst>
-          </p:cNvPr>
-          <p:cNvSpPr txBox="1"/>
-          <p:nvPr/>
-        </p:nvSpPr>
-        <p:spPr>
-          <a:xfrm>
-            <a:off x="5100333" y="3510194"/>
-            <a:ext cx="524503" cy="430887"/>
-          </a:xfrm>
-          <a:prstGeom prst="rect">
-            <a:avLst/>
-          </a:prstGeom>
-          <a:noFill/>
-        </p:spPr>
-        <p:txBody>
-          <a:bodyPr wrap="none" rtlCol="0">
-            <a:spAutoFit/>
-          </a:bodyPr>
-          <a:lstStyle/>
-          <a:p>
-            <a:r>
-              <a:rPr lang="en-US" sz="1100">
-                <a:latin typeface="Menlo" panose="020B0609030804020204" pitchFamily="49" charset="0"/>
-                <a:ea typeface="Menlo" panose="020B0609030804020204" pitchFamily="49" charset="0"/>
-                <a:cs typeface="Menlo" panose="020B0609030804020204" pitchFamily="49" charset="0"/>
-              </a:rPr>
-              <a:t>8550</a:t>
-            </a:r>
-          </a:p>
-          <a:p>
-            <a:endParaRPr lang="en-US" sz="1100">
-              <a:latin typeface="Menlo" panose="020B0609030804020204" pitchFamily="49" charset="0"/>
-              <a:ea typeface="Menlo" panose="020B0609030804020204" pitchFamily="49" charset="0"/>
-              <a:cs typeface="Menlo" panose="020B0609030804020204" pitchFamily="49" charset="0"/>
-            </a:endParaRPr>
-          </a:p>
-        </p:txBody>
-      </p:sp>
-      <p:sp>
-        <p:nvSpPr>
-          <p:cNvPr id="61" name="Rectangle 60">
-            <a:extLst>
-              <a:ext uri="{FF2B5EF4-FFF2-40B4-BE49-F238E27FC236}">
-                <a16:creationId xmlns:a16="http://schemas.microsoft.com/office/drawing/2014/main" id="{E9DE1BCE-1CFC-1441-96B8-215353ACF262}"/>
-              </a:ext>
-            </a:extLst>
-          </p:cNvPr>
-          <p:cNvSpPr/>
-          <p:nvPr/>
-        </p:nvSpPr>
-        <p:spPr>
-          <a:xfrm>
-            <a:off x="376506" y="3771032"/>
-            <a:ext cx="1128765" cy="1435235"/>
-          </a:xfrm>
-          <a:prstGeom prst="rect">
-            <a:avLst/>
-          </a:prstGeom>
-          <a:solidFill>
-            <a:schemeClr val="accent6">
-              <a:lumMod val="20000"/>
-              <a:lumOff val="80000"/>
-            </a:schemeClr>
-          </a:solidFill>
-          <a:ln>
-            <a:solidFill>
-              <a:schemeClr val="accent6">
-                <a:lumMod val="60000"/>
-                <a:lumOff val="40000"/>
-              </a:schemeClr>
-            </a:solidFill>
-          </a:ln>
-        </p:spPr>
-        <p:style>
-          <a:lnRef idx="2">
-            <a:schemeClr val="accent1">
-              <a:shade val="50000"/>
-            </a:schemeClr>
-          </a:lnRef>
-          <a:fillRef idx="1">
-            <a:schemeClr val="accent1"/>
-          </a:fillRef>
-          <a:effectRef idx="0">
-            <a:schemeClr val="accent1"/>
-          </a:effectRef>
-          <a:fontRef idx="minor">
-            <a:schemeClr val="lt1"/>
-          </a:fontRef>
-        </p:style>
-        <p:txBody>
-          <a:bodyPr rtlCol="0" anchor="ctr"/>
-          <a:lstStyle/>
-          <a:p>
-            <a:pPr algn="ctr"/>
-            <a:endParaRPr lang="en-US" sz="1000">
-              <a:solidFill>
-                <a:schemeClr val="tx1"/>
-              </a:solidFill>
-              <a:latin typeface="Menlo" panose="020B0609030804020204" pitchFamily="49" charset="0"/>
-              <a:ea typeface="Menlo" panose="020B0609030804020204" pitchFamily="49" charset="0"/>
-              <a:cs typeface="Menlo" panose="020B0609030804020204" pitchFamily="49" charset="0"/>
-            </a:endParaRPr>
-          </a:p>
-        </p:txBody>
-      </p:sp>
-      <p:sp>
-        <p:nvSpPr>
-          <p:cNvPr id="62" name="Rectangle 61">
-            <a:extLst>
-              <a:ext uri="{FF2B5EF4-FFF2-40B4-BE49-F238E27FC236}">
-                <a16:creationId xmlns:a16="http://schemas.microsoft.com/office/drawing/2014/main" id="{6B2BC080-CDFD-1C40-9018-2717D47E1571}"/>
-              </a:ext>
-            </a:extLst>
-          </p:cNvPr>
-          <p:cNvSpPr/>
-          <p:nvPr/>
-        </p:nvSpPr>
-        <p:spPr>
-          <a:xfrm>
-            <a:off x="832031" y="4519628"/>
-            <a:ext cx="673240" cy="329105"/>
-          </a:xfrm>
-          <a:prstGeom prst="rect">
-            <a:avLst/>
-          </a:prstGeom>
-          <a:noFill/>
-        </p:spPr>
-        <p:style>
-          <a:lnRef idx="2">
-            <a:schemeClr val="accent1">
-              <a:shade val="50000"/>
-            </a:schemeClr>
-          </a:lnRef>
-          <a:fillRef idx="1">
-            <a:schemeClr val="accent1"/>
-          </a:fillRef>
-          <a:effectRef idx="0">
-            <a:schemeClr val="accent1"/>
-          </a:effectRef>
-          <a:fontRef idx="minor">
-            <a:schemeClr val="lt1"/>
-          </a:fontRef>
-        </p:style>
-        <p:txBody>
-          <a:bodyPr rtlCol="0" anchor="ctr"/>
-          <a:lstStyle/>
-          <a:p>
-            <a:pPr algn="ctr"/>
-            <a:r>
-              <a:rPr lang="en-US" sz="1000">
-                <a:solidFill>
-                  <a:schemeClr val="tx1"/>
-                </a:solidFill>
-                <a:latin typeface="Menlo" panose="020B0609030804020204" pitchFamily="49" charset="0"/>
-                <a:ea typeface="Menlo" panose="020B0609030804020204" pitchFamily="49" charset="0"/>
-                <a:cs typeface="Menlo" panose="020B0609030804020204" pitchFamily="49" charset="0"/>
-              </a:rPr>
-              <a:t>TN3270</a:t>
-            </a:r>
-          </a:p>
-        </p:txBody>
-      </p:sp>
-      <p:sp>
-        <p:nvSpPr>
-          <p:cNvPr id="63" name="Rectangle 62">
-            <a:extLst>
-              <a:ext uri="{FF2B5EF4-FFF2-40B4-BE49-F238E27FC236}">
-                <a16:creationId xmlns:a16="http://schemas.microsoft.com/office/drawing/2014/main" id="{656EF613-5B84-354E-925D-A378D66F1CF1}"/>
-              </a:ext>
-            </a:extLst>
-          </p:cNvPr>
-          <p:cNvSpPr/>
-          <p:nvPr/>
-        </p:nvSpPr>
-        <p:spPr>
-          <a:xfrm>
-            <a:off x="832031" y="4840722"/>
-            <a:ext cx="673240" cy="329105"/>
-          </a:xfrm>
-          <a:prstGeom prst="rect">
-            <a:avLst/>
-          </a:prstGeom>
-          <a:noFill/>
-        </p:spPr>
-        <p:style>
-          <a:lnRef idx="2">
-            <a:schemeClr val="accent1">
-              <a:shade val="50000"/>
-            </a:schemeClr>
-          </a:lnRef>
-          <a:fillRef idx="1">
-            <a:schemeClr val="accent1"/>
-          </a:fillRef>
-          <a:effectRef idx="0">
-            <a:schemeClr val="accent1"/>
-          </a:effectRef>
-          <a:fontRef idx="minor">
-            <a:schemeClr val="lt1"/>
-          </a:fontRef>
-        </p:style>
-        <p:txBody>
-          <a:bodyPr rtlCol="0" anchor="ctr"/>
-          <a:lstStyle/>
-          <a:p>
-            <a:pPr algn="ctr"/>
-            <a:r>
-              <a:rPr lang="en-US" sz="1000">
-                <a:solidFill>
-                  <a:schemeClr val="tx1"/>
-                </a:solidFill>
-                <a:latin typeface="Menlo" panose="020B0609030804020204" pitchFamily="49" charset="0"/>
-                <a:ea typeface="Menlo" panose="020B0609030804020204" pitchFamily="49" charset="0"/>
-                <a:cs typeface="Menlo" panose="020B0609030804020204" pitchFamily="49" charset="0"/>
-              </a:rPr>
-              <a:t>VT</a:t>
-            </a:r>
-          </a:p>
-        </p:txBody>
-      </p:sp>
-      <p:sp>
-        <p:nvSpPr>
-          <p:cNvPr id="64" name="Rectangle 63">
-            <a:extLst>
-              <a:ext uri="{FF2B5EF4-FFF2-40B4-BE49-F238E27FC236}">
-                <a16:creationId xmlns:a16="http://schemas.microsoft.com/office/drawing/2014/main" id="{B7ADD677-D2DA-7F4A-AC17-74AA3E9225A1}"/>
-              </a:ext>
-            </a:extLst>
-          </p:cNvPr>
-          <p:cNvSpPr/>
-          <p:nvPr/>
-        </p:nvSpPr>
-        <p:spPr>
-          <a:xfrm>
-            <a:off x="376507" y="3771034"/>
-            <a:ext cx="1128765" cy="492369"/>
-          </a:xfrm>
-          <a:prstGeom prst="rect">
-            <a:avLst/>
-          </a:prstGeom>
-          <a:noFill/>
-        </p:spPr>
-        <p:style>
-          <a:lnRef idx="2">
-            <a:schemeClr val="accent1">
-              <a:shade val="50000"/>
-            </a:schemeClr>
-          </a:lnRef>
-          <a:fillRef idx="1">
-            <a:schemeClr val="accent1"/>
-          </a:fillRef>
-          <a:effectRef idx="0">
-            <a:schemeClr val="accent1"/>
-          </a:effectRef>
-          <a:fontRef idx="minor">
-            <a:schemeClr val="lt1"/>
-          </a:fontRef>
-        </p:style>
-        <p:txBody>
-          <a:bodyPr rtlCol="0" anchor="ctr"/>
-          <a:lstStyle/>
-          <a:p>
-            <a:pPr algn="ctr"/>
-            <a:r>
-              <a:rPr lang="en-US" sz="1000">
-                <a:solidFill>
-                  <a:schemeClr val="tx1"/>
-                </a:solidFill>
-                <a:latin typeface="Menlo" panose="020B0609030804020204" pitchFamily="49" charset="0"/>
-                <a:ea typeface="Menlo" panose="020B0609030804020204" pitchFamily="49" charset="0"/>
-                <a:cs typeface="Menlo" panose="020B0609030804020204" pitchFamily="49" charset="0"/>
-              </a:rPr>
-              <a:t>ZLUX</a:t>
-            </a:r>
-          </a:p>
-        </p:txBody>
-      </p:sp>
-      <p:sp>
-        <p:nvSpPr>
-          <p:cNvPr id="65" name="TextBox 64">
-            <a:extLst>
-              <a:ext uri="{FF2B5EF4-FFF2-40B4-BE49-F238E27FC236}">
-                <a16:creationId xmlns:a16="http://schemas.microsoft.com/office/drawing/2014/main" id="{5812FD3A-B0DF-7746-BD53-0047BF61959E}"/>
-              </a:ext>
-            </a:extLst>
-          </p:cNvPr>
-          <p:cNvSpPr txBox="1"/>
-          <p:nvPr/>
-        </p:nvSpPr>
-        <p:spPr>
-          <a:xfrm>
-            <a:off x="454836" y="3509422"/>
-            <a:ext cx="524503" cy="261610"/>
-          </a:xfrm>
-          <a:prstGeom prst="rect">
-            <a:avLst/>
-          </a:prstGeom>
-          <a:noFill/>
-        </p:spPr>
-        <p:txBody>
-          <a:bodyPr wrap="none" rtlCol="0">
-            <a:spAutoFit/>
-          </a:bodyPr>
-          <a:lstStyle/>
-          <a:p>
-            <a:r>
-              <a:rPr lang="en-US" sz="1100">
-                <a:latin typeface="Menlo" panose="020B0609030804020204" pitchFamily="49" charset="0"/>
-                <a:ea typeface="Menlo" panose="020B0609030804020204" pitchFamily="49" charset="0"/>
-                <a:cs typeface="Menlo" panose="020B0609030804020204" pitchFamily="49" charset="0"/>
-              </a:rPr>
-              <a:t>8544</a:t>
-            </a:r>
-          </a:p>
-        </p:txBody>
-      </p:sp>
-      <p:sp>
-        <p:nvSpPr>
-          <p:cNvPr id="66" name="Rectangle 65">
-            <a:extLst>
-              <a:ext uri="{FF2B5EF4-FFF2-40B4-BE49-F238E27FC236}">
-                <a16:creationId xmlns:a16="http://schemas.microsoft.com/office/drawing/2014/main" id="{E70C2438-F7B1-AA4F-85F2-E8948FBA6F32}"/>
-              </a:ext>
-            </a:extLst>
-          </p:cNvPr>
-          <p:cNvSpPr/>
-          <p:nvPr/>
-        </p:nvSpPr>
-        <p:spPr>
-          <a:xfrm>
-            <a:off x="376504" y="5715002"/>
-            <a:ext cx="1128765" cy="276391"/>
-          </a:xfrm>
-          <a:prstGeom prst="rect">
-            <a:avLst/>
-          </a:prstGeom>
-          <a:solidFill>
-            <a:srgbClr val="F3A4FF"/>
-          </a:solidFill>
-        </p:spPr>
-        <p:style>
-          <a:lnRef idx="2">
-            <a:schemeClr val="accent1">
-              <a:shade val="50000"/>
-            </a:schemeClr>
-          </a:lnRef>
-          <a:fillRef idx="1">
-            <a:schemeClr val="accent1"/>
-          </a:fillRef>
-          <a:effectRef idx="0">
-            <a:schemeClr val="accent1"/>
-          </a:effectRef>
-          <a:fontRef idx="minor">
-            <a:schemeClr val="lt1"/>
-          </a:fontRef>
-        </p:style>
-        <p:txBody>
-          <a:bodyPr rtlCol="0" anchor="ctr"/>
-          <a:lstStyle/>
-          <a:p>
-            <a:pPr algn="ctr"/>
-            <a:r>
-              <a:rPr lang="en-US" sz="1000" dirty="0">
-                <a:solidFill>
-                  <a:schemeClr val="tx1"/>
-                </a:solidFill>
-                <a:latin typeface="Menlo" panose="020B0609030804020204" pitchFamily="49" charset="0"/>
-                <a:ea typeface="Menlo" panose="020B0609030804020204" pitchFamily="49" charset="0"/>
-                <a:cs typeface="Menlo" panose="020B0609030804020204" pitchFamily="49" charset="0"/>
-              </a:rPr>
-              <a:t>zssServer</a:t>
-            </a:r>
-          </a:p>
-        </p:txBody>
-      </p:sp>
-      <p:cxnSp>
-        <p:nvCxnSpPr>
-          <p:cNvPr id="67" name="Straight Arrow Connector 66">
-            <a:extLst>
-              <a:ext uri="{FF2B5EF4-FFF2-40B4-BE49-F238E27FC236}">
-                <a16:creationId xmlns:a16="http://schemas.microsoft.com/office/drawing/2014/main" id="{14C9C9C0-A1B2-754A-8AC7-11549460EE6B}"/>
-              </a:ext>
-            </a:extLst>
-          </p:cNvPr>
-          <p:cNvCxnSpPr>
-            <a:cxnSpLocks/>
-          </p:cNvCxnSpPr>
-          <p:nvPr/>
-        </p:nvCxnSpPr>
-        <p:spPr>
-          <a:xfrm>
-            <a:off x="915053" y="5216206"/>
-            <a:ext cx="0" cy="462817"/>
-          </a:xfrm>
-          <a:prstGeom prst="straightConnector1">
-            <a:avLst/>
-          </a:prstGeom>
-          <a:ln>
-            <a:headEnd type="triangle"/>
-            <a:tailEnd type="triangle"/>
-          </a:ln>
-        </p:spPr>
-        <p:style>
-          <a:lnRef idx="1">
-            <a:schemeClr val="accent1"/>
-          </a:lnRef>
-          <a:fillRef idx="0">
-            <a:schemeClr val="accent1"/>
-          </a:fillRef>
-          <a:effectRef idx="0">
-            <a:schemeClr val="accent1"/>
-          </a:effectRef>
-          <a:fontRef idx="minor">
-            <a:schemeClr val="tx1"/>
-          </a:fontRef>
-        </p:style>
-      </p:cxnSp>
-      <p:sp>
-        <p:nvSpPr>
-          <p:cNvPr id="68" name="TextBox 67">
-            <a:extLst>
-              <a:ext uri="{FF2B5EF4-FFF2-40B4-BE49-F238E27FC236}">
-                <a16:creationId xmlns:a16="http://schemas.microsoft.com/office/drawing/2014/main" id="{AB4D9C28-D784-F04E-A506-95C735B37F48}"/>
-              </a:ext>
-            </a:extLst>
-          </p:cNvPr>
-          <p:cNvSpPr txBox="1"/>
-          <p:nvPr/>
-        </p:nvSpPr>
-        <p:spPr>
-          <a:xfrm>
-            <a:off x="420382" y="5416951"/>
-            <a:ext cx="524503" cy="261610"/>
-          </a:xfrm>
-          <a:prstGeom prst="rect">
-            <a:avLst/>
-          </a:prstGeom>
-          <a:noFill/>
-        </p:spPr>
-        <p:txBody>
-          <a:bodyPr wrap="none" rtlCol="0">
-            <a:spAutoFit/>
-          </a:bodyPr>
-          <a:lstStyle/>
-          <a:p>
-            <a:r>
-              <a:rPr lang="en-US" sz="1100">
-                <a:latin typeface="Menlo" panose="020B0609030804020204" pitchFamily="49" charset="0"/>
-                <a:ea typeface="Menlo" panose="020B0609030804020204" pitchFamily="49" charset="0"/>
-                <a:cs typeface="Menlo" panose="020B0609030804020204" pitchFamily="49" charset="0"/>
-              </a:rPr>
-              <a:t>8542</a:t>
-            </a:r>
-          </a:p>
-        </p:txBody>
-      </p:sp>
-      <p:sp>
-        <p:nvSpPr>
-          <p:cNvPr id="69" name="Rectangle 68">
-            <a:extLst>
-              <a:ext uri="{FF2B5EF4-FFF2-40B4-BE49-F238E27FC236}">
-                <a16:creationId xmlns:a16="http://schemas.microsoft.com/office/drawing/2014/main" id="{F31D35DC-3E8F-BA43-878A-435AAA2C67B2}"/>
-              </a:ext>
-            </a:extLst>
-          </p:cNvPr>
-          <p:cNvSpPr/>
-          <p:nvPr/>
-        </p:nvSpPr>
-        <p:spPr>
-          <a:xfrm>
-            <a:off x="376504" y="6483230"/>
-            <a:ext cx="1128765" cy="276391"/>
-          </a:xfrm>
-          <a:prstGeom prst="rect">
-            <a:avLst/>
-          </a:prstGeom>
-          <a:solidFill>
-            <a:srgbClr val="F3A4FF"/>
-          </a:solidFill>
-        </p:spPr>
-        <p:style>
-          <a:lnRef idx="2">
-            <a:schemeClr val="accent1">
-              <a:shade val="50000"/>
-            </a:schemeClr>
-          </a:lnRef>
-          <a:fillRef idx="1">
-            <a:schemeClr val="accent1"/>
-          </a:fillRef>
-          <a:effectRef idx="0">
-            <a:schemeClr val="accent1"/>
-          </a:effectRef>
-          <a:fontRef idx="minor">
-            <a:schemeClr val="lt1"/>
-          </a:fontRef>
-        </p:style>
-        <p:txBody>
-          <a:bodyPr rtlCol="0" anchor="ctr"/>
-          <a:lstStyle/>
-          <a:p>
-            <a:pPr algn="ctr"/>
-            <a:r>
-              <a:rPr lang="en-US" sz="1000">
-                <a:solidFill>
-                  <a:schemeClr val="tx1"/>
-                </a:solidFill>
-                <a:latin typeface="Menlo" panose="020B0609030804020204" pitchFamily="49" charset="0"/>
-                <a:ea typeface="Menlo" panose="020B0609030804020204" pitchFamily="49" charset="0"/>
-                <a:cs typeface="Menlo" panose="020B0609030804020204" pitchFamily="49" charset="0"/>
-              </a:rPr>
-              <a:t>ZWESIS01</a:t>
-            </a:r>
-          </a:p>
-        </p:txBody>
-      </p:sp>
-      <p:cxnSp>
-        <p:nvCxnSpPr>
-          <p:cNvPr id="71" name="Straight Arrow Connector 70">
-            <a:extLst>
-              <a:ext uri="{FF2B5EF4-FFF2-40B4-BE49-F238E27FC236}">
-                <a16:creationId xmlns:a16="http://schemas.microsoft.com/office/drawing/2014/main" id="{A620CABF-D612-FA4C-92C8-04171C514818}"/>
-              </a:ext>
-            </a:extLst>
-          </p:cNvPr>
-          <p:cNvCxnSpPr>
-            <a:cxnSpLocks/>
-          </p:cNvCxnSpPr>
-          <p:nvPr/>
-        </p:nvCxnSpPr>
-        <p:spPr>
-          <a:xfrm>
-            <a:off x="940887" y="5991392"/>
-            <a:ext cx="0" cy="491837"/>
-          </a:xfrm>
-          <a:prstGeom prst="straightConnector1">
-            <a:avLst/>
-          </a:prstGeom>
-          <a:ln>
-            <a:prstDash val="dash"/>
-            <a:headEnd type="triangle"/>
-            <a:tailEnd type="triangle"/>
-          </a:ln>
-        </p:spPr>
-        <p:style>
-          <a:lnRef idx="1">
-            <a:schemeClr val="accent1"/>
-          </a:lnRef>
-          <a:fillRef idx="0">
-            <a:schemeClr val="accent1"/>
-          </a:fillRef>
-          <a:effectRef idx="0">
-            <a:schemeClr val="accent1"/>
-          </a:effectRef>
-          <a:fontRef idx="minor">
-            <a:schemeClr val="tx1"/>
-          </a:fontRef>
-        </p:style>
-      </p:cxnSp>
-      <p:sp>
-        <p:nvSpPr>
-          <p:cNvPr id="73" name="TextBox 72">
-            <a:extLst>
-              <a:ext uri="{FF2B5EF4-FFF2-40B4-BE49-F238E27FC236}">
-                <a16:creationId xmlns:a16="http://schemas.microsoft.com/office/drawing/2014/main" id="{30F200DC-F6DD-1040-B383-4FD5972148F5}"/>
-              </a:ext>
-            </a:extLst>
-          </p:cNvPr>
-          <p:cNvSpPr txBox="1"/>
-          <p:nvPr/>
-        </p:nvSpPr>
-        <p:spPr>
-          <a:xfrm>
-            <a:off x="369877" y="6181234"/>
-            <a:ext cx="609462" cy="261610"/>
-          </a:xfrm>
-          <a:prstGeom prst="rect">
-            <a:avLst/>
-          </a:prstGeom>
-          <a:noFill/>
-        </p:spPr>
-        <p:txBody>
-          <a:bodyPr wrap="none" rtlCol="0">
-            <a:spAutoFit/>
-          </a:bodyPr>
-          <a:lstStyle/>
-          <a:p>
-            <a:r>
-              <a:rPr lang="en-US" sz="1100">
-                <a:latin typeface="Menlo" panose="020B0609030804020204" pitchFamily="49" charset="0"/>
-                <a:ea typeface="Menlo" panose="020B0609030804020204" pitchFamily="49" charset="0"/>
-                <a:cs typeface="Menlo" panose="020B0609030804020204" pitchFamily="49" charset="0"/>
-              </a:rPr>
-              <a:t>X-MEM</a:t>
-            </a:r>
-          </a:p>
-        </p:txBody>
-      </p:sp>
-      <p:sp>
-        <p:nvSpPr>
-          <p:cNvPr id="74" name="Rectangle 73">
-            <a:extLst>
-              <a:ext uri="{FF2B5EF4-FFF2-40B4-BE49-F238E27FC236}">
-                <a16:creationId xmlns:a16="http://schemas.microsoft.com/office/drawing/2014/main" id="{E407C455-D8CE-5944-91A4-CE85F241ACE2}"/>
-              </a:ext>
-            </a:extLst>
-          </p:cNvPr>
-          <p:cNvSpPr/>
-          <p:nvPr/>
-        </p:nvSpPr>
-        <p:spPr>
-          <a:xfrm>
-            <a:off x="7035557" y="5292294"/>
-            <a:ext cx="1586963" cy="484323"/>
-          </a:xfrm>
-          <a:prstGeom prst="rect">
-            <a:avLst/>
-          </a:prstGeom>
-          <a:noFill/>
-        </p:spPr>
-        <p:style>
-          <a:lnRef idx="2">
-            <a:schemeClr val="accent1">
-              <a:shade val="50000"/>
-            </a:schemeClr>
-          </a:lnRef>
-          <a:fillRef idx="1">
-            <a:schemeClr val="accent1"/>
-          </a:fillRef>
-          <a:effectRef idx="0">
-            <a:schemeClr val="accent1"/>
-          </a:effectRef>
-          <a:fontRef idx="minor">
-            <a:schemeClr val="lt1"/>
-          </a:fontRef>
-        </p:style>
-        <p:txBody>
-          <a:bodyPr rtlCol="0" anchor="ctr"/>
-          <a:lstStyle/>
-          <a:p>
-            <a:pPr algn="ctr"/>
-            <a:r>
-              <a:rPr lang="en-US" sz="1000">
-                <a:solidFill>
-                  <a:schemeClr val="tx1"/>
-                </a:solidFill>
-                <a:latin typeface="Menlo" panose="020B0609030804020204" pitchFamily="49" charset="0"/>
-                <a:ea typeface="Menlo" panose="020B0609030804020204" pitchFamily="49" charset="0"/>
-                <a:cs typeface="Menlo" panose="020B0609030804020204" pitchFamily="49" charset="0"/>
-              </a:rPr>
-              <a:t>z/OSMF</a:t>
-            </a:r>
-          </a:p>
-        </p:txBody>
-      </p:sp>
-      <p:cxnSp>
-        <p:nvCxnSpPr>
-          <p:cNvPr id="47" name="Straight Arrow Connector 46">
-            <a:extLst>
-              <a:ext uri="{FF2B5EF4-FFF2-40B4-BE49-F238E27FC236}">
-                <a16:creationId xmlns:a16="http://schemas.microsoft.com/office/drawing/2014/main" id="{C21C7C1C-2A6C-8E40-8948-599036CFC2D3}"/>
-              </a:ext>
-            </a:extLst>
-          </p:cNvPr>
-          <p:cNvCxnSpPr>
-            <a:cxnSpLocks/>
-          </p:cNvCxnSpPr>
-          <p:nvPr/>
-        </p:nvCxnSpPr>
-        <p:spPr>
-          <a:xfrm>
-            <a:off x="6510049" y="3270740"/>
-            <a:ext cx="0" cy="1994120"/>
-          </a:xfrm>
-          <a:prstGeom prst="straightConnector1">
-            <a:avLst/>
-          </a:prstGeom>
-          <a:ln>
-            <a:headEnd type="triangle"/>
-            <a:tailEnd type="triangle"/>
-          </a:ln>
-        </p:spPr>
-        <p:style>
-          <a:lnRef idx="1">
-            <a:schemeClr val="accent1"/>
-          </a:lnRef>
-          <a:fillRef idx="0">
-            <a:schemeClr val="accent1"/>
-          </a:fillRef>
-          <a:effectRef idx="0">
-            <a:schemeClr val="accent1"/>
-          </a:effectRef>
-          <a:fontRef idx="minor">
-            <a:schemeClr val="tx1"/>
-          </a:fontRef>
-        </p:style>
-      </p:cxnSp>
-      <p:sp>
-        <p:nvSpPr>
-          <p:cNvPr id="53" name="Rectangle 52">
-            <a:extLst>
-              <a:ext uri="{FF2B5EF4-FFF2-40B4-BE49-F238E27FC236}">
-                <a16:creationId xmlns:a16="http://schemas.microsoft.com/office/drawing/2014/main" id="{3F06A9EE-10D3-3A4C-A679-0EA5B22E7C64}"/>
-              </a:ext>
-            </a:extLst>
-          </p:cNvPr>
-          <p:cNvSpPr/>
-          <p:nvPr/>
-        </p:nvSpPr>
-        <p:spPr>
-          <a:xfrm>
-            <a:off x="801245" y="2459075"/>
-            <a:ext cx="1220029" cy="818942"/>
-          </a:xfrm>
-          <a:prstGeom prst="rect">
-            <a:avLst/>
-          </a:prstGeom>
-          <a:solidFill>
-            <a:schemeClr val="accent4">
-              <a:lumMod val="20000"/>
-              <a:lumOff val="80000"/>
-              <a:alpha val="25000"/>
-            </a:schemeClr>
-          </a:solidFill>
-          <a:ln>
-            <a:prstDash val="dash"/>
-          </a:ln>
-        </p:spPr>
-        <p:style>
-          <a:lnRef idx="2">
-            <a:schemeClr val="accent1">
-              <a:shade val="50000"/>
-            </a:schemeClr>
-          </a:lnRef>
-          <a:fillRef idx="1">
-            <a:schemeClr val="accent1"/>
-          </a:fillRef>
-          <a:effectRef idx="0">
-            <a:schemeClr val="accent1"/>
-          </a:effectRef>
-          <a:fontRef idx="minor">
-            <a:schemeClr val="lt1"/>
-          </a:fontRef>
-        </p:style>
-        <p:txBody>
-          <a:bodyPr rtlCol="0" anchor="ctr"/>
-          <a:lstStyle/>
-          <a:p>
-            <a:pPr algn="ctr"/>
-            <a:r>
-              <a:rPr lang="en-US" sz="1000">
-                <a:solidFill>
-                  <a:schemeClr val="tx1"/>
-                </a:solidFill>
-                <a:latin typeface="Menlo" panose="020B0609030804020204" pitchFamily="49" charset="0"/>
-                <a:ea typeface="Menlo" panose="020B0609030804020204" pitchFamily="49" charset="0"/>
-                <a:cs typeface="Menlo" panose="020B0609030804020204" pitchFamily="49" charset="0"/>
-              </a:rPr>
-              <a:t>In progress</a:t>
-            </a:r>
-          </a:p>
-          <a:p>
-            <a:pPr algn="ctr"/>
-            <a:endParaRPr lang="en-US" sz="1000">
-              <a:solidFill>
-                <a:schemeClr val="tx1"/>
-              </a:solidFill>
-              <a:latin typeface="Menlo" panose="020B0609030804020204" pitchFamily="49" charset="0"/>
-              <a:ea typeface="Menlo" panose="020B0609030804020204" pitchFamily="49" charset="0"/>
-              <a:cs typeface="Menlo" panose="020B0609030804020204" pitchFamily="49" charset="0"/>
-            </a:endParaRPr>
-          </a:p>
-          <a:p>
-            <a:pPr algn="ctr"/>
-            <a:endParaRPr lang="en-US" sz="1000">
-              <a:solidFill>
-                <a:schemeClr val="tx1"/>
-              </a:solidFill>
-              <a:latin typeface="Menlo" panose="020B0609030804020204" pitchFamily="49" charset="0"/>
-              <a:ea typeface="Menlo" panose="020B0609030804020204" pitchFamily="49" charset="0"/>
-              <a:cs typeface="Menlo" panose="020B0609030804020204" pitchFamily="49" charset="0"/>
-            </a:endParaRPr>
-          </a:p>
-          <a:p>
-            <a:pPr algn="ctr"/>
-            <a:endParaRPr lang="en-US" sz="1000">
-              <a:solidFill>
-                <a:schemeClr val="tx1"/>
-              </a:solidFill>
-              <a:latin typeface="Menlo" panose="020B0609030804020204" pitchFamily="49" charset="0"/>
-              <a:ea typeface="Menlo" panose="020B0609030804020204" pitchFamily="49" charset="0"/>
-              <a:cs typeface="Menlo" panose="020B0609030804020204" pitchFamily="49" charset="0"/>
-            </a:endParaRPr>
-          </a:p>
-        </p:txBody>
-      </p:sp>
-      <p:sp>
-        <p:nvSpPr>
-          <p:cNvPr id="75" name="Rectangle 74">
-            <a:extLst>
-              <a:ext uri="{FF2B5EF4-FFF2-40B4-BE49-F238E27FC236}">
-                <a16:creationId xmlns:a16="http://schemas.microsoft.com/office/drawing/2014/main" id="{0888EDE4-E73F-5C40-9A6E-643A985DA5FA}"/>
-              </a:ext>
-            </a:extLst>
-          </p:cNvPr>
-          <p:cNvSpPr/>
-          <p:nvPr/>
-        </p:nvSpPr>
-        <p:spPr>
-          <a:xfrm>
-            <a:off x="7035095" y="5776616"/>
-            <a:ext cx="1587425" cy="983005"/>
-          </a:xfrm>
-          <a:prstGeom prst="rect">
-            <a:avLst/>
-          </a:prstGeom>
-          <a:noFill/>
-        </p:spPr>
-        <p:style>
-          <a:lnRef idx="2">
-            <a:schemeClr val="accent1">
-              <a:shade val="50000"/>
-            </a:schemeClr>
-          </a:lnRef>
-          <a:fillRef idx="1">
-            <a:schemeClr val="accent1"/>
-          </a:fillRef>
-          <a:effectRef idx="0">
-            <a:schemeClr val="accent1"/>
-          </a:effectRef>
-          <a:fontRef idx="minor">
-            <a:schemeClr val="lt1"/>
-          </a:fontRef>
-        </p:style>
-        <p:txBody>
-          <a:bodyPr rtlCol="0" anchor="ctr"/>
-          <a:lstStyle/>
-          <a:p>
-            <a:pPr algn="ctr"/>
-            <a:r>
-              <a:rPr lang="en-US" sz="1000" b="1">
-                <a:solidFill>
-                  <a:schemeClr val="tx1"/>
-                </a:solidFill>
-                <a:latin typeface="Menlo" panose="020B0609030804020204" pitchFamily="49" charset="0"/>
-                <a:ea typeface="Menlo" panose="020B0609030804020204" pitchFamily="49" charset="0"/>
-                <a:cs typeface="Menlo" panose="020B0609030804020204" pitchFamily="49" charset="0"/>
-              </a:rPr>
-              <a:t>REST APIs</a:t>
-            </a:r>
-          </a:p>
-          <a:p>
-            <a:r>
-              <a:rPr lang="en-US" sz="1067">
-                <a:solidFill>
-                  <a:schemeClr val="tx1"/>
-                </a:solidFill>
-                <a:latin typeface="Menlo" panose="020B0609030804020204" pitchFamily="49" charset="0"/>
-                <a:ea typeface="Menlo" panose="020B0609030804020204" pitchFamily="49" charset="0"/>
-                <a:cs typeface="Menlo" panose="020B0609030804020204" pitchFamily="49" charset="0"/>
-              </a:rPr>
-              <a:t>Workflows</a:t>
-            </a:r>
-          </a:p>
-          <a:p>
-            <a:r>
-              <a:rPr lang="en-US" sz="1067">
-                <a:solidFill>
-                  <a:schemeClr val="tx1"/>
-                </a:solidFill>
-                <a:latin typeface="Menlo" panose="020B0609030804020204" pitchFamily="49" charset="0"/>
-                <a:ea typeface="Menlo" panose="020B0609030804020204" pitchFamily="49" charset="0"/>
-                <a:cs typeface="Menlo" panose="020B0609030804020204" pitchFamily="49" charset="0"/>
-              </a:rPr>
-              <a:t>TSO Commands</a:t>
-            </a:r>
-          </a:p>
-          <a:p>
-            <a:r>
-              <a:rPr lang="en-US" sz="1067">
-                <a:solidFill>
-                  <a:schemeClr val="tx1"/>
-                </a:solidFill>
-                <a:latin typeface="Menlo" panose="020B0609030804020204" pitchFamily="49" charset="0"/>
-                <a:ea typeface="Menlo" panose="020B0609030804020204" pitchFamily="49" charset="0"/>
-                <a:cs typeface="Menlo" panose="020B0609030804020204" pitchFamily="49" charset="0"/>
-              </a:rPr>
-              <a:t>MVS Commands</a:t>
-            </a:r>
-          </a:p>
-          <a:p>
-            <a:r>
-              <a:rPr lang="en-US" sz="1067">
-                <a:solidFill>
-                  <a:schemeClr val="tx1"/>
-                </a:solidFill>
-                <a:latin typeface="Menlo" panose="020B0609030804020204" pitchFamily="49" charset="0"/>
-                <a:ea typeface="Menlo" panose="020B0609030804020204" pitchFamily="49" charset="0"/>
-                <a:cs typeface="Menlo" panose="020B0609030804020204" pitchFamily="49" charset="0"/>
-              </a:rPr>
-              <a:t>Files, USS, JES</a:t>
-            </a:r>
-          </a:p>
-        </p:txBody>
-      </p:sp>
-      <p:sp>
-        <p:nvSpPr>
-          <p:cNvPr id="76" name="TextBox 75">
-            <a:extLst>
-              <a:ext uri="{FF2B5EF4-FFF2-40B4-BE49-F238E27FC236}">
-                <a16:creationId xmlns:a16="http://schemas.microsoft.com/office/drawing/2014/main" id="{9AFB5CBE-D9AB-1D46-89B6-FD697A720E44}"/>
-              </a:ext>
-            </a:extLst>
-          </p:cNvPr>
-          <p:cNvSpPr txBox="1"/>
-          <p:nvPr/>
-        </p:nvSpPr>
-        <p:spPr>
-          <a:xfrm>
-            <a:off x="7270907" y="5023913"/>
-            <a:ext cx="524503" cy="261610"/>
-          </a:xfrm>
-          <a:prstGeom prst="rect">
-            <a:avLst/>
-          </a:prstGeom>
-          <a:noFill/>
-        </p:spPr>
-        <p:txBody>
-          <a:bodyPr wrap="none" rtlCol="0">
-            <a:spAutoFit/>
-          </a:bodyPr>
-          <a:lstStyle/>
-          <a:p>
-            <a:r>
-              <a:rPr lang="en-US" sz="1100">
-                <a:latin typeface="Menlo" panose="020B0609030804020204" pitchFamily="49" charset="0"/>
-                <a:ea typeface="Menlo" panose="020B0609030804020204" pitchFamily="49" charset="0"/>
-                <a:cs typeface="Menlo" panose="020B0609030804020204" pitchFamily="49" charset="0"/>
-              </a:rPr>
-              <a:t>7443</a:t>
-            </a:r>
-          </a:p>
-        </p:txBody>
-      </p:sp>
-      <p:sp>
-        <p:nvSpPr>
-          <p:cNvPr id="77" name="Rectangle 76">
-            <a:extLst>
-              <a:ext uri="{FF2B5EF4-FFF2-40B4-BE49-F238E27FC236}">
-                <a16:creationId xmlns:a16="http://schemas.microsoft.com/office/drawing/2014/main" id="{FA73CD6B-CAA9-1349-802C-B5EC05495080}"/>
-              </a:ext>
-            </a:extLst>
-          </p:cNvPr>
-          <p:cNvSpPr/>
-          <p:nvPr/>
-        </p:nvSpPr>
-        <p:spPr>
-          <a:xfrm>
-            <a:off x="263534" y="1443112"/>
-            <a:ext cx="5797065" cy="235298"/>
-          </a:xfrm>
-          <a:prstGeom prst="rect">
-            <a:avLst/>
-          </a:prstGeom>
-          <a:solidFill>
-            <a:schemeClr val="accent1">
-              <a:lumMod val="20000"/>
-              <a:lumOff val="80000"/>
-            </a:schemeClr>
-          </a:solidFill>
-        </p:spPr>
-        <p:style>
-          <a:lnRef idx="1">
-            <a:schemeClr val="accent1"/>
-          </a:lnRef>
-          <a:fillRef idx="3">
-            <a:schemeClr val="accent1"/>
-          </a:fillRef>
-          <a:effectRef idx="2">
-            <a:schemeClr val="accent1"/>
-          </a:effectRef>
-          <a:fontRef idx="minor">
-            <a:schemeClr val="lt1"/>
-          </a:fontRef>
-        </p:style>
-        <p:txBody>
-          <a:bodyPr rtlCol="0" anchor="ctr"/>
-          <a:lstStyle/>
-          <a:p>
-            <a:pPr algn="ctr"/>
-            <a:r>
-              <a:rPr lang="en-US" sz="800" dirty="0">
-                <a:solidFill>
-                  <a:schemeClr val="tx1"/>
-                </a:solidFill>
-                <a:latin typeface="Menlo" charset="0"/>
-                <a:ea typeface="Menlo" charset="0"/>
-                <a:cs typeface="Menlo" charset="0"/>
-              </a:rPr>
-              <a:t>Zowe Desktop running in web browser</a:t>
-            </a:r>
-          </a:p>
-        </p:txBody>
-      </p:sp>
-      <p:sp>
-        <p:nvSpPr>
-          <p:cNvPr id="9" name="Rectangle 8">
-            <a:extLst>
-              <a:ext uri="{FF2B5EF4-FFF2-40B4-BE49-F238E27FC236}">
-                <a16:creationId xmlns:a16="http://schemas.microsoft.com/office/drawing/2014/main" id="{2220A9C8-5545-034F-9052-581D243973EB}"/>
-              </a:ext>
-            </a:extLst>
-          </p:cNvPr>
-          <p:cNvSpPr/>
-          <p:nvPr/>
-        </p:nvSpPr>
-        <p:spPr>
-          <a:xfrm>
-            <a:off x="2269173" y="715501"/>
-            <a:ext cx="830876" cy="584635"/>
-          </a:xfrm>
-          <a:prstGeom prst="rect">
-            <a:avLst/>
-          </a:prstGeom>
-          <a:solidFill>
-            <a:schemeClr val="tx2">
-              <a:lumMod val="20000"/>
-              <a:lumOff val="80000"/>
-            </a:schemeClr>
-          </a:solidFill>
-          <a:ln>
-            <a:solidFill>
-              <a:schemeClr val="tx1"/>
-            </a:solidFill>
-          </a:ln>
-        </p:spPr>
-        <p:style>
-          <a:lnRef idx="1">
-            <a:schemeClr val="accent1"/>
-          </a:lnRef>
-          <a:fillRef idx="3">
-            <a:schemeClr val="accent1"/>
-          </a:fillRef>
-          <a:effectRef idx="2">
-            <a:schemeClr val="accent1"/>
-          </a:effectRef>
-          <a:fontRef idx="minor">
-            <a:schemeClr val="lt1"/>
-          </a:fontRef>
-        </p:style>
-        <p:txBody>
-          <a:bodyPr rtlCol="0" anchor="ctr"/>
-          <a:lstStyle/>
-          <a:p>
-            <a:pPr algn="ctr"/>
-            <a:endParaRPr lang="en-US" sz="533">
-              <a:solidFill>
-                <a:schemeClr val="tx1"/>
-              </a:solidFill>
-              <a:latin typeface="Menlo" panose="020B0609030804020204" pitchFamily="49" charset="0"/>
-              <a:ea typeface="Menlo" panose="020B0609030804020204" pitchFamily="49" charset="0"/>
-              <a:cs typeface="Menlo" panose="020B0609030804020204" pitchFamily="49" charset="0"/>
-            </a:endParaRPr>
-          </a:p>
-          <a:p>
-            <a:pPr algn="ctr"/>
-            <a:endParaRPr lang="en-US" sz="533">
-              <a:solidFill>
-                <a:schemeClr val="tx1"/>
-              </a:solidFill>
-              <a:latin typeface="Menlo" panose="020B0609030804020204" pitchFamily="49" charset="0"/>
-              <a:ea typeface="Menlo" panose="020B0609030804020204" pitchFamily="49" charset="0"/>
-              <a:cs typeface="Menlo" panose="020B0609030804020204" pitchFamily="49" charset="0"/>
-            </a:endParaRPr>
-          </a:p>
-          <a:p>
-            <a:pPr algn="ctr"/>
-            <a:endParaRPr lang="en-US" sz="533">
-              <a:solidFill>
-                <a:schemeClr val="tx1"/>
-              </a:solidFill>
-              <a:latin typeface="Menlo" panose="020B0609030804020204" pitchFamily="49" charset="0"/>
-              <a:ea typeface="Menlo" panose="020B0609030804020204" pitchFamily="49" charset="0"/>
-              <a:cs typeface="Menlo" panose="020B0609030804020204" pitchFamily="49" charset="0"/>
-            </a:endParaRPr>
-          </a:p>
-          <a:p>
-            <a:pPr algn="ctr"/>
-            <a:endParaRPr lang="en-US" sz="533">
-              <a:solidFill>
-                <a:schemeClr val="tx1"/>
-              </a:solidFill>
-              <a:latin typeface="Menlo" panose="020B0609030804020204" pitchFamily="49" charset="0"/>
-              <a:ea typeface="Menlo" panose="020B0609030804020204" pitchFamily="49" charset="0"/>
-              <a:cs typeface="Menlo" panose="020B0609030804020204" pitchFamily="49" charset="0"/>
-            </a:endParaRPr>
-          </a:p>
-          <a:p>
-            <a:pPr algn="ctr"/>
-            <a:endParaRPr lang="en-US" sz="533">
-              <a:solidFill>
-                <a:schemeClr val="tx1"/>
-              </a:solidFill>
-              <a:latin typeface="Menlo" panose="020B0609030804020204" pitchFamily="49" charset="0"/>
-              <a:ea typeface="Menlo" panose="020B0609030804020204" pitchFamily="49" charset="0"/>
-              <a:cs typeface="Menlo" panose="020B0609030804020204" pitchFamily="49" charset="0"/>
-            </a:endParaRPr>
-          </a:p>
-          <a:p>
-            <a:pPr algn="ctr"/>
-            <a:r>
-              <a:rPr lang="en-US" sz="533">
-                <a:solidFill>
-                  <a:schemeClr val="tx1"/>
-                </a:solidFill>
-                <a:latin typeface="Menlo" panose="020B0609030804020204" pitchFamily="49" charset="0"/>
-                <a:ea typeface="Menlo" panose="020B0609030804020204" pitchFamily="49" charset="0"/>
-                <a:cs typeface="Menlo" panose="020B0609030804020204" pitchFamily="49" charset="0"/>
-              </a:rPr>
-              <a:t>MVS Explorer</a:t>
-            </a:r>
-          </a:p>
-        </p:txBody>
-      </p:sp>
-      <p:pic>
-        <p:nvPicPr>
-          <p:cNvPr id="7" name="Picture 6">
-            <a:extLst>
-              <a:ext uri="{FF2B5EF4-FFF2-40B4-BE49-F238E27FC236}">
-                <a16:creationId xmlns:a16="http://schemas.microsoft.com/office/drawing/2014/main" id="{ECDB2FB1-7D11-D242-8A90-3D7D5F81098F}"/>
-              </a:ext>
-            </a:extLst>
-          </p:cNvPr>
-          <p:cNvPicPr>
-            <a:picLocks noChangeAspect="1"/>
-          </p:cNvPicPr>
-          <p:nvPr/>
-        </p:nvPicPr>
-        <p:blipFill>
-          <a:blip r:embed="rId2"/>
-          <a:stretch>
-            <a:fillRect/>
-          </a:stretch>
-        </p:blipFill>
-        <p:spPr>
-          <a:xfrm>
-            <a:off x="2369494" y="751616"/>
-            <a:ext cx="594960" cy="335992"/>
-          </a:xfrm>
-          <a:prstGeom prst="rect">
-            <a:avLst/>
-          </a:prstGeom>
-        </p:spPr>
-      </p:pic>
-      <p:sp>
-        <p:nvSpPr>
-          <p:cNvPr id="79" name="Rectangle 78">
-            <a:extLst>
-              <a:ext uri="{FF2B5EF4-FFF2-40B4-BE49-F238E27FC236}">
-                <a16:creationId xmlns:a16="http://schemas.microsoft.com/office/drawing/2014/main" id="{FDCFCB80-CB2D-354F-9948-646AA711CD40}"/>
-              </a:ext>
-            </a:extLst>
-          </p:cNvPr>
-          <p:cNvSpPr/>
-          <p:nvPr/>
-        </p:nvSpPr>
-        <p:spPr>
-          <a:xfrm>
-            <a:off x="3191853" y="723469"/>
-            <a:ext cx="830876" cy="584635"/>
-          </a:xfrm>
-          <a:prstGeom prst="rect">
-            <a:avLst/>
-          </a:prstGeom>
-          <a:solidFill>
-            <a:schemeClr val="tx2">
-              <a:lumMod val="20000"/>
-              <a:lumOff val="80000"/>
-            </a:schemeClr>
-          </a:solidFill>
-          <a:ln>
-            <a:solidFill>
-              <a:schemeClr val="tx1"/>
-            </a:solidFill>
-          </a:ln>
-        </p:spPr>
-        <p:style>
-          <a:lnRef idx="1">
-            <a:schemeClr val="accent1"/>
-          </a:lnRef>
-          <a:fillRef idx="3">
-            <a:schemeClr val="accent1"/>
-          </a:fillRef>
-          <a:effectRef idx="2">
-            <a:schemeClr val="accent1"/>
-          </a:effectRef>
-          <a:fontRef idx="minor">
-            <a:schemeClr val="lt1"/>
-          </a:fontRef>
-        </p:style>
-        <p:txBody>
-          <a:bodyPr rtlCol="0" anchor="ctr"/>
-          <a:lstStyle/>
-          <a:p>
-            <a:pPr algn="ctr"/>
-            <a:endParaRPr lang="en-US" sz="533">
-              <a:solidFill>
-                <a:schemeClr val="tx1"/>
-              </a:solidFill>
-              <a:latin typeface="Menlo" panose="020B0609030804020204" pitchFamily="49" charset="0"/>
-              <a:ea typeface="Menlo" panose="020B0609030804020204" pitchFamily="49" charset="0"/>
-              <a:cs typeface="Menlo" panose="020B0609030804020204" pitchFamily="49" charset="0"/>
-            </a:endParaRPr>
-          </a:p>
-          <a:p>
-            <a:pPr algn="ctr"/>
-            <a:endParaRPr lang="en-US" sz="533">
-              <a:solidFill>
-                <a:schemeClr val="tx1"/>
-              </a:solidFill>
-              <a:latin typeface="Menlo" panose="020B0609030804020204" pitchFamily="49" charset="0"/>
-              <a:ea typeface="Menlo" panose="020B0609030804020204" pitchFamily="49" charset="0"/>
-              <a:cs typeface="Menlo" panose="020B0609030804020204" pitchFamily="49" charset="0"/>
-            </a:endParaRPr>
-          </a:p>
-          <a:p>
-            <a:pPr algn="ctr"/>
-            <a:endParaRPr lang="en-US" sz="533">
-              <a:solidFill>
-                <a:schemeClr val="tx1"/>
-              </a:solidFill>
-              <a:latin typeface="Menlo" panose="020B0609030804020204" pitchFamily="49" charset="0"/>
-              <a:ea typeface="Menlo" panose="020B0609030804020204" pitchFamily="49" charset="0"/>
-              <a:cs typeface="Menlo" panose="020B0609030804020204" pitchFamily="49" charset="0"/>
-            </a:endParaRPr>
-          </a:p>
-          <a:p>
-            <a:pPr algn="ctr"/>
-            <a:endParaRPr lang="en-US" sz="533">
-              <a:solidFill>
-                <a:schemeClr val="tx1"/>
-              </a:solidFill>
-              <a:latin typeface="Menlo" panose="020B0609030804020204" pitchFamily="49" charset="0"/>
-              <a:ea typeface="Menlo" panose="020B0609030804020204" pitchFamily="49" charset="0"/>
-              <a:cs typeface="Menlo" panose="020B0609030804020204" pitchFamily="49" charset="0"/>
-            </a:endParaRPr>
-          </a:p>
-          <a:p>
-            <a:pPr algn="ctr"/>
-            <a:endParaRPr lang="en-US" sz="533">
-              <a:solidFill>
-                <a:schemeClr val="tx1"/>
-              </a:solidFill>
-              <a:latin typeface="Menlo" panose="020B0609030804020204" pitchFamily="49" charset="0"/>
-              <a:ea typeface="Menlo" panose="020B0609030804020204" pitchFamily="49" charset="0"/>
-              <a:cs typeface="Menlo" panose="020B0609030804020204" pitchFamily="49" charset="0"/>
-            </a:endParaRPr>
-          </a:p>
-          <a:p>
-            <a:pPr algn="ctr"/>
-            <a:r>
-              <a:rPr lang="en-US" sz="533">
-                <a:solidFill>
-                  <a:schemeClr val="tx1"/>
-                </a:solidFill>
-                <a:latin typeface="Menlo" panose="020B0609030804020204" pitchFamily="49" charset="0"/>
-                <a:ea typeface="Menlo" panose="020B0609030804020204" pitchFamily="49" charset="0"/>
-                <a:cs typeface="Menlo" panose="020B0609030804020204" pitchFamily="49" charset="0"/>
-              </a:rPr>
-              <a:t>JES Explorer</a:t>
-            </a:r>
-          </a:p>
-        </p:txBody>
-      </p:sp>
-      <p:pic>
-        <p:nvPicPr>
-          <p:cNvPr id="8" name="Picture 7">
-            <a:extLst>
-              <a:ext uri="{FF2B5EF4-FFF2-40B4-BE49-F238E27FC236}">
-                <a16:creationId xmlns:a16="http://schemas.microsoft.com/office/drawing/2014/main" id="{5E182968-48C7-A04A-B576-7DE13E28DF18}"/>
-              </a:ext>
-            </a:extLst>
-          </p:cNvPr>
-          <p:cNvPicPr>
-            <a:picLocks noChangeAspect="1"/>
-          </p:cNvPicPr>
-          <p:nvPr/>
-        </p:nvPicPr>
-        <p:blipFill>
-          <a:blip r:embed="rId3"/>
-          <a:stretch>
-            <a:fillRect/>
-          </a:stretch>
-        </p:blipFill>
-        <p:spPr>
-          <a:xfrm>
-            <a:off x="3318394" y="772119"/>
-            <a:ext cx="542319" cy="336716"/>
-          </a:xfrm>
-          <a:prstGeom prst="rect">
-            <a:avLst/>
-          </a:prstGeom>
-        </p:spPr>
-      </p:pic>
-      <p:sp>
-        <p:nvSpPr>
-          <p:cNvPr id="80" name="Rectangle 79">
-            <a:extLst>
-              <a:ext uri="{FF2B5EF4-FFF2-40B4-BE49-F238E27FC236}">
-                <a16:creationId xmlns:a16="http://schemas.microsoft.com/office/drawing/2014/main" id="{91600B3F-5883-A745-B9E9-287709B4FA06}"/>
-              </a:ext>
-            </a:extLst>
-          </p:cNvPr>
-          <p:cNvSpPr/>
-          <p:nvPr/>
-        </p:nvSpPr>
-        <p:spPr>
-          <a:xfrm>
-            <a:off x="4140753" y="726804"/>
-            <a:ext cx="830876" cy="584635"/>
-          </a:xfrm>
-          <a:prstGeom prst="rect">
-            <a:avLst/>
-          </a:prstGeom>
-          <a:solidFill>
-            <a:schemeClr val="tx2">
-              <a:lumMod val="20000"/>
-              <a:lumOff val="80000"/>
-            </a:schemeClr>
-          </a:solidFill>
-          <a:ln>
-            <a:solidFill>
-              <a:schemeClr val="tx1"/>
-            </a:solidFill>
-          </a:ln>
-        </p:spPr>
-        <p:style>
-          <a:lnRef idx="1">
-            <a:schemeClr val="accent1"/>
-          </a:lnRef>
-          <a:fillRef idx="3">
-            <a:schemeClr val="accent1"/>
-          </a:fillRef>
-          <a:effectRef idx="2">
-            <a:schemeClr val="accent1"/>
-          </a:effectRef>
-          <a:fontRef idx="minor">
-            <a:schemeClr val="lt1"/>
-          </a:fontRef>
-        </p:style>
-        <p:txBody>
-          <a:bodyPr rtlCol="0" anchor="ctr"/>
-          <a:lstStyle/>
-          <a:p>
-            <a:pPr algn="ctr"/>
-            <a:endParaRPr lang="en-US" sz="533">
-              <a:solidFill>
-                <a:schemeClr val="tx1"/>
-              </a:solidFill>
-              <a:latin typeface="Menlo" panose="020B0609030804020204" pitchFamily="49" charset="0"/>
-              <a:ea typeface="Menlo" panose="020B0609030804020204" pitchFamily="49" charset="0"/>
-              <a:cs typeface="Menlo" panose="020B0609030804020204" pitchFamily="49" charset="0"/>
-            </a:endParaRPr>
-          </a:p>
-          <a:p>
-            <a:pPr algn="ctr"/>
-            <a:endParaRPr lang="en-US" sz="533">
-              <a:solidFill>
-                <a:schemeClr val="tx1"/>
-              </a:solidFill>
-              <a:latin typeface="Menlo" panose="020B0609030804020204" pitchFamily="49" charset="0"/>
-              <a:ea typeface="Menlo" panose="020B0609030804020204" pitchFamily="49" charset="0"/>
-              <a:cs typeface="Menlo" panose="020B0609030804020204" pitchFamily="49" charset="0"/>
-            </a:endParaRPr>
-          </a:p>
-          <a:p>
-            <a:pPr algn="ctr"/>
-            <a:endParaRPr lang="en-US" sz="533">
-              <a:solidFill>
-                <a:schemeClr val="tx1"/>
-              </a:solidFill>
-              <a:latin typeface="Menlo" panose="020B0609030804020204" pitchFamily="49" charset="0"/>
-              <a:ea typeface="Menlo" panose="020B0609030804020204" pitchFamily="49" charset="0"/>
-              <a:cs typeface="Menlo" panose="020B0609030804020204" pitchFamily="49" charset="0"/>
-            </a:endParaRPr>
-          </a:p>
-          <a:p>
-            <a:pPr algn="ctr"/>
-            <a:endParaRPr lang="en-US" sz="533">
-              <a:solidFill>
-                <a:schemeClr val="tx1"/>
-              </a:solidFill>
-              <a:latin typeface="Menlo" panose="020B0609030804020204" pitchFamily="49" charset="0"/>
-              <a:ea typeface="Menlo" panose="020B0609030804020204" pitchFamily="49" charset="0"/>
-              <a:cs typeface="Menlo" panose="020B0609030804020204" pitchFamily="49" charset="0"/>
-            </a:endParaRPr>
-          </a:p>
-          <a:p>
-            <a:pPr algn="ctr"/>
-            <a:endParaRPr lang="en-US" sz="533">
-              <a:solidFill>
-                <a:schemeClr val="tx1"/>
-              </a:solidFill>
-              <a:latin typeface="Menlo" panose="020B0609030804020204" pitchFamily="49" charset="0"/>
-              <a:ea typeface="Menlo" panose="020B0609030804020204" pitchFamily="49" charset="0"/>
-              <a:cs typeface="Menlo" panose="020B0609030804020204" pitchFamily="49" charset="0"/>
-            </a:endParaRPr>
-          </a:p>
-          <a:p>
-            <a:pPr algn="ctr"/>
-            <a:r>
-              <a:rPr lang="en-US" sz="533">
-                <a:solidFill>
-                  <a:schemeClr val="tx1"/>
-                </a:solidFill>
-                <a:latin typeface="Menlo" panose="020B0609030804020204" pitchFamily="49" charset="0"/>
-                <a:ea typeface="Menlo" panose="020B0609030804020204" pitchFamily="49" charset="0"/>
-                <a:cs typeface="Menlo" panose="020B0609030804020204" pitchFamily="49" charset="0"/>
-              </a:rPr>
-              <a:t>USS Explorer</a:t>
-            </a:r>
-          </a:p>
-        </p:txBody>
-      </p:sp>
-      <p:pic>
-        <p:nvPicPr>
-          <p:cNvPr id="10" name="Picture 9">
-            <a:extLst>
-              <a:ext uri="{FF2B5EF4-FFF2-40B4-BE49-F238E27FC236}">
-                <a16:creationId xmlns:a16="http://schemas.microsoft.com/office/drawing/2014/main" id="{69422BFB-BF0E-E84E-AF4C-A30A2439E5F0}"/>
-              </a:ext>
-            </a:extLst>
-          </p:cNvPr>
-          <p:cNvPicPr>
-            <a:picLocks noChangeAspect="1"/>
-          </p:cNvPicPr>
-          <p:nvPr/>
-        </p:nvPicPr>
-        <p:blipFill>
-          <a:blip r:embed="rId4"/>
-          <a:stretch>
-            <a:fillRect/>
-          </a:stretch>
-        </p:blipFill>
-        <p:spPr>
-          <a:xfrm>
-            <a:off x="4287632" y="797612"/>
-            <a:ext cx="492671" cy="325693"/>
-          </a:xfrm>
-          <a:prstGeom prst="rect">
-            <a:avLst/>
-          </a:prstGeom>
-        </p:spPr>
-      </p:pic>
-      <p:sp>
-        <p:nvSpPr>
-          <p:cNvPr id="82" name="Rectangle 81">
-            <a:extLst>
-              <a:ext uri="{FF2B5EF4-FFF2-40B4-BE49-F238E27FC236}">
-                <a16:creationId xmlns:a16="http://schemas.microsoft.com/office/drawing/2014/main" id="{F8E8A60B-1AFE-9A49-AE07-175E906C67AA}"/>
-              </a:ext>
-            </a:extLst>
-          </p:cNvPr>
-          <p:cNvSpPr/>
-          <p:nvPr/>
-        </p:nvSpPr>
-        <p:spPr>
-          <a:xfrm>
-            <a:off x="1315277" y="723469"/>
-            <a:ext cx="830876" cy="584635"/>
-          </a:xfrm>
-          <a:prstGeom prst="rect">
-            <a:avLst/>
-          </a:prstGeom>
-          <a:solidFill>
-            <a:schemeClr val="tx2">
-              <a:lumMod val="20000"/>
-              <a:lumOff val="80000"/>
-            </a:schemeClr>
-          </a:solidFill>
-          <a:ln>
-            <a:solidFill>
-              <a:schemeClr val="tx1"/>
-            </a:solidFill>
-          </a:ln>
-        </p:spPr>
-        <p:style>
-          <a:lnRef idx="1">
-            <a:schemeClr val="accent1"/>
-          </a:lnRef>
-          <a:fillRef idx="3">
-            <a:schemeClr val="accent1"/>
-          </a:fillRef>
-          <a:effectRef idx="2">
-            <a:schemeClr val="accent1"/>
-          </a:effectRef>
-          <a:fontRef idx="minor">
-            <a:schemeClr val="lt1"/>
-          </a:fontRef>
-        </p:style>
-        <p:txBody>
-          <a:bodyPr rtlCol="0" anchor="ctr"/>
-          <a:lstStyle/>
-          <a:p>
-            <a:pPr algn="ctr"/>
-            <a:endParaRPr lang="en-US" sz="533">
-              <a:solidFill>
-                <a:schemeClr val="tx1"/>
-              </a:solidFill>
-              <a:latin typeface="Menlo" panose="020B0609030804020204" pitchFamily="49" charset="0"/>
-              <a:ea typeface="Menlo" panose="020B0609030804020204" pitchFamily="49" charset="0"/>
-              <a:cs typeface="Menlo" panose="020B0609030804020204" pitchFamily="49" charset="0"/>
-            </a:endParaRPr>
-          </a:p>
-          <a:p>
-            <a:pPr algn="ctr"/>
-            <a:endParaRPr lang="en-US" sz="533">
-              <a:solidFill>
-                <a:schemeClr val="tx1"/>
-              </a:solidFill>
-              <a:latin typeface="Menlo" panose="020B0609030804020204" pitchFamily="49" charset="0"/>
-              <a:ea typeface="Menlo" panose="020B0609030804020204" pitchFamily="49" charset="0"/>
-              <a:cs typeface="Menlo" panose="020B0609030804020204" pitchFamily="49" charset="0"/>
-            </a:endParaRPr>
-          </a:p>
-          <a:p>
-            <a:pPr algn="ctr"/>
-            <a:endParaRPr lang="en-US" sz="533">
-              <a:solidFill>
-                <a:schemeClr val="tx1"/>
-              </a:solidFill>
-              <a:latin typeface="Menlo" panose="020B0609030804020204" pitchFamily="49" charset="0"/>
-              <a:ea typeface="Menlo" panose="020B0609030804020204" pitchFamily="49" charset="0"/>
-              <a:cs typeface="Menlo" panose="020B0609030804020204" pitchFamily="49" charset="0"/>
-            </a:endParaRPr>
-          </a:p>
-          <a:p>
-            <a:pPr algn="ctr"/>
-            <a:endParaRPr lang="en-US" sz="533">
-              <a:solidFill>
-                <a:schemeClr val="tx1"/>
-              </a:solidFill>
-              <a:latin typeface="Menlo" panose="020B0609030804020204" pitchFamily="49" charset="0"/>
-              <a:ea typeface="Menlo" panose="020B0609030804020204" pitchFamily="49" charset="0"/>
-              <a:cs typeface="Menlo" panose="020B0609030804020204" pitchFamily="49" charset="0"/>
-            </a:endParaRPr>
-          </a:p>
-          <a:p>
-            <a:pPr algn="ctr"/>
-            <a:endParaRPr lang="en-US" sz="533">
-              <a:solidFill>
-                <a:schemeClr val="tx1"/>
-              </a:solidFill>
-              <a:latin typeface="Menlo" panose="020B0609030804020204" pitchFamily="49" charset="0"/>
-              <a:ea typeface="Menlo" panose="020B0609030804020204" pitchFamily="49" charset="0"/>
-              <a:cs typeface="Menlo" panose="020B0609030804020204" pitchFamily="49" charset="0"/>
-            </a:endParaRPr>
-          </a:p>
-          <a:p>
-            <a:pPr algn="ctr"/>
-            <a:r>
-              <a:rPr lang="en-US" sz="533">
-                <a:solidFill>
-                  <a:schemeClr val="tx1"/>
-                </a:solidFill>
-                <a:latin typeface="Menlo" panose="020B0609030804020204" pitchFamily="49" charset="0"/>
-                <a:ea typeface="Menlo" panose="020B0609030804020204" pitchFamily="49" charset="0"/>
-                <a:cs typeface="Menlo" panose="020B0609030804020204" pitchFamily="49" charset="0"/>
-              </a:rPr>
-              <a:t>TN 2170</a:t>
-            </a:r>
-          </a:p>
-        </p:txBody>
-      </p:sp>
-      <p:pic>
-        <p:nvPicPr>
-          <p:cNvPr id="11" name="Picture 10">
-            <a:extLst>
-              <a:ext uri="{FF2B5EF4-FFF2-40B4-BE49-F238E27FC236}">
-                <a16:creationId xmlns:a16="http://schemas.microsoft.com/office/drawing/2014/main" id="{B465B054-0C62-9E41-B891-1D24A71FAFFE}"/>
-              </a:ext>
-            </a:extLst>
-          </p:cNvPr>
-          <p:cNvPicPr>
-            <a:picLocks noChangeAspect="1"/>
-          </p:cNvPicPr>
-          <p:nvPr/>
-        </p:nvPicPr>
-        <p:blipFill>
-          <a:blip r:embed="rId5"/>
-          <a:stretch>
-            <a:fillRect/>
-          </a:stretch>
-        </p:blipFill>
-        <p:spPr>
-          <a:xfrm>
-            <a:off x="1503238" y="768907"/>
-            <a:ext cx="439324" cy="354399"/>
-          </a:xfrm>
-          <a:prstGeom prst="rect">
-            <a:avLst/>
-          </a:prstGeom>
-        </p:spPr>
-      </p:pic>
-      <p:sp>
-        <p:nvSpPr>
-          <p:cNvPr id="83" name="Rectangle 82">
-            <a:extLst>
-              <a:ext uri="{FF2B5EF4-FFF2-40B4-BE49-F238E27FC236}">
-                <a16:creationId xmlns:a16="http://schemas.microsoft.com/office/drawing/2014/main" id="{3F6404EA-A5F6-5344-9F02-1F63A7ED71F5}"/>
-              </a:ext>
-            </a:extLst>
-          </p:cNvPr>
-          <p:cNvSpPr/>
-          <p:nvPr/>
-        </p:nvSpPr>
-        <p:spPr>
-          <a:xfrm>
-            <a:off x="280810" y="736832"/>
-            <a:ext cx="830876" cy="584635"/>
-          </a:xfrm>
-          <a:prstGeom prst="rect">
-            <a:avLst/>
-          </a:prstGeom>
-          <a:solidFill>
-            <a:schemeClr val="tx2">
-              <a:lumMod val="20000"/>
-              <a:lumOff val="80000"/>
-            </a:schemeClr>
-          </a:solidFill>
-          <a:ln>
-            <a:solidFill>
-              <a:schemeClr val="tx1"/>
-            </a:solidFill>
-          </a:ln>
-        </p:spPr>
-        <p:style>
-          <a:lnRef idx="1">
-            <a:schemeClr val="accent1"/>
-          </a:lnRef>
-          <a:fillRef idx="3">
-            <a:schemeClr val="accent1"/>
-          </a:fillRef>
-          <a:effectRef idx="2">
-            <a:schemeClr val="accent1"/>
-          </a:effectRef>
-          <a:fontRef idx="minor">
-            <a:schemeClr val="lt1"/>
-          </a:fontRef>
-        </p:style>
-        <p:txBody>
-          <a:bodyPr rtlCol="0" anchor="ctr"/>
-          <a:lstStyle/>
-          <a:p>
-            <a:pPr algn="ctr"/>
-            <a:endParaRPr lang="en-US" sz="533">
-              <a:solidFill>
-                <a:schemeClr val="tx1"/>
-              </a:solidFill>
-              <a:latin typeface="Menlo" panose="020B0609030804020204" pitchFamily="49" charset="0"/>
-              <a:ea typeface="Menlo" panose="020B0609030804020204" pitchFamily="49" charset="0"/>
-              <a:cs typeface="Menlo" panose="020B0609030804020204" pitchFamily="49" charset="0"/>
-            </a:endParaRPr>
-          </a:p>
-          <a:p>
-            <a:pPr algn="ctr"/>
-            <a:endParaRPr lang="en-US" sz="533">
-              <a:solidFill>
-                <a:schemeClr val="tx1"/>
-              </a:solidFill>
-              <a:latin typeface="Menlo" panose="020B0609030804020204" pitchFamily="49" charset="0"/>
-              <a:ea typeface="Menlo" panose="020B0609030804020204" pitchFamily="49" charset="0"/>
-              <a:cs typeface="Menlo" panose="020B0609030804020204" pitchFamily="49" charset="0"/>
-            </a:endParaRPr>
-          </a:p>
-          <a:p>
-            <a:pPr algn="ctr"/>
-            <a:endParaRPr lang="en-US" sz="533">
-              <a:solidFill>
-                <a:schemeClr val="tx1"/>
-              </a:solidFill>
-              <a:latin typeface="Menlo" panose="020B0609030804020204" pitchFamily="49" charset="0"/>
-              <a:ea typeface="Menlo" panose="020B0609030804020204" pitchFamily="49" charset="0"/>
-              <a:cs typeface="Menlo" panose="020B0609030804020204" pitchFamily="49" charset="0"/>
-            </a:endParaRPr>
-          </a:p>
-          <a:p>
-            <a:pPr algn="ctr"/>
-            <a:endParaRPr lang="en-US" sz="533">
-              <a:solidFill>
-                <a:schemeClr val="tx1"/>
-              </a:solidFill>
-              <a:latin typeface="Menlo" panose="020B0609030804020204" pitchFamily="49" charset="0"/>
-              <a:ea typeface="Menlo" panose="020B0609030804020204" pitchFamily="49" charset="0"/>
-              <a:cs typeface="Menlo" panose="020B0609030804020204" pitchFamily="49" charset="0"/>
-            </a:endParaRPr>
-          </a:p>
-          <a:p>
-            <a:pPr algn="ctr"/>
-            <a:endParaRPr lang="en-US" sz="533">
-              <a:solidFill>
-                <a:schemeClr val="tx1"/>
-              </a:solidFill>
-              <a:latin typeface="Menlo" panose="020B0609030804020204" pitchFamily="49" charset="0"/>
-              <a:ea typeface="Menlo" panose="020B0609030804020204" pitchFamily="49" charset="0"/>
-              <a:cs typeface="Menlo" panose="020B0609030804020204" pitchFamily="49" charset="0"/>
-            </a:endParaRPr>
-          </a:p>
-          <a:p>
-            <a:pPr algn="ctr"/>
-            <a:r>
-              <a:rPr lang="en-US" sz="533">
-                <a:solidFill>
-                  <a:schemeClr val="tx1"/>
-                </a:solidFill>
-                <a:latin typeface="Menlo" panose="020B0609030804020204" pitchFamily="49" charset="0"/>
-                <a:ea typeface="Menlo" panose="020B0609030804020204" pitchFamily="49" charset="0"/>
-                <a:cs typeface="Menlo" panose="020B0609030804020204" pitchFamily="49" charset="0"/>
-              </a:rPr>
-              <a:t>VT Terminal</a:t>
-            </a:r>
-          </a:p>
-        </p:txBody>
-      </p:sp>
-      <p:pic>
-        <p:nvPicPr>
-          <p:cNvPr id="12" name="Picture 11">
-            <a:extLst>
-              <a:ext uri="{FF2B5EF4-FFF2-40B4-BE49-F238E27FC236}">
-                <a16:creationId xmlns:a16="http://schemas.microsoft.com/office/drawing/2014/main" id="{D9DCBCAF-0F18-DC4C-86C9-099E8FCF6A0B}"/>
-              </a:ext>
-            </a:extLst>
-          </p:cNvPr>
-          <p:cNvPicPr>
-            <a:picLocks noChangeAspect="1"/>
-          </p:cNvPicPr>
-          <p:nvPr/>
-        </p:nvPicPr>
-        <p:blipFill>
-          <a:blip r:embed="rId6"/>
-          <a:stretch>
-            <a:fillRect/>
-          </a:stretch>
-        </p:blipFill>
-        <p:spPr>
-          <a:xfrm>
-            <a:off x="493907" y="794112"/>
-            <a:ext cx="462960" cy="370597"/>
-          </a:xfrm>
-          <a:prstGeom prst="rect">
-            <a:avLst/>
-          </a:prstGeom>
-        </p:spPr>
-      </p:pic>
-      <p:sp>
-        <p:nvSpPr>
-          <p:cNvPr id="85" name="Rectangle 84">
-            <a:extLst>
-              <a:ext uri="{FF2B5EF4-FFF2-40B4-BE49-F238E27FC236}">
-                <a16:creationId xmlns:a16="http://schemas.microsoft.com/office/drawing/2014/main" id="{BCCCA178-3BD1-974E-A649-9F0821B4E8DB}"/>
-              </a:ext>
-            </a:extLst>
-          </p:cNvPr>
-          <p:cNvSpPr/>
-          <p:nvPr/>
-        </p:nvSpPr>
-        <p:spPr>
-          <a:xfrm>
-            <a:off x="7682822" y="747474"/>
-            <a:ext cx="1425257" cy="534825"/>
-          </a:xfrm>
-          <a:prstGeom prst="rect">
-            <a:avLst/>
-          </a:prstGeom>
-          <a:solidFill>
-            <a:schemeClr val="accent1">
-              <a:lumMod val="20000"/>
-              <a:lumOff val="80000"/>
-            </a:schemeClr>
-          </a:solidFill>
-        </p:spPr>
-        <p:style>
-          <a:lnRef idx="1">
-            <a:schemeClr val="accent1"/>
-          </a:lnRef>
-          <a:fillRef idx="3">
-            <a:schemeClr val="accent1"/>
-          </a:fillRef>
-          <a:effectRef idx="2">
-            <a:schemeClr val="accent1"/>
-          </a:effectRef>
-          <a:fontRef idx="minor">
-            <a:schemeClr val="lt1"/>
-          </a:fontRef>
-        </p:style>
-        <p:txBody>
-          <a:bodyPr rtlCol="0" anchor="ctr"/>
-          <a:lstStyle/>
-          <a:p>
-            <a:pPr algn="ctr"/>
-            <a:endParaRPr lang="en-US" sz="1467">
-              <a:solidFill>
-                <a:schemeClr val="tx1"/>
-              </a:solidFill>
-              <a:latin typeface="Menlo" charset="0"/>
-              <a:ea typeface="Menlo" charset="0"/>
-              <a:cs typeface="Menlo" charset="0"/>
-            </a:endParaRPr>
-          </a:p>
-          <a:p>
-            <a:pPr algn="ctr"/>
-            <a:endParaRPr lang="en-US" sz="1467">
-              <a:solidFill>
-                <a:schemeClr val="tx1"/>
-              </a:solidFill>
-              <a:latin typeface="Menlo" charset="0"/>
-              <a:ea typeface="Menlo" charset="0"/>
-              <a:cs typeface="Menlo" charset="0"/>
-            </a:endParaRPr>
-          </a:p>
-        </p:txBody>
-      </p:sp>
-      <p:pic>
-        <p:nvPicPr>
-          <p:cNvPr id="13" name="Picture 12">
-            <a:extLst>
-              <a:ext uri="{FF2B5EF4-FFF2-40B4-BE49-F238E27FC236}">
-                <a16:creationId xmlns:a16="http://schemas.microsoft.com/office/drawing/2014/main" id="{221400D2-57A7-A749-B8F9-C023A7CEA2BA}"/>
-              </a:ext>
-            </a:extLst>
-          </p:cNvPr>
-          <p:cNvPicPr>
-            <a:picLocks noChangeAspect="1"/>
-          </p:cNvPicPr>
-          <p:nvPr/>
-        </p:nvPicPr>
-        <p:blipFill>
-          <a:blip r:embed="rId7"/>
-          <a:stretch>
-            <a:fillRect/>
-          </a:stretch>
-        </p:blipFill>
-        <p:spPr>
-          <a:xfrm>
-            <a:off x="7769728" y="786855"/>
-            <a:ext cx="936483" cy="495444"/>
-          </a:xfrm>
-          <a:prstGeom prst="rect">
-            <a:avLst/>
-          </a:prstGeom>
-        </p:spPr>
-      </p:pic>
-      <p:sp>
-        <p:nvSpPr>
-          <p:cNvPr id="72" name="Rectangle 71">
-            <a:extLst>
-              <a:ext uri="{FF2B5EF4-FFF2-40B4-BE49-F238E27FC236}">
-                <a16:creationId xmlns:a16="http://schemas.microsoft.com/office/drawing/2014/main" id="{58691199-F13A-3A40-B3F3-882DAA99E199}"/>
-              </a:ext>
-            </a:extLst>
-          </p:cNvPr>
-          <p:cNvSpPr/>
-          <p:nvPr/>
-        </p:nvSpPr>
-        <p:spPr>
-          <a:xfrm>
-            <a:off x="8966912" y="5228347"/>
-            <a:ext cx="647781" cy="476273"/>
-          </a:xfrm>
-          <a:prstGeom prst="rect">
-            <a:avLst/>
-          </a:prstGeom>
-          <a:solidFill>
-            <a:schemeClr val="bg1"/>
-          </a:solidFill>
-        </p:spPr>
-        <p:style>
-          <a:lnRef idx="2">
-            <a:schemeClr val="accent1">
-              <a:shade val="50000"/>
-            </a:schemeClr>
-          </a:lnRef>
-          <a:fillRef idx="1">
-            <a:schemeClr val="accent1"/>
-          </a:fillRef>
-          <a:effectRef idx="0">
-            <a:schemeClr val="accent1"/>
-          </a:effectRef>
-          <a:fontRef idx="minor">
-            <a:schemeClr val="lt1"/>
-          </a:fontRef>
-        </p:style>
-        <p:txBody>
-          <a:bodyPr rtlCol="0" anchor="ctr"/>
-          <a:lstStyle/>
-          <a:p>
-            <a:pPr algn="ctr"/>
-            <a:r>
-              <a:rPr lang="en-US" sz="933">
-                <a:solidFill>
-                  <a:schemeClr val="tx1"/>
-                </a:solidFill>
-                <a:latin typeface="Menlo" panose="020B0609030804020204" pitchFamily="49" charset="0"/>
-                <a:ea typeface="Menlo" panose="020B0609030804020204" pitchFamily="49" charset="0"/>
-                <a:cs typeface="Menlo" panose="020B0609030804020204" pitchFamily="49" charset="0"/>
-              </a:rPr>
-              <a:t>CICS</a:t>
-            </a:r>
-          </a:p>
-          <a:p>
-            <a:pPr algn="ctr"/>
-            <a:r>
-              <a:rPr lang="en-US" sz="933">
-                <a:solidFill>
-                  <a:schemeClr val="tx1"/>
-                </a:solidFill>
-                <a:latin typeface="Menlo" panose="020B0609030804020204" pitchFamily="49" charset="0"/>
-                <a:ea typeface="Menlo" panose="020B0609030804020204" pitchFamily="49" charset="0"/>
-                <a:cs typeface="Menlo" panose="020B0609030804020204" pitchFamily="49" charset="0"/>
-              </a:rPr>
-              <a:t>CMCI </a:t>
-            </a:r>
-          </a:p>
-        </p:txBody>
-      </p:sp>
-      <p:sp>
-        <p:nvSpPr>
-          <p:cNvPr id="87" name="Rectangle 86">
-            <a:extLst>
-              <a:ext uri="{FF2B5EF4-FFF2-40B4-BE49-F238E27FC236}">
-                <a16:creationId xmlns:a16="http://schemas.microsoft.com/office/drawing/2014/main" id="{03EF157D-A459-3D4C-9BA7-D66E89FE7C8E}"/>
-              </a:ext>
-            </a:extLst>
-          </p:cNvPr>
-          <p:cNvSpPr/>
-          <p:nvPr/>
-        </p:nvSpPr>
-        <p:spPr>
-          <a:xfrm>
-            <a:off x="9282551" y="963366"/>
-            <a:ext cx="538511" cy="270387"/>
-          </a:xfrm>
-          <a:prstGeom prst="rect">
-            <a:avLst/>
-          </a:prstGeom>
-          <a:solidFill>
-            <a:schemeClr val="accent1">
-              <a:lumMod val="20000"/>
-              <a:lumOff val="80000"/>
-            </a:schemeClr>
-          </a:solidFill>
-        </p:spPr>
-        <p:style>
-          <a:lnRef idx="1">
-            <a:schemeClr val="accent1"/>
-          </a:lnRef>
-          <a:fillRef idx="3">
-            <a:schemeClr val="accent1"/>
-          </a:fillRef>
-          <a:effectRef idx="2">
-            <a:schemeClr val="accent1"/>
-          </a:effectRef>
-          <a:fontRef idx="minor">
-            <a:schemeClr val="lt1"/>
-          </a:fontRef>
-        </p:style>
-        <p:txBody>
-          <a:bodyPr rtlCol="0" anchor="ctr"/>
-          <a:lstStyle/>
-          <a:p>
-            <a:pPr algn="ctr"/>
-            <a:r>
-              <a:rPr lang="en-US" sz="1000">
-                <a:solidFill>
-                  <a:schemeClr val="tx1"/>
-                </a:solidFill>
-                <a:latin typeface="Menlo" charset="0"/>
-                <a:ea typeface="Menlo" charset="0"/>
-                <a:cs typeface="Menlo" charset="0"/>
-              </a:rPr>
-              <a:t>CICS</a:t>
-            </a:r>
-          </a:p>
-        </p:txBody>
-      </p:sp>
-      <p:cxnSp>
-        <p:nvCxnSpPr>
-          <p:cNvPr id="88" name="Straight Arrow Connector 87">
-            <a:extLst>
-              <a:ext uri="{FF2B5EF4-FFF2-40B4-BE49-F238E27FC236}">
-                <a16:creationId xmlns:a16="http://schemas.microsoft.com/office/drawing/2014/main" id="{5ABE9537-3590-D944-A6EF-674D2E7A9B42}"/>
-              </a:ext>
-            </a:extLst>
-          </p:cNvPr>
-          <p:cNvCxnSpPr>
-            <a:cxnSpLocks/>
-          </p:cNvCxnSpPr>
-          <p:nvPr/>
-        </p:nvCxnSpPr>
-        <p:spPr>
-          <a:xfrm>
-            <a:off x="7746055" y="1673444"/>
-            <a:ext cx="0" cy="759483"/>
-          </a:xfrm>
-          <a:prstGeom prst="straightConnector1">
-            <a:avLst/>
-          </a:prstGeom>
-          <a:ln>
-            <a:headEnd type="triangle"/>
-            <a:tailEnd type="triangle"/>
-          </a:ln>
-        </p:spPr>
-        <p:style>
-          <a:lnRef idx="1">
-            <a:schemeClr val="accent1"/>
-          </a:lnRef>
-          <a:fillRef idx="0">
-            <a:schemeClr val="accent1"/>
-          </a:fillRef>
-          <a:effectRef idx="0">
-            <a:schemeClr val="accent1"/>
-          </a:effectRef>
-          <a:fontRef idx="minor">
-            <a:schemeClr val="tx1"/>
-          </a:fontRef>
-        </p:style>
-      </p:cxnSp>
-      <p:cxnSp>
-        <p:nvCxnSpPr>
-          <p:cNvPr id="89" name="Straight Arrow Connector 88">
-            <a:extLst>
-              <a:ext uri="{FF2B5EF4-FFF2-40B4-BE49-F238E27FC236}">
-                <a16:creationId xmlns:a16="http://schemas.microsoft.com/office/drawing/2014/main" id="{3C6B5AD8-4D55-CC45-B07C-E9F3CF05C3FF}"/>
-              </a:ext>
-            </a:extLst>
-          </p:cNvPr>
-          <p:cNvCxnSpPr>
-            <a:cxnSpLocks/>
-          </p:cNvCxnSpPr>
-          <p:nvPr/>
-        </p:nvCxnSpPr>
-        <p:spPr>
-          <a:xfrm>
-            <a:off x="9480808" y="1335871"/>
-            <a:ext cx="0" cy="3869737"/>
-          </a:xfrm>
-          <a:prstGeom prst="straightConnector1">
-            <a:avLst/>
-          </a:prstGeom>
-          <a:ln>
-            <a:headEnd type="triangle"/>
-            <a:tailEnd type="triangle"/>
-          </a:ln>
-        </p:spPr>
-        <p:style>
-          <a:lnRef idx="1">
-            <a:schemeClr val="accent1"/>
-          </a:lnRef>
-          <a:fillRef idx="0">
-            <a:schemeClr val="accent1"/>
-          </a:fillRef>
-          <a:effectRef idx="0">
-            <a:schemeClr val="accent1"/>
-          </a:effectRef>
-          <a:fontRef idx="minor">
-            <a:schemeClr val="tx1"/>
-          </a:fontRef>
-        </p:style>
-      </p:cxnSp>
-      <p:sp>
-        <p:nvSpPr>
-          <p:cNvPr id="90" name="Rectangle 89">
-            <a:extLst>
-              <a:ext uri="{FF2B5EF4-FFF2-40B4-BE49-F238E27FC236}">
-                <a16:creationId xmlns:a16="http://schemas.microsoft.com/office/drawing/2014/main" id="{327195F8-48D4-7441-94C7-DB920529BA39}"/>
-              </a:ext>
-            </a:extLst>
-          </p:cNvPr>
-          <p:cNvSpPr/>
-          <p:nvPr/>
-        </p:nvSpPr>
-        <p:spPr>
-          <a:xfrm>
-            <a:off x="10056162" y="968380"/>
-            <a:ext cx="538511" cy="270387"/>
-          </a:xfrm>
-          <a:prstGeom prst="rect">
-            <a:avLst/>
-          </a:prstGeom>
-          <a:solidFill>
-            <a:schemeClr val="accent1">
-              <a:lumMod val="20000"/>
-              <a:lumOff val="80000"/>
-            </a:schemeClr>
-          </a:solidFill>
-        </p:spPr>
-        <p:style>
-          <a:lnRef idx="1">
-            <a:schemeClr val="accent1"/>
-          </a:lnRef>
-          <a:fillRef idx="3">
-            <a:schemeClr val="accent1"/>
-          </a:fillRef>
-          <a:effectRef idx="2">
-            <a:schemeClr val="accent1"/>
-          </a:effectRef>
-          <a:fontRef idx="minor">
-            <a:schemeClr val="lt1"/>
-          </a:fontRef>
-        </p:style>
-        <p:txBody>
-          <a:bodyPr rtlCol="0" anchor="ctr"/>
-          <a:lstStyle/>
-          <a:p>
-            <a:pPr algn="ctr"/>
-            <a:r>
-              <a:rPr lang="en-US" sz="1000">
-                <a:solidFill>
-                  <a:schemeClr val="tx1"/>
-                </a:solidFill>
-                <a:latin typeface="Menlo" charset="0"/>
-                <a:ea typeface="Menlo" charset="0"/>
-                <a:cs typeface="Menlo" charset="0"/>
-              </a:rPr>
-              <a:t>IMS</a:t>
-            </a:r>
-          </a:p>
-        </p:txBody>
-      </p:sp>
-      <p:cxnSp>
-        <p:nvCxnSpPr>
-          <p:cNvPr id="91" name="Straight Arrow Connector 90">
-            <a:extLst>
-              <a:ext uri="{FF2B5EF4-FFF2-40B4-BE49-F238E27FC236}">
-                <a16:creationId xmlns:a16="http://schemas.microsoft.com/office/drawing/2014/main" id="{A402D5FD-2326-384E-AC6C-9A6F2F0C7F10}"/>
-              </a:ext>
-            </a:extLst>
-          </p:cNvPr>
-          <p:cNvCxnSpPr>
-            <a:cxnSpLocks/>
-          </p:cNvCxnSpPr>
-          <p:nvPr/>
-        </p:nvCxnSpPr>
-        <p:spPr>
-          <a:xfrm>
-            <a:off x="7746055" y="2459074"/>
-            <a:ext cx="0" cy="759483"/>
-          </a:xfrm>
-          <a:prstGeom prst="straightConnector1">
-            <a:avLst/>
-          </a:prstGeom>
-          <a:ln>
-            <a:prstDash val="dash"/>
-            <a:headEnd type="triangle"/>
-            <a:tailEnd type="triangle"/>
-          </a:ln>
-        </p:spPr>
-        <p:style>
-          <a:lnRef idx="1">
-            <a:schemeClr val="accent1"/>
-          </a:lnRef>
-          <a:fillRef idx="0">
-            <a:schemeClr val="accent1"/>
-          </a:fillRef>
-          <a:effectRef idx="0">
-            <a:schemeClr val="accent1"/>
-          </a:effectRef>
-          <a:fontRef idx="minor">
-            <a:schemeClr val="tx1"/>
-          </a:fontRef>
-        </p:style>
-      </p:cxnSp>
-      <p:sp>
-        <p:nvSpPr>
-          <p:cNvPr id="92" name="Rectangle 91">
-            <a:extLst>
-              <a:ext uri="{FF2B5EF4-FFF2-40B4-BE49-F238E27FC236}">
-                <a16:creationId xmlns:a16="http://schemas.microsoft.com/office/drawing/2014/main" id="{AD5478C9-5E56-9D46-8329-02F52C3385CD}"/>
-              </a:ext>
-            </a:extLst>
-          </p:cNvPr>
-          <p:cNvSpPr/>
-          <p:nvPr/>
-        </p:nvSpPr>
-        <p:spPr>
-          <a:xfrm>
-            <a:off x="10839497" y="969789"/>
-            <a:ext cx="538511" cy="270387"/>
-          </a:xfrm>
-          <a:prstGeom prst="rect">
-            <a:avLst/>
-          </a:prstGeom>
-          <a:solidFill>
-            <a:schemeClr val="accent1">
-              <a:lumMod val="20000"/>
-              <a:lumOff val="80000"/>
-            </a:schemeClr>
-          </a:solidFill>
-        </p:spPr>
-        <p:style>
-          <a:lnRef idx="1">
-            <a:schemeClr val="accent1"/>
-          </a:lnRef>
-          <a:fillRef idx="3">
-            <a:schemeClr val="accent1"/>
-          </a:fillRef>
-          <a:effectRef idx="2">
-            <a:schemeClr val="accent1"/>
-          </a:effectRef>
-          <a:fontRef idx="minor">
-            <a:schemeClr val="lt1"/>
-          </a:fontRef>
-        </p:style>
-        <p:txBody>
-          <a:bodyPr rtlCol="0" anchor="ctr"/>
-          <a:lstStyle/>
-          <a:p>
-            <a:pPr algn="ctr"/>
-            <a:r>
-              <a:rPr lang="en-US" sz="1000">
-                <a:solidFill>
-                  <a:schemeClr val="tx1"/>
-                </a:solidFill>
-                <a:latin typeface="Menlo" charset="0"/>
-                <a:ea typeface="Menlo" charset="0"/>
-                <a:cs typeface="Menlo" charset="0"/>
-              </a:rPr>
-              <a:t>DB2</a:t>
-            </a:r>
-          </a:p>
-        </p:txBody>
-      </p:sp>
-      <p:sp>
-        <p:nvSpPr>
-          <p:cNvPr id="5" name="TextBox 4">
-            <a:extLst>
-              <a:ext uri="{FF2B5EF4-FFF2-40B4-BE49-F238E27FC236}">
-                <a16:creationId xmlns:a16="http://schemas.microsoft.com/office/drawing/2014/main" id="{7D76B6E5-7A89-444B-8AAE-D0C92E19304B}"/>
-              </a:ext>
-            </a:extLst>
-          </p:cNvPr>
-          <p:cNvSpPr txBox="1"/>
-          <p:nvPr/>
-        </p:nvSpPr>
-        <p:spPr>
-          <a:xfrm>
-            <a:off x="9156956" y="722026"/>
-            <a:ext cx="628698" cy="276999"/>
-          </a:xfrm>
-          <a:prstGeom prst="rect">
-            <a:avLst/>
-          </a:prstGeom>
-          <a:noFill/>
-        </p:spPr>
-        <p:txBody>
-          <a:bodyPr wrap="none" rtlCol="0">
-            <a:spAutoFit/>
-          </a:bodyPr>
-          <a:lstStyle/>
-          <a:p>
-            <a:r>
-              <a:rPr lang="en-US" sz="1200"/>
-              <a:t>Plugins</a:t>
-            </a:r>
-          </a:p>
-        </p:txBody>
-      </p:sp>
-      <p:sp>
-        <p:nvSpPr>
-          <p:cNvPr id="93" name="TextBox 92">
-            <a:extLst>
-              <a:ext uri="{FF2B5EF4-FFF2-40B4-BE49-F238E27FC236}">
-                <a16:creationId xmlns:a16="http://schemas.microsoft.com/office/drawing/2014/main" id="{A4518C1A-EF77-C445-B1C8-850895EB5A43}"/>
-              </a:ext>
-            </a:extLst>
-          </p:cNvPr>
-          <p:cNvSpPr txBox="1"/>
-          <p:nvPr/>
-        </p:nvSpPr>
-        <p:spPr>
-          <a:xfrm>
-            <a:off x="8727626" y="727173"/>
-            <a:ext cx="369012" cy="276999"/>
-          </a:xfrm>
-          <a:prstGeom prst="rect">
-            <a:avLst/>
-          </a:prstGeom>
-          <a:noFill/>
-        </p:spPr>
-        <p:txBody>
-          <a:bodyPr wrap="none" rtlCol="0">
-            <a:spAutoFit/>
-          </a:bodyPr>
-          <a:lstStyle/>
-          <a:p>
-            <a:r>
-              <a:rPr lang="en-US" sz="1200"/>
-              <a:t>CLI</a:t>
-            </a:r>
-          </a:p>
-        </p:txBody>
-      </p:sp>
-      <p:sp>
-        <p:nvSpPr>
-          <p:cNvPr id="95" name="Rectangle 94">
-            <a:extLst>
-              <a:ext uri="{FF2B5EF4-FFF2-40B4-BE49-F238E27FC236}">
-                <a16:creationId xmlns:a16="http://schemas.microsoft.com/office/drawing/2014/main" id="{9D2244BC-A2A4-D74E-BBE8-EB631F506976}"/>
-              </a:ext>
-            </a:extLst>
-          </p:cNvPr>
-          <p:cNvSpPr/>
-          <p:nvPr/>
-        </p:nvSpPr>
-        <p:spPr>
-          <a:xfrm>
-            <a:off x="9789594" y="5238729"/>
-            <a:ext cx="729047" cy="476273"/>
-          </a:xfrm>
-          <a:prstGeom prst="rect">
-            <a:avLst/>
-          </a:prstGeom>
-          <a:solidFill>
-            <a:schemeClr val="bg1"/>
-          </a:solidFill>
-        </p:spPr>
-        <p:style>
-          <a:lnRef idx="2">
-            <a:schemeClr val="accent1">
-              <a:shade val="50000"/>
-            </a:schemeClr>
-          </a:lnRef>
-          <a:fillRef idx="1">
-            <a:schemeClr val="accent1"/>
-          </a:fillRef>
-          <a:effectRef idx="0">
-            <a:schemeClr val="accent1"/>
-          </a:effectRef>
-          <a:fontRef idx="minor">
-            <a:schemeClr val="lt1"/>
-          </a:fontRef>
-        </p:style>
-        <p:txBody>
-          <a:bodyPr rtlCol="0" anchor="ctr"/>
-          <a:lstStyle/>
-          <a:p>
-            <a:pPr algn="ctr"/>
-            <a:r>
-              <a:rPr lang="en-US" sz="933">
-                <a:solidFill>
-                  <a:schemeClr val="tx1"/>
-                </a:solidFill>
-                <a:latin typeface="Menlo" panose="020B0609030804020204" pitchFamily="49" charset="0"/>
-                <a:ea typeface="Menlo" panose="020B0609030804020204" pitchFamily="49" charset="0"/>
-                <a:cs typeface="Menlo" panose="020B0609030804020204" pitchFamily="49" charset="0"/>
-              </a:rPr>
-              <a:t>IMS Connect</a:t>
-            </a:r>
-          </a:p>
-        </p:txBody>
-      </p:sp>
-      <p:cxnSp>
-        <p:nvCxnSpPr>
-          <p:cNvPr id="96" name="Straight Arrow Connector 95">
-            <a:extLst>
-              <a:ext uri="{FF2B5EF4-FFF2-40B4-BE49-F238E27FC236}">
-                <a16:creationId xmlns:a16="http://schemas.microsoft.com/office/drawing/2014/main" id="{8461BFE1-0158-274C-AE10-9E9FC9AC283F}"/>
-              </a:ext>
-            </a:extLst>
-          </p:cNvPr>
-          <p:cNvCxnSpPr>
-            <a:cxnSpLocks/>
-          </p:cNvCxnSpPr>
-          <p:nvPr/>
-        </p:nvCxnSpPr>
-        <p:spPr>
-          <a:xfrm>
-            <a:off x="10254608" y="1346469"/>
-            <a:ext cx="0" cy="3869737"/>
-          </a:xfrm>
-          <a:prstGeom prst="straightConnector1">
-            <a:avLst/>
-          </a:prstGeom>
-          <a:ln>
-            <a:headEnd type="triangle"/>
-            <a:tailEnd type="triangle"/>
-          </a:ln>
-        </p:spPr>
-        <p:style>
-          <a:lnRef idx="1">
-            <a:schemeClr val="accent1"/>
-          </a:lnRef>
-          <a:fillRef idx="0">
-            <a:schemeClr val="accent1"/>
-          </a:fillRef>
-          <a:effectRef idx="0">
-            <a:schemeClr val="accent1"/>
-          </a:effectRef>
-          <a:fontRef idx="minor">
-            <a:schemeClr val="tx1"/>
-          </a:fontRef>
-        </p:style>
-      </p:cxnSp>
-      <p:sp>
-        <p:nvSpPr>
-          <p:cNvPr id="98" name="Rectangle 97">
-            <a:extLst>
-              <a:ext uri="{FF2B5EF4-FFF2-40B4-BE49-F238E27FC236}">
-                <a16:creationId xmlns:a16="http://schemas.microsoft.com/office/drawing/2014/main" id="{86332291-5142-D54E-A76D-38429542624A}"/>
-              </a:ext>
-            </a:extLst>
-          </p:cNvPr>
-          <p:cNvSpPr/>
-          <p:nvPr/>
-        </p:nvSpPr>
-        <p:spPr>
-          <a:xfrm>
-            <a:off x="5600905" y="5296318"/>
-            <a:ext cx="1196983" cy="476273"/>
-          </a:xfrm>
-          <a:prstGeom prst="rect">
-            <a:avLst/>
-          </a:prstGeom>
-          <a:solidFill>
-            <a:srgbClr val="00B0F0"/>
-          </a:solidFill>
-        </p:spPr>
-        <p:style>
-          <a:lnRef idx="2">
-            <a:schemeClr val="accent1">
-              <a:shade val="50000"/>
-            </a:schemeClr>
-          </a:lnRef>
-          <a:fillRef idx="1">
-            <a:schemeClr val="accent1"/>
-          </a:fillRef>
-          <a:effectRef idx="0">
-            <a:schemeClr val="accent1"/>
-          </a:effectRef>
-          <a:fontRef idx="minor">
-            <a:schemeClr val="lt1"/>
-          </a:fontRef>
-        </p:style>
-        <p:txBody>
-          <a:bodyPr rtlCol="0" anchor="ctr"/>
-          <a:lstStyle/>
-          <a:p>
-            <a:pPr algn="ctr"/>
-            <a:r>
-              <a:rPr lang="en-US" sz="933">
-                <a:solidFill>
-                  <a:schemeClr val="tx1"/>
-                </a:solidFill>
-                <a:latin typeface="Menlo" panose="020B0609030804020204" pitchFamily="49" charset="0"/>
-                <a:ea typeface="Menlo" panose="020B0609030804020204" pitchFamily="49" charset="0"/>
-                <a:cs typeface="Menlo" panose="020B0609030804020204" pitchFamily="49" charset="0"/>
-              </a:rPr>
-              <a:t>Existing REST API Server</a:t>
-            </a:r>
-          </a:p>
-        </p:txBody>
-      </p:sp>
-      <p:cxnSp>
-        <p:nvCxnSpPr>
-          <p:cNvPr id="99" name="Straight Arrow Connector 98">
-            <a:extLst>
-              <a:ext uri="{FF2B5EF4-FFF2-40B4-BE49-F238E27FC236}">
-                <a16:creationId xmlns:a16="http://schemas.microsoft.com/office/drawing/2014/main" id="{4B42528F-1505-AD4C-9BDE-78737EA3D84D}"/>
-              </a:ext>
-            </a:extLst>
-          </p:cNvPr>
-          <p:cNvCxnSpPr>
-            <a:cxnSpLocks/>
-          </p:cNvCxnSpPr>
-          <p:nvPr/>
-        </p:nvCxnSpPr>
-        <p:spPr>
-          <a:xfrm>
-            <a:off x="7746244" y="3291402"/>
-            <a:ext cx="0" cy="1994120"/>
-          </a:xfrm>
-          <a:prstGeom prst="straightConnector1">
-            <a:avLst/>
-          </a:prstGeom>
-          <a:ln>
-            <a:headEnd type="triangle"/>
-            <a:tailEnd type="triangle"/>
-          </a:ln>
-        </p:spPr>
-        <p:style>
-          <a:lnRef idx="1">
-            <a:schemeClr val="accent1"/>
-          </a:lnRef>
-          <a:fillRef idx="0">
-            <a:schemeClr val="accent1"/>
-          </a:fillRef>
-          <a:effectRef idx="0">
-            <a:schemeClr val="accent1"/>
-          </a:effectRef>
-          <a:fontRef idx="minor">
-            <a:schemeClr val="tx1"/>
-          </a:fontRef>
-        </p:style>
-      </p:cxnSp>
-      <p:sp>
-        <p:nvSpPr>
-          <p:cNvPr id="100" name="Rectangle 99">
-            <a:extLst>
-              <a:ext uri="{FF2B5EF4-FFF2-40B4-BE49-F238E27FC236}">
-                <a16:creationId xmlns:a16="http://schemas.microsoft.com/office/drawing/2014/main" id="{BE2E16C4-C228-214F-A8D2-AB42DA5A7F50}"/>
-              </a:ext>
-            </a:extLst>
-          </p:cNvPr>
-          <p:cNvSpPr/>
-          <p:nvPr/>
-        </p:nvSpPr>
-        <p:spPr>
-          <a:xfrm>
-            <a:off x="9788056" y="6006956"/>
-            <a:ext cx="729047" cy="476273"/>
-          </a:xfrm>
-          <a:prstGeom prst="rect">
-            <a:avLst/>
-          </a:prstGeom>
-          <a:solidFill>
-            <a:schemeClr val="bg1"/>
-          </a:solidFill>
-        </p:spPr>
-        <p:style>
-          <a:lnRef idx="2">
-            <a:schemeClr val="accent1">
-              <a:shade val="50000"/>
-            </a:schemeClr>
-          </a:lnRef>
-          <a:fillRef idx="1">
-            <a:schemeClr val="accent1"/>
-          </a:fillRef>
-          <a:effectRef idx="0">
-            <a:schemeClr val="accent1"/>
-          </a:effectRef>
-          <a:fontRef idx="minor">
-            <a:schemeClr val="lt1"/>
-          </a:fontRef>
-        </p:style>
-        <p:txBody>
-          <a:bodyPr rtlCol="0" anchor="ctr"/>
-          <a:lstStyle/>
-          <a:p>
-            <a:pPr algn="ctr"/>
-            <a:r>
-              <a:rPr lang="en-US" sz="933" dirty="0">
-                <a:solidFill>
-                  <a:schemeClr val="tx1"/>
-                </a:solidFill>
-                <a:latin typeface="Menlo" panose="020B0609030804020204" pitchFamily="49" charset="0"/>
-                <a:ea typeface="Menlo" panose="020B0609030804020204" pitchFamily="49" charset="0"/>
-                <a:cs typeface="Menlo" panose="020B0609030804020204" pitchFamily="49" charset="0"/>
-              </a:rPr>
-              <a:t>IMS Plex</a:t>
-            </a:r>
-          </a:p>
-        </p:txBody>
-      </p:sp>
-      <p:cxnSp>
-        <p:nvCxnSpPr>
-          <p:cNvPr id="101" name="Straight Arrow Connector 100">
-            <a:extLst>
-              <a:ext uri="{FF2B5EF4-FFF2-40B4-BE49-F238E27FC236}">
-                <a16:creationId xmlns:a16="http://schemas.microsoft.com/office/drawing/2014/main" id="{30262FA7-8966-D140-9D5F-195D7E4B7DC0}"/>
-              </a:ext>
-            </a:extLst>
-          </p:cNvPr>
-          <p:cNvCxnSpPr>
-            <a:cxnSpLocks/>
-          </p:cNvCxnSpPr>
-          <p:nvPr/>
-        </p:nvCxnSpPr>
-        <p:spPr>
-          <a:xfrm>
-            <a:off x="10254608" y="5715002"/>
-            <a:ext cx="0" cy="291954"/>
-          </a:xfrm>
-          <a:prstGeom prst="straightConnector1">
-            <a:avLst/>
-          </a:prstGeom>
-          <a:ln>
-            <a:headEnd type="triangle"/>
-            <a:tailEnd type="triangle"/>
-          </a:ln>
-        </p:spPr>
-        <p:style>
-          <a:lnRef idx="1">
-            <a:schemeClr val="accent1"/>
-          </a:lnRef>
-          <a:fillRef idx="0">
-            <a:schemeClr val="accent1"/>
-          </a:fillRef>
-          <a:effectRef idx="0">
-            <a:schemeClr val="accent1"/>
-          </a:effectRef>
-          <a:fontRef idx="minor">
-            <a:schemeClr val="tx1"/>
-          </a:fontRef>
-        </p:style>
-      </p:cxnSp>
-      <p:sp>
-        <p:nvSpPr>
-          <p:cNvPr id="102" name="Rectangle 101">
-            <a:extLst>
-              <a:ext uri="{FF2B5EF4-FFF2-40B4-BE49-F238E27FC236}">
-                <a16:creationId xmlns:a16="http://schemas.microsoft.com/office/drawing/2014/main" id="{69C93468-CA2A-FA45-8519-4E7D1360318E}"/>
-              </a:ext>
-            </a:extLst>
-          </p:cNvPr>
-          <p:cNvSpPr/>
-          <p:nvPr/>
-        </p:nvSpPr>
-        <p:spPr>
-          <a:xfrm>
-            <a:off x="10693542" y="5238729"/>
-            <a:ext cx="729047" cy="476273"/>
-          </a:xfrm>
-          <a:prstGeom prst="rect">
-            <a:avLst/>
-          </a:prstGeom>
-          <a:solidFill>
-            <a:schemeClr val="bg1"/>
-          </a:solidFill>
-        </p:spPr>
-        <p:style>
-          <a:lnRef idx="2">
-            <a:schemeClr val="accent1">
-              <a:shade val="50000"/>
-            </a:schemeClr>
-          </a:lnRef>
-          <a:fillRef idx="1">
-            <a:schemeClr val="accent1"/>
-          </a:fillRef>
-          <a:effectRef idx="0">
-            <a:schemeClr val="accent1"/>
-          </a:effectRef>
-          <a:fontRef idx="minor">
-            <a:schemeClr val="lt1"/>
-          </a:fontRef>
-        </p:style>
-        <p:txBody>
-          <a:bodyPr rtlCol="0" anchor="ctr"/>
-          <a:lstStyle/>
-          <a:p>
-            <a:pPr algn="ctr"/>
-            <a:r>
-              <a:rPr lang="en-US" sz="933">
-                <a:solidFill>
-                  <a:schemeClr val="tx1"/>
-                </a:solidFill>
-                <a:latin typeface="Menlo" panose="020B0609030804020204" pitchFamily="49" charset="0"/>
-                <a:ea typeface="Menlo" panose="020B0609030804020204" pitchFamily="49" charset="0"/>
-                <a:cs typeface="Menlo" panose="020B0609030804020204" pitchFamily="49" charset="0"/>
-              </a:rPr>
-              <a:t>DB2</a:t>
-            </a:r>
-          </a:p>
-        </p:txBody>
-      </p:sp>
-      <p:cxnSp>
-        <p:nvCxnSpPr>
-          <p:cNvPr id="104" name="Straight Arrow Connector 103">
-            <a:extLst>
-              <a:ext uri="{FF2B5EF4-FFF2-40B4-BE49-F238E27FC236}">
-                <a16:creationId xmlns:a16="http://schemas.microsoft.com/office/drawing/2014/main" id="{5F31D4A2-309D-7C47-97CD-5E6DBB56D7EA}"/>
-              </a:ext>
-            </a:extLst>
-          </p:cNvPr>
-          <p:cNvCxnSpPr>
-            <a:cxnSpLocks/>
-          </p:cNvCxnSpPr>
-          <p:nvPr/>
-        </p:nvCxnSpPr>
-        <p:spPr>
-          <a:xfrm>
-            <a:off x="11071262" y="1358610"/>
-            <a:ext cx="0" cy="3869737"/>
-          </a:xfrm>
-          <a:prstGeom prst="straightConnector1">
-            <a:avLst/>
-          </a:prstGeom>
-          <a:ln>
-            <a:headEnd type="triangle"/>
-            <a:tailEnd type="triangle"/>
-          </a:ln>
-        </p:spPr>
-        <p:style>
-          <a:lnRef idx="1">
-            <a:schemeClr val="accent1"/>
-          </a:lnRef>
-          <a:fillRef idx="0">
-            <a:schemeClr val="accent1"/>
-          </a:fillRef>
-          <a:effectRef idx="0">
-            <a:schemeClr val="accent1"/>
-          </a:effectRef>
-          <a:fontRef idx="minor">
-            <a:schemeClr val="tx1"/>
-          </a:fontRef>
-        </p:style>
-      </p:cxnSp>
-      <p:sp>
-        <p:nvSpPr>
-          <p:cNvPr id="105" name="TextBox 104">
-            <a:extLst>
-              <a:ext uri="{FF2B5EF4-FFF2-40B4-BE49-F238E27FC236}">
-                <a16:creationId xmlns:a16="http://schemas.microsoft.com/office/drawing/2014/main" id="{29D05D16-D827-4848-9292-C9EE09EA7BBB}"/>
-              </a:ext>
-            </a:extLst>
-          </p:cNvPr>
-          <p:cNvSpPr txBox="1"/>
-          <p:nvPr/>
-        </p:nvSpPr>
-        <p:spPr>
-          <a:xfrm>
-            <a:off x="5985546" y="5005531"/>
-            <a:ext cx="524503" cy="261610"/>
-          </a:xfrm>
-          <a:prstGeom prst="rect">
-            <a:avLst/>
-          </a:prstGeom>
-          <a:noFill/>
-        </p:spPr>
-        <p:txBody>
-          <a:bodyPr wrap="none" rtlCol="0">
-            <a:spAutoFit/>
-          </a:bodyPr>
-          <a:lstStyle/>
-          <a:p>
-            <a:r>
-              <a:rPr lang="en-US" sz="1100" dirty="0">
-                <a:latin typeface="Menlo" panose="020B0609030804020204" pitchFamily="49" charset="0"/>
-                <a:ea typeface="Menlo" panose="020B0609030804020204" pitchFamily="49" charset="0"/>
-                <a:cs typeface="Menlo" panose="020B0609030804020204" pitchFamily="49" charset="0"/>
-              </a:rPr>
-              <a:t>nnnn</a:t>
-            </a:r>
-          </a:p>
-        </p:txBody>
-      </p:sp>
-      <p:sp>
-        <p:nvSpPr>
-          <p:cNvPr id="108" name="Rectangle 107">
-            <a:extLst>
-              <a:ext uri="{FF2B5EF4-FFF2-40B4-BE49-F238E27FC236}">
-                <a16:creationId xmlns:a16="http://schemas.microsoft.com/office/drawing/2014/main" id="{AC9A0780-B31F-684B-97D2-6B4D144E4464}"/>
-              </a:ext>
-            </a:extLst>
-          </p:cNvPr>
-          <p:cNvSpPr/>
-          <p:nvPr/>
-        </p:nvSpPr>
-        <p:spPr>
-          <a:xfrm>
-            <a:off x="5216453" y="799191"/>
-            <a:ext cx="576791" cy="292847"/>
-          </a:xfrm>
-          <a:prstGeom prst="rect">
-            <a:avLst/>
-          </a:prstGeom>
-          <a:solidFill>
-            <a:srgbClr val="00B0F0"/>
-          </a:solidFill>
-        </p:spPr>
-        <p:style>
-          <a:lnRef idx="2">
-            <a:schemeClr val="accent1">
-              <a:shade val="50000"/>
-            </a:schemeClr>
-          </a:lnRef>
-          <a:fillRef idx="1">
-            <a:schemeClr val="accent1"/>
-          </a:fillRef>
-          <a:effectRef idx="0">
-            <a:schemeClr val="accent1"/>
-          </a:effectRef>
-          <a:fontRef idx="minor">
-            <a:schemeClr val="lt1"/>
-          </a:fontRef>
-        </p:style>
-        <p:txBody>
-          <a:bodyPr rtlCol="0" anchor="ctr"/>
-          <a:lstStyle/>
-          <a:p>
-            <a:pPr algn="ctr"/>
-            <a:r>
-              <a:rPr lang="en-US" sz="600">
-                <a:solidFill>
-                  <a:schemeClr val="tx1"/>
-                </a:solidFill>
-                <a:latin typeface="Menlo" panose="020B0609030804020204" pitchFamily="49" charset="0"/>
-                <a:ea typeface="Menlo" panose="020B0609030804020204" pitchFamily="49" charset="0"/>
-                <a:cs typeface="Menlo" panose="020B0609030804020204" pitchFamily="49" charset="0"/>
-              </a:rPr>
-              <a:t>Existing</a:t>
-            </a:r>
-            <a:r>
-              <a:rPr lang="en-US" sz="933">
-                <a:solidFill>
-                  <a:schemeClr val="tx1"/>
-                </a:solidFill>
-                <a:latin typeface="Menlo" panose="020B0609030804020204" pitchFamily="49" charset="0"/>
-                <a:ea typeface="Menlo" panose="020B0609030804020204" pitchFamily="49" charset="0"/>
-                <a:cs typeface="Menlo" panose="020B0609030804020204" pitchFamily="49" charset="0"/>
-              </a:rPr>
-              <a:t> HTML</a:t>
-            </a:r>
-          </a:p>
-        </p:txBody>
-      </p:sp>
-      <p:cxnSp>
-        <p:nvCxnSpPr>
-          <p:cNvPr id="110" name="Elbow Connector 109">
-            <a:extLst>
-              <a:ext uri="{FF2B5EF4-FFF2-40B4-BE49-F238E27FC236}">
-                <a16:creationId xmlns:a16="http://schemas.microsoft.com/office/drawing/2014/main" id="{5435654E-4C18-3B44-9A64-D86783FFA281}"/>
-              </a:ext>
-            </a:extLst>
-          </p:cNvPr>
-          <p:cNvCxnSpPr>
-            <a:cxnSpLocks/>
-          </p:cNvCxnSpPr>
-          <p:nvPr/>
-        </p:nvCxnSpPr>
-        <p:spPr>
-          <a:xfrm rot="5400000">
-            <a:off x="6307929" y="1546896"/>
-            <a:ext cx="1138349" cy="684468"/>
-          </a:xfrm>
-          <a:prstGeom prst="bentConnector3">
-            <a:avLst/>
-          </a:prstGeom>
-          <a:ln>
-            <a:headEnd type="triangle"/>
-            <a:tailEnd type="triangle"/>
-          </a:ln>
-        </p:spPr>
-        <p:style>
-          <a:lnRef idx="1">
-            <a:schemeClr val="accent1"/>
-          </a:lnRef>
-          <a:fillRef idx="0">
-            <a:schemeClr val="accent1"/>
-          </a:fillRef>
-          <a:effectRef idx="0">
-            <a:schemeClr val="accent1"/>
-          </a:effectRef>
-          <a:fontRef idx="minor">
-            <a:schemeClr val="tx1"/>
-          </a:fontRef>
-        </p:style>
-      </p:cxnSp>
-      <p:cxnSp>
-        <p:nvCxnSpPr>
-          <p:cNvPr id="111" name="Straight Arrow Connector 110">
-            <a:extLst>
-              <a:ext uri="{FF2B5EF4-FFF2-40B4-BE49-F238E27FC236}">
-                <a16:creationId xmlns:a16="http://schemas.microsoft.com/office/drawing/2014/main" id="{67ED0D4F-0B60-C343-B92A-8ECC69D70C39}"/>
-              </a:ext>
-            </a:extLst>
-          </p:cNvPr>
-          <p:cNvCxnSpPr>
-            <a:cxnSpLocks/>
-          </p:cNvCxnSpPr>
-          <p:nvPr/>
-        </p:nvCxnSpPr>
-        <p:spPr>
-          <a:xfrm>
-            <a:off x="6510049" y="2459074"/>
-            <a:ext cx="0" cy="759483"/>
-          </a:xfrm>
-          <a:prstGeom prst="straightConnector1">
-            <a:avLst/>
-          </a:prstGeom>
-          <a:ln>
-            <a:prstDash val="dash"/>
-            <a:headEnd type="triangle"/>
-            <a:tailEnd type="triangle"/>
-          </a:ln>
-        </p:spPr>
-        <p:style>
-          <a:lnRef idx="1">
-            <a:schemeClr val="accent1"/>
-          </a:lnRef>
-          <a:fillRef idx="0">
-            <a:schemeClr val="accent1"/>
-          </a:fillRef>
-          <a:effectRef idx="0">
-            <a:schemeClr val="accent1"/>
-          </a:effectRef>
-          <a:fontRef idx="minor">
-            <a:schemeClr val="tx1"/>
-          </a:fontRef>
-        </p:style>
-      </p:cxnSp>
-      <p:sp>
-        <p:nvSpPr>
-          <p:cNvPr id="112" name="Rectangle 111">
-            <a:extLst>
-              <a:ext uri="{FF2B5EF4-FFF2-40B4-BE49-F238E27FC236}">
-                <a16:creationId xmlns:a16="http://schemas.microsoft.com/office/drawing/2014/main" id="{6F8067E1-A1AE-AA4E-914F-1E7325E2DDF4}"/>
-              </a:ext>
-            </a:extLst>
-          </p:cNvPr>
-          <p:cNvSpPr/>
-          <p:nvPr/>
-        </p:nvSpPr>
-        <p:spPr>
-          <a:xfrm>
-            <a:off x="7004330" y="963367"/>
-            <a:ext cx="618174" cy="271954"/>
-          </a:xfrm>
-          <a:prstGeom prst="rect">
-            <a:avLst/>
-          </a:prstGeom>
-          <a:solidFill>
-            <a:srgbClr val="00B0F0"/>
-          </a:solidFill>
-        </p:spPr>
-        <p:style>
-          <a:lnRef idx="1">
-            <a:schemeClr val="accent1"/>
-          </a:lnRef>
-          <a:fillRef idx="3">
-            <a:schemeClr val="accent1"/>
-          </a:fillRef>
-          <a:effectRef idx="2">
-            <a:schemeClr val="accent1"/>
-          </a:effectRef>
-          <a:fontRef idx="minor">
-            <a:schemeClr val="lt1"/>
-          </a:fontRef>
-        </p:style>
-        <p:txBody>
-          <a:bodyPr rtlCol="0" anchor="ctr"/>
-          <a:lstStyle/>
-          <a:p>
-            <a:pPr algn="ctr"/>
-            <a:r>
-              <a:rPr lang="en-US" sz="1000">
-                <a:solidFill>
-                  <a:schemeClr val="tx1"/>
-                </a:solidFill>
-                <a:latin typeface="Menlo" charset="0"/>
-                <a:ea typeface="Menlo" charset="0"/>
-                <a:cs typeface="Menlo" charset="0"/>
-              </a:rPr>
-              <a:t>CLI</a:t>
-            </a:r>
-          </a:p>
-          <a:p>
-            <a:pPr algn="ctr"/>
-            <a:r>
-              <a:rPr lang="en-US" sz="600">
-                <a:solidFill>
-                  <a:schemeClr val="tx1"/>
-                </a:solidFill>
-                <a:latin typeface="Menlo" charset="0"/>
-                <a:ea typeface="Menlo" charset="0"/>
-                <a:cs typeface="Menlo" charset="0"/>
-              </a:rPr>
-              <a:t>extension</a:t>
-            </a:r>
-          </a:p>
-        </p:txBody>
-      </p:sp>
-      <p:pic>
-        <p:nvPicPr>
-          <p:cNvPr id="34" name="Picture 33">
-            <a:extLst>
-              <a:ext uri="{FF2B5EF4-FFF2-40B4-BE49-F238E27FC236}">
-                <a16:creationId xmlns:a16="http://schemas.microsoft.com/office/drawing/2014/main" id="{CB2E0DA4-07B3-1A49-9A81-79381B0EFD47}"/>
-              </a:ext>
-            </a:extLst>
-          </p:cNvPr>
-          <p:cNvPicPr>
-            <a:picLocks noChangeAspect="1"/>
-          </p:cNvPicPr>
-          <p:nvPr/>
-        </p:nvPicPr>
-        <p:blipFill>
-          <a:blip r:embed="rId8"/>
-          <a:stretch>
-            <a:fillRect/>
-          </a:stretch>
-        </p:blipFill>
-        <p:spPr>
-          <a:xfrm>
-            <a:off x="7674425" y="92098"/>
-            <a:ext cx="471120" cy="307657"/>
-          </a:xfrm>
-          <a:prstGeom prst="rect">
-            <a:avLst/>
-          </a:prstGeom>
-        </p:spPr>
-      </p:pic>
-      <p:pic>
-        <p:nvPicPr>
-          <p:cNvPr id="35" name="Picture 34">
-            <a:extLst>
-              <a:ext uri="{FF2B5EF4-FFF2-40B4-BE49-F238E27FC236}">
-                <a16:creationId xmlns:a16="http://schemas.microsoft.com/office/drawing/2014/main" id="{E228FC63-B493-6942-A20B-7B8E61DE4EB9}"/>
-              </a:ext>
-            </a:extLst>
-          </p:cNvPr>
-          <p:cNvPicPr>
-            <a:picLocks noChangeAspect="1"/>
-          </p:cNvPicPr>
-          <p:nvPr/>
-        </p:nvPicPr>
-        <p:blipFill>
-          <a:blip r:embed="rId9"/>
-          <a:stretch>
-            <a:fillRect/>
-          </a:stretch>
-        </p:blipFill>
-        <p:spPr>
-          <a:xfrm>
-            <a:off x="7408059" y="83998"/>
-            <a:ext cx="184243" cy="184243"/>
-          </a:xfrm>
-          <a:prstGeom prst="rect">
-            <a:avLst/>
-          </a:prstGeom>
-        </p:spPr>
-      </p:pic>
-      <p:sp>
-        <p:nvSpPr>
-          <p:cNvPr id="114" name="TextBox 113">
-            <a:extLst>
-              <a:ext uri="{FF2B5EF4-FFF2-40B4-BE49-F238E27FC236}">
-                <a16:creationId xmlns:a16="http://schemas.microsoft.com/office/drawing/2014/main" id="{F3496A4C-19A3-9F45-A7F0-2B0C01CE0170}"/>
-              </a:ext>
-            </a:extLst>
-          </p:cNvPr>
-          <p:cNvSpPr txBox="1"/>
-          <p:nvPr/>
-        </p:nvSpPr>
-        <p:spPr>
-          <a:xfrm>
-            <a:off x="6844126" y="12688"/>
-            <a:ext cx="591829" cy="461665"/>
-          </a:xfrm>
-          <a:prstGeom prst="rect">
-            <a:avLst/>
-          </a:prstGeom>
-          <a:noFill/>
-        </p:spPr>
-        <p:txBody>
-          <a:bodyPr wrap="none" rtlCol="0">
-            <a:spAutoFit/>
-          </a:bodyPr>
-          <a:lstStyle/>
-          <a:p>
-            <a:r>
-              <a:rPr lang="en-US" sz="1200"/>
-              <a:t>Visual </a:t>
-            </a:r>
-          </a:p>
-          <a:p>
-            <a:r>
-              <a:rPr lang="en-US" sz="1200"/>
-              <a:t>Studio</a:t>
-            </a:r>
-          </a:p>
-        </p:txBody>
-      </p:sp>
-      <p:cxnSp>
-        <p:nvCxnSpPr>
-          <p:cNvPr id="116" name="Straight Arrow Connector 115">
-            <a:extLst>
-              <a:ext uri="{FF2B5EF4-FFF2-40B4-BE49-F238E27FC236}">
-                <a16:creationId xmlns:a16="http://schemas.microsoft.com/office/drawing/2014/main" id="{6D4217B5-9051-B747-9EB1-3A0C82F62759}"/>
-              </a:ext>
-            </a:extLst>
-          </p:cNvPr>
-          <p:cNvCxnSpPr>
-            <a:cxnSpLocks/>
-          </p:cNvCxnSpPr>
-          <p:nvPr/>
-        </p:nvCxnSpPr>
-        <p:spPr>
-          <a:xfrm>
-            <a:off x="8076585" y="474353"/>
-            <a:ext cx="0" cy="241148"/>
-          </a:xfrm>
-          <a:prstGeom prst="straightConnector1">
-            <a:avLst/>
-          </a:prstGeom>
-          <a:ln>
-            <a:headEnd type="triangle"/>
-            <a:tailEnd type="triangle"/>
-          </a:ln>
-        </p:spPr>
-        <p:style>
-          <a:lnRef idx="1">
-            <a:schemeClr val="accent1"/>
-          </a:lnRef>
-          <a:fillRef idx="0">
-            <a:schemeClr val="accent1"/>
-          </a:fillRef>
-          <a:effectRef idx="0">
-            <a:schemeClr val="accent1"/>
-          </a:effectRef>
-          <a:fontRef idx="minor">
-            <a:schemeClr val="tx1"/>
-          </a:fontRef>
-        </p:style>
-      </p:cxnSp>
-      <p:sp>
-        <p:nvSpPr>
-          <p:cNvPr id="44" name="TextBox 43">
-            <a:extLst>
-              <a:ext uri="{FF2B5EF4-FFF2-40B4-BE49-F238E27FC236}">
-                <a16:creationId xmlns:a16="http://schemas.microsoft.com/office/drawing/2014/main" id="{5AD30A28-F630-9E41-98B0-135638908344}"/>
-              </a:ext>
-            </a:extLst>
-          </p:cNvPr>
-          <p:cNvSpPr txBox="1"/>
-          <p:nvPr/>
-        </p:nvSpPr>
-        <p:spPr>
-          <a:xfrm>
-            <a:off x="1521836" y="4894331"/>
-            <a:ext cx="665567" cy="369332"/>
-          </a:xfrm>
-          <a:prstGeom prst="rect">
-            <a:avLst/>
-          </a:prstGeom>
-          <a:noFill/>
-        </p:spPr>
-        <p:txBody>
-          <a:bodyPr wrap="none" rtlCol="0">
-            <a:spAutoFit/>
-          </a:bodyPr>
-          <a:lstStyle/>
-          <a:p>
-            <a:r>
-              <a:rPr lang="en-US">
-                <a:solidFill>
-                  <a:schemeClr val="accent6">
-                    <a:lumMod val="60000"/>
-                    <a:lumOff val="40000"/>
-                  </a:schemeClr>
-                </a:solidFill>
-              </a:rPr>
-              <a:t>node</a:t>
-            </a:r>
-          </a:p>
-        </p:txBody>
-      </p:sp>
-      <p:sp>
-        <p:nvSpPr>
-          <p:cNvPr id="117" name="TextBox 116">
-            <a:extLst>
-              <a:ext uri="{FF2B5EF4-FFF2-40B4-BE49-F238E27FC236}">
-                <a16:creationId xmlns:a16="http://schemas.microsoft.com/office/drawing/2014/main" id="{50850BE5-F13B-E94A-9661-ACFDE147256B}"/>
-              </a:ext>
-            </a:extLst>
-          </p:cNvPr>
-          <p:cNvSpPr txBox="1"/>
-          <p:nvPr/>
-        </p:nvSpPr>
-        <p:spPr>
-          <a:xfrm>
-            <a:off x="8221200" y="3294047"/>
-            <a:ext cx="576568" cy="369332"/>
-          </a:xfrm>
-          <a:prstGeom prst="rect">
-            <a:avLst/>
-          </a:prstGeom>
-          <a:noFill/>
-        </p:spPr>
-        <p:txBody>
-          <a:bodyPr wrap="none" rtlCol="0">
-            <a:spAutoFit/>
-          </a:bodyPr>
-          <a:lstStyle/>
-          <a:p>
-            <a:r>
-              <a:rPr lang="en-US">
-                <a:solidFill>
-                  <a:schemeClr val="accent4">
-                    <a:lumMod val="60000"/>
-                    <a:lumOff val="40000"/>
-                  </a:schemeClr>
-                </a:solidFill>
-              </a:rPr>
-              <a:t>Java</a:t>
-            </a:r>
-          </a:p>
-        </p:txBody>
-      </p:sp>
-      <p:sp>
-        <p:nvSpPr>
-          <p:cNvPr id="118" name="TextBox 117">
-            <a:extLst>
-              <a:ext uri="{FF2B5EF4-FFF2-40B4-BE49-F238E27FC236}">
-                <a16:creationId xmlns:a16="http://schemas.microsoft.com/office/drawing/2014/main" id="{441AA412-E83B-4342-90AD-5803F84BB144}"/>
-              </a:ext>
-            </a:extLst>
-          </p:cNvPr>
-          <p:cNvSpPr txBox="1"/>
-          <p:nvPr/>
-        </p:nvSpPr>
-        <p:spPr>
-          <a:xfrm>
-            <a:off x="1542303" y="5676313"/>
-            <a:ext cx="1216167" cy="369332"/>
-          </a:xfrm>
-          <a:prstGeom prst="rect">
-            <a:avLst/>
-          </a:prstGeom>
-          <a:noFill/>
-        </p:spPr>
-        <p:txBody>
-          <a:bodyPr wrap="none" rtlCol="0">
-            <a:spAutoFit/>
-          </a:bodyPr>
-          <a:lstStyle/>
-          <a:p>
-            <a:r>
-              <a:rPr lang="en-US">
-                <a:solidFill>
-                  <a:srgbClr val="7030A0"/>
-                </a:solidFill>
-              </a:rPr>
-              <a:t>C / metal C</a:t>
-            </a:r>
-          </a:p>
-        </p:txBody>
-      </p:sp>
-      <p:cxnSp>
-        <p:nvCxnSpPr>
-          <p:cNvPr id="119" name="Straight Arrow Connector 118">
-            <a:extLst>
-              <a:ext uri="{FF2B5EF4-FFF2-40B4-BE49-F238E27FC236}">
-                <a16:creationId xmlns:a16="http://schemas.microsoft.com/office/drawing/2014/main" id="{1F8E9A04-A8E5-9C44-8C46-7640590D4782}"/>
-              </a:ext>
-            </a:extLst>
-          </p:cNvPr>
-          <p:cNvCxnSpPr>
-            <a:cxnSpLocks/>
-          </p:cNvCxnSpPr>
-          <p:nvPr/>
-        </p:nvCxnSpPr>
-        <p:spPr>
-          <a:xfrm>
-            <a:off x="476119" y="1704240"/>
-            <a:ext cx="0" cy="2072210"/>
-          </a:xfrm>
-          <a:prstGeom prst="straightConnector1">
-            <a:avLst/>
-          </a:prstGeom>
-          <a:ln>
-            <a:headEnd type="triangle"/>
-            <a:tailEnd type="triangle"/>
-          </a:ln>
-        </p:spPr>
-        <p:style>
-          <a:lnRef idx="1">
-            <a:schemeClr val="accent1"/>
-          </a:lnRef>
-          <a:fillRef idx="0">
-            <a:schemeClr val="accent1"/>
-          </a:fillRef>
-          <a:effectRef idx="0">
-            <a:schemeClr val="accent1"/>
-          </a:effectRef>
-          <a:fontRef idx="minor">
-            <a:schemeClr val="tx1"/>
-          </a:fontRef>
-        </p:style>
-      </p:cxnSp>
-      <p:sp>
-        <p:nvSpPr>
-          <p:cNvPr id="94" name="Rectangle 93">
-            <a:extLst>
-              <a:ext uri="{FF2B5EF4-FFF2-40B4-BE49-F238E27FC236}">
-                <a16:creationId xmlns:a16="http://schemas.microsoft.com/office/drawing/2014/main" id="{2E6E6968-C58B-AC42-AC3C-471BE14361C4}"/>
-              </a:ext>
-            </a:extLst>
-          </p:cNvPr>
-          <p:cNvSpPr/>
-          <p:nvPr/>
-        </p:nvSpPr>
-        <p:spPr>
-          <a:xfrm>
-            <a:off x="6878388" y="1463160"/>
-            <a:ext cx="5097850" cy="184138"/>
-          </a:xfrm>
-          <a:prstGeom prst="rect">
-            <a:avLst/>
-          </a:prstGeom>
-          <a:solidFill>
-            <a:schemeClr val="accent1">
-              <a:lumMod val="20000"/>
-              <a:lumOff val="80000"/>
-            </a:schemeClr>
-          </a:solidFill>
-        </p:spPr>
-        <p:style>
-          <a:lnRef idx="1">
-            <a:schemeClr val="accent1"/>
-          </a:lnRef>
-          <a:fillRef idx="3">
-            <a:schemeClr val="accent1"/>
-          </a:fillRef>
-          <a:effectRef idx="2">
-            <a:schemeClr val="accent1"/>
-          </a:effectRef>
-          <a:fontRef idx="minor">
-            <a:schemeClr val="lt1"/>
-          </a:fontRef>
-        </p:style>
-        <p:txBody>
-          <a:bodyPr rtlCol="0" anchor="ctr"/>
-          <a:lstStyle/>
-          <a:p>
-            <a:pPr algn="ctr"/>
-            <a:r>
-              <a:rPr lang="en-US" sz="800" dirty="0">
-                <a:solidFill>
-                  <a:schemeClr val="tx1"/>
-                </a:solidFill>
-                <a:latin typeface="Menlo" charset="0"/>
-                <a:ea typeface="Menlo" charset="0"/>
-                <a:cs typeface="Menlo" charset="0"/>
-              </a:rPr>
-              <a:t>Zowe CLI running in desktop shell</a:t>
-            </a:r>
-          </a:p>
-        </p:txBody>
-      </p:sp>
-    </p:spTree>
-    <p:extLst>
-      <p:ext uri="{BB962C8B-B14F-4D97-AF65-F5344CB8AC3E}">
-        <p14:creationId xmlns:p14="http://schemas.microsoft.com/office/powerpoint/2010/main" val="667538634"/>
-      </p:ext>
-    </p:extLst>
-  </p:cSld>
-  <p:clrMapOvr>
-    <a:masterClrMapping/>
-  </p:clrMapOvr>
-  <mc:AlternateContent xmlns:mc="http://schemas.openxmlformats.org/markup-compatibility/2006" xmlns:p14="http://schemas.microsoft.com/office/powerpoint/2010/main">
-    <mc:Choice Requires="p14">
-      <p:transition spd="med" p14:dur="700">
-        <p:fade/>
-      </p:transition>
-    </mc:Choice>
-    <mc:Fallback xmlns="">
-      <p:transition spd="med">
-        <p:fade/>
-      </p:transition>
-    </mc:Fallback>
-  </mc:AlternateContent>
-</p:sld>
-</file>
-
-<file path=ppt/slides/slide3.xml><?xml version="1.0" encoding="utf-8"?>
-<p:sld xmlns:a="http://schemas.openxmlformats.org/drawingml/2006/main" xmlns:r="http://schemas.openxmlformats.org/officeDocument/2006/relationships" xmlns:p="http://schemas.openxmlformats.org/presentationml/2006/main">
-  <p:cSld>
-    <p:spTree>
-      <p:nvGrpSpPr>
-        <p:cNvPr id="1" name=""/>
-        <p:cNvGrpSpPr/>
-        <p:nvPr/>
-      </p:nvGrpSpPr>
-      <p:grpSpPr>
-        <a:xfrm>
-          <a:off x="0" y="0"/>
-          <a:ext cx="0" cy="0"/>
-          <a:chOff x="0" y="0"/>
-          <a:chExt cx="0" cy="0"/>
-        </a:xfrm>
-      </p:grpSpPr>
-      <p:sp>
-        <p:nvSpPr>
-          <p:cNvPr id="4" name="Rectangle 3">
-            <a:extLst>
-              <a:ext uri="{FF2B5EF4-FFF2-40B4-BE49-F238E27FC236}">
-                <a16:creationId xmlns:a16="http://schemas.microsoft.com/office/drawing/2014/main" id="{36E709CA-1F3C-3C4C-9C21-97DA0D54E7B6}"/>
-              </a:ext>
-            </a:extLst>
-          </p:cNvPr>
-          <p:cNvSpPr/>
-          <p:nvPr/>
-        </p:nvSpPr>
-        <p:spPr>
-          <a:xfrm rot="5400000">
-            <a:off x="4470968" y="-1096841"/>
-            <a:ext cx="818941" cy="7930773"/>
-          </a:xfrm>
-          <a:prstGeom prst="rect">
-            <a:avLst/>
-          </a:prstGeom>
-          <a:solidFill>
-            <a:schemeClr val="accent4">
-              <a:lumMod val="20000"/>
-              <a:lumOff val="80000"/>
-            </a:schemeClr>
-          </a:solidFill>
-        </p:spPr>
-        <p:style>
-          <a:lnRef idx="2">
-            <a:schemeClr val="accent1">
-              <a:shade val="50000"/>
-            </a:schemeClr>
-          </a:lnRef>
-          <a:fillRef idx="1">
-            <a:schemeClr val="accent1"/>
-          </a:fillRef>
-          <a:effectRef idx="0">
-            <a:schemeClr val="accent1"/>
-          </a:effectRef>
-          <a:fontRef idx="minor">
-            <a:schemeClr val="lt1"/>
-          </a:fontRef>
-        </p:style>
-        <p:txBody>
-          <a:bodyPr rtlCol="0" anchor="ctr"/>
-          <a:lstStyle/>
-          <a:p>
-            <a:pPr algn="ctr"/>
-            <a:endParaRPr lang="en-US"/>
-          </a:p>
-        </p:txBody>
-      </p:sp>
-      <p:sp>
-        <p:nvSpPr>
-          <p:cNvPr id="5" name="Rectangle 4">
-            <a:extLst>
-              <a:ext uri="{FF2B5EF4-FFF2-40B4-BE49-F238E27FC236}">
-                <a16:creationId xmlns:a16="http://schemas.microsoft.com/office/drawing/2014/main" id="{CD956B13-044D-9243-9A12-FAB29C07CECD}"/>
-              </a:ext>
-            </a:extLst>
-          </p:cNvPr>
-          <p:cNvSpPr/>
-          <p:nvPr/>
-        </p:nvSpPr>
-        <p:spPr>
-          <a:xfrm>
-            <a:off x="915052" y="2459074"/>
-            <a:ext cx="7930773" cy="281271"/>
-          </a:xfrm>
-          <a:prstGeom prst="rect">
-            <a:avLst/>
-          </a:prstGeom>
-          <a:noFill/>
-        </p:spPr>
-        <p:style>
-          <a:lnRef idx="2">
-            <a:schemeClr val="accent1">
-              <a:shade val="50000"/>
-            </a:schemeClr>
-          </a:lnRef>
-          <a:fillRef idx="1">
-            <a:schemeClr val="accent1"/>
-          </a:fillRef>
-          <a:effectRef idx="0">
-            <a:schemeClr val="accent1"/>
-          </a:effectRef>
-          <a:fontRef idx="minor">
-            <a:schemeClr val="lt1"/>
-          </a:fontRef>
-        </p:style>
-        <p:txBody>
-          <a:bodyPr rtlCol="0" anchor="ctr"/>
-          <a:lstStyle/>
-          <a:p>
-            <a:pPr algn="ctr"/>
-            <a:r>
-              <a:rPr lang="en-US" sz="1000">
-                <a:solidFill>
-                  <a:schemeClr val="tx1"/>
-                </a:solidFill>
-                <a:latin typeface="Menlo" panose="020B0609030804020204" pitchFamily="49" charset="0"/>
-                <a:ea typeface="Menlo" panose="020B0609030804020204" pitchFamily="49" charset="0"/>
-                <a:cs typeface="Menlo" panose="020B0609030804020204" pitchFamily="49" charset="0"/>
-              </a:rPr>
-              <a:t>API Gateway</a:t>
-            </a:r>
-          </a:p>
-        </p:txBody>
-      </p:sp>
-      <p:sp>
-        <p:nvSpPr>
-          <p:cNvPr id="6" name="TextBox 5">
-            <a:extLst>
-              <a:ext uri="{FF2B5EF4-FFF2-40B4-BE49-F238E27FC236}">
-                <a16:creationId xmlns:a16="http://schemas.microsoft.com/office/drawing/2014/main" id="{F959A5E3-08BE-A54A-B8BE-FD114BCE1D52}"/>
-              </a:ext>
-            </a:extLst>
-          </p:cNvPr>
-          <p:cNvSpPr txBox="1"/>
-          <p:nvPr/>
-        </p:nvSpPr>
-        <p:spPr>
-          <a:xfrm>
-            <a:off x="4514973" y="2112860"/>
-            <a:ext cx="524503" cy="261610"/>
-          </a:xfrm>
-          <a:prstGeom prst="rect">
-            <a:avLst/>
-          </a:prstGeom>
-          <a:noFill/>
-        </p:spPr>
-        <p:txBody>
-          <a:bodyPr wrap="none" rtlCol="0">
-            <a:spAutoFit/>
-          </a:bodyPr>
-          <a:lstStyle/>
-          <a:p>
-            <a:r>
-              <a:rPr lang="en-US" sz="1100">
-                <a:latin typeface="Menlo" panose="020B0609030804020204" pitchFamily="49" charset="0"/>
-                <a:ea typeface="Menlo" panose="020B0609030804020204" pitchFamily="49" charset="0"/>
-                <a:cs typeface="Menlo" panose="020B0609030804020204" pitchFamily="49" charset="0"/>
-              </a:rPr>
-              <a:t>7554</a:t>
-            </a:r>
-          </a:p>
-        </p:txBody>
-      </p:sp>
-      <p:cxnSp>
-        <p:nvCxnSpPr>
-          <p:cNvPr id="7" name="Straight Arrow Connector 6">
-            <a:extLst>
-              <a:ext uri="{FF2B5EF4-FFF2-40B4-BE49-F238E27FC236}">
-                <a16:creationId xmlns:a16="http://schemas.microsoft.com/office/drawing/2014/main" id="{27AED114-6365-BB4C-A2F4-98DDBDA34FAA}"/>
-              </a:ext>
-            </a:extLst>
-          </p:cNvPr>
-          <p:cNvCxnSpPr>
-            <a:cxnSpLocks/>
-          </p:cNvCxnSpPr>
-          <p:nvPr/>
-        </p:nvCxnSpPr>
-        <p:spPr>
-          <a:xfrm>
-            <a:off x="7746055" y="2459074"/>
-            <a:ext cx="0" cy="759483"/>
-          </a:xfrm>
-          <a:prstGeom prst="straightConnector1">
-            <a:avLst/>
-          </a:prstGeom>
-          <a:ln>
-            <a:prstDash val="dash"/>
-            <a:headEnd type="triangle"/>
-            <a:tailEnd type="triangle"/>
-          </a:ln>
-        </p:spPr>
-        <p:style>
-          <a:lnRef idx="1">
-            <a:schemeClr val="accent1"/>
-          </a:lnRef>
-          <a:fillRef idx="0">
-            <a:schemeClr val="accent1"/>
-          </a:fillRef>
-          <a:effectRef idx="0">
-            <a:schemeClr val="accent1"/>
-          </a:effectRef>
-          <a:fontRef idx="minor">
-            <a:schemeClr val="tx1"/>
-          </a:fontRef>
-        </p:style>
-      </p:cxnSp>
-      <p:cxnSp>
-        <p:nvCxnSpPr>
-          <p:cNvPr id="8" name="Straight Arrow Connector 7">
-            <a:extLst>
-              <a:ext uri="{FF2B5EF4-FFF2-40B4-BE49-F238E27FC236}">
-                <a16:creationId xmlns:a16="http://schemas.microsoft.com/office/drawing/2014/main" id="{1B3EF946-F909-7E46-9B4B-CA015451E9DF}"/>
-              </a:ext>
-            </a:extLst>
-          </p:cNvPr>
-          <p:cNvCxnSpPr>
-            <a:cxnSpLocks/>
-          </p:cNvCxnSpPr>
-          <p:nvPr/>
-        </p:nvCxnSpPr>
-        <p:spPr>
-          <a:xfrm>
-            <a:off x="6510049" y="2459074"/>
-            <a:ext cx="0" cy="759483"/>
-          </a:xfrm>
-          <a:prstGeom prst="straightConnector1">
-            <a:avLst/>
-          </a:prstGeom>
-          <a:ln>
-            <a:prstDash val="dash"/>
-            <a:headEnd type="triangle"/>
-            <a:tailEnd type="triangle"/>
-          </a:ln>
-        </p:spPr>
-        <p:style>
-          <a:lnRef idx="1">
-            <a:schemeClr val="accent1"/>
-          </a:lnRef>
-          <a:fillRef idx="0">
-            <a:schemeClr val="accent1"/>
-          </a:fillRef>
-          <a:effectRef idx="0">
-            <a:schemeClr val="accent1"/>
-          </a:effectRef>
-          <a:fontRef idx="minor">
-            <a:schemeClr val="tx1"/>
-          </a:fontRef>
-        </p:style>
-      </p:cxnSp>
-      <p:sp>
-        <p:nvSpPr>
-          <p:cNvPr id="9" name="TextBox 8">
-            <a:extLst>
-              <a:ext uri="{FF2B5EF4-FFF2-40B4-BE49-F238E27FC236}">
-                <a16:creationId xmlns:a16="http://schemas.microsoft.com/office/drawing/2014/main" id="{58784E12-5DAA-DB45-A680-A63FC8916D68}"/>
-              </a:ext>
-            </a:extLst>
-          </p:cNvPr>
-          <p:cNvSpPr txBox="1"/>
-          <p:nvPr/>
-        </p:nvSpPr>
-        <p:spPr>
-          <a:xfrm>
-            <a:off x="2494057" y="3484376"/>
-            <a:ext cx="524503" cy="261610"/>
-          </a:xfrm>
-          <a:prstGeom prst="rect">
-            <a:avLst/>
-          </a:prstGeom>
-          <a:noFill/>
-        </p:spPr>
-        <p:txBody>
-          <a:bodyPr wrap="none" rtlCol="0">
-            <a:spAutoFit/>
-          </a:bodyPr>
-          <a:lstStyle/>
-          <a:p>
-            <a:r>
-              <a:rPr lang="en-US" sz="1100">
-                <a:latin typeface="Menlo" panose="020B0609030804020204" pitchFamily="49" charset="0"/>
-                <a:ea typeface="Menlo" panose="020B0609030804020204" pitchFamily="49" charset="0"/>
-                <a:cs typeface="Menlo" panose="020B0609030804020204" pitchFamily="49" charset="0"/>
-              </a:rPr>
-              <a:t>7552</a:t>
-            </a:r>
-          </a:p>
-        </p:txBody>
-      </p:sp>
-      <p:sp>
-        <p:nvSpPr>
-          <p:cNvPr id="10" name="Rectangle 9">
-            <a:extLst>
-              <a:ext uri="{FF2B5EF4-FFF2-40B4-BE49-F238E27FC236}">
-                <a16:creationId xmlns:a16="http://schemas.microsoft.com/office/drawing/2014/main" id="{FB60D1FD-52D6-C344-AE1A-110A1B22897F}"/>
-              </a:ext>
-            </a:extLst>
-          </p:cNvPr>
-          <p:cNvSpPr/>
-          <p:nvPr/>
-        </p:nvSpPr>
-        <p:spPr>
-          <a:xfrm>
-            <a:off x="376506" y="3771032"/>
-            <a:ext cx="1128765" cy="1435235"/>
-          </a:xfrm>
-          <a:prstGeom prst="rect">
-            <a:avLst/>
-          </a:prstGeom>
-          <a:solidFill>
-            <a:schemeClr val="accent6">
-              <a:lumMod val="20000"/>
-              <a:lumOff val="80000"/>
-            </a:schemeClr>
-          </a:solidFill>
-          <a:ln>
-            <a:solidFill>
-              <a:schemeClr val="accent6">
-                <a:lumMod val="60000"/>
-                <a:lumOff val="40000"/>
-              </a:schemeClr>
-            </a:solidFill>
-          </a:ln>
-        </p:spPr>
-        <p:style>
-          <a:lnRef idx="2">
-            <a:schemeClr val="accent1">
-              <a:shade val="50000"/>
-            </a:schemeClr>
-          </a:lnRef>
-          <a:fillRef idx="1">
-            <a:schemeClr val="accent1"/>
-          </a:fillRef>
-          <a:effectRef idx="0">
-            <a:schemeClr val="accent1"/>
-          </a:effectRef>
-          <a:fontRef idx="minor">
-            <a:schemeClr val="lt1"/>
-          </a:fontRef>
-        </p:style>
-        <p:txBody>
-          <a:bodyPr rtlCol="0" anchor="ctr"/>
-          <a:lstStyle/>
-          <a:p>
-            <a:pPr algn="ctr"/>
-            <a:endParaRPr lang="en-US" sz="1000">
-              <a:solidFill>
-                <a:schemeClr val="tx1"/>
-              </a:solidFill>
-              <a:latin typeface="Menlo" panose="020B0609030804020204" pitchFamily="49" charset="0"/>
-              <a:ea typeface="Menlo" panose="020B0609030804020204" pitchFamily="49" charset="0"/>
-              <a:cs typeface="Menlo" panose="020B0609030804020204" pitchFamily="49" charset="0"/>
-            </a:endParaRPr>
-          </a:p>
-        </p:txBody>
-      </p:sp>
-      <p:sp>
-        <p:nvSpPr>
-          <p:cNvPr id="11" name="Rectangle 10">
-            <a:extLst>
-              <a:ext uri="{FF2B5EF4-FFF2-40B4-BE49-F238E27FC236}">
-                <a16:creationId xmlns:a16="http://schemas.microsoft.com/office/drawing/2014/main" id="{72B8C5FD-1A9C-764C-9EBF-06BB3BD3940D}"/>
-              </a:ext>
-            </a:extLst>
-          </p:cNvPr>
-          <p:cNvSpPr/>
-          <p:nvPr/>
-        </p:nvSpPr>
-        <p:spPr>
-          <a:xfrm>
-            <a:off x="832031" y="4519628"/>
-            <a:ext cx="673240" cy="329105"/>
-          </a:xfrm>
-          <a:prstGeom prst="rect">
-            <a:avLst/>
-          </a:prstGeom>
-          <a:noFill/>
-        </p:spPr>
-        <p:style>
-          <a:lnRef idx="2">
-            <a:schemeClr val="accent1">
-              <a:shade val="50000"/>
-            </a:schemeClr>
-          </a:lnRef>
-          <a:fillRef idx="1">
-            <a:schemeClr val="accent1"/>
-          </a:fillRef>
-          <a:effectRef idx="0">
-            <a:schemeClr val="accent1"/>
-          </a:effectRef>
-          <a:fontRef idx="minor">
-            <a:schemeClr val="lt1"/>
-          </a:fontRef>
-        </p:style>
-        <p:txBody>
-          <a:bodyPr rtlCol="0" anchor="ctr"/>
-          <a:lstStyle/>
-          <a:p>
-            <a:pPr algn="ctr"/>
-            <a:r>
-              <a:rPr lang="en-US" sz="1000">
-                <a:solidFill>
-                  <a:schemeClr val="tx1"/>
-                </a:solidFill>
-                <a:latin typeface="Menlo" panose="020B0609030804020204" pitchFamily="49" charset="0"/>
-                <a:ea typeface="Menlo" panose="020B0609030804020204" pitchFamily="49" charset="0"/>
-                <a:cs typeface="Menlo" panose="020B0609030804020204" pitchFamily="49" charset="0"/>
-              </a:rPr>
-              <a:t>TN3270</a:t>
-            </a:r>
-          </a:p>
-        </p:txBody>
-      </p:sp>
-      <p:sp>
-        <p:nvSpPr>
-          <p:cNvPr id="12" name="Rectangle 11">
-            <a:extLst>
-              <a:ext uri="{FF2B5EF4-FFF2-40B4-BE49-F238E27FC236}">
-                <a16:creationId xmlns:a16="http://schemas.microsoft.com/office/drawing/2014/main" id="{08682C8B-AA86-F24C-825C-7101E86A70F7}"/>
-              </a:ext>
-            </a:extLst>
-          </p:cNvPr>
-          <p:cNvSpPr/>
-          <p:nvPr/>
-        </p:nvSpPr>
-        <p:spPr>
-          <a:xfrm>
-            <a:off x="832031" y="4840722"/>
-            <a:ext cx="673240" cy="329105"/>
-          </a:xfrm>
-          <a:prstGeom prst="rect">
-            <a:avLst/>
-          </a:prstGeom>
-          <a:noFill/>
-        </p:spPr>
-        <p:style>
-          <a:lnRef idx="2">
-            <a:schemeClr val="accent1">
-              <a:shade val="50000"/>
-            </a:schemeClr>
-          </a:lnRef>
-          <a:fillRef idx="1">
-            <a:schemeClr val="accent1"/>
-          </a:fillRef>
-          <a:effectRef idx="0">
-            <a:schemeClr val="accent1"/>
-          </a:effectRef>
-          <a:fontRef idx="minor">
-            <a:schemeClr val="lt1"/>
-          </a:fontRef>
-        </p:style>
-        <p:txBody>
-          <a:bodyPr rtlCol="0" anchor="ctr"/>
-          <a:lstStyle/>
-          <a:p>
-            <a:pPr algn="ctr"/>
-            <a:r>
-              <a:rPr lang="en-US" sz="1000">
-                <a:solidFill>
-                  <a:schemeClr val="tx1"/>
-                </a:solidFill>
-                <a:latin typeface="Menlo" panose="020B0609030804020204" pitchFamily="49" charset="0"/>
-                <a:ea typeface="Menlo" panose="020B0609030804020204" pitchFamily="49" charset="0"/>
-                <a:cs typeface="Menlo" panose="020B0609030804020204" pitchFamily="49" charset="0"/>
-              </a:rPr>
-              <a:t>VT</a:t>
-            </a:r>
-          </a:p>
-        </p:txBody>
-      </p:sp>
-      <p:sp>
-        <p:nvSpPr>
-          <p:cNvPr id="13" name="Rectangle 12">
-            <a:extLst>
-              <a:ext uri="{FF2B5EF4-FFF2-40B4-BE49-F238E27FC236}">
-                <a16:creationId xmlns:a16="http://schemas.microsoft.com/office/drawing/2014/main" id="{07487A5E-9895-1744-8AC0-3DA60A620352}"/>
-              </a:ext>
-            </a:extLst>
-          </p:cNvPr>
-          <p:cNvSpPr/>
-          <p:nvPr/>
-        </p:nvSpPr>
-        <p:spPr>
-          <a:xfrm>
-            <a:off x="376507" y="3771034"/>
-            <a:ext cx="1128765" cy="492369"/>
-          </a:xfrm>
-          <a:prstGeom prst="rect">
-            <a:avLst/>
-          </a:prstGeom>
-          <a:noFill/>
-        </p:spPr>
-        <p:style>
-          <a:lnRef idx="2">
-            <a:schemeClr val="accent1">
-              <a:shade val="50000"/>
-            </a:schemeClr>
-          </a:lnRef>
-          <a:fillRef idx="1">
-            <a:schemeClr val="accent1"/>
-          </a:fillRef>
-          <a:effectRef idx="0">
-            <a:schemeClr val="accent1"/>
-          </a:effectRef>
-          <a:fontRef idx="minor">
-            <a:schemeClr val="lt1"/>
-          </a:fontRef>
-        </p:style>
-        <p:txBody>
-          <a:bodyPr rtlCol="0" anchor="ctr"/>
-          <a:lstStyle/>
-          <a:p>
-            <a:pPr algn="ctr"/>
-            <a:r>
-              <a:rPr lang="en-US" sz="1000">
-                <a:solidFill>
-                  <a:schemeClr val="tx1"/>
-                </a:solidFill>
-                <a:latin typeface="Menlo" panose="020B0609030804020204" pitchFamily="49" charset="0"/>
-                <a:ea typeface="Menlo" panose="020B0609030804020204" pitchFamily="49" charset="0"/>
-                <a:cs typeface="Menlo" panose="020B0609030804020204" pitchFamily="49" charset="0"/>
-              </a:rPr>
-              <a:t>ZLUX</a:t>
-            </a:r>
-          </a:p>
-        </p:txBody>
-      </p:sp>
-      <p:sp>
-        <p:nvSpPr>
-          <p:cNvPr id="14" name="TextBox 13">
-            <a:extLst>
-              <a:ext uri="{FF2B5EF4-FFF2-40B4-BE49-F238E27FC236}">
-                <a16:creationId xmlns:a16="http://schemas.microsoft.com/office/drawing/2014/main" id="{33254BD2-EAD4-D64A-BB16-82483678D8DC}"/>
-              </a:ext>
-            </a:extLst>
-          </p:cNvPr>
-          <p:cNvSpPr txBox="1"/>
-          <p:nvPr/>
-        </p:nvSpPr>
-        <p:spPr>
-          <a:xfrm>
-            <a:off x="454836" y="3509422"/>
-            <a:ext cx="524503" cy="261610"/>
-          </a:xfrm>
-          <a:prstGeom prst="rect">
-            <a:avLst/>
-          </a:prstGeom>
-          <a:noFill/>
-        </p:spPr>
-        <p:txBody>
-          <a:bodyPr wrap="none" rtlCol="0">
-            <a:spAutoFit/>
-          </a:bodyPr>
-          <a:lstStyle/>
-          <a:p>
-            <a:r>
-              <a:rPr lang="en-US" sz="1100">
-                <a:latin typeface="Menlo" panose="020B0609030804020204" pitchFamily="49" charset="0"/>
-                <a:ea typeface="Menlo" panose="020B0609030804020204" pitchFamily="49" charset="0"/>
-                <a:cs typeface="Menlo" panose="020B0609030804020204" pitchFamily="49" charset="0"/>
-              </a:rPr>
-              <a:t>8544</a:t>
-            </a:r>
-          </a:p>
-        </p:txBody>
-      </p:sp>
-      <p:sp>
-        <p:nvSpPr>
-          <p:cNvPr id="15" name="Rectangle 14">
-            <a:extLst>
-              <a:ext uri="{FF2B5EF4-FFF2-40B4-BE49-F238E27FC236}">
-                <a16:creationId xmlns:a16="http://schemas.microsoft.com/office/drawing/2014/main" id="{FF1BA4FC-F089-F843-9176-8D8FD72C6E58}"/>
-              </a:ext>
-            </a:extLst>
-          </p:cNvPr>
-          <p:cNvSpPr/>
-          <p:nvPr/>
-        </p:nvSpPr>
-        <p:spPr>
-          <a:xfrm>
-            <a:off x="376504" y="5715002"/>
-            <a:ext cx="1128765" cy="276391"/>
-          </a:xfrm>
-          <a:prstGeom prst="rect">
-            <a:avLst/>
-          </a:prstGeom>
-          <a:solidFill>
-            <a:srgbClr val="F3A4FF"/>
-          </a:solidFill>
-        </p:spPr>
-        <p:style>
-          <a:lnRef idx="2">
-            <a:schemeClr val="accent1">
-              <a:shade val="50000"/>
-            </a:schemeClr>
-          </a:lnRef>
-          <a:fillRef idx="1">
-            <a:schemeClr val="accent1"/>
-          </a:fillRef>
-          <a:effectRef idx="0">
-            <a:schemeClr val="accent1"/>
-          </a:effectRef>
-          <a:fontRef idx="minor">
-            <a:schemeClr val="lt1"/>
-          </a:fontRef>
-        </p:style>
-        <p:txBody>
-          <a:bodyPr rtlCol="0" anchor="ctr"/>
-          <a:lstStyle/>
-          <a:p>
-            <a:pPr algn="ctr"/>
-            <a:r>
-              <a:rPr lang="en-US" sz="1000" dirty="0">
-                <a:solidFill>
-                  <a:schemeClr val="tx1"/>
-                </a:solidFill>
-                <a:latin typeface="Menlo" panose="020B0609030804020204" pitchFamily="49" charset="0"/>
-                <a:ea typeface="Menlo" panose="020B0609030804020204" pitchFamily="49" charset="0"/>
-                <a:cs typeface="Menlo" panose="020B0609030804020204" pitchFamily="49" charset="0"/>
-              </a:rPr>
-              <a:t>zssServer</a:t>
-            </a:r>
-          </a:p>
-        </p:txBody>
-      </p:sp>
-      <p:cxnSp>
-        <p:nvCxnSpPr>
-          <p:cNvPr id="16" name="Straight Arrow Connector 15">
-            <a:extLst>
-              <a:ext uri="{FF2B5EF4-FFF2-40B4-BE49-F238E27FC236}">
-                <a16:creationId xmlns:a16="http://schemas.microsoft.com/office/drawing/2014/main" id="{54592F1C-4F93-484E-BE31-FD8065B471FC}"/>
-              </a:ext>
-            </a:extLst>
-          </p:cNvPr>
-          <p:cNvCxnSpPr>
-            <a:cxnSpLocks/>
-          </p:cNvCxnSpPr>
-          <p:nvPr/>
-        </p:nvCxnSpPr>
-        <p:spPr>
-          <a:xfrm>
-            <a:off x="915053" y="5216206"/>
-            <a:ext cx="0" cy="462817"/>
-          </a:xfrm>
-          <a:prstGeom prst="straightConnector1">
-            <a:avLst/>
-          </a:prstGeom>
-          <a:ln>
-            <a:headEnd type="triangle"/>
-            <a:tailEnd type="triangle"/>
-          </a:ln>
-        </p:spPr>
-        <p:style>
-          <a:lnRef idx="1">
-            <a:schemeClr val="accent1"/>
-          </a:lnRef>
-          <a:fillRef idx="0">
-            <a:schemeClr val="accent1"/>
-          </a:fillRef>
-          <a:effectRef idx="0">
-            <a:schemeClr val="accent1"/>
-          </a:effectRef>
-          <a:fontRef idx="minor">
-            <a:schemeClr val="tx1"/>
-          </a:fontRef>
-        </p:style>
-      </p:cxnSp>
-      <p:sp>
-        <p:nvSpPr>
-          <p:cNvPr id="17" name="TextBox 16">
-            <a:extLst>
-              <a:ext uri="{FF2B5EF4-FFF2-40B4-BE49-F238E27FC236}">
-                <a16:creationId xmlns:a16="http://schemas.microsoft.com/office/drawing/2014/main" id="{911C826E-3F42-FB4C-8AAD-17E524CEA6C7}"/>
-              </a:ext>
-            </a:extLst>
-          </p:cNvPr>
-          <p:cNvSpPr txBox="1"/>
-          <p:nvPr/>
-        </p:nvSpPr>
-        <p:spPr>
-          <a:xfrm>
-            <a:off x="420382" y="5416951"/>
-            <a:ext cx="524503" cy="261610"/>
-          </a:xfrm>
-          <a:prstGeom prst="rect">
-            <a:avLst/>
-          </a:prstGeom>
-          <a:noFill/>
-        </p:spPr>
-        <p:txBody>
-          <a:bodyPr wrap="none" rtlCol="0">
-            <a:spAutoFit/>
-          </a:bodyPr>
-          <a:lstStyle/>
-          <a:p>
-            <a:r>
-              <a:rPr lang="en-US" sz="1100">
-                <a:latin typeface="Menlo" panose="020B0609030804020204" pitchFamily="49" charset="0"/>
-                <a:ea typeface="Menlo" panose="020B0609030804020204" pitchFamily="49" charset="0"/>
-                <a:cs typeface="Menlo" panose="020B0609030804020204" pitchFamily="49" charset="0"/>
-              </a:rPr>
-              <a:t>8542</a:t>
-            </a:r>
-          </a:p>
-        </p:txBody>
-      </p:sp>
-      <p:sp>
-        <p:nvSpPr>
-          <p:cNvPr id="18" name="Rectangle 17">
-            <a:extLst>
-              <a:ext uri="{FF2B5EF4-FFF2-40B4-BE49-F238E27FC236}">
-                <a16:creationId xmlns:a16="http://schemas.microsoft.com/office/drawing/2014/main" id="{74ECDBA7-F732-2646-8BDF-074DDFAA0B40}"/>
-              </a:ext>
-            </a:extLst>
-          </p:cNvPr>
-          <p:cNvSpPr/>
-          <p:nvPr/>
-        </p:nvSpPr>
-        <p:spPr>
-          <a:xfrm>
-            <a:off x="376504" y="6483230"/>
-            <a:ext cx="1128765" cy="276391"/>
-          </a:xfrm>
-          <a:prstGeom prst="rect">
-            <a:avLst/>
-          </a:prstGeom>
-          <a:solidFill>
-            <a:srgbClr val="F3A4FF"/>
-          </a:solidFill>
-        </p:spPr>
-        <p:style>
-          <a:lnRef idx="2">
-            <a:schemeClr val="accent1">
-              <a:shade val="50000"/>
-            </a:schemeClr>
-          </a:lnRef>
-          <a:fillRef idx="1">
-            <a:schemeClr val="accent1"/>
-          </a:fillRef>
-          <a:effectRef idx="0">
-            <a:schemeClr val="accent1"/>
-          </a:effectRef>
-          <a:fontRef idx="minor">
-            <a:schemeClr val="lt1"/>
-          </a:fontRef>
-        </p:style>
-        <p:txBody>
-          <a:bodyPr rtlCol="0" anchor="ctr"/>
-          <a:lstStyle/>
-          <a:p>
-            <a:pPr algn="ctr"/>
-            <a:r>
-              <a:rPr lang="en-US" sz="1000">
-                <a:solidFill>
-                  <a:schemeClr val="tx1"/>
-                </a:solidFill>
-                <a:latin typeface="Menlo" panose="020B0609030804020204" pitchFamily="49" charset="0"/>
-                <a:ea typeface="Menlo" panose="020B0609030804020204" pitchFamily="49" charset="0"/>
-                <a:cs typeface="Menlo" panose="020B0609030804020204" pitchFamily="49" charset="0"/>
-              </a:rPr>
-              <a:t>ZWESIS01</a:t>
-            </a:r>
-          </a:p>
-        </p:txBody>
-      </p:sp>
-      <p:cxnSp>
-        <p:nvCxnSpPr>
-          <p:cNvPr id="19" name="Straight Arrow Connector 18">
-            <a:extLst>
-              <a:ext uri="{FF2B5EF4-FFF2-40B4-BE49-F238E27FC236}">
-                <a16:creationId xmlns:a16="http://schemas.microsoft.com/office/drawing/2014/main" id="{CAD314C9-98DD-FF42-9498-D0DE4251CD23}"/>
-              </a:ext>
-            </a:extLst>
-          </p:cNvPr>
-          <p:cNvCxnSpPr>
-            <a:cxnSpLocks/>
-          </p:cNvCxnSpPr>
-          <p:nvPr/>
-        </p:nvCxnSpPr>
-        <p:spPr>
-          <a:xfrm>
-            <a:off x="940887" y="5991392"/>
-            <a:ext cx="0" cy="491837"/>
-          </a:xfrm>
-          <a:prstGeom prst="straightConnector1">
-            <a:avLst/>
-          </a:prstGeom>
-          <a:ln>
-            <a:prstDash val="dash"/>
-            <a:headEnd type="triangle"/>
-            <a:tailEnd type="triangle"/>
-          </a:ln>
-        </p:spPr>
-        <p:style>
-          <a:lnRef idx="1">
-            <a:schemeClr val="accent1"/>
-          </a:lnRef>
-          <a:fillRef idx="0">
-            <a:schemeClr val="accent1"/>
-          </a:fillRef>
-          <a:effectRef idx="0">
-            <a:schemeClr val="accent1"/>
-          </a:effectRef>
-          <a:fontRef idx="minor">
-            <a:schemeClr val="tx1"/>
-          </a:fontRef>
-        </p:style>
-      </p:cxnSp>
-      <p:sp>
-        <p:nvSpPr>
-          <p:cNvPr id="20" name="TextBox 19">
-            <a:extLst>
-              <a:ext uri="{FF2B5EF4-FFF2-40B4-BE49-F238E27FC236}">
-                <a16:creationId xmlns:a16="http://schemas.microsoft.com/office/drawing/2014/main" id="{62F567AF-22C6-6A45-8AEB-4F90DB9DB391}"/>
-              </a:ext>
-            </a:extLst>
-          </p:cNvPr>
-          <p:cNvSpPr txBox="1"/>
-          <p:nvPr/>
-        </p:nvSpPr>
-        <p:spPr>
-          <a:xfrm>
-            <a:off x="369877" y="6181234"/>
-            <a:ext cx="609462" cy="261610"/>
-          </a:xfrm>
-          <a:prstGeom prst="rect">
-            <a:avLst/>
-          </a:prstGeom>
-          <a:noFill/>
-        </p:spPr>
-        <p:txBody>
-          <a:bodyPr wrap="none" rtlCol="0">
-            <a:spAutoFit/>
-          </a:bodyPr>
-          <a:lstStyle/>
-          <a:p>
-            <a:r>
-              <a:rPr lang="en-US" sz="1100">
-                <a:latin typeface="Menlo" panose="020B0609030804020204" pitchFamily="49" charset="0"/>
-                <a:ea typeface="Menlo" panose="020B0609030804020204" pitchFamily="49" charset="0"/>
-                <a:cs typeface="Menlo" panose="020B0609030804020204" pitchFamily="49" charset="0"/>
-              </a:rPr>
-              <a:t>X-MEM</a:t>
-            </a:r>
-          </a:p>
-        </p:txBody>
-      </p:sp>
-      <p:sp>
-        <p:nvSpPr>
-          <p:cNvPr id="21" name="TextBox 20">
-            <a:extLst>
-              <a:ext uri="{FF2B5EF4-FFF2-40B4-BE49-F238E27FC236}">
-                <a16:creationId xmlns:a16="http://schemas.microsoft.com/office/drawing/2014/main" id="{D998E585-E174-1646-AD94-CB58F1F13B58}"/>
-              </a:ext>
-            </a:extLst>
-          </p:cNvPr>
-          <p:cNvSpPr txBox="1"/>
-          <p:nvPr/>
-        </p:nvSpPr>
-        <p:spPr>
-          <a:xfrm>
-            <a:off x="1625166" y="4866680"/>
-            <a:ext cx="665567" cy="369332"/>
-          </a:xfrm>
-          <a:prstGeom prst="rect">
-            <a:avLst/>
-          </a:prstGeom>
-          <a:solidFill>
-            <a:schemeClr val="bg1">
-              <a:lumMod val="50000"/>
-            </a:schemeClr>
-          </a:solidFill>
-        </p:spPr>
-        <p:txBody>
-          <a:bodyPr wrap="none" rtlCol="0">
-            <a:spAutoFit/>
-          </a:bodyPr>
-          <a:lstStyle/>
-          <a:p>
-            <a:r>
-              <a:rPr lang="en-US" dirty="0">
-                <a:solidFill>
-                  <a:schemeClr val="accent6">
-                    <a:lumMod val="60000"/>
-                    <a:lumOff val="40000"/>
-                  </a:schemeClr>
-                </a:solidFill>
-              </a:rPr>
-              <a:t>node</a:t>
-            </a:r>
-          </a:p>
-        </p:txBody>
-      </p:sp>
-      <p:sp>
-        <p:nvSpPr>
-          <p:cNvPr id="22" name="TextBox 21">
-            <a:extLst>
-              <a:ext uri="{FF2B5EF4-FFF2-40B4-BE49-F238E27FC236}">
-                <a16:creationId xmlns:a16="http://schemas.microsoft.com/office/drawing/2014/main" id="{05FB23FA-3F13-964A-94A5-101AF51A25C3}"/>
-              </a:ext>
-            </a:extLst>
-          </p:cNvPr>
-          <p:cNvSpPr txBox="1"/>
-          <p:nvPr/>
-        </p:nvSpPr>
-        <p:spPr>
-          <a:xfrm>
-            <a:off x="1542303" y="5676313"/>
-            <a:ext cx="897169" cy="369332"/>
-          </a:xfrm>
-          <a:prstGeom prst="rect">
-            <a:avLst/>
-          </a:prstGeom>
-          <a:solidFill>
-            <a:schemeClr val="bg1">
-              <a:lumMod val="50000"/>
-            </a:schemeClr>
-          </a:solidFill>
-        </p:spPr>
-        <p:txBody>
-          <a:bodyPr wrap="none" rtlCol="0">
-            <a:spAutoFit/>
-          </a:bodyPr>
-          <a:lstStyle/>
-          <a:p>
-            <a:r>
-              <a:rPr lang="en-US" dirty="0">
-                <a:solidFill>
-                  <a:srgbClr val="7030A0"/>
-                </a:solidFill>
-              </a:rPr>
-              <a:t>metal C</a:t>
-            </a:r>
-          </a:p>
-        </p:txBody>
-      </p:sp>
-      <p:sp>
-        <p:nvSpPr>
-          <p:cNvPr id="23" name="TextBox 22">
-            <a:extLst>
-              <a:ext uri="{FF2B5EF4-FFF2-40B4-BE49-F238E27FC236}">
-                <a16:creationId xmlns:a16="http://schemas.microsoft.com/office/drawing/2014/main" id="{7C1C4D56-0C68-0F4A-B764-A45931436435}"/>
-              </a:ext>
-            </a:extLst>
-          </p:cNvPr>
-          <p:cNvSpPr txBox="1"/>
-          <p:nvPr/>
-        </p:nvSpPr>
-        <p:spPr>
-          <a:xfrm>
-            <a:off x="1561236" y="6418084"/>
-            <a:ext cx="570990" cy="369332"/>
-          </a:xfrm>
-          <a:prstGeom prst="rect">
-            <a:avLst/>
-          </a:prstGeom>
-          <a:solidFill>
-            <a:schemeClr val="bg1">
-              <a:lumMod val="50000"/>
-            </a:schemeClr>
-          </a:solidFill>
-        </p:spPr>
-        <p:txBody>
-          <a:bodyPr wrap="none" rtlCol="0">
-            <a:spAutoFit/>
-          </a:bodyPr>
-          <a:lstStyle/>
-          <a:p>
-            <a:r>
-              <a:rPr lang="en-US" dirty="0">
-                <a:solidFill>
-                  <a:srgbClr val="7030A0"/>
-                </a:solidFill>
-              </a:rPr>
-              <a:t>LE C</a:t>
-            </a:r>
-          </a:p>
-        </p:txBody>
-      </p:sp>
-      <p:sp>
-        <p:nvSpPr>
-          <p:cNvPr id="24" name="Rectangle 23">
-            <a:extLst>
-              <a:ext uri="{FF2B5EF4-FFF2-40B4-BE49-F238E27FC236}">
-                <a16:creationId xmlns:a16="http://schemas.microsoft.com/office/drawing/2014/main" id="{4D0D304D-A972-574A-B4ED-98309EF88115}"/>
-              </a:ext>
-            </a:extLst>
-          </p:cNvPr>
-          <p:cNvSpPr/>
-          <p:nvPr/>
-        </p:nvSpPr>
-        <p:spPr>
-          <a:xfrm>
-            <a:off x="2604694" y="3746909"/>
-            <a:ext cx="740214" cy="492369"/>
-          </a:xfrm>
-          <a:prstGeom prst="rect">
-            <a:avLst/>
-          </a:prstGeom>
-          <a:solidFill>
-            <a:schemeClr val="accent4">
-              <a:lumMod val="20000"/>
-              <a:lumOff val="80000"/>
-            </a:schemeClr>
-          </a:solidFill>
-        </p:spPr>
-        <p:style>
-          <a:lnRef idx="2">
-            <a:schemeClr val="accent1">
-              <a:shade val="50000"/>
-            </a:schemeClr>
-          </a:lnRef>
-          <a:fillRef idx="1">
-            <a:schemeClr val="accent1"/>
-          </a:fillRef>
-          <a:effectRef idx="0">
-            <a:schemeClr val="accent1"/>
-          </a:effectRef>
-          <a:fontRef idx="minor">
-            <a:schemeClr val="lt1"/>
-          </a:fontRef>
-        </p:style>
-        <p:txBody>
-          <a:bodyPr rtlCol="0" anchor="ctr"/>
-          <a:lstStyle/>
-          <a:p>
-            <a:pPr algn="ctr"/>
-            <a:r>
-              <a:rPr lang="en-US" sz="1000" dirty="0">
-                <a:solidFill>
-                  <a:schemeClr val="tx1"/>
-                </a:solidFill>
-                <a:latin typeface="Menlo" panose="020B0609030804020204" pitchFamily="49" charset="0"/>
-                <a:ea typeface="Menlo" panose="020B0609030804020204" pitchFamily="49" charset="0"/>
-                <a:cs typeface="Menlo" panose="020B0609030804020204" pitchFamily="49" charset="0"/>
-              </a:rPr>
-              <a:t>API Catalog</a:t>
-            </a:r>
-          </a:p>
-        </p:txBody>
-      </p:sp>
-      <p:sp>
-        <p:nvSpPr>
-          <p:cNvPr id="25" name="Rectangle 24">
-            <a:extLst>
-              <a:ext uri="{FF2B5EF4-FFF2-40B4-BE49-F238E27FC236}">
-                <a16:creationId xmlns:a16="http://schemas.microsoft.com/office/drawing/2014/main" id="{D7F38BB9-7809-9247-A3AC-4022381FCCAC}"/>
-              </a:ext>
-            </a:extLst>
-          </p:cNvPr>
-          <p:cNvSpPr/>
-          <p:nvPr/>
-        </p:nvSpPr>
-        <p:spPr>
-          <a:xfrm>
-            <a:off x="5393085" y="3743719"/>
-            <a:ext cx="902599" cy="488404"/>
-          </a:xfrm>
-          <a:prstGeom prst="rect">
-            <a:avLst/>
-          </a:prstGeom>
-          <a:solidFill>
-            <a:schemeClr val="accent4">
-              <a:lumMod val="20000"/>
-              <a:lumOff val="80000"/>
-            </a:schemeClr>
-          </a:solidFill>
-        </p:spPr>
-        <p:style>
-          <a:lnRef idx="2">
-            <a:schemeClr val="accent1">
-              <a:shade val="50000"/>
-            </a:schemeClr>
-          </a:lnRef>
-          <a:fillRef idx="1">
-            <a:schemeClr val="accent1"/>
-          </a:fillRef>
-          <a:effectRef idx="0">
-            <a:schemeClr val="accent1"/>
-          </a:effectRef>
-          <a:fontRef idx="minor">
-            <a:schemeClr val="lt1"/>
-          </a:fontRef>
-        </p:style>
-        <p:txBody>
-          <a:bodyPr rtlCol="0" anchor="ctr"/>
-          <a:lstStyle/>
-          <a:p>
-            <a:pPr algn="ctr"/>
-            <a:r>
-              <a:rPr lang="en-US" sz="1000" dirty="0">
-                <a:solidFill>
-                  <a:schemeClr val="tx1"/>
-                </a:solidFill>
-                <a:latin typeface="Menlo" panose="020B0609030804020204" pitchFamily="49" charset="0"/>
-                <a:ea typeface="Menlo" panose="020B0609030804020204" pitchFamily="49" charset="0"/>
-                <a:cs typeface="Menlo" panose="020B0609030804020204" pitchFamily="49" charset="0"/>
-              </a:rPr>
-              <a:t>API Discovery</a:t>
-            </a:r>
-          </a:p>
-        </p:txBody>
-      </p:sp>
-      <p:sp>
-        <p:nvSpPr>
-          <p:cNvPr id="26" name="Rectangle 25">
-            <a:extLst>
-              <a:ext uri="{FF2B5EF4-FFF2-40B4-BE49-F238E27FC236}">
-                <a16:creationId xmlns:a16="http://schemas.microsoft.com/office/drawing/2014/main" id="{7B1901AB-8DD5-9D47-9B5F-0B822EB1CD69}"/>
-              </a:ext>
-            </a:extLst>
-          </p:cNvPr>
-          <p:cNvSpPr/>
-          <p:nvPr/>
-        </p:nvSpPr>
-        <p:spPr>
-          <a:xfrm>
-            <a:off x="3588017" y="3732086"/>
-            <a:ext cx="474996" cy="493292"/>
-          </a:xfrm>
-          <a:prstGeom prst="rect">
-            <a:avLst/>
-          </a:prstGeom>
-          <a:solidFill>
-            <a:schemeClr val="accent6">
-              <a:lumMod val="20000"/>
-              <a:lumOff val="80000"/>
-            </a:schemeClr>
-          </a:solidFill>
-        </p:spPr>
-        <p:style>
-          <a:lnRef idx="2">
-            <a:schemeClr val="accent1">
-              <a:shade val="50000"/>
-            </a:schemeClr>
-          </a:lnRef>
-          <a:fillRef idx="1">
-            <a:schemeClr val="accent1"/>
-          </a:fillRef>
-          <a:effectRef idx="0">
-            <a:schemeClr val="accent1"/>
-          </a:effectRef>
-          <a:fontRef idx="minor">
-            <a:schemeClr val="lt1"/>
-          </a:fontRef>
-        </p:style>
-        <p:txBody>
-          <a:bodyPr rtlCol="0" anchor="ctr"/>
-          <a:lstStyle/>
-          <a:p>
-            <a:pPr algn="ctr"/>
-            <a:r>
-              <a:rPr lang="en-US" sz="933" dirty="0">
-                <a:solidFill>
-                  <a:schemeClr val="tx1"/>
-                </a:solidFill>
-                <a:latin typeface="Menlo" panose="020B0609030804020204" pitchFamily="49" charset="0"/>
-                <a:ea typeface="Menlo" panose="020B0609030804020204" pitchFamily="49" charset="0"/>
-                <a:cs typeface="Menlo" panose="020B0609030804020204" pitchFamily="49" charset="0"/>
-              </a:rPr>
-              <a:t>MVS </a:t>
-            </a:r>
-            <a:r>
-              <a:rPr lang="en-US" sz="933" b="1" dirty="0">
-                <a:solidFill>
-                  <a:schemeClr val="tx1"/>
-                </a:solidFill>
-                <a:latin typeface="Menlo" panose="020B0609030804020204" pitchFamily="49" charset="0"/>
-                <a:ea typeface="Menlo" panose="020B0609030804020204" pitchFamily="49" charset="0"/>
-                <a:cs typeface="Menlo" panose="020B0609030804020204" pitchFamily="49" charset="0"/>
-              </a:rPr>
-              <a:t>UI</a:t>
-            </a:r>
-          </a:p>
-        </p:txBody>
-      </p:sp>
-      <p:sp>
-        <p:nvSpPr>
-          <p:cNvPr id="27" name="Rectangle 26">
-            <a:extLst>
-              <a:ext uri="{FF2B5EF4-FFF2-40B4-BE49-F238E27FC236}">
-                <a16:creationId xmlns:a16="http://schemas.microsoft.com/office/drawing/2014/main" id="{CD5A52F3-6FE0-2C46-A895-CC9B4F029790}"/>
-              </a:ext>
-            </a:extLst>
-          </p:cNvPr>
-          <p:cNvSpPr/>
-          <p:nvPr/>
-        </p:nvSpPr>
-        <p:spPr>
-          <a:xfrm>
-            <a:off x="4200498" y="3733774"/>
-            <a:ext cx="485383" cy="488404"/>
-          </a:xfrm>
-          <a:prstGeom prst="rect">
-            <a:avLst/>
-          </a:prstGeom>
-          <a:solidFill>
-            <a:schemeClr val="accent6">
-              <a:lumMod val="20000"/>
-              <a:lumOff val="80000"/>
-            </a:schemeClr>
-          </a:solidFill>
-        </p:spPr>
-        <p:style>
-          <a:lnRef idx="2">
-            <a:schemeClr val="accent1">
-              <a:shade val="50000"/>
-            </a:schemeClr>
-          </a:lnRef>
-          <a:fillRef idx="1">
-            <a:schemeClr val="accent1"/>
-          </a:fillRef>
-          <a:effectRef idx="0">
-            <a:schemeClr val="accent1"/>
-          </a:effectRef>
-          <a:fontRef idx="minor">
-            <a:schemeClr val="lt1"/>
-          </a:fontRef>
-        </p:style>
-        <p:txBody>
-          <a:bodyPr rtlCol="0" anchor="ctr"/>
-          <a:lstStyle/>
-          <a:p>
-            <a:pPr algn="ctr"/>
-            <a:r>
-              <a:rPr lang="en-US" sz="933" dirty="0">
-                <a:solidFill>
-                  <a:schemeClr val="tx1"/>
-                </a:solidFill>
-                <a:latin typeface="Menlo" panose="020B0609030804020204" pitchFamily="49" charset="0"/>
-                <a:ea typeface="Menlo" panose="020B0609030804020204" pitchFamily="49" charset="0"/>
-                <a:cs typeface="Menlo" panose="020B0609030804020204" pitchFamily="49" charset="0"/>
-              </a:rPr>
-              <a:t>JES </a:t>
-            </a:r>
-            <a:r>
-              <a:rPr lang="en-US" sz="933" b="1" dirty="0">
-                <a:solidFill>
-                  <a:schemeClr val="tx1"/>
-                </a:solidFill>
-                <a:latin typeface="Menlo" panose="020B0609030804020204" pitchFamily="49" charset="0"/>
-                <a:ea typeface="Menlo" panose="020B0609030804020204" pitchFamily="49" charset="0"/>
-                <a:cs typeface="Menlo" panose="020B0609030804020204" pitchFamily="49" charset="0"/>
-              </a:rPr>
-              <a:t>UI</a:t>
-            </a:r>
-          </a:p>
-        </p:txBody>
-      </p:sp>
-      <p:sp>
-        <p:nvSpPr>
-          <p:cNvPr id="28" name="Rectangle 27">
-            <a:extLst>
-              <a:ext uri="{FF2B5EF4-FFF2-40B4-BE49-F238E27FC236}">
-                <a16:creationId xmlns:a16="http://schemas.microsoft.com/office/drawing/2014/main" id="{E3F310E6-28AA-2541-850A-CE082DC2BD05}"/>
-              </a:ext>
-            </a:extLst>
-          </p:cNvPr>
-          <p:cNvSpPr/>
-          <p:nvPr/>
-        </p:nvSpPr>
-        <p:spPr>
-          <a:xfrm>
-            <a:off x="4773991" y="3743719"/>
-            <a:ext cx="485382" cy="488404"/>
-          </a:xfrm>
-          <a:prstGeom prst="rect">
-            <a:avLst/>
-          </a:prstGeom>
-          <a:solidFill>
-            <a:schemeClr val="accent6">
-              <a:lumMod val="20000"/>
-              <a:lumOff val="80000"/>
-            </a:schemeClr>
-          </a:solidFill>
-        </p:spPr>
-        <p:style>
-          <a:lnRef idx="2">
-            <a:schemeClr val="accent1">
-              <a:shade val="50000"/>
-            </a:schemeClr>
-          </a:lnRef>
-          <a:fillRef idx="1">
-            <a:schemeClr val="accent1"/>
-          </a:fillRef>
-          <a:effectRef idx="0">
-            <a:schemeClr val="accent1"/>
-          </a:effectRef>
-          <a:fontRef idx="minor">
-            <a:schemeClr val="lt1"/>
-          </a:fontRef>
-        </p:style>
-        <p:txBody>
-          <a:bodyPr rtlCol="0" anchor="ctr"/>
-          <a:lstStyle/>
-          <a:p>
-            <a:pPr algn="ctr"/>
-            <a:r>
-              <a:rPr lang="en-US" sz="933" dirty="0">
-                <a:solidFill>
-                  <a:schemeClr val="tx1"/>
-                </a:solidFill>
-                <a:latin typeface="Menlo" panose="020B0609030804020204" pitchFamily="49" charset="0"/>
-                <a:ea typeface="Menlo" panose="020B0609030804020204" pitchFamily="49" charset="0"/>
-                <a:cs typeface="Menlo" panose="020B0609030804020204" pitchFamily="49" charset="0"/>
-              </a:rPr>
-              <a:t>USS</a:t>
-            </a:r>
-          </a:p>
-          <a:p>
-            <a:pPr algn="ctr"/>
-            <a:r>
-              <a:rPr lang="en-US" sz="933" b="1" dirty="0">
-                <a:solidFill>
-                  <a:schemeClr val="tx1"/>
-                </a:solidFill>
-                <a:latin typeface="Menlo" panose="020B0609030804020204" pitchFamily="49" charset="0"/>
-                <a:ea typeface="Menlo" panose="020B0609030804020204" pitchFamily="49" charset="0"/>
-                <a:cs typeface="Menlo" panose="020B0609030804020204" pitchFamily="49" charset="0"/>
-              </a:rPr>
-              <a:t>UI</a:t>
-            </a:r>
-          </a:p>
-        </p:txBody>
-      </p:sp>
-      <p:sp>
-        <p:nvSpPr>
-          <p:cNvPr id="29" name="Rectangle 28">
-            <a:extLst>
-              <a:ext uri="{FF2B5EF4-FFF2-40B4-BE49-F238E27FC236}">
-                <a16:creationId xmlns:a16="http://schemas.microsoft.com/office/drawing/2014/main" id="{2564BC0C-4076-CB4F-B31A-57C59BF0ABB4}"/>
-              </a:ext>
-            </a:extLst>
-          </p:cNvPr>
-          <p:cNvSpPr/>
-          <p:nvPr/>
-        </p:nvSpPr>
-        <p:spPr>
-          <a:xfrm>
-            <a:off x="3495249" y="4521174"/>
-            <a:ext cx="899829" cy="596803"/>
-          </a:xfrm>
-          <a:prstGeom prst="rect">
-            <a:avLst/>
-          </a:prstGeom>
-          <a:solidFill>
-            <a:schemeClr val="accent4">
-              <a:lumMod val="20000"/>
-              <a:lumOff val="80000"/>
-            </a:schemeClr>
-          </a:solidFill>
-        </p:spPr>
-        <p:style>
-          <a:lnRef idx="2">
-            <a:schemeClr val="accent1">
-              <a:shade val="50000"/>
-            </a:schemeClr>
-          </a:lnRef>
-          <a:fillRef idx="1">
-            <a:schemeClr val="accent1"/>
-          </a:fillRef>
-          <a:effectRef idx="0">
-            <a:schemeClr val="accent1"/>
-          </a:effectRef>
-          <a:fontRef idx="minor">
-            <a:schemeClr val="lt1"/>
-          </a:fontRef>
-        </p:style>
-        <p:txBody>
-          <a:bodyPr rtlCol="0" anchor="ctr"/>
-          <a:lstStyle/>
-          <a:p>
-            <a:pPr algn="ctr"/>
-            <a:r>
-              <a:rPr lang="en-US" sz="933" dirty="0">
-                <a:solidFill>
-                  <a:schemeClr val="tx1"/>
-                </a:solidFill>
-                <a:latin typeface="Menlo" panose="020B0609030804020204" pitchFamily="49" charset="0"/>
-                <a:ea typeface="Menlo" panose="020B0609030804020204" pitchFamily="49" charset="0"/>
-                <a:cs typeface="Menlo" panose="020B0609030804020204" pitchFamily="49" charset="0"/>
-              </a:rPr>
-              <a:t>File </a:t>
-            </a:r>
-            <a:r>
-              <a:rPr lang="en-US" sz="933" b="1" dirty="0">
-                <a:solidFill>
-                  <a:schemeClr val="tx1"/>
-                </a:solidFill>
-                <a:latin typeface="Menlo" panose="020B0609030804020204" pitchFamily="49" charset="0"/>
-                <a:ea typeface="Menlo" panose="020B0609030804020204" pitchFamily="49" charset="0"/>
-                <a:cs typeface="Menlo" panose="020B0609030804020204" pitchFamily="49" charset="0"/>
-              </a:rPr>
-              <a:t>API</a:t>
-            </a:r>
-          </a:p>
-        </p:txBody>
-      </p:sp>
-      <p:sp>
-        <p:nvSpPr>
-          <p:cNvPr id="30" name="Rectangle 29">
-            <a:extLst>
-              <a:ext uri="{FF2B5EF4-FFF2-40B4-BE49-F238E27FC236}">
-                <a16:creationId xmlns:a16="http://schemas.microsoft.com/office/drawing/2014/main" id="{31FA0DC1-123A-6546-A97A-535D8721061E}"/>
-              </a:ext>
-            </a:extLst>
-          </p:cNvPr>
-          <p:cNvSpPr/>
-          <p:nvPr/>
-        </p:nvSpPr>
-        <p:spPr>
-          <a:xfrm>
-            <a:off x="4514973" y="4519628"/>
-            <a:ext cx="744399" cy="596803"/>
-          </a:xfrm>
-          <a:prstGeom prst="rect">
-            <a:avLst/>
-          </a:prstGeom>
-          <a:solidFill>
-            <a:schemeClr val="accent4">
-              <a:lumMod val="20000"/>
-              <a:lumOff val="80000"/>
-            </a:schemeClr>
-          </a:solidFill>
-        </p:spPr>
-        <p:style>
-          <a:lnRef idx="2">
-            <a:schemeClr val="accent1">
-              <a:shade val="50000"/>
-            </a:schemeClr>
-          </a:lnRef>
-          <a:fillRef idx="1">
-            <a:schemeClr val="accent1"/>
-          </a:fillRef>
-          <a:effectRef idx="0">
-            <a:schemeClr val="accent1"/>
-          </a:effectRef>
-          <a:fontRef idx="minor">
-            <a:schemeClr val="lt1"/>
-          </a:fontRef>
-        </p:style>
-        <p:txBody>
-          <a:bodyPr rtlCol="0" anchor="ctr"/>
-          <a:lstStyle/>
-          <a:p>
-            <a:pPr algn="ctr"/>
-            <a:r>
-              <a:rPr lang="en-US" sz="933" dirty="0">
-                <a:solidFill>
-                  <a:schemeClr val="tx1"/>
-                </a:solidFill>
-                <a:latin typeface="Menlo" panose="020B0609030804020204" pitchFamily="49" charset="0"/>
-                <a:ea typeface="Menlo" panose="020B0609030804020204" pitchFamily="49" charset="0"/>
-                <a:cs typeface="Menlo" panose="020B0609030804020204" pitchFamily="49" charset="0"/>
-              </a:rPr>
-              <a:t>JES </a:t>
-            </a:r>
-            <a:r>
-              <a:rPr lang="en-US" sz="933" b="1" dirty="0">
-                <a:solidFill>
-                  <a:schemeClr val="tx1"/>
-                </a:solidFill>
-                <a:latin typeface="Menlo" panose="020B0609030804020204" pitchFamily="49" charset="0"/>
-                <a:ea typeface="Menlo" panose="020B0609030804020204" pitchFamily="49" charset="0"/>
-                <a:cs typeface="Menlo" panose="020B0609030804020204" pitchFamily="49" charset="0"/>
-              </a:rPr>
-              <a:t>API</a:t>
-            </a:r>
-          </a:p>
-        </p:txBody>
-      </p:sp>
-      <p:sp>
-        <p:nvSpPr>
-          <p:cNvPr id="32" name="TextBox 31">
-            <a:extLst>
-              <a:ext uri="{FF2B5EF4-FFF2-40B4-BE49-F238E27FC236}">
-                <a16:creationId xmlns:a16="http://schemas.microsoft.com/office/drawing/2014/main" id="{0F733627-76F6-3C48-868B-8D49FC927CDC}"/>
-              </a:ext>
-            </a:extLst>
-          </p:cNvPr>
-          <p:cNvSpPr txBox="1"/>
-          <p:nvPr/>
-        </p:nvSpPr>
-        <p:spPr>
-          <a:xfrm>
-            <a:off x="5357348" y="3477221"/>
-            <a:ext cx="724638" cy="261610"/>
-          </a:xfrm>
-          <a:prstGeom prst="rect">
-            <a:avLst/>
-          </a:prstGeom>
-          <a:noFill/>
-        </p:spPr>
-        <p:txBody>
-          <a:bodyPr wrap="square" rtlCol="0">
-            <a:spAutoFit/>
-          </a:bodyPr>
-          <a:lstStyle/>
-          <a:p>
-            <a:r>
-              <a:rPr lang="en-US" sz="1100">
-                <a:latin typeface="Menlo" panose="020B0609030804020204" pitchFamily="49" charset="0"/>
-                <a:ea typeface="Menlo" panose="020B0609030804020204" pitchFamily="49" charset="0"/>
-                <a:cs typeface="Menlo" panose="020B0609030804020204" pitchFamily="49" charset="0"/>
-              </a:rPr>
-              <a:t>7553</a:t>
-            </a:r>
-          </a:p>
-        </p:txBody>
-      </p:sp>
-      <p:sp>
-        <p:nvSpPr>
-          <p:cNvPr id="33" name="TextBox 32">
-            <a:extLst>
-              <a:ext uri="{FF2B5EF4-FFF2-40B4-BE49-F238E27FC236}">
-                <a16:creationId xmlns:a16="http://schemas.microsoft.com/office/drawing/2014/main" id="{93AB5D4D-0496-6F48-89B8-6E9D84D69594}"/>
-              </a:ext>
-            </a:extLst>
-          </p:cNvPr>
-          <p:cNvSpPr txBox="1"/>
-          <p:nvPr/>
-        </p:nvSpPr>
-        <p:spPr>
-          <a:xfrm>
-            <a:off x="3460998" y="4279266"/>
-            <a:ext cx="899828" cy="256545"/>
-          </a:xfrm>
-          <a:prstGeom prst="rect">
-            <a:avLst/>
-          </a:prstGeom>
-          <a:noFill/>
-        </p:spPr>
-        <p:txBody>
-          <a:bodyPr wrap="square" rtlCol="0">
-            <a:spAutoFit/>
-          </a:bodyPr>
-          <a:lstStyle/>
-          <a:p>
-            <a:r>
-              <a:rPr lang="en-US" sz="1067">
-                <a:latin typeface="Menlo" panose="020B0609030804020204" pitchFamily="49" charset="0"/>
-                <a:ea typeface="Menlo" panose="020B0609030804020204" pitchFamily="49" charset="0"/>
-                <a:cs typeface="Menlo" panose="020B0609030804020204" pitchFamily="49" charset="0"/>
-              </a:rPr>
-              <a:t>8547</a:t>
-            </a:r>
-          </a:p>
-        </p:txBody>
-      </p:sp>
-      <p:sp>
-        <p:nvSpPr>
-          <p:cNvPr id="34" name="TextBox 33">
-            <a:extLst>
-              <a:ext uri="{FF2B5EF4-FFF2-40B4-BE49-F238E27FC236}">
-                <a16:creationId xmlns:a16="http://schemas.microsoft.com/office/drawing/2014/main" id="{0F841002-6F6A-8F43-9D0E-ED93089D103D}"/>
-              </a:ext>
-            </a:extLst>
-          </p:cNvPr>
-          <p:cNvSpPr txBox="1"/>
-          <p:nvPr/>
-        </p:nvSpPr>
-        <p:spPr>
-          <a:xfrm>
-            <a:off x="4434990" y="4274201"/>
-            <a:ext cx="1128765" cy="261610"/>
-          </a:xfrm>
-          <a:prstGeom prst="rect">
-            <a:avLst/>
-          </a:prstGeom>
-          <a:noFill/>
-        </p:spPr>
-        <p:txBody>
-          <a:bodyPr wrap="square" rtlCol="0">
-            <a:spAutoFit/>
-          </a:bodyPr>
-          <a:lstStyle/>
-          <a:p>
-            <a:r>
-              <a:rPr lang="en-US" sz="1100">
-                <a:latin typeface="Menlo" panose="020B0609030804020204" pitchFamily="49" charset="0"/>
-                <a:ea typeface="Menlo" panose="020B0609030804020204" pitchFamily="49" charset="0"/>
-                <a:cs typeface="Menlo" panose="020B0609030804020204" pitchFamily="49" charset="0"/>
-              </a:rPr>
-              <a:t>8545</a:t>
-            </a:r>
-          </a:p>
-        </p:txBody>
-      </p:sp>
-      <p:sp>
-        <p:nvSpPr>
-          <p:cNvPr id="35" name="TextBox 34">
-            <a:extLst>
-              <a:ext uri="{FF2B5EF4-FFF2-40B4-BE49-F238E27FC236}">
-                <a16:creationId xmlns:a16="http://schemas.microsoft.com/office/drawing/2014/main" id="{49136BFE-57B3-7A47-B50A-2A096C4A2A21}"/>
-              </a:ext>
-            </a:extLst>
-          </p:cNvPr>
-          <p:cNvSpPr txBox="1"/>
-          <p:nvPr/>
-        </p:nvSpPr>
-        <p:spPr>
-          <a:xfrm>
-            <a:off x="3542853" y="3482015"/>
-            <a:ext cx="789276" cy="261610"/>
-          </a:xfrm>
-          <a:prstGeom prst="rect">
-            <a:avLst/>
-          </a:prstGeom>
-          <a:noFill/>
-        </p:spPr>
-        <p:txBody>
-          <a:bodyPr wrap="square" rtlCol="0">
-            <a:spAutoFit/>
-          </a:bodyPr>
-          <a:lstStyle/>
-          <a:p>
-            <a:r>
-              <a:rPr lang="en-US" sz="1100" dirty="0">
-                <a:latin typeface="Menlo" panose="020B0609030804020204" pitchFamily="49" charset="0"/>
-                <a:ea typeface="Menlo" panose="020B0609030804020204" pitchFamily="49" charset="0"/>
-                <a:cs typeface="Menlo" panose="020B0609030804020204" pitchFamily="49" charset="0"/>
-              </a:rPr>
-              <a:t>8548</a:t>
-            </a:r>
-          </a:p>
-        </p:txBody>
-      </p:sp>
-      <p:sp>
-        <p:nvSpPr>
-          <p:cNvPr id="36" name="TextBox 35">
-            <a:extLst>
-              <a:ext uri="{FF2B5EF4-FFF2-40B4-BE49-F238E27FC236}">
-                <a16:creationId xmlns:a16="http://schemas.microsoft.com/office/drawing/2014/main" id="{58F2DD1D-7A39-BA45-B0EC-1DA91AC659DB}"/>
-              </a:ext>
-            </a:extLst>
-          </p:cNvPr>
-          <p:cNvSpPr txBox="1"/>
-          <p:nvPr/>
-        </p:nvSpPr>
-        <p:spPr>
-          <a:xfrm>
-            <a:off x="4126824" y="3478744"/>
-            <a:ext cx="671855" cy="261610"/>
-          </a:xfrm>
-          <a:prstGeom prst="rect">
-            <a:avLst/>
-          </a:prstGeom>
-          <a:noFill/>
-        </p:spPr>
-        <p:txBody>
-          <a:bodyPr wrap="square" rtlCol="0">
-            <a:spAutoFit/>
-          </a:bodyPr>
-          <a:lstStyle/>
-          <a:p>
-            <a:r>
-              <a:rPr lang="en-US" sz="1100">
-                <a:latin typeface="Menlo" panose="020B0609030804020204" pitchFamily="49" charset="0"/>
-                <a:ea typeface="Menlo" panose="020B0609030804020204" pitchFamily="49" charset="0"/>
-                <a:cs typeface="Menlo" panose="020B0609030804020204" pitchFamily="49" charset="0"/>
-              </a:rPr>
-              <a:t>8546</a:t>
-            </a:r>
-          </a:p>
-        </p:txBody>
-      </p:sp>
-      <p:sp>
-        <p:nvSpPr>
-          <p:cNvPr id="37" name="TextBox 36">
-            <a:extLst>
-              <a:ext uri="{FF2B5EF4-FFF2-40B4-BE49-F238E27FC236}">
-                <a16:creationId xmlns:a16="http://schemas.microsoft.com/office/drawing/2014/main" id="{A3694818-02A6-3847-9DE0-8FC664B63835}"/>
-              </a:ext>
-            </a:extLst>
-          </p:cNvPr>
-          <p:cNvSpPr txBox="1"/>
-          <p:nvPr/>
-        </p:nvSpPr>
-        <p:spPr>
-          <a:xfrm>
-            <a:off x="4721618" y="3476357"/>
-            <a:ext cx="902599" cy="430887"/>
-          </a:xfrm>
-          <a:prstGeom prst="rect">
-            <a:avLst/>
-          </a:prstGeom>
-          <a:noFill/>
-        </p:spPr>
-        <p:txBody>
-          <a:bodyPr wrap="square" rtlCol="0">
-            <a:spAutoFit/>
-          </a:bodyPr>
-          <a:lstStyle/>
-          <a:p>
-            <a:r>
-              <a:rPr lang="en-US" sz="1100" dirty="0">
-                <a:latin typeface="Menlo" panose="020B0609030804020204" pitchFamily="49" charset="0"/>
-                <a:ea typeface="Menlo" panose="020B0609030804020204" pitchFamily="49" charset="0"/>
-                <a:cs typeface="Menlo" panose="020B0609030804020204" pitchFamily="49" charset="0"/>
-              </a:rPr>
-              <a:t>8550</a:t>
-            </a:r>
-          </a:p>
-          <a:p>
-            <a:endParaRPr lang="en-US" sz="1100" dirty="0">
-              <a:latin typeface="Menlo" panose="020B0609030804020204" pitchFamily="49" charset="0"/>
-              <a:ea typeface="Menlo" panose="020B0609030804020204" pitchFamily="49" charset="0"/>
-              <a:cs typeface="Menlo" panose="020B0609030804020204" pitchFamily="49" charset="0"/>
-            </a:endParaRPr>
-          </a:p>
-        </p:txBody>
-      </p:sp>
-    </p:spTree>
-    <p:extLst>
-      <p:ext uri="{BB962C8B-B14F-4D97-AF65-F5344CB8AC3E}">
-        <p14:creationId xmlns:p14="http://schemas.microsoft.com/office/powerpoint/2010/main" val="3959171996"/>
-      </p:ext>
-    </p:extLst>
-  </p:cSld>
-  <p:clrMapOvr>
-    <a:masterClrMapping/>
-  </p:clrMapOvr>
 </p:sld>
 </file>
 

--- a/docs/images/common/zowe-architecture.pptx
+++ b/docs/images/common/zowe-architecture.pptx
@@ -6,6 +6,7 @@
   </p:sldMasterIdLst>
   <p:sldIdLst>
     <p:sldId id="267" r:id="rId2"/>
+    <p:sldId id="268" r:id="rId3"/>
   </p:sldIdLst>
   <p:sldSz cx="12192000" cy="6858000"/>
   <p:notesSz cx="6858000" cy="9144000"/>
@@ -259,7 +260,7 @@
           <a:p>
             <a:fld id="{B1DB1BE8-3F77-D044-8747-9903AC5CD864}" type="datetimeFigureOut">
               <a:rPr lang="en-US" smtClean="0"/>
-              <a:t>4/21/20</a:t>
+              <a:t>5/18/20</a:t>
             </a:fld>
             <a:endParaRPr lang="en-US"/>
           </a:p>
@@ -457,7 +458,7 @@
           <a:p>
             <a:fld id="{B1DB1BE8-3F77-D044-8747-9903AC5CD864}" type="datetimeFigureOut">
               <a:rPr lang="en-US" smtClean="0"/>
-              <a:t>4/21/20</a:t>
+              <a:t>5/18/20</a:t>
             </a:fld>
             <a:endParaRPr lang="en-US"/>
           </a:p>
@@ -665,7 +666,7 @@
           <a:p>
             <a:fld id="{B1DB1BE8-3F77-D044-8747-9903AC5CD864}" type="datetimeFigureOut">
               <a:rPr lang="en-US" smtClean="0"/>
-              <a:t>4/21/20</a:t>
+              <a:t>5/18/20</a:t>
             </a:fld>
             <a:endParaRPr lang="en-US"/>
           </a:p>
@@ -863,7 +864,7 @@
           <a:p>
             <a:fld id="{B1DB1BE8-3F77-D044-8747-9903AC5CD864}" type="datetimeFigureOut">
               <a:rPr lang="en-US" smtClean="0"/>
-              <a:t>4/21/20</a:t>
+              <a:t>5/18/20</a:t>
             </a:fld>
             <a:endParaRPr lang="en-US"/>
           </a:p>
@@ -1138,7 +1139,7 @@
           <a:p>
             <a:fld id="{B1DB1BE8-3F77-D044-8747-9903AC5CD864}" type="datetimeFigureOut">
               <a:rPr lang="en-US" smtClean="0"/>
-              <a:t>4/21/20</a:t>
+              <a:t>5/18/20</a:t>
             </a:fld>
             <a:endParaRPr lang="en-US"/>
           </a:p>
@@ -1403,7 +1404,7 @@
           <a:p>
             <a:fld id="{B1DB1BE8-3F77-D044-8747-9903AC5CD864}" type="datetimeFigureOut">
               <a:rPr lang="en-US" smtClean="0"/>
-              <a:t>4/21/20</a:t>
+              <a:t>5/18/20</a:t>
             </a:fld>
             <a:endParaRPr lang="en-US"/>
           </a:p>
@@ -1815,7 +1816,7 @@
           <a:p>
             <a:fld id="{B1DB1BE8-3F77-D044-8747-9903AC5CD864}" type="datetimeFigureOut">
               <a:rPr lang="en-US" smtClean="0"/>
-              <a:t>4/21/20</a:t>
+              <a:t>5/18/20</a:t>
             </a:fld>
             <a:endParaRPr lang="en-US"/>
           </a:p>
@@ -1956,7 +1957,7 @@
           <a:p>
             <a:fld id="{B1DB1BE8-3F77-D044-8747-9903AC5CD864}" type="datetimeFigureOut">
               <a:rPr lang="en-US" smtClean="0"/>
-              <a:t>4/21/20</a:t>
+              <a:t>5/18/20</a:t>
             </a:fld>
             <a:endParaRPr lang="en-US"/>
           </a:p>
@@ -2069,7 +2070,7 @@
           <a:p>
             <a:fld id="{B1DB1BE8-3F77-D044-8747-9903AC5CD864}" type="datetimeFigureOut">
               <a:rPr lang="en-US" smtClean="0"/>
-              <a:t>4/21/20</a:t>
+              <a:t>5/18/20</a:t>
             </a:fld>
             <a:endParaRPr lang="en-US"/>
           </a:p>
@@ -2380,7 +2381,7 @@
           <a:p>
             <a:fld id="{B1DB1BE8-3F77-D044-8747-9903AC5CD864}" type="datetimeFigureOut">
               <a:rPr lang="en-US" smtClean="0"/>
-              <a:t>4/21/20</a:t>
+              <a:t>5/18/20</a:t>
             </a:fld>
             <a:endParaRPr lang="en-US"/>
           </a:p>
@@ -2668,7 +2669,7 @@
           <a:p>
             <a:fld id="{B1DB1BE8-3F77-D044-8747-9903AC5CD864}" type="datetimeFigureOut">
               <a:rPr lang="en-US" smtClean="0"/>
-              <a:t>4/21/20</a:t>
+              <a:t>5/18/20</a:t>
             </a:fld>
             <a:endParaRPr lang="en-US"/>
           </a:p>
@@ -2909,7 +2910,7 @@
           <a:p>
             <a:fld id="{B1DB1BE8-3F77-D044-8747-9903AC5CD864}" type="datetimeFigureOut">
               <a:rPr lang="en-US" smtClean="0"/>
-              <a:t>4/21/20</a:t>
+              <a:t>5/18/20</a:t>
             </a:fld>
             <a:endParaRPr lang="en-US"/>
           </a:p>
@@ -8799,6 +8800,5713 @@
 </p:sld>
 </file>
 
+<file path=ppt/slides/slide2.xml><?xml version="1.0" encoding="utf-8"?>
+<p:sld xmlns:a="http://schemas.openxmlformats.org/drawingml/2006/main" xmlns:r="http://schemas.openxmlformats.org/officeDocument/2006/relationships" xmlns:p="http://schemas.openxmlformats.org/presentationml/2006/main">
+  <p:cSld>
+    <p:spTree>
+      <p:nvGrpSpPr>
+        <p:cNvPr id="1" name=""/>
+        <p:cNvGrpSpPr/>
+        <p:nvPr/>
+      </p:nvGrpSpPr>
+      <p:grpSpPr>
+        <a:xfrm>
+          <a:off x="0" y="0"/>
+          <a:ext cx="0" cy="0"/>
+          <a:chOff x="0" y="0"/>
+          <a:chExt cx="0" cy="0"/>
+        </a:xfrm>
+      </p:grpSpPr>
+      <p:sp>
+        <p:nvSpPr>
+          <p:cNvPr id="113" name="Rectangle 112">
+            <a:extLst>
+              <a:ext uri="{FF2B5EF4-FFF2-40B4-BE49-F238E27FC236}">
+                <a16:creationId xmlns:a16="http://schemas.microsoft.com/office/drawing/2014/main" id="{485DD726-EC3B-2F4B-9336-157066B04C8E}"/>
+              </a:ext>
+            </a:extLst>
+          </p:cNvPr>
+          <p:cNvSpPr/>
+          <p:nvPr/>
+        </p:nvSpPr>
+        <p:spPr>
+          <a:xfrm>
+            <a:off x="11213" y="3858016"/>
+            <a:ext cx="4087839" cy="2989073"/>
+          </a:xfrm>
+          <a:prstGeom prst="rect">
+            <a:avLst/>
+          </a:prstGeom>
+          <a:solidFill>
+            <a:srgbClr val="FF0000">
+              <a:alpha val="11000"/>
+            </a:srgbClr>
+          </a:solidFill>
+          <a:ln w="38100">
+            <a:solidFill>
+              <a:srgbClr val="FF0000"/>
+            </a:solidFill>
+            <a:prstDash val="lgDash"/>
+          </a:ln>
+        </p:spPr>
+        <p:style>
+          <a:lnRef idx="2">
+            <a:schemeClr val="accent1">
+              <a:shade val="50000"/>
+            </a:schemeClr>
+          </a:lnRef>
+          <a:fillRef idx="1">
+            <a:schemeClr val="accent1"/>
+          </a:fillRef>
+          <a:effectRef idx="0">
+            <a:schemeClr val="accent1"/>
+          </a:effectRef>
+          <a:fontRef idx="minor">
+            <a:schemeClr val="lt1"/>
+          </a:fontRef>
+        </p:style>
+        <p:txBody>
+          <a:bodyPr rtlCol="0" anchor="ctr"/>
+          <a:lstStyle/>
+          <a:p>
+            <a:pPr algn="ctr"/>
+            <a:endParaRPr lang="en-US" dirty="0"/>
+          </a:p>
+        </p:txBody>
+      </p:sp>
+      <p:sp>
+        <p:nvSpPr>
+          <p:cNvPr id="149" name="Rectangle 148">
+            <a:extLst>
+              <a:ext uri="{FF2B5EF4-FFF2-40B4-BE49-F238E27FC236}">
+                <a16:creationId xmlns:a16="http://schemas.microsoft.com/office/drawing/2014/main" id="{1DBBA3A0-742C-F942-9627-246163F02A4E}"/>
+              </a:ext>
+            </a:extLst>
+          </p:cNvPr>
+          <p:cNvSpPr/>
+          <p:nvPr/>
+        </p:nvSpPr>
+        <p:spPr>
+          <a:xfrm>
+            <a:off x="-11659" y="6215203"/>
+            <a:ext cx="3971654" cy="631886"/>
+          </a:xfrm>
+          <a:prstGeom prst="rect">
+            <a:avLst/>
+          </a:prstGeom>
+          <a:solidFill>
+            <a:schemeClr val="accent4">
+              <a:alpha val="50000"/>
+            </a:schemeClr>
+          </a:solidFill>
+        </p:spPr>
+        <p:style>
+          <a:lnRef idx="2">
+            <a:schemeClr val="accent1">
+              <a:shade val="50000"/>
+            </a:schemeClr>
+          </a:lnRef>
+          <a:fillRef idx="1">
+            <a:schemeClr val="accent1"/>
+          </a:fillRef>
+          <a:effectRef idx="0">
+            <a:schemeClr val="accent1"/>
+          </a:effectRef>
+          <a:fontRef idx="minor">
+            <a:schemeClr val="lt1"/>
+          </a:fontRef>
+        </p:style>
+        <p:txBody>
+          <a:bodyPr rtlCol="0" anchor="ctr"/>
+          <a:lstStyle/>
+          <a:p>
+            <a:pPr algn="ctr"/>
+            <a:endParaRPr lang="en-US"/>
+          </a:p>
+        </p:txBody>
+      </p:sp>
+      <p:sp>
+        <p:nvSpPr>
+          <p:cNvPr id="129" name="Rectangle 128">
+            <a:extLst>
+              <a:ext uri="{FF2B5EF4-FFF2-40B4-BE49-F238E27FC236}">
+                <a16:creationId xmlns:a16="http://schemas.microsoft.com/office/drawing/2014/main" id="{49F71ED4-CF4E-2C48-9F80-56B75BBD3C68}"/>
+              </a:ext>
+            </a:extLst>
+          </p:cNvPr>
+          <p:cNvSpPr/>
+          <p:nvPr/>
+        </p:nvSpPr>
+        <p:spPr>
+          <a:xfrm>
+            <a:off x="138225" y="363279"/>
+            <a:ext cx="5925886" cy="1061498"/>
+          </a:xfrm>
+          <a:prstGeom prst="rect">
+            <a:avLst/>
+          </a:prstGeom>
+          <a:solidFill>
+            <a:schemeClr val="accent1">
+              <a:lumMod val="20000"/>
+              <a:lumOff val="80000"/>
+            </a:schemeClr>
+          </a:solidFill>
+        </p:spPr>
+        <p:style>
+          <a:lnRef idx="1">
+            <a:schemeClr val="accent1"/>
+          </a:lnRef>
+          <a:fillRef idx="3">
+            <a:schemeClr val="accent1"/>
+          </a:fillRef>
+          <a:effectRef idx="2">
+            <a:schemeClr val="accent1"/>
+          </a:effectRef>
+          <a:fontRef idx="minor">
+            <a:schemeClr val="lt1"/>
+          </a:fontRef>
+        </p:style>
+        <p:txBody>
+          <a:bodyPr rtlCol="0" anchor="ctr"/>
+          <a:lstStyle/>
+          <a:p>
+            <a:pPr algn="ctr"/>
+            <a:endParaRPr lang="en-US" sz="800" dirty="0">
+              <a:solidFill>
+                <a:schemeClr val="tx1"/>
+              </a:solidFill>
+              <a:latin typeface="Menlo" charset="0"/>
+              <a:ea typeface="Menlo" charset="0"/>
+              <a:cs typeface="Menlo" charset="0"/>
+            </a:endParaRPr>
+          </a:p>
+        </p:txBody>
+      </p:sp>
+      <p:sp>
+        <p:nvSpPr>
+          <p:cNvPr id="3" name="Rectangle 2">
+            <a:extLst>
+              <a:ext uri="{FF2B5EF4-FFF2-40B4-BE49-F238E27FC236}">
+                <a16:creationId xmlns:a16="http://schemas.microsoft.com/office/drawing/2014/main" id="{881A021B-B006-334C-B3F1-F642594C592B}"/>
+              </a:ext>
+            </a:extLst>
+          </p:cNvPr>
+          <p:cNvSpPr/>
+          <p:nvPr/>
+        </p:nvSpPr>
+        <p:spPr>
+          <a:xfrm>
+            <a:off x="0" y="2079332"/>
+            <a:ext cx="12110484" cy="3075386"/>
+          </a:xfrm>
+          <a:prstGeom prst="rect">
+            <a:avLst/>
+          </a:prstGeom>
+          <a:solidFill>
+            <a:schemeClr val="accent1">
+              <a:alpha val="50000"/>
+            </a:schemeClr>
+          </a:solidFill>
+        </p:spPr>
+        <p:style>
+          <a:lnRef idx="2">
+            <a:schemeClr val="accent1">
+              <a:shade val="50000"/>
+            </a:schemeClr>
+          </a:lnRef>
+          <a:fillRef idx="1">
+            <a:schemeClr val="accent1"/>
+          </a:fillRef>
+          <a:effectRef idx="0">
+            <a:schemeClr val="accent1"/>
+          </a:effectRef>
+          <a:fontRef idx="minor">
+            <a:schemeClr val="lt1"/>
+          </a:fontRef>
+        </p:style>
+        <p:txBody>
+          <a:bodyPr rtlCol="0" anchor="ctr"/>
+          <a:lstStyle/>
+          <a:p>
+            <a:pPr algn="ctr"/>
+            <a:endParaRPr lang="en-US">
+              <a:solidFill>
+                <a:schemeClr val="accent6">
+                  <a:lumMod val="60000"/>
+                  <a:lumOff val="40000"/>
+                </a:schemeClr>
+              </a:solidFill>
+            </a:endParaRPr>
+          </a:p>
+        </p:txBody>
+      </p:sp>
+      <p:sp>
+        <p:nvSpPr>
+          <p:cNvPr id="115" name="Rectangle 114">
+            <a:extLst>
+              <a:ext uri="{FF2B5EF4-FFF2-40B4-BE49-F238E27FC236}">
+                <a16:creationId xmlns:a16="http://schemas.microsoft.com/office/drawing/2014/main" id="{68CAA2EB-FC5B-054F-B79C-91E24AB11FA1}"/>
+              </a:ext>
+            </a:extLst>
+          </p:cNvPr>
+          <p:cNvSpPr/>
+          <p:nvPr/>
+        </p:nvSpPr>
+        <p:spPr>
+          <a:xfrm>
+            <a:off x="6846137" y="29817"/>
+            <a:ext cx="1397988" cy="474353"/>
+          </a:xfrm>
+          <a:prstGeom prst="rect">
+            <a:avLst/>
+          </a:prstGeom>
+          <a:pattFill prst="pct20">
+            <a:fgClr>
+              <a:schemeClr val="accent1">
+                <a:lumMod val="20000"/>
+                <a:lumOff val="80000"/>
+              </a:schemeClr>
+            </a:fgClr>
+            <a:bgClr>
+              <a:schemeClr val="bg1"/>
+            </a:bgClr>
+          </a:pattFill>
+          <a:ln>
+            <a:prstDash val="solid"/>
+          </a:ln>
+        </p:spPr>
+        <p:style>
+          <a:lnRef idx="1">
+            <a:schemeClr val="accent1"/>
+          </a:lnRef>
+          <a:fillRef idx="3">
+            <a:schemeClr val="accent1"/>
+          </a:fillRef>
+          <a:effectRef idx="2">
+            <a:schemeClr val="accent1"/>
+          </a:effectRef>
+          <a:fontRef idx="minor">
+            <a:schemeClr val="lt1"/>
+          </a:fontRef>
+        </p:style>
+        <p:txBody>
+          <a:bodyPr rtlCol="0" anchor="ctr"/>
+          <a:lstStyle/>
+          <a:p>
+            <a:pPr algn="ctr"/>
+            <a:r>
+              <a:rPr lang="en-US" sz="1467" dirty="0">
+                <a:solidFill>
+                  <a:schemeClr val="tx1"/>
+                </a:solidFill>
+                <a:latin typeface="Menlo" charset="0"/>
+                <a:ea typeface="Menlo" charset="0"/>
+                <a:cs typeface="Menlo" charset="0"/>
+              </a:rPr>
+              <a:t>                 </a:t>
+            </a:r>
+          </a:p>
+          <a:p>
+            <a:pPr algn="ctr"/>
+            <a:endParaRPr lang="en-US" sz="1467" dirty="0">
+              <a:solidFill>
+                <a:schemeClr val="tx1"/>
+              </a:solidFill>
+              <a:latin typeface="Menlo" charset="0"/>
+              <a:ea typeface="Menlo" charset="0"/>
+              <a:cs typeface="Menlo" charset="0"/>
+            </a:endParaRPr>
+          </a:p>
+          <a:p>
+            <a:pPr algn="ctr"/>
+            <a:endParaRPr lang="en-US" sz="1467" dirty="0">
+              <a:solidFill>
+                <a:schemeClr val="tx1"/>
+              </a:solidFill>
+              <a:latin typeface="Menlo" charset="0"/>
+              <a:ea typeface="Menlo" charset="0"/>
+              <a:cs typeface="Menlo" charset="0"/>
+            </a:endParaRPr>
+          </a:p>
+        </p:txBody>
+      </p:sp>
+      <p:cxnSp>
+        <p:nvCxnSpPr>
+          <p:cNvPr id="20" name="Elbow Connector 19">
+            <a:extLst>
+              <a:ext uri="{FF2B5EF4-FFF2-40B4-BE49-F238E27FC236}">
+                <a16:creationId xmlns:a16="http://schemas.microsoft.com/office/drawing/2014/main" id="{463C5E49-921E-6E43-B468-6069E10CA099}"/>
+              </a:ext>
+            </a:extLst>
+          </p:cNvPr>
+          <p:cNvCxnSpPr>
+            <a:cxnSpLocks/>
+            <a:stCxn id="107" idx="2"/>
+          </p:cNvCxnSpPr>
+          <p:nvPr/>
+        </p:nvCxnSpPr>
+        <p:spPr>
+          <a:xfrm rot="16200000" flipH="1">
+            <a:off x="5430072" y="1416257"/>
+            <a:ext cx="1141031" cy="924724"/>
+          </a:xfrm>
+          <a:prstGeom prst="bentConnector3">
+            <a:avLst/>
+          </a:prstGeom>
+          <a:ln>
+            <a:headEnd type="triangle"/>
+            <a:tailEnd type="triangle"/>
+          </a:ln>
+        </p:spPr>
+        <p:style>
+          <a:lnRef idx="1">
+            <a:schemeClr val="accent1"/>
+          </a:lnRef>
+          <a:fillRef idx="0">
+            <a:schemeClr val="accent1"/>
+          </a:fillRef>
+          <a:effectRef idx="0">
+            <a:schemeClr val="accent1"/>
+          </a:effectRef>
+          <a:fontRef idx="minor">
+            <a:schemeClr val="tx1"/>
+          </a:fontRef>
+        </p:style>
+      </p:cxnSp>
+      <p:sp>
+        <p:nvSpPr>
+          <p:cNvPr id="107" name="Rectangle 106">
+            <a:extLst>
+              <a:ext uri="{FF2B5EF4-FFF2-40B4-BE49-F238E27FC236}">
+                <a16:creationId xmlns:a16="http://schemas.microsoft.com/office/drawing/2014/main" id="{47D63396-AC4D-5249-8BCF-E9058FDBA721}"/>
+              </a:ext>
+            </a:extLst>
+          </p:cNvPr>
+          <p:cNvSpPr/>
+          <p:nvPr/>
+        </p:nvSpPr>
+        <p:spPr>
+          <a:xfrm>
+            <a:off x="5122787" y="723469"/>
+            <a:ext cx="830876" cy="584635"/>
+          </a:xfrm>
+          <a:prstGeom prst="rect">
+            <a:avLst/>
+          </a:prstGeom>
+          <a:solidFill>
+            <a:schemeClr val="tx2">
+              <a:lumMod val="20000"/>
+              <a:lumOff val="80000"/>
+            </a:schemeClr>
+          </a:solidFill>
+          <a:ln>
+            <a:solidFill>
+              <a:schemeClr val="tx1"/>
+            </a:solidFill>
+          </a:ln>
+        </p:spPr>
+        <p:style>
+          <a:lnRef idx="1">
+            <a:schemeClr val="accent1"/>
+          </a:lnRef>
+          <a:fillRef idx="3">
+            <a:schemeClr val="accent1"/>
+          </a:fillRef>
+          <a:effectRef idx="2">
+            <a:schemeClr val="accent1"/>
+          </a:effectRef>
+          <a:fontRef idx="minor">
+            <a:schemeClr val="lt1"/>
+          </a:fontRef>
+        </p:style>
+        <p:txBody>
+          <a:bodyPr rtlCol="0" anchor="ctr"/>
+          <a:lstStyle/>
+          <a:p>
+            <a:pPr algn="ctr"/>
+            <a:endParaRPr lang="en-US" sz="533" dirty="0">
+              <a:solidFill>
+                <a:schemeClr val="tx1"/>
+              </a:solidFill>
+              <a:latin typeface="Menlo" panose="020B0609030804020204" pitchFamily="49" charset="0"/>
+              <a:ea typeface="Menlo" panose="020B0609030804020204" pitchFamily="49" charset="0"/>
+              <a:cs typeface="Menlo" panose="020B0609030804020204" pitchFamily="49" charset="0"/>
+            </a:endParaRPr>
+          </a:p>
+          <a:p>
+            <a:pPr algn="ctr"/>
+            <a:endParaRPr lang="en-US" sz="533" dirty="0">
+              <a:solidFill>
+                <a:schemeClr val="tx1"/>
+              </a:solidFill>
+              <a:latin typeface="Menlo" panose="020B0609030804020204" pitchFamily="49" charset="0"/>
+              <a:ea typeface="Menlo" panose="020B0609030804020204" pitchFamily="49" charset="0"/>
+              <a:cs typeface="Menlo" panose="020B0609030804020204" pitchFamily="49" charset="0"/>
+            </a:endParaRPr>
+          </a:p>
+          <a:p>
+            <a:pPr algn="ctr"/>
+            <a:endParaRPr lang="en-US" sz="533" dirty="0">
+              <a:solidFill>
+                <a:schemeClr val="tx1"/>
+              </a:solidFill>
+              <a:latin typeface="Menlo" panose="020B0609030804020204" pitchFamily="49" charset="0"/>
+              <a:ea typeface="Menlo" panose="020B0609030804020204" pitchFamily="49" charset="0"/>
+              <a:cs typeface="Menlo" panose="020B0609030804020204" pitchFamily="49" charset="0"/>
+            </a:endParaRPr>
+          </a:p>
+          <a:p>
+            <a:pPr algn="ctr"/>
+            <a:endParaRPr lang="en-US" sz="533" dirty="0">
+              <a:solidFill>
+                <a:schemeClr val="tx1"/>
+              </a:solidFill>
+              <a:latin typeface="Menlo" panose="020B0609030804020204" pitchFamily="49" charset="0"/>
+              <a:ea typeface="Menlo" panose="020B0609030804020204" pitchFamily="49" charset="0"/>
+              <a:cs typeface="Menlo" panose="020B0609030804020204" pitchFamily="49" charset="0"/>
+            </a:endParaRPr>
+          </a:p>
+          <a:p>
+            <a:pPr algn="ctr"/>
+            <a:endParaRPr lang="en-US" sz="533" dirty="0">
+              <a:solidFill>
+                <a:schemeClr val="tx1"/>
+              </a:solidFill>
+              <a:latin typeface="Menlo" panose="020B0609030804020204" pitchFamily="49" charset="0"/>
+              <a:ea typeface="Menlo" panose="020B0609030804020204" pitchFamily="49" charset="0"/>
+              <a:cs typeface="Menlo" panose="020B0609030804020204" pitchFamily="49" charset="0"/>
+            </a:endParaRPr>
+          </a:p>
+          <a:p>
+            <a:pPr algn="ctr"/>
+            <a:r>
+              <a:rPr lang="en-US" sz="533" b="1" dirty="0">
+                <a:solidFill>
+                  <a:schemeClr val="tx1"/>
+                </a:solidFill>
+                <a:latin typeface="Menlo" panose="020B0609030804020204" pitchFamily="49" charset="0"/>
+                <a:ea typeface="Menlo" panose="020B0609030804020204" pitchFamily="49" charset="0"/>
+                <a:cs typeface="Menlo" panose="020B0609030804020204" pitchFamily="49" charset="0"/>
+              </a:rPr>
+              <a:t>iFrame</a:t>
+            </a:r>
+          </a:p>
+        </p:txBody>
+      </p:sp>
+      <p:sp>
+        <p:nvSpPr>
+          <p:cNvPr id="84" name="Rectangle 83">
+            <a:extLst>
+              <a:ext uri="{FF2B5EF4-FFF2-40B4-BE49-F238E27FC236}">
+                <a16:creationId xmlns:a16="http://schemas.microsoft.com/office/drawing/2014/main" id="{54414DDB-8967-8D45-908D-A9FDFFB61FF7}"/>
+              </a:ext>
+            </a:extLst>
+          </p:cNvPr>
+          <p:cNvSpPr/>
+          <p:nvPr/>
+        </p:nvSpPr>
+        <p:spPr>
+          <a:xfrm>
+            <a:off x="6878388" y="542960"/>
+            <a:ext cx="5097850" cy="801244"/>
+          </a:xfrm>
+          <a:prstGeom prst="rect">
+            <a:avLst/>
+          </a:prstGeom>
+          <a:solidFill>
+            <a:schemeClr val="accent1">
+              <a:lumMod val="20000"/>
+              <a:lumOff val="80000"/>
+            </a:schemeClr>
+          </a:solidFill>
+          <a:ln>
+            <a:prstDash val="solid"/>
+          </a:ln>
+        </p:spPr>
+        <p:style>
+          <a:lnRef idx="1">
+            <a:schemeClr val="accent1"/>
+          </a:lnRef>
+          <a:fillRef idx="3">
+            <a:schemeClr val="accent1"/>
+          </a:fillRef>
+          <a:effectRef idx="2">
+            <a:schemeClr val="accent1"/>
+          </a:effectRef>
+          <a:fontRef idx="minor">
+            <a:schemeClr val="lt1"/>
+          </a:fontRef>
+        </p:style>
+        <p:txBody>
+          <a:bodyPr rtlCol="0" anchor="ctr"/>
+          <a:lstStyle/>
+          <a:p>
+            <a:pPr algn="ctr"/>
+            <a:r>
+              <a:rPr lang="en-US" sz="1467">
+                <a:solidFill>
+                  <a:schemeClr val="tx1"/>
+                </a:solidFill>
+                <a:latin typeface="Menlo" charset="0"/>
+                <a:ea typeface="Menlo" charset="0"/>
+                <a:cs typeface="Menlo" charset="0"/>
+              </a:rPr>
+              <a:t>                 </a:t>
+            </a:r>
+          </a:p>
+          <a:p>
+            <a:pPr algn="ctr"/>
+            <a:endParaRPr lang="en-US" sz="1467">
+              <a:solidFill>
+                <a:schemeClr val="tx1"/>
+              </a:solidFill>
+              <a:latin typeface="Menlo" charset="0"/>
+              <a:ea typeface="Menlo" charset="0"/>
+              <a:cs typeface="Menlo" charset="0"/>
+            </a:endParaRPr>
+          </a:p>
+          <a:p>
+            <a:pPr algn="ctr"/>
+            <a:endParaRPr lang="en-US" sz="1467">
+              <a:solidFill>
+                <a:schemeClr val="tx1"/>
+              </a:solidFill>
+              <a:latin typeface="Menlo" charset="0"/>
+              <a:ea typeface="Menlo" charset="0"/>
+              <a:cs typeface="Menlo" charset="0"/>
+            </a:endParaRPr>
+          </a:p>
+        </p:txBody>
+      </p:sp>
+      <p:sp>
+        <p:nvSpPr>
+          <p:cNvPr id="27" name="Rectangle 26">
+            <a:extLst>
+              <a:ext uri="{FF2B5EF4-FFF2-40B4-BE49-F238E27FC236}">
+                <a16:creationId xmlns:a16="http://schemas.microsoft.com/office/drawing/2014/main" id="{B8BD38E5-B719-A040-961F-CB1DDA431BCD}"/>
+              </a:ext>
+            </a:extLst>
+          </p:cNvPr>
+          <p:cNvSpPr/>
+          <p:nvPr/>
+        </p:nvSpPr>
+        <p:spPr>
+          <a:xfrm rot="5400000">
+            <a:off x="4513562" y="-1273341"/>
+            <a:ext cx="599846" cy="8064682"/>
+          </a:xfrm>
+          <a:prstGeom prst="rect">
+            <a:avLst/>
+          </a:prstGeom>
+          <a:solidFill>
+            <a:schemeClr val="accent4">
+              <a:lumMod val="20000"/>
+              <a:lumOff val="80000"/>
+            </a:schemeClr>
+          </a:solidFill>
+        </p:spPr>
+        <p:style>
+          <a:lnRef idx="2">
+            <a:schemeClr val="accent1">
+              <a:shade val="50000"/>
+            </a:schemeClr>
+          </a:lnRef>
+          <a:fillRef idx="1">
+            <a:schemeClr val="accent1"/>
+          </a:fillRef>
+          <a:effectRef idx="0">
+            <a:schemeClr val="accent1"/>
+          </a:effectRef>
+          <a:fontRef idx="minor">
+            <a:schemeClr val="lt1"/>
+          </a:fontRef>
+        </p:style>
+        <p:txBody>
+          <a:bodyPr rtlCol="0" anchor="ctr"/>
+          <a:lstStyle/>
+          <a:p>
+            <a:pPr algn="ctr"/>
+            <a:endParaRPr lang="en-US"/>
+          </a:p>
+        </p:txBody>
+      </p:sp>
+      <p:sp>
+        <p:nvSpPr>
+          <p:cNvPr id="28" name="Rectangle 27">
+            <a:extLst>
+              <a:ext uri="{FF2B5EF4-FFF2-40B4-BE49-F238E27FC236}">
+                <a16:creationId xmlns:a16="http://schemas.microsoft.com/office/drawing/2014/main" id="{F5196AA6-3EF6-D842-A7AC-4C65195FFE4F}"/>
+              </a:ext>
+            </a:extLst>
+          </p:cNvPr>
+          <p:cNvSpPr/>
+          <p:nvPr/>
+        </p:nvSpPr>
+        <p:spPr>
+          <a:xfrm>
+            <a:off x="781142" y="2459074"/>
+            <a:ext cx="8064683" cy="281271"/>
+          </a:xfrm>
+          <a:prstGeom prst="rect">
+            <a:avLst/>
+          </a:prstGeom>
+          <a:noFill/>
+        </p:spPr>
+        <p:style>
+          <a:lnRef idx="2">
+            <a:schemeClr val="accent1">
+              <a:shade val="50000"/>
+            </a:schemeClr>
+          </a:lnRef>
+          <a:fillRef idx="1">
+            <a:schemeClr val="accent1"/>
+          </a:fillRef>
+          <a:effectRef idx="0">
+            <a:schemeClr val="accent1"/>
+          </a:effectRef>
+          <a:fontRef idx="minor">
+            <a:schemeClr val="lt1"/>
+          </a:fontRef>
+        </p:style>
+        <p:txBody>
+          <a:bodyPr rtlCol="0" anchor="ctr"/>
+          <a:lstStyle/>
+          <a:p>
+            <a:pPr algn="ctr"/>
+            <a:r>
+              <a:rPr lang="en-US" sz="1000">
+                <a:solidFill>
+                  <a:schemeClr val="tx1"/>
+                </a:solidFill>
+                <a:latin typeface="Menlo" panose="020B0609030804020204" pitchFamily="49" charset="0"/>
+                <a:ea typeface="Menlo" panose="020B0609030804020204" pitchFamily="49" charset="0"/>
+                <a:cs typeface="Menlo" panose="020B0609030804020204" pitchFamily="49" charset="0"/>
+              </a:rPr>
+              <a:t>API Gateway</a:t>
+            </a:r>
+          </a:p>
+        </p:txBody>
+      </p:sp>
+      <p:sp>
+        <p:nvSpPr>
+          <p:cNvPr id="29" name="Rectangle 28">
+            <a:extLst>
+              <a:ext uri="{FF2B5EF4-FFF2-40B4-BE49-F238E27FC236}">
+                <a16:creationId xmlns:a16="http://schemas.microsoft.com/office/drawing/2014/main" id="{8AF582D8-88EE-2542-99A4-79D337267C65}"/>
+              </a:ext>
+            </a:extLst>
+          </p:cNvPr>
+          <p:cNvSpPr/>
+          <p:nvPr/>
+        </p:nvSpPr>
+        <p:spPr>
+          <a:xfrm>
+            <a:off x="1784417" y="3376763"/>
+            <a:ext cx="768237" cy="369333"/>
+          </a:xfrm>
+          <a:prstGeom prst="rect">
+            <a:avLst/>
+          </a:prstGeom>
+          <a:solidFill>
+            <a:schemeClr val="accent4">
+              <a:lumMod val="20000"/>
+              <a:lumOff val="80000"/>
+            </a:schemeClr>
+          </a:solidFill>
+        </p:spPr>
+        <p:style>
+          <a:lnRef idx="2">
+            <a:schemeClr val="accent1">
+              <a:shade val="50000"/>
+            </a:schemeClr>
+          </a:lnRef>
+          <a:fillRef idx="1">
+            <a:schemeClr val="accent1"/>
+          </a:fillRef>
+          <a:effectRef idx="0">
+            <a:schemeClr val="accent1"/>
+          </a:effectRef>
+          <a:fontRef idx="minor">
+            <a:schemeClr val="lt1"/>
+          </a:fontRef>
+        </p:style>
+        <p:txBody>
+          <a:bodyPr rtlCol="0" anchor="ctr"/>
+          <a:lstStyle/>
+          <a:p>
+            <a:pPr algn="ctr"/>
+            <a:r>
+              <a:rPr lang="en-US" sz="933">
+                <a:solidFill>
+                  <a:schemeClr val="tx1"/>
+                </a:solidFill>
+                <a:latin typeface="Menlo" panose="020B0609030804020204" pitchFamily="49" charset="0"/>
+                <a:ea typeface="Menlo" panose="020B0609030804020204" pitchFamily="49" charset="0"/>
+                <a:cs typeface="Menlo" panose="020B0609030804020204" pitchFamily="49" charset="0"/>
+              </a:rPr>
+              <a:t>API Catalog</a:t>
+            </a:r>
+          </a:p>
+        </p:txBody>
+      </p:sp>
+      <p:sp>
+        <p:nvSpPr>
+          <p:cNvPr id="30" name="Rectangle 29">
+            <a:extLst>
+              <a:ext uri="{FF2B5EF4-FFF2-40B4-BE49-F238E27FC236}">
+                <a16:creationId xmlns:a16="http://schemas.microsoft.com/office/drawing/2014/main" id="{613B60D4-E0F5-8544-BEFF-75487F8C5CB8}"/>
+              </a:ext>
+            </a:extLst>
+          </p:cNvPr>
+          <p:cNvSpPr/>
+          <p:nvPr/>
+        </p:nvSpPr>
+        <p:spPr>
+          <a:xfrm>
+            <a:off x="2618141" y="3380729"/>
+            <a:ext cx="918487" cy="365368"/>
+          </a:xfrm>
+          <a:prstGeom prst="rect">
+            <a:avLst/>
+          </a:prstGeom>
+          <a:solidFill>
+            <a:schemeClr val="accent4">
+              <a:lumMod val="20000"/>
+              <a:lumOff val="80000"/>
+            </a:schemeClr>
+          </a:solidFill>
+        </p:spPr>
+        <p:style>
+          <a:lnRef idx="2">
+            <a:schemeClr val="accent1">
+              <a:shade val="50000"/>
+            </a:schemeClr>
+          </a:lnRef>
+          <a:fillRef idx="1">
+            <a:schemeClr val="accent1"/>
+          </a:fillRef>
+          <a:effectRef idx="0">
+            <a:schemeClr val="accent1"/>
+          </a:effectRef>
+          <a:fontRef idx="minor">
+            <a:schemeClr val="lt1"/>
+          </a:fontRef>
+        </p:style>
+        <p:txBody>
+          <a:bodyPr rtlCol="0" anchor="ctr"/>
+          <a:lstStyle/>
+          <a:p>
+            <a:pPr algn="ctr"/>
+            <a:r>
+              <a:rPr lang="en-US" sz="933">
+                <a:solidFill>
+                  <a:schemeClr val="tx1"/>
+                </a:solidFill>
+                <a:latin typeface="Menlo" panose="020B0609030804020204" pitchFamily="49" charset="0"/>
+                <a:ea typeface="Menlo" panose="020B0609030804020204" pitchFamily="49" charset="0"/>
+                <a:cs typeface="Menlo" panose="020B0609030804020204" pitchFamily="49" charset="0"/>
+              </a:rPr>
+              <a:t>API Discovery</a:t>
+            </a:r>
+          </a:p>
+        </p:txBody>
+      </p:sp>
+      <p:cxnSp>
+        <p:nvCxnSpPr>
+          <p:cNvPr id="32" name="Straight Arrow Connector 31">
+            <a:extLst>
+              <a:ext uri="{FF2B5EF4-FFF2-40B4-BE49-F238E27FC236}">
+                <a16:creationId xmlns:a16="http://schemas.microsoft.com/office/drawing/2014/main" id="{BD316678-45F2-FC41-929D-9AFEFDB6D35C}"/>
+              </a:ext>
+            </a:extLst>
+          </p:cNvPr>
+          <p:cNvCxnSpPr>
+            <a:cxnSpLocks/>
+            <a:endCxn id="29" idx="0"/>
+          </p:cNvCxnSpPr>
+          <p:nvPr/>
+        </p:nvCxnSpPr>
+        <p:spPr>
+          <a:xfrm>
+            <a:off x="2168535" y="3087941"/>
+            <a:ext cx="1" cy="288822"/>
+          </a:xfrm>
+          <a:prstGeom prst="straightConnector1">
+            <a:avLst/>
+          </a:prstGeom>
+          <a:ln>
+            <a:headEnd type="triangle"/>
+            <a:tailEnd type="triangle"/>
+          </a:ln>
+        </p:spPr>
+        <p:style>
+          <a:lnRef idx="1">
+            <a:schemeClr val="accent1"/>
+          </a:lnRef>
+          <a:fillRef idx="0">
+            <a:schemeClr val="accent1"/>
+          </a:fillRef>
+          <a:effectRef idx="0">
+            <a:schemeClr val="accent1"/>
+          </a:effectRef>
+          <a:fontRef idx="minor">
+            <a:schemeClr val="tx1"/>
+          </a:fontRef>
+        </p:style>
+      </p:cxnSp>
+      <p:cxnSp>
+        <p:nvCxnSpPr>
+          <p:cNvPr id="38" name="Straight Arrow Connector 37">
+            <a:extLst>
+              <a:ext uri="{FF2B5EF4-FFF2-40B4-BE49-F238E27FC236}">
+                <a16:creationId xmlns:a16="http://schemas.microsoft.com/office/drawing/2014/main" id="{2B8525D1-5DD2-9144-B286-EB52E77203BE}"/>
+              </a:ext>
+            </a:extLst>
+          </p:cNvPr>
+          <p:cNvCxnSpPr>
+            <a:cxnSpLocks/>
+          </p:cNvCxnSpPr>
+          <p:nvPr/>
+        </p:nvCxnSpPr>
+        <p:spPr>
+          <a:xfrm>
+            <a:off x="3036554" y="3072617"/>
+            <a:ext cx="0" cy="304147"/>
+          </a:xfrm>
+          <a:prstGeom prst="straightConnector1">
+            <a:avLst/>
+          </a:prstGeom>
+          <a:ln>
+            <a:headEnd type="triangle"/>
+            <a:tailEnd type="triangle"/>
+          </a:ln>
+        </p:spPr>
+        <p:style>
+          <a:lnRef idx="1">
+            <a:schemeClr val="accent1"/>
+          </a:lnRef>
+          <a:fillRef idx="0">
+            <a:schemeClr val="accent1"/>
+          </a:fillRef>
+          <a:effectRef idx="0">
+            <a:schemeClr val="accent1"/>
+          </a:effectRef>
+          <a:fontRef idx="minor">
+            <a:schemeClr val="tx1"/>
+          </a:fontRef>
+        </p:style>
+      </p:cxnSp>
+      <p:sp>
+        <p:nvSpPr>
+          <p:cNvPr id="39" name="Rectangle 38">
+            <a:extLst>
+              <a:ext uri="{FF2B5EF4-FFF2-40B4-BE49-F238E27FC236}">
+                <a16:creationId xmlns:a16="http://schemas.microsoft.com/office/drawing/2014/main" id="{82FFFBCF-6F96-BA4C-A2A8-04C04381BB79}"/>
+              </a:ext>
+            </a:extLst>
+          </p:cNvPr>
+          <p:cNvSpPr/>
+          <p:nvPr/>
+        </p:nvSpPr>
+        <p:spPr>
+          <a:xfrm>
+            <a:off x="3775858" y="3890475"/>
+            <a:ext cx="434690" cy="382833"/>
+          </a:xfrm>
+          <a:prstGeom prst="rect">
+            <a:avLst/>
+          </a:prstGeom>
+          <a:solidFill>
+            <a:schemeClr val="accent6">
+              <a:lumMod val="60000"/>
+              <a:lumOff val="40000"/>
+            </a:schemeClr>
+          </a:solidFill>
+        </p:spPr>
+        <p:style>
+          <a:lnRef idx="2">
+            <a:schemeClr val="accent1">
+              <a:shade val="50000"/>
+            </a:schemeClr>
+          </a:lnRef>
+          <a:fillRef idx="1">
+            <a:schemeClr val="accent1"/>
+          </a:fillRef>
+          <a:effectRef idx="0">
+            <a:schemeClr val="accent1"/>
+          </a:effectRef>
+          <a:fontRef idx="minor">
+            <a:schemeClr val="lt1"/>
+          </a:fontRef>
+        </p:style>
+        <p:txBody>
+          <a:bodyPr rtlCol="0" anchor="ctr"/>
+          <a:lstStyle/>
+          <a:p>
+            <a:pPr algn="ctr"/>
+            <a:r>
+              <a:rPr lang="en-US" sz="933">
+                <a:solidFill>
+                  <a:schemeClr val="tx1"/>
+                </a:solidFill>
+                <a:latin typeface="Menlo" panose="020B0609030804020204" pitchFamily="49" charset="0"/>
+                <a:ea typeface="Menlo" panose="020B0609030804020204" pitchFamily="49" charset="0"/>
+                <a:cs typeface="Menlo" panose="020B0609030804020204" pitchFamily="49" charset="0"/>
+              </a:rPr>
+              <a:t>MVS UI</a:t>
+            </a:r>
+          </a:p>
+        </p:txBody>
+      </p:sp>
+      <p:sp>
+        <p:nvSpPr>
+          <p:cNvPr id="40" name="Rectangle 39">
+            <a:extLst>
+              <a:ext uri="{FF2B5EF4-FFF2-40B4-BE49-F238E27FC236}">
+                <a16:creationId xmlns:a16="http://schemas.microsoft.com/office/drawing/2014/main" id="{EE3A7E9E-4BFA-7048-A93A-B226BC2CCB8D}"/>
+              </a:ext>
+            </a:extLst>
+          </p:cNvPr>
+          <p:cNvSpPr/>
+          <p:nvPr/>
+        </p:nvSpPr>
+        <p:spPr>
+          <a:xfrm>
+            <a:off x="4268680" y="3892798"/>
+            <a:ext cx="454307" cy="380510"/>
+          </a:xfrm>
+          <a:prstGeom prst="rect">
+            <a:avLst/>
+          </a:prstGeom>
+          <a:solidFill>
+            <a:schemeClr val="accent6">
+              <a:lumMod val="60000"/>
+              <a:lumOff val="40000"/>
+            </a:schemeClr>
+          </a:solidFill>
+        </p:spPr>
+        <p:style>
+          <a:lnRef idx="2">
+            <a:schemeClr val="accent1">
+              <a:shade val="50000"/>
+            </a:schemeClr>
+          </a:lnRef>
+          <a:fillRef idx="1">
+            <a:schemeClr val="accent1"/>
+          </a:fillRef>
+          <a:effectRef idx="0">
+            <a:schemeClr val="accent1"/>
+          </a:effectRef>
+          <a:fontRef idx="minor">
+            <a:schemeClr val="lt1"/>
+          </a:fontRef>
+        </p:style>
+        <p:txBody>
+          <a:bodyPr rtlCol="0" anchor="ctr"/>
+          <a:lstStyle/>
+          <a:p>
+            <a:pPr algn="ctr"/>
+            <a:r>
+              <a:rPr lang="en-US" sz="933" dirty="0">
+                <a:solidFill>
+                  <a:schemeClr val="tx1"/>
+                </a:solidFill>
+                <a:latin typeface="Menlo" panose="020B0609030804020204" pitchFamily="49" charset="0"/>
+                <a:ea typeface="Menlo" panose="020B0609030804020204" pitchFamily="49" charset="0"/>
+                <a:cs typeface="Menlo" panose="020B0609030804020204" pitchFamily="49" charset="0"/>
+              </a:rPr>
+              <a:t>JES UI</a:t>
+            </a:r>
+          </a:p>
+        </p:txBody>
+      </p:sp>
+      <p:sp>
+        <p:nvSpPr>
+          <p:cNvPr id="41" name="Rectangle 40">
+            <a:extLst>
+              <a:ext uri="{FF2B5EF4-FFF2-40B4-BE49-F238E27FC236}">
+                <a16:creationId xmlns:a16="http://schemas.microsoft.com/office/drawing/2014/main" id="{38830FD5-B0E7-304D-A162-42509A56C2A0}"/>
+              </a:ext>
+            </a:extLst>
+          </p:cNvPr>
+          <p:cNvSpPr/>
+          <p:nvPr/>
+        </p:nvSpPr>
+        <p:spPr>
+          <a:xfrm>
+            <a:off x="4787113" y="3879233"/>
+            <a:ext cx="470080" cy="394075"/>
+          </a:xfrm>
+          <a:prstGeom prst="rect">
+            <a:avLst/>
+          </a:prstGeom>
+          <a:solidFill>
+            <a:schemeClr val="accent6">
+              <a:lumMod val="60000"/>
+              <a:lumOff val="40000"/>
+            </a:schemeClr>
+          </a:solidFill>
+        </p:spPr>
+        <p:style>
+          <a:lnRef idx="2">
+            <a:schemeClr val="accent1">
+              <a:shade val="50000"/>
+            </a:schemeClr>
+          </a:lnRef>
+          <a:fillRef idx="1">
+            <a:schemeClr val="accent1"/>
+          </a:fillRef>
+          <a:effectRef idx="0">
+            <a:schemeClr val="accent1"/>
+          </a:effectRef>
+          <a:fontRef idx="minor">
+            <a:schemeClr val="lt1"/>
+          </a:fontRef>
+        </p:style>
+        <p:txBody>
+          <a:bodyPr rtlCol="0" anchor="ctr"/>
+          <a:lstStyle/>
+          <a:p>
+            <a:pPr algn="ctr"/>
+            <a:r>
+              <a:rPr lang="en-US" sz="933" dirty="0">
+                <a:solidFill>
+                  <a:schemeClr val="tx1"/>
+                </a:solidFill>
+                <a:latin typeface="Menlo" panose="020B0609030804020204" pitchFamily="49" charset="0"/>
+                <a:ea typeface="Menlo" panose="020B0609030804020204" pitchFamily="49" charset="0"/>
+                <a:cs typeface="Menlo" panose="020B0609030804020204" pitchFamily="49" charset="0"/>
+              </a:rPr>
+              <a:t>USS</a:t>
+            </a:r>
+          </a:p>
+          <a:p>
+            <a:pPr algn="ctr"/>
+            <a:r>
+              <a:rPr lang="en-US" sz="933" dirty="0">
+                <a:solidFill>
+                  <a:schemeClr val="tx1"/>
+                </a:solidFill>
+                <a:latin typeface="Menlo" panose="020B0609030804020204" pitchFamily="49" charset="0"/>
+                <a:ea typeface="Menlo" panose="020B0609030804020204" pitchFamily="49" charset="0"/>
+                <a:cs typeface="Menlo" panose="020B0609030804020204" pitchFamily="49" charset="0"/>
+              </a:rPr>
+              <a:t>UI</a:t>
+            </a:r>
+          </a:p>
+        </p:txBody>
+      </p:sp>
+      <p:sp>
+        <p:nvSpPr>
+          <p:cNvPr id="42" name="Rectangle 41">
+            <a:extLst>
+              <a:ext uri="{FF2B5EF4-FFF2-40B4-BE49-F238E27FC236}">
+                <a16:creationId xmlns:a16="http://schemas.microsoft.com/office/drawing/2014/main" id="{7A2C7D56-E8C6-1042-9DF3-33D6754C7710}"/>
+              </a:ext>
+            </a:extLst>
+          </p:cNvPr>
+          <p:cNvSpPr/>
+          <p:nvPr/>
+        </p:nvSpPr>
+        <p:spPr>
+          <a:xfrm>
+            <a:off x="5130526" y="4608070"/>
+            <a:ext cx="517682" cy="476275"/>
+          </a:xfrm>
+          <a:prstGeom prst="rect">
+            <a:avLst/>
+          </a:prstGeom>
+          <a:solidFill>
+            <a:schemeClr val="accent4">
+              <a:lumMod val="20000"/>
+              <a:lumOff val="80000"/>
+            </a:schemeClr>
+          </a:solidFill>
+        </p:spPr>
+        <p:style>
+          <a:lnRef idx="2">
+            <a:schemeClr val="accent1">
+              <a:shade val="50000"/>
+            </a:schemeClr>
+          </a:lnRef>
+          <a:fillRef idx="1">
+            <a:schemeClr val="accent1"/>
+          </a:fillRef>
+          <a:effectRef idx="0">
+            <a:schemeClr val="accent1"/>
+          </a:effectRef>
+          <a:fontRef idx="minor">
+            <a:schemeClr val="lt1"/>
+          </a:fontRef>
+        </p:style>
+        <p:txBody>
+          <a:bodyPr rtlCol="0" anchor="ctr"/>
+          <a:lstStyle/>
+          <a:p>
+            <a:pPr algn="ctr"/>
+            <a:r>
+              <a:rPr lang="en-US" sz="933">
+                <a:solidFill>
+                  <a:schemeClr val="tx1"/>
+                </a:solidFill>
+                <a:latin typeface="Menlo" panose="020B0609030804020204" pitchFamily="49" charset="0"/>
+                <a:ea typeface="Menlo" panose="020B0609030804020204" pitchFamily="49" charset="0"/>
+                <a:cs typeface="Menlo" panose="020B0609030804020204" pitchFamily="49" charset="0"/>
+              </a:rPr>
+              <a:t>File API</a:t>
+            </a:r>
+          </a:p>
+        </p:txBody>
+      </p:sp>
+      <p:sp>
+        <p:nvSpPr>
+          <p:cNvPr id="43" name="Rectangle 42">
+            <a:extLst>
+              <a:ext uri="{FF2B5EF4-FFF2-40B4-BE49-F238E27FC236}">
+                <a16:creationId xmlns:a16="http://schemas.microsoft.com/office/drawing/2014/main" id="{9CF8B830-DC0B-A740-A36B-B958C1A572E0}"/>
+              </a:ext>
+            </a:extLst>
+          </p:cNvPr>
+          <p:cNvSpPr/>
+          <p:nvPr/>
+        </p:nvSpPr>
+        <p:spPr>
+          <a:xfrm>
+            <a:off x="5732214" y="4618664"/>
+            <a:ext cx="566396" cy="476275"/>
+          </a:xfrm>
+          <a:prstGeom prst="rect">
+            <a:avLst/>
+          </a:prstGeom>
+          <a:solidFill>
+            <a:schemeClr val="accent4">
+              <a:lumMod val="20000"/>
+              <a:lumOff val="80000"/>
+            </a:schemeClr>
+          </a:solidFill>
+        </p:spPr>
+        <p:style>
+          <a:lnRef idx="2">
+            <a:schemeClr val="accent1">
+              <a:shade val="50000"/>
+            </a:schemeClr>
+          </a:lnRef>
+          <a:fillRef idx="1">
+            <a:schemeClr val="accent1"/>
+          </a:fillRef>
+          <a:effectRef idx="0">
+            <a:schemeClr val="accent1"/>
+          </a:effectRef>
+          <a:fontRef idx="minor">
+            <a:schemeClr val="lt1"/>
+          </a:fontRef>
+        </p:style>
+        <p:txBody>
+          <a:bodyPr rtlCol="0" anchor="ctr"/>
+          <a:lstStyle/>
+          <a:p>
+            <a:pPr algn="ctr"/>
+            <a:r>
+              <a:rPr lang="en-US" sz="933">
+                <a:solidFill>
+                  <a:schemeClr val="tx1"/>
+                </a:solidFill>
+                <a:latin typeface="Menlo" panose="020B0609030804020204" pitchFamily="49" charset="0"/>
+                <a:ea typeface="Menlo" panose="020B0609030804020204" pitchFamily="49" charset="0"/>
+                <a:cs typeface="Menlo" panose="020B0609030804020204" pitchFamily="49" charset="0"/>
+              </a:rPr>
+              <a:t>JES API</a:t>
+            </a:r>
+          </a:p>
+        </p:txBody>
+      </p:sp>
+      <p:cxnSp>
+        <p:nvCxnSpPr>
+          <p:cNvPr id="45" name="Straight Arrow Connector 44">
+            <a:extLst>
+              <a:ext uri="{FF2B5EF4-FFF2-40B4-BE49-F238E27FC236}">
+                <a16:creationId xmlns:a16="http://schemas.microsoft.com/office/drawing/2014/main" id="{3892E7B8-0947-C447-9E5E-CE36A08691A2}"/>
+              </a:ext>
+            </a:extLst>
+          </p:cNvPr>
+          <p:cNvCxnSpPr>
+            <a:cxnSpLocks/>
+          </p:cNvCxnSpPr>
+          <p:nvPr/>
+        </p:nvCxnSpPr>
+        <p:spPr>
+          <a:xfrm flipH="1">
+            <a:off x="5648208" y="3073681"/>
+            <a:ext cx="7263" cy="1569740"/>
+          </a:xfrm>
+          <a:prstGeom prst="straightConnector1">
+            <a:avLst/>
+          </a:prstGeom>
+          <a:ln>
+            <a:headEnd type="triangle"/>
+            <a:tailEnd type="triangle"/>
+          </a:ln>
+        </p:spPr>
+        <p:style>
+          <a:lnRef idx="1">
+            <a:schemeClr val="accent1"/>
+          </a:lnRef>
+          <a:fillRef idx="0">
+            <a:schemeClr val="accent1"/>
+          </a:fillRef>
+          <a:effectRef idx="0">
+            <a:schemeClr val="accent1"/>
+          </a:effectRef>
+          <a:fontRef idx="minor">
+            <a:schemeClr val="tx1"/>
+          </a:fontRef>
+        </p:style>
+      </p:cxnSp>
+      <p:cxnSp>
+        <p:nvCxnSpPr>
+          <p:cNvPr id="46" name="Straight Arrow Connector 45">
+            <a:extLst>
+              <a:ext uri="{FF2B5EF4-FFF2-40B4-BE49-F238E27FC236}">
+                <a16:creationId xmlns:a16="http://schemas.microsoft.com/office/drawing/2014/main" id="{021AF651-50B6-6746-B692-A167727F149A}"/>
+              </a:ext>
+            </a:extLst>
+          </p:cNvPr>
+          <p:cNvCxnSpPr>
+            <a:cxnSpLocks/>
+          </p:cNvCxnSpPr>
+          <p:nvPr/>
+        </p:nvCxnSpPr>
+        <p:spPr>
+          <a:xfrm>
+            <a:off x="4556191" y="1699591"/>
+            <a:ext cx="0" cy="759483"/>
+          </a:xfrm>
+          <a:prstGeom prst="straightConnector1">
+            <a:avLst/>
+          </a:prstGeom>
+          <a:ln>
+            <a:headEnd type="triangle"/>
+            <a:tailEnd type="triangle"/>
+          </a:ln>
+        </p:spPr>
+        <p:style>
+          <a:lnRef idx="1">
+            <a:schemeClr val="accent1"/>
+          </a:lnRef>
+          <a:fillRef idx="0">
+            <a:schemeClr val="accent1"/>
+          </a:fillRef>
+          <a:effectRef idx="0">
+            <a:schemeClr val="accent1"/>
+          </a:effectRef>
+          <a:fontRef idx="minor">
+            <a:schemeClr val="tx1"/>
+          </a:fontRef>
+        </p:style>
+      </p:cxnSp>
+      <p:sp>
+        <p:nvSpPr>
+          <p:cNvPr id="48" name="TextBox 47">
+            <a:extLst>
+              <a:ext uri="{FF2B5EF4-FFF2-40B4-BE49-F238E27FC236}">
+                <a16:creationId xmlns:a16="http://schemas.microsoft.com/office/drawing/2014/main" id="{41691BFB-2D24-0547-A69D-0918666B0AB3}"/>
+              </a:ext>
+            </a:extLst>
+          </p:cNvPr>
+          <p:cNvSpPr txBox="1"/>
+          <p:nvPr/>
+        </p:nvSpPr>
+        <p:spPr>
+          <a:xfrm>
+            <a:off x="4514973" y="2112860"/>
+            <a:ext cx="524503" cy="261610"/>
+          </a:xfrm>
+          <a:prstGeom prst="rect">
+            <a:avLst/>
+          </a:prstGeom>
+          <a:noFill/>
+        </p:spPr>
+        <p:txBody>
+          <a:bodyPr wrap="none" rtlCol="0">
+            <a:spAutoFit/>
+          </a:bodyPr>
+          <a:lstStyle/>
+          <a:p>
+            <a:r>
+              <a:rPr lang="en-US" sz="1100">
+                <a:latin typeface="Menlo" panose="020B0609030804020204" pitchFamily="49" charset="0"/>
+                <a:ea typeface="Menlo" panose="020B0609030804020204" pitchFamily="49" charset="0"/>
+                <a:cs typeface="Menlo" panose="020B0609030804020204" pitchFamily="49" charset="0"/>
+              </a:rPr>
+              <a:t>7554</a:t>
+            </a:r>
+          </a:p>
+        </p:txBody>
+      </p:sp>
+      <p:sp>
+        <p:nvSpPr>
+          <p:cNvPr id="49" name="TextBox 48">
+            <a:extLst>
+              <a:ext uri="{FF2B5EF4-FFF2-40B4-BE49-F238E27FC236}">
+                <a16:creationId xmlns:a16="http://schemas.microsoft.com/office/drawing/2014/main" id="{7352B5E6-D9E3-3B44-986D-749969DFF4EB}"/>
+              </a:ext>
+            </a:extLst>
+          </p:cNvPr>
+          <p:cNvSpPr txBox="1"/>
+          <p:nvPr/>
+        </p:nvSpPr>
+        <p:spPr>
+          <a:xfrm>
+            <a:off x="1673781" y="3114230"/>
+            <a:ext cx="524503" cy="261610"/>
+          </a:xfrm>
+          <a:prstGeom prst="rect">
+            <a:avLst/>
+          </a:prstGeom>
+          <a:noFill/>
+        </p:spPr>
+        <p:txBody>
+          <a:bodyPr wrap="none" rtlCol="0">
+            <a:spAutoFit/>
+          </a:bodyPr>
+          <a:lstStyle/>
+          <a:p>
+            <a:r>
+              <a:rPr lang="en-US" sz="1100">
+                <a:latin typeface="Menlo" panose="020B0609030804020204" pitchFamily="49" charset="0"/>
+                <a:ea typeface="Menlo" panose="020B0609030804020204" pitchFamily="49" charset="0"/>
+                <a:cs typeface="Menlo" panose="020B0609030804020204" pitchFamily="49" charset="0"/>
+              </a:rPr>
+              <a:t>7552</a:t>
+            </a:r>
+          </a:p>
+        </p:txBody>
+      </p:sp>
+      <p:sp>
+        <p:nvSpPr>
+          <p:cNvPr id="50" name="TextBox 49">
+            <a:extLst>
+              <a:ext uri="{FF2B5EF4-FFF2-40B4-BE49-F238E27FC236}">
+                <a16:creationId xmlns:a16="http://schemas.microsoft.com/office/drawing/2014/main" id="{DCFE695A-EC51-3E41-9C73-F580614481B1}"/>
+              </a:ext>
+            </a:extLst>
+          </p:cNvPr>
+          <p:cNvSpPr txBox="1"/>
+          <p:nvPr/>
+        </p:nvSpPr>
+        <p:spPr>
+          <a:xfrm>
+            <a:off x="2582404" y="3114230"/>
+            <a:ext cx="524503" cy="261610"/>
+          </a:xfrm>
+          <a:prstGeom prst="rect">
+            <a:avLst/>
+          </a:prstGeom>
+          <a:noFill/>
+        </p:spPr>
+        <p:txBody>
+          <a:bodyPr wrap="none" rtlCol="0">
+            <a:spAutoFit/>
+          </a:bodyPr>
+          <a:lstStyle/>
+          <a:p>
+            <a:r>
+              <a:rPr lang="en-US" sz="1100">
+                <a:latin typeface="Menlo" panose="020B0609030804020204" pitchFamily="49" charset="0"/>
+                <a:ea typeface="Menlo" panose="020B0609030804020204" pitchFamily="49" charset="0"/>
+                <a:cs typeface="Menlo" panose="020B0609030804020204" pitchFamily="49" charset="0"/>
+              </a:rPr>
+              <a:t>7553</a:t>
+            </a:r>
+          </a:p>
+        </p:txBody>
+      </p:sp>
+      <p:sp>
+        <p:nvSpPr>
+          <p:cNvPr id="51" name="TextBox 50">
+            <a:extLst>
+              <a:ext uri="{FF2B5EF4-FFF2-40B4-BE49-F238E27FC236}">
+                <a16:creationId xmlns:a16="http://schemas.microsoft.com/office/drawing/2014/main" id="{C24C4305-5BA2-1B43-A80B-DF777ED8E227}"/>
+              </a:ext>
+            </a:extLst>
+          </p:cNvPr>
+          <p:cNvSpPr txBox="1"/>
+          <p:nvPr/>
+        </p:nvSpPr>
+        <p:spPr>
+          <a:xfrm>
+            <a:off x="5171623" y="4386876"/>
+            <a:ext cx="511679" cy="256545"/>
+          </a:xfrm>
+          <a:prstGeom prst="rect">
+            <a:avLst/>
+          </a:prstGeom>
+          <a:noFill/>
+        </p:spPr>
+        <p:txBody>
+          <a:bodyPr wrap="none" rtlCol="0">
+            <a:spAutoFit/>
+          </a:bodyPr>
+          <a:lstStyle/>
+          <a:p>
+            <a:r>
+              <a:rPr lang="en-US" sz="1067" dirty="0">
+                <a:latin typeface="Menlo" panose="020B0609030804020204" pitchFamily="49" charset="0"/>
+                <a:ea typeface="Menlo" panose="020B0609030804020204" pitchFamily="49" charset="0"/>
+                <a:cs typeface="Menlo" panose="020B0609030804020204" pitchFamily="49" charset="0"/>
+              </a:rPr>
+              <a:t>8547</a:t>
+            </a:r>
+          </a:p>
+        </p:txBody>
+      </p:sp>
+      <p:cxnSp>
+        <p:nvCxnSpPr>
+          <p:cNvPr id="52" name="Straight Arrow Connector 51">
+            <a:extLst>
+              <a:ext uri="{FF2B5EF4-FFF2-40B4-BE49-F238E27FC236}">
+                <a16:creationId xmlns:a16="http://schemas.microsoft.com/office/drawing/2014/main" id="{1A8D5EA7-D754-BD43-8ADC-13C0B2EE28C5}"/>
+              </a:ext>
+            </a:extLst>
+          </p:cNvPr>
+          <p:cNvCxnSpPr>
+            <a:cxnSpLocks/>
+          </p:cNvCxnSpPr>
+          <p:nvPr/>
+        </p:nvCxnSpPr>
+        <p:spPr>
+          <a:xfrm>
+            <a:off x="6203883" y="3058920"/>
+            <a:ext cx="0" cy="1549150"/>
+          </a:xfrm>
+          <a:prstGeom prst="straightConnector1">
+            <a:avLst/>
+          </a:prstGeom>
+          <a:ln>
+            <a:headEnd type="triangle"/>
+            <a:tailEnd type="triangle"/>
+          </a:ln>
+        </p:spPr>
+        <p:style>
+          <a:lnRef idx="1">
+            <a:schemeClr val="accent1"/>
+          </a:lnRef>
+          <a:fillRef idx="0">
+            <a:schemeClr val="accent1"/>
+          </a:fillRef>
+          <a:effectRef idx="0">
+            <a:schemeClr val="accent1"/>
+          </a:effectRef>
+          <a:fontRef idx="minor">
+            <a:schemeClr val="tx1"/>
+          </a:fontRef>
+        </p:style>
+      </p:cxnSp>
+      <p:sp>
+        <p:nvSpPr>
+          <p:cNvPr id="54" name="TextBox 53">
+            <a:extLst>
+              <a:ext uri="{FF2B5EF4-FFF2-40B4-BE49-F238E27FC236}">
+                <a16:creationId xmlns:a16="http://schemas.microsoft.com/office/drawing/2014/main" id="{522E71EC-E73F-8045-92CA-2E9B816D4A91}"/>
+              </a:ext>
+            </a:extLst>
+          </p:cNvPr>
+          <p:cNvSpPr txBox="1"/>
+          <p:nvPr/>
+        </p:nvSpPr>
+        <p:spPr>
+          <a:xfrm>
+            <a:off x="5721085" y="4356431"/>
+            <a:ext cx="524503" cy="261610"/>
+          </a:xfrm>
+          <a:prstGeom prst="rect">
+            <a:avLst/>
+          </a:prstGeom>
+          <a:noFill/>
+        </p:spPr>
+        <p:txBody>
+          <a:bodyPr wrap="none" rtlCol="0">
+            <a:spAutoFit/>
+          </a:bodyPr>
+          <a:lstStyle/>
+          <a:p>
+            <a:r>
+              <a:rPr lang="en-US" sz="1100" dirty="0">
+                <a:latin typeface="Menlo" panose="020B0609030804020204" pitchFamily="49" charset="0"/>
+                <a:ea typeface="Menlo" panose="020B0609030804020204" pitchFamily="49" charset="0"/>
+                <a:cs typeface="Menlo" panose="020B0609030804020204" pitchFamily="49" charset="0"/>
+              </a:rPr>
+              <a:t>8545</a:t>
+            </a:r>
+          </a:p>
+        </p:txBody>
+      </p:sp>
+      <p:cxnSp>
+        <p:nvCxnSpPr>
+          <p:cNvPr id="55" name="Straight Arrow Connector 54">
+            <a:extLst>
+              <a:ext uri="{FF2B5EF4-FFF2-40B4-BE49-F238E27FC236}">
+                <a16:creationId xmlns:a16="http://schemas.microsoft.com/office/drawing/2014/main" id="{3DA6970D-339E-0D4A-9DB9-7098BFD59F0F}"/>
+              </a:ext>
+            </a:extLst>
+          </p:cNvPr>
+          <p:cNvCxnSpPr>
+            <a:cxnSpLocks/>
+          </p:cNvCxnSpPr>
+          <p:nvPr/>
+        </p:nvCxnSpPr>
+        <p:spPr>
+          <a:xfrm>
+            <a:off x="4118699" y="3069852"/>
+            <a:ext cx="0" cy="808611"/>
+          </a:xfrm>
+          <a:prstGeom prst="straightConnector1">
+            <a:avLst/>
+          </a:prstGeom>
+          <a:ln>
+            <a:headEnd type="triangle"/>
+            <a:tailEnd type="triangle"/>
+          </a:ln>
+        </p:spPr>
+        <p:style>
+          <a:lnRef idx="1">
+            <a:schemeClr val="accent1"/>
+          </a:lnRef>
+          <a:fillRef idx="0">
+            <a:schemeClr val="accent1"/>
+          </a:fillRef>
+          <a:effectRef idx="0">
+            <a:schemeClr val="accent1"/>
+          </a:effectRef>
+          <a:fontRef idx="minor">
+            <a:schemeClr val="tx1"/>
+          </a:fontRef>
+        </p:style>
+      </p:cxnSp>
+      <p:cxnSp>
+        <p:nvCxnSpPr>
+          <p:cNvPr id="56" name="Straight Arrow Connector 55">
+            <a:extLst>
+              <a:ext uri="{FF2B5EF4-FFF2-40B4-BE49-F238E27FC236}">
+                <a16:creationId xmlns:a16="http://schemas.microsoft.com/office/drawing/2014/main" id="{57AFBBAF-5B9E-4043-B919-74BEA94D894E}"/>
+              </a:ext>
+            </a:extLst>
+          </p:cNvPr>
+          <p:cNvCxnSpPr>
+            <a:cxnSpLocks/>
+          </p:cNvCxnSpPr>
+          <p:nvPr/>
+        </p:nvCxnSpPr>
+        <p:spPr>
+          <a:xfrm flipH="1">
+            <a:off x="4612170" y="3061750"/>
+            <a:ext cx="1075" cy="808009"/>
+          </a:xfrm>
+          <a:prstGeom prst="straightConnector1">
+            <a:avLst/>
+          </a:prstGeom>
+          <a:ln>
+            <a:headEnd type="triangle"/>
+            <a:tailEnd type="triangle"/>
+          </a:ln>
+        </p:spPr>
+        <p:style>
+          <a:lnRef idx="1">
+            <a:schemeClr val="accent1"/>
+          </a:lnRef>
+          <a:fillRef idx="0">
+            <a:schemeClr val="accent1"/>
+          </a:fillRef>
+          <a:effectRef idx="0">
+            <a:schemeClr val="accent1"/>
+          </a:effectRef>
+          <a:fontRef idx="minor">
+            <a:schemeClr val="tx1"/>
+          </a:fontRef>
+        </p:style>
+      </p:cxnSp>
+      <p:cxnSp>
+        <p:nvCxnSpPr>
+          <p:cNvPr id="57" name="Straight Arrow Connector 56">
+            <a:extLst>
+              <a:ext uri="{FF2B5EF4-FFF2-40B4-BE49-F238E27FC236}">
+                <a16:creationId xmlns:a16="http://schemas.microsoft.com/office/drawing/2014/main" id="{79D4C01E-B964-F74B-9D68-801D8A100C91}"/>
+              </a:ext>
+            </a:extLst>
+          </p:cNvPr>
+          <p:cNvCxnSpPr>
+            <a:cxnSpLocks/>
+          </p:cNvCxnSpPr>
+          <p:nvPr/>
+        </p:nvCxnSpPr>
+        <p:spPr>
+          <a:xfrm>
+            <a:off x="5171623" y="3084221"/>
+            <a:ext cx="16212" cy="794242"/>
+          </a:xfrm>
+          <a:prstGeom prst="straightConnector1">
+            <a:avLst/>
+          </a:prstGeom>
+          <a:ln>
+            <a:headEnd type="triangle"/>
+            <a:tailEnd type="triangle"/>
+          </a:ln>
+        </p:spPr>
+        <p:style>
+          <a:lnRef idx="1">
+            <a:schemeClr val="accent1"/>
+          </a:lnRef>
+          <a:fillRef idx="0">
+            <a:schemeClr val="accent1"/>
+          </a:fillRef>
+          <a:effectRef idx="0">
+            <a:schemeClr val="accent1"/>
+          </a:effectRef>
+          <a:fontRef idx="minor">
+            <a:schemeClr val="tx1"/>
+          </a:fontRef>
+        </p:style>
+      </p:cxnSp>
+      <p:sp>
+        <p:nvSpPr>
+          <p:cNvPr id="58" name="TextBox 57">
+            <a:extLst>
+              <a:ext uri="{FF2B5EF4-FFF2-40B4-BE49-F238E27FC236}">
+                <a16:creationId xmlns:a16="http://schemas.microsoft.com/office/drawing/2014/main" id="{D9B2E554-4717-514F-83E2-19343201CDAF}"/>
+              </a:ext>
+            </a:extLst>
+          </p:cNvPr>
+          <p:cNvSpPr txBox="1"/>
+          <p:nvPr/>
+        </p:nvSpPr>
+        <p:spPr>
+          <a:xfrm>
+            <a:off x="3637232" y="3640976"/>
+            <a:ext cx="524503" cy="261610"/>
+          </a:xfrm>
+          <a:prstGeom prst="rect">
+            <a:avLst/>
+          </a:prstGeom>
+          <a:noFill/>
+        </p:spPr>
+        <p:txBody>
+          <a:bodyPr wrap="none" rtlCol="0">
+            <a:spAutoFit/>
+          </a:bodyPr>
+          <a:lstStyle/>
+          <a:p>
+            <a:r>
+              <a:rPr lang="en-US" sz="1100">
+                <a:latin typeface="Menlo" panose="020B0609030804020204" pitchFamily="49" charset="0"/>
+                <a:ea typeface="Menlo" panose="020B0609030804020204" pitchFamily="49" charset="0"/>
+                <a:cs typeface="Menlo" panose="020B0609030804020204" pitchFamily="49" charset="0"/>
+              </a:rPr>
+              <a:t>8548</a:t>
+            </a:r>
+          </a:p>
+        </p:txBody>
+      </p:sp>
+      <p:sp>
+        <p:nvSpPr>
+          <p:cNvPr id="59" name="TextBox 58">
+            <a:extLst>
+              <a:ext uri="{FF2B5EF4-FFF2-40B4-BE49-F238E27FC236}">
+                <a16:creationId xmlns:a16="http://schemas.microsoft.com/office/drawing/2014/main" id="{895230D4-C8AB-5346-8A04-2DC5533FDD62}"/>
+              </a:ext>
+            </a:extLst>
+          </p:cNvPr>
+          <p:cNvSpPr txBox="1"/>
+          <p:nvPr/>
+        </p:nvSpPr>
+        <p:spPr>
+          <a:xfrm>
+            <a:off x="4159885" y="3666500"/>
+            <a:ext cx="524503" cy="261610"/>
+          </a:xfrm>
+          <a:prstGeom prst="rect">
+            <a:avLst/>
+          </a:prstGeom>
+          <a:noFill/>
+        </p:spPr>
+        <p:txBody>
+          <a:bodyPr wrap="none" rtlCol="0">
+            <a:spAutoFit/>
+          </a:bodyPr>
+          <a:lstStyle/>
+          <a:p>
+            <a:r>
+              <a:rPr lang="en-US" sz="1100" dirty="0">
+                <a:latin typeface="Menlo" panose="020B0609030804020204" pitchFamily="49" charset="0"/>
+                <a:ea typeface="Menlo" panose="020B0609030804020204" pitchFamily="49" charset="0"/>
+                <a:cs typeface="Menlo" panose="020B0609030804020204" pitchFamily="49" charset="0"/>
+              </a:rPr>
+              <a:t>8546</a:t>
+            </a:r>
+          </a:p>
+        </p:txBody>
+      </p:sp>
+      <p:sp>
+        <p:nvSpPr>
+          <p:cNvPr id="60" name="TextBox 59">
+            <a:extLst>
+              <a:ext uri="{FF2B5EF4-FFF2-40B4-BE49-F238E27FC236}">
+                <a16:creationId xmlns:a16="http://schemas.microsoft.com/office/drawing/2014/main" id="{6D51231D-A1BD-4944-AC97-EB35344659BC}"/>
+              </a:ext>
+            </a:extLst>
+          </p:cNvPr>
+          <p:cNvSpPr txBox="1"/>
+          <p:nvPr/>
+        </p:nvSpPr>
+        <p:spPr>
+          <a:xfrm>
+            <a:off x="4724165" y="3659390"/>
+            <a:ext cx="524503" cy="430887"/>
+          </a:xfrm>
+          <a:prstGeom prst="rect">
+            <a:avLst/>
+          </a:prstGeom>
+          <a:noFill/>
+        </p:spPr>
+        <p:txBody>
+          <a:bodyPr wrap="none" rtlCol="0">
+            <a:spAutoFit/>
+          </a:bodyPr>
+          <a:lstStyle/>
+          <a:p>
+            <a:r>
+              <a:rPr lang="en-US" sz="1100" dirty="0">
+                <a:latin typeface="Menlo" panose="020B0609030804020204" pitchFamily="49" charset="0"/>
+                <a:ea typeface="Menlo" panose="020B0609030804020204" pitchFamily="49" charset="0"/>
+                <a:cs typeface="Menlo" panose="020B0609030804020204" pitchFamily="49" charset="0"/>
+              </a:rPr>
+              <a:t>8550</a:t>
+            </a:r>
+          </a:p>
+          <a:p>
+            <a:endParaRPr lang="en-US" sz="1100" dirty="0">
+              <a:latin typeface="Menlo" panose="020B0609030804020204" pitchFamily="49" charset="0"/>
+              <a:ea typeface="Menlo" panose="020B0609030804020204" pitchFamily="49" charset="0"/>
+              <a:cs typeface="Menlo" panose="020B0609030804020204" pitchFamily="49" charset="0"/>
+            </a:endParaRPr>
+          </a:p>
+        </p:txBody>
+      </p:sp>
+      <p:sp>
+        <p:nvSpPr>
+          <p:cNvPr id="61" name="Rectangle 60">
+            <a:extLst>
+              <a:ext uri="{FF2B5EF4-FFF2-40B4-BE49-F238E27FC236}">
+                <a16:creationId xmlns:a16="http://schemas.microsoft.com/office/drawing/2014/main" id="{E9DE1BCE-1CFC-1441-96B8-215353ACF262}"/>
+              </a:ext>
+            </a:extLst>
+          </p:cNvPr>
+          <p:cNvSpPr/>
+          <p:nvPr/>
+        </p:nvSpPr>
+        <p:spPr>
+          <a:xfrm>
+            <a:off x="372364" y="3559213"/>
+            <a:ext cx="1128765" cy="701020"/>
+          </a:xfrm>
+          <a:prstGeom prst="rect">
+            <a:avLst/>
+          </a:prstGeom>
+          <a:solidFill>
+            <a:schemeClr val="accent6">
+              <a:lumMod val="60000"/>
+              <a:lumOff val="40000"/>
+            </a:schemeClr>
+          </a:solidFill>
+          <a:ln>
+            <a:solidFill>
+              <a:schemeClr val="accent6">
+                <a:lumMod val="75000"/>
+              </a:schemeClr>
+            </a:solidFill>
+          </a:ln>
+        </p:spPr>
+        <p:style>
+          <a:lnRef idx="2">
+            <a:schemeClr val="accent1">
+              <a:shade val="50000"/>
+            </a:schemeClr>
+          </a:lnRef>
+          <a:fillRef idx="1">
+            <a:schemeClr val="accent1"/>
+          </a:fillRef>
+          <a:effectRef idx="0">
+            <a:schemeClr val="accent1"/>
+          </a:effectRef>
+          <a:fontRef idx="minor">
+            <a:schemeClr val="lt1"/>
+          </a:fontRef>
+        </p:style>
+        <p:txBody>
+          <a:bodyPr rtlCol="0" anchor="ctr"/>
+          <a:lstStyle/>
+          <a:p>
+            <a:pPr algn="ctr"/>
+            <a:endParaRPr lang="en-US" sz="1000">
+              <a:solidFill>
+                <a:schemeClr val="tx1"/>
+              </a:solidFill>
+              <a:latin typeface="Menlo" panose="020B0609030804020204" pitchFamily="49" charset="0"/>
+              <a:ea typeface="Menlo" panose="020B0609030804020204" pitchFamily="49" charset="0"/>
+              <a:cs typeface="Menlo" panose="020B0609030804020204" pitchFamily="49" charset="0"/>
+            </a:endParaRPr>
+          </a:p>
+        </p:txBody>
+      </p:sp>
+      <p:sp>
+        <p:nvSpPr>
+          <p:cNvPr id="62" name="Rectangle 61">
+            <a:extLst>
+              <a:ext uri="{FF2B5EF4-FFF2-40B4-BE49-F238E27FC236}">
+                <a16:creationId xmlns:a16="http://schemas.microsoft.com/office/drawing/2014/main" id="{6B2BC080-CDFD-1C40-9018-2717D47E1571}"/>
+              </a:ext>
+            </a:extLst>
+          </p:cNvPr>
+          <p:cNvSpPr/>
+          <p:nvPr/>
+        </p:nvSpPr>
+        <p:spPr>
+          <a:xfrm>
+            <a:off x="1039394" y="3910468"/>
+            <a:ext cx="465770" cy="329105"/>
+          </a:xfrm>
+          <a:prstGeom prst="rect">
+            <a:avLst/>
+          </a:prstGeom>
+          <a:noFill/>
+        </p:spPr>
+        <p:style>
+          <a:lnRef idx="2">
+            <a:schemeClr val="accent1">
+              <a:shade val="50000"/>
+            </a:schemeClr>
+          </a:lnRef>
+          <a:fillRef idx="1">
+            <a:schemeClr val="accent1"/>
+          </a:fillRef>
+          <a:effectRef idx="0">
+            <a:schemeClr val="accent1"/>
+          </a:effectRef>
+          <a:fontRef idx="minor">
+            <a:schemeClr val="lt1"/>
+          </a:fontRef>
+        </p:style>
+        <p:txBody>
+          <a:bodyPr rtlCol="0" anchor="ctr"/>
+          <a:lstStyle/>
+          <a:p>
+            <a:pPr algn="ctr"/>
+            <a:r>
+              <a:rPr lang="en-US" sz="900" dirty="0">
+                <a:solidFill>
+                  <a:schemeClr val="tx1"/>
+                </a:solidFill>
+                <a:latin typeface="Menlo" panose="020B0609030804020204" pitchFamily="49" charset="0"/>
+                <a:ea typeface="Menlo" panose="020B0609030804020204" pitchFamily="49" charset="0"/>
+                <a:cs typeface="Menlo" panose="020B0609030804020204" pitchFamily="49" charset="0"/>
+              </a:rPr>
+              <a:t>3270</a:t>
+            </a:r>
+          </a:p>
+        </p:txBody>
+      </p:sp>
+      <p:sp>
+        <p:nvSpPr>
+          <p:cNvPr id="63" name="Rectangle 62">
+            <a:extLst>
+              <a:ext uri="{FF2B5EF4-FFF2-40B4-BE49-F238E27FC236}">
+                <a16:creationId xmlns:a16="http://schemas.microsoft.com/office/drawing/2014/main" id="{656EF613-5B84-354E-925D-A378D66F1CF1}"/>
+              </a:ext>
+            </a:extLst>
+          </p:cNvPr>
+          <p:cNvSpPr/>
+          <p:nvPr/>
+        </p:nvSpPr>
+        <p:spPr>
+          <a:xfrm>
+            <a:off x="365160" y="3917098"/>
+            <a:ext cx="675894" cy="329105"/>
+          </a:xfrm>
+          <a:prstGeom prst="rect">
+            <a:avLst/>
+          </a:prstGeom>
+          <a:noFill/>
+        </p:spPr>
+        <p:style>
+          <a:lnRef idx="2">
+            <a:schemeClr val="accent1">
+              <a:shade val="50000"/>
+            </a:schemeClr>
+          </a:lnRef>
+          <a:fillRef idx="1">
+            <a:schemeClr val="accent1"/>
+          </a:fillRef>
+          <a:effectRef idx="0">
+            <a:schemeClr val="accent1"/>
+          </a:effectRef>
+          <a:fontRef idx="minor">
+            <a:schemeClr val="lt1"/>
+          </a:fontRef>
+        </p:style>
+        <p:txBody>
+          <a:bodyPr rtlCol="0" anchor="ctr"/>
+          <a:lstStyle/>
+          <a:p>
+            <a:pPr algn="ctr"/>
+            <a:r>
+              <a:rPr lang="en-US" sz="1000" dirty="0">
+                <a:solidFill>
+                  <a:schemeClr val="tx1"/>
+                </a:solidFill>
+                <a:latin typeface="Menlo" panose="020B0609030804020204" pitchFamily="49" charset="0"/>
+                <a:ea typeface="Menlo" panose="020B0609030804020204" pitchFamily="49" charset="0"/>
+                <a:cs typeface="Menlo" panose="020B0609030804020204" pitchFamily="49" charset="0"/>
+              </a:rPr>
+              <a:t>File Editor</a:t>
+            </a:r>
+          </a:p>
+        </p:txBody>
+      </p:sp>
+      <p:sp>
+        <p:nvSpPr>
+          <p:cNvPr id="64" name="Rectangle 63">
+            <a:extLst>
+              <a:ext uri="{FF2B5EF4-FFF2-40B4-BE49-F238E27FC236}">
+                <a16:creationId xmlns:a16="http://schemas.microsoft.com/office/drawing/2014/main" id="{B7ADD677-D2DA-7F4A-AC17-74AA3E9225A1}"/>
+              </a:ext>
+            </a:extLst>
+          </p:cNvPr>
+          <p:cNvSpPr/>
+          <p:nvPr/>
+        </p:nvSpPr>
+        <p:spPr>
+          <a:xfrm>
+            <a:off x="372365" y="3559214"/>
+            <a:ext cx="1128765" cy="350531"/>
+          </a:xfrm>
+          <a:prstGeom prst="rect">
+            <a:avLst/>
+          </a:prstGeom>
+          <a:noFill/>
+        </p:spPr>
+        <p:style>
+          <a:lnRef idx="2">
+            <a:schemeClr val="accent1">
+              <a:shade val="50000"/>
+            </a:schemeClr>
+          </a:lnRef>
+          <a:fillRef idx="1">
+            <a:schemeClr val="accent1"/>
+          </a:fillRef>
+          <a:effectRef idx="0">
+            <a:schemeClr val="accent1"/>
+          </a:effectRef>
+          <a:fontRef idx="minor">
+            <a:schemeClr val="lt1"/>
+          </a:fontRef>
+        </p:style>
+        <p:txBody>
+          <a:bodyPr rtlCol="0" anchor="ctr"/>
+          <a:lstStyle/>
+          <a:p>
+            <a:pPr algn="ctr"/>
+            <a:r>
+              <a:rPr lang="en-US" sz="1000">
+                <a:solidFill>
+                  <a:schemeClr val="tx1"/>
+                </a:solidFill>
+                <a:latin typeface="Menlo" panose="020B0609030804020204" pitchFamily="49" charset="0"/>
+                <a:ea typeface="Menlo" panose="020B0609030804020204" pitchFamily="49" charset="0"/>
+                <a:cs typeface="Menlo" panose="020B0609030804020204" pitchFamily="49" charset="0"/>
+              </a:rPr>
+              <a:t>ZLUX</a:t>
+            </a:r>
+          </a:p>
+        </p:txBody>
+      </p:sp>
+      <p:sp>
+        <p:nvSpPr>
+          <p:cNvPr id="65" name="TextBox 64">
+            <a:extLst>
+              <a:ext uri="{FF2B5EF4-FFF2-40B4-BE49-F238E27FC236}">
+                <a16:creationId xmlns:a16="http://schemas.microsoft.com/office/drawing/2014/main" id="{5812FD3A-B0DF-7746-BD53-0047BF61959E}"/>
+              </a:ext>
+            </a:extLst>
+          </p:cNvPr>
+          <p:cNvSpPr txBox="1"/>
+          <p:nvPr/>
+        </p:nvSpPr>
+        <p:spPr>
+          <a:xfrm>
+            <a:off x="450694" y="3297602"/>
+            <a:ext cx="524503" cy="261610"/>
+          </a:xfrm>
+          <a:prstGeom prst="rect">
+            <a:avLst/>
+          </a:prstGeom>
+          <a:noFill/>
+        </p:spPr>
+        <p:txBody>
+          <a:bodyPr wrap="none" rtlCol="0">
+            <a:spAutoFit/>
+          </a:bodyPr>
+          <a:lstStyle/>
+          <a:p>
+            <a:r>
+              <a:rPr lang="en-US" sz="1100">
+                <a:latin typeface="Menlo" panose="020B0609030804020204" pitchFamily="49" charset="0"/>
+                <a:ea typeface="Menlo" panose="020B0609030804020204" pitchFamily="49" charset="0"/>
+                <a:cs typeface="Menlo" panose="020B0609030804020204" pitchFamily="49" charset="0"/>
+              </a:rPr>
+              <a:t>8544</a:t>
+            </a:r>
+          </a:p>
+        </p:txBody>
+      </p:sp>
+      <p:sp>
+        <p:nvSpPr>
+          <p:cNvPr id="66" name="Rectangle 65">
+            <a:extLst>
+              <a:ext uri="{FF2B5EF4-FFF2-40B4-BE49-F238E27FC236}">
+                <a16:creationId xmlns:a16="http://schemas.microsoft.com/office/drawing/2014/main" id="{E70C2438-F7B1-AA4F-85F2-E8948FBA6F32}"/>
+              </a:ext>
+            </a:extLst>
+          </p:cNvPr>
+          <p:cNvSpPr/>
+          <p:nvPr/>
+        </p:nvSpPr>
+        <p:spPr>
+          <a:xfrm>
+            <a:off x="340538" y="4625944"/>
+            <a:ext cx="1128765" cy="276391"/>
+          </a:xfrm>
+          <a:prstGeom prst="rect">
+            <a:avLst/>
+          </a:prstGeom>
+          <a:solidFill>
+            <a:srgbClr val="F3A4FF"/>
+          </a:solidFill>
+        </p:spPr>
+        <p:style>
+          <a:lnRef idx="2">
+            <a:schemeClr val="accent1">
+              <a:shade val="50000"/>
+            </a:schemeClr>
+          </a:lnRef>
+          <a:fillRef idx="1">
+            <a:schemeClr val="accent1"/>
+          </a:fillRef>
+          <a:effectRef idx="0">
+            <a:schemeClr val="accent1"/>
+          </a:effectRef>
+          <a:fontRef idx="minor">
+            <a:schemeClr val="lt1"/>
+          </a:fontRef>
+        </p:style>
+        <p:txBody>
+          <a:bodyPr rtlCol="0" anchor="ctr"/>
+          <a:lstStyle/>
+          <a:p>
+            <a:pPr algn="ctr"/>
+            <a:r>
+              <a:rPr lang="en-US" sz="1000" dirty="0">
+                <a:solidFill>
+                  <a:schemeClr val="tx1"/>
+                </a:solidFill>
+                <a:latin typeface="Menlo" panose="020B0609030804020204" pitchFamily="49" charset="0"/>
+                <a:ea typeface="Menlo" panose="020B0609030804020204" pitchFamily="49" charset="0"/>
+                <a:cs typeface="Menlo" panose="020B0609030804020204" pitchFamily="49" charset="0"/>
+              </a:rPr>
+              <a:t>zssServer</a:t>
+            </a:r>
+          </a:p>
+        </p:txBody>
+      </p:sp>
+      <p:sp>
+        <p:nvSpPr>
+          <p:cNvPr id="68" name="TextBox 67">
+            <a:extLst>
+              <a:ext uri="{FF2B5EF4-FFF2-40B4-BE49-F238E27FC236}">
+                <a16:creationId xmlns:a16="http://schemas.microsoft.com/office/drawing/2014/main" id="{AB4D9C28-D784-F04E-A506-95C735B37F48}"/>
+              </a:ext>
+            </a:extLst>
+          </p:cNvPr>
+          <p:cNvSpPr txBox="1"/>
+          <p:nvPr/>
+        </p:nvSpPr>
+        <p:spPr>
+          <a:xfrm>
+            <a:off x="386025" y="4386285"/>
+            <a:ext cx="524503" cy="261610"/>
+          </a:xfrm>
+          <a:prstGeom prst="rect">
+            <a:avLst/>
+          </a:prstGeom>
+          <a:noFill/>
+        </p:spPr>
+        <p:txBody>
+          <a:bodyPr wrap="none" rtlCol="0">
+            <a:spAutoFit/>
+          </a:bodyPr>
+          <a:lstStyle/>
+          <a:p>
+            <a:r>
+              <a:rPr lang="en-US" sz="1100" dirty="0">
+                <a:latin typeface="Menlo" panose="020B0609030804020204" pitchFamily="49" charset="0"/>
+                <a:ea typeface="Menlo" panose="020B0609030804020204" pitchFamily="49" charset="0"/>
+                <a:cs typeface="Menlo" panose="020B0609030804020204" pitchFamily="49" charset="0"/>
+              </a:rPr>
+              <a:t>8542</a:t>
+            </a:r>
+          </a:p>
+        </p:txBody>
+      </p:sp>
+      <p:sp>
+        <p:nvSpPr>
+          <p:cNvPr id="69" name="Rectangle 68">
+            <a:extLst>
+              <a:ext uri="{FF2B5EF4-FFF2-40B4-BE49-F238E27FC236}">
+                <a16:creationId xmlns:a16="http://schemas.microsoft.com/office/drawing/2014/main" id="{F31D35DC-3E8F-BA43-878A-435AAA2C67B2}"/>
+              </a:ext>
+            </a:extLst>
+          </p:cNvPr>
+          <p:cNvSpPr/>
+          <p:nvPr/>
+        </p:nvSpPr>
+        <p:spPr>
+          <a:xfrm>
+            <a:off x="376504" y="6483230"/>
+            <a:ext cx="1128765" cy="276391"/>
+          </a:xfrm>
+          <a:prstGeom prst="rect">
+            <a:avLst/>
+          </a:prstGeom>
+          <a:solidFill>
+            <a:srgbClr val="F3A4FF"/>
+          </a:solidFill>
+        </p:spPr>
+        <p:style>
+          <a:lnRef idx="2">
+            <a:schemeClr val="accent1">
+              <a:shade val="50000"/>
+            </a:schemeClr>
+          </a:lnRef>
+          <a:fillRef idx="1">
+            <a:schemeClr val="accent1"/>
+          </a:fillRef>
+          <a:effectRef idx="0">
+            <a:schemeClr val="accent1"/>
+          </a:effectRef>
+          <a:fontRef idx="minor">
+            <a:schemeClr val="lt1"/>
+          </a:fontRef>
+        </p:style>
+        <p:txBody>
+          <a:bodyPr rtlCol="0" anchor="ctr"/>
+          <a:lstStyle/>
+          <a:p>
+            <a:pPr algn="ctr"/>
+            <a:r>
+              <a:rPr lang="en-US" sz="1000">
+                <a:solidFill>
+                  <a:schemeClr val="tx1"/>
+                </a:solidFill>
+                <a:latin typeface="Menlo" panose="020B0609030804020204" pitchFamily="49" charset="0"/>
+                <a:ea typeface="Menlo" panose="020B0609030804020204" pitchFamily="49" charset="0"/>
+                <a:cs typeface="Menlo" panose="020B0609030804020204" pitchFamily="49" charset="0"/>
+              </a:rPr>
+              <a:t>ZWESIS01</a:t>
+            </a:r>
+          </a:p>
+        </p:txBody>
+      </p:sp>
+      <p:cxnSp>
+        <p:nvCxnSpPr>
+          <p:cNvPr id="71" name="Straight Arrow Connector 70">
+            <a:extLst>
+              <a:ext uri="{FF2B5EF4-FFF2-40B4-BE49-F238E27FC236}">
+                <a16:creationId xmlns:a16="http://schemas.microsoft.com/office/drawing/2014/main" id="{A620CABF-D612-FA4C-92C8-04171C514818}"/>
+              </a:ext>
+            </a:extLst>
+          </p:cNvPr>
+          <p:cNvCxnSpPr>
+            <a:cxnSpLocks/>
+          </p:cNvCxnSpPr>
+          <p:nvPr/>
+        </p:nvCxnSpPr>
+        <p:spPr>
+          <a:xfrm>
+            <a:off x="940887" y="4902335"/>
+            <a:ext cx="0" cy="1580894"/>
+          </a:xfrm>
+          <a:prstGeom prst="straightConnector1">
+            <a:avLst/>
+          </a:prstGeom>
+          <a:ln>
+            <a:prstDash val="solid"/>
+            <a:headEnd type="triangle"/>
+            <a:tailEnd type="triangle"/>
+          </a:ln>
+        </p:spPr>
+        <p:style>
+          <a:lnRef idx="1">
+            <a:schemeClr val="accent1"/>
+          </a:lnRef>
+          <a:fillRef idx="0">
+            <a:schemeClr val="accent1"/>
+          </a:fillRef>
+          <a:effectRef idx="0">
+            <a:schemeClr val="accent1"/>
+          </a:effectRef>
+          <a:fontRef idx="minor">
+            <a:schemeClr val="tx1"/>
+          </a:fontRef>
+        </p:style>
+      </p:cxnSp>
+      <p:sp>
+        <p:nvSpPr>
+          <p:cNvPr id="73" name="TextBox 72">
+            <a:extLst>
+              <a:ext uri="{FF2B5EF4-FFF2-40B4-BE49-F238E27FC236}">
+                <a16:creationId xmlns:a16="http://schemas.microsoft.com/office/drawing/2014/main" id="{30F200DC-F6DD-1040-B383-4FD5972148F5}"/>
+              </a:ext>
+            </a:extLst>
+          </p:cNvPr>
+          <p:cNvSpPr txBox="1"/>
+          <p:nvPr/>
+        </p:nvSpPr>
+        <p:spPr>
+          <a:xfrm>
+            <a:off x="369877" y="6181234"/>
+            <a:ext cx="609462" cy="261610"/>
+          </a:xfrm>
+          <a:prstGeom prst="rect">
+            <a:avLst/>
+          </a:prstGeom>
+          <a:noFill/>
+        </p:spPr>
+        <p:txBody>
+          <a:bodyPr wrap="none" rtlCol="0">
+            <a:spAutoFit/>
+          </a:bodyPr>
+          <a:lstStyle/>
+          <a:p>
+            <a:r>
+              <a:rPr lang="en-US" sz="1100">
+                <a:latin typeface="Menlo" panose="020B0609030804020204" pitchFamily="49" charset="0"/>
+                <a:ea typeface="Menlo" panose="020B0609030804020204" pitchFamily="49" charset="0"/>
+                <a:cs typeface="Menlo" panose="020B0609030804020204" pitchFamily="49" charset="0"/>
+              </a:rPr>
+              <a:t>X-MEM</a:t>
+            </a:r>
+          </a:p>
+        </p:txBody>
+      </p:sp>
+      <p:sp>
+        <p:nvSpPr>
+          <p:cNvPr id="74" name="Rectangle 73">
+            <a:extLst>
+              <a:ext uri="{FF2B5EF4-FFF2-40B4-BE49-F238E27FC236}">
+                <a16:creationId xmlns:a16="http://schemas.microsoft.com/office/drawing/2014/main" id="{E407C455-D8CE-5944-91A4-CE85F241ACE2}"/>
+              </a:ext>
+            </a:extLst>
+          </p:cNvPr>
+          <p:cNvSpPr/>
+          <p:nvPr/>
+        </p:nvSpPr>
+        <p:spPr>
+          <a:xfrm>
+            <a:off x="7040043" y="5432992"/>
+            <a:ext cx="1852506" cy="261610"/>
+          </a:xfrm>
+          <a:prstGeom prst="rect">
+            <a:avLst/>
+          </a:prstGeom>
+          <a:noFill/>
+        </p:spPr>
+        <p:style>
+          <a:lnRef idx="2">
+            <a:schemeClr val="accent1">
+              <a:shade val="50000"/>
+            </a:schemeClr>
+          </a:lnRef>
+          <a:fillRef idx="1">
+            <a:schemeClr val="accent1"/>
+          </a:fillRef>
+          <a:effectRef idx="0">
+            <a:schemeClr val="accent1"/>
+          </a:effectRef>
+          <a:fontRef idx="minor">
+            <a:schemeClr val="lt1"/>
+          </a:fontRef>
+        </p:style>
+        <p:txBody>
+          <a:bodyPr rtlCol="0" anchor="ctr"/>
+          <a:lstStyle/>
+          <a:p>
+            <a:pPr algn="ctr"/>
+            <a:r>
+              <a:rPr lang="en-US" sz="1000">
+                <a:solidFill>
+                  <a:schemeClr val="tx1"/>
+                </a:solidFill>
+                <a:latin typeface="Menlo" panose="020B0609030804020204" pitchFamily="49" charset="0"/>
+                <a:ea typeface="Menlo" panose="020B0609030804020204" pitchFamily="49" charset="0"/>
+                <a:cs typeface="Menlo" panose="020B0609030804020204" pitchFamily="49" charset="0"/>
+              </a:rPr>
+              <a:t>z/OSMF</a:t>
+            </a:r>
+          </a:p>
+        </p:txBody>
+      </p:sp>
+      <p:cxnSp>
+        <p:nvCxnSpPr>
+          <p:cNvPr id="47" name="Straight Arrow Connector 46">
+            <a:extLst>
+              <a:ext uri="{FF2B5EF4-FFF2-40B4-BE49-F238E27FC236}">
+                <a16:creationId xmlns:a16="http://schemas.microsoft.com/office/drawing/2014/main" id="{C21C7C1C-2A6C-8E40-8948-599036CFC2D3}"/>
+              </a:ext>
+            </a:extLst>
+          </p:cNvPr>
+          <p:cNvCxnSpPr>
+            <a:cxnSpLocks/>
+          </p:cNvCxnSpPr>
+          <p:nvPr/>
+        </p:nvCxnSpPr>
+        <p:spPr>
+          <a:xfrm>
+            <a:off x="6505907" y="3058920"/>
+            <a:ext cx="24820" cy="2162251"/>
+          </a:xfrm>
+          <a:prstGeom prst="straightConnector1">
+            <a:avLst/>
+          </a:prstGeom>
+          <a:ln>
+            <a:headEnd type="triangle"/>
+            <a:tailEnd type="triangle"/>
+          </a:ln>
+        </p:spPr>
+        <p:style>
+          <a:lnRef idx="1">
+            <a:schemeClr val="accent1"/>
+          </a:lnRef>
+          <a:fillRef idx="0">
+            <a:schemeClr val="accent1"/>
+          </a:fillRef>
+          <a:effectRef idx="0">
+            <a:schemeClr val="accent1"/>
+          </a:effectRef>
+          <a:fontRef idx="minor">
+            <a:schemeClr val="tx1"/>
+          </a:fontRef>
+        </p:style>
+      </p:cxnSp>
+      <p:sp>
+        <p:nvSpPr>
+          <p:cNvPr id="75" name="Rectangle 74">
+            <a:extLst>
+              <a:ext uri="{FF2B5EF4-FFF2-40B4-BE49-F238E27FC236}">
+                <a16:creationId xmlns:a16="http://schemas.microsoft.com/office/drawing/2014/main" id="{0888EDE4-E73F-5C40-9A6E-643A985DA5FA}"/>
+              </a:ext>
+            </a:extLst>
+          </p:cNvPr>
+          <p:cNvSpPr/>
+          <p:nvPr/>
+        </p:nvSpPr>
+        <p:spPr>
+          <a:xfrm>
+            <a:off x="7039981" y="5694602"/>
+            <a:ext cx="1851190" cy="983005"/>
+          </a:xfrm>
+          <a:prstGeom prst="rect">
+            <a:avLst/>
+          </a:prstGeom>
+          <a:noFill/>
+        </p:spPr>
+        <p:style>
+          <a:lnRef idx="2">
+            <a:schemeClr val="accent1">
+              <a:shade val="50000"/>
+            </a:schemeClr>
+          </a:lnRef>
+          <a:fillRef idx="1">
+            <a:schemeClr val="accent1"/>
+          </a:fillRef>
+          <a:effectRef idx="0">
+            <a:schemeClr val="accent1"/>
+          </a:effectRef>
+          <a:fontRef idx="minor">
+            <a:schemeClr val="lt1"/>
+          </a:fontRef>
+        </p:style>
+        <p:txBody>
+          <a:bodyPr rtlCol="0" anchor="ctr"/>
+          <a:lstStyle/>
+          <a:p>
+            <a:pPr algn="ctr"/>
+            <a:r>
+              <a:rPr lang="en-US" sz="1000" b="1" dirty="0">
+                <a:solidFill>
+                  <a:schemeClr val="tx1"/>
+                </a:solidFill>
+                <a:latin typeface="Menlo" panose="020B0609030804020204" pitchFamily="49" charset="0"/>
+                <a:ea typeface="Menlo" panose="020B0609030804020204" pitchFamily="49" charset="0"/>
+                <a:cs typeface="Menlo" panose="020B0609030804020204" pitchFamily="49" charset="0"/>
+              </a:rPr>
+              <a:t>REST APIs</a:t>
+            </a:r>
+          </a:p>
+          <a:p>
+            <a:r>
+              <a:rPr lang="en-US" sz="1067" dirty="0">
+                <a:solidFill>
+                  <a:schemeClr val="tx1"/>
+                </a:solidFill>
+                <a:latin typeface="Menlo" panose="020B0609030804020204" pitchFamily="49" charset="0"/>
+                <a:ea typeface="Menlo" panose="020B0609030804020204" pitchFamily="49" charset="0"/>
+                <a:cs typeface="Menlo" panose="020B0609030804020204" pitchFamily="49" charset="0"/>
+              </a:rPr>
+              <a:t>Workflows</a:t>
+            </a:r>
+          </a:p>
+          <a:p>
+            <a:r>
+              <a:rPr lang="en-US" sz="1067" dirty="0">
+                <a:solidFill>
+                  <a:schemeClr val="tx1"/>
+                </a:solidFill>
+                <a:latin typeface="Menlo" panose="020B0609030804020204" pitchFamily="49" charset="0"/>
+                <a:ea typeface="Menlo" panose="020B0609030804020204" pitchFamily="49" charset="0"/>
+                <a:cs typeface="Menlo" panose="020B0609030804020204" pitchFamily="49" charset="0"/>
+              </a:rPr>
+              <a:t>TSO + MVS Commands</a:t>
+            </a:r>
+          </a:p>
+          <a:p>
+            <a:r>
+              <a:rPr lang="en-US" sz="1067" dirty="0">
+                <a:solidFill>
+                  <a:schemeClr val="tx1"/>
+                </a:solidFill>
+                <a:latin typeface="Menlo" panose="020B0609030804020204" pitchFamily="49" charset="0"/>
+                <a:ea typeface="Menlo" panose="020B0609030804020204" pitchFamily="49" charset="0"/>
+                <a:cs typeface="Menlo" panose="020B0609030804020204" pitchFamily="49" charset="0"/>
+              </a:rPr>
+              <a:t>Files, USS, JES</a:t>
+            </a:r>
+          </a:p>
+          <a:p>
+            <a:r>
+              <a:rPr lang="en-US" sz="1067" b="1" dirty="0">
+                <a:solidFill>
+                  <a:schemeClr val="tx1"/>
+                </a:solidFill>
+                <a:latin typeface="Menlo" panose="020B0609030804020204" pitchFamily="49" charset="0"/>
+                <a:ea typeface="Menlo" panose="020B0609030804020204" pitchFamily="49" charset="0"/>
+                <a:cs typeface="Menlo" panose="020B0609030804020204" pitchFamily="49" charset="0"/>
+              </a:rPr>
+              <a:t>SSO token generation</a:t>
+            </a:r>
+          </a:p>
+        </p:txBody>
+      </p:sp>
+      <p:sp>
+        <p:nvSpPr>
+          <p:cNvPr id="76" name="TextBox 75">
+            <a:extLst>
+              <a:ext uri="{FF2B5EF4-FFF2-40B4-BE49-F238E27FC236}">
+                <a16:creationId xmlns:a16="http://schemas.microsoft.com/office/drawing/2014/main" id="{9AFB5CBE-D9AB-1D46-89B6-FD697A720E44}"/>
+              </a:ext>
+            </a:extLst>
+          </p:cNvPr>
+          <p:cNvSpPr txBox="1"/>
+          <p:nvPr/>
+        </p:nvSpPr>
+        <p:spPr>
+          <a:xfrm>
+            <a:off x="7238489" y="5161944"/>
+            <a:ext cx="524503" cy="261610"/>
+          </a:xfrm>
+          <a:prstGeom prst="rect">
+            <a:avLst/>
+          </a:prstGeom>
+          <a:noFill/>
+        </p:spPr>
+        <p:txBody>
+          <a:bodyPr wrap="none" rtlCol="0">
+            <a:spAutoFit/>
+          </a:bodyPr>
+          <a:lstStyle/>
+          <a:p>
+            <a:r>
+              <a:rPr lang="en-US" sz="1100">
+                <a:latin typeface="Menlo" panose="020B0609030804020204" pitchFamily="49" charset="0"/>
+                <a:ea typeface="Menlo" panose="020B0609030804020204" pitchFamily="49" charset="0"/>
+                <a:cs typeface="Menlo" panose="020B0609030804020204" pitchFamily="49" charset="0"/>
+              </a:rPr>
+              <a:t>7443</a:t>
+            </a:r>
+          </a:p>
+        </p:txBody>
+      </p:sp>
+      <p:sp>
+        <p:nvSpPr>
+          <p:cNvPr id="77" name="Rectangle 76">
+            <a:extLst>
+              <a:ext uri="{FF2B5EF4-FFF2-40B4-BE49-F238E27FC236}">
+                <a16:creationId xmlns:a16="http://schemas.microsoft.com/office/drawing/2014/main" id="{FA73CD6B-CAA9-1349-802C-B5EC05495080}"/>
+              </a:ext>
+            </a:extLst>
+          </p:cNvPr>
+          <p:cNvSpPr/>
+          <p:nvPr/>
+        </p:nvSpPr>
+        <p:spPr>
+          <a:xfrm>
+            <a:off x="134714" y="1443112"/>
+            <a:ext cx="5925885" cy="215620"/>
+          </a:xfrm>
+          <a:prstGeom prst="rect">
+            <a:avLst/>
+          </a:prstGeom>
+          <a:solidFill>
+            <a:schemeClr val="accent1">
+              <a:lumMod val="20000"/>
+              <a:lumOff val="80000"/>
+            </a:schemeClr>
+          </a:solidFill>
+        </p:spPr>
+        <p:style>
+          <a:lnRef idx="1">
+            <a:schemeClr val="accent1"/>
+          </a:lnRef>
+          <a:fillRef idx="3">
+            <a:schemeClr val="accent1"/>
+          </a:fillRef>
+          <a:effectRef idx="2">
+            <a:schemeClr val="accent1"/>
+          </a:effectRef>
+          <a:fontRef idx="minor">
+            <a:schemeClr val="lt1"/>
+          </a:fontRef>
+        </p:style>
+        <p:txBody>
+          <a:bodyPr rtlCol="0" anchor="ctr"/>
+          <a:lstStyle/>
+          <a:p>
+            <a:pPr algn="ctr"/>
+            <a:r>
+              <a:rPr lang="en-US" sz="800" dirty="0">
+                <a:solidFill>
+                  <a:schemeClr val="tx1"/>
+                </a:solidFill>
+                <a:latin typeface="Menlo" charset="0"/>
+                <a:ea typeface="Menlo" charset="0"/>
+                <a:cs typeface="Menlo" charset="0"/>
+              </a:rPr>
+              <a:t>Zowe Desktop running in web browser</a:t>
+            </a:r>
+          </a:p>
+        </p:txBody>
+      </p:sp>
+      <p:sp>
+        <p:nvSpPr>
+          <p:cNvPr id="9" name="Rectangle 8">
+            <a:extLst>
+              <a:ext uri="{FF2B5EF4-FFF2-40B4-BE49-F238E27FC236}">
+                <a16:creationId xmlns:a16="http://schemas.microsoft.com/office/drawing/2014/main" id="{2220A9C8-5545-034F-9052-581D243973EB}"/>
+              </a:ext>
+            </a:extLst>
+          </p:cNvPr>
+          <p:cNvSpPr/>
+          <p:nvPr/>
+        </p:nvSpPr>
+        <p:spPr>
+          <a:xfrm>
+            <a:off x="2130947" y="715501"/>
+            <a:ext cx="830876" cy="584635"/>
+          </a:xfrm>
+          <a:prstGeom prst="rect">
+            <a:avLst/>
+          </a:prstGeom>
+          <a:solidFill>
+            <a:schemeClr val="tx2">
+              <a:lumMod val="20000"/>
+              <a:lumOff val="80000"/>
+            </a:schemeClr>
+          </a:solidFill>
+          <a:ln>
+            <a:solidFill>
+              <a:schemeClr val="tx1"/>
+            </a:solidFill>
+          </a:ln>
+        </p:spPr>
+        <p:style>
+          <a:lnRef idx="1">
+            <a:schemeClr val="accent1"/>
+          </a:lnRef>
+          <a:fillRef idx="3">
+            <a:schemeClr val="accent1"/>
+          </a:fillRef>
+          <a:effectRef idx="2">
+            <a:schemeClr val="accent1"/>
+          </a:effectRef>
+          <a:fontRef idx="minor">
+            <a:schemeClr val="lt1"/>
+          </a:fontRef>
+        </p:style>
+        <p:txBody>
+          <a:bodyPr rtlCol="0" anchor="ctr"/>
+          <a:lstStyle/>
+          <a:p>
+            <a:pPr algn="ctr"/>
+            <a:endParaRPr lang="en-US" sz="533" b="1" dirty="0">
+              <a:solidFill>
+                <a:schemeClr val="tx1"/>
+              </a:solidFill>
+              <a:latin typeface="Menlo" panose="020B0609030804020204" pitchFamily="49" charset="0"/>
+              <a:ea typeface="Menlo" panose="020B0609030804020204" pitchFamily="49" charset="0"/>
+              <a:cs typeface="Menlo" panose="020B0609030804020204" pitchFamily="49" charset="0"/>
+            </a:endParaRPr>
+          </a:p>
+          <a:p>
+            <a:pPr algn="ctr"/>
+            <a:endParaRPr lang="en-US" sz="533" b="1" dirty="0">
+              <a:solidFill>
+                <a:schemeClr val="tx1"/>
+              </a:solidFill>
+              <a:latin typeface="Menlo" panose="020B0609030804020204" pitchFamily="49" charset="0"/>
+              <a:ea typeface="Menlo" panose="020B0609030804020204" pitchFamily="49" charset="0"/>
+              <a:cs typeface="Menlo" panose="020B0609030804020204" pitchFamily="49" charset="0"/>
+            </a:endParaRPr>
+          </a:p>
+          <a:p>
+            <a:pPr algn="ctr"/>
+            <a:endParaRPr lang="en-US" sz="533" b="1" dirty="0">
+              <a:solidFill>
+                <a:schemeClr val="tx1"/>
+              </a:solidFill>
+              <a:latin typeface="Menlo" panose="020B0609030804020204" pitchFamily="49" charset="0"/>
+              <a:ea typeface="Menlo" panose="020B0609030804020204" pitchFamily="49" charset="0"/>
+              <a:cs typeface="Menlo" panose="020B0609030804020204" pitchFamily="49" charset="0"/>
+            </a:endParaRPr>
+          </a:p>
+          <a:p>
+            <a:pPr algn="ctr"/>
+            <a:endParaRPr lang="en-US" sz="533" b="1" dirty="0">
+              <a:solidFill>
+                <a:schemeClr val="tx1"/>
+              </a:solidFill>
+              <a:latin typeface="Menlo" panose="020B0609030804020204" pitchFamily="49" charset="0"/>
+              <a:ea typeface="Menlo" panose="020B0609030804020204" pitchFamily="49" charset="0"/>
+              <a:cs typeface="Menlo" panose="020B0609030804020204" pitchFamily="49" charset="0"/>
+            </a:endParaRPr>
+          </a:p>
+          <a:p>
+            <a:pPr algn="ctr"/>
+            <a:endParaRPr lang="en-US" sz="533" b="1" dirty="0">
+              <a:solidFill>
+                <a:schemeClr val="tx1"/>
+              </a:solidFill>
+              <a:latin typeface="Menlo" panose="020B0609030804020204" pitchFamily="49" charset="0"/>
+              <a:ea typeface="Menlo" panose="020B0609030804020204" pitchFamily="49" charset="0"/>
+              <a:cs typeface="Menlo" panose="020B0609030804020204" pitchFamily="49" charset="0"/>
+            </a:endParaRPr>
+          </a:p>
+          <a:p>
+            <a:pPr algn="ctr"/>
+            <a:r>
+              <a:rPr lang="en-US" sz="533" b="1" dirty="0">
+                <a:solidFill>
+                  <a:schemeClr val="tx1"/>
+                </a:solidFill>
+                <a:latin typeface="Menlo" panose="020B0609030804020204" pitchFamily="49" charset="0"/>
+                <a:ea typeface="Menlo" panose="020B0609030804020204" pitchFamily="49" charset="0"/>
+                <a:cs typeface="Menlo" panose="020B0609030804020204" pitchFamily="49" charset="0"/>
+              </a:rPr>
+              <a:t>MVS Explorer</a:t>
+            </a:r>
+          </a:p>
+        </p:txBody>
+      </p:sp>
+      <p:pic>
+        <p:nvPicPr>
+          <p:cNvPr id="7" name="Picture 6">
+            <a:extLst>
+              <a:ext uri="{FF2B5EF4-FFF2-40B4-BE49-F238E27FC236}">
+                <a16:creationId xmlns:a16="http://schemas.microsoft.com/office/drawing/2014/main" id="{ECDB2FB1-7D11-D242-8A90-3D7D5F81098F}"/>
+              </a:ext>
+            </a:extLst>
+          </p:cNvPr>
+          <p:cNvPicPr>
+            <a:picLocks noChangeAspect="1"/>
+          </p:cNvPicPr>
+          <p:nvPr/>
+        </p:nvPicPr>
+        <p:blipFill>
+          <a:blip r:embed="rId2"/>
+          <a:stretch>
+            <a:fillRect/>
+          </a:stretch>
+        </p:blipFill>
+        <p:spPr>
+          <a:xfrm>
+            <a:off x="2231268" y="751616"/>
+            <a:ext cx="594960" cy="335992"/>
+          </a:xfrm>
+          <a:prstGeom prst="rect">
+            <a:avLst/>
+          </a:prstGeom>
+        </p:spPr>
+      </p:pic>
+      <p:sp>
+        <p:nvSpPr>
+          <p:cNvPr id="79" name="Rectangle 78">
+            <a:extLst>
+              <a:ext uri="{FF2B5EF4-FFF2-40B4-BE49-F238E27FC236}">
+                <a16:creationId xmlns:a16="http://schemas.microsoft.com/office/drawing/2014/main" id="{FDCFCB80-CB2D-354F-9948-646AA711CD40}"/>
+              </a:ext>
+            </a:extLst>
+          </p:cNvPr>
+          <p:cNvSpPr/>
+          <p:nvPr/>
+        </p:nvSpPr>
+        <p:spPr>
+          <a:xfrm>
+            <a:off x="3042994" y="712836"/>
+            <a:ext cx="830876" cy="584635"/>
+          </a:xfrm>
+          <a:prstGeom prst="rect">
+            <a:avLst/>
+          </a:prstGeom>
+          <a:solidFill>
+            <a:schemeClr val="tx2">
+              <a:lumMod val="20000"/>
+              <a:lumOff val="80000"/>
+            </a:schemeClr>
+          </a:solidFill>
+          <a:ln>
+            <a:solidFill>
+              <a:schemeClr val="tx1"/>
+            </a:solidFill>
+          </a:ln>
+        </p:spPr>
+        <p:style>
+          <a:lnRef idx="1">
+            <a:schemeClr val="accent1"/>
+          </a:lnRef>
+          <a:fillRef idx="3">
+            <a:schemeClr val="accent1"/>
+          </a:fillRef>
+          <a:effectRef idx="2">
+            <a:schemeClr val="accent1"/>
+          </a:effectRef>
+          <a:fontRef idx="minor">
+            <a:schemeClr val="lt1"/>
+          </a:fontRef>
+        </p:style>
+        <p:txBody>
+          <a:bodyPr rtlCol="0" anchor="ctr"/>
+          <a:lstStyle/>
+          <a:p>
+            <a:pPr algn="ctr"/>
+            <a:endParaRPr lang="en-US" sz="533" b="1" dirty="0">
+              <a:solidFill>
+                <a:schemeClr val="tx1"/>
+              </a:solidFill>
+              <a:latin typeface="Menlo" panose="020B0609030804020204" pitchFamily="49" charset="0"/>
+              <a:ea typeface="Menlo" panose="020B0609030804020204" pitchFamily="49" charset="0"/>
+              <a:cs typeface="Menlo" panose="020B0609030804020204" pitchFamily="49" charset="0"/>
+            </a:endParaRPr>
+          </a:p>
+          <a:p>
+            <a:pPr algn="ctr"/>
+            <a:endParaRPr lang="en-US" sz="533" b="1" dirty="0">
+              <a:solidFill>
+                <a:schemeClr val="tx1"/>
+              </a:solidFill>
+              <a:latin typeface="Menlo" panose="020B0609030804020204" pitchFamily="49" charset="0"/>
+              <a:ea typeface="Menlo" panose="020B0609030804020204" pitchFamily="49" charset="0"/>
+              <a:cs typeface="Menlo" panose="020B0609030804020204" pitchFamily="49" charset="0"/>
+            </a:endParaRPr>
+          </a:p>
+          <a:p>
+            <a:pPr algn="ctr"/>
+            <a:endParaRPr lang="en-US" sz="533" b="1" dirty="0">
+              <a:solidFill>
+                <a:schemeClr val="tx1"/>
+              </a:solidFill>
+              <a:latin typeface="Menlo" panose="020B0609030804020204" pitchFamily="49" charset="0"/>
+              <a:ea typeface="Menlo" panose="020B0609030804020204" pitchFamily="49" charset="0"/>
+              <a:cs typeface="Menlo" panose="020B0609030804020204" pitchFamily="49" charset="0"/>
+            </a:endParaRPr>
+          </a:p>
+          <a:p>
+            <a:pPr algn="ctr"/>
+            <a:endParaRPr lang="en-US" sz="533" b="1" dirty="0">
+              <a:solidFill>
+                <a:schemeClr val="tx1"/>
+              </a:solidFill>
+              <a:latin typeface="Menlo" panose="020B0609030804020204" pitchFamily="49" charset="0"/>
+              <a:ea typeface="Menlo" panose="020B0609030804020204" pitchFamily="49" charset="0"/>
+              <a:cs typeface="Menlo" panose="020B0609030804020204" pitchFamily="49" charset="0"/>
+            </a:endParaRPr>
+          </a:p>
+          <a:p>
+            <a:pPr algn="ctr"/>
+            <a:endParaRPr lang="en-US" sz="533" b="1" dirty="0">
+              <a:solidFill>
+                <a:schemeClr val="tx1"/>
+              </a:solidFill>
+              <a:latin typeface="Menlo" panose="020B0609030804020204" pitchFamily="49" charset="0"/>
+              <a:ea typeface="Menlo" panose="020B0609030804020204" pitchFamily="49" charset="0"/>
+              <a:cs typeface="Menlo" panose="020B0609030804020204" pitchFamily="49" charset="0"/>
+            </a:endParaRPr>
+          </a:p>
+          <a:p>
+            <a:pPr algn="ctr"/>
+            <a:r>
+              <a:rPr lang="en-US" sz="533" b="1" dirty="0">
+                <a:solidFill>
+                  <a:schemeClr val="tx1"/>
+                </a:solidFill>
+                <a:latin typeface="Menlo" panose="020B0609030804020204" pitchFamily="49" charset="0"/>
+                <a:ea typeface="Menlo" panose="020B0609030804020204" pitchFamily="49" charset="0"/>
+                <a:cs typeface="Menlo" panose="020B0609030804020204" pitchFamily="49" charset="0"/>
+              </a:rPr>
+              <a:t>JES Explorer</a:t>
+            </a:r>
+          </a:p>
+        </p:txBody>
+      </p:sp>
+      <p:pic>
+        <p:nvPicPr>
+          <p:cNvPr id="8" name="Picture 7">
+            <a:extLst>
+              <a:ext uri="{FF2B5EF4-FFF2-40B4-BE49-F238E27FC236}">
+                <a16:creationId xmlns:a16="http://schemas.microsoft.com/office/drawing/2014/main" id="{5E182968-48C7-A04A-B576-7DE13E28DF18}"/>
+              </a:ext>
+            </a:extLst>
+          </p:cNvPr>
+          <p:cNvPicPr>
+            <a:picLocks noChangeAspect="1"/>
+          </p:cNvPicPr>
+          <p:nvPr/>
+        </p:nvPicPr>
+        <p:blipFill>
+          <a:blip r:embed="rId3"/>
+          <a:stretch>
+            <a:fillRect/>
+          </a:stretch>
+        </p:blipFill>
+        <p:spPr>
+          <a:xfrm>
+            <a:off x="3180168" y="772119"/>
+            <a:ext cx="542319" cy="336716"/>
+          </a:xfrm>
+          <a:prstGeom prst="rect">
+            <a:avLst/>
+          </a:prstGeom>
+        </p:spPr>
+      </p:pic>
+      <p:sp>
+        <p:nvSpPr>
+          <p:cNvPr id="80" name="Rectangle 79">
+            <a:extLst>
+              <a:ext uri="{FF2B5EF4-FFF2-40B4-BE49-F238E27FC236}">
+                <a16:creationId xmlns:a16="http://schemas.microsoft.com/office/drawing/2014/main" id="{91600B3F-5883-A745-B9E9-287709B4FA06}"/>
+              </a:ext>
+            </a:extLst>
+          </p:cNvPr>
+          <p:cNvSpPr/>
+          <p:nvPr/>
+        </p:nvSpPr>
+        <p:spPr>
+          <a:xfrm>
+            <a:off x="3959995" y="705538"/>
+            <a:ext cx="830876" cy="584635"/>
+          </a:xfrm>
+          <a:prstGeom prst="rect">
+            <a:avLst/>
+          </a:prstGeom>
+          <a:solidFill>
+            <a:schemeClr val="tx2">
+              <a:lumMod val="20000"/>
+              <a:lumOff val="80000"/>
+            </a:schemeClr>
+          </a:solidFill>
+          <a:ln>
+            <a:solidFill>
+              <a:schemeClr val="tx1"/>
+            </a:solidFill>
+          </a:ln>
+        </p:spPr>
+        <p:style>
+          <a:lnRef idx="1">
+            <a:schemeClr val="accent1"/>
+          </a:lnRef>
+          <a:fillRef idx="3">
+            <a:schemeClr val="accent1"/>
+          </a:fillRef>
+          <a:effectRef idx="2">
+            <a:schemeClr val="accent1"/>
+          </a:effectRef>
+          <a:fontRef idx="minor">
+            <a:schemeClr val="lt1"/>
+          </a:fontRef>
+        </p:style>
+        <p:txBody>
+          <a:bodyPr rtlCol="0" anchor="ctr"/>
+          <a:lstStyle/>
+          <a:p>
+            <a:pPr algn="ctr"/>
+            <a:endParaRPr lang="en-US" sz="533" b="1" dirty="0">
+              <a:solidFill>
+                <a:schemeClr val="tx1"/>
+              </a:solidFill>
+              <a:latin typeface="Menlo" panose="020B0609030804020204" pitchFamily="49" charset="0"/>
+              <a:ea typeface="Menlo" panose="020B0609030804020204" pitchFamily="49" charset="0"/>
+              <a:cs typeface="Menlo" panose="020B0609030804020204" pitchFamily="49" charset="0"/>
+            </a:endParaRPr>
+          </a:p>
+          <a:p>
+            <a:pPr algn="ctr"/>
+            <a:endParaRPr lang="en-US" sz="533" b="1" dirty="0">
+              <a:solidFill>
+                <a:schemeClr val="tx1"/>
+              </a:solidFill>
+              <a:latin typeface="Menlo" panose="020B0609030804020204" pitchFamily="49" charset="0"/>
+              <a:ea typeface="Menlo" panose="020B0609030804020204" pitchFamily="49" charset="0"/>
+              <a:cs typeface="Menlo" panose="020B0609030804020204" pitchFamily="49" charset="0"/>
+            </a:endParaRPr>
+          </a:p>
+          <a:p>
+            <a:pPr algn="ctr"/>
+            <a:endParaRPr lang="en-US" sz="533" b="1" dirty="0">
+              <a:solidFill>
+                <a:schemeClr val="tx1"/>
+              </a:solidFill>
+              <a:latin typeface="Menlo" panose="020B0609030804020204" pitchFamily="49" charset="0"/>
+              <a:ea typeface="Menlo" panose="020B0609030804020204" pitchFamily="49" charset="0"/>
+              <a:cs typeface="Menlo" panose="020B0609030804020204" pitchFamily="49" charset="0"/>
+            </a:endParaRPr>
+          </a:p>
+          <a:p>
+            <a:pPr algn="ctr"/>
+            <a:endParaRPr lang="en-US" sz="533" b="1" dirty="0">
+              <a:solidFill>
+                <a:schemeClr val="tx1"/>
+              </a:solidFill>
+              <a:latin typeface="Menlo" panose="020B0609030804020204" pitchFamily="49" charset="0"/>
+              <a:ea typeface="Menlo" panose="020B0609030804020204" pitchFamily="49" charset="0"/>
+              <a:cs typeface="Menlo" panose="020B0609030804020204" pitchFamily="49" charset="0"/>
+            </a:endParaRPr>
+          </a:p>
+          <a:p>
+            <a:pPr algn="ctr"/>
+            <a:endParaRPr lang="en-US" sz="533" b="1" dirty="0">
+              <a:solidFill>
+                <a:schemeClr val="tx1"/>
+              </a:solidFill>
+              <a:latin typeface="Menlo" panose="020B0609030804020204" pitchFamily="49" charset="0"/>
+              <a:ea typeface="Menlo" panose="020B0609030804020204" pitchFamily="49" charset="0"/>
+              <a:cs typeface="Menlo" panose="020B0609030804020204" pitchFamily="49" charset="0"/>
+            </a:endParaRPr>
+          </a:p>
+          <a:p>
+            <a:pPr algn="ctr"/>
+            <a:r>
+              <a:rPr lang="en-US" sz="533" b="1" dirty="0">
+                <a:solidFill>
+                  <a:schemeClr val="tx1"/>
+                </a:solidFill>
+                <a:latin typeface="Menlo" panose="020B0609030804020204" pitchFamily="49" charset="0"/>
+                <a:ea typeface="Menlo" panose="020B0609030804020204" pitchFamily="49" charset="0"/>
+                <a:cs typeface="Menlo" panose="020B0609030804020204" pitchFamily="49" charset="0"/>
+              </a:rPr>
+              <a:t>USS Explorer</a:t>
+            </a:r>
+          </a:p>
+        </p:txBody>
+      </p:sp>
+      <p:pic>
+        <p:nvPicPr>
+          <p:cNvPr id="10" name="Picture 9">
+            <a:extLst>
+              <a:ext uri="{FF2B5EF4-FFF2-40B4-BE49-F238E27FC236}">
+                <a16:creationId xmlns:a16="http://schemas.microsoft.com/office/drawing/2014/main" id="{69422BFB-BF0E-E84E-AF4C-A30A2439E5F0}"/>
+              </a:ext>
+            </a:extLst>
+          </p:cNvPr>
+          <p:cNvPicPr>
+            <a:picLocks noChangeAspect="1"/>
+          </p:cNvPicPr>
+          <p:nvPr/>
+        </p:nvPicPr>
+        <p:blipFill>
+          <a:blip r:embed="rId4"/>
+          <a:stretch>
+            <a:fillRect/>
+          </a:stretch>
+        </p:blipFill>
+        <p:spPr>
+          <a:xfrm>
+            <a:off x="4138773" y="765713"/>
+            <a:ext cx="492671" cy="325693"/>
+          </a:xfrm>
+          <a:prstGeom prst="rect">
+            <a:avLst/>
+          </a:prstGeom>
+        </p:spPr>
+      </p:pic>
+      <p:sp>
+        <p:nvSpPr>
+          <p:cNvPr id="82" name="Rectangle 81">
+            <a:extLst>
+              <a:ext uri="{FF2B5EF4-FFF2-40B4-BE49-F238E27FC236}">
+                <a16:creationId xmlns:a16="http://schemas.microsoft.com/office/drawing/2014/main" id="{F8E8A60B-1AFE-9A49-AE07-175E906C67AA}"/>
+              </a:ext>
+            </a:extLst>
+          </p:cNvPr>
+          <p:cNvSpPr/>
+          <p:nvPr/>
+        </p:nvSpPr>
+        <p:spPr>
+          <a:xfrm>
+            <a:off x="1198317" y="723469"/>
+            <a:ext cx="830876" cy="584635"/>
+          </a:xfrm>
+          <a:prstGeom prst="rect">
+            <a:avLst/>
+          </a:prstGeom>
+          <a:solidFill>
+            <a:schemeClr val="tx2">
+              <a:lumMod val="20000"/>
+              <a:lumOff val="80000"/>
+            </a:schemeClr>
+          </a:solidFill>
+          <a:ln>
+            <a:solidFill>
+              <a:schemeClr val="tx1"/>
+            </a:solidFill>
+          </a:ln>
+        </p:spPr>
+        <p:style>
+          <a:lnRef idx="1">
+            <a:schemeClr val="accent1"/>
+          </a:lnRef>
+          <a:fillRef idx="3">
+            <a:schemeClr val="accent1"/>
+          </a:fillRef>
+          <a:effectRef idx="2">
+            <a:schemeClr val="accent1"/>
+          </a:effectRef>
+          <a:fontRef idx="minor">
+            <a:schemeClr val="lt1"/>
+          </a:fontRef>
+        </p:style>
+        <p:txBody>
+          <a:bodyPr rtlCol="0" anchor="ctr"/>
+          <a:lstStyle/>
+          <a:p>
+            <a:pPr algn="ctr"/>
+            <a:endParaRPr lang="en-US" sz="533" b="1" dirty="0">
+              <a:solidFill>
+                <a:schemeClr val="tx1"/>
+              </a:solidFill>
+              <a:latin typeface="Menlo" panose="020B0609030804020204" pitchFamily="49" charset="0"/>
+              <a:ea typeface="Menlo" panose="020B0609030804020204" pitchFamily="49" charset="0"/>
+              <a:cs typeface="Menlo" panose="020B0609030804020204" pitchFamily="49" charset="0"/>
+            </a:endParaRPr>
+          </a:p>
+          <a:p>
+            <a:pPr algn="ctr"/>
+            <a:endParaRPr lang="en-US" sz="533" b="1" dirty="0">
+              <a:solidFill>
+                <a:schemeClr val="tx1"/>
+              </a:solidFill>
+              <a:latin typeface="Menlo" panose="020B0609030804020204" pitchFamily="49" charset="0"/>
+              <a:ea typeface="Menlo" panose="020B0609030804020204" pitchFamily="49" charset="0"/>
+              <a:cs typeface="Menlo" panose="020B0609030804020204" pitchFamily="49" charset="0"/>
+            </a:endParaRPr>
+          </a:p>
+          <a:p>
+            <a:pPr algn="ctr"/>
+            <a:endParaRPr lang="en-US" sz="533" b="1" dirty="0">
+              <a:solidFill>
+                <a:schemeClr val="tx1"/>
+              </a:solidFill>
+              <a:latin typeface="Menlo" panose="020B0609030804020204" pitchFamily="49" charset="0"/>
+              <a:ea typeface="Menlo" panose="020B0609030804020204" pitchFamily="49" charset="0"/>
+              <a:cs typeface="Menlo" panose="020B0609030804020204" pitchFamily="49" charset="0"/>
+            </a:endParaRPr>
+          </a:p>
+          <a:p>
+            <a:pPr algn="ctr"/>
+            <a:endParaRPr lang="en-US" sz="533" b="1" dirty="0">
+              <a:solidFill>
+                <a:schemeClr val="tx1"/>
+              </a:solidFill>
+              <a:latin typeface="Menlo" panose="020B0609030804020204" pitchFamily="49" charset="0"/>
+              <a:ea typeface="Menlo" panose="020B0609030804020204" pitchFamily="49" charset="0"/>
+              <a:cs typeface="Menlo" panose="020B0609030804020204" pitchFamily="49" charset="0"/>
+            </a:endParaRPr>
+          </a:p>
+          <a:p>
+            <a:pPr algn="ctr"/>
+            <a:endParaRPr lang="en-US" sz="533" b="1" dirty="0">
+              <a:solidFill>
+                <a:schemeClr val="tx1"/>
+              </a:solidFill>
+              <a:latin typeface="Menlo" panose="020B0609030804020204" pitchFamily="49" charset="0"/>
+              <a:ea typeface="Menlo" panose="020B0609030804020204" pitchFamily="49" charset="0"/>
+              <a:cs typeface="Menlo" panose="020B0609030804020204" pitchFamily="49" charset="0"/>
+            </a:endParaRPr>
+          </a:p>
+          <a:p>
+            <a:pPr algn="ctr"/>
+            <a:r>
+              <a:rPr lang="en-US" sz="533" b="1" dirty="0">
+                <a:solidFill>
+                  <a:schemeClr val="tx1"/>
+                </a:solidFill>
+                <a:latin typeface="Menlo" panose="020B0609030804020204" pitchFamily="49" charset="0"/>
+                <a:ea typeface="Menlo" panose="020B0609030804020204" pitchFamily="49" charset="0"/>
+                <a:cs typeface="Menlo" panose="020B0609030804020204" pitchFamily="49" charset="0"/>
+              </a:rPr>
+              <a:t>TN 2170</a:t>
+            </a:r>
+          </a:p>
+        </p:txBody>
+      </p:sp>
+      <p:pic>
+        <p:nvPicPr>
+          <p:cNvPr id="11" name="Picture 10">
+            <a:extLst>
+              <a:ext uri="{FF2B5EF4-FFF2-40B4-BE49-F238E27FC236}">
+                <a16:creationId xmlns:a16="http://schemas.microsoft.com/office/drawing/2014/main" id="{B465B054-0C62-9E41-B891-1D24A71FAFFE}"/>
+              </a:ext>
+            </a:extLst>
+          </p:cNvPr>
+          <p:cNvPicPr>
+            <a:picLocks noChangeAspect="1"/>
+          </p:cNvPicPr>
+          <p:nvPr/>
+        </p:nvPicPr>
+        <p:blipFill>
+          <a:blip r:embed="rId5"/>
+          <a:stretch>
+            <a:fillRect/>
+          </a:stretch>
+        </p:blipFill>
+        <p:spPr>
+          <a:xfrm>
+            <a:off x="1407541" y="768907"/>
+            <a:ext cx="439324" cy="354399"/>
+          </a:xfrm>
+          <a:prstGeom prst="rect">
+            <a:avLst/>
+          </a:prstGeom>
+        </p:spPr>
+      </p:pic>
+      <p:sp>
+        <p:nvSpPr>
+          <p:cNvPr id="83" name="Rectangle 82">
+            <a:extLst>
+              <a:ext uri="{FF2B5EF4-FFF2-40B4-BE49-F238E27FC236}">
+                <a16:creationId xmlns:a16="http://schemas.microsoft.com/office/drawing/2014/main" id="{3F6404EA-A5F6-5344-9F02-1F63A7ED71F5}"/>
+              </a:ext>
+            </a:extLst>
+          </p:cNvPr>
+          <p:cNvSpPr/>
+          <p:nvPr/>
+        </p:nvSpPr>
+        <p:spPr>
+          <a:xfrm>
+            <a:off x="280810" y="736832"/>
+            <a:ext cx="830876" cy="584635"/>
+          </a:xfrm>
+          <a:prstGeom prst="rect">
+            <a:avLst/>
+          </a:prstGeom>
+          <a:solidFill>
+            <a:schemeClr val="tx2">
+              <a:lumMod val="20000"/>
+              <a:lumOff val="80000"/>
+            </a:schemeClr>
+          </a:solidFill>
+          <a:ln>
+            <a:solidFill>
+              <a:schemeClr val="tx1"/>
+            </a:solidFill>
+          </a:ln>
+        </p:spPr>
+        <p:style>
+          <a:lnRef idx="1">
+            <a:schemeClr val="accent1"/>
+          </a:lnRef>
+          <a:fillRef idx="3">
+            <a:schemeClr val="accent1"/>
+          </a:fillRef>
+          <a:effectRef idx="2">
+            <a:schemeClr val="accent1"/>
+          </a:effectRef>
+          <a:fontRef idx="minor">
+            <a:schemeClr val="lt1"/>
+          </a:fontRef>
+        </p:style>
+        <p:txBody>
+          <a:bodyPr rtlCol="0" anchor="ctr"/>
+          <a:lstStyle/>
+          <a:p>
+            <a:pPr algn="ctr"/>
+            <a:endParaRPr lang="en-US" sz="533" b="1" dirty="0">
+              <a:solidFill>
+                <a:schemeClr val="tx1"/>
+              </a:solidFill>
+              <a:latin typeface="Menlo" panose="020B0609030804020204" pitchFamily="49" charset="0"/>
+              <a:ea typeface="Menlo" panose="020B0609030804020204" pitchFamily="49" charset="0"/>
+              <a:cs typeface="Menlo" panose="020B0609030804020204" pitchFamily="49" charset="0"/>
+            </a:endParaRPr>
+          </a:p>
+          <a:p>
+            <a:pPr algn="ctr"/>
+            <a:endParaRPr lang="en-US" sz="533" b="1" dirty="0">
+              <a:solidFill>
+                <a:schemeClr val="tx1"/>
+              </a:solidFill>
+              <a:latin typeface="Menlo" panose="020B0609030804020204" pitchFamily="49" charset="0"/>
+              <a:ea typeface="Menlo" panose="020B0609030804020204" pitchFamily="49" charset="0"/>
+              <a:cs typeface="Menlo" panose="020B0609030804020204" pitchFamily="49" charset="0"/>
+            </a:endParaRPr>
+          </a:p>
+          <a:p>
+            <a:pPr algn="ctr"/>
+            <a:endParaRPr lang="en-US" sz="533" b="1" dirty="0">
+              <a:solidFill>
+                <a:schemeClr val="tx1"/>
+              </a:solidFill>
+              <a:latin typeface="Menlo" panose="020B0609030804020204" pitchFamily="49" charset="0"/>
+              <a:ea typeface="Menlo" panose="020B0609030804020204" pitchFamily="49" charset="0"/>
+              <a:cs typeface="Menlo" panose="020B0609030804020204" pitchFamily="49" charset="0"/>
+            </a:endParaRPr>
+          </a:p>
+          <a:p>
+            <a:pPr algn="ctr"/>
+            <a:endParaRPr lang="en-US" sz="533" b="1" dirty="0">
+              <a:solidFill>
+                <a:schemeClr val="tx1"/>
+              </a:solidFill>
+              <a:latin typeface="Menlo" panose="020B0609030804020204" pitchFamily="49" charset="0"/>
+              <a:ea typeface="Menlo" panose="020B0609030804020204" pitchFamily="49" charset="0"/>
+              <a:cs typeface="Menlo" panose="020B0609030804020204" pitchFamily="49" charset="0"/>
+            </a:endParaRPr>
+          </a:p>
+          <a:p>
+            <a:pPr algn="ctr"/>
+            <a:endParaRPr lang="en-US" sz="533" b="1" dirty="0">
+              <a:solidFill>
+                <a:schemeClr val="tx1"/>
+              </a:solidFill>
+              <a:latin typeface="Menlo" panose="020B0609030804020204" pitchFamily="49" charset="0"/>
+              <a:ea typeface="Menlo" panose="020B0609030804020204" pitchFamily="49" charset="0"/>
+              <a:cs typeface="Menlo" panose="020B0609030804020204" pitchFamily="49" charset="0"/>
+            </a:endParaRPr>
+          </a:p>
+          <a:p>
+            <a:pPr algn="ctr"/>
+            <a:r>
+              <a:rPr lang="en-US" sz="533" b="1" dirty="0">
+                <a:solidFill>
+                  <a:schemeClr val="tx1"/>
+                </a:solidFill>
+                <a:latin typeface="Menlo" panose="020B0609030804020204" pitchFamily="49" charset="0"/>
+                <a:ea typeface="Menlo" panose="020B0609030804020204" pitchFamily="49" charset="0"/>
+                <a:cs typeface="Menlo" panose="020B0609030804020204" pitchFamily="49" charset="0"/>
+              </a:rPr>
+              <a:t>File Editor</a:t>
+            </a:r>
+          </a:p>
+        </p:txBody>
+      </p:sp>
+      <p:sp>
+        <p:nvSpPr>
+          <p:cNvPr id="85" name="Rectangle 84">
+            <a:extLst>
+              <a:ext uri="{FF2B5EF4-FFF2-40B4-BE49-F238E27FC236}">
+                <a16:creationId xmlns:a16="http://schemas.microsoft.com/office/drawing/2014/main" id="{BCCCA178-3BD1-974E-A649-9F0821B4E8DB}"/>
+              </a:ext>
+            </a:extLst>
+          </p:cNvPr>
+          <p:cNvSpPr/>
+          <p:nvPr/>
+        </p:nvSpPr>
+        <p:spPr>
+          <a:xfrm>
+            <a:off x="7682823" y="788346"/>
+            <a:ext cx="1162998" cy="493953"/>
+          </a:xfrm>
+          <a:prstGeom prst="rect">
+            <a:avLst/>
+          </a:prstGeom>
+          <a:solidFill>
+            <a:schemeClr val="accent1">
+              <a:lumMod val="20000"/>
+              <a:lumOff val="80000"/>
+            </a:schemeClr>
+          </a:solidFill>
+        </p:spPr>
+        <p:style>
+          <a:lnRef idx="1">
+            <a:schemeClr val="accent1"/>
+          </a:lnRef>
+          <a:fillRef idx="3">
+            <a:schemeClr val="accent1"/>
+          </a:fillRef>
+          <a:effectRef idx="2">
+            <a:schemeClr val="accent1"/>
+          </a:effectRef>
+          <a:fontRef idx="minor">
+            <a:schemeClr val="lt1"/>
+          </a:fontRef>
+        </p:style>
+        <p:txBody>
+          <a:bodyPr rtlCol="0" anchor="ctr"/>
+          <a:lstStyle/>
+          <a:p>
+            <a:pPr algn="ctr"/>
+            <a:endParaRPr lang="en-US" sz="1467">
+              <a:solidFill>
+                <a:schemeClr val="tx1"/>
+              </a:solidFill>
+              <a:latin typeface="Menlo" charset="0"/>
+              <a:ea typeface="Menlo" charset="0"/>
+              <a:cs typeface="Menlo" charset="0"/>
+            </a:endParaRPr>
+          </a:p>
+          <a:p>
+            <a:pPr algn="ctr"/>
+            <a:endParaRPr lang="en-US" sz="1467">
+              <a:solidFill>
+                <a:schemeClr val="tx1"/>
+              </a:solidFill>
+              <a:latin typeface="Menlo" charset="0"/>
+              <a:ea typeface="Menlo" charset="0"/>
+              <a:cs typeface="Menlo" charset="0"/>
+            </a:endParaRPr>
+          </a:p>
+        </p:txBody>
+      </p:sp>
+      <p:pic>
+        <p:nvPicPr>
+          <p:cNvPr id="13" name="Picture 12">
+            <a:extLst>
+              <a:ext uri="{FF2B5EF4-FFF2-40B4-BE49-F238E27FC236}">
+                <a16:creationId xmlns:a16="http://schemas.microsoft.com/office/drawing/2014/main" id="{221400D2-57A7-A749-B8F9-C023A7CEA2BA}"/>
+              </a:ext>
+            </a:extLst>
+          </p:cNvPr>
+          <p:cNvPicPr>
+            <a:picLocks noChangeAspect="1"/>
+          </p:cNvPicPr>
+          <p:nvPr/>
+        </p:nvPicPr>
+        <p:blipFill>
+          <a:blip r:embed="rId6"/>
+          <a:stretch>
+            <a:fillRect/>
+          </a:stretch>
+        </p:blipFill>
+        <p:spPr>
+          <a:xfrm>
+            <a:off x="7767451" y="824501"/>
+            <a:ext cx="785704" cy="415675"/>
+          </a:xfrm>
+          <a:prstGeom prst="rect">
+            <a:avLst/>
+          </a:prstGeom>
+        </p:spPr>
+      </p:pic>
+      <p:sp>
+        <p:nvSpPr>
+          <p:cNvPr id="72" name="Rectangle 71">
+            <a:extLst>
+              <a:ext uri="{FF2B5EF4-FFF2-40B4-BE49-F238E27FC236}">
+                <a16:creationId xmlns:a16="http://schemas.microsoft.com/office/drawing/2014/main" id="{58691199-F13A-3A40-B3F3-882DAA99E199}"/>
+              </a:ext>
+            </a:extLst>
+          </p:cNvPr>
+          <p:cNvSpPr/>
+          <p:nvPr/>
+        </p:nvSpPr>
+        <p:spPr>
+          <a:xfrm>
+            <a:off x="8998896" y="5438176"/>
+            <a:ext cx="647781" cy="476273"/>
+          </a:xfrm>
+          <a:prstGeom prst="rect">
+            <a:avLst/>
+          </a:prstGeom>
+          <a:solidFill>
+            <a:schemeClr val="bg1"/>
+          </a:solidFill>
+        </p:spPr>
+        <p:style>
+          <a:lnRef idx="2">
+            <a:schemeClr val="accent1">
+              <a:shade val="50000"/>
+            </a:schemeClr>
+          </a:lnRef>
+          <a:fillRef idx="1">
+            <a:schemeClr val="accent1"/>
+          </a:fillRef>
+          <a:effectRef idx="0">
+            <a:schemeClr val="accent1"/>
+          </a:effectRef>
+          <a:fontRef idx="minor">
+            <a:schemeClr val="lt1"/>
+          </a:fontRef>
+        </p:style>
+        <p:txBody>
+          <a:bodyPr rtlCol="0" anchor="ctr"/>
+          <a:lstStyle/>
+          <a:p>
+            <a:pPr algn="ctr"/>
+            <a:r>
+              <a:rPr lang="en-US" sz="933">
+                <a:solidFill>
+                  <a:schemeClr val="tx1"/>
+                </a:solidFill>
+                <a:latin typeface="Menlo" panose="020B0609030804020204" pitchFamily="49" charset="0"/>
+                <a:ea typeface="Menlo" panose="020B0609030804020204" pitchFamily="49" charset="0"/>
+                <a:cs typeface="Menlo" panose="020B0609030804020204" pitchFamily="49" charset="0"/>
+              </a:rPr>
+              <a:t>CICS</a:t>
+            </a:r>
+          </a:p>
+          <a:p>
+            <a:pPr algn="ctr"/>
+            <a:r>
+              <a:rPr lang="en-US" sz="933">
+                <a:solidFill>
+                  <a:schemeClr val="tx1"/>
+                </a:solidFill>
+                <a:latin typeface="Menlo" panose="020B0609030804020204" pitchFamily="49" charset="0"/>
+                <a:ea typeface="Menlo" panose="020B0609030804020204" pitchFamily="49" charset="0"/>
+                <a:cs typeface="Menlo" panose="020B0609030804020204" pitchFamily="49" charset="0"/>
+              </a:rPr>
+              <a:t>CMCI </a:t>
+            </a:r>
+          </a:p>
+        </p:txBody>
+      </p:sp>
+      <p:sp>
+        <p:nvSpPr>
+          <p:cNvPr id="87" name="Rectangle 86">
+            <a:extLst>
+              <a:ext uri="{FF2B5EF4-FFF2-40B4-BE49-F238E27FC236}">
+                <a16:creationId xmlns:a16="http://schemas.microsoft.com/office/drawing/2014/main" id="{03EF157D-A459-3D4C-9BA7-D66E89FE7C8E}"/>
+              </a:ext>
+            </a:extLst>
+          </p:cNvPr>
+          <p:cNvSpPr/>
+          <p:nvPr/>
+        </p:nvSpPr>
+        <p:spPr>
+          <a:xfrm>
+            <a:off x="9282551" y="963366"/>
+            <a:ext cx="538511" cy="270387"/>
+          </a:xfrm>
+          <a:prstGeom prst="rect">
+            <a:avLst/>
+          </a:prstGeom>
+          <a:solidFill>
+            <a:schemeClr val="accent1">
+              <a:lumMod val="20000"/>
+              <a:lumOff val="80000"/>
+            </a:schemeClr>
+          </a:solidFill>
+        </p:spPr>
+        <p:style>
+          <a:lnRef idx="1">
+            <a:schemeClr val="accent1"/>
+          </a:lnRef>
+          <a:fillRef idx="3">
+            <a:schemeClr val="accent1"/>
+          </a:fillRef>
+          <a:effectRef idx="2">
+            <a:schemeClr val="accent1"/>
+          </a:effectRef>
+          <a:fontRef idx="minor">
+            <a:schemeClr val="lt1"/>
+          </a:fontRef>
+        </p:style>
+        <p:txBody>
+          <a:bodyPr rtlCol="0" anchor="ctr"/>
+          <a:lstStyle/>
+          <a:p>
+            <a:pPr algn="ctr"/>
+            <a:r>
+              <a:rPr lang="en-US" sz="1000">
+                <a:solidFill>
+                  <a:schemeClr val="tx1"/>
+                </a:solidFill>
+                <a:latin typeface="Menlo" charset="0"/>
+                <a:ea typeface="Menlo" charset="0"/>
+                <a:cs typeface="Menlo" charset="0"/>
+              </a:rPr>
+              <a:t>CICS</a:t>
+            </a:r>
+          </a:p>
+        </p:txBody>
+      </p:sp>
+      <p:cxnSp>
+        <p:nvCxnSpPr>
+          <p:cNvPr id="88" name="Straight Arrow Connector 87">
+            <a:extLst>
+              <a:ext uri="{FF2B5EF4-FFF2-40B4-BE49-F238E27FC236}">
+                <a16:creationId xmlns:a16="http://schemas.microsoft.com/office/drawing/2014/main" id="{5ABE9537-3590-D944-A6EF-674D2E7A9B42}"/>
+              </a:ext>
+            </a:extLst>
+          </p:cNvPr>
+          <p:cNvCxnSpPr>
+            <a:cxnSpLocks/>
+          </p:cNvCxnSpPr>
+          <p:nvPr/>
+        </p:nvCxnSpPr>
+        <p:spPr>
+          <a:xfrm>
+            <a:off x="7746055" y="1673444"/>
+            <a:ext cx="0" cy="759483"/>
+          </a:xfrm>
+          <a:prstGeom prst="straightConnector1">
+            <a:avLst/>
+          </a:prstGeom>
+          <a:ln>
+            <a:headEnd type="triangle"/>
+            <a:tailEnd type="triangle"/>
+          </a:ln>
+        </p:spPr>
+        <p:style>
+          <a:lnRef idx="1">
+            <a:schemeClr val="accent1"/>
+          </a:lnRef>
+          <a:fillRef idx="0">
+            <a:schemeClr val="accent1"/>
+          </a:fillRef>
+          <a:effectRef idx="0">
+            <a:schemeClr val="accent1"/>
+          </a:effectRef>
+          <a:fontRef idx="minor">
+            <a:schemeClr val="tx1"/>
+          </a:fontRef>
+        </p:style>
+      </p:cxnSp>
+      <p:cxnSp>
+        <p:nvCxnSpPr>
+          <p:cNvPr id="89" name="Straight Arrow Connector 88">
+            <a:extLst>
+              <a:ext uri="{FF2B5EF4-FFF2-40B4-BE49-F238E27FC236}">
+                <a16:creationId xmlns:a16="http://schemas.microsoft.com/office/drawing/2014/main" id="{3C6B5AD8-4D55-CC45-B07C-E9F3CF05C3FF}"/>
+              </a:ext>
+            </a:extLst>
+          </p:cNvPr>
+          <p:cNvCxnSpPr>
+            <a:cxnSpLocks/>
+          </p:cNvCxnSpPr>
+          <p:nvPr/>
+        </p:nvCxnSpPr>
+        <p:spPr>
+          <a:xfrm>
+            <a:off x="9480808" y="1335871"/>
+            <a:ext cx="0" cy="4111743"/>
+          </a:xfrm>
+          <a:prstGeom prst="straightConnector1">
+            <a:avLst/>
+          </a:prstGeom>
+          <a:ln>
+            <a:headEnd type="triangle"/>
+            <a:tailEnd type="triangle"/>
+          </a:ln>
+        </p:spPr>
+        <p:style>
+          <a:lnRef idx="1">
+            <a:schemeClr val="accent1"/>
+          </a:lnRef>
+          <a:fillRef idx="0">
+            <a:schemeClr val="accent1"/>
+          </a:fillRef>
+          <a:effectRef idx="0">
+            <a:schemeClr val="accent1"/>
+          </a:effectRef>
+          <a:fontRef idx="minor">
+            <a:schemeClr val="tx1"/>
+          </a:fontRef>
+        </p:style>
+      </p:cxnSp>
+      <p:sp>
+        <p:nvSpPr>
+          <p:cNvPr id="90" name="Rectangle 89">
+            <a:extLst>
+              <a:ext uri="{FF2B5EF4-FFF2-40B4-BE49-F238E27FC236}">
+                <a16:creationId xmlns:a16="http://schemas.microsoft.com/office/drawing/2014/main" id="{327195F8-48D4-7441-94C7-DB920529BA39}"/>
+              </a:ext>
+            </a:extLst>
+          </p:cNvPr>
+          <p:cNvSpPr/>
+          <p:nvPr/>
+        </p:nvSpPr>
+        <p:spPr>
+          <a:xfrm>
+            <a:off x="10056162" y="968380"/>
+            <a:ext cx="538511" cy="270387"/>
+          </a:xfrm>
+          <a:prstGeom prst="rect">
+            <a:avLst/>
+          </a:prstGeom>
+          <a:solidFill>
+            <a:schemeClr val="accent1">
+              <a:lumMod val="20000"/>
+              <a:lumOff val="80000"/>
+            </a:schemeClr>
+          </a:solidFill>
+        </p:spPr>
+        <p:style>
+          <a:lnRef idx="1">
+            <a:schemeClr val="accent1"/>
+          </a:lnRef>
+          <a:fillRef idx="3">
+            <a:schemeClr val="accent1"/>
+          </a:fillRef>
+          <a:effectRef idx="2">
+            <a:schemeClr val="accent1"/>
+          </a:effectRef>
+          <a:fontRef idx="minor">
+            <a:schemeClr val="lt1"/>
+          </a:fontRef>
+        </p:style>
+        <p:txBody>
+          <a:bodyPr rtlCol="0" anchor="ctr"/>
+          <a:lstStyle/>
+          <a:p>
+            <a:pPr algn="ctr"/>
+            <a:r>
+              <a:rPr lang="en-US" sz="1000">
+                <a:solidFill>
+                  <a:schemeClr val="tx1"/>
+                </a:solidFill>
+                <a:latin typeface="Menlo" charset="0"/>
+                <a:ea typeface="Menlo" charset="0"/>
+                <a:cs typeface="Menlo" charset="0"/>
+              </a:rPr>
+              <a:t>IMS</a:t>
+            </a:r>
+          </a:p>
+        </p:txBody>
+      </p:sp>
+      <p:cxnSp>
+        <p:nvCxnSpPr>
+          <p:cNvPr id="91" name="Straight Arrow Connector 90">
+            <a:extLst>
+              <a:ext uri="{FF2B5EF4-FFF2-40B4-BE49-F238E27FC236}">
+                <a16:creationId xmlns:a16="http://schemas.microsoft.com/office/drawing/2014/main" id="{A402D5FD-2326-384E-AC6C-9A6F2F0C7F10}"/>
+              </a:ext>
+            </a:extLst>
+          </p:cNvPr>
+          <p:cNvCxnSpPr>
+            <a:cxnSpLocks/>
+          </p:cNvCxnSpPr>
+          <p:nvPr/>
+        </p:nvCxnSpPr>
+        <p:spPr>
+          <a:xfrm>
+            <a:off x="7746055" y="2459074"/>
+            <a:ext cx="0" cy="759483"/>
+          </a:xfrm>
+          <a:prstGeom prst="straightConnector1">
+            <a:avLst/>
+          </a:prstGeom>
+          <a:ln>
+            <a:prstDash val="dash"/>
+            <a:headEnd type="triangle"/>
+            <a:tailEnd type="triangle"/>
+          </a:ln>
+        </p:spPr>
+        <p:style>
+          <a:lnRef idx="1">
+            <a:schemeClr val="accent1"/>
+          </a:lnRef>
+          <a:fillRef idx="0">
+            <a:schemeClr val="accent1"/>
+          </a:fillRef>
+          <a:effectRef idx="0">
+            <a:schemeClr val="accent1"/>
+          </a:effectRef>
+          <a:fontRef idx="minor">
+            <a:schemeClr val="tx1"/>
+          </a:fontRef>
+        </p:style>
+      </p:cxnSp>
+      <p:sp>
+        <p:nvSpPr>
+          <p:cNvPr id="92" name="Rectangle 91">
+            <a:extLst>
+              <a:ext uri="{FF2B5EF4-FFF2-40B4-BE49-F238E27FC236}">
+                <a16:creationId xmlns:a16="http://schemas.microsoft.com/office/drawing/2014/main" id="{AD5478C9-5E56-9D46-8329-02F52C3385CD}"/>
+              </a:ext>
+            </a:extLst>
+          </p:cNvPr>
+          <p:cNvSpPr/>
+          <p:nvPr/>
+        </p:nvSpPr>
+        <p:spPr>
+          <a:xfrm>
+            <a:off x="10839497" y="969789"/>
+            <a:ext cx="538511" cy="270387"/>
+          </a:xfrm>
+          <a:prstGeom prst="rect">
+            <a:avLst/>
+          </a:prstGeom>
+          <a:solidFill>
+            <a:schemeClr val="accent1">
+              <a:lumMod val="20000"/>
+              <a:lumOff val="80000"/>
+            </a:schemeClr>
+          </a:solidFill>
+        </p:spPr>
+        <p:style>
+          <a:lnRef idx="1">
+            <a:schemeClr val="accent1"/>
+          </a:lnRef>
+          <a:fillRef idx="3">
+            <a:schemeClr val="accent1"/>
+          </a:fillRef>
+          <a:effectRef idx="2">
+            <a:schemeClr val="accent1"/>
+          </a:effectRef>
+          <a:fontRef idx="minor">
+            <a:schemeClr val="lt1"/>
+          </a:fontRef>
+        </p:style>
+        <p:txBody>
+          <a:bodyPr rtlCol="0" anchor="ctr"/>
+          <a:lstStyle/>
+          <a:p>
+            <a:pPr algn="ctr"/>
+            <a:r>
+              <a:rPr lang="en-US" sz="1000">
+                <a:solidFill>
+                  <a:schemeClr val="tx1"/>
+                </a:solidFill>
+                <a:latin typeface="Menlo" charset="0"/>
+                <a:ea typeface="Menlo" charset="0"/>
+                <a:cs typeface="Menlo" charset="0"/>
+              </a:rPr>
+              <a:t>DB2</a:t>
+            </a:r>
+          </a:p>
+        </p:txBody>
+      </p:sp>
+      <p:sp>
+        <p:nvSpPr>
+          <p:cNvPr id="95" name="Rectangle 94">
+            <a:extLst>
+              <a:ext uri="{FF2B5EF4-FFF2-40B4-BE49-F238E27FC236}">
+                <a16:creationId xmlns:a16="http://schemas.microsoft.com/office/drawing/2014/main" id="{9D2244BC-A2A4-D74E-BBE8-EB631F506976}"/>
+              </a:ext>
+            </a:extLst>
+          </p:cNvPr>
+          <p:cNvSpPr/>
+          <p:nvPr/>
+        </p:nvSpPr>
+        <p:spPr>
+          <a:xfrm>
+            <a:off x="9821578" y="5448558"/>
+            <a:ext cx="729047" cy="476273"/>
+          </a:xfrm>
+          <a:prstGeom prst="rect">
+            <a:avLst/>
+          </a:prstGeom>
+          <a:solidFill>
+            <a:schemeClr val="bg1"/>
+          </a:solidFill>
+        </p:spPr>
+        <p:style>
+          <a:lnRef idx="2">
+            <a:schemeClr val="accent1">
+              <a:shade val="50000"/>
+            </a:schemeClr>
+          </a:lnRef>
+          <a:fillRef idx="1">
+            <a:schemeClr val="accent1"/>
+          </a:fillRef>
+          <a:effectRef idx="0">
+            <a:schemeClr val="accent1"/>
+          </a:effectRef>
+          <a:fontRef idx="minor">
+            <a:schemeClr val="lt1"/>
+          </a:fontRef>
+        </p:style>
+        <p:txBody>
+          <a:bodyPr rtlCol="0" anchor="ctr"/>
+          <a:lstStyle/>
+          <a:p>
+            <a:pPr algn="ctr"/>
+            <a:r>
+              <a:rPr lang="en-US" sz="933">
+                <a:solidFill>
+                  <a:schemeClr val="tx1"/>
+                </a:solidFill>
+                <a:latin typeface="Menlo" panose="020B0609030804020204" pitchFamily="49" charset="0"/>
+                <a:ea typeface="Menlo" panose="020B0609030804020204" pitchFamily="49" charset="0"/>
+                <a:cs typeface="Menlo" panose="020B0609030804020204" pitchFamily="49" charset="0"/>
+              </a:rPr>
+              <a:t>IMS Connect</a:t>
+            </a:r>
+          </a:p>
+        </p:txBody>
+      </p:sp>
+      <p:cxnSp>
+        <p:nvCxnSpPr>
+          <p:cNvPr id="96" name="Straight Arrow Connector 95">
+            <a:extLst>
+              <a:ext uri="{FF2B5EF4-FFF2-40B4-BE49-F238E27FC236}">
+                <a16:creationId xmlns:a16="http://schemas.microsoft.com/office/drawing/2014/main" id="{8461BFE1-0158-274C-AE10-9E9FC9AC283F}"/>
+              </a:ext>
+            </a:extLst>
+          </p:cNvPr>
+          <p:cNvCxnSpPr>
+            <a:cxnSpLocks/>
+          </p:cNvCxnSpPr>
+          <p:nvPr/>
+        </p:nvCxnSpPr>
+        <p:spPr>
+          <a:xfrm>
+            <a:off x="10254608" y="1346469"/>
+            <a:ext cx="36471" cy="4069859"/>
+          </a:xfrm>
+          <a:prstGeom prst="straightConnector1">
+            <a:avLst/>
+          </a:prstGeom>
+          <a:ln>
+            <a:headEnd type="triangle"/>
+            <a:tailEnd type="triangle"/>
+          </a:ln>
+        </p:spPr>
+        <p:style>
+          <a:lnRef idx="1">
+            <a:schemeClr val="accent1"/>
+          </a:lnRef>
+          <a:fillRef idx="0">
+            <a:schemeClr val="accent1"/>
+          </a:fillRef>
+          <a:effectRef idx="0">
+            <a:schemeClr val="accent1"/>
+          </a:effectRef>
+          <a:fontRef idx="minor">
+            <a:schemeClr val="tx1"/>
+          </a:fontRef>
+        </p:style>
+      </p:cxnSp>
+      <p:sp>
+        <p:nvSpPr>
+          <p:cNvPr id="98" name="Rectangle 97">
+            <a:extLst>
+              <a:ext uri="{FF2B5EF4-FFF2-40B4-BE49-F238E27FC236}">
+                <a16:creationId xmlns:a16="http://schemas.microsoft.com/office/drawing/2014/main" id="{86332291-5142-D54E-A76D-38429542624A}"/>
+              </a:ext>
+            </a:extLst>
+          </p:cNvPr>
+          <p:cNvSpPr/>
+          <p:nvPr/>
+        </p:nvSpPr>
+        <p:spPr>
+          <a:xfrm>
+            <a:off x="5605392" y="5437015"/>
+            <a:ext cx="1196983" cy="476273"/>
+          </a:xfrm>
+          <a:prstGeom prst="rect">
+            <a:avLst/>
+          </a:prstGeom>
+          <a:solidFill>
+            <a:srgbClr val="00B0F0"/>
+          </a:solidFill>
+        </p:spPr>
+        <p:style>
+          <a:lnRef idx="2">
+            <a:schemeClr val="accent1">
+              <a:shade val="50000"/>
+            </a:schemeClr>
+          </a:lnRef>
+          <a:fillRef idx="1">
+            <a:schemeClr val="accent1"/>
+          </a:fillRef>
+          <a:effectRef idx="0">
+            <a:schemeClr val="accent1"/>
+          </a:effectRef>
+          <a:fontRef idx="minor">
+            <a:schemeClr val="lt1"/>
+          </a:fontRef>
+        </p:style>
+        <p:txBody>
+          <a:bodyPr rtlCol="0" anchor="ctr"/>
+          <a:lstStyle/>
+          <a:p>
+            <a:pPr algn="ctr"/>
+            <a:r>
+              <a:rPr lang="en-US" sz="933">
+                <a:solidFill>
+                  <a:schemeClr val="tx1"/>
+                </a:solidFill>
+                <a:latin typeface="Menlo" panose="020B0609030804020204" pitchFamily="49" charset="0"/>
+                <a:ea typeface="Menlo" panose="020B0609030804020204" pitchFamily="49" charset="0"/>
+                <a:cs typeface="Menlo" panose="020B0609030804020204" pitchFamily="49" charset="0"/>
+              </a:rPr>
+              <a:t>Existing REST API Server</a:t>
+            </a:r>
+          </a:p>
+        </p:txBody>
+      </p:sp>
+      <p:cxnSp>
+        <p:nvCxnSpPr>
+          <p:cNvPr id="99" name="Straight Arrow Connector 98">
+            <a:extLst>
+              <a:ext uri="{FF2B5EF4-FFF2-40B4-BE49-F238E27FC236}">
+                <a16:creationId xmlns:a16="http://schemas.microsoft.com/office/drawing/2014/main" id="{4B42528F-1505-AD4C-9BDE-78737EA3D84D}"/>
+              </a:ext>
+            </a:extLst>
+          </p:cNvPr>
+          <p:cNvCxnSpPr>
+            <a:cxnSpLocks/>
+          </p:cNvCxnSpPr>
+          <p:nvPr/>
+        </p:nvCxnSpPr>
+        <p:spPr>
+          <a:xfrm flipH="1">
+            <a:off x="7746055" y="3291402"/>
+            <a:ext cx="189" cy="2156212"/>
+          </a:xfrm>
+          <a:prstGeom prst="straightConnector1">
+            <a:avLst/>
+          </a:prstGeom>
+          <a:ln>
+            <a:headEnd type="triangle"/>
+            <a:tailEnd type="triangle"/>
+          </a:ln>
+        </p:spPr>
+        <p:style>
+          <a:lnRef idx="1">
+            <a:schemeClr val="accent1"/>
+          </a:lnRef>
+          <a:fillRef idx="0">
+            <a:schemeClr val="accent1"/>
+          </a:fillRef>
+          <a:effectRef idx="0">
+            <a:schemeClr val="accent1"/>
+          </a:effectRef>
+          <a:fontRef idx="minor">
+            <a:schemeClr val="tx1"/>
+          </a:fontRef>
+        </p:style>
+      </p:cxnSp>
+      <p:sp>
+        <p:nvSpPr>
+          <p:cNvPr id="100" name="Rectangle 99">
+            <a:extLst>
+              <a:ext uri="{FF2B5EF4-FFF2-40B4-BE49-F238E27FC236}">
+                <a16:creationId xmlns:a16="http://schemas.microsoft.com/office/drawing/2014/main" id="{BE2E16C4-C228-214F-A8D2-AB42DA5A7F50}"/>
+              </a:ext>
+            </a:extLst>
+          </p:cNvPr>
+          <p:cNvSpPr/>
+          <p:nvPr/>
+        </p:nvSpPr>
+        <p:spPr>
+          <a:xfrm>
+            <a:off x="9821578" y="6229601"/>
+            <a:ext cx="729047" cy="476273"/>
+          </a:xfrm>
+          <a:prstGeom prst="rect">
+            <a:avLst/>
+          </a:prstGeom>
+          <a:solidFill>
+            <a:schemeClr val="bg1"/>
+          </a:solidFill>
+        </p:spPr>
+        <p:style>
+          <a:lnRef idx="2">
+            <a:schemeClr val="accent1">
+              <a:shade val="50000"/>
+            </a:schemeClr>
+          </a:lnRef>
+          <a:fillRef idx="1">
+            <a:schemeClr val="accent1"/>
+          </a:fillRef>
+          <a:effectRef idx="0">
+            <a:schemeClr val="accent1"/>
+          </a:effectRef>
+          <a:fontRef idx="minor">
+            <a:schemeClr val="lt1"/>
+          </a:fontRef>
+        </p:style>
+        <p:txBody>
+          <a:bodyPr rtlCol="0" anchor="ctr"/>
+          <a:lstStyle/>
+          <a:p>
+            <a:pPr algn="ctr"/>
+            <a:r>
+              <a:rPr lang="en-US" sz="933" dirty="0">
+                <a:solidFill>
+                  <a:schemeClr val="tx1"/>
+                </a:solidFill>
+                <a:latin typeface="Menlo" panose="020B0609030804020204" pitchFamily="49" charset="0"/>
+                <a:ea typeface="Menlo" panose="020B0609030804020204" pitchFamily="49" charset="0"/>
+                <a:cs typeface="Menlo" panose="020B0609030804020204" pitchFamily="49" charset="0"/>
+              </a:rPr>
+              <a:t>IMS Plex</a:t>
+            </a:r>
+          </a:p>
+        </p:txBody>
+      </p:sp>
+      <p:cxnSp>
+        <p:nvCxnSpPr>
+          <p:cNvPr id="101" name="Straight Arrow Connector 100">
+            <a:extLst>
+              <a:ext uri="{FF2B5EF4-FFF2-40B4-BE49-F238E27FC236}">
+                <a16:creationId xmlns:a16="http://schemas.microsoft.com/office/drawing/2014/main" id="{30262FA7-8966-D140-9D5F-195D7E4B7DC0}"/>
+              </a:ext>
+            </a:extLst>
+          </p:cNvPr>
+          <p:cNvCxnSpPr>
+            <a:cxnSpLocks/>
+          </p:cNvCxnSpPr>
+          <p:nvPr/>
+        </p:nvCxnSpPr>
+        <p:spPr>
+          <a:xfrm>
+            <a:off x="10288130" y="5937647"/>
+            <a:ext cx="0" cy="291954"/>
+          </a:xfrm>
+          <a:prstGeom prst="straightConnector1">
+            <a:avLst/>
+          </a:prstGeom>
+          <a:ln>
+            <a:headEnd type="triangle"/>
+            <a:tailEnd type="triangle"/>
+          </a:ln>
+        </p:spPr>
+        <p:style>
+          <a:lnRef idx="1">
+            <a:schemeClr val="accent1"/>
+          </a:lnRef>
+          <a:fillRef idx="0">
+            <a:schemeClr val="accent1"/>
+          </a:fillRef>
+          <a:effectRef idx="0">
+            <a:schemeClr val="accent1"/>
+          </a:effectRef>
+          <a:fontRef idx="minor">
+            <a:schemeClr val="tx1"/>
+          </a:fontRef>
+        </p:style>
+      </p:cxnSp>
+      <p:sp>
+        <p:nvSpPr>
+          <p:cNvPr id="102" name="Rectangle 101">
+            <a:extLst>
+              <a:ext uri="{FF2B5EF4-FFF2-40B4-BE49-F238E27FC236}">
+                <a16:creationId xmlns:a16="http://schemas.microsoft.com/office/drawing/2014/main" id="{69C93468-CA2A-FA45-8519-4E7D1360318E}"/>
+              </a:ext>
+            </a:extLst>
+          </p:cNvPr>
+          <p:cNvSpPr/>
+          <p:nvPr/>
+        </p:nvSpPr>
+        <p:spPr>
+          <a:xfrm>
+            <a:off x="10725526" y="5448558"/>
+            <a:ext cx="729047" cy="476273"/>
+          </a:xfrm>
+          <a:prstGeom prst="rect">
+            <a:avLst/>
+          </a:prstGeom>
+          <a:solidFill>
+            <a:schemeClr val="bg1"/>
+          </a:solidFill>
+        </p:spPr>
+        <p:style>
+          <a:lnRef idx="2">
+            <a:schemeClr val="accent1">
+              <a:shade val="50000"/>
+            </a:schemeClr>
+          </a:lnRef>
+          <a:fillRef idx="1">
+            <a:schemeClr val="accent1"/>
+          </a:fillRef>
+          <a:effectRef idx="0">
+            <a:schemeClr val="accent1"/>
+          </a:effectRef>
+          <a:fontRef idx="minor">
+            <a:schemeClr val="lt1"/>
+          </a:fontRef>
+        </p:style>
+        <p:txBody>
+          <a:bodyPr rtlCol="0" anchor="ctr"/>
+          <a:lstStyle/>
+          <a:p>
+            <a:pPr algn="ctr"/>
+            <a:r>
+              <a:rPr lang="en-US" sz="933">
+                <a:solidFill>
+                  <a:schemeClr val="tx1"/>
+                </a:solidFill>
+                <a:latin typeface="Menlo" panose="020B0609030804020204" pitchFamily="49" charset="0"/>
+                <a:ea typeface="Menlo" panose="020B0609030804020204" pitchFamily="49" charset="0"/>
+                <a:cs typeface="Menlo" panose="020B0609030804020204" pitchFamily="49" charset="0"/>
+              </a:rPr>
+              <a:t>DB2</a:t>
+            </a:r>
+          </a:p>
+        </p:txBody>
+      </p:sp>
+      <p:cxnSp>
+        <p:nvCxnSpPr>
+          <p:cNvPr id="104" name="Straight Arrow Connector 103">
+            <a:extLst>
+              <a:ext uri="{FF2B5EF4-FFF2-40B4-BE49-F238E27FC236}">
+                <a16:creationId xmlns:a16="http://schemas.microsoft.com/office/drawing/2014/main" id="{5F31D4A2-309D-7C47-97CD-5E6DBB56D7EA}"/>
+              </a:ext>
+            </a:extLst>
+          </p:cNvPr>
+          <p:cNvCxnSpPr>
+            <a:cxnSpLocks/>
+            <a:endCxn id="102" idx="0"/>
+          </p:cNvCxnSpPr>
+          <p:nvPr/>
+        </p:nvCxnSpPr>
+        <p:spPr>
+          <a:xfrm>
+            <a:off x="11071262" y="1358610"/>
+            <a:ext cx="18788" cy="4089948"/>
+          </a:xfrm>
+          <a:prstGeom prst="straightConnector1">
+            <a:avLst/>
+          </a:prstGeom>
+          <a:ln>
+            <a:headEnd type="triangle"/>
+            <a:tailEnd type="triangle"/>
+          </a:ln>
+        </p:spPr>
+        <p:style>
+          <a:lnRef idx="1">
+            <a:schemeClr val="accent1"/>
+          </a:lnRef>
+          <a:fillRef idx="0">
+            <a:schemeClr val="accent1"/>
+          </a:fillRef>
+          <a:effectRef idx="0">
+            <a:schemeClr val="accent1"/>
+          </a:effectRef>
+          <a:fontRef idx="minor">
+            <a:schemeClr val="tx1"/>
+          </a:fontRef>
+        </p:style>
+      </p:cxnSp>
+      <p:sp>
+        <p:nvSpPr>
+          <p:cNvPr id="105" name="TextBox 104">
+            <a:extLst>
+              <a:ext uri="{FF2B5EF4-FFF2-40B4-BE49-F238E27FC236}">
+                <a16:creationId xmlns:a16="http://schemas.microsoft.com/office/drawing/2014/main" id="{29D05D16-D827-4848-9292-C9EE09EA7BBB}"/>
+              </a:ext>
+            </a:extLst>
+          </p:cNvPr>
+          <p:cNvSpPr txBox="1"/>
+          <p:nvPr/>
+        </p:nvSpPr>
+        <p:spPr>
+          <a:xfrm>
+            <a:off x="6139963" y="5177898"/>
+            <a:ext cx="524503" cy="261610"/>
+          </a:xfrm>
+          <a:prstGeom prst="rect">
+            <a:avLst/>
+          </a:prstGeom>
+          <a:noFill/>
+        </p:spPr>
+        <p:txBody>
+          <a:bodyPr wrap="none" rtlCol="0">
+            <a:spAutoFit/>
+          </a:bodyPr>
+          <a:lstStyle/>
+          <a:p>
+            <a:r>
+              <a:rPr lang="en-US" sz="1100" dirty="0">
+                <a:latin typeface="Menlo" panose="020B0609030804020204" pitchFamily="49" charset="0"/>
+                <a:ea typeface="Menlo" panose="020B0609030804020204" pitchFamily="49" charset="0"/>
+                <a:cs typeface="Menlo" panose="020B0609030804020204" pitchFamily="49" charset="0"/>
+              </a:rPr>
+              <a:t>nnnn</a:t>
+            </a:r>
+          </a:p>
+        </p:txBody>
+      </p:sp>
+      <p:sp>
+        <p:nvSpPr>
+          <p:cNvPr id="108" name="Rectangle 107">
+            <a:extLst>
+              <a:ext uri="{FF2B5EF4-FFF2-40B4-BE49-F238E27FC236}">
+                <a16:creationId xmlns:a16="http://schemas.microsoft.com/office/drawing/2014/main" id="{AC9A0780-B31F-684B-97D2-6B4D144E4464}"/>
+              </a:ext>
+            </a:extLst>
+          </p:cNvPr>
+          <p:cNvSpPr/>
+          <p:nvPr/>
+        </p:nvSpPr>
+        <p:spPr>
+          <a:xfrm>
+            <a:off x="5216453" y="799191"/>
+            <a:ext cx="576791" cy="292847"/>
+          </a:xfrm>
+          <a:prstGeom prst="rect">
+            <a:avLst/>
+          </a:prstGeom>
+          <a:solidFill>
+            <a:srgbClr val="00B0F0"/>
+          </a:solidFill>
+        </p:spPr>
+        <p:style>
+          <a:lnRef idx="2">
+            <a:schemeClr val="accent1">
+              <a:shade val="50000"/>
+            </a:schemeClr>
+          </a:lnRef>
+          <a:fillRef idx="1">
+            <a:schemeClr val="accent1"/>
+          </a:fillRef>
+          <a:effectRef idx="0">
+            <a:schemeClr val="accent1"/>
+          </a:effectRef>
+          <a:fontRef idx="minor">
+            <a:schemeClr val="lt1"/>
+          </a:fontRef>
+        </p:style>
+        <p:txBody>
+          <a:bodyPr rtlCol="0" anchor="ctr"/>
+          <a:lstStyle/>
+          <a:p>
+            <a:pPr algn="ctr"/>
+            <a:r>
+              <a:rPr lang="en-US" sz="933" dirty="0">
+                <a:solidFill>
+                  <a:schemeClr val="tx1"/>
+                </a:solidFill>
+                <a:latin typeface="Menlo" panose="020B0609030804020204" pitchFamily="49" charset="0"/>
+                <a:ea typeface="Menlo" panose="020B0609030804020204" pitchFamily="49" charset="0"/>
+                <a:cs typeface="Menlo" panose="020B0609030804020204" pitchFamily="49" charset="0"/>
+              </a:rPr>
+              <a:t>HTML</a:t>
+            </a:r>
+          </a:p>
+        </p:txBody>
+      </p:sp>
+      <p:cxnSp>
+        <p:nvCxnSpPr>
+          <p:cNvPr id="110" name="Elbow Connector 109">
+            <a:extLst>
+              <a:ext uri="{FF2B5EF4-FFF2-40B4-BE49-F238E27FC236}">
+                <a16:creationId xmlns:a16="http://schemas.microsoft.com/office/drawing/2014/main" id="{5435654E-4C18-3B44-9A64-D86783FFA281}"/>
+              </a:ext>
+            </a:extLst>
+          </p:cNvPr>
+          <p:cNvCxnSpPr>
+            <a:cxnSpLocks/>
+          </p:cNvCxnSpPr>
+          <p:nvPr/>
+        </p:nvCxnSpPr>
+        <p:spPr>
+          <a:xfrm rot="5400000">
+            <a:off x="6307929" y="1546896"/>
+            <a:ext cx="1138349" cy="684468"/>
+          </a:xfrm>
+          <a:prstGeom prst="bentConnector3">
+            <a:avLst/>
+          </a:prstGeom>
+          <a:ln>
+            <a:headEnd type="triangle"/>
+            <a:tailEnd type="triangle"/>
+          </a:ln>
+        </p:spPr>
+        <p:style>
+          <a:lnRef idx="1">
+            <a:schemeClr val="accent1"/>
+          </a:lnRef>
+          <a:fillRef idx="0">
+            <a:schemeClr val="accent1"/>
+          </a:fillRef>
+          <a:effectRef idx="0">
+            <a:schemeClr val="accent1"/>
+          </a:effectRef>
+          <a:fontRef idx="minor">
+            <a:schemeClr val="tx1"/>
+          </a:fontRef>
+        </p:style>
+      </p:cxnSp>
+      <p:cxnSp>
+        <p:nvCxnSpPr>
+          <p:cNvPr id="111" name="Straight Arrow Connector 110">
+            <a:extLst>
+              <a:ext uri="{FF2B5EF4-FFF2-40B4-BE49-F238E27FC236}">
+                <a16:creationId xmlns:a16="http://schemas.microsoft.com/office/drawing/2014/main" id="{67ED0D4F-0B60-C343-B92A-8ECC69D70C39}"/>
+              </a:ext>
+            </a:extLst>
+          </p:cNvPr>
+          <p:cNvCxnSpPr>
+            <a:cxnSpLocks/>
+          </p:cNvCxnSpPr>
+          <p:nvPr/>
+        </p:nvCxnSpPr>
+        <p:spPr>
+          <a:xfrm>
+            <a:off x="6510049" y="2459074"/>
+            <a:ext cx="0" cy="759483"/>
+          </a:xfrm>
+          <a:prstGeom prst="straightConnector1">
+            <a:avLst/>
+          </a:prstGeom>
+          <a:ln>
+            <a:prstDash val="dash"/>
+            <a:headEnd type="triangle"/>
+            <a:tailEnd type="triangle"/>
+          </a:ln>
+        </p:spPr>
+        <p:style>
+          <a:lnRef idx="1">
+            <a:schemeClr val="accent1"/>
+          </a:lnRef>
+          <a:fillRef idx="0">
+            <a:schemeClr val="accent1"/>
+          </a:fillRef>
+          <a:effectRef idx="0">
+            <a:schemeClr val="accent1"/>
+          </a:effectRef>
+          <a:fontRef idx="minor">
+            <a:schemeClr val="tx1"/>
+          </a:fontRef>
+        </p:style>
+      </p:cxnSp>
+      <p:sp>
+        <p:nvSpPr>
+          <p:cNvPr id="112" name="Rectangle 111">
+            <a:extLst>
+              <a:ext uri="{FF2B5EF4-FFF2-40B4-BE49-F238E27FC236}">
+                <a16:creationId xmlns:a16="http://schemas.microsoft.com/office/drawing/2014/main" id="{6F8067E1-A1AE-AA4E-914F-1E7325E2DDF4}"/>
+              </a:ext>
+            </a:extLst>
+          </p:cNvPr>
+          <p:cNvSpPr/>
+          <p:nvPr/>
+        </p:nvSpPr>
+        <p:spPr>
+          <a:xfrm>
+            <a:off x="6938701" y="973628"/>
+            <a:ext cx="618174" cy="271954"/>
+          </a:xfrm>
+          <a:prstGeom prst="rect">
+            <a:avLst/>
+          </a:prstGeom>
+          <a:solidFill>
+            <a:srgbClr val="00B0F0"/>
+          </a:solidFill>
+        </p:spPr>
+        <p:style>
+          <a:lnRef idx="1">
+            <a:schemeClr val="accent1"/>
+          </a:lnRef>
+          <a:fillRef idx="3">
+            <a:schemeClr val="accent1"/>
+          </a:fillRef>
+          <a:effectRef idx="2">
+            <a:schemeClr val="accent1"/>
+          </a:effectRef>
+          <a:fontRef idx="minor">
+            <a:schemeClr val="lt1"/>
+          </a:fontRef>
+        </p:style>
+        <p:txBody>
+          <a:bodyPr rtlCol="0" anchor="ctr"/>
+          <a:lstStyle/>
+          <a:p>
+            <a:pPr algn="ctr"/>
+            <a:r>
+              <a:rPr lang="en-US" sz="1000" dirty="0">
+                <a:solidFill>
+                  <a:schemeClr val="tx1"/>
+                </a:solidFill>
+                <a:latin typeface="Menlo" charset="0"/>
+                <a:ea typeface="Menlo" charset="0"/>
+                <a:cs typeface="Menlo" charset="0"/>
+              </a:rPr>
+              <a:t>CLI</a:t>
+            </a:r>
+          </a:p>
+          <a:p>
+            <a:pPr algn="ctr"/>
+            <a:r>
+              <a:rPr lang="en-US" sz="600" dirty="0">
+                <a:solidFill>
+                  <a:schemeClr val="tx1"/>
+                </a:solidFill>
+                <a:latin typeface="Menlo" charset="0"/>
+                <a:ea typeface="Menlo" charset="0"/>
+                <a:cs typeface="Menlo" charset="0"/>
+              </a:rPr>
+              <a:t>extension</a:t>
+            </a:r>
+          </a:p>
+        </p:txBody>
+      </p:sp>
+      <p:pic>
+        <p:nvPicPr>
+          <p:cNvPr id="34" name="Picture 33">
+            <a:extLst>
+              <a:ext uri="{FF2B5EF4-FFF2-40B4-BE49-F238E27FC236}">
+                <a16:creationId xmlns:a16="http://schemas.microsoft.com/office/drawing/2014/main" id="{CB2E0DA4-07B3-1A49-9A81-79381B0EFD47}"/>
+              </a:ext>
+            </a:extLst>
+          </p:cNvPr>
+          <p:cNvPicPr>
+            <a:picLocks noChangeAspect="1"/>
+          </p:cNvPicPr>
+          <p:nvPr/>
+        </p:nvPicPr>
+        <p:blipFill>
+          <a:blip r:embed="rId7"/>
+          <a:stretch>
+            <a:fillRect/>
+          </a:stretch>
+        </p:blipFill>
+        <p:spPr>
+          <a:xfrm>
+            <a:off x="7674425" y="92098"/>
+            <a:ext cx="471120" cy="307657"/>
+          </a:xfrm>
+          <a:prstGeom prst="rect">
+            <a:avLst/>
+          </a:prstGeom>
+        </p:spPr>
+      </p:pic>
+      <p:pic>
+        <p:nvPicPr>
+          <p:cNvPr id="35" name="Picture 34">
+            <a:extLst>
+              <a:ext uri="{FF2B5EF4-FFF2-40B4-BE49-F238E27FC236}">
+                <a16:creationId xmlns:a16="http://schemas.microsoft.com/office/drawing/2014/main" id="{E228FC63-B493-6942-A20B-7B8E61DE4EB9}"/>
+              </a:ext>
+            </a:extLst>
+          </p:cNvPr>
+          <p:cNvPicPr>
+            <a:picLocks noChangeAspect="1"/>
+          </p:cNvPicPr>
+          <p:nvPr/>
+        </p:nvPicPr>
+        <p:blipFill>
+          <a:blip r:embed="rId8"/>
+          <a:stretch>
+            <a:fillRect/>
+          </a:stretch>
+        </p:blipFill>
+        <p:spPr>
+          <a:xfrm>
+            <a:off x="7408059" y="83998"/>
+            <a:ext cx="184243" cy="184243"/>
+          </a:xfrm>
+          <a:prstGeom prst="rect">
+            <a:avLst/>
+          </a:prstGeom>
+        </p:spPr>
+      </p:pic>
+      <p:sp>
+        <p:nvSpPr>
+          <p:cNvPr id="114" name="TextBox 113">
+            <a:extLst>
+              <a:ext uri="{FF2B5EF4-FFF2-40B4-BE49-F238E27FC236}">
+                <a16:creationId xmlns:a16="http://schemas.microsoft.com/office/drawing/2014/main" id="{F3496A4C-19A3-9F45-A7F0-2B0C01CE0170}"/>
+              </a:ext>
+            </a:extLst>
+          </p:cNvPr>
+          <p:cNvSpPr txBox="1"/>
+          <p:nvPr/>
+        </p:nvSpPr>
+        <p:spPr>
+          <a:xfrm>
+            <a:off x="6844126" y="12688"/>
+            <a:ext cx="591829" cy="461665"/>
+          </a:xfrm>
+          <a:prstGeom prst="rect">
+            <a:avLst/>
+          </a:prstGeom>
+          <a:noFill/>
+        </p:spPr>
+        <p:txBody>
+          <a:bodyPr wrap="none" rtlCol="0">
+            <a:spAutoFit/>
+          </a:bodyPr>
+          <a:lstStyle/>
+          <a:p>
+            <a:r>
+              <a:rPr lang="en-US" sz="1200"/>
+              <a:t>Visual </a:t>
+            </a:r>
+          </a:p>
+          <a:p>
+            <a:r>
+              <a:rPr lang="en-US" sz="1200"/>
+              <a:t>Studio</a:t>
+            </a:r>
+          </a:p>
+        </p:txBody>
+      </p:sp>
+      <p:cxnSp>
+        <p:nvCxnSpPr>
+          <p:cNvPr id="116" name="Straight Arrow Connector 115">
+            <a:extLst>
+              <a:ext uri="{FF2B5EF4-FFF2-40B4-BE49-F238E27FC236}">
+                <a16:creationId xmlns:a16="http://schemas.microsoft.com/office/drawing/2014/main" id="{6D4217B5-9051-B747-9EB1-3A0C82F62759}"/>
+              </a:ext>
+            </a:extLst>
+          </p:cNvPr>
+          <p:cNvCxnSpPr>
+            <a:cxnSpLocks/>
+          </p:cNvCxnSpPr>
+          <p:nvPr/>
+        </p:nvCxnSpPr>
+        <p:spPr>
+          <a:xfrm>
+            <a:off x="8076585" y="474353"/>
+            <a:ext cx="0" cy="241148"/>
+          </a:xfrm>
+          <a:prstGeom prst="straightConnector1">
+            <a:avLst/>
+          </a:prstGeom>
+          <a:ln>
+            <a:headEnd type="triangle"/>
+            <a:tailEnd type="triangle"/>
+          </a:ln>
+        </p:spPr>
+        <p:style>
+          <a:lnRef idx="1">
+            <a:schemeClr val="accent1"/>
+          </a:lnRef>
+          <a:fillRef idx="0">
+            <a:schemeClr val="accent1"/>
+          </a:fillRef>
+          <a:effectRef idx="0">
+            <a:schemeClr val="accent1"/>
+          </a:effectRef>
+          <a:fontRef idx="minor">
+            <a:schemeClr val="tx1"/>
+          </a:fontRef>
+        </p:style>
+      </p:cxnSp>
+      <p:sp>
+        <p:nvSpPr>
+          <p:cNvPr id="44" name="TextBox 43">
+            <a:extLst>
+              <a:ext uri="{FF2B5EF4-FFF2-40B4-BE49-F238E27FC236}">
+                <a16:creationId xmlns:a16="http://schemas.microsoft.com/office/drawing/2014/main" id="{5AD30A28-F630-9E41-98B0-135638908344}"/>
+              </a:ext>
+            </a:extLst>
+          </p:cNvPr>
+          <p:cNvSpPr txBox="1"/>
+          <p:nvPr/>
+        </p:nvSpPr>
+        <p:spPr>
+          <a:xfrm>
+            <a:off x="2917249" y="4165134"/>
+            <a:ext cx="665567" cy="369332"/>
+          </a:xfrm>
+          <a:prstGeom prst="rect">
+            <a:avLst/>
+          </a:prstGeom>
+          <a:noFill/>
+        </p:spPr>
+        <p:txBody>
+          <a:bodyPr wrap="none" rtlCol="0">
+            <a:spAutoFit/>
+          </a:bodyPr>
+          <a:lstStyle/>
+          <a:p>
+            <a:r>
+              <a:rPr lang="en-US" dirty="0">
+                <a:solidFill>
+                  <a:schemeClr val="accent6">
+                    <a:lumMod val="75000"/>
+                  </a:schemeClr>
+                </a:solidFill>
+              </a:rPr>
+              <a:t>node</a:t>
+            </a:r>
+          </a:p>
+        </p:txBody>
+      </p:sp>
+      <p:sp>
+        <p:nvSpPr>
+          <p:cNvPr id="117" name="TextBox 116">
+            <a:extLst>
+              <a:ext uri="{FF2B5EF4-FFF2-40B4-BE49-F238E27FC236}">
+                <a16:creationId xmlns:a16="http://schemas.microsoft.com/office/drawing/2014/main" id="{50850BE5-F13B-E94A-9661-ACFDE147256B}"/>
+              </a:ext>
+            </a:extLst>
+          </p:cNvPr>
+          <p:cNvSpPr txBox="1"/>
+          <p:nvPr/>
+        </p:nvSpPr>
+        <p:spPr>
+          <a:xfrm>
+            <a:off x="8220614" y="3049207"/>
+            <a:ext cx="576568" cy="369332"/>
+          </a:xfrm>
+          <a:prstGeom prst="rect">
+            <a:avLst/>
+          </a:prstGeom>
+          <a:noFill/>
+        </p:spPr>
+        <p:txBody>
+          <a:bodyPr wrap="none" rtlCol="0">
+            <a:spAutoFit/>
+          </a:bodyPr>
+          <a:lstStyle/>
+          <a:p>
+            <a:r>
+              <a:rPr lang="en-US" dirty="0">
+                <a:solidFill>
+                  <a:schemeClr val="accent4">
+                    <a:lumMod val="60000"/>
+                    <a:lumOff val="40000"/>
+                  </a:schemeClr>
+                </a:solidFill>
+              </a:rPr>
+              <a:t>Java</a:t>
+            </a:r>
+          </a:p>
+        </p:txBody>
+      </p:sp>
+      <p:sp>
+        <p:nvSpPr>
+          <p:cNvPr id="118" name="TextBox 117">
+            <a:extLst>
+              <a:ext uri="{FF2B5EF4-FFF2-40B4-BE49-F238E27FC236}">
+                <a16:creationId xmlns:a16="http://schemas.microsoft.com/office/drawing/2014/main" id="{441AA412-E83B-4342-90AD-5803F84BB144}"/>
+              </a:ext>
+            </a:extLst>
+          </p:cNvPr>
+          <p:cNvSpPr txBox="1"/>
+          <p:nvPr/>
+        </p:nvSpPr>
+        <p:spPr>
+          <a:xfrm>
+            <a:off x="1426091" y="4565189"/>
+            <a:ext cx="897169" cy="369332"/>
+          </a:xfrm>
+          <a:prstGeom prst="rect">
+            <a:avLst/>
+          </a:prstGeom>
+          <a:noFill/>
+        </p:spPr>
+        <p:txBody>
+          <a:bodyPr wrap="none" rtlCol="0">
+            <a:spAutoFit/>
+          </a:bodyPr>
+          <a:lstStyle/>
+          <a:p>
+            <a:r>
+              <a:rPr lang="en-US" dirty="0">
+                <a:solidFill>
+                  <a:srgbClr val="7030A0"/>
+                </a:solidFill>
+              </a:rPr>
+              <a:t>metal C</a:t>
+            </a:r>
+          </a:p>
+        </p:txBody>
+      </p:sp>
+      <p:cxnSp>
+        <p:nvCxnSpPr>
+          <p:cNvPr id="119" name="Straight Arrow Connector 118">
+            <a:extLst>
+              <a:ext uri="{FF2B5EF4-FFF2-40B4-BE49-F238E27FC236}">
+                <a16:creationId xmlns:a16="http://schemas.microsoft.com/office/drawing/2014/main" id="{1F8E9A04-A8E5-9C44-8C46-7640590D4782}"/>
+              </a:ext>
+            </a:extLst>
+          </p:cNvPr>
+          <p:cNvCxnSpPr>
+            <a:cxnSpLocks/>
+          </p:cNvCxnSpPr>
+          <p:nvPr/>
+        </p:nvCxnSpPr>
+        <p:spPr>
+          <a:xfrm>
+            <a:off x="476119" y="1704240"/>
+            <a:ext cx="0" cy="2072210"/>
+          </a:xfrm>
+          <a:prstGeom prst="straightConnector1">
+            <a:avLst/>
+          </a:prstGeom>
+          <a:ln>
+            <a:headEnd type="triangle"/>
+            <a:tailEnd type="triangle"/>
+          </a:ln>
+        </p:spPr>
+        <p:style>
+          <a:lnRef idx="1">
+            <a:schemeClr val="accent1"/>
+          </a:lnRef>
+          <a:fillRef idx="0">
+            <a:schemeClr val="accent1"/>
+          </a:fillRef>
+          <a:effectRef idx="0">
+            <a:schemeClr val="accent1"/>
+          </a:effectRef>
+          <a:fontRef idx="minor">
+            <a:schemeClr val="tx1"/>
+          </a:fontRef>
+        </p:style>
+      </p:cxnSp>
+      <p:sp>
+        <p:nvSpPr>
+          <p:cNvPr id="94" name="Rectangle 93">
+            <a:extLst>
+              <a:ext uri="{FF2B5EF4-FFF2-40B4-BE49-F238E27FC236}">
+                <a16:creationId xmlns:a16="http://schemas.microsoft.com/office/drawing/2014/main" id="{2E6E6968-C58B-AC42-AC3C-471BE14361C4}"/>
+              </a:ext>
+            </a:extLst>
+          </p:cNvPr>
+          <p:cNvSpPr/>
+          <p:nvPr/>
+        </p:nvSpPr>
+        <p:spPr>
+          <a:xfrm>
+            <a:off x="6878388" y="1463160"/>
+            <a:ext cx="5097850" cy="184138"/>
+          </a:xfrm>
+          <a:prstGeom prst="rect">
+            <a:avLst/>
+          </a:prstGeom>
+          <a:solidFill>
+            <a:schemeClr val="accent1">
+              <a:lumMod val="20000"/>
+              <a:lumOff val="80000"/>
+            </a:schemeClr>
+          </a:solidFill>
+        </p:spPr>
+        <p:style>
+          <a:lnRef idx="1">
+            <a:schemeClr val="accent1"/>
+          </a:lnRef>
+          <a:fillRef idx="3">
+            <a:schemeClr val="accent1"/>
+          </a:fillRef>
+          <a:effectRef idx="2">
+            <a:schemeClr val="accent1"/>
+          </a:effectRef>
+          <a:fontRef idx="minor">
+            <a:schemeClr val="lt1"/>
+          </a:fontRef>
+        </p:style>
+        <p:txBody>
+          <a:bodyPr rtlCol="0" anchor="ctr"/>
+          <a:lstStyle/>
+          <a:p>
+            <a:pPr algn="ctr"/>
+            <a:r>
+              <a:rPr lang="en-US" sz="800" dirty="0">
+                <a:solidFill>
+                  <a:schemeClr val="tx1"/>
+                </a:solidFill>
+                <a:latin typeface="Menlo" charset="0"/>
+                <a:ea typeface="Menlo" charset="0"/>
+                <a:cs typeface="Menlo" charset="0"/>
+              </a:rPr>
+              <a:t>Zowe CLI running in desktop shell</a:t>
+            </a:r>
+          </a:p>
+        </p:txBody>
+      </p:sp>
+      <p:cxnSp>
+        <p:nvCxnSpPr>
+          <p:cNvPr id="97" name="Straight Arrow Connector 96">
+            <a:extLst>
+              <a:ext uri="{FF2B5EF4-FFF2-40B4-BE49-F238E27FC236}">
+                <a16:creationId xmlns:a16="http://schemas.microsoft.com/office/drawing/2014/main" id="{16CA2BC6-62A0-3E40-821F-2F729CBEEE6D}"/>
+              </a:ext>
+            </a:extLst>
+          </p:cNvPr>
+          <p:cNvCxnSpPr>
+            <a:cxnSpLocks/>
+          </p:cNvCxnSpPr>
+          <p:nvPr/>
+        </p:nvCxnSpPr>
+        <p:spPr>
+          <a:xfrm flipH="1">
+            <a:off x="904921" y="3070466"/>
+            <a:ext cx="3160" cy="469710"/>
+          </a:xfrm>
+          <a:prstGeom prst="straightConnector1">
+            <a:avLst/>
+          </a:prstGeom>
+          <a:ln>
+            <a:headEnd type="triangle"/>
+            <a:tailEnd type="triangle"/>
+          </a:ln>
+        </p:spPr>
+        <p:style>
+          <a:lnRef idx="1">
+            <a:schemeClr val="accent1"/>
+          </a:lnRef>
+          <a:fillRef idx="0">
+            <a:schemeClr val="accent1"/>
+          </a:fillRef>
+          <a:effectRef idx="0">
+            <a:schemeClr val="accent1"/>
+          </a:effectRef>
+          <a:fontRef idx="minor">
+            <a:schemeClr val="tx1"/>
+          </a:fontRef>
+        </p:style>
+      </p:cxnSp>
+      <p:sp>
+        <p:nvSpPr>
+          <p:cNvPr id="36" name="TextBox 35">
+            <a:extLst>
+              <a:ext uri="{FF2B5EF4-FFF2-40B4-BE49-F238E27FC236}">
+                <a16:creationId xmlns:a16="http://schemas.microsoft.com/office/drawing/2014/main" id="{1C3EC10F-89E4-5D41-91AE-7069C2A0F22F}"/>
+              </a:ext>
+            </a:extLst>
+          </p:cNvPr>
+          <p:cNvSpPr txBox="1"/>
+          <p:nvPr/>
+        </p:nvSpPr>
+        <p:spPr>
+          <a:xfrm>
+            <a:off x="3508744" y="5677786"/>
+            <a:ext cx="184731" cy="369332"/>
+          </a:xfrm>
+          <a:prstGeom prst="rect">
+            <a:avLst/>
+          </a:prstGeom>
+          <a:noFill/>
+        </p:spPr>
+        <p:txBody>
+          <a:bodyPr wrap="none" rtlCol="0">
+            <a:spAutoFit/>
+          </a:bodyPr>
+          <a:lstStyle/>
+          <a:p>
+            <a:endParaRPr lang="en-US" dirty="0"/>
+          </a:p>
+        </p:txBody>
+      </p:sp>
+      <p:sp>
+        <p:nvSpPr>
+          <p:cNvPr id="125" name="Left Arrow 124">
+            <a:extLst>
+              <a:ext uri="{FF2B5EF4-FFF2-40B4-BE49-F238E27FC236}">
+                <a16:creationId xmlns:a16="http://schemas.microsoft.com/office/drawing/2014/main" id="{FFF300D1-389A-D94E-9006-ADA64C22144A}"/>
+              </a:ext>
+            </a:extLst>
+          </p:cNvPr>
+          <p:cNvSpPr/>
+          <p:nvPr/>
+        </p:nvSpPr>
+        <p:spPr>
+          <a:xfrm>
+            <a:off x="1515424" y="3842852"/>
+            <a:ext cx="2176363" cy="484632"/>
+          </a:xfrm>
+          <a:prstGeom prst="leftArrow">
+            <a:avLst/>
+          </a:prstGeom>
+          <a:solidFill>
+            <a:schemeClr val="bg1">
+              <a:lumMod val="65000"/>
+            </a:schemeClr>
+          </a:solidFill>
+        </p:spPr>
+        <p:style>
+          <a:lnRef idx="2">
+            <a:schemeClr val="accent1">
+              <a:shade val="50000"/>
+            </a:schemeClr>
+          </a:lnRef>
+          <a:fillRef idx="1">
+            <a:schemeClr val="accent1"/>
+          </a:fillRef>
+          <a:effectRef idx="0">
+            <a:schemeClr val="accent1"/>
+          </a:effectRef>
+          <a:fontRef idx="minor">
+            <a:schemeClr val="lt1"/>
+          </a:fontRef>
+        </p:style>
+        <p:txBody>
+          <a:bodyPr rtlCol="0" anchor="ctr"/>
+          <a:lstStyle/>
+          <a:p>
+            <a:pPr algn="ctr"/>
+            <a:r>
+              <a:rPr lang="en-US" sz="1200" dirty="0"/>
+              <a:t>Included as apps</a:t>
+            </a:r>
+          </a:p>
+        </p:txBody>
+      </p:sp>
+      <p:sp>
+        <p:nvSpPr>
+          <p:cNvPr id="126" name="Rectangle 125">
+            <a:extLst>
+              <a:ext uri="{FF2B5EF4-FFF2-40B4-BE49-F238E27FC236}">
+                <a16:creationId xmlns:a16="http://schemas.microsoft.com/office/drawing/2014/main" id="{6499A0B0-043E-6F4F-B3CD-A7E0448871C6}"/>
+              </a:ext>
+            </a:extLst>
+          </p:cNvPr>
+          <p:cNvSpPr/>
+          <p:nvPr/>
+        </p:nvSpPr>
+        <p:spPr>
+          <a:xfrm>
+            <a:off x="3676489" y="3689844"/>
+            <a:ext cx="1661617" cy="669918"/>
+          </a:xfrm>
+          <a:prstGeom prst="rect">
+            <a:avLst/>
+          </a:prstGeom>
+          <a:noFill/>
+          <a:ln w="25400">
+            <a:solidFill>
+              <a:schemeClr val="accent6">
+                <a:lumMod val="75000"/>
+              </a:schemeClr>
+            </a:solidFill>
+            <a:prstDash val="dash"/>
+          </a:ln>
+        </p:spPr>
+        <p:style>
+          <a:lnRef idx="2">
+            <a:schemeClr val="accent1">
+              <a:shade val="50000"/>
+            </a:schemeClr>
+          </a:lnRef>
+          <a:fillRef idx="1">
+            <a:schemeClr val="accent1"/>
+          </a:fillRef>
+          <a:effectRef idx="0">
+            <a:schemeClr val="accent1"/>
+          </a:effectRef>
+          <a:fontRef idx="minor">
+            <a:schemeClr val="lt1"/>
+          </a:fontRef>
+        </p:style>
+        <p:txBody>
+          <a:bodyPr rtlCol="0" anchor="ctr"/>
+          <a:lstStyle/>
+          <a:p>
+            <a:pPr algn="ctr"/>
+            <a:endParaRPr lang="en-US" sz="1000">
+              <a:solidFill>
+                <a:schemeClr val="tx1"/>
+              </a:solidFill>
+              <a:latin typeface="Menlo" panose="020B0609030804020204" pitchFamily="49" charset="0"/>
+              <a:ea typeface="Menlo" panose="020B0609030804020204" pitchFamily="49" charset="0"/>
+              <a:cs typeface="Menlo" panose="020B0609030804020204" pitchFamily="49" charset="0"/>
+            </a:endParaRPr>
+          </a:p>
+        </p:txBody>
+      </p:sp>
+      <p:pic>
+        <p:nvPicPr>
+          <p:cNvPr id="130" name="Picture 129">
+            <a:extLst>
+              <a:ext uri="{FF2B5EF4-FFF2-40B4-BE49-F238E27FC236}">
+                <a16:creationId xmlns:a16="http://schemas.microsoft.com/office/drawing/2014/main" id="{CD22F1B5-8409-E949-9F0E-40313427A5FC}"/>
+              </a:ext>
+            </a:extLst>
+          </p:cNvPr>
+          <p:cNvPicPr>
+            <a:picLocks noChangeAspect="1"/>
+          </p:cNvPicPr>
+          <p:nvPr/>
+        </p:nvPicPr>
+        <p:blipFill>
+          <a:blip r:embed="rId9"/>
+          <a:stretch>
+            <a:fillRect/>
+          </a:stretch>
+        </p:blipFill>
+        <p:spPr>
+          <a:xfrm>
+            <a:off x="384040" y="796657"/>
+            <a:ext cx="693698" cy="324649"/>
+          </a:xfrm>
+          <a:prstGeom prst="rect">
+            <a:avLst/>
+          </a:prstGeom>
+        </p:spPr>
+      </p:pic>
+      <p:cxnSp>
+        <p:nvCxnSpPr>
+          <p:cNvPr id="132" name="Straight Connector 131">
+            <a:extLst>
+              <a:ext uri="{FF2B5EF4-FFF2-40B4-BE49-F238E27FC236}">
+                <a16:creationId xmlns:a16="http://schemas.microsoft.com/office/drawing/2014/main" id="{810C9CD3-9C88-9544-A3D7-8123C2A2A7B1}"/>
+              </a:ext>
+            </a:extLst>
+          </p:cNvPr>
+          <p:cNvCxnSpPr>
+            <a:cxnSpLocks/>
+          </p:cNvCxnSpPr>
+          <p:nvPr/>
+        </p:nvCxnSpPr>
+        <p:spPr>
+          <a:xfrm>
+            <a:off x="4913978" y="363279"/>
+            <a:ext cx="0" cy="1065069"/>
+          </a:xfrm>
+          <a:prstGeom prst="line">
+            <a:avLst/>
+          </a:prstGeom>
+        </p:spPr>
+        <p:style>
+          <a:lnRef idx="1">
+            <a:schemeClr val="accent1"/>
+          </a:lnRef>
+          <a:fillRef idx="0">
+            <a:schemeClr val="accent1"/>
+          </a:fillRef>
+          <a:effectRef idx="0">
+            <a:schemeClr val="accent1"/>
+          </a:effectRef>
+          <a:fontRef idx="minor">
+            <a:schemeClr val="tx1"/>
+          </a:fontRef>
+        </p:style>
+      </p:cxnSp>
+      <p:sp>
+        <p:nvSpPr>
+          <p:cNvPr id="134" name="TextBox 133">
+            <a:extLst>
+              <a:ext uri="{FF2B5EF4-FFF2-40B4-BE49-F238E27FC236}">
+                <a16:creationId xmlns:a16="http://schemas.microsoft.com/office/drawing/2014/main" id="{5835E822-9EAF-EC46-A869-517F247DD985}"/>
+              </a:ext>
+            </a:extLst>
+          </p:cNvPr>
+          <p:cNvSpPr txBox="1"/>
+          <p:nvPr/>
+        </p:nvSpPr>
+        <p:spPr>
+          <a:xfrm>
+            <a:off x="241501" y="412652"/>
+            <a:ext cx="1244251" cy="261610"/>
+          </a:xfrm>
+          <a:prstGeom prst="rect">
+            <a:avLst/>
+          </a:prstGeom>
+          <a:noFill/>
+        </p:spPr>
+        <p:txBody>
+          <a:bodyPr wrap="none" rtlCol="0">
+            <a:spAutoFit/>
+          </a:bodyPr>
+          <a:lstStyle/>
+          <a:p>
+            <a:r>
+              <a:rPr lang="en-US" sz="1100" dirty="0"/>
+              <a:t>Core desktop apps</a:t>
+            </a:r>
+          </a:p>
+        </p:txBody>
+      </p:sp>
+      <p:sp>
+        <p:nvSpPr>
+          <p:cNvPr id="135" name="TextBox 134">
+            <a:extLst>
+              <a:ext uri="{FF2B5EF4-FFF2-40B4-BE49-F238E27FC236}">
+                <a16:creationId xmlns:a16="http://schemas.microsoft.com/office/drawing/2014/main" id="{97532F09-0E15-5147-92C7-F00D56198F3B}"/>
+              </a:ext>
+            </a:extLst>
+          </p:cNvPr>
+          <p:cNvSpPr txBox="1"/>
+          <p:nvPr/>
+        </p:nvSpPr>
+        <p:spPr>
+          <a:xfrm>
+            <a:off x="4956122" y="426984"/>
+            <a:ext cx="1175322" cy="261610"/>
+          </a:xfrm>
+          <a:prstGeom prst="rect">
+            <a:avLst/>
+          </a:prstGeom>
+          <a:noFill/>
+        </p:spPr>
+        <p:txBody>
+          <a:bodyPr wrap="none" rtlCol="0">
+            <a:spAutoFit/>
+          </a:bodyPr>
+          <a:lstStyle/>
+          <a:p>
+            <a:r>
+              <a:rPr lang="en-US" sz="1100" dirty="0"/>
+              <a:t>Extension Plugins</a:t>
+            </a:r>
+          </a:p>
+        </p:txBody>
+      </p:sp>
+      <p:sp>
+        <p:nvSpPr>
+          <p:cNvPr id="136" name="TextBox 135">
+            <a:extLst>
+              <a:ext uri="{FF2B5EF4-FFF2-40B4-BE49-F238E27FC236}">
+                <a16:creationId xmlns:a16="http://schemas.microsoft.com/office/drawing/2014/main" id="{8BA091DE-6769-C747-892C-2F59F0C931EA}"/>
+              </a:ext>
+            </a:extLst>
+          </p:cNvPr>
+          <p:cNvSpPr txBox="1"/>
+          <p:nvPr/>
+        </p:nvSpPr>
+        <p:spPr>
+          <a:xfrm>
+            <a:off x="6893577" y="542793"/>
+            <a:ext cx="739305" cy="430887"/>
+          </a:xfrm>
+          <a:prstGeom prst="rect">
+            <a:avLst/>
+          </a:prstGeom>
+          <a:noFill/>
+        </p:spPr>
+        <p:txBody>
+          <a:bodyPr wrap="none" rtlCol="0">
+            <a:spAutoFit/>
+          </a:bodyPr>
+          <a:lstStyle/>
+          <a:p>
+            <a:r>
+              <a:rPr lang="en-US" sz="1100" dirty="0"/>
+              <a:t>Extension</a:t>
+            </a:r>
+          </a:p>
+          <a:p>
+            <a:r>
+              <a:rPr lang="en-US" sz="1100" dirty="0"/>
+              <a:t>Plugins</a:t>
+            </a:r>
+          </a:p>
+        </p:txBody>
+      </p:sp>
+      <p:cxnSp>
+        <p:nvCxnSpPr>
+          <p:cNvPr id="137" name="Straight Connector 136">
+            <a:extLst>
+              <a:ext uri="{FF2B5EF4-FFF2-40B4-BE49-F238E27FC236}">
+                <a16:creationId xmlns:a16="http://schemas.microsoft.com/office/drawing/2014/main" id="{A935370D-A05A-5146-AB02-EE6BFB7FE18C}"/>
+              </a:ext>
+            </a:extLst>
+          </p:cNvPr>
+          <p:cNvCxnSpPr>
+            <a:cxnSpLocks/>
+          </p:cNvCxnSpPr>
+          <p:nvPr/>
+        </p:nvCxnSpPr>
+        <p:spPr>
+          <a:xfrm>
+            <a:off x="7629611" y="504170"/>
+            <a:ext cx="0" cy="849911"/>
+          </a:xfrm>
+          <a:prstGeom prst="line">
+            <a:avLst/>
+          </a:prstGeom>
+        </p:spPr>
+        <p:style>
+          <a:lnRef idx="1">
+            <a:schemeClr val="accent1"/>
+          </a:lnRef>
+          <a:fillRef idx="0">
+            <a:schemeClr val="accent1"/>
+          </a:fillRef>
+          <a:effectRef idx="0">
+            <a:schemeClr val="accent1"/>
+          </a:effectRef>
+          <a:fontRef idx="minor">
+            <a:schemeClr val="tx1"/>
+          </a:fontRef>
+        </p:style>
+      </p:cxnSp>
+      <p:sp>
+        <p:nvSpPr>
+          <p:cNvPr id="140" name="TextBox 139">
+            <a:extLst>
+              <a:ext uri="{FF2B5EF4-FFF2-40B4-BE49-F238E27FC236}">
+                <a16:creationId xmlns:a16="http://schemas.microsoft.com/office/drawing/2014/main" id="{54680ECA-31F3-314A-8732-C39143295BC2}"/>
+              </a:ext>
+            </a:extLst>
+          </p:cNvPr>
+          <p:cNvSpPr txBox="1"/>
+          <p:nvPr/>
+        </p:nvSpPr>
+        <p:spPr>
+          <a:xfrm>
+            <a:off x="8105761" y="541905"/>
+            <a:ext cx="655949" cy="261610"/>
+          </a:xfrm>
+          <a:prstGeom prst="rect">
+            <a:avLst/>
+          </a:prstGeom>
+          <a:noFill/>
+        </p:spPr>
+        <p:txBody>
+          <a:bodyPr wrap="none" rtlCol="0">
+            <a:spAutoFit/>
+          </a:bodyPr>
+          <a:lstStyle/>
+          <a:p>
+            <a:r>
+              <a:rPr lang="en-US" sz="1100" dirty="0"/>
+              <a:t>Core CLI</a:t>
+            </a:r>
+          </a:p>
+        </p:txBody>
+      </p:sp>
+      <p:cxnSp>
+        <p:nvCxnSpPr>
+          <p:cNvPr id="141" name="Straight Connector 140">
+            <a:extLst>
+              <a:ext uri="{FF2B5EF4-FFF2-40B4-BE49-F238E27FC236}">
+                <a16:creationId xmlns:a16="http://schemas.microsoft.com/office/drawing/2014/main" id="{C835EE13-36AC-B643-AB6E-5BA554335981}"/>
+              </a:ext>
+            </a:extLst>
+          </p:cNvPr>
+          <p:cNvCxnSpPr>
+            <a:cxnSpLocks/>
+          </p:cNvCxnSpPr>
+          <p:nvPr/>
+        </p:nvCxnSpPr>
+        <p:spPr>
+          <a:xfrm>
+            <a:off x="9153611" y="541905"/>
+            <a:ext cx="0" cy="793966"/>
+          </a:xfrm>
+          <a:prstGeom prst="line">
+            <a:avLst/>
+          </a:prstGeom>
+          <a:ln>
+            <a:prstDash val="dash"/>
+          </a:ln>
+        </p:spPr>
+        <p:style>
+          <a:lnRef idx="1">
+            <a:schemeClr val="accent1"/>
+          </a:lnRef>
+          <a:fillRef idx="0">
+            <a:schemeClr val="accent1"/>
+          </a:fillRef>
+          <a:effectRef idx="0">
+            <a:schemeClr val="accent1"/>
+          </a:effectRef>
+          <a:fontRef idx="minor">
+            <a:schemeClr val="tx1"/>
+          </a:fontRef>
+        </p:style>
+      </p:cxnSp>
+      <p:sp>
+        <p:nvSpPr>
+          <p:cNvPr id="143" name="TextBox 142">
+            <a:extLst>
+              <a:ext uri="{FF2B5EF4-FFF2-40B4-BE49-F238E27FC236}">
+                <a16:creationId xmlns:a16="http://schemas.microsoft.com/office/drawing/2014/main" id="{3948393E-6738-C84D-8AB0-02473AEA0976}"/>
+              </a:ext>
+            </a:extLst>
+          </p:cNvPr>
+          <p:cNvSpPr txBox="1"/>
+          <p:nvPr/>
+        </p:nvSpPr>
+        <p:spPr>
+          <a:xfrm>
+            <a:off x="9208213" y="544971"/>
+            <a:ext cx="1095172" cy="261610"/>
+          </a:xfrm>
+          <a:prstGeom prst="rect">
+            <a:avLst/>
+          </a:prstGeom>
+          <a:noFill/>
+        </p:spPr>
+        <p:txBody>
+          <a:bodyPr wrap="none" rtlCol="0">
+            <a:spAutoFit/>
+          </a:bodyPr>
+          <a:lstStyle/>
+          <a:p>
+            <a:r>
+              <a:rPr lang="en-US" sz="1100" dirty="0"/>
+              <a:t>Core Extensions</a:t>
+            </a:r>
+          </a:p>
+        </p:txBody>
+      </p:sp>
+      <p:sp>
+        <p:nvSpPr>
+          <p:cNvPr id="144" name="TextBox 143">
+            <a:extLst>
+              <a:ext uri="{FF2B5EF4-FFF2-40B4-BE49-F238E27FC236}">
+                <a16:creationId xmlns:a16="http://schemas.microsoft.com/office/drawing/2014/main" id="{7C63BE34-CBB7-A843-8086-348B4DEBE3C4}"/>
+              </a:ext>
+            </a:extLst>
+          </p:cNvPr>
+          <p:cNvSpPr txBox="1"/>
+          <p:nvPr/>
+        </p:nvSpPr>
+        <p:spPr>
+          <a:xfrm>
+            <a:off x="1550349" y="6399843"/>
+            <a:ext cx="308098" cy="369332"/>
+          </a:xfrm>
+          <a:prstGeom prst="rect">
+            <a:avLst/>
+          </a:prstGeom>
+          <a:noFill/>
+        </p:spPr>
+        <p:txBody>
+          <a:bodyPr wrap="none" rtlCol="0">
+            <a:spAutoFit/>
+          </a:bodyPr>
+          <a:lstStyle/>
+          <a:p>
+            <a:r>
+              <a:rPr lang="en-US" dirty="0">
+                <a:solidFill>
+                  <a:srgbClr val="7030A0"/>
+                </a:solidFill>
+              </a:rPr>
+              <a:t>C</a:t>
+            </a:r>
+          </a:p>
+        </p:txBody>
+      </p:sp>
+      <p:cxnSp>
+        <p:nvCxnSpPr>
+          <p:cNvPr id="67" name="Straight Arrow Connector 66">
+            <a:extLst>
+              <a:ext uri="{FF2B5EF4-FFF2-40B4-BE49-F238E27FC236}">
+                <a16:creationId xmlns:a16="http://schemas.microsoft.com/office/drawing/2014/main" id="{14C9C9C0-A1B2-754A-8AC7-11549460EE6B}"/>
+              </a:ext>
+            </a:extLst>
+          </p:cNvPr>
+          <p:cNvCxnSpPr>
+            <a:cxnSpLocks/>
+          </p:cNvCxnSpPr>
+          <p:nvPr/>
+        </p:nvCxnSpPr>
+        <p:spPr>
+          <a:xfrm>
+            <a:off x="929444" y="4286589"/>
+            <a:ext cx="7303" cy="354941"/>
+          </a:xfrm>
+          <a:prstGeom prst="straightConnector1">
+            <a:avLst/>
+          </a:prstGeom>
+          <a:ln>
+            <a:headEnd type="triangle"/>
+            <a:tailEnd type="triangle"/>
+          </a:ln>
+        </p:spPr>
+        <p:style>
+          <a:lnRef idx="1">
+            <a:schemeClr val="accent1"/>
+          </a:lnRef>
+          <a:fillRef idx="0">
+            <a:schemeClr val="accent1"/>
+          </a:fillRef>
+          <a:effectRef idx="0">
+            <a:schemeClr val="accent1"/>
+          </a:effectRef>
+          <a:fontRef idx="minor">
+            <a:schemeClr val="tx1"/>
+          </a:fontRef>
+        </p:style>
+      </p:cxnSp>
+      <p:sp>
+        <p:nvSpPr>
+          <p:cNvPr id="150" name="TextBox 149">
+            <a:extLst>
+              <a:ext uri="{FF2B5EF4-FFF2-40B4-BE49-F238E27FC236}">
+                <a16:creationId xmlns:a16="http://schemas.microsoft.com/office/drawing/2014/main" id="{EA7A4A73-0660-F348-A403-92BF9AF64AE2}"/>
+              </a:ext>
+            </a:extLst>
+          </p:cNvPr>
+          <p:cNvSpPr txBox="1"/>
+          <p:nvPr/>
+        </p:nvSpPr>
+        <p:spPr>
+          <a:xfrm>
+            <a:off x="2438935" y="6320989"/>
+            <a:ext cx="1448579" cy="369332"/>
+          </a:xfrm>
+          <a:prstGeom prst="rect">
+            <a:avLst/>
+          </a:prstGeom>
+          <a:solidFill>
+            <a:schemeClr val="tx1"/>
+          </a:solidFill>
+        </p:spPr>
+        <p:txBody>
+          <a:bodyPr wrap="square" rtlCol="0">
+            <a:spAutoFit/>
+          </a:bodyPr>
+          <a:lstStyle/>
+          <a:p>
+            <a:r>
+              <a:rPr lang="en-US" dirty="0">
+                <a:solidFill>
+                  <a:schemeClr val="accent6">
+                    <a:lumMod val="75000"/>
+                  </a:schemeClr>
+                </a:solidFill>
+              </a:rPr>
+              <a:t>/S ZWESISTC</a:t>
+            </a:r>
+          </a:p>
+        </p:txBody>
+      </p:sp>
+      <p:sp>
+        <p:nvSpPr>
+          <p:cNvPr id="151" name="TextBox 150">
+            <a:extLst>
+              <a:ext uri="{FF2B5EF4-FFF2-40B4-BE49-F238E27FC236}">
+                <a16:creationId xmlns:a16="http://schemas.microsoft.com/office/drawing/2014/main" id="{9EBFC8B3-1FFB-6249-8C02-67166F302C23}"/>
+              </a:ext>
+            </a:extLst>
+          </p:cNvPr>
+          <p:cNvSpPr txBox="1"/>
+          <p:nvPr/>
+        </p:nvSpPr>
+        <p:spPr>
+          <a:xfrm>
+            <a:off x="2407266" y="4686784"/>
+            <a:ext cx="1424301" cy="369332"/>
+          </a:xfrm>
+          <a:prstGeom prst="rect">
+            <a:avLst/>
+          </a:prstGeom>
+          <a:solidFill>
+            <a:schemeClr val="tx1"/>
+          </a:solidFill>
+        </p:spPr>
+        <p:txBody>
+          <a:bodyPr wrap="none" rtlCol="0">
+            <a:spAutoFit/>
+          </a:bodyPr>
+          <a:lstStyle/>
+          <a:p>
+            <a:r>
+              <a:rPr lang="en-US" dirty="0">
+                <a:solidFill>
+                  <a:schemeClr val="accent6">
+                    <a:lumMod val="75000"/>
+                  </a:schemeClr>
+                </a:solidFill>
+              </a:rPr>
+              <a:t>/S ZWESVSTC</a:t>
+            </a:r>
+          </a:p>
+        </p:txBody>
+      </p:sp>
+      <p:sp>
+        <p:nvSpPr>
+          <p:cNvPr id="120" name="Multiply 119">
+            <a:extLst>
+              <a:ext uri="{FF2B5EF4-FFF2-40B4-BE49-F238E27FC236}">
+                <a16:creationId xmlns:a16="http://schemas.microsoft.com/office/drawing/2014/main" id="{E4672835-3524-954B-B69D-1D918BED3BFC}"/>
+              </a:ext>
+            </a:extLst>
+          </p:cNvPr>
+          <p:cNvSpPr/>
+          <p:nvPr/>
+        </p:nvSpPr>
+        <p:spPr>
+          <a:xfrm>
+            <a:off x="820893" y="4314071"/>
+            <a:ext cx="244884" cy="296569"/>
+          </a:xfrm>
+          <a:prstGeom prst="mathMultiply">
+            <a:avLst/>
+          </a:prstGeom>
+          <a:solidFill>
+            <a:srgbClr val="FF0000"/>
+          </a:solidFill>
+        </p:spPr>
+        <p:style>
+          <a:lnRef idx="2">
+            <a:schemeClr val="accent1">
+              <a:shade val="50000"/>
+            </a:schemeClr>
+          </a:lnRef>
+          <a:fillRef idx="1">
+            <a:schemeClr val="accent1"/>
+          </a:fillRef>
+          <a:effectRef idx="0">
+            <a:schemeClr val="accent1"/>
+          </a:effectRef>
+          <a:fontRef idx="minor">
+            <a:schemeClr val="lt1"/>
+          </a:fontRef>
+        </p:style>
+        <p:txBody>
+          <a:bodyPr rtlCol="0" anchor="ctr"/>
+          <a:lstStyle/>
+          <a:p>
+            <a:pPr algn="ctr"/>
+            <a:endParaRPr lang="en-US" dirty="0">
+              <a:solidFill>
+                <a:srgbClr val="FF0000"/>
+              </a:solidFill>
+              <a:highlight>
+                <a:srgbClr val="FF0000"/>
+              </a:highlight>
+            </a:endParaRPr>
+          </a:p>
+        </p:txBody>
+      </p:sp>
+      <p:sp>
+        <p:nvSpPr>
+          <p:cNvPr id="18" name="Oval 17">
+            <a:extLst>
+              <a:ext uri="{FF2B5EF4-FFF2-40B4-BE49-F238E27FC236}">
+                <a16:creationId xmlns:a16="http://schemas.microsoft.com/office/drawing/2014/main" id="{54175E58-349E-704D-B06F-5908E2ECCE65}"/>
+              </a:ext>
+            </a:extLst>
+          </p:cNvPr>
+          <p:cNvSpPr/>
+          <p:nvPr/>
+        </p:nvSpPr>
+        <p:spPr>
+          <a:xfrm>
+            <a:off x="863626" y="5412356"/>
+            <a:ext cx="437078" cy="369332"/>
+          </a:xfrm>
+          <a:prstGeom prst="ellipse">
+            <a:avLst/>
+          </a:prstGeom>
+          <a:solidFill>
+            <a:srgbClr val="FF0000"/>
+          </a:solidFill>
+        </p:spPr>
+        <p:style>
+          <a:lnRef idx="2">
+            <a:schemeClr val="accent1">
+              <a:shade val="50000"/>
+            </a:schemeClr>
+          </a:lnRef>
+          <a:fillRef idx="1">
+            <a:schemeClr val="accent1"/>
+          </a:fillRef>
+          <a:effectRef idx="0">
+            <a:schemeClr val="accent1"/>
+          </a:effectRef>
+          <a:fontRef idx="minor">
+            <a:schemeClr val="lt1"/>
+          </a:fontRef>
+        </p:style>
+        <p:txBody>
+          <a:bodyPr rtlCol="0" anchor="ctr"/>
+          <a:lstStyle/>
+          <a:p>
+            <a:pPr algn="ctr"/>
+            <a:r>
+              <a:rPr lang="en-US" dirty="0"/>
+              <a:t>1</a:t>
+            </a:r>
+          </a:p>
+        </p:txBody>
+      </p:sp>
+      <p:sp>
+        <p:nvSpPr>
+          <p:cNvPr id="123" name="Oval 122">
+            <a:extLst>
+              <a:ext uri="{FF2B5EF4-FFF2-40B4-BE49-F238E27FC236}">
+                <a16:creationId xmlns:a16="http://schemas.microsoft.com/office/drawing/2014/main" id="{9FAB72A4-14E8-E04F-A694-0EDD320721D6}"/>
+              </a:ext>
+            </a:extLst>
+          </p:cNvPr>
+          <p:cNvSpPr/>
+          <p:nvPr/>
+        </p:nvSpPr>
+        <p:spPr>
+          <a:xfrm>
+            <a:off x="836674" y="4273310"/>
+            <a:ext cx="437078" cy="369332"/>
+          </a:xfrm>
+          <a:prstGeom prst="ellipse">
+            <a:avLst/>
+          </a:prstGeom>
+          <a:solidFill>
+            <a:srgbClr val="FF0000"/>
+          </a:solidFill>
+        </p:spPr>
+        <p:style>
+          <a:lnRef idx="2">
+            <a:schemeClr val="accent1">
+              <a:shade val="50000"/>
+            </a:schemeClr>
+          </a:lnRef>
+          <a:fillRef idx="1">
+            <a:schemeClr val="accent1"/>
+          </a:fillRef>
+          <a:effectRef idx="0">
+            <a:schemeClr val="accent1"/>
+          </a:effectRef>
+          <a:fontRef idx="minor">
+            <a:schemeClr val="lt1"/>
+          </a:fontRef>
+        </p:style>
+        <p:txBody>
+          <a:bodyPr rtlCol="0" anchor="ctr"/>
+          <a:lstStyle/>
+          <a:p>
+            <a:pPr algn="ctr"/>
+            <a:r>
+              <a:rPr lang="en-US" dirty="0"/>
+              <a:t>2</a:t>
+            </a:r>
+          </a:p>
+        </p:txBody>
+      </p:sp>
+    </p:spTree>
+    <p:extLst>
+      <p:ext uri="{BB962C8B-B14F-4D97-AF65-F5344CB8AC3E}">
+        <p14:creationId xmlns:p14="http://schemas.microsoft.com/office/powerpoint/2010/main" val="3032691156"/>
+      </p:ext>
+    </p:extLst>
+  </p:cSld>
+  <p:clrMapOvr>
+    <a:masterClrMapping/>
+  </p:clrMapOvr>
+  <mc:AlternateContent xmlns:mc="http://schemas.openxmlformats.org/markup-compatibility/2006" xmlns:p14="http://schemas.microsoft.com/office/powerpoint/2010/main">
+    <mc:Choice Requires="p14">
+      <p:transition spd="med" p14:dur="700">
+        <p:fade/>
+      </p:transition>
+    </mc:Choice>
+    <mc:Fallback xmlns="">
+      <p:transition spd="med">
+        <p:fade/>
+      </p:transition>
+    </mc:Fallback>
+  </mc:AlternateContent>
+</p:sld>
+</file>
+
 <file path=ppt/theme/theme1.xml><?xml version="1.0" encoding="utf-8"?>
 <a:theme xmlns:a="http://schemas.openxmlformats.org/drawingml/2006/main" name="Office Theme">
   <a:themeElements>

--- a/docs/images/common/zowe-architecture.pptx
+++ b/docs/images/common/zowe-architecture.pptx
@@ -197,7 +197,7 @@
           <a:p>
             <a:fld id="{26E70E1E-3B7C-8D4D-B700-360134022E14}" type="datetimeFigureOut">
               <a:rPr lang="en-CN" smtClean="0"/>
-              <a:t>8/4/20</a:t>
+              <a:t>2020/8/5</a:t>
             </a:fld>
             <a:endParaRPr lang="en-CN"/>
           </a:p>
@@ -699,7 +699,7 @@
           <a:p>
             <a:fld id="{B1DB1BE8-3F77-D044-8747-9903AC5CD864}" type="datetimeFigureOut">
               <a:rPr lang="en-US" smtClean="0"/>
-              <a:t>8/4/20</a:t>
+              <a:t>8/5/20</a:t>
             </a:fld>
             <a:endParaRPr lang="en-US"/>
           </a:p>
@@ -897,7 +897,7 @@
           <a:p>
             <a:fld id="{B1DB1BE8-3F77-D044-8747-9903AC5CD864}" type="datetimeFigureOut">
               <a:rPr lang="en-US" smtClean="0"/>
-              <a:t>8/4/20</a:t>
+              <a:t>8/5/20</a:t>
             </a:fld>
             <a:endParaRPr lang="en-US"/>
           </a:p>
@@ -1105,7 +1105,7 @@
           <a:p>
             <a:fld id="{B1DB1BE8-3F77-D044-8747-9903AC5CD864}" type="datetimeFigureOut">
               <a:rPr lang="en-US" smtClean="0"/>
-              <a:t>8/4/20</a:t>
+              <a:t>8/5/20</a:t>
             </a:fld>
             <a:endParaRPr lang="en-US"/>
           </a:p>
@@ -1303,7 +1303,7 @@
           <a:p>
             <a:fld id="{B1DB1BE8-3F77-D044-8747-9903AC5CD864}" type="datetimeFigureOut">
               <a:rPr lang="en-US" smtClean="0"/>
-              <a:t>8/4/20</a:t>
+              <a:t>8/5/20</a:t>
             </a:fld>
             <a:endParaRPr lang="en-US"/>
           </a:p>
@@ -1578,7 +1578,7 @@
           <a:p>
             <a:fld id="{B1DB1BE8-3F77-D044-8747-9903AC5CD864}" type="datetimeFigureOut">
               <a:rPr lang="en-US" smtClean="0"/>
-              <a:t>8/4/20</a:t>
+              <a:t>8/5/20</a:t>
             </a:fld>
             <a:endParaRPr lang="en-US"/>
           </a:p>
@@ -1843,7 +1843,7 @@
           <a:p>
             <a:fld id="{B1DB1BE8-3F77-D044-8747-9903AC5CD864}" type="datetimeFigureOut">
               <a:rPr lang="en-US" smtClean="0"/>
-              <a:t>8/4/20</a:t>
+              <a:t>8/5/20</a:t>
             </a:fld>
             <a:endParaRPr lang="en-US"/>
           </a:p>
@@ -2255,7 +2255,7 @@
           <a:p>
             <a:fld id="{B1DB1BE8-3F77-D044-8747-9903AC5CD864}" type="datetimeFigureOut">
               <a:rPr lang="en-US" smtClean="0"/>
-              <a:t>8/4/20</a:t>
+              <a:t>8/5/20</a:t>
             </a:fld>
             <a:endParaRPr lang="en-US"/>
           </a:p>
@@ -2396,7 +2396,7 @@
           <a:p>
             <a:fld id="{B1DB1BE8-3F77-D044-8747-9903AC5CD864}" type="datetimeFigureOut">
               <a:rPr lang="en-US" smtClean="0"/>
-              <a:t>8/4/20</a:t>
+              <a:t>8/5/20</a:t>
             </a:fld>
             <a:endParaRPr lang="en-US"/>
           </a:p>
@@ -2509,7 +2509,7 @@
           <a:p>
             <a:fld id="{B1DB1BE8-3F77-D044-8747-9903AC5CD864}" type="datetimeFigureOut">
               <a:rPr lang="en-US" smtClean="0"/>
-              <a:t>8/4/20</a:t>
+              <a:t>8/5/20</a:t>
             </a:fld>
             <a:endParaRPr lang="en-US"/>
           </a:p>
@@ -2820,7 +2820,7 @@
           <a:p>
             <a:fld id="{B1DB1BE8-3F77-D044-8747-9903AC5CD864}" type="datetimeFigureOut">
               <a:rPr lang="en-US" smtClean="0"/>
-              <a:t>8/4/20</a:t>
+              <a:t>8/5/20</a:t>
             </a:fld>
             <a:endParaRPr lang="en-US"/>
           </a:p>
@@ -3108,7 +3108,7 @@
           <a:p>
             <a:fld id="{B1DB1BE8-3F77-D044-8747-9903AC5CD864}" type="datetimeFigureOut">
               <a:rPr lang="en-US" smtClean="0"/>
-              <a:t>8/4/20</a:t>
+              <a:t>8/5/20</a:t>
             </a:fld>
             <a:endParaRPr lang="en-US"/>
           </a:p>
@@ -3349,7 +3349,7 @@
           <a:p>
             <a:fld id="{B1DB1BE8-3F77-D044-8747-9903AC5CD864}" type="datetimeFigureOut">
               <a:rPr lang="en-US" smtClean="0"/>
-              <a:t>8/4/20</a:t>
+              <a:t>8/5/20</a:t>
             </a:fld>
             <a:endParaRPr lang="en-US"/>
           </a:p>
@@ -5749,7 +5749,7 @@
           <a:p>
             <a:pPr algn="ctr"/>
             <a:r>
-              <a:rPr lang="en-US" sz="1000" dirty="0">
+              <a:rPr lang="en-US" sz="900" dirty="0">
                 <a:solidFill>
                   <a:schemeClr val="tx1"/>
                 </a:solidFill>
@@ -9794,18 +9794,7 @@
                 <a:ea typeface="Menlo" panose="020B0609030804020204" pitchFamily="49" charset="0"/>
                 <a:cs typeface="Arial" panose="020B0604020202020204" pitchFamily="34" charset="0"/>
               </a:rPr>
-              <a:t>VT </a:t>
-            </a:r>
-            <a:r>
-              <a:rPr lang="en-US" sz="600" dirty="0">
-                <a:solidFill>
-                  <a:schemeClr val="tx1"/>
-                </a:solidFill>
-                <a:latin typeface="Arial" panose="020B0604020202020204" pitchFamily="34" charset="0"/>
-                <a:ea typeface="Menlo" panose="020B0609030804020204" pitchFamily="49" charset="0"/>
-                <a:cs typeface="Arial" panose="020B0604020202020204" pitchFamily="34" charset="0"/>
-              </a:rPr>
-              <a:t>Terminal</a:t>
+              <a:t>VT Terminal</a:t>
             </a:r>
           </a:p>
         </p:txBody>

--- a/docs/images/common/zowe-architecture.pptx
+++ b/docs/images/common/zowe-architecture.pptx
@@ -197,7 +197,7 @@
           <a:p>
             <a:fld id="{26E70E1E-3B7C-8D4D-B700-360134022E14}" type="datetimeFigureOut">
               <a:rPr lang="en-CN" smtClean="0"/>
-              <a:t>2020/8/5</a:t>
+              <a:t>9/2/20</a:t>
             </a:fld>
             <a:endParaRPr lang="en-CN"/>
           </a:p>
@@ -699,7 +699,7 @@
           <a:p>
             <a:fld id="{B1DB1BE8-3F77-D044-8747-9903AC5CD864}" type="datetimeFigureOut">
               <a:rPr lang="en-US" smtClean="0"/>
-              <a:t>8/5/20</a:t>
+              <a:t>9/2/20</a:t>
             </a:fld>
             <a:endParaRPr lang="en-US"/>
           </a:p>
@@ -897,7 +897,7 @@
           <a:p>
             <a:fld id="{B1DB1BE8-3F77-D044-8747-9903AC5CD864}" type="datetimeFigureOut">
               <a:rPr lang="en-US" smtClean="0"/>
-              <a:t>8/5/20</a:t>
+              <a:t>9/2/20</a:t>
             </a:fld>
             <a:endParaRPr lang="en-US"/>
           </a:p>
@@ -1105,7 +1105,7 @@
           <a:p>
             <a:fld id="{B1DB1BE8-3F77-D044-8747-9903AC5CD864}" type="datetimeFigureOut">
               <a:rPr lang="en-US" smtClean="0"/>
-              <a:t>8/5/20</a:t>
+              <a:t>9/2/20</a:t>
             </a:fld>
             <a:endParaRPr lang="en-US"/>
           </a:p>
@@ -1303,7 +1303,7 @@
           <a:p>
             <a:fld id="{B1DB1BE8-3F77-D044-8747-9903AC5CD864}" type="datetimeFigureOut">
               <a:rPr lang="en-US" smtClean="0"/>
-              <a:t>8/5/20</a:t>
+              <a:t>9/2/20</a:t>
             </a:fld>
             <a:endParaRPr lang="en-US"/>
           </a:p>
@@ -1578,7 +1578,7 @@
           <a:p>
             <a:fld id="{B1DB1BE8-3F77-D044-8747-9903AC5CD864}" type="datetimeFigureOut">
               <a:rPr lang="en-US" smtClean="0"/>
-              <a:t>8/5/20</a:t>
+              <a:t>9/2/20</a:t>
             </a:fld>
             <a:endParaRPr lang="en-US"/>
           </a:p>
@@ -1843,7 +1843,7 @@
           <a:p>
             <a:fld id="{B1DB1BE8-3F77-D044-8747-9903AC5CD864}" type="datetimeFigureOut">
               <a:rPr lang="en-US" smtClean="0"/>
-              <a:t>8/5/20</a:t>
+              <a:t>9/2/20</a:t>
             </a:fld>
             <a:endParaRPr lang="en-US"/>
           </a:p>
@@ -2255,7 +2255,7 @@
           <a:p>
             <a:fld id="{B1DB1BE8-3F77-D044-8747-9903AC5CD864}" type="datetimeFigureOut">
               <a:rPr lang="en-US" smtClean="0"/>
-              <a:t>8/5/20</a:t>
+              <a:t>9/2/20</a:t>
             </a:fld>
             <a:endParaRPr lang="en-US"/>
           </a:p>
@@ -2396,7 +2396,7 @@
           <a:p>
             <a:fld id="{B1DB1BE8-3F77-D044-8747-9903AC5CD864}" type="datetimeFigureOut">
               <a:rPr lang="en-US" smtClean="0"/>
-              <a:t>8/5/20</a:t>
+              <a:t>9/2/20</a:t>
             </a:fld>
             <a:endParaRPr lang="en-US"/>
           </a:p>
@@ -2509,7 +2509,7 @@
           <a:p>
             <a:fld id="{B1DB1BE8-3F77-D044-8747-9903AC5CD864}" type="datetimeFigureOut">
               <a:rPr lang="en-US" smtClean="0"/>
-              <a:t>8/5/20</a:t>
+              <a:t>9/2/20</a:t>
             </a:fld>
             <a:endParaRPr lang="en-US"/>
           </a:p>
@@ -2820,7 +2820,7 @@
           <a:p>
             <a:fld id="{B1DB1BE8-3F77-D044-8747-9903AC5CD864}" type="datetimeFigureOut">
               <a:rPr lang="en-US" smtClean="0"/>
-              <a:t>8/5/20</a:t>
+              <a:t>9/2/20</a:t>
             </a:fld>
             <a:endParaRPr lang="en-US"/>
           </a:p>
@@ -3108,7 +3108,7 @@
           <a:p>
             <a:fld id="{B1DB1BE8-3F77-D044-8747-9903AC5CD864}" type="datetimeFigureOut">
               <a:rPr lang="en-US" smtClean="0"/>
-              <a:t>8/5/20</a:t>
+              <a:t>9/2/20</a:t>
             </a:fld>
             <a:endParaRPr lang="en-US"/>
           </a:p>
@@ -3349,7 +3349,7 @@
           <a:p>
             <a:fld id="{B1DB1BE8-3F77-D044-8747-9903AC5CD864}" type="datetimeFigureOut">
               <a:rPr lang="en-US" smtClean="0"/>
-              <a:t>8/5/20</a:t>
+              <a:t>9/2/20</a:t>
             </a:fld>
             <a:endParaRPr lang="en-US"/>
           </a:p>
@@ -3908,7 +3908,7 @@
         </p:nvSpPr>
         <p:spPr>
           <a:xfrm>
-            <a:off x="745597" y="6047038"/>
+            <a:off x="698845" y="6044599"/>
             <a:ext cx="3814003" cy="631886"/>
           </a:xfrm>
           <a:prstGeom prst="rect">
@@ -4177,13 +4177,14 @@
           </p:cNvPr>
           <p:cNvCxnSpPr>
             <a:cxnSpLocks/>
+            <a:stCxn id="107" idx="3"/>
           </p:cNvCxnSpPr>
           <p:nvPr/>
         </p:nvCxnSpPr>
         <p:spPr>
-          <a:xfrm rot="16200000" flipH="1">
-            <a:off x="5829898" y="1307076"/>
-            <a:ext cx="1191855" cy="1145836"/>
+          <a:xfrm>
+            <a:off x="5953663" y="996312"/>
+            <a:ext cx="1259416" cy="891932"/>
           </a:xfrm>
           <a:prstGeom prst="bentConnector3">
             <a:avLst/>
@@ -4438,8 +4439,8 @@
         </p:nvSpPr>
         <p:spPr>
           <a:xfrm rot="5400000">
-            <a:off x="4640977" y="-1145926"/>
-            <a:ext cx="599846" cy="7809852"/>
+            <a:off x="3801862" y="-306811"/>
+            <a:ext cx="599846" cy="6131621"/>
           </a:xfrm>
           <a:prstGeom prst="rect">
             <a:avLst/>
@@ -5822,7 +5823,9 @@
             <a:avLst/>
           </a:prstGeom>
           <a:solidFill>
-            <a:srgbClr val="3D68B1"/>
+            <a:srgbClr val="7030A0">
+              <a:alpha val="75000"/>
+            </a:srgbClr>
           </a:solidFill>
         </p:spPr>
         <p:style>
@@ -5920,7 +5923,9 @@
             <a:avLst/>
           </a:prstGeom>
           <a:solidFill>
-            <a:srgbClr val="3D68B1"/>
+            <a:srgbClr val="7030A0">
+              <a:alpha val="75000"/>
+            </a:srgbClr>
           </a:solidFill>
         </p:spPr>
         <p:style>
@@ -6061,7 +6066,14 @@
           <a:prstGeom prst="rect">
             <a:avLst/>
           </a:prstGeom>
-          <a:noFill/>
+          <a:pattFill prst="pct5">
+            <a:fgClr>
+              <a:schemeClr val="accent1"/>
+            </a:fgClr>
+            <a:bgClr>
+              <a:schemeClr val="bg1"/>
+            </a:bgClr>
+          </a:pattFill>
         </p:spPr>
         <p:style>
           <a:lnRef idx="2">
@@ -6114,8 +6126,8 @@
         </p:nvCxnSpPr>
         <p:spPr>
           <a:xfrm>
-            <a:off x="7015567" y="3058920"/>
-            <a:ext cx="29765" cy="2426621"/>
+            <a:off x="7214889" y="1284377"/>
+            <a:ext cx="14882" cy="4168708"/>
           </a:xfrm>
           <a:prstGeom prst="straightConnector1">
             <a:avLst/>
@@ -6160,7 +6172,14 @@
           <a:prstGeom prst="rect">
             <a:avLst/>
           </a:prstGeom>
-          <a:noFill/>
+          <a:pattFill prst="pct5">
+            <a:fgClr>
+              <a:schemeClr val="accent1"/>
+            </a:fgClr>
+            <a:bgClr>
+              <a:schemeClr val="bg1"/>
+            </a:bgClr>
+          </a:pattFill>
         </p:spPr>
         <p:style>
           <a:lnRef idx="2">
@@ -7095,7 +7114,9 @@
             <a:avLst/>
           </a:prstGeom>
           <a:solidFill>
-            <a:schemeClr val="bg1"/>
+            <a:srgbClr val="00B19E">
+              <a:alpha val="96000"/>
+            </a:srgbClr>
           </a:solidFill>
           <a:ln>
             <a:solidFill>
@@ -7278,7 +7299,7 @@
             <a:avLst/>
           </a:prstGeom>
           <a:solidFill>
-            <a:schemeClr val="bg1"/>
+            <a:srgbClr val="00B19E"/>
           </a:solidFill>
           <a:ln>
             <a:solidFill>
@@ -7319,48 +7340,6 @@
           </a:p>
         </p:txBody>
       </p:sp>
-      <p:cxnSp>
-        <p:nvCxnSpPr>
-          <p:cNvPr id="88" name="Straight Arrow Connector 87">
-            <a:extLst>
-              <a:ext uri="{FF2B5EF4-FFF2-40B4-BE49-F238E27FC236}">
-                <a16:creationId xmlns:a16="http://schemas.microsoft.com/office/drawing/2014/main" id="{5ABE9537-3590-D944-A6EF-674D2E7A9B42}"/>
-              </a:ext>
-            </a:extLst>
-          </p:cNvPr>
-          <p:cNvCxnSpPr>
-            <a:cxnSpLocks/>
-          </p:cNvCxnSpPr>
-          <p:nvPr/>
-        </p:nvCxnSpPr>
-        <p:spPr>
-          <a:xfrm>
-            <a:off x="8180765" y="1673444"/>
-            <a:ext cx="0" cy="759483"/>
-          </a:xfrm>
-          <a:prstGeom prst="straightConnector1">
-            <a:avLst/>
-          </a:prstGeom>
-          <a:ln>
-            <a:headEnd type="triangle"/>
-            <a:tailEnd type="triangle"/>
-          </a:ln>
-        </p:spPr>
-        <p:style>
-          <a:lnRef idx="1">
-            <a:schemeClr val="accent1"/>
-          </a:lnRef>
-          <a:fillRef idx="0">
-            <a:schemeClr val="accent1"/>
-          </a:fillRef>
-          <a:effectRef idx="0">
-            <a:schemeClr val="accent1"/>
-          </a:effectRef>
-          <a:fontRef idx="minor">
-            <a:schemeClr val="tx1"/>
-          </a:fontRef>
-        </p:style>
-      </p:cxnSp>
       <p:sp>
         <p:nvSpPr>
           <p:cNvPr id="90" name="Rectangle 89">
@@ -7382,7 +7361,7 @@
             <a:avLst/>
           </a:prstGeom>
           <a:solidFill>
-            <a:schemeClr val="bg1"/>
+            <a:srgbClr val="00B19E"/>
           </a:solidFill>
           <a:ln>
             <a:solidFill>
@@ -7423,49 +7402,6 @@
           </a:p>
         </p:txBody>
       </p:sp>
-      <p:cxnSp>
-        <p:nvCxnSpPr>
-          <p:cNvPr id="91" name="Straight Arrow Connector 90">
-            <a:extLst>
-              <a:ext uri="{FF2B5EF4-FFF2-40B4-BE49-F238E27FC236}">
-                <a16:creationId xmlns:a16="http://schemas.microsoft.com/office/drawing/2014/main" id="{A402D5FD-2326-384E-AC6C-9A6F2F0C7F10}"/>
-              </a:ext>
-            </a:extLst>
-          </p:cNvPr>
-          <p:cNvCxnSpPr>
-            <a:cxnSpLocks/>
-          </p:cNvCxnSpPr>
-          <p:nvPr/>
-        </p:nvCxnSpPr>
-        <p:spPr>
-          <a:xfrm>
-            <a:off x="8420605" y="2459074"/>
-            <a:ext cx="0" cy="599846"/>
-          </a:xfrm>
-          <a:prstGeom prst="straightConnector1">
-            <a:avLst/>
-          </a:prstGeom>
-          <a:ln>
-            <a:prstDash val="dash"/>
-            <a:headEnd type="triangle"/>
-            <a:tailEnd type="triangle"/>
-          </a:ln>
-        </p:spPr>
-        <p:style>
-          <a:lnRef idx="1">
-            <a:schemeClr val="accent1"/>
-          </a:lnRef>
-          <a:fillRef idx="0">
-            <a:schemeClr val="accent1"/>
-          </a:fillRef>
-          <a:effectRef idx="0">
-            <a:schemeClr val="accent1"/>
-          </a:effectRef>
-          <a:fontRef idx="minor">
-            <a:schemeClr val="tx1"/>
-          </a:fontRef>
-        </p:style>
-      </p:cxnSp>
       <p:sp>
         <p:nvSpPr>
           <p:cNvPr id="92" name="Rectangle 91">
@@ -7487,7 +7423,7 @@
             <a:avLst/>
           </a:prstGeom>
           <a:solidFill>
-            <a:schemeClr val="bg1"/>
+            <a:srgbClr val="00B19E"/>
           </a:solidFill>
           <a:ln>
             <a:solidFill>
@@ -7542,15 +7478,20 @@
         </p:nvSpPr>
         <p:spPr>
           <a:xfrm>
-            <a:off x="9241967" y="6252890"/>
+            <a:off x="9241967" y="6218165"/>
             <a:ext cx="647780" cy="476275"/>
           </a:xfrm>
           <a:prstGeom prst="rect">
             <a:avLst/>
           </a:prstGeom>
-          <a:solidFill>
-            <a:schemeClr val="bg1"/>
-          </a:solidFill>
+          <a:pattFill prst="pct5">
+            <a:fgClr>
+              <a:schemeClr val="accent1"/>
+            </a:fgClr>
+            <a:bgClr>
+              <a:schemeClr val="bg1"/>
+            </a:bgClr>
+          </a:pattFill>
         </p:spPr>
         <p:style>
           <a:lnRef idx="2">
@@ -7608,9 +7549,7 @@
             <a:avLst/>
           </a:prstGeom>
           <a:solidFill>
-            <a:schemeClr val="accent1">
-              <a:lumMod val="75000"/>
-            </a:schemeClr>
+            <a:srgbClr val="7C7B7B"/>
           </a:solidFill>
         </p:spPr>
         <p:style>
@@ -7664,8 +7603,8 @@
         </p:nvCxnSpPr>
         <p:spPr>
           <a:xfrm>
-            <a:off x="8420605" y="3069852"/>
-            <a:ext cx="1" cy="2377762"/>
+            <a:off x="8390841" y="1319953"/>
+            <a:ext cx="29765" cy="4127661"/>
           </a:xfrm>
           <a:prstGeom prst="straightConnector1">
             <a:avLst/>
@@ -7710,9 +7649,14 @@
           <a:prstGeom prst="rect">
             <a:avLst/>
           </a:prstGeom>
-          <a:solidFill>
-            <a:schemeClr val="bg1"/>
-          </a:solidFill>
+          <a:pattFill prst="pct5">
+            <a:fgClr>
+              <a:schemeClr val="accent1"/>
+            </a:fgClr>
+            <a:bgClr>
+              <a:schemeClr val="bg1"/>
+            </a:bgClr>
+          </a:pattFill>
         </p:spPr>
         <p:style>
           <a:lnRef idx="2">
@@ -7809,9 +7753,7 @@
             <a:avLst/>
           </a:prstGeom>
           <a:solidFill>
-            <a:schemeClr val="accent1">
-              <a:lumMod val="75000"/>
-            </a:schemeClr>
+            <a:srgbClr val="7C7B7B"/>
           </a:solidFill>
         </p:spPr>
         <p:style>
@@ -7849,48 +7791,6 @@
           </a:p>
         </p:txBody>
       </p:sp>
-      <p:cxnSp>
-        <p:nvCxnSpPr>
-          <p:cNvPr id="110" name="Elbow Connector 109">
-            <a:extLst>
-              <a:ext uri="{FF2B5EF4-FFF2-40B4-BE49-F238E27FC236}">
-                <a16:creationId xmlns:a16="http://schemas.microsoft.com/office/drawing/2014/main" id="{5435654E-4C18-3B44-9A64-D86783FFA281}"/>
-              </a:ext>
-            </a:extLst>
-          </p:cNvPr>
-          <p:cNvCxnSpPr>
-            <a:cxnSpLocks/>
-          </p:cNvCxnSpPr>
-          <p:nvPr/>
-        </p:nvCxnSpPr>
-        <p:spPr>
-          <a:xfrm rot="5400000">
-            <a:off x="6593628" y="1818609"/>
-            <a:ext cx="1124367" cy="127056"/>
-          </a:xfrm>
-          <a:prstGeom prst="bentConnector3">
-            <a:avLst/>
-          </a:prstGeom>
-          <a:ln>
-            <a:headEnd type="triangle"/>
-            <a:tailEnd type="triangle"/>
-          </a:ln>
-        </p:spPr>
-        <p:style>
-          <a:lnRef idx="1">
-            <a:schemeClr val="accent1"/>
-          </a:lnRef>
-          <a:fillRef idx="0">
-            <a:schemeClr val="accent1"/>
-          </a:fillRef>
-          <a:effectRef idx="0">
-            <a:schemeClr val="accent1"/>
-          </a:effectRef>
-          <a:fontRef idx="minor">
-            <a:schemeClr val="tx1"/>
-          </a:fontRef>
-        </p:style>
-      </p:cxnSp>
       <p:sp>
         <p:nvSpPr>
           <p:cNvPr id="112" name="Rectangle 111">
@@ -7912,9 +7812,7 @@
             <a:avLst/>
           </a:prstGeom>
           <a:solidFill>
-            <a:schemeClr val="accent1">
-              <a:lumMod val="75000"/>
-            </a:schemeClr>
+            <a:srgbClr val="7C7B7B"/>
           </a:solidFill>
         </p:spPr>
         <p:style>
@@ -8146,122 +8044,6 @@
               </a:rPr>
               <a:t>node</a:t>
             </a:r>
-          </a:p>
-        </p:txBody>
-      </p:sp>
-      <p:sp>
-        <p:nvSpPr>
-          <p:cNvPr id="117" name="TextBox 116">
-            <a:extLst>
-              <a:ext uri="{FF2B5EF4-FFF2-40B4-BE49-F238E27FC236}">
-                <a16:creationId xmlns:a16="http://schemas.microsoft.com/office/drawing/2014/main" id="{50850BE5-F13B-E94A-9661-ACFDE147256B}"/>
-              </a:ext>
-            </a:extLst>
-          </p:cNvPr>
-          <p:cNvSpPr txBox="1"/>
-          <p:nvPr/>
-        </p:nvSpPr>
-        <p:spPr>
-          <a:xfrm>
-            <a:off x="8570251" y="3071080"/>
-            <a:ext cx="562975" cy="307777"/>
-          </a:xfrm>
-          <a:prstGeom prst="rect">
-            <a:avLst/>
-          </a:prstGeom>
-          <a:noFill/>
-        </p:spPr>
-        <p:txBody>
-          <a:bodyPr wrap="none" rtlCol="0">
-            <a:spAutoFit/>
-          </a:bodyPr>
-          <a:lstStyle/>
-          <a:p>
-            <a:r>
-              <a:rPr lang="en-US" sz="1400" dirty="0">
-                <a:solidFill>
-                  <a:schemeClr val="accent4">
-                    <a:lumMod val="75000"/>
-                  </a:schemeClr>
-                </a:solidFill>
-                <a:latin typeface="Arial" panose="020B0604020202020204" pitchFamily="34" charset="0"/>
-                <a:cs typeface="Arial" panose="020B0604020202020204" pitchFamily="34" charset="0"/>
-              </a:rPr>
-              <a:t>Java</a:t>
-            </a:r>
-          </a:p>
-        </p:txBody>
-      </p:sp>
-      <p:sp>
-        <p:nvSpPr>
-          <p:cNvPr id="118" name="TextBox 117">
-            <a:extLst>
-              <a:ext uri="{FF2B5EF4-FFF2-40B4-BE49-F238E27FC236}">
-                <a16:creationId xmlns:a16="http://schemas.microsoft.com/office/drawing/2014/main" id="{441AA412-E83B-4342-90AD-5803F84BB144}"/>
-              </a:ext>
-            </a:extLst>
-          </p:cNvPr>
-          <p:cNvSpPr txBox="1"/>
-          <p:nvPr/>
-        </p:nvSpPr>
-        <p:spPr>
-          <a:xfrm>
-            <a:off x="1971761" y="4586209"/>
-            <a:ext cx="891591" cy="338554"/>
-          </a:xfrm>
-          <a:prstGeom prst="rect">
-            <a:avLst/>
-          </a:prstGeom>
-          <a:noFill/>
-        </p:spPr>
-        <p:txBody>
-          <a:bodyPr wrap="none" rtlCol="0">
-            <a:spAutoFit/>
-          </a:bodyPr>
-          <a:lstStyle/>
-          <a:p>
-            <a:r>
-              <a:rPr lang="en-US" sz="1600" dirty="0">
-                <a:solidFill>
-                  <a:srgbClr val="7030A0"/>
-                </a:solidFill>
-                <a:latin typeface="Arial" panose="020B0604020202020204" pitchFamily="34" charset="0"/>
-                <a:cs typeface="Arial" panose="020B0604020202020204" pitchFamily="34" charset="0"/>
-              </a:rPr>
-              <a:t>metal C</a:t>
-            </a:r>
-          </a:p>
-        </p:txBody>
-      </p:sp>
-      <p:sp>
-        <p:nvSpPr>
-          <p:cNvPr id="36" name="TextBox 35">
-            <a:extLst>
-              <a:ext uri="{FF2B5EF4-FFF2-40B4-BE49-F238E27FC236}">
-                <a16:creationId xmlns:a16="http://schemas.microsoft.com/office/drawing/2014/main" id="{1C3EC10F-89E4-5D41-91AE-7069C2A0F22F}"/>
-              </a:ext>
-            </a:extLst>
-          </p:cNvPr>
-          <p:cNvSpPr txBox="1"/>
-          <p:nvPr/>
-        </p:nvSpPr>
-        <p:spPr>
-          <a:xfrm>
-            <a:off x="4378169" y="5677786"/>
-            <a:ext cx="184731" cy="369332"/>
-          </a:xfrm>
-          <a:prstGeom prst="rect">
-            <a:avLst/>
-          </a:prstGeom>
-          <a:noFill/>
-        </p:spPr>
-        <p:txBody>
-          <a:bodyPr wrap="none" rtlCol="0">
-            <a:spAutoFit/>
-          </a:bodyPr>
-          <a:lstStyle/>
-          <a:p>
-            <a:endParaRPr lang="en-US" dirty="0"/>
           </a:p>
         </p:txBody>
       </p:sp>
@@ -8714,47 +8496,6 @@
           </a:p>
         </p:txBody>
       </p:sp>
-      <p:sp>
-        <p:nvSpPr>
-          <p:cNvPr id="144" name="TextBox 143">
-            <a:extLst>
-              <a:ext uri="{FF2B5EF4-FFF2-40B4-BE49-F238E27FC236}">
-                <a16:creationId xmlns:a16="http://schemas.microsoft.com/office/drawing/2014/main" id="{7C63BE34-CBB7-A843-8086-348B4DEBE3C4}"/>
-              </a:ext>
-            </a:extLst>
-          </p:cNvPr>
-          <p:cNvSpPr txBox="1"/>
-          <p:nvPr/>
-        </p:nvSpPr>
-        <p:spPr>
-          <a:xfrm>
-            <a:off x="2092565" y="6268594"/>
-            <a:ext cx="332142" cy="338554"/>
-          </a:xfrm>
-          <a:prstGeom prst="rect">
-            <a:avLst/>
-          </a:prstGeom>
-          <a:noFill/>
-        </p:spPr>
-        <p:txBody>
-          <a:bodyPr wrap="none" rtlCol="0">
-            <a:spAutoFit/>
-          </a:bodyPr>
-          <a:lstStyle/>
-          <a:p>
-            <a:r>
-              <a:rPr lang="en-US" sz="1600" dirty="0">
-                <a:solidFill>
-                  <a:srgbClr val="7030A0"/>
-                </a:solidFill>
-                <a:latin typeface="Arial" panose="020B0604020202020204" pitchFamily="34" charset="0"/>
-                <a:cs typeface="Arial" panose="020B0604020202020204" pitchFamily="34" charset="0"/>
-              </a:rPr>
-              <a:t>C</a:t>
-            </a:r>
-          </a:p>
-        </p:txBody>
-      </p:sp>
       <p:cxnSp>
         <p:nvCxnSpPr>
           <p:cNvPr id="67" name="Straight Arrow Connector 66">
@@ -8811,7 +8552,7 @@
         </p:nvSpPr>
         <p:spPr>
           <a:xfrm>
-            <a:off x="3028030" y="6236904"/>
+            <a:off x="2912349" y="6218165"/>
             <a:ext cx="1448579" cy="307777"/>
           </a:xfrm>
           <a:prstGeom prst="rect">
@@ -8952,7 +8693,14 @@
           <a:prstGeom prst="rect">
             <a:avLst/>
           </a:prstGeom>
-          <a:noFill/>
+          <a:pattFill prst="pct5">
+            <a:fgClr>
+              <a:schemeClr val="accent1"/>
+            </a:fgClr>
+            <a:bgClr>
+              <a:schemeClr val="bg1"/>
+            </a:bgClr>
+          </a:pattFill>
           <a:ln>
             <a:solidFill>
               <a:schemeClr val="tx1"/>
@@ -9011,7 +8759,7 @@
         <p:spPr>
           <a:xfrm>
             <a:off x="9606489" y="5944978"/>
-            <a:ext cx="0" cy="323616"/>
+            <a:ext cx="0" cy="230426"/>
           </a:xfrm>
           <a:prstGeom prst="straightConnector1">
             <a:avLst/>
@@ -9057,7 +8805,7 @@
             <a:avLst/>
           </a:prstGeom>
           <a:solidFill>
-            <a:schemeClr val="bg1"/>
+            <a:srgbClr val="00B19E"/>
           </a:solidFill>
           <a:ln>
             <a:solidFill>
@@ -9118,9 +8866,14 @@
           <a:prstGeom prst="rect">
             <a:avLst/>
           </a:prstGeom>
-          <a:solidFill>
-            <a:schemeClr val="bg1"/>
-          </a:solidFill>
+          <a:pattFill prst="pct10">
+            <a:fgClr>
+              <a:schemeClr val="accent1"/>
+            </a:fgClr>
+            <a:bgClr>
+              <a:schemeClr val="bg1"/>
+            </a:bgClr>
+          </a:pattFill>
         </p:spPr>
         <p:style>
           <a:lnRef idx="2">
@@ -9208,49 +8961,6 @@
           </a:p>
         </p:txBody>
       </p:sp>
-      <p:cxnSp>
-        <p:nvCxnSpPr>
-          <p:cNvPr id="123" name="Straight Arrow Connector 122">
-            <a:extLst>
-              <a:ext uri="{FF2B5EF4-FFF2-40B4-BE49-F238E27FC236}">
-                <a16:creationId xmlns:a16="http://schemas.microsoft.com/office/drawing/2014/main" id="{7D5D21BC-0A38-A343-B5CB-C83D20C1AA37}"/>
-              </a:ext>
-            </a:extLst>
-          </p:cNvPr>
-          <p:cNvCxnSpPr>
-            <a:cxnSpLocks/>
-          </p:cNvCxnSpPr>
-          <p:nvPr/>
-        </p:nvCxnSpPr>
-        <p:spPr>
-          <a:xfrm>
-            <a:off x="7018489" y="2476232"/>
-            <a:ext cx="0" cy="599846"/>
-          </a:xfrm>
-          <a:prstGeom prst="straightConnector1">
-            <a:avLst/>
-          </a:prstGeom>
-          <a:ln>
-            <a:prstDash val="dash"/>
-            <a:headEnd type="triangle"/>
-            <a:tailEnd type="triangle"/>
-          </a:ln>
-        </p:spPr>
-        <p:style>
-          <a:lnRef idx="1">
-            <a:schemeClr val="accent1"/>
-          </a:lnRef>
-          <a:fillRef idx="0">
-            <a:schemeClr val="accent1"/>
-          </a:fillRef>
-          <a:effectRef idx="0">
-            <a:schemeClr val="accent1"/>
-          </a:effectRef>
-          <a:fontRef idx="minor">
-            <a:schemeClr val="tx1"/>
-          </a:fontRef>
-        </p:style>
-      </p:cxnSp>
       <p:sp>
         <p:nvSpPr>
           <p:cNvPr id="124" name="Rectangle 123">
@@ -9265,8 +8975,8 @@
         </p:nvSpPr>
         <p:spPr>
           <a:xfrm rot="5400000">
-            <a:off x="10046780" y="1277063"/>
-            <a:ext cx="599846" cy="2965535"/>
+            <a:off x="9198610" y="428893"/>
+            <a:ext cx="599846" cy="4661875"/>
           </a:xfrm>
           <a:prstGeom prst="rect">
             <a:avLst/>
@@ -9641,8 +9351,8 @@
         </p:nvSpPr>
         <p:spPr>
           <a:xfrm>
-            <a:off x="9543295" y="2483114"/>
-            <a:ext cx="2124299" cy="235449"/>
+            <a:off x="8846286" y="2518905"/>
+            <a:ext cx="2157963" cy="235449"/>
           </a:xfrm>
           <a:prstGeom prst="rect">
             <a:avLst/>
@@ -9660,7 +9370,7 @@
                 <a:latin typeface="Arial" panose="020B0604020202020204" pitchFamily="34" charset="0"/>
                 <a:cs typeface="Arial" panose="020B0604020202020204" pitchFamily="34" charset="0"/>
               </a:rPr>
-              <a:t>(optional       needed for   SSO/MFA)</a:t>
+              <a:t>(optional       needed for    SSO/MFA)</a:t>
             </a:r>
           </a:p>
         </p:txBody>
@@ -9963,9 +9673,14 @@
           <a:prstGeom prst="rect">
             <a:avLst/>
           </a:prstGeom>
-          <a:solidFill>
-            <a:schemeClr val="bg1"/>
-          </a:solidFill>
+          <a:pattFill prst="pct5">
+            <a:fgClr>
+              <a:schemeClr val="accent1"/>
+            </a:fgClr>
+            <a:bgClr>
+              <a:schemeClr val="bg1"/>
+            </a:bgClr>
+          </a:pattFill>
         </p:spPr>
         <p:style>
           <a:lnRef idx="2">
@@ -10022,9 +9737,14 @@
           <a:prstGeom prst="rect">
             <a:avLst/>
           </a:prstGeom>
-          <a:solidFill>
-            <a:schemeClr val="bg1"/>
-          </a:solidFill>
+          <a:pattFill prst="pct5">
+            <a:fgClr>
+              <a:schemeClr val="accent1"/>
+            </a:fgClr>
+            <a:bgClr>
+              <a:schemeClr val="bg1"/>
+            </a:bgClr>
+          </a:pattFill>
         </p:spPr>
         <p:style>
           <a:lnRef idx="2">
@@ -10137,7 +9857,7 @@
                 <a:ea typeface="Menlo" panose="020B0609030804020204" pitchFamily="49" charset="0"/>
                 <a:cs typeface="Arial" panose="020B0604020202020204" pitchFamily="34" charset="0"/>
               </a:rPr>
-              <a:t>23</a:t>
+              <a:t>22</a:t>
             </a:r>
           </a:p>
         </p:txBody>
@@ -10258,6 +9978,131 @@
                 <a:cs typeface="Arial" panose="020B0604020202020204" pitchFamily="34" charset="0"/>
               </a:rPr>
               <a:t>ZLUX</a:t>
+            </a:r>
+          </a:p>
+        </p:txBody>
+      </p:sp>
+      <p:sp>
+        <p:nvSpPr>
+          <p:cNvPr id="131" name="TextBox 130">
+            <a:extLst>
+              <a:ext uri="{FF2B5EF4-FFF2-40B4-BE49-F238E27FC236}">
+                <a16:creationId xmlns:a16="http://schemas.microsoft.com/office/drawing/2014/main" id="{91CCDF08-B5C5-5549-A8D7-30660EADEC08}"/>
+              </a:ext>
+            </a:extLst>
+          </p:cNvPr>
+          <p:cNvSpPr txBox="1"/>
+          <p:nvPr/>
+        </p:nvSpPr>
+        <p:spPr>
+          <a:xfrm>
+            <a:off x="4655760" y="5936375"/>
+            <a:ext cx="562975" cy="307777"/>
+          </a:xfrm>
+          <a:prstGeom prst="rect">
+            <a:avLst/>
+          </a:prstGeom>
+          <a:noFill/>
+        </p:spPr>
+        <p:txBody>
+          <a:bodyPr wrap="none" rtlCol="0">
+            <a:spAutoFit/>
+          </a:bodyPr>
+          <a:lstStyle/>
+          <a:p>
+            <a:r>
+              <a:rPr lang="en-US" sz="1400" dirty="0">
+                <a:solidFill>
+                  <a:schemeClr val="accent4">
+                    <a:lumMod val="75000"/>
+                  </a:schemeClr>
+                </a:solidFill>
+                <a:latin typeface="Arial" panose="020B0604020202020204" pitchFamily="34" charset="0"/>
+                <a:cs typeface="Arial" panose="020B0604020202020204" pitchFamily="34" charset="0"/>
+              </a:rPr>
+              <a:t>Java</a:t>
+            </a:r>
+          </a:p>
+        </p:txBody>
+      </p:sp>
+      <p:sp>
+        <p:nvSpPr>
+          <p:cNvPr id="146" name="TextBox 145">
+            <a:extLst>
+              <a:ext uri="{FF2B5EF4-FFF2-40B4-BE49-F238E27FC236}">
+                <a16:creationId xmlns:a16="http://schemas.microsoft.com/office/drawing/2014/main" id="{518F8221-BEA5-8642-B541-E261F133B78B}"/>
+              </a:ext>
+            </a:extLst>
+          </p:cNvPr>
+          <p:cNvSpPr txBox="1"/>
+          <p:nvPr/>
+        </p:nvSpPr>
+        <p:spPr>
+          <a:xfrm>
+            <a:off x="4646607" y="6183235"/>
+            <a:ext cx="792205" cy="307777"/>
+          </a:xfrm>
+          <a:prstGeom prst="rect">
+            <a:avLst/>
+          </a:prstGeom>
+          <a:noFill/>
+        </p:spPr>
+        <p:txBody>
+          <a:bodyPr wrap="none" rtlCol="0">
+            <a:spAutoFit/>
+          </a:bodyPr>
+          <a:lstStyle/>
+          <a:p>
+            <a:r>
+              <a:rPr lang="en-US" sz="1400" dirty="0">
+                <a:solidFill>
+                  <a:srgbClr val="00B19E"/>
+                </a:solidFill>
+                <a:latin typeface="Arial" panose="020B0604020202020204" pitchFamily="34" charset="0"/>
+                <a:cs typeface="Arial" panose="020B0604020202020204" pitchFamily="34" charset="0"/>
+              </a:rPr>
+              <a:t>Node.js</a:t>
+            </a:r>
+          </a:p>
+        </p:txBody>
+      </p:sp>
+      <p:sp>
+        <p:nvSpPr>
+          <p:cNvPr id="154" name="TextBox 153">
+            <a:extLst>
+              <a:ext uri="{FF2B5EF4-FFF2-40B4-BE49-F238E27FC236}">
+                <a16:creationId xmlns:a16="http://schemas.microsoft.com/office/drawing/2014/main" id="{A9F02D7E-9694-6247-BCCA-F0034D843606}"/>
+              </a:ext>
+            </a:extLst>
+          </p:cNvPr>
+          <p:cNvSpPr txBox="1"/>
+          <p:nvPr/>
+        </p:nvSpPr>
+        <p:spPr>
+          <a:xfrm>
+            <a:off x="4646607" y="6421911"/>
+            <a:ext cx="1080745" cy="307777"/>
+          </a:xfrm>
+          <a:prstGeom prst="rect">
+            <a:avLst/>
+          </a:prstGeom>
+          <a:noFill/>
+        </p:spPr>
+        <p:txBody>
+          <a:bodyPr wrap="none" rtlCol="0">
+            <a:spAutoFit/>
+          </a:bodyPr>
+          <a:lstStyle/>
+          <a:p>
+            <a:r>
+              <a:rPr lang="en-US" sz="1400" dirty="0">
+                <a:solidFill>
+                  <a:srgbClr val="7030A0"/>
+                </a:solidFill>
+                <a:latin typeface="Arial" panose="020B0604020202020204" pitchFamily="34" charset="0"/>
+                <a:cs typeface="Arial" panose="020B0604020202020204" pitchFamily="34" charset="0"/>
+              </a:rPr>
+              <a:t>metal C / C</a:t>
             </a:r>
           </a:p>
         </p:txBody>

--- a/docs/images/common/zowe-architecture.pptx
+++ b/docs/images/common/zowe-architecture.pptx
@@ -197,7 +197,7 @@
           <a:p>
             <a:fld id="{26E70E1E-3B7C-8D4D-B700-360134022E14}" type="datetimeFigureOut">
               <a:rPr lang="en-CN" smtClean="0"/>
-              <a:t>9/2/20</a:t>
+              <a:t>9/3/20</a:t>
             </a:fld>
             <a:endParaRPr lang="en-CN"/>
           </a:p>
@@ -699,7 +699,7 @@
           <a:p>
             <a:fld id="{B1DB1BE8-3F77-D044-8747-9903AC5CD864}" type="datetimeFigureOut">
               <a:rPr lang="en-US" smtClean="0"/>
-              <a:t>9/2/20</a:t>
+              <a:t>9/3/20</a:t>
             </a:fld>
             <a:endParaRPr lang="en-US"/>
           </a:p>
@@ -897,7 +897,7 @@
           <a:p>
             <a:fld id="{B1DB1BE8-3F77-D044-8747-9903AC5CD864}" type="datetimeFigureOut">
               <a:rPr lang="en-US" smtClean="0"/>
-              <a:t>9/2/20</a:t>
+              <a:t>9/3/20</a:t>
             </a:fld>
             <a:endParaRPr lang="en-US"/>
           </a:p>
@@ -1105,7 +1105,7 @@
           <a:p>
             <a:fld id="{B1DB1BE8-3F77-D044-8747-9903AC5CD864}" type="datetimeFigureOut">
               <a:rPr lang="en-US" smtClean="0"/>
-              <a:t>9/2/20</a:t>
+              <a:t>9/3/20</a:t>
             </a:fld>
             <a:endParaRPr lang="en-US"/>
           </a:p>
@@ -1303,7 +1303,7 @@
           <a:p>
             <a:fld id="{B1DB1BE8-3F77-D044-8747-9903AC5CD864}" type="datetimeFigureOut">
               <a:rPr lang="en-US" smtClean="0"/>
-              <a:t>9/2/20</a:t>
+              <a:t>9/3/20</a:t>
             </a:fld>
             <a:endParaRPr lang="en-US"/>
           </a:p>
@@ -1578,7 +1578,7 @@
           <a:p>
             <a:fld id="{B1DB1BE8-3F77-D044-8747-9903AC5CD864}" type="datetimeFigureOut">
               <a:rPr lang="en-US" smtClean="0"/>
-              <a:t>9/2/20</a:t>
+              <a:t>9/3/20</a:t>
             </a:fld>
             <a:endParaRPr lang="en-US"/>
           </a:p>
@@ -1843,7 +1843,7 @@
           <a:p>
             <a:fld id="{B1DB1BE8-3F77-D044-8747-9903AC5CD864}" type="datetimeFigureOut">
               <a:rPr lang="en-US" smtClean="0"/>
-              <a:t>9/2/20</a:t>
+              <a:t>9/3/20</a:t>
             </a:fld>
             <a:endParaRPr lang="en-US"/>
           </a:p>
@@ -2255,7 +2255,7 @@
           <a:p>
             <a:fld id="{B1DB1BE8-3F77-D044-8747-9903AC5CD864}" type="datetimeFigureOut">
               <a:rPr lang="en-US" smtClean="0"/>
-              <a:t>9/2/20</a:t>
+              <a:t>9/3/20</a:t>
             </a:fld>
             <a:endParaRPr lang="en-US"/>
           </a:p>
@@ -2396,7 +2396,7 @@
           <a:p>
             <a:fld id="{B1DB1BE8-3F77-D044-8747-9903AC5CD864}" type="datetimeFigureOut">
               <a:rPr lang="en-US" smtClean="0"/>
-              <a:t>9/2/20</a:t>
+              <a:t>9/3/20</a:t>
             </a:fld>
             <a:endParaRPr lang="en-US"/>
           </a:p>
@@ -2509,7 +2509,7 @@
           <a:p>
             <a:fld id="{B1DB1BE8-3F77-D044-8747-9903AC5CD864}" type="datetimeFigureOut">
               <a:rPr lang="en-US" smtClean="0"/>
-              <a:t>9/2/20</a:t>
+              <a:t>9/3/20</a:t>
             </a:fld>
             <a:endParaRPr lang="en-US"/>
           </a:p>
@@ -2820,7 +2820,7 @@
           <a:p>
             <a:fld id="{B1DB1BE8-3F77-D044-8747-9903AC5CD864}" type="datetimeFigureOut">
               <a:rPr lang="en-US" smtClean="0"/>
-              <a:t>9/2/20</a:t>
+              <a:t>9/3/20</a:t>
             </a:fld>
             <a:endParaRPr lang="en-US"/>
           </a:p>
@@ -3108,7 +3108,7 @@
           <a:p>
             <a:fld id="{B1DB1BE8-3F77-D044-8747-9903AC5CD864}" type="datetimeFigureOut">
               <a:rPr lang="en-US" smtClean="0"/>
-              <a:t>9/2/20</a:t>
+              <a:t>9/3/20</a:t>
             </a:fld>
             <a:endParaRPr lang="en-US"/>
           </a:p>
@@ -3349,7 +3349,7 @@
           <a:p>
             <a:fld id="{B1DB1BE8-3F77-D044-8747-9903AC5CD864}" type="datetimeFigureOut">
               <a:rPr lang="en-US" smtClean="0"/>
-              <a:t>9/2/20</a:t>
+              <a:t>9/3/20</a:t>
             </a:fld>
             <a:endParaRPr lang="en-US"/>
           </a:p>
@@ -9524,7 +9524,7 @@
         <p:spPr>
           <a:xfrm>
             <a:off x="4206554" y="2500760"/>
-            <a:ext cx="1258678" cy="235449"/>
+            <a:ext cx="915635" cy="235449"/>
           </a:xfrm>
           <a:prstGeom prst="rect">
             <a:avLst/>
@@ -9542,7 +9542,7 @@
                 <a:latin typeface="Arial" panose="020B0604020202020204" pitchFamily="34" charset="0"/>
                 <a:cs typeface="Arial" panose="020B0604020202020204" pitchFamily="34" charset="0"/>
               </a:rPr>
-              <a:t>API Mediation Layer</a:t>
+              <a:t>API Gateway</a:t>
             </a:r>
           </a:p>
         </p:txBody>

--- a/docs/images/common/zowe-architecture.pptx
+++ b/docs/images/common/zowe-architecture.pptx
@@ -5,12 +5,13 @@
     <p:sldMasterId id="2147483648" r:id="rId1"/>
   </p:sldMasterIdLst>
   <p:notesMasterIdLst>
-    <p:notesMasterId r:id="rId5"/>
+    <p:notesMasterId r:id="rId6"/>
   </p:notesMasterIdLst>
   <p:sldIdLst>
     <p:sldId id="269" r:id="rId2"/>
     <p:sldId id="273" r:id="rId3"/>
-    <p:sldId id="274" r:id="rId4"/>
+    <p:sldId id="275" r:id="rId4"/>
+    <p:sldId id="274" r:id="rId5"/>
   </p:sldIdLst>
   <p:sldSz cx="12192000" cy="6858000"/>
   <p:notesSz cx="6858000" cy="9144000"/>
@@ -199,7 +200,7 @@
           <a:p>
             <a:fld id="{26E70E1E-3B7C-8D4D-B700-360134022E14}" type="datetimeFigureOut">
               <a:rPr lang="en-CN" smtClean="0"/>
-              <a:t>7/20/21</a:t>
+              <a:t>10/21/21</a:t>
             </a:fld>
             <a:endParaRPr lang="en-CN"/>
           </a:p>
@@ -718,6 +719,93 @@
     </p:spTree>
     <p:extLst>
       <p:ext uri="{BB962C8B-B14F-4D97-AF65-F5344CB8AC3E}">
+        <p14:creationId xmlns:p14="http://schemas.microsoft.com/office/powerpoint/2010/main" val="636533029"/>
+      </p:ext>
+    </p:extLst>
+  </p:cSld>
+  <p:clrMapOvr>
+    <a:masterClrMapping/>
+  </p:clrMapOvr>
+</p:notes>
+</file>
+
+<file path=ppt/notesSlides/notesSlide4.xml><?xml version="1.0" encoding="utf-8"?>
+<p:notes xmlns:a="http://schemas.openxmlformats.org/drawingml/2006/main" xmlns:r="http://schemas.openxmlformats.org/officeDocument/2006/relationships" xmlns:p="http://schemas.openxmlformats.org/presentationml/2006/main">
+  <p:cSld>
+    <p:spTree>
+      <p:nvGrpSpPr>
+        <p:cNvPr id="1" name=""/>
+        <p:cNvGrpSpPr/>
+        <p:nvPr/>
+      </p:nvGrpSpPr>
+      <p:grpSpPr>
+        <a:xfrm>
+          <a:off x="0" y="0"/>
+          <a:ext cx="0" cy="0"/>
+          <a:chOff x="0" y="0"/>
+          <a:chExt cx="0" cy="0"/>
+        </a:xfrm>
+      </p:grpSpPr>
+      <p:sp>
+        <p:nvSpPr>
+          <p:cNvPr id="2" name="Slide Image Placeholder 1"/>
+          <p:cNvSpPr>
+            <a:spLocks noGrp="1" noRot="1" noChangeAspect="1"/>
+          </p:cNvSpPr>
+          <p:nvPr>
+            <p:ph type="sldImg"/>
+          </p:nvPr>
+        </p:nvSpPr>
+        <p:spPr/>
+      </p:sp>
+      <p:sp>
+        <p:nvSpPr>
+          <p:cNvPr id="3" name="Notes Placeholder 2"/>
+          <p:cNvSpPr>
+            <a:spLocks noGrp="1"/>
+          </p:cNvSpPr>
+          <p:nvPr>
+            <p:ph type="body" idx="1"/>
+          </p:nvPr>
+        </p:nvSpPr>
+        <p:spPr/>
+        <p:txBody>
+          <a:bodyPr/>
+          <a:lstStyle/>
+          <a:p>
+            <a:r>
+              <a:rPr lang="en-CN"/>
+              <a:t>If you update this diagram, please update “zowe-desktop-unable-to-logon.pptx” and PNG file as well. </a:t>
+            </a:r>
+          </a:p>
+        </p:txBody>
+      </p:sp>
+      <p:sp>
+        <p:nvSpPr>
+          <p:cNvPr id="4" name="Slide Number Placeholder 3"/>
+          <p:cNvSpPr>
+            <a:spLocks noGrp="1"/>
+          </p:cNvSpPr>
+          <p:nvPr>
+            <p:ph type="sldNum" sz="quarter" idx="5"/>
+          </p:nvPr>
+        </p:nvSpPr>
+        <p:spPr/>
+        <p:txBody>
+          <a:bodyPr/>
+          <a:lstStyle/>
+          <a:p>
+            <a:fld id="{F83DCC43-9574-FF4D-B35C-6B0B7AFB0C4B}" type="slidenum">
+              <a:rPr lang="en-CN" smtClean="0"/>
+              <a:t>4</a:t>
+            </a:fld>
+            <a:endParaRPr lang="en-CN"/>
+          </a:p>
+        </p:txBody>
+      </p:sp>
+    </p:spTree>
+    <p:extLst>
+      <p:ext uri="{BB962C8B-B14F-4D97-AF65-F5344CB8AC3E}">
         <p14:creationId xmlns:p14="http://schemas.microsoft.com/office/powerpoint/2010/main" val="3527622078"/>
       </p:ext>
     </p:extLst>
@@ -875,7 +963,7 @@
           <a:p>
             <a:fld id="{B1DB1BE8-3F77-D044-8747-9903AC5CD864}" type="datetimeFigureOut">
               <a:rPr lang="en-US" smtClean="0"/>
-              <a:t>7/20/21</a:t>
+              <a:t>10/21/21</a:t>
             </a:fld>
             <a:endParaRPr lang="en-US"/>
           </a:p>
@@ -1073,7 +1161,7 @@
           <a:p>
             <a:fld id="{B1DB1BE8-3F77-D044-8747-9903AC5CD864}" type="datetimeFigureOut">
               <a:rPr lang="en-US" smtClean="0"/>
-              <a:t>7/20/21</a:t>
+              <a:t>10/21/21</a:t>
             </a:fld>
             <a:endParaRPr lang="en-US"/>
           </a:p>
@@ -1281,7 +1369,7 @@
           <a:p>
             <a:fld id="{B1DB1BE8-3F77-D044-8747-9903AC5CD864}" type="datetimeFigureOut">
               <a:rPr lang="en-US" smtClean="0"/>
-              <a:t>7/20/21</a:t>
+              <a:t>10/21/21</a:t>
             </a:fld>
             <a:endParaRPr lang="en-US"/>
           </a:p>
@@ -1479,7 +1567,7 @@
           <a:p>
             <a:fld id="{B1DB1BE8-3F77-D044-8747-9903AC5CD864}" type="datetimeFigureOut">
               <a:rPr lang="en-US" smtClean="0"/>
-              <a:t>7/20/21</a:t>
+              <a:t>10/21/21</a:t>
             </a:fld>
             <a:endParaRPr lang="en-US"/>
           </a:p>
@@ -1754,7 +1842,7 @@
           <a:p>
             <a:fld id="{B1DB1BE8-3F77-D044-8747-9903AC5CD864}" type="datetimeFigureOut">
               <a:rPr lang="en-US" smtClean="0"/>
-              <a:t>7/20/21</a:t>
+              <a:t>10/21/21</a:t>
             </a:fld>
             <a:endParaRPr lang="en-US"/>
           </a:p>
@@ -2019,7 +2107,7 @@
           <a:p>
             <a:fld id="{B1DB1BE8-3F77-D044-8747-9903AC5CD864}" type="datetimeFigureOut">
               <a:rPr lang="en-US" smtClean="0"/>
-              <a:t>7/20/21</a:t>
+              <a:t>10/21/21</a:t>
             </a:fld>
             <a:endParaRPr lang="en-US"/>
           </a:p>
@@ -2431,7 +2519,7 @@
           <a:p>
             <a:fld id="{B1DB1BE8-3F77-D044-8747-9903AC5CD864}" type="datetimeFigureOut">
               <a:rPr lang="en-US" smtClean="0"/>
-              <a:t>7/20/21</a:t>
+              <a:t>10/21/21</a:t>
             </a:fld>
             <a:endParaRPr lang="en-US"/>
           </a:p>
@@ -2572,7 +2660,7 @@
           <a:p>
             <a:fld id="{B1DB1BE8-3F77-D044-8747-9903AC5CD864}" type="datetimeFigureOut">
               <a:rPr lang="en-US" smtClean="0"/>
-              <a:t>7/20/21</a:t>
+              <a:t>10/21/21</a:t>
             </a:fld>
             <a:endParaRPr lang="en-US"/>
           </a:p>
@@ -2685,7 +2773,7 @@
           <a:p>
             <a:fld id="{B1DB1BE8-3F77-D044-8747-9903AC5CD864}" type="datetimeFigureOut">
               <a:rPr lang="en-US" smtClean="0"/>
-              <a:t>7/20/21</a:t>
+              <a:t>10/21/21</a:t>
             </a:fld>
             <a:endParaRPr lang="en-US"/>
           </a:p>
@@ -2996,7 +3084,7 @@
           <a:p>
             <a:fld id="{B1DB1BE8-3F77-D044-8747-9903AC5CD864}" type="datetimeFigureOut">
               <a:rPr lang="en-US" smtClean="0"/>
-              <a:t>7/20/21</a:t>
+              <a:t>10/21/21</a:t>
             </a:fld>
             <a:endParaRPr lang="en-US"/>
           </a:p>
@@ -3284,7 +3372,7 @@
           <a:p>
             <a:fld id="{B1DB1BE8-3F77-D044-8747-9903AC5CD864}" type="datetimeFigureOut">
               <a:rPr lang="en-US" smtClean="0"/>
-              <a:t>7/20/21</a:t>
+              <a:t>10/21/21</a:t>
             </a:fld>
             <a:endParaRPr lang="en-US"/>
           </a:p>
@@ -3525,7 +3613,7 @@
           <a:p>
             <a:fld id="{B1DB1BE8-3F77-D044-8747-9903AC5CD864}" type="datetimeFigureOut">
               <a:rPr lang="en-US" smtClean="0"/>
-              <a:t>7/20/21</a:t>
+              <a:t>10/21/21</a:t>
             </a:fld>
             <a:endParaRPr lang="en-US"/>
           </a:p>
@@ -17285,6 +17373,8455 @@
 </file>
 
 <file path=ppt/slides/slide3.xml><?xml version="1.0" encoding="utf-8"?>
+<p:sld xmlns:a="http://schemas.openxmlformats.org/drawingml/2006/main" xmlns:r="http://schemas.openxmlformats.org/officeDocument/2006/relationships" xmlns:p="http://schemas.openxmlformats.org/presentationml/2006/main">
+  <p:cSld>
+    <p:spTree>
+      <p:nvGrpSpPr>
+        <p:cNvPr id="1" name=""/>
+        <p:cNvGrpSpPr/>
+        <p:nvPr/>
+      </p:nvGrpSpPr>
+      <p:grpSpPr>
+        <a:xfrm>
+          <a:off x="0" y="0"/>
+          <a:ext cx="0" cy="0"/>
+          <a:chOff x="0" y="0"/>
+          <a:chExt cx="0" cy="0"/>
+        </a:xfrm>
+      </p:grpSpPr>
+      <p:sp>
+        <p:nvSpPr>
+          <p:cNvPr id="123" name="Rectangle 122">
+            <a:extLst>
+              <a:ext uri="{FF2B5EF4-FFF2-40B4-BE49-F238E27FC236}">
+                <a16:creationId xmlns:a16="http://schemas.microsoft.com/office/drawing/2014/main" id="{506E9CFA-43EB-E749-9801-EFCA67BB04E7}"/>
+              </a:ext>
+            </a:extLst>
+          </p:cNvPr>
+          <p:cNvSpPr/>
+          <p:nvPr/>
+        </p:nvSpPr>
+        <p:spPr>
+          <a:xfrm>
+            <a:off x="1083504" y="5150514"/>
+            <a:ext cx="1932261" cy="582160"/>
+          </a:xfrm>
+          <a:prstGeom prst="rect">
+            <a:avLst/>
+          </a:prstGeom>
+          <a:solidFill>
+            <a:srgbClr val="F2F2F2"/>
+          </a:solidFill>
+          <a:ln>
+            <a:solidFill>
+              <a:schemeClr val="bg1">
+                <a:lumMod val="50000"/>
+              </a:schemeClr>
+            </a:solidFill>
+          </a:ln>
+        </p:spPr>
+        <p:style>
+          <a:lnRef idx="2">
+            <a:schemeClr val="accent1">
+              <a:shade val="50000"/>
+            </a:schemeClr>
+          </a:lnRef>
+          <a:fillRef idx="1">
+            <a:schemeClr val="accent1"/>
+          </a:fillRef>
+          <a:effectRef idx="0">
+            <a:schemeClr val="accent1"/>
+          </a:effectRef>
+          <a:fontRef idx="minor">
+            <a:schemeClr val="lt1"/>
+          </a:fontRef>
+        </p:style>
+        <p:txBody>
+          <a:bodyPr rtlCol="0" anchor="ctr"/>
+          <a:lstStyle/>
+          <a:p>
+            <a:pPr algn="ctr"/>
+            <a:endParaRPr lang="en-US" sz="1400" dirty="0">
+              <a:solidFill>
+                <a:schemeClr val="accent6">
+                  <a:lumMod val="60000"/>
+                  <a:lumOff val="40000"/>
+                </a:schemeClr>
+              </a:solidFill>
+              <a:latin typeface="Arial" panose="020B0604020202020204" pitchFamily="34" charset="0"/>
+              <a:cs typeface="Arial" panose="020B0604020202020204" pitchFamily="34" charset="0"/>
+            </a:endParaRPr>
+          </a:p>
+        </p:txBody>
+      </p:sp>
+      <p:sp>
+        <p:nvSpPr>
+          <p:cNvPr id="77" name="Rectangle 76">
+            <a:extLst>
+              <a:ext uri="{FF2B5EF4-FFF2-40B4-BE49-F238E27FC236}">
+                <a16:creationId xmlns:a16="http://schemas.microsoft.com/office/drawing/2014/main" id="{FA73CD6B-CAA9-1349-802C-B5EC05495080}"/>
+              </a:ext>
+            </a:extLst>
+          </p:cNvPr>
+          <p:cNvSpPr/>
+          <p:nvPr/>
+        </p:nvSpPr>
+        <p:spPr>
+          <a:xfrm>
+            <a:off x="134714" y="1471146"/>
+            <a:ext cx="5925885" cy="187585"/>
+          </a:xfrm>
+          <a:prstGeom prst="rect">
+            <a:avLst/>
+          </a:prstGeom>
+          <a:solidFill>
+            <a:srgbClr val="E6F7FD"/>
+          </a:solidFill>
+          <a:ln>
+            <a:solidFill>
+              <a:schemeClr val="bg2">
+                <a:lumMod val="75000"/>
+              </a:schemeClr>
+            </a:solidFill>
+          </a:ln>
+        </p:spPr>
+        <p:style>
+          <a:lnRef idx="1">
+            <a:schemeClr val="accent1"/>
+          </a:lnRef>
+          <a:fillRef idx="3">
+            <a:schemeClr val="accent1"/>
+          </a:fillRef>
+          <a:effectRef idx="2">
+            <a:schemeClr val="accent1"/>
+          </a:effectRef>
+          <a:fontRef idx="minor">
+            <a:schemeClr val="lt1"/>
+          </a:fontRef>
+        </p:style>
+        <p:txBody>
+          <a:bodyPr rtlCol="0" anchor="ctr"/>
+          <a:lstStyle/>
+          <a:p>
+            <a:pPr algn="ctr"/>
+            <a:r>
+              <a:rPr lang="en-US" sz="800" dirty="0">
+                <a:solidFill>
+                  <a:schemeClr val="tx1"/>
+                </a:solidFill>
+                <a:latin typeface="Arial" panose="020B0604020202020204" pitchFamily="34" charset="0"/>
+                <a:ea typeface="Menlo" charset="0"/>
+                <a:cs typeface="Arial" panose="020B0604020202020204" pitchFamily="34" charset="0"/>
+              </a:rPr>
+              <a:t>Zowe Desktop running in web browser</a:t>
+            </a:r>
+          </a:p>
+        </p:txBody>
+      </p:sp>
+      <p:sp>
+        <p:nvSpPr>
+          <p:cNvPr id="94" name="Rectangle 93">
+            <a:extLst>
+              <a:ext uri="{FF2B5EF4-FFF2-40B4-BE49-F238E27FC236}">
+                <a16:creationId xmlns:a16="http://schemas.microsoft.com/office/drawing/2014/main" id="{2E6E6968-C58B-AC42-AC3C-471BE14361C4}"/>
+              </a:ext>
+            </a:extLst>
+          </p:cNvPr>
+          <p:cNvSpPr/>
+          <p:nvPr/>
+        </p:nvSpPr>
+        <p:spPr>
+          <a:xfrm>
+            <a:off x="6878388" y="1463160"/>
+            <a:ext cx="5097850" cy="184138"/>
+          </a:xfrm>
+          <a:prstGeom prst="rect">
+            <a:avLst/>
+          </a:prstGeom>
+          <a:solidFill>
+            <a:srgbClr val="E6F7FD"/>
+          </a:solidFill>
+          <a:ln>
+            <a:solidFill>
+              <a:schemeClr val="bg2">
+                <a:lumMod val="75000"/>
+              </a:schemeClr>
+            </a:solidFill>
+          </a:ln>
+        </p:spPr>
+        <p:style>
+          <a:lnRef idx="1">
+            <a:schemeClr val="accent1"/>
+          </a:lnRef>
+          <a:fillRef idx="3">
+            <a:schemeClr val="accent1"/>
+          </a:fillRef>
+          <a:effectRef idx="2">
+            <a:schemeClr val="accent1"/>
+          </a:effectRef>
+          <a:fontRef idx="minor">
+            <a:schemeClr val="lt1"/>
+          </a:fontRef>
+        </p:style>
+        <p:txBody>
+          <a:bodyPr rtlCol="0" anchor="ctr"/>
+          <a:lstStyle/>
+          <a:p>
+            <a:pPr algn="ctr"/>
+            <a:r>
+              <a:rPr lang="en-US" sz="800" dirty="0">
+                <a:solidFill>
+                  <a:schemeClr val="tx1"/>
+                </a:solidFill>
+                <a:latin typeface="Arial" panose="020B0604020202020204" pitchFamily="34" charset="0"/>
+                <a:ea typeface="Menlo" charset="0"/>
+                <a:cs typeface="Arial" panose="020B0604020202020204" pitchFamily="34" charset="0"/>
+              </a:rPr>
+              <a:t>Zowe CLI running in desktop shell</a:t>
+            </a:r>
+          </a:p>
+        </p:txBody>
+      </p:sp>
+      <p:sp>
+        <p:nvSpPr>
+          <p:cNvPr id="149" name="Rectangle 148">
+            <a:extLst>
+              <a:ext uri="{FF2B5EF4-FFF2-40B4-BE49-F238E27FC236}">
+                <a16:creationId xmlns:a16="http://schemas.microsoft.com/office/drawing/2014/main" id="{1DBBA3A0-742C-F942-9627-246163F02A4E}"/>
+              </a:ext>
+            </a:extLst>
+          </p:cNvPr>
+          <p:cNvSpPr/>
+          <p:nvPr/>
+        </p:nvSpPr>
+        <p:spPr>
+          <a:xfrm>
+            <a:off x="1118495" y="6039568"/>
+            <a:ext cx="1512227" cy="727780"/>
+          </a:xfrm>
+          <a:prstGeom prst="rect">
+            <a:avLst/>
+          </a:prstGeom>
+          <a:solidFill>
+            <a:schemeClr val="accent4">
+              <a:lumMod val="40000"/>
+              <a:lumOff val="60000"/>
+              <a:alpha val="50000"/>
+            </a:schemeClr>
+          </a:solidFill>
+        </p:spPr>
+        <p:style>
+          <a:lnRef idx="2">
+            <a:schemeClr val="accent1">
+              <a:shade val="50000"/>
+            </a:schemeClr>
+          </a:lnRef>
+          <a:fillRef idx="1">
+            <a:schemeClr val="accent1"/>
+          </a:fillRef>
+          <a:effectRef idx="0">
+            <a:schemeClr val="accent1"/>
+          </a:effectRef>
+          <a:fontRef idx="minor">
+            <a:schemeClr val="lt1"/>
+          </a:fontRef>
+        </p:style>
+        <p:txBody>
+          <a:bodyPr rtlCol="0" anchor="ctr"/>
+          <a:lstStyle/>
+          <a:p>
+            <a:pPr algn="ctr"/>
+            <a:endParaRPr lang="en-US">
+              <a:latin typeface="Arial" panose="020B0604020202020204" pitchFamily="34" charset="0"/>
+              <a:cs typeface="Arial" panose="020B0604020202020204" pitchFamily="34" charset="0"/>
+            </a:endParaRPr>
+          </a:p>
+        </p:txBody>
+      </p:sp>
+      <p:sp>
+        <p:nvSpPr>
+          <p:cNvPr id="129" name="Rectangle 128">
+            <a:extLst>
+              <a:ext uri="{FF2B5EF4-FFF2-40B4-BE49-F238E27FC236}">
+                <a16:creationId xmlns:a16="http://schemas.microsoft.com/office/drawing/2014/main" id="{49F71ED4-CF4E-2C48-9F80-56B75BBD3C68}"/>
+              </a:ext>
+            </a:extLst>
+          </p:cNvPr>
+          <p:cNvSpPr/>
+          <p:nvPr/>
+        </p:nvSpPr>
+        <p:spPr>
+          <a:xfrm>
+            <a:off x="138225" y="363279"/>
+            <a:ext cx="5925886" cy="1061498"/>
+          </a:xfrm>
+          <a:prstGeom prst="rect">
+            <a:avLst/>
+          </a:prstGeom>
+          <a:solidFill>
+            <a:srgbClr val="E6F7FD"/>
+          </a:solidFill>
+          <a:ln>
+            <a:solidFill>
+              <a:schemeClr val="bg2">
+                <a:lumMod val="75000"/>
+              </a:schemeClr>
+            </a:solidFill>
+          </a:ln>
+        </p:spPr>
+        <p:style>
+          <a:lnRef idx="1">
+            <a:schemeClr val="accent1"/>
+          </a:lnRef>
+          <a:fillRef idx="3">
+            <a:schemeClr val="accent1"/>
+          </a:fillRef>
+          <a:effectRef idx="2">
+            <a:schemeClr val="accent1"/>
+          </a:effectRef>
+          <a:fontRef idx="minor">
+            <a:schemeClr val="lt1"/>
+          </a:fontRef>
+        </p:style>
+        <p:txBody>
+          <a:bodyPr rtlCol="0" anchor="ctr"/>
+          <a:lstStyle/>
+          <a:p>
+            <a:pPr algn="ctr"/>
+            <a:endParaRPr lang="en-US" sz="800" dirty="0">
+              <a:solidFill>
+                <a:schemeClr val="tx1"/>
+              </a:solidFill>
+              <a:latin typeface="Menlo" charset="0"/>
+              <a:ea typeface="Menlo" charset="0"/>
+              <a:cs typeface="Menlo" charset="0"/>
+            </a:endParaRPr>
+          </a:p>
+        </p:txBody>
+      </p:sp>
+      <p:sp>
+        <p:nvSpPr>
+          <p:cNvPr id="3" name="Rectangle 2">
+            <a:extLst>
+              <a:ext uri="{FF2B5EF4-FFF2-40B4-BE49-F238E27FC236}">
+                <a16:creationId xmlns:a16="http://schemas.microsoft.com/office/drawing/2014/main" id="{881A021B-B006-334C-B3F1-F642594C592B}"/>
+              </a:ext>
+            </a:extLst>
+          </p:cNvPr>
+          <p:cNvSpPr/>
+          <p:nvPr/>
+        </p:nvSpPr>
+        <p:spPr>
+          <a:xfrm>
+            <a:off x="358873" y="2101831"/>
+            <a:ext cx="11576732" cy="2897361"/>
+          </a:xfrm>
+          <a:prstGeom prst="rect">
+            <a:avLst/>
+          </a:prstGeom>
+          <a:solidFill>
+            <a:schemeClr val="accent5">
+              <a:lumMod val="20000"/>
+              <a:lumOff val="80000"/>
+            </a:schemeClr>
+          </a:solidFill>
+          <a:ln>
+            <a:solidFill>
+              <a:schemeClr val="bg1">
+                <a:lumMod val="50000"/>
+              </a:schemeClr>
+            </a:solidFill>
+          </a:ln>
+        </p:spPr>
+        <p:style>
+          <a:lnRef idx="2">
+            <a:schemeClr val="accent1">
+              <a:shade val="50000"/>
+            </a:schemeClr>
+          </a:lnRef>
+          <a:fillRef idx="1">
+            <a:schemeClr val="accent1"/>
+          </a:fillRef>
+          <a:effectRef idx="0">
+            <a:schemeClr val="accent1"/>
+          </a:effectRef>
+          <a:fontRef idx="minor">
+            <a:schemeClr val="lt1"/>
+          </a:fontRef>
+        </p:style>
+        <p:txBody>
+          <a:bodyPr rtlCol="0" anchor="ctr"/>
+          <a:lstStyle/>
+          <a:p>
+            <a:pPr algn="ctr"/>
+            <a:endParaRPr lang="en-US" sz="1400" dirty="0">
+              <a:solidFill>
+                <a:schemeClr val="accent6">
+                  <a:lumMod val="60000"/>
+                  <a:lumOff val="40000"/>
+                </a:schemeClr>
+              </a:solidFill>
+              <a:latin typeface="Arial" panose="020B0604020202020204" pitchFamily="34" charset="0"/>
+              <a:cs typeface="Arial" panose="020B0604020202020204" pitchFamily="34" charset="0"/>
+            </a:endParaRPr>
+          </a:p>
+        </p:txBody>
+      </p:sp>
+      <p:sp>
+        <p:nvSpPr>
+          <p:cNvPr id="115" name="Rectangle 114">
+            <a:extLst>
+              <a:ext uri="{FF2B5EF4-FFF2-40B4-BE49-F238E27FC236}">
+                <a16:creationId xmlns:a16="http://schemas.microsoft.com/office/drawing/2014/main" id="{68CAA2EB-FC5B-054F-B79C-91E24AB11FA1}"/>
+              </a:ext>
+            </a:extLst>
+          </p:cNvPr>
+          <p:cNvSpPr/>
+          <p:nvPr/>
+        </p:nvSpPr>
+        <p:spPr>
+          <a:xfrm>
+            <a:off x="7202168" y="19893"/>
+            <a:ext cx="2147589" cy="474353"/>
+          </a:xfrm>
+          <a:prstGeom prst="rect">
+            <a:avLst/>
+          </a:prstGeom>
+          <a:pattFill prst="pct20">
+            <a:fgClr>
+              <a:schemeClr val="accent1">
+                <a:lumMod val="20000"/>
+                <a:lumOff val="80000"/>
+              </a:schemeClr>
+            </a:fgClr>
+            <a:bgClr>
+              <a:schemeClr val="bg1"/>
+            </a:bgClr>
+          </a:pattFill>
+          <a:ln>
+            <a:prstDash val="solid"/>
+          </a:ln>
+        </p:spPr>
+        <p:style>
+          <a:lnRef idx="1">
+            <a:schemeClr val="accent1"/>
+          </a:lnRef>
+          <a:fillRef idx="3">
+            <a:schemeClr val="accent1"/>
+          </a:fillRef>
+          <a:effectRef idx="2">
+            <a:schemeClr val="accent1"/>
+          </a:effectRef>
+          <a:fontRef idx="minor">
+            <a:schemeClr val="lt1"/>
+          </a:fontRef>
+        </p:style>
+        <p:txBody>
+          <a:bodyPr rtlCol="0" anchor="ctr"/>
+          <a:lstStyle/>
+          <a:p>
+            <a:pPr algn="ctr"/>
+            <a:r>
+              <a:rPr lang="en-US" sz="1467" dirty="0">
+                <a:solidFill>
+                  <a:schemeClr val="tx1"/>
+                </a:solidFill>
+                <a:latin typeface="Menlo" charset="0"/>
+                <a:ea typeface="Menlo" charset="0"/>
+                <a:cs typeface="Menlo" charset="0"/>
+              </a:rPr>
+              <a:t>                 </a:t>
+            </a:r>
+          </a:p>
+          <a:p>
+            <a:pPr algn="ctr"/>
+            <a:endParaRPr lang="en-US" sz="1467" dirty="0">
+              <a:solidFill>
+                <a:schemeClr val="tx1"/>
+              </a:solidFill>
+              <a:latin typeface="Menlo" charset="0"/>
+              <a:ea typeface="Menlo" charset="0"/>
+              <a:cs typeface="Menlo" charset="0"/>
+            </a:endParaRPr>
+          </a:p>
+          <a:p>
+            <a:pPr algn="ctr"/>
+            <a:endParaRPr lang="en-US" sz="1467" dirty="0">
+              <a:solidFill>
+                <a:schemeClr val="tx1"/>
+              </a:solidFill>
+              <a:latin typeface="Menlo" charset="0"/>
+              <a:ea typeface="Menlo" charset="0"/>
+              <a:cs typeface="Menlo" charset="0"/>
+            </a:endParaRPr>
+          </a:p>
+        </p:txBody>
+      </p:sp>
+      <p:cxnSp>
+        <p:nvCxnSpPr>
+          <p:cNvPr id="20" name="Elbow Connector 19">
+            <a:extLst>
+              <a:ext uri="{FF2B5EF4-FFF2-40B4-BE49-F238E27FC236}">
+                <a16:creationId xmlns:a16="http://schemas.microsoft.com/office/drawing/2014/main" id="{463C5E49-921E-6E43-B468-6069E10CA099}"/>
+              </a:ext>
+            </a:extLst>
+          </p:cNvPr>
+          <p:cNvCxnSpPr>
+            <a:cxnSpLocks/>
+            <a:stCxn id="107" idx="3"/>
+          </p:cNvCxnSpPr>
+          <p:nvPr/>
+        </p:nvCxnSpPr>
+        <p:spPr>
+          <a:xfrm>
+            <a:off x="5953663" y="996312"/>
+            <a:ext cx="1396423" cy="904220"/>
+          </a:xfrm>
+          <a:prstGeom prst="bentConnector3">
+            <a:avLst/>
+          </a:prstGeom>
+          <a:ln>
+            <a:headEnd type="triangle"/>
+            <a:tailEnd type="triangle"/>
+          </a:ln>
+        </p:spPr>
+        <p:style>
+          <a:lnRef idx="1">
+            <a:schemeClr val="accent1"/>
+          </a:lnRef>
+          <a:fillRef idx="0">
+            <a:schemeClr val="accent1"/>
+          </a:fillRef>
+          <a:effectRef idx="0">
+            <a:schemeClr val="accent1"/>
+          </a:effectRef>
+          <a:fontRef idx="minor">
+            <a:schemeClr val="tx1"/>
+          </a:fontRef>
+        </p:style>
+      </p:cxnSp>
+      <p:sp>
+        <p:nvSpPr>
+          <p:cNvPr id="107" name="Rectangle 106">
+            <a:extLst>
+              <a:ext uri="{FF2B5EF4-FFF2-40B4-BE49-F238E27FC236}">
+                <a16:creationId xmlns:a16="http://schemas.microsoft.com/office/drawing/2014/main" id="{47D63396-AC4D-5249-8BCF-E9058FDBA721}"/>
+              </a:ext>
+            </a:extLst>
+          </p:cNvPr>
+          <p:cNvSpPr/>
+          <p:nvPr/>
+        </p:nvSpPr>
+        <p:spPr>
+          <a:xfrm>
+            <a:off x="5122787" y="708247"/>
+            <a:ext cx="830876" cy="576130"/>
+          </a:xfrm>
+          <a:prstGeom prst="rect">
+            <a:avLst/>
+          </a:prstGeom>
+          <a:solidFill>
+            <a:schemeClr val="bg1"/>
+          </a:solidFill>
+          <a:ln>
+            <a:solidFill>
+              <a:srgbClr val="20708D"/>
+            </a:solidFill>
+          </a:ln>
+        </p:spPr>
+        <p:style>
+          <a:lnRef idx="1">
+            <a:schemeClr val="accent1"/>
+          </a:lnRef>
+          <a:fillRef idx="3">
+            <a:schemeClr val="accent1"/>
+          </a:fillRef>
+          <a:effectRef idx="2">
+            <a:schemeClr val="accent1"/>
+          </a:effectRef>
+          <a:fontRef idx="minor">
+            <a:schemeClr val="lt1"/>
+          </a:fontRef>
+        </p:style>
+        <p:txBody>
+          <a:bodyPr rtlCol="0" anchor="ctr"/>
+          <a:lstStyle/>
+          <a:p>
+            <a:pPr algn="ctr"/>
+            <a:endParaRPr lang="en-US" sz="533" dirty="0">
+              <a:solidFill>
+                <a:schemeClr val="bg2">
+                  <a:lumMod val="25000"/>
+                </a:schemeClr>
+              </a:solidFill>
+              <a:latin typeface="Arial" panose="020B0604020202020204" pitchFamily="34" charset="0"/>
+              <a:ea typeface="Menlo" panose="020B0609030804020204" pitchFamily="49" charset="0"/>
+              <a:cs typeface="Arial" panose="020B0604020202020204" pitchFamily="34" charset="0"/>
+            </a:endParaRPr>
+          </a:p>
+          <a:p>
+            <a:pPr algn="ctr"/>
+            <a:endParaRPr lang="en-US" sz="533" dirty="0">
+              <a:solidFill>
+                <a:schemeClr val="bg2">
+                  <a:lumMod val="25000"/>
+                </a:schemeClr>
+              </a:solidFill>
+              <a:latin typeface="Arial" panose="020B0604020202020204" pitchFamily="34" charset="0"/>
+              <a:ea typeface="Menlo" panose="020B0609030804020204" pitchFamily="49" charset="0"/>
+              <a:cs typeface="Arial" panose="020B0604020202020204" pitchFamily="34" charset="0"/>
+            </a:endParaRPr>
+          </a:p>
+          <a:p>
+            <a:pPr algn="ctr"/>
+            <a:endParaRPr lang="en-US" sz="533" dirty="0">
+              <a:solidFill>
+                <a:schemeClr val="bg2">
+                  <a:lumMod val="25000"/>
+                </a:schemeClr>
+              </a:solidFill>
+              <a:latin typeface="Arial" panose="020B0604020202020204" pitchFamily="34" charset="0"/>
+              <a:ea typeface="Menlo" panose="020B0609030804020204" pitchFamily="49" charset="0"/>
+              <a:cs typeface="Arial" panose="020B0604020202020204" pitchFamily="34" charset="0"/>
+            </a:endParaRPr>
+          </a:p>
+          <a:p>
+            <a:pPr algn="ctr"/>
+            <a:endParaRPr lang="en-US" sz="533" dirty="0">
+              <a:solidFill>
+                <a:schemeClr val="bg2">
+                  <a:lumMod val="25000"/>
+                </a:schemeClr>
+              </a:solidFill>
+              <a:latin typeface="Arial" panose="020B0604020202020204" pitchFamily="34" charset="0"/>
+              <a:ea typeface="Menlo" panose="020B0609030804020204" pitchFamily="49" charset="0"/>
+              <a:cs typeface="Arial" panose="020B0604020202020204" pitchFamily="34" charset="0"/>
+            </a:endParaRPr>
+          </a:p>
+          <a:p>
+            <a:pPr algn="ctr"/>
+            <a:endParaRPr lang="en-US" sz="533" dirty="0">
+              <a:solidFill>
+                <a:schemeClr val="bg2">
+                  <a:lumMod val="25000"/>
+                </a:schemeClr>
+              </a:solidFill>
+              <a:latin typeface="Arial" panose="020B0604020202020204" pitchFamily="34" charset="0"/>
+              <a:ea typeface="Menlo" panose="020B0609030804020204" pitchFamily="49" charset="0"/>
+              <a:cs typeface="Arial" panose="020B0604020202020204" pitchFamily="34" charset="0"/>
+            </a:endParaRPr>
+          </a:p>
+          <a:p>
+            <a:pPr algn="ctr"/>
+            <a:r>
+              <a:rPr lang="en-US" sz="533" b="1" dirty="0">
+                <a:solidFill>
+                  <a:schemeClr val="bg2">
+                    <a:lumMod val="25000"/>
+                  </a:schemeClr>
+                </a:solidFill>
+                <a:latin typeface="Arial" panose="020B0604020202020204" pitchFamily="34" charset="0"/>
+                <a:ea typeface="Menlo" panose="020B0609030804020204" pitchFamily="49" charset="0"/>
+                <a:cs typeface="Arial" panose="020B0604020202020204" pitchFamily="34" charset="0"/>
+              </a:rPr>
+              <a:t>iFrame</a:t>
+            </a:r>
+          </a:p>
+        </p:txBody>
+      </p:sp>
+      <p:sp>
+        <p:nvSpPr>
+          <p:cNvPr id="84" name="Rectangle 83">
+            <a:extLst>
+              <a:ext uri="{FF2B5EF4-FFF2-40B4-BE49-F238E27FC236}">
+                <a16:creationId xmlns:a16="http://schemas.microsoft.com/office/drawing/2014/main" id="{54414DDB-8967-8D45-908D-A9FDFFB61FF7}"/>
+              </a:ext>
+            </a:extLst>
+          </p:cNvPr>
+          <p:cNvSpPr/>
+          <p:nvPr/>
+        </p:nvSpPr>
+        <p:spPr>
+          <a:xfrm>
+            <a:off x="6878388" y="542959"/>
+            <a:ext cx="5097850" cy="877515"/>
+          </a:xfrm>
+          <a:prstGeom prst="rect">
+            <a:avLst/>
+          </a:prstGeom>
+          <a:solidFill>
+            <a:srgbClr val="E6F7FD"/>
+          </a:solidFill>
+          <a:ln>
+            <a:solidFill>
+              <a:schemeClr val="bg2">
+                <a:lumMod val="75000"/>
+              </a:schemeClr>
+            </a:solidFill>
+            <a:prstDash val="solid"/>
+          </a:ln>
+        </p:spPr>
+        <p:style>
+          <a:lnRef idx="1">
+            <a:schemeClr val="accent1"/>
+          </a:lnRef>
+          <a:fillRef idx="3">
+            <a:schemeClr val="accent1"/>
+          </a:fillRef>
+          <a:effectRef idx="2">
+            <a:schemeClr val="accent1"/>
+          </a:effectRef>
+          <a:fontRef idx="minor">
+            <a:schemeClr val="lt1"/>
+          </a:fontRef>
+        </p:style>
+        <p:txBody>
+          <a:bodyPr rtlCol="0" anchor="ctr"/>
+          <a:lstStyle/>
+          <a:p>
+            <a:pPr algn="ctr"/>
+            <a:r>
+              <a:rPr lang="en-US" sz="1467">
+                <a:solidFill>
+                  <a:schemeClr val="tx1"/>
+                </a:solidFill>
+                <a:latin typeface="Arial" panose="020B0604020202020204" pitchFamily="34" charset="0"/>
+                <a:ea typeface="Menlo" charset="0"/>
+                <a:cs typeface="Arial" panose="020B0604020202020204" pitchFamily="34" charset="0"/>
+              </a:rPr>
+              <a:t>                 </a:t>
+            </a:r>
+          </a:p>
+          <a:p>
+            <a:pPr algn="ctr"/>
+            <a:endParaRPr lang="en-US" sz="1467">
+              <a:solidFill>
+                <a:schemeClr val="tx1"/>
+              </a:solidFill>
+              <a:latin typeface="Arial" panose="020B0604020202020204" pitchFamily="34" charset="0"/>
+              <a:ea typeface="Menlo" charset="0"/>
+              <a:cs typeface="Arial" panose="020B0604020202020204" pitchFamily="34" charset="0"/>
+            </a:endParaRPr>
+          </a:p>
+          <a:p>
+            <a:pPr algn="ctr"/>
+            <a:endParaRPr lang="en-US" sz="1467">
+              <a:solidFill>
+                <a:schemeClr val="tx1"/>
+              </a:solidFill>
+              <a:latin typeface="Arial" panose="020B0604020202020204" pitchFamily="34" charset="0"/>
+              <a:ea typeface="Menlo" charset="0"/>
+              <a:cs typeface="Arial" panose="020B0604020202020204" pitchFamily="34" charset="0"/>
+            </a:endParaRPr>
+          </a:p>
+        </p:txBody>
+      </p:sp>
+      <p:sp>
+        <p:nvSpPr>
+          <p:cNvPr id="29" name="Rectangle 28">
+            <a:extLst>
+              <a:ext uri="{FF2B5EF4-FFF2-40B4-BE49-F238E27FC236}">
+                <a16:creationId xmlns:a16="http://schemas.microsoft.com/office/drawing/2014/main" id="{8AF582D8-88EE-2542-99A4-79D337267C65}"/>
+              </a:ext>
+            </a:extLst>
+          </p:cNvPr>
+          <p:cNvSpPr/>
+          <p:nvPr/>
+        </p:nvSpPr>
+        <p:spPr>
+          <a:xfrm>
+            <a:off x="2057908" y="3383294"/>
+            <a:ext cx="670956" cy="351196"/>
+          </a:xfrm>
+          <a:prstGeom prst="rect">
+            <a:avLst/>
+          </a:prstGeom>
+          <a:solidFill>
+            <a:schemeClr val="accent4">
+              <a:lumMod val="60000"/>
+              <a:lumOff val="40000"/>
+              <a:alpha val="97647"/>
+            </a:schemeClr>
+          </a:solidFill>
+          <a:ln>
+            <a:solidFill>
+              <a:schemeClr val="accent4">
+                <a:lumMod val="75000"/>
+              </a:schemeClr>
+            </a:solidFill>
+          </a:ln>
+        </p:spPr>
+        <p:style>
+          <a:lnRef idx="2">
+            <a:schemeClr val="accent1">
+              <a:shade val="50000"/>
+            </a:schemeClr>
+          </a:lnRef>
+          <a:fillRef idx="1">
+            <a:schemeClr val="accent1"/>
+          </a:fillRef>
+          <a:effectRef idx="0">
+            <a:schemeClr val="accent1"/>
+          </a:effectRef>
+          <a:fontRef idx="minor">
+            <a:schemeClr val="lt1"/>
+          </a:fontRef>
+        </p:style>
+        <p:txBody>
+          <a:bodyPr rtlCol="0" anchor="ctr"/>
+          <a:lstStyle/>
+          <a:p>
+            <a:pPr algn="ctr"/>
+            <a:r>
+              <a:rPr lang="en-US" sz="933" dirty="0">
+                <a:solidFill>
+                  <a:schemeClr val="tx1"/>
+                </a:solidFill>
+                <a:latin typeface="Arial" panose="020B0604020202020204" pitchFamily="34" charset="0"/>
+                <a:ea typeface="Menlo" panose="020B0609030804020204" pitchFamily="49" charset="0"/>
+                <a:cs typeface="Arial" panose="020B0604020202020204" pitchFamily="34" charset="0"/>
+              </a:rPr>
+              <a:t>API Catalog</a:t>
+            </a:r>
+          </a:p>
+        </p:txBody>
+      </p:sp>
+      <p:cxnSp>
+        <p:nvCxnSpPr>
+          <p:cNvPr id="32" name="Straight Arrow Connector 31">
+            <a:extLst>
+              <a:ext uri="{FF2B5EF4-FFF2-40B4-BE49-F238E27FC236}">
+                <a16:creationId xmlns:a16="http://schemas.microsoft.com/office/drawing/2014/main" id="{BD316678-45F2-FC41-929D-9AFEFDB6D35C}"/>
+              </a:ext>
+            </a:extLst>
+          </p:cNvPr>
+          <p:cNvCxnSpPr>
+            <a:cxnSpLocks/>
+          </p:cNvCxnSpPr>
+          <p:nvPr/>
+        </p:nvCxnSpPr>
+        <p:spPr>
+          <a:xfrm>
+            <a:off x="2597275" y="3062373"/>
+            <a:ext cx="8982" cy="310677"/>
+          </a:xfrm>
+          <a:prstGeom prst="straightConnector1">
+            <a:avLst/>
+          </a:prstGeom>
+          <a:ln>
+            <a:headEnd type="triangle"/>
+            <a:tailEnd type="triangle"/>
+          </a:ln>
+        </p:spPr>
+        <p:style>
+          <a:lnRef idx="1">
+            <a:schemeClr val="accent1"/>
+          </a:lnRef>
+          <a:fillRef idx="0">
+            <a:schemeClr val="accent1"/>
+          </a:fillRef>
+          <a:effectRef idx="0">
+            <a:schemeClr val="accent1"/>
+          </a:effectRef>
+          <a:fontRef idx="minor">
+            <a:schemeClr val="tx1"/>
+          </a:fontRef>
+        </p:style>
+      </p:cxnSp>
+      <p:cxnSp>
+        <p:nvCxnSpPr>
+          <p:cNvPr id="38" name="Straight Arrow Connector 37">
+            <a:extLst>
+              <a:ext uri="{FF2B5EF4-FFF2-40B4-BE49-F238E27FC236}">
+                <a16:creationId xmlns:a16="http://schemas.microsoft.com/office/drawing/2014/main" id="{2B8525D1-5DD2-9144-B286-EB52E77203BE}"/>
+              </a:ext>
+            </a:extLst>
+          </p:cNvPr>
+          <p:cNvCxnSpPr>
+            <a:cxnSpLocks/>
+          </p:cNvCxnSpPr>
+          <p:nvPr/>
+        </p:nvCxnSpPr>
+        <p:spPr>
+          <a:xfrm>
+            <a:off x="3421474" y="3078000"/>
+            <a:ext cx="0" cy="304147"/>
+          </a:xfrm>
+          <a:prstGeom prst="straightConnector1">
+            <a:avLst/>
+          </a:prstGeom>
+          <a:ln>
+            <a:headEnd type="triangle"/>
+            <a:tailEnd type="triangle"/>
+          </a:ln>
+        </p:spPr>
+        <p:style>
+          <a:lnRef idx="1">
+            <a:schemeClr val="accent1"/>
+          </a:lnRef>
+          <a:fillRef idx="0">
+            <a:schemeClr val="accent1"/>
+          </a:fillRef>
+          <a:effectRef idx="0">
+            <a:schemeClr val="accent1"/>
+          </a:effectRef>
+          <a:fontRef idx="minor">
+            <a:schemeClr val="tx1"/>
+          </a:fontRef>
+        </p:style>
+      </p:cxnSp>
+      <p:sp>
+        <p:nvSpPr>
+          <p:cNvPr id="39" name="Rectangle 38">
+            <a:extLst>
+              <a:ext uri="{FF2B5EF4-FFF2-40B4-BE49-F238E27FC236}">
+                <a16:creationId xmlns:a16="http://schemas.microsoft.com/office/drawing/2014/main" id="{82FFFBCF-6F96-BA4C-A2A8-04C04381BB79}"/>
+              </a:ext>
+            </a:extLst>
+          </p:cNvPr>
+          <p:cNvSpPr/>
+          <p:nvPr/>
+        </p:nvSpPr>
+        <p:spPr>
+          <a:xfrm>
+            <a:off x="4588526" y="4215331"/>
+            <a:ext cx="471149" cy="382833"/>
+          </a:xfrm>
+          <a:prstGeom prst="rect">
+            <a:avLst/>
+          </a:prstGeom>
+          <a:solidFill>
+            <a:srgbClr val="00B19E">
+              <a:alpha val="52941"/>
+            </a:srgbClr>
+          </a:solidFill>
+          <a:ln>
+            <a:solidFill>
+              <a:schemeClr val="accent5">
+                <a:lumMod val="60000"/>
+                <a:lumOff val="40000"/>
+              </a:schemeClr>
+            </a:solidFill>
+          </a:ln>
+        </p:spPr>
+        <p:style>
+          <a:lnRef idx="2">
+            <a:schemeClr val="accent1">
+              <a:shade val="50000"/>
+            </a:schemeClr>
+          </a:lnRef>
+          <a:fillRef idx="1">
+            <a:schemeClr val="accent1"/>
+          </a:fillRef>
+          <a:effectRef idx="0">
+            <a:schemeClr val="accent1"/>
+          </a:effectRef>
+          <a:fontRef idx="minor">
+            <a:schemeClr val="lt1"/>
+          </a:fontRef>
+        </p:style>
+        <p:txBody>
+          <a:bodyPr rtlCol="0" anchor="ctr"/>
+          <a:lstStyle/>
+          <a:p>
+            <a:pPr algn="ctr"/>
+            <a:endParaRPr lang="en-US" sz="933" dirty="0">
+              <a:solidFill>
+                <a:schemeClr val="tx1"/>
+              </a:solidFill>
+              <a:latin typeface="Arial" panose="020B0604020202020204" pitchFamily="34" charset="0"/>
+              <a:ea typeface="Menlo" panose="020B0609030804020204" pitchFamily="49" charset="0"/>
+              <a:cs typeface="Arial" panose="020B0604020202020204" pitchFamily="34" charset="0"/>
+            </a:endParaRPr>
+          </a:p>
+        </p:txBody>
+      </p:sp>
+      <p:sp>
+        <p:nvSpPr>
+          <p:cNvPr id="40" name="Rectangle 39">
+            <a:extLst>
+              <a:ext uri="{FF2B5EF4-FFF2-40B4-BE49-F238E27FC236}">
+                <a16:creationId xmlns:a16="http://schemas.microsoft.com/office/drawing/2014/main" id="{EE3A7E9E-4BFA-7048-A93A-B226BC2CCB8D}"/>
+              </a:ext>
+            </a:extLst>
+          </p:cNvPr>
+          <p:cNvSpPr/>
+          <p:nvPr/>
+        </p:nvSpPr>
+        <p:spPr>
+          <a:xfrm>
+            <a:off x="5112879" y="4217654"/>
+            <a:ext cx="454307" cy="380510"/>
+          </a:xfrm>
+          <a:prstGeom prst="rect">
+            <a:avLst/>
+          </a:prstGeom>
+          <a:solidFill>
+            <a:srgbClr val="00B19E">
+              <a:alpha val="52941"/>
+            </a:srgbClr>
+          </a:solidFill>
+          <a:ln>
+            <a:solidFill>
+              <a:schemeClr val="accent5">
+                <a:lumMod val="60000"/>
+                <a:lumOff val="40000"/>
+              </a:schemeClr>
+            </a:solidFill>
+          </a:ln>
+        </p:spPr>
+        <p:style>
+          <a:lnRef idx="2">
+            <a:schemeClr val="accent1">
+              <a:shade val="50000"/>
+            </a:schemeClr>
+          </a:lnRef>
+          <a:fillRef idx="1">
+            <a:schemeClr val="accent1"/>
+          </a:fillRef>
+          <a:effectRef idx="0">
+            <a:schemeClr val="accent1"/>
+          </a:effectRef>
+          <a:fontRef idx="minor">
+            <a:schemeClr val="lt1"/>
+          </a:fontRef>
+        </p:style>
+        <p:txBody>
+          <a:bodyPr rtlCol="0" anchor="ctr"/>
+          <a:lstStyle/>
+          <a:p>
+            <a:pPr algn="ctr"/>
+            <a:endParaRPr lang="en-US" sz="933" dirty="0">
+              <a:solidFill>
+                <a:schemeClr val="tx1"/>
+              </a:solidFill>
+              <a:latin typeface="Arial" panose="020B0604020202020204" pitchFamily="34" charset="0"/>
+              <a:ea typeface="Menlo" panose="020B0609030804020204" pitchFamily="49" charset="0"/>
+              <a:cs typeface="Arial" panose="020B0604020202020204" pitchFamily="34" charset="0"/>
+            </a:endParaRPr>
+          </a:p>
+        </p:txBody>
+      </p:sp>
+      <p:sp>
+        <p:nvSpPr>
+          <p:cNvPr id="41" name="Rectangle 40">
+            <a:extLst>
+              <a:ext uri="{FF2B5EF4-FFF2-40B4-BE49-F238E27FC236}">
+                <a16:creationId xmlns:a16="http://schemas.microsoft.com/office/drawing/2014/main" id="{38830FD5-B0E7-304D-A162-42509A56C2A0}"/>
+              </a:ext>
+            </a:extLst>
+          </p:cNvPr>
+          <p:cNvSpPr/>
+          <p:nvPr/>
+        </p:nvSpPr>
+        <p:spPr>
+          <a:xfrm>
+            <a:off x="5631312" y="4204089"/>
+            <a:ext cx="470080" cy="394075"/>
+          </a:xfrm>
+          <a:prstGeom prst="rect">
+            <a:avLst/>
+          </a:prstGeom>
+          <a:solidFill>
+            <a:srgbClr val="00B19E">
+              <a:alpha val="52941"/>
+            </a:srgbClr>
+          </a:solidFill>
+          <a:ln>
+            <a:solidFill>
+              <a:schemeClr val="accent5">
+                <a:lumMod val="60000"/>
+                <a:lumOff val="40000"/>
+              </a:schemeClr>
+            </a:solidFill>
+          </a:ln>
+        </p:spPr>
+        <p:style>
+          <a:lnRef idx="2">
+            <a:schemeClr val="accent1">
+              <a:shade val="50000"/>
+            </a:schemeClr>
+          </a:lnRef>
+          <a:fillRef idx="1">
+            <a:schemeClr val="accent1"/>
+          </a:fillRef>
+          <a:effectRef idx="0">
+            <a:schemeClr val="accent1"/>
+          </a:effectRef>
+          <a:fontRef idx="minor">
+            <a:schemeClr val="lt1"/>
+          </a:fontRef>
+        </p:style>
+        <p:txBody>
+          <a:bodyPr rtlCol="0" anchor="ctr"/>
+          <a:lstStyle/>
+          <a:p>
+            <a:pPr algn="ctr"/>
+            <a:endParaRPr lang="en-US" sz="933" dirty="0">
+              <a:solidFill>
+                <a:schemeClr val="tx1"/>
+              </a:solidFill>
+              <a:latin typeface="Arial" panose="020B0604020202020204" pitchFamily="34" charset="0"/>
+              <a:ea typeface="Menlo" panose="020B0609030804020204" pitchFamily="49" charset="0"/>
+              <a:cs typeface="Arial" panose="020B0604020202020204" pitchFamily="34" charset="0"/>
+            </a:endParaRPr>
+          </a:p>
+        </p:txBody>
+      </p:sp>
+      <p:sp>
+        <p:nvSpPr>
+          <p:cNvPr id="42" name="Rectangle 41">
+            <a:extLst>
+              <a:ext uri="{FF2B5EF4-FFF2-40B4-BE49-F238E27FC236}">
+                <a16:creationId xmlns:a16="http://schemas.microsoft.com/office/drawing/2014/main" id="{7A2C7D56-E8C6-1042-9DF3-33D6754C7710}"/>
+              </a:ext>
+            </a:extLst>
+          </p:cNvPr>
+          <p:cNvSpPr/>
+          <p:nvPr/>
+        </p:nvSpPr>
+        <p:spPr>
+          <a:xfrm>
+            <a:off x="6237425" y="4416846"/>
+            <a:ext cx="517682" cy="311869"/>
+          </a:xfrm>
+          <a:prstGeom prst="rect">
+            <a:avLst/>
+          </a:prstGeom>
+          <a:solidFill>
+            <a:schemeClr val="accent4">
+              <a:lumMod val="60000"/>
+              <a:lumOff val="40000"/>
+              <a:alpha val="97647"/>
+            </a:schemeClr>
+          </a:solidFill>
+          <a:ln>
+            <a:solidFill>
+              <a:schemeClr val="accent4">
+                <a:lumMod val="75000"/>
+              </a:schemeClr>
+            </a:solidFill>
+          </a:ln>
+        </p:spPr>
+        <p:style>
+          <a:lnRef idx="2">
+            <a:schemeClr val="accent1">
+              <a:shade val="50000"/>
+            </a:schemeClr>
+          </a:lnRef>
+          <a:fillRef idx="1">
+            <a:schemeClr val="accent1"/>
+          </a:fillRef>
+          <a:effectRef idx="0">
+            <a:schemeClr val="accent1"/>
+          </a:effectRef>
+          <a:fontRef idx="minor">
+            <a:schemeClr val="lt1"/>
+          </a:fontRef>
+        </p:style>
+        <p:txBody>
+          <a:bodyPr rtlCol="0" anchor="ctr"/>
+          <a:lstStyle/>
+          <a:p>
+            <a:pPr algn="ctr"/>
+            <a:r>
+              <a:rPr lang="en-US" sz="933" dirty="0">
+                <a:solidFill>
+                  <a:schemeClr val="tx1"/>
+                </a:solidFill>
+                <a:latin typeface="Arial" panose="020B0604020202020204" pitchFamily="34" charset="0"/>
+                <a:ea typeface="Menlo" panose="020B0609030804020204" pitchFamily="49" charset="0"/>
+                <a:cs typeface="Arial" panose="020B0604020202020204" pitchFamily="34" charset="0"/>
+              </a:rPr>
+              <a:t>File API</a:t>
+            </a:r>
+          </a:p>
+        </p:txBody>
+      </p:sp>
+      <p:sp>
+        <p:nvSpPr>
+          <p:cNvPr id="43" name="Rectangle 42">
+            <a:extLst>
+              <a:ext uri="{FF2B5EF4-FFF2-40B4-BE49-F238E27FC236}">
+                <a16:creationId xmlns:a16="http://schemas.microsoft.com/office/drawing/2014/main" id="{9CF8B830-DC0B-A740-A36B-B958C1A572E0}"/>
+              </a:ext>
+            </a:extLst>
+          </p:cNvPr>
+          <p:cNvSpPr/>
+          <p:nvPr/>
+        </p:nvSpPr>
+        <p:spPr>
+          <a:xfrm>
+            <a:off x="6816543" y="4416846"/>
+            <a:ext cx="498855" cy="311869"/>
+          </a:xfrm>
+          <a:prstGeom prst="rect">
+            <a:avLst/>
+          </a:prstGeom>
+          <a:solidFill>
+            <a:schemeClr val="accent4">
+              <a:lumMod val="60000"/>
+              <a:lumOff val="40000"/>
+              <a:alpha val="97647"/>
+            </a:schemeClr>
+          </a:solidFill>
+          <a:ln>
+            <a:solidFill>
+              <a:schemeClr val="accent4">
+                <a:lumMod val="75000"/>
+              </a:schemeClr>
+            </a:solidFill>
+          </a:ln>
+        </p:spPr>
+        <p:style>
+          <a:lnRef idx="2">
+            <a:schemeClr val="accent1">
+              <a:shade val="50000"/>
+            </a:schemeClr>
+          </a:lnRef>
+          <a:fillRef idx="1">
+            <a:schemeClr val="accent1"/>
+          </a:fillRef>
+          <a:effectRef idx="0">
+            <a:schemeClr val="accent1"/>
+          </a:effectRef>
+          <a:fontRef idx="minor">
+            <a:schemeClr val="lt1"/>
+          </a:fontRef>
+        </p:style>
+        <p:txBody>
+          <a:bodyPr rtlCol="0" anchor="ctr"/>
+          <a:lstStyle/>
+          <a:p>
+            <a:pPr algn="ctr"/>
+            <a:r>
+              <a:rPr lang="en-US" sz="933" dirty="0">
+                <a:solidFill>
+                  <a:schemeClr val="tx1"/>
+                </a:solidFill>
+                <a:latin typeface="Arial" panose="020B0604020202020204" pitchFamily="34" charset="0"/>
+                <a:ea typeface="Menlo" panose="020B0609030804020204" pitchFamily="49" charset="0"/>
+                <a:cs typeface="Arial" panose="020B0604020202020204" pitchFamily="34" charset="0"/>
+              </a:rPr>
+              <a:t>JES API</a:t>
+            </a:r>
+          </a:p>
+        </p:txBody>
+      </p:sp>
+      <p:cxnSp>
+        <p:nvCxnSpPr>
+          <p:cNvPr id="45" name="Straight Arrow Connector 44">
+            <a:extLst>
+              <a:ext uri="{FF2B5EF4-FFF2-40B4-BE49-F238E27FC236}">
+                <a16:creationId xmlns:a16="http://schemas.microsoft.com/office/drawing/2014/main" id="{3892E7B8-0947-C447-9E5E-CE36A08691A2}"/>
+              </a:ext>
+            </a:extLst>
+          </p:cNvPr>
+          <p:cNvCxnSpPr>
+            <a:cxnSpLocks/>
+          </p:cNvCxnSpPr>
+          <p:nvPr/>
+        </p:nvCxnSpPr>
+        <p:spPr>
+          <a:xfrm>
+            <a:off x="6669846" y="3069751"/>
+            <a:ext cx="9031" cy="1344229"/>
+          </a:xfrm>
+          <a:prstGeom prst="straightConnector1">
+            <a:avLst/>
+          </a:prstGeom>
+          <a:ln>
+            <a:headEnd type="triangle"/>
+            <a:tailEnd type="triangle"/>
+          </a:ln>
+        </p:spPr>
+        <p:style>
+          <a:lnRef idx="1">
+            <a:schemeClr val="accent1"/>
+          </a:lnRef>
+          <a:fillRef idx="0">
+            <a:schemeClr val="accent1"/>
+          </a:fillRef>
+          <a:effectRef idx="0">
+            <a:schemeClr val="accent1"/>
+          </a:effectRef>
+          <a:fontRef idx="minor">
+            <a:schemeClr val="tx1"/>
+          </a:fontRef>
+        </p:style>
+      </p:cxnSp>
+      <p:cxnSp>
+        <p:nvCxnSpPr>
+          <p:cNvPr id="46" name="Straight Arrow Connector 45">
+            <a:extLst>
+              <a:ext uri="{FF2B5EF4-FFF2-40B4-BE49-F238E27FC236}">
+                <a16:creationId xmlns:a16="http://schemas.microsoft.com/office/drawing/2014/main" id="{021AF651-50B6-6746-B692-A167727F149A}"/>
+              </a:ext>
+            </a:extLst>
+          </p:cNvPr>
+          <p:cNvCxnSpPr>
+            <a:cxnSpLocks/>
+          </p:cNvCxnSpPr>
+          <p:nvPr/>
+        </p:nvCxnSpPr>
+        <p:spPr>
+          <a:xfrm>
+            <a:off x="4556191" y="1699591"/>
+            <a:ext cx="0" cy="759483"/>
+          </a:xfrm>
+          <a:prstGeom prst="straightConnector1">
+            <a:avLst/>
+          </a:prstGeom>
+          <a:ln>
+            <a:headEnd type="triangle"/>
+            <a:tailEnd type="triangle"/>
+          </a:ln>
+        </p:spPr>
+        <p:style>
+          <a:lnRef idx="1">
+            <a:schemeClr val="accent1"/>
+          </a:lnRef>
+          <a:fillRef idx="0">
+            <a:schemeClr val="accent1"/>
+          </a:fillRef>
+          <a:effectRef idx="0">
+            <a:schemeClr val="accent1"/>
+          </a:effectRef>
+          <a:fontRef idx="minor">
+            <a:schemeClr val="tx1"/>
+          </a:fontRef>
+        </p:style>
+      </p:cxnSp>
+      <p:sp>
+        <p:nvSpPr>
+          <p:cNvPr id="48" name="TextBox 47">
+            <a:extLst>
+              <a:ext uri="{FF2B5EF4-FFF2-40B4-BE49-F238E27FC236}">
+                <a16:creationId xmlns:a16="http://schemas.microsoft.com/office/drawing/2014/main" id="{41691BFB-2D24-0547-A69D-0918666B0AB3}"/>
+              </a:ext>
+            </a:extLst>
+          </p:cNvPr>
+          <p:cNvSpPr txBox="1"/>
+          <p:nvPr/>
+        </p:nvSpPr>
+        <p:spPr>
+          <a:xfrm>
+            <a:off x="5152646" y="2112860"/>
+            <a:ext cx="498855" cy="261610"/>
+          </a:xfrm>
+          <a:prstGeom prst="rect">
+            <a:avLst/>
+          </a:prstGeom>
+          <a:noFill/>
+        </p:spPr>
+        <p:txBody>
+          <a:bodyPr wrap="none" rtlCol="0">
+            <a:spAutoFit/>
+          </a:bodyPr>
+          <a:lstStyle/>
+          <a:p>
+            <a:r>
+              <a:rPr lang="en-US" sz="1100">
+                <a:latin typeface="Arial" panose="020B0604020202020204" pitchFamily="34" charset="0"/>
+                <a:ea typeface="Menlo" panose="020B0609030804020204" pitchFamily="49" charset="0"/>
+                <a:cs typeface="Arial" panose="020B0604020202020204" pitchFamily="34" charset="0"/>
+              </a:rPr>
+              <a:t>7554</a:t>
+            </a:r>
+          </a:p>
+        </p:txBody>
+      </p:sp>
+      <p:sp>
+        <p:nvSpPr>
+          <p:cNvPr id="49" name="TextBox 48">
+            <a:extLst>
+              <a:ext uri="{FF2B5EF4-FFF2-40B4-BE49-F238E27FC236}">
+                <a16:creationId xmlns:a16="http://schemas.microsoft.com/office/drawing/2014/main" id="{7352B5E6-D9E3-3B44-986D-749969DFF4EB}"/>
+              </a:ext>
+            </a:extLst>
+          </p:cNvPr>
+          <p:cNvSpPr txBox="1"/>
+          <p:nvPr/>
+        </p:nvSpPr>
+        <p:spPr>
+          <a:xfrm>
+            <a:off x="2152153" y="3122022"/>
+            <a:ext cx="498855" cy="261610"/>
+          </a:xfrm>
+          <a:prstGeom prst="rect">
+            <a:avLst/>
+          </a:prstGeom>
+          <a:noFill/>
+        </p:spPr>
+        <p:txBody>
+          <a:bodyPr wrap="none" rtlCol="0">
+            <a:spAutoFit/>
+          </a:bodyPr>
+          <a:lstStyle/>
+          <a:p>
+            <a:r>
+              <a:rPr lang="en-US" sz="1100" dirty="0">
+                <a:latin typeface="Arial" panose="020B0604020202020204" pitchFamily="34" charset="0"/>
+                <a:ea typeface="Menlo" panose="020B0609030804020204" pitchFamily="49" charset="0"/>
+                <a:cs typeface="Arial" panose="020B0604020202020204" pitchFamily="34" charset="0"/>
+              </a:rPr>
+              <a:t>7552</a:t>
+            </a:r>
+          </a:p>
+        </p:txBody>
+      </p:sp>
+      <p:sp>
+        <p:nvSpPr>
+          <p:cNvPr id="50" name="TextBox 49">
+            <a:extLst>
+              <a:ext uri="{FF2B5EF4-FFF2-40B4-BE49-F238E27FC236}">
+                <a16:creationId xmlns:a16="http://schemas.microsoft.com/office/drawing/2014/main" id="{DCFE695A-EC51-3E41-9C73-F580614481B1}"/>
+              </a:ext>
+            </a:extLst>
+          </p:cNvPr>
+          <p:cNvSpPr txBox="1"/>
+          <p:nvPr/>
+        </p:nvSpPr>
+        <p:spPr>
+          <a:xfrm>
+            <a:off x="2933592" y="3124249"/>
+            <a:ext cx="536683" cy="261610"/>
+          </a:xfrm>
+          <a:prstGeom prst="rect">
+            <a:avLst/>
+          </a:prstGeom>
+          <a:noFill/>
+        </p:spPr>
+        <p:txBody>
+          <a:bodyPr wrap="square" rtlCol="0">
+            <a:spAutoFit/>
+          </a:bodyPr>
+          <a:lstStyle/>
+          <a:p>
+            <a:r>
+              <a:rPr lang="en-US" sz="1100" dirty="0">
+                <a:latin typeface="Arial" panose="020B0604020202020204" pitchFamily="34" charset="0"/>
+                <a:ea typeface="Menlo" panose="020B0609030804020204" pitchFamily="49" charset="0"/>
+                <a:cs typeface="Arial" panose="020B0604020202020204" pitchFamily="34" charset="0"/>
+              </a:rPr>
+              <a:t>7553</a:t>
+            </a:r>
+          </a:p>
+        </p:txBody>
+      </p:sp>
+      <p:sp>
+        <p:nvSpPr>
+          <p:cNvPr id="51" name="TextBox 50">
+            <a:extLst>
+              <a:ext uri="{FF2B5EF4-FFF2-40B4-BE49-F238E27FC236}">
+                <a16:creationId xmlns:a16="http://schemas.microsoft.com/office/drawing/2014/main" id="{C24C4305-5BA2-1B43-A80B-DF777ED8E227}"/>
+              </a:ext>
+            </a:extLst>
+          </p:cNvPr>
+          <p:cNvSpPr txBox="1"/>
+          <p:nvPr/>
+        </p:nvSpPr>
+        <p:spPr>
+          <a:xfrm>
+            <a:off x="6250036" y="4184833"/>
+            <a:ext cx="486030" cy="256545"/>
+          </a:xfrm>
+          <a:prstGeom prst="rect">
+            <a:avLst/>
+          </a:prstGeom>
+          <a:noFill/>
+        </p:spPr>
+        <p:txBody>
+          <a:bodyPr wrap="none" rtlCol="0">
+            <a:spAutoFit/>
+          </a:bodyPr>
+          <a:lstStyle/>
+          <a:p>
+            <a:r>
+              <a:rPr lang="en-US" sz="1067" dirty="0">
+                <a:latin typeface="Arial" panose="020B0604020202020204" pitchFamily="34" charset="0"/>
+                <a:ea typeface="Menlo" panose="020B0609030804020204" pitchFamily="49" charset="0"/>
+                <a:cs typeface="Arial" panose="020B0604020202020204" pitchFamily="34" charset="0"/>
+              </a:rPr>
+              <a:t>8547</a:t>
+            </a:r>
+          </a:p>
+        </p:txBody>
+      </p:sp>
+      <p:cxnSp>
+        <p:nvCxnSpPr>
+          <p:cNvPr id="52" name="Straight Arrow Connector 51">
+            <a:extLst>
+              <a:ext uri="{FF2B5EF4-FFF2-40B4-BE49-F238E27FC236}">
+                <a16:creationId xmlns:a16="http://schemas.microsoft.com/office/drawing/2014/main" id="{1A8D5EA7-D754-BD43-8ADC-13C0B2EE28C5}"/>
+              </a:ext>
+            </a:extLst>
+          </p:cNvPr>
+          <p:cNvCxnSpPr>
+            <a:cxnSpLocks/>
+          </p:cNvCxnSpPr>
+          <p:nvPr/>
+        </p:nvCxnSpPr>
+        <p:spPr>
+          <a:xfrm>
+            <a:off x="6878388" y="3045566"/>
+            <a:ext cx="0" cy="1371280"/>
+          </a:xfrm>
+          <a:prstGeom prst="straightConnector1">
+            <a:avLst/>
+          </a:prstGeom>
+          <a:ln>
+            <a:headEnd type="triangle"/>
+            <a:tailEnd type="triangle"/>
+          </a:ln>
+        </p:spPr>
+        <p:style>
+          <a:lnRef idx="1">
+            <a:schemeClr val="accent1"/>
+          </a:lnRef>
+          <a:fillRef idx="0">
+            <a:schemeClr val="accent1"/>
+          </a:fillRef>
+          <a:effectRef idx="0">
+            <a:schemeClr val="accent1"/>
+          </a:effectRef>
+          <a:fontRef idx="minor">
+            <a:schemeClr val="tx1"/>
+          </a:fontRef>
+        </p:style>
+      </p:cxnSp>
+      <p:sp>
+        <p:nvSpPr>
+          <p:cNvPr id="54" name="TextBox 53">
+            <a:extLst>
+              <a:ext uri="{FF2B5EF4-FFF2-40B4-BE49-F238E27FC236}">
+                <a16:creationId xmlns:a16="http://schemas.microsoft.com/office/drawing/2014/main" id="{522E71EC-E73F-8045-92CA-2E9B816D4A91}"/>
+              </a:ext>
+            </a:extLst>
+          </p:cNvPr>
+          <p:cNvSpPr txBox="1"/>
+          <p:nvPr/>
+        </p:nvSpPr>
+        <p:spPr>
+          <a:xfrm>
+            <a:off x="6900816" y="4185319"/>
+            <a:ext cx="498855" cy="261610"/>
+          </a:xfrm>
+          <a:prstGeom prst="rect">
+            <a:avLst/>
+          </a:prstGeom>
+          <a:noFill/>
+        </p:spPr>
+        <p:txBody>
+          <a:bodyPr wrap="none" rtlCol="0">
+            <a:spAutoFit/>
+          </a:bodyPr>
+          <a:lstStyle/>
+          <a:p>
+            <a:r>
+              <a:rPr lang="en-US" sz="1100" dirty="0">
+                <a:latin typeface="Arial" panose="020B0604020202020204" pitchFamily="34" charset="0"/>
+                <a:ea typeface="Menlo" panose="020B0609030804020204" pitchFamily="49" charset="0"/>
+                <a:cs typeface="Arial" panose="020B0604020202020204" pitchFamily="34" charset="0"/>
+              </a:rPr>
+              <a:t>8545</a:t>
+            </a:r>
+          </a:p>
+        </p:txBody>
+      </p:sp>
+      <p:sp>
+        <p:nvSpPr>
+          <p:cNvPr id="58" name="TextBox 57">
+            <a:extLst>
+              <a:ext uri="{FF2B5EF4-FFF2-40B4-BE49-F238E27FC236}">
+                <a16:creationId xmlns:a16="http://schemas.microsoft.com/office/drawing/2014/main" id="{D9B2E554-4717-514F-83E2-19343201CDAF}"/>
+              </a:ext>
+            </a:extLst>
+          </p:cNvPr>
+          <p:cNvSpPr txBox="1"/>
+          <p:nvPr/>
+        </p:nvSpPr>
+        <p:spPr>
+          <a:xfrm>
+            <a:off x="4491941" y="3965832"/>
+            <a:ext cx="498855" cy="261610"/>
+          </a:xfrm>
+          <a:prstGeom prst="rect">
+            <a:avLst/>
+          </a:prstGeom>
+          <a:noFill/>
+        </p:spPr>
+        <p:txBody>
+          <a:bodyPr wrap="none" rtlCol="0">
+            <a:spAutoFit/>
+          </a:bodyPr>
+          <a:lstStyle/>
+          <a:p>
+            <a:r>
+              <a:rPr lang="en-US" sz="1100" dirty="0">
+                <a:latin typeface="Arial" panose="020B0604020202020204" pitchFamily="34" charset="0"/>
+                <a:ea typeface="Menlo" panose="020B0609030804020204" pitchFamily="49" charset="0"/>
+                <a:cs typeface="Arial" panose="020B0604020202020204" pitchFamily="34" charset="0"/>
+              </a:rPr>
+              <a:t>8548</a:t>
+            </a:r>
+          </a:p>
+        </p:txBody>
+      </p:sp>
+      <p:sp>
+        <p:nvSpPr>
+          <p:cNvPr id="59" name="TextBox 58">
+            <a:extLst>
+              <a:ext uri="{FF2B5EF4-FFF2-40B4-BE49-F238E27FC236}">
+                <a16:creationId xmlns:a16="http://schemas.microsoft.com/office/drawing/2014/main" id="{895230D4-C8AB-5346-8A04-2DC5533FDD62}"/>
+              </a:ext>
+            </a:extLst>
+          </p:cNvPr>
+          <p:cNvSpPr txBox="1"/>
+          <p:nvPr/>
+        </p:nvSpPr>
+        <p:spPr>
+          <a:xfrm>
+            <a:off x="4972554" y="3965832"/>
+            <a:ext cx="498855" cy="261610"/>
+          </a:xfrm>
+          <a:prstGeom prst="rect">
+            <a:avLst/>
+          </a:prstGeom>
+          <a:noFill/>
+        </p:spPr>
+        <p:txBody>
+          <a:bodyPr wrap="none" rtlCol="0">
+            <a:spAutoFit/>
+          </a:bodyPr>
+          <a:lstStyle/>
+          <a:p>
+            <a:r>
+              <a:rPr lang="en-US" sz="1100" dirty="0">
+                <a:latin typeface="Arial" panose="020B0604020202020204" pitchFamily="34" charset="0"/>
+                <a:ea typeface="Menlo" panose="020B0609030804020204" pitchFamily="49" charset="0"/>
+                <a:cs typeface="Arial" panose="020B0604020202020204" pitchFamily="34" charset="0"/>
+              </a:rPr>
+              <a:t>8546</a:t>
+            </a:r>
+          </a:p>
+        </p:txBody>
+      </p:sp>
+      <p:sp>
+        <p:nvSpPr>
+          <p:cNvPr id="60" name="TextBox 59">
+            <a:extLst>
+              <a:ext uri="{FF2B5EF4-FFF2-40B4-BE49-F238E27FC236}">
+                <a16:creationId xmlns:a16="http://schemas.microsoft.com/office/drawing/2014/main" id="{6D51231D-A1BD-4944-AC97-EB35344659BC}"/>
+              </a:ext>
+            </a:extLst>
+          </p:cNvPr>
+          <p:cNvSpPr txBox="1"/>
+          <p:nvPr/>
+        </p:nvSpPr>
+        <p:spPr>
+          <a:xfrm>
+            <a:off x="5557854" y="3965832"/>
+            <a:ext cx="498855" cy="430887"/>
+          </a:xfrm>
+          <a:prstGeom prst="rect">
+            <a:avLst/>
+          </a:prstGeom>
+          <a:noFill/>
+        </p:spPr>
+        <p:txBody>
+          <a:bodyPr wrap="none" rtlCol="0">
+            <a:spAutoFit/>
+          </a:bodyPr>
+          <a:lstStyle/>
+          <a:p>
+            <a:r>
+              <a:rPr lang="en-US" sz="1100" dirty="0">
+                <a:latin typeface="Arial" panose="020B0604020202020204" pitchFamily="34" charset="0"/>
+                <a:ea typeface="Menlo" panose="020B0609030804020204" pitchFamily="49" charset="0"/>
+                <a:cs typeface="Arial" panose="020B0604020202020204" pitchFamily="34" charset="0"/>
+              </a:rPr>
+              <a:t>8550</a:t>
+            </a:r>
+          </a:p>
+          <a:p>
+            <a:endParaRPr lang="en-US" sz="1100" dirty="0">
+              <a:latin typeface="Arial" panose="020B0604020202020204" pitchFamily="34" charset="0"/>
+              <a:ea typeface="Menlo" panose="020B0609030804020204" pitchFamily="49" charset="0"/>
+              <a:cs typeface="Arial" panose="020B0604020202020204" pitchFamily="34" charset="0"/>
+            </a:endParaRPr>
+          </a:p>
+        </p:txBody>
+      </p:sp>
+      <p:sp>
+        <p:nvSpPr>
+          <p:cNvPr id="65" name="TextBox 64">
+            <a:extLst>
+              <a:ext uri="{FF2B5EF4-FFF2-40B4-BE49-F238E27FC236}">
+                <a16:creationId xmlns:a16="http://schemas.microsoft.com/office/drawing/2014/main" id="{5812FD3A-B0DF-7746-BD53-0047BF61959E}"/>
+              </a:ext>
+            </a:extLst>
+          </p:cNvPr>
+          <p:cNvSpPr txBox="1"/>
+          <p:nvPr/>
+        </p:nvSpPr>
+        <p:spPr>
+          <a:xfrm>
+            <a:off x="3966644" y="3697243"/>
+            <a:ext cx="498855" cy="261610"/>
+          </a:xfrm>
+          <a:prstGeom prst="rect">
+            <a:avLst/>
+          </a:prstGeom>
+          <a:noFill/>
+        </p:spPr>
+        <p:txBody>
+          <a:bodyPr wrap="none" rtlCol="0">
+            <a:spAutoFit/>
+          </a:bodyPr>
+          <a:lstStyle/>
+          <a:p>
+            <a:r>
+              <a:rPr lang="en-US" sz="1100" dirty="0">
+                <a:latin typeface="Arial" panose="020B0604020202020204" pitchFamily="34" charset="0"/>
+                <a:ea typeface="Menlo" panose="020B0609030804020204" pitchFamily="49" charset="0"/>
+                <a:cs typeface="Arial" panose="020B0604020202020204" pitchFamily="34" charset="0"/>
+              </a:rPr>
+              <a:t>8544</a:t>
+            </a:r>
+          </a:p>
+        </p:txBody>
+      </p:sp>
+      <p:sp>
+        <p:nvSpPr>
+          <p:cNvPr id="66" name="Rectangle 65">
+            <a:extLst>
+              <a:ext uri="{FF2B5EF4-FFF2-40B4-BE49-F238E27FC236}">
+                <a16:creationId xmlns:a16="http://schemas.microsoft.com/office/drawing/2014/main" id="{E70C2438-F7B1-AA4F-85F2-E8948FBA6F32}"/>
+              </a:ext>
+            </a:extLst>
+          </p:cNvPr>
+          <p:cNvSpPr/>
+          <p:nvPr/>
+        </p:nvSpPr>
+        <p:spPr>
+          <a:xfrm>
+            <a:off x="1289331" y="5224638"/>
+            <a:ext cx="1128765" cy="276391"/>
+          </a:xfrm>
+          <a:prstGeom prst="rect">
+            <a:avLst/>
+          </a:prstGeom>
+          <a:solidFill>
+            <a:srgbClr val="7030A0">
+              <a:alpha val="75000"/>
+            </a:srgbClr>
+          </a:solidFill>
+        </p:spPr>
+        <p:style>
+          <a:lnRef idx="2">
+            <a:schemeClr val="accent1">
+              <a:shade val="50000"/>
+            </a:schemeClr>
+          </a:lnRef>
+          <a:fillRef idx="1">
+            <a:schemeClr val="accent1"/>
+          </a:fillRef>
+          <a:effectRef idx="0">
+            <a:schemeClr val="accent1"/>
+          </a:effectRef>
+          <a:fontRef idx="minor">
+            <a:schemeClr val="lt1"/>
+          </a:fontRef>
+        </p:style>
+        <p:txBody>
+          <a:bodyPr rtlCol="0" anchor="ctr"/>
+          <a:lstStyle/>
+          <a:p>
+            <a:pPr algn="ctr"/>
+            <a:r>
+              <a:rPr lang="en-US" sz="1000" dirty="0">
+                <a:solidFill>
+                  <a:schemeClr val="bg1"/>
+                </a:solidFill>
+                <a:latin typeface="Arial" panose="020B0604020202020204" pitchFamily="34" charset="0"/>
+                <a:ea typeface="Menlo" panose="020B0609030804020204" pitchFamily="49" charset="0"/>
+                <a:cs typeface="Arial" panose="020B0604020202020204" pitchFamily="34" charset="0"/>
+              </a:rPr>
+              <a:t>zssServer</a:t>
+            </a:r>
+          </a:p>
+        </p:txBody>
+      </p:sp>
+      <p:sp>
+        <p:nvSpPr>
+          <p:cNvPr id="68" name="TextBox 67">
+            <a:extLst>
+              <a:ext uri="{FF2B5EF4-FFF2-40B4-BE49-F238E27FC236}">
+                <a16:creationId xmlns:a16="http://schemas.microsoft.com/office/drawing/2014/main" id="{AB4D9C28-D784-F04E-A506-95C735B37F48}"/>
+              </a:ext>
+            </a:extLst>
+          </p:cNvPr>
+          <p:cNvSpPr txBox="1"/>
+          <p:nvPr/>
+        </p:nvSpPr>
+        <p:spPr>
+          <a:xfrm>
+            <a:off x="2398370" y="5149643"/>
+            <a:ext cx="498855" cy="261610"/>
+          </a:xfrm>
+          <a:prstGeom prst="rect">
+            <a:avLst/>
+          </a:prstGeom>
+          <a:noFill/>
+        </p:spPr>
+        <p:txBody>
+          <a:bodyPr wrap="none" rtlCol="0">
+            <a:spAutoFit/>
+          </a:bodyPr>
+          <a:lstStyle/>
+          <a:p>
+            <a:r>
+              <a:rPr lang="en-US" sz="1100" dirty="0">
+                <a:latin typeface="Arial" panose="020B0604020202020204" pitchFamily="34" charset="0"/>
+                <a:ea typeface="Menlo" panose="020B0609030804020204" pitchFamily="49" charset="0"/>
+                <a:cs typeface="Arial" panose="020B0604020202020204" pitchFamily="34" charset="0"/>
+              </a:rPr>
+              <a:t>8542</a:t>
+            </a:r>
+          </a:p>
+        </p:txBody>
+      </p:sp>
+      <p:sp>
+        <p:nvSpPr>
+          <p:cNvPr id="69" name="Rectangle 68">
+            <a:extLst>
+              <a:ext uri="{FF2B5EF4-FFF2-40B4-BE49-F238E27FC236}">
+                <a16:creationId xmlns:a16="http://schemas.microsoft.com/office/drawing/2014/main" id="{F31D35DC-3E8F-BA43-878A-435AAA2C67B2}"/>
+              </a:ext>
+            </a:extLst>
+          </p:cNvPr>
+          <p:cNvSpPr/>
+          <p:nvPr/>
+        </p:nvSpPr>
+        <p:spPr>
+          <a:xfrm>
+            <a:off x="1346903" y="6408900"/>
+            <a:ext cx="1128765" cy="276391"/>
+          </a:xfrm>
+          <a:prstGeom prst="rect">
+            <a:avLst/>
+          </a:prstGeom>
+          <a:solidFill>
+            <a:srgbClr val="7030A0">
+              <a:alpha val="75000"/>
+            </a:srgbClr>
+          </a:solidFill>
+        </p:spPr>
+        <p:style>
+          <a:lnRef idx="2">
+            <a:schemeClr val="accent1">
+              <a:shade val="50000"/>
+            </a:schemeClr>
+          </a:lnRef>
+          <a:fillRef idx="1">
+            <a:schemeClr val="accent1"/>
+          </a:fillRef>
+          <a:effectRef idx="0">
+            <a:schemeClr val="accent1"/>
+          </a:effectRef>
+          <a:fontRef idx="minor">
+            <a:schemeClr val="lt1"/>
+          </a:fontRef>
+        </p:style>
+        <p:txBody>
+          <a:bodyPr rtlCol="0" anchor="ctr"/>
+          <a:lstStyle/>
+          <a:p>
+            <a:pPr algn="ctr"/>
+            <a:r>
+              <a:rPr lang="en-US" sz="1000">
+                <a:solidFill>
+                  <a:schemeClr val="bg1"/>
+                </a:solidFill>
+                <a:latin typeface="Arial" panose="020B0604020202020204" pitchFamily="34" charset="0"/>
+                <a:ea typeface="Menlo" panose="020B0609030804020204" pitchFamily="49" charset="0"/>
+                <a:cs typeface="Arial" panose="020B0604020202020204" pitchFamily="34" charset="0"/>
+              </a:rPr>
+              <a:t>ZWESIS01</a:t>
+            </a:r>
+          </a:p>
+        </p:txBody>
+      </p:sp>
+      <p:cxnSp>
+        <p:nvCxnSpPr>
+          <p:cNvPr id="71" name="Straight Arrow Connector 70">
+            <a:extLst>
+              <a:ext uri="{FF2B5EF4-FFF2-40B4-BE49-F238E27FC236}">
+                <a16:creationId xmlns:a16="http://schemas.microsoft.com/office/drawing/2014/main" id="{A620CABF-D612-FA4C-92C8-04171C514818}"/>
+              </a:ext>
+            </a:extLst>
+          </p:cNvPr>
+          <p:cNvCxnSpPr>
+            <a:cxnSpLocks/>
+          </p:cNvCxnSpPr>
+          <p:nvPr/>
+        </p:nvCxnSpPr>
+        <p:spPr>
+          <a:xfrm>
+            <a:off x="1793303" y="5531605"/>
+            <a:ext cx="0" cy="877295"/>
+          </a:xfrm>
+          <a:prstGeom prst="straightConnector1">
+            <a:avLst/>
+          </a:prstGeom>
+          <a:ln>
+            <a:prstDash val="solid"/>
+            <a:headEnd type="triangle"/>
+            <a:tailEnd type="triangle"/>
+          </a:ln>
+        </p:spPr>
+        <p:style>
+          <a:lnRef idx="1">
+            <a:schemeClr val="accent1"/>
+          </a:lnRef>
+          <a:fillRef idx="0">
+            <a:schemeClr val="accent1"/>
+          </a:fillRef>
+          <a:effectRef idx="0">
+            <a:schemeClr val="accent1"/>
+          </a:effectRef>
+          <a:fontRef idx="minor">
+            <a:schemeClr val="tx1"/>
+          </a:fontRef>
+        </p:style>
+      </p:cxnSp>
+      <p:sp>
+        <p:nvSpPr>
+          <p:cNvPr id="73" name="TextBox 72">
+            <a:extLst>
+              <a:ext uri="{FF2B5EF4-FFF2-40B4-BE49-F238E27FC236}">
+                <a16:creationId xmlns:a16="http://schemas.microsoft.com/office/drawing/2014/main" id="{30F200DC-F6DD-1040-B383-4FD5972148F5}"/>
+              </a:ext>
+            </a:extLst>
+          </p:cNvPr>
+          <p:cNvSpPr txBox="1"/>
+          <p:nvPr/>
+        </p:nvSpPr>
+        <p:spPr>
+          <a:xfrm>
+            <a:off x="1317575" y="6085628"/>
+            <a:ext cx="673582" cy="261610"/>
+          </a:xfrm>
+          <a:prstGeom prst="rect">
+            <a:avLst/>
+          </a:prstGeom>
+          <a:noFill/>
+        </p:spPr>
+        <p:txBody>
+          <a:bodyPr wrap="none" rtlCol="0">
+            <a:spAutoFit/>
+          </a:bodyPr>
+          <a:lstStyle/>
+          <a:p>
+            <a:r>
+              <a:rPr lang="en-US" sz="1100" dirty="0">
+                <a:latin typeface="Arial" panose="020B0604020202020204" pitchFamily="34" charset="0"/>
+                <a:ea typeface="Menlo" panose="020B0609030804020204" pitchFamily="49" charset="0"/>
+                <a:cs typeface="Arial" panose="020B0604020202020204" pitchFamily="34" charset="0"/>
+              </a:rPr>
+              <a:t>ZIS.      </a:t>
+            </a:r>
+          </a:p>
+        </p:txBody>
+      </p:sp>
+      <p:sp>
+        <p:nvSpPr>
+          <p:cNvPr id="74" name="Rectangle 73">
+            <a:extLst>
+              <a:ext uri="{FF2B5EF4-FFF2-40B4-BE49-F238E27FC236}">
+                <a16:creationId xmlns:a16="http://schemas.microsoft.com/office/drawing/2014/main" id="{E407C455-D8CE-5944-91A4-CE85F241ACE2}"/>
+              </a:ext>
+            </a:extLst>
+          </p:cNvPr>
+          <p:cNvSpPr/>
+          <p:nvPr/>
+        </p:nvSpPr>
+        <p:spPr>
+          <a:xfrm>
+            <a:off x="7532227" y="5564435"/>
+            <a:ext cx="1571547" cy="302853"/>
+          </a:xfrm>
+          <a:prstGeom prst="rect">
+            <a:avLst/>
+          </a:prstGeom>
+          <a:pattFill prst="pct5">
+            <a:fgClr>
+              <a:schemeClr val="accent1"/>
+            </a:fgClr>
+            <a:bgClr>
+              <a:schemeClr val="bg1"/>
+            </a:bgClr>
+          </a:pattFill>
+        </p:spPr>
+        <p:style>
+          <a:lnRef idx="2">
+            <a:schemeClr val="accent1">
+              <a:shade val="50000"/>
+            </a:schemeClr>
+          </a:lnRef>
+          <a:fillRef idx="1">
+            <a:schemeClr val="accent1"/>
+          </a:fillRef>
+          <a:effectRef idx="0">
+            <a:schemeClr val="accent1"/>
+          </a:effectRef>
+          <a:fontRef idx="minor">
+            <a:schemeClr val="lt1"/>
+          </a:fontRef>
+        </p:style>
+        <p:txBody>
+          <a:bodyPr rtlCol="0" anchor="ctr"/>
+          <a:lstStyle/>
+          <a:p>
+            <a:pPr algn="ctr"/>
+            <a:r>
+              <a:rPr lang="en-US" sz="1000">
+                <a:solidFill>
+                  <a:schemeClr val="tx1"/>
+                </a:solidFill>
+                <a:latin typeface="Arial" panose="020B0604020202020204" pitchFamily="34" charset="0"/>
+                <a:ea typeface="Menlo" panose="020B0609030804020204" pitchFamily="49" charset="0"/>
+                <a:cs typeface="Arial" panose="020B0604020202020204" pitchFamily="34" charset="0"/>
+              </a:rPr>
+              <a:t>z/OSMF</a:t>
+            </a:r>
+          </a:p>
+        </p:txBody>
+      </p:sp>
+      <p:cxnSp>
+        <p:nvCxnSpPr>
+          <p:cNvPr id="47" name="Straight Arrow Connector 46">
+            <a:extLst>
+              <a:ext uri="{FF2B5EF4-FFF2-40B4-BE49-F238E27FC236}">
+                <a16:creationId xmlns:a16="http://schemas.microsoft.com/office/drawing/2014/main" id="{C21C7C1C-2A6C-8E40-8948-599036CFC2D3}"/>
+              </a:ext>
+            </a:extLst>
+          </p:cNvPr>
+          <p:cNvCxnSpPr>
+            <a:cxnSpLocks/>
+          </p:cNvCxnSpPr>
+          <p:nvPr/>
+        </p:nvCxnSpPr>
+        <p:spPr>
+          <a:xfrm>
+            <a:off x="7350162" y="1298470"/>
+            <a:ext cx="25451" cy="4291492"/>
+          </a:xfrm>
+          <a:prstGeom prst="straightConnector1">
+            <a:avLst/>
+          </a:prstGeom>
+          <a:ln>
+            <a:headEnd type="triangle"/>
+            <a:tailEnd type="triangle"/>
+          </a:ln>
+        </p:spPr>
+        <p:style>
+          <a:lnRef idx="1">
+            <a:schemeClr val="accent1"/>
+          </a:lnRef>
+          <a:fillRef idx="0">
+            <a:schemeClr val="accent1"/>
+          </a:fillRef>
+          <a:effectRef idx="0">
+            <a:schemeClr val="accent1"/>
+          </a:effectRef>
+          <a:fontRef idx="minor">
+            <a:schemeClr val="tx1"/>
+          </a:fontRef>
+        </p:style>
+      </p:cxnSp>
+      <p:sp>
+        <p:nvSpPr>
+          <p:cNvPr id="75" name="Rectangle 74">
+            <a:extLst>
+              <a:ext uri="{FF2B5EF4-FFF2-40B4-BE49-F238E27FC236}">
+                <a16:creationId xmlns:a16="http://schemas.microsoft.com/office/drawing/2014/main" id="{0888EDE4-E73F-5C40-9A6E-643A985DA5FA}"/>
+              </a:ext>
+            </a:extLst>
+          </p:cNvPr>
+          <p:cNvSpPr/>
+          <p:nvPr/>
+        </p:nvSpPr>
+        <p:spPr>
+          <a:xfrm>
+            <a:off x="7535447" y="5868541"/>
+            <a:ext cx="1568327" cy="769483"/>
+          </a:xfrm>
+          <a:prstGeom prst="rect">
+            <a:avLst/>
+          </a:prstGeom>
+          <a:pattFill prst="pct5">
+            <a:fgClr>
+              <a:schemeClr val="accent1"/>
+            </a:fgClr>
+            <a:bgClr>
+              <a:schemeClr val="bg1"/>
+            </a:bgClr>
+          </a:pattFill>
+        </p:spPr>
+        <p:style>
+          <a:lnRef idx="2">
+            <a:schemeClr val="accent1">
+              <a:shade val="50000"/>
+            </a:schemeClr>
+          </a:lnRef>
+          <a:fillRef idx="1">
+            <a:schemeClr val="accent1"/>
+          </a:fillRef>
+          <a:effectRef idx="0">
+            <a:schemeClr val="accent1"/>
+          </a:effectRef>
+          <a:fontRef idx="minor">
+            <a:schemeClr val="lt1"/>
+          </a:fontRef>
+        </p:style>
+        <p:txBody>
+          <a:bodyPr rtlCol="0" anchor="ctr"/>
+          <a:lstStyle/>
+          <a:p>
+            <a:pPr algn="ctr"/>
+            <a:r>
+              <a:rPr lang="en-US" sz="1000" b="1" dirty="0">
+                <a:solidFill>
+                  <a:schemeClr val="tx1"/>
+                </a:solidFill>
+                <a:latin typeface="Arial" panose="020B0604020202020204" pitchFamily="34" charset="0"/>
+                <a:ea typeface="Menlo" panose="020B0609030804020204" pitchFamily="49" charset="0"/>
+                <a:cs typeface="Arial" panose="020B0604020202020204" pitchFamily="34" charset="0"/>
+              </a:rPr>
+              <a:t>REST APIs</a:t>
+            </a:r>
+          </a:p>
+          <a:p>
+            <a:r>
+              <a:rPr lang="en-US" sz="1067" dirty="0">
+                <a:solidFill>
+                  <a:schemeClr val="tx1"/>
+                </a:solidFill>
+                <a:latin typeface="Arial" panose="020B0604020202020204" pitchFamily="34" charset="0"/>
+                <a:ea typeface="Menlo" panose="020B0609030804020204" pitchFamily="49" charset="0"/>
+                <a:cs typeface="Arial" panose="020B0604020202020204" pitchFamily="34" charset="0"/>
+              </a:rPr>
+              <a:t>Workflows</a:t>
+            </a:r>
+          </a:p>
+          <a:p>
+            <a:r>
+              <a:rPr lang="en-US" sz="1067" dirty="0">
+                <a:solidFill>
+                  <a:schemeClr val="tx1"/>
+                </a:solidFill>
+                <a:latin typeface="Arial" panose="020B0604020202020204" pitchFamily="34" charset="0"/>
+                <a:ea typeface="Menlo" panose="020B0609030804020204" pitchFamily="49" charset="0"/>
+                <a:cs typeface="Arial" panose="020B0604020202020204" pitchFamily="34" charset="0"/>
+              </a:rPr>
+              <a:t>TSO / MVS / Console</a:t>
+            </a:r>
+          </a:p>
+          <a:p>
+            <a:r>
+              <a:rPr lang="en-US" sz="1067" dirty="0">
+                <a:solidFill>
+                  <a:schemeClr val="tx1"/>
+                </a:solidFill>
+                <a:latin typeface="Arial" panose="020B0604020202020204" pitchFamily="34" charset="0"/>
+                <a:ea typeface="Menlo" panose="020B0609030804020204" pitchFamily="49" charset="0"/>
+                <a:cs typeface="Arial" panose="020B0604020202020204" pitchFamily="34" charset="0"/>
+              </a:rPr>
+              <a:t>Files, USS, JES</a:t>
+            </a:r>
+          </a:p>
+        </p:txBody>
+      </p:sp>
+      <p:sp>
+        <p:nvSpPr>
+          <p:cNvPr id="76" name="TextBox 75">
+            <a:extLst>
+              <a:ext uri="{FF2B5EF4-FFF2-40B4-BE49-F238E27FC236}">
+                <a16:creationId xmlns:a16="http://schemas.microsoft.com/office/drawing/2014/main" id="{9AFB5CBE-D9AB-1D46-89B6-FD697A720E44}"/>
+              </a:ext>
+            </a:extLst>
+          </p:cNvPr>
+          <p:cNvSpPr txBox="1"/>
+          <p:nvPr/>
+        </p:nvSpPr>
+        <p:spPr>
+          <a:xfrm>
+            <a:off x="7857313" y="5280594"/>
+            <a:ext cx="498855" cy="261610"/>
+          </a:xfrm>
+          <a:prstGeom prst="rect">
+            <a:avLst/>
+          </a:prstGeom>
+          <a:noFill/>
+        </p:spPr>
+        <p:txBody>
+          <a:bodyPr wrap="none" rtlCol="0">
+            <a:spAutoFit/>
+          </a:bodyPr>
+          <a:lstStyle/>
+          <a:p>
+            <a:r>
+              <a:rPr lang="en-US" sz="1100" dirty="0">
+                <a:latin typeface="Arial" panose="020B0604020202020204" pitchFamily="34" charset="0"/>
+                <a:ea typeface="Menlo" panose="020B0609030804020204" pitchFamily="49" charset="0"/>
+                <a:cs typeface="Arial" panose="020B0604020202020204" pitchFamily="34" charset="0"/>
+              </a:rPr>
+              <a:t>7443</a:t>
+            </a:r>
+          </a:p>
+        </p:txBody>
+      </p:sp>
+      <p:sp>
+        <p:nvSpPr>
+          <p:cNvPr id="9" name="Rectangle 8">
+            <a:extLst>
+              <a:ext uri="{FF2B5EF4-FFF2-40B4-BE49-F238E27FC236}">
+                <a16:creationId xmlns:a16="http://schemas.microsoft.com/office/drawing/2014/main" id="{2220A9C8-5545-034F-9052-581D243973EB}"/>
+              </a:ext>
+            </a:extLst>
+          </p:cNvPr>
+          <p:cNvSpPr/>
+          <p:nvPr/>
+        </p:nvSpPr>
+        <p:spPr>
+          <a:xfrm>
+            <a:off x="2130947" y="705538"/>
+            <a:ext cx="830876" cy="584635"/>
+          </a:xfrm>
+          <a:prstGeom prst="rect">
+            <a:avLst/>
+          </a:prstGeom>
+          <a:solidFill>
+            <a:schemeClr val="bg1"/>
+          </a:solidFill>
+          <a:ln>
+            <a:solidFill>
+              <a:srgbClr val="20708D"/>
+            </a:solidFill>
+          </a:ln>
+        </p:spPr>
+        <p:style>
+          <a:lnRef idx="1">
+            <a:schemeClr val="accent1"/>
+          </a:lnRef>
+          <a:fillRef idx="3">
+            <a:schemeClr val="accent1"/>
+          </a:fillRef>
+          <a:effectRef idx="2">
+            <a:schemeClr val="accent1"/>
+          </a:effectRef>
+          <a:fontRef idx="minor">
+            <a:schemeClr val="lt1"/>
+          </a:fontRef>
+        </p:style>
+        <p:txBody>
+          <a:bodyPr rtlCol="0" anchor="ctr"/>
+          <a:lstStyle/>
+          <a:p>
+            <a:pPr algn="ctr"/>
+            <a:endParaRPr lang="en-US" sz="533" b="1" dirty="0">
+              <a:solidFill>
+                <a:schemeClr val="bg2">
+                  <a:lumMod val="25000"/>
+                </a:schemeClr>
+              </a:solidFill>
+              <a:latin typeface="Arial" panose="020B0604020202020204" pitchFamily="34" charset="0"/>
+              <a:ea typeface="Menlo" panose="020B0609030804020204" pitchFamily="49" charset="0"/>
+              <a:cs typeface="Arial" panose="020B0604020202020204" pitchFamily="34" charset="0"/>
+            </a:endParaRPr>
+          </a:p>
+          <a:p>
+            <a:pPr algn="ctr"/>
+            <a:endParaRPr lang="en-US" sz="533" b="1" dirty="0">
+              <a:solidFill>
+                <a:schemeClr val="bg2">
+                  <a:lumMod val="25000"/>
+                </a:schemeClr>
+              </a:solidFill>
+              <a:latin typeface="Arial" panose="020B0604020202020204" pitchFamily="34" charset="0"/>
+              <a:ea typeface="Menlo" panose="020B0609030804020204" pitchFamily="49" charset="0"/>
+              <a:cs typeface="Arial" panose="020B0604020202020204" pitchFamily="34" charset="0"/>
+            </a:endParaRPr>
+          </a:p>
+          <a:p>
+            <a:pPr algn="ctr"/>
+            <a:endParaRPr lang="en-US" sz="533" b="1" dirty="0">
+              <a:solidFill>
+                <a:schemeClr val="bg2">
+                  <a:lumMod val="25000"/>
+                </a:schemeClr>
+              </a:solidFill>
+              <a:latin typeface="Arial" panose="020B0604020202020204" pitchFamily="34" charset="0"/>
+              <a:ea typeface="Menlo" panose="020B0609030804020204" pitchFamily="49" charset="0"/>
+              <a:cs typeface="Arial" panose="020B0604020202020204" pitchFamily="34" charset="0"/>
+            </a:endParaRPr>
+          </a:p>
+          <a:p>
+            <a:pPr algn="ctr"/>
+            <a:endParaRPr lang="en-US" sz="533" b="1" dirty="0">
+              <a:solidFill>
+                <a:schemeClr val="bg2">
+                  <a:lumMod val="25000"/>
+                </a:schemeClr>
+              </a:solidFill>
+              <a:latin typeface="Arial" panose="020B0604020202020204" pitchFamily="34" charset="0"/>
+              <a:ea typeface="Menlo" panose="020B0609030804020204" pitchFamily="49" charset="0"/>
+              <a:cs typeface="Arial" panose="020B0604020202020204" pitchFamily="34" charset="0"/>
+            </a:endParaRPr>
+          </a:p>
+          <a:p>
+            <a:pPr algn="ctr"/>
+            <a:endParaRPr lang="en-US" sz="533" b="1" dirty="0">
+              <a:solidFill>
+                <a:schemeClr val="bg2">
+                  <a:lumMod val="25000"/>
+                </a:schemeClr>
+              </a:solidFill>
+              <a:latin typeface="Arial" panose="020B0604020202020204" pitchFamily="34" charset="0"/>
+              <a:ea typeface="Menlo" panose="020B0609030804020204" pitchFamily="49" charset="0"/>
+              <a:cs typeface="Arial" panose="020B0604020202020204" pitchFamily="34" charset="0"/>
+            </a:endParaRPr>
+          </a:p>
+          <a:p>
+            <a:pPr algn="ctr"/>
+            <a:r>
+              <a:rPr lang="en-US" sz="533" b="1" dirty="0">
+                <a:solidFill>
+                  <a:schemeClr val="bg2">
+                    <a:lumMod val="25000"/>
+                  </a:schemeClr>
+                </a:solidFill>
+                <a:latin typeface="Arial" panose="020B0604020202020204" pitchFamily="34" charset="0"/>
+                <a:ea typeface="Menlo" panose="020B0609030804020204" pitchFamily="49" charset="0"/>
+                <a:cs typeface="Arial" panose="020B0604020202020204" pitchFamily="34" charset="0"/>
+              </a:rPr>
+              <a:t>MVS Explorer</a:t>
+            </a:r>
+          </a:p>
+        </p:txBody>
+      </p:sp>
+      <p:pic>
+        <p:nvPicPr>
+          <p:cNvPr id="7" name="Picture 6">
+            <a:extLst>
+              <a:ext uri="{FF2B5EF4-FFF2-40B4-BE49-F238E27FC236}">
+                <a16:creationId xmlns:a16="http://schemas.microsoft.com/office/drawing/2014/main" id="{ECDB2FB1-7D11-D242-8A90-3D7D5F81098F}"/>
+              </a:ext>
+            </a:extLst>
+          </p:cNvPr>
+          <p:cNvPicPr>
+            <a:picLocks noChangeAspect="1"/>
+          </p:cNvPicPr>
+          <p:nvPr/>
+        </p:nvPicPr>
+        <p:blipFill>
+          <a:blip r:embed="rId3"/>
+          <a:stretch>
+            <a:fillRect/>
+          </a:stretch>
+        </p:blipFill>
+        <p:spPr>
+          <a:xfrm>
+            <a:off x="2256435" y="751616"/>
+            <a:ext cx="594960" cy="335992"/>
+          </a:xfrm>
+          <a:prstGeom prst="rect">
+            <a:avLst/>
+          </a:prstGeom>
+          <a:ln>
+            <a:solidFill>
+              <a:schemeClr val="bg1">
+                <a:lumMod val="85000"/>
+              </a:schemeClr>
+            </a:solidFill>
+          </a:ln>
+        </p:spPr>
+      </p:pic>
+      <p:sp>
+        <p:nvSpPr>
+          <p:cNvPr id="79" name="Rectangle 78">
+            <a:extLst>
+              <a:ext uri="{FF2B5EF4-FFF2-40B4-BE49-F238E27FC236}">
+                <a16:creationId xmlns:a16="http://schemas.microsoft.com/office/drawing/2014/main" id="{FDCFCB80-CB2D-354F-9948-646AA711CD40}"/>
+              </a:ext>
+            </a:extLst>
+          </p:cNvPr>
+          <p:cNvSpPr/>
+          <p:nvPr/>
+        </p:nvSpPr>
+        <p:spPr>
+          <a:xfrm>
+            <a:off x="3042994" y="705538"/>
+            <a:ext cx="830876" cy="584635"/>
+          </a:xfrm>
+          <a:prstGeom prst="rect">
+            <a:avLst/>
+          </a:prstGeom>
+          <a:solidFill>
+            <a:schemeClr val="bg1"/>
+          </a:solidFill>
+          <a:ln>
+            <a:solidFill>
+              <a:srgbClr val="20708D"/>
+            </a:solidFill>
+          </a:ln>
+        </p:spPr>
+        <p:style>
+          <a:lnRef idx="1">
+            <a:schemeClr val="accent1"/>
+          </a:lnRef>
+          <a:fillRef idx="3">
+            <a:schemeClr val="accent1"/>
+          </a:fillRef>
+          <a:effectRef idx="2">
+            <a:schemeClr val="accent1"/>
+          </a:effectRef>
+          <a:fontRef idx="minor">
+            <a:schemeClr val="lt1"/>
+          </a:fontRef>
+        </p:style>
+        <p:txBody>
+          <a:bodyPr rtlCol="0" anchor="ctr"/>
+          <a:lstStyle/>
+          <a:p>
+            <a:pPr algn="ctr"/>
+            <a:endParaRPr lang="en-US" sz="533" b="1" dirty="0">
+              <a:solidFill>
+                <a:schemeClr val="bg2">
+                  <a:lumMod val="25000"/>
+                </a:schemeClr>
+              </a:solidFill>
+              <a:latin typeface="Arial" panose="020B0604020202020204" pitchFamily="34" charset="0"/>
+              <a:ea typeface="Menlo" panose="020B0609030804020204" pitchFamily="49" charset="0"/>
+              <a:cs typeface="Arial" panose="020B0604020202020204" pitchFamily="34" charset="0"/>
+            </a:endParaRPr>
+          </a:p>
+          <a:p>
+            <a:pPr algn="ctr"/>
+            <a:endParaRPr lang="en-US" sz="533" b="1" dirty="0">
+              <a:solidFill>
+                <a:schemeClr val="bg2">
+                  <a:lumMod val="25000"/>
+                </a:schemeClr>
+              </a:solidFill>
+              <a:latin typeface="Arial" panose="020B0604020202020204" pitchFamily="34" charset="0"/>
+              <a:ea typeface="Menlo" panose="020B0609030804020204" pitchFamily="49" charset="0"/>
+              <a:cs typeface="Arial" panose="020B0604020202020204" pitchFamily="34" charset="0"/>
+            </a:endParaRPr>
+          </a:p>
+          <a:p>
+            <a:pPr algn="ctr"/>
+            <a:endParaRPr lang="en-US" sz="533" b="1" dirty="0">
+              <a:solidFill>
+                <a:schemeClr val="bg2">
+                  <a:lumMod val="25000"/>
+                </a:schemeClr>
+              </a:solidFill>
+              <a:latin typeface="Arial" panose="020B0604020202020204" pitchFamily="34" charset="0"/>
+              <a:ea typeface="Menlo" panose="020B0609030804020204" pitchFamily="49" charset="0"/>
+              <a:cs typeface="Arial" panose="020B0604020202020204" pitchFamily="34" charset="0"/>
+            </a:endParaRPr>
+          </a:p>
+          <a:p>
+            <a:pPr algn="ctr"/>
+            <a:endParaRPr lang="en-US" sz="533" b="1" dirty="0">
+              <a:solidFill>
+                <a:schemeClr val="bg2">
+                  <a:lumMod val="25000"/>
+                </a:schemeClr>
+              </a:solidFill>
+              <a:latin typeface="Arial" panose="020B0604020202020204" pitchFamily="34" charset="0"/>
+              <a:ea typeface="Menlo" panose="020B0609030804020204" pitchFamily="49" charset="0"/>
+              <a:cs typeface="Arial" panose="020B0604020202020204" pitchFamily="34" charset="0"/>
+            </a:endParaRPr>
+          </a:p>
+          <a:p>
+            <a:pPr algn="ctr"/>
+            <a:endParaRPr lang="en-US" sz="533" b="1" dirty="0">
+              <a:solidFill>
+                <a:schemeClr val="bg2">
+                  <a:lumMod val="25000"/>
+                </a:schemeClr>
+              </a:solidFill>
+              <a:latin typeface="Arial" panose="020B0604020202020204" pitchFamily="34" charset="0"/>
+              <a:ea typeface="Menlo" panose="020B0609030804020204" pitchFamily="49" charset="0"/>
+              <a:cs typeface="Arial" panose="020B0604020202020204" pitchFamily="34" charset="0"/>
+            </a:endParaRPr>
+          </a:p>
+          <a:p>
+            <a:pPr algn="ctr"/>
+            <a:r>
+              <a:rPr lang="en-US" sz="533" b="1" dirty="0">
+                <a:solidFill>
+                  <a:schemeClr val="bg2">
+                    <a:lumMod val="25000"/>
+                  </a:schemeClr>
+                </a:solidFill>
+                <a:latin typeface="Arial" panose="020B0604020202020204" pitchFamily="34" charset="0"/>
+                <a:ea typeface="Menlo" panose="020B0609030804020204" pitchFamily="49" charset="0"/>
+                <a:cs typeface="Arial" panose="020B0604020202020204" pitchFamily="34" charset="0"/>
+              </a:rPr>
+              <a:t>JES Explorer</a:t>
+            </a:r>
+          </a:p>
+        </p:txBody>
+      </p:sp>
+      <p:pic>
+        <p:nvPicPr>
+          <p:cNvPr id="8" name="Picture 7">
+            <a:extLst>
+              <a:ext uri="{FF2B5EF4-FFF2-40B4-BE49-F238E27FC236}">
+                <a16:creationId xmlns:a16="http://schemas.microsoft.com/office/drawing/2014/main" id="{5E182968-48C7-A04A-B576-7DE13E28DF18}"/>
+              </a:ext>
+            </a:extLst>
+          </p:cNvPr>
+          <p:cNvPicPr>
+            <a:picLocks noChangeAspect="1"/>
+          </p:cNvPicPr>
+          <p:nvPr/>
+        </p:nvPicPr>
+        <p:blipFill>
+          <a:blip r:embed="rId4"/>
+          <a:stretch>
+            <a:fillRect/>
+          </a:stretch>
+        </p:blipFill>
+        <p:spPr>
+          <a:xfrm>
+            <a:off x="3205335" y="751616"/>
+            <a:ext cx="542319" cy="336716"/>
+          </a:xfrm>
+          <a:prstGeom prst="rect">
+            <a:avLst/>
+          </a:prstGeom>
+          <a:ln>
+            <a:solidFill>
+              <a:schemeClr val="bg1">
+                <a:lumMod val="85000"/>
+              </a:schemeClr>
+            </a:solidFill>
+          </a:ln>
+        </p:spPr>
+      </p:pic>
+      <p:sp>
+        <p:nvSpPr>
+          <p:cNvPr id="80" name="Rectangle 79">
+            <a:extLst>
+              <a:ext uri="{FF2B5EF4-FFF2-40B4-BE49-F238E27FC236}">
+                <a16:creationId xmlns:a16="http://schemas.microsoft.com/office/drawing/2014/main" id="{91600B3F-5883-A745-B9E9-287709B4FA06}"/>
+              </a:ext>
+            </a:extLst>
+          </p:cNvPr>
+          <p:cNvSpPr/>
+          <p:nvPr/>
+        </p:nvSpPr>
+        <p:spPr>
+          <a:xfrm>
+            <a:off x="3959995" y="705538"/>
+            <a:ext cx="830876" cy="584635"/>
+          </a:xfrm>
+          <a:prstGeom prst="rect">
+            <a:avLst/>
+          </a:prstGeom>
+          <a:solidFill>
+            <a:schemeClr val="bg1"/>
+          </a:solidFill>
+          <a:ln>
+            <a:solidFill>
+              <a:srgbClr val="20708D"/>
+            </a:solidFill>
+          </a:ln>
+        </p:spPr>
+        <p:style>
+          <a:lnRef idx="1">
+            <a:schemeClr val="accent1"/>
+          </a:lnRef>
+          <a:fillRef idx="3">
+            <a:schemeClr val="accent1"/>
+          </a:fillRef>
+          <a:effectRef idx="2">
+            <a:schemeClr val="accent1"/>
+          </a:effectRef>
+          <a:fontRef idx="minor">
+            <a:schemeClr val="lt1"/>
+          </a:fontRef>
+        </p:style>
+        <p:txBody>
+          <a:bodyPr rtlCol="0" anchor="ctr"/>
+          <a:lstStyle/>
+          <a:p>
+            <a:pPr algn="ctr"/>
+            <a:endParaRPr lang="en-US" sz="533" b="1" dirty="0">
+              <a:solidFill>
+                <a:schemeClr val="bg2">
+                  <a:lumMod val="25000"/>
+                </a:schemeClr>
+              </a:solidFill>
+              <a:latin typeface="Arial" panose="020B0604020202020204" pitchFamily="34" charset="0"/>
+              <a:ea typeface="Menlo" panose="020B0609030804020204" pitchFamily="49" charset="0"/>
+              <a:cs typeface="Arial" panose="020B0604020202020204" pitchFamily="34" charset="0"/>
+            </a:endParaRPr>
+          </a:p>
+          <a:p>
+            <a:pPr algn="ctr"/>
+            <a:endParaRPr lang="en-US" sz="533" b="1" dirty="0">
+              <a:solidFill>
+                <a:schemeClr val="bg2">
+                  <a:lumMod val="25000"/>
+                </a:schemeClr>
+              </a:solidFill>
+              <a:latin typeface="Arial" panose="020B0604020202020204" pitchFamily="34" charset="0"/>
+              <a:ea typeface="Menlo" panose="020B0609030804020204" pitchFamily="49" charset="0"/>
+              <a:cs typeface="Arial" panose="020B0604020202020204" pitchFamily="34" charset="0"/>
+            </a:endParaRPr>
+          </a:p>
+          <a:p>
+            <a:pPr algn="ctr"/>
+            <a:endParaRPr lang="en-US" sz="533" b="1" dirty="0">
+              <a:solidFill>
+                <a:schemeClr val="bg2">
+                  <a:lumMod val="25000"/>
+                </a:schemeClr>
+              </a:solidFill>
+              <a:latin typeface="Arial" panose="020B0604020202020204" pitchFamily="34" charset="0"/>
+              <a:ea typeface="Menlo" panose="020B0609030804020204" pitchFamily="49" charset="0"/>
+              <a:cs typeface="Arial" panose="020B0604020202020204" pitchFamily="34" charset="0"/>
+            </a:endParaRPr>
+          </a:p>
+          <a:p>
+            <a:pPr algn="ctr"/>
+            <a:endParaRPr lang="en-US" sz="533" b="1" dirty="0">
+              <a:solidFill>
+                <a:schemeClr val="bg2">
+                  <a:lumMod val="25000"/>
+                </a:schemeClr>
+              </a:solidFill>
+              <a:latin typeface="Arial" panose="020B0604020202020204" pitchFamily="34" charset="0"/>
+              <a:ea typeface="Menlo" panose="020B0609030804020204" pitchFamily="49" charset="0"/>
+              <a:cs typeface="Arial" panose="020B0604020202020204" pitchFamily="34" charset="0"/>
+            </a:endParaRPr>
+          </a:p>
+          <a:p>
+            <a:pPr algn="ctr"/>
+            <a:endParaRPr lang="en-US" sz="533" b="1" dirty="0">
+              <a:solidFill>
+                <a:schemeClr val="bg2">
+                  <a:lumMod val="25000"/>
+                </a:schemeClr>
+              </a:solidFill>
+              <a:latin typeface="Arial" panose="020B0604020202020204" pitchFamily="34" charset="0"/>
+              <a:ea typeface="Menlo" panose="020B0609030804020204" pitchFamily="49" charset="0"/>
+              <a:cs typeface="Arial" panose="020B0604020202020204" pitchFamily="34" charset="0"/>
+            </a:endParaRPr>
+          </a:p>
+          <a:p>
+            <a:pPr algn="ctr"/>
+            <a:r>
+              <a:rPr lang="en-US" sz="533" b="1" dirty="0">
+                <a:solidFill>
+                  <a:schemeClr val="bg2">
+                    <a:lumMod val="25000"/>
+                  </a:schemeClr>
+                </a:solidFill>
+                <a:latin typeface="Arial" panose="020B0604020202020204" pitchFamily="34" charset="0"/>
+                <a:ea typeface="Menlo" panose="020B0609030804020204" pitchFamily="49" charset="0"/>
+                <a:cs typeface="Arial" panose="020B0604020202020204" pitchFamily="34" charset="0"/>
+              </a:rPr>
+              <a:t>USS Explorer</a:t>
+            </a:r>
+          </a:p>
+        </p:txBody>
+      </p:sp>
+      <p:pic>
+        <p:nvPicPr>
+          <p:cNvPr id="10" name="Picture 9">
+            <a:extLst>
+              <a:ext uri="{FF2B5EF4-FFF2-40B4-BE49-F238E27FC236}">
+                <a16:creationId xmlns:a16="http://schemas.microsoft.com/office/drawing/2014/main" id="{69422BFB-BF0E-E84E-AF4C-A30A2439E5F0}"/>
+              </a:ext>
+            </a:extLst>
+          </p:cNvPr>
+          <p:cNvPicPr>
+            <a:picLocks noChangeAspect="1"/>
+          </p:cNvPicPr>
+          <p:nvPr/>
+        </p:nvPicPr>
+        <p:blipFill>
+          <a:blip r:embed="rId5"/>
+          <a:stretch>
+            <a:fillRect/>
+          </a:stretch>
+        </p:blipFill>
+        <p:spPr>
+          <a:xfrm>
+            <a:off x="4155551" y="751616"/>
+            <a:ext cx="492671" cy="325693"/>
+          </a:xfrm>
+          <a:prstGeom prst="rect">
+            <a:avLst/>
+          </a:prstGeom>
+          <a:ln>
+            <a:solidFill>
+              <a:schemeClr val="bg1">
+                <a:lumMod val="85000"/>
+              </a:schemeClr>
+            </a:solidFill>
+          </a:ln>
+        </p:spPr>
+      </p:pic>
+      <p:sp>
+        <p:nvSpPr>
+          <p:cNvPr id="82" name="Rectangle 81">
+            <a:extLst>
+              <a:ext uri="{FF2B5EF4-FFF2-40B4-BE49-F238E27FC236}">
+                <a16:creationId xmlns:a16="http://schemas.microsoft.com/office/drawing/2014/main" id="{F8E8A60B-1AFE-9A49-AE07-175E906C67AA}"/>
+              </a:ext>
+            </a:extLst>
+          </p:cNvPr>
+          <p:cNvSpPr/>
+          <p:nvPr/>
+        </p:nvSpPr>
+        <p:spPr>
+          <a:xfrm>
+            <a:off x="1198317" y="705538"/>
+            <a:ext cx="830876" cy="584635"/>
+          </a:xfrm>
+          <a:prstGeom prst="rect">
+            <a:avLst/>
+          </a:prstGeom>
+          <a:solidFill>
+            <a:schemeClr val="bg1"/>
+          </a:solidFill>
+          <a:ln>
+            <a:solidFill>
+              <a:srgbClr val="20708D"/>
+            </a:solidFill>
+          </a:ln>
+        </p:spPr>
+        <p:style>
+          <a:lnRef idx="1">
+            <a:schemeClr val="accent1"/>
+          </a:lnRef>
+          <a:fillRef idx="3">
+            <a:schemeClr val="accent1"/>
+          </a:fillRef>
+          <a:effectRef idx="2">
+            <a:schemeClr val="accent1"/>
+          </a:effectRef>
+          <a:fontRef idx="minor">
+            <a:schemeClr val="lt1"/>
+          </a:fontRef>
+        </p:style>
+        <p:txBody>
+          <a:bodyPr rtlCol="0" anchor="ctr"/>
+          <a:lstStyle/>
+          <a:p>
+            <a:pPr algn="ctr"/>
+            <a:endParaRPr lang="en-US" sz="533" b="1" dirty="0">
+              <a:solidFill>
+                <a:schemeClr val="bg2">
+                  <a:lumMod val="25000"/>
+                </a:schemeClr>
+              </a:solidFill>
+              <a:latin typeface="Arial" panose="020B0604020202020204" pitchFamily="34" charset="0"/>
+              <a:ea typeface="Menlo" panose="020B0609030804020204" pitchFamily="49" charset="0"/>
+              <a:cs typeface="Arial" panose="020B0604020202020204" pitchFamily="34" charset="0"/>
+            </a:endParaRPr>
+          </a:p>
+          <a:p>
+            <a:pPr algn="ctr"/>
+            <a:endParaRPr lang="en-US" sz="533" b="1" dirty="0">
+              <a:solidFill>
+                <a:schemeClr val="bg2">
+                  <a:lumMod val="25000"/>
+                </a:schemeClr>
+              </a:solidFill>
+              <a:latin typeface="Arial" panose="020B0604020202020204" pitchFamily="34" charset="0"/>
+              <a:ea typeface="Menlo" panose="020B0609030804020204" pitchFamily="49" charset="0"/>
+              <a:cs typeface="Arial" panose="020B0604020202020204" pitchFamily="34" charset="0"/>
+            </a:endParaRPr>
+          </a:p>
+          <a:p>
+            <a:pPr algn="ctr"/>
+            <a:endParaRPr lang="en-US" sz="533" b="1" dirty="0">
+              <a:solidFill>
+                <a:schemeClr val="bg2">
+                  <a:lumMod val="25000"/>
+                </a:schemeClr>
+              </a:solidFill>
+              <a:latin typeface="Arial" panose="020B0604020202020204" pitchFamily="34" charset="0"/>
+              <a:ea typeface="Menlo" panose="020B0609030804020204" pitchFamily="49" charset="0"/>
+              <a:cs typeface="Arial" panose="020B0604020202020204" pitchFamily="34" charset="0"/>
+            </a:endParaRPr>
+          </a:p>
+          <a:p>
+            <a:pPr algn="ctr"/>
+            <a:endParaRPr lang="en-US" sz="533" b="1" dirty="0">
+              <a:solidFill>
+                <a:schemeClr val="bg2">
+                  <a:lumMod val="25000"/>
+                </a:schemeClr>
+              </a:solidFill>
+              <a:latin typeface="Arial" panose="020B0604020202020204" pitchFamily="34" charset="0"/>
+              <a:ea typeface="Menlo" panose="020B0609030804020204" pitchFamily="49" charset="0"/>
+              <a:cs typeface="Arial" panose="020B0604020202020204" pitchFamily="34" charset="0"/>
+            </a:endParaRPr>
+          </a:p>
+          <a:p>
+            <a:pPr algn="ctr"/>
+            <a:endParaRPr lang="en-US" sz="533" b="1" dirty="0">
+              <a:solidFill>
+                <a:schemeClr val="bg2">
+                  <a:lumMod val="25000"/>
+                </a:schemeClr>
+              </a:solidFill>
+              <a:latin typeface="Arial" panose="020B0604020202020204" pitchFamily="34" charset="0"/>
+              <a:ea typeface="Menlo" panose="020B0609030804020204" pitchFamily="49" charset="0"/>
+              <a:cs typeface="Arial" panose="020B0604020202020204" pitchFamily="34" charset="0"/>
+            </a:endParaRPr>
+          </a:p>
+          <a:p>
+            <a:pPr algn="ctr"/>
+            <a:r>
+              <a:rPr lang="en-US" sz="533" b="1" dirty="0">
+                <a:solidFill>
+                  <a:schemeClr val="bg2">
+                    <a:lumMod val="25000"/>
+                  </a:schemeClr>
+                </a:solidFill>
+                <a:latin typeface="Arial" panose="020B0604020202020204" pitchFamily="34" charset="0"/>
+                <a:ea typeface="Menlo" panose="020B0609030804020204" pitchFamily="49" charset="0"/>
+                <a:cs typeface="Arial" panose="020B0604020202020204" pitchFamily="34" charset="0"/>
+              </a:rPr>
+              <a:t>3270 Terminal</a:t>
+            </a:r>
+          </a:p>
+        </p:txBody>
+      </p:sp>
+      <p:pic>
+        <p:nvPicPr>
+          <p:cNvPr id="11" name="Picture 10">
+            <a:extLst>
+              <a:ext uri="{FF2B5EF4-FFF2-40B4-BE49-F238E27FC236}">
+                <a16:creationId xmlns:a16="http://schemas.microsoft.com/office/drawing/2014/main" id="{B465B054-0C62-9E41-B891-1D24A71FAFFE}"/>
+              </a:ext>
+            </a:extLst>
+          </p:cNvPr>
+          <p:cNvPicPr>
+            <a:picLocks noChangeAspect="1"/>
+          </p:cNvPicPr>
+          <p:nvPr/>
+        </p:nvPicPr>
+        <p:blipFill>
+          <a:blip r:embed="rId6"/>
+          <a:stretch>
+            <a:fillRect/>
+          </a:stretch>
+        </p:blipFill>
+        <p:spPr>
+          <a:xfrm>
+            <a:off x="1407541" y="768907"/>
+            <a:ext cx="439324" cy="354399"/>
+          </a:xfrm>
+          <a:prstGeom prst="rect">
+            <a:avLst/>
+          </a:prstGeom>
+        </p:spPr>
+      </p:pic>
+      <p:sp>
+        <p:nvSpPr>
+          <p:cNvPr id="83" name="Rectangle 82">
+            <a:extLst>
+              <a:ext uri="{FF2B5EF4-FFF2-40B4-BE49-F238E27FC236}">
+                <a16:creationId xmlns:a16="http://schemas.microsoft.com/office/drawing/2014/main" id="{3F6404EA-A5F6-5344-9F02-1F63A7ED71F5}"/>
+              </a:ext>
+            </a:extLst>
+          </p:cNvPr>
+          <p:cNvSpPr/>
+          <p:nvPr/>
+        </p:nvSpPr>
+        <p:spPr>
+          <a:xfrm>
+            <a:off x="280810" y="705538"/>
+            <a:ext cx="830876" cy="584635"/>
+          </a:xfrm>
+          <a:prstGeom prst="rect">
+            <a:avLst/>
+          </a:prstGeom>
+          <a:solidFill>
+            <a:schemeClr val="bg1"/>
+          </a:solidFill>
+          <a:ln>
+            <a:solidFill>
+              <a:srgbClr val="20708D"/>
+            </a:solidFill>
+          </a:ln>
+        </p:spPr>
+        <p:style>
+          <a:lnRef idx="1">
+            <a:schemeClr val="accent1"/>
+          </a:lnRef>
+          <a:fillRef idx="3">
+            <a:schemeClr val="accent1"/>
+          </a:fillRef>
+          <a:effectRef idx="2">
+            <a:schemeClr val="accent1"/>
+          </a:effectRef>
+          <a:fontRef idx="minor">
+            <a:schemeClr val="lt1"/>
+          </a:fontRef>
+        </p:style>
+        <p:txBody>
+          <a:bodyPr rtlCol="0" anchor="ctr"/>
+          <a:lstStyle/>
+          <a:p>
+            <a:pPr algn="ctr"/>
+            <a:endParaRPr lang="en-US" sz="533" b="1" dirty="0">
+              <a:solidFill>
+                <a:schemeClr val="bg2">
+                  <a:lumMod val="25000"/>
+                </a:schemeClr>
+              </a:solidFill>
+              <a:latin typeface="Arial" panose="020B0604020202020204" pitchFamily="34" charset="0"/>
+              <a:ea typeface="Menlo" panose="020B0609030804020204" pitchFamily="49" charset="0"/>
+              <a:cs typeface="Arial" panose="020B0604020202020204" pitchFamily="34" charset="0"/>
+            </a:endParaRPr>
+          </a:p>
+          <a:p>
+            <a:pPr algn="ctr"/>
+            <a:endParaRPr lang="en-US" sz="533" b="1" dirty="0">
+              <a:solidFill>
+                <a:schemeClr val="bg2">
+                  <a:lumMod val="25000"/>
+                </a:schemeClr>
+              </a:solidFill>
+              <a:latin typeface="Arial" panose="020B0604020202020204" pitchFamily="34" charset="0"/>
+              <a:ea typeface="Menlo" panose="020B0609030804020204" pitchFamily="49" charset="0"/>
+              <a:cs typeface="Arial" panose="020B0604020202020204" pitchFamily="34" charset="0"/>
+            </a:endParaRPr>
+          </a:p>
+          <a:p>
+            <a:pPr algn="ctr"/>
+            <a:endParaRPr lang="en-US" sz="533" b="1" dirty="0">
+              <a:solidFill>
+                <a:schemeClr val="bg2">
+                  <a:lumMod val="25000"/>
+                </a:schemeClr>
+              </a:solidFill>
+              <a:latin typeface="Arial" panose="020B0604020202020204" pitchFamily="34" charset="0"/>
+              <a:ea typeface="Menlo" panose="020B0609030804020204" pitchFamily="49" charset="0"/>
+              <a:cs typeface="Arial" panose="020B0604020202020204" pitchFamily="34" charset="0"/>
+            </a:endParaRPr>
+          </a:p>
+          <a:p>
+            <a:pPr algn="ctr"/>
+            <a:endParaRPr lang="en-US" sz="533" b="1" dirty="0">
+              <a:solidFill>
+                <a:schemeClr val="bg2">
+                  <a:lumMod val="25000"/>
+                </a:schemeClr>
+              </a:solidFill>
+              <a:latin typeface="Arial" panose="020B0604020202020204" pitchFamily="34" charset="0"/>
+              <a:ea typeface="Menlo" panose="020B0609030804020204" pitchFamily="49" charset="0"/>
+              <a:cs typeface="Arial" panose="020B0604020202020204" pitchFamily="34" charset="0"/>
+            </a:endParaRPr>
+          </a:p>
+          <a:p>
+            <a:pPr algn="ctr"/>
+            <a:endParaRPr lang="en-US" sz="533" b="1" dirty="0">
+              <a:solidFill>
+                <a:schemeClr val="bg2">
+                  <a:lumMod val="25000"/>
+                </a:schemeClr>
+              </a:solidFill>
+              <a:latin typeface="Arial" panose="020B0604020202020204" pitchFamily="34" charset="0"/>
+              <a:ea typeface="Menlo" panose="020B0609030804020204" pitchFamily="49" charset="0"/>
+              <a:cs typeface="Arial" panose="020B0604020202020204" pitchFamily="34" charset="0"/>
+            </a:endParaRPr>
+          </a:p>
+          <a:p>
+            <a:pPr algn="ctr"/>
+            <a:r>
+              <a:rPr lang="en-US" sz="533" b="1" dirty="0">
+                <a:solidFill>
+                  <a:schemeClr val="bg2">
+                    <a:lumMod val="25000"/>
+                  </a:schemeClr>
+                </a:solidFill>
+                <a:latin typeface="Arial" panose="020B0604020202020204" pitchFamily="34" charset="0"/>
+                <a:ea typeface="Menlo" panose="020B0609030804020204" pitchFamily="49" charset="0"/>
+                <a:cs typeface="Arial" panose="020B0604020202020204" pitchFamily="34" charset="0"/>
+              </a:rPr>
+              <a:t>File Editor</a:t>
+            </a:r>
+          </a:p>
+        </p:txBody>
+      </p:sp>
+      <p:sp>
+        <p:nvSpPr>
+          <p:cNvPr id="85" name="Rectangle 84">
+            <a:extLst>
+              <a:ext uri="{FF2B5EF4-FFF2-40B4-BE49-F238E27FC236}">
+                <a16:creationId xmlns:a16="http://schemas.microsoft.com/office/drawing/2014/main" id="{BCCCA178-3BD1-974E-A649-9F0821B4E8DB}"/>
+              </a:ext>
+            </a:extLst>
+          </p:cNvPr>
+          <p:cNvSpPr/>
+          <p:nvPr/>
+        </p:nvSpPr>
+        <p:spPr>
+          <a:xfrm>
+            <a:off x="7869612" y="698685"/>
+            <a:ext cx="1162998" cy="493953"/>
+          </a:xfrm>
+          <a:prstGeom prst="rect">
+            <a:avLst/>
+          </a:prstGeom>
+          <a:solidFill>
+            <a:srgbClr val="00B19E">
+              <a:alpha val="96000"/>
+            </a:srgbClr>
+          </a:solidFill>
+          <a:ln>
+            <a:solidFill>
+              <a:srgbClr val="20708D"/>
+            </a:solidFill>
+          </a:ln>
+        </p:spPr>
+        <p:style>
+          <a:lnRef idx="1">
+            <a:schemeClr val="accent1"/>
+          </a:lnRef>
+          <a:fillRef idx="3">
+            <a:schemeClr val="accent1"/>
+          </a:fillRef>
+          <a:effectRef idx="2">
+            <a:schemeClr val="accent1"/>
+          </a:effectRef>
+          <a:fontRef idx="minor">
+            <a:schemeClr val="lt1"/>
+          </a:fontRef>
+        </p:style>
+        <p:txBody>
+          <a:bodyPr rtlCol="0" anchor="ctr"/>
+          <a:lstStyle/>
+          <a:p>
+            <a:pPr algn="ctr"/>
+            <a:endParaRPr lang="en-US" sz="1467">
+              <a:solidFill>
+                <a:schemeClr val="tx1"/>
+              </a:solidFill>
+              <a:latin typeface="Menlo" charset="0"/>
+              <a:ea typeface="Menlo" charset="0"/>
+              <a:cs typeface="Menlo" charset="0"/>
+            </a:endParaRPr>
+          </a:p>
+          <a:p>
+            <a:pPr algn="ctr"/>
+            <a:endParaRPr lang="en-US" sz="1467">
+              <a:solidFill>
+                <a:schemeClr val="tx1"/>
+              </a:solidFill>
+              <a:latin typeface="Menlo" charset="0"/>
+              <a:ea typeface="Menlo" charset="0"/>
+              <a:cs typeface="Menlo" charset="0"/>
+            </a:endParaRPr>
+          </a:p>
+        </p:txBody>
+      </p:sp>
+      <p:pic>
+        <p:nvPicPr>
+          <p:cNvPr id="13" name="Picture 12">
+            <a:extLst>
+              <a:ext uri="{FF2B5EF4-FFF2-40B4-BE49-F238E27FC236}">
+                <a16:creationId xmlns:a16="http://schemas.microsoft.com/office/drawing/2014/main" id="{221400D2-57A7-A749-B8F9-C023A7CEA2BA}"/>
+              </a:ext>
+            </a:extLst>
+          </p:cNvPr>
+          <p:cNvPicPr>
+            <a:picLocks noChangeAspect="1"/>
+          </p:cNvPicPr>
+          <p:nvPr/>
+        </p:nvPicPr>
+        <p:blipFill>
+          <a:blip r:embed="rId7"/>
+          <a:stretch>
+            <a:fillRect/>
+          </a:stretch>
+        </p:blipFill>
+        <p:spPr>
+          <a:xfrm>
+            <a:off x="8058259" y="749546"/>
+            <a:ext cx="785704" cy="415675"/>
+          </a:xfrm>
+          <a:prstGeom prst="rect">
+            <a:avLst/>
+          </a:prstGeom>
+          <a:ln>
+            <a:solidFill>
+              <a:schemeClr val="bg1">
+                <a:lumMod val="85000"/>
+              </a:schemeClr>
+            </a:solidFill>
+          </a:ln>
+        </p:spPr>
+      </p:pic>
+      <p:sp>
+        <p:nvSpPr>
+          <p:cNvPr id="72" name="Rectangle 71">
+            <a:extLst>
+              <a:ext uri="{FF2B5EF4-FFF2-40B4-BE49-F238E27FC236}">
+                <a16:creationId xmlns:a16="http://schemas.microsoft.com/office/drawing/2014/main" id="{58691199-F13A-3A40-B3F3-882DAA99E199}"/>
+              </a:ext>
+            </a:extLst>
+          </p:cNvPr>
+          <p:cNvSpPr/>
+          <p:nvPr/>
+        </p:nvSpPr>
+        <p:spPr>
+          <a:xfrm>
+            <a:off x="9241966" y="5531605"/>
+            <a:ext cx="647781" cy="476273"/>
+          </a:xfrm>
+          <a:prstGeom prst="rect">
+            <a:avLst/>
+          </a:prstGeom>
+          <a:solidFill>
+            <a:schemeClr val="accent4">
+              <a:lumMod val="60000"/>
+              <a:lumOff val="40000"/>
+            </a:schemeClr>
+          </a:solidFill>
+        </p:spPr>
+        <p:style>
+          <a:lnRef idx="2">
+            <a:schemeClr val="accent1">
+              <a:shade val="50000"/>
+            </a:schemeClr>
+          </a:lnRef>
+          <a:fillRef idx="1">
+            <a:schemeClr val="accent1"/>
+          </a:fillRef>
+          <a:effectRef idx="0">
+            <a:schemeClr val="accent1"/>
+          </a:effectRef>
+          <a:fontRef idx="minor">
+            <a:schemeClr val="lt1"/>
+          </a:fontRef>
+        </p:style>
+        <p:txBody>
+          <a:bodyPr rtlCol="0" anchor="ctr"/>
+          <a:lstStyle/>
+          <a:p>
+            <a:pPr algn="ctr"/>
+            <a:r>
+              <a:rPr lang="en-US" sz="933" dirty="0">
+                <a:solidFill>
+                  <a:schemeClr val="tx1"/>
+                </a:solidFill>
+                <a:latin typeface="Arial" panose="020B0604020202020204" pitchFamily="34" charset="0"/>
+                <a:ea typeface="Menlo" panose="020B0609030804020204" pitchFamily="49" charset="0"/>
+                <a:cs typeface="Arial" panose="020B0604020202020204" pitchFamily="34" charset="0"/>
+              </a:rPr>
+              <a:t>IMS Ops</a:t>
+            </a:r>
+          </a:p>
+          <a:p>
+            <a:pPr algn="ctr"/>
+            <a:r>
+              <a:rPr lang="en-US" sz="933" dirty="0">
+                <a:solidFill>
+                  <a:schemeClr val="tx1"/>
+                </a:solidFill>
+                <a:latin typeface="Arial" panose="020B0604020202020204" pitchFamily="34" charset="0"/>
+                <a:ea typeface="Menlo" panose="020B0609030804020204" pitchFamily="49" charset="0"/>
+                <a:cs typeface="Arial" panose="020B0604020202020204" pitchFamily="34" charset="0"/>
+              </a:rPr>
+              <a:t>API</a:t>
+            </a:r>
+          </a:p>
+        </p:txBody>
+      </p:sp>
+      <p:sp>
+        <p:nvSpPr>
+          <p:cNvPr id="87" name="Rectangle 86">
+            <a:extLst>
+              <a:ext uri="{FF2B5EF4-FFF2-40B4-BE49-F238E27FC236}">
+                <a16:creationId xmlns:a16="http://schemas.microsoft.com/office/drawing/2014/main" id="{03EF157D-A459-3D4C-9BA7-D66E89FE7C8E}"/>
+              </a:ext>
+            </a:extLst>
+          </p:cNvPr>
+          <p:cNvSpPr/>
+          <p:nvPr/>
+        </p:nvSpPr>
+        <p:spPr>
+          <a:xfrm>
+            <a:off x="9282551" y="993346"/>
+            <a:ext cx="538511" cy="270387"/>
+          </a:xfrm>
+          <a:prstGeom prst="rect">
+            <a:avLst/>
+          </a:prstGeom>
+          <a:solidFill>
+            <a:srgbClr val="00B19E"/>
+          </a:solidFill>
+          <a:ln>
+            <a:solidFill>
+              <a:srgbClr val="20708D"/>
+            </a:solidFill>
+          </a:ln>
+        </p:spPr>
+        <p:style>
+          <a:lnRef idx="1">
+            <a:schemeClr val="accent1"/>
+          </a:lnRef>
+          <a:fillRef idx="3">
+            <a:schemeClr val="accent1"/>
+          </a:fillRef>
+          <a:effectRef idx="2">
+            <a:schemeClr val="accent1"/>
+          </a:effectRef>
+          <a:fontRef idx="minor">
+            <a:schemeClr val="lt1"/>
+          </a:fontRef>
+        </p:style>
+        <p:txBody>
+          <a:bodyPr rtlCol="0" anchor="ctr"/>
+          <a:lstStyle/>
+          <a:p>
+            <a:pPr algn="ctr"/>
+            <a:r>
+              <a:rPr lang="en-US" sz="1000" dirty="0">
+                <a:solidFill>
+                  <a:schemeClr val="tx1"/>
+                </a:solidFill>
+                <a:latin typeface="Arial" panose="020B0604020202020204" pitchFamily="34" charset="0"/>
+                <a:ea typeface="Menlo" charset="0"/>
+                <a:cs typeface="Arial" panose="020B0604020202020204" pitchFamily="34" charset="0"/>
+              </a:rPr>
+              <a:t>IMS</a:t>
+            </a:r>
+          </a:p>
+        </p:txBody>
+      </p:sp>
+      <p:sp>
+        <p:nvSpPr>
+          <p:cNvPr id="90" name="Rectangle 89">
+            <a:extLst>
+              <a:ext uri="{FF2B5EF4-FFF2-40B4-BE49-F238E27FC236}">
+                <a16:creationId xmlns:a16="http://schemas.microsoft.com/office/drawing/2014/main" id="{327195F8-48D4-7441-94C7-DB920529BA39}"/>
+              </a:ext>
+            </a:extLst>
+          </p:cNvPr>
+          <p:cNvSpPr/>
+          <p:nvPr/>
+        </p:nvSpPr>
+        <p:spPr>
+          <a:xfrm>
+            <a:off x="9906850" y="996150"/>
+            <a:ext cx="538511" cy="270387"/>
+          </a:xfrm>
+          <a:prstGeom prst="rect">
+            <a:avLst/>
+          </a:prstGeom>
+          <a:solidFill>
+            <a:srgbClr val="00B19E"/>
+          </a:solidFill>
+          <a:ln>
+            <a:solidFill>
+              <a:srgbClr val="20708D"/>
+            </a:solidFill>
+          </a:ln>
+        </p:spPr>
+        <p:style>
+          <a:lnRef idx="1">
+            <a:schemeClr val="accent1"/>
+          </a:lnRef>
+          <a:fillRef idx="3">
+            <a:schemeClr val="accent1"/>
+          </a:fillRef>
+          <a:effectRef idx="2">
+            <a:schemeClr val="accent1"/>
+          </a:effectRef>
+          <a:fontRef idx="minor">
+            <a:schemeClr val="lt1"/>
+          </a:fontRef>
+        </p:style>
+        <p:txBody>
+          <a:bodyPr rtlCol="0" anchor="ctr"/>
+          <a:lstStyle/>
+          <a:p>
+            <a:pPr algn="ctr"/>
+            <a:r>
+              <a:rPr lang="en-US" sz="1000" dirty="0">
+                <a:solidFill>
+                  <a:schemeClr val="tx1"/>
+                </a:solidFill>
+                <a:latin typeface="Arial" panose="020B0604020202020204" pitchFamily="34" charset="0"/>
+                <a:ea typeface="Menlo" charset="0"/>
+                <a:cs typeface="Arial" panose="020B0604020202020204" pitchFamily="34" charset="0"/>
+              </a:rPr>
+              <a:t>CICS</a:t>
+            </a:r>
+          </a:p>
+        </p:txBody>
+      </p:sp>
+      <p:sp>
+        <p:nvSpPr>
+          <p:cNvPr id="92" name="Rectangle 91">
+            <a:extLst>
+              <a:ext uri="{FF2B5EF4-FFF2-40B4-BE49-F238E27FC236}">
+                <a16:creationId xmlns:a16="http://schemas.microsoft.com/office/drawing/2014/main" id="{AD5478C9-5E56-9D46-8329-02F52C3385CD}"/>
+              </a:ext>
+            </a:extLst>
+          </p:cNvPr>
+          <p:cNvSpPr/>
+          <p:nvPr/>
+        </p:nvSpPr>
+        <p:spPr>
+          <a:xfrm>
+            <a:off x="10522709" y="984777"/>
+            <a:ext cx="538511" cy="270387"/>
+          </a:xfrm>
+          <a:prstGeom prst="rect">
+            <a:avLst/>
+          </a:prstGeom>
+          <a:solidFill>
+            <a:srgbClr val="00B19E"/>
+          </a:solidFill>
+          <a:ln>
+            <a:solidFill>
+              <a:srgbClr val="20708D"/>
+            </a:solidFill>
+          </a:ln>
+        </p:spPr>
+        <p:style>
+          <a:lnRef idx="1">
+            <a:schemeClr val="accent1"/>
+          </a:lnRef>
+          <a:fillRef idx="3">
+            <a:schemeClr val="accent1"/>
+          </a:fillRef>
+          <a:effectRef idx="2">
+            <a:schemeClr val="accent1"/>
+          </a:effectRef>
+          <a:fontRef idx="minor">
+            <a:schemeClr val="lt1"/>
+          </a:fontRef>
+        </p:style>
+        <p:txBody>
+          <a:bodyPr rtlCol="0" anchor="ctr"/>
+          <a:lstStyle/>
+          <a:p>
+            <a:pPr algn="ctr"/>
+            <a:r>
+              <a:rPr lang="en-US" sz="1000">
+                <a:solidFill>
+                  <a:schemeClr val="tx1"/>
+                </a:solidFill>
+                <a:latin typeface="Arial" panose="020B0604020202020204" pitchFamily="34" charset="0"/>
+                <a:ea typeface="Menlo" charset="0"/>
+                <a:cs typeface="Arial" panose="020B0604020202020204" pitchFamily="34" charset="0"/>
+              </a:rPr>
+              <a:t>DB2</a:t>
+            </a:r>
+          </a:p>
+        </p:txBody>
+      </p:sp>
+      <p:sp>
+        <p:nvSpPr>
+          <p:cNvPr id="95" name="Rectangle 94">
+            <a:extLst>
+              <a:ext uri="{FF2B5EF4-FFF2-40B4-BE49-F238E27FC236}">
+                <a16:creationId xmlns:a16="http://schemas.microsoft.com/office/drawing/2014/main" id="{9D2244BC-A2A4-D74E-BBE8-EB631F506976}"/>
+              </a:ext>
+            </a:extLst>
+          </p:cNvPr>
+          <p:cNvSpPr/>
+          <p:nvPr/>
+        </p:nvSpPr>
+        <p:spPr>
+          <a:xfrm>
+            <a:off x="9252672" y="6233667"/>
+            <a:ext cx="647780" cy="404357"/>
+          </a:xfrm>
+          <a:prstGeom prst="rect">
+            <a:avLst/>
+          </a:prstGeom>
+          <a:pattFill prst="pct5">
+            <a:fgClr>
+              <a:schemeClr val="accent1"/>
+            </a:fgClr>
+            <a:bgClr>
+              <a:schemeClr val="bg1"/>
+            </a:bgClr>
+          </a:pattFill>
+        </p:spPr>
+        <p:style>
+          <a:lnRef idx="2">
+            <a:schemeClr val="accent1">
+              <a:shade val="50000"/>
+            </a:schemeClr>
+          </a:lnRef>
+          <a:fillRef idx="1">
+            <a:schemeClr val="accent1"/>
+          </a:fillRef>
+          <a:effectRef idx="0">
+            <a:schemeClr val="accent1"/>
+          </a:effectRef>
+          <a:fontRef idx="minor">
+            <a:schemeClr val="lt1"/>
+          </a:fontRef>
+        </p:style>
+        <p:txBody>
+          <a:bodyPr rtlCol="0" anchor="ctr"/>
+          <a:lstStyle/>
+          <a:p>
+            <a:pPr algn="ctr"/>
+            <a:r>
+              <a:rPr lang="en-US" sz="933" dirty="0">
+                <a:solidFill>
+                  <a:schemeClr val="tx1"/>
+                </a:solidFill>
+                <a:latin typeface="Arial" panose="020B0604020202020204" pitchFamily="34" charset="0"/>
+                <a:ea typeface="Menlo" panose="020B0609030804020204" pitchFamily="49" charset="0"/>
+                <a:cs typeface="Arial" panose="020B0604020202020204" pitchFamily="34" charset="0"/>
+              </a:rPr>
+              <a:t>IMS Connect</a:t>
+            </a:r>
+          </a:p>
+        </p:txBody>
+      </p:sp>
+      <p:sp>
+        <p:nvSpPr>
+          <p:cNvPr id="98" name="Rectangle 97">
+            <a:extLst>
+              <a:ext uri="{FF2B5EF4-FFF2-40B4-BE49-F238E27FC236}">
+                <a16:creationId xmlns:a16="http://schemas.microsoft.com/office/drawing/2014/main" id="{86332291-5142-D54E-A76D-38429542624A}"/>
+              </a:ext>
+            </a:extLst>
+          </p:cNvPr>
+          <p:cNvSpPr/>
+          <p:nvPr/>
+        </p:nvSpPr>
+        <p:spPr>
+          <a:xfrm>
+            <a:off x="6189330" y="5575869"/>
+            <a:ext cx="1196983" cy="476273"/>
+          </a:xfrm>
+          <a:prstGeom prst="rect">
+            <a:avLst/>
+          </a:prstGeom>
+          <a:solidFill>
+            <a:srgbClr val="7C7B7B"/>
+          </a:solidFill>
+        </p:spPr>
+        <p:style>
+          <a:lnRef idx="2">
+            <a:schemeClr val="accent1">
+              <a:shade val="50000"/>
+            </a:schemeClr>
+          </a:lnRef>
+          <a:fillRef idx="1">
+            <a:schemeClr val="accent1"/>
+          </a:fillRef>
+          <a:effectRef idx="0">
+            <a:schemeClr val="accent1"/>
+          </a:effectRef>
+          <a:fontRef idx="minor">
+            <a:schemeClr val="lt1"/>
+          </a:fontRef>
+        </p:style>
+        <p:txBody>
+          <a:bodyPr rtlCol="0" anchor="ctr"/>
+          <a:lstStyle/>
+          <a:p>
+            <a:pPr algn="ctr"/>
+            <a:r>
+              <a:rPr lang="en-US" sz="933" dirty="0">
+                <a:solidFill>
+                  <a:schemeClr val="bg1"/>
+                </a:solidFill>
+                <a:latin typeface="Arial" panose="020B0604020202020204" pitchFamily="34" charset="0"/>
+                <a:ea typeface="Menlo" panose="020B0609030804020204" pitchFamily="49" charset="0"/>
+                <a:cs typeface="Arial" panose="020B0604020202020204" pitchFamily="34" charset="0"/>
+              </a:rPr>
+              <a:t>REST API Extension Server</a:t>
+            </a:r>
+          </a:p>
+        </p:txBody>
+      </p:sp>
+      <p:cxnSp>
+        <p:nvCxnSpPr>
+          <p:cNvPr id="99" name="Straight Arrow Connector 98">
+            <a:extLst>
+              <a:ext uri="{FF2B5EF4-FFF2-40B4-BE49-F238E27FC236}">
+                <a16:creationId xmlns:a16="http://schemas.microsoft.com/office/drawing/2014/main" id="{4B42528F-1505-AD4C-9BDE-78737EA3D84D}"/>
+              </a:ext>
+            </a:extLst>
+          </p:cNvPr>
+          <p:cNvCxnSpPr>
+            <a:cxnSpLocks/>
+          </p:cNvCxnSpPr>
+          <p:nvPr/>
+        </p:nvCxnSpPr>
+        <p:spPr>
+          <a:xfrm>
+            <a:off x="8340775" y="1407533"/>
+            <a:ext cx="65883" cy="4155649"/>
+          </a:xfrm>
+          <a:prstGeom prst="straightConnector1">
+            <a:avLst/>
+          </a:prstGeom>
+          <a:ln>
+            <a:headEnd type="triangle"/>
+            <a:tailEnd type="triangle"/>
+          </a:ln>
+        </p:spPr>
+        <p:style>
+          <a:lnRef idx="1">
+            <a:schemeClr val="accent1"/>
+          </a:lnRef>
+          <a:fillRef idx="0">
+            <a:schemeClr val="accent1"/>
+          </a:fillRef>
+          <a:effectRef idx="0">
+            <a:schemeClr val="accent1"/>
+          </a:effectRef>
+          <a:fontRef idx="minor">
+            <a:schemeClr val="tx1"/>
+          </a:fontRef>
+        </p:style>
+      </p:cxnSp>
+      <p:sp>
+        <p:nvSpPr>
+          <p:cNvPr id="102" name="Rectangle 101">
+            <a:extLst>
+              <a:ext uri="{FF2B5EF4-FFF2-40B4-BE49-F238E27FC236}">
+                <a16:creationId xmlns:a16="http://schemas.microsoft.com/office/drawing/2014/main" id="{69C93468-CA2A-FA45-8519-4E7D1360318E}"/>
+              </a:ext>
+            </a:extLst>
+          </p:cNvPr>
+          <p:cNvSpPr/>
+          <p:nvPr/>
+        </p:nvSpPr>
+        <p:spPr>
+          <a:xfrm>
+            <a:off x="10582853" y="5531605"/>
+            <a:ext cx="541686" cy="476273"/>
+          </a:xfrm>
+          <a:prstGeom prst="rect">
+            <a:avLst/>
+          </a:prstGeom>
+          <a:pattFill prst="pct5">
+            <a:fgClr>
+              <a:schemeClr val="accent1"/>
+            </a:fgClr>
+            <a:bgClr>
+              <a:schemeClr val="bg1"/>
+            </a:bgClr>
+          </a:pattFill>
+        </p:spPr>
+        <p:style>
+          <a:lnRef idx="2">
+            <a:schemeClr val="accent1">
+              <a:shade val="50000"/>
+            </a:schemeClr>
+          </a:lnRef>
+          <a:fillRef idx="1">
+            <a:schemeClr val="accent1"/>
+          </a:fillRef>
+          <a:effectRef idx="0">
+            <a:schemeClr val="accent1"/>
+          </a:effectRef>
+          <a:fontRef idx="minor">
+            <a:schemeClr val="lt1"/>
+          </a:fontRef>
+        </p:style>
+        <p:txBody>
+          <a:bodyPr rtlCol="0" anchor="ctr"/>
+          <a:lstStyle/>
+          <a:p>
+            <a:pPr algn="ctr"/>
+            <a:r>
+              <a:rPr lang="en-US" sz="933">
+                <a:solidFill>
+                  <a:schemeClr val="tx1"/>
+                </a:solidFill>
+                <a:latin typeface="Arial" panose="020B0604020202020204" pitchFamily="34" charset="0"/>
+                <a:ea typeface="Menlo" panose="020B0609030804020204" pitchFamily="49" charset="0"/>
+                <a:cs typeface="Arial" panose="020B0604020202020204" pitchFamily="34" charset="0"/>
+              </a:rPr>
+              <a:t>DB2</a:t>
+            </a:r>
+          </a:p>
+        </p:txBody>
+      </p:sp>
+      <p:sp>
+        <p:nvSpPr>
+          <p:cNvPr id="105" name="TextBox 104">
+            <a:extLst>
+              <a:ext uri="{FF2B5EF4-FFF2-40B4-BE49-F238E27FC236}">
+                <a16:creationId xmlns:a16="http://schemas.microsoft.com/office/drawing/2014/main" id="{29D05D16-D827-4848-9292-C9EE09EA7BBB}"/>
+              </a:ext>
+            </a:extLst>
+          </p:cNvPr>
+          <p:cNvSpPr txBox="1"/>
+          <p:nvPr/>
+        </p:nvSpPr>
+        <p:spPr>
+          <a:xfrm>
+            <a:off x="6895181" y="5312474"/>
+            <a:ext cx="498855" cy="261610"/>
+          </a:xfrm>
+          <a:prstGeom prst="rect">
+            <a:avLst/>
+          </a:prstGeom>
+          <a:noFill/>
+        </p:spPr>
+        <p:txBody>
+          <a:bodyPr wrap="none" rtlCol="0">
+            <a:spAutoFit/>
+          </a:bodyPr>
+          <a:lstStyle/>
+          <a:p>
+            <a:r>
+              <a:rPr lang="en-US" sz="1100" dirty="0">
+                <a:latin typeface="Arial" panose="020B0604020202020204" pitchFamily="34" charset="0"/>
+                <a:ea typeface="Menlo" panose="020B0609030804020204" pitchFamily="49" charset="0"/>
+                <a:cs typeface="Arial" panose="020B0604020202020204" pitchFamily="34" charset="0"/>
+              </a:rPr>
+              <a:t>nnnn</a:t>
+            </a:r>
+          </a:p>
+        </p:txBody>
+      </p:sp>
+      <p:sp>
+        <p:nvSpPr>
+          <p:cNvPr id="108" name="Rectangle 107">
+            <a:extLst>
+              <a:ext uri="{FF2B5EF4-FFF2-40B4-BE49-F238E27FC236}">
+                <a16:creationId xmlns:a16="http://schemas.microsoft.com/office/drawing/2014/main" id="{AC9A0780-B31F-684B-97D2-6B4D144E4464}"/>
+              </a:ext>
+            </a:extLst>
+          </p:cNvPr>
+          <p:cNvSpPr/>
+          <p:nvPr/>
+        </p:nvSpPr>
+        <p:spPr>
+          <a:xfrm>
+            <a:off x="5266787" y="799191"/>
+            <a:ext cx="576791" cy="292847"/>
+          </a:xfrm>
+          <a:prstGeom prst="rect">
+            <a:avLst/>
+          </a:prstGeom>
+          <a:solidFill>
+            <a:srgbClr val="7C7B7B"/>
+          </a:solidFill>
+        </p:spPr>
+        <p:style>
+          <a:lnRef idx="2">
+            <a:schemeClr val="accent1">
+              <a:shade val="50000"/>
+            </a:schemeClr>
+          </a:lnRef>
+          <a:fillRef idx="1">
+            <a:schemeClr val="accent1"/>
+          </a:fillRef>
+          <a:effectRef idx="0">
+            <a:schemeClr val="accent1"/>
+          </a:effectRef>
+          <a:fontRef idx="minor">
+            <a:schemeClr val="lt1"/>
+          </a:fontRef>
+        </p:style>
+        <p:txBody>
+          <a:bodyPr rtlCol="0" anchor="ctr"/>
+          <a:lstStyle/>
+          <a:p>
+            <a:pPr algn="ctr"/>
+            <a:r>
+              <a:rPr lang="en-US" sz="933" dirty="0">
+                <a:solidFill>
+                  <a:schemeClr val="bg1"/>
+                </a:solidFill>
+                <a:latin typeface="Arial" panose="020B0604020202020204" pitchFamily="34" charset="0"/>
+                <a:ea typeface="Menlo" panose="020B0609030804020204" pitchFamily="49" charset="0"/>
+                <a:cs typeface="Arial" panose="020B0604020202020204" pitchFamily="34" charset="0"/>
+              </a:rPr>
+              <a:t>HTML</a:t>
+            </a:r>
+          </a:p>
+        </p:txBody>
+      </p:sp>
+      <p:sp>
+        <p:nvSpPr>
+          <p:cNvPr id="112" name="Rectangle 111">
+            <a:extLst>
+              <a:ext uri="{FF2B5EF4-FFF2-40B4-BE49-F238E27FC236}">
+                <a16:creationId xmlns:a16="http://schemas.microsoft.com/office/drawing/2014/main" id="{6F8067E1-A1AE-AA4E-914F-1E7325E2DDF4}"/>
+              </a:ext>
+            </a:extLst>
+          </p:cNvPr>
+          <p:cNvSpPr/>
+          <p:nvPr/>
+        </p:nvSpPr>
+        <p:spPr>
+          <a:xfrm>
+            <a:off x="6985001" y="973628"/>
+            <a:ext cx="618174" cy="271954"/>
+          </a:xfrm>
+          <a:prstGeom prst="rect">
+            <a:avLst/>
+          </a:prstGeom>
+          <a:solidFill>
+            <a:srgbClr val="7C7B7B"/>
+          </a:solidFill>
+        </p:spPr>
+        <p:style>
+          <a:lnRef idx="2">
+            <a:schemeClr val="accent1">
+              <a:shade val="50000"/>
+            </a:schemeClr>
+          </a:lnRef>
+          <a:fillRef idx="1">
+            <a:schemeClr val="accent1"/>
+          </a:fillRef>
+          <a:effectRef idx="0">
+            <a:schemeClr val="accent1"/>
+          </a:effectRef>
+          <a:fontRef idx="minor">
+            <a:schemeClr val="lt1"/>
+          </a:fontRef>
+        </p:style>
+        <p:txBody>
+          <a:bodyPr rtlCol="0" anchor="ctr"/>
+          <a:lstStyle/>
+          <a:p>
+            <a:pPr algn="ctr"/>
+            <a:r>
+              <a:rPr lang="en-US" sz="700" dirty="0">
+                <a:solidFill>
+                  <a:schemeClr val="bg1"/>
+                </a:solidFill>
+                <a:latin typeface="Arial" panose="020B0604020202020204" pitchFamily="34" charset="0"/>
+                <a:ea typeface="Menlo" panose="020B0609030804020204" pitchFamily="49" charset="0"/>
+                <a:cs typeface="Arial" panose="020B0604020202020204" pitchFamily="34" charset="0"/>
+              </a:rPr>
+              <a:t>CLI</a:t>
+            </a:r>
+          </a:p>
+          <a:p>
+            <a:pPr algn="ctr"/>
+            <a:r>
+              <a:rPr lang="en-US" sz="700" dirty="0">
+                <a:solidFill>
+                  <a:schemeClr val="bg1"/>
+                </a:solidFill>
+                <a:latin typeface="Arial" panose="020B0604020202020204" pitchFamily="34" charset="0"/>
+                <a:ea typeface="Menlo" panose="020B0609030804020204" pitchFamily="49" charset="0"/>
+                <a:cs typeface="Arial" panose="020B0604020202020204" pitchFamily="34" charset="0"/>
+              </a:rPr>
+              <a:t>extension</a:t>
+            </a:r>
+          </a:p>
+        </p:txBody>
+      </p:sp>
+      <p:pic>
+        <p:nvPicPr>
+          <p:cNvPr id="34" name="Picture 33">
+            <a:extLst>
+              <a:ext uri="{FF2B5EF4-FFF2-40B4-BE49-F238E27FC236}">
+                <a16:creationId xmlns:a16="http://schemas.microsoft.com/office/drawing/2014/main" id="{CB2E0DA4-07B3-1A49-9A81-79381B0EFD47}"/>
+              </a:ext>
+            </a:extLst>
+          </p:cNvPr>
+          <p:cNvPicPr>
+            <a:picLocks noChangeAspect="1"/>
+          </p:cNvPicPr>
+          <p:nvPr/>
+        </p:nvPicPr>
+        <p:blipFill>
+          <a:blip r:embed="rId8"/>
+          <a:stretch>
+            <a:fillRect/>
+          </a:stretch>
+        </p:blipFill>
+        <p:spPr>
+          <a:xfrm>
+            <a:off x="7999490" y="77499"/>
+            <a:ext cx="471120" cy="307657"/>
+          </a:xfrm>
+          <a:prstGeom prst="rect">
+            <a:avLst/>
+          </a:prstGeom>
+        </p:spPr>
+      </p:pic>
+      <p:pic>
+        <p:nvPicPr>
+          <p:cNvPr id="35" name="Picture 34">
+            <a:extLst>
+              <a:ext uri="{FF2B5EF4-FFF2-40B4-BE49-F238E27FC236}">
+                <a16:creationId xmlns:a16="http://schemas.microsoft.com/office/drawing/2014/main" id="{E228FC63-B493-6942-A20B-7B8E61DE4EB9}"/>
+              </a:ext>
+            </a:extLst>
+          </p:cNvPr>
+          <p:cNvPicPr>
+            <a:picLocks noChangeAspect="1"/>
+          </p:cNvPicPr>
+          <p:nvPr/>
+        </p:nvPicPr>
+        <p:blipFill>
+          <a:blip r:embed="rId9"/>
+          <a:stretch>
+            <a:fillRect/>
+          </a:stretch>
+        </p:blipFill>
+        <p:spPr>
+          <a:xfrm>
+            <a:off x="9022452" y="168865"/>
+            <a:ext cx="184243" cy="184243"/>
+          </a:xfrm>
+          <a:prstGeom prst="rect">
+            <a:avLst/>
+          </a:prstGeom>
+        </p:spPr>
+      </p:pic>
+      <p:sp>
+        <p:nvSpPr>
+          <p:cNvPr id="114" name="TextBox 113">
+            <a:extLst>
+              <a:ext uri="{FF2B5EF4-FFF2-40B4-BE49-F238E27FC236}">
+                <a16:creationId xmlns:a16="http://schemas.microsoft.com/office/drawing/2014/main" id="{F3496A4C-19A3-9F45-A7F0-2B0C01CE0170}"/>
+              </a:ext>
+            </a:extLst>
+          </p:cNvPr>
+          <p:cNvSpPr txBox="1"/>
+          <p:nvPr/>
+        </p:nvSpPr>
+        <p:spPr>
+          <a:xfrm>
+            <a:off x="8506649" y="27189"/>
+            <a:ext cx="649373" cy="430887"/>
+          </a:xfrm>
+          <a:prstGeom prst="rect">
+            <a:avLst/>
+          </a:prstGeom>
+          <a:noFill/>
+        </p:spPr>
+        <p:txBody>
+          <a:bodyPr wrap="square" rtlCol="0">
+            <a:spAutoFit/>
+          </a:bodyPr>
+          <a:lstStyle/>
+          <a:p>
+            <a:r>
+              <a:rPr lang="en-US" sz="1100" dirty="0">
+                <a:latin typeface="Arial" panose="020B0604020202020204" pitchFamily="34" charset="0"/>
+                <a:cs typeface="Arial" panose="020B0604020202020204" pitchFamily="34" charset="0"/>
+              </a:rPr>
+              <a:t>VS Code</a:t>
+            </a:r>
+          </a:p>
+        </p:txBody>
+      </p:sp>
+      <p:cxnSp>
+        <p:nvCxnSpPr>
+          <p:cNvPr id="116" name="Straight Arrow Connector 115">
+            <a:extLst>
+              <a:ext uri="{FF2B5EF4-FFF2-40B4-BE49-F238E27FC236}">
+                <a16:creationId xmlns:a16="http://schemas.microsoft.com/office/drawing/2014/main" id="{6D4217B5-9051-B747-9EB1-3A0C82F62759}"/>
+              </a:ext>
+            </a:extLst>
+          </p:cNvPr>
+          <p:cNvCxnSpPr>
+            <a:cxnSpLocks/>
+          </p:cNvCxnSpPr>
+          <p:nvPr/>
+        </p:nvCxnSpPr>
+        <p:spPr>
+          <a:xfrm>
+            <a:off x="8076585" y="412652"/>
+            <a:ext cx="0" cy="246221"/>
+          </a:xfrm>
+          <a:prstGeom prst="straightConnector1">
+            <a:avLst/>
+          </a:prstGeom>
+          <a:ln>
+            <a:headEnd type="triangle"/>
+            <a:tailEnd type="triangle"/>
+          </a:ln>
+        </p:spPr>
+        <p:style>
+          <a:lnRef idx="1">
+            <a:schemeClr val="accent1"/>
+          </a:lnRef>
+          <a:fillRef idx="0">
+            <a:schemeClr val="accent1"/>
+          </a:fillRef>
+          <a:effectRef idx="0">
+            <a:schemeClr val="accent1"/>
+          </a:effectRef>
+          <a:fontRef idx="minor">
+            <a:schemeClr val="tx1"/>
+          </a:fontRef>
+        </p:style>
+      </p:cxnSp>
+      <p:sp>
+        <p:nvSpPr>
+          <p:cNvPr id="44" name="TextBox 43">
+            <a:extLst>
+              <a:ext uri="{FF2B5EF4-FFF2-40B4-BE49-F238E27FC236}">
+                <a16:creationId xmlns:a16="http://schemas.microsoft.com/office/drawing/2014/main" id="{5AD30A28-F630-9E41-98B0-135638908344}"/>
+              </a:ext>
+            </a:extLst>
+          </p:cNvPr>
+          <p:cNvSpPr txBox="1"/>
+          <p:nvPr/>
+        </p:nvSpPr>
+        <p:spPr>
+          <a:xfrm>
+            <a:off x="3939339" y="6094687"/>
+            <a:ext cx="639919" cy="338554"/>
+          </a:xfrm>
+          <a:prstGeom prst="rect">
+            <a:avLst/>
+          </a:prstGeom>
+          <a:noFill/>
+        </p:spPr>
+        <p:txBody>
+          <a:bodyPr wrap="none" rtlCol="0">
+            <a:spAutoFit/>
+          </a:bodyPr>
+          <a:lstStyle/>
+          <a:p>
+            <a:r>
+              <a:rPr lang="en-US" sz="1600" dirty="0">
+                <a:solidFill>
+                  <a:schemeClr val="accent6">
+                    <a:lumMod val="75000"/>
+                  </a:schemeClr>
+                </a:solidFill>
+                <a:latin typeface="Arial" panose="020B0604020202020204" pitchFamily="34" charset="0"/>
+                <a:cs typeface="Arial" panose="020B0604020202020204" pitchFamily="34" charset="0"/>
+              </a:rPr>
+              <a:t>node</a:t>
+            </a:r>
+          </a:p>
+        </p:txBody>
+      </p:sp>
+      <p:sp>
+        <p:nvSpPr>
+          <p:cNvPr id="126" name="Rectangle 125">
+            <a:extLst>
+              <a:ext uri="{FF2B5EF4-FFF2-40B4-BE49-F238E27FC236}">
+                <a16:creationId xmlns:a16="http://schemas.microsoft.com/office/drawing/2014/main" id="{6499A0B0-043E-6F4F-B3CD-A7E0448871C6}"/>
+              </a:ext>
+            </a:extLst>
+          </p:cNvPr>
+          <p:cNvSpPr/>
+          <p:nvPr/>
+        </p:nvSpPr>
+        <p:spPr>
+          <a:xfrm>
+            <a:off x="4460038" y="3985458"/>
+            <a:ext cx="1700656" cy="711947"/>
+          </a:xfrm>
+          <a:prstGeom prst="rect">
+            <a:avLst/>
+          </a:prstGeom>
+          <a:noFill/>
+          <a:ln w="25400">
+            <a:solidFill>
+              <a:srgbClr val="00B19E"/>
+            </a:solidFill>
+            <a:prstDash val="dash"/>
+          </a:ln>
+        </p:spPr>
+        <p:style>
+          <a:lnRef idx="2">
+            <a:schemeClr val="accent1">
+              <a:shade val="50000"/>
+            </a:schemeClr>
+          </a:lnRef>
+          <a:fillRef idx="1">
+            <a:schemeClr val="accent1"/>
+          </a:fillRef>
+          <a:effectRef idx="0">
+            <a:schemeClr val="accent1"/>
+          </a:effectRef>
+          <a:fontRef idx="minor">
+            <a:schemeClr val="lt1"/>
+          </a:fontRef>
+        </p:style>
+        <p:txBody>
+          <a:bodyPr rtlCol="0" anchor="ctr"/>
+          <a:lstStyle/>
+          <a:p>
+            <a:pPr algn="ctr"/>
+            <a:endParaRPr lang="en-US" sz="1000">
+              <a:solidFill>
+                <a:schemeClr val="tx1"/>
+              </a:solidFill>
+              <a:latin typeface="Menlo" panose="020B0609030804020204" pitchFamily="49" charset="0"/>
+              <a:ea typeface="Menlo" panose="020B0609030804020204" pitchFamily="49" charset="0"/>
+              <a:cs typeface="Menlo" panose="020B0609030804020204" pitchFamily="49" charset="0"/>
+            </a:endParaRPr>
+          </a:p>
+        </p:txBody>
+      </p:sp>
+      <p:pic>
+        <p:nvPicPr>
+          <p:cNvPr id="130" name="Picture 129">
+            <a:extLst>
+              <a:ext uri="{FF2B5EF4-FFF2-40B4-BE49-F238E27FC236}">
+                <a16:creationId xmlns:a16="http://schemas.microsoft.com/office/drawing/2014/main" id="{CD22F1B5-8409-E949-9F0E-40313427A5FC}"/>
+              </a:ext>
+            </a:extLst>
+          </p:cNvPr>
+          <p:cNvPicPr>
+            <a:picLocks noChangeAspect="1"/>
+          </p:cNvPicPr>
+          <p:nvPr/>
+        </p:nvPicPr>
+        <p:blipFill>
+          <a:blip r:embed="rId10"/>
+          <a:stretch>
+            <a:fillRect/>
+          </a:stretch>
+        </p:blipFill>
+        <p:spPr>
+          <a:xfrm>
+            <a:off x="358873" y="796657"/>
+            <a:ext cx="693698" cy="324649"/>
+          </a:xfrm>
+          <a:prstGeom prst="rect">
+            <a:avLst/>
+          </a:prstGeom>
+        </p:spPr>
+      </p:pic>
+      <p:cxnSp>
+        <p:nvCxnSpPr>
+          <p:cNvPr id="132" name="Straight Connector 131">
+            <a:extLst>
+              <a:ext uri="{FF2B5EF4-FFF2-40B4-BE49-F238E27FC236}">
+                <a16:creationId xmlns:a16="http://schemas.microsoft.com/office/drawing/2014/main" id="{810C9CD3-9C88-9544-A3D7-8123C2A2A7B1}"/>
+              </a:ext>
+            </a:extLst>
+          </p:cNvPr>
+          <p:cNvCxnSpPr>
+            <a:cxnSpLocks/>
+          </p:cNvCxnSpPr>
+          <p:nvPr/>
+        </p:nvCxnSpPr>
+        <p:spPr>
+          <a:xfrm>
+            <a:off x="4913978" y="363279"/>
+            <a:ext cx="0" cy="1065069"/>
+          </a:xfrm>
+          <a:prstGeom prst="line">
+            <a:avLst/>
+          </a:prstGeom>
+          <a:ln>
+            <a:solidFill>
+              <a:schemeClr val="bg2">
+                <a:lumMod val="75000"/>
+              </a:schemeClr>
+            </a:solidFill>
+          </a:ln>
+        </p:spPr>
+        <p:style>
+          <a:lnRef idx="1">
+            <a:schemeClr val="accent1"/>
+          </a:lnRef>
+          <a:fillRef idx="0">
+            <a:schemeClr val="accent1"/>
+          </a:fillRef>
+          <a:effectRef idx="0">
+            <a:schemeClr val="accent1"/>
+          </a:effectRef>
+          <a:fontRef idx="minor">
+            <a:schemeClr val="tx1"/>
+          </a:fontRef>
+        </p:style>
+      </p:cxnSp>
+      <p:sp>
+        <p:nvSpPr>
+          <p:cNvPr id="134" name="TextBox 133">
+            <a:extLst>
+              <a:ext uri="{FF2B5EF4-FFF2-40B4-BE49-F238E27FC236}">
+                <a16:creationId xmlns:a16="http://schemas.microsoft.com/office/drawing/2014/main" id="{5835E822-9EAF-EC46-A869-517F247DD985}"/>
+              </a:ext>
+            </a:extLst>
+          </p:cNvPr>
+          <p:cNvSpPr txBox="1"/>
+          <p:nvPr/>
+        </p:nvSpPr>
+        <p:spPr>
+          <a:xfrm>
+            <a:off x="241501" y="412652"/>
+            <a:ext cx="1253869" cy="246221"/>
+          </a:xfrm>
+          <a:prstGeom prst="rect">
+            <a:avLst/>
+          </a:prstGeom>
+          <a:noFill/>
+        </p:spPr>
+        <p:txBody>
+          <a:bodyPr wrap="none" rtlCol="0">
+            <a:spAutoFit/>
+          </a:bodyPr>
+          <a:lstStyle/>
+          <a:p>
+            <a:r>
+              <a:rPr lang="en-US" sz="1000" dirty="0">
+                <a:latin typeface="Arial" panose="020B0604020202020204" pitchFamily="34" charset="0"/>
+                <a:cs typeface="Arial" panose="020B0604020202020204" pitchFamily="34" charset="0"/>
+              </a:rPr>
+              <a:t>Core desktop apps</a:t>
+            </a:r>
+          </a:p>
+        </p:txBody>
+      </p:sp>
+      <p:sp>
+        <p:nvSpPr>
+          <p:cNvPr id="135" name="TextBox 134">
+            <a:extLst>
+              <a:ext uri="{FF2B5EF4-FFF2-40B4-BE49-F238E27FC236}">
+                <a16:creationId xmlns:a16="http://schemas.microsoft.com/office/drawing/2014/main" id="{97532F09-0E15-5147-92C7-F00D56198F3B}"/>
+              </a:ext>
+            </a:extLst>
+          </p:cNvPr>
+          <p:cNvSpPr txBox="1"/>
+          <p:nvPr/>
+        </p:nvSpPr>
+        <p:spPr>
+          <a:xfrm>
+            <a:off x="4914177" y="412652"/>
+            <a:ext cx="1197764" cy="246221"/>
+          </a:xfrm>
+          <a:prstGeom prst="rect">
+            <a:avLst/>
+          </a:prstGeom>
+          <a:noFill/>
+        </p:spPr>
+        <p:txBody>
+          <a:bodyPr wrap="none" rtlCol="0">
+            <a:spAutoFit/>
+          </a:bodyPr>
+          <a:lstStyle/>
+          <a:p>
+            <a:r>
+              <a:rPr lang="en-US" sz="1000" dirty="0">
+                <a:latin typeface="Arial" panose="020B0604020202020204" pitchFamily="34" charset="0"/>
+                <a:cs typeface="Arial" panose="020B0604020202020204" pitchFamily="34" charset="0"/>
+              </a:rPr>
+              <a:t>Extension Plugins</a:t>
+            </a:r>
+          </a:p>
+        </p:txBody>
+      </p:sp>
+      <p:sp>
+        <p:nvSpPr>
+          <p:cNvPr id="136" name="TextBox 135">
+            <a:extLst>
+              <a:ext uri="{FF2B5EF4-FFF2-40B4-BE49-F238E27FC236}">
+                <a16:creationId xmlns:a16="http://schemas.microsoft.com/office/drawing/2014/main" id="{8BA091DE-6769-C747-892C-2F59F0C931EA}"/>
+              </a:ext>
+            </a:extLst>
+          </p:cNvPr>
+          <p:cNvSpPr txBox="1"/>
+          <p:nvPr/>
+        </p:nvSpPr>
+        <p:spPr>
+          <a:xfrm>
+            <a:off x="6893577" y="542793"/>
+            <a:ext cx="744114" cy="400110"/>
+          </a:xfrm>
+          <a:prstGeom prst="rect">
+            <a:avLst/>
+          </a:prstGeom>
+          <a:noFill/>
+        </p:spPr>
+        <p:txBody>
+          <a:bodyPr wrap="none" rtlCol="0">
+            <a:spAutoFit/>
+          </a:bodyPr>
+          <a:lstStyle/>
+          <a:p>
+            <a:r>
+              <a:rPr lang="en-US" sz="1000" dirty="0">
+                <a:latin typeface="Arial" panose="020B0604020202020204" pitchFamily="34" charset="0"/>
+                <a:cs typeface="Arial" panose="020B0604020202020204" pitchFamily="34" charset="0"/>
+              </a:rPr>
+              <a:t>Extension</a:t>
+            </a:r>
+          </a:p>
+          <a:p>
+            <a:r>
+              <a:rPr lang="en-US" sz="1000" dirty="0">
+                <a:latin typeface="Arial" panose="020B0604020202020204" pitchFamily="34" charset="0"/>
+                <a:cs typeface="Arial" panose="020B0604020202020204" pitchFamily="34" charset="0"/>
+              </a:rPr>
+              <a:t>Plugins</a:t>
+            </a:r>
+          </a:p>
+        </p:txBody>
+      </p:sp>
+      <p:sp>
+        <p:nvSpPr>
+          <p:cNvPr id="140" name="TextBox 139">
+            <a:extLst>
+              <a:ext uri="{FF2B5EF4-FFF2-40B4-BE49-F238E27FC236}">
+                <a16:creationId xmlns:a16="http://schemas.microsoft.com/office/drawing/2014/main" id="{54680ECA-31F3-314A-8732-C39143295BC2}"/>
+              </a:ext>
+            </a:extLst>
+          </p:cNvPr>
+          <p:cNvSpPr txBox="1"/>
+          <p:nvPr/>
+        </p:nvSpPr>
+        <p:spPr>
+          <a:xfrm>
+            <a:off x="8106580" y="497657"/>
+            <a:ext cx="696024" cy="246221"/>
+          </a:xfrm>
+          <a:prstGeom prst="rect">
+            <a:avLst/>
+          </a:prstGeom>
+          <a:noFill/>
+        </p:spPr>
+        <p:txBody>
+          <a:bodyPr wrap="none" rtlCol="0">
+            <a:spAutoFit/>
+          </a:bodyPr>
+          <a:lstStyle/>
+          <a:p>
+            <a:r>
+              <a:rPr lang="en-US" sz="1000" dirty="0">
+                <a:latin typeface="Arial" panose="020B0604020202020204" pitchFamily="34" charset="0"/>
+                <a:cs typeface="Arial" panose="020B0604020202020204" pitchFamily="34" charset="0"/>
+              </a:rPr>
+              <a:t>Core CLI</a:t>
+            </a:r>
+          </a:p>
+        </p:txBody>
+      </p:sp>
+      <p:cxnSp>
+        <p:nvCxnSpPr>
+          <p:cNvPr id="141" name="Straight Connector 140">
+            <a:extLst>
+              <a:ext uri="{FF2B5EF4-FFF2-40B4-BE49-F238E27FC236}">
+                <a16:creationId xmlns:a16="http://schemas.microsoft.com/office/drawing/2014/main" id="{C835EE13-36AC-B643-AB6E-5BA554335981}"/>
+              </a:ext>
+            </a:extLst>
+          </p:cNvPr>
+          <p:cNvCxnSpPr>
+            <a:cxnSpLocks/>
+          </p:cNvCxnSpPr>
+          <p:nvPr/>
+        </p:nvCxnSpPr>
+        <p:spPr>
+          <a:xfrm>
+            <a:off x="9153611" y="541905"/>
+            <a:ext cx="0" cy="878569"/>
+          </a:xfrm>
+          <a:prstGeom prst="line">
+            <a:avLst/>
+          </a:prstGeom>
+          <a:ln>
+            <a:solidFill>
+              <a:schemeClr val="bg2">
+                <a:lumMod val="50000"/>
+              </a:schemeClr>
+            </a:solidFill>
+            <a:prstDash val="dash"/>
+          </a:ln>
+        </p:spPr>
+        <p:style>
+          <a:lnRef idx="1">
+            <a:schemeClr val="accent1"/>
+          </a:lnRef>
+          <a:fillRef idx="0">
+            <a:schemeClr val="accent1"/>
+          </a:fillRef>
+          <a:effectRef idx="0">
+            <a:schemeClr val="accent1"/>
+          </a:effectRef>
+          <a:fontRef idx="minor">
+            <a:schemeClr val="tx1"/>
+          </a:fontRef>
+        </p:style>
+      </p:cxnSp>
+      <p:sp>
+        <p:nvSpPr>
+          <p:cNvPr id="143" name="TextBox 142">
+            <a:extLst>
+              <a:ext uri="{FF2B5EF4-FFF2-40B4-BE49-F238E27FC236}">
+                <a16:creationId xmlns:a16="http://schemas.microsoft.com/office/drawing/2014/main" id="{3948393E-6738-C84D-8AB0-02473AEA0976}"/>
+              </a:ext>
+            </a:extLst>
+          </p:cNvPr>
+          <p:cNvSpPr txBox="1"/>
+          <p:nvPr/>
+        </p:nvSpPr>
+        <p:spPr>
+          <a:xfrm>
+            <a:off x="9937069" y="541905"/>
+            <a:ext cx="1120820" cy="246221"/>
+          </a:xfrm>
+          <a:prstGeom prst="rect">
+            <a:avLst/>
+          </a:prstGeom>
+          <a:noFill/>
+        </p:spPr>
+        <p:txBody>
+          <a:bodyPr wrap="none" rtlCol="0">
+            <a:spAutoFit/>
+          </a:bodyPr>
+          <a:lstStyle/>
+          <a:p>
+            <a:r>
+              <a:rPr lang="en-US" sz="1000" dirty="0">
+                <a:latin typeface="Arial" panose="020B0604020202020204" pitchFamily="34" charset="0"/>
+                <a:cs typeface="Arial" panose="020B0604020202020204" pitchFamily="34" charset="0"/>
+              </a:rPr>
+              <a:t>Core Extensions</a:t>
+            </a:r>
+          </a:p>
+        </p:txBody>
+      </p:sp>
+      <p:cxnSp>
+        <p:nvCxnSpPr>
+          <p:cNvPr id="67" name="Straight Arrow Connector 66">
+            <a:extLst>
+              <a:ext uri="{FF2B5EF4-FFF2-40B4-BE49-F238E27FC236}">
+                <a16:creationId xmlns:a16="http://schemas.microsoft.com/office/drawing/2014/main" id="{14C9C9C0-A1B2-754A-8AC7-11549460EE6B}"/>
+              </a:ext>
+            </a:extLst>
+          </p:cNvPr>
+          <p:cNvCxnSpPr>
+            <a:cxnSpLocks/>
+          </p:cNvCxnSpPr>
+          <p:nvPr/>
+        </p:nvCxnSpPr>
+        <p:spPr>
+          <a:xfrm>
+            <a:off x="4829878" y="3045566"/>
+            <a:ext cx="0" cy="905332"/>
+          </a:xfrm>
+          <a:prstGeom prst="straightConnector1">
+            <a:avLst/>
+          </a:prstGeom>
+          <a:ln>
+            <a:headEnd type="triangle"/>
+            <a:tailEnd type="triangle"/>
+          </a:ln>
+        </p:spPr>
+        <p:style>
+          <a:lnRef idx="1">
+            <a:schemeClr val="accent1"/>
+          </a:lnRef>
+          <a:fillRef idx="0">
+            <a:schemeClr val="accent1"/>
+          </a:fillRef>
+          <a:effectRef idx="0">
+            <a:schemeClr val="accent1"/>
+          </a:effectRef>
+          <a:fontRef idx="minor">
+            <a:schemeClr val="tx1"/>
+          </a:fontRef>
+        </p:style>
+      </p:cxnSp>
+      <p:sp>
+        <p:nvSpPr>
+          <p:cNvPr id="150" name="TextBox 149">
+            <a:extLst>
+              <a:ext uri="{FF2B5EF4-FFF2-40B4-BE49-F238E27FC236}">
+                <a16:creationId xmlns:a16="http://schemas.microsoft.com/office/drawing/2014/main" id="{EA7A4A73-0660-F348-A403-92BF9AF64AE2}"/>
+              </a:ext>
+            </a:extLst>
+          </p:cNvPr>
+          <p:cNvSpPr txBox="1"/>
+          <p:nvPr/>
+        </p:nvSpPr>
+        <p:spPr>
+          <a:xfrm>
+            <a:off x="34719" y="6044536"/>
+            <a:ext cx="1024727" cy="276999"/>
+          </a:xfrm>
+          <a:prstGeom prst="rect">
+            <a:avLst/>
+          </a:prstGeom>
+          <a:solidFill>
+            <a:schemeClr val="tx1"/>
+          </a:solidFill>
+        </p:spPr>
+        <p:txBody>
+          <a:bodyPr wrap="square" rtlCol="0">
+            <a:spAutoFit/>
+          </a:bodyPr>
+          <a:lstStyle/>
+          <a:p>
+            <a:r>
+              <a:rPr lang="en-US" sz="1200" dirty="0">
+                <a:solidFill>
+                  <a:schemeClr val="accent6">
+                    <a:lumMod val="75000"/>
+                  </a:schemeClr>
+                </a:solidFill>
+                <a:latin typeface="Arial" panose="020B0604020202020204" pitchFamily="34" charset="0"/>
+                <a:cs typeface="Arial" panose="020B0604020202020204" pitchFamily="34" charset="0"/>
+              </a:rPr>
+              <a:t>ZWESISTC</a:t>
+            </a:r>
+          </a:p>
+        </p:txBody>
+      </p:sp>
+      <p:cxnSp>
+        <p:nvCxnSpPr>
+          <p:cNvPr id="1208" name="Straight Connector 1207">
+            <a:extLst>
+              <a:ext uri="{FF2B5EF4-FFF2-40B4-BE49-F238E27FC236}">
+                <a16:creationId xmlns:a16="http://schemas.microsoft.com/office/drawing/2014/main" id="{9DEFCEED-FF38-6441-93B4-64CD5178FF46}"/>
+              </a:ext>
+            </a:extLst>
+          </p:cNvPr>
+          <p:cNvCxnSpPr>
+            <a:cxnSpLocks/>
+          </p:cNvCxnSpPr>
+          <p:nvPr/>
+        </p:nvCxnSpPr>
+        <p:spPr>
+          <a:xfrm>
+            <a:off x="7746055" y="541905"/>
+            <a:ext cx="0" cy="886443"/>
+          </a:xfrm>
+          <a:prstGeom prst="line">
+            <a:avLst/>
+          </a:prstGeom>
+          <a:ln>
+            <a:solidFill>
+              <a:schemeClr val="bg2">
+                <a:lumMod val="75000"/>
+              </a:schemeClr>
+            </a:solidFill>
+          </a:ln>
+        </p:spPr>
+        <p:style>
+          <a:lnRef idx="1">
+            <a:schemeClr val="accent1"/>
+          </a:lnRef>
+          <a:fillRef idx="0">
+            <a:schemeClr val="accent1"/>
+          </a:fillRef>
+          <a:effectRef idx="0">
+            <a:schemeClr val="accent1"/>
+          </a:effectRef>
+          <a:fontRef idx="minor">
+            <a:schemeClr val="tx1"/>
+          </a:fontRef>
+        </p:style>
+      </p:cxnSp>
+      <p:sp>
+        <p:nvSpPr>
+          <p:cNvPr id="106" name="Rectangle 105">
+            <a:extLst>
+              <a:ext uri="{FF2B5EF4-FFF2-40B4-BE49-F238E27FC236}">
+                <a16:creationId xmlns:a16="http://schemas.microsoft.com/office/drawing/2014/main" id="{E958CF02-D7F2-524F-9C43-0091770F3EAB}"/>
+              </a:ext>
+            </a:extLst>
+          </p:cNvPr>
+          <p:cNvSpPr/>
+          <p:nvPr/>
+        </p:nvSpPr>
+        <p:spPr>
+          <a:xfrm>
+            <a:off x="9974102" y="5542204"/>
+            <a:ext cx="541685" cy="465674"/>
+          </a:xfrm>
+          <a:prstGeom prst="rect">
+            <a:avLst/>
+          </a:prstGeom>
+          <a:pattFill prst="pct5">
+            <a:fgClr>
+              <a:schemeClr val="accent1"/>
+            </a:fgClr>
+            <a:bgClr>
+              <a:schemeClr val="bg1"/>
+            </a:bgClr>
+          </a:pattFill>
+          <a:ln>
+            <a:solidFill>
+              <a:schemeClr val="tx1"/>
+            </a:solidFill>
+          </a:ln>
+        </p:spPr>
+        <p:style>
+          <a:lnRef idx="2">
+            <a:schemeClr val="accent1">
+              <a:shade val="50000"/>
+            </a:schemeClr>
+          </a:lnRef>
+          <a:fillRef idx="1">
+            <a:schemeClr val="accent1"/>
+          </a:fillRef>
+          <a:effectRef idx="0">
+            <a:schemeClr val="accent1"/>
+          </a:effectRef>
+          <a:fontRef idx="minor">
+            <a:schemeClr val="lt1"/>
+          </a:fontRef>
+        </p:style>
+        <p:txBody>
+          <a:bodyPr rtlCol="0" anchor="ctr"/>
+          <a:lstStyle/>
+          <a:p>
+            <a:pPr algn="ctr"/>
+            <a:r>
+              <a:rPr lang="en-US" sz="933" dirty="0">
+                <a:solidFill>
+                  <a:schemeClr val="tx1"/>
+                </a:solidFill>
+                <a:latin typeface="Arial" panose="020B0604020202020204" pitchFamily="34" charset="0"/>
+                <a:ea typeface="Menlo" panose="020B0609030804020204" pitchFamily="49" charset="0"/>
+                <a:cs typeface="Arial" panose="020B0604020202020204" pitchFamily="34" charset="0"/>
+              </a:rPr>
+              <a:t>CICS CMCI</a:t>
+            </a:r>
+          </a:p>
+        </p:txBody>
+      </p:sp>
+      <p:cxnSp>
+        <p:nvCxnSpPr>
+          <p:cNvPr id="109" name="Straight Arrow Connector 108">
+            <a:extLst>
+              <a:ext uri="{FF2B5EF4-FFF2-40B4-BE49-F238E27FC236}">
+                <a16:creationId xmlns:a16="http://schemas.microsoft.com/office/drawing/2014/main" id="{51D5112B-37DA-7849-B4D4-C47A036D7097}"/>
+              </a:ext>
+            </a:extLst>
+          </p:cNvPr>
+          <p:cNvCxnSpPr>
+            <a:cxnSpLocks/>
+          </p:cNvCxnSpPr>
+          <p:nvPr/>
+        </p:nvCxnSpPr>
+        <p:spPr>
+          <a:xfrm>
+            <a:off x="9606489" y="6039568"/>
+            <a:ext cx="0" cy="198061"/>
+          </a:xfrm>
+          <a:prstGeom prst="straightConnector1">
+            <a:avLst/>
+          </a:prstGeom>
+          <a:ln>
+            <a:headEnd type="triangle"/>
+            <a:tailEnd type="triangle"/>
+          </a:ln>
+        </p:spPr>
+        <p:style>
+          <a:lnRef idx="1">
+            <a:schemeClr val="accent1"/>
+          </a:lnRef>
+          <a:fillRef idx="0">
+            <a:schemeClr val="accent1"/>
+          </a:fillRef>
+          <a:effectRef idx="0">
+            <a:schemeClr val="accent1"/>
+          </a:effectRef>
+          <a:fontRef idx="minor">
+            <a:schemeClr val="tx1"/>
+          </a:fontRef>
+        </p:style>
+      </p:cxnSp>
+      <p:sp>
+        <p:nvSpPr>
+          <p:cNvPr id="113" name="Rectangle 112">
+            <a:extLst>
+              <a:ext uri="{FF2B5EF4-FFF2-40B4-BE49-F238E27FC236}">
+                <a16:creationId xmlns:a16="http://schemas.microsoft.com/office/drawing/2014/main" id="{54E4D710-81E8-B54C-A5BC-698A58D4C5BE}"/>
+              </a:ext>
+            </a:extLst>
+          </p:cNvPr>
+          <p:cNvSpPr/>
+          <p:nvPr/>
+        </p:nvSpPr>
+        <p:spPr>
+          <a:xfrm>
+            <a:off x="11154330" y="983976"/>
+            <a:ext cx="538511" cy="270387"/>
+          </a:xfrm>
+          <a:prstGeom prst="rect">
+            <a:avLst/>
+          </a:prstGeom>
+          <a:solidFill>
+            <a:srgbClr val="00B19E"/>
+          </a:solidFill>
+          <a:ln>
+            <a:solidFill>
+              <a:srgbClr val="20708D"/>
+            </a:solidFill>
+          </a:ln>
+        </p:spPr>
+        <p:style>
+          <a:lnRef idx="1">
+            <a:schemeClr val="accent1"/>
+          </a:lnRef>
+          <a:fillRef idx="3">
+            <a:schemeClr val="accent1"/>
+          </a:fillRef>
+          <a:effectRef idx="2">
+            <a:schemeClr val="accent1"/>
+          </a:effectRef>
+          <a:fontRef idx="minor">
+            <a:schemeClr val="lt1"/>
+          </a:fontRef>
+        </p:style>
+        <p:txBody>
+          <a:bodyPr rtlCol="0" anchor="ctr"/>
+          <a:lstStyle/>
+          <a:p>
+            <a:pPr algn="ctr"/>
+            <a:r>
+              <a:rPr lang="en-US" sz="1000" dirty="0">
+                <a:solidFill>
+                  <a:schemeClr val="tx1"/>
+                </a:solidFill>
+                <a:latin typeface="Arial" panose="020B0604020202020204" pitchFamily="34" charset="0"/>
+                <a:ea typeface="Menlo" charset="0"/>
+                <a:cs typeface="Arial" panose="020B0604020202020204" pitchFamily="34" charset="0"/>
+              </a:rPr>
+              <a:t>MQ</a:t>
+            </a:r>
+          </a:p>
+        </p:txBody>
+      </p:sp>
+      <p:sp>
+        <p:nvSpPr>
+          <p:cNvPr id="120" name="Rectangle 119">
+            <a:extLst>
+              <a:ext uri="{FF2B5EF4-FFF2-40B4-BE49-F238E27FC236}">
+                <a16:creationId xmlns:a16="http://schemas.microsoft.com/office/drawing/2014/main" id="{D14F4F09-5482-C047-9879-AC4E5FA6F59A}"/>
+              </a:ext>
+            </a:extLst>
+          </p:cNvPr>
+          <p:cNvSpPr/>
+          <p:nvPr/>
+        </p:nvSpPr>
+        <p:spPr>
+          <a:xfrm>
+            <a:off x="11191714" y="5531859"/>
+            <a:ext cx="678481" cy="476273"/>
+          </a:xfrm>
+          <a:prstGeom prst="rect">
+            <a:avLst/>
+          </a:prstGeom>
+          <a:pattFill prst="pct10">
+            <a:fgClr>
+              <a:schemeClr val="accent1"/>
+            </a:fgClr>
+            <a:bgClr>
+              <a:schemeClr val="bg1"/>
+            </a:bgClr>
+          </a:pattFill>
+        </p:spPr>
+        <p:style>
+          <a:lnRef idx="2">
+            <a:schemeClr val="accent1">
+              <a:shade val="50000"/>
+            </a:schemeClr>
+          </a:lnRef>
+          <a:fillRef idx="1">
+            <a:schemeClr val="accent1"/>
+          </a:fillRef>
+          <a:effectRef idx="0">
+            <a:schemeClr val="accent1"/>
+          </a:effectRef>
+          <a:fontRef idx="minor">
+            <a:schemeClr val="lt1"/>
+          </a:fontRef>
+        </p:style>
+        <p:txBody>
+          <a:bodyPr rtlCol="0" anchor="ctr"/>
+          <a:lstStyle/>
+          <a:p>
+            <a:pPr algn="ctr"/>
+            <a:r>
+              <a:rPr lang="en-US" sz="933" dirty="0">
+                <a:solidFill>
+                  <a:schemeClr val="tx1"/>
+                </a:solidFill>
+                <a:latin typeface="Arial" panose="020B0604020202020204" pitchFamily="34" charset="0"/>
+                <a:ea typeface="Menlo" panose="020B0609030804020204" pitchFamily="49" charset="0"/>
+                <a:cs typeface="Arial" panose="020B0604020202020204" pitchFamily="34" charset="0"/>
+              </a:rPr>
+              <a:t>MQ Console</a:t>
+            </a:r>
+          </a:p>
+        </p:txBody>
+      </p:sp>
+      <p:sp>
+        <p:nvSpPr>
+          <p:cNvPr id="122" name="TextBox 121">
+            <a:extLst>
+              <a:ext uri="{FF2B5EF4-FFF2-40B4-BE49-F238E27FC236}">
+                <a16:creationId xmlns:a16="http://schemas.microsoft.com/office/drawing/2014/main" id="{7044D4EE-C0E9-514C-9611-A07D49E58FF4}"/>
+              </a:ext>
+            </a:extLst>
+          </p:cNvPr>
+          <p:cNvSpPr txBox="1"/>
+          <p:nvPr/>
+        </p:nvSpPr>
+        <p:spPr>
+          <a:xfrm>
+            <a:off x="7219338" y="44246"/>
+            <a:ext cx="710451" cy="430887"/>
+          </a:xfrm>
+          <a:prstGeom prst="rect">
+            <a:avLst/>
+          </a:prstGeom>
+          <a:noFill/>
+        </p:spPr>
+        <p:txBody>
+          <a:bodyPr wrap="none" rtlCol="0">
+            <a:spAutoFit/>
+          </a:bodyPr>
+          <a:lstStyle/>
+          <a:p>
+            <a:r>
+              <a:rPr lang="en-US" sz="1100" dirty="0" err="1">
+                <a:latin typeface="Arial" panose="020B0604020202020204" pitchFamily="34" charset="0"/>
+                <a:cs typeface="Arial" panose="020B0604020202020204" pitchFamily="34" charset="0"/>
+              </a:rPr>
+              <a:t>Zowe</a:t>
+            </a:r>
+            <a:endParaRPr lang="en-US" sz="1100" dirty="0">
+              <a:latin typeface="Arial" panose="020B0604020202020204" pitchFamily="34" charset="0"/>
+              <a:cs typeface="Arial" panose="020B0604020202020204" pitchFamily="34" charset="0"/>
+            </a:endParaRPr>
+          </a:p>
+          <a:p>
+            <a:r>
+              <a:rPr lang="en-US" sz="1100" dirty="0">
+                <a:latin typeface="Arial" panose="020B0604020202020204" pitchFamily="34" charset="0"/>
+                <a:cs typeface="Arial" panose="020B0604020202020204" pitchFamily="34" charset="0"/>
+              </a:rPr>
+              <a:t>Explorer</a:t>
+            </a:r>
+          </a:p>
+        </p:txBody>
+      </p:sp>
+      <p:sp>
+        <p:nvSpPr>
+          <p:cNvPr id="124" name="Rectangle 123">
+            <a:extLst>
+              <a:ext uri="{FF2B5EF4-FFF2-40B4-BE49-F238E27FC236}">
+                <a16:creationId xmlns:a16="http://schemas.microsoft.com/office/drawing/2014/main" id="{2F894607-0364-CE4A-9484-FF2048EBBB02}"/>
+              </a:ext>
+            </a:extLst>
+          </p:cNvPr>
+          <p:cNvSpPr/>
+          <p:nvPr/>
+        </p:nvSpPr>
+        <p:spPr>
+          <a:xfrm rot="5400000">
+            <a:off x="9383005" y="612352"/>
+            <a:ext cx="599846" cy="4294958"/>
+          </a:xfrm>
+          <a:prstGeom prst="rect">
+            <a:avLst/>
+          </a:prstGeom>
+          <a:solidFill>
+            <a:schemeClr val="accent4">
+              <a:lumMod val="60000"/>
+              <a:lumOff val="40000"/>
+              <a:alpha val="25000"/>
+            </a:schemeClr>
+          </a:solidFill>
+          <a:ln>
+            <a:solidFill>
+              <a:schemeClr val="accent4">
+                <a:lumMod val="75000"/>
+              </a:schemeClr>
+            </a:solidFill>
+          </a:ln>
+        </p:spPr>
+        <p:style>
+          <a:lnRef idx="2">
+            <a:schemeClr val="accent1">
+              <a:shade val="50000"/>
+            </a:schemeClr>
+          </a:lnRef>
+          <a:fillRef idx="1">
+            <a:schemeClr val="accent1"/>
+          </a:fillRef>
+          <a:effectRef idx="0">
+            <a:schemeClr val="accent1"/>
+          </a:effectRef>
+          <a:fontRef idx="minor">
+            <a:schemeClr val="lt1"/>
+          </a:fontRef>
+        </p:style>
+        <p:txBody>
+          <a:bodyPr rtlCol="0" anchor="ctr"/>
+          <a:lstStyle/>
+          <a:p>
+            <a:pPr algn="ctr"/>
+            <a:endParaRPr lang="en-US" dirty="0"/>
+          </a:p>
+        </p:txBody>
+      </p:sp>
+      <p:cxnSp>
+        <p:nvCxnSpPr>
+          <p:cNvPr id="89" name="Straight Arrow Connector 88">
+            <a:extLst>
+              <a:ext uri="{FF2B5EF4-FFF2-40B4-BE49-F238E27FC236}">
+                <a16:creationId xmlns:a16="http://schemas.microsoft.com/office/drawing/2014/main" id="{3C6B5AD8-4D55-CC45-B07C-E9F3CF05C3FF}"/>
+              </a:ext>
+            </a:extLst>
+          </p:cNvPr>
+          <p:cNvCxnSpPr>
+            <a:cxnSpLocks/>
+            <a:endCxn id="72" idx="0"/>
+          </p:cNvCxnSpPr>
+          <p:nvPr/>
+        </p:nvCxnSpPr>
+        <p:spPr>
+          <a:xfrm>
+            <a:off x="9561833" y="1277996"/>
+            <a:ext cx="4024" cy="4253609"/>
+          </a:xfrm>
+          <a:prstGeom prst="straightConnector1">
+            <a:avLst/>
+          </a:prstGeom>
+          <a:ln>
+            <a:headEnd type="triangle"/>
+            <a:tailEnd type="triangle"/>
+          </a:ln>
+        </p:spPr>
+        <p:style>
+          <a:lnRef idx="1">
+            <a:schemeClr val="accent1"/>
+          </a:lnRef>
+          <a:fillRef idx="0">
+            <a:schemeClr val="accent1"/>
+          </a:fillRef>
+          <a:effectRef idx="0">
+            <a:schemeClr val="accent1"/>
+          </a:effectRef>
+          <a:fontRef idx="minor">
+            <a:schemeClr val="tx1"/>
+          </a:fontRef>
+        </p:style>
+      </p:cxnSp>
+      <p:cxnSp>
+        <p:nvCxnSpPr>
+          <p:cNvPr id="96" name="Straight Arrow Connector 95">
+            <a:extLst>
+              <a:ext uri="{FF2B5EF4-FFF2-40B4-BE49-F238E27FC236}">
+                <a16:creationId xmlns:a16="http://schemas.microsoft.com/office/drawing/2014/main" id="{8461BFE1-0158-274C-AE10-9E9FC9AC283F}"/>
+              </a:ext>
+            </a:extLst>
+          </p:cNvPr>
+          <p:cNvCxnSpPr>
+            <a:cxnSpLocks/>
+            <a:endCxn id="106" idx="0"/>
+          </p:cNvCxnSpPr>
+          <p:nvPr/>
+        </p:nvCxnSpPr>
+        <p:spPr>
+          <a:xfrm>
+            <a:off x="10187113" y="1277996"/>
+            <a:ext cx="57832" cy="4264208"/>
+          </a:xfrm>
+          <a:prstGeom prst="straightConnector1">
+            <a:avLst/>
+          </a:prstGeom>
+          <a:ln>
+            <a:headEnd type="triangle"/>
+            <a:tailEnd type="triangle"/>
+          </a:ln>
+        </p:spPr>
+        <p:style>
+          <a:lnRef idx="1">
+            <a:schemeClr val="accent1"/>
+          </a:lnRef>
+          <a:fillRef idx="0">
+            <a:schemeClr val="accent1"/>
+          </a:fillRef>
+          <a:effectRef idx="0">
+            <a:schemeClr val="accent1"/>
+          </a:effectRef>
+          <a:fontRef idx="minor">
+            <a:schemeClr val="tx1"/>
+          </a:fontRef>
+        </p:style>
+      </p:cxnSp>
+      <p:cxnSp>
+        <p:nvCxnSpPr>
+          <p:cNvPr id="1209" name="Straight Arrow Connector 1208">
+            <a:extLst>
+              <a:ext uri="{FF2B5EF4-FFF2-40B4-BE49-F238E27FC236}">
+                <a16:creationId xmlns:a16="http://schemas.microsoft.com/office/drawing/2014/main" id="{FB54455B-F561-204A-AC10-2892A7C9C45D}"/>
+              </a:ext>
+            </a:extLst>
+          </p:cNvPr>
+          <p:cNvCxnSpPr>
+            <a:cxnSpLocks/>
+            <a:endCxn id="102" idx="0"/>
+          </p:cNvCxnSpPr>
+          <p:nvPr/>
+        </p:nvCxnSpPr>
+        <p:spPr>
+          <a:xfrm>
+            <a:off x="10823772" y="1275584"/>
+            <a:ext cx="29924" cy="4256021"/>
+          </a:xfrm>
+          <a:prstGeom prst="straightConnector1">
+            <a:avLst/>
+          </a:prstGeom>
+          <a:ln>
+            <a:headEnd type="triangle"/>
+            <a:tailEnd type="triangle"/>
+          </a:ln>
+        </p:spPr>
+        <p:style>
+          <a:lnRef idx="1">
+            <a:schemeClr val="accent1"/>
+          </a:lnRef>
+          <a:fillRef idx="0">
+            <a:schemeClr val="accent1"/>
+          </a:fillRef>
+          <a:effectRef idx="0">
+            <a:schemeClr val="accent1"/>
+          </a:effectRef>
+          <a:fontRef idx="minor">
+            <a:schemeClr val="tx1"/>
+          </a:fontRef>
+        </p:style>
+      </p:cxnSp>
+      <p:cxnSp>
+        <p:nvCxnSpPr>
+          <p:cNvPr id="121" name="Straight Arrow Connector 120">
+            <a:extLst>
+              <a:ext uri="{FF2B5EF4-FFF2-40B4-BE49-F238E27FC236}">
+                <a16:creationId xmlns:a16="http://schemas.microsoft.com/office/drawing/2014/main" id="{E113AD8D-B983-1040-B2A0-BA3AF06D0552}"/>
+              </a:ext>
+            </a:extLst>
+          </p:cNvPr>
+          <p:cNvCxnSpPr>
+            <a:cxnSpLocks/>
+          </p:cNvCxnSpPr>
+          <p:nvPr/>
+        </p:nvCxnSpPr>
+        <p:spPr>
+          <a:xfrm flipH="1">
+            <a:off x="11423585" y="1278084"/>
+            <a:ext cx="14181" cy="4253521"/>
+          </a:xfrm>
+          <a:prstGeom prst="straightConnector1">
+            <a:avLst/>
+          </a:prstGeom>
+          <a:ln>
+            <a:headEnd type="triangle"/>
+            <a:tailEnd type="triangle"/>
+          </a:ln>
+        </p:spPr>
+        <p:style>
+          <a:lnRef idx="1">
+            <a:schemeClr val="accent1"/>
+          </a:lnRef>
+          <a:fillRef idx="0">
+            <a:schemeClr val="accent1"/>
+          </a:fillRef>
+          <a:effectRef idx="0">
+            <a:schemeClr val="accent1"/>
+          </a:effectRef>
+          <a:fontRef idx="minor">
+            <a:schemeClr val="tx1"/>
+          </a:fontRef>
+        </p:style>
+      </p:cxnSp>
+      <p:cxnSp>
+        <p:nvCxnSpPr>
+          <p:cNvPr id="119" name="Straight Arrow Connector 118">
+            <a:extLst>
+              <a:ext uri="{FF2B5EF4-FFF2-40B4-BE49-F238E27FC236}">
+                <a16:creationId xmlns:a16="http://schemas.microsoft.com/office/drawing/2014/main" id="{1F8E9A04-A8E5-9C44-8C46-7640590D4782}"/>
+              </a:ext>
+            </a:extLst>
+          </p:cNvPr>
+          <p:cNvCxnSpPr>
+            <a:cxnSpLocks/>
+          </p:cNvCxnSpPr>
+          <p:nvPr/>
+        </p:nvCxnSpPr>
+        <p:spPr>
+          <a:xfrm flipH="1">
+            <a:off x="3959995" y="3045566"/>
+            <a:ext cx="6649" cy="937193"/>
+          </a:xfrm>
+          <a:prstGeom prst="straightConnector1">
+            <a:avLst/>
+          </a:prstGeom>
+          <a:ln>
+            <a:headEnd type="triangle"/>
+            <a:tailEnd type="triangle"/>
+          </a:ln>
+        </p:spPr>
+        <p:style>
+          <a:lnRef idx="1">
+            <a:schemeClr val="accent1"/>
+          </a:lnRef>
+          <a:fillRef idx="0">
+            <a:schemeClr val="accent1"/>
+          </a:fillRef>
+          <a:effectRef idx="0">
+            <a:schemeClr val="accent1"/>
+          </a:effectRef>
+          <a:fontRef idx="minor">
+            <a:schemeClr val="tx1"/>
+          </a:fontRef>
+        </p:style>
+      </p:cxnSp>
+      <p:cxnSp>
+        <p:nvCxnSpPr>
+          <p:cNvPr id="133" name="Straight Connector 132">
+            <a:extLst>
+              <a:ext uri="{FF2B5EF4-FFF2-40B4-BE49-F238E27FC236}">
+                <a16:creationId xmlns:a16="http://schemas.microsoft.com/office/drawing/2014/main" id="{97AFC2FD-FEAC-2348-994A-B3A8B39CB18D}"/>
+              </a:ext>
+            </a:extLst>
+          </p:cNvPr>
+          <p:cNvCxnSpPr>
+            <a:cxnSpLocks/>
+            <a:stCxn id="27" idx="2"/>
+            <a:endCxn id="124" idx="0"/>
+          </p:cNvCxnSpPr>
+          <p:nvPr/>
+        </p:nvCxnSpPr>
+        <p:spPr>
+          <a:xfrm>
+            <a:off x="1256630" y="2759000"/>
+            <a:ext cx="10573777" cy="831"/>
+          </a:xfrm>
+          <a:prstGeom prst="line">
+            <a:avLst/>
+          </a:prstGeom>
+          <a:ln>
+            <a:solidFill>
+              <a:schemeClr val="accent4">
+                <a:lumMod val="75000"/>
+              </a:schemeClr>
+            </a:solidFill>
+          </a:ln>
+        </p:spPr>
+        <p:style>
+          <a:lnRef idx="1">
+            <a:schemeClr val="accent1"/>
+          </a:lnRef>
+          <a:fillRef idx="0">
+            <a:schemeClr val="accent1"/>
+          </a:fillRef>
+          <a:effectRef idx="0">
+            <a:schemeClr val="accent1"/>
+          </a:effectRef>
+          <a:fontRef idx="minor">
+            <a:schemeClr val="tx1"/>
+          </a:fontRef>
+        </p:style>
+      </p:cxnSp>
+      <p:sp>
+        <p:nvSpPr>
+          <p:cNvPr id="16" name="TextBox 15">
+            <a:extLst>
+              <a:ext uri="{FF2B5EF4-FFF2-40B4-BE49-F238E27FC236}">
+                <a16:creationId xmlns:a16="http://schemas.microsoft.com/office/drawing/2014/main" id="{229D4E75-79D8-974E-B4CD-A50062F6AD6D}"/>
+              </a:ext>
+            </a:extLst>
+          </p:cNvPr>
+          <p:cNvSpPr txBox="1"/>
+          <p:nvPr/>
+        </p:nvSpPr>
+        <p:spPr>
+          <a:xfrm>
+            <a:off x="9214139" y="2518905"/>
+            <a:ext cx="2157963" cy="235449"/>
+          </a:xfrm>
+          <a:prstGeom prst="rect">
+            <a:avLst/>
+          </a:prstGeom>
+          <a:noFill/>
+        </p:spPr>
+        <p:txBody>
+          <a:bodyPr wrap="none" rtlCol="0">
+            <a:spAutoFit/>
+          </a:bodyPr>
+          <a:lstStyle/>
+          <a:p>
+            <a:r>
+              <a:rPr lang="en-US" sz="930" dirty="0">
+                <a:latin typeface="Arial" panose="020B0604020202020204" pitchFamily="34" charset="0"/>
+                <a:cs typeface="Arial" panose="020B0604020202020204" pitchFamily="34" charset="0"/>
+              </a:rPr>
+              <a:t>(optional       needed for    SSO/MFA)</a:t>
+            </a:r>
+          </a:p>
+        </p:txBody>
+      </p:sp>
+      <p:sp>
+        <p:nvSpPr>
+          <p:cNvPr id="137" name="Rectangle 136">
+            <a:extLst>
+              <a:ext uri="{FF2B5EF4-FFF2-40B4-BE49-F238E27FC236}">
+                <a16:creationId xmlns:a16="http://schemas.microsoft.com/office/drawing/2014/main" id="{DB2FC6CD-D8D6-724F-BE72-55E84EF914B6}"/>
+              </a:ext>
+            </a:extLst>
+          </p:cNvPr>
+          <p:cNvSpPr/>
+          <p:nvPr/>
+        </p:nvSpPr>
+        <p:spPr>
+          <a:xfrm>
+            <a:off x="2828570" y="3379469"/>
+            <a:ext cx="723375" cy="369333"/>
+          </a:xfrm>
+          <a:prstGeom prst="rect">
+            <a:avLst/>
+          </a:prstGeom>
+          <a:solidFill>
+            <a:srgbClr val="93E3FF">
+              <a:alpha val="97647"/>
+            </a:srgbClr>
+          </a:solidFill>
+          <a:ln>
+            <a:solidFill>
+              <a:srgbClr val="0070C0"/>
+            </a:solidFill>
+          </a:ln>
+        </p:spPr>
+        <p:style>
+          <a:lnRef idx="2">
+            <a:schemeClr val="accent1">
+              <a:shade val="50000"/>
+            </a:schemeClr>
+          </a:lnRef>
+          <a:fillRef idx="1">
+            <a:schemeClr val="accent1"/>
+          </a:fillRef>
+          <a:effectRef idx="0">
+            <a:schemeClr val="accent1"/>
+          </a:effectRef>
+          <a:fontRef idx="minor">
+            <a:schemeClr val="lt1"/>
+          </a:fontRef>
+        </p:style>
+        <p:txBody>
+          <a:bodyPr rtlCol="0" anchor="ctr"/>
+          <a:lstStyle/>
+          <a:p>
+            <a:pPr algn="ctr"/>
+            <a:r>
+              <a:rPr lang="en-US" sz="933" dirty="0">
+                <a:solidFill>
+                  <a:schemeClr val="tx1"/>
+                </a:solidFill>
+                <a:latin typeface="Arial" panose="020B0604020202020204" pitchFamily="34" charset="0"/>
+                <a:ea typeface="Menlo" panose="020B0609030804020204" pitchFamily="49" charset="0"/>
+                <a:cs typeface="Arial" panose="020B0604020202020204" pitchFamily="34" charset="0"/>
+              </a:rPr>
+              <a:t>API Discovery</a:t>
+            </a:r>
+          </a:p>
+        </p:txBody>
+      </p:sp>
+      <p:sp>
+        <p:nvSpPr>
+          <p:cNvPr id="147" name="Rectangle 146">
+            <a:extLst>
+              <a:ext uri="{FF2B5EF4-FFF2-40B4-BE49-F238E27FC236}">
+                <a16:creationId xmlns:a16="http://schemas.microsoft.com/office/drawing/2014/main" id="{FAD78958-39B3-E847-863C-325E88A9827D}"/>
+              </a:ext>
+            </a:extLst>
+          </p:cNvPr>
+          <p:cNvSpPr/>
+          <p:nvPr/>
+        </p:nvSpPr>
+        <p:spPr>
+          <a:xfrm>
+            <a:off x="3873870" y="5584898"/>
+            <a:ext cx="647780" cy="232252"/>
+          </a:xfrm>
+          <a:prstGeom prst="rect">
+            <a:avLst/>
+          </a:prstGeom>
+          <a:pattFill prst="pct5">
+            <a:fgClr>
+              <a:schemeClr val="accent1"/>
+            </a:fgClr>
+            <a:bgClr>
+              <a:schemeClr val="bg1"/>
+            </a:bgClr>
+          </a:pattFill>
+        </p:spPr>
+        <p:style>
+          <a:lnRef idx="2">
+            <a:schemeClr val="accent1">
+              <a:shade val="50000"/>
+            </a:schemeClr>
+          </a:lnRef>
+          <a:fillRef idx="1">
+            <a:schemeClr val="accent1"/>
+          </a:fillRef>
+          <a:effectRef idx="0">
+            <a:schemeClr val="accent1"/>
+          </a:effectRef>
+          <a:fontRef idx="minor">
+            <a:schemeClr val="lt1"/>
+          </a:fontRef>
+        </p:style>
+        <p:txBody>
+          <a:bodyPr rtlCol="0" anchor="ctr"/>
+          <a:lstStyle/>
+          <a:p>
+            <a:pPr algn="ctr"/>
+            <a:r>
+              <a:rPr lang="en-US" sz="933" dirty="0">
+                <a:solidFill>
+                  <a:schemeClr val="tx1"/>
+                </a:solidFill>
+                <a:latin typeface="Arial" panose="020B0604020202020204" pitchFamily="34" charset="0"/>
+                <a:ea typeface="Menlo" panose="020B0609030804020204" pitchFamily="49" charset="0"/>
+                <a:cs typeface="Arial" panose="020B0604020202020204" pitchFamily="34" charset="0"/>
+              </a:rPr>
+              <a:t>Telnet</a:t>
+            </a:r>
+          </a:p>
+        </p:txBody>
+      </p:sp>
+      <p:sp>
+        <p:nvSpPr>
+          <p:cNvPr id="148" name="Rectangle 147">
+            <a:extLst>
+              <a:ext uri="{FF2B5EF4-FFF2-40B4-BE49-F238E27FC236}">
+                <a16:creationId xmlns:a16="http://schemas.microsoft.com/office/drawing/2014/main" id="{CFCC39B9-A66F-274C-8766-AC1F4319BB48}"/>
+              </a:ext>
+            </a:extLst>
+          </p:cNvPr>
+          <p:cNvSpPr/>
+          <p:nvPr/>
+        </p:nvSpPr>
+        <p:spPr>
+          <a:xfrm>
+            <a:off x="3223447" y="5576392"/>
+            <a:ext cx="442741" cy="229851"/>
+          </a:xfrm>
+          <a:prstGeom prst="rect">
+            <a:avLst/>
+          </a:prstGeom>
+          <a:pattFill prst="pct5">
+            <a:fgClr>
+              <a:schemeClr val="accent1"/>
+            </a:fgClr>
+            <a:bgClr>
+              <a:schemeClr val="bg1"/>
+            </a:bgClr>
+          </a:pattFill>
+        </p:spPr>
+        <p:style>
+          <a:lnRef idx="2">
+            <a:schemeClr val="accent1">
+              <a:shade val="50000"/>
+            </a:schemeClr>
+          </a:lnRef>
+          <a:fillRef idx="1">
+            <a:schemeClr val="accent1"/>
+          </a:fillRef>
+          <a:effectRef idx="0">
+            <a:schemeClr val="accent1"/>
+          </a:effectRef>
+          <a:fontRef idx="minor">
+            <a:schemeClr val="lt1"/>
+          </a:fontRef>
+        </p:style>
+        <p:txBody>
+          <a:bodyPr rtlCol="0" anchor="ctr"/>
+          <a:lstStyle/>
+          <a:p>
+            <a:pPr algn="ctr"/>
+            <a:r>
+              <a:rPr lang="en-US" sz="933" dirty="0">
+                <a:solidFill>
+                  <a:schemeClr val="tx1"/>
+                </a:solidFill>
+                <a:latin typeface="Arial" panose="020B0604020202020204" pitchFamily="34" charset="0"/>
+                <a:ea typeface="Menlo" panose="020B0609030804020204" pitchFamily="49" charset="0"/>
+                <a:cs typeface="Arial" panose="020B0604020202020204" pitchFamily="34" charset="0"/>
+              </a:rPr>
+              <a:t>SSH</a:t>
+            </a:r>
+          </a:p>
+        </p:txBody>
+      </p:sp>
+      <p:sp>
+        <p:nvSpPr>
+          <p:cNvPr id="158" name="TextBox 157">
+            <a:extLst>
+              <a:ext uri="{FF2B5EF4-FFF2-40B4-BE49-F238E27FC236}">
+                <a16:creationId xmlns:a16="http://schemas.microsoft.com/office/drawing/2014/main" id="{DB5CFE37-047F-AA45-B74D-56CFF1858866}"/>
+              </a:ext>
+            </a:extLst>
+          </p:cNvPr>
+          <p:cNvSpPr txBox="1"/>
+          <p:nvPr/>
+        </p:nvSpPr>
+        <p:spPr>
+          <a:xfrm>
+            <a:off x="3885699" y="5332242"/>
+            <a:ext cx="341760" cy="261610"/>
+          </a:xfrm>
+          <a:prstGeom prst="rect">
+            <a:avLst/>
+          </a:prstGeom>
+          <a:noFill/>
+        </p:spPr>
+        <p:txBody>
+          <a:bodyPr wrap="none" rtlCol="0">
+            <a:spAutoFit/>
+          </a:bodyPr>
+          <a:lstStyle/>
+          <a:p>
+            <a:r>
+              <a:rPr lang="en-US" sz="1100" dirty="0">
+                <a:latin typeface="Arial" panose="020B0604020202020204" pitchFamily="34" charset="0"/>
+                <a:ea typeface="Menlo" panose="020B0609030804020204" pitchFamily="49" charset="0"/>
+                <a:cs typeface="Arial" panose="020B0604020202020204" pitchFamily="34" charset="0"/>
+              </a:rPr>
+              <a:t>23</a:t>
+            </a:r>
+          </a:p>
+        </p:txBody>
+      </p:sp>
+      <p:cxnSp>
+        <p:nvCxnSpPr>
+          <p:cNvPr id="157" name="Elbow Connector 156">
+            <a:extLst>
+              <a:ext uri="{FF2B5EF4-FFF2-40B4-BE49-F238E27FC236}">
+                <a16:creationId xmlns:a16="http://schemas.microsoft.com/office/drawing/2014/main" id="{E047CDB2-79BF-1045-B58C-52A4B57E07BA}"/>
+              </a:ext>
+            </a:extLst>
+          </p:cNvPr>
+          <p:cNvCxnSpPr>
+            <a:cxnSpLocks/>
+          </p:cNvCxnSpPr>
+          <p:nvPr/>
+        </p:nvCxnSpPr>
+        <p:spPr>
+          <a:xfrm rot="10800000" flipV="1">
+            <a:off x="2418097" y="4881746"/>
+            <a:ext cx="662127" cy="505108"/>
+          </a:xfrm>
+          <a:prstGeom prst="bentConnector3">
+            <a:avLst>
+              <a:gd name="adj1" fmla="val 37571"/>
+            </a:avLst>
+          </a:prstGeom>
+          <a:ln>
+            <a:prstDash val="solid"/>
+            <a:headEnd type="triangle"/>
+            <a:tailEnd type="triangle"/>
+          </a:ln>
+        </p:spPr>
+        <p:style>
+          <a:lnRef idx="1">
+            <a:schemeClr val="accent1"/>
+          </a:lnRef>
+          <a:fillRef idx="0">
+            <a:schemeClr val="accent1"/>
+          </a:fillRef>
+          <a:effectRef idx="0">
+            <a:schemeClr val="accent1"/>
+          </a:effectRef>
+          <a:fontRef idx="minor">
+            <a:schemeClr val="tx1"/>
+          </a:fontRef>
+        </p:style>
+      </p:cxnSp>
+      <p:sp>
+        <p:nvSpPr>
+          <p:cNvPr id="131" name="TextBox 130">
+            <a:extLst>
+              <a:ext uri="{FF2B5EF4-FFF2-40B4-BE49-F238E27FC236}">
+                <a16:creationId xmlns:a16="http://schemas.microsoft.com/office/drawing/2014/main" id="{91CCDF08-B5C5-5549-A8D7-30660EADEC08}"/>
+              </a:ext>
+            </a:extLst>
+          </p:cNvPr>
+          <p:cNvSpPr txBox="1"/>
+          <p:nvPr/>
+        </p:nvSpPr>
+        <p:spPr>
+          <a:xfrm>
+            <a:off x="5309049" y="5998600"/>
+            <a:ext cx="562975" cy="307777"/>
+          </a:xfrm>
+          <a:prstGeom prst="rect">
+            <a:avLst/>
+          </a:prstGeom>
+          <a:noFill/>
+        </p:spPr>
+        <p:txBody>
+          <a:bodyPr wrap="none" rtlCol="0">
+            <a:spAutoFit/>
+          </a:bodyPr>
+          <a:lstStyle/>
+          <a:p>
+            <a:r>
+              <a:rPr lang="en-US" sz="1400" dirty="0">
+                <a:solidFill>
+                  <a:schemeClr val="accent4">
+                    <a:lumMod val="75000"/>
+                  </a:schemeClr>
+                </a:solidFill>
+                <a:latin typeface="Arial" panose="020B0604020202020204" pitchFamily="34" charset="0"/>
+                <a:cs typeface="Arial" panose="020B0604020202020204" pitchFamily="34" charset="0"/>
+              </a:rPr>
+              <a:t>Java</a:t>
+            </a:r>
+          </a:p>
+        </p:txBody>
+      </p:sp>
+      <p:sp>
+        <p:nvSpPr>
+          <p:cNvPr id="146" name="TextBox 145">
+            <a:extLst>
+              <a:ext uri="{FF2B5EF4-FFF2-40B4-BE49-F238E27FC236}">
+                <a16:creationId xmlns:a16="http://schemas.microsoft.com/office/drawing/2014/main" id="{518F8221-BEA5-8642-B541-E261F133B78B}"/>
+              </a:ext>
+            </a:extLst>
+          </p:cNvPr>
+          <p:cNvSpPr txBox="1"/>
+          <p:nvPr/>
+        </p:nvSpPr>
+        <p:spPr>
+          <a:xfrm>
+            <a:off x="5299896" y="6245460"/>
+            <a:ext cx="792205" cy="307777"/>
+          </a:xfrm>
+          <a:prstGeom prst="rect">
+            <a:avLst/>
+          </a:prstGeom>
+          <a:noFill/>
+        </p:spPr>
+        <p:txBody>
+          <a:bodyPr wrap="none" rtlCol="0">
+            <a:spAutoFit/>
+          </a:bodyPr>
+          <a:lstStyle/>
+          <a:p>
+            <a:r>
+              <a:rPr lang="en-US" sz="1400" dirty="0">
+                <a:solidFill>
+                  <a:srgbClr val="00B19E"/>
+                </a:solidFill>
+                <a:latin typeface="Arial" panose="020B0604020202020204" pitchFamily="34" charset="0"/>
+                <a:cs typeface="Arial" panose="020B0604020202020204" pitchFamily="34" charset="0"/>
+              </a:rPr>
+              <a:t>Node.js</a:t>
+            </a:r>
+          </a:p>
+        </p:txBody>
+      </p:sp>
+      <p:sp>
+        <p:nvSpPr>
+          <p:cNvPr id="154" name="TextBox 153">
+            <a:extLst>
+              <a:ext uri="{FF2B5EF4-FFF2-40B4-BE49-F238E27FC236}">
+                <a16:creationId xmlns:a16="http://schemas.microsoft.com/office/drawing/2014/main" id="{A9F02D7E-9694-6247-BCCA-F0034D843606}"/>
+              </a:ext>
+            </a:extLst>
+          </p:cNvPr>
+          <p:cNvSpPr txBox="1"/>
+          <p:nvPr/>
+        </p:nvSpPr>
+        <p:spPr>
+          <a:xfrm>
+            <a:off x="5299896" y="6484136"/>
+            <a:ext cx="1080745" cy="307777"/>
+          </a:xfrm>
+          <a:prstGeom prst="rect">
+            <a:avLst/>
+          </a:prstGeom>
+          <a:noFill/>
+        </p:spPr>
+        <p:txBody>
+          <a:bodyPr wrap="none" rtlCol="0">
+            <a:spAutoFit/>
+          </a:bodyPr>
+          <a:lstStyle/>
+          <a:p>
+            <a:r>
+              <a:rPr lang="en-US" sz="1400" dirty="0">
+                <a:solidFill>
+                  <a:srgbClr val="7030A0"/>
+                </a:solidFill>
+                <a:latin typeface="Arial" panose="020B0604020202020204" pitchFamily="34" charset="0"/>
+                <a:cs typeface="Arial" panose="020B0604020202020204" pitchFamily="34" charset="0"/>
+              </a:rPr>
+              <a:t>metal C / C</a:t>
+            </a:r>
+          </a:p>
+        </p:txBody>
+      </p:sp>
+      <p:sp>
+        <p:nvSpPr>
+          <p:cNvPr id="144" name="TextBox 143">
+            <a:extLst>
+              <a:ext uri="{FF2B5EF4-FFF2-40B4-BE49-F238E27FC236}">
+                <a16:creationId xmlns:a16="http://schemas.microsoft.com/office/drawing/2014/main" id="{CCEA7399-2F0C-6848-AD3C-7C4FECBAC07E}"/>
+              </a:ext>
+            </a:extLst>
+          </p:cNvPr>
+          <p:cNvSpPr txBox="1"/>
+          <p:nvPr/>
+        </p:nvSpPr>
+        <p:spPr>
+          <a:xfrm>
+            <a:off x="1277387" y="5808730"/>
+            <a:ext cx="1213794" cy="261610"/>
+          </a:xfrm>
+          <a:prstGeom prst="rect">
+            <a:avLst/>
+          </a:prstGeom>
+          <a:noFill/>
+        </p:spPr>
+        <p:txBody>
+          <a:bodyPr wrap="none" rtlCol="0">
+            <a:spAutoFit/>
+          </a:bodyPr>
+          <a:lstStyle/>
+          <a:p>
+            <a:r>
+              <a:rPr lang="en-US" sz="1100" dirty="0">
+                <a:latin typeface="Arial" panose="020B0604020202020204" pitchFamily="34" charset="0"/>
+                <a:ea typeface="Menlo" panose="020B0609030804020204" pitchFamily="49" charset="0"/>
+                <a:cs typeface="Arial" panose="020B0604020202020204" pitchFamily="34" charset="0"/>
+              </a:rPr>
+              <a:t>Cross   Memory</a:t>
+            </a:r>
+          </a:p>
+        </p:txBody>
+      </p:sp>
+      <p:sp>
+        <p:nvSpPr>
+          <p:cNvPr id="155" name="Rectangle 154">
+            <a:extLst>
+              <a:ext uri="{FF2B5EF4-FFF2-40B4-BE49-F238E27FC236}">
+                <a16:creationId xmlns:a16="http://schemas.microsoft.com/office/drawing/2014/main" id="{7A30BC74-E0C1-274A-B69E-024046A972CD}"/>
+              </a:ext>
+            </a:extLst>
+          </p:cNvPr>
+          <p:cNvSpPr/>
+          <p:nvPr/>
+        </p:nvSpPr>
+        <p:spPr>
+          <a:xfrm>
+            <a:off x="7759447" y="1243079"/>
+            <a:ext cx="1403365" cy="175638"/>
+          </a:xfrm>
+          <a:prstGeom prst="rect">
+            <a:avLst/>
+          </a:prstGeom>
+          <a:solidFill>
+            <a:srgbClr val="00B19E">
+              <a:alpha val="96000"/>
+            </a:srgbClr>
+          </a:solidFill>
+          <a:ln>
+            <a:solidFill>
+              <a:srgbClr val="20708D"/>
+            </a:solidFill>
+          </a:ln>
+        </p:spPr>
+        <p:style>
+          <a:lnRef idx="1">
+            <a:schemeClr val="accent1"/>
+          </a:lnRef>
+          <a:fillRef idx="3">
+            <a:schemeClr val="accent1"/>
+          </a:fillRef>
+          <a:effectRef idx="2">
+            <a:schemeClr val="accent1"/>
+          </a:effectRef>
+          <a:fontRef idx="minor">
+            <a:schemeClr val="lt1"/>
+          </a:fontRef>
+        </p:style>
+        <p:txBody>
+          <a:bodyPr rtlCol="0" anchor="ctr"/>
+          <a:lstStyle/>
+          <a:p>
+            <a:pPr algn="ctr"/>
+            <a:endParaRPr lang="en-US" sz="1000" dirty="0">
+              <a:solidFill>
+                <a:schemeClr val="tx1"/>
+              </a:solidFill>
+              <a:latin typeface="Arial" panose="020B0604020202020204" pitchFamily="34" charset="0"/>
+              <a:ea typeface="Menlo" charset="0"/>
+              <a:cs typeface="Arial" panose="020B0604020202020204" pitchFamily="34" charset="0"/>
+            </a:endParaRPr>
+          </a:p>
+          <a:p>
+            <a:pPr algn="ctr"/>
+            <a:r>
+              <a:rPr lang="en-US" sz="1000" dirty="0">
+                <a:solidFill>
+                  <a:schemeClr val="tx1"/>
+                </a:solidFill>
+                <a:latin typeface="Arial" panose="020B0604020202020204" pitchFamily="34" charset="0"/>
+                <a:ea typeface="Menlo" charset="0"/>
+                <a:cs typeface="Arial" panose="020B0604020202020204" pitchFamily="34" charset="0"/>
+              </a:rPr>
+              <a:t>Node SDK</a:t>
+            </a:r>
+          </a:p>
+          <a:p>
+            <a:pPr algn="ctr"/>
+            <a:endParaRPr lang="en-US" sz="1000" dirty="0">
+              <a:solidFill>
+                <a:schemeClr val="tx1"/>
+              </a:solidFill>
+              <a:latin typeface="Arial" panose="020B0604020202020204" pitchFamily="34" charset="0"/>
+              <a:ea typeface="Menlo" charset="0"/>
+              <a:cs typeface="Arial" panose="020B0604020202020204" pitchFamily="34" charset="0"/>
+            </a:endParaRPr>
+          </a:p>
+        </p:txBody>
+      </p:sp>
+      <p:sp>
+        <p:nvSpPr>
+          <p:cNvPr id="81" name="TextBox 80">
+            <a:extLst>
+              <a:ext uri="{FF2B5EF4-FFF2-40B4-BE49-F238E27FC236}">
+                <a16:creationId xmlns:a16="http://schemas.microsoft.com/office/drawing/2014/main" id="{A47FF51A-E419-A74C-93A5-5E4493C4A85C}"/>
+              </a:ext>
+            </a:extLst>
+          </p:cNvPr>
+          <p:cNvSpPr txBox="1"/>
+          <p:nvPr/>
+        </p:nvSpPr>
+        <p:spPr>
+          <a:xfrm>
+            <a:off x="1083504" y="2094562"/>
+            <a:ext cx="2400016" cy="276999"/>
+          </a:xfrm>
+          <a:prstGeom prst="rect">
+            <a:avLst/>
+          </a:prstGeom>
+          <a:noFill/>
+        </p:spPr>
+        <p:txBody>
+          <a:bodyPr wrap="none" rtlCol="0">
+            <a:spAutoFit/>
+          </a:bodyPr>
+          <a:lstStyle/>
+          <a:p>
+            <a:r>
+              <a:rPr lang="en-US" sz="1200" dirty="0">
+                <a:latin typeface="Arial" panose="020B0604020202020204" pitchFamily="34" charset="0"/>
+                <a:cs typeface="Arial" panose="020B0604020202020204" pitchFamily="34" charset="0"/>
+              </a:rPr>
+              <a:t>Running in a Kubernetes Cluster</a:t>
+            </a:r>
+          </a:p>
+        </p:txBody>
+      </p:sp>
+      <p:sp>
+        <p:nvSpPr>
+          <p:cNvPr id="159" name="Rectangle 158">
+            <a:extLst>
+              <a:ext uri="{FF2B5EF4-FFF2-40B4-BE49-F238E27FC236}">
+                <a16:creationId xmlns:a16="http://schemas.microsoft.com/office/drawing/2014/main" id="{AD9C446D-2A16-E74A-B6F8-A5C7915408ED}"/>
+              </a:ext>
+            </a:extLst>
+          </p:cNvPr>
+          <p:cNvSpPr/>
+          <p:nvPr/>
+        </p:nvSpPr>
+        <p:spPr>
+          <a:xfrm>
+            <a:off x="1165958" y="3374254"/>
+            <a:ext cx="768237" cy="369333"/>
+          </a:xfrm>
+          <a:prstGeom prst="rect">
+            <a:avLst/>
+          </a:prstGeom>
+          <a:solidFill>
+            <a:schemeClr val="accent4">
+              <a:lumMod val="60000"/>
+              <a:lumOff val="40000"/>
+              <a:alpha val="97647"/>
+            </a:schemeClr>
+          </a:solidFill>
+          <a:ln>
+            <a:solidFill>
+              <a:schemeClr val="accent4">
+                <a:lumMod val="75000"/>
+              </a:schemeClr>
+            </a:solidFill>
+          </a:ln>
+        </p:spPr>
+        <p:style>
+          <a:lnRef idx="2">
+            <a:schemeClr val="accent1">
+              <a:shade val="50000"/>
+            </a:schemeClr>
+          </a:lnRef>
+          <a:fillRef idx="1">
+            <a:schemeClr val="accent1"/>
+          </a:fillRef>
+          <a:effectRef idx="0">
+            <a:schemeClr val="accent1"/>
+          </a:effectRef>
+          <a:fontRef idx="minor">
+            <a:schemeClr val="lt1"/>
+          </a:fontRef>
+        </p:style>
+        <p:txBody>
+          <a:bodyPr rtlCol="0" anchor="ctr"/>
+          <a:lstStyle/>
+          <a:p>
+            <a:pPr algn="ctr"/>
+            <a:r>
+              <a:rPr lang="en-US" sz="933" dirty="0">
+                <a:solidFill>
+                  <a:schemeClr val="tx1"/>
+                </a:solidFill>
+                <a:latin typeface="Arial" panose="020B0604020202020204" pitchFamily="34" charset="0"/>
+                <a:ea typeface="Menlo" panose="020B0609030804020204" pitchFamily="49" charset="0"/>
+                <a:cs typeface="Arial" panose="020B0604020202020204" pitchFamily="34" charset="0"/>
+              </a:rPr>
+              <a:t>Caching</a:t>
+            </a:r>
+          </a:p>
+          <a:p>
+            <a:pPr algn="ctr"/>
+            <a:r>
+              <a:rPr lang="en-US" sz="933" dirty="0">
+                <a:solidFill>
+                  <a:schemeClr val="tx1"/>
+                </a:solidFill>
+                <a:latin typeface="Arial" panose="020B0604020202020204" pitchFamily="34" charset="0"/>
+                <a:ea typeface="Menlo" panose="020B0609030804020204" pitchFamily="49" charset="0"/>
+                <a:cs typeface="Arial" panose="020B0604020202020204" pitchFamily="34" charset="0"/>
+              </a:rPr>
+              <a:t>Service</a:t>
+            </a:r>
+          </a:p>
+        </p:txBody>
+      </p:sp>
+      <p:sp>
+        <p:nvSpPr>
+          <p:cNvPr id="160" name="TextBox 159">
+            <a:extLst>
+              <a:ext uri="{FF2B5EF4-FFF2-40B4-BE49-F238E27FC236}">
+                <a16:creationId xmlns:a16="http://schemas.microsoft.com/office/drawing/2014/main" id="{76DC9581-9FFA-3B46-9DB8-E36F1E1A919E}"/>
+              </a:ext>
+            </a:extLst>
+          </p:cNvPr>
+          <p:cNvSpPr txBox="1"/>
+          <p:nvPr/>
+        </p:nvSpPr>
+        <p:spPr>
+          <a:xfrm>
+            <a:off x="1251005" y="3115398"/>
+            <a:ext cx="498855" cy="261610"/>
+          </a:xfrm>
+          <a:prstGeom prst="rect">
+            <a:avLst/>
+          </a:prstGeom>
+          <a:noFill/>
+        </p:spPr>
+        <p:txBody>
+          <a:bodyPr wrap="none" rtlCol="0">
+            <a:spAutoFit/>
+          </a:bodyPr>
+          <a:lstStyle/>
+          <a:p>
+            <a:r>
+              <a:rPr lang="en-US" sz="1100" dirty="0">
+                <a:latin typeface="Arial" panose="020B0604020202020204" pitchFamily="34" charset="0"/>
+                <a:ea typeface="Menlo" panose="020B0609030804020204" pitchFamily="49" charset="0"/>
+                <a:cs typeface="Arial" panose="020B0604020202020204" pitchFamily="34" charset="0"/>
+              </a:rPr>
+              <a:t>7555</a:t>
+            </a:r>
+          </a:p>
+        </p:txBody>
+      </p:sp>
+      <p:cxnSp>
+        <p:nvCxnSpPr>
+          <p:cNvPr id="161" name="Straight Arrow Connector 160">
+            <a:extLst>
+              <a:ext uri="{FF2B5EF4-FFF2-40B4-BE49-F238E27FC236}">
+                <a16:creationId xmlns:a16="http://schemas.microsoft.com/office/drawing/2014/main" id="{D33D1ABC-75EF-7F4A-A753-7B2F17A7530C}"/>
+              </a:ext>
+            </a:extLst>
+          </p:cNvPr>
+          <p:cNvCxnSpPr>
+            <a:cxnSpLocks/>
+          </p:cNvCxnSpPr>
+          <p:nvPr/>
+        </p:nvCxnSpPr>
+        <p:spPr>
+          <a:xfrm>
+            <a:off x="1755014" y="3081315"/>
+            <a:ext cx="0" cy="304147"/>
+          </a:xfrm>
+          <a:prstGeom prst="straightConnector1">
+            <a:avLst/>
+          </a:prstGeom>
+          <a:ln>
+            <a:headEnd type="triangle"/>
+            <a:tailEnd type="triangle"/>
+          </a:ln>
+        </p:spPr>
+        <p:style>
+          <a:lnRef idx="1">
+            <a:schemeClr val="accent1"/>
+          </a:lnRef>
+          <a:fillRef idx="0">
+            <a:schemeClr val="accent1"/>
+          </a:fillRef>
+          <a:effectRef idx="0">
+            <a:schemeClr val="accent1"/>
+          </a:effectRef>
+          <a:fontRef idx="minor">
+            <a:schemeClr val="tx1"/>
+          </a:fontRef>
+        </p:style>
+      </p:cxnSp>
+      <p:cxnSp>
+        <p:nvCxnSpPr>
+          <p:cNvPr id="162" name="Straight Arrow Connector 161">
+            <a:extLst>
+              <a:ext uri="{FF2B5EF4-FFF2-40B4-BE49-F238E27FC236}">
+                <a16:creationId xmlns:a16="http://schemas.microsoft.com/office/drawing/2014/main" id="{3722DB91-5DE7-824D-8D19-64433DE97949}"/>
+              </a:ext>
+            </a:extLst>
+          </p:cNvPr>
+          <p:cNvCxnSpPr>
+            <a:cxnSpLocks/>
+            <a:endCxn id="148" idx="0"/>
+          </p:cNvCxnSpPr>
+          <p:nvPr/>
+        </p:nvCxnSpPr>
+        <p:spPr>
+          <a:xfrm>
+            <a:off x="3430344" y="4939390"/>
+            <a:ext cx="14474" cy="637002"/>
+          </a:xfrm>
+          <a:prstGeom prst="straightConnector1">
+            <a:avLst/>
+          </a:prstGeom>
+          <a:ln>
+            <a:headEnd type="triangle"/>
+            <a:tailEnd type="triangle"/>
+          </a:ln>
+        </p:spPr>
+        <p:style>
+          <a:lnRef idx="1">
+            <a:schemeClr val="accent1"/>
+          </a:lnRef>
+          <a:fillRef idx="0">
+            <a:schemeClr val="accent1"/>
+          </a:fillRef>
+          <a:effectRef idx="0">
+            <a:schemeClr val="accent1"/>
+          </a:effectRef>
+          <a:fontRef idx="minor">
+            <a:schemeClr val="tx1"/>
+          </a:fontRef>
+        </p:style>
+      </p:cxnSp>
+      <p:cxnSp>
+        <p:nvCxnSpPr>
+          <p:cNvPr id="163" name="Straight Arrow Connector 162">
+            <a:extLst>
+              <a:ext uri="{FF2B5EF4-FFF2-40B4-BE49-F238E27FC236}">
+                <a16:creationId xmlns:a16="http://schemas.microsoft.com/office/drawing/2014/main" id="{99C4D750-B416-D642-8CA9-85472A200B62}"/>
+              </a:ext>
+            </a:extLst>
+          </p:cNvPr>
+          <p:cNvCxnSpPr>
+            <a:cxnSpLocks/>
+          </p:cNvCxnSpPr>
+          <p:nvPr/>
+        </p:nvCxnSpPr>
+        <p:spPr>
+          <a:xfrm>
+            <a:off x="4178450" y="4932944"/>
+            <a:ext cx="14474" cy="637002"/>
+          </a:xfrm>
+          <a:prstGeom prst="straightConnector1">
+            <a:avLst/>
+          </a:prstGeom>
+          <a:ln>
+            <a:headEnd type="triangle"/>
+            <a:tailEnd type="triangle"/>
+          </a:ln>
+        </p:spPr>
+        <p:style>
+          <a:lnRef idx="1">
+            <a:schemeClr val="accent1"/>
+          </a:lnRef>
+          <a:fillRef idx="0">
+            <a:schemeClr val="accent1"/>
+          </a:fillRef>
+          <a:effectRef idx="0">
+            <a:schemeClr val="accent1"/>
+          </a:effectRef>
+          <a:fontRef idx="minor">
+            <a:schemeClr val="tx1"/>
+          </a:fontRef>
+        </p:style>
+      </p:cxnSp>
+      <p:sp>
+        <p:nvSpPr>
+          <p:cNvPr id="164" name="TextBox 163">
+            <a:extLst>
+              <a:ext uri="{FF2B5EF4-FFF2-40B4-BE49-F238E27FC236}">
+                <a16:creationId xmlns:a16="http://schemas.microsoft.com/office/drawing/2014/main" id="{C35A8A70-355C-CB42-B57A-8B05C102DA8B}"/>
+              </a:ext>
+            </a:extLst>
+          </p:cNvPr>
+          <p:cNvSpPr txBox="1"/>
+          <p:nvPr/>
+        </p:nvSpPr>
+        <p:spPr>
+          <a:xfrm>
+            <a:off x="3113454" y="5337057"/>
+            <a:ext cx="341760" cy="261610"/>
+          </a:xfrm>
+          <a:prstGeom prst="rect">
+            <a:avLst/>
+          </a:prstGeom>
+          <a:noFill/>
+        </p:spPr>
+        <p:txBody>
+          <a:bodyPr wrap="none" rtlCol="0">
+            <a:spAutoFit/>
+          </a:bodyPr>
+          <a:lstStyle/>
+          <a:p>
+            <a:r>
+              <a:rPr lang="en-US" sz="1100" dirty="0">
+                <a:latin typeface="Arial" panose="020B0604020202020204" pitchFamily="34" charset="0"/>
+                <a:ea typeface="Menlo" panose="020B0609030804020204" pitchFamily="49" charset="0"/>
+                <a:cs typeface="Arial" panose="020B0604020202020204" pitchFamily="34" charset="0"/>
+              </a:rPr>
+              <a:t>22</a:t>
+            </a:r>
+          </a:p>
+        </p:txBody>
+      </p:sp>
+      <p:cxnSp>
+        <p:nvCxnSpPr>
+          <p:cNvPr id="167" name="Straight Arrow Connector 166">
+            <a:extLst>
+              <a:ext uri="{FF2B5EF4-FFF2-40B4-BE49-F238E27FC236}">
+                <a16:creationId xmlns:a16="http://schemas.microsoft.com/office/drawing/2014/main" id="{188EB924-2E4E-054C-89C6-29DDDFC3E6B6}"/>
+              </a:ext>
+            </a:extLst>
+          </p:cNvPr>
+          <p:cNvCxnSpPr>
+            <a:cxnSpLocks/>
+          </p:cNvCxnSpPr>
+          <p:nvPr/>
+        </p:nvCxnSpPr>
+        <p:spPr>
+          <a:xfrm>
+            <a:off x="5340032" y="3058923"/>
+            <a:ext cx="0" cy="905332"/>
+          </a:xfrm>
+          <a:prstGeom prst="straightConnector1">
+            <a:avLst/>
+          </a:prstGeom>
+          <a:ln>
+            <a:headEnd type="triangle"/>
+            <a:tailEnd type="triangle"/>
+          </a:ln>
+        </p:spPr>
+        <p:style>
+          <a:lnRef idx="1">
+            <a:schemeClr val="accent1"/>
+          </a:lnRef>
+          <a:fillRef idx="0">
+            <a:schemeClr val="accent1"/>
+          </a:fillRef>
+          <a:effectRef idx="0">
+            <a:schemeClr val="accent1"/>
+          </a:effectRef>
+          <a:fontRef idx="minor">
+            <a:schemeClr val="tx1"/>
+          </a:fontRef>
+        </p:style>
+      </p:cxnSp>
+      <p:cxnSp>
+        <p:nvCxnSpPr>
+          <p:cNvPr id="168" name="Straight Arrow Connector 167">
+            <a:extLst>
+              <a:ext uri="{FF2B5EF4-FFF2-40B4-BE49-F238E27FC236}">
+                <a16:creationId xmlns:a16="http://schemas.microsoft.com/office/drawing/2014/main" id="{7793D9A4-6A88-1C4F-9942-D3E8B273D42B}"/>
+              </a:ext>
+            </a:extLst>
+          </p:cNvPr>
+          <p:cNvCxnSpPr>
+            <a:cxnSpLocks/>
+          </p:cNvCxnSpPr>
+          <p:nvPr/>
+        </p:nvCxnSpPr>
+        <p:spPr>
+          <a:xfrm>
+            <a:off x="5843042" y="3058923"/>
+            <a:ext cx="0" cy="905332"/>
+          </a:xfrm>
+          <a:prstGeom prst="straightConnector1">
+            <a:avLst/>
+          </a:prstGeom>
+          <a:ln>
+            <a:headEnd type="triangle"/>
+            <a:tailEnd type="triangle"/>
+          </a:ln>
+        </p:spPr>
+        <p:style>
+          <a:lnRef idx="1">
+            <a:schemeClr val="accent1"/>
+          </a:lnRef>
+          <a:fillRef idx="0">
+            <a:schemeClr val="accent1"/>
+          </a:fillRef>
+          <a:effectRef idx="0">
+            <a:schemeClr val="accent1"/>
+          </a:effectRef>
+          <a:fontRef idx="minor">
+            <a:schemeClr val="tx1"/>
+          </a:fontRef>
+        </p:style>
+      </p:cxnSp>
+      <p:sp>
+        <p:nvSpPr>
+          <p:cNvPr id="145" name="TextBox 144">
+            <a:extLst>
+              <a:ext uri="{FF2B5EF4-FFF2-40B4-BE49-F238E27FC236}">
+                <a16:creationId xmlns:a16="http://schemas.microsoft.com/office/drawing/2014/main" id="{17184F6B-BC35-9E44-B923-244A864F7702}"/>
+              </a:ext>
+            </a:extLst>
+          </p:cNvPr>
+          <p:cNvSpPr txBox="1"/>
+          <p:nvPr/>
+        </p:nvSpPr>
+        <p:spPr>
+          <a:xfrm>
+            <a:off x="8650" y="5149643"/>
+            <a:ext cx="1040670" cy="276999"/>
+          </a:xfrm>
+          <a:prstGeom prst="rect">
+            <a:avLst/>
+          </a:prstGeom>
+          <a:solidFill>
+            <a:schemeClr val="tx1"/>
+          </a:solidFill>
+        </p:spPr>
+        <p:txBody>
+          <a:bodyPr wrap="none" rtlCol="0">
+            <a:spAutoFit/>
+          </a:bodyPr>
+          <a:lstStyle/>
+          <a:p>
+            <a:r>
+              <a:rPr lang="en-US" sz="1200" dirty="0">
+                <a:solidFill>
+                  <a:schemeClr val="accent6">
+                    <a:lumMod val="75000"/>
+                  </a:schemeClr>
+                </a:solidFill>
+                <a:latin typeface="Arial" panose="020B0604020202020204" pitchFamily="34" charset="0"/>
+                <a:cs typeface="Arial" panose="020B0604020202020204" pitchFamily="34" charset="0"/>
+              </a:rPr>
+              <a:t>ZWESVSTC</a:t>
+            </a:r>
+          </a:p>
+        </p:txBody>
+      </p:sp>
+      <p:sp>
+        <p:nvSpPr>
+          <p:cNvPr id="152" name="TextBox 151">
+            <a:extLst>
+              <a:ext uri="{FF2B5EF4-FFF2-40B4-BE49-F238E27FC236}">
+                <a16:creationId xmlns:a16="http://schemas.microsoft.com/office/drawing/2014/main" id="{FB8479EF-2DF9-434D-88B2-D5C6AA8D95DA}"/>
+              </a:ext>
+            </a:extLst>
+          </p:cNvPr>
+          <p:cNvSpPr txBox="1"/>
+          <p:nvPr/>
+        </p:nvSpPr>
+        <p:spPr>
+          <a:xfrm>
+            <a:off x="1106340" y="5481496"/>
+            <a:ext cx="1590500" cy="276999"/>
+          </a:xfrm>
+          <a:prstGeom prst="rect">
+            <a:avLst/>
+          </a:prstGeom>
+          <a:noFill/>
+        </p:spPr>
+        <p:txBody>
+          <a:bodyPr wrap="none" rtlCol="0">
+            <a:spAutoFit/>
+          </a:bodyPr>
+          <a:lstStyle/>
+          <a:p>
+            <a:r>
+              <a:rPr lang="en-US" sz="1200" dirty="0">
+                <a:latin typeface="Arial" panose="020B0604020202020204" pitchFamily="34" charset="0"/>
+                <a:cs typeface="Arial" panose="020B0604020202020204" pitchFamily="34" charset="0"/>
+              </a:rPr>
+              <a:t>Running  under USS</a:t>
+            </a:r>
+          </a:p>
+        </p:txBody>
+      </p:sp>
+      <p:pic>
+        <p:nvPicPr>
+          <p:cNvPr id="1028" name="Picture 4">
+            <a:extLst>
+              <a:ext uri="{FF2B5EF4-FFF2-40B4-BE49-F238E27FC236}">
+                <a16:creationId xmlns:a16="http://schemas.microsoft.com/office/drawing/2014/main" id="{843F39E0-5E88-A547-931C-85BEA7A01B8F}"/>
+              </a:ext>
+            </a:extLst>
+          </p:cNvPr>
+          <p:cNvPicPr>
+            <a:picLocks noChangeAspect="1" noChangeArrowheads="1"/>
+          </p:cNvPicPr>
+          <p:nvPr/>
+        </p:nvPicPr>
+        <p:blipFill>
+          <a:blip r:embed="rId11">
+            <a:extLst>
+              <a:ext uri="{28A0092B-C50C-407E-A947-70E740481C1C}">
+                <a14:useLocalDpi xmlns:a14="http://schemas.microsoft.com/office/drawing/2010/main" val="0"/>
+              </a:ext>
+            </a:extLst>
+          </a:blip>
+          <a:srcRect/>
+          <a:stretch>
+            <a:fillRect/>
+          </a:stretch>
+        </p:blipFill>
+        <p:spPr bwMode="auto">
+          <a:xfrm>
+            <a:off x="7777149" y="3244290"/>
+            <a:ext cx="1500716" cy="265556"/>
+          </a:xfrm>
+          <a:prstGeom prst="rect">
+            <a:avLst/>
+          </a:prstGeom>
+          <a:noFill/>
+          <a:extLst>
+            <a:ext uri="{909E8E84-426E-40DD-AFC4-6F175D3DCCD1}">
+              <a14:hiddenFill xmlns:a14="http://schemas.microsoft.com/office/drawing/2010/main">
+                <a:solidFill>
+                  <a:srgbClr val="FFFFFF"/>
+                </a:solidFill>
+              </a14:hiddenFill>
+            </a:ext>
+          </a:extLst>
+        </p:spPr>
+      </p:pic>
+      <p:sp>
+        <p:nvSpPr>
+          <p:cNvPr id="2" name="Rectangle 1">
+            <a:extLst>
+              <a:ext uri="{FF2B5EF4-FFF2-40B4-BE49-F238E27FC236}">
+                <a16:creationId xmlns:a16="http://schemas.microsoft.com/office/drawing/2014/main" id="{C6D409DB-6F28-8E42-8B98-8C44FFCC93A9}"/>
+              </a:ext>
+            </a:extLst>
+          </p:cNvPr>
+          <p:cNvSpPr/>
+          <p:nvPr/>
+        </p:nvSpPr>
+        <p:spPr>
+          <a:xfrm>
+            <a:off x="509677" y="2276624"/>
+            <a:ext cx="404723" cy="2662765"/>
+          </a:xfrm>
+          <a:prstGeom prst="rect">
+            <a:avLst/>
+          </a:prstGeom>
+        </p:spPr>
+        <p:style>
+          <a:lnRef idx="1">
+            <a:schemeClr val="accent6"/>
+          </a:lnRef>
+          <a:fillRef idx="2">
+            <a:schemeClr val="accent6"/>
+          </a:fillRef>
+          <a:effectRef idx="1">
+            <a:schemeClr val="accent6"/>
+          </a:effectRef>
+          <a:fontRef idx="minor">
+            <a:schemeClr val="dk1"/>
+          </a:fontRef>
+        </p:style>
+        <p:txBody>
+          <a:bodyPr vert="vert270" rtlCol="0" anchor="ctr"/>
+          <a:lstStyle/>
+          <a:p>
+            <a:pPr algn="ctr"/>
+            <a:r>
+              <a:rPr lang="en-US" sz="1600" dirty="0"/>
+              <a:t>Workspace</a:t>
+            </a:r>
+          </a:p>
+        </p:txBody>
+      </p:sp>
+      <p:sp>
+        <p:nvSpPr>
+          <p:cNvPr id="151" name="Rectangle 150">
+            <a:extLst>
+              <a:ext uri="{FF2B5EF4-FFF2-40B4-BE49-F238E27FC236}">
+                <a16:creationId xmlns:a16="http://schemas.microsoft.com/office/drawing/2014/main" id="{5CAE6BCE-B449-A14F-AB2F-43BD7C43D304}"/>
+              </a:ext>
+            </a:extLst>
+          </p:cNvPr>
+          <p:cNvSpPr/>
+          <p:nvPr/>
+        </p:nvSpPr>
+        <p:spPr>
+          <a:xfrm>
+            <a:off x="1221246" y="3415709"/>
+            <a:ext cx="768237" cy="369333"/>
+          </a:xfrm>
+          <a:prstGeom prst="rect">
+            <a:avLst/>
+          </a:prstGeom>
+          <a:solidFill>
+            <a:schemeClr val="accent4">
+              <a:lumMod val="60000"/>
+              <a:lumOff val="40000"/>
+              <a:alpha val="97647"/>
+            </a:schemeClr>
+          </a:solidFill>
+          <a:ln>
+            <a:solidFill>
+              <a:schemeClr val="accent4">
+                <a:lumMod val="75000"/>
+              </a:schemeClr>
+            </a:solidFill>
+          </a:ln>
+        </p:spPr>
+        <p:style>
+          <a:lnRef idx="2">
+            <a:schemeClr val="accent1">
+              <a:shade val="50000"/>
+            </a:schemeClr>
+          </a:lnRef>
+          <a:fillRef idx="1">
+            <a:schemeClr val="accent1"/>
+          </a:fillRef>
+          <a:effectRef idx="0">
+            <a:schemeClr val="accent1"/>
+          </a:effectRef>
+          <a:fontRef idx="minor">
+            <a:schemeClr val="lt1"/>
+          </a:fontRef>
+        </p:style>
+        <p:txBody>
+          <a:bodyPr rtlCol="0" anchor="ctr"/>
+          <a:lstStyle/>
+          <a:p>
+            <a:pPr algn="ctr"/>
+            <a:r>
+              <a:rPr lang="en-US" sz="933" dirty="0">
+                <a:solidFill>
+                  <a:schemeClr val="tx1"/>
+                </a:solidFill>
+                <a:latin typeface="Arial" panose="020B0604020202020204" pitchFamily="34" charset="0"/>
+                <a:ea typeface="Menlo" panose="020B0609030804020204" pitchFamily="49" charset="0"/>
+                <a:cs typeface="Arial" panose="020B0604020202020204" pitchFamily="34" charset="0"/>
+              </a:rPr>
+              <a:t>Caching</a:t>
+            </a:r>
+          </a:p>
+          <a:p>
+            <a:pPr algn="ctr"/>
+            <a:r>
+              <a:rPr lang="en-US" sz="933" dirty="0">
+                <a:solidFill>
+                  <a:schemeClr val="tx1"/>
+                </a:solidFill>
+                <a:latin typeface="Arial" panose="020B0604020202020204" pitchFamily="34" charset="0"/>
+                <a:ea typeface="Menlo" panose="020B0609030804020204" pitchFamily="49" charset="0"/>
+                <a:cs typeface="Arial" panose="020B0604020202020204" pitchFamily="34" charset="0"/>
+              </a:rPr>
+              <a:t>Service</a:t>
+            </a:r>
+          </a:p>
+        </p:txBody>
+      </p:sp>
+      <p:sp>
+        <p:nvSpPr>
+          <p:cNvPr id="153" name="Rectangle 152">
+            <a:extLst>
+              <a:ext uri="{FF2B5EF4-FFF2-40B4-BE49-F238E27FC236}">
+                <a16:creationId xmlns:a16="http://schemas.microsoft.com/office/drawing/2014/main" id="{F4903EA3-658D-D944-8AA5-1B80368772D3}"/>
+              </a:ext>
+            </a:extLst>
+          </p:cNvPr>
+          <p:cNvSpPr/>
+          <p:nvPr/>
+        </p:nvSpPr>
+        <p:spPr>
+          <a:xfrm>
+            <a:off x="2106899" y="3418416"/>
+            <a:ext cx="670956" cy="351196"/>
+          </a:xfrm>
+          <a:prstGeom prst="rect">
+            <a:avLst/>
+          </a:prstGeom>
+          <a:solidFill>
+            <a:schemeClr val="accent4">
+              <a:lumMod val="60000"/>
+              <a:lumOff val="40000"/>
+              <a:alpha val="97647"/>
+            </a:schemeClr>
+          </a:solidFill>
+          <a:ln>
+            <a:solidFill>
+              <a:schemeClr val="accent4">
+                <a:lumMod val="75000"/>
+              </a:schemeClr>
+            </a:solidFill>
+          </a:ln>
+        </p:spPr>
+        <p:style>
+          <a:lnRef idx="2">
+            <a:schemeClr val="accent1">
+              <a:shade val="50000"/>
+            </a:schemeClr>
+          </a:lnRef>
+          <a:fillRef idx="1">
+            <a:schemeClr val="accent1"/>
+          </a:fillRef>
+          <a:effectRef idx="0">
+            <a:schemeClr val="accent1"/>
+          </a:effectRef>
+          <a:fontRef idx="minor">
+            <a:schemeClr val="lt1"/>
+          </a:fontRef>
+        </p:style>
+        <p:txBody>
+          <a:bodyPr rtlCol="0" anchor="ctr"/>
+          <a:lstStyle/>
+          <a:p>
+            <a:pPr algn="ctr"/>
+            <a:r>
+              <a:rPr lang="en-US" sz="933" dirty="0">
+                <a:solidFill>
+                  <a:schemeClr val="tx1"/>
+                </a:solidFill>
+                <a:latin typeface="Arial" panose="020B0604020202020204" pitchFamily="34" charset="0"/>
+                <a:ea typeface="Menlo" panose="020B0609030804020204" pitchFamily="49" charset="0"/>
+                <a:cs typeface="Arial" panose="020B0604020202020204" pitchFamily="34" charset="0"/>
+              </a:rPr>
+              <a:t>API Catalog</a:t>
+            </a:r>
+          </a:p>
+        </p:txBody>
+      </p:sp>
+      <p:sp>
+        <p:nvSpPr>
+          <p:cNvPr id="156" name="Rectangle 155">
+            <a:extLst>
+              <a:ext uri="{FF2B5EF4-FFF2-40B4-BE49-F238E27FC236}">
+                <a16:creationId xmlns:a16="http://schemas.microsoft.com/office/drawing/2014/main" id="{F9EAE854-7B4E-9647-B9FD-EE1E8EF417D5}"/>
+              </a:ext>
+            </a:extLst>
+          </p:cNvPr>
+          <p:cNvSpPr/>
+          <p:nvPr/>
+        </p:nvSpPr>
+        <p:spPr>
+          <a:xfrm>
+            <a:off x="2871186" y="3415687"/>
+            <a:ext cx="723375" cy="369333"/>
+          </a:xfrm>
+          <a:prstGeom prst="rect">
+            <a:avLst/>
+          </a:prstGeom>
+          <a:solidFill>
+            <a:srgbClr val="93E3FF">
+              <a:alpha val="97647"/>
+            </a:srgbClr>
+          </a:solidFill>
+          <a:ln>
+            <a:solidFill>
+              <a:srgbClr val="0070C0"/>
+            </a:solidFill>
+          </a:ln>
+        </p:spPr>
+        <p:style>
+          <a:lnRef idx="2">
+            <a:schemeClr val="accent1">
+              <a:shade val="50000"/>
+            </a:schemeClr>
+          </a:lnRef>
+          <a:fillRef idx="1">
+            <a:schemeClr val="accent1"/>
+          </a:fillRef>
+          <a:effectRef idx="0">
+            <a:schemeClr val="accent1"/>
+          </a:effectRef>
+          <a:fontRef idx="minor">
+            <a:schemeClr val="lt1"/>
+          </a:fontRef>
+        </p:style>
+        <p:txBody>
+          <a:bodyPr rtlCol="0" anchor="ctr"/>
+          <a:lstStyle/>
+          <a:p>
+            <a:pPr algn="ctr"/>
+            <a:r>
+              <a:rPr lang="en-US" sz="933" dirty="0">
+                <a:solidFill>
+                  <a:schemeClr val="tx1"/>
+                </a:solidFill>
+                <a:latin typeface="Arial" panose="020B0604020202020204" pitchFamily="34" charset="0"/>
+                <a:ea typeface="Menlo" panose="020B0609030804020204" pitchFamily="49" charset="0"/>
+                <a:cs typeface="Arial" panose="020B0604020202020204" pitchFamily="34" charset="0"/>
+              </a:rPr>
+              <a:t>API Discovery</a:t>
+            </a:r>
+          </a:p>
+        </p:txBody>
+      </p:sp>
+      <p:sp>
+        <p:nvSpPr>
+          <p:cNvPr id="165" name="Rectangle 164">
+            <a:extLst>
+              <a:ext uri="{FF2B5EF4-FFF2-40B4-BE49-F238E27FC236}">
+                <a16:creationId xmlns:a16="http://schemas.microsoft.com/office/drawing/2014/main" id="{C2C55BCC-FEEE-2043-A9B5-2B1814EADDA2}"/>
+              </a:ext>
+            </a:extLst>
+          </p:cNvPr>
+          <p:cNvSpPr/>
+          <p:nvPr/>
+        </p:nvSpPr>
+        <p:spPr>
+          <a:xfrm>
+            <a:off x="3040542" y="3937283"/>
+            <a:ext cx="1368742" cy="926279"/>
+          </a:xfrm>
+          <a:prstGeom prst="rect">
+            <a:avLst/>
+          </a:prstGeom>
+          <a:solidFill>
+            <a:srgbClr val="00B19E">
+              <a:alpha val="52941"/>
+            </a:srgbClr>
+          </a:solidFill>
+          <a:ln>
+            <a:solidFill>
+              <a:schemeClr val="tx1"/>
+            </a:solidFill>
+          </a:ln>
+        </p:spPr>
+        <p:style>
+          <a:lnRef idx="2">
+            <a:schemeClr val="accent1">
+              <a:shade val="50000"/>
+            </a:schemeClr>
+          </a:lnRef>
+          <a:fillRef idx="1">
+            <a:schemeClr val="accent1"/>
+          </a:fillRef>
+          <a:effectRef idx="0">
+            <a:schemeClr val="accent1"/>
+          </a:effectRef>
+          <a:fontRef idx="minor">
+            <a:schemeClr val="lt1"/>
+          </a:fontRef>
+        </p:style>
+        <p:txBody>
+          <a:bodyPr rtlCol="0" anchor="ctr"/>
+          <a:lstStyle/>
+          <a:p>
+            <a:pPr algn="ctr"/>
+            <a:endParaRPr lang="en-US" sz="1000">
+              <a:solidFill>
+                <a:schemeClr val="tx1"/>
+              </a:solidFill>
+              <a:latin typeface="Menlo" panose="020B0609030804020204" pitchFamily="49" charset="0"/>
+              <a:ea typeface="Menlo" panose="020B0609030804020204" pitchFamily="49" charset="0"/>
+              <a:cs typeface="Menlo" panose="020B0609030804020204" pitchFamily="49" charset="0"/>
+            </a:endParaRPr>
+          </a:p>
+        </p:txBody>
+      </p:sp>
+      <p:sp>
+        <p:nvSpPr>
+          <p:cNvPr id="61" name="Rectangle 60">
+            <a:extLst>
+              <a:ext uri="{FF2B5EF4-FFF2-40B4-BE49-F238E27FC236}">
+                <a16:creationId xmlns:a16="http://schemas.microsoft.com/office/drawing/2014/main" id="{E9DE1BCE-1CFC-1441-96B8-215353ACF262}"/>
+              </a:ext>
+            </a:extLst>
+          </p:cNvPr>
+          <p:cNvSpPr/>
+          <p:nvPr/>
+        </p:nvSpPr>
+        <p:spPr>
+          <a:xfrm>
+            <a:off x="3087553" y="3982759"/>
+            <a:ext cx="1368742" cy="926279"/>
+          </a:xfrm>
+          <a:prstGeom prst="rect">
+            <a:avLst/>
+          </a:prstGeom>
+          <a:solidFill>
+            <a:srgbClr val="00B19E">
+              <a:alpha val="52941"/>
+            </a:srgbClr>
+          </a:solidFill>
+          <a:ln>
+            <a:solidFill>
+              <a:schemeClr val="tx1"/>
+            </a:solidFill>
+          </a:ln>
+        </p:spPr>
+        <p:style>
+          <a:lnRef idx="2">
+            <a:schemeClr val="accent1">
+              <a:shade val="50000"/>
+            </a:schemeClr>
+          </a:lnRef>
+          <a:fillRef idx="1">
+            <a:schemeClr val="accent1"/>
+          </a:fillRef>
+          <a:effectRef idx="0">
+            <a:schemeClr val="accent1"/>
+          </a:effectRef>
+          <a:fontRef idx="minor">
+            <a:schemeClr val="lt1"/>
+          </a:fontRef>
+        </p:style>
+        <p:txBody>
+          <a:bodyPr rtlCol="0" anchor="ctr"/>
+          <a:lstStyle/>
+          <a:p>
+            <a:pPr algn="ctr"/>
+            <a:endParaRPr lang="en-US" sz="1000">
+              <a:solidFill>
+                <a:schemeClr val="tx1"/>
+              </a:solidFill>
+              <a:latin typeface="Menlo" panose="020B0609030804020204" pitchFamily="49" charset="0"/>
+              <a:ea typeface="Menlo" panose="020B0609030804020204" pitchFamily="49" charset="0"/>
+              <a:cs typeface="Menlo" panose="020B0609030804020204" pitchFamily="49" charset="0"/>
+            </a:endParaRPr>
+          </a:p>
+        </p:txBody>
+      </p:sp>
+      <p:sp>
+        <p:nvSpPr>
+          <p:cNvPr id="62" name="Rectangle 61">
+            <a:extLst>
+              <a:ext uri="{FF2B5EF4-FFF2-40B4-BE49-F238E27FC236}">
+                <a16:creationId xmlns:a16="http://schemas.microsoft.com/office/drawing/2014/main" id="{6B2BC080-CDFD-1C40-9018-2717D47E1571}"/>
+              </a:ext>
+            </a:extLst>
+          </p:cNvPr>
+          <p:cNvSpPr/>
+          <p:nvPr/>
+        </p:nvSpPr>
+        <p:spPr>
+          <a:xfrm>
+            <a:off x="3835449" y="4670060"/>
+            <a:ext cx="569790" cy="217580"/>
+          </a:xfrm>
+          <a:prstGeom prst="rect">
+            <a:avLst/>
+          </a:prstGeom>
+          <a:noFill/>
+          <a:ln>
+            <a:solidFill>
+              <a:schemeClr val="bg2">
+                <a:lumMod val="50000"/>
+              </a:schemeClr>
+            </a:solidFill>
+          </a:ln>
+        </p:spPr>
+        <p:style>
+          <a:lnRef idx="2">
+            <a:schemeClr val="accent1">
+              <a:shade val="50000"/>
+            </a:schemeClr>
+          </a:lnRef>
+          <a:fillRef idx="1">
+            <a:schemeClr val="accent1"/>
+          </a:fillRef>
+          <a:effectRef idx="0">
+            <a:schemeClr val="accent1"/>
+          </a:effectRef>
+          <a:fontRef idx="minor">
+            <a:schemeClr val="lt1"/>
+          </a:fontRef>
+        </p:style>
+        <p:txBody>
+          <a:bodyPr rtlCol="0" anchor="ctr"/>
+          <a:lstStyle/>
+          <a:p>
+            <a:pPr algn="ctr"/>
+            <a:r>
+              <a:rPr lang="en-US" sz="900" dirty="0">
+                <a:solidFill>
+                  <a:schemeClr val="tx1"/>
+                </a:solidFill>
+                <a:latin typeface="Arial" panose="020B0604020202020204" pitchFamily="34" charset="0"/>
+                <a:ea typeface="Menlo" panose="020B0609030804020204" pitchFamily="49" charset="0"/>
+                <a:cs typeface="Arial" panose="020B0604020202020204" pitchFamily="34" charset="0"/>
+              </a:rPr>
+              <a:t>3270</a:t>
+            </a:r>
+          </a:p>
+        </p:txBody>
+      </p:sp>
+      <p:sp>
+        <p:nvSpPr>
+          <p:cNvPr id="63" name="Rectangle 62">
+            <a:extLst>
+              <a:ext uri="{FF2B5EF4-FFF2-40B4-BE49-F238E27FC236}">
+                <a16:creationId xmlns:a16="http://schemas.microsoft.com/office/drawing/2014/main" id="{656EF613-5B84-354E-925D-A378D66F1CF1}"/>
+              </a:ext>
+            </a:extLst>
+          </p:cNvPr>
+          <p:cNvSpPr/>
+          <p:nvPr/>
+        </p:nvSpPr>
+        <p:spPr>
+          <a:xfrm>
+            <a:off x="3799361" y="4236410"/>
+            <a:ext cx="624537" cy="349949"/>
+          </a:xfrm>
+          <a:prstGeom prst="rect">
+            <a:avLst/>
+          </a:prstGeom>
+          <a:noFill/>
+          <a:ln>
+            <a:solidFill>
+              <a:schemeClr val="bg2">
+                <a:lumMod val="50000"/>
+              </a:schemeClr>
+            </a:solidFill>
+          </a:ln>
+        </p:spPr>
+        <p:style>
+          <a:lnRef idx="2">
+            <a:schemeClr val="accent1">
+              <a:shade val="50000"/>
+            </a:schemeClr>
+          </a:lnRef>
+          <a:fillRef idx="1">
+            <a:schemeClr val="accent1"/>
+          </a:fillRef>
+          <a:effectRef idx="0">
+            <a:schemeClr val="accent1"/>
+          </a:effectRef>
+          <a:fontRef idx="minor">
+            <a:schemeClr val="lt1"/>
+          </a:fontRef>
+        </p:style>
+        <p:txBody>
+          <a:bodyPr rtlCol="0" anchor="ctr"/>
+          <a:lstStyle/>
+          <a:p>
+            <a:pPr algn="ctr"/>
+            <a:r>
+              <a:rPr lang="en-US" sz="900" dirty="0">
+                <a:solidFill>
+                  <a:schemeClr val="tx1"/>
+                </a:solidFill>
+                <a:latin typeface="Arial" panose="020B0604020202020204" pitchFamily="34" charset="0"/>
+                <a:ea typeface="Menlo" panose="020B0609030804020204" pitchFamily="49" charset="0"/>
+                <a:cs typeface="Arial" panose="020B0604020202020204" pitchFamily="34" charset="0"/>
+              </a:rPr>
+              <a:t>File Editor</a:t>
+            </a:r>
+          </a:p>
+        </p:txBody>
+      </p:sp>
+      <p:sp>
+        <p:nvSpPr>
+          <p:cNvPr id="138" name="Rectangle 137">
+            <a:extLst>
+              <a:ext uri="{FF2B5EF4-FFF2-40B4-BE49-F238E27FC236}">
+                <a16:creationId xmlns:a16="http://schemas.microsoft.com/office/drawing/2014/main" id="{3393705B-5787-6447-9F08-340A717D7704}"/>
+              </a:ext>
+            </a:extLst>
+          </p:cNvPr>
+          <p:cNvSpPr/>
+          <p:nvPr/>
+        </p:nvSpPr>
+        <p:spPr>
+          <a:xfrm>
+            <a:off x="3158690" y="4525569"/>
+            <a:ext cx="579622" cy="344954"/>
+          </a:xfrm>
+          <a:prstGeom prst="rect">
+            <a:avLst/>
+          </a:prstGeom>
+          <a:noFill/>
+          <a:ln>
+            <a:solidFill>
+              <a:schemeClr val="bg2">
+                <a:lumMod val="50000"/>
+              </a:schemeClr>
+            </a:solidFill>
+          </a:ln>
+        </p:spPr>
+        <p:style>
+          <a:lnRef idx="2">
+            <a:schemeClr val="accent1">
+              <a:shade val="50000"/>
+            </a:schemeClr>
+          </a:lnRef>
+          <a:fillRef idx="1">
+            <a:schemeClr val="accent1"/>
+          </a:fillRef>
+          <a:effectRef idx="0">
+            <a:schemeClr val="accent1"/>
+          </a:effectRef>
+          <a:fontRef idx="minor">
+            <a:schemeClr val="lt1"/>
+          </a:fontRef>
+        </p:style>
+        <p:txBody>
+          <a:bodyPr rtlCol="0" anchor="ctr"/>
+          <a:lstStyle/>
+          <a:p>
+            <a:pPr algn="ctr"/>
+            <a:r>
+              <a:rPr lang="en-US" sz="800" dirty="0">
+                <a:solidFill>
+                  <a:schemeClr val="tx1"/>
+                </a:solidFill>
+                <a:latin typeface="Arial" panose="020B0604020202020204" pitchFamily="34" charset="0"/>
+                <a:ea typeface="Menlo" panose="020B0609030804020204" pitchFamily="49" charset="0"/>
+                <a:cs typeface="Arial" panose="020B0604020202020204" pitchFamily="34" charset="0"/>
+              </a:rPr>
+              <a:t>VT Terminal</a:t>
+            </a:r>
+          </a:p>
+        </p:txBody>
+      </p:sp>
+      <p:sp>
+        <p:nvSpPr>
+          <p:cNvPr id="142" name="Rectangle 141">
+            <a:extLst>
+              <a:ext uri="{FF2B5EF4-FFF2-40B4-BE49-F238E27FC236}">
+                <a16:creationId xmlns:a16="http://schemas.microsoft.com/office/drawing/2014/main" id="{E17F3A9C-A6B3-9F45-A0B2-B5E10E56C36B}"/>
+              </a:ext>
+            </a:extLst>
+          </p:cNvPr>
+          <p:cNvSpPr/>
+          <p:nvPr/>
+        </p:nvSpPr>
+        <p:spPr>
+          <a:xfrm>
+            <a:off x="3150392" y="4036584"/>
+            <a:ext cx="569790" cy="217580"/>
+          </a:xfrm>
+          <a:prstGeom prst="rect">
+            <a:avLst/>
+          </a:prstGeom>
+          <a:noFill/>
+          <a:ln>
+            <a:solidFill>
+              <a:schemeClr val="bg2">
+                <a:lumMod val="50000"/>
+              </a:schemeClr>
+            </a:solidFill>
+          </a:ln>
+        </p:spPr>
+        <p:style>
+          <a:lnRef idx="2">
+            <a:schemeClr val="accent1">
+              <a:shade val="50000"/>
+            </a:schemeClr>
+          </a:lnRef>
+          <a:fillRef idx="1">
+            <a:schemeClr val="accent1"/>
+          </a:fillRef>
+          <a:effectRef idx="0">
+            <a:schemeClr val="accent1"/>
+          </a:effectRef>
+          <a:fontRef idx="minor">
+            <a:schemeClr val="lt1"/>
+          </a:fontRef>
+        </p:style>
+        <p:txBody>
+          <a:bodyPr rtlCol="0" anchor="ctr"/>
+          <a:lstStyle/>
+          <a:p>
+            <a:pPr algn="ctr"/>
+            <a:r>
+              <a:rPr lang="en-US" sz="900" dirty="0">
+                <a:solidFill>
+                  <a:schemeClr val="tx1"/>
+                </a:solidFill>
+                <a:latin typeface="Arial" panose="020B0604020202020204" pitchFamily="34" charset="0"/>
+                <a:ea typeface="Menlo" panose="020B0609030804020204" pitchFamily="49" charset="0"/>
+                <a:cs typeface="Arial" panose="020B0604020202020204" pitchFamily="34" charset="0"/>
+              </a:rPr>
+              <a:t>Apps…</a:t>
+            </a:r>
+          </a:p>
+        </p:txBody>
+      </p:sp>
+      <p:sp>
+        <p:nvSpPr>
+          <p:cNvPr id="127" name="TextBox 126">
+            <a:extLst>
+              <a:ext uri="{FF2B5EF4-FFF2-40B4-BE49-F238E27FC236}">
+                <a16:creationId xmlns:a16="http://schemas.microsoft.com/office/drawing/2014/main" id="{BD7044A3-253D-A14C-A1A8-C730E2C88A92}"/>
+              </a:ext>
+            </a:extLst>
+          </p:cNvPr>
+          <p:cNvSpPr txBox="1"/>
+          <p:nvPr/>
+        </p:nvSpPr>
+        <p:spPr>
+          <a:xfrm>
+            <a:off x="3091090" y="4254380"/>
+            <a:ext cx="489236" cy="235449"/>
+          </a:xfrm>
+          <a:prstGeom prst="rect">
+            <a:avLst/>
+          </a:prstGeom>
+          <a:noFill/>
+        </p:spPr>
+        <p:txBody>
+          <a:bodyPr wrap="none" rtlCol="0">
+            <a:spAutoFit/>
+          </a:bodyPr>
+          <a:lstStyle/>
+          <a:p>
+            <a:r>
+              <a:rPr lang="en-US" sz="930" dirty="0">
+                <a:latin typeface="Arial" panose="020B0604020202020204" pitchFamily="34" charset="0"/>
+                <a:cs typeface="Arial" panose="020B0604020202020204" pitchFamily="34" charset="0"/>
+              </a:rPr>
+              <a:t>ZLUX</a:t>
+            </a:r>
+          </a:p>
+        </p:txBody>
+      </p:sp>
+      <p:sp>
+        <p:nvSpPr>
+          <p:cNvPr id="166" name="Left Arrow 165">
+            <a:extLst>
+              <a:ext uri="{FF2B5EF4-FFF2-40B4-BE49-F238E27FC236}">
+                <a16:creationId xmlns:a16="http://schemas.microsoft.com/office/drawing/2014/main" id="{E3A1F7F5-C596-9D41-9E34-C022C65EDBD1}"/>
+              </a:ext>
+            </a:extLst>
+          </p:cNvPr>
+          <p:cNvSpPr/>
+          <p:nvPr/>
+        </p:nvSpPr>
+        <p:spPr>
+          <a:xfrm>
+            <a:off x="3721048" y="3952407"/>
+            <a:ext cx="708625" cy="282803"/>
+          </a:xfrm>
+          <a:prstGeom prst="leftArrow">
+            <a:avLst>
+              <a:gd name="adj1" fmla="val 42034"/>
+              <a:gd name="adj2" fmla="val 50000"/>
+            </a:avLst>
+          </a:prstGeom>
+          <a:solidFill>
+            <a:schemeClr val="accent1">
+              <a:lumMod val="20000"/>
+              <a:lumOff val="80000"/>
+            </a:schemeClr>
+          </a:solidFill>
+          <a:ln w="19050">
+            <a:solidFill>
+              <a:schemeClr val="accent5">
+                <a:lumMod val="60000"/>
+                <a:lumOff val="40000"/>
+              </a:schemeClr>
+            </a:solidFill>
+          </a:ln>
+        </p:spPr>
+        <p:style>
+          <a:lnRef idx="2">
+            <a:schemeClr val="accent1">
+              <a:shade val="50000"/>
+            </a:schemeClr>
+          </a:lnRef>
+          <a:fillRef idx="1">
+            <a:schemeClr val="accent1"/>
+          </a:fillRef>
+          <a:effectRef idx="0">
+            <a:schemeClr val="accent1"/>
+          </a:effectRef>
+          <a:fontRef idx="minor">
+            <a:schemeClr val="lt1"/>
+          </a:fontRef>
+        </p:style>
+        <p:txBody>
+          <a:bodyPr rtlCol="0" anchor="ctr"/>
+          <a:lstStyle/>
+          <a:p>
+            <a:pPr algn="ctr"/>
+            <a:r>
+              <a:rPr lang="en-US" sz="900" dirty="0">
+                <a:solidFill>
+                  <a:schemeClr val="tx1"/>
+                </a:solidFill>
+                <a:latin typeface="Arial" panose="020B0604020202020204" pitchFamily="34" charset="0"/>
+                <a:cs typeface="Arial" panose="020B0604020202020204" pitchFamily="34" charset="0"/>
+              </a:rPr>
+              <a:t>Included</a:t>
+            </a:r>
+          </a:p>
+        </p:txBody>
+      </p:sp>
+      <p:sp>
+        <p:nvSpPr>
+          <p:cNvPr id="169" name="Rectangle 168">
+            <a:extLst>
+              <a:ext uri="{FF2B5EF4-FFF2-40B4-BE49-F238E27FC236}">
+                <a16:creationId xmlns:a16="http://schemas.microsoft.com/office/drawing/2014/main" id="{78ADFDC3-6A72-2346-A88C-47075DA5D815}"/>
+              </a:ext>
+            </a:extLst>
+          </p:cNvPr>
+          <p:cNvSpPr/>
+          <p:nvPr/>
+        </p:nvSpPr>
+        <p:spPr>
+          <a:xfrm>
+            <a:off x="6279560" y="4445807"/>
+            <a:ext cx="517682" cy="311869"/>
+          </a:xfrm>
+          <a:prstGeom prst="rect">
+            <a:avLst/>
+          </a:prstGeom>
+          <a:solidFill>
+            <a:schemeClr val="accent4">
+              <a:lumMod val="60000"/>
+              <a:lumOff val="40000"/>
+              <a:alpha val="97647"/>
+            </a:schemeClr>
+          </a:solidFill>
+          <a:ln>
+            <a:solidFill>
+              <a:schemeClr val="accent4">
+                <a:lumMod val="75000"/>
+              </a:schemeClr>
+            </a:solidFill>
+          </a:ln>
+        </p:spPr>
+        <p:style>
+          <a:lnRef idx="2">
+            <a:schemeClr val="accent1">
+              <a:shade val="50000"/>
+            </a:schemeClr>
+          </a:lnRef>
+          <a:fillRef idx="1">
+            <a:schemeClr val="accent1"/>
+          </a:fillRef>
+          <a:effectRef idx="0">
+            <a:schemeClr val="accent1"/>
+          </a:effectRef>
+          <a:fontRef idx="minor">
+            <a:schemeClr val="lt1"/>
+          </a:fontRef>
+        </p:style>
+        <p:txBody>
+          <a:bodyPr rtlCol="0" anchor="ctr"/>
+          <a:lstStyle/>
+          <a:p>
+            <a:pPr algn="ctr"/>
+            <a:r>
+              <a:rPr lang="en-US" sz="933" dirty="0">
+                <a:solidFill>
+                  <a:schemeClr val="tx1"/>
+                </a:solidFill>
+                <a:latin typeface="Arial" panose="020B0604020202020204" pitchFamily="34" charset="0"/>
+                <a:ea typeface="Menlo" panose="020B0609030804020204" pitchFamily="49" charset="0"/>
+                <a:cs typeface="Arial" panose="020B0604020202020204" pitchFamily="34" charset="0"/>
+              </a:rPr>
+              <a:t>File API</a:t>
+            </a:r>
+          </a:p>
+        </p:txBody>
+      </p:sp>
+      <p:sp>
+        <p:nvSpPr>
+          <p:cNvPr id="170" name="Rectangle 169">
+            <a:extLst>
+              <a:ext uri="{FF2B5EF4-FFF2-40B4-BE49-F238E27FC236}">
+                <a16:creationId xmlns:a16="http://schemas.microsoft.com/office/drawing/2014/main" id="{63D0CFD3-4279-FE47-9EAA-EA79EEE08C2C}"/>
+              </a:ext>
+            </a:extLst>
+          </p:cNvPr>
+          <p:cNvSpPr/>
+          <p:nvPr/>
+        </p:nvSpPr>
+        <p:spPr>
+          <a:xfrm>
+            <a:off x="6853373" y="4445807"/>
+            <a:ext cx="498855" cy="311869"/>
+          </a:xfrm>
+          <a:prstGeom prst="rect">
+            <a:avLst/>
+          </a:prstGeom>
+          <a:solidFill>
+            <a:schemeClr val="accent4">
+              <a:lumMod val="60000"/>
+              <a:lumOff val="40000"/>
+              <a:alpha val="97647"/>
+            </a:schemeClr>
+          </a:solidFill>
+          <a:ln>
+            <a:solidFill>
+              <a:schemeClr val="accent4">
+                <a:lumMod val="75000"/>
+              </a:schemeClr>
+            </a:solidFill>
+          </a:ln>
+        </p:spPr>
+        <p:style>
+          <a:lnRef idx="2">
+            <a:schemeClr val="accent1">
+              <a:shade val="50000"/>
+            </a:schemeClr>
+          </a:lnRef>
+          <a:fillRef idx="1">
+            <a:schemeClr val="accent1"/>
+          </a:fillRef>
+          <a:effectRef idx="0">
+            <a:schemeClr val="accent1"/>
+          </a:effectRef>
+          <a:fontRef idx="minor">
+            <a:schemeClr val="lt1"/>
+          </a:fontRef>
+        </p:style>
+        <p:txBody>
+          <a:bodyPr rtlCol="0" anchor="ctr"/>
+          <a:lstStyle/>
+          <a:p>
+            <a:pPr algn="ctr"/>
+            <a:r>
+              <a:rPr lang="en-US" sz="933" dirty="0">
+                <a:solidFill>
+                  <a:schemeClr val="tx1"/>
+                </a:solidFill>
+                <a:latin typeface="Arial" panose="020B0604020202020204" pitchFamily="34" charset="0"/>
+                <a:ea typeface="Menlo" panose="020B0609030804020204" pitchFamily="49" charset="0"/>
+                <a:cs typeface="Arial" panose="020B0604020202020204" pitchFamily="34" charset="0"/>
+              </a:rPr>
+              <a:t>JES API</a:t>
+            </a:r>
+          </a:p>
+        </p:txBody>
+      </p:sp>
+      <p:sp>
+        <p:nvSpPr>
+          <p:cNvPr id="171" name="Rectangle 170">
+            <a:extLst>
+              <a:ext uri="{FF2B5EF4-FFF2-40B4-BE49-F238E27FC236}">
+                <a16:creationId xmlns:a16="http://schemas.microsoft.com/office/drawing/2014/main" id="{07D2BC52-5396-5C48-A942-A2C61B017427}"/>
+              </a:ext>
+            </a:extLst>
+          </p:cNvPr>
+          <p:cNvSpPr/>
+          <p:nvPr/>
+        </p:nvSpPr>
+        <p:spPr>
+          <a:xfrm rot="5400000">
+            <a:off x="4041416" y="-419847"/>
+            <a:ext cx="599846" cy="6278818"/>
+          </a:xfrm>
+          <a:prstGeom prst="rect">
+            <a:avLst/>
+          </a:prstGeom>
+          <a:solidFill>
+            <a:schemeClr val="accent4">
+              <a:lumMod val="60000"/>
+              <a:lumOff val="40000"/>
+              <a:alpha val="97647"/>
+            </a:schemeClr>
+          </a:solidFill>
+          <a:ln>
+            <a:solidFill>
+              <a:schemeClr val="accent4">
+                <a:lumMod val="75000"/>
+              </a:schemeClr>
+            </a:solidFill>
+          </a:ln>
+        </p:spPr>
+        <p:style>
+          <a:lnRef idx="2">
+            <a:schemeClr val="accent1">
+              <a:shade val="50000"/>
+            </a:schemeClr>
+          </a:lnRef>
+          <a:fillRef idx="1">
+            <a:schemeClr val="accent1"/>
+          </a:fillRef>
+          <a:effectRef idx="0">
+            <a:schemeClr val="accent1"/>
+          </a:effectRef>
+          <a:fontRef idx="minor">
+            <a:schemeClr val="lt1"/>
+          </a:fontRef>
+        </p:style>
+        <p:txBody>
+          <a:bodyPr rtlCol="0" anchor="ctr"/>
+          <a:lstStyle/>
+          <a:p>
+            <a:pPr algn="ctr"/>
+            <a:endParaRPr lang="en-US"/>
+          </a:p>
+        </p:txBody>
+      </p:sp>
+      <p:sp>
+        <p:nvSpPr>
+          <p:cNvPr id="27" name="Rectangle 26">
+            <a:extLst>
+              <a:ext uri="{FF2B5EF4-FFF2-40B4-BE49-F238E27FC236}">
+                <a16:creationId xmlns:a16="http://schemas.microsoft.com/office/drawing/2014/main" id="{B8BD38E5-B719-A040-961F-CB1DDA431BCD}"/>
+              </a:ext>
+            </a:extLst>
+          </p:cNvPr>
+          <p:cNvSpPr/>
+          <p:nvPr/>
+        </p:nvSpPr>
+        <p:spPr>
+          <a:xfrm rot="5400000">
+            <a:off x="4096116" y="-380409"/>
+            <a:ext cx="599846" cy="6278818"/>
+          </a:xfrm>
+          <a:prstGeom prst="rect">
+            <a:avLst/>
+          </a:prstGeom>
+          <a:solidFill>
+            <a:schemeClr val="accent4">
+              <a:lumMod val="60000"/>
+              <a:lumOff val="40000"/>
+              <a:alpha val="97647"/>
+            </a:schemeClr>
+          </a:solidFill>
+          <a:ln>
+            <a:solidFill>
+              <a:schemeClr val="accent4">
+                <a:lumMod val="75000"/>
+              </a:schemeClr>
+            </a:solidFill>
+          </a:ln>
+        </p:spPr>
+        <p:style>
+          <a:lnRef idx="2">
+            <a:schemeClr val="accent1">
+              <a:shade val="50000"/>
+            </a:schemeClr>
+          </a:lnRef>
+          <a:fillRef idx="1">
+            <a:schemeClr val="accent1"/>
+          </a:fillRef>
+          <a:effectRef idx="0">
+            <a:schemeClr val="accent1"/>
+          </a:effectRef>
+          <a:fontRef idx="minor">
+            <a:schemeClr val="lt1"/>
+          </a:fontRef>
+        </p:style>
+        <p:txBody>
+          <a:bodyPr rtlCol="0" anchor="ctr"/>
+          <a:lstStyle/>
+          <a:p>
+            <a:pPr algn="ctr"/>
+            <a:endParaRPr lang="en-US"/>
+          </a:p>
+        </p:txBody>
+      </p:sp>
+      <p:sp>
+        <p:nvSpPr>
+          <p:cNvPr id="139" name="TextBox 138">
+            <a:extLst>
+              <a:ext uri="{FF2B5EF4-FFF2-40B4-BE49-F238E27FC236}">
+                <a16:creationId xmlns:a16="http://schemas.microsoft.com/office/drawing/2014/main" id="{1A577E84-65E5-0A43-AFE2-35C4D24B34CC}"/>
+              </a:ext>
+            </a:extLst>
+          </p:cNvPr>
+          <p:cNvSpPr txBox="1"/>
+          <p:nvPr/>
+        </p:nvSpPr>
+        <p:spPr>
+          <a:xfrm>
+            <a:off x="4098373" y="2512899"/>
+            <a:ext cx="915635" cy="235449"/>
+          </a:xfrm>
+          <a:prstGeom prst="rect">
+            <a:avLst/>
+          </a:prstGeom>
+          <a:noFill/>
+        </p:spPr>
+        <p:txBody>
+          <a:bodyPr wrap="none" rtlCol="0">
+            <a:spAutoFit/>
+          </a:bodyPr>
+          <a:lstStyle/>
+          <a:p>
+            <a:r>
+              <a:rPr lang="en-US" sz="930" dirty="0">
+                <a:latin typeface="Arial" panose="020B0604020202020204" pitchFamily="34" charset="0"/>
+                <a:cs typeface="Arial" panose="020B0604020202020204" pitchFamily="34" charset="0"/>
+              </a:rPr>
+              <a:t>API Gateway</a:t>
+            </a:r>
+          </a:p>
+        </p:txBody>
+      </p:sp>
+      <p:sp>
+        <p:nvSpPr>
+          <p:cNvPr id="172" name="Rectangle 171">
+            <a:extLst>
+              <a:ext uri="{FF2B5EF4-FFF2-40B4-BE49-F238E27FC236}">
+                <a16:creationId xmlns:a16="http://schemas.microsoft.com/office/drawing/2014/main" id="{EAD07F8E-16BF-0A41-B91F-0FA98B12E0AD}"/>
+              </a:ext>
+            </a:extLst>
+          </p:cNvPr>
+          <p:cNvSpPr/>
+          <p:nvPr/>
+        </p:nvSpPr>
+        <p:spPr>
+          <a:xfrm>
+            <a:off x="4622233" y="4251523"/>
+            <a:ext cx="471149" cy="382833"/>
+          </a:xfrm>
+          <a:prstGeom prst="rect">
+            <a:avLst/>
+          </a:prstGeom>
+          <a:solidFill>
+            <a:srgbClr val="00B19E">
+              <a:alpha val="52941"/>
+            </a:srgbClr>
+          </a:solidFill>
+          <a:ln>
+            <a:solidFill>
+              <a:schemeClr val="accent5">
+                <a:lumMod val="60000"/>
+                <a:lumOff val="40000"/>
+              </a:schemeClr>
+            </a:solidFill>
+          </a:ln>
+        </p:spPr>
+        <p:style>
+          <a:lnRef idx="2">
+            <a:schemeClr val="accent1">
+              <a:shade val="50000"/>
+            </a:schemeClr>
+          </a:lnRef>
+          <a:fillRef idx="1">
+            <a:schemeClr val="accent1"/>
+          </a:fillRef>
+          <a:effectRef idx="0">
+            <a:schemeClr val="accent1"/>
+          </a:effectRef>
+          <a:fontRef idx="minor">
+            <a:schemeClr val="lt1"/>
+          </a:fontRef>
+        </p:style>
+        <p:txBody>
+          <a:bodyPr rtlCol="0" anchor="ctr"/>
+          <a:lstStyle/>
+          <a:p>
+            <a:pPr algn="ctr"/>
+            <a:r>
+              <a:rPr lang="en-US" sz="933" dirty="0">
+                <a:solidFill>
+                  <a:schemeClr val="tx1"/>
+                </a:solidFill>
+                <a:latin typeface="Arial" panose="020B0604020202020204" pitchFamily="34" charset="0"/>
+                <a:ea typeface="Menlo" panose="020B0609030804020204" pitchFamily="49" charset="0"/>
+                <a:cs typeface="Arial" panose="020B0604020202020204" pitchFamily="34" charset="0"/>
+              </a:rPr>
+              <a:t>MVS UI</a:t>
+            </a:r>
+          </a:p>
+        </p:txBody>
+      </p:sp>
+      <p:sp>
+        <p:nvSpPr>
+          <p:cNvPr id="173" name="Rectangle 172">
+            <a:extLst>
+              <a:ext uri="{FF2B5EF4-FFF2-40B4-BE49-F238E27FC236}">
+                <a16:creationId xmlns:a16="http://schemas.microsoft.com/office/drawing/2014/main" id="{1D80120D-1BD2-304A-81CD-20D4A0286AEE}"/>
+              </a:ext>
+            </a:extLst>
+          </p:cNvPr>
+          <p:cNvSpPr/>
+          <p:nvPr/>
+        </p:nvSpPr>
+        <p:spPr>
+          <a:xfrm>
+            <a:off x="5146586" y="4253846"/>
+            <a:ext cx="454307" cy="380510"/>
+          </a:xfrm>
+          <a:prstGeom prst="rect">
+            <a:avLst/>
+          </a:prstGeom>
+          <a:solidFill>
+            <a:srgbClr val="00B19E">
+              <a:alpha val="52941"/>
+            </a:srgbClr>
+          </a:solidFill>
+          <a:ln>
+            <a:solidFill>
+              <a:schemeClr val="accent5">
+                <a:lumMod val="60000"/>
+                <a:lumOff val="40000"/>
+              </a:schemeClr>
+            </a:solidFill>
+          </a:ln>
+        </p:spPr>
+        <p:style>
+          <a:lnRef idx="2">
+            <a:schemeClr val="accent1">
+              <a:shade val="50000"/>
+            </a:schemeClr>
+          </a:lnRef>
+          <a:fillRef idx="1">
+            <a:schemeClr val="accent1"/>
+          </a:fillRef>
+          <a:effectRef idx="0">
+            <a:schemeClr val="accent1"/>
+          </a:effectRef>
+          <a:fontRef idx="minor">
+            <a:schemeClr val="lt1"/>
+          </a:fontRef>
+        </p:style>
+        <p:txBody>
+          <a:bodyPr rtlCol="0" anchor="ctr"/>
+          <a:lstStyle/>
+          <a:p>
+            <a:pPr algn="ctr"/>
+            <a:r>
+              <a:rPr lang="en-US" sz="933" dirty="0">
+                <a:solidFill>
+                  <a:schemeClr val="tx1"/>
+                </a:solidFill>
+                <a:latin typeface="Arial" panose="020B0604020202020204" pitchFamily="34" charset="0"/>
+                <a:ea typeface="Menlo" panose="020B0609030804020204" pitchFamily="49" charset="0"/>
+                <a:cs typeface="Arial" panose="020B0604020202020204" pitchFamily="34" charset="0"/>
+              </a:rPr>
+              <a:t>JES UI</a:t>
+            </a:r>
+          </a:p>
+        </p:txBody>
+      </p:sp>
+      <p:sp>
+        <p:nvSpPr>
+          <p:cNvPr id="174" name="Rectangle 173">
+            <a:extLst>
+              <a:ext uri="{FF2B5EF4-FFF2-40B4-BE49-F238E27FC236}">
+                <a16:creationId xmlns:a16="http://schemas.microsoft.com/office/drawing/2014/main" id="{B6937CD5-8C90-2D4D-A225-651E2718D1DC}"/>
+              </a:ext>
+            </a:extLst>
+          </p:cNvPr>
+          <p:cNvSpPr/>
+          <p:nvPr/>
+        </p:nvSpPr>
+        <p:spPr>
+          <a:xfrm>
+            <a:off x="5665019" y="4240281"/>
+            <a:ext cx="470080" cy="394075"/>
+          </a:xfrm>
+          <a:prstGeom prst="rect">
+            <a:avLst/>
+          </a:prstGeom>
+          <a:solidFill>
+            <a:srgbClr val="00B19E">
+              <a:alpha val="52941"/>
+            </a:srgbClr>
+          </a:solidFill>
+          <a:ln>
+            <a:solidFill>
+              <a:schemeClr val="accent5">
+                <a:lumMod val="60000"/>
+                <a:lumOff val="40000"/>
+              </a:schemeClr>
+            </a:solidFill>
+          </a:ln>
+        </p:spPr>
+        <p:style>
+          <a:lnRef idx="2">
+            <a:schemeClr val="accent1">
+              <a:shade val="50000"/>
+            </a:schemeClr>
+          </a:lnRef>
+          <a:fillRef idx="1">
+            <a:schemeClr val="accent1"/>
+          </a:fillRef>
+          <a:effectRef idx="0">
+            <a:schemeClr val="accent1"/>
+          </a:effectRef>
+          <a:fontRef idx="minor">
+            <a:schemeClr val="lt1"/>
+          </a:fontRef>
+        </p:style>
+        <p:txBody>
+          <a:bodyPr rtlCol="0" anchor="ctr"/>
+          <a:lstStyle/>
+          <a:p>
+            <a:pPr algn="ctr"/>
+            <a:r>
+              <a:rPr lang="en-US" sz="933" dirty="0">
+                <a:solidFill>
+                  <a:schemeClr val="tx1"/>
+                </a:solidFill>
+                <a:latin typeface="Arial" panose="020B0604020202020204" pitchFamily="34" charset="0"/>
+                <a:ea typeface="Menlo" panose="020B0609030804020204" pitchFamily="49" charset="0"/>
+                <a:cs typeface="Arial" panose="020B0604020202020204" pitchFamily="34" charset="0"/>
+              </a:rPr>
+              <a:t>USS</a:t>
+            </a:r>
+          </a:p>
+          <a:p>
+            <a:pPr algn="ctr"/>
+            <a:r>
+              <a:rPr lang="en-US" sz="933" dirty="0">
+                <a:solidFill>
+                  <a:schemeClr val="tx1"/>
+                </a:solidFill>
+                <a:latin typeface="Arial" panose="020B0604020202020204" pitchFamily="34" charset="0"/>
+                <a:ea typeface="Menlo" panose="020B0609030804020204" pitchFamily="49" charset="0"/>
+                <a:cs typeface="Arial" panose="020B0604020202020204" pitchFamily="34" charset="0"/>
+              </a:rPr>
+              <a:t>UI</a:t>
+            </a:r>
+          </a:p>
+        </p:txBody>
+      </p:sp>
+      <p:sp>
+        <p:nvSpPr>
+          <p:cNvPr id="5" name="Rectangle 4">
+            <a:extLst>
+              <a:ext uri="{FF2B5EF4-FFF2-40B4-BE49-F238E27FC236}">
+                <a16:creationId xmlns:a16="http://schemas.microsoft.com/office/drawing/2014/main" id="{FF0AB0C1-250A-2B48-8B16-1EC7C1C5F9AE}"/>
+              </a:ext>
+            </a:extLst>
+          </p:cNvPr>
+          <p:cNvSpPr/>
+          <p:nvPr/>
+        </p:nvSpPr>
+        <p:spPr>
+          <a:xfrm>
+            <a:off x="1118495" y="2316938"/>
+            <a:ext cx="6484680" cy="873149"/>
+          </a:xfrm>
+          <a:prstGeom prst="rect">
+            <a:avLst/>
+          </a:prstGeom>
+          <a:noFill/>
+          <a:ln w="9525" cap="flat" cmpd="sng" algn="ctr">
+            <a:solidFill>
+              <a:schemeClr val="dk1"/>
+            </a:solidFill>
+            <a:prstDash val="dash"/>
+            <a:round/>
+            <a:headEnd type="none" w="med" len="med"/>
+            <a:tailEnd type="none" w="med" len="med"/>
+          </a:ln>
+        </p:spPr>
+        <p:style>
+          <a:lnRef idx="0">
+            <a:scrgbClr r="0" g="0" b="0"/>
+          </a:lnRef>
+          <a:fillRef idx="0">
+            <a:scrgbClr r="0" g="0" b="0"/>
+          </a:fillRef>
+          <a:effectRef idx="0">
+            <a:scrgbClr r="0" g="0" b="0"/>
+          </a:effectRef>
+          <a:fontRef idx="minor">
+            <a:schemeClr val="dk1"/>
+          </a:fontRef>
+        </p:style>
+        <p:txBody>
+          <a:bodyPr rtlCol="0" anchor="ctr"/>
+          <a:lstStyle/>
+          <a:p>
+            <a:pPr algn="ctr"/>
+            <a:endParaRPr lang="en-US" dirty="0"/>
+          </a:p>
+        </p:txBody>
+      </p:sp>
+      <p:sp>
+        <p:nvSpPr>
+          <p:cNvPr id="175" name="Rectangle 174">
+            <a:extLst>
+              <a:ext uri="{FF2B5EF4-FFF2-40B4-BE49-F238E27FC236}">
+                <a16:creationId xmlns:a16="http://schemas.microsoft.com/office/drawing/2014/main" id="{51A76935-F475-4740-85FC-3E89CEC3A044}"/>
+              </a:ext>
+            </a:extLst>
+          </p:cNvPr>
+          <p:cNvSpPr/>
+          <p:nvPr/>
+        </p:nvSpPr>
+        <p:spPr>
+          <a:xfrm>
+            <a:off x="2797290" y="3318720"/>
+            <a:ext cx="853154" cy="521672"/>
+          </a:xfrm>
+          <a:prstGeom prst="rect">
+            <a:avLst/>
+          </a:prstGeom>
+          <a:noFill/>
+          <a:ln w="9525" cap="flat" cmpd="sng" algn="ctr">
+            <a:solidFill>
+              <a:schemeClr val="dk1"/>
+            </a:solidFill>
+            <a:prstDash val="dash"/>
+            <a:round/>
+            <a:headEnd type="none" w="med" len="med"/>
+            <a:tailEnd type="none" w="med" len="med"/>
+          </a:ln>
+        </p:spPr>
+        <p:style>
+          <a:lnRef idx="0">
+            <a:scrgbClr r="0" g="0" b="0"/>
+          </a:lnRef>
+          <a:fillRef idx="0">
+            <a:scrgbClr r="0" g="0" b="0"/>
+          </a:fillRef>
+          <a:effectRef idx="0">
+            <a:scrgbClr r="0" g="0" b="0"/>
+          </a:effectRef>
+          <a:fontRef idx="minor">
+            <a:schemeClr val="dk1"/>
+          </a:fontRef>
+        </p:style>
+        <p:txBody>
+          <a:bodyPr rtlCol="0" anchor="ctr"/>
+          <a:lstStyle/>
+          <a:p>
+            <a:pPr algn="ctr"/>
+            <a:endParaRPr lang="en-US"/>
+          </a:p>
+        </p:txBody>
+      </p:sp>
+      <p:sp>
+        <p:nvSpPr>
+          <p:cNvPr id="176" name="Rectangle 175">
+            <a:extLst>
+              <a:ext uri="{FF2B5EF4-FFF2-40B4-BE49-F238E27FC236}">
+                <a16:creationId xmlns:a16="http://schemas.microsoft.com/office/drawing/2014/main" id="{D46BFD3A-ECEB-C24C-A7E6-55DBF3EFC193}"/>
+              </a:ext>
+            </a:extLst>
+          </p:cNvPr>
+          <p:cNvSpPr/>
+          <p:nvPr/>
+        </p:nvSpPr>
+        <p:spPr>
+          <a:xfrm>
+            <a:off x="2024247" y="3319311"/>
+            <a:ext cx="777830" cy="521672"/>
+          </a:xfrm>
+          <a:prstGeom prst="rect">
+            <a:avLst/>
+          </a:prstGeom>
+          <a:noFill/>
+          <a:ln w="9525" cap="flat" cmpd="sng" algn="ctr">
+            <a:solidFill>
+              <a:schemeClr val="dk1"/>
+            </a:solidFill>
+            <a:prstDash val="dash"/>
+            <a:round/>
+            <a:headEnd type="none" w="med" len="med"/>
+            <a:tailEnd type="none" w="med" len="med"/>
+          </a:ln>
+        </p:spPr>
+        <p:style>
+          <a:lnRef idx="0">
+            <a:scrgbClr r="0" g="0" b="0"/>
+          </a:lnRef>
+          <a:fillRef idx="0">
+            <a:scrgbClr r="0" g="0" b="0"/>
+          </a:fillRef>
+          <a:effectRef idx="0">
+            <a:scrgbClr r="0" g="0" b="0"/>
+          </a:effectRef>
+          <a:fontRef idx="minor">
+            <a:schemeClr val="dk1"/>
+          </a:fontRef>
+        </p:style>
+        <p:txBody>
+          <a:bodyPr rtlCol="0" anchor="ctr"/>
+          <a:lstStyle/>
+          <a:p>
+            <a:pPr algn="ctr"/>
+            <a:endParaRPr lang="en-US"/>
+          </a:p>
+        </p:txBody>
+      </p:sp>
+      <p:sp>
+        <p:nvSpPr>
+          <p:cNvPr id="177" name="TextBox 176">
+            <a:extLst>
+              <a:ext uri="{FF2B5EF4-FFF2-40B4-BE49-F238E27FC236}">
+                <a16:creationId xmlns:a16="http://schemas.microsoft.com/office/drawing/2014/main" id="{8CEBFB70-490E-1B4F-820E-F0A9E32A57E2}"/>
+              </a:ext>
+            </a:extLst>
+          </p:cNvPr>
+          <p:cNvSpPr txBox="1"/>
+          <p:nvPr/>
+        </p:nvSpPr>
+        <p:spPr>
+          <a:xfrm>
+            <a:off x="1842584" y="3786316"/>
+            <a:ext cx="1037463" cy="215444"/>
+          </a:xfrm>
+          <a:prstGeom prst="rect">
+            <a:avLst/>
+          </a:prstGeom>
+          <a:noFill/>
+        </p:spPr>
+        <p:txBody>
+          <a:bodyPr wrap="none" rtlCol="0">
+            <a:spAutoFit/>
+          </a:bodyPr>
+          <a:lstStyle/>
+          <a:p>
+            <a:r>
+              <a:rPr lang="en-US" sz="800" dirty="0">
+                <a:solidFill>
+                  <a:srgbClr val="C00000"/>
+                </a:solidFill>
+              </a:rPr>
+              <a:t>Deployment/Service</a:t>
+            </a:r>
+          </a:p>
+        </p:txBody>
+      </p:sp>
+      <p:sp>
+        <p:nvSpPr>
+          <p:cNvPr id="178" name="TextBox 177">
+            <a:extLst>
+              <a:ext uri="{FF2B5EF4-FFF2-40B4-BE49-F238E27FC236}">
+                <a16:creationId xmlns:a16="http://schemas.microsoft.com/office/drawing/2014/main" id="{54C56AF6-23F5-4245-B35D-A90101B18FA9}"/>
+              </a:ext>
+            </a:extLst>
+          </p:cNvPr>
+          <p:cNvSpPr txBox="1"/>
+          <p:nvPr/>
+        </p:nvSpPr>
+        <p:spPr>
+          <a:xfrm>
+            <a:off x="5933197" y="2136522"/>
+            <a:ext cx="1037463" cy="215444"/>
+          </a:xfrm>
+          <a:prstGeom prst="rect">
+            <a:avLst/>
+          </a:prstGeom>
+          <a:noFill/>
+        </p:spPr>
+        <p:txBody>
+          <a:bodyPr wrap="none" rtlCol="0">
+            <a:spAutoFit/>
+          </a:bodyPr>
+          <a:lstStyle/>
+          <a:p>
+            <a:r>
+              <a:rPr lang="en-US" sz="800" dirty="0">
+                <a:solidFill>
+                  <a:srgbClr val="C00000"/>
+                </a:solidFill>
+              </a:rPr>
+              <a:t>Deployment/Service</a:t>
+            </a:r>
+          </a:p>
+        </p:txBody>
+      </p:sp>
+      <p:sp>
+        <p:nvSpPr>
+          <p:cNvPr id="179" name="TextBox 178">
+            <a:extLst>
+              <a:ext uri="{FF2B5EF4-FFF2-40B4-BE49-F238E27FC236}">
+                <a16:creationId xmlns:a16="http://schemas.microsoft.com/office/drawing/2014/main" id="{5450C914-5222-0E43-BE70-29EEECD03B27}"/>
+              </a:ext>
+            </a:extLst>
+          </p:cNvPr>
+          <p:cNvSpPr txBox="1"/>
+          <p:nvPr/>
+        </p:nvSpPr>
+        <p:spPr>
+          <a:xfrm>
+            <a:off x="7226188" y="2863879"/>
+            <a:ext cx="346570" cy="215444"/>
+          </a:xfrm>
+          <a:prstGeom prst="rect">
+            <a:avLst/>
+          </a:prstGeom>
+          <a:noFill/>
+        </p:spPr>
+        <p:txBody>
+          <a:bodyPr wrap="none" rtlCol="0">
+            <a:spAutoFit/>
+          </a:bodyPr>
+          <a:lstStyle/>
+          <a:p>
+            <a:r>
+              <a:rPr lang="en-US" sz="800" dirty="0">
+                <a:solidFill>
+                  <a:srgbClr val="C00000"/>
+                </a:solidFill>
+              </a:rPr>
+              <a:t>Pod</a:t>
+            </a:r>
+          </a:p>
+        </p:txBody>
+      </p:sp>
+      <p:sp>
+        <p:nvSpPr>
+          <p:cNvPr id="180" name="TextBox 179">
+            <a:extLst>
+              <a:ext uri="{FF2B5EF4-FFF2-40B4-BE49-F238E27FC236}">
+                <a16:creationId xmlns:a16="http://schemas.microsoft.com/office/drawing/2014/main" id="{7CE9534E-04BB-144C-937E-A66262DA6BF9}"/>
+              </a:ext>
+            </a:extLst>
+          </p:cNvPr>
+          <p:cNvSpPr txBox="1"/>
+          <p:nvPr/>
+        </p:nvSpPr>
+        <p:spPr>
+          <a:xfrm>
+            <a:off x="4514358" y="1820373"/>
+            <a:ext cx="479618" cy="215444"/>
+          </a:xfrm>
+          <a:prstGeom prst="rect">
+            <a:avLst/>
+          </a:prstGeom>
+          <a:noFill/>
+        </p:spPr>
+        <p:txBody>
+          <a:bodyPr wrap="none" rtlCol="0">
+            <a:spAutoFit/>
+          </a:bodyPr>
+          <a:lstStyle/>
+          <a:p>
+            <a:r>
+              <a:rPr lang="en-US" sz="800" dirty="0">
+                <a:solidFill>
+                  <a:srgbClr val="C00000"/>
+                </a:solidFill>
+              </a:rPr>
+              <a:t>Ingress</a:t>
+            </a:r>
+          </a:p>
+        </p:txBody>
+      </p:sp>
+      <p:sp>
+        <p:nvSpPr>
+          <p:cNvPr id="181" name="TextBox 180">
+            <a:extLst>
+              <a:ext uri="{FF2B5EF4-FFF2-40B4-BE49-F238E27FC236}">
+                <a16:creationId xmlns:a16="http://schemas.microsoft.com/office/drawing/2014/main" id="{542256E8-E81D-BD4C-8950-B8205821F927}"/>
+              </a:ext>
+            </a:extLst>
+          </p:cNvPr>
+          <p:cNvSpPr txBox="1"/>
+          <p:nvPr/>
+        </p:nvSpPr>
+        <p:spPr>
+          <a:xfrm>
+            <a:off x="678572" y="2242704"/>
+            <a:ext cx="307777" cy="1111843"/>
+          </a:xfrm>
+          <a:prstGeom prst="rect">
+            <a:avLst/>
+          </a:prstGeom>
+          <a:noFill/>
+        </p:spPr>
+        <p:txBody>
+          <a:bodyPr vert="vert270" wrap="none" rtlCol="0">
+            <a:spAutoFit/>
+          </a:bodyPr>
+          <a:lstStyle/>
+          <a:p>
+            <a:r>
+              <a:rPr lang="en-US" sz="800" dirty="0">
+                <a:solidFill>
+                  <a:srgbClr val="C00000"/>
+                </a:solidFill>
+              </a:rPr>
+              <a:t>Persistent Volume Claim</a:t>
+            </a:r>
+          </a:p>
+        </p:txBody>
+      </p:sp>
+      <p:sp>
+        <p:nvSpPr>
+          <p:cNvPr id="12" name="Rectangle 11">
+            <a:extLst>
+              <a:ext uri="{FF2B5EF4-FFF2-40B4-BE49-F238E27FC236}">
+                <a16:creationId xmlns:a16="http://schemas.microsoft.com/office/drawing/2014/main" id="{EE5A86B8-4F72-8E48-B2F4-AEC58220E6B2}"/>
+              </a:ext>
+            </a:extLst>
+          </p:cNvPr>
+          <p:cNvSpPr/>
+          <p:nvPr/>
+        </p:nvSpPr>
+        <p:spPr>
+          <a:xfrm>
+            <a:off x="1219747" y="4402634"/>
+            <a:ext cx="1149823" cy="267426"/>
+          </a:xfrm>
+          <a:prstGeom prst="rect">
+            <a:avLst/>
+          </a:prstGeom>
+          <a:ln>
+            <a:prstDash val="dash"/>
+          </a:ln>
+        </p:spPr>
+        <p:style>
+          <a:lnRef idx="2">
+            <a:schemeClr val="accent2">
+              <a:shade val="50000"/>
+            </a:schemeClr>
+          </a:lnRef>
+          <a:fillRef idx="1">
+            <a:schemeClr val="accent2"/>
+          </a:fillRef>
+          <a:effectRef idx="0">
+            <a:schemeClr val="accent2"/>
+          </a:effectRef>
+          <a:fontRef idx="minor">
+            <a:schemeClr val="lt1"/>
+          </a:fontRef>
+        </p:style>
+        <p:txBody>
+          <a:bodyPr rtlCol="0" anchor="ctr"/>
+          <a:lstStyle/>
+          <a:p>
+            <a:pPr algn="ctr"/>
+            <a:r>
+              <a:rPr lang="en-US" sz="900" dirty="0" err="1"/>
+              <a:t>zowe</a:t>
+            </a:r>
+            <a:r>
+              <a:rPr lang="en-US" sz="900" dirty="0"/>
+              <a:t>-launch-scripts</a:t>
+            </a:r>
+          </a:p>
+        </p:txBody>
+      </p:sp>
+      <p:sp>
+        <p:nvSpPr>
+          <p:cNvPr id="182" name="TextBox 181">
+            <a:extLst>
+              <a:ext uri="{FF2B5EF4-FFF2-40B4-BE49-F238E27FC236}">
+                <a16:creationId xmlns:a16="http://schemas.microsoft.com/office/drawing/2014/main" id="{EB9491BC-96BD-F149-8646-712144CD5598}"/>
+              </a:ext>
+            </a:extLst>
+          </p:cNvPr>
+          <p:cNvSpPr txBox="1"/>
+          <p:nvPr/>
+        </p:nvSpPr>
+        <p:spPr>
+          <a:xfrm>
+            <a:off x="1402951" y="4641013"/>
+            <a:ext cx="772969" cy="215444"/>
+          </a:xfrm>
+          <a:prstGeom prst="rect">
+            <a:avLst/>
+          </a:prstGeom>
+          <a:noFill/>
+        </p:spPr>
+        <p:txBody>
+          <a:bodyPr wrap="none" rtlCol="0">
+            <a:spAutoFit/>
+          </a:bodyPr>
+          <a:lstStyle/>
+          <a:p>
+            <a:r>
+              <a:rPr lang="en-US" sz="800" dirty="0" err="1">
+                <a:solidFill>
+                  <a:srgbClr val="C00000"/>
+                </a:solidFill>
+              </a:rPr>
+              <a:t>initContainers</a:t>
+            </a:r>
+            <a:endParaRPr lang="en-US" sz="800" dirty="0">
+              <a:solidFill>
+                <a:srgbClr val="C00000"/>
+              </a:solidFill>
+            </a:endParaRPr>
+          </a:p>
+        </p:txBody>
+      </p:sp>
+      <p:sp>
+        <p:nvSpPr>
+          <p:cNvPr id="183" name="TextBox 182">
+            <a:extLst>
+              <a:ext uri="{FF2B5EF4-FFF2-40B4-BE49-F238E27FC236}">
+                <a16:creationId xmlns:a16="http://schemas.microsoft.com/office/drawing/2014/main" id="{EF095A83-0B3C-0A4F-8388-27F6D27934B7}"/>
+              </a:ext>
+            </a:extLst>
+          </p:cNvPr>
+          <p:cNvSpPr txBox="1"/>
+          <p:nvPr/>
+        </p:nvSpPr>
+        <p:spPr>
+          <a:xfrm>
+            <a:off x="2764765" y="3785400"/>
+            <a:ext cx="979755" cy="215444"/>
+          </a:xfrm>
+          <a:prstGeom prst="rect">
+            <a:avLst/>
+          </a:prstGeom>
+          <a:noFill/>
+        </p:spPr>
+        <p:txBody>
+          <a:bodyPr wrap="none" rtlCol="0">
+            <a:spAutoFit/>
+          </a:bodyPr>
+          <a:lstStyle/>
+          <a:p>
+            <a:r>
+              <a:rPr lang="en-US" sz="800" dirty="0" err="1">
+                <a:solidFill>
+                  <a:srgbClr val="C00000"/>
+                </a:solidFill>
+              </a:rPr>
+              <a:t>StatefulSet</a:t>
+            </a:r>
+            <a:r>
+              <a:rPr lang="en-US" sz="800" dirty="0">
+                <a:solidFill>
+                  <a:srgbClr val="C00000"/>
+                </a:solidFill>
+              </a:rPr>
+              <a:t>/Service</a:t>
+            </a:r>
+          </a:p>
+        </p:txBody>
+      </p:sp>
+      <p:sp>
+        <p:nvSpPr>
+          <p:cNvPr id="184" name="Rectangle 183">
+            <a:extLst>
+              <a:ext uri="{FF2B5EF4-FFF2-40B4-BE49-F238E27FC236}">
+                <a16:creationId xmlns:a16="http://schemas.microsoft.com/office/drawing/2014/main" id="{1AE2C394-B3EE-944A-BB46-B69002332F53}"/>
+              </a:ext>
+            </a:extLst>
+          </p:cNvPr>
+          <p:cNvSpPr/>
+          <p:nvPr/>
+        </p:nvSpPr>
+        <p:spPr>
+          <a:xfrm>
+            <a:off x="7695580" y="4157997"/>
+            <a:ext cx="920073" cy="229555"/>
+          </a:xfrm>
+          <a:prstGeom prst="rect">
+            <a:avLst/>
+          </a:prstGeom>
+          <a:ln>
+            <a:solidFill>
+              <a:schemeClr val="bg2">
+                <a:lumMod val="25000"/>
+              </a:schemeClr>
+            </a:solidFill>
+            <a:prstDash val="solid"/>
+          </a:ln>
+        </p:spPr>
+        <p:style>
+          <a:lnRef idx="2">
+            <a:schemeClr val="accent2">
+              <a:shade val="50000"/>
+            </a:schemeClr>
+          </a:lnRef>
+          <a:fillRef idx="1">
+            <a:schemeClr val="accent2"/>
+          </a:fillRef>
+          <a:effectRef idx="0">
+            <a:schemeClr val="accent2"/>
+          </a:effectRef>
+          <a:fontRef idx="minor">
+            <a:schemeClr val="lt1"/>
+          </a:fontRef>
+        </p:style>
+        <p:txBody>
+          <a:bodyPr rtlCol="0" anchor="ctr"/>
+          <a:lstStyle/>
+          <a:p>
+            <a:pPr algn="ctr"/>
+            <a:r>
+              <a:rPr lang="en-US" sz="900" dirty="0" err="1"/>
+              <a:t>zowe</a:t>
+            </a:r>
+            <a:r>
+              <a:rPr lang="en-US" sz="900" dirty="0"/>
+              <a:t>-config</a:t>
+            </a:r>
+          </a:p>
+        </p:txBody>
+      </p:sp>
+      <p:sp>
+        <p:nvSpPr>
+          <p:cNvPr id="185" name="TextBox 184">
+            <a:extLst>
+              <a:ext uri="{FF2B5EF4-FFF2-40B4-BE49-F238E27FC236}">
+                <a16:creationId xmlns:a16="http://schemas.microsoft.com/office/drawing/2014/main" id="{9A876EB0-04AE-0541-8C59-6C4C706468EF}"/>
+              </a:ext>
+            </a:extLst>
+          </p:cNvPr>
+          <p:cNvSpPr txBox="1"/>
+          <p:nvPr/>
+        </p:nvSpPr>
+        <p:spPr>
+          <a:xfrm>
+            <a:off x="7824572" y="4360830"/>
+            <a:ext cx="644728" cy="215444"/>
+          </a:xfrm>
+          <a:prstGeom prst="rect">
+            <a:avLst/>
+          </a:prstGeom>
+          <a:noFill/>
+        </p:spPr>
+        <p:txBody>
+          <a:bodyPr wrap="none" rtlCol="0">
+            <a:spAutoFit/>
+          </a:bodyPr>
+          <a:lstStyle/>
+          <a:p>
+            <a:r>
+              <a:rPr lang="en-US" sz="800" dirty="0" err="1">
+                <a:solidFill>
+                  <a:srgbClr val="C00000"/>
+                </a:solidFill>
+              </a:rPr>
+              <a:t>ConfigMap</a:t>
+            </a:r>
+            <a:endParaRPr lang="en-US" sz="800" dirty="0">
+              <a:solidFill>
+                <a:srgbClr val="C00000"/>
+              </a:solidFill>
+            </a:endParaRPr>
+          </a:p>
+        </p:txBody>
+      </p:sp>
+      <p:sp>
+        <p:nvSpPr>
+          <p:cNvPr id="186" name="Rectangle 185">
+            <a:extLst>
+              <a:ext uri="{FF2B5EF4-FFF2-40B4-BE49-F238E27FC236}">
+                <a16:creationId xmlns:a16="http://schemas.microsoft.com/office/drawing/2014/main" id="{88684565-8690-7548-9A2D-CCEB03099265}"/>
+              </a:ext>
+            </a:extLst>
+          </p:cNvPr>
+          <p:cNvSpPr/>
+          <p:nvPr/>
+        </p:nvSpPr>
+        <p:spPr>
+          <a:xfrm>
+            <a:off x="8673300" y="4168386"/>
+            <a:ext cx="1180695" cy="229555"/>
+          </a:xfrm>
+          <a:prstGeom prst="rect">
+            <a:avLst/>
+          </a:prstGeom>
+          <a:ln>
+            <a:solidFill>
+              <a:schemeClr val="bg2">
+                <a:lumMod val="25000"/>
+              </a:schemeClr>
+            </a:solidFill>
+            <a:prstDash val="solid"/>
+          </a:ln>
+        </p:spPr>
+        <p:style>
+          <a:lnRef idx="2">
+            <a:schemeClr val="accent2">
+              <a:shade val="50000"/>
+            </a:schemeClr>
+          </a:lnRef>
+          <a:fillRef idx="1">
+            <a:schemeClr val="accent2"/>
+          </a:fillRef>
+          <a:effectRef idx="0">
+            <a:schemeClr val="accent2"/>
+          </a:effectRef>
+          <a:fontRef idx="minor">
+            <a:schemeClr val="lt1"/>
+          </a:fontRef>
+        </p:style>
+        <p:txBody>
+          <a:bodyPr rtlCol="0" anchor="ctr"/>
+          <a:lstStyle/>
+          <a:p>
+            <a:pPr algn="ctr"/>
+            <a:r>
+              <a:rPr lang="en-US" sz="900" dirty="0" err="1"/>
+              <a:t>zowe</a:t>
+            </a:r>
+            <a:r>
+              <a:rPr lang="en-US" sz="900" dirty="0"/>
+              <a:t>-certificates-cm</a:t>
+            </a:r>
+          </a:p>
+        </p:txBody>
+      </p:sp>
+      <p:sp>
+        <p:nvSpPr>
+          <p:cNvPr id="187" name="TextBox 186">
+            <a:extLst>
+              <a:ext uri="{FF2B5EF4-FFF2-40B4-BE49-F238E27FC236}">
+                <a16:creationId xmlns:a16="http://schemas.microsoft.com/office/drawing/2014/main" id="{A67CE22B-12E1-F14F-9421-63E194DFA59E}"/>
+              </a:ext>
+            </a:extLst>
+          </p:cNvPr>
+          <p:cNvSpPr txBox="1"/>
+          <p:nvPr/>
+        </p:nvSpPr>
+        <p:spPr>
+          <a:xfrm>
+            <a:off x="8802292" y="4371219"/>
+            <a:ext cx="644728" cy="215444"/>
+          </a:xfrm>
+          <a:prstGeom prst="rect">
+            <a:avLst/>
+          </a:prstGeom>
+          <a:noFill/>
+        </p:spPr>
+        <p:txBody>
+          <a:bodyPr wrap="none" rtlCol="0">
+            <a:spAutoFit/>
+          </a:bodyPr>
+          <a:lstStyle/>
+          <a:p>
+            <a:r>
+              <a:rPr lang="en-US" sz="800" dirty="0" err="1">
+                <a:solidFill>
+                  <a:srgbClr val="C00000"/>
+                </a:solidFill>
+              </a:rPr>
+              <a:t>ConfigMap</a:t>
+            </a:r>
+            <a:endParaRPr lang="en-US" sz="800" dirty="0">
+              <a:solidFill>
+                <a:srgbClr val="C00000"/>
+              </a:solidFill>
+            </a:endParaRPr>
+          </a:p>
+        </p:txBody>
+      </p:sp>
+      <p:sp>
+        <p:nvSpPr>
+          <p:cNvPr id="188" name="Rectangle 187">
+            <a:extLst>
+              <a:ext uri="{FF2B5EF4-FFF2-40B4-BE49-F238E27FC236}">
+                <a16:creationId xmlns:a16="http://schemas.microsoft.com/office/drawing/2014/main" id="{AA3BF36D-A265-6A48-96C3-16F4C6F840DA}"/>
+              </a:ext>
+            </a:extLst>
+          </p:cNvPr>
+          <p:cNvSpPr/>
+          <p:nvPr/>
+        </p:nvSpPr>
+        <p:spPr>
+          <a:xfrm>
+            <a:off x="7693664" y="4588995"/>
+            <a:ext cx="1398452" cy="229555"/>
+          </a:xfrm>
+          <a:prstGeom prst="rect">
+            <a:avLst/>
+          </a:prstGeom>
+          <a:ln>
+            <a:solidFill>
+              <a:schemeClr val="bg2">
+                <a:lumMod val="25000"/>
+              </a:schemeClr>
+            </a:solidFill>
+            <a:prstDash val="solid"/>
+          </a:ln>
+        </p:spPr>
+        <p:style>
+          <a:lnRef idx="2">
+            <a:schemeClr val="accent2">
+              <a:shade val="50000"/>
+            </a:schemeClr>
+          </a:lnRef>
+          <a:fillRef idx="1">
+            <a:schemeClr val="accent2"/>
+          </a:fillRef>
+          <a:effectRef idx="0">
+            <a:schemeClr val="accent2"/>
+          </a:effectRef>
+          <a:fontRef idx="minor">
+            <a:schemeClr val="lt1"/>
+          </a:fontRef>
+        </p:style>
+        <p:txBody>
+          <a:bodyPr rtlCol="0" anchor="ctr"/>
+          <a:lstStyle/>
+          <a:p>
+            <a:pPr algn="ctr"/>
+            <a:r>
+              <a:rPr lang="en-US" sz="900" dirty="0" err="1"/>
+              <a:t>zowe</a:t>
+            </a:r>
+            <a:r>
+              <a:rPr lang="en-US" sz="900" dirty="0"/>
+              <a:t>-certificates-secret</a:t>
+            </a:r>
+          </a:p>
+        </p:txBody>
+      </p:sp>
+      <p:sp>
+        <p:nvSpPr>
+          <p:cNvPr id="189" name="TextBox 188">
+            <a:extLst>
+              <a:ext uri="{FF2B5EF4-FFF2-40B4-BE49-F238E27FC236}">
+                <a16:creationId xmlns:a16="http://schemas.microsoft.com/office/drawing/2014/main" id="{82BAD25B-7623-EC4E-A31F-84741B10C256}"/>
+              </a:ext>
+            </a:extLst>
+          </p:cNvPr>
+          <p:cNvSpPr txBox="1"/>
+          <p:nvPr/>
+        </p:nvSpPr>
+        <p:spPr>
+          <a:xfrm>
+            <a:off x="7922317" y="4795735"/>
+            <a:ext cx="445956" cy="215444"/>
+          </a:xfrm>
+          <a:prstGeom prst="rect">
+            <a:avLst/>
+          </a:prstGeom>
+          <a:noFill/>
+        </p:spPr>
+        <p:txBody>
+          <a:bodyPr wrap="none" rtlCol="0">
+            <a:spAutoFit/>
+          </a:bodyPr>
+          <a:lstStyle/>
+          <a:p>
+            <a:r>
+              <a:rPr lang="en-US" sz="800" dirty="0">
+                <a:solidFill>
+                  <a:srgbClr val="C00000"/>
+                </a:solidFill>
+              </a:rPr>
+              <a:t>Secret</a:t>
+            </a:r>
+          </a:p>
+        </p:txBody>
+      </p:sp>
+      <p:sp>
+        <p:nvSpPr>
+          <p:cNvPr id="190" name="TextBox 189">
+            <a:extLst>
+              <a:ext uri="{FF2B5EF4-FFF2-40B4-BE49-F238E27FC236}">
+                <a16:creationId xmlns:a16="http://schemas.microsoft.com/office/drawing/2014/main" id="{604C52F2-4A37-D143-BFD9-D42898766179}"/>
+              </a:ext>
+            </a:extLst>
+          </p:cNvPr>
+          <p:cNvSpPr txBox="1"/>
+          <p:nvPr/>
+        </p:nvSpPr>
+        <p:spPr>
+          <a:xfrm>
+            <a:off x="8618045" y="3492631"/>
+            <a:ext cx="941283" cy="215444"/>
+          </a:xfrm>
+          <a:prstGeom prst="rect">
+            <a:avLst/>
+          </a:prstGeom>
+          <a:noFill/>
+        </p:spPr>
+        <p:txBody>
+          <a:bodyPr wrap="none" rtlCol="0">
+            <a:spAutoFit/>
+          </a:bodyPr>
+          <a:lstStyle/>
+          <a:p>
+            <a:r>
+              <a:rPr lang="en-US" sz="800" dirty="0">
+                <a:solidFill>
+                  <a:srgbClr val="C00000"/>
+                </a:solidFill>
+              </a:rPr>
+              <a:t>Namespace: </a:t>
+            </a:r>
+            <a:r>
+              <a:rPr lang="en-US" sz="800" dirty="0" err="1">
+                <a:solidFill>
+                  <a:srgbClr val="C00000"/>
+                </a:solidFill>
+              </a:rPr>
+              <a:t>zowe</a:t>
+            </a:r>
+            <a:endParaRPr lang="en-US" sz="800" dirty="0">
+              <a:solidFill>
+                <a:srgbClr val="C00000"/>
+              </a:solidFill>
+            </a:endParaRPr>
+          </a:p>
+        </p:txBody>
+      </p:sp>
+      <p:sp>
+        <p:nvSpPr>
+          <p:cNvPr id="191" name="Rectangle 190">
+            <a:extLst>
+              <a:ext uri="{FF2B5EF4-FFF2-40B4-BE49-F238E27FC236}">
+                <a16:creationId xmlns:a16="http://schemas.microsoft.com/office/drawing/2014/main" id="{883E0BD5-326D-544D-9173-A4CAB1C0376C}"/>
+              </a:ext>
+            </a:extLst>
+          </p:cNvPr>
+          <p:cNvSpPr/>
+          <p:nvPr/>
+        </p:nvSpPr>
+        <p:spPr>
+          <a:xfrm>
+            <a:off x="7687997" y="3681672"/>
+            <a:ext cx="920073" cy="229555"/>
+          </a:xfrm>
+          <a:prstGeom prst="rect">
+            <a:avLst/>
+          </a:prstGeom>
+          <a:ln>
+            <a:solidFill>
+              <a:schemeClr val="bg2">
+                <a:lumMod val="25000"/>
+              </a:schemeClr>
+            </a:solidFill>
+            <a:prstDash val="solid"/>
+          </a:ln>
+        </p:spPr>
+        <p:style>
+          <a:lnRef idx="2">
+            <a:schemeClr val="accent2">
+              <a:shade val="50000"/>
+            </a:schemeClr>
+          </a:lnRef>
+          <a:fillRef idx="1">
+            <a:schemeClr val="accent2"/>
+          </a:fillRef>
+          <a:effectRef idx="0">
+            <a:schemeClr val="accent2"/>
+          </a:effectRef>
+          <a:fontRef idx="minor">
+            <a:schemeClr val="lt1"/>
+          </a:fontRef>
+        </p:style>
+        <p:txBody>
+          <a:bodyPr rtlCol="0" anchor="ctr"/>
+          <a:lstStyle/>
+          <a:p>
+            <a:pPr algn="ctr"/>
+            <a:r>
+              <a:rPr lang="en-US" sz="900" dirty="0" err="1"/>
+              <a:t>zowe-sa</a:t>
+            </a:r>
+            <a:endParaRPr lang="en-US" sz="900" dirty="0"/>
+          </a:p>
+        </p:txBody>
+      </p:sp>
+      <p:sp>
+        <p:nvSpPr>
+          <p:cNvPr id="192" name="TextBox 191">
+            <a:extLst>
+              <a:ext uri="{FF2B5EF4-FFF2-40B4-BE49-F238E27FC236}">
+                <a16:creationId xmlns:a16="http://schemas.microsoft.com/office/drawing/2014/main" id="{4D9A2661-57C3-BF4B-A8F8-50E28D9346A2}"/>
+              </a:ext>
+            </a:extLst>
+          </p:cNvPr>
+          <p:cNvSpPr txBox="1"/>
+          <p:nvPr/>
+        </p:nvSpPr>
+        <p:spPr>
+          <a:xfrm>
+            <a:off x="7774634" y="3875037"/>
+            <a:ext cx="825867" cy="215444"/>
+          </a:xfrm>
+          <a:prstGeom prst="rect">
+            <a:avLst/>
+          </a:prstGeom>
+          <a:noFill/>
+        </p:spPr>
+        <p:txBody>
+          <a:bodyPr wrap="none" rtlCol="0">
+            <a:spAutoFit/>
+          </a:bodyPr>
+          <a:lstStyle/>
+          <a:p>
+            <a:r>
+              <a:rPr lang="en-US" sz="800" dirty="0" err="1">
+                <a:solidFill>
+                  <a:srgbClr val="C00000"/>
+                </a:solidFill>
+              </a:rPr>
+              <a:t>ServiceAccount</a:t>
+            </a:r>
+            <a:endParaRPr lang="en-US" sz="800" dirty="0">
+              <a:solidFill>
+                <a:srgbClr val="C00000"/>
+              </a:solidFill>
+            </a:endParaRPr>
+          </a:p>
+        </p:txBody>
+      </p:sp>
+    </p:spTree>
+    <p:extLst>
+      <p:ext uri="{BB962C8B-B14F-4D97-AF65-F5344CB8AC3E}">
+        <p14:creationId xmlns:p14="http://schemas.microsoft.com/office/powerpoint/2010/main" val="2451135913"/>
+      </p:ext>
+    </p:extLst>
+  </p:cSld>
+  <p:clrMapOvr>
+    <a:masterClrMapping/>
+  </p:clrMapOvr>
+  <mc:AlternateContent xmlns:mc="http://schemas.openxmlformats.org/markup-compatibility/2006">
+    <mc:Choice xmlns:p14="http://schemas.microsoft.com/office/powerpoint/2010/main" Requires="p14">
+      <p:transition spd="med" p14:dur="700">
+        <p:fade/>
+      </p:transition>
+    </mc:Choice>
+    <mc:Fallback>
+      <p:transition spd="med">
+        <p:fade/>
+      </p:transition>
+    </mc:Fallback>
+  </mc:AlternateContent>
+</p:sld>
+</file>
+
+<file path=ppt/slides/slide4.xml><?xml version="1.0" encoding="utf-8"?>
 <p:sld xmlns:a="http://schemas.openxmlformats.org/drawingml/2006/main" xmlns:r="http://schemas.openxmlformats.org/officeDocument/2006/relationships" xmlns:p="http://schemas.openxmlformats.org/presentationml/2006/main">
   <p:cSld>
     <p:spTree>

--- a/docs/images/common/zowe-architecture.pptx
+++ b/docs/images/common/zowe-architecture.pptx
@@ -200,7 +200,7 @@
           <a:p>
             <a:fld id="{26E70E1E-3B7C-8D4D-B700-360134022E14}" type="datetimeFigureOut">
               <a:rPr lang="en-CN" smtClean="0"/>
-              <a:t>01/13/2022</a:t>
+              <a:t>08/16/2023</a:t>
             </a:fld>
             <a:endParaRPr lang="en-CN"/>
           </a:p>
@@ -963,7 +963,7 @@
           <a:p>
             <a:fld id="{B1DB1BE8-3F77-D044-8747-9903AC5CD864}" type="datetimeFigureOut">
               <a:rPr lang="en-US" smtClean="0"/>
-              <a:t>1/13/2022</a:t>
+              <a:t>8/16/2023</a:t>
             </a:fld>
             <a:endParaRPr lang="en-US"/>
           </a:p>
@@ -1161,7 +1161,7 @@
           <a:p>
             <a:fld id="{B1DB1BE8-3F77-D044-8747-9903AC5CD864}" type="datetimeFigureOut">
               <a:rPr lang="en-US" smtClean="0"/>
-              <a:t>1/13/2022</a:t>
+              <a:t>8/16/2023</a:t>
             </a:fld>
             <a:endParaRPr lang="en-US"/>
           </a:p>
@@ -1369,7 +1369,7 @@
           <a:p>
             <a:fld id="{B1DB1BE8-3F77-D044-8747-9903AC5CD864}" type="datetimeFigureOut">
               <a:rPr lang="en-US" smtClean="0"/>
-              <a:t>1/13/2022</a:t>
+              <a:t>8/16/2023</a:t>
             </a:fld>
             <a:endParaRPr lang="en-US"/>
           </a:p>
@@ -1567,7 +1567,7 @@
           <a:p>
             <a:fld id="{B1DB1BE8-3F77-D044-8747-9903AC5CD864}" type="datetimeFigureOut">
               <a:rPr lang="en-US" smtClean="0"/>
-              <a:t>1/13/2022</a:t>
+              <a:t>8/16/2023</a:t>
             </a:fld>
             <a:endParaRPr lang="en-US"/>
           </a:p>
@@ -1842,7 +1842,7 @@
           <a:p>
             <a:fld id="{B1DB1BE8-3F77-D044-8747-9903AC5CD864}" type="datetimeFigureOut">
               <a:rPr lang="en-US" smtClean="0"/>
-              <a:t>1/13/2022</a:t>
+              <a:t>8/16/2023</a:t>
             </a:fld>
             <a:endParaRPr lang="en-US"/>
           </a:p>
@@ -2107,7 +2107,7 @@
           <a:p>
             <a:fld id="{B1DB1BE8-3F77-D044-8747-9903AC5CD864}" type="datetimeFigureOut">
               <a:rPr lang="en-US" smtClean="0"/>
-              <a:t>1/13/2022</a:t>
+              <a:t>8/16/2023</a:t>
             </a:fld>
             <a:endParaRPr lang="en-US"/>
           </a:p>
@@ -2519,7 +2519,7 @@
           <a:p>
             <a:fld id="{B1DB1BE8-3F77-D044-8747-9903AC5CD864}" type="datetimeFigureOut">
               <a:rPr lang="en-US" smtClean="0"/>
-              <a:t>1/13/2022</a:t>
+              <a:t>8/16/2023</a:t>
             </a:fld>
             <a:endParaRPr lang="en-US"/>
           </a:p>
@@ -2660,7 +2660,7 @@
           <a:p>
             <a:fld id="{B1DB1BE8-3F77-D044-8747-9903AC5CD864}" type="datetimeFigureOut">
               <a:rPr lang="en-US" smtClean="0"/>
-              <a:t>1/13/2022</a:t>
+              <a:t>8/16/2023</a:t>
             </a:fld>
             <a:endParaRPr lang="en-US"/>
           </a:p>
@@ -2773,7 +2773,7 @@
           <a:p>
             <a:fld id="{B1DB1BE8-3F77-D044-8747-9903AC5CD864}" type="datetimeFigureOut">
               <a:rPr lang="en-US" smtClean="0"/>
-              <a:t>1/13/2022</a:t>
+              <a:t>8/16/2023</a:t>
             </a:fld>
             <a:endParaRPr lang="en-US"/>
           </a:p>
@@ -3084,7 +3084,7 @@
           <a:p>
             <a:fld id="{B1DB1BE8-3F77-D044-8747-9903AC5CD864}" type="datetimeFigureOut">
               <a:rPr lang="en-US" smtClean="0"/>
-              <a:t>1/13/2022</a:t>
+              <a:t>8/16/2023</a:t>
             </a:fld>
             <a:endParaRPr lang="en-US"/>
           </a:p>
@@ -3372,7 +3372,7 @@
           <a:p>
             <a:fld id="{B1DB1BE8-3F77-D044-8747-9903AC5CD864}" type="datetimeFigureOut">
               <a:rPr lang="en-US" smtClean="0"/>
-              <a:t>1/13/2022</a:t>
+              <a:t>8/16/2023</a:t>
             </a:fld>
             <a:endParaRPr lang="en-US"/>
           </a:p>
@@ -3613,7 +3613,7 @@
           <a:p>
             <a:fld id="{B1DB1BE8-3F77-D044-8747-9903AC5CD864}" type="datetimeFigureOut">
               <a:rPr lang="en-US" smtClean="0"/>
-              <a:t>1/13/2022</a:t>
+              <a:t>8/16/2023</a:t>
             </a:fld>
             <a:endParaRPr lang="en-US"/>
           </a:p>
@@ -4032,6 +4032,58 @@
       </p:grpSpPr>
       <p:sp>
         <p:nvSpPr>
+          <p:cNvPr id="6" name="Rectangle 5">
+            <a:extLst>
+              <a:ext uri="{FF2B5EF4-FFF2-40B4-BE49-F238E27FC236}">
+                <a16:creationId xmlns:a16="http://schemas.microsoft.com/office/drawing/2014/main" id="{75AB30E2-F7F3-9131-EB4A-EC310A9D165C}"/>
+              </a:ext>
+            </a:extLst>
+          </p:cNvPr>
+          <p:cNvSpPr/>
+          <p:nvPr/>
+        </p:nvSpPr>
+        <p:spPr>
+          <a:xfrm>
+            <a:off x="0" y="0"/>
+            <a:ext cx="12192000" cy="6858000"/>
+          </a:xfrm>
+          <a:prstGeom prst="rect">
+            <a:avLst/>
+          </a:prstGeom>
+          <a:solidFill>
+            <a:schemeClr val="bg1"/>
+          </a:solidFill>
+          <a:ln>
+            <a:noFill/>
+          </a:ln>
+        </p:spPr>
+        <p:style>
+          <a:lnRef idx="2">
+            <a:schemeClr val="accent1">
+              <a:shade val="15000"/>
+            </a:schemeClr>
+          </a:lnRef>
+          <a:fillRef idx="1">
+            <a:schemeClr val="accent1"/>
+          </a:fillRef>
+          <a:effectRef idx="0">
+            <a:schemeClr val="accent1"/>
+          </a:effectRef>
+          <a:fontRef idx="minor">
+            <a:schemeClr val="lt1"/>
+          </a:fontRef>
+        </p:style>
+        <p:txBody>
+          <a:bodyPr rtlCol="0" anchor="ctr"/>
+          <a:lstStyle/>
+          <a:p>
+            <a:pPr algn="ctr"/>
+            <a:endParaRPr lang="en-US"/>
+          </a:p>
+        </p:txBody>
+      </p:sp>
+      <p:sp>
+        <p:nvSpPr>
           <p:cNvPr id="77" name="Rectangle 76">
             <a:extLst>
               <a:ext uri="{FF2B5EF4-FFF2-40B4-BE49-F238E27FC236}">
@@ -7223,13 +7275,14 @@
           </p:cNvPr>
           <p:cNvCxnSpPr>
             <a:cxnSpLocks/>
+            <a:stCxn id="155" idx="2"/>
           </p:cNvCxnSpPr>
           <p:nvPr/>
         </p:nvCxnSpPr>
         <p:spPr>
-          <a:xfrm>
-            <a:off x="8340775" y="1407533"/>
-            <a:ext cx="65883" cy="4155649"/>
+          <a:xfrm flipH="1">
+            <a:off x="8457106" y="1418717"/>
+            <a:ext cx="4024" cy="4157675"/>
           </a:xfrm>
           <a:prstGeom prst="straightConnector1">
             <a:avLst/>
@@ -7519,36 +7572,6 @@
           </a:prstGeom>
         </p:spPr>
       </p:pic>
-      <p:pic>
-        <p:nvPicPr>
-          <p:cNvPr id="35" name="Picture 34">
-            <a:extLst>
-              <a:ext uri="{FF2B5EF4-FFF2-40B4-BE49-F238E27FC236}">
-                <a16:creationId xmlns:a16="http://schemas.microsoft.com/office/drawing/2014/main" id="{E228FC63-B493-6942-A20B-7B8E61DE4EB9}"/>
-              </a:ext>
-            </a:extLst>
-          </p:cNvPr>
-          <p:cNvPicPr>
-            <a:picLocks noChangeAspect="1"/>
-          </p:cNvPicPr>
-          <p:nvPr/>
-        </p:nvPicPr>
-        <p:blipFill>
-          <a:blip r:embed="rId8"/>
-          <a:stretch>
-            <a:fillRect/>
-          </a:stretch>
-        </p:blipFill>
-        <p:spPr>
-          <a:xfrm>
-            <a:off x="9022452" y="168865"/>
-            <a:ext cx="184243" cy="184243"/>
-          </a:xfrm>
-          <a:prstGeom prst="rect">
-            <a:avLst/>
-          </a:prstGeom>
-        </p:spPr>
-      </p:pic>
       <p:sp>
         <p:nvSpPr>
           <p:cNvPr id="114" name="TextBox 113">
@@ -7704,7 +7727,7 @@
           <p:nvPr/>
         </p:nvPicPr>
         <p:blipFill>
-          <a:blip r:embed="rId9"/>
+          <a:blip r:embed="rId8"/>
           <a:stretch>
             <a:fillRect/>
           </a:stretch>
@@ -10040,6 +10063,53 @@
           </a:p>
         </p:txBody>
       </p:sp>
+      <p:pic>
+        <p:nvPicPr>
+          <p:cNvPr id="1026" name="Picture 2">
+            <a:extLst>
+              <a:ext uri="{FF2B5EF4-FFF2-40B4-BE49-F238E27FC236}">
+                <a16:creationId xmlns:a16="http://schemas.microsoft.com/office/drawing/2014/main" id="{96D86C19-998B-6695-7556-F03B303894BF}"/>
+              </a:ext>
+            </a:extLst>
+          </p:cNvPr>
+          <p:cNvPicPr>
+            <a:picLocks noChangeAspect="1" noChangeArrowheads="1"/>
+          </p:cNvPicPr>
+          <p:nvPr/>
+        </p:nvPicPr>
+        <p:blipFill>
+          <a:blip r:embed="rId9">
+            <a:extLst>
+              <a:ext uri="{28A0092B-C50C-407E-A947-70E740481C1C}">
+                <a14:useLocalDpi xmlns:a14="http://schemas.microsoft.com/office/drawing/2010/main" val="0"/>
+              </a:ext>
+            </a:extLst>
+          </a:blip>
+          <a:srcRect/>
+          <a:stretch>
+            <a:fillRect/>
+          </a:stretch>
+        </p:blipFill>
+        <p:spPr bwMode="auto">
+          <a:xfrm>
+            <a:off x="8971201" y="106592"/>
+            <a:ext cx="270766" cy="270766"/>
+          </a:xfrm>
+          <a:prstGeom prst="rect">
+            <a:avLst/>
+          </a:prstGeom>
+          <a:noFill/>
+          <a:extLst>
+            <a:ext uri="{909E8E84-426E-40DD-AFC4-6F175D3DCCD1}">
+              <a14:hiddenFill xmlns:a14="http://schemas.microsoft.com/office/drawing/2010/main">
+                <a:solidFill>
+                  <a:srgbClr val="FFFFFF"/>
+                </a:solidFill>
+              </a14:hiddenFill>
+            </a:ext>
+          </a:extLst>
+        </p:spPr>
+      </p:pic>
     </p:spTree>
     <p:extLst>
       <p:ext uri="{BB962C8B-B14F-4D97-AF65-F5344CB8AC3E}">
@@ -10084,6 +10154,58 @@
       </p:grpSpPr>
       <p:sp>
         <p:nvSpPr>
+          <p:cNvPr id="3" name="Rectangle 2">
+            <a:extLst>
+              <a:ext uri="{FF2B5EF4-FFF2-40B4-BE49-F238E27FC236}">
+                <a16:creationId xmlns:a16="http://schemas.microsoft.com/office/drawing/2014/main" id="{46662261-FAD2-65EA-76B9-53388AA8CACB}"/>
+              </a:ext>
+            </a:extLst>
+          </p:cNvPr>
+          <p:cNvSpPr/>
+          <p:nvPr/>
+        </p:nvSpPr>
+        <p:spPr>
+          <a:xfrm>
+            <a:off x="0" y="0"/>
+            <a:ext cx="12192000" cy="6858000"/>
+          </a:xfrm>
+          <a:prstGeom prst="rect">
+            <a:avLst/>
+          </a:prstGeom>
+          <a:solidFill>
+            <a:schemeClr val="bg1"/>
+          </a:solidFill>
+          <a:ln>
+            <a:noFill/>
+          </a:ln>
+        </p:spPr>
+        <p:style>
+          <a:lnRef idx="2">
+            <a:schemeClr val="accent1">
+              <a:shade val="15000"/>
+            </a:schemeClr>
+          </a:lnRef>
+          <a:fillRef idx="1">
+            <a:schemeClr val="accent1"/>
+          </a:fillRef>
+          <a:effectRef idx="0">
+            <a:schemeClr val="accent1"/>
+          </a:effectRef>
+          <a:fontRef idx="minor">
+            <a:schemeClr val="lt1"/>
+          </a:fontRef>
+        </p:style>
+        <p:txBody>
+          <a:bodyPr rtlCol="0" anchor="ctr"/>
+          <a:lstStyle/>
+          <a:p>
+            <a:pPr algn="ctr"/>
+            <a:endParaRPr lang="en-US"/>
+          </a:p>
+        </p:txBody>
+      </p:sp>
+      <p:sp>
+        <p:nvSpPr>
           <p:cNvPr id="117" name="Rectangle 116">
             <a:extLst>
               <a:ext uri="{FF2B5EF4-FFF2-40B4-BE49-F238E27FC236}">
@@ -13275,36 +13397,6 @@
           </a:prstGeom>
         </p:spPr>
       </p:pic>
-      <p:pic>
-        <p:nvPicPr>
-          <p:cNvPr id="35" name="Picture 34">
-            <a:extLst>
-              <a:ext uri="{FF2B5EF4-FFF2-40B4-BE49-F238E27FC236}">
-                <a16:creationId xmlns:a16="http://schemas.microsoft.com/office/drawing/2014/main" id="{E228FC63-B493-6942-A20B-7B8E61DE4EB9}"/>
-              </a:ext>
-            </a:extLst>
-          </p:cNvPr>
-          <p:cNvPicPr>
-            <a:picLocks noChangeAspect="1"/>
-          </p:cNvPicPr>
-          <p:nvPr/>
-        </p:nvPicPr>
-        <p:blipFill>
-          <a:blip r:embed="rId8"/>
-          <a:stretch>
-            <a:fillRect/>
-          </a:stretch>
-        </p:blipFill>
-        <p:spPr>
-          <a:xfrm>
-            <a:off x="9022452" y="168865"/>
-            <a:ext cx="184243" cy="184243"/>
-          </a:xfrm>
-          <a:prstGeom prst="rect">
-            <a:avLst/>
-          </a:prstGeom>
-        </p:spPr>
-      </p:pic>
       <p:sp>
         <p:nvSpPr>
           <p:cNvPr id="114" name="TextBox 113">
@@ -13460,7 +13552,7 @@
           <p:nvPr/>
         </p:nvPicPr>
         <p:blipFill>
-          <a:blip r:embed="rId9"/>
+          <a:blip r:embed="rId8"/>
           <a:stretch>
             <a:fillRect/>
           </a:stretch>
@@ -15639,7 +15731,7 @@
           <p:nvPr/>
         </p:nvPicPr>
         <p:blipFill>
-          <a:blip r:embed="rId10">
+          <a:blip r:embed="rId9">
             <a:extLst>
               <a:ext uri="{28A0092B-C50C-407E-A947-70E740481C1C}">
                 <a14:useLocalDpi xmlns:a14="http://schemas.microsoft.com/office/drawing/2010/main" val="0"/>
@@ -16247,6 +16339,53 @@
           </a:fontRef>
         </p:style>
       </p:cxnSp>
+      <p:pic>
+        <p:nvPicPr>
+          <p:cNvPr id="2" name="Picture 2">
+            <a:extLst>
+              <a:ext uri="{FF2B5EF4-FFF2-40B4-BE49-F238E27FC236}">
+                <a16:creationId xmlns:a16="http://schemas.microsoft.com/office/drawing/2014/main" id="{D62F1F07-DCC5-0BE3-6C38-3AFAC731FB90}"/>
+              </a:ext>
+            </a:extLst>
+          </p:cNvPr>
+          <p:cNvPicPr>
+            <a:picLocks noChangeAspect="1" noChangeArrowheads="1"/>
+          </p:cNvPicPr>
+          <p:nvPr/>
+        </p:nvPicPr>
+        <p:blipFill>
+          <a:blip r:embed="rId10">
+            <a:extLst>
+              <a:ext uri="{28A0092B-C50C-407E-A947-70E740481C1C}">
+                <a14:useLocalDpi xmlns:a14="http://schemas.microsoft.com/office/drawing/2010/main" val="0"/>
+              </a:ext>
+            </a:extLst>
+          </a:blip>
+          <a:srcRect/>
+          <a:stretch>
+            <a:fillRect/>
+          </a:stretch>
+        </p:blipFill>
+        <p:spPr bwMode="auto">
+          <a:xfrm>
+            <a:off x="8971201" y="106592"/>
+            <a:ext cx="270766" cy="270766"/>
+          </a:xfrm>
+          <a:prstGeom prst="rect">
+            <a:avLst/>
+          </a:prstGeom>
+          <a:noFill/>
+          <a:extLst>
+            <a:ext uri="{909E8E84-426E-40DD-AFC4-6F175D3DCCD1}">
+              <a14:hiddenFill xmlns:a14="http://schemas.microsoft.com/office/drawing/2010/main">
+                <a:solidFill>
+                  <a:srgbClr val="FFFFFF"/>
+                </a:solidFill>
+              </a14:hiddenFill>
+            </a:ext>
+          </a:extLst>
+        </p:spPr>
+      </p:pic>
     </p:spTree>
     <p:extLst>
       <p:ext uri="{BB962C8B-B14F-4D97-AF65-F5344CB8AC3E}">
@@ -16257,13 +16396,13 @@
   <p:clrMapOvr>
     <a:masterClrMapping/>
   </p:clrMapOvr>
-  <mc:AlternateContent xmlns:mc="http://schemas.openxmlformats.org/markup-compatibility/2006">
-    <mc:Choice xmlns:p14="http://schemas.microsoft.com/office/powerpoint/2010/main" Requires="p14">
+  <mc:AlternateContent xmlns:mc="http://schemas.openxmlformats.org/markup-compatibility/2006" xmlns:p14="http://schemas.microsoft.com/office/powerpoint/2010/main">
+    <mc:Choice Requires="p14">
       <p:transition spd="med" p14:dur="700">
         <p:fade/>
       </p:transition>
     </mc:Choice>
-    <mc:Fallback>
+    <mc:Fallback xmlns="">
       <p:transition spd="med">
         <p:fade/>
       </p:transition>
@@ -16291,6 +16430,58 @@
       </p:grpSpPr>
       <p:sp>
         <p:nvSpPr>
+          <p:cNvPr id="2" name="Rectangle 1">
+            <a:extLst>
+              <a:ext uri="{FF2B5EF4-FFF2-40B4-BE49-F238E27FC236}">
+                <a16:creationId xmlns:a16="http://schemas.microsoft.com/office/drawing/2014/main" id="{2EC5A686-03C7-2614-D093-D1AFE99AFD6F}"/>
+              </a:ext>
+            </a:extLst>
+          </p:cNvPr>
+          <p:cNvSpPr/>
+          <p:nvPr/>
+        </p:nvSpPr>
+        <p:spPr>
+          <a:xfrm>
+            <a:off x="0" y="0"/>
+            <a:ext cx="12192000" cy="6858000"/>
+          </a:xfrm>
+          <a:prstGeom prst="rect">
+            <a:avLst/>
+          </a:prstGeom>
+          <a:solidFill>
+            <a:schemeClr val="bg1"/>
+          </a:solidFill>
+          <a:ln>
+            <a:noFill/>
+          </a:ln>
+        </p:spPr>
+        <p:style>
+          <a:lnRef idx="2">
+            <a:schemeClr val="accent1">
+              <a:shade val="15000"/>
+            </a:schemeClr>
+          </a:lnRef>
+          <a:fillRef idx="1">
+            <a:schemeClr val="accent1"/>
+          </a:fillRef>
+          <a:effectRef idx="0">
+            <a:schemeClr val="accent1"/>
+          </a:effectRef>
+          <a:fontRef idx="minor">
+            <a:schemeClr val="lt1"/>
+          </a:fontRef>
+        </p:style>
+        <p:txBody>
+          <a:bodyPr rtlCol="0" anchor="ctr"/>
+          <a:lstStyle/>
+          <a:p>
+            <a:pPr algn="ctr"/>
+            <a:endParaRPr lang="en-US"/>
+          </a:p>
+        </p:txBody>
+      </p:sp>
+      <p:sp>
+        <p:nvSpPr>
           <p:cNvPr id="94" name="Rectangle 93">
             <a:extLst>
               <a:ext uri="{FF2B5EF4-FFF2-40B4-BE49-F238E27FC236}">
@@ -20213,36 +20404,6 @@
           </a:prstGeom>
         </p:spPr>
       </p:pic>
-      <p:pic>
-        <p:nvPicPr>
-          <p:cNvPr id="35" name="Picture 34">
-            <a:extLst>
-              <a:ext uri="{FF2B5EF4-FFF2-40B4-BE49-F238E27FC236}">
-                <a16:creationId xmlns:a16="http://schemas.microsoft.com/office/drawing/2014/main" id="{E228FC63-B493-6942-A20B-7B8E61DE4EB9}"/>
-              </a:ext>
-            </a:extLst>
-          </p:cNvPr>
-          <p:cNvPicPr>
-            <a:picLocks noChangeAspect="1"/>
-          </p:cNvPicPr>
-          <p:nvPr/>
-        </p:nvPicPr>
-        <p:blipFill>
-          <a:blip r:embed="rId9"/>
-          <a:stretch>
-            <a:fillRect/>
-          </a:stretch>
-        </p:blipFill>
-        <p:spPr>
-          <a:xfrm>
-            <a:off x="9022452" y="168865"/>
-            <a:ext cx="184243" cy="184243"/>
-          </a:xfrm>
-          <a:prstGeom prst="rect">
-            <a:avLst/>
-          </a:prstGeom>
-        </p:spPr>
-      </p:pic>
       <p:sp>
         <p:nvSpPr>
           <p:cNvPr id="114" name="TextBox 113">
@@ -20398,7 +20559,7 @@
           <p:nvPr/>
         </p:nvPicPr>
         <p:blipFill>
-          <a:blip r:embed="rId10"/>
+          <a:blip r:embed="rId9"/>
           <a:stretch>
             <a:fillRect/>
           </a:stretch>
@@ -23973,6 +24134,53 @@
           </a:p>
         </p:txBody>
       </p:sp>
+      <p:pic>
+        <p:nvPicPr>
+          <p:cNvPr id="3" name="Picture 2">
+            <a:extLst>
+              <a:ext uri="{FF2B5EF4-FFF2-40B4-BE49-F238E27FC236}">
+                <a16:creationId xmlns:a16="http://schemas.microsoft.com/office/drawing/2014/main" id="{25233438-9F8C-230D-878B-F2CEAA35F048}"/>
+              </a:ext>
+            </a:extLst>
+          </p:cNvPr>
+          <p:cNvPicPr>
+            <a:picLocks noChangeAspect="1" noChangeArrowheads="1"/>
+          </p:cNvPicPr>
+          <p:nvPr/>
+        </p:nvPicPr>
+        <p:blipFill>
+          <a:blip r:embed="rId10">
+            <a:extLst>
+              <a:ext uri="{28A0092B-C50C-407E-A947-70E740481C1C}">
+                <a14:useLocalDpi xmlns:a14="http://schemas.microsoft.com/office/drawing/2010/main" val="0"/>
+              </a:ext>
+            </a:extLst>
+          </a:blip>
+          <a:srcRect/>
+          <a:stretch>
+            <a:fillRect/>
+          </a:stretch>
+        </p:blipFill>
+        <p:spPr bwMode="auto">
+          <a:xfrm>
+            <a:off x="8971201" y="106592"/>
+            <a:ext cx="270766" cy="270766"/>
+          </a:xfrm>
+          <a:prstGeom prst="rect">
+            <a:avLst/>
+          </a:prstGeom>
+          <a:noFill/>
+          <a:extLst>
+            <a:ext uri="{909E8E84-426E-40DD-AFC4-6F175D3DCCD1}">
+              <a14:hiddenFill xmlns:a14="http://schemas.microsoft.com/office/drawing/2010/main">
+                <a:solidFill>
+                  <a:srgbClr val="FFFFFF"/>
+                </a:solidFill>
+              </a14:hiddenFill>
+            </a:ext>
+          </a:extLst>
+        </p:spPr>
+      </p:pic>
     </p:spTree>
     <p:extLst>
       <p:ext uri="{BB962C8B-B14F-4D97-AF65-F5344CB8AC3E}">
@@ -23983,13 +24191,13 @@
   <p:clrMapOvr>
     <a:masterClrMapping/>
   </p:clrMapOvr>
-  <mc:AlternateContent xmlns:mc="http://schemas.openxmlformats.org/markup-compatibility/2006">
-    <mc:Choice xmlns:p14="http://schemas.microsoft.com/office/powerpoint/2010/main" Requires="p14">
+  <mc:AlternateContent xmlns:mc="http://schemas.openxmlformats.org/markup-compatibility/2006" xmlns:p14="http://schemas.microsoft.com/office/powerpoint/2010/main">
+    <mc:Choice Requires="p14">
       <p:transition spd="med" p14:dur="700">
         <p:fade/>
       </p:transition>
     </mc:Choice>
-    <mc:Fallback>
+    <mc:Fallback xmlns="">
       <p:transition spd="med">
         <p:fade/>
       </p:transition>

--- a/docs/images/common/zowe-architecture.pptx
+++ b/docs/images/common/zowe-architecture.pptx
@@ -200,7 +200,7 @@
           <a:p>
             <a:fld id="{26E70E1E-3B7C-8D4D-B700-360134022E14}" type="datetimeFigureOut">
               <a:rPr lang="en-CN" smtClean="0"/>
-              <a:t>08/16/2023</a:t>
+              <a:t>03/12/2024</a:t>
             </a:fld>
             <a:endParaRPr lang="en-CN"/>
           </a:p>
@@ -963,7 +963,7 @@
           <a:p>
             <a:fld id="{B1DB1BE8-3F77-D044-8747-9903AC5CD864}" type="datetimeFigureOut">
               <a:rPr lang="en-US" smtClean="0"/>
-              <a:t>8/16/2023</a:t>
+              <a:t>3/12/2024</a:t>
             </a:fld>
             <a:endParaRPr lang="en-US"/>
           </a:p>
@@ -1161,7 +1161,7 @@
           <a:p>
             <a:fld id="{B1DB1BE8-3F77-D044-8747-9903AC5CD864}" type="datetimeFigureOut">
               <a:rPr lang="en-US" smtClean="0"/>
-              <a:t>8/16/2023</a:t>
+              <a:t>3/12/2024</a:t>
             </a:fld>
             <a:endParaRPr lang="en-US"/>
           </a:p>
@@ -1369,7 +1369,7 @@
           <a:p>
             <a:fld id="{B1DB1BE8-3F77-D044-8747-9903AC5CD864}" type="datetimeFigureOut">
               <a:rPr lang="en-US" smtClean="0"/>
-              <a:t>8/16/2023</a:t>
+              <a:t>3/12/2024</a:t>
             </a:fld>
             <a:endParaRPr lang="en-US"/>
           </a:p>
@@ -1567,7 +1567,7 @@
           <a:p>
             <a:fld id="{B1DB1BE8-3F77-D044-8747-9903AC5CD864}" type="datetimeFigureOut">
               <a:rPr lang="en-US" smtClean="0"/>
-              <a:t>8/16/2023</a:t>
+              <a:t>3/12/2024</a:t>
             </a:fld>
             <a:endParaRPr lang="en-US"/>
           </a:p>
@@ -1842,7 +1842,7 @@
           <a:p>
             <a:fld id="{B1DB1BE8-3F77-D044-8747-9903AC5CD864}" type="datetimeFigureOut">
               <a:rPr lang="en-US" smtClean="0"/>
-              <a:t>8/16/2023</a:t>
+              <a:t>3/12/2024</a:t>
             </a:fld>
             <a:endParaRPr lang="en-US"/>
           </a:p>
@@ -2107,7 +2107,7 @@
           <a:p>
             <a:fld id="{B1DB1BE8-3F77-D044-8747-9903AC5CD864}" type="datetimeFigureOut">
               <a:rPr lang="en-US" smtClean="0"/>
-              <a:t>8/16/2023</a:t>
+              <a:t>3/12/2024</a:t>
             </a:fld>
             <a:endParaRPr lang="en-US"/>
           </a:p>
@@ -2519,7 +2519,7 @@
           <a:p>
             <a:fld id="{B1DB1BE8-3F77-D044-8747-9903AC5CD864}" type="datetimeFigureOut">
               <a:rPr lang="en-US" smtClean="0"/>
-              <a:t>8/16/2023</a:t>
+              <a:t>3/12/2024</a:t>
             </a:fld>
             <a:endParaRPr lang="en-US"/>
           </a:p>
@@ -2660,7 +2660,7 @@
           <a:p>
             <a:fld id="{B1DB1BE8-3F77-D044-8747-9903AC5CD864}" type="datetimeFigureOut">
               <a:rPr lang="en-US" smtClean="0"/>
-              <a:t>8/16/2023</a:t>
+              <a:t>3/12/2024</a:t>
             </a:fld>
             <a:endParaRPr lang="en-US"/>
           </a:p>
@@ -2773,7 +2773,7 @@
           <a:p>
             <a:fld id="{B1DB1BE8-3F77-D044-8747-9903AC5CD864}" type="datetimeFigureOut">
               <a:rPr lang="en-US" smtClean="0"/>
-              <a:t>8/16/2023</a:t>
+              <a:t>3/12/2024</a:t>
             </a:fld>
             <a:endParaRPr lang="en-US"/>
           </a:p>
@@ -3084,7 +3084,7 @@
           <a:p>
             <a:fld id="{B1DB1BE8-3F77-D044-8747-9903AC5CD864}" type="datetimeFigureOut">
               <a:rPr lang="en-US" smtClean="0"/>
-              <a:t>8/16/2023</a:t>
+              <a:t>3/12/2024</a:t>
             </a:fld>
             <a:endParaRPr lang="en-US"/>
           </a:p>
@@ -3372,7 +3372,7 @@
           <a:p>
             <a:fld id="{B1DB1BE8-3F77-D044-8747-9903AC5CD864}" type="datetimeFigureOut">
               <a:rPr lang="en-US" smtClean="0"/>
-              <a:t>8/16/2023</a:t>
+              <a:t>3/12/2024</a:t>
             </a:fld>
             <a:endParaRPr lang="en-US"/>
           </a:p>
@@ -3613,7 +3613,7 @@
           <a:p>
             <a:fld id="{B1DB1BE8-3F77-D044-8747-9903AC5CD864}" type="datetimeFigureOut">
               <a:rPr lang="en-US" smtClean="0"/>
-              <a:t>8/16/2023</a:t>
+              <a:t>3/12/2024</a:t>
             </a:fld>
             <a:endParaRPr lang="en-US"/>
           </a:p>
@@ -4955,160 +4955,12 @@
           </a:fontRef>
         </p:style>
       </p:cxnSp>
-      <p:sp>
-        <p:nvSpPr>
-          <p:cNvPr id="42" name="Rectangle 41">
-            <a:extLst>
-              <a:ext uri="{FF2B5EF4-FFF2-40B4-BE49-F238E27FC236}">
-                <a16:creationId xmlns:a16="http://schemas.microsoft.com/office/drawing/2014/main" id="{7A2C7D56-E8C6-1042-9DF3-33D6754C7710}"/>
-              </a:ext>
-            </a:extLst>
-          </p:cNvPr>
-          <p:cNvSpPr/>
-          <p:nvPr/>
-        </p:nvSpPr>
-        <p:spPr>
-          <a:xfrm>
-            <a:off x="6153605" y="4247506"/>
-            <a:ext cx="517682" cy="311869"/>
-          </a:xfrm>
-          <a:prstGeom prst="rect">
-            <a:avLst/>
-          </a:prstGeom>
-          <a:pattFill prst="pct50">
-            <a:fgClr>
-              <a:schemeClr val="accent4">
-                <a:lumMod val="60000"/>
-                <a:lumOff val="40000"/>
-              </a:schemeClr>
-            </a:fgClr>
-            <a:bgClr>
-              <a:schemeClr val="bg1"/>
-            </a:bgClr>
-          </a:pattFill>
-          <a:ln>
-            <a:solidFill>
-              <a:schemeClr val="accent4">
-                <a:lumMod val="75000"/>
-              </a:schemeClr>
-            </a:solidFill>
-          </a:ln>
-        </p:spPr>
-        <p:style>
-          <a:lnRef idx="2">
-            <a:schemeClr val="accent1">
-              <a:shade val="50000"/>
-            </a:schemeClr>
-          </a:lnRef>
-          <a:fillRef idx="1">
-            <a:schemeClr val="accent1"/>
-          </a:fillRef>
-          <a:effectRef idx="0">
-            <a:schemeClr val="accent1"/>
-          </a:effectRef>
-          <a:fontRef idx="minor">
-            <a:schemeClr val="lt1"/>
-          </a:fontRef>
-        </p:style>
-        <p:txBody>
-          <a:bodyPr rtlCol="0" anchor="ctr"/>
-          <a:lstStyle/>
-          <a:p>
-            <a:pPr algn="ctr"/>
-            <a:r>
-              <a:rPr lang="en-US" sz="933">
-                <a:solidFill>
-                  <a:schemeClr val="tx1"/>
-                </a:solidFill>
-                <a:latin typeface="Arial" panose="020B0604020202020204" pitchFamily="34" charset="0"/>
-                <a:ea typeface="Menlo" panose="020B0609030804020204" pitchFamily="49" charset="0"/>
-                <a:cs typeface="Arial" panose="020B0604020202020204" pitchFamily="34" charset="0"/>
-              </a:rPr>
-              <a:t>File API</a:t>
-            </a:r>
-          </a:p>
-        </p:txBody>
-      </p:sp>
-      <p:sp>
-        <p:nvSpPr>
-          <p:cNvPr id="43" name="Rectangle 42">
-            <a:extLst>
-              <a:ext uri="{FF2B5EF4-FFF2-40B4-BE49-F238E27FC236}">
-                <a16:creationId xmlns:a16="http://schemas.microsoft.com/office/drawing/2014/main" id="{9CF8B830-DC0B-A740-A36B-B958C1A572E0}"/>
-              </a:ext>
-            </a:extLst>
-          </p:cNvPr>
-          <p:cNvSpPr/>
-          <p:nvPr/>
-        </p:nvSpPr>
-        <p:spPr>
-          <a:xfrm>
-            <a:off x="6732723" y="4247506"/>
-            <a:ext cx="498855" cy="311869"/>
-          </a:xfrm>
-          <a:prstGeom prst="rect">
-            <a:avLst/>
-          </a:prstGeom>
-          <a:pattFill prst="pct50">
-            <a:fgClr>
-              <a:schemeClr val="accent4">
-                <a:lumMod val="60000"/>
-                <a:lumOff val="40000"/>
-              </a:schemeClr>
-            </a:fgClr>
-            <a:bgClr>
-              <a:schemeClr val="bg1"/>
-            </a:bgClr>
-          </a:pattFill>
-          <a:ln>
-            <a:solidFill>
-              <a:schemeClr val="accent4">
-                <a:lumMod val="75000"/>
-              </a:schemeClr>
-            </a:solidFill>
-          </a:ln>
-        </p:spPr>
-        <p:style>
-          <a:lnRef idx="2">
-            <a:schemeClr val="accent1">
-              <a:shade val="50000"/>
-            </a:schemeClr>
-          </a:lnRef>
-          <a:fillRef idx="1">
-            <a:schemeClr val="accent1"/>
-          </a:fillRef>
-          <a:effectRef idx="0">
-            <a:schemeClr val="accent1"/>
-          </a:effectRef>
-          <a:fontRef idx="minor">
-            <a:schemeClr val="lt1"/>
-          </a:fontRef>
-        </p:style>
-        <p:txBody>
-          <a:bodyPr rtlCol="0" anchor="ctr"/>
-          <a:lstStyle/>
-          <a:p>
-            <a:pPr algn="ctr"/>
-            <a:r>
-              <a:rPr lang="en-US" sz="933" dirty="0">
-                <a:solidFill>
-                  <a:schemeClr val="tx1"/>
-                </a:solidFill>
-                <a:latin typeface="Arial" panose="020B0604020202020204" pitchFamily="34" charset="0"/>
-                <a:ea typeface="Menlo" panose="020B0609030804020204" pitchFamily="49" charset="0"/>
-                <a:cs typeface="Arial" panose="020B0604020202020204" pitchFamily="34" charset="0"/>
-              </a:rPr>
-              <a:t>JES API</a:t>
-            </a:r>
-          </a:p>
-        </p:txBody>
-      </p:sp>
       <p:cxnSp>
         <p:nvCxnSpPr>
-          <p:cNvPr id="45" name="Straight Arrow Connector 44">
-            <a:extLst>
-              <a:ext uri="{FF2B5EF4-FFF2-40B4-BE49-F238E27FC236}">
-                <a16:creationId xmlns:a16="http://schemas.microsoft.com/office/drawing/2014/main" id="{3892E7B8-0947-C447-9E5E-CE36A08691A2}"/>
+          <p:cNvPr id="46" name="Straight Arrow Connector 45">
+            <a:extLst>
+              <a:ext uri="{FF2B5EF4-FFF2-40B4-BE49-F238E27FC236}">
+                <a16:creationId xmlns:a16="http://schemas.microsoft.com/office/drawing/2014/main" id="{021AF651-50B6-6746-B692-A167727F149A}"/>
               </a:ext>
             </a:extLst>
           </p:cNvPr>
@@ -5119,8 +4971,8 @@
         </p:nvCxnSpPr>
         <p:spPr>
           <a:xfrm>
-            <a:off x="6586026" y="3069751"/>
-            <a:ext cx="9031" cy="1344229"/>
+            <a:off x="4556191" y="1699591"/>
+            <a:ext cx="0" cy="759483"/>
           </a:xfrm>
           <a:prstGeom prst="straightConnector1">
             <a:avLst/>
@@ -5145,48 +4997,6 @@
           </a:fontRef>
         </p:style>
       </p:cxnSp>
-      <p:cxnSp>
-        <p:nvCxnSpPr>
-          <p:cNvPr id="46" name="Straight Arrow Connector 45">
-            <a:extLst>
-              <a:ext uri="{FF2B5EF4-FFF2-40B4-BE49-F238E27FC236}">
-                <a16:creationId xmlns:a16="http://schemas.microsoft.com/office/drawing/2014/main" id="{021AF651-50B6-6746-B692-A167727F149A}"/>
-              </a:ext>
-            </a:extLst>
-          </p:cNvPr>
-          <p:cNvCxnSpPr>
-            <a:cxnSpLocks/>
-          </p:cNvCxnSpPr>
-          <p:nvPr/>
-        </p:nvCxnSpPr>
-        <p:spPr>
-          <a:xfrm>
-            <a:off x="4556191" y="1699591"/>
-            <a:ext cx="0" cy="759483"/>
-          </a:xfrm>
-          <a:prstGeom prst="straightConnector1">
-            <a:avLst/>
-          </a:prstGeom>
-          <a:ln>
-            <a:headEnd type="triangle"/>
-            <a:tailEnd type="triangle"/>
-          </a:ln>
-        </p:spPr>
-        <p:style>
-          <a:lnRef idx="1">
-            <a:schemeClr val="accent1"/>
-          </a:lnRef>
-          <a:fillRef idx="0">
-            <a:schemeClr val="accent1"/>
-          </a:fillRef>
-          <a:effectRef idx="0">
-            <a:schemeClr val="accent1"/>
-          </a:effectRef>
-          <a:fontRef idx="minor">
-            <a:schemeClr val="tx1"/>
-          </a:fontRef>
-        </p:style>
-      </p:cxnSp>
       <p:sp>
         <p:nvSpPr>
           <p:cNvPr id="48" name="TextBox 47">
@@ -5300,131 +5110,6 @@
                 <a:cs typeface="Arial" panose="020B0604020202020204" pitchFamily="34" charset="0"/>
               </a:rPr>
               <a:t>7552</a:t>
-            </a:r>
-          </a:p>
-        </p:txBody>
-      </p:sp>
-      <p:sp>
-        <p:nvSpPr>
-          <p:cNvPr id="51" name="TextBox 50">
-            <a:extLst>
-              <a:ext uri="{FF2B5EF4-FFF2-40B4-BE49-F238E27FC236}">
-                <a16:creationId xmlns:a16="http://schemas.microsoft.com/office/drawing/2014/main" id="{C24C4305-5BA2-1B43-A80B-DF777ED8E227}"/>
-              </a:ext>
-            </a:extLst>
-          </p:cNvPr>
-          <p:cNvSpPr txBox="1"/>
-          <p:nvPr/>
-        </p:nvSpPr>
-        <p:spPr>
-          <a:xfrm>
-            <a:off x="6133558" y="3993721"/>
-            <a:ext cx="486030" cy="253916"/>
-          </a:xfrm>
-          <a:prstGeom prst="rect">
-            <a:avLst/>
-          </a:prstGeom>
-          <a:noFill/>
-        </p:spPr>
-        <p:txBody>
-          <a:bodyPr wrap="none" rtlCol="0">
-            <a:spAutoFit/>
-          </a:bodyPr>
-          <a:lstStyle/>
-          <a:p>
-            <a:r>
-              <a:rPr lang="en-US" sz="1050" dirty="0">
-                <a:latin typeface="Arial" panose="020B0604020202020204" pitchFamily="34" charset="0"/>
-                <a:ea typeface="Menlo" panose="020B0609030804020204" pitchFamily="49" charset="0"/>
-                <a:cs typeface="Arial" panose="020B0604020202020204" pitchFamily="34" charset="0"/>
-              </a:rPr>
-              <a:t>8547</a:t>
-            </a:r>
-            <a:endParaRPr lang="en-US" sz="1067" dirty="0">
-              <a:latin typeface="Arial" panose="020B0604020202020204" pitchFamily="34" charset="0"/>
-              <a:ea typeface="Menlo" panose="020B0609030804020204" pitchFamily="49" charset="0"/>
-              <a:cs typeface="Arial" panose="020B0604020202020204" pitchFamily="34" charset="0"/>
-            </a:endParaRPr>
-          </a:p>
-        </p:txBody>
-      </p:sp>
-      <p:cxnSp>
-        <p:nvCxnSpPr>
-          <p:cNvPr id="52" name="Straight Arrow Connector 51">
-            <a:extLst>
-              <a:ext uri="{FF2B5EF4-FFF2-40B4-BE49-F238E27FC236}">
-                <a16:creationId xmlns:a16="http://schemas.microsoft.com/office/drawing/2014/main" id="{1A8D5EA7-D754-BD43-8ADC-13C0B2EE28C5}"/>
-              </a:ext>
-            </a:extLst>
-          </p:cNvPr>
-          <p:cNvCxnSpPr>
-            <a:cxnSpLocks/>
-          </p:cNvCxnSpPr>
-          <p:nvPr/>
-        </p:nvCxnSpPr>
-        <p:spPr>
-          <a:xfrm>
-            <a:off x="6794568" y="3045566"/>
-            <a:ext cx="0" cy="1371280"/>
-          </a:xfrm>
-          <a:prstGeom prst="straightConnector1">
-            <a:avLst/>
-          </a:prstGeom>
-          <a:ln>
-            <a:headEnd type="triangle"/>
-            <a:tailEnd type="triangle"/>
-          </a:ln>
-        </p:spPr>
-        <p:style>
-          <a:lnRef idx="1">
-            <a:schemeClr val="accent1"/>
-          </a:lnRef>
-          <a:fillRef idx="0">
-            <a:schemeClr val="accent1"/>
-          </a:fillRef>
-          <a:effectRef idx="0">
-            <a:schemeClr val="accent1"/>
-          </a:effectRef>
-          <a:fontRef idx="minor">
-            <a:schemeClr val="tx1"/>
-          </a:fontRef>
-        </p:style>
-      </p:cxnSp>
-      <p:sp>
-        <p:nvSpPr>
-          <p:cNvPr id="54" name="TextBox 53">
-            <a:extLst>
-              <a:ext uri="{FF2B5EF4-FFF2-40B4-BE49-F238E27FC236}">
-                <a16:creationId xmlns:a16="http://schemas.microsoft.com/office/drawing/2014/main" id="{522E71EC-E73F-8045-92CA-2E9B816D4A91}"/>
-              </a:ext>
-            </a:extLst>
-          </p:cNvPr>
-          <p:cNvSpPr txBox="1"/>
-          <p:nvPr/>
-        </p:nvSpPr>
-        <p:spPr>
-          <a:xfrm>
-            <a:off x="6784338" y="3994207"/>
-            <a:ext cx="498855" cy="261610"/>
-          </a:xfrm>
-          <a:prstGeom prst="rect">
-            <a:avLst/>
-          </a:prstGeom>
-          <a:noFill/>
-        </p:spPr>
-        <p:txBody>
-          <a:bodyPr wrap="none" rtlCol="0">
-            <a:spAutoFit/>
-          </a:bodyPr>
-          <a:lstStyle/>
-          <a:p>
-            <a:r>
-              <a:rPr lang="en-US" sz="1100" dirty="0">
-                <a:latin typeface="Arial" panose="020B0604020202020204" pitchFamily="34" charset="0"/>
-                <a:ea typeface="Menlo" panose="020B0609030804020204" pitchFamily="49" charset="0"/>
-                <a:cs typeface="Arial" panose="020B0604020202020204" pitchFamily="34" charset="0"/>
-              </a:rPr>
-              <a:t>8545</a:t>
             </a:r>
           </a:p>
         </p:txBody>
@@ -7652,66 +7337,6 @@
           </a:fontRef>
         </p:style>
       </p:cxnSp>
-      <p:sp>
-        <p:nvSpPr>
-          <p:cNvPr id="126" name="Rectangle 125">
-            <a:extLst>
-              <a:ext uri="{FF2B5EF4-FFF2-40B4-BE49-F238E27FC236}">
-                <a16:creationId xmlns:a16="http://schemas.microsoft.com/office/drawing/2014/main" id="{6499A0B0-043E-6F4F-B3CD-A7E0448871C6}"/>
-              </a:ext>
-            </a:extLst>
-          </p:cNvPr>
-          <p:cNvSpPr/>
-          <p:nvPr/>
-        </p:nvSpPr>
-        <p:spPr>
-          <a:xfrm>
-            <a:off x="6082170" y="3974491"/>
-            <a:ext cx="1243933" cy="711947"/>
-          </a:xfrm>
-          <a:prstGeom prst="rect">
-            <a:avLst/>
-          </a:prstGeom>
-          <a:noFill/>
-          <a:ln w="25400">
-            <a:solidFill>
-              <a:srgbClr val="FFC000"/>
-            </a:solidFill>
-            <a:prstDash val="dash"/>
-          </a:ln>
-        </p:spPr>
-        <p:style>
-          <a:lnRef idx="2">
-            <a:schemeClr val="accent1">
-              <a:shade val="50000"/>
-            </a:schemeClr>
-          </a:lnRef>
-          <a:fillRef idx="1">
-            <a:schemeClr val="accent1"/>
-          </a:fillRef>
-          <a:effectRef idx="0">
-            <a:schemeClr val="accent1"/>
-          </a:effectRef>
-          <a:fontRef idx="minor">
-            <a:schemeClr val="lt1"/>
-          </a:fontRef>
-        </p:style>
-        <p:txBody>
-          <a:bodyPr rtlCol="0" anchor="ctr"/>
-          <a:lstStyle/>
-          <a:p>
-            <a:pPr algn="ctr"/>
-            <a:endParaRPr lang="en-US" sz="1000">
-              <a:solidFill>
-                <a:schemeClr val="tx1"/>
-              </a:solidFill>
-              <a:latin typeface="Menlo" panose="020B0609030804020204" pitchFamily="49" charset="0"/>
-              <a:ea typeface="Menlo" panose="020B0609030804020204" pitchFamily="49" charset="0"/>
-              <a:cs typeface="Menlo" panose="020B0609030804020204" pitchFamily="49" charset="0"/>
-            </a:endParaRPr>
-          </a:p>
-        </p:txBody>
-      </p:sp>
       <p:pic>
         <p:nvPicPr>
           <p:cNvPr id="130" name="Picture 129">
@@ -9870,195 +9495,6 @@
                 <a:cs typeface="Arial" panose="020B0604020202020204" pitchFamily="34" charset="0"/>
               </a:rPr>
               <a:t>22</a:t>
-            </a:r>
-          </a:p>
-        </p:txBody>
-      </p:sp>
-      <p:sp>
-        <p:nvSpPr>
-          <p:cNvPr id="123" name="Rectangle 122">
-            <a:extLst>
-              <a:ext uri="{FF2B5EF4-FFF2-40B4-BE49-F238E27FC236}">
-                <a16:creationId xmlns:a16="http://schemas.microsoft.com/office/drawing/2014/main" id="{AA21E856-BB8E-4656-850C-FA5485C663D1}"/>
-              </a:ext>
-            </a:extLst>
-          </p:cNvPr>
-          <p:cNvSpPr/>
-          <p:nvPr/>
-        </p:nvSpPr>
-        <p:spPr>
-          <a:xfrm>
-            <a:off x="3625736" y="3373607"/>
-            <a:ext cx="723375" cy="360236"/>
-          </a:xfrm>
-          <a:prstGeom prst="rect">
-            <a:avLst/>
-          </a:prstGeom>
-          <a:solidFill>
-            <a:schemeClr val="accent4">
-              <a:lumMod val="60000"/>
-              <a:lumOff val="40000"/>
-              <a:alpha val="97647"/>
-            </a:schemeClr>
-          </a:solidFill>
-          <a:ln>
-            <a:solidFill>
-              <a:schemeClr val="accent4">
-                <a:lumMod val="75000"/>
-              </a:schemeClr>
-            </a:solidFill>
-          </a:ln>
-        </p:spPr>
-        <p:style>
-          <a:lnRef idx="2">
-            <a:schemeClr val="accent1">
-              <a:shade val="50000"/>
-            </a:schemeClr>
-          </a:lnRef>
-          <a:fillRef idx="1">
-            <a:schemeClr val="accent1"/>
-          </a:fillRef>
-          <a:effectRef idx="0">
-            <a:schemeClr val="accent1"/>
-          </a:effectRef>
-          <a:fontRef idx="minor">
-            <a:schemeClr val="lt1"/>
-          </a:fontRef>
-        </p:style>
-        <p:txBody>
-          <a:bodyPr rtlCol="0" anchor="ctr"/>
-          <a:lstStyle/>
-          <a:p>
-            <a:pPr algn="ctr"/>
-            <a:r>
-              <a:rPr lang="en-US" sz="933" dirty="0">
-                <a:solidFill>
-                  <a:schemeClr val="tx1"/>
-                </a:solidFill>
-                <a:latin typeface="Arial" panose="020B0604020202020204" pitchFamily="34" charset="0"/>
-                <a:ea typeface="Menlo" panose="020B0609030804020204" pitchFamily="49" charset="0"/>
-                <a:cs typeface="Arial" panose="020B0604020202020204" pitchFamily="34" charset="0"/>
-              </a:rPr>
-              <a:t>Metrics Service</a:t>
-            </a:r>
-          </a:p>
-        </p:txBody>
-      </p:sp>
-      <p:sp>
-        <p:nvSpPr>
-          <p:cNvPr id="125" name="TextBox 124">
-            <a:extLst>
-              <a:ext uri="{FF2B5EF4-FFF2-40B4-BE49-F238E27FC236}">
-                <a16:creationId xmlns:a16="http://schemas.microsoft.com/office/drawing/2014/main" id="{7F4D2A41-7768-4760-AAEC-157425E0AD93}"/>
-              </a:ext>
-            </a:extLst>
-          </p:cNvPr>
-          <p:cNvSpPr txBox="1"/>
-          <p:nvPr/>
-        </p:nvSpPr>
-        <p:spPr>
-          <a:xfrm>
-            <a:off x="3680352" y="3131869"/>
-            <a:ext cx="536683" cy="261610"/>
-          </a:xfrm>
-          <a:prstGeom prst="rect">
-            <a:avLst/>
-          </a:prstGeom>
-          <a:noFill/>
-        </p:spPr>
-        <p:txBody>
-          <a:bodyPr wrap="square" rtlCol="0">
-            <a:spAutoFit/>
-          </a:bodyPr>
-          <a:lstStyle/>
-          <a:p>
-            <a:r>
-              <a:rPr lang="en-US" sz="1100" dirty="0">
-                <a:latin typeface="Arial" panose="020B0604020202020204" pitchFamily="34" charset="0"/>
-                <a:ea typeface="Menlo" panose="020B0609030804020204" pitchFamily="49" charset="0"/>
-                <a:cs typeface="Arial" panose="020B0604020202020204" pitchFamily="34" charset="0"/>
-              </a:rPr>
-              <a:t>7551</a:t>
-            </a:r>
-          </a:p>
-        </p:txBody>
-      </p:sp>
-      <p:cxnSp>
-        <p:nvCxnSpPr>
-          <p:cNvPr id="128" name="Straight Arrow Connector 127">
-            <a:extLst>
-              <a:ext uri="{FF2B5EF4-FFF2-40B4-BE49-F238E27FC236}">
-                <a16:creationId xmlns:a16="http://schemas.microsoft.com/office/drawing/2014/main" id="{48D924D7-7D2D-4BD4-813D-D1A32E39EA27}"/>
-              </a:ext>
-            </a:extLst>
-          </p:cNvPr>
-          <p:cNvCxnSpPr>
-            <a:cxnSpLocks/>
-          </p:cNvCxnSpPr>
-          <p:nvPr/>
-        </p:nvCxnSpPr>
-        <p:spPr>
-          <a:xfrm>
-            <a:off x="4216274" y="3058455"/>
-            <a:ext cx="0" cy="304147"/>
-          </a:xfrm>
-          <a:prstGeom prst="straightConnector1">
-            <a:avLst/>
-          </a:prstGeom>
-          <a:ln>
-            <a:headEnd type="triangle"/>
-            <a:tailEnd type="triangle"/>
-          </a:ln>
-        </p:spPr>
-        <p:style>
-          <a:lnRef idx="1">
-            <a:schemeClr val="accent1"/>
-          </a:lnRef>
-          <a:fillRef idx="0">
-            <a:schemeClr val="accent1"/>
-          </a:fillRef>
-          <a:effectRef idx="0">
-            <a:schemeClr val="accent1"/>
-          </a:effectRef>
-          <a:fontRef idx="minor">
-            <a:schemeClr val="tx1"/>
-          </a:fontRef>
-        </p:style>
-      </p:cxnSp>
-      <p:sp>
-        <p:nvSpPr>
-          <p:cNvPr id="145" name="TextBox 144">
-            <a:extLst>
-              <a:ext uri="{FF2B5EF4-FFF2-40B4-BE49-F238E27FC236}">
-                <a16:creationId xmlns:a16="http://schemas.microsoft.com/office/drawing/2014/main" id="{0F71EF4B-E004-46B8-8753-BCCAE09B6ACC}"/>
-              </a:ext>
-            </a:extLst>
-          </p:cNvPr>
-          <p:cNvSpPr txBox="1"/>
-          <p:nvPr/>
-        </p:nvSpPr>
-        <p:spPr>
-          <a:xfrm>
-            <a:off x="5974609" y="4697849"/>
-            <a:ext cx="1459054" cy="235449"/>
-          </a:xfrm>
-          <a:prstGeom prst="rect">
-            <a:avLst/>
-          </a:prstGeom>
-          <a:noFill/>
-        </p:spPr>
-        <p:txBody>
-          <a:bodyPr wrap="none" rtlCol="0">
-            <a:spAutoFit/>
-          </a:bodyPr>
-          <a:lstStyle/>
-          <a:p>
-            <a:r>
-              <a:rPr lang="en-US" sz="930" dirty="0">
-                <a:latin typeface="Arial" panose="020B0604020202020204" pitchFamily="34" charset="0"/>
-                <a:cs typeface="Arial" panose="020B0604020202020204" pitchFamily="34" charset="0"/>
-              </a:rPr>
-              <a:t>(Optional, off by default)</a:t>
             </a:r>
           </a:p>
         </p:txBody>
@@ -11024,160 +10460,12 @@
           </a:fontRef>
         </p:style>
       </p:cxnSp>
-      <p:sp>
-        <p:nvSpPr>
-          <p:cNvPr id="42" name="Rectangle 41">
-            <a:extLst>
-              <a:ext uri="{FF2B5EF4-FFF2-40B4-BE49-F238E27FC236}">
-                <a16:creationId xmlns:a16="http://schemas.microsoft.com/office/drawing/2014/main" id="{7A2C7D56-E8C6-1042-9DF3-33D6754C7710}"/>
-              </a:ext>
-            </a:extLst>
-          </p:cNvPr>
-          <p:cNvSpPr/>
-          <p:nvPr/>
-        </p:nvSpPr>
-        <p:spPr>
-          <a:xfrm>
-            <a:off x="6153605" y="4247506"/>
-            <a:ext cx="517682" cy="311869"/>
-          </a:xfrm>
-          <a:prstGeom prst="rect">
-            <a:avLst/>
-          </a:prstGeom>
-          <a:pattFill prst="pct50">
-            <a:fgClr>
-              <a:schemeClr val="accent4">
-                <a:lumMod val="60000"/>
-                <a:lumOff val="40000"/>
-              </a:schemeClr>
-            </a:fgClr>
-            <a:bgClr>
-              <a:schemeClr val="bg1"/>
-            </a:bgClr>
-          </a:pattFill>
-          <a:ln>
-            <a:solidFill>
-              <a:schemeClr val="accent4">
-                <a:lumMod val="75000"/>
-              </a:schemeClr>
-            </a:solidFill>
-          </a:ln>
-        </p:spPr>
-        <p:style>
-          <a:lnRef idx="2">
-            <a:schemeClr val="accent1">
-              <a:shade val="50000"/>
-            </a:schemeClr>
-          </a:lnRef>
-          <a:fillRef idx="1">
-            <a:schemeClr val="accent1"/>
-          </a:fillRef>
-          <a:effectRef idx="0">
-            <a:schemeClr val="accent1"/>
-          </a:effectRef>
-          <a:fontRef idx="minor">
-            <a:schemeClr val="lt1"/>
-          </a:fontRef>
-        </p:style>
-        <p:txBody>
-          <a:bodyPr rtlCol="0" anchor="ctr"/>
-          <a:lstStyle/>
-          <a:p>
-            <a:pPr algn="ctr"/>
-            <a:r>
-              <a:rPr lang="en-US" sz="933">
-                <a:solidFill>
-                  <a:schemeClr val="tx1"/>
-                </a:solidFill>
-                <a:latin typeface="Arial" panose="020B0604020202020204" pitchFamily="34" charset="0"/>
-                <a:ea typeface="Menlo" panose="020B0609030804020204" pitchFamily="49" charset="0"/>
-                <a:cs typeface="Arial" panose="020B0604020202020204" pitchFamily="34" charset="0"/>
-              </a:rPr>
-              <a:t>File API</a:t>
-            </a:r>
-          </a:p>
-        </p:txBody>
-      </p:sp>
-      <p:sp>
-        <p:nvSpPr>
-          <p:cNvPr id="43" name="Rectangle 42">
-            <a:extLst>
-              <a:ext uri="{FF2B5EF4-FFF2-40B4-BE49-F238E27FC236}">
-                <a16:creationId xmlns:a16="http://schemas.microsoft.com/office/drawing/2014/main" id="{9CF8B830-DC0B-A740-A36B-B958C1A572E0}"/>
-              </a:ext>
-            </a:extLst>
-          </p:cNvPr>
-          <p:cNvSpPr/>
-          <p:nvPr/>
-        </p:nvSpPr>
-        <p:spPr>
-          <a:xfrm>
-            <a:off x="6732723" y="4247506"/>
-            <a:ext cx="498855" cy="311869"/>
-          </a:xfrm>
-          <a:prstGeom prst="rect">
-            <a:avLst/>
-          </a:prstGeom>
-          <a:pattFill prst="pct50">
-            <a:fgClr>
-              <a:schemeClr val="accent4">
-                <a:lumMod val="60000"/>
-                <a:lumOff val="40000"/>
-              </a:schemeClr>
-            </a:fgClr>
-            <a:bgClr>
-              <a:schemeClr val="bg1"/>
-            </a:bgClr>
-          </a:pattFill>
-          <a:ln>
-            <a:solidFill>
-              <a:schemeClr val="accent4">
-                <a:lumMod val="75000"/>
-              </a:schemeClr>
-            </a:solidFill>
-          </a:ln>
-        </p:spPr>
-        <p:style>
-          <a:lnRef idx="2">
-            <a:schemeClr val="accent1">
-              <a:shade val="50000"/>
-            </a:schemeClr>
-          </a:lnRef>
-          <a:fillRef idx="1">
-            <a:schemeClr val="accent1"/>
-          </a:fillRef>
-          <a:effectRef idx="0">
-            <a:schemeClr val="accent1"/>
-          </a:effectRef>
-          <a:fontRef idx="minor">
-            <a:schemeClr val="lt1"/>
-          </a:fontRef>
-        </p:style>
-        <p:txBody>
-          <a:bodyPr rtlCol="0" anchor="ctr"/>
-          <a:lstStyle/>
-          <a:p>
-            <a:pPr algn="ctr"/>
-            <a:r>
-              <a:rPr lang="en-US" sz="933" dirty="0">
-                <a:solidFill>
-                  <a:schemeClr val="tx1"/>
-                </a:solidFill>
-                <a:latin typeface="Arial" panose="020B0604020202020204" pitchFamily="34" charset="0"/>
-                <a:ea typeface="Menlo" panose="020B0609030804020204" pitchFamily="49" charset="0"/>
-                <a:cs typeface="Arial" panose="020B0604020202020204" pitchFamily="34" charset="0"/>
-              </a:rPr>
-              <a:t>JES API</a:t>
-            </a:r>
-          </a:p>
-        </p:txBody>
-      </p:sp>
       <p:cxnSp>
         <p:nvCxnSpPr>
-          <p:cNvPr id="45" name="Straight Arrow Connector 44">
-            <a:extLst>
-              <a:ext uri="{FF2B5EF4-FFF2-40B4-BE49-F238E27FC236}">
-                <a16:creationId xmlns:a16="http://schemas.microsoft.com/office/drawing/2014/main" id="{3892E7B8-0947-C447-9E5E-CE36A08691A2}"/>
+          <p:cNvPr id="46" name="Straight Arrow Connector 45">
+            <a:extLst>
+              <a:ext uri="{FF2B5EF4-FFF2-40B4-BE49-F238E27FC236}">
+                <a16:creationId xmlns:a16="http://schemas.microsoft.com/office/drawing/2014/main" id="{021AF651-50B6-6746-B692-A167727F149A}"/>
               </a:ext>
             </a:extLst>
           </p:cNvPr>
@@ -11188,8 +10476,8 @@
         </p:nvCxnSpPr>
         <p:spPr>
           <a:xfrm>
-            <a:off x="6586026" y="3069751"/>
-            <a:ext cx="9031" cy="1344229"/>
+            <a:off x="4556191" y="1699591"/>
+            <a:ext cx="0" cy="759483"/>
           </a:xfrm>
           <a:prstGeom prst="straightConnector1">
             <a:avLst/>
@@ -11214,48 +10502,6 @@
           </a:fontRef>
         </p:style>
       </p:cxnSp>
-      <p:cxnSp>
-        <p:nvCxnSpPr>
-          <p:cNvPr id="46" name="Straight Arrow Connector 45">
-            <a:extLst>
-              <a:ext uri="{FF2B5EF4-FFF2-40B4-BE49-F238E27FC236}">
-                <a16:creationId xmlns:a16="http://schemas.microsoft.com/office/drawing/2014/main" id="{021AF651-50B6-6746-B692-A167727F149A}"/>
-              </a:ext>
-            </a:extLst>
-          </p:cNvPr>
-          <p:cNvCxnSpPr>
-            <a:cxnSpLocks/>
-          </p:cNvCxnSpPr>
-          <p:nvPr/>
-        </p:nvCxnSpPr>
-        <p:spPr>
-          <a:xfrm>
-            <a:off x="4556191" y="1699591"/>
-            <a:ext cx="0" cy="759483"/>
-          </a:xfrm>
-          <a:prstGeom prst="straightConnector1">
-            <a:avLst/>
-          </a:prstGeom>
-          <a:ln>
-            <a:headEnd type="triangle"/>
-            <a:tailEnd type="triangle"/>
-          </a:ln>
-        </p:spPr>
-        <p:style>
-          <a:lnRef idx="1">
-            <a:schemeClr val="accent1"/>
-          </a:lnRef>
-          <a:fillRef idx="0">
-            <a:schemeClr val="accent1"/>
-          </a:fillRef>
-          <a:effectRef idx="0">
-            <a:schemeClr val="accent1"/>
-          </a:effectRef>
-          <a:fontRef idx="minor">
-            <a:schemeClr val="tx1"/>
-          </a:fontRef>
-        </p:style>
-      </p:cxnSp>
       <p:sp>
         <p:nvSpPr>
           <p:cNvPr id="48" name="TextBox 47">
@@ -11369,131 +10615,6 @@
                 <a:cs typeface="Arial" panose="020B0604020202020204" pitchFamily="34" charset="0"/>
               </a:rPr>
               <a:t>7552</a:t>
-            </a:r>
-          </a:p>
-        </p:txBody>
-      </p:sp>
-      <p:sp>
-        <p:nvSpPr>
-          <p:cNvPr id="51" name="TextBox 50">
-            <a:extLst>
-              <a:ext uri="{FF2B5EF4-FFF2-40B4-BE49-F238E27FC236}">
-                <a16:creationId xmlns:a16="http://schemas.microsoft.com/office/drawing/2014/main" id="{C24C4305-5BA2-1B43-A80B-DF777ED8E227}"/>
-              </a:ext>
-            </a:extLst>
-          </p:cNvPr>
-          <p:cNvSpPr txBox="1"/>
-          <p:nvPr/>
-        </p:nvSpPr>
-        <p:spPr>
-          <a:xfrm>
-            <a:off x="6139001" y="3993721"/>
-            <a:ext cx="486030" cy="253916"/>
-          </a:xfrm>
-          <a:prstGeom prst="rect">
-            <a:avLst/>
-          </a:prstGeom>
-          <a:noFill/>
-        </p:spPr>
-        <p:txBody>
-          <a:bodyPr wrap="none" rtlCol="0">
-            <a:spAutoFit/>
-          </a:bodyPr>
-          <a:lstStyle/>
-          <a:p>
-            <a:r>
-              <a:rPr lang="en-US" sz="1050" dirty="0">
-                <a:latin typeface="Arial" panose="020B0604020202020204" pitchFamily="34" charset="0"/>
-                <a:ea typeface="Menlo" panose="020B0609030804020204" pitchFamily="49" charset="0"/>
-                <a:cs typeface="Arial" panose="020B0604020202020204" pitchFamily="34" charset="0"/>
-              </a:rPr>
-              <a:t>8547</a:t>
-            </a:r>
-            <a:endParaRPr lang="en-US" sz="1067" dirty="0">
-              <a:latin typeface="Arial" panose="020B0604020202020204" pitchFamily="34" charset="0"/>
-              <a:ea typeface="Menlo" panose="020B0609030804020204" pitchFamily="49" charset="0"/>
-              <a:cs typeface="Arial" panose="020B0604020202020204" pitchFamily="34" charset="0"/>
-            </a:endParaRPr>
-          </a:p>
-        </p:txBody>
-      </p:sp>
-      <p:cxnSp>
-        <p:nvCxnSpPr>
-          <p:cNvPr id="52" name="Straight Arrow Connector 51">
-            <a:extLst>
-              <a:ext uri="{FF2B5EF4-FFF2-40B4-BE49-F238E27FC236}">
-                <a16:creationId xmlns:a16="http://schemas.microsoft.com/office/drawing/2014/main" id="{1A8D5EA7-D754-BD43-8ADC-13C0B2EE28C5}"/>
-              </a:ext>
-            </a:extLst>
-          </p:cNvPr>
-          <p:cNvCxnSpPr>
-            <a:cxnSpLocks/>
-          </p:cNvCxnSpPr>
-          <p:nvPr/>
-        </p:nvCxnSpPr>
-        <p:spPr>
-          <a:xfrm>
-            <a:off x="6794568" y="3045566"/>
-            <a:ext cx="0" cy="1371280"/>
-          </a:xfrm>
-          <a:prstGeom prst="straightConnector1">
-            <a:avLst/>
-          </a:prstGeom>
-          <a:ln>
-            <a:headEnd type="triangle"/>
-            <a:tailEnd type="triangle"/>
-          </a:ln>
-        </p:spPr>
-        <p:style>
-          <a:lnRef idx="1">
-            <a:schemeClr val="accent1"/>
-          </a:lnRef>
-          <a:fillRef idx="0">
-            <a:schemeClr val="accent1"/>
-          </a:fillRef>
-          <a:effectRef idx="0">
-            <a:schemeClr val="accent1"/>
-          </a:effectRef>
-          <a:fontRef idx="minor">
-            <a:schemeClr val="tx1"/>
-          </a:fontRef>
-        </p:style>
-      </p:cxnSp>
-      <p:sp>
-        <p:nvSpPr>
-          <p:cNvPr id="54" name="TextBox 53">
-            <a:extLst>
-              <a:ext uri="{FF2B5EF4-FFF2-40B4-BE49-F238E27FC236}">
-                <a16:creationId xmlns:a16="http://schemas.microsoft.com/office/drawing/2014/main" id="{522E71EC-E73F-8045-92CA-2E9B816D4A91}"/>
-              </a:ext>
-            </a:extLst>
-          </p:cNvPr>
-          <p:cNvSpPr txBox="1"/>
-          <p:nvPr/>
-        </p:nvSpPr>
-        <p:spPr>
-          <a:xfrm>
-            <a:off x="6789781" y="3994207"/>
-            <a:ext cx="498855" cy="261610"/>
-          </a:xfrm>
-          <a:prstGeom prst="rect">
-            <a:avLst/>
-          </a:prstGeom>
-          <a:noFill/>
-        </p:spPr>
-        <p:txBody>
-          <a:bodyPr wrap="none" rtlCol="0">
-            <a:spAutoFit/>
-          </a:bodyPr>
-          <a:lstStyle/>
-          <a:p>
-            <a:r>
-              <a:rPr lang="en-US" sz="1100" dirty="0">
-                <a:latin typeface="Arial" panose="020B0604020202020204" pitchFamily="34" charset="0"/>
-                <a:ea typeface="Menlo" panose="020B0609030804020204" pitchFamily="49" charset="0"/>
-                <a:cs typeface="Arial" panose="020B0604020202020204" pitchFamily="34" charset="0"/>
-              </a:rPr>
-              <a:t>8545</a:t>
             </a:r>
           </a:p>
         </p:txBody>
@@ -13477,66 +12598,6 @@
           </a:fontRef>
         </p:style>
       </p:cxnSp>
-      <p:sp>
-        <p:nvSpPr>
-          <p:cNvPr id="126" name="Rectangle 125">
-            <a:extLst>
-              <a:ext uri="{FF2B5EF4-FFF2-40B4-BE49-F238E27FC236}">
-                <a16:creationId xmlns:a16="http://schemas.microsoft.com/office/drawing/2014/main" id="{6499A0B0-043E-6F4F-B3CD-A7E0448871C6}"/>
-              </a:ext>
-            </a:extLst>
-          </p:cNvPr>
-          <p:cNvSpPr/>
-          <p:nvPr/>
-        </p:nvSpPr>
-        <p:spPr>
-          <a:xfrm>
-            <a:off x="6082170" y="3974491"/>
-            <a:ext cx="1243933" cy="711947"/>
-          </a:xfrm>
-          <a:prstGeom prst="rect">
-            <a:avLst/>
-          </a:prstGeom>
-          <a:noFill/>
-          <a:ln w="25400">
-            <a:solidFill>
-              <a:srgbClr val="FFC000"/>
-            </a:solidFill>
-            <a:prstDash val="dash"/>
-          </a:ln>
-        </p:spPr>
-        <p:style>
-          <a:lnRef idx="2">
-            <a:schemeClr val="accent1">
-              <a:shade val="50000"/>
-            </a:schemeClr>
-          </a:lnRef>
-          <a:fillRef idx="1">
-            <a:schemeClr val="accent1"/>
-          </a:fillRef>
-          <a:effectRef idx="0">
-            <a:schemeClr val="accent1"/>
-          </a:effectRef>
-          <a:fontRef idx="minor">
-            <a:schemeClr val="lt1"/>
-          </a:fontRef>
-        </p:style>
-        <p:txBody>
-          <a:bodyPr rtlCol="0" anchor="ctr"/>
-          <a:lstStyle/>
-          <a:p>
-            <a:pPr algn="ctr"/>
-            <a:endParaRPr lang="en-US" sz="1000">
-              <a:solidFill>
-                <a:schemeClr val="tx1"/>
-              </a:solidFill>
-              <a:latin typeface="Menlo" panose="020B0609030804020204" pitchFamily="49" charset="0"/>
-              <a:ea typeface="Menlo" panose="020B0609030804020204" pitchFamily="49" charset="0"/>
-              <a:cs typeface="Menlo" panose="020B0609030804020204" pitchFamily="49" charset="0"/>
-            </a:endParaRPr>
-          </a:p>
-        </p:txBody>
-      </p:sp>
       <p:pic>
         <p:nvPicPr>
           <p:cNvPr id="130" name="Picture 129">
@@ -15523,195 +14584,6 @@
                 <a:cs typeface="Arial" panose="020B0604020202020204" pitchFamily="34" charset="0"/>
               </a:rPr>
               <a:t>22</a:t>
-            </a:r>
-          </a:p>
-        </p:txBody>
-      </p:sp>
-      <p:sp>
-        <p:nvSpPr>
-          <p:cNvPr id="123" name="Rectangle 122">
-            <a:extLst>
-              <a:ext uri="{FF2B5EF4-FFF2-40B4-BE49-F238E27FC236}">
-                <a16:creationId xmlns:a16="http://schemas.microsoft.com/office/drawing/2014/main" id="{AA21E856-BB8E-4656-850C-FA5485C663D1}"/>
-              </a:ext>
-            </a:extLst>
-          </p:cNvPr>
-          <p:cNvSpPr/>
-          <p:nvPr/>
-        </p:nvSpPr>
-        <p:spPr>
-          <a:xfrm>
-            <a:off x="3625736" y="3373607"/>
-            <a:ext cx="723375" cy="360236"/>
-          </a:xfrm>
-          <a:prstGeom prst="rect">
-            <a:avLst/>
-          </a:prstGeom>
-          <a:solidFill>
-            <a:schemeClr val="accent4">
-              <a:lumMod val="60000"/>
-              <a:lumOff val="40000"/>
-              <a:alpha val="97647"/>
-            </a:schemeClr>
-          </a:solidFill>
-          <a:ln>
-            <a:solidFill>
-              <a:schemeClr val="accent4">
-                <a:lumMod val="75000"/>
-              </a:schemeClr>
-            </a:solidFill>
-          </a:ln>
-        </p:spPr>
-        <p:style>
-          <a:lnRef idx="2">
-            <a:schemeClr val="accent1">
-              <a:shade val="50000"/>
-            </a:schemeClr>
-          </a:lnRef>
-          <a:fillRef idx="1">
-            <a:schemeClr val="accent1"/>
-          </a:fillRef>
-          <a:effectRef idx="0">
-            <a:schemeClr val="accent1"/>
-          </a:effectRef>
-          <a:fontRef idx="minor">
-            <a:schemeClr val="lt1"/>
-          </a:fontRef>
-        </p:style>
-        <p:txBody>
-          <a:bodyPr rtlCol="0" anchor="ctr"/>
-          <a:lstStyle/>
-          <a:p>
-            <a:pPr algn="ctr"/>
-            <a:r>
-              <a:rPr lang="en-US" sz="933" dirty="0">
-                <a:solidFill>
-                  <a:schemeClr val="tx1"/>
-                </a:solidFill>
-                <a:latin typeface="Arial" panose="020B0604020202020204" pitchFamily="34" charset="0"/>
-                <a:ea typeface="Menlo" panose="020B0609030804020204" pitchFamily="49" charset="0"/>
-                <a:cs typeface="Arial" panose="020B0604020202020204" pitchFamily="34" charset="0"/>
-              </a:rPr>
-              <a:t>Metrics Service</a:t>
-            </a:r>
-          </a:p>
-        </p:txBody>
-      </p:sp>
-      <p:sp>
-        <p:nvSpPr>
-          <p:cNvPr id="125" name="TextBox 124">
-            <a:extLst>
-              <a:ext uri="{FF2B5EF4-FFF2-40B4-BE49-F238E27FC236}">
-                <a16:creationId xmlns:a16="http://schemas.microsoft.com/office/drawing/2014/main" id="{7F4D2A41-7768-4760-AAEC-157425E0AD93}"/>
-              </a:ext>
-            </a:extLst>
-          </p:cNvPr>
-          <p:cNvSpPr txBox="1"/>
-          <p:nvPr/>
-        </p:nvSpPr>
-        <p:spPr>
-          <a:xfrm>
-            <a:off x="3680352" y="3131869"/>
-            <a:ext cx="536683" cy="261610"/>
-          </a:xfrm>
-          <a:prstGeom prst="rect">
-            <a:avLst/>
-          </a:prstGeom>
-          <a:noFill/>
-        </p:spPr>
-        <p:txBody>
-          <a:bodyPr wrap="square" rtlCol="0">
-            <a:spAutoFit/>
-          </a:bodyPr>
-          <a:lstStyle/>
-          <a:p>
-            <a:r>
-              <a:rPr lang="en-US" sz="1100" dirty="0">
-                <a:latin typeface="Arial" panose="020B0604020202020204" pitchFamily="34" charset="0"/>
-                <a:ea typeface="Menlo" panose="020B0609030804020204" pitchFamily="49" charset="0"/>
-                <a:cs typeface="Arial" panose="020B0604020202020204" pitchFamily="34" charset="0"/>
-              </a:rPr>
-              <a:t>7551</a:t>
-            </a:r>
-          </a:p>
-        </p:txBody>
-      </p:sp>
-      <p:cxnSp>
-        <p:nvCxnSpPr>
-          <p:cNvPr id="128" name="Straight Arrow Connector 127">
-            <a:extLst>
-              <a:ext uri="{FF2B5EF4-FFF2-40B4-BE49-F238E27FC236}">
-                <a16:creationId xmlns:a16="http://schemas.microsoft.com/office/drawing/2014/main" id="{48D924D7-7D2D-4BD4-813D-D1A32E39EA27}"/>
-              </a:ext>
-            </a:extLst>
-          </p:cNvPr>
-          <p:cNvCxnSpPr>
-            <a:cxnSpLocks/>
-          </p:cNvCxnSpPr>
-          <p:nvPr/>
-        </p:nvCxnSpPr>
-        <p:spPr>
-          <a:xfrm>
-            <a:off x="4216274" y="3058455"/>
-            <a:ext cx="0" cy="304147"/>
-          </a:xfrm>
-          <a:prstGeom prst="straightConnector1">
-            <a:avLst/>
-          </a:prstGeom>
-          <a:ln>
-            <a:headEnd type="triangle"/>
-            <a:tailEnd type="triangle"/>
-          </a:ln>
-        </p:spPr>
-        <p:style>
-          <a:lnRef idx="1">
-            <a:schemeClr val="accent1"/>
-          </a:lnRef>
-          <a:fillRef idx="0">
-            <a:schemeClr val="accent1"/>
-          </a:fillRef>
-          <a:effectRef idx="0">
-            <a:schemeClr val="accent1"/>
-          </a:effectRef>
-          <a:fontRef idx="minor">
-            <a:schemeClr val="tx1"/>
-          </a:fontRef>
-        </p:style>
-      </p:cxnSp>
-      <p:sp>
-        <p:nvSpPr>
-          <p:cNvPr id="145" name="TextBox 144">
-            <a:extLst>
-              <a:ext uri="{FF2B5EF4-FFF2-40B4-BE49-F238E27FC236}">
-                <a16:creationId xmlns:a16="http://schemas.microsoft.com/office/drawing/2014/main" id="{0F71EF4B-E004-46B8-8753-BCCAE09B6ACC}"/>
-              </a:ext>
-            </a:extLst>
-          </p:cNvPr>
-          <p:cNvSpPr txBox="1"/>
-          <p:nvPr/>
-        </p:nvSpPr>
-        <p:spPr>
-          <a:xfrm>
-            <a:off x="5974609" y="4697849"/>
-            <a:ext cx="1459054" cy="235449"/>
-          </a:xfrm>
-          <a:prstGeom prst="rect">
-            <a:avLst/>
-          </a:prstGeom>
-          <a:noFill/>
-        </p:spPr>
-        <p:txBody>
-          <a:bodyPr wrap="none" rtlCol="0">
-            <a:spAutoFit/>
-          </a:bodyPr>
-          <a:lstStyle/>
-          <a:p>
-            <a:r>
-              <a:rPr lang="en-US" sz="930" dirty="0">
-                <a:latin typeface="Arial" panose="020B0604020202020204" pitchFamily="34" charset="0"/>
-                <a:cs typeface="Arial" panose="020B0604020202020204" pitchFamily="34" charset="0"/>
-              </a:rPr>
-              <a:t>(Optional, off by default)</a:t>
             </a:r>
           </a:p>
         </p:txBody>
@@ -16759,148 +15631,6 @@
           </a:p>
         </p:txBody>
       </p:sp>
-      <p:sp>
-        <p:nvSpPr>
-          <p:cNvPr id="210" name="Rectangle 209">
-            <a:extLst>
-              <a:ext uri="{FF2B5EF4-FFF2-40B4-BE49-F238E27FC236}">
-                <a16:creationId xmlns:a16="http://schemas.microsoft.com/office/drawing/2014/main" id="{DFA4CE29-2E57-4B25-9237-5681B1B69AAC}"/>
-              </a:ext>
-            </a:extLst>
-          </p:cNvPr>
-          <p:cNvSpPr/>
-          <p:nvPr/>
-        </p:nvSpPr>
-        <p:spPr>
-          <a:xfrm>
-            <a:off x="6702267" y="4206446"/>
-            <a:ext cx="527861" cy="337239"/>
-          </a:xfrm>
-          <a:prstGeom prst="rect">
-            <a:avLst/>
-          </a:prstGeom>
-          <a:pattFill prst="pct50">
-            <a:fgClr>
-              <a:schemeClr val="accent4">
-                <a:lumMod val="60000"/>
-                <a:lumOff val="40000"/>
-              </a:schemeClr>
-            </a:fgClr>
-            <a:bgClr>
-              <a:schemeClr val="bg1"/>
-            </a:bgClr>
-          </a:pattFill>
-          <a:ln>
-            <a:solidFill>
-              <a:schemeClr val="accent4">
-                <a:lumMod val="75000"/>
-              </a:schemeClr>
-            </a:solidFill>
-          </a:ln>
-        </p:spPr>
-        <p:style>
-          <a:lnRef idx="2">
-            <a:schemeClr val="accent1">
-              <a:shade val="50000"/>
-            </a:schemeClr>
-          </a:lnRef>
-          <a:fillRef idx="1">
-            <a:schemeClr val="accent1"/>
-          </a:fillRef>
-          <a:effectRef idx="0">
-            <a:schemeClr val="accent1"/>
-          </a:effectRef>
-          <a:fontRef idx="minor">
-            <a:schemeClr val="lt1"/>
-          </a:fontRef>
-        </p:style>
-        <p:txBody>
-          <a:bodyPr rtlCol="0" anchor="ctr"/>
-          <a:lstStyle/>
-          <a:p>
-            <a:pPr algn="ctr"/>
-            <a:endParaRPr lang="en-US" sz="933" dirty="0">
-              <a:solidFill>
-                <a:schemeClr val="tx1"/>
-              </a:solidFill>
-              <a:latin typeface="Arial" panose="020B0604020202020204" pitchFamily="34" charset="0"/>
-              <a:ea typeface="Menlo" panose="020B0609030804020204" pitchFamily="49" charset="0"/>
-              <a:cs typeface="Arial" panose="020B0604020202020204" pitchFamily="34" charset="0"/>
-            </a:endParaRPr>
-          </a:p>
-        </p:txBody>
-      </p:sp>
-      <p:sp>
-        <p:nvSpPr>
-          <p:cNvPr id="209" name="Rectangle 208">
-            <a:extLst>
-              <a:ext uri="{FF2B5EF4-FFF2-40B4-BE49-F238E27FC236}">
-                <a16:creationId xmlns:a16="http://schemas.microsoft.com/office/drawing/2014/main" id="{C32C397E-E7B2-4B8D-A038-C325D0C586EC}"/>
-              </a:ext>
-            </a:extLst>
-          </p:cNvPr>
-          <p:cNvSpPr/>
-          <p:nvPr/>
-        </p:nvSpPr>
-        <p:spPr>
-          <a:xfrm>
-            <a:off x="6119880" y="4201006"/>
-            <a:ext cx="527861" cy="337239"/>
-          </a:xfrm>
-          <a:prstGeom prst="rect">
-            <a:avLst/>
-          </a:prstGeom>
-          <a:pattFill prst="pct50">
-            <a:fgClr>
-              <a:schemeClr val="accent4">
-                <a:lumMod val="60000"/>
-                <a:lumOff val="40000"/>
-              </a:schemeClr>
-            </a:fgClr>
-            <a:bgClr>
-              <a:schemeClr val="bg1"/>
-            </a:bgClr>
-          </a:pattFill>
-          <a:ln>
-            <a:solidFill>
-              <a:schemeClr val="accent4">
-                <a:lumMod val="75000"/>
-              </a:schemeClr>
-            </a:solidFill>
-          </a:ln>
-        </p:spPr>
-        <p:style>
-          <a:lnRef idx="2">
-            <a:schemeClr val="accent1">
-              <a:shade val="50000"/>
-            </a:schemeClr>
-          </a:lnRef>
-          <a:fillRef idx="1">
-            <a:schemeClr val="accent1"/>
-          </a:fillRef>
-          <a:effectRef idx="0">
-            <a:schemeClr val="accent1"/>
-          </a:effectRef>
-          <a:fontRef idx="minor">
-            <a:schemeClr val="lt1"/>
-          </a:fontRef>
-        </p:style>
-        <p:txBody>
-          <a:bodyPr rtlCol="0" anchor="ctr"/>
-          <a:lstStyle/>
-          <a:p>
-            <a:pPr algn="ctr"/>
-            <a:endParaRPr lang="en-US" sz="933" dirty="0">
-              <a:solidFill>
-                <a:schemeClr val="tx1"/>
-              </a:solidFill>
-              <a:latin typeface="Arial" panose="020B0604020202020204" pitchFamily="34" charset="0"/>
-              <a:ea typeface="Menlo" panose="020B0609030804020204" pitchFamily="49" charset="0"/>
-              <a:cs typeface="Arial" panose="020B0604020202020204" pitchFamily="34" charset="0"/>
-            </a:endParaRPr>
-          </a:p>
-        </p:txBody>
-      </p:sp>
       <p:pic>
         <p:nvPicPr>
           <p:cNvPr id="149" name="Picture 4">
@@ -18264,160 +16994,12 @@
           </a:fontRef>
         </p:style>
       </p:cxnSp>
-      <p:sp>
-        <p:nvSpPr>
-          <p:cNvPr id="42" name="Rectangle 41">
-            <a:extLst>
-              <a:ext uri="{FF2B5EF4-FFF2-40B4-BE49-F238E27FC236}">
-                <a16:creationId xmlns:a16="http://schemas.microsoft.com/office/drawing/2014/main" id="{7A2C7D56-E8C6-1042-9DF3-33D6754C7710}"/>
-              </a:ext>
-            </a:extLst>
-          </p:cNvPr>
-          <p:cNvSpPr/>
-          <p:nvPr/>
-        </p:nvSpPr>
-        <p:spPr>
-          <a:xfrm>
-            <a:off x="6153605" y="4247506"/>
-            <a:ext cx="517682" cy="311869"/>
-          </a:xfrm>
-          <a:prstGeom prst="rect">
-            <a:avLst/>
-          </a:prstGeom>
-          <a:pattFill prst="pct50">
-            <a:fgClr>
-              <a:schemeClr val="accent4">
-                <a:lumMod val="60000"/>
-                <a:lumOff val="40000"/>
-              </a:schemeClr>
-            </a:fgClr>
-            <a:bgClr>
-              <a:schemeClr val="bg1"/>
-            </a:bgClr>
-          </a:pattFill>
-          <a:ln>
-            <a:solidFill>
-              <a:schemeClr val="accent4">
-                <a:lumMod val="75000"/>
-              </a:schemeClr>
-            </a:solidFill>
-          </a:ln>
-        </p:spPr>
-        <p:style>
-          <a:lnRef idx="2">
-            <a:schemeClr val="accent1">
-              <a:shade val="50000"/>
-            </a:schemeClr>
-          </a:lnRef>
-          <a:fillRef idx="1">
-            <a:schemeClr val="accent1"/>
-          </a:fillRef>
-          <a:effectRef idx="0">
-            <a:schemeClr val="accent1"/>
-          </a:effectRef>
-          <a:fontRef idx="minor">
-            <a:schemeClr val="lt1"/>
-          </a:fontRef>
-        </p:style>
-        <p:txBody>
-          <a:bodyPr rtlCol="0" anchor="ctr"/>
-          <a:lstStyle/>
-          <a:p>
-            <a:pPr algn="ctr"/>
-            <a:r>
-              <a:rPr lang="en-US" sz="933">
-                <a:solidFill>
-                  <a:schemeClr val="tx1"/>
-                </a:solidFill>
-                <a:latin typeface="Arial" panose="020B0604020202020204" pitchFamily="34" charset="0"/>
-                <a:ea typeface="Menlo" panose="020B0609030804020204" pitchFamily="49" charset="0"/>
-                <a:cs typeface="Arial" panose="020B0604020202020204" pitchFamily="34" charset="0"/>
-              </a:rPr>
-              <a:t>File API</a:t>
-            </a:r>
-          </a:p>
-        </p:txBody>
-      </p:sp>
-      <p:sp>
-        <p:nvSpPr>
-          <p:cNvPr id="43" name="Rectangle 42">
-            <a:extLst>
-              <a:ext uri="{FF2B5EF4-FFF2-40B4-BE49-F238E27FC236}">
-                <a16:creationId xmlns:a16="http://schemas.microsoft.com/office/drawing/2014/main" id="{9CF8B830-DC0B-A740-A36B-B958C1A572E0}"/>
-              </a:ext>
-            </a:extLst>
-          </p:cNvPr>
-          <p:cNvSpPr/>
-          <p:nvPr/>
-        </p:nvSpPr>
-        <p:spPr>
-          <a:xfrm>
-            <a:off x="6732723" y="4247506"/>
-            <a:ext cx="498855" cy="311869"/>
-          </a:xfrm>
-          <a:prstGeom prst="rect">
-            <a:avLst/>
-          </a:prstGeom>
-          <a:pattFill prst="pct50">
-            <a:fgClr>
-              <a:schemeClr val="accent4">
-                <a:lumMod val="60000"/>
-                <a:lumOff val="40000"/>
-              </a:schemeClr>
-            </a:fgClr>
-            <a:bgClr>
-              <a:schemeClr val="bg1"/>
-            </a:bgClr>
-          </a:pattFill>
-          <a:ln>
-            <a:solidFill>
-              <a:schemeClr val="accent4">
-                <a:lumMod val="75000"/>
-              </a:schemeClr>
-            </a:solidFill>
-          </a:ln>
-        </p:spPr>
-        <p:style>
-          <a:lnRef idx="2">
-            <a:schemeClr val="accent1">
-              <a:shade val="50000"/>
-            </a:schemeClr>
-          </a:lnRef>
-          <a:fillRef idx="1">
-            <a:schemeClr val="accent1"/>
-          </a:fillRef>
-          <a:effectRef idx="0">
-            <a:schemeClr val="accent1"/>
-          </a:effectRef>
-          <a:fontRef idx="minor">
-            <a:schemeClr val="lt1"/>
-          </a:fontRef>
-        </p:style>
-        <p:txBody>
-          <a:bodyPr rtlCol="0" anchor="ctr"/>
-          <a:lstStyle/>
-          <a:p>
-            <a:pPr algn="ctr"/>
-            <a:r>
-              <a:rPr lang="en-US" sz="933" dirty="0">
-                <a:solidFill>
-                  <a:schemeClr val="tx1"/>
-                </a:solidFill>
-                <a:latin typeface="Arial" panose="020B0604020202020204" pitchFamily="34" charset="0"/>
-                <a:ea typeface="Menlo" panose="020B0609030804020204" pitchFamily="49" charset="0"/>
-                <a:cs typeface="Arial" panose="020B0604020202020204" pitchFamily="34" charset="0"/>
-              </a:rPr>
-              <a:t>JES API</a:t>
-            </a:r>
-          </a:p>
-        </p:txBody>
-      </p:sp>
       <p:cxnSp>
         <p:nvCxnSpPr>
-          <p:cNvPr id="45" name="Straight Arrow Connector 44">
-            <a:extLst>
-              <a:ext uri="{FF2B5EF4-FFF2-40B4-BE49-F238E27FC236}">
-                <a16:creationId xmlns:a16="http://schemas.microsoft.com/office/drawing/2014/main" id="{3892E7B8-0947-C447-9E5E-CE36A08691A2}"/>
+          <p:cNvPr id="46" name="Straight Arrow Connector 45">
+            <a:extLst>
+              <a:ext uri="{FF2B5EF4-FFF2-40B4-BE49-F238E27FC236}">
+                <a16:creationId xmlns:a16="http://schemas.microsoft.com/office/drawing/2014/main" id="{021AF651-50B6-6746-B692-A167727F149A}"/>
               </a:ext>
             </a:extLst>
           </p:cNvPr>
@@ -18427,9 +17009,9 @@
           <p:nvPr/>
         </p:nvCxnSpPr>
         <p:spPr>
-          <a:xfrm flipH="1">
-            <a:off x="6585857" y="3069751"/>
-            <a:ext cx="169" cy="1094035"/>
+          <a:xfrm>
+            <a:off x="4556191" y="1699591"/>
+            <a:ext cx="0" cy="759483"/>
           </a:xfrm>
           <a:prstGeom prst="straightConnector1">
             <a:avLst/>
@@ -18454,48 +17036,6 @@
           </a:fontRef>
         </p:style>
       </p:cxnSp>
-      <p:cxnSp>
-        <p:nvCxnSpPr>
-          <p:cNvPr id="46" name="Straight Arrow Connector 45">
-            <a:extLst>
-              <a:ext uri="{FF2B5EF4-FFF2-40B4-BE49-F238E27FC236}">
-                <a16:creationId xmlns:a16="http://schemas.microsoft.com/office/drawing/2014/main" id="{021AF651-50B6-6746-B692-A167727F149A}"/>
-              </a:ext>
-            </a:extLst>
-          </p:cNvPr>
-          <p:cNvCxnSpPr>
-            <a:cxnSpLocks/>
-          </p:cNvCxnSpPr>
-          <p:nvPr/>
-        </p:nvCxnSpPr>
-        <p:spPr>
-          <a:xfrm>
-            <a:off x="4556191" y="1699591"/>
-            <a:ext cx="0" cy="759483"/>
-          </a:xfrm>
-          <a:prstGeom prst="straightConnector1">
-            <a:avLst/>
-          </a:prstGeom>
-          <a:ln>
-            <a:headEnd type="triangle"/>
-            <a:tailEnd type="triangle"/>
-          </a:ln>
-        </p:spPr>
-        <p:style>
-          <a:lnRef idx="1">
-            <a:schemeClr val="accent1"/>
-          </a:lnRef>
-          <a:fillRef idx="0">
-            <a:schemeClr val="accent1"/>
-          </a:fillRef>
-          <a:effectRef idx="0">
-            <a:schemeClr val="accent1"/>
-          </a:effectRef>
-          <a:fontRef idx="minor">
-            <a:schemeClr val="tx1"/>
-          </a:fontRef>
-        </p:style>
-      </p:cxnSp>
       <p:sp>
         <p:nvSpPr>
           <p:cNvPr id="48" name="TextBox 47">
@@ -18609,131 +17149,6 @@
                 <a:cs typeface="Arial" panose="020B0604020202020204" pitchFamily="34" charset="0"/>
               </a:rPr>
               <a:t>7552</a:t>
-            </a:r>
-          </a:p>
-        </p:txBody>
-      </p:sp>
-      <p:sp>
-        <p:nvSpPr>
-          <p:cNvPr id="51" name="TextBox 50">
-            <a:extLst>
-              <a:ext uri="{FF2B5EF4-FFF2-40B4-BE49-F238E27FC236}">
-                <a16:creationId xmlns:a16="http://schemas.microsoft.com/office/drawing/2014/main" id="{C24C4305-5BA2-1B43-A80B-DF777ED8E227}"/>
-              </a:ext>
-            </a:extLst>
-          </p:cNvPr>
-          <p:cNvSpPr txBox="1"/>
-          <p:nvPr/>
-        </p:nvSpPr>
-        <p:spPr>
-          <a:xfrm>
-            <a:off x="6123017" y="3972084"/>
-            <a:ext cx="486030" cy="253916"/>
-          </a:xfrm>
-          <a:prstGeom prst="rect">
-            <a:avLst/>
-          </a:prstGeom>
-          <a:noFill/>
-        </p:spPr>
-        <p:txBody>
-          <a:bodyPr wrap="none" rtlCol="0">
-            <a:spAutoFit/>
-          </a:bodyPr>
-          <a:lstStyle/>
-          <a:p>
-            <a:r>
-              <a:rPr lang="en-US" sz="1050" dirty="0">
-                <a:latin typeface="Arial" panose="020B0604020202020204" pitchFamily="34" charset="0"/>
-                <a:ea typeface="Menlo" panose="020B0609030804020204" pitchFamily="49" charset="0"/>
-                <a:cs typeface="Arial" panose="020B0604020202020204" pitchFamily="34" charset="0"/>
-              </a:rPr>
-              <a:t>8547</a:t>
-            </a:r>
-            <a:endParaRPr lang="en-US" sz="1067" dirty="0">
-              <a:latin typeface="Arial" panose="020B0604020202020204" pitchFamily="34" charset="0"/>
-              <a:ea typeface="Menlo" panose="020B0609030804020204" pitchFamily="49" charset="0"/>
-              <a:cs typeface="Arial" panose="020B0604020202020204" pitchFamily="34" charset="0"/>
-            </a:endParaRPr>
-          </a:p>
-        </p:txBody>
-      </p:sp>
-      <p:cxnSp>
-        <p:nvCxnSpPr>
-          <p:cNvPr id="52" name="Straight Arrow Connector 51">
-            <a:extLst>
-              <a:ext uri="{FF2B5EF4-FFF2-40B4-BE49-F238E27FC236}">
-                <a16:creationId xmlns:a16="http://schemas.microsoft.com/office/drawing/2014/main" id="{1A8D5EA7-D754-BD43-8ADC-13C0B2EE28C5}"/>
-              </a:ext>
-            </a:extLst>
-          </p:cNvPr>
-          <p:cNvCxnSpPr>
-            <a:cxnSpLocks/>
-          </p:cNvCxnSpPr>
-          <p:nvPr/>
-        </p:nvCxnSpPr>
-        <p:spPr>
-          <a:xfrm flipH="1">
-            <a:off x="6787821" y="3045566"/>
-            <a:ext cx="6747" cy="1122820"/>
-          </a:xfrm>
-          <a:prstGeom prst="straightConnector1">
-            <a:avLst/>
-          </a:prstGeom>
-          <a:ln>
-            <a:headEnd type="triangle"/>
-            <a:tailEnd type="triangle"/>
-          </a:ln>
-        </p:spPr>
-        <p:style>
-          <a:lnRef idx="1">
-            <a:schemeClr val="accent1"/>
-          </a:lnRef>
-          <a:fillRef idx="0">
-            <a:schemeClr val="accent1"/>
-          </a:fillRef>
-          <a:effectRef idx="0">
-            <a:schemeClr val="accent1"/>
-          </a:effectRef>
-          <a:fontRef idx="minor">
-            <a:schemeClr val="tx1"/>
-          </a:fontRef>
-        </p:style>
-      </p:cxnSp>
-      <p:sp>
-        <p:nvSpPr>
-          <p:cNvPr id="54" name="TextBox 53">
-            <a:extLst>
-              <a:ext uri="{FF2B5EF4-FFF2-40B4-BE49-F238E27FC236}">
-                <a16:creationId xmlns:a16="http://schemas.microsoft.com/office/drawing/2014/main" id="{522E71EC-E73F-8045-92CA-2E9B816D4A91}"/>
-              </a:ext>
-            </a:extLst>
-          </p:cNvPr>
-          <p:cNvSpPr txBox="1"/>
-          <p:nvPr/>
-        </p:nvSpPr>
-        <p:spPr>
-          <a:xfrm>
-            <a:off x="6789781" y="3977878"/>
-            <a:ext cx="498855" cy="261610"/>
-          </a:xfrm>
-          <a:prstGeom prst="rect">
-            <a:avLst/>
-          </a:prstGeom>
-          <a:noFill/>
-        </p:spPr>
-        <p:txBody>
-          <a:bodyPr wrap="none" rtlCol="0">
-            <a:spAutoFit/>
-          </a:bodyPr>
-          <a:lstStyle/>
-          <a:p>
-            <a:r>
-              <a:rPr lang="en-US" sz="1100" dirty="0">
-                <a:latin typeface="Arial" panose="020B0604020202020204" pitchFamily="34" charset="0"/>
-                <a:ea typeface="Menlo" panose="020B0609030804020204" pitchFamily="49" charset="0"/>
-                <a:cs typeface="Arial" panose="020B0604020202020204" pitchFamily="34" charset="0"/>
-              </a:rPr>
-              <a:t>8545</a:t>
             </a:r>
           </a:p>
         </p:txBody>
@@ -20484,66 +18899,6 @@
           </a:fontRef>
         </p:style>
       </p:cxnSp>
-      <p:sp>
-        <p:nvSpPr>
-          <p:cNvPr id="126" name="Rectangle 125">
-            <a:extLst>
-              <a:ext uri="{FF2B5EF4-FFF2-40B4-BE49-F238E27FC236}">
-                <a16:creationId xmlns:a16="http://schemas.microsoft.com/office/drawing/2014/main" id="{6499A0B0-043E-6F4F-B3CD-A7E0448871C6}"/>
-              </a:ext>
-            </a:extLst>
-          </p:cNvPr>
-          <p:cNvSpPr/>
-          <p:nvPr/>
-        </p:nvSpPr>
-        <p:spPr>
-          <a:xfrm>
-            <a:off x="6082170" y="3974491"/>
-            <a:ext cx="1243933" cy="711947"/>
-          </a:xfrm>
-          <a:prstGeom prst="rect">
-            <a:avLst/>
-          </a:prstGeom>
-          <a:noFill/>
-          <a:ln w="25400">
-            <a:solidFill>
-              <a:srgbClr val="FFC000"/>
-            </a:solidFill>
-            <a:prstDash val="dash"/>
-          </a:ln>
-        </p:spPr>
-        <p:style>
-          <a:lnRef idx="2">
-            <a:schemeClr val="accent1">
-              <a:shade val="50000"/>
-            </a:schemeClr>
-          </a:lnRef>
-          <a:fillRef idx="1">
-            <a:schemeClr val="accent1"/>
-          </a:fillRef>
-          <a:effectRef idx="0">
-            <a:schemeClr val="accent1"/>
-          </a:effectRef>
-          <a:fontRef idx="minor">
-            <a:schemeClr val="lt1"/>
-          </a:fontRef>
-        </p:style>
-        <p:txBody>
-          <a:bodyPr rtlCol="0" anchor="ctr"/>
-          <a:lstStyle/>
-          <a:p>
-            <a:pPr algn="ctr"/>
-            <a:endParaRPr lang="en-US" sz="1000">
-              <a:solidFill>
-                <a:schemeClr val="tx1"/>
-              </a:solidFill>
-              <a:latin typeface="Menlo" panose="020B0609030804020204" pitchFamily="49" charset="0"/>
-              <a:ea typeface="Menlo" panose="020B0609030804020204" pitchFamily="49" charset="0"/>
-              <a:cs typeface="Menlo" panose="020B0609030804020204" pitchFamily="49" charset="0"/>
-            </a:endParaRPr>
-          </a:p>
-        </p:txBody>
-      </p:sp>
       <p:pic>
         <p:nvPicPr>
           <p:cNvPr id="130" name="Picture 129">
@@ -22169,125 +20524,6 @@
       </p:sp>
       <p:sp>
         <p:nvSpPr>
-          <p:cNvPr id="125" name="TextBox 124">
-            <a:extLst>
-              <a:ext uri="{FF2B5EF4-FFF2-40B4-BE49-F238E27FC236}">
-                <a16:creationId xmlns:a16="http://schemas.microsoft.com/office/drawing/2014/main" id="{7F4D2A41-7768-4760-AAEC-157425E0AD93}"/>
-              </a:ext>
-            </a:extLst>
-          </p:cNvPr>
-          <p:cNvSpPr txBox="1"/>
-          <p:nvPr/>
-        </p:nvSpPr>
-        <p:spPr>
-          <a:xfrm>
-            <a:off x="3680352" y="3131869"/>
-            <a:ext cx="536683" cy="261610"/>
-          </a:xfrm>
-          <a:prstGeom prst="rect">
-            <a:avLst/>
-          </a:prstGeom>
-          <a:noFill/>
-        </p:spPr>
-        <p:txBody>
-          <a:bodyPr wrap="square" rtlCol="0">
-            <a:spAutoFit/>
-          </a:bodyPr>
-          <a:lstStyle/>
-          <a:p>
-            <a:r>
-              <a:rPr lang="en-US" sz="1100" dirty="0">
-                <a:latin typeface="Arial" panose="020B0604020202020204" pitchFamily="34" charset="0"/>
-                <a:ea typeface="Menlo" panose="020B0609030804020204" pitchFamily="49" charset="0"/>
-                <a:cs typeface="Arial" panose="020B0604020202020204" pitchFamily="34" charset="0"/>
-              </a:rPr>
-              <a:t>7551</a:t>
-            </a:r>
-          </a:p>
-        </p:txBody>
-      </p:sp>
-      <p:cxnSp>
-        <p:nvCxnSpPr>
-          <p:cNvPr id="128" name="Straight Arrow Connector 127">
-            <a:extLst>
-              <a:ext uri="{FF2B5EF4-FFF2-40B4-BE49-F238E27FC236}">
-                <a16:creationId xmlns:a16="http://schemas.microsoft.com/office/drawing/2014/main" id="{48D924D7-7D2D-4BD4-813D-D1A32E39EA27}"/>
-              </a:ext>
-            </a:extLst>
-          </p:cNvPr>
-          <p:cNvCxnSpPr>
-            <a:cxnSpLocks/>
-          </p:cNvCxnSpPr>
-          <p:nvPr/>
-        </p:nvCxnSpPr>
-        <p:spPr>
-          <a:xfrm>
-            <a:off x="4216274" y="3058455"/>
-            <a:ext cx="0" cy="304147"/>
-          </a:xfrm>
-          <a:prstGeom prst="straightConnector1">
-            <a:avLst/>
-          </a:prstGeom>
-          <a:ln>
-            <a:headEnd type="triangle"/>
-            <a:tailEnd type="triangle"/>
-          </a:ln>
-        </p:spPr>
-        <p:style>
-          <a:lnRef idx="1">
-            <a:schemeClr val="accent1"/>
-          </a:lnRef>
-          <a:fillRef idx="0">
-            <a:schemeClr val="accent1"/>
-          </a:fillRef>
-          <a:effectRef idx="0">
-            <a:schemeClr val="accent1"/>
-          </a:effectRef>
-          <a:fontRef idx="minor">
-            <a:schemeClr val="tx1"/>
-          </a:fontRef>
-        </p:style>
-      </p:cxnSp>
-      <p:sp>
-        <p:nvSpPr>
-          <p:cNvPr id="145" name="TextBox 144">
-            <a:extLst>
-              <a:ext uri="{FF2B5EF4-FFF2-40B4-BE49-F238E27FC236}">
-                <a16:creationId xmlns:a16="http://schemas.microsoft.com/office/drawing/2014/main" id="{0F71EF4B-E004-46B8-8753-BCCAE09B6ACC}"/>
-              </a:ext>
-            </a:extLst>
-          </p:cNvPr>
-          <p:cNvSpPr txBox="1"/>
-          <p:nvPr/>
-        </p:nvSpPr>
-        <p:spPr>
-          <a:xfrm>
-            <a:off x="5974609" y="4697849"/>
-            <a:ext cx="1459054" cy="235449"/>
-          </a:xfrm>
-          <a:prstGeom prst="rect">
-            <a:avLst/>
-          </a:prstGeom>
-          <a:noFill/>
-        </p:spPr>
-        <p:txBody>
-          <a:bodyPr wrap="none" rtlCol="0">
-            <a:spAutoFit/>
-          </a:bodyPr>
-          <a:lstStyle/>
-          <a:p>
-            <a:r>
-              <a:rPr lang="en-US" sz="930" dirty="0">
-                <a:latin typeface="Arial" panose="020B0604020202020204" pitchFamily="34" charset="0"/>
-                <a:cs typeface="Arial" panose="020B0604020202020204" pitchFamily="34" charset="0"/>
-              </a:rPr>
-              <a:t>(Optional, off by default)</a:t>
-            </a:r>
-          </a:p>
-        </p:txBody>
-      </p:sp>
-      <p:sp>
-        <p:nvSpPr>
           <p:cNvPr id="152" name="Rectangle 151">
             <a:extLst>
               <a:ext uri="{FF2B5EF4-FFF2-40B4-BE49-F238E27FC236}">
@@ -23323,10 +21559,10 @@
       </p:sp>
       <p:sp>
         <p:nvSpPr>
-          <p:cNvPr id="196" name="Rectangle 195">
-            <a:extLst>
-              <a:ext uri="{FF2B5EF4-FFF2-40B4-BE49-F238E27FC236}">
-                <a16:creationId xmlns:a16="http://schemas.microsoft.com/office/drawing/2014/main" id="{27B34912-F1D5-4E36-85D4-6C8545186F21}"/>
+          <p:cNvPr id="197" name="Rectangle 196">
+            <a:extLst>
+              <a:ext uri="{FF2B5EF4-FFF2-40B4-BE49-F238E27FC236}">
+                <a16:creationId xmlns:a16="http://schemas.microsoft.com/office/drawing/2014/main" id="{A0C28B7A-39D3-47A3-B717-373A39BB9F2F}"/>
               </a:ext>
             </a:extLst>
           </p:cNvPr>
@@ -23335,8 +21571,74 @@
         </p:nvSpPr>
         <p:spPr>
           <a:xfrm>
-            <a:off x="3848617" y="3383294"/>
-            <a:ext cx="670956" cy="351196"/>
+            <a:off x="2061127" y="3379469"/>
+            <a:ext cx="723375" cy="369333"/>
+          </a:xfrm>
+          <a:prstGeom prst="rect">
+            <a:avLst/>
+          </a:prstGeom>
+          <a:solidFill>
+            <a:srgbClr val="93E3FF">
+              <a:alpha val="97647"/>
+            </a:srgbClr>
+          </a:solidFill>
+          <a:ln>
+            <a:solidFill>
+              <a:srgbClr val="0070C0"/>
+            </a:solidFill>
+          </a:ln>
+        </p:spPr>
+        <p:style>
+          <a:lnRef idx="2">
+            <a:schemeClr val="accent1">
+              <a:shade val="50000"/>
+            </a:schemeClr>
+          </a:lnRef>
+          <a:fillRef idx="1">
+            <a:schemeClr val="accent1"/>
+          </a:fillRef>
+          <a:effectRef idx="0">
+            <a:schemeClr val="accent1"/>
+          </a:effectRef>
+          <a:fontRef idx="minor">
+            <a:schemeClr val="lt1"/>
+          </a:fontRef>
+        </p:style>
+        <p:txBody>
+          <a:bodyPr rtlCol="0" anchor="ctr"/>
+          <a:lstStyle/>
+          <a:p>
+            <a:pPr algn="ctr"/>
+            <a:r>
+              <a:rPr lang="en-US" sz="933" dirty="0">
+                <a:solidFill>
+                  <a:schemeClr val="tx1"/>
+                </a:solidFill>
+                <a:latin typeface="Arial" panose="020B0604020202020204" pitchFamily="34" charset="0"/>
+                <a:ea typeface="Menlo" panose="020B0609030804020204" pitchFamily="49" charset="0"/>
+                <a:cs typeface="Arial" panose="020B0604020202020204" pitchFamily="34" charset="0"/>
+              </a:rPr>
+              <a:t>API Discovery</a:t>
+            </a:r>
+          </a:p>
+        </p:txBody>
+      </p:sp>
+      <p:sp>
+        <p:nvSpPr>
+          <p:cNvPr id="198" name="Rectangle 197">
+            <a:extLst>
+              <a:ext uri="{FF2B5EF4-FFF2-40B4-BE49-F238E27FC236}">
+                <a16:creationId xmlns:a16="http://schemas.microsoft.com/office/drawing/2014/main" id="{77E90F8D-10DA-4544-8163-AC268080E486}"/>
+              </a:ext>
+            </a:extLst>
+          </p:cNvPr>
+          <p:cNvSpPr/>
+          <p:nvPr/>
+        </p:nvSpPr>
+        <p:spPr>
+          <a:xfrm>
+            <a:off x="1165958" y="3374254"/>
+            <a:ext cx="768237" cy="369333"/>
           </a:xfrm>
           <a:prstGeom prst="rect">
             <a:avLst/>
@@ -23386,61 +21688,9 @@
                 <a:ea typeface="Menlo" panose="020B0609030804020204" pitchFamily="49" charset="0"/>
                 <a:cs typeface="Arial" panose="020B0604020202020204" pitchFamily="34" charset="0"/>
               </a:rPr>
-              <a:t>API Catalog</a:t>
-            </a:r>
-          </a:p>
-        </p:txBody>
-      </p:sp>
-      <p:sp>
-        <p:nvSpPr>
-          <p:cNvPr id="197" name="Rectangle 196">
-            <a:extLst>
-              <a:ext uri="{FF2B5EF4-FFF2-40B4-BE49-F238E27FC236}">
-                <a16:creationId xmlns:a16="http://schemas.microsoft.com/office/drawing/2014/main" id="{A0C28B7A-39D3-47A3-B717-373A39BB9F2F}"/>
-              </a:ext>
-            </a:extLst>
-          </p:cNvPr>
-          <p:cNvSpPr/>
-          <p:nvPr/>
-        </p:nvSpPr>
-        <p:spPr>
-          <a:xfrm>
-            <a:off x="2061127" y="3379469"/>
-            <a:ext cx="723375" cy="369333"/>
-          </a:xfrm>
-          <a:prstGeom prst="rect">
-            <a:avLst/>
-          </a:prstGeom>
-          <a:solidFill>
-            <a:srgbClr val="93E3FF">
-              <a:alpha val="97647"/>
-            </a:srgbClr>
-          </a:solidFill>
-          <a:ln>
-            <a:solidFill>
-              <a:srgbClr val="0070C0"/>
-            </a:solidFill>
-          </a:ln>
-        </p:spPr>
-        <p:style>
-          <a:lnRef idx="2">
-            <a:schemeClr val="accent1">
-              <a:shade val="50000"/>
-            </a:schemeClr>
-          </a:lnRef>
-          <a:fillRef idx="1">
-            <a:schemeClr val="accent1"/>
-          </a:fillRef>
-          <a:effectRef idx="0">
-            <a:schemeClr val="accent1"/>
-          </a:effectRef>
-          <a:fontRef idx="minor">
-            <a:schemeClr val="lt1"/>
-          </a:fontRef>
-        </p:style>
-        <p:txBody>
-          <a:bodyPr rtlCol="0" anchor="ctr"/>
-          <a:lstStyle/>
+              <a:t>Caching</a:t>
+            </a:r>
+          </a:p>
           <a:p>
             <a:pPr algn="ctr"/>
             <a:r>
@@ -23452,17 +21702,17 @@
                 <a:ea typeface="Menlo" panose="020B0609030804020204" pitchFamily="49" charset="0"/>
                 <a:cs typeface="Arial" panose="020B0604020202020204" pitchFamily="34" charset="0"/>
               </a:rPr>
-              <a:t>API Discovery</a:t>
-            </a:r>
-          </a:p>
-        </p:txBody>
-      </p:sp>
-      <p:sp>
-        <p:nvSpPr>
-          <p:cNvPr id="198" name="Rectangle 197">
-            <a:extLst>
-              <a:ext uri="{FF2B5EF4-FFF2-40B4-BE49-F238E27FC236}">
-                <a16:creationId xmlns:a16="http://schemas.microsoft.com/office/drawing/2014/main" id="{77E90F8D-10DA-4544-8163-AC268080E486}"/>
+              <a:t>Service</a:t>
+            </a:r>
+          </a:p>
+        </p:txBody>
+      </p:sp>
+      <p:sp>
+        <p:nvSpPr>
+          <p:cNvPr id="199" name="Rectangle 198">
+            <a:extLst>
+              <a:ext uri="{FF2B5EF4-FFF2-40B4-BE49-F238E27FC236}">
+                <a16:creationId xmlns:a16="http://schemas.microsoft.com/office/drawing/2014/main" id="{4FF11B4F-9E44-4CDF-B217-E8B2FD0D15E1}"/>
               </a:ext>
             </a:extLst>
           </p:cNvPr>
@@ -23471,7 +21721,7 @@
         </p:nvSpPr>
         <p:spPr>
           <a:xfrm>
-            <a:off x="1165958" y="3374254"/>
+            <a:off x="1221246" y="3415709"/>
             <a:ext cx="768237" cy="369333"/>
           </a:xfrm>
           <a:prstGeom prst="rect">
@@ -23543,160 +21793,6 @@
       </p:sp>
       <p:sp>
         <p:nvSpPr>
-          <p:cNvPr id="199" name="Rectangle 198">
-            <a:extLst>
-              <a:ext uri="{FF2B5EF4-FFF2-40B4-BE49-F238E27FC236}">
-                <a16:creationId xmlns:a16="http://schemas.microsoft.com/office/drawing/2014/main" id="{4FF11B4F-9E44-4CDF-B217-E8B2FD0D15E1}"/>
-              </a:ext>
-            </a:extLst>
-          </p:cNvPr>
-          <p:cNvSpPr/>
-          <p:nvPr/>
-        </p:nvSpPr>
-        <p:spPr>
-          <a:xfrm>
-            <a:off x="1221246" y="3415709"/>
-            <a:ext cx="768237" cy="369333"/>
-          </a:xfrm>
-          <a:prstGeom prst="rect">
-            <a:avLst/>
-          </a:prstGeom>
-          <a:solidFill>
-            <a:schemeClr val="accent4">
-              <a:lumMod val="60000"/>
-              <a:lumOff val="40000"/>
-              <a:alpha val="97647"/>
-            </a:schemeClr>
-          </a:solidFill>
-          <a:ln>
-            <a:solidFill>
-              <a:schemeClr val="accent4">
-                <a:lumMod val="75000"/>
-              </a:schemeClr>
-            </a:solidFill>
-          </a:ln>
-        </p:spPr>
-        <p:style>
-          <a:lnRef idx="2">
-            <a:schemeClr val="accent1">
-              <a:shade val="50000"/>
-            </a:schemeClr>
-          </a:lnRef>
-          <a:fillRef idx="1">
-            <a:schemeClr val="accent1"/>
-          </a:fillRef>
-          <a:effectRef idx="0">
-            <a:schemeClr val="accent1"/>
-          </a:effectRef>
-          <a:fontRef idx="minor">
-            <a:schemeClr val="lt1"/>
-          </a:fontRef>
-        </p:style>
-        <p:txBody>
-          <a:bodyPr rtlCol="0" anchor="ctr"/>
-          <a:lstStyle/>
-          <a:p>
-            <a:pPr algn="ctr"/>
-            <a:r>
-              <a:rPr lang="en-US" sz="933" dirty="0">
-                <a:solidFill>
-                  <a:schemeClr val="tx1"/>
-                </a:solidFill>
-                <a:latin typeface="Arial" panose="020B0604020202020204" pitchFamily="34" charset="0"/>
-                <a:ea typeface="Menlo" panose="020B0609030804020204" pitchFamily="49" charset="0"/>
-                <a:cs typeface="Arial" panose="020B0604020202020204" pitchFamily="34" charset="0"/>
-              </a:rPr>
-              <a:t>Caching</a:t>
-            </a:r>
-          </a:p>
-          <a:p>
-            <a:pPr algn="ctr"/>
-            <a:r>
-              <a:rPr lang="en-US" sz="933" dirty="0">
-                <a:solidFill>
-                  <a:schemeClr val="tx1"/>
-                </a:solidFill>
-                <a:latin typeface="Arial" panose="020B0604020202020204" pitchFamily="34" charset="0"/>
-                <a:ea typeface="Menlo" panose="020B0609030804020204" pitchFamily="49" charset="0"/>
-                <a:cs typeface="Arial" panose="020B0604020202020204" pitchFamily="34" charset="0"/>
-              </a:rPr>
-              <a:t>Service</a:t>
-            </a:r>
-          </a:p>
-        </p:txBody>
-      </p:sp>
-      <p:sp>
-        <p:nvSpPr>
-          <p:cNvPr id="200" name="Rectangle 199">
-            <a:extLst>
-              <a:ext uri="{FF2B5EF4-FFF2-40B4-BE49-F238E27FC236}">
-                <a16:creationId xmlns:a16="http://schemas.microsoft.com/office/drawing/2014/main" id="{7C06FBB0-E177-4C6C-B732-D7D18EA31A31}"/>
-              </a:ext>
-            </a:extLst>
-          </p:cNvPr>
-          <p:cNvSpPr/>
-          <p:nvPr/>
-        </p:nvSpPr>
-        <p:spPr>
-          <a:xfrm>
-            <a:off x="3897608" y="3418416"/>
-            <a:ext cx="670956" cy="351196"/>
-          </a:xfrm>
-          <a:prstGeom prst="rect">
-            <a:avLst/>
-          </a:prstGeom>
-          <a:solidFill>
-            <a:schemeClr val="accent4">
-              <a:lumMod val="60000"/>
-              <a:lumOff val="40000"/>
-              <a:alpha val="97647"/>
-            </a:schemeClr>
-          </a:solidFill>
-          <a:ln>
-            <a:solidFill>
-              <a:schemeClr val="accent4">
-                <a:lumMod val="75000"/>
-              </a:schemeClr>
-            </a:solidFill>
-          </a:ln>
-        </p:spPr>
-        <p:style>
-          <a:lnRef idx="2">
-            <a:schemeClr val="accent1">
-              <a:shade val="50000"/>
-            </a:schemeClr>
-          </a:lnRef>
-          <a:fillRef idx="1">
-            <a:schemeClr val="accent1"/>
-          </a:fillRef>
-          <a:effectRef idx="0">
-            <a:schemeClr val="accent1"/>
-          </a:effectRef>
-          <a:fontRef idx="minor">
-            <a:schemeClr val="lt1"/>
-          </a:fontRef>
-        </p:style>
-        <p:txBody>
-          <a:bodyPr rtlCol="0" anchor="ctr"/>
-          <a:lstStyle/>
-          <a:p>
-            <a:pPr algn="ctr"/>
-            <a:r>
-              <a:rPr lang="en-US" sz="933" dirty="0">
-                <a:solidFill>
-                  <a:schemeClr val="tx1"/>
-                </a:solidFill>
-                <a:latin typeface="Arial" panose="020B0604020202020204" pitchFamily="34" charset="0"/>
-                <a:ea typeface="Menlo" panose="020B0609030804020204" pitchFamily="49" charset="0"/>
-                <a:cs typeface="Arial" panose="020B0604020202020204" pitchFamily="34" charset="0"/>
-              </a:rPr>
-              <a:t>Metrics Service</a:t>
-            </a:r>
-          </a:p>
-        </p:txBody>
-      </p:sp>
-      <p:sp>
-        <p:nvSpPr>
           <p:cNvPr id="201" name="Rectangle 200">
             <a:extLst>
               <a:ext uri="{FF2B5EF4-FFF2-40B4-BE49-F238E27FC236}">
@@ -23757,99 +21853,6 @@
                 <a:cs typeface="Arial" panose="020B0604020202020204" pitchFamily="34" charset="0"/>
               </a:rPr>
               <a:t>API Discovery</a:t>
-            </a:r>
-          </a:p>
-        </p:txBody>
-      </p:sp>
-      <p:sp>
-        <p:nvSpPr>
-          <p:cNvPr id="202" name="Rectangle 201">
-            <a:extLst>
-              <a:ext uri="{FF2B5EF4-FFF2-40B4-BE49-F238E27FC236}">
-                <a16:creationId xmlns:a16="http://schemas.microsoft.com/office/drawing/2014/main" id="{5F335FF2-62B2-4D01-8DD8-A1D2D26421FE}"/>
-              </a:ext>
-            </a:extLst>
-          </p:cNvPr>
-          <p:cNvSpPr/>
-          <p:nvPr/>
-        </p:nvSpPr>
-        <p:spPr>
-          <a:xfrm>
-            <a:off x="3814956" y="3319311"/>
-            <a:ext cx="777830" cy="521672"/>
-          </a:xfrm>
-          <a:prstGeom prst="rect">
-            <a:avLst/>
-          </a:prstGeom>
-          <a:noFill/>
-          <a:ln w="9525" cap="flat" cmpd="sng" algn="ctr">
-            <a:solidFill>
-              <a:schemeClr val="dk1"/>
-            </a:solidFill>
-            <a:prstDash val="dash"/>
-            <a:round/>
-            <a:headEnd type="none" w="med" len="med"/>
-            <a:tailEnd type="none" w="med" len="med"/>
-          </a:ln>
-        </p:spPr>
-        <p:style>
-          <a:lnRef idx="0">
-            <a:scrgbClr r="0" g="0" b="0"/>
-          </a:lnRef>
-          <a:fillRef idx="0">
-            <a:scrgbClr r="0" g="0" b="0"/>
-          </a:fillRef>
-          <a:effectRef idx="0">
-            <a:scrgbClr r="0" g="0" b="0"/>
-          </a:effectRef>
-          <a:fontRef idx="minor">
-            <a:schemeClr val="dk1"/>
-          </a:fontRef>
-        </p:style>
-        <p:txBody>
-          <a:bodyPr rtlCol="0" anchor="ctr"/>
-          <a:lstStyle/>
-          <a:p>
-            <a:pPr algn="ctr"/>
-            <a:endParaRPr lang="en-US"/>
-          </a:p>
-        </p:txBody>
-      </p:sp>
-      <p:sp>
-        <p:nvSpPr>
-          <p:cNvPr id="203" name="TextBox 202">
-            <a:extLst>
-              <a:ext uri="{FF2B5EF4-FFF2-40B4-BE49-F238E27FC236}">
-                <a16:creationId xmlns:a16="http://schemas.microsoft.com/office/drawing/2014/main" id="{4C2224B1-8E89-47D8-A6CF-5788A3BF4724}"/>
-              </a:ext>
-            </a:extLst>
-          </p:cNvPr>
-          <p:cNvSpPr txBox="1"/>
-          <p:nvPr/>
-        </p:nvSpPr>
-        <p:spPr>
-          <a:xfrm>
-            <a:off x="3633293" y="3786316"/>
-            <a:ext cx="1037463" cy="215444"/>
-          </a:xfrm>
-          <a:prstGeom prst="rect">
-            <a:avLst/>
-          </a:prstGeom>
-          <a:noFill/>
-        </p:spPr>
-        <p:txBody>
-          <a:bodyPr wrap="none" rtlCol="0">
-            <a:spAutoFit/>
-          </a:bodyPr>
-          <a:lstStyle/>
-          <a:p>
-            <a:r>
-              <a:rPr lang="en-US" sz="800" dirty="0">
-                <a:solidFill>
-                  <a:srgbClr val="C00000"/>
-                </a:solidFill>
-              </a:rPr>
-              <a:t>Deployment/Service</a:t>
             </a:r>
           </a:p>
         </p:txBody>

--- a/docs/images/common/zowe-architecture.pptx
+++ b/docs/images/common/zowe-architecture.pptx
@@ -200,7 +200,7 @@
           <a:p>
             <a:fld id="{26E70E1E-3B7C-8D4D-B700-360134022E14}" type="datetimeFigureOut">
               <a:rPr lang="en-CN" smtClean="0"/>
-              <a:t>03/12/2024</a:t>
+              <a:t>9/5/24</a:t>
             </a:fld>
             <a:endParaRPr lang="en-CN"/>
           </a:p>
@@ -963,7 +963,7 @@
           <a:p>
             <a:fld id="{B1DB1BE8-3F77-D044-8747-9903AC5CD864}" type="datetimeFigureOut">
               <a:rPr lang="en-US" smtClean="0"/>
-              <a:t>3/12/2024</a:t>
+              <a:t>9/5/24</a:t>
             </a:fld>
             <a:endParaRPr lang="en-US"/>
           </a:p>
@@ -1161,7 +1161,7 @@
           <a:p>
             <a:fld id="{B1DB1BE8-3F77-D044-8747-9903AC5CD864}" type="datetimeFigureOut">
               <a:rPr lang="en-US" smtClean="0"/>
-              <a:t>3/12/2024</a:t>
+              <a:t>9/5/24</a:t>
             </a:fld>
             <a:endParaRPr lang="en-US"/>
           </a:p>
@@ -1369,7 +1369,7 @@
           <a:p>
             <a:fld id="{B1DB1BE8-3F77-D044-8747-9903AC5CD864}" type="datetimeFigureOut">
               <a:rPr lang="en-US" smtClean="0"/>
-              <a:t>3/12/2024</a:t>
+              <a:t>9/5/24</a:t>
             </a:fld>
             <a:endParaRPr lang="en-US"/>
           </a:p>
@@ -1567,7 +1567,7 @@
           <a:p>
             <a:fld id="{B1DB1BE8-3F77-D044-8747-9903AC5CD864}" type="datetimeFigureOut">
               <a:rPr lang="en-US" smtClean="0"/>
-              <a:t>3/12/2024</a:t>
+              <a:t>9/5/24</a:t>
             </a:fld>
             <a:endParaRPr lang="en-US"/>
           </a:p>
@@ -1842,7 +1842,7 @@
           <a:p>
             <a:fld id="{B1DB1BE8-3F77-D044-8747-9903AC5CD864}" type="datetimeFigureOut">
               <a:rPr lang="en-US" smtClean="0"/>
-              <a:t>3/12/2024</a:t>
+              <a:t>9/5/24</a:t>
             </a:fld>
             <a:endParaRPr lang="en-US"/>
           </a:p>
@@ -2107,7 +2107,7 @@
           <a:p>
             <a:fld id="{B1DB1BE8-3F77-D044-8747-9903AC5CD864}" type="datetimeFigureOut">
               <a:rPr lang="en-US" smtClean="0"/>
-              <a:t>3/12/2024</a:t>
+              <a:t>9/5/24</a:t>
             </a:fld>
             <a:endParaRPr lang="en-US"/>
           </a:p>
@@ -2519,7 +2519,7 @@
           <a:p>
             <a:fld id="{B1DB1BE8-3F77-D044-8747-9903AC5CD864}" type="datetimeFigureOut">
               <a:rPr lang="en-US" smtClean="0"/>
-              <a:t>3/12/2024</a:t>
+              <a:t>9/5/24</a:t>
             </a:fld>
             <a:endParaRPr lang="en-US"/>
           </a:p>
@@ -2660,7 +2660,7 @@
           <a:p>
             <a:fld id="{B1DB1BE8-3F77-D044-8747-9903AC5CD864}" type="datetimeFigureOut">
               <a:rPr lang="en-US" smtClean="0"/>
-              <a:t>3/12/2024</a:t>
+              <a:t>9/5/24</a:t>
             </a:fld>
             <a:endParaRPr lang="en-US"/>
           </a:p>
@@ -2773,7 +2773,7 @@
           <a:p>
             <a:fld id="{B1DB1BE8-3F77-D044-8747-9903AC5CD864}" type="datetimeFigureOut">
               <a:rPr lang="en-US" smtClean="0"/>
-              <a:t>3/12/2024</a:t>
+              <a:t>9/5/24</a:t>
             </a:fld>
             <a:endParaRPr lang="en-US"/>
           </a:p>
@@ -3084,7 +3084,7 @@
           <a:p>
             <a:fld id="{B1DB1BE8-3F77-D044-8747-9903AC5CD864}" type="datetimeFigureOut">
               <a:rPr lang="en-US" smtClean="0"/>
-              <a:t>3/12/2024</a:t>
+              <a:t>9/5/24</a:t>
             </a:fld>
             <a:endParaRPr lang="en-US"/>
           </a:p>
@@ -3372,7 +3372,7 @@
           <a:p>
             <a:fld id="{B1DB1BE8-3F77-D044-8747-9903AC5CD864}" type="datetimeFigureOut">
               <a:rPr lang="en-US" smtClean="0"/>
-              <a:t>3/12/2024</a:t>
+              <a:t>9/5/24</a:t>
             </a:fld>
             <a:endParaRPr lang="en-US"/>
           </a:p>
@@ -3613,7 +3613,7 @@
           <a:p>
             <a:fld id="{B1DB1BE8-3F77-D044-8747-9903AC5CD864}" type="datetimeFigureOut">
               <a:rPr lang="en-US" smtClean="0"/>
-              <a:t>3/12/2024</a:t>
+              <a:t>9/5/24</a:t>
             </a:fld>
             <a:endParaRPr lang="en-US"/>
           </a:p>
@@ -5089,7 +5089,7 @@
         </p:nvSpPr>
         <p:spPr>
           <a:xfrm>
-            <a:off x="2933592" y="3124249"/>
+            <a:off x="2864953" y="3122022"/>
             <a:ext cx="536683" cy="261610"/>
           </a:xfrm>
           <a:prstGeom prst="rect">
@@ -9546,6 +9546,157 @@
           </a:extLst>
         </p:spPr>
       </p:pic>
+      <p:sp>
+        <p:nvSpPr>
+          <p:cNvPr id="2" name="TextBox 1">
+            <a:extLst>
+              <a:ext uri="{FF2B5EF4-FFF2-40B4-BE49-F238E27FC236}">
+                <a16:creationId xmlns:a16="http://schemas.microsoft.com/office/drawing/2014/main" id="{4EFC580D-CD54-75C4-7118-974F957A3E9F}"/>
+              </a:ext>
+            </a:extLst>
+          </p:cNvPr>
+          <p:cNvSpPr txBox="1"/>
+          <p:nvPr/>
+        </p:nvSpPr>
+        <p:spPr>
+          <a:xfrm>
+            <a:off x="3609579" y="3121517"/>
+            <a:ext cx="536683" cy="261610"/>
+          </a:xfrm>
+          <a:prstGeom prst="rect">
+            <a:avLst/>
+          </a:prstGeom>
+          <a:noFill/>
+        </p:spPr>
+        <p:txBody>
+          <a:bodyPr wrap="square" rtlCol="0">
+            <a:spAutoFit/>
+          </a:bodyPr>
+          <a:lstStyle/>
+          <a:p>
+            <a:r>
+              <a:rPr lang="en-US" sz="1100" dirty="0">
+                <a:latin typeface="Arial" panose="020B0604020202020204" pitchFamily="34" charset="0"/>
+                <a:ea typeface="Menlo" panose="020B0609030804020204" pitchFamily="49" charset="0"/>
+                <a:cs typeface="Arial" panose="020B0604020202020204" pitchFamily="34" charset="0"/>
+              </a:rPr>
+              <a:t>7563</a:t>
+            </a:r>
+          </a:p>
+        </p:txBody>
+      </p:sp>
+      <p:sp>
+        <p:nvSpPr>
+          <p:cNvPr id="4" name="Rectangle 3">
+            <a:extLst>
+              <a:ext uri="{FF2B5EF4-FFF2-40B4-BE49-F238E27FC236}">
+                <a16:creationId xmlns:a16="http://schemas.microsoft.com/office/drawing/2014/main" id="{15B5C35B-6DE4-9D57-E36F-3F1BD423A0C6}"/>
+              </a:ext>
+            </a:extLst>
+          </p:cNvPr>
+          <p:cNvSpPr/>
+          <p:nvPr/>
+        </p:nvSpPr>
+        <p:spPr>
+          <a:xfrm>
+            <a:off x="3632780" y="3358015"/>
+            <a:ext cx="723375" cy="382432"/>
+          </a:xfrm>
+          <a:prstGeom prst="rect">
+            <a:avLst/>
+          </a:prstGeom>
+          <a:solidFill>
+            <a:schemeClr val="accent4">
+              <a:lumMod val="60000"/>
+              <a:lumOff val="40000"/>
+              <a:alpha val="97647"/>
+            </a:schemeClr>
+          </a:solidFill>
+          <a:ln>
+            <a:solidFill>
+              <a:schemeClr val="accent4">
+                <a:lumMod val="75000"/>
+              </a:schemeClr>
+            </a:solidFill>
+          </a:ln>
+        </p:spPr>
+        <p:style>
+          <a:lnRef idx="2">
+            <a:schemeClr val="accent1">
+              <a:shade val="50000"/>
+            </a:schemeClr>
+          </a:lnRef>
+          <a:fillRef idx="1">
+            <a:schemeClr val="accent1"/>
+          </a:fillRef>
+          <a:effectRef idx="0">
+            <a:schemeClr val="accent1"/>
+          </a:effectRef>
+          <a:fontRef idx="minor">
+            <a:schemeClr val="lt1"/>
+          </a:fontRef>
+        </p:style>
+        <p:txBody>
+          <a:bodyPr rtlCol="0" anchor="ctr"/>
+          <a:lstStyle/>
+          <a:p>
+            <a:pPr algn="ctr"/>
+            <a:r>
+              <a:rPr lang="en-US" sz="933" dirty="0">
+                <a:solidFill>
+                  <a:schemeClr val="tx1"/>
+                </a:solidFill>
+                <a:latin typeface="Arial" panose="020B0604020202020204" pitchFamily="34" charset="0"/>
+                <a:ea typeface="Menlo" panose="020B0609030804020204" pitchFamily="49" charset="0"/>
+                <a:cs typeface="Arial" panose="020B0604020202020204" pitchFamily="34" charset="0"/>
+              </a:rPr>
+              <a:t>ZAAS</a:t>
+            </a:r>
+          </a:p>
+        </p:txBody>
+      </p:sp>
+      <p:cxnSp>
+        <p:nvCxnSpPr>
+          <p:cNvPr id="5" name="Straight Arrow Connector 4">
+            <a:extLst>
+              <a:ext uri="{FF2B5EF4-FFF2-40B4-BE49-F238E27FC236}">
+                <a16:creationId xmlns:a16="http://schemas.microsoft.com/office/drawing/2014/main" id="{427435EC-7131-9B0E-AD49-32E3CDDEA255}"/>
+              </a:ext>
+            </a:extLst>
+          </p:cNvPr>
+          <p:cNvCxnSpPr>
+            <a:cxnSpLocks/>
+          </p:cNvCxnSpPr>
+          <p:nvPr/>
+        </p:nvCxnSpPr>
+        <p:spPr>
+          <a:xfrm>
+            <a:off x="4147132" y="3059963"/>
+            <a:ext cx="0" cy="304147"/>
+          </a:xfrm>
+          <a:prstGeom prst="straightConnector1">
+            <a:avLst/>
+          </a:prstGeom>
+          <a:ln>
+            <a:headEnd type="triangle"/>
+            <a:tailEnd type="triangle"/>
+          </a:ln>
+        </p:spPr>
+        <p:style>
+          <a:lnRef idx="1">
+            <a:schemeClr val="accent1"/>
+          </a:lnRef>
+          <a:fillRef idx="0">
+            <a:schemeClr val="accent1"/>
+          </a:fillRef>
+          <a:effectRef idx="0">
+            <a:schemeClr val="accent1"/>
+          </a:effectRef>
+          <a:fontRef idx="minor">
+            <a:schemeClr val="tx1"/>
+          </a:fontRef>
+        </p:style>
+      </p:cxnSp>
     </p:spTree>
     <p:extLst>
       <p:ext uri="{BB962C8B-B14F-4D97-AF65-F5344CB8AC3E}">
@@ -15258,6 +15409,157 @@
           </a:extLst>
         </p:spPr>
       </p:pic>
+      <p:sp>
+        <p:nvSpPr>
+          <p:cNvPr id="4" name="Rectangle 3">
+            <a:extLst>
+              <a:ext uri="{FF2B5EF4-FFF2-40B4-BE49-F238E27FC236}">
+                <a16:creationId xmlns:a16="http://schemas.microsoft.com/office/drawing/2014/main" id="{5D3DE8E3-6140-B2DE-CB6F-0569B39CD02E}"/>
+              </a:ext>
+            </a:extLst>
+          </p:cNvPr>
+          <p:cNvSpPr/>
+          <p:nvPr/>
+        </p:nvSpPr>
+        <p:spPr>
+          <a:xfrm>
+            <a:off x="3623682" y="3377488"/>
+            <a:ext cx="768237" cy="360236"/>
+          </a:xfrm>
+          <a:prstGeom prst="rect">
+            <a:avLst/>
+          </a:prstGeom>
+          <a:solidFill>
+            <a:schemeClr val="accent4">
+              <a:lumMod val="60000"/>
+              <a:lumOff val="40000"/>
+              <a:alpha val="97647"/>
+            </a:schemeClr>
+          </a:solidFill>
+          <a:ln>
+            <a:solidFill>
+              <a:schemeClr val="accent4">
+                <a:lumMod val="75000"/>
+              </a:schemeClr>
+            </a:solidFill>
+          </a:ln>
+        </p:spPr>
+        <p:style>
+          <a:lnRef idx="2">
+            <a:schemeClr val="accent1">
+              <a:shade val="50000"/>
+            </a:schemeClr>
+          </a:lnRef>
+          <a:fillRef idx="1">
+            <a:schemeClr val="accent1"/>
+          </a:fillRef>
+          <a:effectRef idx="0">
+            <a:schemeClr val="accent1"/>
+          </a:effectRef>
+          <a:fontRef idx="minor">
+            <a:schemeClr val="lt1"/>
+          </a:fontRef>
+        </p:style>
+        <p:txBody>
+          <a:bodyPr rtlCol="0" anchor="ctr"/>
+          <a:lstStyle/>
+          <a:p>
+            <a:pPr algn="ctr"/>
+            <a:r>
+              <a:rPr lang="en-US" sz="933" dirty="0">
+                <a:solidFill>
+                  <a:schemeClr val="tx1"/>
+                </a:solidFill>
+                <a:latin typeface="Arial" panose="020B0604020202020204" pitchFamily="34" charset="0"/>
+                <a:ea typeface="Menlo" panose="020B0609030804020204" pitchFamily="49" charset="0"/>
+                <a:cs typeface="Arial" panose="020B0604020202020204" pitchFamily="34" charset="0"/>
+              </a:rPr>
+              <a:t>ZAAS</a:t>
+            </a:r>
+          </a:p>
+        </p:txBody>
+      </p:sp>
+      <p:sp>
+        <p:nvSpPr>
+          <p:cNvPr id="5" name="TextBox 4">
+            <a:extLst>
+              <a:ext uri="{FF2B5EF4-FFF2-40B4-BE49-F238E27FC236}">
+                <a16:creationId xmlns:a16="http://schemas.microsoft.com/office/drawing/2014/main" id="{2C4282E9-36DC-254F-C43A-25C9FA69B5E8}"/>
+              </a:ext>
+            </a:extLst>
+          </p:cNvPr>
+          <p:cNvSpPr txBox="1"/>
+          <p:nvPr/>
+        </p:nvSpPr>
+        <p:spPr>
+          <a:xfrm>
+            <a:off x="3708729" y="3118632"/>
+            <a:ext cx="498855" cy="261610"/>
+          </a:xfrm>
+          <a:prstGeom prst="rect">
+            <a:avLst/>
+          </a:prstGeom>
+          <a:noFill/>
+        </p:spPr>
+        <p:txBody>
+          <a:bodyPr wrap="none" rtlCol="0">
+            <a:spAutoFit/>
+          </a:bodyPr>
+          <a:lstStyle/>
+          <a:p>
+            <a:r>
+              <a:rPr lang="en-US" sz="1100" dirty="0">
+                <a:latin typeface="Arial" panose="020B0604020202020204" pitchFamily="34" charset="0"/>
+                <a:ea typeface="Menlo" panose="020B0609030804020204" pitchFamily="49" charset="0"/>
+                <a:cs typeface="Arial" panose="020B0604020202020204" pitchFamily="34" charset="0"/>
+              </a:rPr>
+              <a:t>7563</a:t>
+            </a:r>
+          </a:p>
+        </p:txBody>
+      </p:sp>
+      <p:cxnSp>
+        <p:nvCxnSpPr>
+          <p:cNvPr id="6" name="Straight Arrow Connector 5">
+            <a:extLst>
+              <a:ext uri="{FF2B5EF4-FFF2-40B4-BE49-F238E27FC236}">
+                <a16:creationId xmlns:a16="http://schemas.microsoft.com/office/drawing/2014/main" id="{C9E7ADE6-DC1D-DE38-1508-F1FDD8B273FC}"/>
+              </a:ext>
+            </a:extLst>
+          </p:cNvPr>
+          <p:cNvCxnSpPr>
+            <a:cxnSpLocks/>
+          </p:cNvCxnSpPr>
+          <p:nvPr/>
+        </p:nvCxnSpPr>
+        <p:spPr>
+          <a:xfrm>
+            <a:off x="4212738" y="3084549"/>
+            <a:ext cx="0" cy="304147"/>
+          </a:xfrm>
+          <a:prstGeom prst="straightConnector1">
+            <a:avLst/>
+          </a:prstGeom>
+          <a:ln>
+            <a:headEnd type="triangle"/>
+            <a:tailEnd type="triangle"/>
+          </a:ln>
+        </p:spPr>
+        <p:style>
+          <a:lnRef idx="1">
+            <a:schemeClr val="accent1"/>
+          </a:lnRef>
+          <a:fillRef idx="0">
+            <a:schemeClr val="accent1"/>
+          </a:fillRef>
+          <a:effectRef idx="0">
+            <a:schemeClr val="accent1"/>
+          </a:effectRef>
+          <a:fontRef idx="minor">
+            <a:schemeClr val="tx1"/>
+          </a:fontRef>
+        </p:style>
+      </p:cxnSp>
     </p:spTree>
     <p:extLst>
       <p:ext uri="{BB962C8B-B14F-4D97-AF65-F5344CB8AC3E}">
@@ -21872,7 +22174,7 @@
         <p:spPr>
           <a:xfrm>
             <a:off x="1997322" y="3785400"/>
-            <a:ext cx="979755" cy="215444"/>
+            <a:ext cx="1003801" cy="215444"/>
           </a:xfrm>
           <a:prstGeom prst="rect">
             <a:avLst/>
@@ -22184,6 +22486,157 @@
           </a:extLst>
         </p:spPr>
       </p:pic>
+      <p:sp>
+        <p:nvSpPr>
+          <p:cNvPr id="4" name="TextBox 3">
+            <a:extLst>
+              <a:ext uri="{FF2B5EF4-FFF2-40B4-BE49-F238E27FC236}">
+                <a16:creationId xmlns:a16="http://schemas.microsoft.com/office/drawing/2014/main" id="{659D01F5-8AA7-E975-EB91-AD1AB05DDEAA}"/>
+              </a:ext>
+            </a:extLst>
+          </p:cNvPr>
+          <p:cNvSpPr txBox="1"/>
+          <p:nvPr/>
+        </p:nvSpPr>
+        <p:spPr>
+          <a:xfrm>
+            <a:off x="3857771" y="3117583"/>
+            <a:ext cx="498855" cy="261610"/>
+          </a:xfrm>
+          <a:prstGeom prst="rect">
+            <a:avLst/>
+          </a:prstGeom>
+          <a:noFill/>
+        </p:spPr>
+        <p:txBody>
+          <a:bodyPr wrap="none" rtlCol="0">
+            <a:spAutoFit/>
+          </a:bodyPr>
+          <a:lstStyle/>
+          <a:p>
+            <a:r>
+              <a:rPr lang="en-US" sz="1100" dirty="0">
+                <a:latin typeface="Arial" panose="020B0604020202020204" pitchFamily="34" charset="0"/>
+                <a:ea typeface="Menlo" panose="020B0609030804020204" pitchFamily="49" charset="0"/>
+                <a:cs typeface="Arial" panose="020B0604020202020204" pitchFamily="34" charset="0"/>
+              </a:rPr>
+              <a:t>7563</a:t>
+            </a:r>
+          </a:p>
+        </p:txBody>
+      </p:sp>
+      <p:cxnSp>
+        <p:nvCxnSpPr>
+          <p:cNvPr id="5" name="Straight Arrow Connector 4">
+            <a:extLst>
+              <a:ext uri="{FF2B5EF4-FFF2-40B4-BE49-F238E27FC236}">
+                <a16:creationId xmlns:a16="http://schemas.microsoft.com/office/drawing/2014/main" id="{7F014DD3-9D72-8543-A952-8A9DD650D454}"/>
+              </a:ext>
+            </a:extLst>
+          </p:cNvPr>
+          <p:cNvCxnSpPr>
+            <a:cxnSpLocks/>
+          </p:cNvCxnSpPr>
+          <p:nvPr/>
+        </p:nvCxnSpPr>
+        <p:spPr>
+          <a:xfrm>
+            <a:off x="4361780" y="3083500"/>
+            <a:ext cx="0" cy="304147"/>
+          </a:xfrm>
+          <a:prstGeom prst="straightConnector1">
+            <a:avLst/>
+          </a:prstGeom>
+          <a:ln>
+            <a:headEnd type="triangle"/>
+            <a:tailEnd type="triangle"/>
+          </a:ln>
+        </p:spPr>
+        <p:style>
+          <a:lnRef idx="1">
+            <a:schemeClr val="accent1"/>
+          </a:lnRef>
+          <a:fillRef idx="0">
+            <a:schemeClr val="accent1"/>
+          </a:fillRef>
+          <a:effectRef idx="0">
+            <a:schemeClr val="accent1"/>
+          </a:effectRef>
+          <a:fontRef idx="minor">
+            <a:schemeClr val="tx1"/>
+          </a:fontRef>
+        </p:style>
+      </p:cxnSp>
+      <p:sp>
+        <p:nvSpPr>
+          <p:cNvPr id="6" name="Rectangle 5">
+            <a:extLst>
+              <a:ext uri="{FF2B5EF4-FFF2-40B4-BE49-F238E27FC236}">
+                <a16:creationId xmlns:a16="http://schemas.microsoft.com/office/drawing/2014/main" id="{BFB7C6A2-758A-71B1-80D0-4E0184BA4C6A}"/>
+              </a:ext>
+            </a:extLst>
+          </p:cNvPr>
+          <p:cNvSpPr/>
+          <p:nvPr/>
+        </p:nvSpPr>
+        <p:spPr>
+          <a:xfrm>
+            <a:off x="3828012" y="3417894"/>
+            <a:ext cx="768237" cy="369333"/>
+          </a:xfrm>
+          <a:prstGeom prst="rect">
+            <a:avLst/>
+          </a:prstGeom>
+          <a:solidFill>
+            <a:schemeClr val="accent4">
+              <a:lumMod val="60000"/>
+              <a:lumOff val="40000"/>
+              <a:alpha val="97647"/>
+            </a:schemeClr>
+          </a:solidFill>
+          <a:ln>
+            <a:solidFill>
+              <a:schemeClr val="accent4">
+                <a:lumMod val="75000"/>
+              </a:schemeClr>
+            </a:solidFill>
+          </a:ln>
+        </p:spPr>
+        <p:style>
+          <a:lnRef idx="2">
+            <a:schemeClr val="accent1">
+              <a:shade val="50000"/>
+            </a:schemeClr>
+          </a:lnRef>
+          <a:fillRef idx="1">
+            <a:schemeClr val="accent1"/>
+          </a:fillRef>
+          <a:effectRef idx="0">
+            <a:schemeClr val="accent1"/>
+          </a:effectRef>
+          <a:fontRef idx="minor">
+            <a:schemeClr val="lt1"/>
+          </a:fontRef>
+        </p:style>
+        <p:txBody>
+          <a:bodyPr rtlCol="0" anchor="ctr"/>
+          <a:lstStyle/>
+          <a:p>
+            <a:pPr algn="ctr"/>
+            <a:r>
+              <a:rPr lang="en-US" sz="933" dirty="0">
+                <a:solidFill>
+                  <a:schemeClr val="tx1"/>
+                </a:solidFill>
+                <a:latin typeface="Arial" panose="020B0604020202020204" pitchFamily="34" charset="0"/>
+                <a:ea typeface="Menlo" panose="020B0609030804020204" pitchFamily="49" charset="0"/>
+                <a:cs typeface="Arial" panose="020B0604020202020204" pitchFamily="34" charset="0"/>
+              </a:rPr>
+              <a:t>ZAAS</a:t>
+            </a:r>
+          </a:p>
+        </p:txBody>
+      </p:sp>
     </p:spTree>
     <p:extLst>
       <p:ext uri="{BB962C8B-B14F-4D97-AF65-F5344CB8AC3E}">

--- a/docs/images/common/zowe-architecture.pptx
+++ b/docs/images/common/zowe-architecture.pptx
@@ -200,7 +200,7 @@
           <a:p>
             <a:fld id="{26E70E1E-3B7C-8D4D-B700-360134022E14}" type="datetimeFigureOut">
               <a:rPr lang="en-CN" smtClean="0"/>
-              <a:t>9/5/24</a:t>
+              <a:t>03/12/2024</a:t>
             </a:fld>
             <a:endParaRPr lang="en-CN"/>
           </a:p>
@@ -963,7 +963,7 @@
           <a:p>
             <a:fld id="{B1DB1BE8-3F77-D044-8747-9903AC5CD864}" type="datetimeFigureOut">
               <a:rPr lang="en-US" smtClean="0"/>
-              <a:t>9/5/24</a:t>
+              <a:t>3/12/2024</a:t>
             </a:fld>
             <a:endParaRPr lang="en-US"/>
           </a:p>
@@ -1161,7 +1161,7 @@
           <a:p>
             <a:fld id="{B1DB1BE8-3F77-D044-8747-9903AC5CD864}" type="datetimeFigureOut">
               <a:rPr lang="en-US" smtClean="0"/>
-              <a:t>9/5/24</a:t>
+              <a:t>3/12/2024</a:t>
             </a:fld>
             <a:endParaRPr lang="en-US"/>
           </a:p>
@@ -1369,7 +1369,7 @@
           <a:p>
             <a:fld id="{B1DB1BE8-3F77-D044-8747-9903AC5CD864}" type="datetimeFigureOut">
               <a:rPr lang="en-US" smtClean="0"/>
-              <a:t>9/5/24</a:t>
+              <a:t>3/12/2024</a:t>
             </a:fld>
             <a:endParaRPr lang="en-US"/>
           </a:p>
@@ -1567,7 +1567,7 @@
           <a:p>
             <a:fld id="{B1DB1BE8-3F77-D044-8747-9903AC5CD864}" type="datetimeFigureOut">
               <a:rPr lang="en-US" smtClean="0"/>
-              <a:t>9/5/24</a:t>
+              <a:t>3/12/2024</a:t>
             </a:fld>
             <a:endParaRPr lang="en-US"/>
           </a:p>
@@ -1842,7 +1842,7 @@
           <a:p>
             <a:fld id="{B1DB1BE8-3F77-D044-8747-9903AC5CD864}" type="datetimeFigureOut">
               <a:rPr lang="en-US" smtClean="0"/>
-              <a:t>9/5/24</a:t>
+              <a:t>3/12/2024</a:t>
             </a:fld>
             <a:endParaRPr lang="en-US"/>
           </a:p>
@@ -2107,7 +2107,7 @@
           <a:p>
             <a:fld id="{B1DB1BE8-3F77-D044-8747-9903AC5CD864}" type="datetimeFigureOut">
               <a:rPr lang="en-US" smtClean="0"/>
-              <a:t>9/5/24</a:t>
+              <a:t>3/12/2024</a:t>
             </a:fld>
             <a:endParaRPr lang="en-US"/>
           </a:p>
@@ -2519,7 +2519,7 @@
           <a:p>
             <a:fld id="{B1DB1BE8-3F77-D044-8747-9903AC5CD864}" type="datetimeFigureOut">
               <a:rPr lang="en-US" smtClean="0"/>
-              <a:t>9/5/24</a:t>
+              <a:t>3/12/2024</a:t>
             </a:fld>
             <a:endParaRPr lang="en-US"/>
           </a:p>
@@ -2660,7 +2660,7 @@
           <a:p>
             <a:fld id="{B1DB1BE8-3F77-D044-8747-9903AC5CD864}" type="datetimeFigureOut">
               <a:rPr lang="en-US" smtClean="0"/>
-              <a:t>9/5/24</a:t>
+              <a:t>3/12/2024</a:t>
             </a:fld>
             <a:endParaRPr lang="en-US"/>
           </a:p>
@@ -2773,7 +2773,7 @@
           <a:p>
             <a:fld id="{B1DB1BE8-3F77-D044-8747-9903AC5CD864}" type="datetimeFigureOut">
               <a:rPr lang="en-US" smtClean="0"/>
-              <a:t>9/5/24</a:t>
+              <a:t>3/12/2024</a:t>
             </a:fld>
             <a:endParaRPr lang="en-US"/>
           </a:p>
@@ -3084,7 +3084,7 @@
           <a:p>
             <a:fld id="{B1DB1BE8-3F77-D044-8747-9903AC5CD864}" type="datetimeFigureOut">
               <a:rPr lang="en-US" smtClean="0"/>
-              <a:t>9/5/24</a:t>
+              <a:t>3/12/2024</a:t>
             </a:fld>
             <a:endParaRPr lang="en-US"/>
           </a:p>
@@ -3372,7 +3372,7 @@
           <a:p>
             <a:fld id="{B1DB1BE8-3F77-D044-8747-9903AC5CD864}" type="datetimeFigureOut">
               <a:rPr lang="en-US" smtClean="0"/>
-              <a:t>9/5/24</a:t>
+              <a:t>3/12/2024</a:t>
             </a:fld>
             <a:endParaRPr lang="en-US"/>
           </a:p>
@@ -3613,7 +3613,7 @@
           <a:p>
             <a:fld id="{B1DB1BE8-3F77-D044-8747-9903AC5CD864}" type="datetimeFigureOut">
               <a:rPr lang="en-US" smtClean="0"/>
-              <a:t>9/5/24</a:t>
+              <a:t>3/12/2024</a:t>
             </a:fld>
             <a:endParaRPr lang="en-US"/>
           </a:p>
@@ -5089,7 +5089,7 @@
         </p:nvSpPr>
         <p:spPr>
           <a:xfrm>
-            <a:off x="2864953" y="3122022"/>
+            <a:off x="2933592" y="3124249"/>
             <a:ext cx="536683" cy="261610"/>
           </a:xfrm>
           <a:prstGeom prst="rect">
@@ -9546,157 +9546,6 @@
           </a:extLst>
         </p:spPr>
       </p:pic>
-      <p:sp>
-        <p:nvSpPr>
-          <p:cNvPr id="2" name="TextBox 1">
-            <a:extLst>
-              <a:ext uri="{FF2B5EF4-FFF2-40B4-BE49-F238E27FC236}">
-                <a16:creationId xmlns:a16="http://schemas.microsoft.com/office/drawing/2014/main" id="{4EFC580D-CD54-75C4-7118-974F957A3E9F}"/>
-              </a:ext>
-            </a:extLst>
-          </p:cNvPr>
-          <p:cNvSpPr txBox="1"/>
-          <p:nvPr/>
-        </p:nvSpPr>
-        <p:spPr>
-          <a:xfrm>
-            <a:off x="3609579" y="3121517"/>
-            <a:ext cx="536683" cy="261610"/>
-          </a:xfrm>
-          <a:prstGeom prst="rect">
-            <a:avLst/>
-          </a:prstGeom>
-          <a:noFill/>
-        </p:spPr>
-        <p:txBody>
-          <a:bodyPr wrap="square" rtlCol="0">
-            <a:spAutoFit/>
-          </a:bodyPr>
-          <a:lstStyle/>
-          <a:p>
-            <a:r>
-              <a:rPr lang="en-US" sz="1100" dirty="0">
-                <a:latin typeface="Arial" panose="020B0604020202020204" pitchFamily="34" charset="0"/>
-                <a:ea typeface="Menlo" panose="020B0609030804020204" pitchFamily="49" charset="0"/>
-                <a:cs typeface="Arial" panose="020B0604020202020204" pitchFamily="34" charset="0"/>
-              </a:rPr>
-              <a:t>7563</a:t>
-            </a:r>
-          </a:p>
-        </p:txBody>
-      </p:sp>
-      <p:sp>
-        <p:nvSpPr>
-          <p:cNvPr id="4" name="Rectangle 3">
-            <a:extLst>
-              <a:ext uri="{FF2B5EF4-FFF2-40B4-BE49-F238E27FC236}">
-                <a16:creationId xmlns:a16="http://schemas.microsoft.com/office/drawing/2014/main" id="{15B5C35B-6DE4-9D57-E36F-3F1BD423A0C6}"/>
-              </a:ext>
-            </a:extLst>
-          </p:cNvPr>
-          <p:cNvSpPr/>
-          <p:nvPr/>
-        </p:nvSpPr>
-        <p:spPr>
-          <a:xfrm>
-            <a:off x="3632780" y="3358015"/>
-            <a:ext cx="723375" cy="382432"/>
-          </a:xfrm>
-          <a:prstGeom prst="rect">
-            <a:avLst/>
-          </a:prstGeom>
-          <a:solidFill>
-            <a:schemeClr val="accent4">
-              <a:lumMod val="60000"/>
-              <a:lumOff val="40000"/>
-              <a:alpha val="97647"/>
-            </a:schemeClr>
-          </a:solidFill>
-          <a:ln>
-            <a:solidFill>
-              <a:schemeClr val="accent4">
-                <a:lumMod val="75000"/>
-              </a:schemeClr>
-            </a:solidFill>
-          </a:ln>
-        </p:spPr>
-        <p:style>
-          <a:lnRef idx="2">
-            <a:schemeClr val="accent1">
-              <a:shade val="50000"/>
-            </a:schemeClr>
-          </a:lnRef>
-          <a:fillRef idx="1">
-            <a:schemeClr val="accent1"/>
-          </a:fillRef>
-          <a:effectRef idx="0">
-            <a:schemeClr val="accent1"/>
-          </a:effectRef>
-          <a:fontRef idx="minor">
-            <a:schemeClr val="lt1"/>
-          </a:fontRef>
-        </p:style>
-        <p:txBody>
-          <a:bodyPr rtlCol="0" anchor="ctr"/>
-          <a:lstStyle/>
-          <a:p>
-            <a:pPr algn="ctr"/>
-            <a:r>
-              <a:rPr lang="en-US" sz="933" dirty="0">
-                <a:solidFill>
-                  <a:schemeClr val="tx1"/>
-                </a:solidFill>
-                <a:latin typeface="Arial" panose="020B0604020202020204" pitchFamily="34" charset="0"/>
-                <a:ea typeface="Menlo" panose="020B0609030804020204" pitchFamily="49" charset="0"/>
-                <a:cs typeface="Arial" panose="020B0604020202020204" pitchFamily="34" charset="0"/>
-              </a:rPr>
-              <a:t>ZAAS</a:t>
-            </a:r>
-          </a:p>
-        </p:txBody>
-      </p:sp>
-      <p:cxnSp>
-        <p:nvCxnSpPr>
-          <p:cNvPr id="5" name="Straight Arrow Connector 4">
-            <a:extLst>
-              <a:ext uri="{FF2B5EF4-FFF2-40B4-BE49-F238E27FC236}">
-                <a16:creationId xmlns:a16="http://schemas.microsoft.com/office/drawing/2014/main" id="{427435EC-7131-9B0E-AD49-32E3CDDEA255}"/>
-              </a:ext>
-            </a:extLst>
-          </p:cNvPr>
-          <p:cNvCxnSpPr>
-            <a:cxnSpLocks/>
-          </p:cNvCxnSpPr>
-          <p:nvPr/>
-        </p:nvCxnSpPr>
-        <p:spPr>
-          <a:xfrm>
-            <a:off x="4147132" y="3059963"/>
-            <a:ext cx="0" cy="304147"/>
-          </a:xfrm>
-          <a:prstGeom prst="straightConnector1">
-            <a:avLst/>
-          </a:prstGeom>
-          <a:ln>
-            <a:headEnd type="triangle"/>
-            <a:tailEnd type="triangle"/>
-          </a:ln>
-        </p:spPr>
-        <p:style>
-          <a:lnRef idx="1">
-            <a:schemeClr val="accent1"/>
-          </a:lnRef>
-          <a:fillRef idx="0">
-            <a:schemeClr val="accent1"/>
-          </a:fillRef>
-          <a:effectRef idx="0">
-            <a:schemeClr val="accent1"/>
-          </a:effectRef>
-          <a:fontRef idx="minor">
-            <a:schemeClr val="tx1"/>
-          </a:fontRef>
-        </p:style>
-      </p:cxnSp>
     </p:spTree>
     <p:extLst>
       <p:ext uri="{BB962C8B-B14F-4D97-AF65-F5344CB8AC3E}">
@@ -15409,157 +15258,6 @@
           </a:extLst>
         </p:spPr>
       </p:pic>
-      <p:sp>
-        <p:nvSpPr>
-          <p:cNvPr id="4" name="Rectangle 3">
-            <a:extLst>
-              <a:ext uri="{FF2B5EF4-FFF2-40B4-BE49-F238E27FC236}">
-                <a16:creationId xmlns:a16="http://schemas.microsoft.com/office/drawing/2014/main" id="{5D3DE8E3-6140-B2DE-CB6F-0569B39CD02E}"/>
-              </a:ext>
-            </a:extLst>
-          </p:cNvPr>
-          <p:cNvSpPr/>
-          <p:nvPr/>
-        </p:nvSpPr>
-        <p:spPr>
-          <a:xfrm>
-            <a:off x="3623682" y="3377488"/>
-            <a:ext cx="768237" cy="360236"/>
-          </a:xfrm>
-          <a:prstGeom prst="rect">
-            <a:avLst/>
-          </a:prstGeom>
-          <a:solidFill>
-            <a:schemeClr val="accent4">
-              <a:lumMod val="60000"/>
-              <a:lumOff val="40000"/>
-              <a:alpha val="97647"/>
-            </a:schemeClr>
-          </a:solidFill>
-          <a:ln>
-            <a:solidFill>
-              <a:schemeClr val="accent4">
-                <a:lumMod val="75000"/>
-              </a:schemeClr>
-            </a:solidFill>
-          </a:ln>
-        </p:spPr>
-        <p:style>
-          <a:lnRef idx="2">
-            <a:schemeClr val="accent1">
-              <a:shade val="50000"/>
-            </a:schemeClr>
-          </a:lnRef>
-          <a:fillRef idx="1">
-            <a:schemeClr val="accent1"/>
-          </a:fillRef>
-          <a:effectRef idx="0">
-            <a:schemeClr val="accent1"/>
-          </a:effectRef>
-          <a:fontRef idx="minor">
-            <a:schemeClr val="lt1"/>
-          </a:fontRef>
-        </p:style>
-        <p:txBody>
-          <a:bodyPr rtlCol="0" anchor="ctr"/>
-          <a:lstStyle/>
-          <a:p>
-            <a:pPr algn="ctr"/>
-            <a:r>
-              <a:rPr lang="en-US" sz="933" dirty="0">
-                <a:solidFill>
-                  <a:schemeClr val="tx1"/>
-                </a:solidFill>
-                <a:latin typeface="Arial" panose="020B0604020202020204" pitchFamily="34" charset="0"/>
-                <a:ea typeface="Menlo" panose="020B0609030804020204" pitchFamily="49" charset="0"/>
-                <a:cs typeface="Arial" panose="020B0604020202020204" pitchFamily="34" charset="0"/>
-              </a:rPr>
-              <a:t>ZAAS</a:t>
-            </a:r>
-          </a:p>
-        </p:txBody>
-      </p:sp>
-      <p:sp>
-        <p:nvSpPr>
-          <p:cNvPr id="5" name="TextBox 4">
-            <a:extLst>
-              <a:ext uri="{FF2B5EF4-FFF2-40B4-BE49-F238E27FC236}">
-                <a16:creationId xmlns:a16="http://schemas.microsoft.com/office/drawing/2014/main" id="{2C4282E9-36DC-254F-C43A-25C9FA69B5E8}"/>
-              </a:ext>
-            </a:extLst>
-          </p:cNvPr>
-          <p:cNvSpPr txBox="1"/>
-          <p:nvPr/>
-        </p:nvSpPr>
-        <p:spPr>
-          <a:xfrm>
-            <a:off x="3708729" y="3118632"/>
-            <a:ext cx="498855" cy="261610"/>
-          </a:xfrm>
-          <a:prstGeom prst="rect">
-            <a:avLst/>
-          </a:prstGeom>
-          <a:noFill/>
-        </p:spPr>
-        <p:txBody>
-          <a:bodyPr wrap="none" rtlCol="0">
-            <a:spAutoFit/>
-          </a:bodyPr>
-          <a:lstStyle/>
-          <a:p>
-            <a:r>
-              <a:rPr lang="en-US" sz="1100" dirty="0">
-                <a:latin typeface="Arial" panose="020B0604020202020204" pitchFamily="34" charset="0"/>
-                <a:ea typeface="Menlo" panose="020B0609030804020204" pitchFamily="49" charset="0"/>
-                <a:cs typeface="Arial" panose="020B0604020202020204" pitchFamily="34" charset="0"/>
-              </a:rPr>
-              <a:t>7563</a:t>
-            </a:r>
-          </a:p>
-        </p:txBody>
-      </p:sp>
-      <p:cxnSp>
-        <p:nvCxnSpPr>
-          <p:cNvPr id="6" name="Straight Arrow Connector 5">
-            <a:extLst>
-              <a:ext uri="{FF2B5EF4-FFF2-40B4-BE49-F238E27FC236}">
-                <a16:creationId xmlns:a16="http://schemas.microsoft.com/office/drawing/2014/main" id="{C9E7ADE6-DC1D-DE38-1508-F1FDD8B273FC}"/>
-              </a:ext>
-            </a:extLst>
-          </p:cNvPr>
-          <p:cNvCxnSpPr>
-            <a:cxnSpLocks/>
-          </p:cNvCxnSpPr>
-          <p:nvPr/>
-        </p:nvCxnSpPr>
-        <p:spPr>
-          <a:xfrm>
-            <a:off x="4212738" y="3084549"/>
-            <a:ext cx="0" cy="304147"/>
-          </a:xfrm>
-          <a:prstGeom prst="straightConnector1">
-            <a:avLst/>
-          </a:prstGeom>
-          <a:ln>
-            <a:headEnd type="triangle"/>
-            <a:tailEnd type="triangle"/>
-          </a:ln>
-        </p:spPr>
-        <p:style>
-          <a:lnRef idx="1">
-            <a:schemeClr val="accent1"/>
-          </a:lnRef>
-          <a:fillRef idx="0">
-            <a:schemeClr val="accent1"/>
-          </a:fillRef>
-          <a:effectRef idx="0">
-            <a:schemeClr val="accent1"/>
-          </a:effectRef>
-          <a:fontRef idx="minor">
-            <a:schemeClr val="tx1"/>
-          </a:fontRef>
-        </p:style>
-      </p:cxnSp>
     </p:spTree>
     <p:extLst>
       <p:ext uri="{BB962C8B-B14F-4D97-AF65-F5344CB8AC3E}">
@@ -22174,7 +21872,7 @@
         <p:spPr>
           <a:xfrm>
             <a:off x="1997322" y="3785400"/>
-            <a:ext cx="1003801" cy="215444"/>
+            <a:ext cx="979755" cy="215444"/>
           </a:xfrm>
           <a:prstGeom prst="rect">
             <a:avLst/>
@@ -22486,157 +22184,6 @@
           </a:extLst>
         </p:spPr>
       </p:pic>
-      <p:sp>
-        <p:nvSpPr>
-          <p:cNvPr id="4" name="TextBox 3">
-            <a:extLst>
-              <a:ext uri="{FF2B5EF4-FFF2-40B4-BE49-F238E27FC236}">
-                <a16:creationId xmlns:a16="http://schemas.microsoft.com/office/drawing/2014/main" id="{659D01F5-8AA7-E975-EB91-AD1AB05DDEAA}"/>
-              </a:ext>
-            </a:extLst>
-          </p:cNvPr>
-          <p:cNvSpPr txBox="1"/>
-          <p:nvPr/>
-        </p:nvSpPr>
-        <p:spPr>
-          <a:xfrm>
-            <a:off x="3857771" y="3117583"/>
-            <a:ext cx="498855" cy="261610"/>
-          </a:xfrm>
-          <a:prstGeom prst="rect">
-            <a:avLst/>
-          </a:prstGeom>
-          <a:noFill/>
-        </p:spPr>
-        <p:txBody>
-          <a:bodyPr wrap="none" rtlCol="0">
-            <a:spAutoFit/>
-          </a:bodyPr>
-          <a:lstStyle/>
-          <a:p>
-            <a:r>
-              <a:rPr lang="en-US" sz="1100" dirty="0">
-                <a:latin typeface="Arial" panose="020B0604020202020204" pitchFamily="34" charset="0"/>
-                <a:ea typeface="Menlo" panose="020B0609030804020204" pitchFamily="49" charset="0"/>
-                <a:cs typeface="Arial" panose="020B0604020202020204" pitchFamily="34" charset="0"/>
-              </a:rPr>
-              <a:t>7563</a:t>
-            </a:r>
-          </a:p>
-        </p:txBody>
-      </p:sp>
-      <p:cxnSp>
-        <p:nvCxnSpPr>
-          <p:cNvPr id="5" name="Straight Arrow Connector 4">
-            <a:extLst>
-              <a:ext uri="{FF2B5EF4-FFF2-40B4-BE49-F238E27FC236}">
-                <a16:creationId xmlns:a16="http://schemas.microsoft.com/office/drawing/2014/main" id="{7F014DD3-9D72-8543-A952-8A9DD650D454}"/>
-              </a:ext>
-            </a:extLst>
-          </p:cNvPr>
-          <p:cNvCxnSpPr>
-            <a:cxnSpLocks/>
-          </p:cNvCxnSpPr>
-          <p:nvPr/>
-        </p:nvCxnSpPr>
-        <p:spPr>
-          <a:xfrm>
-            <a:off x="4361780" y="3083500"/>
-            <a:ext cx="0" cy="304147"/>
-          </a:xfrm>
-          <a:prstGeom prst="straightConnector1">
-            <a:avLst/>
-          </a:prstGeom>
-          <a:ln>
-            <a:headEnd type="triangle"/>
-            <a:tailEnd type="triangle"/>
-          </a:ln>
-        </p:spPr>
-        <p:style>
-          <a:lnRef idx="1">
-            <a:schemeClr val="accent1"/>
-          </a:lnRef>
-          <a:fillRef idx="0">
-            <a:schemeClr val="accent1"/>
-          </a:fillRef>
-          <a:effectRef idx="0">
-            <a:schemeClr val="accent1"/>
-          </a:effectRef>
-          <a:fontRef idx="minor">
-            <a:schemeClr val="tx1"/>
-          </a:fontRef>
-        </p:style>
-      </p:cxnSp>
-      <p:sp>
-        <p:nvSpPr>
-          <p:cNvPr id="6" name="Rectangle 5">
-            <a:extLst>
-              <a:ext uri="{FF2B5EF4-FFF2-40B4-BE49-F238E27FC236}">
-                <a16:creationId xmlns:a16="http://schemas.microsoft.com/office/drawing/2014/main" id="{BFB7C6A2-758A-71B1-80D0-4E0184BA4C6A}"/>
-              </a:ext>
-            </a:extLst>
-          </p:cNvPr>
-          <p:cNvSpPr/>
-          <p:nvPr/>
-        </p:nvSpPr>
-        <p:spPr>
-          <a:xfrm>
-            <a:off x="3828012" y="3417894"/>
-            <a:ext cx="768237" cy="369333"/>
-          </a:xfrm>
-          <a:prstGeom prst="rect">
-            <a:avLst/>
-          </a:prstGeom>
-          <a:solidFill>
-            <a:schemeClr val="accent4">
-              <a:lumMod val="60000"/>
-              <a:lumOff val="40000"/>
-              <a:alpha val="97647"/>
-            </a:schemeClr>
-          </a:solidFill>
-          <a:ln>
-            <a:solidFill>
-              <a:schemeClr val="accent4">
-                <a:lumMod val="75000"/>
-              </a:schemeClr>
-            </a:solidFill>
-          </a:ln>
-        </p:spPr>
-        <p:style>
-          <a:lnRef idx="2">
-            <a:schemeClr val="accent1">
-              <a:shade val="50000"/>
-            </a:schemeClr>
-          </a:lnRef>
-          <a:fillRef idx="1">
-            <a:schemeClr val="accent1"/>
-          </a:fillRef>
-          <a:effectRef idx="0">
-            <a:schemeClr val="accent1"/>
-          </a:effectRef>
-          <a:fontRef idx="minor">
-            <a:schemeClr val="lt1"/>
-          </a:fontRef>
-        </p:style>
-        <p:txBody>
-          <a:bodyPr rtlCol="0" anchor="ctr"/>
-          <a:lstStyle/>
-          <a:p>
-            <a:pPr algn="ctr"/>
-            <a:r>
-              <a:rPr lang="en-US" sz="933" dirty="0">
-                <a:solidFill>
-                  <a:schemeClr val="tx1"/>
-                </a:solidFill>
-                <a:latin typeface="Arial" panose="020B0604020202020204" pitchFamily="34" charset="0"/>
-                <a:ea typeface="Menlo" panose="020B0609030804020204" pitchFamily="49" charset="0"/>
-                <a:cs typeface="Arial" panose="020B0604020202020204" pitchFamily="34" charset="0"/>
-              </a:rPr>
-              <a:t>ZAAS</a:t>
-            </a:r>
-          </a:p>
-        </p:txBody>
-      </p:sp>
     </p:spTree>
     <p:extLst>
       <p:ext uri="{BB962C8B-B14F-4D97-AF65-F5344CB8AC3E}">

--- a/docs/images/common/zowe-architecture.pptx
+++ b/docs/images/common/zowe-architecture.pptx
@@ -200,7 +200,7 @@
           <a:p>
             <a:fld id="{26E70E1E-3B7C-8D4D-B700-360134022E14}" type="datetimeFigureOut">
               <a:rPr lang="en-CN" smtClean="0"/>
-              <a:t>03/12/2024</a:t>
+              <a:t>9/27/24</a:t>
             </a:fld>
             <a:endParaRPr lang="en-CN"/>
           </a:p>
@@ -963,7 +963,7 @@
           <a:p>
             <a:fld id="{B1DB1BE8-3F77-D044-8747-9903AC5CD864}" type="datetimeFigureOut">
               <a:rPr lang="en-US" smtClean="0"/>
-              <a:t>3/12/2024</a:t>
+              <a:t>9/27/24</a:t>
             </a:fld>
             <a:endParaRPr lang="en-US"/>
           </a:p>
@@ -1161,7 +1161,7 @@
           <a:p>
             <a:fld id="{B1DB1BE8-3F77-D044-8747-9903AC5CD864}" type="datetimeFigureOut">
               <a:rPr lang="en-US" smtClean="0"/>
-              <a:t>3/12/2024</a:t>
+              <a:t>9/27/24</a:t>
             </a:fld>
             <a:endParaRPr lang="en-US"/>
           </a:p>
@@ -1369,7 +1369,7 @@
           <a:p>
             <a:fld id="{B1DB1BE8-3F77-D044-8747-9903AC5CD864}" type="datetimeFigureOut">
               <a:rPr lang="en-US" smtClean="0"/>
-              <a:t>3/12/2024</a:t>
+              <a:t>9/27/24</a:t>
             </a:fld>
             <a:endParaRPr lang="en-US"/>
           </a:p>
@@ -1567,7 +1567,7 @@
           <a:p>
             <a:fld id="{B1DB1BE8-3F77-D044-8747-9903AC5CD864}" type="datetimeFigureOut">
               <a:rPr lang="en-US" smtClean="0"/>
-              <a:t>3/12/2024</a:t>
+              <a:t>9/27/24</a:t>
             </a:fld>
             <a:endParaRPr lang="en-US"/>
           </a:p>
@@ -1842,7 +1842,7 @@
           <a:p>
             <a:fld id="{B1DB1BE8-3F77-D044-8747-9903AC5CD864}" type="datetimeFigureOut">
               <a:rPr lang="en-US" smtClean="0"/>
-              <a:t>3/12/2024</a:t>
+              <a:t>9/27/24</a:t>
             </a:fld>
             <a:endParaRPr lang="en-US"/>
           </a:p>
@@ -2107,7 +2107,7 @@
           <a:p>
             <a:fld id="{B1DB1BE8-3F77-D044-8747-9903AC5CD864}" type="datetimeFigureOut">
               <a:rPr lang="en-US" smtClean="0"/>
-              <a:t>3/12/2024</a:t>
+              <a:t>9/27/24</a:t>
             </a:fld>
             <a:endParaRPr lang="en-US"/>
           </a:p>
@@ -2519,7 +2519,7 @@
           <a:p>
             <a:fld id="{B1DB1BE8-3F77-D044-8747-9903AC5CD864}" type="datetimeFigureOut">
               <a:rPr lang="en-US" smtClean="0"/>
-              <a:t>3/12/2024</a:t>
+              <a:t>9/27/24</a:t>
             </a:fld>
             <a:endParaRPr lang="en-US"/>
           </a:p>
@@ -2660,7 +2660,7 @@
           <a:p>
             <a:fld id="{B1DB1BE8-3F77-D044-8747-9903AC5CD864}" type="datetimeFigureOut">
               <a:rPr lang="en-US" smtClean="0"/>
-              <a:t>3/12/2024</a:t>
+              <a:t>9/27/24</a:t>
             </a:fld>
             <a:endParaRPr lang="en-US"/>
           </a:p>
@@ -2773,7 +2773,7 @@
           <a:p>
             <a:fld id="{B1DB1BE8-3F77-D044-8747-9903AC5CD864}" type="datetimeFigureOut">
               <a:rPr lang="en-US" smtClean="0"/>
-              <a:t>3/12/2024</a:t>
+              <a:t>9/27/24</a:t>
             </a:fld>
             <a:endParaRPr lang="en-US"/>
           </a:p>
@@ -3084,7 +3084,7 @@
           <a:p>
             <a:fld id="{B1DB1BE8-3F77-D044-8747-9903AC5CD864}" type="datetimeFigureOut">
               <a:rPr lang="en-US" smtClean="0"/>
-              <a:t>3/12/2024</a:t>
+              <a:t>9/27/24</a:t>
             </a:fld>
             <a:endParaRPr lang="en-US"/>
           </a:p>
@@ -3372,7 +3372,7 @@
           <a:p>
             <a:fld id="{B1DB1BE8-3F77-D044-8747-9903AC5CD864}" type="datetimeFigureOut">
               <a:rPr lang="en-US" smtClean="0"/>
-              <a:t>3/12/2024</a:t>
+              <a:t>9/27/24</a:t>
             </a:fld>
             <a:endParaRPr lang="en-US"/>
           </a:p>
@@ -3613,7 +3613,7 @@
           <a:p>
             <a:fld id="{B1DB1BE8-3F77-D044-8747-9903AC5CD864}" type="datetimeFigureOut">
               <a:rPr lang="en-US" smtClean="0"/>
-              <a:t>3/12/2024</a:t>
+              <a:t>9/27/24</a:t>
             </a:fld>
             <a:endParaRPr lang="en-US"/>
           </a:p>
@@ -4032,58 +4032,6 @@
       </p:grpSpPr>
       <p:sp>
         <p:nvSpPr>
-          <p:cNvPr id="6" name="Rectangle 5">
-            <a:extLst>
-              <a:ext uri="{FF2B5EF4-FFF2-40B4-BE49-F238E27FC236}">
-                <a16:creationId xmlns:a16="http://schemas.microsoft.com/office/drawing/2014/main" id="{75AB30E2-F7F3-9131-EB4A-EC310A9D165C}"/>
-              </a:ext>
-            </a:extLst>
-          </p:cNvPr>
-          <p:cNvSpPr/>
-          <p:nvPr/>
-        </p:nvSpPr>
-        <p:spPr>
-          <a:xfrm>
-            <a:off x="0" y="0"/>
-            <a:ext cx="12192000" cy="6858000"/>
-          </a:xfrm>
-          <a:prstGeom prst="rect">
-            <a:avLst/>
-          </a:prstGeom>
-          <a:solidFill>
-            <a:schemeClr val="bg1"/>
-          </a:solidFill>
-          <a:ln>
-            <a:noFill/>
-          </a:ln>
-        </p:spPr>
-        <p:style>
-          <a:lnRef idx="2">
-            <a:schemeClr val="accent1">
-              <a:shade val="15000"/>
-            </a:schemeClr>
-          </a:lnRef>
-          <a:fillRef idx="1">
-            <a:schemeClr val="accent1"/>
-          </a:fillRef>
-          <a:effectRef idx="0">
-            <a:schemeClr val="accent1"/>
-          </a:effectRef>
-          <a:fontRef idx="minor">
-            <a:schemeClr val="lt1"/>
-          </a:fontRef>
-        </p:style>
-        <p:txBody>
-          <a:bodyPr rtlCol="0" anchor="ctr"/>
-          <a:lstStyle/>
-          <a:p>
-            <a:pPr algn="ctr"/>
-            <a:endParaRPr lang="en-US"/>
-          </a:p>
-        </p:txBody>
-      </p:sp>
-      <p:sp>
-        <p:nvSpPr>
           <p:cNvPr id="77" name="Rectangle 76">
             <a:extLst>
               <a:ext uri="{FF2B5EF4-FFF2-40B4-BE49-F238E27FC236}">
@@ -4342,7 +4290,7 @@
         <p:spPr>
           <a:xfrm>
             <a:off x="1089279" y="2101977"/>
-            <a:ext cx="10873143" cy="3220146"/>
+            <a:ext cx="10873143" cy="3079629"/>
           </a:xfrm>
           <a:prstGeom prst="rect">
             <a:avLst/>
@@ -4815,7 +4763,7 @@
         </p:nvSpPr>
         <p:spPr>
           <a:xfrm>
-            <a:off x="2019242" y="3383294"/>
+            <a:off x="2370471" y="3383294"/>
             <a:ext cx="730170" cy="351196"/>
           </a:xfrm>
           <a:prstGeom prst="rect">
@@ -4887,7 +4835,7 @@
         </p:nvCxnSpPr>
         <p:spPr>
           <a:xfrm>
-            <a:off x="2597275" y="3062373"/>
+            <a:off x="2948504" y="3062373"/>
             <a:ext cx="8982" cy="310677"/>
           </a:xfrm>
           <a:prstGeom prst="straightConnector1">
@@ -4929,7 +4877,7 @@
         </p:nvCxnSpPr>
         <p:spPr>
           <a:xfrm>
-            <a:off x="3421474" y="3078000"/>
+            <a:off x="3772703" y="3078000"/>
             <a:ext cx="0" cy="304147"/>
           </a:xfrm>
           <a:prstGeom prst="straightConnector1">
@@ -5050,7 +4998,7 @@
         </p:nvSpPr>
         <p:spPr>
           <a:xfrm>
-            <a:off x="2152153" y="3122022"/>
+            <a:off x="2503382" y="3122022"/>
             <a:ext cx="498855" cy="261610"/>
           </a:xfrm>
           <a:prstGeom prst="rect">
@@ -5089,7 +5037,7 @@
         </p:nvSpPr>
         <p:spPr>
           <a:xfrm>
-            <a:off x="2933592" y="3124249"/>
+            <a:off x="3284821" y="3124249"/>
             <a:ext cx="536683" cy="261610"/>
           </a:xfrm>
           <a:prstGeom prst="rect">
@@ -5128,7 +5076,7 @@
         </p:nvSpPr>
         <p:spPr>
           <a:xfrm>
-            <a:off x="4276273" y="3982759"/>
+            <a:off x="4627502" y="3982759"/>
             <a:ext cx="1368742" cy="926279"/>
           </a:xfrm>
           <a:prstGeom prst="rect">
@@ -5191,7 +5139,7 @@
         </p:nvSpPr>
         <p:spPr>
           <a:xfrm>
-            <a:off x="5024169" y="4670060"/>
+            <a:off x="5375398" y="4670060"/>
             <a:ext cx="569790" cy="217580"/>
           </a:xfrm>
           <a:prstGeom prst="rect">
@@ -5255,7 +5203,7 @@
         </p:nvSpPr>
         <p:spPr>
           <a:xfrm>
-            <a:off x="4988081" y="4236410"/>
+            <a:off x="5339310" y="4236410"/>
             <a:ext cx="624537" cy="349949"/>
           </a:xfrm>
           <a:prstGeom prst="rect">
@@ -5319,7 +5267,7 @@
         </p:nvSpPr>
         <p:spPr>
           <a:xfrm>
-            <a:off x="5155364" y="3697243"/>
+            <a:off x="5506593" y="3697243"/>
             <a:ext cx="498855" cy="261610"/>
           </a:xfrm>
           <a:prstGeom prst="rect">
@@ -5358,7 +5306,7 @@
         </p:nvSpPr>
         <p:spPr>
           <a:xfrm>
-            <a:off x="1234347" y="4941857"/>
+            <a:off x="1244716" y="4625839"/>
             <a:ext cx="1128765" cy="276391"/>
           </a:xfrm>
           <a:prstGeom prst="rect">
@@ -5400,7 +5348,7 @@
                 <a:ea typeface="Menlo" panose="020B0609030804020204" pitchFamily="49" charset="0"/>
                 <a:cs typeface="Arial" panose="020B0604020202020204" pitchFamily="34" charset="0"/>
               </a:rPr>
-              <a:t>zssServer</a:t>
+              <a:t>ZSS</a:t>
             </a:r>
           </a:p>
         </p:txBody>
@@ -5419,7 +5367,7 @@
         </p:nvSpPr>
         <p:spPr>
           <a:xfrm>
-            <a:off x="2313529" y="4816267"/>
+            <a:off x="2331715" y="4592452"/>
             <a:ext cx="498855" cy="261610"/>
           </a:xfrm>
           <a:prstGeom prst="rect">
@@ -5435,6 +5383,9 @@
           <a:p>
             <a:r>
               <a:rPr lang="en-US" sz="1100" dirty="0">
+                <a:solidFill>
+                  <a:srgbClr val="646565"/>
+                </a:solidFill>
                 <a:latin typeface="Arial" panose="020B0604020202020204" pitchFamily="34" charset="0"/>
                 <a:ea typeface="Menlo" panose="020B0609030804020204" pitchFamily="49" charset="0"/>
                 <a:cs typeface="Arial" panose="020B0604020202020204" pitchFamily="34" charset="0"/>
@@ -5521,8 +5472,8 @@
         </p:nvCxnSpPr>
         <p:spPr>
           <a:xfrm flipH="1">
-            <a:off x="1783255" y="5206914"/>
-            <a:ext cx="5982" cy="1201986"/>
+            <a:off x="1783255" y="4962863"/>
+            <a:ext cx="7021" cy="1446037"/>
           </a:xfrm>
           <a:prstGeom prst="straightConnector1">
             <a:avLst/>
@@ -5563,7 +5514,7 @@
         <p:spPr>
           <a:xfrm>
             <a:off x="1317575" y="6085628"/>
-            <a:ext cx="673582" cy="261610"/>
+            <a:ext cx="635110" cy="261610"/>
           </a:xfrm>
           <a:prstGeom prst="rect">
             <a:avLst/>
@@ -5582,7 +5533,7 @@
                 <a:ea typeface="Menlo" panose="020B0609030804020204" pitchFamily="49" charset="0"/>
                 <a:cs typeface="Arial" panose="020B0604020202020204" pitchFamily="34" charset="0"/>
               </a:rPr>
-              <a:t>ZIS.      </a:t>
+              <a:t>ZIS      </a:t>
             </a:r>
           </a:p>
         </p:txBody>
@@ -8327,7 +8278,7 @@
         </p:nvCxnSpPr>
         <p:spPr>
           <a:xfrm flipH="1">
-            <a:off x="5148715" y="3045566"/>
+            <a:off x="5499944" y="3045566"/>
             <a:ext cx="6649" cy="937193"/>
           </a:xfrm>
           <a:prstGeom prst="straightConnector1">
@@ -8452,7 +8403,7 @@
         </p:nvSpPr>
         <p:spPr>
           <a:xfrm>
-            <a:off x="2828570" y="3379470"/>
+            <a:off x="3179799" y="3379470"/>
             <a:ext cx="723375" cy="355020"/>
           </a:xfrm>
           <a:prstGeom prst="rect">
@@ -8522,7 +8473,7 @@
         </p:nvSpPr>
         <p:spPr>
           <a:xfrm>
-            <a:off x="4347410" y="4525569"/>
+            <a:off x="4698639" y="4525569"/>
             <a:ext cx="579622" cy="344954"/>
           </a:xfrm>
           <a:prstGeom prst="rect">
@@ -8624,7 +8575,7 @@
         </p:nvSpPr>
         <p:spPr>
           <a:xfrm>
-            <a:off x="4339112" y="4036584"/>
+            <a:off x="4690341" y="4036584"/>
             <a:ext cx="569790" cy="217580"/>
           </a:xfrm>
           <a:prstGeom prst="rect">
@@ -8688,7 +8639,7 @@
         </p:nvSpPr>
         <p:spPr>
           <a:xfrm>
-            <a:off x="5062590" y="5584898"/>
+            <a:off x="5413819" y="5584898"/>
             <a:ext cx="647780" cy="232252"/>
           </a:xfrm>
           <a:prstGeom prst="rect">
@@ -8752,7 +8703,7 @@
         </p:nvSpPr>
         <p:spPr>
           <a:xfrm>
-            <a:off x="4412167" y="5576392"/>
+            <a:off x="4763396" y="5576392"/>
             <a:ext cx="442741" cy="229851"/>
           </a:xfrm>
           <a:prstGeom prst="rect">
@@ -8816,7 +8767,7 @@
         </p:nvSpPr>
         <p:spPr>
           <a:xfrm>
-            <a:off x="5074419" y="5332242"/>
+            <a:off x="5425648" y="5332242"/>
             <a:ext cx="341760" cy="261610"/>
           </a:xfrm>
           <a:prstGeom prst="rect">
@@ -8841,49 +8792,6 @@
           </a:p>
         </p:txBody>
       </p:sp>
-      <p:cxnSp>
-        <p:nvCxnSpPr>
-          <p:cNvPr id="157" name="Elbow Connector 156">
-            <a:extLst>
-              <a:ext uri="{FF2B5EF4-FFF2-40B4-BE49-F238E27FC236}">
-                <a16:creationId xmlns:a16="http://schemas.microsoft.com/office/drawing/2014/main" id="{E047CDB2-79BF-1045-B58C-52A4B57E07BA}"/>
-              </a:ext>
-            </a:extLst>
-          </p:cNvPr>
-          <p:cNvCxnSpPr>
-            <a:cxnSpLocks/>
-          </p:cNvCxnSpPr>
-          <p:nvPr/>
-        </p:nvCxnSpPr>
-        <p:spPr>
-          <a:xfrm rot="10800000" flipV="1">
-            <a:off x="2377438" y="4808585"/>
-            <a:ext cx="1838836" cy="256306"/>
-          </a:xfrm>
-          <a:prstGeom prst="bentConnector3">
-            <a:avLst/>
-          </a:prstGeom>
-          <a:ln>
-            <a:prstDash val="solid"/>
-            <a:headEnd type="triangle"/>
-            <a:tailEnd type="triangle"/>
-          </a:ln>
-        </p:spPr>
-        <p:style>
-          <a:lnRef idx="1">
-            <a:schemeClr val="accent1"/>
-          </a:lnRef>
-          <a:fillRef idx="0">
-            <a:schemeClr val="accent1"/>
-          </a:fillRef>
-          <a:effectRef idx="0">
-            <a:schemeClr val="accent1"/>
-          </a:effectRef>
-          <a:fontRef idx="minor">
-            <a:schemeClr val="tx1"/>
-          </a:fontRef>
-        </p:style>
-      </p:cxnSp>
       <p:sp>
         <p:nvSpPr>
           <p:cNvPr id="127" name="TextBox 126">
@@ -8898,8 +8806,8 @@
         </p:nvSpPr>
         <p:spPr>
           <a:xfrm>
-            <a:off x="4279810" y="4254380"/>
-            <a:ext cx="760144" cy="235449"/>
+            <a:off x="4631039" y="4254380"/>
+            <a:ext cx="780983" cy="235449"/>
           </a:xfrm>
           <a:prstGeom prst="rect">
             <a:avLst/>
@@ -8917,7 +8825,7 @@
                 <a:latin typeface="Arial" panose="020B0604020202020204" pitchFamily="34" charset="0"/>
                 <a:cs typeface="Arial" panose="020B0604020202020204" pitchFamily="34" charset="0"/>
               </a:rPr>
-              <a:t>App server</a:t>
+              <a:t>App Server</a:t>
             </a:r>
           </a:p>
         </p:txBody>
@@ -9224,7 +9132,7 @@
         </p:nvSpPr>
         <p:spPr>
           <a:xfrm>
-            <a:off x="1165958" y="3374254"/>
+            <a:off x="1517187" y="3374254"/>
             <a:ext cx="768237" cy="360236"/>
           </a:xfrm>
           <a:prstGeom prst="rect">
@@ -9308,7 +9216,7 @@
         </p:nvSpPr>
         <p:spPr>
           <a:xfrm>
-            <a:off x="1251005" y="3115398"/>
+            <a:off x="1602234" y="3115398"/>
             <a:ext cx="498855" cy="261610"/>
           </a:xfrm>
           <a:prstGeom prst="rect">
@@ -9349,7 +9257,7 @@
         </p:nvCxnSpPr>
         <p:spPr>
           <a:xfrm>
-            <a:off x="1755014" y="3081315"/>
+            <a:off x="2106243" y="3081315"/>
             <a:ext cx="0" cy="304147"/>
           </a:xfrm>
           <a:prstGeom prst="straightConnector1">
@@ -9392,7 +9300,7 @@
         </p:nvCxnSpPr>
         <p:spPr>
           <a:xfrm flipH="1">
-            <a:off x="4633538" y="4962863"/>
+            <a:off x="4984767" y="4962863"/>
             <a:ext cx="7021" cy="613529"/>
           </a:xfrm>
           <a:prstGeom prst="straightConnector1">
@@ -9434,7 +9342,7 @@
         </p:nvCxnSpPr>
         <p:spPr>
           <a:xfrm>
-            <a:off x="5381017" y="4947072"/>
+            <a:off x="5732246" y="4947072"/>
             <a:ext cx="629" cy="622874"/>
           </a:xfrm>
           <a:prstGeom prst="straightConnector1">
@@ -9474,7 +9382,7 @@
         </p:nvSpPr>
         <p:spPr>
           <a:xfrm>
-            <a:off x="4302174" y="5337057"/>
+            <a:off x="4653403" y="5337057"/>
             <a:ext cx="341760" cy="261610"/>
           </a:xfrm>
           <a:prstGeom prst="rect">
@@ -9546,6 +9454,328 @@
           </a:extLst>
         </p:spPr>
       </p:pic>
+      <p:sp>
+        <p:nvSpPr>
+          <p:cNvPr id="14" name="Rectangle 13">
+            <a:extLst>
+              <a:ext uri="{FF2B5EF4-FFF2-40B4-BE49-F238E27FC236}">
+                <a16:creationId xmlns:a16="http://schemas.microsoft.com/office/drawing/2014/main" id="{EB06F6DC-A7FC-1E38-3246-C7B5BCB60296}"/>
+              </a:ext>
+            </a:extLst>
+          </p:cNvPr>
+          <p:cNvSpPr/>
+          <p:nvPr/>
+        </p:nvSpPr>
+        <p:spPr>
+          <a:xfrm>
+            <a:off x="3995587" y="3385859"/>
+            <a:ext cx="730170" cy="351196"/>
+          </a:xfrm>
+          <a:prstGeom prst="rect">
+            <a:avLst/>
+          </a:prstGeom>
+          <a:solidFill>
+            <a:schemeClr val="accent4">
+              <a:lumMod val="60000"/>
+              <a:lumOff val="40000"/>
+              <a:alpha val="97647"/>
+            </a:schemeClr>
+          </a:solidFill>
+          <a:ln>
+            <a:solidFill>
+              <a:schemeClr val="accent4">
+                <a:lumMod val="75000"/>
+              </a:schemeClr>
+            </a:solidFill>
+          </a:ln>
+        </p:spPr>
+        <p:style>
+          <a:lnRef idx="2">
+            <a:schemeClr val="accent1">
+              <a:shade val="50000"/>
+            </a:schemeClr>
+          </a:lnRef>
+          <a:fillRef idx="1">
+            <a:schemeClr val="accent1"/>
+          </a:fillRef>
+          <a:effectRef idx="0">
+            <a:schemeClr val="accent1"/>
+          </a:effectRef>
+          <a:fontRef idx="minor">
+            <a:schemeClr val="lt1"/>
+          </a:fontRef>
+        </p:style>
+        <p:txBody>
+          <a:bodyPr rtlCol="0" anchor="ctr"/>
+          <a:lstStyle/>
+          <a:p>
+            <a:pPr algn="ctr"/>
+            <a:r>
+              <a:rPr lang="en-US" sz="933" dirty="0">
+                <a:solidFill>
+                  <a:schemeClr val="tx1"/>
+                </a:solidFill>
+                <a:latin typeface="Arial" panose="020B0604020202020204" pitchFamily="34" charset="0"/>
+                <a:ea typeface="Menlo" panose="020B0609030804020204" pitchFamily="49" charset="0"/>
+                <a:cs typeface="Arial" panose="020B0604020202020204" pitchFamily="34" charset="0"/>
+              </a:rPr>
+              <a:t>ZAAS</a:t>
+            </a:r>
+          </a:p>
+        </p:txBody>
+      </p:sp>
+      <p:cxnSp>
+        <p:nvCxnSpPr>
+          <p:cNvPr id="15" name="Straight Arrow Connector 14">
+            <a:extLst>
+              <a:ext uri="{FF2B5EF4-FFF2-40B4-BE49-F238E27FC236}">
+                <a16:creationId xmlns:a16="http://schemas.microsoft.com/office/drawing/2014/main" id="{DF1A0CA4-6D75-71D6-23B7-508B8493FE57}"/>
+              </a:ext>
+            </a:extLst>
+          </p:cNvPr>
+          <p:cNvCxnSpPr>
+            <a:cxnSpLocks/>
+          </p:cNvCxnSpPr>
+          <p:nvPr/>
+        </p:nvCxnSpPr>
+        <p:spPr>
+          <a:xfrm>
+            <a:off x="4573620" y="3064938"/>
+            <a:ext cx="8982" cy="310677"/>
+          </a:xfrm>
+          <a:prstGeom prst="straightConnector1">
+            <a:avLst/>
+          </a:prstGeom>
+          <a:ln>
+            <a:headEnd type="triangle"/>
+            <a:tailEnd type="triangle"/>
+          </a:ln>
+        </p:spPr>
+        <p:style>
+          <a:lnRef idx="1">
+            <a:schemeClr val="accent1"/>
+          </a:lnRef>
+          <a:fillRef idx="0">
+            <a:schemeClr val="accent1"/>
+          </a:fillRef>
+          <a:effectRef idx="0">
+            <a:schemeClr val="accent1"/>
+          </a:effectRef>
+          <a:fontRef idx="minor">
+            <a:schemeClr val="tx1"/>
+          </a:fontRef>
+        </p:style>
+      </p:cxnSp>
+      <p:sp>
+        <p:nvSpPr>
+          <p:cNvPr id="17" name="TextBox 16">
+            <a:extLst>
+              <a:ext uri="{FF2B5EF4-FFF2-40B4-BE49-F238E27FC236}">
+                <a16:creationId xmlns:a16="http://schemas.microsoft.com/office/drawing/2014/main" id="{9BD7ECED-2D29-36C1-6D97-5C525C7473CB}"/>
+              </a:ext>
+            </a:extLst>
+          </p:cNvPr>
+          <p:cNvSpPr txBox="1"/>
+          <p:nvPr/>
+        </p:nvSpPr>
+        <p:spPr>
+          <a:xfrm>
+            <a:off x="4128498" y="3124587"/>
+            <a:ext cx="498855" cy="261610"/>
+          </a:xfrm>
+          <a:prstGeom prst="rect">
+            <a:avLst/>
+          </a:prstGeom>
+          <a:noFill/>
+        </p:spPr>
+        <p:txBody>
+          <a:bodyPr wrap="none" rtlCol="0">
+            <a:spAutoFit/>
+          </a:bodyPr>
+          <a:lstStyle/>
+          <a:p>
+            <a:r>
+              <a:rPr lang="en-US" sz="1100" dirty="0">
+                <a:latin typeface="Arial" panose="020B0604020202020204" pitchFamily="34" charset="0"/>
+                <a:ea typeface="Menlo" panose="020B0609030804020204" pitchFamily="49" charset="0"/>
+                <a:cs typeface="Arial" panose="020B0604020202020204" pitchFamily="34" charset="0"/>
+              </a:rPr>
+              <a:t>7558</a:t>
+            </a:r>
+          </a:p>
+        </p:txBody>
+      </p:sp>
+      <p:cxnSp>
+        <p:nvCxnSpPr>
+          <p:cNvPr id="36" name="Straight Arrow Connector 35">
+            <a:extLst>
+              <a:ext uri="{FF2B5EF4-FFF2-40B4-BE49-F238E27FC236}">
+                <a16:creationId xmlns:a16="http://schemas.microsoft.com/office/drawing/2014/main" id="{3E01B923-5CDE-1578-B53D-1225BD892883}"/>
+              </a:ext>
+            </a:extLst>
+          </p:cNvPr>
+          <p:cNvCxnSpPr>
+            <a:cxnSpLocks/>
+          </p:cNvCxnSpPr>
+          <p:nvPr/>
+        </p:nvCxnSpPr>
+        <p:spPr>
+          <a:xfrm flipH="1">
+            <a:off x="2370471" y="4840700"/>
+            <a:ext cx="2256882" cy="0"/>
+          </a:xfrm>
+          <a:prstGeom prst="straightConnector1">
+            <a:avLst/>
+          </a:prstGeom>
+          <a:ln>
+            <a:solidFill>
+              <a:schemeClr val="accent1">
+                <a:alpha val="67000"/>
+              </a:schemeClr>
+            </a:solidFill>
+            <a:prstDash val="dash"/>
+            <a:headEnd type="triangle"/>
+            <a:tailEnd type="triangle"/>
+          </a:ln>
+        </p:spPr>
+        <p:style>
+          <a:lnRef idx="1">
+            <a:schemeClr val="accent1"/>
+          </a:lnRef>
+          <a:fillRef idx="0">
+            <a:schemeClr val="accent1"/>
+          </a:fillRef>
+          <a:effectRef idx="0">
+            <a:schemeClr val="accent1"/>
+          </a:effectRef>
+          <a:fontRef idx="minor">
+            <a:schemeClr val="tx1"/>
+          </a:fontRef>
+        </p:style>
+      </p:cxnSp>
+      <p:cxnSp>
+        <p:nvCxnSpPr>
+          <p:cNvPr id="40" name="Straight Arrow Connector 39">
+            <a:extLst>
+              <a:ext uri="{FF2B5EF4-FFF2-40B4-BE49-F238E27FC236}">
+                <a16:creationId xmlns:a16="http://schemas.microsoft.com/office/drawing/2014/main" id="{595AAF6B-2256-91A0-80B1-581470A49484}"/>
+              </a:ext>
+            </a:extLst>
+          </p:cNvPr>
+          <p:cNvCxnSpPr>
+            <a:cxnSpLocks/>
+          </p:cNvCxnSpPr>
+          <p:nvPr/>
+        </p:nvCxnSpPr>
+        <p:spPr>
+          <a:xfrm flipH="1">
+            <a:off x="1324067" y="3058923"/>
+            <a:ext cx="13853" cy="1550380"/>
+          </a:xfrm>
+          <a:prstGeom prst="straightConnector1">
+            <a:avLst/>
+          </a:prstGeom>
+          <a:ln>
+            <a:headEnd type="triangle"/>
+            <a:tailEnd type="triangle"/>
+          </a:ln>
+        </p:spPr>
+        <p:style>
+          <a:lnRef idx="1">
+            <a:schemeClr val="accent1"/>
+          </a:lnRef>
+          <a:fillRef idx="0">
+            <a:schemeClr val="accent1"/>
+          </a:fillRef>
+          <a:effectRef idx="0">
+            <a:schemeClr val="accent1"/>
+          </a:effectRef>
+          <a:fontRef idx="minor">
+            <a:schemeClr val="tx1"/>
+          </a:fontRef>
+        </p:style>
+      </p:cxnSp>
+      <p:sp>
+        <p:nvSpPr>
+          <p:cNvPr id="45" name="TextBox 44">
+            <a:extLst>
+              <a:ext uri="{FF2B5EF4-FFF2-40B4-BE49-F238E27FC236}">
+                <a16:creationId xmlns:a16="http://schemas.microsoft.com/office/drawing/2014/main" id="{C3C4E839-812B-49FE-40F0-3286BDBEFCDD}"/>
+              </a:ext>
+            </a:extLst>
+          </p:cNvPr>
+          <p:cNvSpPr txBox="1"/>
+          <p:nvPr/>
+        </p:nvSpPr>
+        <p:spPr>
+          <a:xfrm>
+            <a:off x="1333648" y="4318877"/>
+            <a:ext cx="498855" cy="261610"/>
+          </a:xfrm>
+          <a:prstGeom prst="rect">
+            <a:avLst/>
+          </a:prstGeom>
+          <a:noFill/>
+        </p:spPr>
+        <p:txBody>
+          <a:bodyPr wrap="none" rtlCol="0">
+            <a:spAutoFit/>
+          </a:bodyPr>
+          <a:lstStyle/>
+          <a:p>
+            <a:r>
+              <a:rPr lang="en-US" sz="1100" dirty="0">
+                <a:latin typeface="Arial" panose="020B0604020202020204" pitchFamily="34" charset="0"/>
+                <a:ea typeface="Menlo" panose="020B0609030804020204" pitchFamily="49" charset="0"/>
+                <a:cs typeface="Arial" panose="020B0604020202020204" pitchFamily="34" charset="0"/>
+              </a:rPr>
+              <a:t>7557</a:t>
+            </a:r>
+          </a:p>
+        </p:txBody>
+      </p:sp>
+      <p:sp>
+        <p:nvSpPr>
+          <p:cNvPr id="55" name="TextBox 54">
+            <a:extLst>
+              <a:ext uri="{FF2B5EF4-FFF2-40B4-BE49-F238E27FC236}">
+                <a16:creationId xmlns:a16="http://schemas.microsoft.com/office/drawing/2014/main" id="{49FF7B9E-9999-EF4F-787C-B3E4560E0B8D}"/>
+              </a:ext>
+            </a:extLst>
+          </p:cNvPr>
+          <p:cNvSpPr txBox="1"/>
+          <p:nvPr/>
+        </p:nvSpPr>
+        <p:spPr>
+          <a:xfrm>
+            <a:off x="2813415" y="4853601"/>
+            <a:ext cx="1370888" cy="215444"/>
+          </a:xfrm>
+          <a:prstGeom prst="rect">
+            <a:avLst/>
+          </a:prstGeom>
+          <a:noFill/>
+        </p:spPr>
+        <p:txBody>
+          <a:bodyPr wrap="none" rtlCol="0">
+            <a:spAutoFit/>
+          </a:bodyPr>
+          <a:lstStyle/>
+          <a:p>
+            <a:r>
+              <a:rPr lang="en-US" sz="800" dirty="0">
+                <a:solidFill>
+                  <a:srgbClr val="646565"/>
+                </a:solidFill>
+                <a:latin typeface="Arial" panose="020B0604020202020204" pitchFamily="34" charset="0"/>
+                <a:ea typeface="Menlo" panose="020B0609030804020204" pitchFamily="49" charset="0"/>
+                <a:cs typeface="Arial" panose="020B0604020202020204" pitchFamily="34" charset="0"/>
+              </a:rPr>
+              <a:t>(If API Gateway Disabled)</a:t>
+            </a:r>
+          </a:p>
+        </p:txBody>
+      </p:sp>
     </p:spTree>
     <p:extLst>
       <p:ext uri="{BB962C8B-B14F-4D97-AF65-F5344CB8AC3E}">
@@ -9590,58 +9820,6 @@
       </p:grpSpPr>
       <p:sp>
         <p:nvSpPr>
-          <p:cNvPr id="3" name="Rectangle 2">
-            <a:extLst>
-              <a:ext uri="{FF2B5EF4-FFF2-40B4-BE49-F238E27FC236}">
-                <a16:creationId xmlns:a16="http://schemas.microsoft.com/office/drawing/2014/main" id="{46662261-FAD2-65EA-76B9-53388AA8CACB}"/>
-              </a:ext>
-            </a:extLst>
-          </p:cNvPr>
-          <p:cNvSpPr/>
-          <p:nvPr/>
-        </p:nvSpPr>
-        <p:spPr>
-          <a:xfrm>
-            <a:off x="0" y="0"/>
-            <a:ext cx="12192000" cy="6858000"/>
-          </a:xfrm>
-          <a:prstGeom prst="rect">
-            <a:avLst/>
-          </a:prstGeom>
-          <a:solidFill>
-            <a:schemeClr val="bg1"/>
-          </a:solidFill>
-          <a:ln>
-            <a:noFill/>
-          </a:ln>
-        </p:spPr>
-        <p:style>
-          <a:lnRef idx="2">
-            <a:schemeClr val="accent1">
-              <a:shade val="15000"/>
-            </a:schemeClr>
-          </a:lnRef>
-          <a:fillRef idx="1">
-            <a:schemeClr val="accent1"/>
-          </a:fillRef>
-          <a:effectRef idx="0">
-            <a:schemeClr val="accent1"/>
-          </a:effectRef>
-          <a:fontRef idx="minor">
-            <a:schemeClr val="lt1"/>
-          </a:fontRef>
-        </p:style>
-        <p:txBody>
-          <a:bodyPr rtlCol="0" anchor="ctr"/>
-          <a:lstStyle/>
-          <a:p>
-            <a:pPr algn="ctr"/>
-            <a:endParaRPr lang="en-US"/>
-          </a:p>
-        </p:txBody>
-      </p:sp>
-      <p:sp>
-        <p:nvSpPr>
           <p:cNvPr id="117" name="Rectangle 116">
             <a:extLst>
               <a:ext uri="{FF2B5EF4-FFF2-40B4-BE49-F238E27FC236}">
@@ -10306,12 +10484,93 @@
           </a:p>
         </p:txBody>
       </p:sp>
-      <p:sp>
-        <p:nvSpPr>
-          <p:cNvPr id="29" name="Rectangle 28">
-            <a:extLst>
-              <a:ext uri="{FF2B5EF4-FFF2-40B4-BE49-F238E27FC236}">
-                <a16:creationId xmlns:a16="http://schemas.microsoft.com/office/drawing/2014/main" id="{8AF582D8-88EE-2542-99A4-79D337267C65}"/>
+      <p:cxnSp>
+        <p:nvCxnSpPr>
+          <p:cNvPr id="46" name="Straight Arrow Connector 45">
+            <a:extLst>
+              <a:ext uri="{FF2B5EF4-FFF2-40B4-BE49-F238E27FC236}">
+                <a16:creationId xmlns:a16="http://schemas.microsoft.com/office/drawing/2014/main" id="{021AF651-50B6-6746-B692-A167727F149A}"/>
+              </a:ext>
+            </a:extLst>
+          </p:cNvPr>
+          <p:cNvCxnSpPr>
+            <a:cxnSpLocks/>
+          </p:cNvCxnSpPr>
+          <p:nvPr/>
+        </p:nvCxnSpPr>
+        <p:spPr>
+          <a:xfrm>
+            <a:off x="4556191" y="1699591"/>
+            <a:ext cx="0" cy="759483"/>
+          </a:xfrm>
+          <a:prstGeom prst="straightConnector1">
+            <a:avLst/>
+          </a:prstGeom>
+          <a:ln>
+            <a:headEnd type="triangle"/>
+            <a:tailEnd type="triangle"/>
+          </a:ln>
+        </p:spPr>
+        <p:style>
+          <a:lnRef idx="1">
+            <a:schemeClr val="accent1"/>
+          </a:lnRef>
+          <a:fillRef idx="0">
+            <a:schemeClr val="accent1"/>
+          </a:fillRef>
+          <a:effectRef idx="0">
+            <a:schemeClr val="accent1"/>
+          </a:effectRef>
+          <a:fontRef idx="minor">
+            <a:schemeClr val="tx1"/>
+          </a:fontRef>
+        </p:style>
+      </p:cxnSp>
+      <p:sp>
+        <p:nvSpPr>
+          <p:cNvPr id="48" name="TextBox 47">
+            <a:extLst>
+              <a:ext uri="{FF2B5EF4-FFF2-40B4-BE49-F238E27FC236}">
+                <a16:creationId xmlns:a16="http://schemas.microsoft.com/office/drawing/2014/main" id="{41691BFB-2D24-0547-A69D-0918666B0AB3}"/>
+              </a:ext>
+            </a:extLst>
+          </p:cNvPr>
+          <p:cNvSpPr txBox="1"/>
+          <p:nvPr/>
+        </p:nvSpPr>
+        <p:spPr>
+          <a:xfrm>
+            <a:off x="5152646" y="2112860"/>
+            <a:ext cx="498855" cy="261610"/>
+          </a:xfrm>
+          <a:prstGeom prst="rect">
+            <a:avLst/>
+          </a:prstGeom>
+          <a:noFill/>
+        </p:spPr>
+        <p:txBody>
+          <a:bodyPr wrap="none" rtlCol="0">
+            <a:spAutoFit/>
+          </a:bodyPr>
+          <a:lstStyle/>
+          <a:p>
+            <a:r>
+              <a:rPr lang="en-US" sz="1100">
+                <a:latin typeface="Arial" panose="020B0604020202020204" pitchFamily="34" charset="0"/>
+                <a:ea typeface="Menlo" panose="020B0609030804020204" pitchFamily="49" charset="0"/>
+                <a:cs typeface="Arial" panose="020B0604020202020204" pitchFamily="34" charset="0"/>
+              </a:rPr>
+              <a:t>7554</a:t>
+            </a:r>
+          </a:p>
+        </p:txBody>
+      </p:sp>
+      <p:sp>
+        <p:nvSpPr>
+          <p:cNvPr id="74" name="Rectangle 73">
+            <a:extLst>
+              <a:ext uri="{FF2B5EF4-FFF2-40B4-BE49-F238E27FC236}">
+                <a16:creationId xmlns:a16="http://schemas.microsoft.com/office/drawing/2014/main" id="{E407C455-D8CE-5944-91A4-CE85F241ACE2}"/>
               </a:ext>
             </a:extLst>
           </p:cNvPr>
@@ -10320,7 +10579,3679 @@
         </p:nvSpPr>
         <p:spPr>
           <a:xfrm>
-            <a:off x="2019242" y="3383294"/>
+            <a:off x="7532227" y="5564435"/>
+            <a:ext cx="1571547" cy="302853"/>
+          </a:xfrm>
+          <a:prstGeom prst="rect">
+            <a:avLst/>
+          </a:prstGeom>
+          <a:pattFill prst="pct5">
+            <a:fgClr>
+              <a:schemeClr val="accent1"/>
+            </a:fgClr>
+            <a:bgClr>
+              <a:schemeClr val="bg1"/>
+            </a:bgClr>
+          </a:pattFill>
+        </p:spPr>
+        <p:style>
+          <a:lnRef idx="2">
+            <a:schemeClr val="accent1">
+              <a:shade val="50000"/>
+            </a:schemeClr>
+          </a:lnRef>
+          <a:fillRef idx="1">
+            <a:schemeClr val="accent1"/>
+          </a:fillRef>
+          <a:effectRef idx="0">
+            <a:schemeClr val="accent1"/>
+          </a:effectRef>
+          <a:fontRef idx="minor">
+            <a:schemeClr val="lt1"/>
+          </a:fontRef>
+        </p:style>
+        <p:txBody>
+          <a:bodyPr rtlCol="0" anchor="ctr"/>
+          <a:lstStyle/>
+          <a:p>
+            <a:pPr algn="ctr"/>
+            <a:r>
+              <a:rPr lang="en-US" sz="1000">
+                <a:solidFill>
+                  <a:schemeClr val="tx1"/>
+                </a:solidFill>
+                <a:latin typeface="Arial" panose="020B0604020202020204" pitchFamily="34" charset="0"/>
+                <a:ea typeface="Menlo" panose="020B0609030804020204" pitchFamily="49" charset="0"/>
+                <a:cs typeface="Arial" panose="020B0604020202020204" pitchFamily="34" charset="0"/>
+              </a:rPr>
+              <a:t>z/OSMF</a:t>
+            </a:r>
+          </a:p>
+        </p:txBody>
+      </p:sp>
+      <p:cxnSp>
+        <p:nvCxnSpPr>
+          <p:cNvPr id="47" name="Straight Arrow Connector 46">
+            <a:extLst>
+              <a:ext uri="{FF2B5EF4-FFF2-40B4-BE49-F238E27FC236}">
+                <a16:creationId xmlns:a16="http://schemas.microsoft.com/office/drawing/2014/main" id="{C21C7C1C-2A6C-8E40-8948-599036CFC2D3}"/>
+              </a:ext>
+            </a:extLst>
+          </p:cNvPr>
+          <p:cNvCxnSpPr>
+            <a:cxnSpLocks/>
+          </p:cNvCxnSpPr>
+          <p:nvPr/>
+        </p:nvCxnSpPr>
+        <p:spPr>
+          <a:xfrm>
+            <a:off x="7350162" y="1298470"/>
+            <a:ext cx="25451" cy="4291492"/>
+          </a:xfrm>
+          <a:prstGeom prst="straightConnector1">
+            <a:avLst/>
+          </a:prstGeom>
+          <a:ln>
+            <a:headEnd type="triangle"/>
+            <a:tailEnd type="triangle"/>
+          </a:ln>
+        </p:spPr>
+        <p:style>
+          <a:lnRef idx="1">
+            <a:schemeClr val="accent1"/>
+          </a:lnRef>
+          <a:fillRef idx="0">
+            <a:schemeClr val="accent1"/>
+          </a:fillRef>
+          <a:effectRef idx="0">
+            <a:schemeClr val="accent1"/>
+          </a:effectRef>
+          <a:fontRef idx="minor">
+            <a:schemeClr val="tx1"/>
+          </a:fontRef>
+        </p:style>
+      </p:cxnSp>
+      <p:sp>
+        <p:nvSpPr>
+          <p:cNvPr id="75" name="Rectangle 74">
+            <a:extLst>
+              <a:ext uri="{FF2B5EF4-FFF2-40B4-BE49-F238E27FC236}">
+                <a16:creationId xmlns:a16="http://schemas.microsoft.com/office/drawing/2014/main" id="{0888EDE4-E73F-5C40-9A6E-643A985DA5FA}"/>
+              </a:ext>
+            </a:extLst>
+          </p:cNvPr>
+          <p:cNvSpPr/>
+          <p:nvPr/>
+        </p:nvSpPr>
+        <p:spPr>
+          <a:xfrm>
+            <a:off x="7535447" y="5868541"/>
+            <a:ext cx="1568327" cy="769483"/>
+          </a:xfrm>
+          <a:prstGeom prst="rect">
+            <a:avLst/>
+          </a:prstGeom>
+          <a:pattFill prst="pct5">
+            <a:fgClr>
+              <a:schemeClr val="accent1"/>
+            </a:fgClr>
+            <a:bgClr>
+              <a:schemeClr val="bg1"/>
+            </a:bgClr>
+          </a:pattFill>
+        </p:spPr>
+        <p:style>
+          <a:lnRef idx="2">
+            <a:schemeClr val="accent1">
+              <a:shade val="50000"/>
+            </a:schemeClr>
+          </a:lnRef>
+          <a:fillRef idx="1">
+            <a:schemeClr val="accent1"/>
+          </a:fillRef>
+          <a:effectRef idx="0">
+            <a:schemeClr val="accent1"/>
+          </a:effectRef>
+          <a:fontRef idx="minor">
+            <a:schemeClr val="lt1"/>
+          </a:fontRef>
+        </p:style>
+        <p:txBody>
+          <a:bodyPr rtlCol="0" anchor="ctr"/>
+          <a:lstStyle/>
+          <a:p>
+            <a:pPr algn="ctr"/>
+            <a:r>
+              <a:rPr lang="en-US" sz="1000" b="1" dirty="0">
+                <a:solidFill>
+                  <a:schemeClr val="tx1"/>
+                </a:solidFill>
+                <a:latin typeface="Arial" panose="020B0604020202020204" pitchFamily="34" charset="0"/>
+                <a:ea typeface="Menlo" panose="020B0609030804020204" pitchFamily="49" charset="0"/>
+                <a:cs typeface="Arial" panose="020B0604020202020204" pitchFamily="34" charset="0"/>
+              </a:rPr>
+              <a:t>REST APIs</a:t>
+            </a:r>
+          </a:p>
+          <a:p>
+            <a:r>
+              <a:rPr lang="en-US" sz="1067" dirty="0">
+                <a:solidFill>
+                  <a:schemeClr val="tx1"/>
+                </a:solidFill>
+                <a:latin typeface="Arial" panose="020B0604020202020204" pitchFamily="34" charset="0"/>
+                <a:ea typeface="Menlo" panose="020B0609030804020204" pitchFamily="49" charset="0"/>
+                <a:cs typeface="Arial" panose="020B0604020202020204" pitchFamily="34" charset="0"/>
+              </a:rPr>
+              <a:t>Workflows</a:t>
+            </a:r>
+          </a:p>
+          <a:p>
+            <a:r>
+              <a:rPr lang="en-US" sz="1067" dirty="0">
+                <a:solidFill>
+                  <a:schemeClr val="tx1"/>
+                </a:solidFill>
+                <a:latin typeface="Arial" panose="020B0604020202020204" pitchFamily="34" charset="0"/>
+                <a:ea typeface="Menlo" panose="020B0609030804020204" pitchFamily="49" charset="0"/>
+                <a:cs typeface="Arial" panose="020B0604020202020204" pitchFamily="34" charset="0"/>
+              </a:rPr>
+              <a:t>TSO / MVS / Console</a:t>
+            </a:r>
+          </a:p>
+          <a:p>
+            <a:r>
+              <a:rPr lang="en-US" sz="1067" dirty="0">
+                <a:solidFill>
+                  <a:schemeClr val="tx1"/>
+                </a:solidFill>
+                <a:latin typeface="Arial" panose="020B0604020202020204" pitchFamily="34" charset="0"/>
+                <a:ea typeface="Menlo" panose="020B0609030804020204" pitchFamily="49" charset="0"/>
+                <a:cs typeface="Arial" panose="020B0604020202020204" pitchFamily="34" charset="0"/>
+              </a:rPr>
+              <a:t>Files, USS, JES</a:t>
+            </a:r>
+          </a:p>
+        </p:txBody>
+      </p:sp>
+      <p:sp>
+        <p:nvSpPr>
+          <p:cNvPr id="76" name="TextBox 75">
+            <a:extLst>
+              <a:ext uri="{FF2B5EF4-FFF2-40B4-BE49-F238E27FC236}">
+                <a16:creationId xmlns:a16="http://schemas.microsoft.com/office/drawing/2014/main" id="{9AFB5CBE-D9AB-1D46-89B6-FD697A720E44}"/>
+              </a:ext>
+            </a:extLst>
+          </p:cNvPr>
+          <p:cNvSpPr txBox="1"/>
+          <p:nvPr/>
+        </p:nvSpPr>
+        <p:spPr>
+          <a:xfrm>
+            <a:off x="7857313" y="5280594"/>
+            <a:ext cx="498855" cy="261610"/>
+          </a:xfrm>
+          <a:prstGeom prst="rect">
+            <a:avLst/>
+          </a:prstGeom>
+          <a:noFill/>
+        </p:spPr>
+        <p:txBody>
+          <a:bodyPr wrap="none" rtlCol="0">
+            <a:spAutoFit/>
+          </a:bodyPr>
+          <a:lstStyle/>
+          <a:p>
+            <a:r>
+              <a:rPr lang="en-US" sz="1100" dirty="0">
+                <a:latin typeface="Arial" panose="020B0604020202020204" pitchFamily="34" charset="0"/>
+                <a:ea typeface="Menlo" panose="020B0609030804020204" pitchFamily="49" charset="0"/>
+                <a:cs typeface="Arial" panose="020B0604020202020204" pitchFamily="34" charset="0"/>
+              </a:rPr>
+              <a:t>7443</a:t>
+            </a:r>
+          </a:p>
+        </p:txBody>
+      </p:sp>
+      <p:sp>
+        <p:nvSpPr>
+          <p:cNvPr id="79" name="Rectangle 78">
+            <a:extLst>
+              <a:ext uri="{FF2B5EF4-FFF2-40B4-BE49-F238E27FC236}">
+                <a16:creationId xmlns:a16="http://schemas.microsoft.com/office/drawing/2014/main" id="{FDCFCB80-CB2D-354F-9948-646AA711CD40}"/>
+              </a:ext>
+            </a:extLst>
+          </p:cNvPr>
+          <p:cNvSpPr/>
+          <p:nvPr/>
+        </p:nvSpPr>
+        <p:spPr>
+          <a:xfrm>
+            <a:off x="3042994" y="705538"/>
+            <a:ext cx="830876" cy="584635"/>
+          </a:xfrm>
+          <a:prstGeom prst="rect">
+            <a:avLst/>
+          </a:prstGeom>
+          <a:solidFill>
+            <a:schemeClr val="bg1"/>
+          </a:solidFill>
+          <a:ln>
+            <a:solidFill>
+              <a:srgbClr val="20708D"/>
+            </a:solidFill>
+          </a:ln>
+        </p:spPr>
+        <p:style>
+          <a:lnRef idx="1">
+            <a:schemeClr val="accent1"/>
+          </a:lnRef>
+          <a:fillRef idx="3">
+            <a:schemeClr val="accent1"/>
+          </a:fillRef>
+          <a:effectRef idx="2">
+            <a:schemeClr val="accent1"/>
+          </a:effectRef>
+          <a:fontRef idx="minor">
+            <a:schemeClr val="lt1"/>
+          </a:fontRef>
+        </p:style>
+        <p:txBody>
+          <a:bodyPr rtlCol="0" anchor="ctr"/>
+          <a:lstStyle/>
+          <a:p>
+            <a:pPr algn="ctr"/>
+            <a:endParaRPr lang="en-US" sz="533" b="1" dirty="0">
+              <a:solidFill>
+                <a:schemeClr val="bg2">
+                  <a:lumMod val="25000"/>
+                </a:schemeClr>
+              </a:solidFill>
+              <a:latin typeface="Arial" panose="020B0604020202020204" pitchFamily="34" charset="0"/>
+              <a:ea typeface="Menlo" panose="020B0609030804020204" pitchFamily="49" charset="0"/>
+              <a:cs typeface="Arial" panose="020B0604020202020204" pitchFamily="34" charset="0"/>
+            </a:endParaRPr>
+          </a:p>
+          <a:p>
+            <a:pPr algn="ctr"/>
+            <a:endParaRPr lang="en-US" sz="533" b="1" dirty="0">
+              <a:solidFill>
+                <a:schemeClr val="bg2">
+                  <a:lumMod val="25000"/>
+                </a:schemeClr>
+              </a:solidFill>
+              <a:latin typeface="Arial" panose="020B0604020202020204" pitchFamily="34" charset="0"/>
+              <a:ea typeface="Menlo" panose="020B0609030804020204" pitchFamily="49" charset="0"/>
+              <a:cs typeface="Arial" panose="020B0604020202020204" pitchFamily="34" charset="0"/>
+            </a:endParaRPr>
+          </a:p>
+          <a:p>
+            <a:pPr algn="ctr"/>
+            <a:endParaRPr lang="en-US" sz="533" b="1" dirty="0">
+              <a:solidFill>
+                <a:schemeClr val="bg2">
+                  <a:lumMod val="25000"/>
+                </a:schemeClr>
+              </a:solidFill>
+              <a:latin typeface="Arial" panose="020B0604020202020204" pitchFamily="34" charset="0"/>
+              <a:ea typeface="Menlo" panose="020B0609030804020204" pitchFamily="49" charset="0"/>
+              <a:cs typeface="Arial" panose="020B0604020202020204" pitchFamily="34" charset="0"/>
+            </a:endParaRPr>
+          </a:p>
+          <a:p>
+            <a:pPr algn="ctr"/>
+            <a:endParaRPr lang="en-US" sz="533" b="1" dirty="0">
+              <a:solidFill>
+                <a:schemeClr val="bg2">
+                  <a:lumMod val="25000"/>
+                </a:schemeClr>
+              </a:solidFill>
+              <a:latin typeface="Arial" panose="020B0604020202020204" pitchFamily="34" charset="0"/>
+              <a:ea typeface="Menlo" panose="020B0609030804020204" pitchFamily="49" charset="0"/>
+              <a:cs typeface="Arial" panose="020B0604020202020204" pitchFamily="34" charset="0"/>
+            </a:endParaRPr>
+          </a:p>
+          <a:p>
+            <a:pPr algn="ctr"/>
+            <a:endParaRPr lang="en-US" sz="533" b="1" dirty="0">
+              <a:solidFill>
+                <a:schemeClr val="bg2">
+                  <a:lumMod val="25000"/>
+                </a:schemeClr>
+              </a:solidFill>
+              <a:latin typeface="Arial" panose="020B0604020202020204" pitchFamily="34" charset="0"/>
+              <a:ea typeface="Menlo" panose="020B0609030804020204" pitchFamily="49" charset="0"/>
+              <a:cs typeface="Arial" panose="020B0604020202020204" pitchFamily="34" charset="0"/>
+            </a:endParaRPr>
+          </a:p>
+          <a:p>
+            <a:pPr algn="ctr"/>
+            <a:r>
+              <a:rPr lang="en-US" sz="533" b="1" dirty="0">
+                <a:solidFill>
+                  <a:schemeClr val="bg2">
+                    <a:lumMod val="25000"/>
+                  </a:schemeClr>
+                </a:solidFill>
+                <a:latin typeface="Arial" panose="020B0604020202020204" pitchFamily="34" charset="0"/>
+                <a:ea typeface="Menlo" panose="020B0609030804020204" pitchFamily="49" charset="0"/>
+                <a:cs typeface="Arial" panose="020B0604020202020204" pitchFamily="34" charset="0"/>
+              </a:rPr>
+              <a:t>JES Explorer</a:t>
+            </a:r>
+          </a:p>
+        </p:txBody>
+      </p:sp>
+      <p:pic>
+        <p:nvPicPr>
+          <p:cNvPr id="8" name="Picture 7">
+            <a:extLst>
+              <a:ext uri="{FF2B5EF4-FFF2-40B4-BE49-F238E27FC236}">
+                <a16:creationId xmlns:a16="http://schemas.microsoft.com/office/drawing/2014/main" id="{5E182968-48C7-A04A-B576-7DE13E28DF18}"/>
+              </a:ext>
+            </a:extLst>
+          </p:cNvPr>
+          <p:cNvPicPr>
+            <a:picLocks noChangeAspect="1"/>
+          </p:cNvPicPr>
+          <p:nvPr/>
+        </p:nvPicPr>
+        <p:blipFill>
+          <a:blip r:embed="rId3"/>
+          <a:stretch>
+            <a:fillRect/>
+          </a:stretch>
+        </p:blipFill>
+        <p:spPr>
+          <a:xfrm>
+            <a:off x="3205335" y="751616"/>
+            <a:ext cx="542319" cy="336716"/>
+          </a:xfrm>
+          <a:prstGeom prst="rect">
+            <a:avLst/>
+          </a:prstGeom>
+          <a:ln>
+            <a:solidFill>
+              <a:schemeClr val="bg1">
+                <a:lumMod val="85000"/>
+              </a:schemeClr>
+            </a:solidFill>
+          </a:ln>
+        </p:spPr>
+      </p:pic>
+      <p:sp>
+        <p:nvSpPr>
+          <p:cNvPr id="80" name="Rectangle 79">
+            <a:extLst>
+              <a:ext uri="{FF2B5EF4-FFF2-40B4-BE49-F238E27FC236}">
+                <a16:creationId xmlns:a16="http://schemas.microsoft.com/office/drawing/2014/main" id="{91600B3F-5883-A745-B9E9-287709B4FA06}"/>
+              </a:ext>
+            </a:extLst>
+          </p:cNvPr>
+          <p:cNvSpPr/>
+          <p:nvPr/>
+        </p:nvSpPr>
+        <p:spPr>
+          <a:xfrm>
+            <a:off x="3959995" y="705538"/>
+            <a:ext cx="830876" cy="584635"/>
+          </a:xfrm>
+          <a:prstGeom prst="rect">
+            <a:avLst/>
+          </a:prstGeom>
+          <a:solidFill>
+            <a:schemeClr val="bg1"/>
+          </a:solidFill>
+          <a:ln>
+            <a:solidFill>
+              <a:srgbClr val="20708D"/>
+            </a:solidFill>
+          </a:ln>
+        </p:spPr>
+        <p:style>
+          <a:lnRef idx="1">
+            <a:schemeClr val="accent1"/>
+          </a:lnRef>
+          <a:fillRef idx="3">
+            <a:schemeClr val="accent1"/>
+          </a:fillRef>
+          <a:effectRef idx="2">
+            <a:schemeClr val="accent1"/>
+          </a:effectRef>
+          <a:fontRef idx="minor">
+            <a:schemeClr val="lt1"/>
+          </a:fontRef>
+        </p:style>
+        <p:txBody>
+          <a:bodyPr rtlCol="0" anchor="ctr"/>
+          <a:lstStyle/>
+          <a:p>
+            <a:pPr algn="ctr"/>
+            <a:endParaRPr lang="en-US" sz="533" b="1" dirty="0">
+              <a:solidFill>
+                <a:schemeClr val="bg2">
+                  <a:lumMod val="25000"/>
+                </a:schemeClr>
+              </a:solidFill>
+              <a:latin typeface="Arial" panose="020B0604020202020204" pitchFamily="34" charset="0"/>
+              <a:ea typeface="Menlo" panose="020B0609030804020204" pitchFamily="49" charset="0"/>
+              <a:cs typeface="Arial" panose="020B0604020202020204" pitchFamily="34" charset="0"/>
+            </a:endParaRPr>
+          </a:p>
+          <a:p>
+            <a:pPr algn="ctr"/>
+            <a:endParaRPr lang="en-US" sz="533" b="1" dirty="0">
+              <a:solidFill>
+                <a:schemeClr val="bg2">
+                  <a:lumMod val="25000"/>
+                </a:schemeClr>
+              </a:solidFill>
+              <a:latin typeface="Arial" panose="020B0604020202020204" pitchFamily="34" charset="0"/>
+              <a:ea typeface="Menlo" panose="020B0609030804020204" pitchFamily="49" charset="0"/>
+              <a:cs typeface="Arial" panose="020B0604020202020204" pitchFamily="34" charset="0"/>
+            </a:endParaRPr>
+          </a:p>
+          <a:p>
+            <a:pPr algn="ctr"/>
+            <a:endParaRPr lang="en-US" sz="533" b="1" dirty="0">
+              <a:solidFill>
+                <a:schemeClr val="bg2">
+                  <a:lumMod val="25000"/>
+                </a:schemeClr>
+              </a:solidFill>
+              <a:latin typeface="Arial" panose="020B0604020202020204" pitchFamily="34" charset="0"/>
+              <a:ea typeface="Menlo" panose="020B0609030804020204" pitchFamily="49" charset="0"/>
+              <a:cs typeface="Arial" panose="020B0604020202020204" pitchFamily="34" charset="0"/>
+            </a:endParaRPr>
+          </a:p>
+          <a:p>
+            <a:pPr algn="ctr"/>
+            <a:endParaRPr lang="en-US" sz="533" b="1" dirty="0">
+              <a:solidFill>
+                <a:schemeClr val="bg2">
+                  <a:lumMod val="25000"/>
+                </a:schemeClr>
+              </a:solidFill>
+              <a:latin typeface="Arial" panose="020B0604020202020204" pitchFamily="34" charset="0"/>
+              <a:ea typeface="Menlo" panose="020B0609030804020204" pitchFamily="49" charset="0"/>
+              <a:cs typeface="Arial" panose="020B0604020202020204" pitchFamily="34" charset="0"/>
+            </a:endParaRPr>
+          </a:p>
+          <a:p>
+            <a:pPr algn="ctr"/>
+            <a:endParaRPr lang="en-US" sz="533" b="1" dirty="0">
+              <a:solidFill>
+                <a:schemeClr val="bg2">
+                  <a:lumMod val="25000"/>
+                </a:schemeClr>
+              </a:solidFill>
+              <a:latin typeface="Arial" panose="020B0604020202020204" pitchFamily="34" charset="0"/>
+              <a:ea typeface="Menlo" panose="020B0609030804020204" pitchFamily="49" charset="0"/>
+              <a:cs typeface="Arial" panose="020B0604020202020204" pitchFamily="34" charset="0"/>
+            </a:endParaRPr>
+          </a:p>
+          <a:p>
+            <a:pPr algn="ctr"/>
+            <a:r>
+              <a:rPr lang="en-US" sz="533" b="1" dirty="0">
+                <a:solidFill>
+                  <a:schemeClr val="bg2">
+                    <a:lumMod val="25000"/>
+                  </a:schemeClr>
+                </a:solidFill>
+                <a:latin typeface="Arial" panose="020B0604020202020204" pitchFamily="34" charset="0"/>
+                <a:ea typeface="Menlo" panose="020B0609030804020204" pitchFamily="49" charset="0"/>
+                <a:cs typeface="Arial" panose="020B0604020202020204" pitchFamily="34" charset="0"/>
+              </a:rPr>
+              <a:t>IP Explorer</a:t>
+            </a:r>
+          </a:p>
+        </p:txBody>
+      </p:sp>
+      <p:pic>
+        <p:nvPicPr>
+          <p:cNvPr id="10" name="Picture 9">
+            <a:extLst>
+              <a:ext uri="{FF2B5EF4-FFF2-40B4-BE49-F238E27FC236}">
+                <a16:creationId xmlns:a16="http://schemas.microsoft.com/office/drawing/2014/main" id="{69422BFB-BF0E-E84E-AF4C-A30A2439E5F0}"/>
+              </a:ext>
+            </a:extLst>
+          </p:cNvPr>
+          <p:cNvPicPr>
+            <a:picLocks noChangeAspect="1"/>
+          </p:cNvPicPr>
+          <p:nvPr/>
+        </p:nvPicPr>
+        <p:blipFill>
+          <a:blip r:embed="rId4"/>
+          <a:stretch>
+            <a:fillRect/>
+          </a:stretch>
+        </p:blipFill>
+        <p:spPr>
+          <a:xfrm>
+            <a:off x="4155551" y="751616"/>
+            <a:ext cx="492671" cy="325693"/>
+          </a:xfrm>
+          <a:prstGeom prst="rect">
+            <a:avLst/>
+          </a:prstGeom>
+          <a:ln>
+            <a:solidFill>
+              <a:schemeClr val="bg1">
+                <a:lumMod val="85000"/>
+              </a:schemeClr>
+            </a:solidFill>
+          </a:ln>
+        </p:spPr>
+      </p:pic>
+      <p:sp>
+        <p:nvSpPr>
+          <p:cNvPr id="82" name="Rectangle 81">
+            <a:extLst>
+              <a:ext uri="{FF2B5EF4-FFF2-40B4-BE49-F238E27FC236}">
+                <a16:creationId xmlns:a16="http://schemas.microsoft.com/office/drawing/2014/main" id="{F8E8A60B-1AFE-9A49-AE07-175E906C67AA}"/>
+              </a:ext>
+            </a:extLst>
+          </p:cNvPr>
+          <p:cNvSpPr/>
+          <p:nvPr/>
+        </p:nvSpPr>
+        <p:spPr>
+          <a:xfrm>
+            <a:off x="2147891" y="705538"/>
+            <a:ext cx="830876" cy="584635"/>
+          </a:xfrm>
+          <a:prstGeom prst="rect">
+            <a:avLst/>
+          </a:prstGeom>
+          <a:solidFill>
+            <a:schemeClr val="bg1"/>
+          </a:solidFill>
+          <a:ln>
+            <a:solidFill>
+              <a:srgbClr val="20708D"/>
+            </a:solidFill>
+          </a:ln>
+        </p:spPr>
+        <p:style>
+          <a:lnRef idx="1">
+            <a:schemeClr val="accent1"/>
+          </a:lnRef>
+          <a:fillRef idx="3">
+            <a:schemeClr val="accent1"/>
+          </a:fillRef>
+          <a:effectRef idx="2">
+            <a:schemeClr val="accent1"/>
+          </a:effectRef>
+          <a:fontRef idx="minor">
+            <a:schemeClr val="lt1"/>
+          </a:fontRef>
+        </p:style>
+        <p:txBody>
+          <a:bodyPr rtlCol="0" anchor="ctr"/>
+          <a:lstStyle/>
+          <a:p>
+            <a:pPr algn="ctr"/>
+            <a:endParaRPr lang="en-US" sz="533" b="1" dirty="0">
+              <a:solidFill>
+                <a:schemeClr val="bg2">
+                  <a:lumMod val="25000"/>
+                </a:schemeClr>
+              </a:solidFill>
+              <a:latin typeface="Arial" panose="020B0604020202020204" pitchFamily="34" charset="0"/>
+              <a:ea typeface="Menlo" panose="020B0609030804020204" pitchFamily="49" charset="0"/>
+              <a:cs typeface="Arial" panose="020B0604020202020204" pitchFamily="34" charset="0"/>
+            </a:endParaRPr>
+          </a:p>
+          <a:p>
+            <a:pPr algn="ctr"/>
+            <a:endParaRPr lang="en-US" sz="533" b="1" dirty="0">
+              <a:solidFill>
+                <a:schemeClr val="bg2">
+                  <a:lumMod val="25000"/>
+                </a:schemeClr>
+              </a:solidFill>
+              <a:latin typeface="Arial" panose="020B0604020202020204" pitchFamily="34" charset="0"/>
+              <a:ea typeface="Menlo" panose="020B0609030804020204" pitchFamily="49" charset="0"/>
+              <a:cs typeface="Arial" panose="020B0604020202020204" pitchFamily="34" charset="0"/>
+            </a:endParaRPr>
+          </a:p>
+          <a:p>
+            <a:pPr algn="ctr"/>
+            <a:endParaRPr lang="en-US" sz="533" b="1" dirty="0">
+              <a:solidFill>
+                <a:schemeClr val="bg2">
+                  <a:lumMod val="25000"/>
+                </a:schemeClr>
+              </a:solidFill>
+              <a:latin typeface="Arial" panose="020B0604020202020204" pitchFamily="34" charset="0"/>
+              <a:ea typeface="Menlo" panose="020B0609030804020204" pitchFamily="49" charset="0"/>
+              <a:cs typeface="Arial" panose="020B0604020202020204" pitchFamily="34" charset="0"/>
+            </a:endParaRPr>
+          </a:p>
+          <a:p>
+            <a:pPr algn="ctr"/>
+            <a:endParaRPr lang="en-US" sz="533" b="1" dirty="0">
+              <a:solidFill>
+                <a:schemeClr val="bg2">
+                  <a:lumMod val="25000"/>
+                </a:schemeClr>
+              </a:solidFill>
+              <a:latin typeface="Arial" panose="020B0604020202020204" pitchFamily="34" charset="0"/>
+              <a:ea typeface="Menlo" panose="020B0609030804020204" pitchFamily="49" charset="0"/>
+              <a:cs typeface="Arial" panose="020B0604020202020204" pitchFamily="34" charset="0"/>
+            </a:endParaRPr>
+          </a:p>
+          <a:p>
+            <a:pPr algn="ctr"/>
+            <a:endParaRPr lang="en-US" sz="533" b="1" dirty="0">
+              <a:solidFill>
+                <a:schemeClr val="bg2">
+                  <a:lumMod val="25000"/>
+                </a:schemeClr>
+              </a:solidFill>
+              <a:latin typeface="Arial" panose="020B0604020202020204" pitchFamily="34" charset="0"/>
+              <a:ea typeface="Menlo" panose="020B0609030804020204" pitchFamily="49" charset="0"/>
+              <a:cs typeface="Arial" panose="020B0604020202020204" pitchFamily="34" charset="0"/>
+            </a:endParaRPr>
+          </a:p>
+          <a:p>
+            <a:pPr algn="ctr"/>
+            <a:r>
+              <a:rPr lang="en-US" sz="533" b="1" dirty="0">
+                <a:solidFill>
+                  <a:schemeClr val="bg2">
+                    <a:lumMod val="25000"/>
+                  </a:schemeClr>
+                </a:solidFill>
+                <a:latin typeface="Arial" panose="020B0604020202020204" pitchFamily="34" charset="0"/>
+                <a:ea typeface="Menlo" panose="020B0609030804020204" pitchFamily="49" charset="0"/>
+                <a:cs typeface="Arial" panose="020B0604020202020204" pitchFamily="34" charset="0"/>
+              </a:rPr>
+              <a:t>3270 Terminal</a:t>
+            </a:r>
+          </a:p>
+        </p:txBody>
+      </p:sp>
+      <p:pic>
+        <p:nvPicPr>
+          <p:cNvPr id="11" name="Picture 10">
+            <a:extLst>
+              <a:ext uri="{FF2B5EF4-FFF2-40B4-BE49-F238E27FC236}">
+                <a16:creationId xmlns:a16="http://schemas.microsoft.com/office/drawing/2014/main" id="{B465B054-0C62-9E41-B891-1D24A71FAFFE}"/>
+              </a:ext>
+            </a:extLst>
+          </p:cNvPr>
+          <p:cNvPicPr>
+            <a:picLocks noChangeAspect="1"/>
+          </p:cNvPicPr>
+          <p:nvPr/>
+        </p:nvPicPr>
+        <p:blipFill>
+          <a:blip r:embed="rId5"/>
+          <a:stretch>
+            <a:fillRect/>
+          </a:stretch>
+        </p:blipFill>
+        <p:spPr>
+          <a:xfrm>
+            <a:off x="2357115" y="768907"/>
+            <a:ext cx="439324" cy="354399"/>
+          </a:xfrm>
+          <a:prstGeom prst="rect">
+            <a:avLst/>
+          </a:prstGeom>
+        </p:spPr>
+      </p:pic>
+      <p:sp>
+        <p:nvSpPr>
+          <p:cNvPr id="83" name="Rectangle 82">
+            <a:extLst>
+              <a:ext uri="{FF2B5EF4-FFF2-40B4-BE49-F238E27FC236}">
+                <a16:creationId xmlns:a16="http://schemas.microsoft.com/office/drawing/2014/main" id="{3F6404EA-A5F6-5344-9F02-1F63A7ED71F5}"/>
+              </a:ext>
+            </a:extLst>
+          </p:cNvPr>
+          <p:cNvSpPr/>
+          <p:nvPr/>
+        </p:nvSpPr>
+        <p:spPr>
+          <a:xfrm>
+            <a:off x="1230384" y="705538"/>
+            <a:ext cx="830876" cy="584635"/>
+          </a:xfrm>
+          <a:prstGeom prst="rect">
+            <a:avLst/>
+          </a:prstGeom>
+          <a:solidFill>
+            <a:schemeClr val="bg1"/>
+          </a:solidFill>
+          <a:ln>
+            <a:solidFill>
+              <a:srgbClr val="20708D"/>
+            </a:solidFill>
+          </a:ln>
+        </p:spPr>
+        <p:style>
+          <a:lnRef idx="1">
+            <a:schemeClr val="accent1"/>
+          </a:lnRef>
+          <a:fillRef idx="3">
+            <a:schemeClr val="accent1"/>
+          </a:fillRef>
+          <a:effectRef idx="2">
+            <a:schemeClr val="accent1"/>
+          </a:effectRef>
+          <a:fontRef idx="minor">
+            <a:schemeClr val="lt1"/>
+          </a:fontRef>
+        </p:style>
+        <p:txBody>
+          <a:bodyPr rtlCol="0" anchor="ctr"/>
+          <a:lstStyle/>
+          <a:p>
+            <a:pPr algn="ctr"/>
+            <a:endParaRPr lang="en-US" sz="533" b="1" dirty="0">
+              <a:solidFill>
+                <a:schemeClr val="bg2">
+                  <a:lumMod val="25000"/>
+                </a:schemeClr>
+              </a:solidFill>
+              <a:latin typeface="Arial" panose="020B0604020202020204" pitchFamily="34" charset="0"/>
+              <a:ea typeface="Menlo" panose="020B0609030804020204" pitchFamily="49" charset="0"/>
+              <a:cs typeface="Arial" panose="020B0604020202020204" pitchFamily="34" charset="0"/>
+            </a:endParaRPr>
+          </a:p>
+          <a:p>
+            <a:pPr algn="ctr"/>
+            <a:endParaRPr lang="en-US" sz="533" b="1" dirty="0">
+              <a:solidFill>
+                <a:schemeClr val="bg2">
+                  <a:lumMod val="25000"/>
+                </a:schemeClr>
+              </a:solidFill>
+              <a:latin typeface="Arial" panose="020B0604020202020204" pitchFamily="34" charset="0"/>
+              <a:ea typeface="Menlo" panose="020B0609030804020204" pitchFamily="49" charset="0"/>
+              <a:cs typeface="Arial" panose="020B0604020202020204" pitchFamily="34" charset="0"/>
+            </a:endParaRPr>
+          </a:p>
+          <a:p>
+            <a:pPr algn="ctr"/>
+            <a:endParaRPr lang="en-US" sz="533" b="1" dirty="0">
+              <a:solidFill>
+                <a:schemeClr val="bg2">
+                  <a:lumMod val="25000"/>
+                </a:schemeClr>
+              </a:solidFill>
+              <a:latin typeface="Arial" panose="020B0604020202020204" pitchFamily="34" charset="0"/>
+              <a:ea typeface="Menlo" panose="020B0609030804020204" pitchFamily="49" charset="0"/>
+              <a:cs typeface="Arial" panose="020B0604020202020204" pitchFamily="34" charset="0"/>
+            </a:endParaRPr>
+          </a:p>
+          <a:p>
+            <a:pPr algn="ctr"/>
+            <a:endParaRPr lang="en-US" sz="533" b="1" dirty="0">
+              <a:solidFill>
+                <a:schemeClr val="bg2">
+                  <a:lumMod val="25000"/>
+                </a:schemeClr>
+              </a:solidFill>
+              <a:latin typeface="Arial" panose="020B0604020202020204" pitchFamily="34" charset="0"/>
+              <a:ea typeface="Menlo" panose="020B0609030804020204" pitchFamily="49" charset="0"/>
+              <a:cs typeface="Arial" panose="020B0604020202020204" pitchFamily="34" charset="0"/>
+            </a:endParaRPr>
+          </a:p>
+          <a:p>
+            <a:pPr algn="ctr"/>
+            <a:endParaRPr lang="en-US" sz="533" b="1" dirty="0">
+              <a:solidFill>
+                <a:schemeClr val="bg2">
+                  <a:lumMod val="25000"/>
+                </a:schemeClr>
+              </a:solidFill>
+              <a:latin typeface="Arial" panose="020B0604020202020204" pitchFamily="34" charset="0"/>
+              <a:ea typeface="Menlo" panose="020B0609030804020204" pitchFamily="49" charset="0"/>
+              <a:cs typeface="Arial" panose="020B0604020202020204" pitchFamily="34" charset="0"/>
+            </a:endParaRPr>
+          </a:p>
+          <a:p>
+            <a:pPr algn="ctr"/>
+            <a:r>
+              <a:rPr lang="en-US" sz="533" b="1" dirty="0">
+                <a:solidFill>
+                  <a:schemeClr val="bg2">
+                    <a:lumMod val="25000"/>
+                  </a:schemeClr>
+                </a:solidFill>
+                <a:latin typeface="Arial" panose="020B0604020202020204" pitchFamily="34" charset="0"/>
+                <a:ea typeface="Menlo" panose="020B0609030804020204" pitchFamily="49" charset="0"/>
+                <a:cs typeface="Arial" panose="020B0604020202020204" pitchFamily="34" charset="0"/>
+              </a:rPr>
+              <a:t>File Editor</a:t>
+            </a:r>
+          </a:p>
+        </p:txBody>
+      </p:sp>
+      <p:sp>
+        <p:nvSpPr>
+          <p:cNvPr id="85" name="Rectangle 84">
+            <a:extLst>
+              <a:ext uri="{FF2B5EF4-FFF2-40B4-BE49-F238E27FC236}">
+                <a16:creationId xmlns:a16="http://schemas.microsoft.com/office/drawing/2014/main" id="{BCCCA178-3BD1-974E-A649-9F0821B4E8DB}"/>
+              </a:ext>
+            </a:extLst>
+          </p:cNvPr>
+          <p:cNvSpPr/>
+          <p:nvPr/>
+        </p:nvSpPr>
+        <p:spPr>
+          <a:xfrm>
+            <a:off x="7869612" y="698685"/>
+            <a:ext cx="1162998" cy="493953"/>
+          </a:xfrm>
+          <a:prstGeom prst="rect">
+            <a:avLst/>
+          </a:prstGeom>
+          <a:solidFill>
+            <a:srgbClr val="00B19E">
+              <a:alpha val="96000"/>
+            </a:srgbClr>
+          </a:solidFill>
+          <a:ln>
+            <a:solidFill>
+              <a:srgbClr val="20708D"/>
+            </a:solidFill>
+          </a:ln>
+        </p:spPr>
+        <p:style>
+          <a:lnRef idx="1">
+            <a:schemeClr val="accent1"/>
+          </a:lnRef>
+          <a:fillRef idx="3">
+            <a:schemeClr val="accent1"/>
+          </a:fillRef>
+          <a:effectRef idx="2">
+            <a:schemeClr val="accent1"/>
+          </a:effectRef>
+          <a:fontRef idx="minor">
+            <a:schemeClr val="lt1"/>
+          </a:fontRef>
+        </p:style>
+        <p:txBody>
+          <a:bodyPr rtlCol="0" anchor="ctr"/>
+          <a:lstStyle/>
+          <a:p>
+            <a:pPr algn="ctr"/>
+            <a:endParaRPr lang="en-US" sz="1467">
+              <a:solidFill>
+                <a:schemeClr val="tx1"/>
+              </a:solidFill>
+              <a:latin typeface="Menlo" charset="0"/>
+              <a:ea typeface="Menlo" charset="0"/>
+              <a:cs typeface="Menlo" charset="0"/>
+            </a:endParaRPr>
+          </a:p>
+          <a:p>
+            <a:pPr algn="ctr"/>
+            <a:endParaRPr lang="en-US" sz="1467">
+              <a:solidFill>
+                <a:schemeClr val="tx1"/>
+              </a:solidFill>
+              <a:latin typeface="Menlo" charset="0"/>
+              <a:ea typeface="Menlo" charset="0"/>
+              <a:cs typeface="Menlo" charset="0"/>
+            </a:endParaRPr>
+          </a:p>
+        </p:txBody>
+      </p:sp>
+      <p:pic>
+        <p:nvPicPr>
+          <p:cNvPr id="13" name="Picture 12">
+            <a:extLst>
+              <a:ext uri="{FF2B5EF4-FFF2-40B4-BE49-F238E27FC236}">
+                <a16:creationId xmlns:a16="http://schemas.microsoft.com/office/drawing/2014/main" id="{221400D2-57A7-A749-B8F9-C023A7CEA2BA}"/>
+              </a:ext>
+            </a:extLst>
+          </p:cNvPr>
+          <p:cNvPicPr>
+            <a:picLocks noChangeAspect="1"/>
+          </p:cNvPicPr>
+          <p:nvPr/>
+        </p:nvPicPr>
+        <p:blipFill>
+          <a:blip r:embed="rId6"/>
+          <a:stretch>
+            <a:fillRect/>
+          </a:stretch>
+        </p:blipFill>
+        <p:spPr>
+          <a:xfrm>
+            <a:off x="8058259" y="749546"/>
+            <a:ext cx="785704" cy="415675"/>
+          </a:xfrm>
+          <a:prstGeom prst="rect">
+            <a:avLst/>
+          </a:prstGeom>
+          <a:ln>
+            <a:solidFill>
+              <a:schemeClr val="bg1">
+                <a:lumMod val="85000"/>
+              </a:schemeClr>
+            </a:solidFill>
+          </a:ln>
+        </p:spPr>
+      </p:pic>
+      <p:sp>
+        <p:nvSpPr>
+          <p:cNvPr id="72" name="Rectangle 71">
+            <a:extLst>
+              <a:ext uri="{FF2B5EF4-FFF2-40B4-BE49-F238E27FC236}">
+                <a16:creationId xmlns:a16="http://schemas.microsoft.com/office/drawing/2014/main" id="{58691199-F13A-3A40-B3F3-882DAA99E199}"/>
+              </a:ext>
+            </a:extLst>
+          </p:cNvPr>
+          <p:cNvSpPr/>
+          <p:nvPr/>
+        </p:nvSpPr>
+        <p:spPr>
+          <a:xfrm>
+            <a:off x="9241966" y="5531605"/>
+            <a:ext cx="647781" cy="476273"/>
+          </a:xfrm>
+          <a:prstGeom prst="rect">
+            <a:avLst/>
+          </a:prstGeom>
+          <a:solidFill>
+            <a:schemeClr val="accent4">
+              <a:lumMod val="60000"/>
+              <a:lumOff val="40000"/>
+            </a:schemeClr>
+          </a:solidFill>
+        </p:spPr>
+        <p:style>
+          <a:lnRef idx="2">
+            <a:schemeClr val="accent1">
+              <a:shade val="50000"/>
+            </a:schemeClr>
+          </a:lnRef>
+          <a:fillRef idx="1">
+            <a:schemeClr val="accent1"/>
+          </a:fillRef>
+          <a:effectRef idx="0">
+            <a:schemeClr val="accent1"/>
+          </a:effectRef>
+          <a:fontRef idx="minor">
+            <a:schemeClr val="lt1"/>
+          </a:fontRef>
+        </p:style>
+        <p:txBody>
+          <a:bodyPr rtlCol="0" anchor="ctr"/>
+          <a:lstStyle/>
+          <a:p>
+            <a:pPr algn="ctr"/>
+            <a:r>
+              <a:rPr lang="en-US" sz="933" dirty="0">
+                <a:solidFill>
+                  <a:schemeClr val="tx1"/>
+                </a:solidFill>
+                <a:latin typeface="Arial" panose="020B0604020202020204" pitchFamily="34" charset="0"/>
+                <a:ea typeface="Menlo" panose="020B0609030804020204" pitchFamily="49" charset="0"/>
+                <a:cs typeface="Arial" panose="020B0604020202020204" pitchFamily="34" charset="0"/>
+              </a:rPr>
+              <a:t>IMS Ops</a:t>
+            </a:r>
+          </a:p>
+          <a:p>
+            <a:pPr algn="ctr"/>
+            <a:r>
+              <a:rPr lang="en-US" sz="933" dirty="0">
+                <a:solidFill>
+                  <a:schemeClr val="tx1"/>
+                </a:solidFill>
+                <a:latin typeface="Arial" panose="020B0604020202020204" pitchFamily="34" charset="0"/>
+                <a:ea typeface="Menlo" panose="020B0609030804020204" pitchFamily="49" charset="0"/>
+                <a:cs typeface="Arial" panose="020B0604020202020204" pitchFamily="34" charset="0"/>
+              </a:rPr>
+              <a:t>API</a:t>
+            </a:r>
+          </a:p>
+        </p:txBody>
+      </p:sp>
+      <p:sp>
+        <p:nvSpPr>
+          <p:cNvPr id="87" name="Rectangle 86">
+            <a:extLst>
+              <a:ext uri="{FF2B5EF4-FFF2-40B4-BE49-F238E27FC236}">
+                <a16:creationId xmlns:a16="http://schemas.microsoft.com/office/drawing/2014/main" id="{03EF157D-A459-3D4C-9BA7-D66E89FE7C8E}"/>
+              </a:ext>
+            </a:extLst>
+          </p:cNvPr>
+          <p:cNvSpPr/>
+          <p:nvPr/>
+        </p:nvSpPr>
+        <p:spPr>
+          <a:xfrm>
+            <a:off x="9282551" y="993346"/>
+            <a:ext cx="538511" cy="270387"/>
+          </a:xfrm>
+          <a:prstGeom prst="rect">
+            <a:avLst/>
+          </a:prstGeom>
+          <a:solidFill>
+            <a:srgbClr val="00B19E"/>
+          </a:solidFill>
+          <a:ln>
+            <a:solidFill>
+              <a:srgbClr val="20708D"/>
+            </a:solidFill>
+          </a:ln>
+        </p:spPr>
+        <p:style>
+          <a:lnRef idx="1">
+            <a:schemeClr val="accent1"/>
+          </a:lnRef>
+          <a:fillRef idx="3">
+            <a:schemeClr val="accent1"/>
+          </a:fillRef>
+          <a:effectRef idx="2">
+            <a:schemeClr val="accent1"/>
+          </a:effectRef>
+          <a:fontRef idx="minor">
+            <a:schemeClr val="lt1"/>
+          </a:fontRef>
+        </p:style>
+        <p:txBody>
+          <a:bodyPr rtlCol="0" anchor="ctr"/>
+          <a:lstStyle/>
+          <a:p>
+            <a:pPr algn="ctr"/>
+            <a:r>
+              <a:rPr lang="en-US" sz="1000" dirty="0">
+                <a:solidFill>
+                  <a:schemeClr val="tx1"/>
+                </a:solidFill>
+                <a:latin typeface="Arial" panose="020B0604020202020204" pitchFamily="34" charset="0"/>
+                <a:ea typeface="Menlo" charset="0"/>
+                <a:cs typeface="Arial" panose="020B0604020202020204" pitchFamily="34" charset="0"/>
+              </a:rPr>
+              <a:t>IMS</a:t>
+            </a:r>
+          </a:p>
+        </p:txBody>
+      </p:sp>
+      <p:sp>
+        <p:nvSpPr>
+          <p:cNvPr id="90" name="Rectangle 89">
+            <a:extLst>
+              <a:ext uri="{FF2B5EF4-FFF2-40B4-BE49-F238E27FC236}">
+                <a16:creationId xmlns:a16="http://schemas.microsoft.com/office/drawing/2014/main" id="{327195F8-48D4-7441-94C7-DB920529BA39}"/>
+              </a:ext>
+            </a:extLst>
+          </p:cNvPr>
+          <p:cNvSpPr/>
+          <p:nvPr/>
+        </p:nvSpPr>
+        <p:spPr>
+          <a:xfrm>
+            <a:off x="9906850" y="996150"/>
+            <a:ext cx="538511" cy="270387"/>
+          </a:xfrm>
+          <a:prstGeom prst="rect">
+            <a:avLst/>
+          </a:prstGeom>
+          <a:solidFill>
+            <a:srgbClr val="00B19E"/>
+          </a:solidFill>
+          <a:ln>
+            <a:solidFill>
+              <a:srgbClr val="20708D"/>
+            </a:solidFill>
+          </a:ln>
+        </p:spPr>
+        <p:style>
+          <a:lnRef idx="1">
+            <a:schemeClr val="accent1"/>
+          </a:lnRef>
+          <a:fillRef idx="3">
+            <a:schemeClr val="accent1"/>
+          </a:fillRef>
+          <a:effectRef idx="2">
+            <a:schemeClr val="accent1"/>
+          </a:effectRef>
+          <a:fontRef idx="minor">
+            <a:schemeClr val="lt1"/>
+          </a:fontRef>
+        </p:style>
+        <p:txBody>
+          <a:bodyPr rtlCol="0" anchor="ctr"/>
+          <a:lstStyle/>
+          <a:p>
+            <a:pPr algn="ctr"/>
+            <a:r>
+              <a:rPr lang="en-US" sz="1000" dirty="0">
+                <a:solidFill>
+                  <a:schemeClr val="tx1"/>
+                </a:solidFill>
+                <a:latin typeface="Arial" panose="020B0604020202020204" pitchFamily="34" charset="0"/>
+                <a:ea typeface="Menlo" charset="0"/>
+                <a:cs typeface="Arial" panose="020B0604020202020204" pitchFamily="34" charset="0"/>
+              </a:rPr>
+              <a:t>CICS</a:t>
+            </a:r>
+          </a:p>
+        </p:txBody>
+      </p:sp>
+      <p:sp>
+        <p:nvSpPr>
+          <p:cNvPr id="92" name="Rectangle 91">
+            <a:extLst>
+              <a:ext uri="{FF2B5EF4-FFF2-40B4-BE49-F238E27FC236}">
+                <a16:creationId xmlns:a16="http://schemas.microsoft.com/office/drawing/2014/main" id="{AD5478C9-5E56-9D46-8329-02F52C3385CD}"/>
+              </a:ext>
+            </a:extLst>
+          </p:cNvPr>
+          <p:cNvSpPr/>
+          <p:nvPr/>
+        </p:nvSpPr>
+        <p:spPr>
+          <a:xfrm>
+            <a:off x="10522709" y="984777"/>
+            <a:ext cx="538511" cy="270387"/>
+          </a:xfrm>
+          <a:prstGeom prst="rect">
+            <a:avLst/>
+          </a:prstGeom>
+          <a:solidFill>
+            <a:srgbClr val="00B19E"/>
+          </a:solidFill>
+          <a:ln>
+            <a:solidFill>
+              <a:srgbClr val="20708D"/>
+            </a:solidFill>
+          </a:ln>
+        </p:spPr>
+        <p:style>
+          <a:lnRef idx="1">
+            <a:schemeClr val="accent1"/>
+          </a:lnRef>
+          <a:fillRef idx="3">
+            <a:schemeClr val="accent1"/>
+          </a:fillRef>
+          <a:effectRef idx="2">
+            <a:schemeClr val="accent1"/>
+          </a:effectRef>
+          <a:fontRef idx="minor">
+            <a:schemeClr val="lt1"/>
+          </a:fontRef>
+        </p:style>
+        <p:txBody>
+          <a:bodyPr rtlCol="0" anchor="ctr"/>
+          <a:lstStyle/>
+          <a:p>
+            <a:pPr algn="ctr"/>
+            <a:r>
+              <a:rPr lang="en-US" sz="1000">
+                <a:solidFill>
+                  <a:schemeClr val="tx1"/>
+                </a:solidFill>
+                <a:latin typeface="Arial" panose="020B0604020202020204" pitchFamily="34" charset="0"/>
+                <a:ea typeface="Menlo" charset="0"/>
+                <a:cs typeface="Arial" panose="020B0604020202020204" pitchFamily="34" charset="0"/>
+              </a:rPr>
+              <a:t>DB2</a:t>
+            </a:r>
+          </a:p>
+        </p:txBody>
+      </p:sp>
+      <p:sp>
+        <p:nvSpPr>
+          <p:cNvPr id="95" name="Rectangle 94">
+            <a:extLst>
+              <a:ext uri="{FF2B5EF4-FFF2-40B4-BE49-F238E27FC236}">
+                <a16:creationId xmlns:a16="http://schemas.microsoft.com/office/drawing/2014/main" id="{9D2244BC-A2A4-D74E-BBE8-EB631F506976}"/>
+              </a:ext>
+            </a:extLst>
+          </p:cNvPr>
+          <p:cNvSpPr/>
+          <p:nvPr/>
+        </p:nvSpPr>
+        <p:spPr>
+          <a:xfrm>
+            <a:off x="9252672" y="6233667"/>
+            <a:ext cx="647780" cy="404357"/>
+          </a:xfrm>
+          <a:prstGeom prst="rect">
+            <a:avLst/>
+          </a:prstGeom>
+          <a:pattFill prst="pct5">
+            <a:fgClr>
+              <a:schemeClr val="accent1"/>
+            </a:fgClr>
+            <a:bgClr>
+              <a:schemeClr val="bg1"/>
+            </a:bgClr>
+          </a:pattFill>
+        </p:spPr>
+        <p:style>
+          <a:lnRef idx="2">
+            <a:schemeClr val="accent1">
+              <a:shade val="50000"/>
+            </a:schemeClr>
+          </a:lnRef>
+          <a:fillRef idx="1">
+            <a:schemeClr val="accent1"/>
+          </a:fillRef>
+          <a:effectRef idx="0">
+            <a:schemeClr val="accent1"/>
+          </a:effectRef>
+          <a:fontRef idx="minor">
+            <a:schemeClr val="lt1"/>
+          </a:fontRef>
+        </p:style>
+        <p:txBody>
+          <a:bodyPr rtlCol="0" anchor="ctr"/>
+          <a:lstStyle/>
+          <a:p>
+            <a:pPr algn="ctr"/>
+            <a:r>
+              <a:rPr lang="en-US" sz="933" dirty="0">
+                <a:solidFill>
+                  <a:schemeClr val="tx1"/>
+                </a:solidFill>
+                <a:latin typeface="Arial" panose="020B0604020202020204" pitchFamily="34" charset="0"/>
+                <a:ea typeface="Menlo" panose="020B0609030804020204" pitchFamily="49" charset="0"/>
+                <a:cs typeface="Arial" panose="020B0604020202020204" pitchFamily="34" charset="0"/>
+              </a:rPr>
+              <a:t>IMS Connect</a:t>
+            </a:r>
+          </a:p>
+        </p:txBody>
+      </p:sp>
+      <p:sp>
+        <p:nvSpPr>
+          <p:cNvPr id="98" name="Rectangle 97">
+            <a:extLst>
+              <a:ext uri="{FF2B5EF4-FFF2-40B4-BE49-F238E27FC236}">
+                <a16:creationId xmlns:a16="http://schemas.microsoft.com/office/drawing/2014/main" id="{86332291-5142-D54E-A76D-38429542624A}"/>
+              </a:ext>
+            </a:extLst>
+          </p:cNvPr>
+          <p:cNvSpPr/>
+          <p:nvPr/>
+        </p:nvSpPr>
+        <p:spPr>
+          <a:xfrm>
+            <a:off x="6189330" y="5575869"/>
+            <a:ext cx="1196983" cy="476273"/>
+          </a:xfrm>
+          <a:prstGeom prst="rect">
+            <a:avLst/>
+          </a:prstGeom>
+          <a:solidFill>
+            <a:srgbClr val="7C7B7B"/>
+          </a:solidFill>
+        </p:spPr>
+        <p:style>
+          <a:lnRef idx="2">
+            <a:schemeClr val="accent1">
+              <a:shade val="50000"/>
+            </a:schemeClr>
+          </a:lnRef>
+          <a:fillRef idx="1">
+            <a:schemeClr val="accent1"/>
+          </a:fillRef>
+          <a:effectRef idx="0">
+            <a:schemeClr val="accent1"/>
+          </a:effectRef>
+          <a:fontRef idx="minor">
+            <a:schemeClr val="lt1"/>
+          </a:fontRef>
+        </p:style>
+        <p:txBody>
+          <a:bodyPr rtlCol="0" anchor="ctr"/>
+          <a:lstStyle/>
+          <a:p>
+            <a:pPr algn="ctr"/>
+            <a:r>
+              <a:rPr lang="en-US" sz="933" dirty="0">
+                <a:solidFill>
+                  <a:schemeClr val="bg1"/>
+                </a:solidFill>
+                <a:latin typeface="Arial" panose="020B0604020202020204" pitchFamily="34" charset="0"/>
+                <a:ea typeface="Menlo" panose="020B0609030804020204" pitchFamily="49" charset="0"/>
+                <a:cs typeface="Arial" panose="020B0604020202020204" pitchFamily="34" charset="0"/>
+              </a:rPr>
+              <a:t>REST API Extension Server</a:t>
+            </a:r>
+          </a:p>
+        </p:txBody>
+      </p:sp>
+      <p:cxnSp>
+        <p:nvCxnSpPr>
+          <p:cNvPr id="99" name="Straight Arrow Connector 98">
+            <a:extLst>
+              <a:ext uri="{FF2B5EF4-FFF2-40B4-BE49-F238E27FC236}">
+                <a16:creationId xmlns:a16="http://schemas.microsoft.com/office/drawing/2014/main" id="{4B42528F-1505-AD4C-9BDE-78737EA3D84D}"/>
+              </a:ext>
+            </a:extLst>
+          </p:cNvPr>
+          <p:cNvCxnSpPr>
+            <a:cxnSpLocks/>
+          </p:cNvCxnSpPr>
+          <p:nvPr/>
+        </p:nvCxnSpPr>
+        <p:spPr>
+          <a:xfrm>
+            <a:off x="8340775" y="1407533"/>
+            <a:ext cx="65883" cy="4155649"/>
+          </a:xfrm>
+          <a:prstGeom prst="straightConnector1">
+            <a:avLst/>
+          </a:prstGeom>
+          <a:ln>
+            <a:headEnd type="triangle"/>
+            <a:tailEnd type="triangle"/>
+          </a:ln>
+        </p:spPr>
+        <p:style>
+          <a:lnRef idx="1">
+            <a:schemeClr val="accent1"/>
+          </a:lnRef>
+          <a:fillRef idx="0">
+            <a:schemeClr val="accent1"/>
+          </a:fillRef>
+          <a:effectRef idx="0">
+            <a:schemeClr val="accent1"/>
+          </a:effectRef>
+          <a:fontRef idx="minor">
+            <a:schemeClr val="tx1"/>
+          </a:fontRef>
+        </p:style>
+      </p:cxnSp>
+      <p:sp>
+        <p:nvSpPr>
+          <p:cNvPr id="102" name="Rectangle 101">
+            <a:extLst>
+              <a:ext uri="{FF2B5EF4-FFF2-40B4-BE49-F238E27FC236}">
+                <a16:creationId xmlns:a16="http://schemas.microsoft.com/office/drawing/2014/main" id="{69C93468-CA2A-FA45-8519-4E7D1360318E}"/>
+              </a:ext>
+            </a:extLst>
+          </p:cNvPr>
+          <p:cNvSpPr/>
+          <p:nvPr/>
+        </p:nvSpPr>
+        <p:spPr>
+          <a:xfrm>
+            <a:off x="10582853" y="5531605"/>
+            <a:ext cx="541686" cy="476273"/>
+          </a:xfrm>
+          <a:prstGeom prst="rect">
+            <a:avLst/>
+          </a:prstGeom>
+          <a:pattFill prst="pct5">
+            <a:fgClr>
+              <a:schemeClr val="accent1"/>
+            </a:fgClr>
+            <a:bgClr>
+              <a:schemeClr val="bg1"/>
+            </a:bgClr>
+          </a:pattFill>
+        </p:spPr>
+        <p:style>
+          <a:lnRef idx="2">
+            <a:schemeClr val="accent1">
+              <a:shade val="50000"/>
+            </a:schemeClr>
+          </a:lnRef>
+          <a:fillRef idx="1">
+            <a:schemeClr val="accent1"/>
+          </a:fillRef>
+          <a:effectRef idx="0">
+            <a:schemeClr val="accent1"/>
+          </a:effectRef>
+          <a:fontRef idx="minor">
+            <a:schemeClr val="lt1"/>
+          </a:fontRef>
+        </p:style>
+        <p:txBody>
+          <a:bodyPr rtlCol="0" anchor="ctr"/>
+          <a:lstStyle/>
+          <a:p>
+            <a:pPr algn="ctr"/>
+            <a:r>
+              <a:rPr lang="en-US" sz="933">
+                <a:solidFill>
+                  <a:schemeClr val="tx1"/>
+                </a:solidFill>
+                <a:latin typeface="Arial" panose="020B0604020202020204" pitchFamily="34" charset="0"/>
+                <a:ea typeface="Menlo" panose="020B0609030804020204" pitchFamily="49" charset="0"/>
+                <a:cs typeface="Arial" panose="020B0604020202020204" pitchFamily="34" charset="0"/>
+              </a:rPr>
+              <a:t>DB2</a:t>
+            </a:r>
+          </a:p>
+        </p:txBody>
+      </p:sp>
+      <p:sp>
+        <p:nvSpPr>
+          <p:cNvPr id="105" name="TextBox 104">
+            <a:extLst>
+              <a:ext uri="{FF2B5EF4-FFF2-40B4-BE49-F238E27FC236}">
+                <a16:creationId xmlns:a16="http://schemas.microsoft.com/office/drawing/2014/main" id="{29D05D16-D827-4848-9292-C9EE09EA7BBB}"/>
+              </a:ext>
+            </a:extLst>
+          </p:cNvPr>
+          <p:cNvSpPr txBox="1"/>
+          <p:nvPr/>
+        </p:nvSpPr>
+        <p:spPr>
+          <a:xfrm>
+            <a:off x="6895181" y="5312474"/>
+            <a:ext cx="498855" cy="261610"/>
+          </a:xfrm>
+          <a:prstGeom prst="rect">
+            <a:avLst/>
+          </a:prstGeom>
+          <a:noFill/>
+        </p:spPr>
+        <p:txBody>
+          <a:bodyPr wrap="none" rtlCol="0">
+            <a:spAutoFit/>
+          </a:bodyPr>
+          <a:lstStyle/>
+          <a:p>
+            <a:r>
+              <a:rPr lang="en-US" sz="1100" dirty="0">
+                <a:latin typeface="Arial" panose="020B0604020202020204" pitchFamily="34" charset="0"/>
+                <a:ea typeface="Menlo" panose="020B0609030804020204" pitchFamily="49" charset="0"/>
+                <a:cs typeface="Arial" panose="020B0604020202020204" pitchFamily="34" charset="0"/>
+              </a:rPr>
+              <a:t>nnnn</a:t>
+            </a:r>
+          </a:p>
+        </p:txBody>
+      </p:sp>
+      <p:sp>
+        <p:nvSpPr>
+          <p:cNvPr id="108" name="Rectangle 107">
+            <a:extLst>
+              <a:ext uri="{FF2B5EF4-FFF2-40B4-BE49-F238E27FC236}">
+                <a16:creationId xmlns:a16="http://schemas.microsoft.com/office/drawing/2014/main" id="{AC9A0780-B31F-684B-97D2-6B4D144E4464}"/>
+              </a:ext>
+            </a:extLst>
+          </p:cNvPr>
+          <p:cNvSpPr/>
+          <p:nvPr/>
+        </p:nvSpPr>
+        <p:spPr>
+          <a:xfrm>
+            <a:off x="5266787" y="799191"/>
+            <a:ext cx="576791" cy="292847"/>
+          </a:xfrm>
+          <a:prstGeom prst="rect">
+            <a:avLst/>
+          </a:prstGeom>
+          <a:solidFill>
+            <a:srgbClr val="7C7B7B"/>
+          </a:solidFill>
+        </p:spPr>
+        <p:style>
+          <a:lnRef idx="2">
+            <a:schemeClr val="accent1">
+              <a:shade val="50000"/>
+            </a:schemeClr>
+          </a:lnRef>
+          <a:fillRef idx="1">
+            <a:schemeClr val="accent1"/>
+          </a:fillRef>
+          <a:effectRef idx="0">
+            <a:schemeClr val="accent1"/>
+          </a:effectRef>
+          <a:fontRef idx="minor">
+            <a:schemeClr val="lt1"/>
+          </a:fontRef>
+        </p:style>
+        <p:txBody>
+          <a:bodyPr rtlCol="0" anchor="ctr"/>
+          <a:lstStyle/>
+          <a:p>
+            <a:pPr algn="ctr"/>
+            <a:r>
+              <a:rPr lang="en-US" sz="933" dirty="0">
+                <a:solidFill>
+                  <a:schemeClr val="bg1"/>
+                </a:solidFill>
+                <a:latin typeface="Arial" panose="020B0604020202020204" pitchFamily="34" charset="0"/>
+                <a:ea typeface="Menlo" panose="020B0609030804020204" pitchFamily="49" charset="0"/>
+                <a:cs typeface="Arial" panose="020B0604020202020204" pitchFamily="34" charset="0"/>
+              </a:rPr>
+              <a:t>HTML</a:t>
+            </a:r>
+          </a:p>
+        </p:txBody>
+      </p:sp>
+      <p:sp>
+        <p:nvSpPr>
+          <p:cNvPr id="112" name="Rectangle 111">
+            <a:extLst>
+              <a:ext uri="{FF2B5EF4-FFF2-40B4-BE49-F238E27FC236}">
+                <a16:creationId xmlns:a16="http://schemas.microsoft.com/office/drawing/2014/main" id="{6F8067E1-A1AE-AA4E-914F-1E7325E2DDF4}"/>
+              </a:ext>
+            </a:extLst>
+          </p:cNvPr>
+          <p:cNvSpPr/>
+          <p:nvPr/>
+        </p:nvSpPr>
+        <p:spPr>
+          <a:xfrm>
+            <a:off x="6985001" y="973628"/>
+            <a:ext cx="618174" cy="271954"/>
+          </a:xfrm>
+          <a:prstGeom prst="rect">
+            <a:avLst/>
+          </a:prstGeom>
+          <a:solidFill>
+            <a:srgbClr val="7C7B7B"/>
+          </a:solidFill>
+        </p:spPr>
+        <p:style>
+          <a:lnRef idx="2">
+            <a:schemeClr val="accent1">
+              <a:shade val="50000"/>
+            </a:schemeClr>
+          </a:lnRef>
+          <a:fillRef idx="1">
+            <a:schemeClr val="accent1"/>
+          </a:fillRef>
+          <a:effectRef idx="0">
+            <a:schemeClr val="accent1"/>
+          </a:effectRef>
+          <a:fontRef idx="minor">
+            <a:schemeClr val="lt1"/>
+          </a:fontRef>
+        </p:style>
+        <p:txBody>
+          <a:bodyPr rtlCol="0" anchor="ctr"/>
+          <a:lstStyle/>
+          <a:p>
+            <a:pPr algn="ctr"/>
+            <a:r>
+              <a:rPr lang="en-US" sz="700" dirty="0">
+                <a:solidFill>
+                  <a:schemeClr val="bg1"/>
+                </a:solidFill>
+                <a:latin typeface="Arial" panose="020B0604020202020204" pitchFamily="34" charset="0"/>
+                <a:ea typeface="Menlo" panose="020B0609030804020204" pitchFamily="49" charset="0"/>
+                <a:cs typeface="Arial" panose="020B0604020202020204" pitchFamily="34" charset="0"/>
+              </a:rPr>
+              <a:t>CLI</a:t>
+            </a:r>
+          </a:p>
+          <a:p>
+            <a:pPr algn="ctr"/>
+            <a:r>
+              <a:rPr lang="en-US" sz="700" dirty="0">
+                <a:solidFill>
+                  <a:schemeClr val="bg1"/>
+                </a:solidFill>
+                <a:latin typeface="Arial" panose="020B0604020202020204" pitchFamily="34" charset="0"/>
+                <a:ea typeface="Menlo" panose="020B0609030804020204" pitchFamily="49" charset="0"/>
+                <a:cs typeface="Arial" panose="020B0604020202020204" pitchFamily="34" charset="0"/>
+              </a:rPr>
+              <a:t>extension</a:t>
+            </a:r>
+          </a:p>
+        </p:txBody>
+      </p:sp>
+      <p:pic>
+        <p:nvPicPr>
+          <p:cNvPr id="34" name="Picture 33">
+            <a:extLst>
+              <a:ext uri="{FF2B5EF4-FFF2-40B4-BE49-F238E27FC236}">
+                <a16:creationId xmlns:a16="http://schemas.microsoft.com/office/drawing/2014/main" id="{CB2E0DA4-07B3-1A49-9A81-79381B0EFD47}"/>
+              </a:ext>
+            </a:extLst>
+          </p:cNvPr>
+          <p:cNvPicPr>
+            <a:picLocks noChangeAspect="1"/>
+          </p:cNvPicPr>
+          <p:nvPr/>
+        </p:nvPicPr>
+        <p:blipFill>
+          <a:blip r:embed="rId7"/>
+          <a:stretch>
+            <a:fillRect/>
+          </a:stretch>
+        </p:blipFill>
+        <p:spPr>
+          <a:xfrm>
+            <a:off x="7999490" y="77499"/>
+            <a:ext cx="471120" cy="307657"/>
+          </a:xfrm>
+          <a:prstGeom prst="rect">
+            <a:avLst/>
+          </a:prstGeom>
+        </p:spPr>
+      </p:pic>
+      <p:sp>
+        <p:nvSpPr>
+          <p:cNvPr id="114" name="TextBox 113">
+            <a:extLst>
+              <a:ext uri="{FF2B5EF4-FFF2-40B4-BE49-F238E27FC236}">
+                <a16:creationId xmlns:a16="http://schemas.microsoft.com/office/drawing/2014/main" id="{F3496A4C-19A3-9F45-A7F0-2B0C01CE0170}"/>
+              </a:ext>
+            </a:extLst>
+          </p:cNvPr>
+          <p:cNvSpPr txBox="1"/>
+          <p:nvPr/>
+        </p:nvSpPr>
+        <p:spPr>
+          <a:xfrm>
+            <a:off x="8506649" y="27189"/>
+            <a:ext cx="649373" cy="430887"/>
+          </a:xfrm>
+          <a:prstGeom prst="rect">
+            <a:avLst/>
+          </a:prstGeom>
+          <a:noFill/>
+        </p:spPr>
+        <p:txBody>
+          <a:bodyPr wrap="square" rtlCol="0">
+            <a:spAutoFit/>
+          </a:bodyPr>
+          <a:lstStyle/>
+          <a:p>
+            <a:r>
+              <a:rPr lang="en-US" sz="1100" dirty="0">
+                <a:latin typeface="Arial" panose="020B0604020202020204" pitchFamily="34" charset="0"/>
+                <a:cs typeface="Arial" panose="020B0604020202020204" pitchFamily="34" charset="0"/>
+              </a:rPr>
+              <a:t>VS Code</a:t>
+            </a:r>
+          </a:p>
+        </p:txBody>
+      </p:sp>
+      <p:cxnSp>
+        <p:nvCxnSpPr>
+          <p:cNvPr id="116" name="Straight Arrow Connector 115">
+            <a:extLst>
+              <a:ext uri="{FF2B5EF4-FFF2-40B4-BE49-F238E27FC236}">
+                <a16:creationId xmlns:a16="http://schemas.microsoft.com/office/drawing/2014/main" id="{6D4217B5-9051-B747-9EB1-3A0C82F62759}"/>
+              </a:ext>
+            </a:extLst>
+          </p:cNvPr>
+          <p:cNvCxnSpPr>
+            <a:cxnSpLocks/>
+          </p:cNvCxnSpPr>
+          <p:nvPr/>
+        </p:nvCxnSpPr>
+        <p:spPr>
+          <a:xfrm>
+            <a:off x="8076585" y="412652"/>
+            <a:ext cx="0" cy="246221"/>
+          </a:xfrm>
+          <a:prstGeom prst="straightConnector1">
+            <a:avLst/>
+          </a:prstGeom>
+          <a:ln>
+            <a:headEnd type="triangle"/>
+            <a:tailEnd type="triangle"/>
+          </a:ln>
+        </p:spPr>
+        <p:style>
+          <a:lnRef idx="1">
+            <a:schemeClr val="accent1"/>
+          </a:lnRef>
+          <a:fillRef idx="0">
+            <a:schemeClr val="accent1"/>
+          </a:fillRef>
+          <a:effectRef idx="0">
+            <a:schemeClr val="accent1"/>
+          </a:effectRef>
+          <a:fontRef idx="minor">
+            <a:schemeClr val="tx1"/>
+          </a:fontRef>
+        </p:style>
+      </p:cxnSp>
+      <p:pic>
+        <p:nvPicPr>
+          <p:cNvPr id="130" name="Picture 129">
+            <a:extLst>
+              <a:ext uri="{FF2B5EF4-FFF2-40B4-BE49-F238E27FC236}">
+                <a16:creationId xmlns:a16="http://schemas.microsoft.com/office/drawing/2014/main" id="{CD22F1B5-8409-E949-9F0E-40313427A5FC}"/>
+              </a:ext>
+            </a:extLst>
+          </p:cNvPr>
+          <p:cNvPicPr>
+            <a:picLocks noChangeAspect="1"/>
+          </p:cNvPicPr>
+          <p:nvPr/>
+        </p:nvPicPr>
+        <p:blipFill>
+          <a:blip r:embed="rId8"/>
+          <a:stretch>
+            <a:fillRect/>
+          </a:stretch>
+        </p:blipFill>
+        <p:spPr>
+          <a:xfrm>
+            <a:off x="1308447" y="796657"/>
+            <a:ext cx="693698" cy="324649"/>
+          </a:xfrm>
+          <a:prstGeom prst="rect">
+            <a:avLst/>
+          </a:prstGeom>
+        </p:spPr>
+      </p:pic>
+      <p:cxnSp>
+        <p:nvCxnSpPr>
+          <p:cNvPr id="132" name="Straight Connector 131">
+            <a:extLst>
+              <a:ext uri="{FF2B5EF4-FFF2-40B4-BE49-F238E27FC236}">
+                <a16:creationId xmlns:a16="http://schemas.microsoft.com/office/drawing/2014/main" id="{810C9CD3-9C88-9544-A3D7-8123C2A2A7B1}"/>
+              </a:ext>
+            </a:extLst>
+          </p:cNvPr>
+          <p:cNvCxnSpPr>
+            <a:cxnSpLocks/>
+          </p:cNvCxnSpPr>
+          <p:nvPr/>
+        </p:nvCxnSpPr>
+        <p:spPr>
+          <a:xfrm>
+            <a:off x="4913978" y="363279"/>
+            <a:ext cx="0" cy="1065069"/>
+          </a:xfrm>
+          <a:prstGeom prst="line">
+            <a:avLst/>
+          </a:prstGeom>
+          <a:ln>
+            <a:solidFill>
+              <a:schemeClr val="bg2">
+                <a:lumMod val="75000"/>
+              </a:schemeClr>
+            </a:solidFill>
+          </a:ln>
+        </p:spPr>
+        <p:style>
+          <a:lnRef idx="1">
+            <a:schemeClr val="accent1"/>
+          </a:lnRef>
+          <a:fillRef idx="0">
+            <a:schemeClr val="accent1"/>
+          </a:fillRef>
+          <a:effectRef idx="0">
+            <a:schemeClr val="accent1"/>
+          </a:effectRef>
+          <a:fontRef idx="minor">
+            <a:schemeClr val="tx1"/>
+          </a:fontRef>
+        </p:style>
+      </p:cxnSp>
+      <p:sp>
+        <p:nvSpPr>
+          <p:cNvPr id="134" name="TextBox 133">
+            <a:extLst>
+              <a:ext uri="{FF2B5EF4-FFF2-40B4-BE49-F238E27FC236}">
+                <a16:creationId xmlns:a16="http://schemas.microsoft.com/office/drawing/2014/main" id="{5835E822-9EAF-EC46-A869-517F247DD985}"/>
+              </a:ext>
+            </a:extLst>
+          </p:cNvPr>
+          <p:cNvSpPr txBox="1"/>
+          <p:nvPr/>
+        </p:nvSpPr>
+        <p:spPr>
+          <a:xfrm>
+            <a:off x="1191075" y="412652"/>
+            <a:ext cx="1253869" cy="246221"/>
+          </a:xfrm>
+          <a:prstGeom prst="rect">
+            <a:avLst/>
+          </a:prstGeom>
+          <a:noFill/>
+        </p:spPr>
+        <p:txBody>
+          <a:bodyPr wrap="none" rtlCol="0">
+            <a:spAutoFit/>
+          </a:bodyPr>
+          <a:lstStyle/>
+          <a:p>
+            <a:r>
+              <a:rPr lang="en-US" sz="1000" dirty="0">
+                <a:latin typeface="Arial" panose="020B0604020202020204" pitchFamily="34" charset="0"/>
+                <a:cs typeface="Arial" panose="020B0604020202020204" pitchFamily="34" charset="0"/>
+              </a:rPr>
+              <a:t>Core desktop apps</a:t>
+            </a:r>
+          </a:p>
+        </p:txBody>
+      </p:sp>
+      <p:sp>
+        <p:nvSpPr>
+          <p:cNvPr id="135" name="TextBox 134">
+            <a:extLst>
+              <a:ext uri="{FF2B5EF4-FFF2-40B4-BE49-F238E27FC236}">
+                <a16:creationId xmlns:a16="http://schemas.microsoft.com/office/drawing/2014/main" id="{97532F09-0E15-5147-92C7-F00D56198F3B}"/>
+              </a:ext>
+            </a:extLst>
+          </p:cNvPr>
+          <p:cNvSpPr txBox="1"/>
+          <p:nvPr/>
+        </p:nvSpPr>
+        <p:spPr>
+          <a:xfrm>
+            <a:off x="4914177" y="412652"/>
+            <a:ext cx="1197764" cy="246221"/>
+          </a:xfrm>
+          <a:prstGeom prst="rect">
+            <a:avLst/>
+          </a:prstGeom>
+          <a:noFill/>
+        </p:spPr>
+        <p:txBody>
+          <a:bodyPr wrap="none" rtlCol="0">
+            <a:spAutoFit/>
+          </a:bodyPr>
+          <a:lstStyle/>
+          <a:p>
+            <a:r>
+              <a:rPr lang="en-US" sz="1000" dirty="0">
+                <a:latin typeface="Arial" panose="020B0604020202020204" pitchFamily="34" charset="0"/>
+                <a:cs typeface="Arial" panose="020B0604020202020204" pitchFamily="34" charset="0"/>
+              </a:rPr>
+              <a:t>Extension Plugins</a:t>
+            </a:r>
+          </a:p>
+        </p:txBody>
+      </p:sp>
+      <p:sp>
+        <p:nvSpPr>
+          <p:cNvPr id="136" name="TextBox 135">
+            <a:extLst>
+              <a:ext uri="{FF2B5EF4-FFF2-40B4-BE49-F238E27FC236}">
+                <a16:creationId xmlns:a16="http://schemas.microsoft.com/office/drawing/2014/main" id="{8BA091DE-6769-C747-892C-2F59F0C931EA}"/>
+              </a:ext>
+            </a:extLst>
+          </p:cNvPr>
+          <p:cNvSpPr txBox="1"/>
+          <p:nvPr/>
+        </p:nvSpPr>
+        <p:spPr>
+          <a:xfrm>
+            <a:off x="6893577" y="542793"/>
+            <a:ext cx="744114" cy="400110"/>
+          </a:xfrm>
+          <a:prstGeom prst="rect">
+            <a:avLst/>
+          </a:prstGeom>
+          <a:noFill/>
+        </p:spPr>
+        <p:txBody>
+          <a:bodyPr wrap="none" rtlCol="0">
+            <a:spAutoFit/>
+          </a:bodyPr>
+          <a:lstStyle/>
+          <a:p>
+            <a:r>
+              <a:rPr lang="en-US" sz="1000" dirty="0">
+                <a:latin typeface="Arial" panose="020B0604020202020204" pitchFamily="34" charset="0"/>
+                <a:cs typeface="Arial" panose="020B0604020202020204" pitchFamily="34" charset="0"/>
+              </a:rPr>
+              <a:t>Extension</a:t>
+            </a:r>
+          </a:p>
+          <a:p>
+            <a:r>
+              <a:rPr lang="en-US" sz="1000" dirty="0">
+                <a:latin typeface="Arial" panose="020B0604020202020204" pitchFamily="34" charset="0"/>
+                <a:cs typeface="Arial" panose="020B0604020202020204" pitchFamily="34" charset="0"/>
+              </a:rPr>
+              <a:t>Plugins</a:t>
+            </a:r>
+          </a:p>
+        </p:txBody>
+      </p:sp>
+      <p:sp>
+        <p:nvSpPr>
+          <p:cNvPr id="140" name="TextBox 139">
+            <a:extLst>
+              <a:ext uri="{FF2B5EF4-FFF2-40B4-BE49-F238E27FC236}">
+                <a16:creationId xmlns:a16="http://schemas.microsoft.com/office/drawing/2014/main" id="{54680ECA-31F3-314A-8732-C39143295BC2}"/>
+              </a:ext>
+            </a:extLst>
+          </p:cNvPr>
+          <p:cNvSpPr txBox="1"/>
+          <p:nvPr/>
+        </p:nvSpPr>
+        <p:spPr>
+          <a:xfrm>
+            <a:off x="8106580" y="497657"/>
+            <a:ext cx="696024" cy="246221"/>
+          </a:xfrm>
+          <a:prstGeom prst="rect">
+            <a:avLst/>
+          </a:prstGeom>
+          <a:noFill/>
+        </p:spPr>
+        <p:txBody>
+          <a:bodyPr wrap="none" rtlCol="0">
+            <a:spAutoFit/>
+          </a:bodyPr>
+          <a:lstStyle/>
+          <a:p>
+            <a:r>
+              <a:rPr lang="en-US" sz="1000" dirty="0">
+                <a:latin typeface="Arial" panose="020B0604020202020204" pitchFamily="34" charset="0"/>
+                <a:cs typeface="Arial" panose="020B0604020202020204" pitchFamily="34" charset="0"/>
+              </a:rPr>
+              <a:t>Core CLI</a:t>
+            </a:r>
+          </a:p>
+        </p:txBody>
+      </p:sp>
+      <p:cxnSp>
+        <p:nvCxnSpPr>
+          <p:cNvPr id="141" name="Straight Connector 140">
+            <a:extLst>
+              <a:ext uri="{FF2B5EF4-FFF2-40B4-BE49-F238E27FC236}">
+                <a16:creationId xmlns:a16="http://schemas.microsoft.com/office/drawing/2014/main" id="{C835EE13-36AC-B643-AB6E-5BA554335981}"/>
+              </a:ext>
+            </a:extLst>
+          </p:cNvPr>
+          <p:cNvCxnSpPr>
+            <a:cxnSpLocks/>
+          </p:cNvCxnSpPr>
+          <p:nvPr/>
+        </p:nvCxnSpPr>
+        <p:spPr>
+          <a:xfrm>
+            <a:off x="9153611" y="541905"/>
+            <a:ext cx="0" cy="878569"/>
+          </a:xfrm>
+          <a:prstGeom prst="line">
+            <a:avLst/>
+          </a:prstGeom>
+          <a:ln>
+            <a:solidFill>
+              <a:schemeClr val="bg2">
+                <a:lumMod val="50000"/>
+              </a:schemeClr>
+            </a:solidFill>
+            <a:prstDash val="dash"/>
+          </a:ln>
+        </p:spPr>
+        <p:style>
+          <a:lnRef idx="1">
+            <a:schemeClr val="accent1"/>
+          </a:lnRef>
+          <a:fillRef idx="0">
+            <a:schemeClr val="accent1"/>
+          </a:fillRef>
+          <a:effectRef idx="0">
+            <a:schemeClr val="accent1"/>
+          </a:effectRef>
+          <a:fontRef idx="minor">
+            <a:schemeClr val="tx1"/>
+          </a:fontRef>
+        </p:style>
+      </p:cxnSp>
+      <p:sp>
+        <p:nvSpPr>
+          <p:cNvPr id="143" name="TextBox 142">
+            <a:extLst>
+              <a:ext uri="{FF2B5EF4-FFF2-40B4-BE49-F238E27FC236}">
+                <a16:creationId xmlns:a16="http://schemas.microsoft.com/office/drawing/2014/main" id="{3948393E-6738-C84D-8AB0-02473AEA0976}"/>
+              </a:ext>
+            </a:extLst>
+          </p:cNvPr>
+          <p:cNvSpPr txBox="1"/>
+          <p:nvPr/>
+        </p:nvSpPr>
+        <p:spPr>
+          <a:xfrm>
+            <a:off x="9937069" y="541905"/>
+            <a:ext cx="1120820" cy="246221"/>
+          </a:xfrm>
+          <a:prstGeom prst="rect">
+            <a:avLst/>
+          </a:prstGeom>
+          <a:noFill/>
+        </p:spPr>
+        <p:txBody>
+          <a:bodyPr wrap="none" rtlCol="0">
+            <a:spAutoFit/>
+          </a:bodyPr>
+          <a:lstStyle/>
+          <a:p>
+            <a:r>
+              <a:rPr lang="en-US" sz="1000" dirty="0">
+                <a:latin typeface="Arial" panose="020B0604020202020204" pitchFamily="34" charset="0"/>
+                <a:cs typeface="Arial" panose="020B0604020202020204" pitchFamily="34" charset="0"/>
+              </a:rPr>
+              <a:t>Core Extensions</a:t>
+            </a:r>
+          </a:p>
+        </p:txBody>
+      </p:sp>
+      <p:cxnSp>
+        <p:nvCxnSpPr>
+          <p:cNvPr id="1208" name="Straight Connector 1207">
+            <a:extLst>
+              <a:ext uri="{FF2B5EF4-FFF2-40B4-BE49-F238E27FC236}">
+                <a16:creationId xmlns:a16="http://schemas.microsoft.com/office/drawing/2014/main" id="{9DEFCEED-FF38-6441-93B4-64CD5178FF46}"/>
+              </a:ext>
+            </a:extLst>
+          </p:cNvPr>
+          <p:cNvCxnSpPr>
+            <a:cxnSpLocks/>
+          </p:cNvCxnSpPr>
+          <p:nvPr/>
+        </p:nvCxnSpPr>
+        <p:spPr>
+          <a:xfrm>
+            <a:off x="7746055" y="541905"/>
+            <a:ext cx="0" cy="886443"/>
+          </a:xfrm>
+          <a:prstGeom prst="line">
+            <a:avLst/>
+          </a:prstGeom>
+          <a:ln>
+            <a:solidFill>
+              <a:schemeClr val="bg2">
+                <a:lumMod val="75000"/>
+              </a:schemeClr>
+            </a:solidFill>
+          </a:ln>
+        </p:spPr>
+        <p:style>
+          <a:lnRef idx="1">
+            <a:schemeClr val="accent1"/>
+          </a:lnRef>
+          <a:fillRef idx="0">
+            <a:schemeClr val="accent1"/>
+          </a:fillRef>
+          <a:effectRef idx="0">
+            <a:schemeClr val="accent1"/>
+          </a:effectRef>
+          <a:fontRef idx="minor">
+            <a:schemeClr val="tx1"/>
+          </a:fontRef>
+        </p:style>
+      </p:cxnSp>
+      <p:sp>
+        <p:nvSpPr>
+          <p:cNvPr id="106" name="Rectangle 105">
+            <a:extLst>
+              <a:ext uri="{FF2B5EF4-FFF2-40B4-BE49-F238E27FC236}">
+                <a16:creationId xmlns:a16="http://schemas.microsoft.com/office/drawing/2014/main" id="{E958CF02-D7F2-524F-9C43-0091770F3EAB}"/>
+              </a:ext>
+            </a:extLst>
+          </p:cNvPr>
+          <p:cNvSpPr/>
+          <p:nvPr/>
+        </p:nvSpPr>
+        <p:spPr>
+          <a:xfrm>
+            <a:off x="9974102" y="5542204"/>
+            <a:ext cx="541685" cy="465674"/>
+          </a:xfrm>
+          <a:prstGeom prst="rect">
+            <a:avLst/>
+          </a:prstGeom>
+          <a:pattFill prst="pct5">
+            <a:fgClr>
+              <a:schemeClr val="accent1"/>
+            </a:fgClr>
+            <a:bgClr>
+              <a:schemeClr val="bg1"/>
+            </a:bgClr>
+          </a:pattFill>
+          <a:ln>
+            <a:solidFill>
+              <a:schemeClr val="tx1"/>
+            </a:solidFill>
+          </a:ln>
+        </p:spPr>
+        <p:style>
+          <a:lnRef idx="2">
+            <a:schemeClr val="accent1">
+              <a:shade val="50000"/>
+            </a:schemeClr>
+          </a:lnRef>
+          <a:fillRef idx="1">
+            <a:schemeClr val="accent1"/>
+          </a:fillRef>
+          <a:effectRef idx="0">
+            <a:schemeClr val="accent1"/>
+          </a:effectRef>
+          <a:fontRef idx="minor">
+            <a:schemeClr val="lt1"/>
+          </a:fontRef>
+        </p:style>
+        <p:txBody>
+          <a:bodyPr rtlCol="0" anchor="ctr"/>
+          <a:lstStyle/>
+          <a:p>
+            <a:pPr algn="ctr"/>
+            <a:r>
+              <a:rPr lang="en-US" sz="933" dirty="0">
+                <a:solidFill>
+                  <a:schemeClr val="tx1"/>
+                </a:solidFill>
+                <a:latin typeface="Arial" panose="020B0604020202020204" pitchFamily="34" charset="0"/>
+                <a:ea typeface="Menlo" panose="020B0609030804020204" pitchFamily="49" charset="0"/>
+                <a:cs typeface="Arial" panose="020B0604020202020204" pitchFamily="34" charset="0"/>
+              </a:rPr>
+              <a:t>CICS CMCI</a:t>
+            </a:r>
+          </a:p>
+        </p:txBody>
+      </p:sp>
+      <p:cxnSp>
+        <p:nvCxnSpPr>
+          <p:cNvPr id="109" name="Straight Arrow Connector 108">
+            <a:extLst>
+              <a:ext uri="{FF2B5EF4-FFF2-40B4-BE49-F238E27FC236}">
+                <a16:creationId xmlns:a16="http://schemas.microsoft.com/office/drawing/2014/main" id="{51D5112B-37DA-7849-B4D4-C47A036D7097}"/>
+              </a:ext>
+            </a:extLst>
+          </p:cNvPr>
+          <p:cNvCxnSpPr>
+            <a:cxnSpLocks/>
+          </p:cNvCxnSpPr>
+          <p:nvPr/>
+        </p:nvCxnSpPr>
+        <p:spPr>
+          <a:xfrm>
+            <a:off x="9606489" y="6039568"/>
+            <a:ext cx="0" cy="198061"/>
+          </a:xfrm>
+          <a:prstGeom prst="straightConnector1">
+            <a:avLst/>
+          </a:prstGeom>
+          <a:ln>
+            <a:headEnd type="triangle"/>
+            <a:tailEnd type="triangle"/>
+          </a:ln>
+        </p:spPr>
+        <p:style>
+          <a:lnRef idx="1">
+            <a:schemeClr val="accent1"/>
+          </a:lnRef>
+          <a:fillRef idx="0">
+            <a:schemeClr val="accent1"/>
+          </a:fillRef>
+          <a:effectRef idx="0">
+            <a:schemeClr val="accent1"/>
+          </a:effectRef>
+          <a:fontRef idx="minor">
+            <a:schemeClr val="tx1"/>
+          </a:fontRef>
+        </p:style>
+      </p:cxnSp>
+      <p:sp>
+        <p:nvSpPr>
+          <p:cNvPr id="113" name="Rectangle 112">
+            <a:extLst>
+              <a:ext uri="{FF2B5EF4-FFF2-40B4-BE49-F238E27FC236}">
+                <a16:creationId xmlns:a16="http://schemas.microsoft.com/office/drawing/2014/main" id="{54E4D710-81E8-B54C-A5BC-698A58D4C5BE}"/>
+              </a:ext>
+            </a:extLst>
+          </p:cNvPr>
+          <p:cNvSpPr/>
+          <p:nvPr/>
+        </p:nvSpPr>
+        <p:spPr>
+          <a:xfrm>
+            <a:off x="11154330" y="983976"/>
+            <a:ext cx="538511" cy="270387"/>
+          </a:xfrm>
+          <a:prstGeom prst="rect">
+            <a:avLst/>
+          </a:prstGeom>
+          <a:solidFill>
+            <a:srgbClr val="00B19E"/>
+          </a:solidFill>
+          <a:ln>
+            <a:solidFill>
+              <a:srgbClr val="20708D"/>
+            </a:solidFill>
+          </a:ln>
+        </p:spPr>
+        <p:style>
+          <a:lnRef idx="1">
+            <a:schemeClr val="accent1"/>
+          </a:lnRef>
+          <a:fillRef idx="3">
+            <a:schemeClr val="accent1"/>
+          </a:fillRef>
+          <a:effectRef idx="2">
+            <a:schemeClr val="accent1"/>
+          </a:effectRef>
+          <a:fontRef idx="minor">
+            <a:schemeClr val="lt1"/>
+          </a:fontRef>
+        </p:style>
+        <p:txBody>
+          <a:bodyPr rtlCol="0" anchor="ctr"/>
+          <a:lstStyle/>
+          <a:p>
+            <a:pPr algn="ctr"/>
+            <a:r>
+              <a:rPr lang="en-US" sz="1000" dirty="0">
+                <a:solidFill>
+                  <a:schemeClr val="tx1"/>
+                </a:solidFill>
+                <a:latin typeface="Arial" panose="020B0604020202020204" pitchFamily="34" charset="0"/>
+                <a:ea typeface="Menlo" charset="0"/>
+                <a:cs typeface="Arial" panose="020B0604020202020204" pitchFamily="34" charset="0"/>
+              </a:rPr>
+              <a:t>MQ</a:t>
+            </a:r>
+          </a:p>
+        </p:txBody>
+      </p:sp>
+      <p:sp>
+        <p:nvSpPr>
+          <p:cNvPr id="120" name="Rectangle 119">
+            <a:extLst>
+              <a:ext uri="{FF2B5EF4-FFF2-40B4-BE49-F238E27FC236}">
+                <a16:creationId xmlns:a16="http://schemas.microsoft.com/office/drawing/2014/main" id="{D14F4F09-5482-C047-9879-AC4E5FA6F59A}"/>
+              </a:ext>
+            </a:extLst>
+          </p:cNvPr>
+          <p:cNvSpPr/>
+          <p:nvPr/>
+        </p:nvSpPr>
+        <p:spPr>
+          <a:xfrm>
+            <a:off x="11191714" y="5531859"/>
+            <a:ext cx="678481" cy="476273"/>
+          </a:xfrm>
+          <a:prstGeom prst="rect">
+            <a:avLst/>
+          </a:prstGeom>
+          <a:pattFill prst="pct10">
+            <a:fgClr>
+              <a:schemeClr val="accent1"/>
+            </a:fgClr>
+            <a:bgClr>
+              <a:schemeClr val="bg1"/>
+            </a:bgClr>
+          </a:pattFill>
+        </p:spPr>
+        <p:style>
+          <a:lnRef idx="2">
+            <a:schemeClr val="accent1">
+              <a:shade val="50000"/>
+            </a:schemeClr>
+          </a:lnRef>
+          <a:fillRef idx="1">
+            <a:schemeClr val="accent1"/>
+          </a:fillRef>
+          <a:effectRef idx="0">
+            <a:schemeClr val="accent1"/>
+          </a:effectRef>
+          <a:fontRef idx="minor">
+            <a:schemeClr val="lt1"/>
+          </a:fontRef>
+        </p:style>
+        <p:txBody>
+          <a:bodyPr rtlCol="0" anchor="ctr"/>
+          <a:lstStyle/>
+          <a:p>
+            <a:pPr algn="ctr"/>
+            <a:r>
+              <a:rPr lang="en-US" sz="933" dirty="0">
+                <a:solidFill>
+                  <a:schemeClr val="tx1"/>
+                </a:solidFill>
+                <a:latin typeface="Arial" panose="020B0604020202020204" pitchFamily="34" charset="0"/>
+                <a:ea typeface="Menlo" panose="020B0609030804020204" pitchFamily="49" charset="0"/>
+                <a:cs typeface="Arial" panose="020B0604020202020204" pitchFamily="34" charset="0"/>
+              </a:rPr>
+              <a:t>MQ Console</a:t>
+            </a:r>
+          </a:p>
+        </p:txBody>
+      </p:sp>
+      <p:sp>
+        <p:nvSpPr>
+          <p:cNvPr id="122" name="TextBox 121">
+            <a:extLst>
+              <a:ext uri="{FF2B5EF4-FFF2-40B4-BE49-F238E27FC236}">
+                <a16:creationId xmlns:a16="http://schemas.microsoft.com/office/drawing/2014/main" id="{7044D4EE-C0E9-514C-9611-A07D49E58FF4}"/>
+              </a:ext>
+            </a:extLst>
+          </p:cNvPr>
+          <p:cNvSpPr txBox="1"/>
+          <p:nvPr/>
+        </p:nvSpPr>
+        <p:spPr>
+          <a:xfrm>
+            <a:off x="7219338" y="44246"/>
+            <a:ext cx="710451" cy="430887"/>
+          </a:xfrm>
+          <a:prstGeom prst="rect">
+            <a:avLst/>
+          </a:prstGeom>
+          <a:noFill/>
+        </p:spPr>
+        <p:txBody>
+          <a:bodyPr wrap="none" rtlCol="0">
+            <a:spAutoFit/>
+          </a:bodyPr>
+          <a:lstStyle/>
+          <a:p>
+            <a:r>
+              <a:rPr lang="en-US" sz="1100" dirty="0" err="1">
+                <a:latin typeface="Arial" panose="020B0604020202020204" pitchFamily="34" charset="0"/>
+                <a:cs typeface="Arial" panose="020B0604020202020204" pitchFamily="34" charset="0"/>
+              </a:rPr>
+              <a:t>Zowe</a:t>
+            </a:r>
+            <a:endParaRPr lang="en-US" sz="1100" dirty="0">
+              <a:latin typeface="Arial" panose="020B0604020202020204" pitchFamily="34" charset="0"/>
+              <a:cs typeface="Arial" panose="020B0604020202020204" pitchFamily="34" charset="0"/>
+            </a:endParaRPr>
+          </a:p>
+          <a:p>
+            <a:r>
+              <a:rPr lang="en-US" sz="1100" dirty="0">
+                <a:latin typeface="Arial" panose="020B0604020202020204" pitchFamily="34" charset="0"/>
+                <a:cs typeface="Arial" panose="020B0604020202020204" pitchFamily="34" charset="0"/>
+              </a:rPr>
+              <a:t>Explorer</a:t>
+            </a:r>
+          </a:p>
+        </p:txBody>
+      </p:sp>
+      <p:sp>
+        <p:nvSpPr>
+          <p:cNvPr id="124" name="Rectangle 123">
+            <a:extLst>
+              <a:ext uri="{FF2B5EF4-FFF2-40B4-BE49-F238E27FC236}">
+                <a16:creationId xmlns:a16="http://schemas.microsoft.com/office/drawing/2014/main" id="{2F894607-0364-CE4A-9484-FF2048EBBB02}"/>
+              </a:ext>
+            </a:extLst>
+          </p:cNvPr>
+          <p:cNvSpPr/>
+          <p:nvPr/>
+        </p:nvSpPr>
+        <p:spPr>
+          <a:xfrm rot="5400000">
+            <a:off x="9383005" y="612352"/>
+            <a:ext cx="599846" cy="4294958"/>
+          </a:xfrm>
+          <a:prstGeom prst="rect">
+            <a:avLst/>
+          </a:prstGeom>
+          <a:solidFill>
+            <a:schemeClr val="accent4">
+              <a:lumMod val="60000"/>
+              <a:lumOff val="40000"/>
+              <a:alpha val="25000"/>
+            </a:schemeClr>
+          </a:solidFill>
+          <a:ln>
+            <a:solidFill>
+              <a:schemeClr val="accent4">
+                <a:lumMod val="75000"/>
+              </a:schemeClr>
+            </a:solidFill>
+          </a:ln>
+        </p:spPr>
+        <p:style>
+          <a:lnRef idx="2">
+            <a:schemeClr val="accent1">
+              <a:shade val="50000"/>
+            </a:schemeClr>
+          </a:lnRef>
+          <a:fillRef idx="1">
+            <a:schemeClr val="accent1"/>
+          </a:fillRef>
+          <a:effectRef idx="0">
+            <a:schemeClr val="accent1"/>
+          </a:effectRef>
+          <a:fontRef idx="minor">
+            <a:schemeClr val="lt1"/>
+          </a:fontRef>
+        </p:style>
+        <p:txBody>
+          <a:bodyPr rtlCol="0" anchor="ctr"/>
+          <a:lstStyle/>
+          <a:p>
+            <a:pPr algn="ctr"/>
+            <a:endParaRPr lang="en-US" dirty="0"/>
+          </a:p>
+        </p:txBody>
+      </p:sp>
+      <p:cxnSp>
+        <p:nvCxnSpPr>
+          <p:cNvPr id="89" name="Straight Arrow Connector 88">
+            <a:extLst>
+              <a:ext uri="{FF2B5EF4-FFF2-40B4-BE49-F238E27FC236}">
+                <a16:creationId xmlns:a16="http://schemas.microsoft.com/office/drawing/2014/main" id="{3C6B5AD8-4D55-CC45-B07C-E9F3CF05C3FF}"/>
+              </a:ext>
+            </a:extLst>
+          </p:cNvPr>
+          <p:cNvCxnSpPr>
+            <a:cxnSpLocks/>
+            <a:endCxn id="72" idx="0"/>
+          </p:cNvCxnSpPr>
+          <p:nvPr/>
+        </p:nvCxnSpPr>
+        <p:spPr>
+          <a:xfrm>
+            <a:off x="9561833" y="1277996"/>
+            <a:ext cx="4024" cy="4253609"/>
+          </a:xfrm>
+          <a:prstGeom prst="straightConnector1">
+            <a:avLst/>
+          </a:prstGeom>
+          <a:ln>
+            <a:headEnd type="triangle"/>
+            <a:tailEnd type="triangle"/>
+          </a:ln>
+        </p:spPr>
+        <p:style>
+          <a:lnRef idx="1">
+            <a:schemeClr val="accent1"/>
+          </a:lnRef>
+          <a:fillRef idx="0">
+            <a:schemeClr val="accent1"/>
+          </a:fillRef>
+          <a:effectRef idx="0">
+            <a:schemeClr val="accent1"/>
+          </a:effectRef>
+          <a:fontRef idx="minor">
+            <a:schemeClr val="tx1"/>
+          </a:fontRef>
+        </p:style>
+      </p:cxnSp>
+      <p:cxnSp>
+        <p:nvCxnSpPr>
+          <p:cNvPr id="96" name="Straight Arrow Connector 95">
+            <a:extLst>
+              <a:ext uri="{FF2B5EF4-FFF2-40B4-BE49-F238E27FC236}">
+                <a16:creationId xmlns:a16="http://schemas.microsoft.com/office/drawing/2014/main" id="{8461BFE1-0158-274C-AE10-9E9FC9AC283F}"/>
+              </a:ext>
+            </a:extLst>
+          </p:cNvPr>
+          <p:cNvCxnSpPr>
+            <a:cxnSpLocks/>
+            <a:endCxn id="106" idx="0"/>
+          </p:cNvCxnSpPr>
+          <p:nvPr/>
+        </p:nvCxnSpPr>
+        <p:spPr>
+          <a:xfrm>
+            <a:off x="10187113" y="1277996"/>
+            <a:ext cx="57832" cy="4264208"/>
+          </a:xfrm>
+          <a:prstGeom prst="straightConnector1">
+            <a:avLst/>
+          </a:prstGeom>
+          <a:ln>
+            <a:headEnd type="triangle"/>
+            <a:tailEnd type="triangle"/>
+          </a:ln>
+        </p:spPr>
+        <p:style>
+          <a:lnRef idx="1">
+            <a:schemeClr val="accent1"/>
+          </a:lnRef>
+          <a:fillRef idx="0">
+            <a:schemeClr val="accent1"/>
+          </a:fillRef>
+          <a:effectRef idx="0">
+            <a:schemeClr val="accent1"/>
+          </a:effectRef>
+          <a:fontRef idx="minor">
+            <a:schemeClr val="tx1"/>
+          </a:fontRef>
+        </p:style>
+      </p:cxnSp>
+      <p:cxnSp>
+        <p:nvCxnSpPr>
+          <p:cNvPr id="1209" name="Straight Arrow Connector 1208">
+            <a:extLst>
+              <a:ext uri="{FF2B5EF4-FFF2-40B4-BE49-F238E27FC236}">
+                <a16:creationId xmlns:a16="http://schemas.microsoft.com/office/drawing/2014/main" id="{FB54455B-F561-204A-AC10-2892A7C9C45D}"/>
+              </a:ext>
+            </a:extLst>
+          </p:cNvPr>
+          <p:cNvCxnSpPr>
+            <a:cxnSpLocks/>
+            <a:endCxn id="102" idx="0"/>
+          </p:cNvCxnSpPr>
+          <p:nvPr/>
+        </p:nvCxnSpPr>
+        <p:spPr>
+          <a:xfrm>
+            <a:off x="10823772" y="1275584"/>
+            <a:ext cx="29924" cy="4256021"/>
+          </a:xfrm>
+          <a:prstGeom prst="straightConnector1">
+            <a:avLst/>
+          </a:prstGeom>
+          <a:ln>
+            <a:headEnd type="triangle"/>
+            <a:tailEnd type="triangle"/>
+          </a:ln>
+        </p:spPr>
+        <p:style>
+          <a:lnRef idx="1">
+            <a:schemeClr val="accent1"/>
+          </a:lnRef>
+          <a:fillRef idx="0">
+            <a:schemeClr val="accent1"/>
+          </a:fillRef>
+          <a:effectRef idx="0">
+            <a:schemeClr val="accent1"/>
+          </a:effectRef>
+          <a:fontRef idx="minor">
+            <a:schemeClr val="tx1"/>
+          </a:fontRef>
+        </p:style>
+      </p:cxnSp>
+      <p:cxnSp>
+        <p:nvCxnSpPr>
+          <p:cNvPr id="121" name="Straight Arrow Connector 120">
+            <a:extLst>
+              <a:ext uri="{FF2B5EF4-FFF2-40B4-BE49-F238E27FC236}">
+                <a16:creationId xmlns:a16="http://schemas.microsoft.com/office/drawing/2014/main" id="{E113AD8D-B983-1040-B2A0-BA3AF06D0552}"/>
+              </a:ext>
+            </a:extLst>
+          </p:cNvPr>
+          <p:cNvCxnSpPr>
+            <a:cxnSpLocks/>
+          </p:cNvCxnSpPr>
+          <p:nvPr/>
+        </p:nvCxnSpPr>
+        <p:spPr>
+          <a:xfrm flipH="1">
+            <a:off x="11423585" y="1278084"/>
+            <a:ext cx="14181" cy="4253521"/>
+          </a:xfrm>
+          <a:prstGeom prst="straightConnector1">
+            <a:avLst/>
+          </a:prstGeom>
+          <a:ln>
+            <a:headEnd type="triangle"/>
+            <a:tailEnd type="triangle"/>
+          </a:ln>
+        </p:spPr>
+        <p:style>
+          <a:lnRef idx="1">
+            <a:schemeClr val="accent1"/>
+          </a:lnRef>
+          <a:fillRef idx="0">
+            <a:schemeClr val="accent1"/>
+          </a:fillRef>
+          <a:effectRef idx="0">
+            <a:schemeClr val="accent1"/>
+          </a:effectRef>
+          <a:fontRef idx="minor">
+            <a:schemeClr val="tx1"/>
+          </a:fontRef>
+        </p:style>
+      </p:cxnSp>
+      <p:cxnSp>
+        <p:nvCxnSpPr>
+          <p:cNvPr id="133" name="Straight Connector 132">
+            <a:extLst>
+              <a:ext uri="{FF2B5EF4-FFF2-40B4-BE49-F238E27FC236}">
+                <a16:creationId xmlns:a16="http://schemas.microsoft.com/office/drawing/2014/main" id="{97AFC2FD-FEAC-2348-994A-B3A8B39CB18D}"/>
+              </a:ext>
+            </a:extLst>
+          </p:cNvPr>
+          <p:cNvCxnSpPr>
+            <a:cxnSpLocks/>
+            <a:stCxn id="27" idx="2"/>
+            <a:endCxn id="124" idx="0"/>
+          </p:cNvCxnSpPr>
+          <p:nvPr/>
+        </p:nvCxnSpPr>
+        <p:spPr>
+          <a:xfrm>
+            <a:off x="1256630" y="2759000"/>
+            <a:ext cx="10573777" cy="831"/>
+          </a:xfrm>
+          <a:prstGeom prst="line">
+            <a:avLst/>
+          </a:prstGeom>
+          <a:ln>
+            <a:solidFill>
+              <a:schemeClr val="accent4">
+                <a:lumMod val="75000"/>
+              </a:schemeClr>
+            </a:solidFill>
+          </a:ln>
+        </p:spPr>
+        <p:style>
+          <a:lnRef idx="1">
+            <a:schemeClr val="accent1"/>
+          </a:lnRef>
+          <a:fillRef idx="0">
+            <a:schemeClr val="accent1"/>
+          </a:fillRef>
+          <a:effectRef idx="0">
+            <a:schemeClr val="accent1"/>
+          </a:effectRef>
+          <a:fontRef idx="minor">
+            <a:schemeClr val="tx1"/>
+          </a:fontRef>
+        </p:style>
+      </p:cxnSp>
+      <p:sp>
+        <p:nvSpPr>
+          <p:cNvPr id="16" name="TextBox 15">
+            <a:extLst>
+              <a:ext uri="{FF2B5EF4-FFF2-40B4-BE49-F238E27FC236}">
+                <a16:creationId xmlns:a16="http://schemas.microsoft.com/office/drawing/2014/main" id="{229D4E75-79D8-974E-B4CD-A50062F6AD6D}"/>
+              </a:ext>
+            </a:extLst>
+          </p:cNvPr>
+          <p:cNvSpPr txBox="1"/>
+          <p:nvPr/>
+        </p:nvSpPr>
+        <p:spPr>
+          <a:xfrm>
+            <a:off x="9214139" y="2518905"/>
+            <a:ext cx="2157963" cy="235449"/>
+          </a:xfrm>
+          <a:prstGeom prst="rect">
+            <a:avLst/>
+          </a:prstGeom>
+          <a:noFill/>
+        </p:spPr>
+        <p:txBody>
+          <a:bodyPr wrap="none" rtlCol="0">
+            <a:spAutoFit/>
+          </a:bodyPr>
+          <a:lstStyle/>
+          <a:p>
+            <a:r>
+              <a:rPr lang="en-US" sz="930" dirty="0">
+                <a:latin typeface="Arial" panose="020B0604020202020204" pitchFamily="34" charset="0"/>
+                <a:cs typeface="Arial" panose="020B0604020202020204" pitchFamily="34" charset="0"/>
+              </a:rPr>
+              <a:t>(optional       needed for    SSO/MFA)</a:t>
+            </a:r>
+          </a:p>
+        </p:txBody>
+      </p:sp>
+      <p:sp>
+        <p:nvSpPr>
+          <p:cNvPr id="139" name="TextBox 138">
+            <a:extLst>
+              <a:ext uri="{FF2B5EF4-FFF2-40B4-BE49-F238E27FC236}">
+                <a16:creationId xmlns:a16="http://schemas.microsoft.com/office/drawing/2014/main" id="{1A577E84-65E5-0A43-AFE2-35C4D24B34CC}"/>
+              </a:ext>
+            </a:extLst>
+          </p:cNvPr>
+          <p:cNvSpPr txBox="1"/>
+          <p:nvPr/>
+        </p:nvSpPr>
+        <p:spPr>
+          <a:xfrm>
+            <a:off x="4574407" y="2500760"/>
+            <a:ext cx="915635" cy="235449"/>
+          </a:xfrm>
+          <a:prstGeom prst="rect">
+            <a:avLst/>
+          </a:prstGeom>
+          <a:noFill/>
+        </p:spPr>
+        <p:txBody>
+          <a:bodyPr wrap="none" rtlCol="0">
+            <a:spAutoFit/>
+          </a:bodyPr>
+          <a:lstStyle/>
+          <a:p>
+            <a:r>
+              <a:rPr lang="en-US" sz="930" dirty="0">
+                <a:latin typeface="Arial" panose="020B0604020202020204" pitchFamily="34" charset="0"/>
+                <a:cs typeface="Arial" panose="020B0604020202020204" pitchFamily="34" charset="0"/>
+              </a:rPr>
+              <a:t>API Gateway</a:t>
+            </a:r>
+          </a:p>
+        </p:txBody>
+      </p:sp>
+      <p:sp>
+        <p:nvSpPr>
+          <p:cNvPr id="131" name="TextBox 130">
+            <a:extLst>
+              <a:ext uri="{FF2B5EF4-FFF2-40B4-BE49-F238E27FC236}">
+                <a16:creationId xmlns:a16="http://schemas.microsoft.com/office/drawing/2014/main" id="{91CCDF08-B5C5-5549-A8D7-30660EADEC08}"/>
+              </a:ext>
+            </a:extLst>
+          </p:cNvPr>
+          <p:cNvSpPr txBox="1"/>
+          <p:nvPr/>
+        </p:nvSpPr>
+        <p:spPr>
+          <a:xfrm>
+            <a:off x="5309049" y="5998600"/>
+            <a:ext cx="562975" cy="307777"/>
+          </a:xfrm>
+          <a:prstGeom prst="rect">
+            <a:avLst/>
+          </a:prstGeom>
+          <a:noFill/>
+        </p:spPr>
+        <p:txBody>
+          <a:bodyPr wrap="none" rtlCol="0">
+            <a:spAutoFit/>
+          </a:bodyPr>
+          <a:lstStyle/>
+          <a:p>
+            <a:r>
+              <a:rPr lang="en-US" sz="1400" dirty="0">
+                <a:solidFill>
+                  <a:schemeClr val="accent4">
+                    <a:lumMod val="75000"/>
+                  </a:schemeClr>
+                </a:solidFill>
+                <a:latin typeface="Arial" panose="020B0604020202020204" pitchFamily="34" charset="0"/>
+                <a:cs typeface="Arial" panose="020B0604020202020204" pitchFamily="34" charset="0"/>
+              </a:rPr>
+              <a:t>Java</a:t>
+            </a:r>
+          </a:p>
+        </p:txBody>
+      </p:sp>
+      <p:sp>
+        <p:nvSpPr>
+          <p:cNvPr id="146" name="TextBox 145">
+            <a:extLst>
+              <a:ext uri="{FF2B5EF4-FFF2-40B4-BE49-F238E27FC236}">
+                <a16:creationId xmlns:a16="http://schemas.microsoft.com/office/drawing/2014/main" id="{518F8221-BEA5-8642-B541-E261F133B78B}"/>
+              </a:ext>
+            </a:extLst>
+          </p:cNvPr>
+          <p:cNvSpPr txBox="1"/>
+          <p:nvPr/>
+        </p:nvSpPr>
+        <p:spPr>
+          <a:xfrm>
+            <a:off x="5299896" y="6245460"/>
+            <a:ext cx="792205" cy="307777"/>
+          </a:xfrm>
+          <a:prstGeom prst="rect">
+            <a:avLst/>
+          </a:prstGeom>
+          <a:noFill/>
+        </p:spPr>
+        <p:txBody>
+          <a:bodyPr wrap="none" rtlCol="0">
+            <a:spAutoFit/>
+          </a:bodyPr>
+          <a:lstStyle/>
+          <a:p>
+            <a:r>
+              <a:rPr lang="en-US" sz="1400" dirty="0">
+                <a:solidFill>
+                  <a:srgbClr val="00B19E"/>
+                </a:solidFill>
+                <a:latin typeface="Arial" panose="020B0604020202020204" pitchFamily="34" charset="0"/>
+                <a:cs typeface="Arial" panose="020B0604020202020204" pitchFamily="34" charset="0"/>
+              </a:rPr>
+              <a:t>Node.js</a:t>
+            </a:r>
+          </a:p>
+        </p:txBody>
+      </p:sp>
+      <p:sp>
+        <p:nvSpPr>
+          <p:cNvPr id="154" name="TextBox 153">
+            <a:extLst>
+              <a:ext uri="{FF2B5EF4-FFF2-40B4-BE49-F238E27FC236}">
+                <a16:creationId xmlns:a16="http://schemas.microsoft.com/office/drawing/2014/main" id="{A9F02D7E-9694-6247-BCCA-F0034D843606}"/>
+              </a:ext>
+            </a:extLst>
+          </p:cNvPr>
+          <p:cNvSpPr txBox="1"/>
+          <p:nvPr/>
+        </p:nvSpPr>
+        <p:spPr>
+          <a:xfrm>
+            <a:off x="5299896" y="6484136"/>
+            <a:ext cx="1080745" cy="307777"/>
+          </a:xfrm>
+          <a:prstGeom prst="rect">
+            <a:avLst/>
+          </a:prstGeom>
+          <a:noFill/>
+        </p:spPr>
+        <p:txBody>
+          <a:bodyPr wrap="none" rtlCol="0">
+            <a:spAutoFit/>
+          </a:bodyPr>
+          <a:lstStyle/>
+          <a:p>
+            <a:r>
+              <a:rPr lang="en-US" sz="1400" dirty="0">
+                <a:solidFill>
+                  <a:srgbClr val="7030A0"/>
+                </a:solidFill>
+                <a:latin typeface="Arial" panose="020B0604020202020204" pitchFamily="34" charset="0"/>
+                <a:cs typeface="Arial" panose="020B0604020202020204" pitchFamily="34" charset="0"/>
+              </a:rPr>
+              <a:t>metal C / C</a:t>
+            </a:r>
+          </a:p>
+        </p:txBody>
+      </p:sp>
+      <p:sp>
+        <p:nvSpPr>
+          <p:cNvPr id="155" name="Rectangle 154">
+            <a:extLst>
+              <a:ext uri="{FF2B5EF4-FFF2-40B4-BE49-F238E27FC236}">
+                <a16:creationId xmlns:a16="http://schemas.microsoft.com/office/drawing/2014/main" id="{7A30BC74-E0C1-274A-B69E-024046A972CD}"/>
+              </a:ext>
+            </a:extLst>
+          </p:cNvPr>
+          <p:cNvSpPr/>
+          <p:nvPr/>
+        </p:nvSpPr>
+        <p:spPr>
+          <a:xfrm>
+            <a:off x="7759447" y="1243079"/>
+            <a:ext cx="1403365" cy="175638"/>
+          </a:xfrm>
+          <a:prstGeom prst="rect">
+            <a:avLst/>
+          </a:prstGeom>
+          <a:solidFill>
+            <a:srgbClr val="00B19E">
+              <a:alpha val="96000"/>
+            </a:srgbClr>
+          </a:solidFill>
+          <a:ln>
+            <a:solidFill>
+              <a:srgbClr val="20708D"/>
+            </a:solidFill>
+          </a:ln>
+        </p:spPr>
+        <p:style>
+          <a:lnRef idx="1">
+            <a:schemeClr val="accent1"/>
+          </a:lnRef>
+          <a:fillRef idx="3">
+            <a:schemeClr val="accent1"/>
+          </a:fillRef>
+          <a:effectRef idx="2">
+            <a:schemeClr val="accent1"/>
+          </a:effectRef>
+          <a:fontRef idx="minor">
+            <a:schemeClr val="lt1"/>
+          </a:fontRef>
+        </p:style>
+        <p:txBody>
+          <a:bodyPr rtlCol="0" anchor="ctr"/>
+          <a:lstStyle/>
+          <a:p>
+            <a:pPr algn="ctr"/>
+            <a:endParaRPr lang="en-US" sz="1000" dirty="0">
+              <a:solidFill>
+                <a:schemeClr val="tx1"/>
+              </a:solidFill>
+              <a:latin typeface="Arial" panose="020B0604020202020204" pitchFamily="34" charset="0"/>
+              <a:ea typeface="Menlo" charset="0"/>
+              <a:cs typeface="Arial" panose="020B0604020202020204" pitchFamily="34" charset="0"/>
+            </a:endParaRPr>
+          </a:p>
+          <a:p>
+            <a:pPr algn="ctr"/>
+            <a:r>
+              <a:rPr lang="en-US" sz="1000" dirty="0">
+                <a:solidFill>
+                  <a:schemeClr val="tx1"/>
+                </a:solidFill>
+                <a:latin typeface="Arial" panose="020B0604020202020204" pitchFamily="34" charset="0"/>
+                <a:ea typeface="Menlo" charset="0"/>
+                <a:cs typeface="Arial" panose="020B0604020202020204" pitchFamily="34" charset="0"/>
+              </a:rPr>
+              <a:t>Node SDK</a:t>
+            </a:r>
+          </a:p>
+          <a:p>
+            <a:pPr algn="ctr"/>
+            <a:endParaRPr lang="en-US" sz="1000" dirty="0">
+              <a:solidFill>
+                <a:schemeClr val="tx1"/>
+              </a:solidFill>
+              <a:latin typeface="Arial" panose="020B0604020202020204" pitchFamily="34" charset="0"/>
+              <a:ea typeface="Menlo" charset="0"/>
+              <a:cs typeface="Arial" panose="020B0604020202020204" pitchFamily="34" charset="0"/>
+            </a:endParaRPr>
+          </a:p>
+        </p:txBody>
+      </p:sp>
+      <p:sp>
+        <p:nvSpPr>
+          <p:cNvPr id="81" name="TextBox 80">
+            <a:extLst>
+              <a:ext uri="{FF2B5EF4-FFF2-40B4-BE49-F238E27FC236}">
+                <a16:creationId xmlns:a16="http://schemas.microsoft.com/office/drawing/2014/main" id="{A47FF51A-E419-A74C-93A5-5E4493C4A85C}"/>
+              </a:ext>
+            </a:extLst>
+          </p:cNvPr>
+          <p:cNvSpPr txBox="1"/>
+          <p:nvPr/>
+        </p:nvSpPr>
+        <p:spPr>
+          <a:xfrm>
+            <a:off x="1083504" y="2094562"/>
+            <a:ext cx="2279791" cy="276999"/>
+          </a:xfrm>
+          <a:prstGeom prst="rect">
+            <a:avLst/>
+          </a:prstGeom>
+          <a:noFill/>
+        </p:spPr>
+        <p:txBody>
+          <a:bodyPr wrap="none" rtlCol="0">
+            <a:spAutoFit/>
+          </a:bodyPr>
+          <a:lstStyle/>
+          <a:p>
+            <a:r>
+              <a:rPr lang="en-US" sz="1200" dirty="0">
+                <a:latin typeface="Arial" panose="020B0604020202020204" pitchFamily="34" charset="0"/>
+                <a:cs typeface="Arial" panose="020B0604020202020204" pitchFamily="34" charset="0"/>
+              </a:rPr>
+              <a:t>Running in a Docker Container</a:t>
+            </a:r>
+          </a:p>
+        </p:txBody>
+      </p:sp>
+      <p:pic>
+        <p:nvPicPr>
+          <p:cNvPr id="118" name="Picture 4" descr="Creating Smaller Docker Images - Ian Lewis">
+            <a:extLst>
+              <a:ext uri="{FF2B5EF4-FFF2-40B4-BE49-F238E27FC236}">
+                <a16:creationId xmlns:a16="http://schemas.microsoft.com/office/drawing/2014/main" id="{EE8515E0-C9EE-46DB-9A5A-5CABF46E517A}"/>
+              </a:ext>
+            </a:extLst>
+          </p:cNvPr>
+          <p:cNvPicPr>
+            <a:picLocks noChangeAspect="1" noChangeArrowheads="1"/>
+          </p:cNvPicPr>
+          <p:nvPr/>
+        </p:nvPicPr>
+        <p:blipFill>
+          <a:blip r:embed="rId9">
+            <a:extLst>
+              <a:ext uri="{28A0092B-C50C-407E-A947-70E740481C1C}">
+                <a14:useLocalDpi xmlns:a14="http://schemas.microsoft.com/office/drawing/2010/main" val="0"/>
+              </a:ext>
+            </a:extLst>
+          </a:blip>
+          <a:srcRect/>
+          <a:stretch>
+            <a:fillRect/>
+          </a:stretch>
+        </p:blipFill>
+        <p:spPr bwMode="auto">
+          <a:xfrm>
+            <a:off x="7504186" y="3235408"/>
+            <a:ext cx="675530" cy="601733"/>
+          </a:xfrm>
+          <a:prstGeom prst="rect">
+            <a:avLst/>
+          </a:prstGeom>
+          <a:noFill/>
+          <a:extLst>
+            <a:ext uri="{909E8E84-426E-40DD-AFC4-6F175D3DCCD1}">
+              <a14:hiddenFill xmlns:a14="http://schemas.microsoft.com/office/drawing/2010/main">
+                <a:solidFill>
+                  <a:srgbClr val="FFFFFF"/>
+                </a:solidFill>
+              </a14:hiddenFill>
+            </a:ext>
+          </a:extLst>
+        </p:spPr>
+      </p:pic>
+      <p:sp>
+        <p:nvSpPr>
+          <p:cNvPr id="152" name="Rectangle 151">
+            <a:extLst>
+              <a:ext uri="{FF2B5EF4-FFF2-40B4-BE49-F238E27FC236}">
+                <a16:creationId xmlns:a16="http://schemas.microsoft.com/office/drawing/2014/main" id="{E278F128-E485-4C1D-BC41-AF28476CB110}"/>
+              </a:ext>
+            </a:extLst>
+          </p:cNvPr>
+          <p:cNvSpPr/>
+          <p:nvPr/>
+        </p:nvSpPr>
+        <p:spPr>
+          <a:xfrm>
+            <a:off x="1083504" y="5150514"/>
+            <a:ext cx="3116174" cy="582160"/>
+          </a:xfrm>
+          <a:prstGeom prst="rect">
+            <a:avLst/>
+          </a:prstGeom>
+          <a:solidFill>
+            <a:srgbClr val="F2F2F2"/>
+          </a:solidFill>
+          <a:ln>
+            <a:solidFill>
+              <a:schemeClr val="bg1">
+                <a:lumMod val="50000"/>
+              </a:schemeClr>
+            </a:solidFill>
+          </a:ln>
+        </p:spPr>
+        <p:style>
+          <a:lnRef idx="2">
+            <a:schemeClr val="accent1">
+              <a:shade val="50000"/>
+            </a:schemeClr>
+          </a:lnRef>
+          <a:fillRef idx="1">
+            <a:schemeClr val="accent1"/>
+          </a:fillRef>
+          <a:effectRef idx="0">
+            <a:schemeClr val="accent1"/>
+          </a:effectRef>
+          <a:fontRef idx="minor">
+            <a:schemeClr val="lt1"/>
+          </a:fontRef>
+        </p:style>
+        <p:txBody>
+          <a:bodyPr rtlCol="0" anchor="ctr"/>
+          <a:lstStyle/>
+          <a:p>
+            <a:pPr algn="ctr"/>
+            <a:endParaRPr lang="en-US" sz="1400" dirty="0">
+              <a:solidFill>
+                <a:schemeClr val="accent6">
+                  <a:lumMod val="60000"/>
+                  <a:lumOff val="40000"/>
+                </a:schemeClr>
+              </a:solidFill>
+              <a:latin typeface="Arial" panose="020B0604020202020204" pitchFamily="34" charset="0"/>
+              <a:cs typeface="Arial" panose="020B0604020202020204" pitchFamily="34" charset="0"/>
+            </a:endParaRPr>
+          </a:p>
+        </p:txBody>
+      </p:sp>
+      <p:sp>
+        <p:nvSpPr>
+          <p:cNvPr id="153" name="Rectangle 152">
+            <a:extLst>
+              <a:ext uri="{FF2B5EF4-FFF2-40B4-BE49-F238E27FC236}">
+                <a16:creationId xmlns:a16="http://schemas.microsoft.com/office/drawing/2014/main" id="{2086C1E4-CF80-4A6E-B02C-7C3B9778E825}"/>
+              </a:ext>
+            </a:extLst>
+          </p:cNvPr>
+          <p:cNvSpPr/>
+          <p:nvPr/>
+        </p:nvSpPr>
+        <p:spPr>
+          <a:xfrm>
+            <a:off x="1118495" y="6039568"/>
+            <a:ext cx="1512227" cy="727780"/>
+          </a:xfrm>
+          <a:prstGeom prst="rect">
+            <a:avLst/>
+          </a:prstGeom>
+          <a:solidFill>
+            <a:schemeClr val="accent4">
+              <a:lumMod val="40000"/>
+              <a:lumOff val="60000"/>
+              <a:alpha val="50000"/>
+            </a:schemeClr>
+          </a:solidFill>
+        </p:spPr>
+        <p:style>
+          <a:lnRef idx="2">
+            <a:schemeClr val="accent1">
+              <a:shade val="50000"/>
+            </a:schemeClr>
+          </a:lnRef>
+          <a:fillRef idx="1">
+            <a:schemeClr val="accent1"/>
+          </a:fillRef>
+          <a:effectRef idx="0">
+            <a:schemeClr val="accent1"/>
+          </a:effectRef>
+          <a:fontRef idx="minor">
+            <a:schemeClr val="lt1"/>
+          </a:fontRef>
+        </p:style>
+        <p:txBody>
+          <a:bodyPr rtlCol="0" anchor="ctr"/>
+          <a:lstStyle/>
+          <a:p>
+            <a:pPr algn="ctr"/>
+            <a:endParaRPr lang="en-US">
+              <a:latin typeface="Arial" panose="020B0604020202020204" pitchFamily="34" charset="0"/>
+              <a:cs typeface="Arial" panose="020B0604020202020204" pitchFamily="34" charset="0"/>
+            </a:endParaRPr>
+          </a:p>
+        </p:txBody>
+      </p:sp>
+      <p:sp>
+        <p:nvSpPr>
+          <p:cNvPr id="156" name="Rectangle 155">
+            <a:extLst>
+              <a:ext uri="{FF2B5EF4-FFF2-40B4-BE49-F238E27FC236}">
+                <a16:creationId xmlns:a16="http://schemas.microsoft.com/office/drawing/2014/main" id="{ACDB2D42-D175-4250-AB69-9259487437EF}"/>
+              </a:ext>
+            </a:extLst>
+          </p:cNvPr>
+          <p:cNvSpPr/>
+          <p:nvPr/>
+        </p:nvSpPr>
+        <p:spPr>
+          <a:xfrm>
+            <a:off x="1289331" y="5224638"/>
+            <a:ext cx="1128765" cy="276391"/>
+          </a:xfrm>
+          <a:prstGeom prst="rect">
+            <a:avLst/>
+          </a:prstGeom>
+          <a:solidFill>
+            <a:srgbClr val="7030A0">
+              <a:alpha val="75000"/>
+            </a:srgbClr>
+          </a:solidFill>
+        </p:spPr>
+        <p:style>
+          <a:lnRef idx="2">
+            <a:schemeClr val="accent1">
+              <a:shade val="50000"/>
+            </a:schemeClr>
+          </a:lnRef>
+          <a:fillRef idx="1">
+            <a:schemeClr val="accent1"/>
+          </a:fillRef>
+          <a:effectRef idx="0">
+            <a:schemeClr val="accent1"/>
+          </a:effectRef>
+          <a:fontRef idx="minor">
+            <a:schemeClr val="lt1"/>
+          </a:fontRef>
+        </p:style>
+        <p:txBody>
+          <a:bodyPr rtlCol="0" anchor="ctr"/>
+          <a:lstStyle/>
+          <a:p>
+            <a:pPr algn="ctr"/>
+            <a:r>
+              <a:rPr lang="en-US" sz="1000" dirty="0">
+                <a:solidFill>
+                  <a:schemeClr val="bg1"/>
+                </a:solidFill>
+                <a:latin typeface="Arial" panose="020B0604020202020204" pitchFamily="34" charset="0"/>
+                <a:ea typeface="Menlo" panose="020B0609030804020204" pitchFamily="49" charset="0"/>
+                <a:cs typeface="Arial" panose="020B0604020202020204" pitchFamily="34" charset="0"/>
+              </a:rPr>
+              <a:t>ZSS</a:t>
+            </a:r>
+          </a:p>
+        </p:txBody>
+      </p:sp>
+      <p:sp>
+        <p:nvSpPr>
+          <p:cNvPr id="165" name="TextBox 164">
+            <a:extLst>
+              <a:ext uri="{FF2B5EF4-FFF2-40B4-BE49-F238E27FC236}">
+                <a16:creationId xmlns:a16="http://schemas.microsoft.com/office/drawing/2014/main" id="{98BE9BD7-4826-415A-9A9C-536DC0350C0B}"/>
+              </a:ext>
+            </a:extLst>
+          </p:cNvPr>
+          <p:cNvSpPr txBox="1"/>
+          <p:nvPr/>
+        </p:nvSpPr>
+        <p:spPr>
+          <a:xfrm>
+            <a:off x="1326412" y="4947740"/>
+            <a:ext cx="498855" cy="261610"/>
+          </a:xfrm>
+          <a:prstGeom prst="rect">
+            <a:avLst/>
+          </a:prstGeom>
+          <a:noFill/>
+        </p:spPr>
+        <p:txBody>
+          <a:bodyPr wrap="none" rtlCol="0">
+            <a:spAutoFit/>
+          </a:bodyPr>
+          <a:lstStyle/>
+          <a:p>
+            <a:r>
+              <a:rPr lang="en-US" sz="1100" dirty="0">
+                <a:latin typeface="Arial" panose="020B0604020202020204" pitchFamily="34" charset="0"/>
+                <a:ea typeface="Menlo" panose="020B0609030804020204" pitchFamily="49" charset="0"/>
+                <a:cs typeface="Arial" panose="020B0604020202020204" pitchFamily="34" charset="0"/>
+              </a:rPr>
+              <a:t>7557</a:t>
+            </a:r>
+          </a:p>
+        </p:txBody>
+      </p:sp>
+      <p:sp>
+        <p:nvSpPr>
+          <p:cNvPr id="166" name="Rectangle 165">
+            <a:extLst>
+              <a:ext uri="{FF2B5EF4-FFF2-40B4-BE49-F238E27FC236}">
+                <a16:creationId xmlns:a16="http://schemas.microsoft.com/office/drawing/2014/main" id="{ED7E91CD-0C04-429F-AC2C-C5E60A3DB131}"/>
+              </a:ext>
+            </a:extLst>
+          </p:cNvPr>
+          <p:cNvSpPr/>
+          <p:nvPr/>
+        </p:nvSpPr>
+        <p:spPr>
+          <a:xfrm>
+            <a:off x="1346903" y="6408900"/>
+            <a:ext cx="1128765" cy="276391"/>
+          </a:xfrm>
+          <a:prstGeom prst="rect">
+            <a:avLst/>
+          </a:prstGeom>
+          <a:solidFill>
+            <a:srgbClr val="7030A0">
+              <a:alpha val="75000"/>
+            </a:srgbClr>
+          </a:solidFill>
+        </p:spPr>
+        <p:style>
+          <a:lnRef idx="2">
+            <a:schemeClr val="accent1">
+              <a:shade val="50000"/>
+            </a:schemeClr>
+          </a:lnRef>
+          <a:fillRef idx="1">
+            <a:schemeClr val="accent1"/>
+          </a:fillRef>
+          <a:effectRef idx="0">
+            <a:schemeClr val="accent1"/>
+          </a:effectRef>
+          <a:fontRef idx="minor">
+            <a:schemeClr val="lt1"/>
+          </a:fontRef>
+        </p:style>
+        <p:txBody>
+          <a:bodyPr rtlCol="0" anchor="ctr"/>
+          <a:lstStyle/>
+          <a:p>
+            <a:pPr algn="ctr"/>
+            <a:r>
+              <a:rPr lang="en-US" sz="1000">
+                <a:solidFill>
+                  <a:schemeClr val="bg1"/>
+                </a:solidFill>
+                <a:latin typeface="Arial" panose="020B0604020202020204" pitchFamily="34" charset="0"/>
+                <a:ea typeface="Menlo" panose="020B0609030804020204" pitchFamily="49" charset="0"/>
+                <a:cs typeface="Arial" panose="020B0604020202020204" pitchFamily="34" charset="0"/>
+              </a:rPr>
+              <a:t>ZWESIS01</a:t>
+            </a:r>
+          </a:p>
+        </p:txBody>
+      </p:sp>
+      <p:sp>
+        <p:nvSpPr>
+          <p:cNvPr id="167" name="TextBox 166">
+            <a:extLst>
+              <a:ext uri="{FF2B5EF4-FFF2-40B4-BE49-F238E27FC236}">
+                <a16:creationId xmlns:a16="http://schemas.microsoft.com/office/drawing/2014/main" id="{6EBB9675-F305-4C36-8B0B-8D4615731486}"/>
+              </a:ext>
+            </a:extLst>
+          </p:cNvPr>
+          <p:cNvSpPr txBox="1"/>
+          <p:nvPr/>
+        </p:nvSpPr>
+        <p:spPr>
+          <a:xfrm>
+            <a:off x="1317575" y="6085628"/>
+            <a:ext cx="673582" cy="261610"/>
+          </a:xfrm>
+          <a:prstGeom prst="rect">
+            <a:avLst/>
+          </a:prstGeom>
+          <a:noFill/>
+        </p:spPr>
+        <p:txBody>
+          <a:bodyPr wrap="none" rtlCol="0">
+            <a:spAutoFit/>
+          </a:bodyPr>
+          <a:lstStyle/>
+          <a:p>
+            <a:r>
+              <a:rPr lang="en-US" sz="1100" dirty="0">
+                <a:latin typeface="Arial" panose="020B0604020202020204" pitchFamily="34" charset="0"/>
+                <a:ea typeface="Menlo" panose="020B0609030804020204" pitchFamily="49" charset="0"/>
+                <a:cs typeface="Arial" panose="020B0604020202020204" pitchFamily="34" charset="0"/>
+              </a:rPr>
+              <a:t>ZIS.      </a:t>
+            </a:r>
+          </a:p>
+        </p:txBody>
+      </p:sp>
+      <p:sp>
+        <p:nvSpPr>
+          <p:cNvPr id="168" name="TextBox 167">
+            <a:extLst>
+              <a:ext uri="{FF2B5EF4-FFF2-40B4-BE49-F238E27FC236}">
+                <a16:creationId xmlns:a16="http://schemas.microsoft.com/office/drawing/2014/main" id="{F601146E-2F4F-40DA-8DB1-D87E15573D25}"/>
+              </a:ext>
+            </a:extLst>
+          </p:cNvPr>
+          <p:cNvSpPr txBox="1"/>
+          <p:nvPr/>
+        </p:nvSpPr>
+        <p:spPr>
+          <a:xfrm>
+            <a:off x="34719" y="6044536"/>
+            <a:ext cx="1024727" cy="276999"/>
+          </a:xfrm>
+          <a:prstGeom prst="rect">
+            <a:avLst/>
+          </a:prstGeom>
+          <a:solidFill>
+            <a:schemeClr val="tx1"/>
+          </a:solidFill>
+        </p:spPr>
+        <p:txBody>
+          <a:bodyPr wrap="square" rtlCol="0">
+            <a:spAutoFit/>
+          </a:bodyPr>
+          <a:lstStyle/>
+          <a:p>
+            <a:r>
+              <a:rPr lang="en-US" sz="1200" dirty="0">
+                <a:solidFill>
+                  <a:schemeClr val="accent6">
+                    <a:lumMod val="75000"/>
+                  </a:schemeClr>
+                </a:solidFill>
+                <a:latin typeface="Arial" panose="020B0604020202020204" pitchFamily="34" charset="0"/>
+                <a:cs typeface="Arial" panose="020B0604020202020204" pitchFamily="34" charset="0"/>
+              </a:rPr>
+              <a:t>ZWESISTC</a:t>
+            </a:r>
+          </a:p>
+        </p:txBody>
+      </p:sp>
+      <p:sp>
+        <p:nvSpPr>
+          <p:cNvPr id="169" name="TextBox 168">
+            <a:extLst>
+              <a:ext uri="{FF2B5EF4-FFF2-40B4-BE49-F238E27FC236}">
+                <a16:creationId xmlns:a16="http://schemas.microsoft.com/office/drawing/2014/main" id="{FD21441A-95DE-4CDC-ACB2-7051E58F49B5}"/>
+              </a:ext>
+            </a:extLst>
+          </p:cNvPr>
+          <p:cNvSpPr txBox="1"/>
+          <p:nvPr/>
+        </p:nvSpPr>
+        <p:spPr>
+          <a:xfrm>
+            <a:off x="1277387" y="5808730"/>
+            <a:ext cx="1213794" cy="261610"/>
+          </a:xfrm>
+          <a:prstGeom prst="rect">
+            <a:avLst/>
+          </a:prstGeom>
+          <a:noFill/>
+        </p:spPr>
+        <p:txBody>
+          <a:bodyPr wrap="none" rtlCol="0">
+            <a:spAutoFit/>
+          </a:bodyPr>
+          <a:lstStyle/>
+          <a:p>
+            <a:r>
+              <a:rPr lang="en-US" sz="1100" dirty="0">
+                <a:latin typeface="Arial" panose="020B0604020202020204" pitchFamily="34" charset="0"/>
+                <a:ea typeface="Menlo" panose="020B0609030804020204" pitchFamily="49" charset="0"/>
+                <a:cs typeface="Arial" panose="020B0604020202020204" pitchFamily="34" charset="0"/>
+              </a:rPr>
+              <a:t>Cross   Memory</a:t>
+            </a:r>
+          </a:p>
+        </p:txBody>
+      </p:sp>
+      <p:sp>
+        <p:nvSpPr>
+          <p:cNvPr id="170" name="TextBox 169">
+            <a:extLst>
+              <a:ext uri="{FF2B5EF4-FFF2-40B4-BE49-F238E27FC236}">
+                <a16:creationId xmlns:a16="http://schemas.microsoft.com/office/drawing/2014/main" id="{A39724DF-65AA-4BD6-9A3C-9F8816D9FD3C}"/>
+              </a:ext>
+            </a:extLst>
+          </p:cNvPr>
+          <p:cNvSpPr txBox="1"/>
+          <p:nvPr/>
+        </p:nvSpPr>
+        <p:spPr>
+          <a:xfrm>
+            <a:off x="8650" y="5149643"/>
+            <a:ext cx="1023037" cy="276999"/>
+          </a:xfrm>
+          <a:prstGeom prst="rect">
+            <a:avLst/>
+          </a:prstGeom>
+          <a:solidFill>
+            <a:schemeClr val="tx1"/>
+          </a:solidFill>
+        </p:spPr>
+        <p:txBody>
+          <a:bodyPr wrap="none" rtlCol="0">
+            <a:spAutoFit/>
+          </a:bodyPr>
+          <a:lstStyle/>
+          <a:p>
+            <a:r>
+              <a:rPr lang="en-US" sz="1200" dirty="0">
+                <a:solidFill>
+                  <a:schemeClr val="accent6">
+                    <a:lumMod val="75000"/>
+                  </a:schemeClr>
+                </a:solidFill>
+                <a:latin typeface="Arial" panose="020B0604020202020204" pitchFamily="34" charset="0"/>
+                <a:cs typeface="Arial" panose="020B0604020202020204" pitchFamily="34" charset="0"/>
+              </a:rPr>
+              <a:t>ZWESLSTC</a:t>
+            </a:r>
+          </a:p>
+        </p:txBody>
+      </p:sp>
+      <p:sp>
+        <p:nvSpPr>
+          <p:cNvPr id="171" name="TextBox 170">
+            <a:extLst>
+              <a:ext uri="{FF2B5EF4-FFF2-40B4-BE49-F238E27FC236}">
+                <a16:creationId xmlns:a16="http://schemas.microsoft.com/office/drawing/2014/main" id="{A324F1BF-BD6E-4FAF-A169-67826A0E9D7D}"/>
+              </a:ext>
+            </a:extLst>
+          </p:cNvPr>
+          <p:cNvSpPr txBox="1"/>
+          <p:nvPr/>
+        </p:nvSpPr>
+        <p:spPr>
+          <a:xfrm>
+            <a:off x="1106340" y="5481496"/>
+            <a:ext cx="1590500" cy="276999"/>
+          </a:xfrm>
+          <a:prstGeom prst="rect">
+            <a:avLst/>
+          </a:prstGeom>
+          <a:noFill/>
+        </p:spPr>
+        <p:txBody>
+          <a:bodyPr wrap="none" rtlCol="0">
+            <a:spAutoFit/>
+          </a:bodyPr>
+          <a:lstStyle/>
+          <a:p>
+            <a:r>
+              <a:rPr lang="en-US" sz="1200" dirty="0">
+                <a:latin typeface="Arial" panose="020B0604020202020204" pitchFamily="34" charset="0"/>
+                <a:cs typeface="Arial" panose="020B0604020202020204" pitchFamily="34" charset="0"/>
+              </a:rPr>
+              <a:t>Running  under USS</a:t>
+            </a:r>
+          </a:p>
+        </p:txBody>
+      </p:sp>
+      <p:cxnSp>
+        <p:nvCxnSpPr>
+          <p:cNvPr id="172" name="Straight Arrow Connector 171">
+            <a:extLst>
+              <a:ext uri="{FF2B5EF4-FFF2-40B4-BE49-F238E27FC236}">
+                <a16:creationId xmlns:a16="http://schemas.microsoft.com/office/drawing/2014/main" id="{39CAC4BC-9C1B-474B-9688-88DA07D75D3F}"/>
+              </a:ext>
+            </a:extLst>
+          </p:cNvPr>
+          <p:cNvCxnSpPr>
+            <a:cxnSpLocks/>
+          </p:cNvCxnSpPr>
+          <p:nvPr/>
+        </p:nvCxnSpPr>
+        <p:spPr>
+          <a:xfrm>
+            <a:off x="1783255" y="5531605"/>
+            <a:ext cx="0" cy="877295"/>
+          </a:xfrm>
+          <a:prstGeom prst="straightConnector1">
+            <a:avLst/>
+          </a:prstGeom>
+          <a:ln>
+            <a:prstDash val="solid"/>
+            <a:headEnd type="triangle"/>
+            <a:tailEnd type="triangle"/>
+          </a:ln>
+        </p:spPr>
+        <p:style>
+          <a:lnRef idx="1">
+            <a:schemeClr val="accent1"/>
+          </a:lnRef>
+          <a:fillRef idx="0">
+            <a:schemeClr val="accent1"/>
+          </a:fillRef>
+          <a:effectRef idx="0">
+            <a:schemeClr val="accent1"/>
+          </a:effectRef>
+          <a:fontRef idx="minor">
+            <a:schemeClr val="tx1"/>
+          </a:fontRef>
+        </p:style>
+      </p:cxnSp>
+      <p:pic>
+        <p:nvPicPr>
+          <p:cNvPr id="2" name="Picture 2">
+            <a:extLst>
+              <a:ext uri="{FF2B5EF4-FFF2-40B4-BE49-F238E27FC236}">
+                <a16:creationId xmlns:a16="http://schemas.microsoft.com/office/drawing/2014/main" id="{D62F1F07-DCC5-0BE3-6C38-3AFAC731FB90}"/>
+              </a:ext>
+            </a:extLst>
+          </p:cNvPr>
+          <p:cNvPicPr>
+            <a:picLocks noChangeAspect="1" noChangeArrowheads="1"/>
+          </p:cNvPicPr>
+          <p:nvPr/>
+        </p:nvPicPr>
+        <p:blipFill>
+          <a:blip r:embed="rId10">
+            <a:extLst>
+              <a:ext uri="{28A0092B-C50C-407E-A947-70E740481C1C}">
+                <a14:useLocalDpi xmlns:a14="http://schemas.microsoft.com/office/drawing/2010/main" val="0"/>
+              </a:ext>
+            </a:extLst>
+          </a:blip>
+          <a:srcRect/>
+          <a:stretch>
+            <a:fillRect/>
+          </a:stretch>
+        </p:blipFill>
+        <p:spPr bwMode="auto">
+          <a:xfrm>
+            <a:off x="8971201" y="106592"/>
+            <a:ext cx="270766" cy="270766"/>
+          </a:xfrm>
+          <a:prstGeom prst="rect">
+            <a:avLst/>
+          </a:prstGeom>
+          <a:noFill/>
+          <a:extLst>
+            <a:ext uri="{909E8E84-426E-40DD-AFC4-6F175D3DCCD1}">
+              <a14:hiddenFill xmlns:a14="http://schemas.microsoft.com/office/drawing/2010/main">
+                <a:solidFill>
+                  <a:srgbClr val="FFFFFF"/>
+                </a:solidFill>
+              </a14:hiddenFill>
+            </a:ext>
+          </a:extLst>
+        </p:spPr>
+      </p:pic>
+      <p:cxnSp>
+        <p:nvCxnSpPr>
+          <p:cNvPr id="9" name="Straight Arrow Connector 8">
+            <a:extLst>
+              <a:ext uri="{FF2B5EF4-FFF2-40B4-BE49-F238E27FC236}">
+                <a16:creationId xmlns:a16="http://schemas.microsoft.com/office/drawing/2014/main" id="{EC7DB9DB-F2E7-F0B0-0FE0-D5F5960DFD64}"/>
+              </a:ext>
+            </a:extLst>
+          </p:cNvPr>
+          <p:cNvCxnSpPr>
+            <a:cxnSpLocks/>
+          </p:cNvCxnSpPr>
+          <p:nvPr/>
+        </p:nvCxnSpPr>
+        <p:spPr>
+          <a:xfrm>
+            <a:off x="1328775" y="3072180"/>
+            <a:ext cx="15306" cy="2137170"/>
+          </a:xfrm>
+          <a:prstGeom prst="straightConnector1">
+            <a:avLst/>
+          </a:prstGeom>
+          <a:ln>
+            <a:headEnd type="triangle"/>
+            <a:tailEnd type="triangle"/>
+          </a:ln>
+        </p:spPr>
+        <p:style>
+          <a:lnRef idx="1">
+            <a:schemeClr val="accent1"/>
+          </a:lnRef>
+          <a:fillRef idx="0">
+            <a:schemeClr val="accent1"/>
+          </a:fillRef>
+          <a:effectRef idx="0">
+            <a:schemeClr val="accent1"/>
+          </a:effectRef>
+          <a:fontRef idx="minor">
+            <a:schemeClr val="tx1"/>
+          </a:fontRef>
+        </p:style>
+      </p:cxnSp>
+      <p:sp>
+        <p:nvSpPr>
+          <p:cNvPr id="14" name="Rectangle 13">
+            <a:extLst>
+              <a:ext uri="{FF2B5EF4-FFF2-40B4-BE49-F238E27FC236}">
+                <a16:creationId xmlns:a16="http://schemas.microsoft.com/office/drawing/2014/main" id="{98B4E473-7A28-F092-3C5D-F08CC98C091D}"/>
+              </a:ext>
+            </a:extLst>
+          </p:cNvPr>
+          <p:cNvSpPr/>
+          <p:nvPr/>
+        </p:nvSpPr>
+        <p:spPr>
+          <a:xfrm>
+            <a:off x="2370471" y="3383294"/>
             <a:ext cx="730170" cy="351196"/>
           </a:xfrm>
           <a:prstGeom prst="rect">
@@ -10378,10 +14309,10 @@
       </p:sp>
       <p:cxnSp>
         <p:nvCxnSpPr>
-          <p:cNvPr id="32" name="Straight Arrow Connector 31">
-            <a:extLst>
-              <a:ext uri="{FF2B5EF4-FFF2-40B4-BE49-F238E27FC236}">
-                <a16:creationId xmlns:a16="http://schemas.microsoft.com/office/drawing/2014/main" id="{BD316678-45F2-FC41-929D-9AFEFDB6D35C}"/>
+          <p:cNvPr id="15" name="Straight Arrow Connector 14">
+            <a:extLst>
+              <a:ext uri="{FF2B5EF4-FFF2-40B4-BE49-F238E27FC236}">
+                <a16:creationId xmlns:a16="http://schemas.microsoft.com/office/drawing/2014/main" id="{E4B40639-19A8-C4F5-A2F3-E4DBC7D8C368}"/>
               </a:ext>
             </a:extLst>
           </p:cNvPr>
@@ -10392,7 +14323,7 @@
         </p:nvCxnSpPr>
         <p:spPr>
           <a:xfrm>
-            <a:off x="2597275" y="3062373"/>
+            <a:off x="2948504" y="3062373"/>
             <a:ext cx="8982" cy="310677"/>
           </a:xfrm>
           <a:prstGeom prst="straightConnector1">
@@ -10420,10 +14351,10 @@
       </p:cxnSp>
       <p:cxnSp>
         <p:nvCxnSpPr>
-          <p:cNvPr id="38" name="Straight Arrow Connector 37">
-            <a:extLst>
-              <a:ext uri="{FF2B5EF4-FFF2-40B4-BE49-F238E27FC236}">
-                <a16:creationId xmlns:a16="http://schemas.microsoft.com/office/drawing/2014/main" id="{2B8525D1-5DD2-9144-B286-EB52E77203BE}"/>
+          <p:cNvPr id="17" name="Straight Arrow Connector 16">
+            <a:extLst>
+              <a:ext uri="{FF2B5EF4-FFF2-40B4-BE49-F238E27FC236}">
+                <a16:creationId xmlns:a16="http://schemas.microsoft.com/office/drawing/2014/main" id="{B45EBDA7-363C-DAB7-9D15-AF0760DF6799}"/>
               </a:ext>
             </a:extLst>
           </p:cNvPr>
@@ -10434,7 +14365,7 @@
         </p:nvCxnSpPr>
         <p:spPr>
           <a:xfrm>
-            <a:off x="3421474" y="3078000"/>
+            <a:off x="3772703" y="3078000"/>
             <a:ext cx="0" cy="304147"/>
           </a:xfrm>
           <a:prstGeom prst="straightConnector1">
@@ -10460,54 +14391,12 @@
           </a:fontRef>
         </p:style>
       </p:cxnSp>
-      <p:cxnSp>
-        <p:nvCxnSpPr>
-          <p:cNvPr id="46" name="Straight Arrow Connector 45">
-            <a:extLst>
-              <a:ext uri="{FF2B5EF4-FFF2-40B4-BE49-F238E27FC236}">
-                <a16:creationId xmlns:a16="http://schemas.microsoft.com/office/drawing/2014/main" id="{021AF651-50B6-6746-B692-A167727F149A}"/>
-              </a:ext>
-            </a:extLst>
-          </p:cNvPr>
-          <p:cNvCxnSpPr>
-            <a:cxnSpLocks/>
-          </p:cNvCxnSpPr>
-          <p:nvPr/>
-        </p:nvCxnSpPr>
-        <p:spPr>
-          <a:xfrm>
-            <a:off x="4556191" y="1699591"/>
-            <a:ext cx="0" cy="759483"/>
-          </a:xfrm>
-          <a:prstGeom prst="straightConnector1">
-            <a:avLst/>
-          </a:prstGeom>
-          <a:ln>
-            <a:headEnd type="triangle"/>
-            <a:tailEnd type="triangle"/>
-          </a:ln>
-        </p:spPr>
-        <p:style>
-          <a:lnRef idx="1">
-            <a:schemeClr val="accent1"/>
-          </a:lnRef>
-          <a:fillRef idx="0">
-            <a:schemeClr val="accent1"/>
-          </a:fillRef>
-          <a:effectRef idx="0">
-            <a:schemeClr val="accent1"/>
-          </a:effectRef>
-          <a:fontRef idx="minor">
-            <a:schemeClr val="tx1"/>
-          </a:fontRef>
-        </p:style>
-      </p:cxnSp>
-      <p:sp>
-        <p:nvSpPr>
-          <p:cNvPr id="48" name="TextBox 47">
-            <a:extLst>
-              <a:ext uri="{FF2B5EF4-FFF2-40B4-BE49-F238E27FC236}">
-                <a16:creationId xmlns:a16="http://schemas.microsoft.com/office/drawing/2014/main" id="{41691BFB-2D24-0547-A69D-0918666B0AB3}"/>
+      <p:sp>
+        <p:nvSpPr>
+          <p:cNvPr id="18" name="TextBox 17">
+            <a:extLst>
+              <a:ext uri="{FF2B5EF4-FFF2-40B4-BE49-F238E27FC236}">
+                <a16:creationId xmlns:a16="http://schemas.microsoft.com/office/drawing/2014/main" id="{311289FA-A52F-B4B2-F643-C4F2C84A080A}"/>
               </a:ext>
             </a:extLst>
           </p:cNvPr>
@@ -10516,46 +14405,7 @@
         </p:nvSpPr>
         <p:spPr>
           <a:xfrm>
-            <a:off x="5152646" y="2112860"/>
-            <a:ext cx="498855" cy="261610"/>
-          </a:xfrm>
-          <a:prstGeom prst="rect">
-            <a:avLst/>
-          </a:prstGeom>
-          <a:noFill/>
-        </p:spPr>
-        <p:txBody>
-          <a:bodyPr wrap="none" rtlCol="0">
-            <a:spAutoFit/>
-          </a:bodyPr>
-          <a:lstStyle/>
-          <a:p>
-            <a:r>
-              <a:rPr lang="en-US" sz="1100">
-                <a:latin typeface="Arial" panose="020B0604020202020204" pitchFamily="34" charset="0"/>
-                <a:ea typeface="Menlo" panose="020B0609030804020204" pitchFamily="49" charset="0"/>
-                <a:cs typeface="Arial" panose="020B0604020202020204" pitchFamily="34" charset="0"/>
-              </a:rPr>
-              <a:t>7554</a:t>
-            </a:r>
-          </a:p>
-        </p:txBody>
-      </p:sp>
-      <p:sp>
-        <p:nvSpPr>
-          <p:cNvPr id="49" name="TextBox 48">
-            <a:extLst>
-              <a:ext uri="{FF2B5EF4-FFF2-40B4-BE49-F238E27FC236}">
-                <a16:creationId xmlns:a16="http://schemas.microsoft.com/office/drawing/2014/main" id="{7352B5E6-D9E3-3B44-986D-749969DFF4EB}"/>
-              </a:ext>
-            </a:extLst>
-          </p:cNvPr>
-          <p:cNvSpPr txBox="1"/>
-          <p:nvPr/>
-        </p:nvSpPr>
-        <p:spPr>
-          <a:xfrm>
-            <a:off x="2152153" y="3122022"/>
+            <a:off x="2503382" y="3122022"/>
             <a:ext cx="498855" cy="261610"/>
           </a:xfrm>
           <a:prstGeom prst="rect">
@@ -10582,10 +14432,10 @@
       </p:sp>
       <p:sp>
         <p:nvSpPr>
-          <p:cNvPr id="50" name="TextBox 49">
-            <a:extLst>
-              <a:ext uri="{FF2B5EF4-FFF2-40B4-BE49-F238E27FC236}">
-                <a16:creationId xmlns:a16="http://schemas.microsoft.com/office/drawing/2014/main" id="{DCFE695A-EC51-3E41-9C73-F580614481B1}"/>
+          <p:cNvPr id="19" name="TextBox 18">
+            <a:extLst>
+              <a:ext uri="{FF2B5EF4-FFF2-40B4-BE49-F238E27FC236}">
+                <a16:creationId xmlns:a16="http://schemas.microsoft.com/office/drawing/2014/main" id="{73B70231-E173-40BE-58DD-1BA229F45371}"/>
               </a:ext>
             </a:extLst>
           </p:cNvPr>
@@ -10594,7 +14444,7 @@
         </p:nvSpPr>
         <p:spPr>
           <a:xfrm>
-            <a:off x="2933592" y="3124249"/>
+            <a:off x="3284821" y="3124249"/>
             <a:ext cx="536683" cy="261610"/>
           </a:xfrm>
           <a:prstGeom prst="rect">
@@ -10621,10 +14471,10 @@
       </p:sp>
       <p:sp>
         <p:nvSpPr>
-          <p:cNvPr id="61" name="Rectangle 60">
-            <a:extLst>
-              <a:ext uri="{FF2B5EF4-FFF2-40B4-BE49-F238E27FC236}">
-                <a16:creationId xmlns:a16="http://schemas.microsoft.com/office/drawing/2014/main" id="{E9DE1BCE-1CFC-1441-96B8-215353ACF262}"/>
+          <p:cNvPr id="21" name="Rectangle 20">
+            <a:extLst>
+              <a:ext uri="{FF2B5EF4-FFF2-40B4-BE49-F238E27FC236}">
+                <a16:creationId xmlns:a16="http://schemas.microsoft.com/office/drawing/2014/main" id="{80F3286F-C2FC-63CE-BC60-3B214C110E95}"/>
               </a:ext>
             </a:extLst>
           </p:cNvPr>
@@ -10633,7 +14483,7 @@
         </p:nvSpPr>
         <p:spPr>
           <a:xfrm>
-            <a:off x="4276273" y="3982759"/>
+            <a:off x="4627502" y="3982759"/>
             <a:ext cx="1368742" cy="926279"/>
           </a:xfrm>
           <a:prstGeom prst="rect">
@@ -10684,10 +14534,10 @@
       </p:sp>
       <p:sp>
         <p:nvSpPr>
-          <p:cNvPr id="62" name="Rectangle 61">
-            <a:extLst>
-              <a:ext uri="{FF2B5EF4-FFF2-40B4-BE49-F238E27FC236}">
-                <a16:creationId xmlns:a16="http://schemas.microsoft.com/office/drawing/2014/main" id="{6B2BC080-CDFD-1C40-9018-2717D47E1571}"/>
+          <p:cNvPr id="22" name="Rectangle 21">
+            <a:extLst>
+              <a:ext uri="{FF2B5EF4-FFF2-40B4-BE49-F238E27FC236}">
+                <a16:creationId xmlns:a16="http://schemas.microsoft.com/office/drawing/2014/main" id="{5BA5A3BD-470E-09D6-6587-3E65ABA462CA}"/>
               </a:ext>
             </a:extLst>
           </p:cNvPr>
@@ -10696,7 +14546,7 @@
         </p:nvSpPr>
         <p:spPr>
           <a:xfrm>
-            <a:off x="5024169" y="4670060"/>
+            <a:off x="5375398" y="4670060"/>
             <a:ext cx="569790" cy="217580"/>
           </a:xfrm>
           <a:prstGeom prst="rect">
@@ -10748,10 +14598,10 @@
       </p:sp>
       <p:sp>
         <p:nvSpPr>
-          <p:cNvPr id="63" name="Rectangle 62">
-            <a:extLst>
-              <a:ext uri="{FF2B5EF4-FFF2-40B4-BE49-F238E27FC236}">
-                <a16:creationId xmlns:a16="http://schemas.microsoft.com/office/drawing/2014/main" id="{656EF613-5B84-354E-925D-A378D66F1CF1}"/>
+          <p:cNvPr id="23" name="Rectangle 22">
+            <a:extLst>
+              <a:ext uri="{FF2B5EF4-FFF2-40B4-BE49-F238E27FC236}">
+                <a16:creationId xmlns:a16="http://schemas.microsoft.com/office/drawing/2014/main" id="{6382257C-5DDB-89D2-DFB8-A9C233FB669C}"/>
               </a:ext>
             </a:extLst>
           </p:cNvPr>
@@ -10760,7 +14610,7 @@
         </p:nvSpPr>
         <p:spPr>
           <a:xfrm>
-            <a:off x="4988081" y="4236410"/>
+            <a:off x="5339310" y="4236410"/>
             <a:ext cx="624537" cy="349949"/>
           </a:xfrm>
           <a:prstGeom prst="rect">
@@ -10812,10 +14662,10 @@
       </p:sp>
       <p:sp>
         <p:nvSpPr>
-          <p:cNvPr id="65" name="TextBox 64">
-            <a:extLst>
-              <a:ext uri="{FF2B5EF4-FFF2-40B4-BE49-F238E27FC236}">
-                <a16:creationId xmlns:a16="http://schemas.microsoft.com/office/drawing/2014/main" id="{5812FD3A-B0DF-7746-BD53-0047BF61959E}"/>
+          <p:cNvPr id="24" name="TextBox 23">
+            <a:extLst>
+              <a:ext uri="{FF2B5EF4-FFF2-40B4-BE49-F238E27FC236}">
+                <a16:creationId xmlns:a16="http://schemas.microsoft.com/office/drawing/2014/main" id="{AF921CE8-2C16-9C8F-E38A-C9D4CDC5C706}"/>
               </a:ext>
             </a:extLst>
           </p:cNvPr>
@@ -10824,7 +14674,7 @@
         </p:nvSpPr>
         <p:spPr>
           <a:xfrm>
-            <a:off x="5155364" y="3697243"/>
+            <a:off x="5506593" y="3697243"/>
             <a:ext cx="498855" cy="261610"/>
           </a:xfrm>
           <a:prstGeom prst="rect">
@@ -10849,76 +14699,12 @@
           </a:p>
         </p:txBody>
       </p:sp>
-      <p:sp>
-        <p:nvSpPr>
-          <p:cNvPr id="74" name="Rectangle 73">
-            <a:extLst>
-              <a:ext uri="{FF2B5EF4-FFF2-40B4-BE49-F238E27FC236}">
-                <a16:creationId xmlns:a16="http://schemas.microsoft.com/office/drawing/2014/main" id="{E407C455-D8CE-5944-91A4-CE85F241ACE2}"/>
-              </a:ext>
-            </a:extLst>
-          </p:cNvPr>
-          <p:cNvSpPr/>
-          <p:nvPr/>
-        </p:nvSpPr>
-        <p:spPr>
-          <a:xfrm>
-            <a:off x="7532227" y="5564435"/>
-            <a:ext cx="1571547" cy="302853"/>
-          </a:xfrm>
-          <a:prstGeom prst="rect">
-            <a:avLst/>
-          </a:prstGeom>
-          <a:pattFill prst="pct5">
-            <a:fgClr>
-              <a:schemeClr val="accent1"/>
-            </a:fgClr>
-            <a:bgClr>
-              <a:schemeClr val="bg1"/>
-            </a:bgClr>
-          </a:pattFill>
-        </p:spPr>
-        <p:style>
-          <a:lnRef idx="2">
-            <a:schemeClr val="accent1">
-              <a:shade val="50000"/>
-            </a:schemeClr>
-          </a:lnRef>
-          <a:fillRef idx="1">
-            <a:schemeClr val="accent1"/>
-          </a:fillRef>
-          <a:effectRef idx="0">
-            <a:schemeClr val="accent1"/>
-          </a:effectRef>
-          <a:fontRef idx="minor">
-            <a:schemeClr val="lt1"/>
-          </a:fontRef>
-        </p:style>
-        <p:txBody>
-          <a:bodyPr rtlCol="0" anchor="ctr"/>
-          <a:lstStyle/>
-          <a:p>
-            <a:pPr algn="ctr"/>
-            <a:r>
-              <a:rPr lang="en-US" sz="1000">
-                <a:solidFill>
-                  <a:schemeClr val="tx1"/>
-                </a:solidFill>
-                <a:latin typeface="Arial" panose="020B0604020202020204" pitchFamily="34" charset="0"/>
-                <a:ea typeface="Menlo" panose="020B0609030804020204" pitchFamily="49" charset="0"/>
-                <a:cs typeface="Arial" panose="020B0604020202020204" pitchFamily="34" charset="0"/>
-              </a:rPr>
-              <a:t>z/OSMF</a:t>
-            </a:r>
-          </a:p>
-        </p:txBody>
-      </p:sp>
       <p:cxnSp>
         <p:nvCxnSpPr>
-          <p:cNvPr id="47" name="Straight Arrow Connector 46">
-            <a:extLst>
-              <a:ext uri="{FF2B5EF4-FFF2-40B4-BE49-F238E27FC236}">
-                <a16:creationId xmlns:a16="http://schemas.microsoft.com/office/drawing/2014/main" id="{C21C7C1C-2A6C-8E40-8948-599036CFC2D3}"/>
+          <p:cNvPr id="25" name="Straight Arrow Connector 24">
+            <a:extLst>
+              <a:ext uri="{FF2B5EF4-FFF2-40B4-BE49-F238E27FC236}">
+                <a16:creationId xmlns:a16="http://schemas.microsoft.com/office/drawing/2014/main" id="{9E9112DD-5D70-AB57-123F-7D393132F066}"/>
               </a:ext>
             </a:extLst>
           </p:cNvPr>
@@ -10928,9 +14714,9 @@
           <p:nvPr/>
         </p:nvCxnSpPr>
         <p:spPr>
-          <a:xfrm>
-            <a:off x="7350162" y="1298470"/>
-            <a:ext cx="25451" cy="4291492"/>
+          <a:xfrm flipH="1">
+            <a:off x="5499944" y="3045566"/>
+            <a:ext cx="6649" cy="937193"/>
           </a:xfrm>
           <a:prstGeom prst="straightConnector1">
             <a:avLst/>
@@ -10957,10 +14743,10 @@
       </p:cxnSp>
       <p:sp>
         <p:nvSpPr>
-          <p:cNvPr id="75" name="Rectangle 74">
-            <a:extLst>
-              <a:ext uri="{FF2B5EF4-FFF2-40B4-BE49-F238E27FC236}">
-                <a16:creationId xmlns:a16="http://schemas.microsoft.com/office/drawing/2014/main" id="{0888EDE4-E73F-5C40-9A6E-643A985DA5FA}"/>
+          <p:cNvPr id="26" name="Rectangle 25">
+            <a:extLst>
+              <a:ext uri="{FF2B5EF4-FFF2-40B4-BE49-F238E27FC236}">
+                <a16:creationId xmlns:a16="http://schemas.microsoft.com/office/drawing/2014/main" id="{680F2505-4AB8-47DF-ACCD-C084DB0C2179}"/>
               </a:ext>
             </a:extLst>
           </p:cNvPr>
@@ -10969,2661 +14755,7 @@
         </p:nvSpPr>
         <p:spPr>
           <a:xfrm>
-            <a:off x="7535447" y="5868541"/>
-            <a:ext cx="1568327" cy="769483"/>
-          </a:xfrm>
-          <a:prstGeom prst="rect">
-            <a:avLst/>
-          </a:prstGeom>
-          <a:pattFill prst="pct5">
-            <a:fgClr>
-              <a:schemeClr val="accent1"/>
-            </a:fgClr>
-            <a:bgClr>
-              <a:schemeClr val="bg1"/>
-            </a:bgClr>
-          </a:pattFill>
-        </p:spPr>
-        <p:style>
-          <a:lnRef idx="2">
-            <a:schemeClr val="accent1">
-              <a:shade val="50000"/>
-            </a:schemeClr>
-          </a:lnRef>
-          <a:fillRef idx="1">
-            <a:schemeClr val="accent1"/>
-          </a:fillRef>
-          <a:effectRef idx="0">
-            <a:schemeClr val="accent1"/>
-          </a:effectRef>
-          <a:fontRef idx="minor">
-            <a:schemeClr val="lt1"/>
-          </a:fontRef>
-        </p:style>
-        <p:txBody>
-          <a:bodyPr rtlCol="0" anchor="ctr"/>
-          <a:lstStyle/>
-          <a:p>
-            <a:pPr algn="ctr"/>
-            <a:r>
-              <a:rPr lang="en-US" sz="1000" b="1" dirty="0">
-                <a:solidFill>
-                  <a:schemeClr val="tx1"/>
-                </a:solidFill>
-                <a:latin typeface="Arial" panose="020B0604020202020204" pitchFamily="34" charset="0"/>
-                <a:ea typeface="Menlo" panose="020B0609030804020204" pitchFamily="49" charset="0"/>
-                <a:cs typeface="Arial" panose="020B0604020202020204" pitchFamily="34" charset="0"/>
-              </a:rPr>
-              <a:t>REST APIs</a:t>
-            </a:r>
-          </a:p>
-          <a:p>
-            <a:r>
-              <a:rPr lang="en-US" sz="1067" dirty="0">
-                <a:solidFill>
-                  <a:schemeClr val="tx1"/>
-                </a:solidFill>
-                <a:latin typeface="Arial" panose="020B0604020202020204" pitchFamily="34" charset="0"/>
-                <a:ea typeface="Menlo" panose="020B0609030804020204" pitchFamily="49" charset="0"/>
-                <a:cs typeface="Arial" panose="020B0604020202020204" pitchFamily="34" charset="0"/>
-              </a:rPr>
-              <a:t>Workflows</a:t>
-            </a:r>
-          </a:p>
-          <a:p>
-            <a:r>
-              <a:rPr lang="en-US" sz="1067" dirty="0">
-                <a:solidFill>
-                  <a:schemeClr val="tx1"/>
-                </a:solidFill>
-                <a:latin typeface="Arial" panose="020B0604020202020204" pitchFamily="34" charset="0"/>
-                <a:ea typeface="Menlo" panose="020B0609030804020204" pitchFamily="49" charset="0"/>
-                <a:cs typeface="Arial" panose="020B0604020202020204" pitchFamily="34" charset="0"/>
-              </a:rPr>
-              <a:t>TSO / MVS / Console</a:t>
-            </a:r>
-          </a:p>
-          <a:p>
-            <a:r>
-              <a:rPr lang="en-US" sz="1067" dirty="0">
-                <a:solidFill>
-                  <a:schemeClr val="tx1"/>
-                </a:solidFill>
-                <a:latin typeface="Arial" panose="020B0604020202020204" pitchFamily="34" charset="0"/>
-                <a:ea typeface="Menlo" panose="020B0609030804020204" pitchFamily="49" charset="0"/>
-                <a:cs typeface="Arial" panose="020B0604020202020204" pitchFamily="34" charset="0"/>
-              </a:rPr>
-              <a:t>Files, USS, JES</a:t>
-            </a:r>
-          </a:p>
-        </p:txBody>
-      </p:sp>
-      <p:sp>
-        <p:nvSpPr>
-          <p:cNvPr id="76" name="TextBox 75">
-            <a:extLst>
-              <a:ext uri="{FF2B5EF4-FFF2-40B4-BE49-F238E27FC236}">
-                <a16:creationId xmlns:a16="http://schemas.microsoft.com/office/drawing/2014/main" id="{9AFB5CBE-D9AB-1D46-89B6-FD697A720E44}"/>
-              </a:ext>
-            </a:extLst>
-          </p:cNvPr>
-          <p:cNvSpPr txBox="1"/>
-          <p:nvPr/>
-        </p:nvSpPr>
-        <p:spPr>
-          <a:xfrm>
-            <a:off x="7857313" y="5280594"/>
-            <a:ext cx="498855" cy="261610"/>
-          </a:xfrm>
-          <a:prstGeom prst="rect">
-            <a:avLst/>
-          </a:prstGeom>
-          <a:noFill/>
-        </p:spPr>
-        <p:txBody>
-          <a:bodyPr wrap="none" rtlCol="0">
-            <a:spAutoFit/>
-          </a:bodyPr>
-          <a:lstStyle/>
-          <a:p>
-            <a:r>
-              <a:rPr lang="en-US" sz="1100" dirty="0">
-                <a:latin typeface="Arial" panose="020B0604020202020204" pitchFamily="34" charset="0"/>
-                <a:ea typeface="Menlo" panose="020B0609030804020204" pitchFamily="49" charset="0"/>
-                <a:cs typeface="Arial" panose="020B0604020202020204" pitchFamily="34" charset="0"/>
-              </a:rPr>
-              <a:t>7443</a:t>
-            </a:r>
-          </a:p>
-        </p:txBody>
-      </p:sp>
-      <p:sp>
-        <p:nvSpPr>
-          <p:cNvPr id="79" name="Rectangle 78">
-            <a:extLst>
-              <a:ext uri="{FF2B5EF4-FFF2-40B4-BE49-F238E27FC236}">
-                <a16:creationId xmlns:a16="http://schemas.microsoft.com/office/drawing/2014/main" id="{FDCFCB80-CB2D-354F-9948-646AA711CD40}"/>
-              </a:ext>
-            </a:extLst>
-          </p:cNvPr>
-          <p:cNvSpPr/>
-          <p:nvPr/>
-        </p:nvSpPr>
-        <p:spPr>
-          <a:xfrm>
-            <a:off x="3042994" y="705538"/>
-            <a:ext cx="830876" cy="584635"/>
-          </a:xfrm>
-          <a:prstGeom prst="rect">
-            <a:avLst/>
-          </a:prstGeom>
-          <a:solidFill>
-            <a:schemeClr val="bg1"/>
-          </a:solidFill>
-          <a:ln>
-            <a:solidFill>
-              <a:srgbClr val="20708D"/>
-            </a:solidFill>
-          </a:ln>
-        </p:spPr>
-        <p:style>
-          <a:lnRef idx="1">
-            <a:schemeClr val="accent1"/>
-          </a:lnRef>
-          <a:fillRef idx="3">
-            <a:schemeClr val="accent1"/>
-          </a:fillRef>
-          <a:effectRef idx="2">
-            <a:schemeClr val="accent1"/>
-          </a:effectRef>
-          <a:fontRef idx="minor">
-            <a:schemeClr val="lt1"/>
-          </a:fontRef>
-        </p:style>
-        <p:txBody>
-          <a:bodyPr rtlCol="0" anchor="ctr"/>
-          <a:lstStyle/>
-          <a:p>
-            <a:pPr algn="ctr"/>
-            <a:endParaRPr lang="en-US" sz="533" b="1" dirty="0">
-              <a:solidFill>
-                <a:schemeClr val="bg2">
-                  <a:lumMod val="25000"/>
-                </a:schemeClr>
-              </a:solidFill>
-              <a:latin typeface="Arial" panose="020B0604020202020204" pitchFamily="34" charset="0"/>
-              <a:ea typeface="Menlo" panose="020B0609030804020204" pitchFamily="49" charset="0"/>
-              <a:cs typeface="Arial" panose="020B0604020202020204" pitchFamily="34" charset="0"/>
-            </a:endParaRPr>
-          </a:p>
-          <a:p>
-            <a:pPr algn="ctr"/>
-            <a:endParaRPr lang="en-US" sz="533" b="1" dirty="0">
-              <a:solidFill>
-                <a:schemeClr val="bg2">
-                  <a:lumMod val="25000"/>
-                </a:schemeClr>
-              </a:solidFill>
-              <a:latin typeface="Arial" panose="020B0604020202020204" pitchFamily="34" charset="0"/>
-              <a:ea typeface="Menlo" panose="020B0609030804020204" pitchFamily="49" charset="0"/>
-              <a:cs typeface="Arial" panose="020B0604020202020204" pitchFamily="34" charset="0"/>
-            </a:endParaRPr>
-          </a:p>
-          <a:p>
-            <a:pPr algn="ctr"/>
-            <a:endParaRPr lang="en-US" sz="533" b="1" dirty="0">
-              <a:solidFill>
-                <a:schemeClr val="bg2">
-                  <a:lumMod val="25000"/>
-                </a:schemeClr>
-              </a:solidFill>
-              <a:latin typeface="Arial" panose="020B0604020202020204" pitchFamily="34" charset="0"/>
-              <a:ea typeface="Menlo" panose="020B0609030804020204" pitchFamily="49" charset="0"/>
-              <a:cs typeface="Arial" panose="020B0604020202020204" pitchFamily="34" charset="0"/>
-            </a:endParaRPr>
-          </a:p>
-          <a:p>
-            <a:pPr algn="ctr"/>
-            <a:endParaRPr lang="en-US" sz="533" b="1" dirty="0">
-              <a:solidFill>
-                <a:schemeClr val="bg2">
-                  <a:lumMod val="25000"/>
-                </a:schemeClr>
-              </a:solidFill>
-              <a:latin typeface="Arial" panose="020B0604020202020204" pitchFamily="34" charset="0"/>
-              <a:ea typeface="Menlo" panose="020B0609030804020204" pitchFamily="49" charset="0"/>
-              <a:cs typeface="Arial" panose="020B0604020202020204" pitchFamily="34" charset="0"/>
-            </a:endParaRPr>
-          </a:p>
-          <a:p>
-            <a:pPr algn="ctr"/>
-            <a:endParaRPr lang="en-US" sz="533" b="1" dirty="0">
-              <a:solidFill>
-                <a:schemeClr val="bg2">
-                  <a:lumMod val="25000"/>
-                </a:schemeClr>
-              </a:solidFill>
-              <a:latin typeface="Arial" panose="020B0604020202020204" pitchFamily="34" charset="0"/>
-              <a:ea typeface="Menlo" panose="020B0609030804020204" pitchFamily="49" charset="0"/>
-              <a:cs typeface="Arial" panose="020B0604020202020204" pitchFamily="34" charset="0"/>
-            </a:endParaRPr>
-          </a:p>
-          <a:p>
-            <a:pPr algn="ctr"/>
-            <a:r>
-              <a:rPr lang="en-US" sz="533" b="1" dirty="0">
-                <a:solidFill>
-                  <a:schemeClr val="bg2">
-                    <a:lumMod val="25000"/>
-                  </a:schemeClr>
-                </a:solidFill>
-                <a:latin typeface="Arial" panose="020B0604020202020204" pitchFamily="34" charset="0"/>
-                <a:ea typeface="Menlo" panose="020B0609030804020204" pitchFamily="49" charset="0"/>
-                <a:cs typeface="Arial" panose="020B0604020202020204" pitchFamily="34" charset="0"/>
-              </a:rPr>
-              <a:t>JES Explorer</a:t>
-            </a:r>
-          </a:p>
-        </p:txBody>
-      </p:sp>
-      <p:pic>
-        <p:nvPicPr>
-          <p:cNvPr id="8" name="Picture 7">
-            <a:extLst>
-              <a:ext uri="{FF2B5EF4-FFF2-40B4-BE49-F238E27FC236}">
-                <a16:creationId xmlns:a16="http://schemas.microsoft.com/office/drawing/2014/main" id="{5E182968-48C7-A04A-B576-7DE13E28DF18}"/>
-              </a:ext>
-            </a:extLst>
-          </p:cNvPr>
-          <p:cNvPicPr>
-            <a:picLocks noChangeAspect="1"/>
-          </p:cNvPicPr>
-          <p:nvPr/>
-        </p:nvPicPr>
-        <p:blipFill>
-          <a:blip r:embed="rId3"/>
-          <a:stretch>
-            <a:fillRect/>
-          </a:stretch>
-        </p:blipFill>
-        <p:spPr>
-          <a:xfrm>
-            <a:off x="3205335" y="751616"/>
-            <a:ext cx="542319" cy="336716"/>
-          </a:xfrm>
-          <a:prstGeom prst="rect">
-            <a:avLst/>
-          </a:prstGeom>
-          <a:ln>
-            <a:solidFill>
-              <a:schemeClr val="bg1">
-                <a:lumMod val="85000"/>
-              </a:schemeClr>
-            </a:solidFill>
-          </a:ln>
-        </p:spPr>
-      </p:pic>
-      <p:sp>
-        <p:nvSpPr>
-          <p:cNvPr id="80" name="Rectangle 79">
-            <a:extLst>
-              <a:ext uri="{FF2B5EF4-FFF2-40B4-BE49-F238E27FC236}">
-                <a16:creationId xmlns:a16="http://schemas.microsoft.com/office/drawing/2014/main" id="{91600B3F-5883-A745-B9E9-287709B4FA06}"/>
-              </a:ext>
-            </a:extLst>
-          </p:cNvPr>
-          <p:cNvSpPr/>
-          <p:nvPr/>
-        </p:nvSpPr>
-        <p:spPr>
-          <a:xfrm>
-            <a:off x="3959995" y="705538"/>
-            <a:ext cx="830876" cy="584635"/>
-          </a:xfrm>
-          <a:prstGeom prst="rect">
-            <a:avLst/>
-          </a:prstGeom>
-          <a:solidFill>
-            <a:schemeClr val="bg1"/>
-          </a:solidFill>
-          <a:ln>
-            <a:solidFill>
-              <a:srgbClr val="20708D"/>
-            </a:solidFill>
-          </a:ln>
-        </p:spPr>
-        <p:style>
-          <a:lnRef idx="1">
-            <a:schemeClr val="accent1"/>
-          </a:lnRef>
-          <a:fillRef idx="3">
-            <a:schemeClr val="accent1"/>
-          </a:fillRef>
-          <a:effectRef idx="2">
-            <a:schemeClr val="accent1"/>
-          </a:effectRef>
-          <a:fontRef idx="minor">
-            <a:schemeClr val="lt1"/>
-          </a:fontRef>
-        </p:style>
-        <p:txBody>
-          <a:bodyPr rtlCol="0" anchor="ctr"/>
-          <a:lstStyle/>
-          <a:p>
-            <a:pPr algn="ctr"/>
-            <a:endParaRPr lang="en-US" sz="533" b="1" dirty="0">
-              <a:solidFill>
-                <a:schemeClr val="bg2">
-                  <a:lumMod val="25000"/>
-                </a:schemeClr>
-              </a:solidFill>
-              <a:latin typeface="Arial" panose="020B0604020202020204" pitchFamily="34" charset="0"/>
-              <a:ea typeface="Menlo" panose="020B0609030804020204" pitchFamily="49" charset="0"/>
-              <a:cs typeface="Arial" panose="020B0604020202020204" pitchFamily="34" charset="0"/>
-            </a:endParaRPr>
-          </a:p>
-          <a:p>
-            <a:pPr algn="ctr"/>
-            <a:endParaRPr lang="en-US" sz="533" b="1" dirty="0">
-              <a:solidFill>
-                <a:schemeClr val="bg2">
-                  <a:lumMod val="25000"/>
-                </a:schemeClr>
-              </a:solidFill>
-              <a:latin typeface="Arial" panose="020B0604020202020204" pitchFamily="34" charset="0"/>
-              <a:ea typeface="Menlo" panose="020B0609030804020204" pitchFamily="49" charset="0"/>
-              <a:cs typeface="Arial" panose="020B0604020202020204" pitchFamily="34" charset="0"/>
-            </a:endParaRPr>
-          </a:p>
-          <a:p>
-            <a:pPr algn="ctr"/>
-            <a:endParaRPr lang="en-US" sz="533" b="1" dirty="0">
-              <a:solidFill>
-                <a:schemeClr val="bg2">
-                  <a:lumMod val="25000"/>
-                </a:schemeClr>
-              </a:solidFill>
-              <a:latin typeface="Arial" panose="020B0604020202020204" pitchFamily="34" charset="0"/>
-              <a:ea typeface="Menlo" panose="020B0609030804020204" pitchFamily="49" charset="0"/>
-              <a:cs typeface="Arial" panose="020B0604020202020204" pitchFamily="34" charset="0"/>
-            </a:endParaRPr>
-          </a:p>
-          <a:p>
-            <a:pPr algn="ctr"/>
-            <a:endParaRPr lang="en-US" sz="533" b="1" dirty="0">
-              <a:solidFill>
-                <a:schemeClr val="bg2">
-                  <a:lumMod val="25000"/>
-                </a:schemeClr>
-              </a:solidFill>
-              <a:latin typeface="Arial" panose="020B0604020202020204" pitchFamily="34" charset="0"/>
-              <a:ea typeface="Menlo" panose="020B0609030804020204" pitchFamily="49" charset="0"/>
-              <a:cs typeface="Arial" panose="020B0604020202020204" pitchFamily="34" charset="0"/>
-            </a:endParaRPr>
-          </a:p>
-          <a:p>
-            <a:pPr algn="ctr"/>
-            <a:endParaRPr lang="en-US" sz="533" b="1" dirty="0">
-              <a:solidFill>
-                <a:schemeClr val="bg2">
-                  <a:lumMod val="25000"/>
-                </a:schemeClr>
-              </a:solidFill>
-              <a:latin typeface="Arial" panose="020B0604020202020204" pitchFamily="34" charset="0"/>
-              <a:ea typeface="Menlo" panose="020B0609030804020204" pitchFamily="49" charset="0"/>
-              <a:cs typeface="Arial" panose="020B0604020202020204" pitchFamily="34" charset="0"/>
-            </a:endParaRPr>
-          </a:p>
-          <a:p>
-            <a:pPr algn="ctr"/>
-            <a:r>
-              <a:rPr lang="en-US" sz="533" b="1" dirty="0">
-                <a:solidFill>
-                  <a:schemeClr val="bg2">
-                    <a:lumMod val="25000"/>
-                  </a:schemeClr>
-                </a:solidFill>
-                <a:latin typeface="Arial" panose="020B0604020202020204" pitchFamily="34" charset="0"/>
-                <a:ea typeface="Menlo" panose="020B0609030804020204" pitchFamily="49" charset="0"/>
-                <a:cs typeface="Arial" panose="020B0604020202020204" pitchFamily="34" charset="0"/>
-              </a:rPr>
-              <a:t>IP Explorer</a:t>
-            </a:r>
-          </a:p>
-        </p:txBody>
-      </p:sp>
-      <p:pic>
-        <p:nvPicPr>
-          <p:cNvPr id="10" name="Picture 9">
-            <a:extLst>
-              <a:ext uri="{FF2B5EF4-FFF2-40B4-BE49-F238E27FC236}">
-                <a16:creationId xmlns:a16="http://schemas.microsoft.com/office/drawing/2014/main" id="{69422BFB-BF0E-E84E-AF4C-A30A2439E5F0}"/>
-              </a:ext>
-            </a:extLst>
-          </p:cNvPr>
-          <p:cNvPicPr>
-            <a:picLocks noChangeAspect="1"/>
-          </p:cNvPicPr>
-          <p:nvPr/>
-        </p:nvPicPr>
-        <p:blipFill>
-          <a:blip r:embed="rId4"/>
-          <a:stretch>
-            <a:fillRect/>
-          </a:stretch>
-        </p:blipFill>
-        <p:spPr>
-          <a:xfrm>
-            <a:off x="4155551" y="751616"/>
-            <a:ext cx="492671" cy="325693"/>
-          </a:xfrm>
-          <a:prstGeom prst="rect">
-            <a:avLst/>
-          </a:prstGeom>
-          <a:ln>
-            <a:solidFill>
-              <a:schemeClr val="bg1">
-                <a:lumMod val="85000"/>
-              </a:schemeClr>
-            </a:solidFill>
-          </a:ln>
-        </p:spPr>
-      </p:pic>
-      <p:sp>
-        <p:nvSpPr>
-          <p:cNvPr id="82" name="Rectangle 81">
-            <a:extLst>
-              <a:ext uri="{FF2B5EF4-FFF2-40B4-BE49-F238E27FC236}">
-                <a16:creationId xmlns:a16="http://schemas.microsoft.com/office/drawing/2014/main" id="{F8E8A60B-1AFE-9A49-AE07-175E906C67AA}"/>
-              </a:ext>
-            </a:extLst>
-          </p:cNvPr>
-          <p:cNvSpPr/>
-          <p:nvPr/>
-        </p:nvSpPr>
-        <p:spPr>
-          <a:xfrm>
-            <a:off x="2147891" y="705538"/>
-            <a:ext cx="830876" cy="584635"/>
-          </a:xfrm>
-          <a:prstGeom prst="rect">
-            <a:avLst/>
-          </a:prstGeom>
-          <a:solidFill>
-            <a:schemeClr val="bg1"/>
-          </a:solidFill>
-          <a:ln>
-            <a:solidFill>
-              <a:srgbClr val="20708D"/>
-            </a:solidFill>
-          </a:ln>
-        </p:spPr>
-        <p:style>
-          <a:lnRef idx="1">
-            <a:schemeClr val="accent1"/>
-          </a:lnRef>
-          <a:fillRef idx="3">
-            <a:schemeClr val="accent1"/>
-          </a:fillRef>
-          <a:effectRef idx="2">
-            <a:schemeClr val="accent1"/>
-          </a:effectRef>
-          <a:fontRef idx="minor">
-            <a:schemeClr val="lt1"/>
-          </a:fontRef>
-        </p:style>
-        <p:txBody>
-          <a:bodyPr rtlCol="0" anchor="ctr"/>
-          <a:lstStyle/>
-          <a:p>
-            <a:pPr algn="ctr"/>
-            <a:endParaRPr lang="en-US" sz="533" b="1" dirty="0">
-              <a:solidFill>
-                <a:schemeClr val="bg2">
-                  <a:lumMod val="25000"/>
-                </a:schemeClr>
-              </a:solidFill>
-              <a:latin typeface="Arial" panose="020B0604020202020204" pitchFamily="34" charset="0"/>
-              <a:ea typeface="Menlo" panose="020B0609030804020204" pitchFamily="49" charset="0"/>
-              <a:cs typeface="Arial" panose="020B0604020202020204" pitchFamily="34" charset="0"/>
-            </a:endParaRPr>
-          </a:p>
-          <a:p>
-            <a:pPr algn="ctr"/>
-            <a:endParaRPr lang="en-US" sz="533" b="1" dirty="0">
-              <a:solidFill>
-                <a:schemeClr val="bg2">
-                  <a:lumMod val="25000"/>
-                </a:schemeClr>
-              </a:solidFill>
-              <a:latin typeface="Arial" panose="020B0604020202020204" pitchFamily="34" charset="0"/>
-              <a:ea typeface="Menlo" panose="020B0609030804020204" pitchFamily="49" charset="0"/>
-              <a:cs typeface="Arial" panose="020B0604020202020204" pitchFamily="34" charset="0"/>
-            </a:endParaRPr>
-          </a:p>
-          <a:p>
-            <a:pPr algn="ctr"/>
-            <a:endParaRPr lang="en-US" sz="533" b="1" dirty="0">
-              <a:solidFill>
-                <a:schemeClr val="bg2">
-                  <a:lumMod val="25000"/>
-                </a:schemeClr>
-              </a:solidFill>
-              <a:latin typeface="Arial" panose="020B0604020202020204" pitchFamily="34" charset="0"/>
-              <a:ea typeface="Menlo" panose="020B0609030804020204" pitchFamily="49" charset="0"/>
-              <a:cs typeface="Arial" panose="020B0604020202020204" pitchFamily="34" charset="0"/>
-            </a:endParaRPr>
-          </a:p>
-          <a:p>
-            <a:pPr algn="ctr"/>
-            <a:endParaRPr lang="en-US" sz="533" b="1" dirty="0">
-              <a:solidFill>
-                <a:schemeClr val="bg2">
-                  <a:lumMod val="25000"/>
-                </a:schemeClr>
-              </a:solidFill>
-              <a:latin typeface="Arial" panose="020B0604020202020204" pitchFamily="34" charset="0"/>
-              <a:ea typeface="Menlo" panose="020B0609030804020204" pitchFamily="49" charset="0"/>
-              <a:cs typeface="Arial" panose="020B0604020202020204" pitchFamily="34" charset="0"/>
-            </a:endParaRPr>
-          </a:p>
-          <a:p>
-            <a:pPr algn="ctr"/>
-            <a:endParaRPr lang="en-US" sz="533" b="1" dirty="0">
-              <a:solidFill>
-                <a:schemeClr val="bg2">
-                  <a:lumMod val="25000"/>
-                </a:schemeClr>
-              </a:solidFill>
-              <a:latin typeface="Arial" panose="020B0604020202020204" pitchFamily="34" charset="0"/>
-              <a:ea typeface="Menlo" panose="020B0609030804020204" pitchFamily="49" charset="0"/>
-              <a:cs typeface="Arial" panose="020B0604020202020204" pitchFamily="34" charset="0"/>
-            </a:endParaRPr>
-          </a:p>
-          <a:p>
-            <a:pPr algn="ctr"/>
-            <a:r>
-              <a:rPr lang="en-US" sz="533" b="1" dirty="0">
-                <a:solidFill>
-                  <a:schemeClr val="bg2">
-                    <a:lumMod val="25000"/>
-                  </a:schemeClr>
-                </a:solidFill>
-                <a:latin typeface="Arial" panose="020B0604020202020204" pitchFamily="34" charset="0"/>
-                <a:ea typeface="Menlo" panose="020B0609030804020204" pitchFamily="49" charset="0"/>
-                <a:cs typeface="Arial" panose="020B0604020202020204" pitchFamily="34" charset="0"/>
-              </a:rPr>
-              <a:t>3270 Terminal</a:t>
-            </a:r>
-          </a:p>
-        </p:txBody>
-      </p:sp>
-      <p:pic>
-        <p:nvPicPr>
-          <p:cNvPr id="11" name="Picture 10">
-            <a:extLst>
-              <a:ext uri="{FF2B5EF4-FFF2-40B4-BE49-F238E27FC236}">
-                <a16:creationId xmlns:a16="http://schemas.microsoft.com/office/drawing/2014/main" id="{B465B054-0C62-9E41-B891-1D24A71FAFFE}"/>
-              </a:ext>
-            </a:extLst>
-          </p:cNvPr>
-          <p:cNvPicPr>
-            <a:picLocks noChangeAspect="1"/>
-          </p:cNvPicPr>
-          <p:nvPr/>
-        </p:nvPicPr>
-        <p:blipFill>
-          <a:blip r:embed="rId5"/>
-          <a:stretch>
-            <a:fillRect/>
-          </a:stretch>
-        </p:blipFill>
-        <p:spPr>
-          <a:xfrm>
-            <a:off x="2357115" y="768907"/>
-            <a:ext cx="439324" cy="354399"/>
-          </a:xfrm>
-          <a:prstGeom prst="rect">
-            <a:avLst/>
-          </a:prstGeom>
-        </p:spPr>
-      </p:pic>
-      <p:sp>
-        <p:nvSpPr>
-          <p:cNvPr id="83" name="Rectangle 82">
-            <a:extLst>
-              <a:ext uri="{FF2B5EF4-FFF2-40B4-BE49-F238E27FC236}">
-                <a16:creationId xmlns:a16="http://schemas.microsoft.com/office/drawing/2014/main" id="{3F6404EA-A5F6-5344-9F02-1F63A7ED71F5}"/>
-              </a:ext>
-            </a:extLst>
-          </p:cNvPr>
-          <p:cNvSpPr/>
-          <p:nvPr/>
-        </p:nvSpPr>
-        <p:spPr>
-          <a:xfrm>
-            <a:off x="1230384" y="705538"/>
-            <a:ext cx="830876" cy="584635"/>
-          </a:xfrm>
-          <a:prstGeom prst="rect">
-            <a:avLst/>
-          </a:prstGeom>
-          <a:solidFill>
-            <a:schemeClr val="bg1"/>
-          </a:solidFill>
-          <a:ln>
-            <a:solidFill>
-              <a:srgbClr val="20708D"/>
-            </a:solidFill>
-          </a:ln>
-        </p:spPr>
-        <p:style>
-          <a:lnRef idx="1">
-            <a:schemeClr val="accent1"/>
-          </a:lnRef>
-          <a:fillRef idx="3">
-            <a:schemeClr val="accent1"/>
-          </a:fillRef>
-          <a:effectRef idx="2">
-            <a:schemeClr val="accent1"/>
-          </a:effectRef>
-          <a:fontRef idx="minor">
-            <a:schemeClr val="lt1"/>
-          </a:fontRef>
-        </p:style>
-        <p:txBody>
-          <a:bodyPr rtlCol="0" anchor="ctr"/>
-          <a:lstStyle/>
-          <a:p>
-            <a:pPr algn="ctr"/>
-            <a:endParaRPr lang="en-US" sz="533" b="1" dirty="0">
-              <a:solidFill>
-                <a:schemeClr val="bg2">
-                  <a:lumMod val="25000"/>
-                </a:schemeClr>
-              </a:solidFill>
-              <a:latin typeface="Arial" panose="020B0604020202020204" pitchFamily="34" charset="0"/>
-              <a:ea typeface="Menlo" panose="020B0609030804020204" pitchFamily="49" charset="0"/>
-              <a:cs typeface="Arial" panose="020B0604020202020204" pitchFamily="34" charset="0"/>
-            </a:endParaRPr>
-          </a:p>
-          <a:p>
-            <a:pPr algn="ctr"/>
-            <a:endParaRPr lang="en-US" sz="533" b="1" dirty="0">
-              <a:solidFill>
-                <a:schemeClr val="bg2">
-                  <a:lumMod val="25000"/>
-                </a:schemeClr>
-              </a:solidFill>
-              <a:latin typeface="Arial" panose="020B0604020202020204" pitchFamily="34" charset="0"/>
-              <a:ea typeface="Menlo" panose="020B0609030804020204" pitchFamily="49" charset="0"/>
-              <a:cs typeface="Arial" panose="020B0604020202020204" pitchFamily="34" charset="0"/>
-            </a:endParaRPr>
-          </a:p>
-          <a:p>
-            <a:pPr algn="ctr"/>
-            <a:endParaRPr lang="en-US" sz="533" b="1" dirty="0">
-              <a:solidFill>
-                <a:schemeClr val="bg2">
-                  <a:lumMod val="25000"/>
-                </a:schemeClr>
-              </a:solidFill>
-              <a:latin typeface="Arial" panose="020B0604020202020204" pitchFamily="34" charset="0"/>
-              <a:ea typeface="Menlo" panose="020B0609030804020204" pitchFamily="49" charset="0"/>
-              <a:cs typeface="Arial" panose="020B0604020202020204" pitchFamily="34" charset="0"/>
-            </a:endParaRPr>
-          </a:p>
-          <a:p>
-            <a:pPr algn="ctr"/>
-            <a:endParaRPr lang="en-US" sz="533" b="1" dirty="0">
-              <a:solidFill>
-                <a:schemeClr val="bg2">
-                  <a:lumMod val="25000"/>
-                </a:schemeClr>
-              </a:solidFill>
-              <a:latin typeface="Arial" panose="020B0604020202020204" pitchFamily="34" charset="0"/>
-              <a:ea typeface="Menlo" panose="020B0609030804020204" pitchFamily="49" charset="0"/>
-              <a:cs typeface="Arial" panose="020B0604020202020204" pitchFamily="34" charset="0"/>
-            </a:endParaRPr>
-          </a:p>
-          <a:p>
-            <a:pPr algn="ctr"/>
-            <a:endParaRPr lang="en-US" sz="533" b="1" dirty="0">
-              <a:solidFill>
-                <a:schemeClr val="bg2">
-                  <a:lumMod val="25000"/>
-                </a:schemeClr>
-              </a:solidFill>
-              <a:latin typeface="Arial" panose="020B0604020202020204" pitchFamily="34" charset="0"/>
-              <a:ea typeface="Menlo" panose="020B0609030804020204" pitchFamily="49" charset="0"/>
-              <a:cs typeface="Arial" panose="020B0604020202020204" pitchFamily="34" charset="0"/>
-            </a:endParaRPr>
-          </a:p>
-          <a:p>
-            <a:pPr algn="ctr"/>
-            <a:r>
-              <a:rPr lang="en-US" sz="533" b="1" dirty="0">
-                <a:solidFill>
-                  <a:schemeClr val="bg2">
-                    <a:lumMod val="25000"/>
-                  </a:schemeClr>
-                </a:solidFill>
-                <a:latin typeface="Arial" panose="020B0604020202020204" pitchFamily="34" charset="0"/>
-                <a:ea typeface="Menlo" panose="020B0609030804020204" pitchFamily="49" charset="0"/>
-                <a:cs typeface="Arial" panose="020B0604020202020204" pitchFamily="34" charset="0"/>
-              </a:rPr>
-              <a:t>File Editor</a:t>
-            </a:r>
-          </a:p>
-        </p:txBody>
-      </p:sp>
-      <p:sp>
-        <p:nvSpPr>
-          <p:cNvPr id="85" name="Rectangle 84">
-            <a:extLst>
-              <a:ext uri="{FF2B5EF4-FFF2-40B4-BE49-F238E27FC236}">
-                <a16:creationId xmlns:a16="http://schemas.microsoft.com/office/drawing/2014/main" id="{BCCCA178-3BD1-974E-A649-9F0821B4E8DB}"/>
-              </a:ext>
-            </a:extLst>
-          </p:cNvPr>
-          <p:cNvSpPr/>
-          <p:nvPr/>
-        </p:nvSpPr>
-        <p:spPr>
-          <a:xfrm>
-            <a:off x="7869612" y="698685"/>
-            <a:ext cx="1162998" cy="493953"/>
-          </a:xfrm>
-          <a:prstGeom prst="rect">
-            <a:avLst/>
-          </a:prstGeom>
-          <a:solidFill>
-            <a:srgbClr val="00B19E">
-              <a:alpha val="96000"/>
-            </a:srgbClr>
-          </a:solidFill>
-          <a:ln>
-            <a:solidFill>
-              <a:srgbClr val="20708D"/>
-            </a:solidFill>
-          </a:ln>
-        </p:spPr>
-        <p:style>
-          <a:lnRef idx="1">
-            <a:schemeClr val="accent1"/>
-          </a:lnRef>
-          <a:fillRef idx="3">
-            <a:schemeClr val="accent1"/>
-          </a:fillRef>
-          <a:effectRef idx="2">
-            <a:schemeClr val="accent1"/>
-          </a:effectRef>
-          <a:fontRef idx="minor">
-            <a:schemeClr val="lt1"/>
-          </a:fontRef>
-        </p:style>
-        <p:txBody>
-          <a:bodyPr rtlCol="0" anchor="ctr"/>
-          <a:lstStyle/>
-          <a:p>
-            <a:pPr algn="ctr"/>
-            <a:endParaRPr lang="en-US" sz="1467">
-              <a:solidFill>
-                <a:schemeClr val="tx1"/>
-              </a:solidFill>
-              <a:latin typeface="Menlo" charset="0"/>
-              <a:ea typeface="Menlo" charset="0"/>
-              <a:cs typeface="Menlo" charset="0"/>
-            </a:endParaRPr>
-          </a:p>
-          <a:p>
-            <a:pPr algn="ctr"/>
-            <a:endParaRPr lang="en-US" sz="1467">
-              <a:solidFill>
-                <a:schemeClr val="tx1"/>
-              </a:solidFill>
-              <a:latin typeface="Menlo" charset="0"/>
-              <a:ea typeface="Menlo" charset="0"/>
-              <a:cs typeface="Menlo" charset="0"/>
-            </a:endParaRPr>
-          </a:p>
-        </p:txBody>
-      </p:sp>
-      <p:pic>
-        <p:nvPicPr>
-          <p:cNvPr id="13" name="Picture 12">
-            <a:extLst>
-              <a:ext uri="{FF2B5EF4-FFF2-40B4-BE49-F238E27FC236}">
-                <a16:creationId xmlns:a16="http://schemas.microsoft.com/office/drawing/2014/main" id="{221400D2-57A7-A749-B8F9-C023A7CEA2BA}"/>
-              </a:ext>
-            </a:extLst>
-          </p:cNvPr>
-          <p:cNvPicPr>
-            <a:picLocks noChangeAspect="1"/>
-          </p:cNvPicPr>
-          <p:nvPr/>
-        </p:nvPicPr>
-        <p:blipFill>
-          <a:blip r:embed="rId6"/>
-          <a:stretch>
-            <a:fillRect/>
-          </a:stretch>
-        </p:blipFill>
-        <p:spPr>
-          <a:xfrm>
-            <a:off x="8058259" y="749546"/>
-            <a:ext cx="785704" cy="415675"/>
-          </a:xfrm>
-          <a:prstGeom prst="rect">
-            <a:avLst/>
-          </a:prstGeom>
-          <a:ln>
-            <a:solidFill>
-              <a:schemeClr val="bg1">
-                <a:lumMod val="85000"/>
-              </a:schemeClr>
-            </a:solidFill>
-          </a:ln>
-        </p:spPr>
-      </p:pic>
-      <p:sp>
-        <p:nvSpPr>
-          <p:cNvPr id="72" name="Rectangle 71">
-            <a:extLst>
-              <a:ext uri="{FF2B5EF4-FFF2-40B4-BE49-F238E27FC236}">
-                <a16:creationId xmlns:a16="http://schemas.microsoft.com/office/drawing/2014/main" id="{58691199-F13A-3A40-B3F3-882DAA99E199}"/>
-              </a:ext>
-            </a:extLst>
-          </p:cNvPr>
-          <p:cNvSpPr/>
-          <p:nvPr/>
-        </p:nvSpPr>
-        <p:spPr>
-          <a:xfrm>
-            <a:off x="9241966" y="5531605"/>
-            <a:ext cx="647781" cy="476273"/>
-          </a:xfrm>
-          <a:prstGeom prst="rect">
-            <a:avLst/>
-          </a:prstGeom>
-          <a:solidFill>
-            <a:schemeClr val="accent4">
-              <a:lumMod val="60000"/>
-              <a:lumOff val="40000"/>
-            </a:schemeClr>
-          </a:solidFill>
-        </p:spPr>
-        <p:style>
-          <a:lnRef idx="2">
-            <a:schemeClr val="accent1">
-              <a:shade val="50000"/>
-            </a:schemeClr>
-          </a:lnRef>
-          <a:fillRef idx="1">
-            <a:schemeClr val="accent1"/>
-          </a:fillRef>
-          <a:effectRef idx="0">
-            <a:schemeClr val="accent1"/>
-          </a:effectRef>
-          <a:fontRef idx="minor">
-            <a:schemeClr val="lt1"/>
-          </a:fontRef>
-        </p:style>
-        <p:txBody>
-          <a:bodyPr rtlCol="0" anchor="ctr"/>
-          <a:lstStyle/>
-          <a:p>
-            <a:pPr algn="ctr"/>
-            <a:r>
-              <a:rPr lang="en-US" sz="933" dirty="0">
-                <a:solidFill>
-                  <a:schemeClr val="tx1"/>
-                </a:solidFill>
-                <a:latin typeface="Arial" panose="020B0604020202020204" pitchFamily="34" charset="0"/>
-                <a:ea typeface="Menlo" panose="020B0609030804020204" pitchFamily="49" charset="0"/>
-                <a:cs typeface="Arial" panose="020B0604020202020204" pitchFamily="34" charset="0"/>
-              </a:rPr>
-              <a:t>IMS Ops</a:t>
-            </a:r>
-          </a:p>
-          <a:p>
-            <a:pPr algn="ctr"/>
-            <a:r>
-              <a:rPr lang="en-US" sz="933" dirty="0">
-                <a:solidFill>
-                  <a:schemeClr val="tx1"/>
-                </a:solidFill>
-                <a:latin typeface="Arial" panose="020B0604020202020204" pitchFamily="34" charset="0"/>
-                <a:ea typeface="Menlo" panose="020B0609030804020204" pitchFamily="49" charset="0"/>
-                <a:cs typeface="Arial" panose="020B0604020202020204" pitchFamily="34" charset="0"/>
-              </a:rPr>
-              <a:t>API</a:t>
-            </a:r>
-          </a:p>
-        </p:txBody>
-      </p:sp>
-      <p:sp>
-        <p:nvSpPr>
-          <p:cNvPr id="87" name="Rectangle 86">
-            <a:extLst>
-              <a:ext uri="{FF2B5EF4-FFF2-40B4-BE49-F238E27FC236}">
-                <a16:creationId xmlns:a16="http://schemas.microsoft.com/office/drawing/2014/main" id="{03EF157D-A459-3D4C-9BA7-D66E89FE7C8E}"/>
-              </a:ext>
-            </a:extLst>
-          </p:cNvPr>
-          <p:cNvSpPr/>
-          <p:nvPr/>
-        </p:nvSpPr>
-        <p:spPr>
-          <a:xfrm>
-            <a:off x="9282551" y="993346"/>
-            <a:ext cx="538511" cy="270387"/>
-          </a:xfrm>
-          <a:prstGeom prst="rect">
-            <a:avLst/>
-          </a:prstGeom>
-          <a:solidFill>
-            <a:srgbClr val="00B19E"/>
-          </a:solidFill>
-          <a:ln>
-            <a:solidFill>
-              <a:srgbClr val="20708D"/>
-            </a:solidFill>
-          </a:ln>
-        </p:spPr>
-        <p:style>
-          <a:lnRef idx="1">
-            <a:schemeClr val="accent1"/>
-          </a:lnRef>
-          <a:fillRef idx="3">
-            <a:schemeClr val="accent1"/>
-          </a:fillRef>
-          <a:effectRef idx="2">
-            <a:schemeClr val="accent1"/>
-          </a:effectRef>
-          <a:fontRef idx="minor">
-            <a:schemeClr val="lt1"/>
-          </a:fontRef>
-        </p:style>
-        <p:txBody>
-          <a:bodyPr rtlCol="0" anchor="ctr"/>
-          <a:lstStyle/>
-          <a:p>
-            <a:pPr algn="ctr"/>
-            <a:r>
-              <a:rPr lang="en-US" sz="1000" dirty="0">
-                <a:solidFill>
-                  <a:schemeClr val="tx1"/>
-                </a:solidFill>
-                <a:latin typeface="Arial" panose="020B0604020202020204" pitchFamily="34" charset="0"/>
-                <a:ea typeface="Menlo" charset="0"/>
-                <a:cs typeface="Arial" panose="020B0604020202020204" pitchFamily="34" charset="0"/>
-              </a:rPr>
-              <a:t>IMS</a:t>
-            </a:r>
-          </a:p>
-        </p:txBody>
-      </p:sp>
-      <p:sp>
-        <p:nvSpPr>
-          <p:cNvPr id="90" name="Rectangle 89">
-            <a:extLst>
-              <a:ext uri="{FF2B5EF4-FFF2-40B4-BE49-F238E27FC236}">
-                <a16:creationId xmlns:a16="http://schemas.microsoft.com/office/drawing/2014/main" id="{327195F8-48D4-7441-94C7-DB920529BA39}"/>
-              </a:ext>
-            </a:extLst>
-          </p:cNvPr>
-          <p:cNvSpPr/>
-          <p:nvPr/>
-        </p:nvSpPr>
-        <p:spPr>
-          <a:xfrm>
-            <a:off x="9906850" y="996150"/>
-            <a:ext cx="538511" cy="270387"/>
-          </a:xfrm>
-          <a:prstGeom prst="rect">
-            <a:avLst/>
-          </a:prstGeom>
-          <a:solidFill>
-            <a:srgbClr val="00B19E"/>
-          </a:solidFill>
-          <a:ln>
-            <a:solidFill>
-              <a:srgbClr val="20708D"/>
-            </a:solidFill>
-          </a:ln>
-        </p:spPr>
-        <p:style>
-          <a:lnRef idx="1">
-            <a:schemeClr val="accent1"/>
-          </a:lnRef>
-          <a:fillRef idx="3">
-            <a:schemeClr val="accent1"/>
-          </a:fillRef>
-          <a:effectRef idx="2">
-            <a:schemeClr val="accent1"/>
-          </a:effectRef>
-          <a:fontRef idx="minor">
-            <a:schemeClr val="lt1"/>
-          </a:fontRef>
-        </p:style>
-        <p:txBody>
-          <a:bodyPr rtlCol="0" anchor="ctr"/>
-          <a:lstStyle/>
-          <a:p>
-            <a:pPr algn="ctr"/>
-            <a:r>
-              <a:rPr lang="en-US" sz="1000" dirty="0">
-                <a:solidFill>
-                  <a:schemeClr val="tx1"/>
-                </a:solidFill>
-                <a:latin typeface="Arial" panose="020B0604020202020204" pitchFamily="34" charset="0"/>
-                <a:ea typeface="Menlo" charset="0"/>
-                <a:cs typeface="Arial" panose="020B0604020202020204" pitchFamily="34" charset="0"/>
-              </a:rPr>
-              <a:t>CICS</a:t>
-            </a:r>
-          </a:p>
-        </p:txBody>
-      </p:sp>
-      <p:sp>
-        <p:nvSpPr>
-          <p:cNvPr id="92" name="Rectangle 91">
-            <a:extLst>
-              <a:ext uri="{FF2B5EF4-FFF2-40B4-BE49-F238E27FC236}">
-                <a16:creationId xmlns:a16="http://schemas.microsoft.com/office/drawing/2014/main" id="{AD5478C9-5E56-9D46-8329-02F52C3385CD}"/>
-              </a:ext>
-            </a:extLst>
-          </p:cNvPr>
-          <p:cNvSpPr/>
-          <p:nvPr/>
-        </p:nvSpPr>
-        <p:spPr>
-          <a:xfrm>
-            <a:off x="10522709" y="984777"/>
-            <a:ext cx="538511" cy="270387"/>
-          </a:xfrm>
-          <a:prstGeom prst="rect">
-            <a:avLst/>
-          </a:prstGeom>
-          <a:solidFill>
-            <a:srgbClr val="00B19E"/>
-          </a:solidFill>
-          <a:ln>
-            <a:solidFill>
-              <a:srgbClr val="20708D"/>
-            </a:solidFill>
-          </a:ln>
-        </p:spPr>
-        <p:style>
-          <a:lnRef idx="1">
-            <a:schemeClr val="accent1"/>
-          </a:lnRef>
-          <a:fillRef idx="3">
-            <a:schemeClr val="accent1"/>
-          </a:fillRef>
-          <a:effectRef idx="2">
-            <a:schemeClr val="accent1"/>
-          </a:effectRef>
-          <a:fontRef idx="minor">
-            <a:schemeClr val="lt1"/>
-          </a:fontRef>
-        </p:style>
-        <p:txBody>
-          <a:bodyPr rtlCol="0" anchor="ctr"/>
-          <a:lstStyle/>
-          <a:p>
-            <a:pPr algn="ctr"/>
-            <a:r>
-              <a:rPr lang="en-US" sz="1000">
-                <a:solidFill>
-                  <a:schemeClr val="tx1"/>
-                </a:solidFill>
-                <a:latin typeface="Arial" panose="020B0604020202020204" pitchFamily="34" charset="0"/>
-                <a:ea typeface="Menlo" charset="0"/>
-                <a:cs typeface="Arial" panose="020B0604020202020204" pitchFamily="34" charset="0"/>
-              </a:rPr>
-              <a:t>DB2</a:t>
-            </a:r>
-          </a:p>
-        </p:txBody>
-      </p:sp>
-      <p:sp>
-        <p:nvSpPr>
-          <p:cNvPr id="95" name="Rectangle 94">
-            <a:extLst>
-              <a:ext uri="{FF2B5EF4-FFF2-40B4-BE49-F238E27FC236}">
-                <a16:creationId xmlns:a16="http://schemas.microsoft.com/office/drawing/2014/main" id="{9D2244BC-A2A4-D74E-BBE8-EB631F506976}"/>
-              </a:ext>
-            </a:extLst>
-          </p:cNvPr>
-          <p:cNvSpPr/>
-          <p:nvPr/>
-        </p:nvSpPr>
-        <p:spPr>
-          <a:xfrm>
-            <a:off x="9252672" y="6233667"/>
-            <a:ext cx="647780" cy="404357"/>
-          </a:xfrm>
-          <a:prstGeom prst="rect">
-            <a:avLst/>
-          </a:prstGeom>
-          <a:pattFill prst="pct5">
-            <a:fgClr>
-              <a:schemeClr val="accent1"/>
-            </a:fgClr>
-            <a:bgClr>
-              <a:schemeClr val="bg1"/>
-            </a:bgClr>
-          </a:pattFill>
-        </p:spPr>
-        <p:style>
-          <a:lnRef idx="2">
-            <a:schemeClr val="accent1">
-              <a:shade val="50000"/>
-            </a:schemeClr>
-          </a:lnRef>
-          <a:fillRef idx="1">
-            <a:schemeClr val="accent1"/>
-          </a:fillRef>
-          <a:effectRef idx="0">
-            <a:schemeClr val="accent1"/>
-          </a:effectRef>
-          <a:fontRef idx="minor">
-            <a:schemeClr val="lt1"/>
-          </a:fontRef>
-        </p:style>
-        <p:txBody>
-          <a:bodyPr rtlCol="0" anchor="ctr"/>
-          <a:lstStyle/>
-          <a:p>
-            <a:pPr algn="ctr"/>
-            <a:r>
-              <a:rPr lang="en-US" sz="933" dirty="0">
-                <a:solidFill>
-                  <a:schemeClr val="tx1"/>
-                </a:solidFill>
-                <a:latin typeface="Arial" panose="020B0604020202020204" pitchFamily="34" charset="0"/>
-                <a:ea typeface="Menlo" panose="020B0609030804020204" pitchFamily="49" charset="0"/>
-                <a:cs typeface="Arial" panose="020B0604020202020204" pitchFamily="34" charset="0"/>
-              </a:rPr>
-              <a:t>IMS Connect</a:t>
-            </a:r>
-          </a:p>
-        </p:txBody>
-      </p:sp>
-      <p:sp>
-        <p:nvSpPr>
-          <p:cNvPr id="98" name="Rectangle 97">
-            <a:extLst>
-              <a:ext uri="{FF2B5EF4-FFF2-40B4-BE49-F238E27FC236}">
-                <a16:creationId xmlns:a16="http://schemas.microsoft.com/office/drawing/2014/main" id="{86332291-5142-D54E-A76D-38429542624A}"/>
-              </a:ext>
-            </a:extLst>
-          </p:cNvPr>
-          <p:cNvSpPr/>
-          <p:nvPr/>
-        </p:nvSpPr>
-        <p:spPr>
-          <a:xfrm>
-            <a:off x="6189330" y="5575869"/>
-            <a:ext cx="1196983" cy="476273"/>
-          </a:xfrm>
-          <a:prstGeom prst="rect">
-            <a:avLst/>
-          </a:prstGeom>
-          <a:solidFill>
-            <a:srgbClr val="7C7B7B"/>
-          </a:solidFill>
-        </p:spPr>
-        <p:style>
-          <a:lnRef idx="2">
-            <a:schemeClr val="accent1">
-              <a:shade val="50000"/>
-            </a:schemeClr>
-          </a:lnRef>
-          <a:fillRef idx="1">
-            <a:schemeClr val="accent1"/>
-          </a:fillRef>
-          <a:effectRef idx="0">
-            <a:schemeClr val="accent1"/>
-          </a:effectRef>
-          <a:fontRef idx="minor">
-            <a:schemeClr val="lt1"/>
-          </a:fontRef>
-        </p:style>
-        <p:txBody>
-          <a:bodyPr rtlCol="0" anchor="ctr"/>
-          <a:lstStyle/>
-          <a:p>
-            <a:pPr algn="ctr"/>
-            <a:r>
-              <a:rPr lang="en-US" sz="933" dirty="0">
-                <a:solidFill>
-                  <a:schemeClr val="bg1"/>
-                </a:solidFill>
-                <a:latin typeface="Arial" panose="020B0604020202020204" pitchFamily="34" charset="0"/>
-                <a:ea typeface="Menlo" panose="020B0609030804020204" pitchFamily="49" charset="0"/>
-                <a:cs typeface="Arial" panose="020B0604020202020204" pitchFamily="34" charset="0"/>
-              </a:rPr>
-              <a:t>REST API Extension Server</a:t>
-            </a:r>
-          </a:p>
-        </p:txBody>
-      </p:sp>
-      <p:cxnSp>
-        <p:nvCxnSpPr>
-          <p:cNvPr id="99" name="Straight Arrow Connector 98">
-            <a:extLst>
-              <a:ext uri="{FF2B5EF4-FFF2-40B4-BE49-F238E27FC236}">
-                <a16:creationId xmlns:a16="http://schemas.microsoft.com/office/drawing/2014/main" id="{4B42528F-1505-AD4C-9BDE-78737EA3D84D}"/>
-              </a:ext>
-            </a:extLst>
-          </p:cNvPr>
-          <p:cNvCxnSpPr>
-            <a:cxnSpLocks/>
-          </p:cNvCxnSpPr>
-          <p:nvPr/>
-        </p:nvCxnSpPr>
-        <p:spPr>
-          <a:xfrm>
-            <a:off x="8340775" y="1407533"/>
-            <a:ext cx="65883" cy="4155649"/>
-          </a:xfrm>
-          <a:prstGeom prst="straightConnector1">
-            <a:avLst/>
-          </a:prstGeom>
-          <a:ln>
-            <a:headEnd type="triangle"/>
-            <a:tailEnd type="triangle"/>
-          </a:ln>
-        </p:spPr>
-        <p:style>
-          <a:lnRef idx="1">
-            <a:schemeClr val="accent1"/>
-          </a:lnRef>
-          <a:fillRef idx="0">
-            <a:schemeClr val="accent1"/>
-          </a:fillRef>
-          <a:effectRef idx="0">
-            <a:schemeClr val="accent1"/>
-          </a:effectRef>
-          <a:fontRef idx="minor">
-            <a:schemeClr val="tx1"/>
-          </a:fontRef>
-        </p:style>
-      </p:cxnSp>
-      <p:sp>
-        <p:nvSpPr>
-          <p:cNvPr id="102" name="Rectangle 101">
-            <a:extLst>
-              <a:ext uri="{FF2B5EF4-FFF2-40B4-BE49-F238E27FC236}">
-                <a16:creationId xmlns:a16="http://schemas.microsoft.com/office/drawing/2014/main" id="{69C93468-CA2A-FA45-8519-4E7D1360318E}"/>
-              </a:ext>
-            </a:extLst>
-          </p:cNvPr>
-          <p:cNvSpPr/>
-          <p:nvPr/>
-        </p:nvSpPr>
-        <p:spPr>
-          <a:xfrm>
-            <a:off x="10582853" y="5531605"/>
-            <a:ext cx="541686" cy="476273"/>
-          </a:xfrm>
-          <a:prstGeom prst="rect">
-            <a:avLst/>
-          </a:prstGeom>
-          <a:pattFill prst="pct5">
-            <a:fgClr>
-              <a:schemeClr val="accent1"/>
-            </a:fgClr>
-            <a:bgClr>
-              <a:schemeClr val="bg1"/>
-            </a:bgClr>
-          </a:pattFill>
-        </p:spPr>
-        <p:style>
-          <a:lnRef idx="2">
-            <a:schemeClr val="accent1">
-              <a:shade val="50000"/>
-            </a:schemeClr>
-          </a:lnRef>
-          <a:fillRef idx="1">
-            <a:schemeClr val="accent1"/>
-          </a:fillRef>
-          <a:effectRef idx="0">
-            <a:schemeClr val="accent1"/>
-          </a:effectRef>
-          <a:fontRef idx="minor">
-            <a:schemeClr val="lt1"/>
-          </a:fontRef>
-        </p:style>
-        <p:txBody>
-          <a:bodyPr rtlCol="0" anchor="ctr"/>
-          <a:lstStyle/>
-          <a:p>
-            <a:pPr algn="ctr"/>
-            <a:r>
-              <a:rPr lang="en-US" sz="933">
-                <a:solidFill>
-                  <a:schemeClr val="tx1"/>
-                </a:solidFill>
-                <a:latin typeface="Arial" panose="020B0604020202020204" pitchFamily="34" charset="0"/>
-                <a:ea typeface="Menlo" panose="020B0609030804020204" pitchFamily="49" charset="0"/>
-                <a:cs typeface="Arial" panose="020B0604020202020204" pitchFamily="34" charset="0"/>
-              </a:rPr>
-              <a:t>DB2</a:t>
-            </a:r>
-          </a:p>
-        </p:txBody>
-      </p:sp>
-      <p:sp>
-        <p:nvSpPr>
-          <p:cNvPr id="105" name="TextBox 104">
-            <a:extLst>
-              <a:ext uri="{FF2B5EF4-FFF2-40B4-BE49-F238E27FC236}">
-                <a16:creationId xmlns:a16="http://schemas.microsoft.com/office/drawing/2014/main" id="{29D05D16-D827-4848-9292-C9EE09EA7BBB}"/>
-              </a:ext>
-            </a:extLst>
-          </p:cNvPr>
-          <p:cNvSpPr txBox="1"/>
-          <p:nvPr/>
-        </p:nvSpPr>
-        <p:spPr>
-          <a:xfrm>
-            <a:off x="6895181" y="5312474"/>
-            <a:ext cx="498855" cy="261610"/>
-          </a:xfrm>
-          <a:prstGeom prst="rect">
-            <a:avLst/>
-          </a:prstGeom>
-          <a:noFill/>
-        </p:spPr>
-        <p:txBody>
-          <a:bodyPr wrap="none" rtlCol="0">
-            <a:spAutoFit/>
-          </a:bodyPr>
-          <a:lstStyle/>
-          <a:p>
-            <a:r>
-              <a:rPr lang="en-US" sz="1100" dirty="0">
-                <a:latin typeface="Arial" panose="020B0604020202020204" pitchFamily="34" charset="0"/>
-                <a:ea typeface="Menlo" panose="020B0609030804020204" pitchFamily="49" charset="0"/>
-                <a:cs typeface="Arial" panose="020B0604020202020204" pitchFamily="34" charset="0"/>
-              </a:rPr>
-              <a:t>nnnn</a:t>
-            </a:r>
-          </a:p>
-        </p:txBody>
-      </p:sp>
-      <p:sp>
-        <p:nvSpPr>
-          <p:cNvPr id="108" name="Rectangle 107">
-            <a:extLst>
-              <a:ext uri="{FF2B5EF4-FFF2-40B4-BE49-F238E27FC236}">
-                <a16:creationId xmlns:a16="http://schemas.microsoft.com/office/drawing/2014/main" id="{AC9A0780-B31F-684B-97D2-6B4D144E4464}"/>
-              </a:ext>
-            </a:extLst>
-          </p:cNvPr>
-          <p:cNvSpPr/>
-          <p:nvPr/>
-        </p:nvSpPr>
-        <p:spPr>
-          <a:xfrm>
-            <a:off x="5266787" y="799191"/>
-            <a:ext cx="576791" cy="292847"/>
-          </a:xfrm>
-          <a:prstGeom prst="rect">
-            <a:avLst/>
-          </a:prstGeom>
-          <a:solidFill>
-            <a:srgbClr val="7C7B7B"/>
-          </a:solidFill>
-        </p:spPr>
-        <p:style>
-          <a:lnRef idx="2">
-            <a:schemeClr val="accent1">
-              <a:shade val="50000"/>
-            </a:schemeClr>
-          </a:lnRef>
-          <a:fillRef idx="1">
-            <a:schemeClr val="accent1"/>
-          </a:fillRef>
-          <a:effectRef idx="0">
-            <a:schemeClr val="accent1"/>
-          </a:effectRef>
-          <a:fontRef idx="minor">
-            <a:schemeClr val="lt1"/>
-          </a:fontRef>
-        </p:style>
-        <p:txBody>
-          <a:bodyPr rtlCol="0" anchor="ctr"/>
-          <a:lstStyle/>
-          <a:p>
-            <a:pPr algn="ctr"/>
-            <a:r>
-              <a:rPr lang="en-US" sz="933" dirty="0">
-                <a:solidFill>
-                  <a:schemeClr val="bg1"/>
-                </a:solidFill>
-                <a:latin typeface="Arial" panose="020B0604020202020204" pitchFamily="34" charset="0"/>
-                <a:ea typeface="Menlo" panose="020B0609030804020204" pitchFamily="49" charset="0"/>
-                <a:cs typeface="Arial" panose="020B0604020202020204" pitchFamily="34" charset="0"/>
-              </a:rPr>
-              <a:t>HTML</a:t>
-            </a:r>
-          </a:p>
-        </p:txBody>
-      </p:sp>
-      <p:sp>
-        <p:nvSpPr>
-          <p:cNvPr id="112" name="Rectangle 111">
-            <a:extLst>
-              <a:ext uri="{FF2B5EF4-FFF2-40B4-BE49-F238E27FC236}">
-                <a16:creationId xmlns:a16="http://schemas.microsoft.com/office/drawing/2014/main" id="{6F8067E1-A1AE-AA4E-914F-1E7325E2DDF4}"/>
-              </a:ext>
-            </a:extLst>
-          </p:cNvPr>
-          <p:cNvSpPr/>
-          <p:nvPr/>
-        </p:nvSpPr>
-        <p:spPr>
-          <a:xfrm>
-            <a:off x="6985001" y="973628"/>
-            <a:ext cx="618174" cy="271954"/>
-          </a:xfrm>
-          <a:prstGeom prst="rect">
-            <a:avLst/>
-          </a:prstGeom>
-          <a:solidFill>
-            <a:srgbClr val="7C7B7B"/>
-          </a:solidFill>
-        </p:spPr>
-        <p:style>
-          <a:lnRef idx="2">
-            <a:schemeClr val="accent1">
-              <a:shade val="50000"/>
-            </a:schemeClr>
-          </a:lnRef>
-          <a:fillRef idx="1">
-            <a:schemeClr val="accent1"/>
-          </a:fillRef>
-          <a:effectRef idx="0">
-            <a:schemeClr val="accent1"/>
-          </a:effectRef>
-          <a:fontRef idx="minor">
-            <a:schemeClr val="lt1"/>
-          </a:fontRef>
-        </p:style>
-        <p:txBody>
-          <a:bodyPr rtlCol="0" anchor="ctr"/>
-          <a:lstStyle/>
-          <a:p>
-            <a:pPr algn="ctr"/>
-            <a:r>
-              <a:rPr lang="en-US" sz="700" dirty="0">
-                <a:solidFill>
-                  <a:schemeClr val="bg1"/>
-                </a:solidFill>
-                <a:latin typeface="Arial" panose="020B0604020202020204" pitchFamily="34" charset="0"/>
-                <a:ea typeface="Menlo" panose="020B0609030804020204" pitchFamily="49" charset="0"/>
-                <a:cs typeface="Arial" panose="020B0604020202020204" pitchFamily="34" charset="0"/>
-              </a:rPr>
-              <a:t>CLI</a:t>
-            </a:r>
-          </a:p>
-          <a:p>
-            <a:pPr algn="ctr"/>
-            <a:r>
-              <a:rPr lang="en-US" sz="700" dirty="0">
-                <a:solidFill>
-                  <a:schemeClr val="bg1"/>
-                </a:solidFill>
-                <a:latin typeface="Arial" panose="020B0604020202020204" pitchFamily="34" charset="0"/>
-                <a:ea typeface="Menlo" panose="020B0609030804020204" pitchFamily="49" charset="0"/>
-                <a:cs typeface="Arial" panose="020B0604020202020204" pitchFamily="34" charset="0"/>
-              </a:rPr>
-              <a:t>extension</a:t>
-            </a:r>
-          </a:p>
-        </p:txBody>
-      </p:sp>
-      <p:pic>
-        <p:nvPicPr>
-          <p:cNvPr id="34" name="Picture 33">
-            <a:extLst>
-              <a:ext uri="{FF2B5EF4-FFF2-40B4-BE49-F238E27FC236}">
-                <a16:creationId xmlns:a16="http://schemas.microsoft.com/office/drawing/2014/main" id="{CB2E0DA4-07B3-1A49-9A81-79381B0EFD47}"/>
-              </a:ext>
-            </a:extLst>
-          </p:cNvPr>
-          <p:cNvPicPr>
-            <a:picLocks noChangeAspect="1"/>
-          </p:cNvPicPr>
-          <p:nvPr/>
-        </p:nvPicPr>
-        <p:blipFill>
-          <a:blip r:embed="rId7"/>
-          <a:stretch>
-            <a:fillRect/>
-          </a:stretch>
-        </p:blipFill>
-        <p:spPr>
-          <a:xfrm>
-            <a:off x="7999490" y="77499"/>
-            <a:ext cx="471120" cy="307657"/>
-          </a:xfrm>
-          <a:prstGeom prst="rect">
-            <a:avLst/>
-          </a:prstGeom>
-        </p:spPr>
-      </p:pic>
-      <p:sp>
-        <p:nvSpPr>
-          <p:cNvPr id="114" name="TextBox 113">
-            <a:extLst>
-              <a:ext uri="{FF2B5EF4-FFF2-40B4-BE49-F238E27FC236}">
-                <a16:creationId xmlns:a16="http://schemas.microsoft.com/office/drawing/2014/main" id="{F3496A4C-19A3-9F45-A7F0-2B0C01CE0170}"/>
-              </a:ext>
-            </a:extLst>
-          </p:cNvPr>
-          <p:cNvSpPr txBox="1"/>
-          <p:nvPr/>
-        </p:nvSpPr>
-        <p:spPr>
-          <a:xfrm>
-            <a:off x="8506649" y="27189"/>
-            <a:ext cx="649373" cy="430887"/>
-          </a:xfrm>
-          <a:prstGeom prst="rect">
-            <a:avLst/>
-          </a:prstGeom>
-          <a:noFill/>
-        </p:spPr>
-        <p:txBody>
-          <a:bodyPr wrap="square" rtlCol="0">
-            <a:spAutoFit/>
-          </a:bodyPr>
-          <a:lstStyle/>
-          <a:p>
-            <a:r>
-              <a:rPr lang="en-US" sz="1100" dirty="0">
-                <a:latin typeface="Arial" panose="020B0604020202020204" pitchFamily="34" charset="0"/>
-                <a:cs typeface="Arial" panose="020B0604020202020204" pitchFamily="34" charset="0"/>
-              </a:rPr>
-              <a:t>VS Code</a:t>
-            </a:r>
-          </a:p>
-        </p:txBody>
-      </p:sp>
-      <p:cxnSp>
-        <p:nvCxnSpPr>
-          <p:cNvPr id="116" name="Straight Arrow Connector 115">
-            <a:extLst>
-              <a:ext uri="{FF2B5EF4-FFF2-40B4-BE49-F238E27FC236}">
-                <a16:creationId xmlns:a16="http://schemas.microsoft.com/office/drawing/2014/main" id="{6D4217B5-9051-B747-9EB1-3A0C82F62759}"/>
-              </a:ext>
-            </a:extLst>
-          </p:cNvPr>
-          <p:cNvCxnSpPr>
-            <a:cxnSpLocks/>
-          </p:cNvCxnSpPr>
-          <p:nvPr/>
-        </p:nvCxnSpPr>
-        <p:spPr>
-          <a:xfrm>
-            <a:off x="8076585" y="412652"/>
-            <a:ext cx="0" cy="246221"/>
-          </a:xfrm>
-          <a:prstGeom prst="straightConnector1">
-            <a:avLst/>
-          </a:prstGeom>
-          <a:ln>
-            <a:headEnd type="triangle"/>
-            <a:tailEnd type="triangle"/>
-          </a:ln>
-        </p:spPr>
-        <p:style>
-          <a:lnRef idx="1">
-            <a:schemeClr val="accent1"/>
-          </a:lnRef>
-          <a:fillRef idx="0">
-            <a:schemeClr val="accent1"/>
-          </a:fillRef>
-          <a:effectRef idx="0">
-            <a:schemeClr val="accent1"/>
-          </a:effectRef>
-          <a:fontRef idx="minor">
-            <a:schemeClr val="tx1"/>
-          </a:fontRef>
-        </p:style>
-      </p:cxnSp>
-      <p:pic>
-        <p:nvPicPr>
-          <p:cNvPr id="130" name="Picture 129">
-            <a:extLst>
-              <a:ext uri="{FF2B5EF4-FFF2-40B4-BE49-F238E27FC236}">
-                <a16:creationId xmlns:a16="http://schemas.microsoft.com/office/drawing/2014/main" id="{CD22F1B5-8409-E949-9F0E-40313427A5FC}"/>
-              </a:ext>
-            </a:extLst>
-          </p:cNvPr>
-          <p:cNvPicPr>
-            <a:picLocks noChangeAspect="1"/>
-          </p:cNvPicPr>
-          <p:nvPr/>
-        </p:nvPicPr>
-        <p:blipFill>
-          <a:blip r:embed="rId8"/>
-          <a:stretch>
-            <a:fillRect/>
-          </a:stretch>
-        </p:blipFill>
-        <p:spPr>
-          <a:xfrm>
-            <a:off x="1308447" y="796657"/>
-            <a:ext cx="693698" cy="324649"/>
-          </a:xfrm>
-          <a:prstGeom prst="rect">
-            <a:avLst/>
-          </a:prstGeom>
-        </p:spPr>
-      </p:pic>
-      <p:cxnSp>
-        <p:nvCxnSpPr>
-          <p:cNvPr id="132" name="Straight Connector 131">
-            <a:extLst>
-              <a:ext uri="{FF2B5EF4-FFF2-40B4-BE49-F238E27FC236}">
-                <a16:creationId xmlns:a16="http://schemas.microsoft.com/office/drawing/2014/main" id="{810C9CD3-9C88-9544-A3D7-8123C2A2A7B1}"/>
-              </a:ext>
-            </a:extLst>
-          </p:cNvPr>
-          <p:cNvCxnSpPr>
-            <a:cxnSpLocks/>
-          </p:cNvCxnSpPr>
-          <p:nvPr/>
-        </p:nvCxnSpPr>
-        <p:spPr>
-          <a:xfrm>
-            <a:off x="4913978" y="363279"/>
-            <a:ext cx="0" cy="1065069"/>
-          </a:xfrm>
-          <a:prstGeom prst="line">
-            <a:avLst/>
-          </a:prstGeom>
-          <a:ln>
-            <a:solidFill>
-              <a:schemeClr val="bg2">
-                <a:lumMod val="75000"/>
-              </a:schemeClr>
-            </a:solidFill>
-          </a:ln>
-        </p:spPr>
-        <p:style>
-          <a:lnRef idx="1">
-            <a:schemeClr val="accent1"/>
-          </a:lnRef>
-          <a:fillRef idx="0">
-            <a:schemeClr val="accent1"/>
-          </a:fillRef>
-          <a:effectRef idx="0">
-            <a:schemeClr val="accent1"/>
-          </a:effectRef>
-          <a:fontRef idx="minor">
-            <a:schemeClr val="tx1"/>
-          </a:fontRef>
-        </p:style>
-      </p:cxnSp>
-      <p:sp>
-        <p:nvSpPr>
-          <p:cNvPr id="134" name="TextBox 133">
-            <a:extLst>
-              <a:ext uri="{FF2B5EF4-FFF2-40B4-BE49-F238E27FC236}">
-                <a16:creationId xmlns:a16="http://schemas.microsoft.com/office/drawing/2014/main" id="{5835E822-9EAF-EC46-A869-517F247DD985}"/>
-              </a:ext>
-            </a:extLst>
-          </p:cNvPr>
-          <p:cNvSpPr txBox="1"/>
-          <p:nvPr/>
-        </p:nvSpPr>
-        <p:spPr>
-          <a:xfrm>
-            <a:off x="1191075" y="412652"/>
-            <a:ext cx="1253869" cy="246221"/>
-          </a:xfrm>
-          <a:prstGeom prst="rect">
-            <a:avLst/>
-          </a:prstGeom>
-          <a:noFill/>
-        </p:spPr>
-        <p:txBody>
-          <a:bodyPr wrap="none" rtlCol="0">
-            <a:spAutoFit/>
-          </a:bodyPr>
-          <a:lstStyle/>
-          <a:p>
-            <a:r>
-              <a:rPr lang="en-US" sz="1000" dirty="0">
-                <a:latin typeface="Arial" panose="020B0604020202020204" pitchFamily="34" charset="0"/>
-                <a:cs typeface="Arial" panose="020B0604020202020204" pitchFamily="34" charset="0"/>
-              </a:rPr>
-              <a:t>Core desktop apps</a:t>
-            </a:r>
-          </a:p>
-        </p:txBody>
-      </p:sp>
-      <p:sp>
-        <p:nvSpPr>
-          <p:cNvPr id="135" name="TextBox 134">
-            <a:extLst>
-              <a:ext uri="{FF2B5EF4-FFF2-40B4-BE49-F238E27FC236}">
-                <a16:creationId xmlns:a16="http://schemas.microsoft.com/office/drawing/2014/main" id="{97532F09-0E15-5147-92C7-F00D56198F3B}"/>
-              </a:ext>
-            </a:extLst>
-          </p:cNvPr>
-          <p:cNvSpPr txBox="1"/>
-          <p:nvPr/>
-        </p:nvSpPr>
-        <p:spPr>
-          <a:xfrm>
-            <a:off x="4914177" y="412652"/>
-            <a:ext cx="1197764" cy="246221"/>
-          </a:xfrm>
-          <a:prstGeom prst="rect">
-            <a:avLst/>
-          </a:prstGeom>
-          <a:noFill/>
-        </p:spPr>
-        <p:txBody>
-          <a:bodyPr wrap="none" rtlCol="0">
-            <a:spAutoFit/>
-          </a:bodyPr>
-          <a:lstStyle/>
-          <a:p>
-            <a:r>
-              <a:rPr lang="en-US" sz="1000" dirty="0">
-                <a:latin typeface="Arial" panose="020B0604020202020204" pitchFamily="34" charset="0"/>
-                <a:cs typeface="Arial" panose="020B0604020202020204" pitchFamily="34" charset="0"/>
-              </a:rPr>
-              <a:t>Extension Plugins</a:t>
-            </a:r>
-          </a:p>
-        </p:txBody>
-      </p:sp>
-      <p:sp>
-        <p:nvSpPr>
-          <p:cNvPr id="136" name="TextBox 135">
-            <a:extLst>
-              <a:ext uri="{FF2B5EF4-FFF2-40B4-BE49-F238E27FC236}">
-                <a16:creationId xmlns:a16="http://schemas.microsoft.com/office/drawing/2014/main" id="{8BA091DE-6769-C747-892C-2F59F0C931EA}"/>
-              </a:ext>
-            </a:extLst>
-          </p:cNvPr>
-          <p:cNvSpPr txBox="1"/>
-          <p:nvPr/>
-        </p:nvSpPr>
-        <p:spPr>
-          <a:xfrm>
-            <a:off x="6893577" y="542793"/>
-            <a:ext cx="744114" cy="400110"/>
-          </a:xfrm>
-          <a:prstGeom prst="rect">
-            <a:avLst/>
-          </a:prstGeom>
-          <a:noFill/>
-        </p:spPr>
-        <p:txBody>
-          <a:bodyPr wrap="none" rtlCol="0">
-            <a:spAutoFit/>
-          </a:bodyPr>
-          <a:lstStyle/>
-          <a:p>
-            <a:r>
-              <a:rPr lang="en-US" sz="1000" dirty="0">
-                <a:latin typeface="Arial" panose="020B0604020202020204" pitchFamily="34" charset="0"/>
-                <a:cs typeface="Arial" panose="020B0604020202020204" pitchFamily="34" charset="0"/>
-              </a:rPr>
-              <a:t>Extension</a:t>
-            </a:r>
-          </a:p>
-          <a:p>
-            <a:r>
-              <a:rPr lang="en-US" sz="1000" dirty="0">
-                <a:latin typeface="Arial" panose="020B0604020202020204" pitchFamily="34" charset="0"/>
-                <a:cs typeface="Arial" panose="020B0604020202020204" pitchFamily="34" charset="0"/>
-              </a:rPr>
-              <a:t>Plugins</a:t>
-            </a:r>
-          </a:p>
-        </p:txBody>
-      </p:sp>
-      <p:sp>
-        <p:nvSpPr>
-          <p:cNvPr id="140" name="TextBox 139">
-            <a:extLst>
-              <a:ext uri="{FF2B5EF4-FFF2-40B4-BE49-F238E27FC236}">
-                <a16:creationId xmlns:a16="http://schemas.microsoft.com/office/drawing/2014/main" id="{54680ECA-31F3-314A-8732-C39143295BC2}"/>
-              </a:ext>
-            </a:extLst>
-          </p:cNvPr>
-          <p:cNvSpPr txBox="1"/>
-          <p:nvPr/>
-        </p:nvSpPr>
-        <p:spPr>
-          <a:xfrm>
-            <a:off x="8106580" y="497657"/>
-            <a:ext cx="696024" cy="246221"/>
-          </a:xfrm>
-          <a:prstGeom prst="rect">
-            <a:avLst/>
-          </a:prstGeom>
-          <a:noFill/>
-        </p:spPr>
-        <p:txBody>
-          <a:bodyPr wrap="none" rtlCol="0">
-            <a:spAutoFit/>
-          </a:bodyPr>
-          <a:lstStyle/>
-          <a:p>
-            <a:r>
-              <a:rPr lang="en-US" sz="1000" dirty="0">
-                <a:latin typeface="Arial" panose="020B0604020202020204" pitchFamily="34" charset="0"/>
-                <a:cs typeface="Arial" panose="020B0604020202020204" pitchFamily="34" charset="0"/>
-              </a:rPr>
-              <a:t>Core CLI</a:t>
-            </a:r>
-          </a:p>
-        </p:txBody>
-      </p:sp>
-      <p:cxnSp>
-        <p:nvCxnSpPr>
-          <p:cNvPr id="141" name="Straight Connector 140">
-            <a:extLst>
-              <a:ext uri="{FF2B5EF4-FFF2-40B4-BE49-F238E27FC236}">
-                <a16:creationId xmlns:a16="http://schemas.microsoft.com/office/drawing/2014/main" id="{C835EE13-36AC-B643-AB6E-5BA554335981}"/>
-              </a:ext>
-            </a:extLst>
-          </p:cNvPr>
-          <p:cNvCxnSpPr>
-            <a:cxnSpLocks/>
-          </p:cNvCxnSpPr>
-          <p:nvPr/>
-        </p:nvCxnSpPr>
-        <p:spPr>
-          <a:xfrm>
-            <a:off x="9153611" y="541905"/>
-            <a:ext cx="0" cy="878569"/>
-          </a:xfrm>
-          <a:prstGeom prst="line">
-            <a:avLst/>
-          </a:prstGeom>
-          <a:ln>
-            <a:solidFill>
-              <a:schemeClr val="bg2">
-                <a:lumMod val="50000"/>
-              </a:schemeClr>
-            </a:solidFill>
-            <a:prstDash val="dash"/>
-          </a:ln>
-        </p:spPr>
-        <p:style>
-          <a:lnRef idx="1">
-            <a:schemeClr val="accent1"/>
-          </a:lnRef>
-          <a:fillRef idx="0">
-            <a:schemeClr val="accent1"/>
-          </a:fillRef>
-          <a:effectRef idx="0">
-            <a:schemeClr val="accent1"/>
-          </a:effectRef>
-          <a:fontRef idx="minor">
-            <a:schemeClr val="tx1"/>
-          </a:fontRef>
-        </p:style>
-      </p:cxnSp>
-      <p:sp>
-        <p:nvSpPr>
-          <p:cNvPr id="143" name="TextBox 142">
-            <a:extLst>
-              <a:ext uri="{FF2B5EF4-FFF2-40B4-BE49-F238E27FC236}">
-                <a16:creationId xmlns:a16="http://schemas.microsoft.com/office/drawing/2014/main" id="{3948393E-6738-C84D-8AB0-02473AEA0976}"/>
-              </a:ext>
-            </a:extLst>
-          </p:cNvPr>
-          <p:cNvSpPr txBox="1"/>
-          <p:nvPr/>
-        </p:nvSpPr>
-        <p:spPr>
-          <a:xfrm>
-            <a:off x="9937069" y="541905"/>
-            <a:ext cx="1120820" cy="246221"/>
-          </a:xfrm>
-          <a:prstGeom prst="rect">
-            <a:avLst/>
-          </a:prstGeom>
-          <a:noFill/>
-        </p:spPr>
-        <p:txBody>
-          <a:bodyPr wrap="none" rtlCol="0">
-            <a:spAutoFit/>
-          </a:bodyPr>
-          <a:lstStyle/>
-          <a:p>
-            <a:r>
-              <a:rPr lang="en-US" sz="1000" dirty="0">
-                <a:latin typeface="Arial" panose="020B0604020202020204" pitchFamily="34" charset="0"/>
-                <a:cs typeface="Arial" panose="020B0604020202020204" pitchFamily="34" charset="0"/>
-              </a:rPr>
-              <a:t>Core Extensions</a:t>
-            </a:r>
-          </a:p>
-        </p:txBody>
-      </p:sp>
-      <p:cxnSp>
-        <p:nvCxnSpPr>
-          <p:cNvPr id="1208" name="Straight Connector 1207">
-            <a:extLst>
-              <a:ext uri="{FF2B5EF4-FFF2-40B4-BE49-F238E27FC236}">
-                <a16:creationId xmlns:a16="http://schemas.microsoft.com/office/drawing/2014/main" id="{9DEFCEED-FF38-6441-93B4-64CD5178FF46}"/>
-              </a:ext>
-            </a:extLst>
-          </p:cNvPr>
-          <p:cNvCxnSpPr>
-            <a:cxnSpLocks/>
-          </p:cNvCxnSpPr>
-          <p:nvPr/>
-        </p:nvCxnSpPr>
-        <p:spPr>
-          <a:xfrm>
-            <a:off x="7746055" y="541905"/>
-            <a:ext cx="0" cy="886443"/>
-          </a:xfrm>
-          <a:prstGeom prst="line">
-            <a:avLst/>
-          </a:prstGeom>
-          <a:ln>
-            <a:solidFill>
-              <a:schemeClr val="bg2">
-                <a:lumMod val="75000"/>
-              </a:schemeClr>
-            </a:solidFill>
-          </a:ln>
-        </p:spPr>
-        <p:style>
-          <a:lnRef idx="1">
-            <a:schemeClr val="accent1"/>
-          </a:lnRef>
-          <a:fillRef idx="0">
-            <a:schemeClr val="accent1"/>
-          </a:fillRef>
-          <a:effectRef idx="0">
-            <a:schemeClr val="accent1"/>
-          </a:effectRef>
-          <a:fontRef idx="minor">
-            <a:schemeClr val="tx1"/>
-          </a:fontRef>
-        </p:style>
-      </p:cxnSp>
-      <p:sp>
-        <p:nvSpPr>
-          <p:cNvPr id="106" name="Rectangle 105">
-            <a:extLst>
-              <a:ext uri="{FF2B5EF4-FFF2-40B4-BE49-F238E27FC236}">
-                <a16:creationId xmlns:a16="http://schemas.microsoft.com/office/drawing/2014/main" id="{E958CF02-D7F2-524F-9C43-0091770F3EAB}"/>
-              </a:ext>
-            </a:extLst>
-          </p:cNvPr>
-          <p:cNvSpPr/>
-          <p:nvPr/>
-        </p:nvSpPr>
-        <p:spPr>
-          <a:xfrm>
-            <a:off x="9974102" y="5542204"/>
-            <a:ext cx="541685" cy="465674"/>
-          </a:xfrm>
-          <a:prstGeom prst="rect">
-            <a:avLst/>
-          </a:prstGeom>
-          <a:pattFill prst="pct5">
-            <a:fgClr>
-              <a:schemeClr val="accent1"/>
-            </a:fgClr>
-            <a:bgClr>
-              <a:schemeClr val="bg1"/>
-            </a:bgClr>
-          </a:pattFill>
-          <a:ln>
-            <a:solidFill>
-              <a:schemeClr val="tx1"/>
-            </a:solidFill>
-          </a:ln>
-        </p:spPr>
-        <p:style>
-          <a:lnRef idx="2">
-            <a:schemeClr val="accent1">
-              <a:shade val="50000"/>
-            </a:schemeClr>
-          </a:lnRef>
-          <a:fillRef idx="1">
-            <a:schemeClr val="accent1"/>
-          </a:fillRef>
-          <a:effectRef idx="0">
-            <a:schemeClr val="accent1"/>
-          </a:effectRef>
-          <a:fontRef idx="minor">
-            <a:schemeClr val="lt1"/>
-          </a:fontRef>
-        </p:style>
-        <p:txBody>
-          <a:bodyPr rtlCol="0" anchor="ctr"/>
-          <a:lstStyle/>
-          <a:p>
-            <a:pPr algn="ctr"/>
-            <a:r>
-              <a:rPr lang="en-US" sz="933" dirty="0">
-                <a:solidFill>
-                  <a:schemeClr val="tx1"/>
-                </a:solidFill>
-                <a:latin typeface="Arial" panose="020B0604020202020204" pitchFamily="34" charset="0"/>
-                <a:ea typeface="Menlo" panose="020B0609030804020204" pitchFamily="49" charset="0"/>
-                <a:cs typeface="Arial" panose="020B0604020202020204" pitchFamily="34" charset="0"/>
-              </a:rPr>
-              <a:t>CICS CMCI</a:t>
-            </a:r>
-          </a:p>
-        </p:txBody>
-      </p:sp>
-      <p:cxnSp>
-        <p:nvCxnSpPr>
-          <p:cNvPr id="109" name="Straight Arrow Connector 108">
-            <a:extLst>
-              <a:ext uri="{FF2B5EF4-FFF2-40B4-BE49-F238E27FC236}">
-                <a16:creationId xmlns:a16="http://schemas.microsoft.com/office/drawing/2014/main" id="{51D5112B-37DA-7849-B4D4-C47A036D7097}"/>
-              </a:ext>
-            </a:extLst>
-          </p:cNvPr>
-          <p:cNvCxnSpPr>
-            <a:cxnSpLocks/>
-          </p:cNvCxnSpPr>
-          <p:nvPr/>
-        </p:nvCxnSpPr>
-        <p:spPr>
-          <a:xfrm>
-            <a:off x="9606489" y="6039568"/>
-            <a:ext cx="0" cy="198061"/>
-          </a:xfrm>
-          <a:prstGeom prst="straightConnector1">
-            <a:avLst/>
-          </a:prstGeom>
-          <a:ln>
-            <a:headEnd type="triangle"/>
-            <a:tailEnd type="triangle"/>
-          </a:ln>
-        </p:spPr>
-        <p:style>
-          <a:lnRef idx="1">
-            <a:schemeClr val="accent1"/>
-          </a:lnRef>
-          <a:fillRef idx="0">
-            <a:schemeClr val="accent1"/>
-          </a:fillRef>
-          <a:effectRef idx="0">
-            <a:schemeClr val="accent1"/>
-          </a:effectRef>
-          <a:fontRef idx="minor">
-            <a:schemeClr val="tx1"/>
-          </a:fontRef>
-        </p:style>
-      </p:cxnSp>
-      <p:sp>
-        <p:nvSpPr>
-          <p:cNvPr id="113" name="Rectangle 112">
-            <a:extLst>
-              <a:ext uri="{FF2B5EF4-FFF2-40B4-BE49-F238E27FC236}">
-                <a16:creationId xmlns:a16="http://schemas.microsoft.com/office/drawing/2014/main" id="{54E4D710-81E8-B54C-A5BC-698A58D4C5BE}"/>
-              </a:ext>
-            </a:extLst>
-          </p:cNvPr>
-          <p:cNvSpPr/>
-          <p:nvPr/>
-        </p:nvSpPr>
-        <p:spPr>
-          <a:xfrm>
-            <a:off x="11154330" y="983976"/>
-            <a:ext cx="538511" cy="270387"/>
-          </a:xfrm>
-          <a:prstGeom prst="rect">
-            <a:avLst/>
-          </a:prstGeom>
-          <a:solidFill>
-            <a:srgbClr val="00B19E"/>
-          </a:solidFill>
-          <a:ln>
-            <a:solidFill>
-              <a:srgbClr val="20708D"/>
-            </a:solidFill>
-          </a:ln>
-        </p:spPr>
-        <p:style>
-          <a:lnRef idx="1">
-            <a:schemeClr val="accent1"/>
-          </a:lnRef>
-          <a:fillRef idx="3">
-            <a:schemeClr val="accent1"/>
-          </a:fillRef>
-          <a:effectRef idx="2">
-            <a:schemeClr val="accent1"/>
-          </a:effectRef>
-          <a:fontRef idx="minor">
-            <a:schemeClr val="lt1"/>
-          </a:fontRef>
-        </p:style>
-        <p:txBody>
-          <a:bodyPr rtlCol="0" anchor="ctr"/>
-          <a:lstStyle/>
-          <a:p>
-            <a:pPr algn="ctr"/>
-            <a:r>
-              <a:rPr lang="en-US" sz="1000" dirty="0">
-                <a:solidFill>
-                  <a:schemeClr val="tx1"/>
-                </a:solidFill>
-                <a:latin typeface="Arial" panose="020B0604020202020204" pitchFamily="34" charset="0"/>
-                <a:ea typeface="Menlo" charset="0"/>
-                <a:cs typeface="Arial" panose="020B0604020202020204" pitchFamily="34" charset="0"/>
-              </a:rPr>
-              <a:t>MQ</a:t>
-            </a:r>
-          </a:p>
-        </p:txBody>
-      </p:sp>
-      <p:sp>
-        <p:nvSpPr>
-          <p:cNvPr id="120" name="Rectangle 119">
-            <a:extLst>
-              <a:ext uri="{FF2B5EF4-FFF2-40B4-BE49-F238E27FC236}">
-                <a16:creationId xmlns:a16="http://schemas.microsoft.com/office/drawing/2014/main" id="{D14F4F09-5482-C047-9879-AC4E5FA6F59A}"/>
-              </a:ext>
-            </a:extLst>
-          </p:cNvPr>
-          <p:cNvSpPr/>
-          <p:nvPr/>
-        </p:nvSpPr>
-        <p:spPr>
-          <a:xfrm>
-            <a:off x="11191714" y="5531859"/>
-            <a:ext cx="678481" cy="476273"/>
-          </a:xfrm>
-          <a:prstGeom prst="rect">
-            <a:avLst/>
-          </a:prstGeom>
-          <a:pattFill prst="pct10">
-            <a:fgClr>
-              <a:schemeClr val="accent1"/>
-            </a:fgClr>
-            <a:bgClr>
-              <a:schemeClr val="bg1"/>
-            </a:bgClr>
-          </a:pattFill>
-        </p:spPr>
-        <p:style>
-          <a:lnRef idx="2">
-            <a:schemeClr val="accent1">
-              <a:shade val="50000"/>
-            </a:schemeClr>
-          </a:lnRef>
-          <a:fillRef idx="1">
-            <a:schemeClr val="accent1"/>
-          </a:fillRef>
-          <a:effectRef idx="0">
-            <a:schemeClr val="accent1"/>
-          </a:effectRef>
-          <a:fontRef idx="minor">
-            <a:schemeClr val="lt1"/>
-          </a:fontRef>
-        </p:style>
-        <p:txBody>
-          <a:bodyPr rtlCol="0" anchor="ctr"/>
-          <a:lstStyle/>
-          <a:p>
-            <a:pPr algn="ctr"/>
-            <a:r>
-              <a:rPr lang="en-US" sz="933" dirty="0">
-                <a:solidFill>
-                  <a:schemeClr val="tx1"/>
-                </a:solidFill>
-                <a:latin typeface="Arial" panose="020B0604020202020204" pitchFamily="34" charset="0"/>
-                <a:ea typeface="Menlo" panose="020B0609030804020204" pitchFamily="49" charset="0"/>
-                <a:cs typeface="Arial" panose="020B0604020202020204" pitchFamily="34" charset="0"/>
-              </a:rPr>
-              <a:t>MQ Console</a:t>
-            </a:r>
-          </a:p>
-        </p:txBody>
-      </p:sp>
-      <p:sp>
-        <p:nvSpPr>
-          <p:cNvPr id="122" name="TextBox 121">
-            <a:extLst>
-              <a:ext uri="{FF2B5EF4-FFF2-40B4-BE49-F238E27FC236}">
-                <a16:creationId xmlns:a16="http://schemas.microsoft.com/office/drawing/2014/main" id="{7044D4EE-C0E9-514C-9611-A07D49E58FF4}"/>
-              </a:ext>
-            </a:extLst>
-          </p:cNvPr>
-          <p:cNvSpPr txBox="1"/>
-          <p:nvPr/>
-        </p:nvSpPr>
-        <p:spPr>
-          <a:xfrm>
-            <a:off x="7219338" y="44246"/>
-            <a:ext cx="710451" cy="430887"/>
-          </a:xfrm>
-          <a:prstGeom prst="rect">
-            <a:avLst/>
-          </a:prstGeom>
-          <a:noFill/>
-        </p:spPr>
-        <p:txBody>
-          <a:bodyPr wrap="none" rtlCol="0">
-            <a:spAutoFit/>
-          </a:bodyPr>
-          <a:lstStyle/>
-          <a:p>
-            <a:r>
-              <a:rPr lang="en-US" sz="1100" dirty="0" err="1">
-                <a:latin typeface="Arial" panose="020B0604020202020204" pitchFamily="34" charset="0"/>
-                <a:cs typeface="Arial" panose="020B0604020202020204" pitchFamily="34" charset="0"/>
-              </a:rPr>
-              <a:t>Zowe</a:t>
-            </a:r>
-            <a:endParaRPr lang="en-US" sz="1100" dirty="0">
-              <a:latin typeface="Arial" panose="020B0604020202020204" pitchFamily="34" charset="0"/>
-              <a:cs typeface="Arial" panose="020B0604020202020204" pitchFamily="34" charset="0"/>
-            </a:endParaRPr>
-          </a:p>
-          <a:p>
-            <a:r>
-              <a:rPr lang="en-US" sz="1100" dirty="0">
-                <a:latin typeface="Arial" panose="020B0604020202020204" pitchFamily="34" charset="0"/>
-                <a:cs typeface="Arial" panose="020B0604020202020204" pitchFamily="34" charset="0"/>
-              </a:rPr>
-              <a:t>Explorer</a:t>
-            </a:r>
-          </a:p>
-        </p:txBody>
-      </p:sp>
-      <p:sp>
-        <p:nvSpPr>
-          <p:cNvPr id="124" name="Rectangle 123">
-            <a:extLst>
-              <a:ext uri="{FF2B5EF4-FFF2-40B4-BE49-F238E27FC236}">
-                <a16:creationId xmlns:a16="http://schemas.microsoft.com/office/drawing/2014/main" id="{2F894607-0364-CE4A-9484-FF2048EBBB02}"/>
-              </a:ext>
-            </a:extLst>
-          </p:cNvPr>
-          <p:cNvSpPr/>
-          <p:nvPr/>
-        </p:nvSpPr>
-        <p:spPr>
-          <a:xfrm rot="5400000">
-            <a:off x="9383005" y="612352"/>
-            <a:ext cx="599846" cy="4294958"/>
-          </a:xfrm>
-          <a:prstGeom prst="rect">
-            <a:avLst/>
-          </a:prstGeom>
-          <a:solidFill>
-            <a:schemeClr val="accent4">
-              <a:lumMod val="60000"/>
-              <a:lumOff val="40000"/>
-              <a:alpha val="25000"/>
-            </a:schemeClr>
-          </a:solidFill>
-          <a:ln>
-            <a:solidFill>
-              <a:schemeClr val="accent4">
-                <a:lumMod val="75000"/>
-              </a:schemeClr>
-            </a:solidFill>
-          </a:ln>
-        </p:spPr>
-        <p:style>
-          <a:lnRef idx="2">
-            <a:schemeClr val="accent1">
-              <a:shade val="50000"/>
-            </a:schemeClr>
-          </a:lnRef>
-          <a:fillRef idx="1">
-            <a:schemeClr val="accent1"/>
-          </a:fillRef>
-          <a:effectRef idx="0">
-            <a:schemeClr val="accent1"/>
-          </a:effectRef>
-          <a:fontRef idx="minor">
-            <a:schemeClr val="lt1"/>
-          </a:fontRef>
-        </p:style>
-        <p:txBody>
-          <a:bodyPr rtlCol="0" anchor="ctr"/>
-          <a:lstStyle/>
-          <a:p>
-            <a:pPr algn="ctr"/>
-            <a:endParaRPr lang="en-US" dirty="0"/>
-          </a:p>
-        </p:txBody>
-      </p:sp>
-      <p:cxnSp>
-        <p:nvCxnSpPr>
-          <p:cNvPr id="89" name="Straight Arrow Connector 88">
-            <a:extLst>
-              <a:ext uri="{FF2B5EF4-FFF2-40B4-BE49-F238E27FC236}">
-                <a16:creationId xmlns:a16="http://schemas.microsoft.com/office/drawing/2014/main" id="{3C6B5AD8-4D55-CC45-B07C-E9F3CF05C3FF}"/>
-              </a:ext>
-            </a:extLst>
-          </p:cNvPr>
-          <p:cNvCxnSpPr>
-            <a:cxnSpLocks/>
-            <a:endCxn id="72" idx="0"/>
-          </p:cNvCxnSpPr>
-          <p:nvPr/>
-        </p:nvCxnSpPr>
-        <p:spPr>
-          <a:xfrm>
-            <a:off x="9561833" y="1277996"/>
-            <a:ext cx="4024" cy="4253609"/>
-          </a:xfrm>
-          <a:prstGeom prst="straightConnector1">
-            <a:avLst/>
-          </a:prstGeom>
-          <a:ln>
-            <a:headEnd type="triangle"/>
-            <a:tailEnd type="triangle"/>
-          </a:ln>
-        </p:spPr>
-        <p:style>
-          <a:lnRef idx="1">
-            <a:schemeClr val="accent1"/>
-          </a:lnRef>
-          <a:fillRef idx="0">
-            <a:schemeClr val="accent1"/>
-          </a:fillRef>
-          <a:effectRef idx="0">
-            <a:schemeClr val="accent1"/>
-          </a:effectRef>
-          <a:fontRef idx="minor">
-            <a:schemeClr val="tx1"/>
-          </a:fontRef>
-        </p:style>
-      </p:cxnSp>
-      <p:cxnSp>
-        <p:nvCxnSpPr>
-          <p:cNvPr id="96" name="Straight Arrow Connector 95">
-            <a:extLst>
-              <a:ext uri="{FF2B5EF4-FFF2-40B4-BE49-F238E27FC236}">
-                <a16:creationId xmlns:a16="http://schemas.microsoft.com/office/drawing/2014/main" id="{8461BFE1-0158-274C-AE10-9E9FC9AC283F}"/>
-              </a:ext>
-            </a:extLst>
-          </p:cNvPr>
-          <p:cNvCxnSpPr>
-            <a:cxnSpLocks/>
-            <a:endCxn id="106" idx="0"/>
-          </p:cNvCxnSpPr>
-          <p:nvPr/>
-        </p:nvCxnSpPr>
-        <p:spPr>
-          <a:xfrm>
-            <a:off x="10187113" y="1277996"/>
-            <a:ext cx="57832" cy="4264208"/>
-          </a:xfrm>
-          <a:prstGeom prst="straightConnector1">
-            <a:avLst/>
-          </a:prstGeom>
-          <a:ln>
-            <a:headEnd type="triangle"/>
-            <a:tailEnd type="triangle"/>
-          </a:ln>
-        </p:spPr>
-        <p:style>
-          <a:lnRef idx="1">
-            <a:schemeClr val="accent1"/>
-          </a:lnRef>
-          <a:fillRef idx="0">
-            <a:schemeClr val="accent1"/>
-          </a:fillRef>
-          <a:effectRef idx="0">
-            <a:schemeClr val="accent1"/>
-          </a:effectRef>
-          <a:fontRef idx="minor">
-            <a:schemeClr val="tx1"/>
-          </a:fontRef>
-        </p:style>
-      </p:cxnSp>
-      <p:cxnSp>
-        <p:nvCxnSpPr>
-          <p:cNvPr id="1209" name="Straight Arrow Connector 1208">
-            <a:extLst>
-              <a:ext uri="{FF2B5EF4-FFF2-40B4-BE49-F238E27FC236}">
-                <a16:creationId xmlns:a16="http://schemas.microsoft.com/office/drawing/2014/main" id="{FB54455B-F561-204A-AC10-2892A7C9C45D}"/>
-              </a:ext>
-            </a:extLst>
-          </p:cNvPr>
-          <p:cNvCxnSpPr>
-            <a:cxnSpLocks/>
-            <a:endCxn id="102" idx="0"/>
-          </p:cNvCxnSpPr>
-          <p:nvPr/>
-        </p:nvCxnSpPr>
-        <p:spPr>
-          <a:xfrm>
-            <a:off x="10823772" y="1275584"/>
-            <a:ext cx="29924" cy="4256021"/>
-          </a:xfrm>
-          <a:prstGeom prst="straightConnector1">
-            <a:avLst/>
-          </a:prstGeom>
-          <a:ln>
-            <a:headEnd type="triangle"/>
-            <a:tailEnd type="triangle"/>
-          </a:ln>
-        </p:spPr>
-        <p:style>
-          <a:lnRef idx="1">
-            <a:schemeClr val="accent1"/>
-          </a:lnRef>
-          <a:fillRef idx="0">
-            <a:schemeClr val="accent1"/>
-          </a:fillRef>
-          <a:effectRef idx="0">
-            <a:schemeClr val="accent1"/>
-          </a:effectRef>
-          <a:fontRef idx="minor">
-            <a:schemeClr val="tx1"/>
-          </a:fontRef>
-        </p:style>
-      </p:cxnSp>
-      <p:cxnSp>
-        <p:nvCxnSpPr>
-          <p:cNvPr id="121" name="Straight Arrow Connector 120">
-            <a:extLst>
-              <a:ext uri="{FF2B5EF4-FFF2-40B4-BE49-F238E27FC236}">
-                <a16:creationId xmlns:a16="http://schemas.microsoft.com/office/drawing/2014/main" id="{E113AD8D-B983-1040-B2A0-BA3AF06D0552}"/>
-              </a:ext>
-            </a:extLst>
-          </p:cNvPr>
-          <p:cNvCxnSpPr>
-            <a:cxnSpLocks/>
-          </p:cNvCxnSpPr>
-          <p:nvPr/>
-        </p:nvCxnSpPr>
-        <p:spPr>
-          <a:xfrm flipH="1">
-            <a:off x="11423585" y="1278084"/>
-            <a:ext cx="14181" cy="4253521"/>
-          </a:xfrm>
-          <a:prstGeom prst="straightConnector1">
-            <a:avLst/>
-          </a:prstGeom>
-          <a:ln>
-            <a:headEnd type="triangle"/>
-            <a:tailEnd type="triangle"/>
-          </a:ln>
-        </p:spPr>
-        <p:style>
-          <a:lnRef idx="1">
-            <a:schemeClr val="accent1"/>
-          </a:lnRef>
-          <a:fillRef idx="0">
-            <a:schemeClr val="accent1"/>
-          </a:fillRef>
-          <a:effectRef idx="0">
-            <a:schemeClr val="accent1"/>
-          </a:effectRef>
-          <a:fontRef idx="minor">
-            <a:schemeClr val="tx1"/>
-          </a:fontRef>
-        </p:style>
-      </p:cxnSp>
-      <p:cxnSp>
-        <p:nvCxnSpPr>
-          <p:cNvPr id="119" name="Straight Arrow Connector 118">
-            <a:extLst>
-              <a:ext uri="{FF2B5EF4-FFF2-40B4-BE49-F238E27FC236}">
-                <a16:creationId xmlns:a16="http://schemas.microsoft.com/office/drawing/2014/main" id="{1F8E9A04-A8E5-9C44-8C46-7640590D4782}"/>
-              </a:ext>
-            </a:extLst>
-          </p:cNvPr>
-          <p:cNvCxnSpPr>
-            <a:cxnSpLocks/>
-          </p:cNvCxnSpPr>
-          <p:nvPr/>
-        </p:nvCxnSpPr>
-        <p:spPr>
-          <a:xfrm flipH="1">
-            <a:off x="5148715" y="3045566"/>
-            <a:ext cx="6649" cy="937193"/>
-          </a:xfrm>
-          <a:prstGeom prst="straightConnector1">
-            <a:avLst/>
-          </a:prstGeom>
-          <a:ln>
-            <a:headEnd type="triangle"/>
-            <a:tailEnd type="triangle"/>
-          </a:ln>
-        </p:spPr>
-        <p:style>
-          <a:lnRef idx="1">
-            <a:schemeClr val="accent1"/>
-          </a:lnRef>
-          <a:fillRef idx="0">
-            <a:schemeClr val="accent1"/>
-          </a:fillRef>
-          <a:effectRef idx="0">
-            <a:schemeClr val="accent1"/>
-          </a:effectRef>
-          <a:fontRef idx="minor">
-            <a:schemeClr val="tx1"/>
-          </a:fontRef>
-        </p:style>
-      </p:cxnSp>
-      <p:cxnSp>
-        <p:nvCxnSpPr>
-          <p:cNvPr id="133" name="Straight Connector 132">
-            <a:extLst>
-              <a:ext uri="{FF2B5EF4-FFF2-40B4-BE49-F238E27FC236}">
-                <a16:creationId xmlns:a16="http://schemas.microsoft.com/office/drawing/2014/main" id="{97AFC2FD-FEAC-2348-994A-B3A8B39CB18D}"/>
-              </a:ext>
-            </a:extLst>
-          </p:cNvPr>
-          <p:cNvCxnSpPr>
-            <a:cxnSpLocks/>
-            <a:stCxn id="27" idx="2"/>
-            <a:endCxn id="124" idx="0"/>
-          </p:cNvCxnSpPr>
-          <p:nvPr/>
-        </p:nvCxnSpPr>
-        <p:spPr>
-          <a:xfrm>
-            <a:off x="1256630" y="2759000"/>
-            <a:ext cx="10573777" cy="831"/>
-          </a:xfrm>
-          <a:prstGeom prst="line">
-            <a:avLst/>
-          </a:prstGeom>
-          <a:ln>
-            <a:solidFill>
-              <a:schemeClr val="accent4">
-                <a:lumMod val="75000"/>
-              </a:schemeClr>
-            </a:solidFill>
-          </a:ln>
-        </p:spPr>
-        <p:style>
-          <a:lnRef idx="1">
-            <a:schemeClr val="accent1"/>
-          </a:lnRef>
-          <a:fillRef idx="0">
-            <a:schemeClr val="accent1"/>
-          </a:fillRef>
-          <a:effectRef idx="0">
-            <a:schemeClr val="accent1"/>
-          </a:effectRef>
-          <a:fontRef idx="minor">
-            <a:schemeClr val="tx1"/>
-          </a:fontRef>
-        </p:style>
-      </p:cxnSp>
-      <p:sp>
-        <p:nvSpPr>
-          <p:cNvPr id="16" name="TextBox 15">
-            <a:extLst>
-              <a:ext uri="{FF2B5EF4-FFF2-40B4-BE49-F238E27FC236}">
-                <a16:creationId xmlns:a16="http://schemas.microsoft.com/office/drawing/2014/main" id="{229D4E75-79D8-974E-B4CD-A50062F6AD6D}"/>
-              </a:ext>
-            </a:extLst>
-          </p:cNvPr>
-          <p:cNvSpPr txBox="1"/>
-          <p:nvPr/>
-        </p:nvSpPr>
-        <p:spPr>
-          <a:xfrm>
-            <a:off x="9214139" y="2518905"/>
-            <a:ext cx="2157963" cy="235449"/>
-          </a:xfrm>
-          <a:prstGeom prst="rect">
-            <a:avLst/>
-          </a:prstGeom>
-          <a:noFill/>
-        </p:spPr>
-        <p:txBody>
-          <a:bodyPr wrap="none" rtlCol="0">
-            <a:spAutoFit/>
-          </a:bodyPr>
-          <a:lstStyle/>
-          <a:p>
-            <a:r>
-              <a:rPr lang="en-US" sz="930" dirty="0">
-                <a:latin typeface="Arial" panose="020B0604020202020204" pitchFamily="34" charset="0"/>
-                <a:cs typeface="Arial" panose="020B0604020202020204" pitchFamily="34" charset="0"/>
-              </a:rPr>
-              <a:t>(optional       needed for    SSO/MFA)</a:t>
-            </a:r>
-          </a:p>
-        </p:txBody>
-      </p:sp>
-      <p:sp>
-        <p:nvSpPr>
-          <p:cNvPr id="137" name="Rectangle 136">
-            <a:extLst>
-              <a:ext uri="{FF2B5EF4-FFF2-40B4-BE49-F238E27FC236}">
-                <a16:creationId xmlns:a16="http://schemas.microsoft.com/office/drawing/2014/main" id="{DB2FC6CD-D8D6-724F-BE72-55E84EF914B6}"/>
-              </a:ext>
-            </a:extLst>
-          </p:cNvPr>
-          <p:cNvSpPr/>
-          <p:nvPr/>
-        </p:nvSpPr>
-        <p:spPr>
-          <a:xfrm>
-            <a:off x="2828570" y="3379470"/>
+            <a:off x="3179799" y="3379470"/>
             <a:ext cx="723375" cy="355020"/>
           </a:xfrm>
           <a:prstGeom prst="rect">
@@ -13681,10 +14813,10 @@
       </p:sp>
       <p:sp>
         <p:nvSpPr>
-          <p:cNvPr id="138" name="Rectangle 137">
-            <a:extLst>
-              <a:ext uri="{FF2B5EF4-FFF2-40B4-BE49-F238E27FC236}">
-                <a16:creationId xmlns:a16="http://schemas.microsoft.com/office/drawing/2014/main" id="{3393705B-5787-6447-9F08-340A717D7704}"/>
+          <p:cNvPr id="28" name="Rectangle 27">
+            <a:extLst>
+              <a:ext uri="{FF2B5EF4-FFF2-40B4-BE49-F238E27FC236}">
+                <a16:creationId xmlns:a16="http://schemas.microsoft.com/office/drawing/2014/main" id="{B6082A78-882D-8DB2-DF59-56B361170614}"/>
               </a:ext>
             </a:extLst>
           </p:cNvPr>
@@ -13693,7 +14825,7 @@
         </p:nvSpPr>
         <p:spPr>
           <a:xfrm>
-            <a:off x="4347410" y="4525569"/>
+            <a:off x="4698639" y="4525569"/>
             <a:ext cx="579622" cy="344954"/>
           </a:xfrm>
           <a:prstGeom prst="rect">
@@ -13745,48 +14877,10 @@
       </p:sp>
       <p:sp>
         <p:nvSpPr>
-          <p:cNvPr id="139" name="TextBox 138">
-            <a:extLst>
-              <a:ext uri="{FF2B5EF4-FFF2-40B4-BE49-F238E27FC236}">
-                <a16:creationId xmlns:a16="http://schemas.microsoft.com/office/drawing/2014/main" id="{1A577E84-65E5-0A43-AFE2-35C4D24B34CC}"/>
-              </a:ext>
-            </a:extLst>
-          </p:cNvPr>
-          <p:cNvSpPr txBox="1"/>
-          <p:nvPr/>
-        </p:nvSpPr>
-        <p:spPr>
-          <a:xfrm>
-            <a:off x="4574407" y="2500760"/>
-            <a:ext cx="915635" cy="235449"/>
-          </a:xfrm>
-          <a:prstGeom prst="rect">
-            <a:avLst/>
-          </a:prstGeom>
-          <a:noFill/>
-        </p:spPr>
-        <p:txBody>
-          <a:bodyPr wrap="none" rtlCol="0">
-            <a:spAutoFit/>
-          </a:bodyPr>
-          <a:lstStyle/>
-          <a:p>
-            <a:r>
-              <a:rPr lang="en-US" sz="930" dirty="0">
-                <a:latin typeface="Arial" panose="020B0604020202020204" pitchFamily="34" charset="0"/>
-                <a:cs typeface="Arial" panose="020B0604020202020204" pitchFamily="34" charset="0"/>
-              </a:rPr>
-              <a:t>API Gateway</a:t>
-            </a:r>
-          </a:p>
-        </p:txBody>
-      </p:sp>
-      <p:sp>
-        <p:nvSpPr>
-          <p:cNvPr id="142" name="Rectangle 141">
-            <a:extLst>
-              <a:ext uri="{FF2B5EF4-FFF2-40B4-BE49-F238E27FC236}">
-                <a16:creationId xmlns:a16="http://schemas.microsoft.com/office/drawing/2014/main" id="{E17F3A9C-A6B3-9F45-A0B2-B5E10E56C36B}"/>
+          <p:cNvPr id="30" name="Rectangle 29">
+            <a:extLst>
+              <a:ext uri="{FF2B5EF4-FFF2-40B4-BE49-F238E27FC236}">
+                <a16:creationId xmlns:a16="http://schemas.microsoft.com/office/drawing/2014/main" id="{AA2B4525-43CB-2577-8E9B-027A79694790}"/>
               </a:ext>
             </a:extLst>
           </p:cNvPr>
@@ -13795,7 +14889,7 @@
         </p:nvSpPr>
         <p:spPr>
           <a:xfrm>
-            <a:off x="4339112" y="4036584"/>
+            <a:off x="4690341" y="4036584"/>
             <a:ext cx="569790" cy="217580"/>
           </a:xfrm>
           <a:prstGeom prst="rect">
@@ -13847,10 +14941,10 @@
       </p:sp>
       <p:sp>
         <p:nvSpPr>
-          <p:cNvPr id="147" name="Rectangle 146">
-            <a:extLst>
-              <a:ext uri="{FF2B5EF4-FFF2-40B4-BE49-F238E27FC236}">
-                <a16:creationId xmlns:a16="http://schemas.microsoft.com/office/drawing/2014/main" id="{FAD78958-39B3-E847-863C-325E88A9827D}"/>
+          <p:cNvPr id="31" name="Rectangle 30">
+            <a:extLst>
+              <a:ext uri="{FF2B5EF4-FFF2-40B4-BE49-F238E27FC236}">
+                <a16:creationId xmlns:a16="http://schemas.microsoft.com/office/drawing/2014/main" id="{57FA8CD4-DE27-4C10-3DD7-7A3A3150FDDC}"/>
               </a:ext>
             </a:extLst>
           </p:cNvPr>
@@ -13859,7 +14953,7 @@
         </p:nvSpPr>
         <p:spPr>
           <a:xfrm>
-            <a:off x="5062590" y="5584898"/>
+            <a:off x="5413819" y="5584898"/>
             <a:ext cx="647780" cy="232252"/>
           </a:xfrm>
           <a:prstGeom prst="rect">
@@ -13911,10 +15005,10 @@
       </p:sp>
       <p:sp>
         <p:nvSpPr>
-          <p:cNvPr id="148" name="Rectangle 147">
-            <a:extLst>
-              <a:ext uri="{FF2B5EF4-FFF2-40B4-BE49-F238E27FC236}">
-                <a16:creationId xmlns:a16="http://schemas.microsoft.com/office/drawing/2014/main" id="{CFCC39B9-A66F-274C-8766-AC1F4319BB48}"/>
+          <p:cNvPr id="33" name="Rectangle 32">
+            <a:extLst>
+              <a:ext uri="{FF2B5EF4-FFF2-40B4-BE49-F238E27FC236}">
+                <a16:creationId xmlns:a16="http://schemas.microsoft.com/office/drawing/2014/main" id="{CAD0DF76-60C8-C0F3-86D0-1B4FF579A4C8}"/>
               </a:ext>
             </a:extLst>
           </p:cNvPr>
@@ -13923,7 +15017,7 @@
         </p:nvSpPr>
         <p:spPr>
           <a:xfrm>
-            <a:off x="4412167" y="5576392"/>
+            <a:off x="4763396" y="5576392"/>
             <a:ext cx="442741" cy="229851"/>
           </a:xfrm>
           <a:prstGeom prst="rect">
@@ -13975,10 +15069,10 @@
       </p:sp>
       <p:sp>
         <p:nvSpPr>
-          <p:cNvPr id="158" name="TextBox 157">
-            <a:extLst>
-              <a:ext uri="{FF2B5EF4-FFF2-40B4-BE49-F238E27FC236}">
-                <a16:creationId xmlns:a16="http://schemas.microsoft.com/office/drawing/2014/main" id="{DB5CFE37-047F-AA45-B74D-56CFF1858866}"/>
+          <p:cNvPr id="35" name="TextBox 34">
+            <a:extLst>
+              <a:ext uri="{FF2B5EF4-FFF2-40B4-BE49-F238E27FC236}">
+                <a16:creationId xmlns:a16="http://schemas.microsoft.com/office/drawing/2014/main" id="{2B2E17BC-3AAA-A51F-0397-1C23ACF8A86E}"/>
               </a:ext>
             </a:extLst>
           </p:cNvPr>
@@ -13987,7 +15081,7 @@
         </p:nvSpPr>
         <p:spPr>
           <a:xfrm>
-            <a:off x="5074419" y="5332242"/>
+            <a:off x="5425648" y="5332242"/>
             <a:ext cx="341760" cy="261610"/>
           </a:xfrm>
           <a:prstGeom prst="rect">
@@ -14014,10 +15108,10 @@
       </p:sp>
       <p:sp>
         <p:nvSpPr>
-          <p:cNvPr id="127" name="TextBox 126">
-            <a:extLst>
-              <a:ext uri="{FF2B5EF4-FFF2-40B4-BE49-F238E27FC236}">
-                <a16:creationId xmlns:a16="http://schemas.microsoft.com/office/drawing/2014/main" id="{BD7044A3-253D-A14C-A1A8-C730E2C88A92}"/>
+          <p:cNvPr id="36" name="TextBox 35">
+            <a:extLst>
+              <a:ext uri="{FF2B5EF4-FFF2-40B4-BE49-F238E27FC236}">
+                <a16:creationId xmlns:a16="http://schemas.microsoft.com/office/drawing/2014/main" id="{CB4D5B8A-CC37-6ED1-6792-EA89B6876C67}"/>
               </a:ext>
             </a:extLst>
           </p:cNvPr>
@@ -14026,8 +15120,8 @@
         </p:nvSpPr>
         <p:spPr>
           <a:xfrm>
-            <a:off x="4279810" y="4254380"/>
-            <a:ext cx="760144" cy="235449"/>
+            <a:off x="4631039" y="4254380"/>
+            <a:ext cx="780983" cy="235449"/>
           </a:xfrm>
           <a:prstGeom prst="rect">
             <a:avLst/>
@@ -14045,142 +15139,17 @@
                 <a:latin typeface="Arial" panose="020B0604020202020204" pitchFamily="34" charset="0"/>
                 <a:cs typeface="Arial" panose="020B0604020202020204" pitchFamily="34" charset="0"/>
               </a:rPr>
-              <a:t>App server</a:t>
-            </a:r>
-          </a:p>
-        </p:txBody>
-      </p:sp>
-      <p:sp>
-        <p:nvSpPr>
-          <p:cNvPr id="131" name="TextBox 130">
-            <a:extLst>
-              <a:ext uri="{FF2B5EF4-FFF2-40B4-BE49-F238E27FC236}">
-                <a16:creationId xmlns:a16="http://schemas.microsoft.com/office/drawing/2014/main" id="{91CCDF08-B5C5-5549-A8D7-30660EADEC08}"/>
-              </a:ext>
-            </a:extLst>
-          </p:cNvPr>
-          <p:cNvSpPr txBox="1"/>
-          <p:nvPr/>
-        </p:nvSpPr>
-        <p:spPr>
-          <a:xfrm>
-            <a:off x="5309049" y="5998600"/>
-            <a:ext cx="562975" cy="307777"/>
-          </a:xfrm>
-          <a:prstGeom prst="rect">
-            <a:avLst/>
-          </a:prstGeom>
-          <a:noFill/>
-        </p:spPr>
-        <p:txBody>
-          <a:bodyPr wrap="none" rtlCol="0">
-            <a:spAutoFit/>
-          </a:bodyPr>
-          <a:lstStyle/>
-          <a:p>
-            <a:r>
-              <a:rPr lang="en-US" sz="1400" dirty="0">
-                <a:solidFill>
-                  <a:schemeClr val="accent4">
-                    <a:lumMod val="75000"/>
-                  </a:schemeClr>
-                </a:solidFill>
-                <a:latin typeface="Arial" panose="020B0604020202020204" pitchFamily="34" charset="0"/>
-                <a:cs typeface="Arial" panose="020B0604020202020204" pitchFamily="34" charset="0"/>
-              </a:rPr>
-              <a:t>Java</a:t>
-            </a:r>
-          </a:p>
-        </p:txBody>
-      </p:sp>
-      <p:sp>
-        <p:nvSpPr>
-          <p:cNvPr id="146" name="TextBox 145">
-            <a:extLst>
-              <a:ext uri="{FF2B5EF4-FFF2-40B4-BE49-F238E27FC236}">
-                <a16:creationId xmlns:a16="http://schemas.microsoft.com/office/drawing/2014/main" id="{518F8221-BEA5-8642-B541-E261F133B78B}"/>
-              </a:ext>
-            </a:extLst>
-          </p:cNvPr>
-          <p:cNvSpPr txBox="1"/>
-          <p:nvPr/>
-        </p:nvSpPr>
-        <p:spPr>
-          <a:xfrm>
-            <a:off x="5299896" y="6245460"/>
-            <a:ext cx="792205" cy="307777"/>
-          </a:xfrm>
-          <a:prstGeom prst="rect">
-            <a:avLst/>
-          </a:prstGeom>
-          <a:noFill/>
-        </p:spPr>
-        <p:txBody>
-          <a:bodyPr wrap="none" rtlCol="0">
-            <a:spAutoFit/>
-          </a:bodyPr>
-          <a:lstStyle/>
-          <a:p>
-            <a:r>
-              <a:rPr lang="en-US" sz="1400" dirty="0">
-                <a:solidFill>
-                  <a:srgbClr val="00B19E"/>
-                </a:solidFill>
-                <a:latin typeface="Arial" panose="020B0604020202020204" pitchFamily="34" charset="0"/>
-                <a:cs typeface="Arial" panose="020B0604020202020204" pitchFamily="34" charset="0"/>
-              </a:rPr>
-              <a:t>Node.js</a:t>
-            </a:r>
-          </a:p>
-        </p:txBody>
-      </p:sp>
-      <p:sp>
-        <p:nvSpPr>
-          <p:cNvPr id="154" name="TextBox 153">
-            <a:extLst>
-              <a:ext uri="{FF2B5EF4-FFF2-40B4-BE49-F238E27FC236}">
-                <a16:creationId xmlns:a16="http://schemas.microsoft.com/office/drawing/2014/main" id="{A9F02D7E-9694-6247-BCCA-F0034D843606}"/>
-              </a:ext>
-            </a:extLst>
-          </p:cNvPr>
-          <p:cNvSpPr txBox="1"/>
-          <p:nvPr/>
-        </p:nvSpPr>
-        <p:spPr>
-          <a:xfrm>
-            <a:off x="5299896" y="6484136"/>
-            <a:ext cx="1080745" cy="307777"/>
-          </a:xfrm>
-          <a:prstGeom prst="rect">
-            <a:avLst/>
-          </a:prstGeom>
-          <a:noFill/>
-        </p:spPr>
-        <p:txBody>
-          <a:bodyPr wrap="none" rtlCol="0">
-            <a:spAutoFit/>
-          </a:bodyPr>
-          <a:lstStyle/>
-          <a:p>
-            <a:r>
-              <a:rPr lang="en-US" sz="1400" dirty="0">
-                <a:solidFill>
-                  <a:srgbClr val="7030A0"/>
-                </a:solidFill>
-                <a:latin typeface="Arial" panose="020B0604020202020204" pitchFamily="34" charset="0"/>
-                <a:cs typeface="Arial" panose="020B0604020202020204" pitchFamily="34" charset="0"/>
-              </a:rPr>
-              <a:t>metal C / C</a:t>
-            </a:r>
-          </a:p>
-        </p:txBody>
-      </p:sp>
-      <p:sp>
-        <p:nvSpPr>
-          <p:cNvPr id="155" name="Rectangle 154">
-            <a:extLst>
-              <a:ext uri="{FF2B5EF4-FFF2-40B4-BE49-F238E27FC236}">
-                <a16:creationId xmlns:a16="http://schemas.microsoft.com/office/drawing/2014/main" id="{7A30BC74-E0C1-274A-B69E-024046A972CD}"/>
+              <a:t>App Server</a:t>
+            </a:r>
+          </a:p>
+        </p:txBody>
+      </p:sp>
+      <p:sp>
+        <p:nvSpPr>
+          <p:cNvPr id="37" name="Rectangle 36">
+            <a:extLst>
+              <a:ext uri="{FF2B5EF4-FFF2-40B4-BE49-F238E27FC236}">
+                <a16:creationId xmlns:a16="http://schemas.microsoft.com/office/drawing/2014/main" id="{5224A33A-D926-CBFC-6E0D-901170D2C6D2}"/>
               </a:ext>
             </a:extLst>
           </p:cNvPr>
@@ -14189,131 +15158,7 @@
         </p:nvSpPr>
         <p:spPr>
           <a:xfrm>
-            <a:off x="7759447" y="1243079"/>
-            <a:ext cx="1403365" cy="175638"/>
-          </a:xfrm>
-          <a:prstGeom prst="rect">
-            <a:avLst/>
-          </a:prstGeom>
-          <a:solidFill>
-            <a:srgbClr val="00B19E">
-              <a:alpha val="96000"/>
-            </a:srgbClr>
-          </a:solidFill>
-          <a:ln>
-            <a:solidFill>
-              <a:srgbClr val="20708D"/>
-            </a:solidFill>
-          </a:ln>
-        </p:spPr>
-        <p:style>
-          <a:lnRef idx="1">
-            <a:schemeClr val="accent1"/>
-          </a:lnRef>
-          <a:fillRef idx="3">
-            <a:schemeClr val="accent1"/>
-          </a:fillRef>
-          <a:effectRef idx="2">
-            <a:schemeClr val="accent1"/>
-          </a:effectRef>
-          <a:fontRef idx="minor">
-            <a:schemeClr val="lt1"/>
-          </a:fontRef>
-        </p:style>
-        <p:txBody>
-          <a:bodyPr rtlCol="0" anchor="ctr"/>
-          <a:lstStyle/>
-          <a:p>
-            <a:pPr algn="ctr"/>
-            <a:endParaRPr lang="en-US" sz="1000" dirty="0">
-              <a:solidFill>
-                <a:schemeClr val="tx1"/>
-              </a:solidFill>
-              <a:latin typeface="Arial" panose="020B0604020202020204" pitchFamily="34" charset="0"/>
-              <a:ea typeface="Menlo" charset="0"/>
-              <a:cs typeface="Arial" panose="020B0604020202020204" pitchFamily="34" charset="0"/>
-            </a:endParaRPr>
-          </a:p>
-          <a:p>
-            <a:pPr algn="ctr"/>
-            <a:r>
-              <a:rPr lang="en-US" sz="1000" dirty="0">
-                <a:solidFill>
-                  <a:schemeClr val="tx1"/>
-                </a:solidFill>
-                <a:latin typeface="Arial" panose="020B0604020202020204" pitchFamily="34" charset="0"/>
-                <a:ea typeface="Menlo" charset="0"/>
-                <a:cs typeface="Arial" panose="020B0604020202020204" pitchFamily="34" charset="0"/>
-              </a:rPr>
-              <a:t>Node SDK</a:t>
-            </a:r>
-          </a:p>
-          <a:p>
-            <a:pPr algn="ctr"/>
-            <a:endParaRPr lang="en-US" sz="1000" dirty="0">
-              <a:solidFill>
-                <a:schemeClr val="tx1"/>
-              </a:solidFill>
-              <a:latin typeface="Arial" panose="020B0604020202020204" pitchFamily="34" charset="0"/>
-              <a:ea typeface="Menlo" charset="0"/>
-              <a:cs typeface="Arial" panose="020B0604020202020204" pitchFamily="34" charset="0"/>
-            </a:endParaRPr>
-          </a:p>
-        </p:txBody>
-      </p:sp>
-      <p:sp>
-        <p:nvSpPr>
-          <p:cNvPr id="81" name="TextBox 80">
-            <a:extLst>
-              <a:ext uri="{FF2B5EF4-FFF2-40B4-BE49-F238E27FC236}">
-                <a16:creationId xmlns:a16="http://schemas.microsoft.com/office/drawing/2014/main" id="{A47FF51A-E419-A74C-93A5-5E4493C4A85C}"/>
-              </a:ext>
-            </a:extLst>
-          </p:cNvPr>
-          <p:cNvSpPr txBox="1"/>
-          <p:nvPr/>
-        </p:nvSpPr>
-        <p:spPr>
-          <a:xfrm>
-            <a:off x="1083504" y="2094562"/>
-            <a:ext cx="2279791" cy="276999"/>
-          </a:xfrm>
-          <a:prstGeom prst="rect">
-            <a:avLst/>
-          </a:prstGeom>
-          <a:noFill/>
-        </p:spPr>
-        <p:txBody>
-          <a:bodyPr wrap="none" rtlCol="0">
-            <a:spAutoFit/>
-          </a:bodyPr>
-          <a:lstStyle/>
-          <a:p>
-            <a:r>
-              <a:rPr lang="en-US" sz="1200" dirty="0">
-                <a:latin typeface="Arial" panose="020B0604020202020204" pitchFamily="34" charset="0"/>
-                <a:cs typeface="Arial" panose="020B0604020202020204" pitchFamily="34" charset="0"/>
-              </a:rPr>
-              <a:t>Running in a Docker Container</a:t>
-            </a:r>
-          </a:p>
-        </p:txBody>
-      </p:sp>
-      <p:sp>
-        <p:nvSpPr>
-          <p:cNvPr id="159" name="Rectangle 158">
-            <a:extLst>
-              <a:ext uri="{FF2B5EF4-FFF2-40B4-BE49-F238E27FC236}">
-                <a16:creationId xmlns:a16="http://schemas.microsoft.com/office/drawing/2014/main" id="{AD9C446D-2A16-E74A-B6F8-A5C7915408ED}"/>
-              </a:ext>
-            </a:extLst>
-          </p:cNvPr>
-          <p:cNvSpPr/>
-          <p:nvPr/>
-        </p:nvSpPr>
-        <p:spPr>
-          <a:xfrm>
-            <a:off x="1165958" y="3374254"/>
+            <a:off x="1517187" y="3374254"/>
             <a:ext cx="768237" cy="360236"/>
           </a:xfrm>
           <a:prstGeom prst="rect">
@@ -14385,10 +15230,10 @@
       </p:sp>
       <p:sp>
         <p:nvSpPr>
-          <p:cNvPr id="160" name="TextBox 159">
-            <a:extLst>
-              <a:ext uri="{FF2B5EF4-FFF2-40B4-BE49-F238E27FC236}">
-                <a16:creationId xmlns:a16="http://schemas.microsoft.com/office/drawing/2014/main" id="{76DC9581-9FFA-3B46-9DB8-E36F1E1A919E}"/>
+          <p:cNvPr id="39" name="TextBox 38">
+            <a:extLst>
+              <a:ext uri="{FF2B5EF4-FFF2-40B4-BE49-F238E27FC236}">
+                <a16:creationId xmlns:a16="http://schemas.microsoft.com/office/drawing/2014/main" id="{617DF08A-55B6-3ACC-D4B5-295D26A67905}"/>
               </a:ext>
             </a:extLst>
           </p:cNvPr>
@@ -14397,7 +15242,7 @@
         </p:nvSpPr>
         <p:spPr>
           <a:xfrm>
-            <a:off x="1251005" y="3115398"/>
+            <a:off x="1602234" y="3115398"/>
             <a:ext cx="498855" cy="261610"/>
           </a:xfrm>
           <a:prstGeom prst="rect">
@@ -14424,10 +15269,10 @@
       </p:sp>
       <p:cxnSp>
         <p:nvCxnSpPr>
-          <p:cNvPr id="161" name="Straight Arrow Connector 160">
-            <a:extLst>
-              <a:ext uri="{FF2B5EF4-FFF2-40B4-BE49-F238E27FC236}">
-                <a16:creationId xmlns:a16="http://schemas.microsoft.com/office/drawing/2014/main" id="{D33D1ABC-75EF-7F4A-A753-7B2F17A7530C}"/>
+          <p:cNvPr id="40" name="Straight Arrow Connector 39">
+            <a:extLst>
+              <a:ext uri="{FF2B5EF4-FFF2-40B4-BE49-F238E27FC236}">
+                <a16:creationId xmlns:a16="http://schemas.microsoft.com/office/drawing/2014/main" id="{0C227536-0B2F-C762-9A20-A3F4273831F4}"/>
               </a:ext>
             </a:extLst>
           </p:cNvPr>
@@ -14438,7 +15283,7 @@
         </p:nvCxnSpPr>
         <p:spPr>
           <a:xfrm>
-            <a:off x="1755014" y="3081315"/>
+            <a:off x="2106243" y="3081315"/>
             <a:ext cx="0" cy="304147"/>
           </a:xfrm>
           <a:prstGeom prst="straightConnector1">
@@ -14466,22 +15311,22 @@
       </p:cxnSp>
       <p:cxnSp>
         <p:nvCxnSpPr>
-          <p:cNvPr id="162" name="Straight Arrow Connector 161">
-            <a:extLst>
-              <a:ext uri="{FF2B5EF4-FFF2-40B4-BE49-F238E27FC236}">
-                <a16:creationId xmlns:a16="http://schemas.microsoft.com/office/drawing/2014/main" id="{3722DB91-5DE7-824D-8D19-64433DE97949}"/>
+          <p:cNvPr id="41" name="Straight Arrow Connector 40">
+            <a:extLst>
+              <a:ext uri="{FF2B5EF4-FFF2-40B4-BE49-F238E27FC236}">
+                <a16:creationId xmlns:a16="http://schemas.microsoft.com/office/drawing/2014/main" id="{32F7DAE0-0988-E7B4-2F9F-A66790E32EBE}"/>
               </a:ext>
             </a:extLst>
           </p:cNvPr>
           <p:cNvCxnSpPr>
             <a:cxnSpLocks/>
-            <a:endCxn id="148" idx="0"/>
+            <a:endCxn id="33" idx="0"/>
           </p:cNvCxnSpPr>
           <p:nvPr/>
         </p:nvCxnSpPr>
         <p:spPr>
           <a:xfrm flipH="1">
-            <a:off x="4633538" y="4962863"/>
+            <a:off x="4984767" y="4962863"/>
             <a:ext cx="7021" cy="613529"/>
           </a:xfrm>
           <a:prstGeom prst="straightConnector1">
@@ -14509,10 +15354,10 @@
       </p:cxnSp>
       <p:cxnSp>
         <p:nvCxnSpPr>
-          <p:cNvPr id="163" name="Straight Arrow Connector 162">
-            <a:extLst>
-              <a:ext uri="{FF2B5EF4-FFF2-40B4-BE49-F238E27FC236}">
-                <a16:creationId xmlns:a16="http://schemas.microsoft.com/office/drawing/2014/main" id="{99C4D750-B416-D642-8CA9-85472A200B62}"/>
+          <p:cNvPr id="42" name="Straight Arrow Connector 41">
+            <a:extLst>
+              <a:ext uri="{FF2B5EF4-FFF2-40B4-BE49-F238E27FC236}">
+                <a16:creationId xmlns:a16="http://schemas.microsoft.com/office/drawing/2014/main" id="{CE375F84-2BFD-622E-1D37-3A6AEC509A0F}"/>
               </a:ext>
             </a:extLst>
           </p:cNvPr>
@@ -14523,7 +15368,7 @@
         </p:nvCxnSpPr>
         <p:spPr>
           <a:xfrm>
-            <a:off x="5381017" y="4947072"/>
+            <a:off x="5732246" y="4947072"/>
             <a:ext cx="629" cy="622874"/>
           </a:xfrm>
           <a:prstGeom prst="straightConnector1">
@@ -14551,10 +15396,10 @@
       </p:cxnSp>
       <p:sp>
         <p:nvSpPr>
-          <p:cNvPr id="164" name="TextBox 163">
-            <a:extLst>
-              <a:ext uri="{FF2B5EF4-FFF2-40B4-BE49-F238E27FC236}">
-                <a16:creationId xmlns:a16="http://schemas.microsoft.com/office/drawing/2014/main" id="{C35A8A70-355C-CB42-B57A-8B05C102DA8B}"/>
+          <p:cNvPr id="43" name="TextBox 42">
+            <a:extLst>
+              <a:ext uri="{FF2B5EF4-FFF2-40B4-BE49-F238E27FC236}">
+                <a16:creationId xmlns:a16="http://schemas.microsoft.com/office/drawing/2014/main" id="{91A5C3DC-4C23-C414-C11A-F0552135BF82}"/>
               </a:ext>
             </a:extLst>
           </p:cNvPr>
@@ -14563,7 +15408,7 @@
         </p:nvSpPr>
         <p:spPr>
           <a:xfrm>
-            <a:off x="4302174" y="5337057"/>
+            <a:off x="4653403" y="5337057"/>
             <a:ext cx="341760" cy="261610"/>
           </a:xfrm>
           <a:prstGeom prst="rect">
@@ -14588,59 +15433,12 @@
           </a:p>
         </p:txBody>
       </p:sp>
-      <p:pic>
-        <p:nvPicPr>
-          <p:cNvPr id="118" name="Picture 4" descr="Creating Smaller Docker Images - Ian Lewis">
-            <a:extLst>
-              <a:ext uri="{FF2B5EF4-FFF2-40B4-BE49-F238E27FC236}">
-                <a16:creationId xmlns:a16="http://schemas.microsoft.com/office/drawing/2014/main" id="{EE8515E0-C9EE-46DB-9A5A-5CABF46E517A}"/>
-              </a:ext>
-            </a:extLst>
-          </p:cNvPr>
-          <p:cNvPicPr>
-            <a:picLocks noChangeAspect="1" noChangeArrowheads="1"/>
-          </p:cNvPicPr>
-          <p:nvPr/>
-        </p:nvPicPr>
-        <p:blipFill>
-          <a:blip r:embed="rId9">
-            <a:extLst>
-              <a:ext uri="{28A0092B-C50C-407E-A947-70E740481C1C}">
-                <a14:useLocalDpi xmlns:a14="http://schemas.microsoft.com/office/drawing/2010/main" val="0"/>
-              </a:ext>
-            </a:extLst>
-          </a:blip>
-          <a:srcRect/>
-          <a:stretch>
-            <a:fillRect/>
-          </a:stretch>
-        </p:blipFill>
-        <p:spPr bwMode="auto">
-          <a:xfrm>
-            <a:off x="7504186" y="3235408"/>
-            <a:ext cx="675530" cy="601733"/>
-          </a:xfrm>
-          <a:prstGeom prst="rect">
-            <a:avLst/>
-          </a:prstGeom>
-          <a:noFill/>
-          <a:extLst>
-            <a:ext uri="{909E8E84-426E-40DD-AFC4-6F175D3DCCD1}">
-              <a14:hiddenFill xmlns:a14="http://schemas.microsoft.com/office/drawing/2010/main">
-                <a:solidFill>
-                  <a:srgbClr val="FFFFFF"/>
-                </a:solidFill>
-              </a14:hiddenFill>
-            </a:ext>
-          </a:extLst>
-        </p:spPr>
-      </p:pic>
-      <p:sp>
-        <p:nvSpPr>
-          <p:cNvPr id="152" name="Rectangle 151">
-            <a:extLst>
-              <a:ext uri="{FF2B5EF4-FFF2-40B4-BE49-F238E27FC236}">
-                <a16:creationId xmlns:a16="http://schemas.microsoft.com/office/drawing/2014/main" id="{E278F128-E485-4C1D-BC41-AF28476CB110}"/>
+      <p:sp>
+        <p:nvSpPr>
+          <p:cNvPr id="44" name="Rectangle 43">
+            <a:extLst>
+              <a:ext uri="{FF2B5EF4-FFF2-40B4-BE49-F238E27FC236}">
+                <a16:creationId xmlns:a16="http://schemas.microsoft.com/office/drawing/2014/main" id="{CDEDA339-78CB-53D1-284E-B936358AC6C8}"/>
               </a:ext>
             </a:extLst>
           </p:cNvPr>
@@ -14649,19 +15447,23 @@
         </p:nvSpPr>
         <p:spPr>
           <a:xfrm>
-            <a:off x="1083504" y="5150514"/>
-            <a:ext cx="1932261" cy="582160"/>
+            <a:off x="3403691" y="5195892"/>
+            <a:ext cx="730170" cy="351196"/>
           </a:xfrm>
           <a:prstGeom prst="rect">
             <a:avLst/>
           </a:prstGeom>
           <a:solidFill>
-            <a:srgbClr val="F2F2F2"/>
+            <a:schemeClr val="accent4">
+              <a:lumMod val="60000"/>
+              <a:lumOff val="40000"/>
+              <a:alpha val="97647"/>
+            </a:schemeClr>
           </a:solidFill>
           <a:ln>
             <a:solidFill>
-              <a:schemeClr val="bg1">
-                <a:lumMod val="50000"/>
+              <a:schemeClr val="accent4">
+                <a:lumMod val="75000"/>
               </a:schemeClr>
             </a:solidFill>
           </a:ln>
@@ -14687,448 +15489,26 @@
           <a:lstStyle/>
           <a:p>
             <a:pPr algn="ctr"/>
-            <a:endParaRPr lang="en-US" sz="1400" dirty="0">
-              <a:solidFill>
-                <a:schemeClr val="accent6">
-                  <a:lumMod val="60000"/>
-                  <a:lumOff val="40000"/>
-                </a:schemeClr>
-              </a:solidFill>
-              <a:latin typeface="Arial" panose="020B0604020202020204" pitchFamily="34" charset="0"/>
-              <a:cs typeface="Arial" panose="020B0604020202020204" pitchFamily="34" charset="0"/>
-            </a:endParaRPr>
-          </a:p>
-        </p:txBody>
-      </p:sp>
-      <p:sp>
-        <p:nvSpPr>
-          <p:cNvPr id="153" name="Rectangle 152">
-            <a:extLst>
-              <a:ext uri="{FF2B5EF4-FFF2-40B4-BE49-F238E27FC236}">
-                <a16:creationId xmlns:a16="http://schemas.microsoft.com/office/drawing/2014/main" id="{2086C1E4-CF80-4A6E-B02C-7C3B9778E825}"/>
-              </a:ext>
-            </a:extLst>
-          </p:cNvPr>
-          <p:cNvSpPr/>
-          <p:nvPr/>
-        </p:nvSpPr>
-        <p:spPr>
-          <a:xfrm>
-            <a:off x="1118495" y="6039568"/>
-            <a:ext cx="1512227" cy="727780"/>
-          </a:xfrm>
-          <a:prstGeom prst="rect">
-            <a:avLst/>
-          </a:prstGeom>
-          <a:solidFill>
-            <a:schemeClr val="accent4">
-              <a:lumMod val="40000"/>
-              <a:lumOff val="60000"/>
-              <a:alpha val="50000"/>
-            </a:schemeClr>
-          </a:solidFill>
-        </p:spPr>
-        <p:style>
-          <a:lnRef idx="2">
-            <a:schemeClr val="accent1">
-              <a:shade val="50000"/>
-            </a:schemeClr>
-          </a:lnRef>
-          <a:fillRef idx="1">
-            <a:schemeClr val="accent1"/>
-          </a:fillRef>
-          <a:effectRef idx="0">
-            <a:schemeClr val="accent1"/>
-          </a:effectRef>
-          <a:fontRef idx="minor">
-            <a:schemeClr val="lt1"/>
-          </a:fontRef>
-        </p:style>
-        <p:txBody>
-          <a:bodyPr rtlCol="0" anchor="ctr"/>
-          <a:lstStyle/>
-          <a:p>
-            <a:pPr algn="ctr"/>
-            <a:endParaRPr lang="en-US">
-              <a:latin typeface="Arial" panose="020B0604020202020204" pitchFamily="34" charset="0"/>
-              <a:cs typeface="Arial" panose="020B0604020202020204" pitchFamily="34" charset="0"/>
-            </a:endParaRPr>
-          </a:p>
-        </p:txBody>
-      </p:sp>
-      <p:sp>
-        <p:nvSpPr>
-          <p:cNvPr id="156" name="Rectangle 155">
-            <a:extLst>
-              <a:ext uri="{FF2B5EF4-FFF2-40B4-BE49-F238E27FC236}">
-                <a16:creationId xmlns:a16="http://schemas.microsoft.com/office/drawing/2014/main" id="{ACDB2D42-D175-4250-AB69-9259487437EF}"/>
-              </a:ext>
-            </a:extLst>
-          </p:cNvPr>
-          <p:cNvSpPr/>
-          <p:nvPr/>
-        </p:nvSpPr>
-        <p:spPr>
-          <a:xfrm>
-            <a:off x="1289331" y="5224638"/>
-            <a:ext cx="1128765" cy="276391"/>
-          </a:xfrm>
-          <a:prstGeom prst="rect">
-            <a:avLst/>
-          </a:prstGeom>
-          <a:solidFill>
-            <a:srgbClr val="7030A0">
-              <a:alpha val="75000"/>
-            </a:srgbClr>
-          </a:solidFill>
-        </p:spPr>
-        <p:style>
-          <a:lnRef idx="2">
-            <a:schemeClr val="accent1">
-              <a:shade val="50000"/>
-            </a:schemeClr>
-          </a:lnRef>
-          <a:fillRef idx="1">
-            <a:schemeClr val="accent1"/>
-          </a:fillRef>
-          <a:effectRef idx="0">
-            <a:schemeClr val="accent1"/>
-          </a:effectRef>
-          <a:fontRef idx="minor">
-            <a:schemeClr val="lt1"/>
-          </a:fontRef>
-        </p:style>
-        <p:txBody>
-          <a:bodyPr rtlCol="0" anchor="ctr"/>
-          <a:lstStyle/>
-          <a:p>
-            <a:pPr algn="ctr"/>
-            <a:r>
-              <a:rPr lang="en-US" sz="1000" dirty="0">
+            <a:r>
+              <a:rPr lang="en-US" sz="933" dirty="0">
                 <a:solidFill>
-                  <a:schemeClr val="bg1"/>
+                  <a:schemeClr val="tx1"/>
                 </a:solidFill>
                 <a:latin typeface="Arial" panose="020B0604020202020204" pitchFamily="34" charset="0"/>
                 <a:ea typeface="Menlo" panose="020B0609030804020204" pitchFamily="49" charset="0"/>
                 <a:cs typeface="Arial" panose="020B0604020202020204" pitchFamily="34" charset="0"/>
               </a:rPr>
-              <a:t>zssServer</a:t>
-            </a:r>
-          </a:p>
-        </p:txBody>
-      </p:sp>
-      <p:sp>
-        <p:nvSpPr>
-          <p:cNvPr id="165" name="TextBox 164">
-            <a:extLst>
-              <a:ext uri="{FF2B5EF4-FFF2-40B4-BE49-F238E27FC236}">
-                <a16:creationId xmlns:a16="http://schemas.microsoft.com/office/drawing/2014/main" id="{98BE9BD7-4826-415A-9A9C-536DC0350C0B}"/>
-              </a:ext>
-            </a:extLst>
-          </p:cNvPr>
-          <p:cNvSpPr txBox="1"/>
-          <p:nvPr/>
-        </p:nvSpPr>
-        <p:spPr>
-          <a:xfrm>
-            <a:off x="2398370" y="5149643"/>
-            <a:ext cx="498855" cy="261610"/>
-          </a:xfrm>
-          <a:prstGeom prst="rect">
-            <a:avLst/>
-          </a:prstGeom>
-          <a:noFill/>
-        </p:spPr>
-        <p:txBody>
-          <a:bodyPr wrap="none" rtlCol="0">
-            <a:spAutoFit/>
-          </a:bodyPr>
-          <a:lstStyle/>
-          <a:p>
-            <a:r>
-              <a:rPr lang="en-US" sz="1100" dirty="0">
-                <a:latin typeface="Arial" panose="020B0604020202020204" pitchFamily="34" charset="0"/>
-                <a:ea typeface="Menlo" panose="020B0609030804020204" pitchFamily="49" charset="0"/>
-                <a:cs typeface="Arial" panose="020B0604020202020204" pitchFamily="34" charset="0"/>
-              </a:rPr>
-              <a:t>7557</a:t>
-            </a:r>
-          </a:p>
-        </p:txBody>
-      </p:sp>
-      <p:sp>
-        <p:nvSpPr>
-          <p:cNvPr id="166" name="Rectangle 165">
-            <a:extLst>
-              <a:ext uri="{FF2B5EF4-FFF2-40B4-BE49-F238E27FC236}">
-                <a16:creationId xmlns:a16="http://schemas.microsoft.com/office/drawing/2014/main" id="{ED7E91CD-0C04-429F-AC2C-C5E60A3DB131}"/>
-              </a:ext>
-            </a:extLst>
-          </p:cNvPr>
-          <p:cNvSpPr/>
-          <p:nvPr/>
-        </p:nvSpPr>
-        <p:spPr>
-          <a:xfrm>
-            <a:off x="1346903" y="6408900"/>
-            <a:ext cx="1128765" cy="276391"/>
-          </a:xfrm>
-          <a:prstGeom prst="rect">
-            <a:avLst/>
-          </a:prstGeom>
-          <a:solidFill>
-            <a:srgbClr val="7030A0">
-              <a:alpha val="75000"/>
-            </a:srgbClr>
-          </a:solidFill>
-        </p:spPr>
-        <p:style>
-          <a:lnRef idx="2">
-            <a:schemeClr val="accent1">
-              <a:shade val="50000"/>
-            </a:schemeClr>
-          </a:lnRef>
-          <a:fillRef idx="1">
-            <a:schemeClr val="accent1"/>
-          </a:fillRef>
-          <a:effectRef idx="0">
-            <a:schemeClr val="accent1"/>
-          </a:effectRef>
-          <a:fontRef idx="minor">
-            <a:schemeClr val="lt1"/>
-          </a:fontRef>
-        </p:style>
-        <p:txBody>
-          <a:bodyPr rtlCol="0" anchor="ctr"/>
-          <a:lstStyle/>
-          <a:p>
-            <a:pPr algn="ctr"/>
-            <a:r>
-              <a:rPr lang="en-US" sz="1000">
-                <a:solidFill>
-                  <a:schemeClr val="bg1"/>
-                </a:solidFill>
-                <a:latin typeface="Arial" panose="020B0604020202020204" pitchFamily="34" charset="0"/>
-                <a:ea typeface="Menlo" panose="020B0609030804020204" pitchFamily="49" charset="0"/>
-                <a:cs typeface="Arial" panose="020B0604020202020204" pitchFamily="34" charset="0"/>
-              </a:rPr>
-              <a:t>ZWESIS01</a:t>
-            </a:r>
-          </a:p>
-        </p:txBody>
-      </p:sp>
-      <p:sp>
-        <p:nvSpPr>
-          <p:cNvPr id="167" name="TextBox 166">
-            <a:extLst>
-              <a:ext uri="{FF2B5EF4-FFF2-40B4-BE49-F238E27FC236}">
-                <a16:creationId xmlns:a16="http://schemas.microsoft.com/office/drawing/2014/main" id="{6EBB9675-F305-4C36-8B0B-8D4615731486}"/>
-              </a:ext>
-            </a:extLst>
-          </p:cNvPr>
-          <p:cNvSpPr txBox="1"/>
-          <p:nvPr/>
-        </p:nvSpPr>
-        <p:spPr>
-          <a:xfrm>
-            <a:off x="1317575" y="6085628"/>
-            <a:ext cx="673582" cy="261610"/>
-          </a:xfrm>
-          <a:prstGeom prst="rect">
-            <a:avLst/>
-          </a:prstGeom>
-          <a:noFill/>
-        </p:spPr>
-        <p:txBody>
-          <a:bodyPr wrap="none" rtlCol="0">
-            <a:spAutoFit/>
-          </a:bodyPr>
-          <a:lstStyle/>
-          <a:p>
-            <a:r>
-              <a:rPr lang="en-US" sz="1100" dirty="0">
-                <a:latin typeface="Arial" panose="020B0604020202020204" pitchFamily="34" charset="0"/>
-                <a:ea typeface="Menlo" panose="020B0609030804020204" pitchFamily="49" charset="0"/>
-                <a:cs typeface="Arial" panose="020B0604020202020204" pitchFamily="34" charset="0"/>
-              </a:rPr>
-              <a:t>ZIS.      </a:t>
-            </a:r>
-          </a:p>
-        </p:txBody>
-      </p:sp>
-      <p:sp>
-        <p:nvSpPr>
-          <p:cNvPr id="168" name="TextBox 167">
-            <a:extLst>
-              <a:ext uri="{FF2B5EF4-FFF2-40B4-BE49-F238E27FC236}">
-                <a16:creationId xmlns:a16="http://schemas.microsoft.com/office/drawing/2014/main" id="{F601146E-2F4F-40DA-8DB1-D87E15573D25}"/>
-              </a:ext>
-            </a:extLst>
-          </p:cNvPr>
-          <p:cNvSpPr txBox="1"/>
-          <p:nvPr/>
-        </p:nvSpPr>
-        <p:spPr>
-          <a:xfrm>
-            <a:off x="34719" y="6044536"/>
-            <a:ext cx="1024727" cy="276999"/>
-          </a:xfrm>
-          <a:prstGeom prst="rect">
-            <a:avLst/>
-          </a:prstGeom>
-          <a:solidFill>
-            <a:schemeClr val="tx1"/>
-          </a:solidFill>
-        </p:spPr>
-        <p:txBody>
-          <a:bodyPr wrap="square" rtlCol="0">
-            <a:spAutoFit/>
-          </a:bodyPr>
-          <a:lstStyle/>
-          <a:p>
-            <a:r>
-              <a:rPr lang="en-US" sz="1200" dirty="0">
-                <a:solidFill>
-                  <a:schemeClr val="accent6">
-                    <a:lumMod val="75000"/>
-                  </a:schemeClr>
-                </a:solidFill>
-                <a:latin typeface="Arial" panose="020B0604020202020204" pitchFamily="34" charset="0"/>
-                <a:cs typeface="Arial" panose="020B0604020202020204" pitchFamily="34" charset="0"/>
-              </a:rPr>
-              <a:t>ZWESISTC</a:t>
-            </a:r>
-          </a:p>
-        </p:txBody>
-      </p:sp>
-      <p:sp>
-        <p:nvSpPr>
-          <p:cNvPr id="169" name="TextBox 168">
-            <a:extLst>
-              <a:ext uri="{FF2B5EF4-FFF2-40B4-BE49-F238E27FC236}">
-                <a16:creationId xmlns:a16="http://schemas.microsoft.com/office/drawing/2014/main" id="{FD21441A-95DE-4CDC-ACB2-7051E58F49B5}"/>
-              </a:ext>
-            </a:extLst>
-          </p:cNvPr>
-          <p:cNvSpPr txBox="1"/>
-          <p:nvPr/>
-        </p:nvSpPr>
-        <p:spPr>
-          <a:xfrm>
-            <a:off x="1277387" y="5808730"/>
-            <a:ext cx="1213794" cy="261610"/>
-          </a:xfrm>
-          <a:prstGeom prst="rect">
-            <a:avLst/>
-          </a:prstGeom>
-          <a:noFill/>
-        </p:spPr>
-        <p:txBody>
-          <a:bodyPr wrap="none" rtlCol="0">
-            <a:spAutoFit/>
-          </a:bodyPr>
-          <a:lstStyle/>
-          <a:p>
-            <a:r>
-              <a:rPr lang="en-US" sz="1100" dirty="0">
-                <a:latin typeface="Arial" panose="020B0604020202020204" pitchFamily="34" charset="0"/>
-                <a:ea typeface="Menlo" panose="020B0609030804020204" pitchFamily="49" charset="0"/>
-                <a:cs typeface="Arial" panose="020B0604020202020204" pitchFamily="34" charset="0"/>
-              </a:rPr>
-              <a:t>Cross   Memory</a:t>
-            </a:r>
-          </a:p>
-        </p:txBody>
-      </p:sp>
-      <p:sp>
-        <p:nvSpPr>
-          <p:cNvPr id="170" name="TextBox 169">
-            <a:extLst>
-              <a:ext uri="{FF2B5EF4-FFF2-40B4-BE49-F238E27FC236}">
-                <a16:creationId xmlns:a16="http://schemas.microsoft.com/office/drawing/2014/main" id="{A39724DF-65AA-4BD6-9A3C-9F8816D9FD3C}"/>
-              </a:ext>
-            </a:extLst>
-          </p:cNvPr>
-          <p:cNvSpPr txBox="1"/>
-          <p:nvPr/>
-        </p:nvSpPr>
-        <p:spPr>
-          <a:xfrm>
-            <a:off x="8650" y="5149643"/>
-            <a:ext cx="1023037" cy="276999"/>
-          </a:xfrm>
-          <a:prstGeom prst="rect">
-            <a:avLst/>
-          </a:prstGeom>
-          <a:solidFill>
-            <a:schemeClr val="tx1"/>
-          </a:solidFill>
-        </p:spPr>
-        <p:txBody>
-          <a:bodyPr wrap="none" rtlCol="0">
-            <a:spAutoFit/>
-          </a:bodyPr>
-          <a:lstStyle/>
-          <a:p>
-            <a:r>
-              <a:rPr lang="en-US" sz="1200" dirty="0">
-                <a:solidFill>
-                  <a:schemeClr val="accent6">
-                    <a:lumMod val="75000"/>
-                  </a:schemeClr>
-                </a:solidFill>
-                <a:latin typeface="Arial" panose="020B0604020202020204" pitchFamily="34" charset="0"/>
-                <a:cs typeface="Arial" panose="020B0604020202020204" pitchFamily="34" charset="0"/>
-              </a:rPr>
-              <a:t>ZWESLSTC</a:t>
-            </a:r>
-          </a:p>
-        </p:txBody>
-      </p:sp>
-      <p:sp>
-        <p:nvSpPr>
-          <p:cNvPr id="171" name="TextBox 170">
-            <a:extLst>
-              <a:ext uri="{FF2B5EF4-FFF2-40B4-BE49-F238E27FC236}">
-                <a16:creationId xmlns:a16="http://schemas.microsoft.com/office/drawing/2014/main" id="{A324F1BF-BD6E-4FAF-A169-67826A0E9D7D}"/>
-              </a:ext>
-            </a:extLst>
-          </p:cNvPr>
-          <p:cNvSpPr txBox="1"/>
-          <p:nvPr/>
-        </p:nvSpPr>
-        <p:spPr>
-          <a:xfrm>
-            <a:off x="1106340" y="5481496"/>
-            <a:ext cx="1590500" cy="276999"/>
-          </a:xfrm>
-          <a:prstGeom prst="rect">
-            <a:avLst/>
-          </a:prstGeom>
-          <a:noFill/>
-        </p:spPr>
-        <p:txBody>
-          <a:bodyPr wrap="none" rtlCol="0">
-            <a:spAutoFit/>
-          </a:bodyPr>
-          <a:lstStyle/>
-          <a:p>
-            <a:r>
-              <a:rPr lang="en-US" sz="1200" dirty="0">
-                <a:latin typeface="Arial" panose="020B0604020202020204" pitchFamily="34" charset="0"/>
-                <a:cs typeface="Arial" panose="020B0604020202020204" pitchFamily="34" charset="0"/>
-              </a:rPr>
-              <a:t>Running  under USS</a:t>
+              <a:t>ZAAS</a:t>
             </a:r>
           </a:p>
         </p:txBody>
       </p:sp>
       <p:cxnSp>
         <p:nvCxnSpPr>
-          <p:cNvPr id="172" name="Straight Arrow Connector 171">
-            <a:extLst>
-              <a:ext uri="{FF2B5EF4-FFF2-40B4-BE49-F238E27FC236}">
-                <a16:creationId xmlns:a16="http://schemas.microsoft.com/office/drawing/2014/main" id="{39CAC4BC-9C1B-474B-9688-88DA07D75D3F}"/>
+          <p:cNvPr id="45" name="Straight Arrow Connector 44">
+            <a:extLst>
+              <a:ext uri="{FF2B5EF4-FFF2-40B4-BE49-F238E27FC236}">
+                <a16:creationId xmlns:a16="http://schemas.microsoft.com/office/drawing/2014/main" id="{836D05F4-9E37-997E-84BA-DE1BD9EDE1E4}"/>
               </a:ext>
             </a:extLst>
           </p:cNvPr>
@@ -15138,15 +15518,14 @@
           <p:nvPr/>
         </p:nvCxnSpPr>
         <p:spPr>
-          <a:xfrm>
-            <a:off x="1783255" y="5531605"/>
-            <a:ext cx="0" cy="877295"/>
+          <a:xfrm flipH="1">
+            <a:off x="4034104" y="3072214"/>
+            <a:ext cx="42112" cy="2077429"/>
           </a:xfrm>
           <a:prstGeom prst="straightConnector1">
             <a:avLst/>
           </a:prstGeom>
           <a:ln>
-            <a:prstDash val="solid"/>
             <a:headEnd type="triangle"/>
             <a:tailEnd type="triangle"/>
           </a:ln>
@@ -15166,98 +15545,45 @@
           </a:fontRef>
         </p:style>
       </p:cxnSp>
-      <p:cxnSp>
-        <p:nvCxnSpPr>
-          <p:cNvPr id="173" name="Elbow Connector 156">
-            <a:extLst>
-              <a:ext uri="{FF2B5EF4-FFF2-40B4-BE49-F238E27FC236}">
-                <a16:creationId xmlns:a16="http://schemas.microsoft.com/office/drawing/2014/main" id="{8FE49208-9E16-418A-B219-F39C041D877A}"/>
-              </a:ext>
-            </a:extLst>
-          </p:cNvPr>
-          <p:cNvCxnSpPr>
-            <a:cxnSpLocks/>
-          </p:cNvCxnSpPr>
-          <p:nvPr/>
-        </p:nvCxnSpPr>
-        <p:spPr>
-          <a:xfrm rot="10800000" flipV="1">
-            <a:off x="2418099" y="4728714"/>
-            <a:ext cx="1798937" cy="658139"/>
-          </a:xfrm>
-          <a:prstGeom prst="bentConnector3">
-            <a:avLst>
-              <a:gd name="adj1" fmla="val 50000"/>
-            </a:avLst>
-          </a:prstGeom>
-          <a:ln>
-            <a:prstDash val="solid"/>
-            <a:headEnd type="triangle"/>
-            <a:tailEnd type="triangle"/>
-          </a:ln>
-        </p:spPr>
-        <p:style>
-          <a:lnRef idx="1">
-            <a:schemeClr val="accent1"/>
-          </a:lnRef>
-          <a:fillRef idx="0">
-            <a:schemeClr val="accent1"/>
-          </a:fillRef>
-          <a:effectRef idx="0">
-            <a:schemeClr val="accent1"/>
-          </a:effectRef>
-          <a:fontRef idx="minor">
-            <a:schemeClr val="tx1"/>
-          </a:fontRef>
-        </p:style>
-      </p:cxnSp>
-      <p:pic>
-        <p:nvPicPr>
-          <p:cNvPr id="2" name="Picture 2">
-            <a:extLst>
-              <a:ext uri="{FF2B5EF4-FFF2-40B4-BE49-F238E27FC236}">
-                <a16:creationId xmlns:a16="http://schemas.microsoft.com/office/drawing/2014/main" id="{D62F1F07-DCC5-0BE3-6C38-3AFAC731FB90}"/>
-              </a:ext>
-            </a:extLst>
-          </p:cNvPr>
-          <p:cNvPicPr>
-            <a:picLocks noChangeAspect="1" noChangeArrowheads="1"/>
-          </p:cNvPicPr>
-          <p:nvPr/>
-        </p:nvPicPr>
-        <p:blipFill>
-          <a:blip r:embed="rId10">
-            <a:extLst>
-              <a:ext uri="{28A0092B-C50C-407E-A947-70E740481C1C}">
-                <a14:useLocalDpi xmlns:a14="http://schemas.microsoft.com/office/drawing/2010/main" val="0"/>
-              </a:ext>
-            </a:extLst>
-          </a:blip>
-          <a:srcRect/>
-          <a:stretch>
-            <a:fillRect/>
-          </a:stretch>
-        </p:blipFill>
-        <p:spPr bwMode="auto">
-          <a:xfrm>
-            <a:off x="8971201" y="106592"/>
-            <a:ext cx="270766" cy="270766"/>
+      <p:sp>
+        <p:nvSpPr>
+          <p:cNvPr id="51" name="TextBox 50">
+            <a:extLst>
+              <a:ext uri="{FF2B5EF4-FFF2-40B4-BE49-F238E27FC236}">
+                <a16:creationId xmlns:a16="http://schemas.microsoft.com/office/drawing/2014/main" id="{F141FC08-8237-CFD0-1129-F24E8C05BFC0}"/>
+              </a:ext>
+            </a:extLst>
+          </p:cNvPr>
+          <p:cNvSpPr txBox="1"/>
+          <p:nvPr/>
+        </p:nvSpPr>
+        <p:spPr>
+          <a:xfrm>
+            <a:off x="3564128" y="4956049"/>
+            <a:ext cx="498855" cy="261610"/>
           </a:xfrm>
           <a:prstGeom prst="rect">
             <a:avLst/>
           </a:prstGeom>
           <a:noFill/>
-          <a:extLst>
-            <a:ext uri="{909E8E84-426E-40DD-AFC4-6F175D3DCCD1}">
-              <a14:hiddenFill xmlns:a14="http://schemas.microsoft.com/office/drawing/2010/main">
-                <a:solidFill>
-                  <a:srgbClr val="FFFFFF"/>
-                </a:solidFill>
-              </a14:hiddenFill>
-            </a:ext>
-          </a:extLst>
-        </p:spPr>
-      </p:pic>
+        </p:spPr>
+        <p:txBody>
+          <a:bodyPr wrap="none" rtlCol="0">
+            <a:spAutoFit/>
+          </a:bodyPr>
+          <a:lstStyle/>
+          <a:p>
+            <a:r>
+              <a:rPr lang="en-US" sz="1100" dirty="0">
+                <a:latin typeface="Arial" panose="020B0604020202020204" pitchFamily="34" charset="0"/>
+                <a:ea typeface="Menlo" panose="020B0609030804020204" pitchFamily="49" charset="0"/>
+                <a:cs typeface="Arial" panose="020B0604020202020204" pitchFamily="34" charset="0"/>
+              </a:rPr>
+              <a:t>7558</a:t>
+            </a:r>
+          </a:p>
+        </p:txBody>
+      </p:sp>
     </p:spTree>
     <p:extLst>
       <p:ext uri="{BB962C8B-B14F-4D97-AF65-F5344CB8AC3E}">
@@ -15302,58 +15628,6 @@
       </p:grpSpPr>
       <p:sp>
         <p:nvSpPr>
-          <p:cNvPr id="2" name="Rectangle 1">
-            <a:extLst>
-              <a:ext uri="{FF2B5EF4-FFF2-40B4-BE49-F238E27FC236}">
-                <a16:creationId xmlns:a16="http://schemas.microsoft.com/office/drawing/2014/main" id="{2EC5A686-03C7-2614-D093-D1AFE99AFD6F}"/>
-              </a:ext>
-            </a:extLst>
-          </p:cNvPr>
-          <p:cNvSpPr/>
-          <p:nvPr/>
-        </p:nvSpPr>
-        <p:spPr>
-          <a:xfrm>
-            <a:off x="0" y="0"/>
-            <a:ext cx="12192000" cy="6858000"/>
-          </a:xfrm>
-          <a:prstGeom prst="rect">
-            <a:avLst/>
-          </a:prstGeom>
-          <a:solidFill>
-            <a:schemeClr val="bg1"/>
-          </a:solidFill>
-          <a:ln>
-            <a:noFill/>
-          </a:ln>
-        </p:spPr>
-        <p:style>
-          <a:lnRef idx="2">
-            <a:schemeClr val="accent1">
-              <a:shade val="15000"/>
-            </a:schemeClr>
-          </a:lnRef>
-          <a:fillRef idx="1">
-            <a:schemeClr val="accent1"/>
-          </a:fillRef>
-          <a:effectRef idx="0">
-            <a:schemeClr val="accent1"/>
-          </a:effectRef>
-          <a:fontRef idx="minor">
-            <a:schemeClr val="lt1"/>
-          </a:fontRef>
-        </p:style>
-        <p:txBody>
-          <a:bodyPr rtlCol="0" anchor="ctr"/>
-          <a:lstStyle/>
-          <a:p>
-            <a:pPr algn="ctr"/>
-            <a:endParaRPr lang="en-US"/>
-          </a:p>
-        </p:txBody>
-      </p:sp>
-      <p:sp>
-        <p:nvSpPr>
           <p:cNvPr id="94" name="Rectangle 93">
             <a:extLst>
               <a:ext uri="{FF2B5EF4-FFF2-40B4-BE49-F238E27FC236}">
@@ -15413,6 +15687,71 @@
               </a:rPr>
               <a:t>Zowe CLI running in desktop shell</a:t>
             </a:r>
+          </a:p>
+        </p:txBody>
+      </p:sp>
+      <p:sp>
+        <p:nvSpPr>
+          <p:cNvPr id="4" name="Rectangle 3">
+            <a:extLst>
+              <a:ext uri="{FF2B5EF4-FFF2-40B4-BE49-F238E27FC236}">
+                <a16:creationId xmlns:a16="http://schemas.microsoft.com/office/drawing/2014/main" id="{6E3B5BFA-9797-CB0B-931C-62976E745EFD}"/>
+              </a:ext>
+            </a:extLst>
+          </p:cNvPr>
+          <p:cNvSpPr/>
+          <p:nvPr/>
+        </p:nvSpPr>
+        <p:spPr>
+          <a:xfrm>
+            <a:off x="1083504" y="5150514"/>
+            <a:ext cx="3116174" cy="582160"/>
+          </a:xfrm>
+          <a:prstGeom prst="rect">
+            <a:avLst/>
+          </a:prstGeom>
+          <a:solidFill>
+            <a:srgbClr val="F2F2F2"/>
+          </a:solidFill>
+          <a:ln>
+            <a:solidFill>
+              <a:schemeClr val="bg1">
+                <a:lumMod val="50000"/>
+              </a:schemeClr>
+            </a:solidFill>
+          </a:ln>
+        </p:spPr>
+        <p:style>
+          <a:lnRef idx="2">
+            <a:schemeClr val="accent1">
+              <a:shade val="50000"/>
+            </a:schemeClr>
+          </a:lnRef>
+          <a:fillRef idx="1">
+            <a:schemeClr val="accent1"/>
+          </a:fillRef>
+          <a:effectRef idx="0">
+            <a:schemeClr val="accent1"/>
+          </a:effectRef>
+          <a:fontRef idx="minor">
+            <a:schemeClr val="lt1"/>
+          </a:fontRef>
+        </p:style>
+        <p:txBody>
+          <a:bodyPr rtlCol="0" anchor="ctr"/>
+          <a:lstStyle/>
+          <a:p>
+            <a:pPr algn="ctr"/>
+            <a:endParaRPr lang="en-US" sz="1400" dirty="0">
+              <a:solidFill>
+                <a:schemeClr val="accent6">
+                  <a:lumMod val="60000"/>
+                  <a:lumOff val="40000"/>
+                </a:schemeClr>
+              </a:solidFill>
+              <a:latin typeface="Arial" panose="020B0604020202020204" pitchFamily="34" charset="0"/>
+              <a:cs typeface="Arial" panose="020B0604020202020204" pitchFamily="34" charset="0"/>
+            </a:endParaRPr>
           </a:p>
         </p:txBody>
       </p:sp>
@@ -16926,7 +17265,7 @@
         </p:nvCxnSpPr>
         <p:spPr>
           <a:xfrm>
-            <a:off x="2597275" y="3062373"/>
+            <a:off x="2869780" y="3062373"/>
             <a:ext cx="8982" cy="310677"/>
           </a:xfrm>
           <a:prstGeom prst="straightConnector1">
@@ -16968,7 +17307,7 @@
         </p:nvCxnSpPr>
         <p:spPr>
           <a:xfrm>
-            <a:off x="3421474" y="3078000"/>
+            <a:off x="3693979" y="3078000"/>
             <a:ext cx="0" cy="304147"/>
           </a:xfrm>
           <a:prstGeom prst="straightConnector1">
@@ -17089,7 +17428,7 @@
         </p:nvSpPr>
         <p:spPr>
           <a:xfrm>
-            <a:off x="2152153" y="3122022"/>
+            <a:off x="2424658" y="3122022"/>
             <a:ext cx="498855" cy="261610"/>
           </a:xfrm>
           <a:prstGeom prst="rect">
@@ -17128,7 +17467,7 @@
         </p:nvSpPr>
         <p:spPr>
           <a:xfrm>
-            <a:off x="2933592" y="3124249"/>
+            <a:off x="3206097" y="3124249"/>
             <a:ext cx="536683" cy="261610"/>
           </a:xfrm>
           <a:prstGeom prst="rect">
@@ -20331,7 +20670,7 @@
         </p:nvSpPr>
         <p:spPr>
           <a:xfrm>
-            <a:off x="1251005" y="3115398"/>
+            <a:off x="1523510" y="3115398"/>
             <a:ext cx="498855" cy="261610"/>
           </a:xfrm>
           <a:prstGeom prst="rect">
@@ -20372,7 +20711,7 @@
         </p:nvCxnSpPr>
         <p:spPr>
           <a:xfrm>
-            <a:off x="1755014" y="3081315"/>
+            <a:off x="2027519" y="3081315"/>
             <a:ext cx="0" cy="304147"/>
           </a:xfrm>
           <a:prstGeom prst="straightConnector1">
@@ -20524,10 +20863,10 @@
       </p:sp>
       <p:sp>
         <p:nvSpPr>
-          <p:cNvPr id="152" name="Rectangle 151">
-            <a:extLst>
-              <a:ext uri="{FF2B5EF4-FFF2-40B4-BE49-F238E27FC236}">
-                <a16:creationId xmlns:a16="http://schemas.microsoft.com/office/drawing/2014/main" id="{E278F128-E485-4C1D-BC41-AF28476CB110}"/>
+          <p:cNvPr id="153" name="Rectangle 152">
+            <a:extLst>
+              <a:ext uri="{FF2B5EF4-FFF2-40B4-BE49-F238E27FC236}">
+                <a16:creationId xmlns:a16="http://schemas.microsoft.com/office/drawing/2014/main" id="{2086C1E4-CF80-4A6E-B02C-7C3B9778E825}"/>
               </a:ext>
             </a:extLst>
           </p:cNvPr>
@@ -20536,22 +20875,19 @@
         </p:nvSpPr>
         <p:spPr>
           <a:xfrm>
-            <a:off x="1083504" y="5150514"/>
-            <a:ext cx="1932261" cy="582160"/>
+            <a:off x="1118495" y="6039568"/>
+            <a:ext cx="1512227" cy="727780"/>
           </a:xfrm>
           <a:prstGeom prst="rect">
             <a:avLst/>
           </a:prstGeom>
           <a:solidFill>
-            <a:srgbClr val="F2F2F2"/>
+            <a:schemeClr val="accent4">
+              <a:lumMod val="40000"/>
+              <a:lumOff val="60000"/>
+              <a:alpha val="50000"/>
+            </a:schemeClr>
           </a:solidFill>
-          <a:ln>
-            <a:solidFill>
-              <a:schemeClr val="bg1">
-                <a:lumMod val="50000"/>
-              </a:schemeClr>
-            </a:solidFill>
-          </a:ln>
         </p:spPr>
         <p:style>
           <a:lnRef idx="2">
@@ -20574,172 +20910,10 @@
           <a:lstStyle/>
           <a:p>
             <a:pPr algn="ctr"/>
-            <a:endParaRPr lang="en-US" sz="1400" dirty="0">
-              <a:solidFill>
-                <a:schemeClr val="accent6">
-                  <a:lumMod val="60000"/>
-                  <a:lumOff val="40000"/>
-                </a:schemeClr>
-              </a:solidFill>
-              <a:latin typeface="Arial" panose="020B0604020202020204" pitchFamily="34" charset="0"/>
-              <a:cs typeface="Arial" panose="020B0604020202020204" pitchFamily="34" charset="0"/>
-            </a:endParaRPr>
-          </a:p>
-        </p:txBody>
-      </p:sp>
-      <p:sp>
-        <p:nvSpPr>
-          <p:cNvPr id="153" name="Rectangle 152">
-            <a:extLst>
-              <a:ext uri="{FF2B5EF4-FFF2-40B4-BE49-F238E27FC236}">
-                <a16:creationId xmlns:a16="http://schemas.microsoft.com/office/drawing/2014/main" id="{2086C1E4-CF80-4A6E-B02C-7C3B9778E825}"/>
-              </a:ext>
-            </a:extLst>
-          </p:cNvPr>
-          <p:cNvSpPr/>
-          <p:nvPr/>
-        </p:nvSpPr>
-        <p:spPr>
-          <a:xfrm>
-            <a:off x="1118495" y="6039568"/>
-            <a:ext cx="1512227" cy="727780"/>
-          </a:xfrm>
-          <a:prstGeom prst="rect">
-            <a:avLst/>
-          </a:prstGeom>
-          <a:solidFill>
-            <a:schemeClr val="accent4">
-              <a:lumMod val="40000"/>
-              <a:lumOff val="60000"/>
-              <a:alpha val="50000"/>
-            </a:schemeClr>
-          </a:solidFill>
-        </p:spPr>
-        <p:style>
-          <a:lnRef idx="2">
-            <a:schemeClr val="accent1">
-              <a:shade val="50000"/>
-            </a:schemeClr>
-          </a:lnRef>
-          <a:fillRef idx="1">
-            <a:schemeClr val="accent1"/>
-          </a:fillRef>
-          <a:effectRef idx="0">
-            <a:schemeClr val="accent1"/>
-          </a:effectRef>
-          <a:fontRef idx="minor">
-            <a:schemeClr val="lt1"/>
-          </a:fontRef>
-        </p:style>
-        <p:txBody>
-          <a:bodyPr rtlCol="0" anchor="ctr"/>
-          <a:lstStyle/>
-          <a:p>
-            <a:pPr algn="ctr"/>
             <a:endParaRPr lang="en-US">
               <a:latin typeface="Arial" panose="020B0604020202020204" pitchFamily="34" charset="0"/>
               <a:cs typeface="Arial" panose="020B0604020202020204" pitchFamily="34" charset="0"/>
             </a:endParaRPr>
-          </a:p>
-        </p:txBody>
-      </p:sp>
-      <p:sp>
-        <p:nvSpPr>
-          <p:cNvPr id="156" name="Rectangle 155">
-            <a:extLst>
-              <a:ext uri="{FF2B5EF4-FFF2-40B4-BE49-F238E27FC236}">
-                <a16:creationId xmlns:a16="http://schemas.microsoft.com/office/drawing/2014/main" id="{ACDB2D42-D175-4250-AB69-9259487437EF}"/>
-              </a:ext>
-            </a:extLst>
-          </p:cNvPr>
-          <p:cNvSpPr/>
-          <p:nvPr/>
-        </p:nvSpPr>
-        <p:spPr>
-          <a:xfrm>
-            <a:off x="1289331" y="5224638"/>
-            <a:ext cx="1128765" cy="276391"/>
-          </a:xfrm>
-          <a:prstGeom prst="rect">
-            <a:avLst/>
-          </a:prstGeom>
-          <a:solidFill>
-            <a:srgbClr val="7030A0">
-              <a:alpha val="75000"/>
-            </a:srgbClr>
-          </a:solidFill>
-        </p:spPr>
-        <p:style>
-          <a:lnRef idx="2">
-            <a:schemeClr val="accent1">
-              <a:shade val="50000"/>
-            </a:schemeClr>
-          </a:lnRef>
-          <a:fillRef idx="1">
-            <a:schemeClr val="accent1"/>
-          </a:fillRef>
-          <a:effectRef idx="0">
-            <a:schemeClr val="accent1"/>
-          </a:effectRef>
-          <a:fontRef idx="minor">
-            <a:schemeClr val="lt1"/>
-          </a:fontRef>
-        </p:style>
-        <p:txBody>
-          <a:bodyPr rtlCol="0" anchor="ctr"/>
-          <a:lstStyle/>
-          <a:p>
-            <a:pPr algn="ctr"/>
-            <a:r>
-              <a:rPr lang="en-US" sz="1000" dirty="0">
-                <a:solidFill>
-                  <a:schemeClr val="bg1"/>
-                </a:solidFill>
-                <a:latin typeface="Arial" panose="020B0604020202020204" pitchFamily="34" charset="0"/>
-                <a:ea typeface="Menlo" panose="020B0609030804020204" pitchFamily="49" charset="0"/>
-                <a:cs typeface="Arial" panose="020B0604020202020204" pitchFamily="34" charset="0"/>
-              </a:rPr>
-              <a:t>zssServer</a:t>
-            </a:r>
-          </a:p>
-        </p:txBody>
-      </p:sp>
-      <p:sp>
-        <p:nvSpPr>
-          <p:cNvPr id="165" name="TextBox 164">
-            <a:extLst>
-              <a:ext uri="{FF2B5EF4-FFF2-40B4-BE49-F238E27FC236}">
-                <a16:creationId xmlns:a16="http://schemas.microsoft.com/office/drawing/2014/main" id="{98BE9BD7-4826-415A-9A9C-536DC0350C0B}"/>
-              </a:ext>
-            </a:extLst>
-          </p:cNvPr>
-          <p:cNvSpPr txBox="1"/>
-          <p:nvPr/>
-        </p:nvSpPr>
-        <p:spPr>
-          <a:xfrm>
-            <a:off x="2398370" y="5149643"/>
-            <a:ext cx="498855" cy="261610"/>
-          </a:xfrm>
-          <a:prstGeom prst="rect">
-            <a:avLst/>
-          </a:prstGeom>
-          <a:noFill/>
-        </p:spPr>
-        <p:txBody>
-          <a:bodyPr wrap="none" rtlCol="0">
-            <a:spAutoFit/>
-          </a:bodyPr>
-          <a:lstStyle/>
-          <a:p>
-            <a:r>
-              <a:rPr lang="en-US" sz="1100" dirty="0">
-                <a:latin typeface="Arial" panose="020B0604020202020204" pitchFamily="34" charset="0"/>
-                <a:ea typeface="Menlo" panose="020B0609030804020204" pitchFamily="49" charset="0"/>
-                <a:cs typeface="Arial" panose="020B0604020202020204" pitchFamily="34" charset="0"/>
-              </a:rPr>
-              <a:t>7557</a:t>
-            </a:r>
           </a:p>
         </p:txBody>
       </p:sp>
@@ -21031,51 +21205,6 @@
           </a:xfrm>
           <a:prstGeom prst="straightConnector1">
             <a:avLst/>
-          </a:prstGeom>
-          <a:ln>
-            <a:prstDash val="solid"/>
-            <a:headEnd type="triangle"/>
-            <a:tailEnd type="triangle"/>
-          </a:ln>
-        </p:spPr>
-        <p:style>
-          <a:lnRef idx="1">
-            <a:schemeClr val="accent1"/>
-          </a:lnRef>
-          <a:fillRef idx="0">
-            <a:schemeClr val="accent1"/>
-          </a:fillRef>
-          <a:effectRef idx="0">
-            <a:schemeClr val="accent1"/>
-          </a:effectRef>
-          <a:fontRef idx="minor">
-            <a:schemeClr val="tx1"/>
-          </a:fontRef>
-        </p:style>
-      </p:cxnSp>
-      <p:cxnSp>
-        <p:nvCxnSpPr>
-          <p:cNvPr id="173" name="Elbow Connector 156">
-            <a:extLst>
-              <a:ext uri="{FF2B5EF4-FFF2-40B4-BE49-F238E27FC236}">
-                <a16:creationId xmlns:a16="http://schemas.microsoft.com/office/drawing/2014/main" id="{8FE49208-9E16-418A-B219-F39C041D877A}"/>
-              </a:ext>
-            </a:extLst>
-          </p:cNvPr>
-          <p:cNvCxnSpPr>
-            <a:cxnSpLocks/>
-          </p:cNvCxnSpPr>
-          <p:nvPr/>
-        </p:nvCxnSpPr>
-        <p:spPr>
-          <a:xfrm rot="10800000" flipV="1">
-            <a:off x="2418099" y="4728714"/>
-            <a:ext cx="1798937" cy="658139"/>
-          </a:xfrm>
-          <a:prstGeom prst="bentConnector3">
-            <a:avLst>
-              <a:gd name="adj1" fmla="val 50000"/>
-            </a:avLst>
           </a:prstGeom>
           <a:ln>
             <a:prstDash val="solid"/>
@@ -21534,7 +21663,7 @@
         <p:spPr>
           <a:xfrm>
             <a:off x="4277634" y="4292481"/>
-            <a:ext cx="760144" cy="235449"/>
+            <a:ext cx="780983" cy="235449"/>
           </a:xfrm>
           <a:prstGeom prst="rect">
             <a:avLst/>
@@ -21552,7 +21681,7 @@
                 <a:latin typeface="Arial" panose="020B0604020202020204" pitchFamily="34" charset="0"/>
                 <a:cs typeface="Arial" panose="020B0604020202020204" pitchFamily="34" charset="0"/>
               </a:rPr>
-              <a:t>App server</a:t>
+              <a:t>App Server</a:t>
             </a:r>
           </a:p>
         </p:txBody>
@@ -21571,7 +21700,7 @@
         </p:nvSpPr>
         <p:spPr>
           <a:xfrm>
-            <a:off x="2061127" y="3379469"/>
+            <a:off x="2333632" y="3379469"/>
             <a:ext cx="723375" cy="369333"/>
           </a:xfrm>
           <a:prstGeom prst="rect">
@@ -21637,7 +21766,7 @@
         </p:nvSpPr>
         <p:spPr>
           <a:xfrm>
-            <a:off x="1165958" y="3374254"/>
+            <a:off x="1438463" y="3374254"/>
             <a:ext cx="768237" cy="369333"/>
           </a:xfrm>
           <a:prstGeom prst="rect">
@@ -21721,7 +21850,7 @@
         </p:nvSpPr>
         <p:spPr>
           <a:xfrm>
-            <a:off x="1221246" y="3415709"/>
+            <a:off x="1493751" y="3415709"/>
             <a:ext cx="768237" cy="369333"/>
           </a:xfrm>
           <a:prstGeom prst="rect">
@@ -21805,7 +21934,7 @@
         </p:nvSpPr>
         <p:spPr>
           <a:xfrm>
-            <a:off x="2103743" y="3415687"/>
+            <a:off x="2376248" y="3415687"/>
             <a:ext cx="723375" cy="369333"/>
           </a:xfrm>
           <a:prstGeom prst="rect">
@@ -21871,7 +22000,7 @@
         </p:nvSpPr>
         <p:spPr>
           <a:xfrm>
-            <a:off x="1997322" y="3785400"/>
+            <a:off x="2269827" y="3785400"/>
             <a:ext cx="979755" cy="215444"/>
           </a:xfrm>
           <a:prstGeom prst="rect">
@@ -21918,7 +22047,7 @@
         </p:nvSpPr>
         <p:spPr>
           <a:xfrm>
-            <a:off x="2972311" y="3383291"/>
+            <a:off x="3244816" y="3383291"/>
             <a:ext cx="670956" cy="351196"/>
           </a:xfrm>
           <a:prstGeom prst="rect">
@@ -21988,7 +22117,7 @@
         </p:nvSpPr>
         <p:spPr>
           <a:xfrm>
-            <a:off x="3021302" y="3418413"/>
+            <a:off x="3293807" y="3418413"/>
             <a:ext cx="670956" cy="351196"/>
           </a:xfrm>
           <a:prstGeom prst="rect">
@@ -22058,7 +22187,7 @@
         </p:nvSpPr>
         <p:spPr>
           <a:xfrm>
-            <a:off x="2938650" y="3319308"/>
+            <a:off x="3211155" y="3319308"/>
             <a:ext cx="777830" cy="521672"/>
           </a:xfrm>
           <a:prstGeom prst="rect">
@@ -22184,6 +22313,299 @@
           </a:extLst>
         </p:spPr>
       </p:pic>
+      <p:sp>
+        <p:nvSpPr>
+          <p:cNvPr id="5" name="Rectangle 4">
+            <a:extLst>
+              <a:ext uri="{FF2B5EF4-FFF2-40B4-BE49-F238E27FC236}">
+                <a16:creationId xmlns:a16="http://schemas.microsoft.com/office/drawing/2014/main" id="{894F084D-BD60-9C53-77AB-6F80C297AC4B}"/>
+              </a:ext>
+            </a:extLst>
+          </p:cNvPr>
+          <p:cNvSpPr/>
+          <p:nvPr/>
+        </p:nvSpPr>
+        <p:spPr>
+          <a:xfrm>
+            <a:off x="1289331" y="5224638"/>
+            <a:ext cx="1128765" cy="276391"/>
+          </a:xfrm>
+          <a:prstGeom prst="rect">
+            <a:avLst/>
+          </a:prstGeom>
+          <a:solidFill>
+            <a:srgbClr val="7030A0">
+              <a:alpha val="75000"/>
+            </a:srgbClr>
+          </a:solidFill>
+        </p:spPr>
+        <p:style>
+          <a:lnRef idx="2">
+            <a:schemeClr val="accent1">
+              <a:shade val="50000"/>
+            </a:schemeClr>
+          </a:lnRef>
+          <a:fillRef idx="1">
+            <a:schemeClr val="accent1"/>
+          </a:fillRef>
+          <a:effectRef idx="0">
+            <a:schemeClr val="accent1"/>
+          </a:effectRef>
+          <a:fontRef idx="minor">
+            <a:schemeClr val="lt1"/>
+          </a:fontRef>
+        </p:style>
+        <p:txBody>
+          <a:bodyPr rtlCol="0" anchor="ctr"/>
+          <a:lstStyle/>
+          <a:p>
+            <a:pPr algn="ctr"/>
+            <a:r>
+              <a:rPr lang="en-US" sz="1000" dirty="0">
+                <a:solidFill>
+                  <a:schemeClr val="bg1"/>
+                </a:solidFill>
+                <a:latin typeface="Arial" panose="020B0604020202020204" pitchFamily="34" charset="0"/>
+                <a:ea typeface="Menlo" panose="020B0609030804020204" pitchFamily="49" charset="0"/>
+                <a:cs typeface="Arial" panose="020B0604020202020204" pitchFamily="34" charset="0"/>
+              </a:rPr>
+              <a:t>ZSS</a:t>
+            </a:r>
+          </a:p>
+        </p:txBody>
+      </p:sp>
+      <p:sp>
+        <p:nvSpPr>
+          <p:cNvPr id="6" name="TextBox 5">
+            <a:extLst>
+              <a:ext uri="{FF2B5EF4-FFF2-40B4-BE49-F238E27FC236}">
+                <a16:creationId xmlns:a16="http://schemas.microsoft.com/office/drawing/2014/main" id="{8A73E5E7-126F-3B9C-3B6D-C02E434F1FAA}"/>
+              </a:ext>
+            </a:extLst>
+          </p:cNvPr>
+          <p:cNvSpPr txBox="1"/>
+          <p:nvPr/>
+        </p:nvSpPr>
+        <p:spPr>
+          <a:xfrm>
+            <a:off x="1326412" y="4947740"/>
+            <a:ext cx="498855" cy="261610"/>
+          </a:xfrm>
+          <a:prstGeom prst="rect">
+            <a:avLst/>
+          </a:prstGeom>
+          <a:noFill/>
+        </p:spPr>
+        <p:txBody>
+          <a:bodyPr wrap="none" rtlCol="0">
+            <a:spAutoFit/>
+          </a:bodyPr>
+          <a:lstStyle/>
+          <a:p>
+            <a:r>
+              <a:rPr lang="en-US" sz="1100" dirty="0">
+                <a:latin typeface="Arial" panose="020B0604020202020204" pitchFamily="34" charset="0"/>
+                <a:ea typeface="Menlo" panose="020B0609030804020204" pitchFamily="49" charset="0"/>
+                <a:cs typeface="Arial" panose="020B0604020202020204" pitchFamily="34" charset="0"/>
+              </a:rPr>
+              <a:t>7557</a:t>
+            </a:r>
+          </a:p>
+        </p:txBody>
+      </p:sp>
+      <p:cxnSp>
+        <p:nvCxnSpPr>
+          <p:cNvPr id="7" name="Straight Arrow Connector 6">
+            <a:extLst>
+              <a:ext uri="{FF2B5EF4-FFF2-40B4-BE49-F238E27FC236}">
+                <a16:creationId xmlns:a16="http://schemas.microsoft.com/office/drawing/2014/main" id="{B7F173E5-88DF-3632-6988-8341C70D4CD9}"/>
+              </a:ext>
+            </a:extLst>
+          </p:cNvPr>
+          <p:cNvCxnSpPr>
+            <a:cxnSpLocks/>
+          </p:cNvCxnSpPr>
+          <p:nvPr/>
+        </p:nvCxnSpPr>
+        <p:spPr>
+          <a:xfrm>
+            <a:off x="1328775" y="3072180"/>
+            <a:ext cx="15306" cy="2137170"/>
+          </a:xfrm>
+          <a:prstGeom prst="straightConnector1">
+            <a:avLst/>
+          </a:prstGeom>
+          <a:ln>
+            <a:headEnd type="triangle"/>
+            <a:tailEnd type="triangle"/>
+          </a:ln>
+        </p:spPr>
+        <p:style>
+          <a:lnRef idx="1">
+            <a:schemeClr val="accent1"/>
+          </a:lnRef>
+          <a:fillRef idx="0">
+            <a:schemeClr val="accent1"/>
+          </a:fillRef>
+          <a:effectRef idx="0">
+            <a:schemeClr val="accent1"/>
+          </a:effectRef>
+          <a:fontRef idx="minor">
+            <a:schemeClr val="tx1"/>
+          </a:fontRef>
+        </p:style>
+      </p:cxnSp>
+      <p:sp>
+        <p:nvSpPr>
+          <p:cNvPr id="9" name="Rectangle 8">
+            <a:extLst>
+              <a:ext uri="{FF2B5EF4-FFF2-40B4-BE49-F238E27FC236}">
+                <a16:creationId xmlns:a16="http://schemas.microsoft.com/office/drawing/2014/main" id="{6B641200-7F66-C466-3639-D22048DB50B2}"/>
+              </a:ext>
+            </a:extLst>
+          </p:cNvPr>
+          <p:cNvSpPr/>
+          <p:nvPr/>
+        </p:nvSpPr>
+        <p:spPr>
+          <a:xfrm>
+            <a:off x="3403691" y="5195892"/>
+            <a:ext cx="730170" cy="351196"/>
+          </a:xfrm>
+          <a:prstGeom prst="rect">
+            <a:avLst/>
+          </a:prstGeom>
+          <a:solidFill>
+            <a:schemeClr val="accent4">
+              <a:lumMod val="60000"/>
+              <a:lumOff val="40000"/>
+              <a:alpha val="97647"/>
+            </a:schemeClr>
+          </a:solidFill>
+          <a:ln>
+            <a:solidFill>
+              <a:schemeClr val="accent4">
+                <a:lumMod val="75000"/>
+              </a:schemeClr>
+            </a:solidFill>
+          </a:ln>
+        </p:spPr>
+        <p:style>
+          <a:lnRef idx="2">
+            <a:schemeClr val="accent1">
+              <a:shade val="50000"/>
+            </a:schemeClr>
+          </a:lnRef>
+          <a:fillRef idx="1">
+            <a:schemeClr val="accent1"/>
+          </a:fillRef>
+          <a:effectRef idx="0">
+            <a:schemeClr val="accent1"/>
+          </a:effectRef>
+          <a:fontRef idx="minor">
+            <a:schemeClr val="lt1"/>
+          </a:fontRef>
+        </p:style>
+        <p:txBody>
+          <a:bodyPr rtlCol="0" anchor="ctr"/>
+          <a:lstStyle/>
+          <a:p>
+            <a:pPr algn="ctr"/>
+            <a:r>
+              <a:rPr lang="en-US" sz="933" dirty="0">
+                <a:solidFill>
+                  <a:schemeClr val="tx1"/>
+                </a:solidFill>
+                <a:latin typeface="Arial" panose="020B0604020202020204" pitchFamily="34" charset="0"/>
+                <a:ea typeface="Menlo" panose="020B0609030804020204" pitchFamily="49" charset="0"/>
+                <a:cs typeface="Arial" panose="020B0604020202020204" pitchFamily="34" charset="0"/>
+              </a:rPr>
+              <a:t>ZAAS</a:t>
+            </a:r>
+          </a:p>
+        </p:txBody>
+      </p:sp>
+      <p:cxnSp>
+        <p:nvCxnSpPr>
+          <p:cNvPr id="12" name="Straight Arrow Connector 11">
+            <a:extLst>
+              <a:ext uri="{FF2B5EF4-FFF2-40B4-BE49-F238E27FC236}">
+                <a16:creationId xmlns:a16="http://schemas.microsoft.com/office/drawing/2014/main" id="{B0B52A77-DFF4-C64F-3C7D-9638987FB72D}"/>
+              </a:ext>
+            </a:extLst>
+          </p:cNvPr>
+          <p:cNvCxnSpPr>
+            <a:cxnSpLocks/>
+          </p:cNvCxnSpPr>
+          <p:nvPr/>
+        </p:nvCxnSpPr>
+        <p:spPr>
+          <a:xfrm flipH="1">
+            <a:off x="4034104" y="3072214"/>
+            <a:ext cx="42112" cy="2077429"/>
+          </a:xfrm>
+          <a:prstGeom prst="straightConnector1">
+            <a:avLst/>
+          </a:prstGeom>
+          <a:ln>
+            <a:headEnd type="triangle"/>
+            <a:tailEnd type="triangle"/>
+          </a:ln>
+        </p:spPr>
+        <p:style>
+          <a:lnRef idx="1">
+            <a:schemeClr val="accent1"/>
+          </a:lnRef>
+          <a:fillRef idx="0">
+            <a:schemeClr val="accent1"/>
+          </a:fillRef>
+          <a:effectRef idx="0">
+            <a:schemeClr val="accent1"/>
+          </a:effectRef>
+          <a:fontRef idx="minor">
+            <a:schemeClr val="tx1"/>
+          </a